--- a/CurrentWork_Delta/CX_StrategyPowerPoint.pptx
+++ b/CurrentWork_Delta/CX_StrategyPowerPoint.pptx
@@ -7,6 +7,14 @@
   <p:sldIdLst>
     <p:sldId id="256" r:id="rId2"/>
     <p:sldId id="257" r:id="rId3"/>
+    <p:sldId id="258" r:id="rId4"/>
+    <p:sldId id="259" r:id="rId5"/>
+    <p:sldId id="260" r:id="rId6"/>
+    <p:sldId id="261" r:id="rId7"/>
+    <p:sldId id="262" r:id="rId8"/>
+    <p:sldId id="263" r:id="rId9"/>
+    <p:sldId id="264" r:id="rId10"/>
+    <p:sldId id="265" r:id="rId11"/>
   </p:sldIdLst>
   <p:sldSz cx="12192000" cy="6858000"/>
   <p:notesSz cx="6858000" cy="9144000"/>
@@ -105,6 +113,11 @@
       </a:defRPr>
     </a:lvl9pPr>
   </p:defaultTextStyle>
+  <p:extLst>
+    <p:ext uri="{EFAFB233-063F-42B5-8137-9DF3F51BA10A}">
+      <p15:sldGuideLst xmlns:p15="http://schemas.microsoft.com/office/powerpoint/2012/main"/>
+    </p:ext>
+  </p:extLst>
 </p:presentation>
 </file>
 
@@ -2975,9 +2988,14 @@
             <p:ph type="ctrTitle"/>
           </p:nvPr>
         </p:nvSpPr>
-        <p:spPr/>
-        <p:txBody>
-          <a:bodyPr/>
+        <p:spPr>
+          <a:xfrm>
+            <a:off x="1524000" y="957263"/>
+            <a:ext cx="9144000" cy="1971675"/>
+          </a:xfrm>
+        </p:spPr>
+        <p:txBody>
+          <a:bodyPr anchor="t"/>
           <a:lstStyle/>
           <a:p>
             <a:r>
@@ -3018,6 +3036,78 @@
     <p:extLst>
       <p:ext uri="{BB962C8B-B14F-4D97-AF65-F5344CB8AC3E}">
         <p14:creationId xmlns:p14="http://schemas.microsoft.com/office/powerpoint/2010/main" val="4111385876"/>
+      </p:ext>
+    </p:extLst>
+  </p:cSld>
+  <p:clrMapOvr>
+    <a:masterClrMapping/>
+  </p:clrMapOvr>
+</p:sld>
+</file>
+
+<file path=ppt/slides/slide10.xml><?xml version="1.0" encoding="utf-8"?>
+<p:sld xmlns:a="http://schemas.openxmlformats.org/drawingml/2006/main" xmlns:r="http://schemas.openxmlformats.org/officeDocument/2006/relationships" xmlns:p="http://schemas.openxmlformats.org/presentationml/2006/main">
+  <p:cSld>
+    <p:spTree>
+      <p:nvGrpSpPr>
+        <p:cNvPr id="1" name=""/>
+        <p:cNvGrpSpPr/>
+        <p:nvPr/>
+      </p:nvGrpSpPr>
+      <p:grpSpPr>
+        <a:xfrm>
+          <a:off x="0" y="0"/>
+          <a:ext cx="0" cy="0"/>
+          <a:chOff x="0" y="0"/>
+          <a:chExt cx="0" cy="0"/>
+        </a:xfrm>
+      </p:grpSpPr>
+      <p:sp>
+        <p:nvSpPr>
+          <p:cNvPr id="2" name="Title 1"/>
+          <p:cNvSpPr>
+            <a:spLocks noGrp="1"/>
+          </p:cNvSpPr>
+          <p:nvPr>
+            <p:ph type="title"/>
+          </p:nvPr>
+        </p:nvSpPr>
+        <p:spPr/>
+        <p:txBody>
+          <a:bodyPr/>
+          <a:lstStyle/>
+          <a:p>
+            <a:r>
+              <a:rPr lang="en-US" dirty="0" smtClean="0"/>
+              <a:t>CLOSING</a:t>
+            </a:r>
+            <a:endParaRPr lang="en-US" dirty="0"/>
+          </a:p>
+        </p:txBody>
+      </p:sp>
+      <p:sp>
+        <p:nvSpPr>
+          <p:cNvPr id="3" name="Content Placeholder 2"/>
+          <p:cNvSpPr>
+            <a:spLocks noGrp="1"/>
+          </p:cNvSpPr>
+          <p:nvPr>
+            <p:ph idx="1"/>
+          </p:nvPr>
+        </p:nvSpPr>
+        <p:spPr/>
+        <p:txBody>
+          <a:bodyPr/>
+          <a:lstStyle/>
+          <a:p>
+            <a:endParaRPr lang="en-US" dirty="0"/>
+          </a:p>
+        </p:txBody>
+      </p:sp>
+    </p:spTree>
+    <p:extLst>
+      <p:ext uri="{BB962C8B-B14F-4D97-AF65-F5344CB8AC3E}">
+        <p14:creationId xmlns:p14="http://schemas.microsoft.com/office/powerpoint/2010/main" val="1740675661"/>
       </p:ext>
     </p:extLst>
   </p:cSld>
@@ -3056,12 +3146,12 @@
         </p:nvSpPr>
         <p:spPr>
           <a:xfrm>
-            <a:off x="132202" y="365125"/>
-            <a:ext cx="12059798" cy="1325563"/>
+            <a:off x="0" y="214312"/>
+            <a:ext cx="12059798" cy="1333501"/>
           </a:xfrm>
         </p:spPr>
         <p:txBody>
-          <a:bodyPr/>
+          <a:bodyPr anchor="t"/>
           <a:lstStyle/>
           <a:p>
             <a:r>
@@ -3100,41 +3190,122 @@
           </a:bodyPr>
           <a:lstStyle/>
           <a:p>
+            <a:pPr>
+              <a:lnSpc>
+                <a:spcPct val="150000"/>
+              </a:lnSpc>
+              <a:spcAft>
+                <a:spcPts val="1000"/>
+              </a:spcAft>
+            </a:pPr>
             <a:r>
               <a:rPr lang="en-US" dirty="0" smtClean="0">
                 <a:effectLst/>
               </a:rPr>
-              <a:t>The Test Automation frame work leverages available open source technology</a:t>
-            </a:r>
-          </a:p>
-          <a:p>
-            <a:endParaRPr lang="en-US" dirty="0"/>
-          </a:p>
-          <a:p>
+              <a:t>The Test Automation frame work leverages available open source </a:t>
+            </a:r>
             <a:r>
               <a:rPr lang="en-US" dirty="0" smtClean="0">
                 <a:effectLst/>
               </a:rPr>
-              <a:t>gives the organization ability to leverage technology to prove the correctness of CX Web Applications and supporting technologies.</a:t>
-            </a:r>
-          </a:p>
-          <a:p>
+              <a:t>technology</a:t>
+            </a:r>
+            <a:endParaRPr lang="en-US" dirty="0"/>
+          </a:p>
+          <a:p>
+            <a:pPr>
+              <a:lnSpc>
+                <a:spcPct val="150000"/>
+              </a:lnSpc>
+              <a:spcAft>
+                <a:spcPts val="1000"/>
+              </a:spcAft>
+            </a:pPr>
             <a:r>
               <a:rPr lang="en-US" dirty="0" smtClean="0">
                 <a:effectLst/>
               </a:rPr>
-              <a:t>This documentation provides detailed explanation of CXTA, our purpose, technologies, philosophies, process, and our evolutionary plans for 2018.</a:t>
-            </a:r>
-          </a:p>
-          <a:p>
+              <a:t>CXTA validates the correctness </a:t>
+            </a:r>
             <a:r>
               <a:rPr lang="en-US" dirty="0" smtClean="0">
                 <a:effectLst/>
               </a:rPr>
-              <a:t>We will give both high level and low technical level explanation of our execution environments, products used, design approach and design methods.</a:t>
-            </a:r>
-          </a:p>
-          <a:p>
+              <a:t>of </a:t>
+            </a:r>
+            <a:r>
+              <a:rPr lang="en-US" dirty="0" smtClean="0"/>
+              <a:t>all </a:t>
+            </a:r>
+            <a:r>
+              <a:rPr lang="en-US" dirty="0" smtClean="0">
+                <a:effectLst/>
+              </a:rPr>
+              <a:t>CX </a:t>
+            </a:r>
+            <a:r>
+              <a:rPr lang="en-US" dirty="0" smtClean="0">
+                <a:effectLst/>
+              </a:rPr>
+              <a:t>Web Applications </a:t>
+            </a:r>
+            <a:endParaRPr lang="en-US" dirty="0" smtClean="0">
+              <a:effectLst/>
+            </a:endParaRPr>
+          </a:p>
+          <a:p>
+            <a:pPr>
+              <a:lnSpc>
+                <a:spcPct val="150000"/>
+              </a:lnSpc>
+              <a:spcAft>
+                <a:spcPts val="1000"/>
+              </a:spcAft>
+            </a:pPr>
+            <a:r>
+              <a:rPr lang="en-US" dirty="0" smtClean="0"/>
+              <a:t>CXTA validates </a:t>
+            </a:r>
+            <a:r>
+              <a:rPr lang="en-US" dirty="0" smtClean="0">
+                <a:effectLst/>
+              </a:rPr>
+              <a:t>supporting technologies ( micro service API )</a:t>
+            </a:r>
+            <a:endParaRPr lang="en-US" dirty="0" smtClean="0">
+              <a:effectLst/>
+            </a:endParaRPr>
+          </a:p>
+          <a:p>
+            <a:pPr>
+              <a:lnSpc>
+                <a:spcPct val="150000"/>
+              </a:lnSpc>
+              <a:spcAft>
+                <a:spcPts val="1000"/>
+              </a:spcAft>
+            </a:pPr>
+            <a:r>
+              <a:rPr lang="en-US" dirty="0" smtClean="0"/>
+              <a:t>The following provides an </a:t>
+            </a:r>
+            <a:r>
+              <a:rPr lang="en-US" dirty="0" smtClean="0">
+                <a:effectLst/>
+              </a:rPr>
+              <a:t>explanation </a:t>
+            </a:r>
+            <a:r>
+              <a:rPr lang="en-US" dirty="0" smtClean="0">
+                <a:effectLst/>
+              </a:rPr>
+              <a:t>of CXTA, our purpose, technologies, philosophies, process, and our evolutionary plans for 2018.</a:t>
+            </a:r>
+          </a:p>
+          <a:p>
+            <a:pPr marL="0" indent="0">
+              <a:buNone/>
+            </a:pPr>
             <a:endParaRPr lang="en-US" dirty="0"/>
           </a:p>
         </p:txBody>
@@ -3143,6 +3314,837 @@
     <p:extLst>
       <p:ext uri="{BB962C8B-B14F-4D97-AF65-F5344CB8AC3E}">
         <p14:creationId xmlns:p14="http://schemas.microsoft.com/office/powerpoint/2010/main" val="2382997305"/>
+      </p:ext>
+    </p:extLst>
+  </p:cSld>
+  <p:clrMapOvr>
+    <a:masterClrMapping/>
+  </p:clrMapOvr>
+</p:sld>
+</file>
+
+<file path=ppt/slides/slide3.xml><?xml version="1.0" encoding="utf-8"?>
+<p:sld xmlns:a="http://schemas.openxmlformats.org/drawingml/2006/main" xmlns:r="http://schemas.openxmlformats.org/officeDocument/2006/relationships" xmlns:p="http://schemas.openxmlformats.org/presentationml/2006/main">
+  <p:cSld>
+    <p:spTree>
+      <p:nvGrpSpPr>
+        <p:cNvPr id="1" name=""/>
+        <p:cNvGrpSpPr/>
+        <p:nvPr/>
+      </p:nvGrpSpPr>
+      <p:grpSpPr>
+        <a:xfrm>
+          <a:off x="0" y="0"/>
+          <a:ext cx="0" cy="0"/>
+          <a:chOff x="0" y="0"/>
+          <a:chExt cx="0" cy="0"/>
+        </a:xfrm>
+      </p:grpSpPr>
+      <p:sp>
+        <p:nvSpPr>
+          <p:cNvPr id="2" name="Title 1"/>
+          <p:cNvSpPr>
+            <a:spLocks noGrp="1"/>
+          </p:cNvSpPr>
+          <p:nvPr>
+            <p:ph type="title"/>
+          </p:nvPr>
+        </p:nvSpPr>
+        <p:spPr>
+          <a:xfrm>
+            <a:off x="838200" y="1"/>
+            <a:ext cx="10515600" cy="571499"/>
+          </a:xfrm>
+        </p:spPr>
+        <p:txBody>
+          <a:bodyPr anchor="t">
+            <a:normAutofit fontScale="90000"/>
+          </a:bodyPr>
+          <a:lstStyle/>
+          <a:p>
+            <a:r>
+              <a:rPr lang="en-US" dirty="0" smtClean="0"/>
+              <a:t>PURPOSE  :   </a:t>
+            </a:r>
+            <a:r>
+              <a:rPr lang="en-US" sz="3600" dirty="0"/>
+              <a:t>Operational  &amp; Functional Process</a:t>
+            </a:r>
+            <a:br>
+              <a:rPr lang="en-US" sz="3600" dirty="0"/>
+            </a:br>
+            <a:endParaRPr lang="en-US" sz="3600" dirty="0"/>
+          </a:p>
+        </p:txBody>
+      </p:sp>
+      <p:sp>
+        <p:nvSpPr>
+          <p:cNvPr id="3" name="Content Placeholder 2"/>
+          <p:cNvSpPr>
+            <a:spLocks noGrp="1"/>
+          </p:cNvSpPr>
+          <p:nvPr>
+            <p:ph idx="1"/>
+          </p:nvPr>
+        </p:nvSpPr>
+        <p:spPr>
+          <a:xfrm>
+            <a:off x="144963" y="865823"/>
+            <a:ext cx="11490593" cy="4762500"/>
+          </a:xfrm>
+        </p:spPr>
+        <p:txBody>
+          <a:bodyPr>
+            <a:normAutofit/>
+          </a:bodyPr>
+          <a:lstStyle/>
+          <a:p>
+            <a:r>
+              <a:rPr lang="en-US" dirty="0" smtClean="0"/>
+              <a:t>Develop and deliver an automated </a:t>
+            </a:r>
+            <a:r>
+              <a:rPr lang="en-US" dirty="0"/>
+              <a:t>testing frame work </a:t>
+            </a:r>
+            <a:endParaRPr lang="en-US" dirty="0" smtClean="0"/>
+          </a:p>
+          <a:p>
+            <a:endParaRPr lang="en-US" dirty="0"/>
+          </a:p>
+          <a:p>
+            <a:r>
+              <a:rPr lang="en-US" dirty="0" smtClean="0"/>
+              <a:t>Design the Framework with enough power and flexibility to meet </a:t>
+            </a:r>
+            <a:r>
+              <a:rPr lang="en-US" dirty="0"/>
+              <a:t>current and future </a:t>
+            </a:r>
+            <a:r>
+              <a:rPr lang="en-US" dirty="0" smtClean="0"/>
+              <a:t>needs</a:t>
+            </a:r>
+          </a:p>
+          <a:p>
+            <a:endParaRPr lang="en-US" dirty="0"/>
+          </a:p>
+          <a:p>
+            <a:r>
+              <a:rPr lang="en-US" dirty="0" smtClean="0"/>
+              <a:t>Design with a developmental </a:t>
+            </a:r>
+            <a:r>
+              <a:rPr lang="en-US" dirty="0"/>
+              <a:t>philosophy that </a:t>
+            </a:r>
+            <a:r>
+              <a:rPr lang="en-US" dirty="0" smtClean="0"/>
+              <a:t>enables seasoned </a:t>
+            </a:r>
+            <a:r>
+              <a:rPr lang="en-US" dirty="0"/>
+              <a:t>engineers to </a:t>
+            </a:r>
+            <a:r>
+              <a:rPr lang="en-US" dirty="0" smtClean="0"/>
+              <a:t>create test scripts to validate their own work.</a:t>
+            </a:r>
+          </a:p>
+          <a:p>
+            <a:endParaRPr lang="en-US" dirty="0" smtClean="0"/>
+          </a:p>
+          <a:p>
+            <a:r>
+              <a:rPr lang="en-US" dirty="0" smtClean="0"/>
+              <a:t>Continue </a:t>
+            </a:r>
+            <a:r>
+              <a:rPr lang="en-US" dirty="0"/>
+              <a:t>developing Use Case End to End Work Flow test scripts.  </a:t>
+            </a:r>
+          </a:p>
+          <a:p>
+            <a:endParaRPr lang="en-US" dirty="0" smtClean="0"/>
+          </a:p>
+          <a:p>
+            <a:endParaRPr lang="en-US" dirty="0"/>
+          </a:p>
+          <a:p>
+            <a:endParaRPr lang="en-US" dirty="0"/>
+          </a:p>
+        </p:txBody>
+      </p:sp>
+    </p:spTree>
+    <p:extLst>
+      <p:ext uri="{BB962C8B-B14F-4D97-AF65-F5344CB8AC3E}">
+        <p14:creationId xmlns:p14="http://schemas.microsoft.com/office/powerpoint/2010/main" val="3915946766"/>
+      </p:ext>
+    </p:extLst>
+  </p:cSld>
+  <p:clrMapOvr>
+    <a:masterClrMapping/>
+  </p:clrMapOvr>
+</p:sld>
+</file>
+
+<file path=ppt/slides/slide4.xml><?xml version="1.0" encoding="utf-8"?>
+<p:sld xmlns:a="http://schemas.openxmlformats.org/drawingml/2006/main" xmlns:r="http://schemas.openxmlformats.org/officeDocument/2006/relationships" xmlns:p="http://schemas.openxmlformats.org/presentationml/2006/main">
+  <p:cSld>
+    <p:spTree>
+      <p:nvGrpSpPr>
+        <p:cNvPr id="1" name=""/>
+        <p:cNvGrpSpPr/>
+        <p:nvPr/>
+      </p:nvGrpSpPr>
+      <p:grpSpPr>
+        <a:xfrm>
+          <a:off x="0" y="0"/>
+          <a:ext cx="0" cy="0"/>
+          <a:chOff x="0" y="0"/>
+          <a:chExt cx="0" cy="0"/>
+        </a:xfrm>
+      </p:grpSpPr>
+      <p:sp>
+        <p:nvSpPr>
+          <p:cNvPr id="2" name="Title 1"/>
+          <p:cNvSpPr>
+            <a:spLocks noGrp="1"/>
+          </p:cNvSpPr>
+          <p:nvPr>
+            <p:ph type="title"/>
+          </p:nvPr>
+        </p:nvSpPr>
+        <p:spPr>
+          <a:xfrm>
+            <a:off x="838200" y="80011"/>
+            <a:ext cx="10515600" cy="880110"/>
+          </a:xfrm>
+        </p:spPr>
+        <p:txBody>
+          <a:bodyPr anchor="t">
+            <a:normAutofit/>
+          </a:bodyPr>
+          <a:lstStyle/>
+          <a:p>
+            <a:r>
+              <a:rPr lang="en-US" dirty="0" smtClean="0"/>
+              <a:t>EVOLUTION</a:t>
+            </a:r>
+            <a:endParaRPr lang="en-US" dirty="0"/>
+          </a:p>
+        </p:txBody>
+      </p:sp>
+      <p:sp>
+        <p:nvSpPr>
+          <p:cNvPr id="3" name="Content Placeholder 2"/>
+          <p:cNvSpPr>
+            <a:spLocks noGrp="1"/>
+          </p:cNvSpPr>
+          <p:nvPr>
+            <p:ph idx="1"/>
+          </p:nvPr>
+        </p:nvSpPr>
+        <p:spPr>
+          <a:xfrm>
+            <a:off x="140970" y="960121"/>
+            <a:ext cx="10515600" cy="5216843"/>
+          </a:xfrm>
+        </p:spPr>
+        <p:txBody>
+          <a:bodyPr/>
+          <a:lstStyle/>
+          <a:p>
+            <a:r>
+              <a:rPr lang="en-US" dirty="0"/>
+              <a:t>CXTA and the CX Market Place Development Team have matured. </a:t>
+            </a:r>
+            <a:endParaRPr lang="en-US" dirty="0" smtClean="0"/>
+          </a:p>
+          <a:p>
+            <a:r>
+              <a:rPr lang="en-US" dirty="0" smtClean="0"/>
+              <a:t>We </a:t>
+            </a:r>
+            <a:r>
+              <a:rPr lang="en-US" dirty="0"/>
+              <a:t>are able to do more and deliver to a greater audience.  </a:t>
+            </a:r>
+            <a:endParaRPr lang="en-US" dirty="0" smtClean="0"/>
+          </a:p>
+          <a:p>
+            <a:endParaRPr lang="en-US" dirty="0" smtClean="0"/>
+          </a:p>
+          <a:p>
+            <a:r>
+              <a:rPr lang="en-US" dirty="0" smtClean="0"/>
+              <a:t>California </a:t>
+            </a:r>
+            <a:r>
+              <a:rPr lang="en-US" dirty="0"/>
+              <a:t>is no longer the </a:t>
+            </a:r>
+            <a:r>
+              <a:rPr lang="en-US" dirty="0" smtClean="0"/>
+              <a:t>horizon !</a:t>
+            </a:r>
+          </a:p>
+          <a:p>
+            <a:pPr marL="0" indent="0">
+              <a:buNone/>
+            </a:pPr>
+            <a:r>
+              <a:rPr lang="en-US" sz="800" dirty="0" smtClean="0"/>
+              <a:t>            </a:t>
+            </a:r>
+          </a:p>
+          <a:p>
+            <a:pPr marL="0" indent="0">
+              <a:buNone/>
+            </a:pPr>
+            <a:endParaRPr lang="en-US" sz="800" dirty="0"/>
+          </a:p>
+          <a:p>
+            <a:r>
+              <a:rPr lang="en-US" dirty="0" smtClean="0"/>
+              <a:t>To scale as is projected we have to change how we develop tests</a:t>
+            </a:r>
+          </a:p>
+          <a:p>
+            <a:endParaRPr lang="en-US" dirty="0" smtClean="0"/>
+          </a:p>
+          <a:p>
+            <a:r>
+              <a:rPr lang="en-US" dirty="0" smtClean="0"/>
+              <a:t>We have to change how we select and execute tests</a:t>
+            </a:r>
+            <a:endParaRPr lang="en-US" dirty="0"/>
+          </a:p>
+        </p:txBody>
+      </p:sp>
+    </p:spTree>
+    <p:extLst>
+      <p:ext uri="{BB962C8B-B14F-4D97-AF65-F5344CB8AC3E}">
+        <p14:creationId xmlns:p14="http://schemas.microsoft.com/office/powerpoint/2010/main" val="134519480"/>
+      </p:ext>
+    </p:extLst>
+  </p:cSld>
+  <p:clrMapOvr>
+    <a:masterClrMapping/>
+  </p:clrMapOvr>
+</p:sld>
+</file>
+
+<file path=ppt/slides/slide5.xml><?xml version="1.0" encoding="utf-8"?>
+<p:sld xmlns:a="http://schemas.openxmlformats.org/drawingml/2006/main" xmlns:r="http://schemas.openxmlformats.org/officeDocument/2006/relationships" xmlns:p="http://schemas.openxmlformats.org/presentationml/2006/main">
+  <p:cSld>
+    <p:spTree>
+      <p:nvGrpSpPr>
+        <p:cNvPr id="1" name=""/>
+        <p:cNvGrpSpPr/>
+        <p:nvPr/>
+      </p:nvGrpSpPr>
+      <p:grpSpPr>
+        <a:xfrm>
+          <a:off x="0" y="0"/>
+          <a:ext cx="0" cy="0"/>
+          <a:chOff x="0" y="0"/>
+          <a:chExt cx="0" cy="0"/>
+        </a:xfrm>
+      </p:grpSpPr>
+      <p:sp>
+        <p:nvSpPr>
+          <p:cNvPr id="2" name="Title 1"/>
+          <p:cNvSpPr>
+            <a:spLocks noGrp="1"/>
+          </p:cNvSpPr>
+          <p:nvPr>
+            <p:ph type="title"/>
+          </p:nvPr>
+        </p:nvSpPr>
+        <p:spPr>
+          <a:xfrm>
+            <a:off x="758190" y="-11429"/>
+            <a:ext cx="10515600" cy="651510"/>
+          </a:xfrm>
+        </p:spPr>
+        <p:txBody>
+          <a:bodyPr anchor="t">
+            <a:normAutofit fontScale="90000"/>
+          </a:bodyPr>
+          <a:lstStyle/>
+          <a:p>
+            <a:r>
+              <a:rPr lang="en-US" dirty="0" smtClean="0"/>
+              <a:t>ROLL OUT</a:t>
+            </a:r>
+            <a:endParaRPr lang="en-US" dirty="0"/>
+          </a:p>
+        </p:txBody>
+      </p:sp>
+      <p:sp>
+        <p:nvSpPr>
+          <p:cNvPr id="3" name="Content Placeholder 2"/>
+          <p:cNvSpPr>
+            <a:spLocks noGrp="1"/>
+          </p:cNvSpPr>
+          <p:nvPr>
+            <p:ph idx="1"/>
+          </p:nvPr>
+        </p:nvSpPr>
+        <p:spPr>
+          <a:xfrm>
+            <a:off x="129540" y="785494"/>
+            <a:ext cx="11254740" cy="4940935"/>
+          </a:xfrm>
+        </p:spPr>
+        <p:txBody>
+          <a:bodyPr>
+            <a:normAutofit/>
+          </a:bodyPr>
+          <a:lstStyle/>
+          <a:p>
+            <a:pPr>
+              <a:lnSpc>
+                <a:spcPct val="125000"/>
+              </a:lnSpc>
+            </a:pPr>
+            <a:r>
+              <a:rPr lang="en-US" dirty="0"/>
+              <a:t>CXTA </a:t>
+            </a:r>
+            <a:r>
+              <a:rPr lang="en-US" dirty="0" smtClean="0"/>
+              <a:t> is rolling </a:t>
+            </a:r>
+            <a:r>
+              <a:rPr lang="en-US" dirty="0"/>
+              <a:t>out </a:t>
+            </a:r>
+            <a:r>
+              <a:rPr lang="en-US" dirty="0" smtClean="0"/>
+              <a:t>their </a:t>
+            </a:r>
+            <a:r>
+              <a:rPr lang="en-US" dirty="0"/>
+              <a:t>first version </a:t>
+            </a:r>
+            <a:r>
+              <a:rPr lang="en-US" dirty="0" smtClean="0"/>
+              <a:t>of the Test </a:t>
+            </a:r>
+            <a:r>
+              <a:rPr lang="en-US" dirty="0"/>
+              <a:t>Automation Framework </a:t>
+            </a:r>
+            <a:endParaRPr lang="en-US" dirty="0" smtClean="0"/>
+          </a:p>
+          <a:p>
+            <a:pPr>
+              <a:lnSpc>
+                <a:spcPct val="125000"/>
+              </a:lnSpc>
+            </a:pPr>
+            <a:r>
+              <a:rPr lang="en-US" dirty="0"/>
+              <a:t>Development </a:t>
+            </a:r>
+            <a:r>
+              <a:rPr lang="en-US" dirty="0" smtClean="0"/>
+              <a:t>will </a:t>
+            </a:r>
+            <a:r>
+              <a:rPr lang="en-US" dirty="0"/>
+              <a:t>write test automation scripts </a:t>
+            </a:r>
+            <a:r>
+              <a:rPr lang="en-US" dirty="0" smtClean="0"/>
+              <a:t>supporting their work</a:t>
+            </a:r>
+          </a:p>
+          <a:p>
+            <a:pPr>
+              <a:lnSpc>
+                <a:spcPct val="125000"/>
+              </a:lnSpc>
+            </a:pPr>
+            <a:r>
+              <a:rPr lang="en-US" dirty="0" smtClean="0"/>
+              <a:t>This scripting </a:t>
+            </a:r>
+            <a:r>
+              <a:rPr lang="en-US" dirty="0"/>
+              <a:t>will be page specific feature level integration </a:t>
+            </a:r>
+            <a:r>
+              <a:rPr lang="en-US" dirty="0" smtClean="0"/>
+              <a:t>tests</a:t>
+            </a:r>
+          </a:p>
+          <a:p>
+            <a:pPr>
+              <a:lnSpc>
+                <a:spcPct val="125000"/>
+              </a:lnSpc>
+            </a:pPr>
+            <a:r>
+              <a:rPr lang="en-US" dirty="0" smtClean="0"/>
+              <a:t>CXTA will manage </a:t>
+            </a:r>
+            <a:r>
+              <a:rPr lang="en-US" dirty="0"/>
+              <a:t>all </a:t>
+            </a:r>
+            <a:r>
+              <a:rPr lang="en-US" dirty="0" err="1" smtClean="0"/>
+              <a:t>UseCase</a:t>
+            </a:r>
+            <a:r>
+              <a:rPr lang="en-US" dirty="0" smtClean="0"/>
+              <a:t> End </a:t>
+            </a:r>
+            <a:r>
+              <a:rPr lang="en-US" dirty="0"/>
+              <a:t>to End test automation </a:t>
+            </a:r>
+            <a:endParaRPr lang="en-US" dirty="0" smtClean="0"/>
+          </a:p>
+          <a:p>
+            <a:pPr>
+              <a:lnSpc>
+                <a:spcPct val="125000"/>
+              </a:lnSpc>
+            </a:pPr>
+            <a:r>
+              <a:rPr lang="en-US" dirty="0" smtClean="0"/>
+              <a:t>CXTA will maintain </a:t>
+            </a:r>
+            <a:r>
+              <a:rPr lang="en-US" dirty="0"/>
+              <a:t>and enhance the </a:t>
+            </a:r>
+            <a:r>
+              <a:rPr lang="en-US" dirty="0" smtClean="0"/>
+              <a:t>Test Automation </a:t>
+            </a:r>
+            <a:r>
+              <a:rPr lang="en-US" dirty="0"/>
+              <a:t>framework.</a:t>
+            </a:r>
+          </a:p>
+          <a:p>
+            <a:pPr>
+              <a:lnSpc>
+                <a:spcPct val="125000"/>
+              </a:lnSpc>
+            </a:pPr>
+            <a:r>
+              <a:rPr lang="en-US" dirty="0" smtClean="0"/>
+              <a:t>Inclusion of development staff </a:t>
+            </a:r>
+            <a:r>
+              <a:rPr lang="en-US" dirty="0"/>
+              <a:t>in the automation development process we </a:t>
+            </a:r>
+            <a:r>
+              <a:rPr lang="en-US" dirty="0" smtClean="0"/>
+              <a:t>align </a:t>
+            </a:r>
+            <a:r>
+              <a:rPr lang="en-US" dirty="0"/>
+              <a:t>our teams much like the rest of the industry</a:t>
+            </a:r>
+            <a:r>
+              <a:rPr lang="en-US" dirty="0" smtClean="0"/>
+              <a:t>.</a:t>
+            </a:r>
+          </a:p>
+        </p:txBody>
+      </p:sp>
+    </p:spTree>
+    <p:extLst>
+      <p:ext uri="{BB962C8B-B14F-4D97-AF65-F5344CB8AC3E}">
+        <p14:creationId xmlns:p14="http://schemas.microsoft.com/office/powerpoint/2010/main" val="2538467909"/>
+      </p:ext>
+    </p:extLst>
+  </p:cSld>
+  <p:clrMapOvr>
+    <a:masterClrMapping/>
+  </p:clrMapOvr>
+</p:sld>
+</file>
+
+<file path=ppt/slides/slide6.xml><?xml version="1.0" encoding="utf-8"?>
+<p:sld xmlns:a="http://schemas.openxmlformats.org/drawingml/2006/main" xmlns:r="http://schemas.openxmlformats.org/officeDocument/2006/relationships" xmlns:p="http://schemas.openxmlformats.org/presentationml/2006/main">
+  <p:cSld>
+    <p:spTree>
+      <p:nvGrpSpPr>
+        <p:cNvPr id="1" name=""/>
+        <p:cNvGrpSpPr/>
+        <p:nvPr/>
+      </p:nvGrpSpPr>
+      <p:grpSpPr>
+        <a:xfrm>
+          <a:off x="0" y="0"/>
+          <a:ext cx="0" cy="0"/>
+          <a:chOff x="0" y="0"/>
+          <a:chExt cx="0" cy="0"/>
+        </a:xfrm>
+      </p:grpSpPr>
+      <p:sp>
+        <p:nvSpPr>
+          <p:cNvPr id="2" name="Title 1"/>
+          <p:cNvSpPr>
+            <a:spLocks noGrp="1"/>
+          </p:cNvSpPr>
+          <p:nvPr>
+            <p:ph type="title"/>
+          </p:nvPr>
+        </p:nvSpPr>
+        <p:spPr/>
+        <p:txBody>
+          <a:bodyPr/>
+          <a:lstStyle/>
+          <a:p>
+            <a:endParaRPr lang="en-US"/>
+          </a:p>
+        </p:txBody>
+      </p:sp>
+      <p:sp>
+        <p:nvSpPr>
+          <p:cNvPr id="3" name="Content Placeholder 2"/>
+          <p:cNvSpPr>
+            <a:spLocks noGrp="1"/>
+          </p:cNvSpPr>
+          <p:nvPr>
+            <p:ph idx="1"/>
+          </p:nvPr>
+        </p:nvSpPr>
+        <p:spPr/>
+        <p:txBody>
+          <a:bodyPr/>
+          <a:lstStyle/>
+          <a:p>
+            <a:endParaRPr lang="en-US"/>
+          </a:p>
+        </p:txBody>
+      </p:sp>
+    </p:spTree>
+    <p:extLst>
+      <p:ext uri="{BB962C8B-B14F-4D97-AF65-F5344CB8AC3E}">
+        <p14:creationId xmlns:p14="http://schemas.microsoft.com/office/powerpoint/2010/main" val="1195374458"/>
+      </p:ext>
+    </p:extLst>
+  </p:cSld>
+  <p:clrMapOvr>
+    <a:masterClrMapping/>
+  </p:clrMapOvr>
+</p:sld>
+</file>
+
+<file path=ppt/slides/slide7.xml><?xml version="1.0" encoding="utf-8"?>
+<p:sld xmlns:a="http://schemas.openxmlformats.org/drawingml/2006/main" xmlns:r="http://schemas.openxmlformats.org/officeDocument/2006/relationships" xmlns:p="http://schemas.openxmlformats.org/presentationml/2006/main">
+  <p:cSld>
+    <p:spTree>
+      <p:nvGrpSpPr>
+        <p:cNvPr id="1" name=""/>
+        <p:cNvGrpSpPr/>
+        <p:nvPr/>
+      </p:nvGrpSpPr>
+      <p:grpSpPr>
+        <a:xfrm>
+          <a:off x="0" y="0"/>
+          <a:ext cx="0" cy="0"/>
+          <a:chOff x="0" y="0"/>
+          <a:chExt cx="0" cy="0"/>
+        </a:xfrm>
+      </p:grpSpPr>
+      <p:sp>
+        <p:nvSpPr>
+          <p:cNvPr id="2" name="Title 1"/>
+          <p:cNvSpPr>
+            <a:spLocks noGrp="1"/>
+          </p:cNvSpPr>
+          <p:nvPr>
+            <p:ph type="title"/>
+          </p:nvPr>
+        </p:nvSpPr>
+        <p:spPr/>
+        <p:txBody>
+          <a:bodyPr/>
+          <a:lstStyle/>
+          <a:p>
+            <a:endParaRPr lang="en-US"/>
+          </a:p>
+        </p:txBody>
+      </p:sp>
+      <p:sp>
+        <p:nvSpPr>
+          <p:cNvPr id="3" name="Content Placeholder 2"/>
+          <p:cNvSpPr>
+            <a:spLocks noGrp="1"/>
+          </p:cNvSpPr>
+          <p:nvPr>
+            <p:ph idx="1"/>
+          </p:nvPr>
+        </p:nvSpPr>
+        <p:spPr/>
+        <p:txBody>
+          <a:bodyPr/>
+          <a:lstStyle/>
+          <a:p>
+            <a:endParaRPr lang="en-US"/>
+          </a:p>
+        </p:txBody>
+      </p:sp>
+    </p:spTree>
+    <p:extLst>
+      <p:ext uri="{BB962C8B-B14F-4D97-AF65-F5344CB8AC3E}">
+        <p14:creationId xmlns:p14="http://schemas.microsoft.com/office/powerpoint/2010/main" val="3707015434"/>
+      </p:ext>
+    </p:extLst>
+  </p:cSld>
+  <p:clrMapOvr>
+    <a:masterClrMapping/>
+  </p:clrMapOvr>
+</p:sld>
+</file>
+
+<file path=ppt/slides/slide8.xml><?xml version="1.0" encoding="utf-8"?>
+<p:sld xmlns:a="http://schemas.openxmlformats.org/drawingml/2006/main" xmlns:r="http://schemas.openxmlformats.org/officeDocument/2006/relationships" xmlns:p="http://schemas.openxmlformats.org/presentationml/2006/main">
+  <p:cSld>
+    <p:spTree>
+      <p:nvGrpSpPr>
+        <p:cNvPr id="1" name=""/>
+        <p:cNvGrpSpPr/>
+        <p:nvPr/>
+      </p:nvGrpSpPr>
+      <p:grpSpPr>
+        <a:xfrm>
+          <a:off x="0" y="0"/>
+          <a:ext cx="0" cy="0"/>
+          <a:chOff x="0" y="0"/>
+          <a:chExt cx="0" cy="0"/>
+        </a:xfrm>
+      </p:grpSpPr>
+      <p:sp>
+        <p:nvSpPr>
+          <p:cNvPr id="2" name="Title 1"/>
+          <p:cNvSpPr>
+            <a:spLocks noGrp="1"/>
+          </p:cNvSpPr>
+          <p:nvPr>
+            <p:ph type="title"/>
+          </p:nvPr>
+        </p:nvSpPr>
+        <p:spPr/>
+        <p:txBody>
+          <a:bodyPr/>
+          <a:lstStyle/>
+          <a:p>
+            <a:r>
+              <a:rPr lang="en-US" dirty="0" smtClean="0"/>
+              <a:t>EXECUTION</a:t>
+            </a:r>
+            <a:endParaRPr lang="en-US" dirty="0"/>
+          </a:p>
+        </p:txBody>
+      </p:sp>
+      <p:sp>
+        <p:nvSpPr>
+          <p:cNvPr id="3" name="Content Placeholder 2"/>
+          <p:cNvSpPr>
+            <a:spLocks noGrp="1"/>
+          </p:cNvSpPr>
+          <p:nvPr>
+            <p:ph idx="1"/>
+          </p:nvPr>
+        </p:nvSpPr>
+        <p:spPr/>
+        <p:txBody>
+          <a:bodyPr/>
+          <a:lstStyle/>
+          <a:p>
+            <a:endParaRPr lang="en-US"/>
+          </a:p>
+        </p:txBody>
+      </p:sp>
+    </p:spTree>
+    <p:extLst>
+      <p:ext uri="{BB962C8B-B14F-4D97-AF65-F5344CB8AC3E}">
+        <p14:creationId xmlns:p14="http://schemas.microsoft.com/office/powerpoint/2010/main" val="600975366"/>
+      </p:ext>
+    </p:extLst>
+  </p:cSld>
+  <p:clrMapOvr>
+    <a:masterClrMapping/>
+  </p:clrMapOvr>
+</p:sld>
+</file>
+
+<file path=ppt/slides/slide9.xml><?xml version="1.0" encoding="utf-8"?>
+<p:sld xmlns:a="http://schemas.openxmlformats.org/drawingml/2006/main" xmlns:r="http://schemas.openxmlformats.org/officeDocument/2006/relationships" xmlns:p="http://schemas.openxmlformats.org/presentationml/2006/main">
+  <p:cSld>
+    <p:spTree>
+      <p:nvGrpSpPr>
+        <p:cNvPr id="1" name=""/>
+        <p:cNvGrpSpPr/>
+        <p:nvPr/>
+      </p:nvGrpSpPr>
+      <p:grpSpPr>
+        <a:xfrm>
+          <a:off x="0" y="0"/>
+          <a:ext cx="0" cy="0"/>
+          <a:chOff x="0" y="0"/>
+          <a:chExt cx="0" cy="0"/>
+        </a:xfrm>
+      </p:grpSpPr>
+      <p:sp>
+        <p:nvSpPr>
+          <p:cNvPr id="2" name="Title 1"/>
+          <p:cNvSpPr>
+            <a:spLocks noGrp="1"/>
+          </p:cNvSpPr>
+          <p:nvPr>
+            <p:ph type="title"/>
+          </p:nvPr>
+        </p:nvSpPr>
+        <p:spPr/>
+        <p:txBody>
+          <a:bodyPr/>
+          <a:lstStyle/>
+          <a:p>
+            <a:r>
+              <a:rPr lang="en-US" dirty="0" smtClean="0"/>
+              <a:t>REPORTING</a:t>
+            </a:r>
+            <a:endParaRPr lang="en-US" dirty="0"/>
+          </a:p>
+        </p:txBody>
+      </p:sp>
+      <p:sp>
+        <p:nvSpPr>
+          <p:cNvPr id="3" name="Content Placeholder 2"/>
+          <p:cNvSpPr>
+            <a:spLocks noGrp="1"/>
+          </p:cNvSpPr>
+          <p:nvPr>
+            <p:ph idx="1"/>
+          </p:nvPr>
+        </p:nvSpPr>
+        <p:spPr/>
+        <p:txBody>
+          <a:bodyPr/>
+          <a:lstStyle/>
+          <a:p>
+            <a:endParaRPr lang="en-US"/>
+          </a:p>
+        </p:txBody>
+      </p:sp>
+    </p:spTree>
+    <p:extLst>
+      <p:ext uri="{BB962C8B-B14F-4D97-AF65-F5344CB8AC3E}">
+        <p14:creationId xmlns:p14="http://schemas.microsoft.com/office/powerpoint/2010/main" val="1143108204"/>
       </p:ext>
     </p:extLst>
   </p:cSld>

--- a/CurrentWork_Delta/CX_StrategyPowerPoint.pptx
+++ b/CurrentWork_Delta/CX_StrategyPowerPoint.pptx
@@ -3028,7 +3028,11 @@
           <a:bodyPr/>
           <a:lstStyle/>
           <a:p>
-            <a:endParaRPr lang="en-US"/>
+            <a:r>
+              <a:rPr lang="en-US" dirty="0" smtClean="0"/>
+              <a:t>Need to add some worthy quote here</a:t>
+            </a:r>
+            <a:endParaRPr lang="en-US" dirty="0"/>
           </a:p>
         </p:txBody>
       </p:sp>
@@ -3147,16 +3151,28 @@
         <p:spPr>
           <a:xfrm>
             <a:off x="0" y="214312"/>
-            <a:ext cx="12059798" cy="1333501"/>
+            <a:ext cx="9920177" cy="1333501"/>
           </a:xfrm>
         </p:spPr>
         <p:txBody>
           <a:bodyPr anchor="t"/>
           <a:lstStyle/>
           <a:p>
-            <a:r>
-              <a:rPr lang="en-US" dirty="0" smtClean="0"/>
-              <a:t>INTRODUCTION  :  CXTA  - </a:t>
+            <a:pPr algn="ctr"/>
+            <a:r>
+              <a:rPr lang="en-US" dirty="0" smtClean="0"/>
+              <a:t>INTRODUCTION</a:t>
+            </a:r>
+            <a:br>
+              <a:rPr lang="en-US" dirty="0" smtClean="0"/>
+            </a:br>
+            <a:r>
+              <a:rPr lang="en-US" dirty="0" smtClean="0"/>
+              <a:t>     CXTA  </a:t>
+            </a:r>
+            <a:r>
+              <a:rPr lang="en-US" dirty="0" smtClean="0"/>
+              <a:t>- </a:t>
             </a:r>
             <a:r>
               <a:rPr lang="en-US" sz="3000" b="1" dirty="0" smtClean="0">
@@ -3180,13 +3196,13 @@
         </p:nvSpPr>
         <p:spPr>
           <a:xfrm>
-            <a:off x="264405" y="1825625"/>
-            <a:ext cx="11677879" cy="4351338"/>
+            <a:off x="285670" y="1892595"/>
+            <a:ext cx="11677879" cy="3997841"/>
           </a:xfrm>
         </p:spPr>
         <p:txBody>
           <a:bodyPr>
-            <a:normAutofit/>
+            <a:normAutofit lnSpcReduction="10000"/>
           </a:bodyPr>
           <a:lstStyle/>
           <a:p>
@@ -3202,13 +3218,7 @@
               <a:rPr lang="en-US" dirty="0" smtClean="0">
                 <a:effectLst/>
               </a:rPr>
-              <a:t>The Test Automation frame work leverages available open source </a:t>
-            </a:r>
-            <a:r>
-              <a:rPr lang="en-US" dirty="0" smtClean="0">
-                <a:effectLst/>
-              </a:rPr>
-              <a:t>technology</a:t>
+              <a:t>The Test Automation frame work leverages available open source technology</a:t>
             </a:r>
             <a:endParaRPr lang="en-US" dirty="0"/>
           </a:p>
@@ -3225,7 +3235,13 @@
               <a:rPr lang="en-US" dirty="0" smtClean="0">
                 <a:effectLst/>
               </a:rPr>
-              <a:t>CXTA validates the correctness </a:t>
+              <a:t>CXTA validates the </a:t>
+            </a:r>
+            <a:r>
+              <a:rPr lang="en-US" dirty="0" smtClean="0">
+                <a:effectLst/>
+              </a:rPr>
+              <a:t>operational correctness </a:t>
             </a:r>
             <a:r>
               <a:rPr lang="en-US" dirty="0" smtClean="0">
@@ -3234,10 +3250,6 @@
               <a:t>of </a:t>
             </a:r>
             <a:r>
-              <a:rPr lang="en-US" dirty="0" smtClean="0"/>
-              <a:t>all </a:t>
-            </a:r>
-            <a:r>
               <a:rPr lang="en-US" dirty="0" smtClean="0">
                 <a:effectLst/>
               </a:rPr>
@@ -3249,9 +3261,6 @@
               </a:rPr>
               <a:t>Web Applications </a:t>
             </a:r>
-            <a:endParaRPr lang="en-US" dirty="0" smtClean="0">
-              <a:effectLst/>
-            </a:endParaRPr>
           </a:p>
           <a:p>
             <a:pPr>
@@ -3272,9 +3281,6 @@
               </a:rPr>
               <a:t>supporting technologies ( micro service API )</a:t>
             </a:r>
-            <a:endParaRPr lang="en-US" dirty="0" smtClean="0">
-              <a:effectLst/>
-            </a:endParaRPr>
           </a:p>
           <a:p>
             <a:pPr>
@@ -3293,13 +3299,7 @@
               <a:rPr lang="en-US" dirty="0" smtClean="0">
                 <a:effectLst/>
               </a:rPr>
-              <a:t>explanation </a:t>
-            </a:r>
-            <a:r>
-              <a:rPr lang="en-US" dirty="0" smtClean="0">
-                <a:effectLst/>
-              </a:rPr>
-              <a:t>of CXTA, our purpose, technologies, philosophies, process, and our evolutionary plans for 2018.</a:t>
+              <a:t>explanation of CXTA, our purpose, technologies, philosophies, process, and our evolutionary plans for 2018.</a:t>
             </a:r>
           </a:p>
           <a:p>
@@ -3352,8 +3352,8 @@
         </p:nvSpPr>
         <p:spPr>
           <a:xfrm>
-            <a:off x="838200" y="1"/>
-            <a:ext cx="10515600" cy="571499"/>
+            <a:off x="632459" y="103302"/>
+            <a:ext cx="8596601" cy="1225768"/>
           </a:xfrm>
         </p:spPr>
         <p:txBody>
@@ -3362,13 +3362,25 @@
           </a:bodyPr>
           <a:lstStyle/>
           <a:p>
-            <a:r>
-              <a:rPr lang="en-US" dirty="0" smtClean="0"/>
-              <a:t>PURPOSE  :   </a:t>
+            <a:pPr algn="ctr"/>
+            <a:r>
+              <a:rPr lang="en-US" sz="4900" dirty="0" smtClean="0"/>
+              <a:t>PURPOSE</a:t>
+            </a:r>
+            <a:r>
+              <a:rPr lang="en-US" dirty="0" smtClean="0"/>
+              <a:t/>
+            </a:r>
+            <a:br>
+              <a:rPr lang="en-US" dirty="0" smtClean="0"/>
+            </a:br>
+            <a:r>
+              <a:rPr lang="en-US" sz="3600" dirty="0" smtClean="0"/>
+              <a:t>Operational  </a:t>
             </a:r>
             <a:r>
               <a:rPr lang="en-US" sz="3600" dirty="0"/>
-              <a:t>Operational  &amp; Functional Process</a:t>
+              <a:t>&amp; Functional Process</a:t>
             </a:r>
             <a:br>
               <a:rPr lang="en-US" sz="3600" dirty="0"/>
@@ -3389,7 +3401,7 @@
         </p:nvSpPr>
         <p:spPr>
           <a:xfrm>
-            <a:off x="144963" y="865823"/>
+            <a:off x="144962" y="1833386"/>
             <a:ext cx="11490593" cy="4762500"/>
           </a:xfrm>
         </p:spPr>
@@ -3517,8 +3529,8 @@
         </p:nvSpPr>
         <p:spPr>
           <a:xfrm>
-            <a:off x="838200" y="80011"/>
-            <a:ext cx="10515600" cy="880110"/>
+            <a:off x="859465" y="622271"/>
+            <a:ext cx="6679019" cy="880110"/>
           </a:xfrm>
         </p:spPr>
         <p:txBody>
@@ -3527,6 +3539,7 @@
           </a:bodyPr>
           <a:lstStyle/>
           <a:p>
+            <a:pPr algn="ctr"/>
             <a:r>
               <a:rPr lang="en-US" dirty="0" smtClean="0"/>
               <a:t>EVOLUTION</a:t>
@@ -3547,8 +3560,8 @@
         </p:nvSpPr>
         <p:spPr>
           <a:xfrm>
-            <a:off x="140970" y="960121"/>
-            <a:ext cx="10515600" cy="5216843"/>
+            <a:off x="98439" y="1896341"/>
+            <a:ext cx="10515600" cy="4568256"/>
           </a:xfrm>
         </p:spPr>
         <p:txBody>
@@ -3559,6 +3572,9 @@
               <a:rPr lang="en-US" dirty="0"/>
               <a:t>CXTA and the CX Market Place Development Team have matured. </a:t>
             </a:r>
+            <a:endParaRPr lang="en-US" dirty="0" smtClean="0"/>
+          </a:p>
+          <a:p>
             <a:endParaRPr lang="en-US" dirty="0" smtClean="0"/>
           </a:p>
           <a:p>
@@ -3664,16 +3680,17 @@
         </p:nvSpPr>
         <p:spPr>
           <a:xfrm>
-            <a:off x="758190" y="-11429"/>
-            <a:ext cx="10515600" cy="651510"/>
+            <a:off x="609334" y="828543"/>
+            <a:ext cx="7662796" cy="651510"/>
           </a:xfrm>
         </p:spPr>
         <p:txBody>
           <a:bodyPr anchor="t">
-            <a:normAutofit fontScale="90000"/>
+            <a:noAutofit/>
           </a:bodyPr>
           <a:lstStyle/>
           <a:p>
+            <a:pPr algn="ctr"/>
             <a:r>
               <a:rPr lang="en-US" dirty="0" smtClean="0"/>
               <a:t>ROLL OUT</a:t>
@@ -3694,13 +3711,13 @@
         </p:nvSpPr>
         <p:spPr>
           <a:xfrm>
-            <a:off x="129540" y="785494"/>
-            <a:ext cx="11254740" cy="4940935"/>
+            <a:off x="129539" y="1763690"/>
+            <a:ext cx="11254740" cy="4403194"/>
           </a:xfrm>
         </p:spPr>
         <p:txBody>
           <a:bodyPr>
-            <a:normAutofit/>
+            <a:normAutofit lnSpcReduction="10000"/>
           </a:bodyPr>
           <a:lstStyle/>
           <a:p>
@@ -3906,7 +3923,27 @@
           <a:bodyPr/>
           <a:lstStyle/>
           <a:p>
-            <a:endParaRPr lang="en-US"/>
+            <a:pPr algn="ctr"/>
+            <a:r>
+              <a:rPr lang="en-US" b="1" dirty="0"/>
+              <a:t>Independent product line testing, </a:t>
+            </a:r>
+            <a:r>
+              <a:rPr lang="en-US" b="1" dirty="0" smtClean="0"/>
+              <a:t/>
+            </a:r>
+            <a:br>
+              <a:rPr lang="en-US" b="1" dirty="0" smtClean="0"/>
+            </a:br>
+            <a:r>
+              <a:rPr lang="en-US" b="1" dirty="0" smtClean="0"/>
+              <a:t>Scaling</a:t>
+            </a:r>
+            <a:r>
+              <a:rPr lang="en-US" b="1" dirty="0"/>
+              <a:t> and Content</a:t>
+            </a:r>
+            <a:endParaRPr lang="en-US" dirty="0"/>
           </a:p>
         </p:txBody>
       </p:sp>
@@ -3925,7 +3962,31 @@
           <a:bodyPr/>
           <a:lstStyle/>
           <a:p>
-            <a:endParaRPr lang="en-US"/>
+            <a:r>
+              <a:rPr lang="en-US" dirty="0"/>
+              <a:t>The ability to test a products full abilities independently of all other products is a pressing need</a:t>
+            </a:r>
+            <a:r>
+              <a:rPr lang="en-US" dirty="0" smtClean="0"/>
+              <a:t>.</a:t>
+            </a:r>
+          </a:p>
+          <a:p>
+            <a:r>
+              <a:rPr lang="en-US" dirty="0"/>
+              <a:t>CXTA's proposed solution will reduce the overall quantity of source code that must be maintained.  We see this as an evolutionary improvement</a:t>
+            </a:r>
+            <a:r>
+              <a:rPr lang="en-US" dirty="0" smtClean="0"/>
+              <a:t>.  There is a cost…</a:t>
+            </a:r>
+          </a:p>
+          <a:p>
+            <a:r>
+              <a:rPr lang="en-US" dirty="0"/>
+              <a:t>CXTA sees a direct correlation in manner and approach between refactoring code base and new test data framework methodology giving us the ability to address content test data regionally or by product selection.</a:t>
+            </a:r>
+            <a:endParaRPr lang="en-US" dirty="0"/>
           </a:p>
         </p:txBody>
       </p:sp>
@@ -4065,7 +4126,42 @@
           <a:bodyPr/>
           <a:lstStyle/>
           <a:p>
-            <a:endParaRPr lang="en-US"/>
+            <a:r>
+              <a:rPr lang="en-US" dirty="0" smtClean="0"/>
+              <a:t>Configuration specific testing</a:t>
+            </a:r>
+          </a:p>
+          <a:p>
+            <a:pPr lvl="1"/>
+            <a:r>
+              <a:rPr lang="en-US" dirty="0" smtClean="0"/>
+              <a:t>Collection of products and states deployed for are a testing set</a:t>
+            </a:r>
+          </a:p>
+          <a:p>
+            <a:pPr lvl="1"/>
+            <a:endParaRPr lang="en-US" dirty="0"/>
+          </a:p>
+          <a:p>
+            <a:pPr lvl="1"/>
+            <a:endParaRPr lang="en-US" dirty="0"/>
+          </a:p>
+          <a:p>
+            <a:r>
+              <a:rPr lang="en-US" dirty="0" smtClean="0"/>
+              <a:t>Timing based regression testing</a:t>
+            </a:r>
+          </a:p>
+          <a:p>
+            <a:r>
+              <a:rPr lang="en-US" dirty="0" smtClean="0"/>
+              <a:t>Build initiated </a:t>
+            </a:r>
+            <a:r>
+              <a:rPr lang="en-US" smtClean="0"/>
+              <a:t>integration testing</a:t>
+            </a:r>
+            <a:endParaRPr lang="en-US" dirty="0" smtClean="0"/>
           </a:p>
         </p:txBody>
       </p:sp>

--- a/CurrentWork_Delta/CX_StrategyPowerPoint.pptx
+++ b/CurrentWork_Delta/CX_StrategyPowerPoint.pptx
@@ -2,10 +2,10 @@
 <file path=ppt/presentation.xml><?xml version="1.0" encoding="utf-8"?>
 <p:presentation xmlns:a="http://schemas.openxmlformats.org/drawingml/2006/main" xmlns:r="http://schemas.openxmlformats.org/officeDocument/2006/relationships" xmlns:p="http://schemas.openxmlformats.org/presentationml/2006/main" saveSubsetFonts="1">
   <p:sldMasterIdLst>
-    <p:sldMasterId id="2147483648" r:id="rId1"/>
+    <p:sldMasterId id="2147483660" r:id="rId1"/>
   </p:sldMasterIdLst>
   <p:sldIdLst>
-    <p:sldId id="256" r:id="rId2"/>
+    <p:sldId id="266" r:id="rId2"/>
     <p:sldId id="257" r:id="rId3"/>
     <p:sldId id="258" r:id="rId4"/>
     <p:sldId id="259" r:id="rId5"/>
@@ -14,10 +14,13 @@
     <p:sldId id="262" r:id="rId8"/>
     <p:sldId id="263" r:id="rId9"/>
     <p:sldId id="264" r:id="rId10"/>
-    <p:sldId id="265" r:id="rId11"/>
+    <p:sldId id="267" r:id="rId11"/>
+    <p:sldId id="268" r:id="rId12"/>
+    <p:sldId id="269" r:id="rId13"/>
+    <p:sldId id="265" r:id="rId14"/>
   </p:sldIdLst>
   <p:sldSz cx="12192000" cy="6858000"/>
-  <p:notesSz cx="6858000" cy="9144000"/>
+  <p:notesSz cx="9144000" cy="6858000"/>
   <p:defaultTextStyle>
     <a:defPPr>
       <a:defRPr lang="en-US"/>
@@ -158,7 +161,7 @@
           <a:bodyPr anchor="b"/>
           <a:lstStyle>
             <a:lvl1pPr algn="ctr">
-              <a:defRPr sz="6000"/>
+              <a:defRPr sz="4500"/>
             </a:lvl1pPr>
           </a:lstStyle>
           <a:p>
@@ -191,39 +194,39 @@
           <a:lstStyle>
             <a:lvl1pPr marL="0" indent="0" algn="ctr">
               <a:buNone/>
-              <a:defRPr sz="2400"/>
+              <a:defRPr sz="1800"/>
             </a:lvl1pPr>
-            <a:lvl2pPr marL="457200" indent="0" algn="ctr">
-              <a:buNone/>
-              <a:defRPr sz="2000"/>
+            <a:lvl2pPr marL="342900" indent="0" algn="ctr">
+              <a:buNone/>
+              <a:defRPr sz="1500"/>
             </a:lvl2pPr>
-            <a:lvl3pPr marL="914400" indent="0" algn="ctr">
-              <a:buNone/>
-              <a:defRPr sz="1800"/>
+            <a:lvl3pPr marL="685800" indent="0" algn="ctr">
+              <a:buNone/>
+              <a:defRPr sz="1350"/>
             </a:lvl3pPr>
-            <a:lvl4pPr marL="1371600" indent="0" algn="ctr">
-              <a:buNone/>
-              <a:defRPr sz="1600"/>
+            <a:lvl4pPr marL="1028700" indent="0" algn="ctr">
+              <a:buNone/>
+              <a:defRPr sz="1200"/>
             </a:lvl4pPr>
-            <a:lvl5pPr marL="1828800" indent="0" algn="ctr">
-              <a:buNone/>
-              <a:defRPr sz="1600"/>
+            <a:lvl5pPr marL="1371600" indent="0" algn="ctr">
+              <a:buNone/>
+              <a:defRPr sz="1200"/>
             </a:lvl5pPr>
-            <a:lvl6pPr marL="2286000" indent="0" algn="ctr">
-              <a:buNone/>
-              <a:defRPr sz="1600"/>
+            <a:lvl6pPr marL="1714500" indent="0" algn="ctr">
+              <a:buNone/>
+              <a:defRPr sz="1200"/>
             </a:lvl6pPr>
-            <a:lvl7pPr marL="2743200" indent="0" algn="ctr">
-              <a:buNone/>
-              <a:defRPr sz="1600"/>
+            <a:lvl7pPr marL="2057400" indent="0" algn="ctr">
+              <a:buNone/>
+              <a:defRPr sz="1200"/>
             </a:lvl7pPr>
-            <a:lvl8pPr marL="3200400" indent="0" algn="ctr">
-              <a:buNone/>
-              <a:defRPr sz="1600"/>
+            <a:lvl8pPr marL="2400300" indent="0" algn="ctr">
+              <a:buNone/>
+              <a:defRPr sz="1200"/>
             </a:lvl8pPr>
-            <a:lvl9pPr marL="3657600" indent="0" algn="ctr">
-              <a:buNone/>
-              <a:defRPr sz="1600"/>
+            <a:lvl9pPr marL="2743200" indent="0" algn="ctr">
+              <a:buNone/>
+              <a:defRPr sz="1200"/>
             </a:lvl9pPr>
           </a:lstStyle>
           <a:p>
@@ -252,7 +255,7 @@
           <a:p>
             <a:fld id="{7AB64861-AB0E-4967-A169-DC4D9974776C}" type="datetimeFigureOut">
               <a:rPr lang="en-US" smtClean="0"/>
-              <a:t>2/27/2018</a:t>
+              <a:t>3/1/2018</a:t>
             </a:fld>
             <a:endParaRPr lang="en-US"/>
           </a:p>
@@ -303,7 +306,7 @@
     </p:spTree>
     <p:extLst>
       <p:ext uri="{BB962C8B-B14F-4D97-AF65-F5344CB8AC3E}">
-        <p14:creationId xmlns:p14="http://schemas.microsoft.com/office/powerpoint/2010/main" val="124393382"/>
+        <p14:creationId xmlns:p14="http://schemas.microsoft.com/office/powerpoint/2010/main" val="3098460310"/>
       </p:ext>
     </p:extLst>
   </p:cSld>
@@ -422,7 +425,7 @@
           <a:p>
             <a:fld id="{7AB64861-AB0E-4967-A169-DC4D9974776C}" type="datetimeFigureOut">
               <a:rPr lang="en-US" smtClean="0"/>
-              <a:t>2/27/2018</a:t>
+              <a:t>3/1/2018</a:t>
             </a:fld>
             <a:endParaRPr lang="en-US"/>
           </a:p>
@@ -473,7 +476,7 @@
     </p:spTree>
     <p:extLst>
       <p:ext uri="{BB962C8B-B14F-4D97-AF65-F5344CB8AC3E}">
-        <p14:creationId xmlns:p14="http://schemas.microsoft.com/office/powerpoint/2010/main" val="4007459953"/>
+        <p14:creationId xmlns:p14="http://schemas.microsoft.com/office/powerpoint/2010/main" val="3670879514"/>
       </p:ext>
     </p:extLst>
   </p:cSld>
@@ -512,7 +515,7 @@
         </p:nvSpPr>
         <p:spPr>
           <a:xfrm>
-            <a:off x="8724900" y="365125"/>
+            <a:off x="8724901" y="365125"/>
             <a:ext cx="2628900" cy="5811838"/>
           </a:xfrm>
         </p:spPr>
@@ -540,7 +543,7 @@
         </p:nvSpPr>
         <p:spPr>
           <a:xfrm>
-            <a:off x="838200" y="365125"/>
+            <a:off x="838201" y="365125"/>
             <a:ext cx="7734300" cy="5811838"/>
           </a:xfrm>
         </p:spPr>
@@ -602,7 +605,7 @@
           <a:p>
             <a:fld id="{7AB64861-AB0E-4967-A169-DC4D9974776C}" type="datetimeFigureOut">
               <a:rPr lang="en-US" smtClean="0"/>
-              <a:t>2/27/2018</a:t>
+              <a:t>3/1/2018</a:t>
             </a:fld>
             <a:endParaRPr lang="en-US"/>
           </a:p>
@@ -653,7 +656,450 @@
     </p:spTree>
     <p:extLst>
       <p:ext uri="{BB962C8B-B14F-4D97-AF65-F5344CB8AC3E}">
-        <p14:creationId xmlns:p14="http://schemas.microsoft.com/office/powerpoint/2010/main" val="1577419945"/>
+        <p14:creationId xmlns:p14="http://schemas.microsoft.com/office/powerpoint/2010/main" val="610858550"/>
+      </p:ext>
+    </p:extLst>
+  </p:cSld>
+  <p:clrMapOvr>
+    <a:masterClrMapping/>
+  </p:clrMapOvr>
+</p:sldLayout>
+</file>
+
+<file path=ppt/slideLayouts/slideLayout12.xml><?xml version="1.0" encoding="utf-8"?>
+<p:sldLayout xmlns:a="http://schemas.openxmlformats.org/drawingml/2006/main" xmlns:r="http://schemas.openxmlformats.org/officeDocument/2006/relationships" xmlns:p="http://schemas.openxmlformats.org/presentationml/2006/main">
+  <p:cSld name="1_Title Slide">
+    <p:spTree>
+      <p:nvGrpSpPr>
+        <p:cNvPr id="1" name=""/>
+        <p:cNvGrpSpPr/>
+        <p:nvPr/>
+      </p:nvGrpSpPr>
+      <p:grpSpPr>
+        <a:xfrm>
+          <a:off x="0" y="0"/>
+          <a:ext cx="0" cy="0"/>
+          <a:chOff x="0" y="0"/>
+          <a:chExt cx="0" cy="0"/>
+        </a:xfrm>
+      </p:grpSpPr>
+      <p:sp>
+        <p:nvSpPr>
+          <p:cNvPr id="3" name="Subtitle 2"/>
+          <p:cNvSpPr>
+            <a:spLocks noGrp="1"/>
+          </p:cNvSpPr>
+          <p:nvPr>
+            <p:ph type="subTitle" idx="1" hasCustomPrompt="1"/>
+          </p:nvPr>
+        </p:nvSpPr>
+        <p:spPr>
+          <a:xfrm>
+            <a:off x="1246017" y="3878386"/>
+            <a:ext cx="10363200" cy="371229"/>
+          </a:xfrm>
+        </p:spPr>
+        <p:txBody>
+          <a:bodyPr anchor="b">
+            <a:normAutofit/>
+          </a:bodyPr>
+          <a:lstStyle>
+            <a:lvl1pPr marL="0" marR="0" indent="0" algn="l" defTabSz="457200" rtl="0" eaLnBrk="1" fontAlgn="auto" latinLnBrk="0" hangingPunct="1">
+              <a:lnSpc>
+                <a:spcPct val="70000"/>
+              </a:lnSpc>
+              <a:spcBef>
+                <a:spcPct val="20000"/>
+              </a:spcBef>
+              <a:spcAft>
+                <a:spcPts val="0"/>
+              </a:spcAft>
+              <a:buClrTx/>
+              <a:buSzPct val="100000"/>
+              <a:buFontTx/>
+              <a:buNone/>
+              <a:tabLst/>
+              <a:defRPr sz="2000" baseline="0">
+                <a:solidFill>
+                  <a:schemeClr val="tx1"/>
+                </a:solidFill>
+              </a:defRPr>
+            </a:lvl1pPr>
+            <a:lvl2pPr marL="457200" indent="0" algn="ctr">
+              <a:buNone/>
+              <a:defRPr>
+                <a:solidFill>
+                  <a:schemeClr val="tx1">
+                    <a:tint val="75000"/>
+                  </a:schemeClr>
+                </a:solidFill>
+              </a:defRPr>
+            </a:lvl2pPr>
+            <a:lvl3pPr marL="914400" indent="0" algn="ctr">
+              <a:buNone/>
+              <a:defRPr>
+                <a:solidFill>
+                  <a:schemeClr val="tx1">
+                    <a:tint val="75000"/>
+                  </a:schemeClr>
+                </a:solidFill>
+              </a:defRPr>
+            </a:lvl3pPr>
+            <a:lvl4pPr marL="1371600" indent="0" algn="ctr">
+              <a:buNone/>
+              <a:defRPr>
+                <a:solidFill>
+                  <a:schemeClr val="tx1">
+                    <a:tint val="75000"/>
+                  </a:schemeClr>
+                </a:solidFill>
+              </a:defRPr>
+            </a:lvl4pPr>
+            <a:lvl5pPr marL="1828800" indent="0" algn="ctr">
+              <a:buNone/>
+              <a:defRPr>
+                <a:solidFill>
+                  <a:schemeClr val="tx1">
+                    <a:tint val="75000"/>
+                  </a:schemeClr>
+                </a:solidFill>
+              </a:defRPr>
+            </a:lvl5pPr>
+            <a:lvl6pPr marL="2286000" indent="0" algn="ctr">
+              <a:buNone/>
+              <a:defRPr>
+                <a:solidFill>
+                  <a:schemeClr val="tx1">
+                    <a:tint val="75000"/>
+                  </a:schemeClr>
+                </a:solidFill>
+              </a:defRPr>
+            </a:lvl6pPr>
+            <a:lvl7pPr marL="2743200" indent="0" algn="ctr">
+              <a:buNone/>
+              <a:defRPr>
+                <a:solidFill>
+                  <a:schemeClr val="tx1">
+                    <a:tint val="75000"/>
+                  </a:schemeClr>
+                </a:solidFill>
+              </a:defRPr>
+            </a:lvl7pPr>
+            <a:lvl8pPr marL="3200400" indent="0" algn="ctr">
+              <a:buNone/>
+              <a:defRPr>
+                <a:solidFill>
+                  <a:schemeClr val="tx1">
+                    <a:tint val="75000"/>
+                  </a:schemeClr>
+                </a:solidFill>
+              </a:defRPr>
+            </a:lvl8pPr>
+            <a:lvl9pPr marL="3657600" indent="0" algn="ctr">
+              <a:buNone/>
+              <a:defRPr>
+                <a:solidFill>
+                  <a:schemeClr val="tx1">
+                    <a:tint val="75000"/>
+                  </a:schemeClr>
+                </a:solidFill>
+              </a:defRPr>
+            </a:lvl9pPr>
+          </a:lstStyle>
+          <a:p>
+            <a:r>
+              <a:rPr lang="en-US" dirty="0" smtClean="0"/>
+              <a:t>Presented by</a:t>
+            </a:r>
+          </a:p>
+        </p:txBody>
+      </p:sp>
+      <p:sp>
+        <p:nvSpPr>
+          <p:cNvPr id="6" name="Slide Number Placeholder 5"/>
+          <p:cNvSpPr>
+            <a:spLocks noGrp="1"/>
+          </p:cNvSpPr>
+          <p:nvPr>
+            <p:ph type="sldNum" sz="quarter" idx="12"/>
+          </p:nvPr>
+        </p:nvSpPr>
+        <p:spPr/>
+        <p:txBody>
+          <a:bodyPr/>
+          <a:lstStyle/>
+          <a:p>
+            <a:fld id="{23036171-CD4D-43BD-9BBF-2CCD34572CE4}" type="slidenum">
+              <a:rPr lang="en-US" smtClean="0"/>
+              <a:t>‹#›</a:t>
+            </a:fld>
+            <a:endParaRPr lang="en-US"/>
+          </a:p>
+        </p:txBody>
+      </p:sp>
+      <p:pic>
+        <p:nvPicPr>
+          <p:cNvPr id="7" name="Picture 6" descr="DDLogo_PMS 361.png"/>
+          <p:cNvPicPr>
+            <a:picLocks noChangeAspect="1"/>
+          </p:cNvPicPr>
+          <p:nvPr/>
+        </p:nvPicPr>
+        <p:blipFill>
+          <a:blip r:embed="rId2" cstate="print">
+            <a:extLst>
+              <a:ext uri="{28A0092B-C50C-407E-A947-70E740481C1C}">
+                <a14:useLocalDpi xmlns:a14="http://schemas.microsoft.com/office/drawing/2010/main" val="0"/>
+              </a:ext>
+            </a:extLst>
+          </a:blip>
+          <a:stretch>
+            <a:fillRect/>
+          </a:stretch>
+        </p:blipFill>
+        <p:spPr>
+          <a:xfrm>
+            <a:off x="1246017" y="420688"/>
+            <a:ext cx="2440432" cy="473964"/>
+          </a:xfrm>
+          <a:prstGeom prst="rect">
+            <a:avLst/>
+          </a:prstGeom>
+        </p:spPr>
+      </p:pic>
+      <p:sp>
+        <p:nvSpPr>
+          <p:cNvPr id="2" name="Title 1"/>
+          <p:cNvSpPr>
+            <a:spLocks noGrp="1"/>
+          </p:cNvSpPr>
+          <p:nvPr>
+            <p:ph type="ctrTitle" hasCustomPrompt="1"/>
+          </p:nvPr>
+        </p:nvSpPr>
+        <p:spPr>
+          <a:xfrm>
+            <a:off x="1246017" y="2100386"/>
+            <a:ext cx="10503111" cy="1778001"/>
+          </a:xfrm>
+        </p:spPr>
+        <p:txBody>
+          <a:bodyPr anchor="b">
+            <a:normAutofit/>
+          </a:bodyPr>
+          <a:lstStyle>
+            <a:lvl1pPr algn="l">
+              <a:lnSpc>
+                <a:spcPct val="70000"/>
+              </a:lnSpc>
+              <a:defRPr sz="5000" baseline="0"/>
+            </a:lvl1pPr>
+          </a:lstStyle>
+          <a:p>
+            <a:r>
+              <a:rPr lang="en-US" dirty="0" smtClean="0"/>
+              <a:t>TITLE LINE 1</a:t>
+            </a:r>
+            <a:br>
+              <a:rPr lang="en-US" dirty="0" smtClean="0"/>
+            </a:br>
+            <a:r>
+              <a:rPr lang="en-US" dirty="0" smtClean="0"/>
+              <a:t>TITLE LINE 2</a:t>
+            </a:r>
+            <a:endParaRPr lang="en-US" dirty="0"/>
+          </a:p>
+        </p:txBody>
+      </p:sp>
+      <p:sp>
+        <p:nvSpPr>
+          <p:cNvPr id="16" name="Text Placeholder 15"/>
+          <p:cNvSpPr>
+            <a:spLocks noGrp="1"/>
+          </p:cNvSpPr>
+          <p:nvPr>
+            <p:ph type="body" sz="quarter" idx="13" hasCustomPrompt="1"/>
+          </p:nvPr>
+        </p:nvSpPr>
+        <p:spPr>
+          <a:xfrm>
+            <a:off x="1219200" y="4161713"/>
+            <a:ext cx="10363200" cy="380983"/>
+          </a:xfrm>
+        </p:spPr>
+        <p:txBody>
+          <a:bodyPr anchor="t">
+            <a:normAutofit/>
+          </a:bodyPr>
+          <a:lstStyle>
+            <a:lvl1pPr marL="0" marR="0" indent="0" algn="l" defTabSz="457200" rtl="0" eaLnBrk="1" fontAlgn="auto" latinLnBrk="0" hangingPunct="1">
+              <a:lnSpc>
+                <a:spcPct val="100000"/>
+              </a:lnSpc>
+              <a:spcBef>
+                <a:spcPct val="20000"/>
+              </a:spcBef>
+              <a:spcAft>
+                <a:spcPts val="0"/>
+              </a:spcAft>
+              <a:buClrTx/>
+              <a:buSzPct val="100000"/>
+              <a:buFontTx/>
+              <a:buNone/>
+              <a:tabLst/>
+              <a:defRPr sz="2000">
+                <a:solidFill>
+                  <a:schemeClr val="tx1"/>
+                </a:solidFill>
+              </a:defRPr>
+            </a:lvl1pPr>
+          </a:lstStyle>
+          <a:p>
+            <a:r>
+              <a:rPr lang="en-US" dirty="0" smtClean="0"/>
+              <a:t>Date</a:t>
+            </a:r>
+          </a:p>
+        </p:txBody>
+      </p:sp>
+    </p:spTree>
+    <p:extLst>
+      <p:ext uri="{BB962C8B-B14F-4D97-AF65-F5344CB8AC3E}">
+        <p14:creationId xmlns:p14="http://schemas.microsoft.com/office/powerpoint/2010/main" val="88778820"/>
+      </p:ext>
+    </p:extLst>
+  </p:cSld>
+  <p:clrMapOvr>
+    <a:masterClrMapping/>
+  </p:clrMapOvr>
+</p:sldLayout>
+</file>
+
+<file path=ppt/slideLayouts/slideLayout13.xml><?xml version="1.0" encoding="utf-8"?>
+<p:sldLayout xmlns:a="http://schemas.openxmlformats.org/drawingml/2006/main" xmlns:r="http://schemas.openxmlformats.org/officeDocument/2006/relationships" xmlns:p="http://schemas.openxmlformats.org/presentationml/2006/main" preserve="1">
+  <p:cSld name="1_Title Only">
+    <p:spTree>
+      <p:nvGrpSpPr>
+        <p:cNvPr id="1" name=""/>
+        <p:cNvGrpSpPr/>
+        <p:nvPr/>
+      </p:nvGrpSpPr>
+      <p:grpSpPr>
+        <a:xfrm>
+          <a:off x="0" y="0"/>
+          <a:ext cx="0" cy="0"/>
+          <a:chOff x="0" y="0"/>
+          <a:chExt cx="0" cy="0"/>
+        </a:xfrm>
+      </p:grpSpPr>
+      <p:sp>
+        <p:nvSpPr>
+          <p:cNvPr id="2" name="Title 1"/>
+          <p:cNvSpPr>
+            <a:spLocks noGrp="1"/>
+          </p:cNvSpPr>
+          <p:nvPr>
+            <p:ph type="title" hasCustomPrompt="1"/>
+          </p:nvPr>
+        </p:nvSpPr>
+        <p:spPr>
+          <a:xfrm>
+            <a:off x="935234" y="302847"/>
+            <a:ext cx="10647167" cy="3156561"/>
+          </a:xfrm>
+        </p:spPr>
+        <p:txBody>
+          <a:bodyPr/>
+          <a:lstStyle>
+            <a:lvl1pPr>
+              <a:lnSpc>
+                <a:spcPct val="60000"/>
+              </a:lnSpc>
+              <a:defRPr/>
+            </a:lvl1pPr>
+          </a:lstStyle>
+          <a:p>
+            <a:r>
+              <a:rPr lang="en-US" dirty="0" smtClean="0"/>
+              <a:t>THANK YOU FOR</a:t>
+            </a:r>
+            <a:br>
+              <a:rPr lang="en-US" dirty="0" smtClean="0"/>
+            </a:br>
+            <a:r>
+              <a:rPr lang="en-US" dirty="0" smtClean="0"/>
+              <a:t>YOUR TIME</a:t>
+            </a:r>
+            <a:endParaRPr lang="en-US" dirty="0"/>
+          </a:p>
+        </p:txBody>
+      </p:sp>
+      <p:sp>
+        <p:nvSpPr>
+          <p:cNvPr id="5" name="Slide Number Placeholder 4"/>
+          <p:cNvSpPr>
+            <a:spLocks noGrp="1"/>
+          </p:cNvSpPr>
+          <p:nvPr>
+            <p:ph type="sldNum" sz="quarter" idx="12"/>
+          </p:nvPr>
+        </p:nvSpPr>
+        <p:spPr/>
+        <p:txBody>
+          <a:bodyPr/>
+          <a:lstStyle/>
+          <a:p>
+            <a:fld id="{23036171-CD4D-43BD-9BBF-2CCD34572CE4}" type="slidenum">
+              <a:rPr lang="en-US" smtClean="0"/>
+              <a:t>‹#›</a:t>
+            </a:fld>
+            <a:endParaRPr lang="en-US"/>
+          </a:p>
+        </p:txBody>
+      </p:sp>
+      <p:sp>
+        <p:nvSpPr>
+          <p:cNvPr id="9" name="Text Placeholder 8"/>
+          <p:cNvSpPr>
+            <a:spLocks noGrp="1"/>
+          </p:cNvSpPr>
+          <p:nvPr>
+            <p:ph type="body" sz="quarter" idx="13" hasCustomPrompt="1"/>
+          </p:nvPr>
+        </p:nvSpPr>
+        <p:spPr>
+          <a:xfrm>
+            <a:off x="935567" y="3379673"/>
+            <a:ext cx="10646833" cy="1309688"/>
+          </a:xfrm>
+        </p:spPr>
+        <p:txBody>
+          <a:bodyPr/>
+          <a:lstStyle>
+            <a:lvl1pPr>
+              <a:lnSpc>
+                <a:spcPct val="60000"/>
+              </a:lnSpc>
+              <a:defRPr>
+                <a:solidFill>
+                  <a:schemeClr val="tx1"/>
+                </a:solidFill>
+              </a:defRPr>
+            </a:lvl1pPr>
+          </a:lstStyle>
+          <a:p>
+            <a:pPr lvl="0"/>
+            <a:r>
+              <a:rPr lang="en-US" dirty="0" smtClean="0"/>
+              <a:t>We’re pleased to take your questions...</a:t>
+            </a:r>
+          </a:p>
+        </p:txBody>
+      </p:sp>
+    </p:spTree>
+    <p:extLst>
+      <p:ext uri="{BB962C8B-B14F-4D97-AF65-F5344CB8AC3E}">
+        <p14:creationId xmlns:p14="http://schemas.microsoft.com/office/powerpoint/2010/main" val="1299816980"/>
       </p:ext>
     </p:extLst>
   </p:cSld>
@@ -772,7 +1218,7 @@
           <a:p>
             <a:fld id="{7AB64861-AB0E-4967-A169-DC4D9974776C}" type="datetimeFigureOut">
               <a:rPr lang="en-US" smtClean="0"/>
-              <a:t>2/27/2018</a:t>
+              <a:t>3/1/2018</a:t>
             </a:fld>
             <a:endParaRPr lang="en-US"/>
           </a:p>
@@ -823,7 +1269,7 @@
     </p:spTree>
     <p:extLst>
       <p:ext uri="{BB962C8B-B14F-4D97-AF65-F5344CB8AC3E}">
-        <p14:creationId xmlns:p14="http://schemas.microsoft.com/office/powerpoint/2010/main" val="2651800555"/>
+        <p14:creationId xmlns:p14="http://schemas.microsoft.com/office/powerpoint/2010/main" val="196650650"/>
       </p:ext>
     </p:extLst>
   </p:cSld>
@@ -862,7 +1308,7 @@
         </p:nvSpPr>
         <p:spPr>
           <a:xfrm>
-            <a:off x="831850" y="1709738"/>
+            <a:off x="831851" y="1709740"/>
             <a:ext cx="10515600" cy="2852737"/>
           </a:xfrm>
         </p:spPr>
@@ -870,7 +1316,7 @@
           <a:bodyPr anchor="b"/>
           <a:lstStyle>
             <a:lvl1pPr>
-              <a:defRPr sz="6000"/>
+              <a:defRPr sz="4500"/>
             </a:lvl1pPr>
           </a:lstStyle>
           <a:p>
@@ -894,7 +1340,7 @@
         </p:nvSpPr>
         <p:spPr>
           <a:xfrm>
-            <a:off x="831850" y="4589463"/>
+            <a:off x="831851" y="4589465"/>
             <a:ext cx="10515600" cy="1500187"/>
           </a:xfrm>
         </p:spPr>
@@ -903,7 +1349,7 @@
           <a:lstStyle>
             <a:lvl1pPr marL="0" indent="0">
               <a:buNone/>
-              <a:defRPr sz="2400">
+              <a:defRPr sz="1800">
                 <a:solidFill>
                   <a:schemeClr val="tx1">
                     <a:tint val="75000"/>
@@ -911,9 +1357,9 @@
                 </a:solidFill>
               </a:defRPr>
             </a:lvl1pPr>
-            <a:lvl2pPr marL="457200" indent="0">
-              <a:buNone/>
-              <a:defRPr sz="2000">
+            <a:lvl2pPr marL="342900" indent="0">
+              <a:buNone/>
+              <a:defRPr sz="1500">
                 <a:solidFill>
                   <a:schemeClr val="tx1">
                     <a:tint val="75000"/>
@@ -921,9 +1367,9 @@
                 </a:solidFill>
               </a:defRPr>
             </a:lvl2pPr>
-            <a:lvl3pPr marL="914400" indent="0">
-              <a:buNone/>
-              <a:defRPr sz="1800">
+            <a:lvl3pPr marL="685800" indent="0">
+              <a:buNone/>
+              <a:defRPr sz="1350">
                 <a:solidFill>
                   <a:schemeClr val="tx1">
                     <a:tint val="75000"/>
@@ -931,9 +1377,9 @@
                 </a:solidFill>
               </a:defRPr>
             </a:lvl3pPr>
-            <a:lvl4pPr marL="1371600" indent="0">
-              <a:buNone/>
-              <a:defRPr sz="1600">
+            <a:lvl4pPr marL="1028700" indent="0">
+              <a:buNone/>
+              <a:defRPr sz="1200">
                 <a:solidFill>
                   <a:schemeClr val="tx1">
                     <a:tint val="75000"/>
@@ -941,9 +1387,9 @@
                 </a:solidFill>
               </a:defRPr>
             </a:lvl4pPr>
-            <a:lvl5pPr marL="1828800" indent="0">
-              <a:buNone/>
-              <a:defRPr sz="1600">
+            <a:lvl5pPr marL="1371600" indent="0">
+              <a:buNone/>
+              <a:defRPr sz="1200">
                 <a:solidFill>
                   <a:schemeClr val="tx1">
                     <a:tint val="75000"/>
@@ -951,9 +1397,9 @@
                 </a:solidFill>
               </a:defRPr>
             </a:lvl5pPr>
-            <a:lvl6pPr marL="2286000" indent="0">
-              <a:buNone/>
-              <a:defRPr sz="1600">
+            <a:lvl6pPr marL="1714500" indent="0">
+              <a:buNone/>
+              <a:defRPr sz="1200">
                 <a:solidFill>
                   <a:schemeClr val="tx1">
                     <a:tint val="75000"/>
@@ -961,9 +1407,9 @@
                 </a:solidFill>
               </a:defRPr>
             </a:lvl6pPr>
-            <a:lvl7pPr marL="2743200" indent="0">
-              <a:buNone/>
-              <a:defRPr sz="1600">
+            <a:lvl7pPr marL="2057400" indent="0">
+              <a:buNone/>
+              <a:defRPr sz="1200">
                 <a:solidFill>
                   <a:schemeClr val="tx1">
                     <a:tint val="75000"/>
@@ -971,9 +1417,9 @@
                 </a:solidFill>
               </a:defRPr>
             </a:lvl7pPr>
-            <a:lvl8pPr marL="3200400" indent="0">
-              <a:buNone/>
-              <a:defRPr sz="1600">
+            <a:lvl8pPr marL="2400300" indent="0">
+              <a:buNone/>
+              <a:defRPr sz="1200">
                 <a:solidFill>
                   <a:schemeClr val="tx1">
                     <a:tint val="75000"/>
@@ -981,9 +1427,9 @@
                 </a:solidFill>
               </a:defRPr>
             </a:lvl8pPr>
-            <a:lvl9pPr marL="3657600" indent="0">
-              <a:buNone/>
-              <a:defRPr sz="1600">
+            <a:lvl9pPr marL="2743200" indent="0">
+              <a:buNone/>
+              <a:defRPr sz="1200">
                 <a:solidFill>
                   <a:schemeClr val="tx1">
                     <a:tint val="75000"/>
@@ -1018,7 +1464,7 @@
           <a:p>
             <a:fld id="{7AB64861-AB0E-4967-A169-DC4D9974776C}" type="datetimeFigureOut">
               <a:rPr lang="en-US" smtClean="0"/>
-              <a:t>2/27/2018</a:t>
+              <a:t>3/1/2018</a:t>
             </a:fld>
             <a:endParaRPr lang="en-US"/>
           </a:p>
@@ -1069,7 +1515,7 @@
     </p:spTree>
     <p:extLst>
       <p:ext uri="{BB962C8B-B14F-4D97-AF65-F5344CB8AC3E}">
-        <p14:creationId xmlns:p14="http://schemas.microsoft.com/office/powerpoint/2010/main" val="1750197621"/>
+        <p14:creationId xmlns:p14="http://schemas.microsoft.com/office/powerpoint/2010/main" val="574322138"/>
       </p:ext>
     </p:extLst>
   </p:cSld>
@@ -1250,7 +1696,7 @@
           <a:p>
             <a:fld id="{7AB64861-AB0E-4967-A169-DC4D9974776C}" type="datetimeFigureOut">
               <a:rPr lang="en-US" smtClean="0"/>
-              <a:t>2/27/2018</a:t>
+              <a:t>3/1/2018</a:t>
             </a:fld>
             <a:endParaRPr lang="en-US"/>
           </a:p>
@@ -1301,7 +1747,7 @@
     </p:spTree>
     <p:extLst>
       <p:ext uri="{BB962C8B-B14F-4D97-AF65-F5344CB8AC3E}">
-        <p14:creationId xmlns:p14="http://schemas.microsoft.com/office/powerpoint/2010/main" val="552772709"/>
+        <p14:creationId xmlns:p14="http://schemas.microsoft.com/office/powerpoint/2010/main" val="3547805068"/>
       </p:ext>
     </p:extLst>
   </p:cSld>
@@ -1340,7 +1786,7 @@
         </p:nvSpPr>
         <p:spPr>
           <a:xfrm>
-            <a:off x="839788" y="365125"/>
+            <a:off x="839788" y="365127"/>
             <a:ext cx="10515600" cy="1325563"/>
           </a:xfrm>
         </p:spPr>
@@ -1368,7 +1814,7 @@
         </p:nvSpPr>
         <p:spPr>
           <a:xfrm>
-            <a:off x="839788" y="1681163"/>
+            <a:off x="839789" y="1681163"/>
             <a:ext cx="5157787" cy="823912"/>
           </a:xfrm>
         </p:spPr>
@@ -1377,39 +1823,39 @@
           <a:lstStyle>
             <a:lvl1pPr marL="0" indent="0">
               <a:buNone/>
-              <a:defRPr sz="2400" b="1"/>
+              <a:defRPr sz="1800" b="1"/>
             </a:lvl1pPr>
-            <a:lvl2pPr marL="457200" indent="0">
-              <a:buNone/>
-              <a:defRPr sz="2000" b="1"/>
+            <a:lvl2pPr marL="342900" indent="0">
+              <a:buNone/>
+              <a:defRPr sz="1500" b="1"/>
             </a:lvl2pPr>
-            <a:lvl3pPr marL="914400" indent="0">
-              <a:buNone/>
-              <a:defRPr sz="1800" b="1"/>
+            <a:lvl3pPr marL="685800" indent="0">
+              <a:buNone/>
+              <a:defRPr sz="1350" b="1"/>
             </a:lvl3pPr>
-            <a:lvl4pPr marL="1371600" indent="0">
-              <a:buNone/>
-              <a:defRPr sz="1600" b="1"/>
+            <a:lvl4pPr marL="1028700" indent="0">
+              <a:buNone/>
+              <a:defRPr sz="1200" b="1"/>
             </a:lvl4pPr>
-            <a:lvl5pPr marL="1828800" indent="0">
-              <a:buNone/>
-              <a:defRPr sz="1600" b="1"/>
+            <a:lvl5pPr marL="1371600" indent="0">
+              <a:buNone/>
+              <a:defRPr sz="1200" b="1"/>
             </a:lvl5pPr>
-            <a:lvl6pPr marL="2286000" indent="0">
-              <a:buNone/>
-              <a:defRPr sz="1600" b="1"/>
+            <a:lvl6pPr marL="1714500" indent="0">
+              <a:buNone/>
+              <a:defRPr sz="1200" b="1"/>
             </a:lvl6pPr>
-            <a:lvl7pPr marL="2743200" indent="0">
-              <a:buNone/>
-              <a:defRPr sz="1600" b="1"/>
+            <a:lvl7pPr marL="2057400" indent="0">
+              <a:buNone/>
+              <a:defRPr sz="1200" b="1"/>
             </a:lvl7pPr>
-            <a:lvl8pPr marL="3200400" indent="0">
-              <a:buNone/>
-              <a:defRPr sz="1600" b="1"/>
+            <a:lvl8pPr marL="2400300" indent="0">
+              <a:buNone/>
+              <a:defRPr sz="1200" b="1"/>
             </a:lvl8pPr>
-            <a:lvl9pPr marL="3657600" indent="0">
-              <a:buNone/>
-              <a:defRPr sz="1600" b="1"/>
+            <a:lvl9pPr marL="2743200" indent="0">
+              <a:buNone/>
+              <a:defRPr sz="1200" b="1"/>
             </a:lvl9pPr>
           </a:lstStyle>
           <a:p>
@@ -1433,7 +1879,7 @@
         </p:nvSpPr>
         <p:spPr>
           <a:xfrm>
-            <a:off x="839788" y="2505075"/>
+            <a:off x="839789" y="2505075"/>
             <a:ext cx="5157787" cy="3684588"/>
           </a:xfrm>
         </p:spPr>
@@ -1490,7 +1936,7 @@
         </p:nvSpPr>
         <p:spPr>
           <a:xfrm>
-            <a:off x="6172200" y="1681163"/>
+            <a:off x="6172201" y="1681163"/>
             <a:ext cx="5183188" cy="823912"/>
           </a:xfrm>
         </p:spPr>
@@ -1499,39 +1945,39 @@
           <a:lstStyle>
             <a:lvl1pPr marL="0" indent="0">
               <a:buNone/>
-              <a:defRPr sz="2400" b="1"/>
+              <a:defRPr sz="1800" b="1"/>
             </a:lvl1pPr>
-            <a:lvl2pPr marL="457200" indent="0">
-              <a:buNone/>
-              <a:defRPr sz="2000" b="1"/>
+            <a:lvl2pPr marL="342900" indent="0">
+              <a:buNone/>
+              <a:defRPr sz="1500" b="1"/>
             </a:lvl2pPr>
-            <a:lvl3pPr marL="914400" indent="0">
-              <a:buNone/>
-              <a:defRPr sz="1800" b="1"/>
+            <a:lvl3pPr marL="685800" indent="0">
+              <a:buNone/>
+              <a:defRPr sz="1350" b="1"/>
             </a:lvl3pPr>
-            <a:lvl4pPr marL="1371600" indent="0">
-              <a:buNone/>
-              <a:defRPr sz="1600" b="1"/>
+            <a:lvl4pPr marL="1028700" indent="0">
+              <a:buNone/>
+              <a:defRPr sz="1200" b="1"/>
             </a:lvl4pPr>
-            <a:lvl5pPr marL="1828800" indent="0">
-              <a:buNone/>
-              <a:defRPr sz="1600" b="1"/>
+            <a:lvl5pPr marL="1371600" indent="0">
+              <a:buNone/>
+              <a:defRPr sz="1200" b="1"/>
             </a:lvl5pPr>
-            <a:lvl6pPr marL="2286000" indent="0">
-              <a:buNone/>
-              <a:defRPr sz="1600" b="1"/>
+            <a:lvl6pPr marL="1714500" indent="0">
+              <a:buNone/>
+              <a:defRPr sz="1200" b="1"/>
             </a:lvl6pPr>
-            <a:lvl7pPr marL="2743200" indent="0">
-              <a:buNone/>
-              <a:defRPr sz="1600" b="1"/>
+            <a:lvl7pPr marL="2057400" indent="0">
+              <a:buNone/>
+              <a:defRPr sz="1200" b="1"/>
             </a:lvl7pPr>
-            <a:lvl8pPr marL="3200400" indent="0">
-              <a:buNone/>
-              <a:defRPr sz="1600" b="1"/>
+            <a:lvl8pPr marL="2400300" indent="0">
+              <a:buNone/>
+              <a:defRPr sz="1200" b="1"/>
             </a:lvl8pPr>
-            <a:lvl9pPr marL="3657600" indent="0">
-              <a:buNone/>
-              <a:defRPr sz="1600" b="1"/>
+            <a:lvl9pPr marL="2743200" indent="0">
+              <a:buNone/>
+              <a:defRPr sz="1200" b="1"/>
             </a:lvl9pPr>
           </a:lstStyle>
           <a:p>
@@ -1555,7 +2001,7 @@
         </p:nvSpPr>
         <p:spPr>
           <a:xfrm>
-            <a:off x="6172200" y="2505075"/>
+            <a:off x="6172201" y="2505075"/>
             <a:ext cx="5183188" cy="3684588"/>
           </a:xfrm>
         </p:spPr>
@@ -1617,7 +2063,7 @@
           <a:p>
             <a:fld id="{7AB64861-AB0E-4967-A169-DC4D9974776C}" type="datetimeFigureOut">
               <a:rPr lang="en-US" smtClean="0"/>
-              <a:t>2/27/2018</a:t>
+              <a:t>3/1/2018</a:t>
             </a:fld>
             <a:endParaRPr lang="en-US"/>
           </a:p>
@@ -1668,7 +2114,7 @@
     </p:spTree>
     <p:extLst>
       <p:ext uri="{BB962C8B-B14F-4D97-AF65-F5344CB8AC3E}">
-        <p14:creationId xmlns:p14="http://schemas.microsoft.com/office/powerpoint/2010/main" val="4126470211"/>
+        <p14:creationId xmlns:p14="http://schemas.microsoft.com/office/powerpoint/2010/main" val="178114835"/>
       </p:ext>
     </p:extLst>
   </p:cSld>
@@ -1735,7 +2181,7 @@
           <a:p>
             <a:fld id="{7AB64861-AB0E-4967-A169-DC4D9974776C}" type="datetimeFigureOut">
               <a:rPr lang="en-US" smtClean="0"/>
-              <a:t>2/27/2018</a:t>
+              <a:t>3/1/2018</a:t>
             </a:fld>
             <a:endParaRPr lang="en-US"/>
           </a:p>
@@ -1786,7 +2232,7 @@
     </p:spTree>
     <p:extLst>
       <p:ext uri="{BB962C8B-B14F-4D97-AF65-F5344CB8AC3E}">
-        <p14:creationId xmlns:p14="http://schemas.microsoft.com/office/powerpoint/2010/main" val="2106170549"/>
+        <p14:creationId xmlns:p14="http://schemas.microsoft.com/office/powerpoint/2010/main" val="4233366383"/>
       </p:ext>
     </p:extLst>
   </p:cSld>
@@ -1830,7 +2276,7 @@
           <a:p>
             <a:fld id="{7AB64861-AB0E-4967-A169-DC4D9974776C}" type="datetimeFigureOut">
               <a:rPr lang="en-US" smtClean="0"/>
-              <a:t>2/27/2018</a:t>
+              <a:t>3/1/2018</a:t>
             </a:fld>
             <a:endParaRPr lang="en-US"/>
           </a:p>
@@ -1881,7 +2327,7 @@
     </p:spTree>
     <p:extLst>
       <p:ext uri="{BB962C8B-B14F-4D97-AF65-F5344CB8AC3E}">
-        <p14:creationId xmlns:p14="http://schemas.microsoft.com/office/powerpoint/2010/main" val="980435625"/>
+        <p14:creationId xmlns:p14="http://schemas.microsoft.com/office/powerpoint/2010/main" val="4178479431"/>
       </p:ext>
     </p:extLst>
   </p:cSld>
@@ -1928,7 +2374,7 @@
           <a:bodyPr anchor="b"/>
           <a:lstStyle>
             <a:lvl1pPr>
-              <a:defRPr sz="3200"/>
+              <a:defRPr sz="2400"/>
             </a:lvl1pPr>
           </a:lstStyle>
           <a:p>
@@ -1952,7 +2398,7 @@
         </p:nvSpPr>
         <p:spPr>
           <a:xfrm>
-            <a:off x="5183188" y="987425"/>
+            <a:off x="5183188" y="987427"/>
             <a:ext cx="6172200" cy="4873625"/>
           </a:xfrm>
         </p:spPr>
@@ -1960,31 +2406,31 @@
           <a:bodyPr/>
           <a:lstStyle>
             <a:lvl1pPr>
-              <a:defRPr sz="3200"/>
+              <a:defRPr sz="2400"/>
             </a:lvl1pPr>
             <a:lvl2pPr>
-              <a:defRPr sz="2800"/>
+              <a:defRPr sz="2100"/>
             </a:lvl2pPr>
             <a:lvl3pPr>
-              <a:defRPr sz="2400"/>
+              <a:defRPr sz="1800"/>
             </a:lvl3pPr>
             <a:lvl4pPr>
-              <a:defRPr sz="2000"/>
+              <a:defRPr sz="1500"/>
             </a:lvl4pPr>
             <a:lvl5pPr>
-              <a:defRPr sz="2000"/>
+              <a:defRPr sz="1500"/>
             </a:lvl5pPr>
             <a:lvl6pPr>
-              <a:defRPr sz="2000"/>
+              <a:defRPr sz="1500"/>
             </a:lvl6pPr>
             <a:lvl7pPr>
-              <a:defRPr sz="2000"/>
+              <a:defRPr sz="1500"/>
             </a:lvl7pPr>
             <a:lvl8pPr>
-              <a:defRPr sz="2000"/>
+              <a:defRPr sz="1500"/>
             </a:lvl8pPr>
             <a:lvl9pPr>
-              <a:defRPr sz="2000"/>
+              <a:defRPr sz="1500"/>
             </a:lvl9pPr>
           </a:lstStyle>
           <a:p>
@@ -2046,39 +2492,39 @@
           <a:lstStyle>
             <a:lvl1pPr marL="0" indent="0">
               <a:buNone/>
-              <a:defRPr sz="1600"/>
+              <a:defRPr sz="1200"/>
             </a:lvl1pPr>
-            <a:lvl2pPr marL="457200" indent="0">
-              <a:buNone/>
-              <a:defRPr sz="1400"/>
+            <a:lvl2pPr marL="342900" indent="0">
+              <a:buNone/>
+              <a:defRPr sz="1050"/>
             </a:lvl2pPr>
-            <a:lvl3pPr marL="914400" indent="0">
-              <a:buNone/>
-              <a:defRPr sz="1200"/>
+            <a:lvl3pPr marL="685800" indent="0">
+              <a:buNone/>
+              <a:defRPr sz="900"/>
             </a:lvl3pPr>
-            <a:lvl4pPr marL="1371600" indent="0">
-              <a:buNone/>
-              <a:defRPr sz="1000"/>
+            <a:lvl4pPr marL="1028700" indent="0">
+              <a:buNone/>
+              <a:defRPr sz="750"/>
             </a:lvl4pPr>
-            <a:lvl5pPr marL="1828800" indent="0">
-              <a:buNone/>
-              <a:defRPr sz="1000"/>
+            <a:lvl5pPr marL="1371600" indent="0">
+              <a:buNone/>
+              <a:defRPr sz="750"/>
             </a:lvl5pPr>
-            <a:lvl6pPr marL="2286000" indent="0">
-              <a:buNone/>
-              <a:defRPr sz="1000"/>
+            <a:lvl6pPr marL="1714500" indent="0">
+              <a:buNone/>
+              <a:defRPr sz="750"/>
             </a:lvl6pPr>
-            <a:lvl7pPr marL="2743200" indent="0">
-              <a:buNone/>
-              <a:defRPr sz="1000"/>
+            <a:lvl7pPr marL="2057400" indent="0">
+              <a:buNone/>
+              <a:defRPr sz="750"/>
             </a:lvl7pPr>
-            <a:lvl8pPr marL="3200400" indent="0">
-              <a:buNone/>
-              <a:defRPr sz="1000"/>
+            <a:lvl8pPr marL="2400300" indent="0">
+              <a:buNone/>
+              <a:defRPr sz="750"/>
             </a:lvl8pPr>
-            <a:lvl9pPr marL="3657600" indent="0">
-              <a:buNone/>
-              <a:defRPr sz="1000"/>
+            <a:lvl9pPr marL="2743200" indent="0">
+              <a:buNone/>
+              <a:defRPr sz="750"/>
             </a:lvl9pPr>
           </a:lstStyle>
           <a:p>
@@ -2107,7 +2553,7 @@
           <a:p>
             <a:fld id="{7AB64861-AB0E-4967-A169-DC4D9974776C}" type="datetimeFigureOut">
               <a:rPr lang="en-US" smtClean="0"/>
-              <a:t>2/27/2018</a:t>
+              <a:t>3/1/2018</a:t>
             </a:fld>
             <a:endParaRPr lang="en-US"/>
           </a:p>
@@ -2158,7 +2604,7 @@
     </p:spTree>
     <p:extLst>
       <p:ext uri="{BB962C8B-B14F-4D97-AF65-F5344CB8AC3E}">
-        <p14:creationId xmlns:p14="http://schemas.microsoft.com/office/powerpoint/2010/main" val="2255259396"/>
+        <p14:creationId xmlns:p14="http://schemas.microsoft.com/office/powerpoint/2010/main" val="1217096272"/>
       </p:ext>
     </p:extLst>
   </p:cSld>
@@ -2205,7 +2651,7 @@
           <a:bodyPr anchor="b"/>
           <a:lstStyle>
             <a:lvl1pPr>
-              <a:defRPr sz="3200"/>
+              <a:defRPr sz="2400"/>
             </a:lvl1pPr>
           </a:lstStyle>
           <a:p>
@@ -2229,7 +2675,7 @@
         </p:nvSpPr>
         <p:spPr>
           <a:xfrm>
-            <a:off x="5183188" y="987425"/>
+            <a:off x="5183188" y="987427"/>
             <a:ext cx="6172200" cy="4873625"/>
           </a:xfrm>
         </p:spPr>
@@ -2238,42 +2684,46 @@
           <a:lstStyle>
             <a:lvl1pPr marL="0" indent="0">
               <a:buNone/>
-              <a:defRPr sz="3200"/>
+              <a:defRPr sz="2400"/>
             </a:lvl1pPr>
-            <a:lvl2pPr marL="457200" indent="0">
-              <a:buNone/>
-              <a:defRPr sz="2800"/>
+            <a:lvl2pPr marL="342900" indent="0">
+              <a:buNone/>
+              <a:defRPr sz="2100"/>
             </a:lvl2pPr>
-            <a:lvl3pPr marL="914400" indent="0">
-              <a:buNone/>
-              <a:defRPr sz="2400"/>
+            <a:lvl3pPr marL="685800" indent="0">
+              <a:buNone/>
+              <a:defRPr sz="1800"/>
             </a:lvl3pPr>
-            <a:lvl4pPr marL="1371600" indent="0">
-              <a:buNone/>
-              <a:defRPr sz="2000"/>
+            <a:lvl4pPr marL="1028700" indent="0">
+              <a:buNone/>
+              <a:defRPr sz="1500"/>
             </a:lvl4pPr>
-            <a:lvl5pPr marL="1828800" indent="0">
-              <a:buNone/>
-              <a:defRPr sz="2000"/>
+            <a:lvl5pPr marL="1371600" indent="0">
+              <a:buNone/>
+              <a:defRPr sz="1500"/>
             </a:lvl5pPr>
-            <a:lvl6pPr marL="2286000" indent="0">
-              <a:buNone/>
-              <a:defRPr sz="2000"/>
+            <a:lvl6pPr marL="1714500" indent="0">
+              <a:buNone/>
+              <a:defRPr sz="1500"/>
             </a:lvl6pPr>
-            <a:lvl7pPr marL="2743200" indent="0">
-              <a:buNone/>
-              <a:defRPr sz="2000"/>
+            <a:lvl7pPr marL="2057400" indent="0">
+              <a:buNone/>
+              <a:defRPr sz="1500"/>
             </a:lvl7pPr>
-            <a:lvl8pPr marL="3200400" indent="0">
-              <a:buNone/>
-              <a:defRPr sz="2000"/>
+            <a:lvl8pPr marL="2400300" indent="0">
+              <a:buNone/>
+              <a:defRPr sz="1500"/>
             </a:lvl8pPr>
-            <a:lvl9pPr marL="3657600" indent="0">
-              <a:buNone/>
-              <a:defRPr sz="2000"/>
+            <a:lvl9pPr marL="2743200" indent="0">
+              <a:buNone/>
+              <a:defRPr sz="1500"/>
             </a:lvl9pPr>
           </a:lstStyle>
           <a:p>
+            <a:r>
+              <a:rPr lang="en-US" smtClean="0"/>
+              <a:t>Click icon to add picture</a:t>
+            </a:r>
             <a:endParaRPr lang="en-US"/>
           </a:p>
         </p:txBody>
@@ -2299,39 +2749,39 @@
           <a:lstStyle>
             <a:lvl1pPr marL="0" indent="0">
               <a:buNone/>
-              <a:defRPr sz="1600"/>
+              <a:defRPr sz="1200"/>
             </a:lvl1pPr>
-            <a:lvl2pPr marL="457200" indent="0">
-              <a:buNone/>
-              <a:defRPr sz="1400"/>
+            <a:lvl2pPr marL="342900" indent="0">
+              <a:buNone/>
+              <a:defRPr sz="1050"/>
             </a:lvl2pPr>
-            <a:lvl3pPr marL="914400" indent="0">
-              <a:buNone/>
-              <a:defRPr sz="1200"/>
+            <a:lvl3pPr marL="685800" indent="0">
+              <a:buNone/>
+              <a:defRPr sz="900"/>
             </a:lvl3pPr>
-            <a:lvl4pPr marL="1371600" indent="0">
-              <a:buNone/>
-              <a:defRPr sz="1000"/>
+            <a:lvl4pPr marL="1028700" indent="0">
+              <a:buNone/>
+              <a:defRPr sz="750"/>
             </a:lvl4pPr>
-            <a:lvl5pPr marL="1828800" indent="0">
-              <a:buNone/>
-              <a:defRPr sz="1000"/>
+            <a:lvl5pPr marL="1371600" indent="0">
+              <a:buNone/>
+              <a:defRPr sz="750"/>
             </a:lvl5pPr>
-            <a:lvl6pPr marL="2286000" indent="0">
-              <a:buNone/>
-              <a:defRPr sz="1000"/>
+            <a:lvl6pPr marL="1714500" indent="0">
+              <a:buNone/>
+              <a:defRPr sz="750"/>
             </a:lvl6pPr>
-            <a:lvl7pPr marL="2743200" indent="0">
-              <a:buNone/>
-              <a:defRPr sz="1000"/>
+            <a:lvl7pPr marL="2057400" indent="0">
+              <a:buNone/>
+              <a:defRPr sz="750"/>
             </a:lvl7pPr>
-            <a:lvl8pPr marL="3200400" indent="0">
-              <a:buNone/>
-              <a:defRPr sz="1000"/>
+            <a:lvl8pPr marL="2400300" indent="0">
+              <a:buNone/>
+              <a:defRPr sz="750"/>
             </a:lvl8pPr>
-            <a:lvl9pPr marL="3657600" indent="0">
-              <a:buNone/>
-              <a:defRPr sz="1000"/>
+            <a:lvl9pPr marL="2743200" indent="0">
+              <a:buNone/>
+              <a:defRPr sz="750"/>
             </a:lvl9pPr>
           </a:lstStyle>
           <a:p>
@@ -2360,7 +2810,7 @@
           <a:p>
             <a:fld id="{7AB64861-AB0E-4967-A169-DC4D9974776C}" type="datetimeFigureOut">
               <a:rPr lang="en-US" smtClean="0"/>
-              <a:t>2/27/2018</a:t>
+              <a:t>3/1/2018</a:t>
             </a:fld>
             <a:endParaRPr lang="en-US"/>
           </a:p>
@@ -2411,7 +2861,7 @@
     </p:spTree>
     <p:extLst>
       <p:ext uri="{BB962C8B-B14F-4D97-AF65-F5344CB8AC3E}">
-        <p14:creationId xmlns:p14="http://schemas.microsoft.com/office/powerpoint/2010/main" val="422224573"/>
+        <p14:creationId xmlns:p14="http://schemas.microsoft.com/office/powerpoint/2010/main" val="3823026670"/>
       </p:ext>
     </p:extLst>
   </p:cSld>
@@ -2455,7 +2905,7 @@
         </p:nvSpPr>
         <p:spPr>
           <a:xfrm>
-            <a:off x="838200" y="365125"/>
+            <a:off x="838200" y="365127"/>
             <a:ext cx="10515600" cy="1325563"/>
           </a:xfrm>
           <a:prstGeom prst="rect">
@@ -2550,7 +3000,7 @@
         </p:nvSpPr>
         <p:spPr>
           <a:xfrm>
-            <a:off x="838200" y="6356350"/>
+            <a:off x="838200" y="6356352"/>
             <a:ext cx="2743200" cy="365125"/>
           </a:xfrm>
           <a:prstGeom prst="rect">
@@ -2561,7 +3011,7 @@
           <a:bodyPr vert="horz" lIns="91440" tIns="45720" rIns="91440" bIns="45720" rtlCol="0" anchor="ctr"/>
           <a:lstStyle>
             <a:lvl1pPr algn="l">
-              <a:defRPr sz="1200">
+              <a:defRPr sz="900">
                 <a:solidFill>
                   <a:schemeClr val="tx1">
                     <a:tint val="75000"/>
@@ -2573,7 +3023,7 @@
           <a:p>
             <a:fld id="{7AB64861-AB0E-4967-A169-DC4D9974776C}" type="datetimeFigureOut">
               <a:rPr lang="en-US" smtClean="0"/>
-              <a:t>2/27/2018</a:t>
+              <a:t>3/1/2018</a:t>
             </a:fld>
             <a:endParaRPr lang="en-US"/>
           </a:p>
@@ -2591,7 +3041,7 @@
         </p:nvSpPr>
         <p:spPr>
           <a:xfrm>
-            <a:off x="4038600" y="6356350"/>
+            <a:off x="4038600" y="6356352"/>
             <a:ext cx="4114800" cy="365125"/>
           </a:xfrm>
           <a:prstGeom prst="rect">
@@ -2602,7 +3052,7 @@
           <a:bodyPr vert="horz" lIns="91440" tIns="45720" rIns="91440" bIns="45720" rtlCol="0" anchor="ctr"/>
           <a:lstStyle>
             <a:lvl1pPr algn="ctr">
-              <a:defRPr sz="1200">
+              <a:defRPr sz="900">
                 <a:solidFill>
                   <a:schemeClr val="tx1">
                     <a:tint val="75000"/>
@@ -2628,7 +3078,7 @@
         </p:nvSpPr>
         <p:spPr>
           <a:xfrm>
-            <a:off x="8610600" y="6356350"/>
+            <a:off x="8610600" y="6356352"/>
             <a:ext cx="2743200" cy="365125"/>
           </a:xfrm>
           <a:prstGeom prst="rect">
@@ -2639,7 +3089,7 @@
           <a:bodyPr vert="horz" lIns="91440" tIns="45720" rIns="91440" bIns="45720" rtlCol="0" anchor="ctr"/>
           <a:lstStyle>
             <a:lvl1pPr algn="r">
-              <a:defRPr sz="1200">
+              <a:defRPr sz="900">
                 <a:solidFill>
                   <a:schemeClr val="tx1">
                     <a:tint val="75000"/>
@@ -2657,30 +3107,77 @@
           </a:p>
         </p:txBody>
       </p:sp>
+      <p:sp>
+        <p:nvSpPr>
+          <p:cNvPr id="7" name="Rectangle 6"/>
+          <p:cNvSpPr/>
+          <p:nvPr/>
+        </p:nvSpPr>
+        <p:spPr>
+          <a:xfrm>
+            <a:off x="1" y="-1"/>
+            <a:ext cx="421569" cy="6858001"/>
+          </a:xfrm>
+          <a:prstGeom prst="rect">
+            <a:avLst/>
+          </a:prstGeom>
+          <a:solidFill>
+            <a:srgbClr val="3A923D"/>
+          </a:solidFill>
+          <a:ln>
+            <a:noFill/>
+          </a:ln>
+          <a:effectLst/>
+        </p:spPr>
+        <p:style>
+          <a:lnRef idx="1">
+            <a:schemeClr val="accent1"/>
+          </a:lnRef>
+          <a:fillRef idx="3">
+            <a:schemeClr val="accent1"/>
+          </a:fillRef>
+          <a:effectRef idx="2">
+            <a:schemeClr val="accent1"/>
+          </a:effectRef>
+          <a:fontRef idx="minor">
+            <a:schemeClr val="lt1"/>
+          </a:fontRef>
+        </p:style>
+        <p:txBody>
+          <a:bodyPr rtlCol="0" anchor="ctr"/>
+          <a:lstStyle/>
+          <a:p>
+            <a:pPr algn="ctr"/>
+            <a:endParaRPr lang="en-US" sz="1800" dirty="0"/>
+          </a:p>
+        </p:txBody>
+      </p:sp>
     </p:spTree>
     <p:extLst>
       <p:ext uri="{BB962C8B-B14F-4D97-AF65-F5344CB8AC3E}">
-        <p14:creationId xmlns:p14="http://schemas.microsoft.com/office/powerpoint/2010/main" val="1783981376"/>
+        <p14:creationId xmlns:p14="http://schemas.microsoft.com/office/powerpoint/2010/main" val="961457504"/>
       </p:ext>
     </p:extLst>
   </p:cSld>
   <p:clrMap bg1="lt1" tx1="dk1" bg2="lt2" tx2="dk2" accent1="accent1" accent2="accent2" accent3="accent3" accent4="accent4" accent5="accent5" accent6="accent6" hlink="hlink" folHlink="folHlink"/>
   <p:sldLayoutIdLst>
-    <p:sldLayoutId id="2147483649" r:id="rId1"/>
-    <p:sldLayoutId id="2147483650" r:id="rId2"/>
-    <p:sldLayoutId id="2147483651" r:id="rId3"/>
-    <p:sldLayoutId id="2147483652" r:id="rId4"/>
-    <p:sldLayoutId id="2147483653" r:id="rId5"/>
-    <p:sldLayoutId id="2147483654" r:id="rId6"/>
-    <p:sldLayoutId id="2147483655" r:id="rId7"/>
-    <p:sldLayoutId id="2147483656" r:id="rId8"/>
-    <p:sldLayoutId id="2147483657" r:id="rId9"/>
-    <p:sldLayoutId id="2147483658" r:id="rId10"/>
-    <p:sldLayoutId id="2147483659" r:id="rId11"/>
+    <p:sldLayoutId id="2147483661" r:id="rId1"/>
+    <p:sldLayoutId id="2147483662" r:id="rId2"/>
+    <p:sldLayoutId id="2147483663" r:id="rId3"/>
+    <p:sldLayoutId id="2147483664" r:id="rId4"/>
+    <p:sldLayoutId id="2147483665" r:id="rId5"/>
+    <p:sldLayoutId id="2147483666" r:id="rId6"/>
+    <p:sldLayoutId id="2147483667" r:id="rId7"/>
+    <p:sldLayoutId id="2147483668" r:id="rId8"/>
+    <p:sldLayoutId id="2147483669" r:id="rId9"/>
+    <p:sldLayoutId id="2147483670" r:id="rId10"/>
+    <p:sldLayoutId id="2147483671" r:id="rId11"/>
+    <p:sldLayoutId id="2147483672" r:id="rId12"/>
+    <p:sldLayoutId id="2147483673" r:id="rId13"/>
   </p:sldLayoutIdLst>
   <p:txStyles>
     <p:titleStyle>
-      <a:lvl1pPr algn="l" defTabSz="914400" rtl="0" eaLnBrk="1" latinLnBrk="0" hangingPunct="1">
+      <a:lvl1pPr algn="l" defTabSz="685800" rtl="0" eaLnBrk="1" latinLnBrk="0" hangingPunct="1">
         <a:lnSpc>
           <a:spcPct val="90000"/>
         </a:lnSpc>
@@ -2688,7 +3185,7 @@
           <a:spcPct val="0"/>
         </a:spcBef>
         <a:buNone/>
-        <a:defRPr sz="4400" kern="1200">
+        <a:defRPr sz="3300" kern="1200">
           <a:solidFill>
             <a:schemeClr val="tx1"/>
           </a:solidFill>
@@ -2699,16 +3196,16 @@
       </a:lvl1pPr>
     </p:titleStyle>
     <p:bodyStyle>
-      <a:lvl1pPr marL="228600" indent="-228600" algn="l" defTabSz="914400" rtl="0" eaLnBrk="1" latinLnBrk="0" hangingPunct="1">
+      <a:lvl1pPr marL="171450" indent="-171450" algn="l" defTabSz="685800" rtl="0" eaLnBrk="1" latinLnBrk="0" hangingPunct="1">
         <a:lnSpc>
           <a:spcPct val="90000"/>
         </a:lnSpc>
         <a:spcBef>
-          <a:spcPts val="1000"/>
+          <a:spcPts val="750"/>
         </a:spcBef>
         <a:buFont typeface="Arial" panose="020B0604020202020204" pitchFamily="34" charset="0"/>
         <a:buChar char="•"/>
-        <a:defRPr sz="2800" kern="1200">
+        <a:defRPr sz="2100" kern="1200">
           <a:solidFill>
             <a:schemeClr val="tx1"/>
           </a:solidFill>
@@ -2717,48 +3214,12 @@
           <a:cs typeface="+mn-cs"/>
         </a:defRPr>
       </a:lvl1pPr>
-      <a:lvl2pPr marL="685800" indent="-228600" algn="l" defTabSz="914400" rtl="0" eaLnBrk="1" latinLnBrk="0" hangingPunct="1">
+      <a:lvl2pPr marL="514350" indent="-171450" algn="l" defTabSz="685800" rtl="0" eaLnBrk="1" latinLnBrk="0" hangingPunct="1">
         <a:lnSpc>
           <a:spcPct val="90000"/>
         </a:lnSpc>
         <a:spcBef>
-          <a:spcPts val="500"/>
-        </a:spcBef>
-        <a:buFont typeface="Arial" panose="020B0604020202020204" pitchFamily="34" charset="0"/>
-        <a:buChar char="•"/>
-        <a:defRPr sz="2400" kern="1200">
-          <a:solidFill>
-            <a:schemeClr val="tx1"/>
-          </a:solidFill>
-          <a:latin typeface="+mn-lt"/>
-          <a:ea typeface="+mn-ea"/>
-          <a:cs typeface="+mn-cs"/>
-        </a:defRPr>
-      </a:lvl2pPr>
-      <a:lvl3pPr marL="1143000" indent="-228600" algn="l" defTabSz="914400" rtl="0" eaLnBrk="1" latinLnBrk="0" hangingPunct="1">
-        <a:lnSpc>
-          <a:spcPct val="90000"/>
-        </a:lnSpc>
-        <a:spcBef>
-          <a:spcPts val="500"/>
-        </a:spcBef>
-        <a:buFont typeface="Arial" panose="020B0604020202020204" pitchFamily="34" charset="0"/>
-        <a:buChar char="•"/>
-        <a:defRPr sz="2000" kern="1200">
-          <a:solidFill>
-            <a:schemeClr val="tx1"/>
-          </a:solidFill>
-          <a:latin typeface="+mn-lt"/>
-          <a:ea typeface="+mn-ea"/>
-          <a:cs typeface="+mn-cs"/>
-        </a:defRPr>
-      </a:lvl3pPr>
-      <a:lvl4pPr marL="1600200" indent="-228600" algn="l" defTabSz="914400" rtl="0" eaLnBrk="1" latinLnBrk="0" hangingPunct="1">
-        <a:lnSpc>
-          <a:spcPct val="90000"/>
-        </a:lnSpc>
-        <a:spcBef>
-          <a:spcPts val="500"/>
+          <a:spcPts val="375"/>
         </a:spcBef>
         <a:buFont typeface="Arial" panose="020B0604020202020204" pitchFamily="34" charset="0"/>
         <a:buChar char="•"/>
@@ -2770,17 +3231,53 @@
           <a:ea typeface="+mn-ea"/>
           <a:cs typeface="+mn-cs"/>
         </a:defRPr>
-      </a:lvl4pPr>
-      <a:lvl5pPr marL="2057400" indent="-228600" algn="l" defTabSz="914400" rtl="0" eaLnBrk="1" latinLnBrk="0" hangingPunct="1">
+      </a:lvl2pPr>
+      <a:lvl3pPr marL="857250" indent="-171450" algn="l" defTabSz="685800" rtl="0" eaLnBrk="1" latinLnBrk="0" hangingPunct="1">
         <a:lnSpc>
           <a:spcPct val="90000"/>
         </a:lnSpc>
         <a:spcBef>
-          <a:spcPts val="500"/>
+          <a:spcPts val="375"/>
         </a:spcBef>
         <a:buFont typeface="Arial" panose="020B0604020202020204" pitchFamily="34" charset="0"/>
         <a:buChar char="•"/>
-        <a:defRPr sz="1800" kern="1200">
+        <a:defRPr sz="1500" kern="1200">
+          <a:solidFill>
+            <a:schemeClr val="tx1"/>
+          </a:solidFill>
+          <a:latin typeface="+mn-lt"/>
+          <a:ea typeface="+mn-ea"/>
+          <a:cs typeface="+mn-cs"/>
+        </a:defRPr>
+      </a:lvl3pPr>
+      <a:lvl4pPr marL="1200150" indent="-171450" algn="l" defTabSz="685800" rtl="0" eaLnBrk="1" latinLnBrk="0" hangingPunct="1">
+        <a:lnSpc>
+          <a:spcPct val="90000"/>
+        </a:lnSpc>
+        <a:spcBef>
+          <a:spcPts val="375"/>
+        </a:spcBef>
+        <a:buFont typeface="Arial" panose="020B0604020202020204" pitchFamily="34" charset="0"/>
+        <a:buChar char="•"/>
+        <a:defRPr sz="1350" kern="1200">
+          <a:solidFill>
+            <a:schemeClr val="tx1"/>
+          </a:solidFill>
+          <a:latin typeface="+mn-lt"/>
+          <a:ea typeface="+mn-ea"/>
+          <a:cs typeface="+mn-cs"/>
+        </a:defRPr>
+      </a:lvl4pPr>
+      <a:lvl5pPr marL="1543050" indent="-171450" algn="l" defTabSz="685800" rtl="0" eaLnBrk="1" latinLnBrk="0" hangingPunct="1">
+        <a:lnSpc>
+          <a:spcPct val="90000"/>
+        </a:lnSpc>
+        <a:spcBef>
+          <a:spcPts val="375"/>
+        </a:spcBef>
+        <a:buFont typeface="Arial" panose="020B0604020202020204" pitchFamily="34" charset="0"/>
+        <a:buChar char="•"/>
+        <a:defRPr sz="1350" kern="1200">
           <a:solidFill>
             <a:schemeClr val="tx1"/>
           </a:solidFill>
@@ -2789,16 +3286,16 @@
           <a:cs typeface="+mn-cs"/>
         </a:defRPr>
       </a:lvl5pPr>
-      <a:lvl6pPr marL="2514600" indent="-228600" algn="l" defTabSz="914400" rtl="0" eaLnBrk="1" latinLnBrk="0" hangingPunct="1">
+      <a:lvl6pPr marL="1885950" indent="-171450" algn="l" defTabSz="685800" rtl="0" eaLnBrk="1" latinLnBrk="0" hangingPunct="1">
         <a:lnSpc>
           <a:spcPct val="90000"/>
         </a:lnSpc>
         <a:spcBef>
-          <a:spcPts val="500"/>
+          <a:spcPts val="375"/>
         </a:spcBef>
         <a:buFont typeface="Arial" panose="020B0604020202020204" pitchFamily="34" charset="0"/>
         <a:buChar char="•"/>
-        <a:defRPr sz="1800" kern="1200">
+        <a:defRPr sz="1350" kern="1200">
           <a:solidFill>
             <a:schemeClr val="tx1"/>
           </a:solidFill>
@@ -2807,16 +3304,16 @@
           <a:cs typeface="+mn-cs"/>
         </a:defRPr>
       </a:lvl6pPr>
-      <a:lvl7pPr marL="2971800" indent="-228600" algn="l" defTabSz="914400" rtl="0" eaLnBrk="1" latinLnBrk="0" hangingPunct="1">
+      <a:lvl7pPr marL="2228850" indent="-171450" algn="l" defTabSz="685800" rtl="0" eaLnBrk="1" latinLnBrk="0" hangingPunct="1">
         <a:lnSpc>
           <a:spcPct val="90000"/>
         </a:lnSpc>
         <a:spcBef>
-          <a:spcPts val="500"/>
+          <a:spcPts val="375"/>
         </a:spcBef>
         <a:buFont typeface="Arial" panose="020B0604020202020204" pitchFamily="34" charset="0"/>
         <a:buChar char="•"/>
-        <a:defRPr sz="1800" kern="1200">
+        <a:defRPr sz="1350" kern="1200">
           <a:solidFill>
             <a:schemeClr val="tx1"/>
           </a:solidFill>
@@ -2825,16 +3322,16 @@
           <a:cs typeface="+mn-cs"/>
         </a:defRPr>
       </a:lvl7pPr>
-      <a:lvl8pPr marL="3429000" indent="-228600" algn="l" defTabSz="914400" rtl="0" eaLnBrk="1" latinLnBrk="0" hangingPunct="1">
+      <a:lvl8pPr marL="2571750" indent="-171450" algn="l" defTabSz="685800" rtl="0" eaLnBrk="1" latinLnBrk="0" hangingPunct="1">
         <a:lnSpc>
           <a:spcPct val="90000"/>
         </a:lnSpc>
         <a:spcBef>
-          <a:spcPts val="500"/>
+          <a:spcPts val="375"/>
         </a:spcBef>
         <a:buFont typeface="Arial" panose="020B0604020202020204" pitchFamily="34" charset="0"/>
         <a:buChar char="•"/>
-        <a:defRPr sz="1800" kern="1200">
+        <a:defRPr sz="1350" kern="1200">
           <a:solidFill>
             <a:schemeClr val="tx1"/>
           </a:solidFill>
@@ -2843,16 +3340,16 @@
           <a:cs typeface="+mn-cs"/>
         </a:defRPr>
       </a:lvl8pPr>
-      <a:lvl9pPr marL="3886200" indent="-228600" algn="l" defTabSz="914400" rtl="0" eaLnBrk="1" latinLnBrk="0" hangingPunct="1">
+      <a:lvl9pPr marL="2914650" indent="-171450" algn="l" defTabSz="685800" rtl="0" eaLnBrk="1" latinLnBrk="0" hangingPunct="1">
         <a:lnSpc>
           <a:spcPct val="90000"/>
         </a:lnSpc>
         <a:spcBef>
-          <a:spcPts val="500"/>
+          <a:spcPts val="375"/>
         </a:spcBef>
         <a:buFont typeface="Arial" panose="020B0604020202020204" pitchFamily="34" charset="0"/>
         <a:buChar char="•"/>
-        <a:defRPr sz="1800" kern="1200">
+        <a:defRPr sz="1350" kern="1200">
           <a:solidFill>
             <a:schemeClr val="tx1"/>
           </a:solidFill>
@@ -2866,8 +3363,8 @@
       <a:defPPr>
         <a:defRPr lang="en-US"/>
       </a:defPPr>
-      <a:lvl1pPr marL="0" algn="l" defTabSz="914400" rtl="0" eaLnBrk="1" latinLnBrk="0" hangingPunct="1">
-        <a:defRPr sz="1800" kern="1200">
+      <a:lvl1pPr marL="0" algn="l" defTabSz="685800" rtl="0" eaLnBrk="1" latinLnBrk="0" hangingPunct="1">
+        <a:defRPr sz="1350" kern="1200">
           <a:solidFill>
             <a:schemeClr val="tx1"/>
           </a:solidFill>
@@ -2876,8 +3373,8 @@
           <a:cs typeface="+mn-cs"/>
         </a:defRPr>
       </a:lvl1pPr>
-      <a:lvl2pPr marL="457200" algn="l" defTabSz="914400" rtl="0" eaLnBrk="1" latinLnBrk="0" hangingPunct="1">
-        <a:defRPr sz="1800" kern="1200">
+      <a:lvl2pPr marL="342900" algn="l" defTabSz="685800" rtl="0" eaLnBrk="1" latinLnBrk="0" hangingPunct="1">
+        <a:defRPr sz="1350" kern="1200">
           <a:solidFill>
             <a:schemeClr val="tx1"/>
           </a:solidFill>
@@ -2886,8 +3383,8 @@
           <a:cs typeface="+mn-cs"/>
         </a:defRPr>
       </a:lvl2pPr>
-      <a:lvl3pPr marL="914400" algn="l" defTabSz="914400" rtl="0" eaLnBrk="1" latinLnBrk="0" hangingPunct="1">
-        <a:defRPr sz="1800" kern="1200">
+      <a:lvl3pPr marL="685800" algn="l" defTabSz="685800" rtl="0" eaLnBrk="1" latinLnBrk="0" hangingPunct="1">
+        <a:defRPr sz="1350" kern="1200">
           <a:solidFill>
             <a:schemeClr val="tx1"/>
           </a:solidFill>
@@ -2896,8 +3393,8 @@
           <a:cs typeface="+mn-cs"/>
         </a:defRPr>
       </a:lvl3pPr>
-      <a:lvl4pPr marL="1371600" algn="l" defTabSz="914400" rtl="0" eaLnBrk="1" latinLnBrk="0" hangingPunct="1">
-        <a:defRPr sz="1800" kern="1200">
+      <a:lvl4pPr marL="1028700" algn="l" defTabSz="685800" rtl="0" eaLnBrk="1" latinLnBrk="0" hangingPunct="1">
+        <a:defRPr sz="1350" kern="1200">
           <a:solidFill>
             <a:schemeClr val="tx1"/>
           </a:solidFill>
@@ -2906,8 +3403,8 @@
           <a:cs typeface="+mn-cs"/>
         </a:defRPr>
       </a:lvl4pPr>
-      <a:lvl5pPr marL="1828800" algn="l" defTabSz="914400" rtl="0" eaLnBrk="1" latinLnBrk="0" hangingPunct="1">
-        <a:defRPr sz="1800" kern="1200">
+      <a:lvl5pPr marL="1371600" algn="l" defTabSz="685800" rtl="0" eaLnBrk="1" latinLnBrk="0" hangingPunct="1">
+        <a:defRPr sz="1350" kern="1200">
           <a:solidFill>
             <a:schemeClr val="tx1"/>
           </a:solidFill>
@@ -2916,8 +3413,8 @@
           <a:cs typeface="+mn-cs"/>
         </a:defRPr>
       </a:lvl5pPr>
-      <a:lvl6pPr marL="2286000" algn="l" defTabSz="914400" rtl="0" eaLnBrk="1" latinLnBrk="0" hangingPunct="1">
-        <a:defRPr sz="1800" kern="1200">
+      <a:lvl6pPr marL="1714500" algn="l" defTabSz="685800" rtl="0" eaLnBrk="1" latinLnBrk="0" hangingPunct="1">
+        <a:defRPr sz="1350" kern="1200">
           <a:solidFill>
             <a:schemeClr val="tx1"/>
           </a:solidFill>
@@ -2926,8 +3423,8 @@
           <a:cs typeface="+mn-cs"/>
         </a:defRPr>
       </a:lvl6pPr>
-      <a:lvl7pPr marL="2743200" algn="l" defTabSz="914400" rtl="0" eaLnBrk="1" latinLnBrk="0" hangingPunct="1">
-        <a:defRPr sz="1800" kern="1200">
+      <a:lvl7pPr marL="2057400" algn="l" defTabSz="685800" rtl="0" eaLnBrk="1" latinLnBrk="0" hangingPunct="1">
+        <a:defRPr sz="1350" kern="1200">
           <a:solidFill>
             <a:schemeClr val="tx1"/>
           </a:solidFill>
@@ -2936,8 +3433,8 @@
           <a:cs typeface="+mn-cs"/>
         </a:defRPr>
       </a:lvl7pPr>
-      <a:lvl8pPr marL="3200400" algn="l" defTabSz="914400" rtl="0" eaLnBrk="1" latinLnBrk="0" hangingPunct="1">
-        <a:defRPr sz="1800" kern="1200">
+      <a:lvl8pPr marL="2400300" algn="l" defTabSz="685800" rtl="0" eaLnBrk="1" latinLnBrk="0" hangingPunct="1">
+        <a:defRPr sz="1350" kern="1200">
           <a:solidFill>
             <a:schemeClr val="tx1"/>
           </a:solidFill>
@@ -2946,8 +3443,8 @@
           <a:cs typeface="+mn-cs"/>
         </a:defRPr>
       </a:lvl8pPr>
-      <a:lvl9pPr marL="3657600" algn="l" defTabSz="914400" rtl="0" eaLnBrk="1" latinLnBrk="0" hangingPunct="1">
-        <a:defRPr sz="1800" kern="1200">
+      <a:lvl9pPr marL="2743200" algn="l" defTabSz="685800" rtl="0" eaLnBrk="1" latinLnBrk="0" hangingPunct="1">
+        <a:defRPr sz="1350" kern="1200">
           <a:solidFill>
             <a:schemeClr val="tx1"/>
           </a:solidFill>
@@ -2980,33 +3477,142 @@
       </p:grpSpPr>
       <p:sp>
         <p:nvSpPr>
-          <p:cNvPr id="2" name="Title 1"/>
+          <p:cNvPr id="2" name="Subtitle 1"/>
+          <p:cNvSpPr>
+            <a:spLocks noGrp="1"/>
+          </p:cNvSpPr>
+          <p:nvPr>
+            <p:ph type="subTitle" idx="1"/>
+          </p:nvPr>
+        </p:nvSpPr>
+        <p:spPr/>
+        <p:txBody>
+          <a:bodyPr/>
+          <a:lstStyle/>
+          <a:p>
+            <a:r>
+              <a:rPr lang="en-US" dirty="0" smtClean="0"/>
+              <a:t>Mark Atkinson</a:t>
+            </a:r>
+            <a:endParaRPr lang="en-US" dirty="0">
+              <a:solidFill>
+                <a:schemeClr val="tx1"/>
+              </a:solidFill>
+            </a:endParaRPr>
+          </a:p>
+        </p:txBody>
+      </p:sp>
+      <p:sp>
+        <p:nvSpPr>
+          <p:cNvPr id="3" name="Title 2"/>
           <p:cNvSpPr>
             <a:spLocks noGrp="1"/>
           </p:cNvSpPr>
           <p:nvPr>
             <p:ph type="ctrTitle"/>
           </p:nvPr>
+        </p:nvSpPr>
+        <p:spPr/>
+        <p:txBody>
+          <a:bodyPr>
+            <a:normAutofit/>
+          </a:bodyPr>
+          <a:lstStyle/>
+          <a:p>
+            <a:r>
+              <a:rPr lang="en-US" sz="5400" dirty="0"/>
+              <a:t/>
+            </a:r>
+            <a:br>
+              <a:rPr lang="en-US" sz="5400" dirty="0"/>
+            </a:br>
+            <a:endParaRPr lang="en-US" dirty="0"/>
+          </a:p>
+        </p:txBody>
+      </p:sp>
+      <p:sp>
+        <p:nvSpPr>
+          <p:cNvPr id="4" name="Text Placeholder 3"/>
+          <p:cNvSpPr>
+            <a:spLocks noGrp="1"/>
+          </p:cNvSpPr>
+          <p:nvPr>
+            <p:ph type="body" sz="quarter" idx="13"/>
+          </p:nvPr>
+        </p:nvSpPr>
+        <p:spPr/>
+        <p:txBody>
+          <a:bodyPr>
+            <a:normAutofit lnSpcReduction="10000"/>
+          </a:bodyPr>
+          <a:lstStyle/>
+          <a:p>
+            <a:r>
+              <a:rPr lang="en-US" dirty="0" smtClean="0">
+                <a:solidFill>
+                  <a:schemeClr val="tx1"/>
+                </a:solidFill>
+              </a:rPr>
+              <a:t>3/1/2018</a:t>
+            </a:r>
+            <a:endParaRPr lang="en-US" dirty="0">
+              <a:solidFill>
+                <a:schemeClr val="tx1"/>
+              </a:solidFill>
+            </a:endParaRPr>
+          </a:p>
+        </p:txBody>
+      </p:sp>
+      <p:sp>
+        <p:nvSpPr>
+          <p:cNvPr id="5" name="Title 1"/>
+          <p:cNvSpPr txBox="1">
+            <a:spLocks/>
+          </p:cNvSpPr>
+          <p:nvPr/>
         </p:nvSpPr>
         <p:spPr>
           <a:xfrm>
-            <a:off x="1524000" y="957263"/>
-            <a:ext cx="9144000" cy="1971675"/>
+            <a:off x="4175185" y="396815"/>
+            <a:ext cx="6635690" cy="1689162"/>
           </a:xfrm>
+          <a:prstGeom prst="rect">
+            <a:avLst/>
+          </a:prstGeom>
         </p:spPr>
         <p:txBody>
-          <a:bodyPr anchor="t"/>
-          <a:lstStyle/>
-          <a:p>
-            <a:r>
-              <a:rPr lang="en-US" dirty="0" smtClean="0"/>
+          <a:bodyPr vert="horz" lIns="91440" tIns="45720" rIns="91440" bIns="45720" rtlCol="0" anchor="t">
+            <a:normAutofit/>
+          </a:bodyPr>
+          <a:lstStyle>
+            <a:lvl1pPr algn="l" defTabSz="685800" rtl="0" eaLnBrk="1" latinLnBrk="0" hangingPunct="1">
+              <a:lnSpc>
+                <a:spcPct val="70000"/>
+              </a:lnSpc>
+              <a:spcBef>
+                <a:spcPct val="0"/>
+              </a:spcBef>
+              <a:buNone/>
+              <a:defRPr sz="5000" kern="1200" baseline="0">
+                <a:solidFill>
+                  <a:schemeClr val="tx1"/>
+                </a:solidFill>
+                <a:latin typeface="+mj-lt"/>
+                <a:ea typeface="+mj-ea"/>
+                <a:cs typeface="+mj-cs"/>
+              </a:defRPr>
+            </a:lvl1pPr>
+          </a:lstStyle>
+          <a:p>
+            <a:r>
+              <a:rPr lang="en-US" smtClean="0"/>
               <a:t>Customer Experience </a:t>
             </a:r>
             <a:br>
-              <a:rPr lang="en-US" dirty="0" smtClean="0"/>
+              <a:rPr lang="en-US" smtClean="0"/>
             </a:br>
             <a:r>
-              <a:rPr lang="en-US" dirty="0" smtClean="0"/>
+              <a:rPr lang="en-US" smtClean="0"/>
               <a:t>Test Automation</a:t>
             </a:r>
             <a:endParaRPr lang="en-US" dirty="0"/>
@@ -3015,37 +3621,294 @@
       </p:sp>
       <p:sp>
         <p:nvSpPr>
-          <p:cNvPr id="3" name="Subtitle 2"/>
-          <p:cNvSpPr>
-            <a:spLocks noGrp="1"/>
-          </p:cNvSpPr>
-          <p:nvPr>
-            <p:ph type="subTitle" idx="1"/>
-          </p:nvPr>
-        </p:nvSpPr>
-        <p:spPr/>
-        <p:txBody>
-          <a:bodyPr/>
-          <a:lstStyle/>
-          <a:p>
-            <a:r>
-              <a:rPr lang="en-US" dirty="0" smtClean="0"/>
-              <a:t>Need to add some worthy quote here</a:t>
-            </a:r>
-            <a:endParaRPr lang="en-US" dirty="0"/>
+          <p:cNvPr id="6" name="Subtitle 2"/>
+          <p:cNvSpPr txBox="1">
+            <a:spLocks/>
+          </p:cNvSpPr>
+          <p:nvPr/>
+        </p:nvSpPr>
+        <p:spPr>
+          <a:xfrm>
+            <a:off x="4148368" y="1919937"/>
+            <a:ext cx="6635690" cy="3916897"/>
+          </a:xfrm>
+          <a:prstGeom prst="rect">
+            <a:avLst/>
+          </a:prstGeom>
+        </p:spPr>
+        <p:txBody>
+          <a:bodyPr vert="horz" lIns="91440" tIns="45720" rIns="91440" bIns="45720" rtlCol="0" anchor="b">
+            <a:normAutofit/>
+          </a:bodyPr>
+          <a:lstStyle>
+            <a:lvl1pPr marL="0" marR="0" indent="0" algn="l" defTabSz="457200" rtl="0" eaLnBrk="1" fontAlgn="auto" latinLnBrk="0" hangingPunct="1">
+              <a:lnSpc>
+                <a:spcPct val="70000"/>
+              </a:lnSpc>
+              <a:spcBef>
+                <a:spcPct val="20000"/>
+              </a:spcBef>
+              <a:spcAft>
+                <a:spcPts val="0"/>
+              </a:spcAft>
+              <a:buClrTx/>
+              <a:buSzPct val="100000"/>
+              <a:buFontTx/>
+              <a:buNone/>
+              <a:tabLst/>
+              <a:defRPr sz="2000" kern="1200" baseline="0">
+                <a:solidFill>
+                  <a:schemeClr val="tx1"/>
+                </a:solidFill>
+                <a:latin typeface="+mn-lt"/>
+                <a:ea typeface="+mn-ea"/>
+                <a:cs typeface="+mn-cs"/>
+              </a:defRPr>
+            </a:lvl1pPr>
+            <a:lvl2pPr marL="457200" indent="0" algn="ctr" defTabSz="685800" rtl="0" eaLnBrk="1" latinLnBrk="0" hangingPunct="1">
+              <a:lnSpc>
+                <a:spcPct val="90000"/>
+              </a:lnSpc>
+              <a:spcBef>
+                <a:spcPts val="375"/>
+              </a:spcBef>
+              <a:buFont typeface="Arial" panose="020B0604020202020204" pitchFamily="34" charset="0"/>
+              <a:buNone/>
+              <a:defRPr sz="1800" kern="1200">
+                <a:solidFill>
+                  <a:schemeClr val="tx1">
+                    <a:tint val="75000"/>
+                  </a:schemeClr>
+                </a:solidFill>
+                <a:latin typeface="+mn-lt"/>
+                <a:ea typeface="+mn-ea"/>
+                <a:cs typeface="+mn-cs"/>
+              </a:defRPr>
+            </a:lvl2pPr>
+            <a:lvl3pPr marL="914400" indent="0" algn="ctr" defTabSz="685800" rtl="0" eaLnBrk="1" latinLnBrk="0" hangingPunct="1">
+              <a:lnSpc>
+                <a:spcPct val="90000"/>
+              </a:lnSpc>
+              <a:spcBef>
+                <a:spcPts val="375"/>
+              </a:spcBef>
+              <a:buFont typeface="Arial" panose="020B0604020202020204" pitchFamily="34" charset="0"/>
+              <a:buNone/>
+              <a:defRPr sz="1500" kern="1200">
+                <a:solidFill>
+                  <a:schemeClr val="tx1">
+                    <a:tint val="75000"/>
+                  </a:schemeClr>
+                </a:solidFill>
+                <a:latin typeface="+mn-lt"/>
+                <a:ea typeface="+mn-ea"/>
+                <a:cs typeface="+mn-cs"/>
+              </a:defRPr>
+            </a:lvl3pPr>
+            <a:lvl4pPr marL="1371600" indent="0" algn="ctr" defTabSz="685800" rtl="0" eaLnBrk="1" latinLnBrk="0" hangingPunct="1">
+              <a:lnSpc>
+                <a:spcPct val="90000"/>
+              </a:lnSpc>
+              <a:spcBef>
+                <a:spcPts val="375"/>
+              </a:spcBef>
+              <a:buFont typeface="Arial" panose="020B0604020202020204" pitchFamily="34" charset="0"/>
+              <a:buNone/>
+              <a:defRPr sz="1350" kern="1200">
+                <a:solidFill>
+                  <a:schemeClr val="tx1">
+                    <a:tint val="75000"/>
+                  </a:schemeClr>
+                </a:solidFill>
+                <a:latin typeface="+mn-lt"/>
+                <a:ea typeface="+mn-ea"/>
+                <a:cs typeface="+mn-cs"/>
+              </a:defRPr>
+            </a:lvl4pPr>
+            <a:lvl5pPr marL="1828800" indent="0" algn="ctr" defTabSz="685800" rtl="0" eaLnBrk="1" latinLnBrk="0" hangingPunct="1">
+              <a:lnSpc>
+                <a:spcPct val="90000"/>
+              </a:lnSpc>
+              <a:spcBef>
+                <a:spcPts val="375"/>
+              </a:spcBef>
+              <a:buFont typeface="Arial" panose="020B0604020202020204" pitchFamily="34" charset="0"/>
+              <a:buNone/>
+              <a:defRPr sz="1350" kern="1200">
+                <a:solidFill>
+                  <a:schemeClr val="tx1">
+                    <a:tint val="75000"/>
+                  </a:schemeClr>
+                </a:solidFill>
+                <a:latin typeface="+mn-lt"/>
+                <a:ea typeface="+mn-ea"/>
+                <a:cs typeface="+mn-cs"/>
+              </a:defRPr>
+            </a:lvl5pPr>
+            <a:lvl6pPr marL="2286000" indent="0" algn="ctr" defTabSz="685800" rtl="0" eaLnBrk="1" latinLnBrk="0" hangingPunct="1">
+              <a:lnSpc>
+                <a:spcPct val="90000"/>
+              </a:lnSpc>
+              <a:spcBef>
+                <a:spcPts val="375"/>
+              </a:spcBef>
+              <a:buFont typeface="Arial" panose="020B0604020202020204" pitchFamily="34" charset="0"/>
+              <a:buNone/>
+              <a:defRPr sz="1350" kern="1200">
+                <a:solidFill>
+                  <a:schemeClr val="tx1">
+                    <a:tint val="75000"/>
+                  </a:schemeClr>
+                </a:solidFill>
+                <a:latin typeface="+mn-lt"/>
+                <a:ea typeface="+mn-ea"/>
+                <a:cs typeface="+mn-cs"/>
+              </a:defRPr>
+            </a:lvl6pPr>
+            <a:lvl7pPr marL="2743200" indent="0" algn="ctr" defTabSz="685800" rtl="0" eaLnBrk="1" latinLnBrk="0" hangingPunct="1">
+              <a:lnSpc>
+                <a:spcPct val="90000"/>
+              </a:lnSpc>
+              <a:spcBef>
+                <a:spcPts val="375"/>
+              </a:spcBef>
+              <a:buFont typeface="Arial" panose="020B0604020202020204" pitchFamily="34" charset="0"/>
+              <a:buNone/>
+              <a:defRPr sz="1350" kern="1200">
+                <a:solidFill>
+                  <a:schemeClr val="tx1">
+                    <a:tint val="75000"/>
+                  </a:schemeClr>
+                </a:solidFill>
+                <a:latin typeface="+mn-lt"/>
+                <a:ea typeface="+mn-ea"/>
+                <a:cs typeface="+mn-cs"/>
+              </a:defRPr>
+            </a:lvl7pPr>
+            <a:lvl8pPr marL="3200400" indent="0" algn="ctr" defTabSz="685800" rtl="0" eaLnBrk="1" latinLnBrk="0" hangingPunct="1">
+              <a:lnSpc>
+                <a:spcPct val="90000"/>
+              </a:lnSpc>
+              <a:spcBef>
+                <a:spcPts val="375"/>
+              </a:spcBef>
+              <a:buFont typeface="Arial" panose="020B0604020202020204" pitchFamily="34" charset="0"/>
+              <a:buNone/>
+              <a:defRPr sz="1350" kern="1200">
+                <a:solidFill>
+                  <a:schemeClr val="tx1">
+                    <a:tint val="75000"/>
+                  </a:schemeClr>
+                </a:solidFill>
+                <a:latin typeface="+mn-lt"/>
+                <a:ea typeface="+mn-ea"/>
+                <a:cs typeface="+mn-cs"/>
+              </a:defRPr>
+            </a:lvl8pPr>
+            <a:lvl9pPr marL="3657600" indent="0" algn="ctr" defTabSz="685800" rtl="0" eaLnBrk="1" latinLnBrk="0" hangingPunct="1">
+              <a:lnSpc>
+                <a:spcPct val="90000"/>
+              </a:lnSpc>
+              <a:spcBef>
+                <a:spcPts val="375"/>
+              </a:spcBef>
+              <a:buFont typeface="Arial" panose="020B0604020202020204" pitchFamily="34" charset="0"/>
+              <a:buNone/>
+              <a:defRPr sz="1350" kern="1200">
+                <a:solidFill>
+                  <a:schemeClr val="tx1">
+                    <a:tint val="75000"/>
+                  </a:schemeClr>
+                </a:solidFill>
+                <a:latin typeface="+mn-lt"/>
+                <a:ea typeface="+mn-ea"/>
+                <a:cs typeface="+mn-cs"/>
+              </a:defRPr>
+            </a:lvl9pPr>
+          </a:lstStyle>
+          <a:p>
+            <a:pPr algn="ctr"/>
+            <a:r>
+              <a:rPr lang="en-US" sz="2800" dirty="0" smtClean="0"/>
+              <a:t>Introduction</a:t>
+            </a:r>
+          </a:p>
+          <a:p>
+            <a:pPr algn="ctr"/>
+            <a:r>
+              <a:rPr lang="en-US" sz="2800" dirty="0" smtClean="0"/>
+              <a:t>Purpose</a:t>
+            </a:r>
+          </a:p>
+          <a:p>
+            <a:pPr algn="ctr"/>
+            <a:r>
+              <a:rPr lang="en-US" sz="2800" dirty="0" smtClean="0"/>
+              <a:t>Evolution</a:t>
+            </a:r>
+          </a:p>
+          <a:p>
+            <a:pPr algn="ctr"/>
+            <a:r>
+              <a:rPr lang="en-US" sz="2800" dirty="0" smtClean="0"/>
+              <a:t>Roll Out</a:t>
+            </a:r>
+          </a:p>
+          <a:p>
+            <a:pPr algn="ctr"/>
+            <a:r>
+              <a:rPr lang="en-US" sz="2800" dirty="0" smtClean="0"/>
+              <a:t>Independent Product Test, Content , Scaling</a:t>
+            </a:r>
+          </a:p>
+          <a:p>
+            <a:pPr algn="ctr"/>
+            <a:r>
+              <a:rPr lang="en-US" sz="2800" dirty="0" smtClean="0"/>
+              <a:t>How its built</a:t>
+            </a:r>
+          </a:p>
+          <a:p>
+            <a:pPr algn="ctr"/>
+            <a:r>
+              <a:rPr lang="en-US" sz="2800" dirty="0" smtClean="0"/>
+              <a:t>Execution</a:t>
+            </a:r>
+          </a:p>
+          <a:p>
+            <a:pPr algn="ctr"/>
+            <a:r>
+              <a:rPr lang="en-US" sz="2800" dirty="0" smtClean="0"/>
+              <a:t>Reporting</a:t>
+            </a:r>
+          </a:p>
+          <a:p>
+            <a:pPr algn="ctr"/>
+            <a:r>
+              <a:rPr lang="en-US" sz="2800" dirty="0" smtClean="0"/>
+              <a:t>Closing or Conclusions</a:t>
+            </a:r>
+            <a:endParaRPr lang="en-US" sz="2800" dirty="0"/>
           </a:p>
         </p:txBody>
       </p:sp>
     </p:spTree>
     <p:extLst>
       <p:ext uri="{BB962C8B-B14F-4D97-AF65-F5344CB8AC3E}">
-        <p14:creationId xmlns:p14="http://schemas.microsoft.com/office/powerpoint/2010/main" val="4111385876"/>
+        <p14:creationId xmlns:p14="http://schemas.microsoft.com/office/powerpoint/2010/main" val="1459026903"/>
       </p:ext>
     </p:extLst>
   </p:cSld>
   <p:clrMapOvr>
     <a:masterClrMapping/>
   </p:clrMapOvr>
+  <p:timing>
+    <p:tnLst>
+      <p:par>
+        <p:cTn id="1" dur="indefinite" restart="never" nodeType="tmRoot"/>
+      </p:par>
+    </p:tnLst>
+  </p:timing>
 </p:sld>
 </file>
 
@@ -3066,6 +3929,204 @@
           <a:chExt cx="0" cy="0"/>
         </a:xfrm>
       </p:grpSpPr>
+      <p:pic>
+        <p:nvPicPr>
+          <p:cNvPr id="4" name="Content Placeholder 3"/>
+          <p:cNvPicPr>
+            <a:picLocks noGrp="1" noChangeAspect="1"/>
+          </p:cNvPicPr>
+          <p:nvPr>
+            <p:ph idx="1"/>
+          </p:nvPr>
+        </p:nvPicPr>
+        <p:blipFill>
+          <a:blip r:embed="rId2" cstate="print">
+            <a:extLst>
+              <a:ext uri="{28A0092B-C50C-407E-A947-70E740481C1C}">
+                <a14:useLocalDpi xmlns:a14="http://schemas.microsoft.com/office/drawing/2010/main" val="0"/>
+              </a:ext>
+            </a:extLst>
+          </a:blip>
+          <a:stretch>
+            <a:fillRect/>
+          </a:stretch>
+        </p:blipFill>
+        <p:spPr>
+          <a:xfrm>
+            <a:off x="1345721" y="78736"/>
+            <a:ext cx="4520242" cy="6615098"/>
+          </a:xfrm>
+        </p:spPr>
+      </p:pic>
+    </p:spTree>
+    <p:extLst>
+      <p:ext uri="{BB962C8B-B14F-4D97-AF65-F5344CB8AC3E}">
+        <p14:creationId xmlns:p14="http://schemas.microsoft.com/office/powerpoint/2010/main" val="2247264479"/>
+      </p:ext>
+    </p:extLst>
+  </p:cSld>
+  <p:clrMapOvr>
+    <a:masterClrMapping/>
+  </p:clrMapOvr>
+  <p:timing>
+    <p:tnLst>
+      <p:par>
+        <p:cTn id="1" dur="indefinite" restart="never" nodeType="tmRoot"/>
+      </p:par>
+    </p:tnLst>
+  </p:timing>
+</p:sld>
+</file>
+
+<file path=ppt/slides/slide11.xml><?xml version="1.0" encoding="utf-8"?>
+<p:sld xmlns:a="http://schemas.openxmlformats.org/drawingml/2006/main" xmlns:r="http://schemas.openxmlformats.org/officeDocument/2006/relationships" xmlns:p="http://schemas.openxmlformats.org/presentationml/2006/main">
+  <p:cSld>
+    <p:spTree>
+      <p:nvGrpSpPr>
+        <p:cNvPr id="1" name=""/>
+        <p:cNvGrpSpPr/>
+        <p:nvPr/>
+      </p:nvGrpSpPr>
+      <p:grpSpPr>
+        <a:xfrm>
+          <a:off x="0" y="0"/>
+          <a:ext cx="0" cy="0"/>
+          <a:chOff x="0" y="0"/>
+          <a:chExt cx="0" cy="0"/>
+        </a:xfrm>
+      </p:grpSpPr>
+      <p:pic>
+        <p:nvPicPr>
+          <p:cNvPr id="4" name="Content Placeholder 3"/>
+          <p:cNvPicPr>
+            <a:picLocks noGrp="1" noChangeAspect="1"/>
+          </p:cNvPicPr>
+          <p:nvPr>
+            <p:ph idx="1"/>
+          </p:nvPr>
+        </p:nvPicPr>
+        <p:blipFill>
+          <a:blip r:embed="rId2" cstate="print">
+            <a:extLst>
+              <a:ext uri="{28A0092B-C50C-407E-A947-70E740481C1C}">
+                <a14:useLocalDpi xmlns:a14="http://schemas.microsoft.com/office/drawing/2010/main" val="0"/>
+              </a:ext>
+            </a:extLst>
+          </a:blip>
+          <a:stretch>
+            <a:fillRect/>
+          </a:stretch>
+        </p:blipFill>
+        <p:spPr>
+          <a:xfrm>
+            <a:off x="1393571" y="100492"/>
+            <a:ext cx="5436086" cy="6757508"/>
+          </a:xfrm>
+        </p:spPr>
+      </p:pic>
+    </p:spTree>
+    <p:extLst>
+      <p:ext uri="{BB962C8B-B14F-4D97-AF65-F5344CB8AC3E}">
+        <p14:creationId xmlns:p14="http://schemas.microsoft.com/office/powerpoint/2010/main" val="1889790346"/>
+      </p:ext>
+    </p:extLst>
+  </p:cSld>
+  <p:clrMapOvr>
+    <a:masterClrMapping/>
+  </p:clrMapOvr>
+  <p:timing>
+    <p:tnLst>
+      <p:par>
+        <p:cTn id="1" dur="indefinite" restart="never" nodeType="tmRoot"/>
+      </p:par>
+    </p:tnLst>
+  </p:timing>
+</p:sld>
+</file>
+
+<file path=ppt/slides/slide12.xml><?xml version="1.0" encoding="utf-8"?>
+<p:sld xmlns:a="http://schemas.openxmlformats.org/drawingml/2006/main" xmlns:r="http://schemas.openxmlformats.org/officeDocument/2006/relationships" xmlns:p="http://schemas.openxmlformats.org/presentationml/2006/main">
+  <p:cSld>
+    <p:spTree>
+      <p:nvGrpSpPr>
+        <p:cNvPr id="1" name=""/>
+        <p:cNvGrpSpPr/>
+        <p:nvPr/>
+      </p:nvGrpSpPr>
+      <p:grpSpPr>
+        <a:xfrm>
+          <a:off x="0" y="0"/>
+          <a:ext cx="0" cy="0"/>
+          <a:chOff x="0" y="0"/>
+          <a:chExt cx="0" cy="0"/>
+        </a:xfrm>
+      </p:grpSpPr>
+      <p:pic>
+        <p:nvPicPr>
+          <p:cNvPr id="4" name="Content Placeholder 3"/>
+          <p:cNvPicPr>
+            <a:picLocks noGrp="1" noChangeAspect="1"/>
+          </p:cNvPicPr>
+          <p:nvPr>
+            <p:ph idx="1"/>
+          </p:nvPr>
+        </p:nvPicPr>
+        <p:blipFill>
+          <a:blip r:embed="rId2" cstate="print">
+            <a:extLst>
+              <a:ext uri="{28A0092B-C50C-407E-A947-70E740481C1C}">
+                <a14:useLocalDpi xmlns:a14="http://schemas.microsoft.com/office/drawing/2010/main" val="0"/>
+              </a:ext>
+            </a:extLst>
+          </a:blip>
+          <a:stretch>
+            <a:fillRect/>
+          </a:stretch>
+        </p:blipFill>
+        <p:spPr>
+          <a:xfrm>
+            <a:off x="1912657" y="83088"/>
+            <a:ext cx="4643418" cy="6810969"/>
+          </a:xfrm>
+        </p:spPr>
+      </p:pic>
+    </p:spTree>
+    <p:extLst>
+      <p:ext uri="{BB962C8B-B14F-4D97-AF65-F5344CB8AC3E}">
+        <p14:creationId xmlns:p14="http://schemas.microsoft.com/office/powerpoint/2010/main" val="668275906"/>
+      </p:ext>
+    </p:extLst>
+  </p:cSld>
+  <p:clrMapOvr>
+    <a:masterClrMapping/>
+  </p:clrMapOvr>
+  <p:timing>
+    <p:tnLst>
+      <p:par>
+        <p:cTn id="1" dur="indefinite" restart="never" nodeType="tmRoot"/>
+      </p:par>
+    </p:tnLst>
+  </p:timing>
+</p:sld>
+</file>
+
+<file path=ppt/slides/slide13.xml><?xml version="1.0" encoding="utf-8"?>
+<p:sld xmlns:a="http://schemas.openxmlformats.org/drawingml/2006/main" xmlns:r="http://schemas.openxmlformats.org/officeDocument/2006/relationships" xmlns:p="http://schemas.openxmlformats.org/presentationml/2006/main">
+  <p:cSld>
+    <p:spTree>
+      <p:nvGrpSpPr>
+        <p:cNvPr id="1" name=""/>
+        <p:cNvGrpSpPr/>
+        <p:nvPr/>
+      </p:nvGrpSpPr>
+      <p:grpSpPr>
+        <a:xfrm>
+          <a:off x="0" y="0"/>
+          <a:ext cx="0" cy="0"/>
+          <a:chOff x="0" y="0"/>
+          <a:chExt cx="0" cy="0"/>
+        </a:xfrm>
+      </p:grpSpPr>
       <p:sp>
         <p:nvSpPr>
           <p:cNvPr id="2" name="Title 1"/>
@@ -3076,33 +4137,50 @@
             <p:ph type="title"/>
           </p:nvPr>
         </p:nvSpPr>
-        <p:spPr/>
+        <p:spPr>
+          <a:xfrm>
+            <a:off x="3345872" y="143451"/>
+            <a:ext cx="3041073" cy="1325563"/>
+          </a:xfrm>
+        </p:spPr>
+        <p:txBody>
+          <a:bodyPr anchor="t"/>
+          <a:lstStyle/>
+          <a:p>
+            <a:pPr algn="ctr"/>
+            <a:r>
+              <a:rPr lang="en-US" dirty="0" smtClean="0"/>
+              <a:t>FUTURE</a:t>
+            </a:r>
+            <a:endParaRPr lang="en-US" dirty="0"/>
+          </a:p>
+        </p:txBody>
+      </p:sp>
+      <p:sp>
+        <p:nvSpPr>
+          <p:cNvPr id="3" name="Content Placeholder 2"/>
+          <p:cNvSpPr>
+            <a:spLocks noGrp="1"/>
+          </p:cNvSpPr>
+          <p:nvPr>
+            <p:ph idx="1"/>
+          </p:nvPr>
+        </p:nvSpPr>
+        <p:spPr>
+          <a:xfrm>
+            <a:off x="423416" y="1825625"/>
+            <a:ext cx="10515600" cy="4351338"/>
+          </a:xfrm>
+        </p:spPr>
         <p:txBody>
           <a:bodyPr/>
           <a:lstStyle/>
           <a:p>
             <a:r>
               <a:rPr lang="en-US" dirty="0" smtClean="0"/>
-              <a:t>CLOSING</a:t>
-            </a:r>
-            <a:endParaRPr lang="en-US" dirty="0"/>
-          </a:p>
-        </p:txBody>
-      </p:sp>
-      <p:sp>
-        <p:nvSpPr>
-          <p:cNvPr id="3" name="Content Placeholder 2"/>
-          <p:cNvSpPr>
-            <a:spLocks noGrp="1"/>
-          </p:cNvSpPr>
-          <p:nvPr>
-            <p:ph idx="1"/>
-          </p:nvPr>
-        </p:nvSpPr>
-        <p:spPr/>
-        <p:txBody>
-          <a:bodyPr/>
-          <a:lstStyle/>
+              <a:t>Mobile devices</a:t>
+            </a:r>
+          </a:p>
           <a:p>
             <a:endParaRPr lang="en-US" dirty="0"/>
           </a:p>
@@ -3118,6 +4196,13 @@
   <p:clrMapOvr>
     <a:masterClrMapping/>
   </p:clrMapOvr>
+  <p:timing>
+    <p:tnLst>
+      <p:par>
+        <p:cTn id="1" dur="indefinite" restart="never" nodeType="tmRoot"/>
+      </p:par>
+    </p:tnLst>
+  </p:timing>
 </p:sld>
 </file>
 
@@ -3150,7 +4235,7 @@
         </p:nvSpPr>
         <p:spPr>
           <a:xfrm>
-            <a:off x="0" y="214312"/>
+            <a:off x="0" y="114299"/>
             <a:ext cx="9920177" cy="1333501"/>
           </a:xfrm>
         </p:spPr>
@@ -3168,19 +4253,12 @@
             </a:br>
             <a:r>
               <a:rPr lang="en-US" dirty="0" smtClean="0"/>
-              <a:t>     CXTA  </a:t>
-            </a:r>
-            <a:r>
-              <a:rPr lang="en-US" dirty="0" smtClean="0"/>
-              <a:t>- </a:t>
-            </a:r>
-            <a:r>
-              <a:rPr lang="en-US" sz="3000" b="1" dirty="0" smtClean="0">
-                <a:effectLst/>
-              </a:rPr>
+              <a:t>     CXTA  - </a:t>
+            </a:r>
+            <a:r>
+              <a:rPr lang="en-US" sz="3000" b="1" dirty="0"/>
               <a:t>Customer Experience Test Automation</a:t>
             </a:r>
-            <a:endParaRPr lang="en-US" sz="3000" b="1" dirty="0"/>
           </a:p>
         </p:txBody>
       </p:sp>
@@ -3196,13 +4274,13 @@
         </p:nvSpPr>
         <p:spPr>
           <a:xfrm>
-            <a:off x="285670" y="1892595"/>
+            <a:off x="434729" y="1730866"/>
             <a:ext cx="11677879" cy="3997841"/>
           </a:xfrm>
         </p:spPr>
         <p:txBody>
           <a:bodyPr>
-            <a:normAutofit lnSpcReduction="10000"/>
+            <a:normAutofit/>
           </a:bodyPr>
           <a:lstStyle/>
           <a:p>
@@ -3235,31 +4313,7 @@
               <a:rPr lang="en-US" dirty="0" smtClean="0">
                 <a:effectLst/>
               </a:rPr>
-              <a:t>CXTA validates the </a:t>
-            </a:r>
-            <a:r>
-              <a:rPr lang="en-US" dirty="0" smtClean="0">
-                <a:effectLst/>
-              </a:rPr>
-              <a:t>operational correctness </a:t>
-            </a:r>
-            <a:r>
-              <a:rPr lang="en-US" dirty="0" smtClean="0">
-                <a:effectLst/>
-              </a:rPr>
-              <a:t>of </a:t>
-            </a:r>
-            <a:r>
-              <a:rPr lang="en-US" dirty="0" smtClean="0">
-                <a:effectLst/>
-              </a:rPr>
-              <a:t>CX </a:t>
-            </a:r>
-            <a:r>
-              <a:rPr lang="en-US" dirty="0" smtClean="0">
-                <a:effectLst/>
-              </a:rPr>
-              <a:t>Web Applications </a:t>
+              <a:t>CXTA validates the operational correctness of CX Web Applications…</a:t>
             </a:r>
           </a:p>
           <a:p>
@@ -3279,7 +4333,7 @@
               <a:rPr lang="en-US" dirty="0" smtClean="0">
                 <a:effectLst/>
               </a:rPr>
-              <a:t>supporting technologies ( micro service API )</a:t>
+              <a:t>supporting technologies ( micro service API )…</a:t>
             </a:r>
           </a:p>
           <a:p>
@@ -3320,6 +4374,13 @@
   <p:clrMapOvr>
     <a:masterClrMapping/>
   </p:clrMapOvr>
+  <p:timing>
+    <p:tnLst>
+      <p:par>
+        <p:cTn id="1" dur="indefinite" restart="never" nodeType="tmRoot"/>
+      </p:par>
+    </p:tnLst>
+  </p:timing>
 </p:sld>
 </file>
 
@@ -3364,7 +4425,7 @@
           <a:p>
             <a:pPr algn="ctr"/>
             <a:r>
-              <a:rPr lang="en-US" sz="4900" dirty="0" smtClean="0"/>
+              <a:rPr lang="en-US" sz="4900" dirty="0"/>
               <a:t>PURPOSE</a:t>
             </a:r>
             <a:r>
@@ -3375,12 +4436,12 @@
               <a:rPr lang="en-US" dirty="0" smtClean="0"/>
             </a:br>
             <a:r>
-              <a:rPr lang="en-US" sz="3600" dirty="0" smtClean="0"/>
-              <a:t>Operational  </a:t>
+              <a:rPr lang="en-US" sz="3300" b="1" dirty="0"/>
+              <a:t>Operational  &amp; Functional Process</a:t>
             </a:r>
             <a:r>
               <a:rPr lang="en-US" sz="3600" dirty="0"/>
-              <a:t>&amp; Functional Process</a:t>
+              <a:t/>
             </a:r>
             <a:br>
               <a:rPr lang="en-US" sz="3600" dirty="0"/>
@@ -3401,7 +4462,7 @@
         </p:nvSpPr>
         <p:spPr>
           <a:xfrm>
-            <a:off x="144962" y="1833386"/>
+            <a:off x="437197" y="1861096"/>
             <a:ext cx="11490593" cy="4762500"/>
           </a:xfrm>
         </p:spPr>
@@ -3417,9 +4478,12 @@
             </a:r>
             <a:r>
               <a:rPr lang="en-US" dirty="0"/>
-              <a:t>testing frame work </a:t>
-            </a:r>
-            <a:endParaRPr lang="en-US" dirty="0" smtClean="0"/>
+              <a:t>testing frame </a:t>
+            </a:r>
+            <a:r>
+              <a:rPr lang="en-US" dirty="0" smtClean="0"/>
+              <a:t>work… </a:t>
+            </a:r>
           </a:p>
           <a:p>
             <a:endParaRPr lang="en-US" dirty="0"/>
@@ -3460,7 +4524,7 @@
             </a:r>
             <a:r>
               <a:rPr lang="en-US" dirty="0" smtClean="0"/>
-              <a:t>create test scripts to validate their own work.</a:t>
+              <a:t>create test scripts to validate their own work…</a:t>
             </a:r>
           </a:p>
           <a:p>
@@ -3473,11 +4537,12 @@
             </a:r>
             <a:r>
               <a:rPr lang="en-US" dirty="0"/>
-              <a:t>developing Use Case End to End Work Flow test scripts.  </a:t>
-            </a:r>
-          </a:p>
-          <a:p>
-            <a:endParaRPr lang="en-US" dirty="0" smtClean="0"/>
+              <a:t>developing Use Case End to End Work Flow test </a:t>
+            </a:r>
+            <a:r>
+              <a:rPr lang="en-US" dirty="0" smtClean="0"/>
+              <a:t>scripts…</a:t>
+            </a:r>
           </a:p>
           <a:p>
             <a:endParaRPr lang="en-US" dirty="0"/>
@@ -3497,6 +4562,13 @@
   <p:clrMapOvr>
     <a:masterClrMapping/>
   </p:clrMapOvr>
+  <p:timing>
+    <p:tnLst>
+      <p:par>
+        <p:cTn id="1" dur="indefinite" restart="never" nodeType="tmRoot"/>
+      </p:par>
+    </p:tnLst>
+  </p:timing>
 </p:sld>
 </file>
 
@@ -3529,7 +4601,7 @@
         </p:nvSpPr>
         <p:spPr>
           <a:xfrm>
-            <a:off x="859465" y="622271"/>
+            <a:off x="1445229" y="136496"/>
             <a:ext cx="6679019" cy="880110"/>
           </a:xfrm>
         </p:spPr>
@@ -3560,7 +4632,7 @@
         </p:nvSpPr>
         <p:spPr>
           <a:xfrm>
-            <a:off x="98439" y="1896341"/>
+            <a:off x="437804" y="1877487"/>
             <a:ext cx="10515600" cy="4568256"/>
           </a:xfrm>
         </p:spPr>
@@ -3610,7 +4682,7 @@
               <a:buNone/>
             </a:pPr>
             <a:r>
-              <a:rPr lang="en-US" sz="800" dirty="0" smtClean="0"/>
+              <a:rPr lang="en-US" sz="800" dirty="0"/>
               <a:t>            </a:t>
             </a:r>
           </a:p>
@@ -3623,7 +4695,7 @@
           <a:p>
             <a:r>
               <a:rPr lang="en-US" dirty="0" smtClean="0"/>
-              <a:t>To scale as is projected we have to change how we develop tests</a:t>
+              <a:t>To scale as is projected we have to change how we develop tests…</a:t>
             </a:r>
           </a:p>
           <a:p>
@@ -3632,7 +4704,7 @@
           <a:p>
             <a:r>
               <a:rPr lang="en-US" dirty="0" smtClean="0"/>
-              <a:t>We have to change how we select and execute tests</a:t>
+              <a:t>We have to change how we select and execute tests…</a:t>
             </a:r>
             <a:endParaRPr lang="en-US" dirty="0"/>
           </a:p>
@@ -3648,6 +4720,13 @@
   <p:clrMapOvr>
     <a:masterClrMapping/>
   </p:clrMapOvr>
+  <p:timing>
+    <p:tnLst>
+      <p:par>
+        <p:cTn id="1" dur="indefinite" restart="never" nodeType="tmRoot"/>
+      </p:par>
+    </p:tnLst>
+  </p:timing>
 </p:sld>
 </file>
 
@@ -3680,7 +4759,7 @@
         </p:nvSpPr>
         <p:spPr>
           <a:xfrm>
-            <a:off x="609334" y="828543"/>
+            <a:off x="1009384" y="128455"/>
             <a:ext cx="7662796" cy="651510"/>
           </a:xfrm>
         </p:spPr>
@@ -3711,13 +4790,13 @@
         </p:nvSpPr>
         <p:spPr>
           <a:xfrm>
-            <a:off x="129539" y="1763690"/>
+            <a:off x="431196" y="1795828"/>
             <a:ext cx="11254740" cy="4403194"/>
           </a:xfrm>
         </p:spPr>
         <p:txBody>
           <a:bodyPr>
-            <a:normAutofit lnSpcReduction="10000"/>
+            <a:normAutofit/>
           </a:bodyPr>
           <a:lstStyle/>
           <a:p>
@@ -3806,19 +4885,15 @@
             </a:pPr>
             <a:r>
               <a:rPr lang="en-US" dirty="0" smtClean="0"/>
-              <a:t>CXTA will manage </a:t>
+              <a:t>CXTA will develop and manage </a:t>
             </a:r>
             <a:r>
               <a:rPr lang="en-US" dirty="0"/>
               <a:t>all </a:t>
             </a:r>
             <a:r>
-              <a:rPr lang="en-US" dirty="0" err="1" smtClean="0"/>
-              <a:t>UseCase</a:t>
-            </a:r>
-            <a:r>
-              <a:rPr lang="en-US" dirty="0" smtClean="0"/>
-              <a:t> End </a:t>
+              <a:rPr lang="en-US" dirty="0" smtClean="0"/>
+              <a:t>Use Case End </a:t>
             </a:r>
             <a:r>
               <a:rPr lang="en-US" dirty="0"/>
@@ -3888,6 +4963,13 @@
   <p:clrMapOvr>
     <a:masterClrMapping/>
   </p:clrMapOvr>
+  <p:timing>
+    <p:tnLst>
+      <p:par>
+        <p:cTn id="1" dur="indefinite" restart="never" nodeType="tmRoot"/>
+      </p:par>
+    </p:tnLst>
+  </p:timing>
 </p:sld>
 </file>
 
@@ -3918,30 +5000,35 @@
             <p:ph type="title"/>
           </p:nvPr>
         </p:nvSpPr>
-        <p:spPr/>
+        <p:spPr>
+          <a:xfrm>
+            <a:off x="166687" y="0"/>
+            <a:ext cx="10515600" cy="1325563"/>
+          </a:xfrm>
+        </p:spPr>
         <p:txBody>
           <a:bodyPr/>
           <a:lstStyle/>
           <a:p>
             <a:pPr algn="ctr"/>
             <a:r>
-              <a:rPr lang="en-US" b="1" dirty="0"/>
-              <a:t>Independent product line testing, </a:t>
-            </a:r>
-            <a:r>
-              <a:rPr lang="en-US" b="1" dirty="0" smtClean="0"/>
-              <a:t/>
+              <a:rPr lang="en-US" dirty="0" smtClean="0"/>
+              <a:t>INDEPENDENT PRODUCT  TESTING </a:t>
             </a:r>
             <a:br>
-              <a:rPr lang="en-US" b="1" dirty="0" smtClean="0"/>
+              <a:rPr lang="en-US" dirty="0" smtClean="0"/>
             </a:br>
             <a:r>
-              <a:rPr lang="en-US" b="1" dirty="0" smtClean="0"/>
-              <a:t>Scaling</a:t>
-            </a:r>
-            <a:r>
-              <a:rPr lang="en-US" b="1" dirty="0"/>
-              <a:t> and Content</a:t>
+              <a:rPr lang="en-US" dirty="0" smtClean="0"/>
+              <a:t>SCALING &amp;</a:t>
+            </a:r>
+            <a:r>
+              <a:rPr lang="en-US" sz="2400" dirty="0"/>
+              <a:t> </a:t>
+            </a:r>
+            <a:r>
+              <a:rPr lang="en-US" dirty="0" smtClean="0"/>
+              <a:t>CONTENT</a:t>
             </a:r>
             <a:endParaRPr lang="en-US" dirty="0"/>
           </a:p>
@@ -3957,24 +5044,49 @@
             <p:ph idx="1"/>
           </p:nvPr>
         </p:nvSpPr>
-        <p:spPr/>
-        <p:txBody>
-          <a:bodyPr/>
-          <a:lstStyle/>
-          <a:p>
+        <p:spPr>
+          <a:xfrm>
+            <a:off x="423640" y="1839480"/>
+            <a:ext cx="11625314" cy="4589026"/>
+          </a:xfrm>
+        </p:spPr>
+        <p:txBody>
+          <a:bodyPr>
+            <a:normAutofit/>
+          </a:bodyPr>
+          <a:lstStyle/>
+          <a:p>
+            <a:pPr>
+              <a:lnSpc>
+                <a:spcPct val="110000"/>
+              </a:lnSpc>
+            </a:pPr>
             <a:r>
               <a:rPr lang="en-US" dirty="0"/>
-              <a:t>The ability to test a products full abilities independently of all other products is a pressing need</a:t>
-            </a:r>
-            <a:r>
-              <a:rPr lang="en-US" dirty="0" smtClean="0"/>
-              <a:t>.</a:t>
-            </a:r>
-          </a:p>
-          <a:p>
+              <a:t>The ability to test a products full abilities independently of all other products is a pressing </a:t>
+            </a:r>
+            <a:r>
+              <a:rPr lang="en-US" dirty="0" smtClean="0"/>
+              <a:t>need…</a:t>
+            </a:r>
+          </a:p>
+          <a:p>
+            <a:pPr>
+              <a:lnSpc>
+                <a:spcPct val="110000"/>
+              </a:lnSpc>
+            </a:pPr>
             <a:r>
               <a:rPr lang="en-US" dirty="0"/>
-              <a:t>CXTA's proposed solution will reduce the overall quantity of source code that must be maintained.  We see this as an evolutionary improvement</a:t>
+              <a:t>CXTA's proposed solution </a:t>
+            </a:r>
+            <a:r>
+              <a:rPr lang="en-US" dirty="0" smtClean="0"/>
+              <a:t>reduces </a:t>
+            </a:r>
+            <a:r>
+              <a:rPr lang="en-US" dirty="0"/>
+              <a:t>the overall quantity of source code that must be maintained.  We see this as an evolutionary improvement</a:t>
             </a:r>
             <a:r>
               <a:rPr lang="en-US" dirty="0" smtClean="0"/>
@@ -3982,9 +5094,18 @@
             </a:r>
           </a:p>
           <a:p>
+            <a:pPr>
+              <a:lnSpc>
+                <a:spcPct val="110000"/>
+              </a:lnSpc>
+            </a:pPr>
             <a:r>
               <a:rPr lang="en-US" dirty="0"/>
-              <a:t>CXTA sees a direct correlation in manner and approach between refactoring code base and new test data framework methodology giving us the ability to address content test data regionally or by product selection.</a:t>
+              <a:t>CXTA sees a direct correlation in manner and approach between refactoring code base and new test data framework methodology giving us the ability to address content test data regionally or by product selection</a:t>
+            </a:r>
+            <a:r>
+              <a:rPr lang="en-US" dirty="0" smtClean="0"/>
+              <a:t>.  Independent Product Testing opened a door for us …</a:t>
             </a:r>
             <a:endParaRPr lang="en-US" dirty="0"/>
           </a:p>
@@ -4000,6 +5121,13 @@
   <p:clrMapOvr>
     <a:masterClrMapping/>
   </p:clrMapOvr>
+  <p:timing>
+    <p:tnLst>
+      <p:par>
+        <p:cTn id="1" dur="indefinite" restart="never" nodeType="tmRoot"/>
+      </p:par>
+    </p:tnLst>
+  </p:timing>
 </p:sld>
 </file>
 
@@ -4030,31 +5158,82 @@
             <p:ph type="title"/>
           </p:nvPr>
         </p:nvSpPr>
-        <p:spPr/>
+        <p:spPr>
+          <a:xfrm>
+            <a:off x="2833253" y="115744"/>
+            <a:ext cx="3997036" cy="1325563"/>
+          </a:xfrm>
+        </p:spPr>
+        <p:txBody>
+          <a:bodyPr anchor="t"/>
+          <a:lstStyle/>
+          <a:p>
+            <a:pPr algn="ctr"/>
+            <a:r>
+              <a:rPr lang="en-US" dirty="0" smtClean="0"/>
+              <a:t>HOW IT’S BUILT</a:t>
+            </a:r>
+            <a:endParaRPr lang="en-US" dirty="0"/>
+          </a:p>
+        </p:txBody>
+      </p:sp>
+      <p:sp>
+        <p:nvSpPr>
+          <p:cNvPr id="3" name="Content Placeholder 2"/>
+          <p:cNvSpPr>
+            <a:spLocks noGrp="1"/>
+          </p:cNvSpPr>
+          <p:nvPr>
+            <p:ph idx="1"/>
+          </p:nvPr>
+        </p:nvSpPr>
+        <p:spPr>
+          <a:xfrm>
+            <a:off x="432848" y="1872760"/>
+            <a:ext cx="10515600" cy="4351338"/>
+          </a:xfrm>
+        </p:spPr>
         <p:txBody>
           <a:bodyPr/>
           <a:lstStyle/>
           <a:p>
-            <a:endParaRPr lang="en-US"/>
-          </a:p>
-        </p:txBody>
-      </p:sp>
-      <p:sp>
-        <p:nvSpPr>
-          <p:cNvPr id="3" name="Content Placeholder 2"/>
-          <p:cNvSpPr>
-            <a:spLocks noGrp="1"/>
-          </p:cNvSpPr>
-          <p:nvPr>
-            <p:ph idx="1"/>
-          </p:nvPr>
-        </p:nvSpPr>
-        <p:spPr/>
-        <p:txBody>
-          <a:bodyPr/>
-          <a:lstStyle/>
-          <a:p>
-            <a:endParaRPr lang="en-US"/>
+            <a:r>
+              <a:rPr lang="en-US" dirty="0" err="1" smtClean="0"/>
+              <a:t>Git</a:t>
+            </a:r>
+            <a:r>
+              <a:rPr lang="en-US" dirty="0" smtClean="0"/>
+              <a:t> Repo</a:t>
+            </a:r>
+            <a:r>
+              <a:rPr lang="en-US" dirty="0"/>
+              <a:t> </a:t>
+            </a:r>
+            <a:r>
+              <a:rPr lang="en-US" dirty="0" smtClean="0"/>
+              <a:t>Node.js, Protractor, JavaScript</a:t>
+            </a:r>
+          </a:p>
+          <a:p>
+            <a:r>
+              <a:rPr lang="en-US" dirty="0" smtClean="0"/>
+              <a:t>Framework is Class/Object based</a:t>
+            </a:r>
+          </a:p>
+          <a:p>
+            <a:pPr lvl="1"/>
+            <a:r>
+              <a:rPr lang="en-US" dirty="0" smtClean="0"/>
+              <a:t>Core base level classes defining what is common to any component on a web page</a:t>
+            </a:r>
+          </a:p>
+          <a:p>
+            <a:pPr lvl="1"/>
+            <a:r>
+              <a:rPr lang="en-US" dirty="0" smtClean="0"/>
+              <a:t>Specialized components and methods build up from the </a:t>
+            </a:r>
+            <a:endParaRPr lang="en-US" dirty="0" smtClean="0"/>
           </a:p>
         </p:txBody>
       </p:sp>
@@ -4068,6 +5247,13 @@
   <p:clrMapOvr>
     <a:masterClrMapping/>
   </p:clrMapOvr>
+  <p:timing>
+    <p:tnLst>
+      <p:par>
+        <p:cTn id="1" dur="indefinite" restart="never" nodeType="tmRoot"/>
+      </p:par>
+    </p:tnLst>
+  </p:timing>
 </p:sld>
 </file>
 
@@ -4098,11 +5284,17 @@
             <p:ph type="title"/>
           </p:nvPr>
         </p:nvSpPr>
-        <p:spPr/>
-        <p:txBody>
-          <a:bodyPr/>
-          <a:lstStyle/>
-          <a:p>
+        <p:spPr>
+          <a:xfrm>
+            <a:off x="1617953" y="124691"/>
+            <a:ext cx="6431539" cy="1325563"/>
+          </a:xfrm>
+        </p:spPr>
+        <p:txBody>
+          <a:bodyPr anchor="t"/>
+          <a:lstStyle/>
+          <a:p>
+            <a:pPr algn="ctr"/>
             <a:r>
               <a:rPr lang="en-US" dirty="0" smtClean="0"/>
               <a:t>EXECUTION</a:t>
@@ -4121,47 +5313,110 @@
             <p:ph idx="1"/>
           </p:nvPr>
         </p:nvSpPr>
-        <p:spPr/>
-        <p:txBody>
-          <a:bodyPr/>
-          <a:lstStyle/>
-          <a:p>
-            <a:r>
-              <a:rPr lang="en-US" dirty="0" smtClean="0"/>
-              <a:t>Configuration specific testing</a:t>
+        <p:spPr>
+          <a:xfrm>
+            <a:off x="437704" y="1837658"/>
+            <a:ext cx="10515600" cy="5001488"/>
+          </a:xfrm>
+        </p:spPr>
+        <p:txBody>
+          <a:bodyPr>
+            <a:normAutofit/>
+          </a:bodyPr>
+          <a:lstStyle/>
+          <a:p>
+            <a:pPr>
+              <a:lnSpc>
+                <a:spcPct val="110000"/>
+              </a:lnSpc>
+            </a:pPr>
+            <a:r>
+              <a:rPr lang="en-US" dirty="0" smtClean="0"/>
+              <a:t>Two primary modes</a:t>
+            </a:r>
+          </a:p>
+          <a:p>
+            <a:pPr lvl="1">
+              <a:lnSpc>
+                <a:spcPct val="110000"/>
+              </a:lnSpc>
+            </a:pPr>
+            <a:r>
+              <a:rPr lang="en-US" sz="2800" dirty="0"/>
+              <a:t>Schedule Based : Covers Regression Testing</a:t>
+            </a:r>
+          </a:p>
+          <a:p>
+            <a:pPr lvl="1">
+              <a:lnSpc>
+                <a:spcPct val="110000"/>
+              </a:lnSpc>
+            </a:pPr>
+            <a:r>
+              <a:rPr lang="en-US" sz="2800" dirty="0"/>
+              <a:t>On Demand : Covers all developer build initiated testing</a:t>
+            </a:r>
+          </a:p>
+          <a:p>
+            <a:pPr marL="457206" lvl="1" indent="0">
+              <a:lnSpc>
+                <a:spcPct val="110000"/>
+              </a:lnSpc>
+              <a:buNone/>
+            </a:pPr>
+            <a:r>
+              <a:rPr lang="en-US" sz="400" dirty="0"/>
+              <a:t>     </a:t>
+            </a:r>
+            <a:endParaRPr lang="en-US" sz="300" dirty="0"/>
+          </a:p>
+          <a:p>
+            <a:r>
+              <a:rPr lang="en-US" dirty="0" smtClean="0"/>
+              <a:t>All testing regardless of mode is configurable prior to run</a:t>
             </a:r>
           </a:p>
           <a:p>
             <a:pPr lvl="1"/>
             <a:r>
-              <a:rPr lang="en-US" dirty="0" smtClean="0"/>
-              <a:t>Collection of products and states deployed for are a testing set</a:t>
-            </a:r>
-          </a:p>
-          <a:p>
-            <a:pPr lvl="1"/>
-            <a:endParaRPr lang="en-US" dirty="0"/>
-          </a:p>
-          <a:p>
-            <a:pPr lvl="1"/>
-            <a:endParaRPr lang="en-US" dirty="0"/>
-          </a:p>
-          <a:p>
-            <a:r>
-              <a:rPr lang="en-US" dirty="0" smtClean="0"/>
-              <a:t>Timing based regression testing</a:t>
-            </a:r>
-          </a:p>
-          <a:p>
-            <a:r>
-              <a:rPr lang="en-US" dirty="0" smtClean="0"/>
-              <a:t>Build initiated </a:t>
-            </a:r>
-            <a:r>
-              <a:rPr lang="en-US" smtClean="0"/>
-              <a:t>integration testing</a:t>
-            </a:r>
-            <a:endParaRPr lang="en-US" dirty="0" smtClean="0"/>
+              <a:rPr lang="en-US" sz="2800" dirty="0"/>
+              <a:t>Gives developers ability to focus testing of code in development</a:t>
+            </a:r>
+          </a:p>
+          <a:p>
+            <a:pPr marL="457206" lvl="1" indent="0">
+              <a:buNone/>
+            </a:pPr>
+            <a:r>
+              <a:rPr lang="en-US" sz="500" dirty="0"/>
+              <a:t>     </a:t>
+            </a:r>
+          </a:p>
+          <a:p>
+            <a:r>
+              <a:rPr lang="en-US" dirty="0"/>
+              <a:t>Configuration </a:t>
+            </a:r>
+            <a:r>
+              <a:rPr lang="en-US" dirty="0" smtClean="0"/>
+              <a:t>controlled testing</a:t>
+            </a:r>
+          </a:p>
+          <a:p>
+            <a:pPr lvl="1">
+              <a:lnSpc>
+                <a:spcPct val="100000"/>
+              </a:lnSpc>
+            </a:pPr>
+            <a:r>
+              <a:rPr lang="en-US" sz="2800" dirty="0"/>
+              <a:t>Evolutionary change in configuration and approach moves to control of what product and state being tested out of the script and to Framework Configuration</a:t>
+            </a:r>
+            <a:r>
+              <a:rPr lang="en-US" sz="2800" dirty="0" smtClean="0"/>
+              <a:t>… ...</a:t>
+            </a:r>
+            <a:endParaRPr lang="en-US" sz="2800" dirty="0"/>
           </a:p>
         </p:txBody>
       </p:sp>
@@ -4175,6 +5430,13 @@
   <p:clrMapOvr>
     <a:masterClrMapping/>
   </p:clrMapOvr>
+  <p:timing>
+    <p:tnLst>
+      <p:par>
+        <p:cTn id="1" dur="indefinite" restart="never" nodeType="tmRoot"/>
+      </p:par>
+    </p:tnLst>
+  </p:timing>
 </p:sld>
 </file>
 
@@ -4205,35 +5467,106 @@
             <p:ph type="title"/>
           </p:nvPr>
         </p:nvSpPr>
-        <p:spPr/>
+        <p:spPr>
+          <a:xfrm>
+            <a:off x="1641766" y="129597"/>
+            <a:ext cx="6366163" cy="1325563"/>
+          </a:xfrm>
+        </p:spPr>
+        <p:txBody>
+          <a:bodyPr anchor="t"/>
+          <a:lstStyle/>
+          <a:p>
+            <a:pPr algn="ctr"/>
+            <a:r>
+              <a:rPr lang="en-US" dirty="0" smtClean="0"/>
+              <a:t>REPORTING</a:t>
+            </a:r>
+            <a:endParaRPr lang="en-US" dirty="0"/>
+          </a:p>
+        </p:txBody>
+      </p:sp>
+      <p:sp>
+        <p:nvSpPr>
+          <p:cNvPr id="3" name="Content Placeholder 2"/>
+          <p:cNvSpPr>
+            <a:spLocks noGrp="1"/>
+          </p:cNvSpPr>
+          <p:nvPr>
+            <p:ph idx="1"/>
+          </p:nvPr>
+        </p:nvSpPr>
+        <p:spPr>
+          <a:xfrm>
+            <a:off x="432844" y="1863333"/>
+            <a:ext cx="10515600" cy="4351338"/>
+          </a:xfrm>
+        </p:spPr>
         <p:txBody>
           <a:bodyPr/>
           <a:lstStyle/>
           <a:p>
             <a:r>
               <a:rPr lang="en-US" dirty="0" smtClean="0"/>
-              <a:t>REPORTING</a:t>
-            </a:r>
+              <a:t>Reporting:  Three levels of information</a:t>
+            </a:r>
+          </a:p>
+          <a:p>
             <a:endParaRPr lang="en-US" dirty="0"/>
           </a:p>
-        </p:txBody>
-      </p:sp>
-      <p:sp>
-        <p:nvSpPr>
-          <p:cNvPr id="3" name="Content Placeholder 2"/>
-          <p:cNvSpPr>
-            <a:spLocks noGrp="1"/>
-          </p:cNvSpPr>
-          <p:nvPr>
-            <p:ph idx="1"/>
-          </p:nvPr>
-        </p:nvSpPr>
-        <p:spPr/>
-        <p:txBody>
-          <a:bodyPr/>
-          <a:lstStyle/>
-          <a:p>
-            <a:endParaRPr lang="en-US"/>
+          <a:p>
+            <a:r>
+              <a:rPr lang="en-US" dirty="0" smtClean="0"/>
+              <a:t>Hyper granular:  Cover every Assert and Compare in </a:t>
+            </a:r>
+            <a:r>
+              <a:rPr lang="en-US" dirty="0" smtClean="0"/>
+              <a:t>Framework</a:t>
+            </a:r>
+          </a:p>
+          <a:p>
+            <a:pPr lvl="1"/>
+            <a:r>
+              <a:rPr lang="en-US" dirty="0" smtClean="0"/>
+              <a:t>Debugging and Framework Development tool</a:t>
+            </a:r>
+            <a:endParaRPr lang="en-US" dirty="0" smtClean="0"/>
+          </a:p>
+          <a:p>
+            <a:r>
+              <a:rPr lang="en-US" dirty="0" smtClean="0"/>
+              <a:t>Test Run Specific:  Pass / Fail assessment of all written script </a:t>
+            </a:r>
+            <a:r>
+              <a:rPr lang="en-US" dirty="0" smtClean="0"/>
+              <a:t>tests</a:t>
+            </a:r>
+          </a:p>
+          <a:p>
+            <a:pPr lvl="1"/>
+            <a:r>
+              <a:rPr lang="en-US" dirty="0" smtClean="0"/>
+              <a:t>Current Standard test run encompassing test report</a:t>
+            </a:r>
+            <a:endParaRPr lang="en-US" dirty="0" smtClean="0"/>
+          </a:p>
+          <a:p>
+            <a:r>
+              <a:rPr lang="en-US" dirty="0" smtClean="0"/>
+              <a:t>High Level Product Specific:  Go / No-go on a Product </a:t>
+            </a:r>
+            <a:r>
+              <a:rPr lang="en-US" dirty="0" smtClean="0"/>
+              <a:t>basis</a:t>
+            </a:r>
+          </a:p>
+          <a:p>
+            <a:pPr lvl="1"/>
+            <a:r>
+              <a:rPr lang="en-US" dirty="0" smtClean="0"/>
+              <a:t>In Design Mode.  Would provide Development and Product Managers a quick look at the current health and capability to ship the product </a:t>
+            </a:r>
+            <a:endParaRPr lang="en-US" dirty="0" smtClean="0"/>
           </a:p>
         </p:txBody>
       </p:sp>
@@ -4247,11 +5580,18 @@
   <p:clrMapOvr>
     <a:masterClrMapping/>
   </p:clrMapOvr>
+  <p:timing>
+    <p:tnLst>
+      <p:par>
+        <p:cTn id="1" dur="indefinite" restart="never" nodeType="tmRoot"/>
+      </p:par>
+    </p:tnLst>
+  </p:timing>
 </p:sld>
 </file>
 
 <file path=ppt/theme/theme1.xml><?xml version="1.0" encoding="utf-8"?>
-<a:theme xmlns:a="http://schemas.openxmlformats.org/drawingml/2006/main" name="Office Theme">
+<a:theme xmlns:a="http://schemas.openxmlformats.org/drawingml/2006/main" name="FromNisheetTheme1">
   <a:themeElements>
     <a:clrScheme name="Office">
       <a:dk1>
@@ -4505,7 +5845,7 @@
   <a:extraClrSchemeLst/>
   <a:extLst>
     <a:ext uri="{05A4C25C-085E-4340-85A3-A5531E510DB2}">
-      <thm15:themeFamily xmlns:thm15="http://schemas.microsoft.com/office/thememl/2012/main" name="Office Theme" id="{62F939B6-93AF-4DB8-9C6B-D6C7DFDC589F}" vid="{4A3C46E8-61CC-4603-A589-7422A47A8E4A}"/>
+      <thm15:themeFamily xmlns:thm15="http://schemas.microsoft.com/office/thememl/2012/main" name="FromNisheetTheme1" id="{867BE3CC-E440-4FFF-B1B6-AA54221102D8}" vid="{601AF4FC-7F68-400F-AF1A-BB38D632B53C}"/>
     </a:ext>
   </a:extLst>
 </a:theme>

--- a/CurrentWork_Delta/CX_StrategyPowerPoint.pptx
+++ b/CurrentWork_Delta/CX_StrategyPowerPoint.pptx
@@ -1,31 +1,34 @@
 
 <file path=ppt/presentation.xml><?xml version="1.0" encoding="utf-8"?>
-<p:presentation xmlns:a="http://schemas.openxmlformats.org/drawingml/2006/main" xmlns:r="http://schemas.openxmlformats.org/officeDocument/2006/relationships" xmlns:p="http://schemas.openxmlformats.org/presentationml/2006/main" saveSubsetFonts="1">
+<p:presentation xmlns:a="http://schemas.openxmlformats.org/drawingml/2006/main" xmlns:r="http://schemas.openxmlformats.org/officeDocument/2006/relationships" xmlns:p="http://schemas.openxmlformats.org/presentationml/2006/main" saveSubsetFonts="1" autoCompressPictures="0">
   <p:sldMasterIdLst>
-    <p:sldMasterId id="2147483660" r:id="rId1"/>
+    <p:sldMasterId id="2147483648" r:id="rId5"/>
   </p:sldMasterIdLst>
+  <p:notesMasterIdLst>
+    <p:notesMasterId r:id="rId19"/>
+  </p:notesMasterIdLst>
   <p:sldIdLst>
-    <p:sldId id="266" r:id="rId2"/>
-    <p:sldId id="257" r:id="rId3"/>
-    <p:sldId id="258" r:id="rId4"/>
-    <p:sldId id="259" r:id="rId5"/>
-    <p:sldId id="260" r:id="rId6"/>
+    <p:sldId id="256" r:id="rId6"/>
     <p:sldId id="261" r:id="rId7"/>
     <p:sldId id="262" r:id="rId8"/>
     <p:sldId id="263" r:id="rId9"/>
-    <p:sldId id="264" r:id="rId10"/>
-    <p:sldId id="267" r:id="rId11"/>
-    <p:sldId id="268" r:id="rId12"/>
-    <p:sldId id="269" r:id="rId13"/>
-    <p:sldId id="265" r:id="rId14"/>
+    <p:sldId id="271" r:id="rId10"/>
+    <p:sldId id="272" r:id="rId11"/>
+    <p:sldId id="273" r:id="rId12"/>
+    <p:sldId id="274" r:id="rId13"/>
+    <p:sldId id="275" r:id="rId14"/>
+    <p:sldId id="276" r:id="rId15"/>
+    <p:sldId id="277" r:id="rId16"/>
+    <p:sldId id="278" r:id="rId17"/>
+    <p:sldId id="279" r:id="rId18"/>
   </p:sldIdLst>
-  <p:sldSz cx="12192000" cy="6858000"/>
-  <p:notesSz cx="9144000" cy="6858000"/>
+  <p:sldSz cx="9144000" cy="6858000" type="screen4x3"/>
+  <p:notesSz cx="6858000" cy="9144000"/>
   <p:defaultTextStyle>
     <a:defPPr>
       <a:defRPr lang="en-US"/>
     </a:defPPr>
-    <a:lvl1pPr marL="0" algn="l" defTabSz="914400" rtl="0" eaLnBrk="1" latinLnBrk="0" hangingPunct="1">
+    <a:lvl1pPr marL="0" algn="l" defTabSz="457200" rtl="0" eaLnBrk="1" latinLnBrk="0" hangingPunct="1">
       <a:defRPr sz="1800" kern="1200">
         <a:solidFill>
           <a:schemeClr val="tx1"/>
@@ -35,7 +38,7 @@
         <a:cs typeface="+mn-cs"/>
       </a:defRPr>
     </a:lvl1pPr>
-    <a:lvl2pPr marL="457200" algn="l" defTabSz="914400" rtl="0" eaLnBrk="1" latinLnBrk="0" hangingPunct="1">
+    <a:lvl2pPr marL="457200" algn="l" defTabSz="457200" rtl="0" eaLnBrk="1" latinLnBrk="0" hangingPunct="1">
       <a:defRPr sz="1800" kern="1200">
         <a:solidFill>
           <a:schemeClr val="tx1"/>
@@ -45,7 +48,7 @@
         <a:cs typeface="+mn-cs"/>
       </a:defRPr>
     </a:lvl2pPr>
-    <a:lvl3pPr marL="914400" algn="l" defTabSz="914400" rtl="0" eaLnBrk="1" latinLnBrk="0" hangingPunct="1">
+    <a:lvl3pPr marL="914400" algn="l" defTabSz="457200" rtl="0" eaLnBrk="1" latinLnBrk="0" hangingPunct="1">
       <a:defRPr sz="1800" kern="1200">
         <a:solidFill>
           <a:schemeClr val="tx1"/>
@@ -55,7 +58,7 @@
         <a:cs typeface="+mn-cs"/>
       </a:defRPr>
     </a:lvl3pPr>
-    <a:lvl4pPr marL="1371600" algn="l" defTabSz="914400" rtl="0" eaLnBrk="1" latinLnBrk="0" hangingPunct="1">
+    <a:lvl4pPr marL="1371600" algn="l" defTabSz="457200" rtl="0" eaLnBrk="1" latinLnBrk="0" hangingPunct="1">
       <a:defRPr sz="1800" kern="1200">
         <a:solidFill>
           <a:schemeClr val="tx1"/>
@@ -65,7 +68,7 @@
         <a:cs typeface="+mn-cs"/>
       </a:defRPr>
     </a:lvl4pPr>
-    <a:lvl5pPr marL="1828800" algn="l" defTabSz="914400" rtl="0" eaLnBrk="1" latinLnBrk="0" hangingPunct="1">
+    <a:lvl5pPr marL="1828800" algn="l" defTabSz="457200" rtl="0" eaLnBrk="1" latinLnBrk="0" hangingPunct="1">
       <a:defRPr sz="1800" kern="1200">
         <a:solidFill>
           <a:schemeClr val="tx1"/>
@@ -75,7 +78,7 @@
         <a:cs typeface="+mn-cs"/>
       </a:defRPr>
     </a:lvl5pPr>
-    <a:lvl6pPr marL="2286000" algn="l" defTabSz="914400" rtl="0" eaLnBrk="1" latinLnBrk="0" hangingPunct="1">
+    <a:lvl6pPr marL="2286000" algn="l" defTabSz="457200" rtl="0" eaLnBrk="1" latinLnBrk="0" hangingPunct="1">
       <a:defRPr sz="1800" kern="1200">
         <a:solidFill>
           <a:schemeClr val="tx1"/>
@@ -85,7 +88,7 @@
         <a:cs typeface="+mn-cs"/>
       </a:defRPr>
     </a:lvl6pPr>
-    <a:lvl7pPr marL="2743200" algn="l" defTabSz="914400" rtl="0" eaLnBrk="1" latinLnBrk="0" hangingPunct="1">
+    <a:lvl7pPr marL="2743200" algn="l" defTabSz="457200" rtl="0" eaLnBrk="1" latinLnBrk="0" hangingPunct="1">
       <a:defRPr sz="1800" kern="1200">
         <a:solidFill>
           <a:schemeClr val="tx1"/>
@@ -95,7 +98,7 @@
         <a:cs typeface="+mn-cs"/>
       </a:defRPr>
     </a:lvl7pPr>
-    <a:lvl8pPr marL="3200400" algn="l" defTabSz="914400" rtl="0" eaLnBrk="1" latinLnBrk="0" hangingPunct="1">
+    <a:lvl8pPr marL="3200400" algn="l" defTabSz="457200" rtl="0" eaLnBrk="1" latinLnBrk="0" hangingPunct="1">
       <a:defRPr sz="1800" kern="1200">
         <a:solidFill>
           <a:schemeClr val="tx1"/>
@@ -105,7 +108,7 @@
         <a:cs typeface="+mn-cs"/>
       </a:defRPr>
     </a:lvl8pPr>
-    <a:lvl9pPr marL="3657600" algn="l" defTabSz="914400" rtl="0" eaLnBrk="1" latinLnBrk="0" hangingPunct="1">
+    <a:lvl9pPr marL="3657600" algn="l" defTabSz="457200" rtl="0" eaLnBrk="1" latinLnBrk="0" hangingPunct="1">
       <a:defRPr sz="1800" kern="1200">
         <a:solidFill>
           <a:schemeClr val="tx1"/>
@@ -118,15 +121,31 @@
   </p:defaultTextStyle>
   <p:extLst>
     <p:ext uri="{EFAFB233-063F-42B5-8137-9DF3F51BA10A}">
-      <p15:sldGuideLst xmlns:p15="http://schemas.microsoft.com/office/powerpoint/2012/main"/>
+      <p15:sldGuideLst xmlns:p15="http://schemas.microsoft.com/office/powerpoint/2012/main">
+        <p15:guide id="1" orient="horz" pos="2625">
+          <p15:clr>
+            <a:srgbClr val="A4A3A4"/>
+          </p15:clr>
+        </p15:guide>
+        <p15:guide id="2" pos="2880">
+          <p15:clr>
+            <a:srgbClr val="A4A3A4"/>
+          </p15:clr>
+        </p15:guide>
+      </p15:sldGuideLst>
     </p:ext>
   </p:extLst>
 </p:presentation>
 </file>
 
-<file path=ppt/slideLayouts/slideLayout1.xml><?xml version="1.0" encoding="utf-8"?>
-<p:sldLayout xmlns:a="http://schemas.openxmlformats.org/drawingml/2006/main" xmlns:r="http://schemas.openxmlformats.org/officeDocument/2006/relationships" xmlns:p="http://schemas.openxmlformats.org/presentationml/2006/main" type="title" preserve="1">
-  <p:cSld name="Title Slide">
+<file path=ppt/notesMasters/notesMaster1.xml><?xml version="1.0" encoding="utf-8"?>
+<p:notesMaster xmlns:a="http://schemas.openxmlformats.org/drawingml/2006/main" xmlns:r="http://schemas.openxmlformats.org/officeDocument/2006/relationships" xmlns:p="http://schemas.openxmlformats.org/presentationml/2006/main">
+  <p:cSld>
+    <p:bg>
+      <p:bgRef idx="1001">
+        <a:schemeClr val="bg1"/>
+      </p:bgRef>
+    </p:bg>
     <p:spTree>
       <p:nvGrpSpPr>
         <p:cNvPr id="1" name=""/>
@@ -143,138 +162,189 @@
       </p:grpSpPr>
       <p:sp>
         <p:nvSpPr>
-          <p:cNvPr id="2" name="Title 1"/>
+          <p:cNvPr id="2" name="Header Placeholder 1"/>
           <p:cNvSpPr>
             <a:spLocks noGrp="1"/>
           </p:cNvSpPr>
           <p:nvPr>
-            <p:ph type="ctrTitle"/>
+            <p:ph type="hdr" sz="quarter"/>
           </p:nvPr>
         </p:nvSpPr>
         <p:spPr>
           <a:xfrm>
-            <a:off x="1524000" y="1122363"/>
-            <a:ext cx="9144000" cy="2387600"/>
+            <a:off x="0" y="0"/>
+            <a:ext cx="2971800" cy="458788"/>
           </a:xfrm>
+          <a:prstGeom prst="rect">
+            <a:avLst/>
+          </a:prstGeom>
         </p:spPr>
         <p:txBody>
-          <a:bodyPr anchor="b"/>
+          <a:bodyPr vert="horz" lIns="91440" tIns="45720" rIns="91440" bIns="45720" rtlCol="0"/>
           <a:lstStyle>
-            <a:lvl1pPr algn="ctr">
-              <a:defRPr sz="4500"/>
+            <a:lvl1pPr algn="l">
+              <a:defRPr sz="1200"/>
             </a:lvl1pPr>
           </a:lstStyle>
           <a:p>
-            <a:r>
-              <a:rPr lang="en-US" smtClean="0"/>
-              <a:t>Click to edit Master title style</a:t>
-            </a:r>
             <a:endParaRPr lang="en-US"/>
           </a:p>
         </p:txBody>
       </p:sp>
       <p:sp>
         <p:nvSpPr>
-          <p:cNvPr id="3" name="Subtitle 2"/>
+          <p:cNvPr id="3" name="Date Placeholder 2"/>
           <p:cNvSpPr>
             <a:spLocks noGrp="1"/>
           </p:cNvSpPr>
           <p:nvPr>
-            <p:ph type="subTitle" idx="1"/>
+            <p:ph type="dt" idx="1"/>
           </p:nvPr>
         </p:nvSpPr>
         <p:spPr>
           <a:xfrm>
-            <a:off x="1524000" y="3602038"/>
-            <a:ext cx="9144000" cy="1655762"/>
+            <a:off x="3884613" y="0"/>
+            <a:ext cx="2971800" cy="458788"/>
           </a:xfrm>
+          <a:prstGeom prst="rect">
+            <a:avLst/>
+          </a:prstGeom>
         </p:spPr>
         <p:txBody>
-          <a:bodyPr/>
+          <a:bodyPr vert="horz" lIns="91440" tIns="45720" rIns="91440" bIns="45720" rtlCol="0"/>
           <a:lstStyle>
-            <a:lvl1pPr marL="0" indent="0" algn="ctr">
-              <a:buNone/>
-              <a:defRPr sz="1800"/>
+            <a:lvl1pPr algn="r">
+              <a:defRPr sz="1200"/>
             </a:lvl1pPr>
-            <a:lvl2pPr marL="342900" indent="0" algn="ctr">
-              <a:buNone/>
-              <a:defRPr sz="1500"/>
-            </a:lvl2pPr>
-            <a:lvl3pPr marL="685800" indent="0" algn="ctr">
-              <a:buNone/>
-              <a:defRPr sz="1350"/>
-            </a:lvl3pPr>
-            <a:lvl4pPr marL="1028700" indent="0" algn="ctr">
-              <a:buNone/>
-              <a:defRPr sz="1200"/>
-            </a:lvl4pPr>
-            <a:lvl5pPr marL="1371600" indent="0" algn="ctr">
-              <a:buNone/>
-              <a:defRPr sz="1200"/>
-            </a:lvl5pPr>
-            <a:lvl6pPr marL="1714500" indent="0" algn="ctr">
-              <a:buNone/>
-              <a:defRPr sz="1200"/>
-            </a:lvl6pPr>
-            <a:lvl7pPr marL="2057400" indent="0" algn="ctr">
-              <a:buNone/>
-              <a:defRPr sz="1200"/>
-            </a:lvl7pPr>
-            <a:lvl8pPr marL="2400300" indent="0" algn="ctr">
-              <a:buNone/>
-              <a:defRPr sz="1200"/>
-            </a:lvl8pPr>
-            <a:lvl9pPr marL="2743200" indent="0" algn="ctr">
-              <a:buNone/>
-              <a:defRPr sz="1200"/>
-            </a:lvl9pPr>
           </a:lstStyle>
           <a:p>
-            <a:r>
+            <a:fld id="{7195FF61-7FDF-4F4D-A3AE-3078F9B9BE1D}" type="datetimeFigureOut">
               <a:rPr lang="en-US" smtClean="0"/>
-              <a:t>Click to edit Master subtitle style</a:t>
-            </a:r>
+              <a:t>3/1/2018</a:t>
+            </a:fld>
             <a:endParaRPr lang="en-US"/>
           </a:p>
         </p:txBody>
       </p:sp>
       <p:sp>
         <p:nvSpPr>
-          <p:cNvPr id="4" name="Date Placeholder 3"/>
+          <p:cNvPr id="4" name="Slide Image Placeholder 3"/>
+          <p:cNvSpPr>
+            <a:spLocks noGrp="1" noRot="1" noChangeAspect="1"/>
+          </p:cNvSpPr>
+          <p:nvPr>
+            <p:ph type="sldImg" idx="2"/>
+          </p:nvPr>
+        </p:nvSpPr>
+        <p:spPr>
+          <a:xfrm>
+            <a:off x="1371600" y="1143000"/>
+            <a:ext cx="4114800" cy="3086100"/>
+          </a:xfrm>
+          <a:prstGeom prst="rect">
+            <a:avLst/>
+          </a:prstGeom>
+          <a:noFill/>
+          <a:ln w="12700">
+            <a:solidFill>
+              <a:prstClr val="black"/>
+            </a:solidFill>
+          </a:ln>
+        </p:spPr>
+        <p:txBody>
+          <a:bodyPr vert="horz" lIns="91440" tIns="45720" rIns="91440" bIns="45720" rtlCol="0" anchor="ctr"/>
+          <a:lstStyle/>
+          <a:p>
+            <a:endParaRPr lang="en-US"/>
+          </a:p>
+        </p:txBody>
+      </p:sp>
+      <p:sp>
+        <p:nvSpPr>
+          <p:cNvPr id="5" name="Notes Placeholder 4"/>
           <p:cNvSpPr>
             <a:spLocks noGrp="1"/>
           </p:cNvSpPr>
           <p:nvPr>
-            <p:ph type="dt" sz="half" idx="10"/>
+            <p:ph type="body" sz="quarter" idx="3"/>
           </p:nvPr>
         </p:nvSpPr>
-        <p:spPr/>
+        <p:spPr>
+          <a:xfrm>
+            <a:off x="685800" y="4400550"/>
+            <a:ext cx="5486400" cy="3600450"/>
+          </a:xfrm>
+          <a:prstGeom prst="rect">
+            <a:avLst/>
+          </a:prstGeom>
+        </p:spPr>
         <p:txBody>
-          <a:bodyPr/>
+          <a:bodyPr vert="horz" lIns="91440" tIns="45720" rIns="91440" bIns="45720" rtlCol="0"/>
           <a:lstStyle/>
           <a:p>
-            <a:fld id="{7AB64861-AB0E-4967-A169-DC4D9974776C}" type="datetimeFigureOut">
+            <a:pPr lvl="0"/>
+            <a:r>
               <a:rPr lang="en-US" smtClean="0"/>
-              <a:t>3/1/2018</a:t>
-            </a:fld>
+              <a:t>Click to edit Master text styles</a:t>
+            </a:r>
+          </a:p>
+          <a:p>
+            <a:pPr lvl="1"/>
+            <a:r>
+              <a:rPr lang="en-US" smtClean="0"/>
+              <a:t>Second level</a:t>
+            </a:r>
+          </a:p>
+          <a:p>
+            <a:pPr lvl="2"/>
+            <a:r>
+              <a:rPr lang="en-US" smtClean="0"/>
+              <a:t>Third level</a:t>
+            </a:r>
+          </a:p>
+          <a:p>
+            <a:pPr lvl="3"/>
+            <a:r>
+              <a:rPr lang="en-US" smtClean="0"/>
+              <a:t>Fourth level</a:t>
+            </a:r>
+          </a:p>
+          <a:p>
+            <a:pPr lvl="4"/>
+            <a:r>
+              <a:rPr lang="en-US" smtClean="0"/>
+              <a:t>Fifth level</a:t>
+            </a:r>
             <a:endParaRPr lang="en-US"/>
           </a:p>
         </p:txBody>
       </p:sp>
       <p:sp>
         <p:nvSpPr>
-          <p:cNvPr id="5" name="Footer Placeholder 4"/>
+          <p:cNvPr id="6" name="Footer Placeholder 5"/>
           <p:cNvSpPr>
             <a:spLocks noGrp="1"/>
           </p:cNvSpPr>
           <p:nvPr>
-            <p:ph type="ftr" sz="quarter" idx="11"/>
+            <p:ph type="ftr" sz="quarter" idx="4"/>
           </p:nvPr>
         </p:nvSpPr>
-        <p:spPr/>
+        <p:spPr>
+          <a:xfrm>
+            <a:off x="0" y="8685213"/>
+            <a:ext cx="2971800" cy="458787"/>
+          </a:xfrm>
+          <a:prstGeom prst="rect">
+            <a:avLst/>
+          </a:prstGeom>
+        </p:spPr>
         <p:txBody>
-          <a:bodyPr/>
-          <a:lstStyle/>
+          <a:bodyPr vert="horz" lIns="91440" tIns="45720" rIns="91440" bIns="45720" rtlCol="0" anchor="b"/>
+          <a:lstStyle>
+            <a:lvl1pPr algn="l">
+              <a:defRPr sz="1200"/>
+            </a:lvl1pPr>
+          </a:lstStyle>
           <a:p>
             <a:endParaRPr lang="en-US"/>
           </a:p>
@@ -282,20 +352,32 @@
       </p:sp>
       <p:sp>
         <p:nvSpPr>
-          <p:cNvPr id="6" name="Slide Number Placeholder 5"/>
+          <p:cNvPr id="7" name="Slide Number Placeholder 6"/>
           <p:cNvSpPr>
             <a:spLocks noGrp="1"/>
           </p:cNvSpPr>
           <p:nvPr>
-            <p:ph type="sldNum" sz="quarter" idx="12"/>
+            <p:ph type="sldNum" sz="quarter" idx="5"/>
           </p:nvPr>
         </p:nvSpPr>
-        <p:spPr/>
+        <p:spPr>
+          <a:xfrm>
+            <a:off x="3884613" y="8685213"/>
+            <a:ext cx="2971800" cy="458787"/>
+          </a:xfrm>
+          <a:prstGeom prst="rect">
+            <a:avLst/>
+          </a:prstGeom>
+        </p:spPr>
         <p:txBody>
-          <a:bodyPr/>
-          <a:lstStyle/>
-          <a:p>
-            <a:fld id="{23036171-CD4D-43BD-9BBF-2CCD34572CE4}" type="slidenum">
+          <a:bodyPr vert="horz" lIns="91440" tIns="45720" rIns="91440" bIns="45720" rtlCol="0" anchor="b"/>
+          <a:lstStyle>
+            <a:lvl1pPr algn="r">
+              <a:defRPr sz="1200"/>
+            </a:lvl1pPr>
+          </a:lstStyle>
+          <a:p>
+            <a:fld id="{F7BA8455-071F-4048-9007-26D1A9312D9F}" type="slidenum">
               <a:rPr lang="en-US" smtClean="0"/>
               <a:t>‹#›</a:t>
             </a:fld>
@@ -306,19 +388,109 @@
     </p:spTree>
     <p:extLst>
       <p:ext uri="{BB962C8B-B14F-4D97-AF65-F5344CB8AC3E}">
-        <p14:creationId xmlns:p14="http://schemas.microsoft.com/office/powerpoint/2010/main" val="3098460310"/>
+        <p14:creationId xmlns:p14="http://schemas.microsoft.com/office/powerpoint/2010/main" val="3060058365"/>
       </p:ext>
     </p:extLst>
   </p:cSld>
-  <p:clrMapOvr>
-    <a:masterClrMapping/>
-  </p:clrMapOvr>
-</p:sldLayout>
+  <p:clrMap bg1="lt1" tx1="dk1" bg2="lt2" tx2="dk2" accent1="accent1" accent2="accent2" accent3="accent3" accent4="accent4" accent5="accent5" accent6="accent6" hlink="hlink" folHlink="folHlink"/>
+  <p:notesStyle>
+    <a:lvl1pPr marL="0" algn="l" defTabSz="914400" rtl="0" eaLnBrk="1" latinLnBrk="0" hangingPunct="1">
+      <a:defRPr sz="1200" kern="1200">
+        <a:solidFill>
+          <a:schemeClr val="tx1"/>
+        </a:solidFill>
+        <a:latin typeface="+mn-lt"/>
+        <a:ea typeface="+mn-ea"/>
+        <a:cs typeface="+mn-cs"/>
+      </a:defRPr>
+    </a:lvl1pPr>
+    <a:lvl2pPr marL="457200" algn="l" defTabSz="914400" rtl="0" eaLnBrk="1" latinLnBrk="0" hangingPunct="1">
+      <a:defRPr sz="1200" kern="1200">
+        <a:solidFill>
+          <a:schemeClr val="tx1"/>
+        </a:solidFill>
+        <a:latin typeface="+mn-lt"/>
+        <a:ea typeface="+mn-ea"/>
+        <a:cs typeface="+mn-cs"/>
+      </a:defRPr>
+    </a:lvl2pPr>
+    <a:lvl3pPr marL="914400" algn="l" defTabSz="914400" rtl="0" eaLnBrk="1" latinLnBrk="0" hangingPunct="1">
+      <a:defRPr sz="1200" kern="1200">
+        <a:solidFill>
+          <a:schemeClr val="tx1"/>
+        </a:solidFill>
+        <a:latin typeface="+mn-lt"/>
+        <a:ea typeface="+mn-ea"/>
+        <a:cs typeface="+mn-cs"/>
+      </a:defRPr>
+    </a:lvl3pPr>
+    <a:lvl4pPr marL="1371600" algn="l" defTabSz="914400" rtl="0" eaLnBrk="1" latinLnBrk="0" hangingPunct="1">
+      <a:defRPr sz="1200" kern="1200">
+        <a:solidFill>
+          <a:schemeClr val="tx1"/>
+        </a:solidFill>
+        <a:latin typeface="+mn-lt"/>
+        <a:ea typeface="+mn-ea"/>
+        <a:cs typeface="+mn-cs"/>
+      </a:defRPr>
+    </a:lvl4pPr>
+    <a:lvl5pPr marL="1828800" algn="l" defTabSz="914400" rtl="0" eaLnBrk="1" latinLnBrk="0" hangingPunct="1">
+      <a:defRPr sz="1200" kern="1200">
+        <a:solidFill>
+          <a:schemeClr val="tx1"/>
+        </a:solidFill>
+        <a:latin typeface="+mn-lt"/>
+        <a:ea typeface="+mn-ea"/>
+        <a:cs typeface="+mn-cs"/>
+      </a:defRPr>
+    </a:lvl5pPr>
+    <a:lvl6pPr marL="2286000" algn="l" defTabSz="914400" rtl="0" eaLnBrk="1" latinLnBrk="0" hangingPunct="1">
+      <a:defRPr sz="1200" kern="1200">
+        <a:solidFill>
+          <a:schemeClr val="tx1"/>
+        </a:solidFill>
+        <a:latin typeface="+mn-lt"/>
+        <a:ea typeface="+mn-ea"/>
+        <a:cs typeface="+mn-cs"/>
+      </a:defRPr>
+    </a:lvl6pPr>
+    <a:lvl7pPr marL="2743200" algn="l" defTabSz="914400" rtl="0" eaLnBrk="1" latinLnBrk="0" hangingPunct="1">
+      <a:defRPr sz="1200" kern="1200">
+        <a:solidFill>
+          <a:schemeClr val="tx1"/>
+        </a:solidFill>
+        <a:latin typeface="+mn-lt"/>
+        <a:ea typeface="+mn-ea"/>
+        <a:cs typeface="+mn-cs"/>
+      </a:defRPr>
+    </a:lvl7pPr>
+    <a:lvl8pPr marL="3200400" algn="l" defTabSz="914400" rtl="0" eaLnBrk="1" latinLnBrk="0" hangingPunct="1">
+      <a:defRPr sz="1200" kern="1200">
+        <a:solidFill>
+          <a:schemeClr val="tx1"/>
+        </a:solidFill>
+        <a:latin typeface="+mn-lt"/>
+        <a:ea typeface="+mn-ea"/>
+        <a:cs typeface="+mn-cs"/>
+      </a:defRPr>
+    </a:lvl8pPr>
+    <a:lvl9pPr marL="3657600" algn="l" defTabSz="914400" rtl="0" eaLnBrk="1" latinLnBrk="0" hangingPunct="1">
+      <a:defRPr sz="1200" kern="1200">
+        <a:solidFill>
+          <a:schemeClr val="tx1"/>
+        </a:solidFill>
+        <a:latin typeface="+mn-lt"/>
+        <a:ea typeface="+mn-ea"/>
+        <a:cs typeface="+mn-cs"/>
+      </a:defRPr>
+    </a:lvl9pPr>
+  </p:notesStyle>
+</p:notesMaster>
 </file>
 
-<file path=ppt/slideLayouts/slideLayout10.xml><?xml version="1.0" encoding="utf-8"?>
-<p:sldLayout xmlns:a="http://schemas.openxmlformats.org/drawingml/2006/main" xmlns:r="http://schemas.openxmlformats.org/officeDocument/2006/relationships" xmlns:p="http://schemas.openxmlformats.org/presentationml/2006/main" type="vertTx" preserve="1">
-  <p:cSld name="Title and Vertical Text">
+<file path=ppt/notesSlides/notesSlide1.xml><?xml version="1.0" encoding="utf-8"?>
+<p:notes xmlns:a="http://schemas.openxmlformats.org/drawingml/2006/main" xmlns:r="http://schemas.openxmlformats.org/officeDocument/2006/relationships" xmlns:p="http://schemas.openxmlformats.org/presentationml/2006/main">
+  <p:cSld>
     <p:spTree>
       <p:nvGrpSpPr>
         <p:cNvPr id="1" name=""/>
@@ -335,12 +507,24 @@
       </p:grpSpPr>
       <p:sp>
         <p:nvSpPr>
-          <p:cNvPr id="2" name="Title 1"/>
+          <p:cNvPr id="2" name="Slide Image Placeholder 1"/>
+          <p:cNvSpPr>
+            <a:spLocks noGrp="1" noRot="1" noChangeAspect="1"/>
+          </p:cNvSpPr>
+          <p:nvPr>
+            <p:ph type="sldImg"/>
+          </p:nvPr>
+        </p:nvSpPr>
+        <p:spPr/>
+      </p:sp>
+      <p:sp>
+        <p:nvSpPr>
+          <p:cNvPr id="3" name="Notes Placeholder 2"/>
           <p:cNvSpPr>
             <a:spLocks noGrp="1"/>
           </p:cNvSpPr>
           <p:nvPr>
-            <p:ph type="title"/>
+            <p:ph type="body" idx="1"/>
           </p:nvPr>
         </p:nvSpPr>
         <p:spPr/>
@@ -349,73 +533,23 @@
           <a:lstStyle/>
           <a:p>
             <a:r>
-              <a:rPr lang="en-US" smtClean="0"/>
-              <a:t>Click to edit Master title style</a:t>
-            </a:r>
-            <a:endParaRPr lang="en-US"/>
+              <a:rPr lang="en-US" dirty="0" smtClean="0"/>
+              <a:t>Communication piece is hacked up</a:t>
+            </a:r>
+          </a:p>
+          <a:p>
+            <a:endParaRPr lang="en-US" dirty="0"/>
           </a:p>
         </p:txBody>
       </p:sp>
       <p:sp>
         <p:nvSpPr>
-          <p:cNvPr id="3" name="Vertical Text Placeholder 2"/>
+          <p:cNvPr id="4" name="Slide Number Placeholder 3"/>
           <p:cNvSpPr>
             <a:spLocks noGrp="1"/>
           </p:cNvSpPr>
           <p:nvPr>
-            <p:ph type="body" orient="vert" idx="1"/>
-          </p:nvPr>
-        </p:nvSpPr>
-        <p:spPr/>
-        <p:txBody>
-          <a:bodyPr vert="eaVert"/>
-          <a:lstStyle/>
-          <a:p>
-            <a:pPr lvl="0"/>
-            <a:r>
-              <a:rPr lang="en-US" smtClean="0"/>
-              <a:t>Click to edit Master text styles</a:t>
-            </a:r>
-          </a:p>
-          <a:p>
-            <a:pPr lvl="1"/>
-            <a:r>
-              <a:rPr lang="en-US" smtClean="0"/>
-              <a:t>Second level</a:t>
-            </a:r>
-          </a:p>
-          <a:p>
-            <a:pPr lvl="2"/>
-            <a:r>
-              <a:rPr lang="en-US" smtClean="0"/>
-              <a:t>Third level</a:t>
-            </a:r>
-          </a:p>
-          <a:p>
-            <a:pPr lvl="3"/>
-            <a:r>
-              <a:rPr lang="en-US" smtClean="0"/>
-              <a:t>Fourth level</a:t>
-            </a:r>
-          </a:p>
-          <a:p>
-            <a:pPr lvl="4"/>
-            <a:r>
-              <a:rPr lang="en-US" smtClean="0"/>
-              <a:t>Fifth level</a:t>
-            </a:r>
-            <a:endParaRPr lang="en-US"/>
-          </a:p>
-        </p:txBody>
-      </p:sp>
-      <p:sp>
-        <p:nvSpPr>
-          <p:cNvPr id="4" name="Date Placeholder 3"/>
-          <p:cNvSpPr>
-            <a:spLocks noGrp="1"/>
-          </p:cNvSpPr>
-          <p:nvPr>
-            <p:ph type="dt" sz="half" idx="10"/>
+            <p:ph type="sldNum" sz="quarter" idx="10"/>
           </p:nvPr>
         </p:nvSpPr>
         <p:spPr/>
@@ -423,51 +557,9 @@
           <a:bodyPr/>
           <a:lstStyle/>
           <a:p>
-            <a:fld id="{7AB64861-AB0E-4967-A169-DC4D9974776C}" type="datetimeFigureOut">
+            <a:fld id="{308A4E8A-5713-4A07-812D-D14D991F64BE}" type="slidenum">
               <a:rPr lang="en-US" smtClean="0"/>
-              <a:t>3/1/2018</a:t>
-            </a:fld>
-            <a:endParaRPr lang="en-US"/>
-          </a:p>
-        </p:txBody>
-      </p:sp>
-      <p:sp>
-        <p:nvSpPr>
-          <p:cNvPr id="5" name="Footer Placeholder 4"/>
-          <p:cNvSpPr>
-            <a:spLocks noGrp="1"/>
-          </p:cNvSpPr>
-          <p:nvPr>
-            <p:ph type="ftr" sz="quarter" idx="11"/>
-          </p:nvPr>
-        </p:nvSpPr>
-        <p:spPr/>
-        <p:txBody>
-          <a:bodyPr/>
-          <a:lstStyle/>
-          <a:p>
-            <a:endParaRPr lang="en-US"/>
-          </a:p>
-        </p:txBody>
-      </p:sp>
-      <p:sp>
-        <p:nvSpPr>
-          <p:cNvPr id="6" name="Slide Number Placeholder 5"/>
-          <p:cNvSpPr>
-            <a:spLocks noGrp="1"/>
-          </p:cNvSpPr>
-          <p:nvPr>
-            <p:ph type="sldNum" sz="quarter" idx="12"/>
-          </p:nvPr>
-        </p:nvSpPr>
-        <p:spPr/>
-        <p:txBody>
-          <a:bodyPr/>
-          <a:lstStyle/>
-          <a:p>
-            <a:fld id="{23036171-CD4D-43BD-9BBF-2CCD34572CE4}" type="slidenum">
-              <a:rPr lang="en-US" smtClean="0"/>
-              <a:t>‹#›</a:t>
+              <a:t>2</a:t>
             </a:fld>
             <a:endParaRPr lang="en-US"/>
           </a:p>
@@ -476,199 +568,19 @@
     </p:spTree>
     <p:extLst>
       <p:ext uri="{BB962C8B-B14F-4D97-AF65-F5344CB8AC3E}">
-        <p14:creationId xmlns:p14="http://schemas.microsoft.com/office/powerpoint/2010/main" val="3670879514"/>
+        <p14:creationId xmlns:p14="http://schemas.microsoft.com/office/powerpoint/2010/main" val="2043369958"/>
       </p:ext>
     </p:extLst>
   </p:cSld>
   <p:clrMapOvr>
     <a:masterClrMapping/>
   </p:clrMapOvr>
-</p:sldLayout>
+</p:notes>
 </file>
 
-<file path=ppt/slideLayouts/slideLayout11.xml><?xml version="1.0" encoding="utf-8"?>
-<p:sldLayout xmlns:a="http://schemas.openxmlformats.org/drawingml/2006/main" xmlns:r="http://schemas.openxmlformats.org/officeDocument/2006/relationships" xmlns:p="http://schemas.openxmlformats.org/presentationml/2006/main" type="vertTitleAndTx" preserve="1">
-  <p:cSld name="Vertical Title and Text">
-    <p:spTree>
-      <p:nvGrpSpPr>
-        <p:cNvPr id="1" name=""/>
-        <p:cNvGrpSpPr/>
-        <p:nvPr/>
-      </p:nvGrpSpPr>
-      <p:grpSpPr>
-        <a:xfrm>
-          <a:off x="0" y="0"/>
-          <a:ext cx="0" cy="0"/>
-          <a:chOff x="0" y="0"/>
-          <a:chExt cx="0" cy="0"/>
-        </a:xfrm>
-      </p:grpSpPr>
-      <p:sp>
-        <p:nvSpPr>
-          <p:cNvPr id="2" name="Vertical Title 1"/>
-          <p:cNvSpPr>
-            <a:spLocks noGrp="1"/>
-          </p:cNvSpPr>
-          <p:nvPr>
-            <p:ph type="title" orient="vert"/>
-          </p:nvPr>
-        </p:nvSpPr>
-        <p:spPr>
-          <a:xfrm>
-            <a:off x="8724901" y="365125"/>
-            <a:ext cx="2628900" cy="5811838"/>
-          </a:xfrm>
-        </p:spPr>
-        <p:txBody>
-          <a:bodyPr vert="eaVert"/>
-          <a:lstStyle/>
-          <a:p>
-            <a:r>
-              <a:rPr lang="en-US" smtClean="0"/>
-              <a:t>Click to edit Master title style</a:t>
-            </a:r>
-            <a:endParaRPr lang="en-US"/>
-          </a:p>
-        </p:txBody>
-      </p:sp>
-      <p:sp>
-        <p:nvSpPr>
-          <p:cNvPr id="3" name="Vertical Text Placeholder 2"/>
-          <p:cNvSpPr>
-            <a:spLocks noGrp="1"/>
-          </p:cNvSpPr>
-          <p:nvPr>
-            <p:ph type="body" orient="vert" idx="1"/>
-          </p:nvPr>
-        </p:nvSpPr>
-        <p:spPr>
-          <a:xfrm>
-            <a:off x="838201" y="365125"/>
-            <a:ext cx="7734300" cy="5811838"/>
-          </a:xfrm>
-        </p:spPr>
-        <p:txBody>
-          <a:bodyPr vert="eaVert"/>
-          <a:lstStyle/>
-          <a:p>
-            <a:pPr lvl="0"/>
-            <a:r>
-              <a:rPr lang="en-US" smtClean="0"/>
-              <a:t>Click to edit Master text styles</a:t>
-            </a:r>
-          </a:p>
-          <a:p>
-            <a:pPr lvl="1"/>
-            <a:r>
-              <a:rPr lang="en-US" smtClean="0"/>
-              <a:t>Second level</a:t>
-            </a:r>
-          </a:p>
-          <a:p>
-            <a:pPr lvl="2"/>
-            <a:r>
-              <a:rPr lang="en-US" smtClean="0"/>
-              <a:t>Third level</a:t>
-            </a:r>
-          </a:p>
-          <a:p>
-            <a:pPr lvl="3"/>
-            <a:r>
-              <a:rPr lang="en-US" smtClean="0"/>
-              <a:t>Fourth level</a:t>
-            </a:r>
-          </a:p>
-          <a:p>
-            <a:pPr lvl="4"/>
-            <a:r>
-              <a:rPr lang="en-US" smtClean="0"/>
-              <a:t>Fifth level</a:t>
-            </a:r>
-            <a:endParaRPr lang="en-US"/>
-          </a:p>
-        </p:txBody>
-      </p:sp>
-      <p:sp>
-        <p:nvSpPr>
-          <p:cNvPr id="4" name="Date Placeholder 3"/>
-          <p:cNvSpPr>
-            <a:spLocks noGrp="1"/>
-          </p:cNvSpPr>
-          <p:nvPr>
-            <p:ph type="dt" sz="half" idx="10"/>
-          </p:nvPr>
-        </p:nvSpPr>
-        <p:spPr/>
-        <p:txBody>
-          <a:bodyPr/>
-          <a:lstStyle/>
-          <a:p>
-            <a:fld id="{7AB64861-AB0E-4967-A169-DC4D9974776C}" type="datetimeFigureOut">
-              <a:rPr lang="en-US" smtClean="0"/>
-              <a:t>3/1/2018</a:t>
-            </a:fld>
-            <a:endParaRPr lang="en-US"/>
-          </a:p>
-        </p:txBody>
-      </p:sp>
-      <p:sp>
-        <p:nvSpPr>
-          <p:cNvPr id="5" name="Footer Placeholder 4"/>
-          <p:cNvSpPr>
-            <a:spLocks noGrp="1"/>
-          </p:cNvSpPr>
-          <p:nvPr>
-            <p:ph type="ftr" sz="quarter" idx="11"/>
-          </p:nvPr>
-        </p:nvSpPr>
-        <p:spPr/>
-        <p:txBody>
-          <a:bodyPr/>
-          <a:lstStyle/>
-          <a:p>
-            <a:endParaRPr lang="en-US"/>
-          </a:p>
-        </p:txBody>
-      </p:sp>
-      <p:sp>
-        <p:nvSpPr>
-          <p:cNvPr id="6" name="Slide Number Placeholder 5"/>
-          <p:cNvSpPr>
-            <a:spLocks noGrp="1"/>
-          </p:cNvSpPr>
-          <p:nvPr>
-            <p:ph type="sldNum" sz="quarter" idx="12"/>
-          </p:nvPr>
-        </p:nvSpPr>
-        <p:spPr/>
-        <p:txBody>
-          <a:bodyPr/>
-          <a:lstStyle/>
-          <a:p>
-            <a:fld id="{23036171-CD4D-43BD-9BBF-2CCD34572CE4}" type="slidenum">
-              <a:rPr lang="en-US" smtClean="0"/>
-              <a:t>‹#›</a:t>
-            </a:fld>
-            <a:endParaRPr lang="en-US"/>
-          </a:p>
-        </p:txBody>
-      </p:sp>
-    </p:spTree>
-    <p:extLst>
-      <p:ext uri="{BB962C8B-B14F-4D97-AF65-F5344CB8AC3E}">
-        <p14:creationId xmlns:p14="http://schemas.microsoft.com/office/powerpoint/2010/main" val="610858550"/>
-      </p:ext>
-    </p:extLst>
-  </p:cSld>
-  <p:clrMapOvr>
-    <a:masterClrMapping/>
-  </p:clrMapOvr>
-</p:sldLayout>
-</file>
-
-<file path=ppt/slideLayouts/slideLayout12.xml><?xml version="1.0" encoding="utf-8"?>
-<p:sldLayout xmlns:a="http://schemas.openxmlformats.org/drawingml/2006/main" xmlns:r="http://schemas.openxmlformats.org/officeDocument/2006/relationships" xmlns:p="http://schemas.openxmlformats.org/presentationml/2006/main">
-  <p:cSld name="1_Title Slide">
+<file path=ppt/slideLayouts/slideLayout1.xml><?xml version="1.0" encoding="utf-8"?>
+<p:sldLayout xmlns:a="http://schemas.openxmlformats.org/drawingml/2006/main" xmlns:r="http://schemas.openxmlformats.org/officeDocument/2006/relationships" xmlns:p="http://schemas.openxmlformats.org/presentationml/2006/main" preserve="1" userDrawn="1">
+  <p:cSld name="Title Slide">
     <p:spTree>
       <p:nvGrpSpPr>
         <p:cNvPr id="1" name=""/>
@@ -695,8 +607,8 @@
         </p:nvSpPr>
         <p:spPr>
           <a:xfrm>
-            <a:off x="1246017" y="3878386"/>
-            <a:ext cx="10363200" cy="371229"/>
+            <a:off x="934513" y="3878386"/>
+            <a:ext cx="7772400" cy="371229"/>
           </a:xfrm>
         </p:spPr>
         <p:txBody>
@@ -829,7 +741,7 @@
           <a:bodyPr/>
           <a:lstStyle/>
           <a:p>
-            <a:fld id="{23036171-CD4D-43BD-9BBF-2CCD34572CE4}" type="slidenum">
+            <a:fld id="{6458E574-3466-AB4B-829E-8E1A936BDA3E}" type="slidenum">
               <a:rPr lang="en-US" smtClean="0"/>
               <a:t>‹#›</a:t>
             </a:fld>
@@ -843,10 +755,10 @@
           <p:cNvPicPr>
             <a:picLocks noChangeAspect="1"/>
           </p:cNvPicPr>
-          <p:nvPr/>
+          <p:nvPr userDrawn="1"/>
         </p:nvPicPr>
         <p:blipFill>
-          <a:blip r:embed="rId2" cstate="print">
+          <a:blip r:embed="rId2">
             <a:extLst>
               <a:ext uri="{28A0092B-C50C-407E-A947-70E740481C1C}">
                 <a14:useLocalDpi xmlns:a14="http://schemas.microsoft.com/office/drawing/2010/main" val="0"/>
@@ -859,8 +771,8 @@
         </p:blipFill>
         <p:spPr>
           <a:xfrm>
-            <a:off x="1246017" y="420688"/>
-            <a:ext cx="2440432" cy="473964"/>
+            <a:off x="934513" y="420688"/>
+            <a:ext cx="1830324" cy="473964"/>
           </a:xfrm>
           <a:prstGeom prst="rect">
             <a:avLst/>
@@ -879,8 +791,8 @@
         </p:nvSpPr>
         <p:spPr>
           <a:xfrm>
-            <a:off x="1246017" y="2100386"/>
-            <a:ext cx="10503111" cy="1778001"/>
+            <a:off x="934512" y="2100385"/>
+            <a:ext cx="7877333" cy="1778001"/>
           </a:xfrm>
         </p:spPr>
         <p:txBody>
@@ -923,8 +835,8 @@
         </p:nvSpPr>
         <p:spPr>
           <a:xfrm>
-            <a:off x="1219200" y="4161713"/>
-            <a:ext cx="10363200" cy="380983"/>
+            <a:off x="914400" y="4161712"/>
+            <a:ext cx="7772400" cy="380983"/>
           </a:xfrm>
         </p:spPr>
         <p:txBody>
@@ -965,141 +877,7 @@
     </p:spTree>
     <p:extLst>
       <p:ext uri="{BB962C8B-B14F-4D97-AF65-F5344CB8AC3E}">
-        <p14:creationId xmlns:p14="http://schemas.microsoft.com/office/powerpoint/2010/main" val="88778820"/>
-      </p:ext>
-    </p:extLst>
-  </p:cSld>
-  <p:clrMapOvr>
-    <a:masterClrMapping/>
-  </p:clrMapOvr>
-</p:sldLayout>
-</file>
-
-<file path=ppt/slideLayouts/slideLayout13.xml><?xml version="1.0" encoding="utf-8"?>
-<p:sldLayout xmlns:a="http://schemas.openxmlformats.org/drawingml/2006/main" xmlns:r="http://schemas.openxmlformats.org/officeDocument/2006/relationships" xmlns:p="http://schemas.openxmlformats.org/presentationml/2006/main" preserve="1">
-  <p:cSld name="1_Title Only">
-    <p:spTree>
-      <p:nvGrpSpPr>
-        <p:cNvPr id="1" name=""/>
-        <p:cNvGrpSpPr/>
-        <p:nvPr/>
-      </p:nvGrpSpPr>
-      <p:grpSpPr>
-        <a:xfrm>
-          <a:off x="0" y="0"/>
-          <a:ext cx="0" cy="0"/>
-          <a:chOff x="0" y="0"/>
-          <a:chExt cx="0" cy="0"/>
-        </a:xfrm>
-      </p:grpSpPr>
-      <p:sp>
-        <p:nvSpPr>
-          <p:cNvPr id="2" name="Title 1"/>
-          <p:cNvSpPr>
-            <a:spLocks noGrp="1"/>
-          </p:cNvSpPr>
-          <p:nvPr>
-            <p:ph type="title" hasCustomPrompt="1"/>
-          </p:nvPr>
-        </p:nvSpPr>
-        <p:spPr>
-          <a:xfrm>
-            <a:off x="935234" y="302847"/>
-            <a:ext cx="10647167" cy="3156561"/>
-          </a:xfrm>
-        </p:spPr>
-        <p:txBody>
-          <a:bodyPr/>
-          <a:lstStyle>
-            <a:lvl1pPr>
-              <a:lnSpc>
-                <a:spcPct val="60000"/>
-              </a:lnSpc>
-              <a:defRPr/>
-            </a:lvl1pPr>
-          </a:lstStyle>
-          <a:p>
-            <a:r>
-              <a:rPr lang="en-US" dirty="0" smtClean="0"/>
-              <a:t>THANK YOU FOR</a:t>
-            </a:r>
-            <a:br>
-              <a:rPr lang="en-US" dirty="0" smtClean="0"/>
-            </a:br>
-            <a:r>
-              <a:rPr lang="en-US" dirty="0" smtClean="0"/>
-              <a:t>YOUR TIME</a:t>
-            </a:r>
-            <a:endParaRPr lang="en-US" dirty="0"/>
-          </a:p>
-        </p:txBody>
-      </p:sp>
-      <p:sp>
-        <p:nvSpPr>
-          <p:cNvPr id="5" name="Slide Number Placeholder 4"/>
-          <p:cNvSpPr>
-            <a:spLocks noGrp="1"/>
-          </p:cNvSpPr>
-          <p:nvPr>
-            <p:ph type="sldNum" sz="quarter" idx="12"/>
-          </p:nvPr>
-        </p:nvSpPr>
-        <p:spPr/>
-        <p:txBody>
-          <a:bodyPr/>
-          <a:lstStyle/>
-          <a:p>
-            <a:fld id="{23036171-CD4D-43BD-9BBF-2CCD34572CE4}" type="slidenum">
-              <a:rPr lang="en-US" smtClean="0"/>
-              <a:t>‹#›</a:t>
-            </a:fld>
-            <a:endParaRPr lang="en-US"/>
-          </a:p>
-        </p:txBody>
-      </p:sp>
-      <p:sp>
-        <p:nvSpPr>
-          <p:cNvPr id="9" name="Text Placeholder 8"/>
-          <p:cNvSpPr>
-            <a:spLocks noGrp="1"/>
-          </p:cNvSpPr>
-          <p:nvPr>
-            <p:ph type="body" sz="quarter" idx="13" hasCustomPrompt="1"/>
-          </p:nvPr>
-        </p:nvSpPr>
-        <p:spPr>
-          <a:xfrm>
-            <a:off x="935567" y="3379673"/>
-            <a:ext cx="10646833" cy="1309688"/>
-          </a:xfrm>
-        </p:spPr>
-        <p:txBody>
-          <a:bodyPr/>
-          <a:lstStyle>
-            <a:lvl1pPr>
-              <a:lnSpc>
-                <a:spcPct val="60000"/>
-              </a:lnSpc>
-              <a:defRPr>
-                <a:solidFill>
-                  <a:schemeClr val="tx1"/>
-                </a:solidFill>
-              </a:defRPr>
-            </a:lvl1pPr>
-          </a:lstStyle>
-          <a:p>
-            <a:pPr lvl="0"/>
-            <a:r>
-              <a:rPr lang="en-US" dirty="0" smtClean="0"/>
-              <a:t>We’re pleased to take your questions...</a:t>
-            </a:r>
-          </a:p>
-        </p:txBody>
-      </p:sp>
-    </p:spTree>
-    <p:extLst>
-      <p:ext uri="{BB962C8B-B14F-4D97-AF65-F5344CB8AC3E}">
-        <p14:creationId xmlns:p14="http://schemas.microsoft.com/office/powerpoint/2010/main" val="1299816980"/>
+        <p14:creationId xmlns:p14="http://schemas.microsoft.com/office/powerpoint/2010/main" val="1592918387"/>
       </p:ext>
     </p:extLst>
   </p:cSld>
@@ -1133,19 +911,24 @@
             <a:spLocks noGrp="1"/>
           </p:cNvSpPr>
           <p:nvPr>
-            <p:ph type="title"/>
+            <p:ph type="title" hasCustomPrompt="1"/>
           </p:nvPr>
         </p:nvSpPr>
-        <p:spPr/>
+        <p:spPr>
+          <a:xfrm>
+            <a:off x="713154" y="274638"/>
+            <a:ext cx="7973645" cy="1143000"/>
+          </a:xfrm>
+        </p:spPr>
         <p:txBody>
           <a:bodyPr/>
           <a:lstStyle/>
           <a:p>
             <a:r>
-              <a:rPr lang="en-US" smtClean="0"/>
-              <a:t>Click to edit Master title style</a:t>
-            </a:r>
-            <a:endParaRPr lang="en-US"/>
+              <a:rPr lang="en-US" dirty="0" smtClean="0"/>
+              <a:t>CLICK TO EDIT TITLE</a:t>
+            </a:r>
+            <a:endParaRPr lang="en-US" dirty="0"/>
           </a:p>
         </p:txBody>
       </p:sp>
@@ -1159,7 +942,12 @@
             <p:ph idx="1"/>
           </p:nvPr>
         </p:nvSpPr>
-        <p:spPr/>
+        <p:spPr>
+          <a:xfrm>
+            <a:off x="710483" y="1600200"/>
+            <a:ext cx="7976316" cy="4525963"/>
+          </a:xfrm>
+        </p:spPr>
         <p:txBody>
           <a:bodyPr/>
           <a:lstStyle/>
@@ -1197,49 +985,7 @@
               <a:rPr lang="en-US" smtClean="0"/>
               <a:t>Fifth level</a:t>
             </a:r>
-            <a:endParaRPr lang="en-US"/>
-          </a:p>
-        </p:txBody>
-      </p:sp>
-      <p:sp>
-        <p:nvSpPr>
-          <p:cNvPr id="4" name="Date Placeholder 3"/>
-          <p:cNvSpPr>
-            <a:spLocks noGrp="1"/>
-          </p:cNvSpPr>
-          <p:nvPr>
-            <p:ph type="dt" sz="half" idx="10"/>
-          </p:nvPr>
-        </p:nvSpPr>
-        <p:spPr/>
-        <p:txBody>
-          <a:bodyPr/>
-          <a:lstStyle/>
-          <a:p>
-            <a:fld id="{7AB64861-AB0E-4967-A169-DC4D9974776C}" type="datetimeFigureOut">
-              <a:rPr lang="en-US" smtClean="0"/>
-              <a:t>3/1/2018</a:t>
-            </a:fld>
-            <a:endParaRPr lang="en-US"/>
-          </a:p>
-        </p:txBody>
-      </p:sp>
-      <p:sp>
-        <p:nvSpPr>
-          <p:cNvPr id="5" name="Footer Placeholder 4"/>
-          <p:cNvSpPr>
-            <a:spLocks noGrp="1"/>
-          </p:cNvSpPr>
-          <p:nvPr>
-            <p:ph type="ftr" sz="quarter" idx="11"/>
-          </p:nvPr>
-        </p:nvSpPr>
-        <p:spPr/>
-        <p:txBody>
-          <a:bodyPr/>
-          <a:lstStyle/>
-          <a:p>
-            <a:endParaRPr lang="en-US"/>
+            <a:endParaRPr lang="en-US" dirty="0"/>
           </a:p>
         </p:txBody>
       </p:sp>
@@ -1258,7 +1004,7 @@
           <a:bodyPr/>
           <a:lstStyle/>
           <a:p>
-            <a:fld id="{23036171-CD4D-43BD-9BBF-2CCD34572CE4}" type="slidenum">
+            <a:fld id="{6458E574-3466-AB4B-829E-8E1A936BDA3E}" type="slidenum">
               <a:rPr lang="en-US" smtClean="0"/>
               <a:t>‹#›</a:t>
             </a:fld>
@@ -1269,7 +1015,7 @@
     </p:spTree>
     <p:extLst>
       <p:ext uri="{BB962C8B-B14F-4D97-AF65-F5344CB8AC3E}">
-        <p14:creationId xmlns:p14="http://schemas.microsoft.com/office/powerpoint/2010/main" val="196650650"/>
+        <p14:creationId xmlns:p14="http://schemas.microsoft.com/office/powerpoint/2010/main" val="3548494120"/>
       </p:ext>
     </p:extLst>
   </p:cSld>
@@ -1280,852 +1026,7 @@
 </file>
 
 <file path=ppt/slideLayouts/slideLayout3.xml><?xml version="1.0" encoding="utf-8"?>
-<p:sldLayout xmlns:a="http://schemas.openxmlformats.org/drawingml/2006/main" xmlns:r="http://schemas.openxmlformats.org/officeDocument/2006/relationships" xmlns:p="http://schemas.openxmlformats.org/presentationml/2006/main" type="secHead" preserve="1">
-  <p:cSld name="Section Header">
-    <p:spTree>
-      <p:nvGrpSpPr>
-        <p:cNvPr id="1" name=""/>
-        <p:cNvGrpSpPr/>
-        <p:nvPr/>
-      </p:nvGrpSpPr>
-      <p:grpSpPr>
-        <a:xfrm>
-          <a:off x="0" y="0"/>
-          <a:ext cx="0" cy="0"/>
-          <a:chOff x="0" y="0"/>
-          <a:chExt cx="0" cy="0"/>
-        </a:xfrm>
-      </p:grpSpPr>
-      <p:sp>
-        <p:nvSpPr>
-          <p:cNvPr id="2" name="Title 1"/>
-          <p:cNvSpPr>
-            <a:spLocks noGrp="1"/>
-          </p:cNvSpPr>
-          <p:nvPr>
-            <p:ph type="title"/>
-          </p:nvPr>
-        </p:nvSpPr>
-        <p:spPr>
-          <a:xfrm>
-            <a:off x="831851" y="1709740"/>
-            <a:ext cx="10515600" cy="2852737"/>
-          </a:xfrm>
-        </p:spPr>
-        <p:txBody>
-          <a:bodyPr anchor="b"/>
-          <a:lstStyle>
-            <a:lvl1pPr>
-              <a:defRPr sz="4500"/>
-            </a:lvl1pPr>
-          </a:lstStyle>
-          <a:p>
-            <a:r>
-              <a:rPr lang="en-US" smtClean="0"/>
-              <a:t>Click to edit Master title style</a:t>
-            </a:r>
-            <a:endParaRPr lang="en-US"/>
-          </a:p>
-        </p:txBody>
-      </p:sp>
-      <p:sp>
-        <p:nvSpPr>
-          <p:cNvPr id="3" name="Text Placeholder 2"/>
-          <p:cNvSpPr>
-            <a:spLocks noGrp="1"/>
-          </p:cNvSpPr>
-          <p:nvPr>
-            <p:ph type="body" idx="1"/>
-          </p:nvPr>
-        </p:nvSpPr>
-        <p:spPr>
-          <a:xfrm>
-            <a:off x="831851" y="4589465"/>
-            <a:ext cx="10515600" cy="1500187"/>
-          </a:xfrm>
-        </p:spPr>
-        <p:txBody>
-          <a:bodyPr/>
-          <a:lstStyle>
-            <a:lvl1pPr marL="0" indent="0">
-              <a:buNone/>
-              <a:defRPr sz="1800">
-                <a:solidFill>
-                  <a:schemeClr val="tx1">
-                    <a:tint val="75000"/>
-                  </a:schemeClr>
-                </a:solidFill>
-              </a:defRPr>
-            </a:lvl1pPr>
-            <a:lvl2pPr marL="342900" indent="0">
-              <a:buNone/>
-              <a:defRPr sz="1500">
-                <a:solidFill>
-                  <a:schemeClr val="tx1">
-                    <a:tint val="75000"/>
-                  </a:schemeClr>
-                </a:solidFill>
-              </a:defRPr>
-            </a:lvl2pPr>
-            <a:lvl3pPr marL="685800" indent="0">
-              <a:buNone/>
-              <a:defRPr sz="1350">
-                <a:solidFill>
-                  <a:schemeClr val="tx1">
-                    <a:tint val="75000"/>
-                  </a:schemeClr>
-                </a:solidFill>
-              </a:defRPr>
-            </a:lvl3pPr>
-            <a:lvl4pPr marL="1028700" indent="0">
-              <a:buNone/>
-              <a:defRPr sz="1200">
-                <a:solidFill>
-                  <a:schemeClr val="tx1">
-                    <a:tint val="75000"/>
-                  </a:schemeClr>
-                </a:solidFill>
-              </a:defRPr>
-            </a:lvl4pPr>
-            <a:lvl5pPr marL="1371600" indent="0">
-              <a:buNone/>
-              <a:defRPr sz="1200">
-                <a:solidFill>
-                  <a:schemeClr val="tx1">
-                    <a:tint val="75000"/>
-                  </a:schemeClr>
-                </a:solidFill>
-              </a:defRPr>
-            </a:lvl5pPr>
-            <a:lvl6pPr marL="1714500" indent="0">
-              <a:buNone/>
-              <a:defRPr sz="1200">
-                <a:solidFill>
-                  <a:schemeClr val="tx1">
-                    <a:tint val="75000"/>
-                  </a:schemeClr>
-                </a:solidFill>
-              </a:defRPr>
-            </a:lvl6pPr>
-            <a:lvl7pPr marL="2057400" indent="0">
-              <a:buNone/>
-              <a:defRPr sz="1200">
-                <a:solidFill>
-                  <a:schemeClr val="tx1">
-                    <a:tint val="75000"/>
-                  </a:schemeClr>
-                </a:solidFill>
-              </a:defRPr>
-            </a:lvl7pPr>
-            <a:lvl8pPr marL="2400300" indent="0">
-              <a:buNone/>
-              <a:defRPr sz="1200">
-                <a:solidFill>
-                  <a:schemeClr val="tx1">
-                    <a:tint val="75000"/>
-                  </a:schemeClr>
-                </a:solidFill>
-              </a:defRPr>
-            </a:lvl8pPr>
-            <a:lvl9pPr marL="2743200" indent="0">
-              <a:buNone/>
-              <a:defRPr sz="1200">
-                <a:solidFill>
-                  <a:schemeClr val="tx1">
-                    <a:tint val="75000"/>
-                  </a:schemeClr>
-                </a:solidFill>
-              </a:defRPr>
-            </a:lvl9pPr>
-          </a:lstStyle>
-          <a:p>
-            <a:pPr lvl="0"/>
-            <a:r>
-              <a:rPr lang="en-US" smtClean="0"/>
-              <a:t>Click to edit Master text styles</a:t>
-            </a:r>
-          </a:p>
-        </p:txBody>
-      </p:sp>
-      <p:sp>
-        <p:nvSpPr>
-          <p:cNvPr id="4" name="Date Placeholder 3"/>
-          <p:cNvSpPr>
-            <a:spLocks noGrp="1"/>
-          </p:cNvSpPr>
-          <p:nvPr>
-            <p:ph type="dt" sz="half" idx="10"/>
-          </p:nvPr>
-        </p:nvSpPr>
-        <p:spPr/>
-        <p:txBody>
-          <a:bodyPr/>
-          <a:lstStyle/>
-          <a:p>
-            <a:fld id="{7AB64861-AB0E-4967-A169-DC4D9974776C}" type="datetimeFigureOut">
-              <a:rPr lang="en-US" smtClean="0"/>
-              <a:t>3/1/2018</a:t>
-            </a:fld>
-            <a:endParaRPr lang="en-US"/>
-          </a:p>
-        </p:txBody>
-      </p:sp>
-      <p:sp>
-        <p:nvSpPr>
-          <p:cNvPr id="5" name="Footer Placeholder 4"/>
-          <p:cNvSpPr>
-            <a:spLocks noGrp="1"/>
-          </p:cNvSpPr>
-          <p:nvPr>
-            <p:ph type="ftr" sz="quarter" idx="11"/>
-          </p:nvPr>
-        </p:nvSpPr>
-        <p:spPr/>
-        <p:txBody>
-          <a:bodyPr/>
-          <a:lstStyle/>
-          <a:p>
-            <a:endParaRPr lang="en-US"/>
-          </a:p>
-        </p:txBody>
-      </p:sp>
-      <p:sp>
-        <p:nvSpPr>
-          <p:cNvPr id="6" name="Slide Number Placeholder 5"/>
-          <p:cNvSpPr>
-            <a:spLocks noGrp="1"/>
-          </p:cNvSpPr>
-          <p:nvPr>
-            <p:ph type="sldNum" sz="quarter" idx="12"/>
-          </p:nvPr>
-        </p:nvSpPr>
-        <p:spPr/>
-        <p:txBody>
-          <a:bodyPr/>
-          <a:lstStyle/>
-          <a:p>
-            <a:fld id="{23036171-CD4D-43BD-9BBF-2CCD34572CE4}" type="slidenum">
-              <a:rPr lang="en-US" smtClean="0"/>
-              <a:t>‹#›</a:t>
-            </a:fld>
-            <a:endParaRPr lang="en-US"/>
-          </a:p>
-        </p:txBody>
-      </p:sp>
-    </p:spTree>
-    <p:extLst>
-      <p:ext uri="{BB962C8B-B14F-4D97-AF65-F5344CB8AC3E}">
-        <p14:creationId xmlns:p14="http://schemas.microsoft.com/office/powerpoint/2010/main" val="574322138"/>
-      </p:ext>
-    </p:extLst>
-  </p:cSld>
-  <p:clrMapOvr>
-    <a:masterClrMapping/>
-  </p:clrMapOvr>
-</p:sldLayout>
-</file>
-
-<file path=ppt/slideLayouts/slideLayout4.xml><?xml version="1.0" encoding="utf-8"?>
-<p:sldLayout xmlns:a="http://schemas.openxmlformats.org/drawingml/2006/main" xmlns:r="http://schemas.openxmlformats.org/officeDocument/2006/relationships" xmlns:p="http://schemas.openxmlformats.org/presentationml/2006/main" type="twoObj" preserve="1">
-  <p:cSld name="Two Content">
-    <p:spTree>
-      <p:nvGrpSpPr>
-        <p:cNvPr id="1" name=""/>
-        <p:cNvGrpSpPr/>
-        <p:nvPr/>
-      </p:nvGrpSpPr>
-      <p:grpSpPr>
-        <a:xfrm>
-          <a:off x="0" y="0"/>
-          <a:ext cx="0" cy="0"/>
-          <a:chOff x="0" y="0"/>
-          <a:chExt cx="0" cy="0"/>
-        </a:xfrm>
-      </p:grpSpPr>
-      <p:sp>
-        <p:nvSpPr>
-          <p:cNvPr id="2" name="Title 1"/>
-          <p:cNvSpPr>
-            <a:spLocks noGrp="1"/>
-          </p:cNvSpPr>
-          <p:nvPr>
-            <p:ph type="title"/>
-          </p:nvPr>
-        </p:nvSpPr>
-        <p:spPr/>
-        <p:txBody>
-          <a:bodyPr/>
-          <a:lstStyle/>
-          <a:p>
-            <a:r>
-              <a:rPr lang="en-US" smtClean="0"/>
-              <a:t>Click to edit Master title style</a:t>
-            </a:r>
-            <a:endParaRPr lang="en-US"/>
-          </a:p>
-        </p:txBody>
-      </p:sp>
-      <p:sp>
-        <p:nvSpPr>
-          <p:cNvPr id="3" name="Content Placeholder 2"/>
-          <p:cNvSpPr>
-            <a:spLocks noGrp="1"/>
-          </p:cNvSpPr>
-          <p:nvPr>
-            <p:ph sz="half" idx="1"/>
-          </p:nvPr>
-        </p:nvSpPr>
-        <p:spPr>
-          <a:xfrm>
-            <a:off x="838200" y="1825625"/>
-            <a:ext cx="5181600" cy="4351338"/>
-          </a:xfrm>
-        </p:spPr>
-        <p:txBody>
-          <a:bodyPr/>
-          <a:lstStyle/>
-          <a:p>
-            <a:pPr lvl="0"/>
-            <a:r>
-              <a:rPr lang="en-US" smtClean="0"/>
-              <a:t>Click to edit Master text styles</a:t>
-            </a:r>
-          </a:p>
-          <a:p>
-            <a:pPr lvl="1"/>
-            <a:r>
-              <a:rPr lang="en-US" smtClean="0"/>
-              <a:t>Second level</a:t>
-            </a:r>
-          </a:p>
-          <a:p>
-            <a:pPr lvl="2"/>
-            <a:r>
-              <a:rPr lang="en-US" smtClean="0"/>
-              <a:t>Third level</a:t>
-            </a:r>
-          </a:p>
-          <a:p>
-            <a:pPr lvl="3"/>
-            <a:r>
-              <a:rPr lang="en-US" smtClean="0"/>
-              <a:t>Fourth level</a:t>
-            </a:r>
-          </a:p>
-          <a:p>
-            <a:pPr lvl="4"/>
-            <a:r>
-              <a:rPr lang="en-US" smtClean="0"/>
-              <a:t>Fifth level</a:t>
-            </a:r>
-            <a:endParaRPr lang="en-US"/>
-          </a:p>
-        </p:txBody>
-      </p:sp>
-      <p:sp>
-        <p:nvSpPr>
-          <p:cNvPr id="4" name="Content Placeholder 3"/>
-          <p:cNvSpPr>
-            <a:spLocks noGrp="1"/>
-          </p:cNvSpPr>
-          <p:nvPr>
-            <p:ph sz="half" idx="2"/>
-          </p:nvPr>
-        </p:nvSpPr>
-        <p:spPr>
-          <a:xfrm>
-            <a:off x="6172200" y="1825625"/>
-            <a:ext cx="5181600" cy="4351338"/>
-          </a:xfrm>
-        </p:spPr>
-        <p:txBody>
-          <a:bodyPr/>
-          <a:lstStyle/>
-          <a:p>
-            <a:pPr lvl="0"/>
-            <a:r>
-              <a:rPr lang="en-US" smtClean="0"/>
-              <a:t>Click to edit Master text styles</a:t>
-            </a:r>
-          </a:p>
-          <a:p>
-            <a:pPr lvl="1"/>
-            <a:r>
-              <a:rPr lang="en-US" smtClean="0"/>
-              <a:t>Second level</a:t>
-            </a:r>
-          </a:p>
-          <a:p>
-            <a:pPr lvl="2"/>
-            <a:r>
-              <a:rPr lang="en-US" smtClean="0"/>
-              <a:t>Third level</a:t>
-            </a:r>
-          </a:p>
-          <a:p>
-            <a:pPr lvl="3"/>
-            <a:r>
-              <a:rPr lang="en-US" smtClean="0"/>
-              <a:t>Fourth level</a:t>
-            </a:r>
-          </a:p>
-          <a:p>
-            <a:pPr lvl="4"/>
-            <a:r>
-              <a:rPr lang="en-US" smtClean="0"/>
-              <a:t>Fifth level</a:t>
-            </a:r>
-            <a:endParaRPr lang="en-US"/>
-          </a:p>
-        </p:txBody>
-      </p:sp>
-      <p:sp>
-        <p:nvSpPr>
-          <p:cNvPr id="5" name="Date Placeholder 4"/>
-          <p:cNvSpPr>
-            <a:spLocks noGrp="1"/>
-          </p:cNvSpPr>
-          <p:nvPr>
-            <p:ph type="dt" sz="half" idx="10"/>
-          </p:nvPr>
-        </p:nvSpPr>
-        <p:spPr/>
-        <p:txBody>
-          <a:bodyPr/>
-          <a:lstStyle/>
-          <a:p>
-            <a:fld id="{7AB64861-AB0E-4967-A169-DC4D9974776C}" type="datetimeFigureOut">
-              <a:rPr lang="en-US" smtClean="0"/>
-              <a:t>3/1/2018</a:t>
-            </a:fld>
-            <a:endParaRPr lang="en-US"/>
-          </a:p>
-        </p:txBody>
-      </p:sp>
-      <p:sp>
-        <p:nvSpPr>
-          <p:cNvPr id="6" name="Footer Placeholder 5"/>
-          <p:cNvSpPr>
-            <a:spLocks noGrp="1"/>
-          </p:cNvSpPr>
-          <p:nvPr>
-            <p:ph type="ftr" sz="quarter" idx="11"/>
-          </p:nvPr>
-        </p:nvSpPr>
-        <p:spPr/>
-        <p:txBody>
-          <a:bodyPr/>
-          <a:lstStyle/>
-          <a:p>
-            <a:endParaRPr lang="en-US"/>
-          </a:p>
-        </p:txBody>
-      </p:sp>
-      <p:sp>
-        <p:nvSpPr>
-          <p:cNvPr id="7" name="Slide Number Placeholder 6"/>
-          <p:cNvSpPr>
-            <a:spLocks noGrp="1"/>
-          </p:cNvSpPr>
-          <p:nvPr>
-            <p:ph type="sldNum" sz="quarter" idx="12"/>
-          </p:nvPr>
-        </p:nvSpPr>
-        <p:spPr/>
-        <p:txBody>
-          <a:bodyPr/>
-          <a:lstStyle/>
-          <a:p>
-            <a:fld id="{23036171-CD4D-43BD-9BBF-2CCD34572CE4}" type="slidenum">
-              <a:rPr lang="en-US" smtClean="0"/>
-              <a:t>‹#›</a:t>
-            </a:fld>
-            <a:endParaRPr lang="en-US"/>
-          </a:p>
-        </p:txBody>
-      </p:sp>
-    </p:spTree>
-    <p:extLst>
-      <p:ext uri="{BB962C8B-B14F-4D97-AF65-F5344CB8AC3E}">
-        <p14:creationId xmlns:p14="http://schemas.microsoft.com/office/powerpoint/2010/main" val="3547805068"/>
-      </p:ext>
-    </p:extLst>
-  </p:cSld>
-  <p:clrMapOvr>
-    <a:masterClrMapping/>
-  </p:clrMapOvr>
-</p:sldLayout>
-</file>
-
-<file path=ppt/slideLayouts/slideLayout5.xml><?xml version="1.0" encoding="utf-8"?>
-<p:sldLayout xmlns:a="http://schemas.openxmlformats.org/drawingml/2006/main" xmlns:r="http://schemas.openxmlformats.org/officeDocument/2006/relationships" xmlns:p="http://schemas.openxmlformats.org/presentationml/2006/main" type="twoTxTwoObj" preserve="1">
-  <p:cSld name="Comparison">
-    <p:spTree>
-      <p:nvGrpSpPr>
-        <p:cNvPr id="1" name=""/>
-        <p:cNvGrpSpPr/>
-        <p:nvPr/>
-      </p:nvGrpSpPr>
-      <p:grpSpPr>
-        <a:xfrm>
-          <a:off x="0" y="0"/>
-          <a:ext cx="0" cy="0"/>
-          <a:chOff x="0" y="0"/>
-          <a:chExt cx="0" cy="0"/>
-        </a:xfrm>
-      </p:grpSpPr>
-      <p:sp>
-        <p:nvSpPr>
-          <p:cNvPr id="2" name="Title 1"/>
-          <p:cNvSpPr>
-            <a:spLocks noGrp="1"/>
-          </p:cNvSpPr>
-          <p:nvPr>
-            <p:ph type="title"/>
-          </p:nvPr>
-        </p:nvSpPr>
-        <p:spPr>
-          <a:xfrm>
-            <a:off x="839788" y="365127"/>
-            <a:ext cx="10515600" cy="1325563"/>
-          </a:xfrm>
-        </p:spPr>
-        <p:txBody>
-          <a:bodyPr/>
-          <a:lstStyle/>
-          <a:p>
-            <a:r>
-              <a:rPr lang="en-US" smtClean="0"/>
-              <a:t>Click to edit Master title style</a:t>
-            </a:r>
-            <a:endParaRPr lang="en-US"/>
-          </a:p>
-        </p:txBody>
-      </p:sp>
-      <p:sp>
-        <p:nvSpPr>
-          <p:cNvPr id="3" name="Text Placeholder 2"/>
-          <p:cNvSpPr>
-            <a:spLocks noGrp="1"/>
-          </p:cNvSpPr>
-          <p:nvPr>
-            <p:ph type="body" idx="1"/>
-          </p:nvPr>
-        </p:nvSpPr>
-        <p:spPr>
-          <a:xfrm>
-            <a:off x="839789" y="1681163"/>
-            <a:ext cx="5157787" cy="823912"/>
-          </a:xfrm>
-        </p:spPr>
-        <p:txBody>
-          <a:bodyPr anchor="b"/>
-          <a:lstStyle>
-            <a:lvl1pPr marL="0" indent="0">
-              <a:buNone/>
-              <a:defRPr sz="1800" b="1"/>
-            </a:lvl1pPr>
-            <a:lvl2pPr marL="342900" indent="0">
-              <a:buNone/>
-              <a:defRPr sz="1500" b="1"/>
-            </a:lvl2pPr>
-            <a:lvl3pPr marL="685800" indent="0">
-              <a:buNone/>
-              <a:defRPr sz="1350" b="1"/>
-            </a:lvl3pPr>
-            <a:lvl4pPr marL="1028700" indent="0">
-              <a:buNone/>
-              <a:defRPr sz="1200" b="1"/>
-            </a:lvl4pPr>
-            <a:lvl5pPr marL="1371600" indent="0">
-              <a:buNone/>
-              <a:defRPr sz="1200" b="1"/>
-            </a:lvl5pPr>
-            <a:lvl6pPr marL="1714500" indent="0">
-              <a:buNone/>
-              <a:defRPr sz="1200" b="1"/>
-            </a:lvl6pPr>
-            <a:lvl7pPr marL="2057400" indent="0">
-              <a:buNone/>
-              <a:defRPr sz="1200" b="1"/>
-            </a:lvl7pPr>
-            <a:lvl8pPr marL="2400300" indent="0">
-              <a:buNone/>
-              <a:defRPr sz="1200" b="1"/>
-            </a:lvl8pPr>
-            <a:lvl9pPr marL="2743200" indent="0">
-              <a:buNone/>
-              <a:defRPr sz="1200" b="1"/>
-            </a:lvl9pPr>
-          </a:lstStyle>
-          <a:p>
-            <a:pPr lvl="0"/>
-            <a:r>
-              <a:rPr lang="en-US" smtClean="0"/>
-              <a:t>Click to edit Master text styles</a:t>
-            </a:r>
-          </a:p>
-        </p:txBody>
-      </p:sp>
-      <p:sp>
-        <p:nvSpPr>
-          <p:cNvPr id="4" name="Content Placeholder 3"/>
-          <p:cNvSpPr>
-            <a:spLocks noGrp="1"/>
-          </p:cNvSpPr>
-          <p:nvPr>
-            <p:ph sz="half" idx="2"/>
-          </p:nvPr>
-        </p:nvSpPr>
-        <p:spPr>
-          <a:xfrm>
-            <a:off x="839789" y="2505075"/>
-            <a:ext cx="5157787" cy="3684588"/>
-          </a:xfrm>
-        </p:spPr>
-        <p:txBody>
-          <a:bodyPr/>
-          <a:lstStyle/>
-          <a:p>
-            <a:pPr lvl="0"/>
-            <a:r>
-              <a:rPr lang="en-US" smtClean="0"/>
-              <a:t>Click to edit Master text styles</a:t>
-            </a:r>
-          </a:p>
-          <a:p>
-            <a:pPr lvl="1"/>
-            <a:r>
-              <a:rPr lang="en-US" smtClean="0"/>
-              <a:t>Second level</a:t>
-            </a:r>
-          </a:p>
-          <a:p>
-            <a:pPr lvl="2"/>
-            <a:r>
-              <a:rPr lang="en-US" smtClean="0"/>
-              <a:t>Third level</a:t>
-            </a:r>
-          </a:p>
-          <a:p>
-            <a:pPr lvl="3"/>
-            <a:r>
-              <a:rPr lang="en-US" smtClean="0"/>
-              <a:t>Fourth level</a:t>
-            </a:r>
-          </a:p>
-          <a:p>
-            <a:pPr lvl="4"/>
-            <a:r>
-              <a:rPr lang="en-US" smtClean="0"/>
-              <a:t>Fifth level</a:t>
-            </a:r>
-            <a:endParaRPr lang="en-US"/>
-          </a:p>
-        </p:txBody>
-      </p:sp>
-      <p:sp>
-        <p:nvSpPr>
-          <p:cNvPr id="5" name="Text Placeholder 4"/>
-          <p:cNvSpPr>
-            <a:spLocks noGrp="1"/>
-          </p:cNvSpPr>
-          <p:nvPr>
-            <p:ph type="body" sz="quarter" idx="3"/>
-          </p:nvPr>
-        </p:nvSpPr>
-        <p:spPr>
-          <a:xfrm>
-            <a:off x="6172201" y="1681163"/>
-            <a:ext cx="5183188" cy="823912"/>
-          </a:xfrm>
-        </p:spPr>
-        <p:txBody>
-          <a:bodyPr anchor="b"/>
-          <a:lstStyle>
-            <a:lvl1pPr marL="0" indent="0">
-              <a:buNone/>
-              <a:defRPr sz="1800" b="1"/>
-            </a:lvl1pPr>
-            <a:lvl2pPr marL="342900" indent="0">
-              <a:buNone/>
-              <a:defRPr sz="1500" b="1"/>
-            </a:lvl2pPr>
-            <a:lvl3pPr marL="685800" indent="0">
-              <a:buNone/>
-              <a:defRPr sz="1350" b="1"/>
-            </a:lvl3pPr>
-            <a:lvl4pPr marL="1028700" indent="0">
-              <a:buNone/>
-              <a:defRPr sz="1200" b="1"/>
-            </a:lvl4pPr>
-            <a:lvl5pPr marL="1371600" indent="0">
-              <a:buNone/>
-              <a:defRPr sz="1200" b="1"/>
-            </a:lvl5pPr>
-            <a:lvl6pPr marL="1714500" indent="0">
-              <a:buNone/>
-              <a:defRPr sz="1200" b="1"/>
-            </a:lvl6pPr>
-            <a:lvl7pPr marL="2057400" indent="0">
-              <a:buNone/>
-              <a:defRPr sz="1200" b="1"/>
-            </a:lvl7pPr>
-            <a:lvl8pPr marL="2400300" indent="0">
-              <a:buNone/>
-              <a:defRPr sz="1200" b="1"/>
-            </a:lvl8pPr>
-            <a:lvl9pPr marL="2743200" indent="0">
-              <a:buNone/>
-              <a:defRPr sz="1200" b="1"/>
-            </a:lvl9pPr>
-          </a:lstStyle>
-          <a:p>
-            <a:pPr lvl="0"/>
-            <a:r>
-              <a:rPr lang="en-US" smtClean="0"/>
-              <a:t>Click to edit Master text styles</a:t>
-            </a:r>
-          </a:p>
-        </p:txBody>
-      </p:sp>
-      <p:sp>
-        <p:nvSpPr>
-          <p:cNvPr id="6" name="Content Placeholder 5"/>
-          <p:cNvSpPr>
-            <a:spLocks noGrp="1"/>
-          </p:cNvSpPr>
-          <p:nvPr>
-            <p:ph sz="quarter" idx="4"/>
-          </p:nvPr>
-        </p:nvSpPr>
-        <p:spPr>
-          <a:xfrm>
-            <a:off x="6172201" y="2505075"/>
-            <a:ext cx="5183188" cy="3684588"/>
-          </a:xfrm>
-        </p:spPr>
-        <p:txBody>
-          <a:bodyPr/>
-          <a:lstStyle/>
-          <a:p>
-            <a:pPr lvl="0"/>
-            <a:r>
-              <a:rPr lang="en-US" smtClean="0"/>
-              <a:t>Click to edit Master text styles</a:t>
-            </a:r>
-          </a:p>
-          <a:p>
-            <a:pPr lvl="1"/>
-            <a:r>
-              <a:rPr lang="en-US" smtClean="0"/>
-              <a:t>Second level</a:t>
-            </a:r>
-          </a:p>
-          <a:p>
-            <a:pPr lvl="2"/>
-            <a:r>
-              <a:rPr lang="en-US" smtClean="0"/>
-              <a:t>Third level</a:t>
-            </a:r>
-          </a:p>
-          <a:p>
-            <a:pPr lvl="3"/>
-            <a:r>
-              <a:rPr lang="en-US" smtClean="0"/>
-              <a:t>Fourth level</a:t>
-            </a:r>
-          </a:p>
-          <a:p>
-            <a:pPr lvl="4"/>
-            <a:r>
-              <a:rPr lang="en-US" smtClean="0"/>
-              <a:t>Fifth level</a:t>
-            </a:r>
-            <a:endParaRPr lang="en-US"/>
-          </a:p>
-        </p:txBody>
-      </p:sp>
-      <p:sp>
-        <p:nvSpPr>
-          <p:cNvPr id="7" name="Date Placeholder 6"/>
-          <p:cNvSpPr>
-            <a:spLocks noGrp="1"/>
-          </p:cNvSpPr>
-          <p:nvPr>
-            <p:ph type="dt" sz="half" idx="10"/>
-          </p:nvPr>
-        </p:nvSpPr>
-        <p:spPr/>
-        <p:txBody>
-          <a:bodyPr/>
-          <a:lstStyle/>
-          <a:p>
-            <a:fld id="{7AB64861-AB0E-4967-A169-DC4D9974776C}" type="datetimeFigureOut">
-              <a:rPr lang="en-US" smtClean="0"/>
-              <a:t>3/1/2018</a:t>
-            </a:fld>
-            <a:endParaRPr lang="en-US"/>
-          </a:p>
-        </p:txBody>
-      </p:sp>
-      <p:sp>
-        <p:nvSpPr>
-          <p:cNvPr id="8" name="Footer Placeholder 7"/>
-          <p:cNvSpPr>
-            <a:spLocks noGrp="1"/>
-          </p:cNvSpPr>
-          <p:nvPr>
-            <p:ph type="ftr" sz="quarter" idx="11"/>
-          </p:nvPr>
-        </p:nvSpPr>
-        <p:spPr/>
-        <p:txBody>
-          <a:bodyPr/>
-          <a:lstStyle/>
-          <a:p>
-            <a:endParaRPr lang="en-US"/>
-          </a:p>
-        </p:txBody>
-      </p:sp>
-      <p:sp>
-        <p:nvSpPr>
-          <p:cNvPr id="9" name="Slide Number Placeholder 8"/>
-          <p:cNvSpPr>
-            <a:spLocks noGrp="1"/>
-          </p:cNvSpPr>
-          <p:nvPr>
-            <p:ph type="sldNum" sz="quarter" idx="12"/>
-          </p:nvPr>
-        </p:nvSpPr>
-        <p:spPr/>
-        <p:txBody>
-          <a:bodyPr/>
-          <a:lstStyle/>
-          <a:p>
-            <a:fld id="{23036171-CD4D-43BD-9BBF-2CCD34572CE4}" type="slidenum">
-              <a:rPr lang="en-US" smtClean="0"/>
-              <a:t>‹#›</a:t>
-            </a:fld>
-            <a:endParaRPr lang="en-US"/>
-          </a:p>
-        </p:txBody>
-      </p:sp>
-    </p:spTree>
-    <p:extLst>
-      <p:ext uri="{BB962C8B-B14F-4D97-AF65-F5344CB8AC3E}">
-        <p14:creationId xmlns:p14="http://schemas.microsoft.com/office/powerpoint/2010/main" val="178114835"/>
-      </p:ext>
-    </p:extLst>
-  </p:cSld>
-  <p:clrMapOvr>
-    <a:masterClrMapping/>
-  </p:clrMapOvr>
-</p:sldLayout>
-</file>
-
-<file path=ppt/slideLayouts/slideLayout6.xml><?xml version="1.0" encoding="utf-8"?>
-<p:sldLayout xmlns:a="http://schemas.openxmlformats.org/drawingml/2006/main" xmlns:r="http://schemas.openxmlformats.org/officeDocument/2006/relationships" xmlns:p="http://schemas.openxmlformats.org/presentationml/2006/main" type="titleOnly" preserve="1">
+<p:sldLayout xmlns:a="http://schemas.openxmlformats.org/drawingml/2006/main" xmlns:r="http://schemas.openxmlformats.org/officeDocument/2006/relationships" xmlns:p="http://schemas.openxmlformats.org/presentationml/2006/main" preserve="1" userDrawn="1">
   <p:cSld name="Title Only">
     <p:spTree>
       <p:nvGrpSpPr>
@@ -2148,61 +1049,38 @@
             <a:spLocks noGrp="1"/>
           </p:cNvSpPr>
           <p:nvPr>
-            <p:ph type="title"/>
+            <p:ph type="title" hasCustomPrompt="1"/>
           </p:nvPr>
         </p:nvSpPr>
-        <p:spPr/>
+        <p:spPr>
+          <a:xfrm>
+            <a:off x="701425" y="302846"/>
+            <a:ext cx="7985375" cy="3156561"/>
+          </a:xfrm>
+        </p:spPr>
         <p:txBody>
           <a:bodyPr/>
-          <a:lstStyle/>
-          <a:p>
-            <a:r>
-              <a:rPr lang="en-US" smtClean="0"/>
-              <a:t>Click to edit Master title style</a:t>
-            </a:r>
-            <a:endParaRPr lang="en-US"/>
-          </a:p>
-        </p:txBody>
-      </p:sp>
-      <p:sp>
-        <p:nvSpPr>
-          <p:cNvPr id="3" name="Date Placeholder 2"/>
-          <p:cNvSpPr>
-            <a:spLocks noGrp="1"/>
-          </p:cNvSpPr>
-          <p:nvPr>
-            <p:ph type="dt" sz="half" idx="10"/>
-          </p:nvPr>
-        </p:nvSpPr>
-        <p:spPr/>
-        <p:txBody>
-          <a:bodyPr/>
-          <a:lstStyle/>
-          <a:p>
-            <a:fld id="{7AB64861-AB0E-4967-A169-DC4D9974776C}" type="datetimeFigureOut">
-              <a:rPr lang="en-US" smtClean="0"/>
-              <a:t>3/1/2018</a:t>
-            </a:fld>
-            <a:endParaRPr lang="en-US"/>
-          </a:p>
-        </p:txBody>
-      </p:sp>
-      <p:sp>
-        <p:nvSpPr>
-          <p:cNvPr id="4" name="Footer Placeholder 3"/>
-          <p:cNvSpPr>
-            <a:spLocks noGrp="1"/>
-          </p:cNvSpPr>
-          <p:nvPr>
-            <p:ph type="ftr" sz="quarter" idx="11"/>
-          </p:nvPr>
-        </p:nvSpPr>
-        <p:spPr/>
-        <p:txBody>
-          <a:bodyPr/>
-          <a:lstStyle/>
-          <a:p>
-            <a:endParaRPr lang="en-US"/>
+          <a:lstStyle>
+            <a:lvl1pPr>
+              <a:lnSpc>
+                <a:spcPct val="60000"/>
+              </a:lnSpc>
+              <a:defRPr/>
+            </a:lvl1pPr>
+          </a:lstStyle>
+          <a:p>
+            <a:r>
+              <a:rPr lang="en-US" dirty="0" smtClean="0"/>
+              <a:t>THANK YOU FOR</a:t>
+            </a:r>
+            <a:br>
+              <a:rPr lang="en-US" dirty="0" smtClean="0"/>
+            </a:br>
+            <a:r>
+              <a:rPr lang="en-US" dirty="0" smtClean="0"/>
+              <a:t>YOUR TIME</a:t>
+            </a:r>
+            <a:endParaRPr lang="en-US" dirty="0"/>
           </a:p>
         </p:txBody>
       </p:sp>
@@ -2221,18 +1099,57 @@
           <a:bodyPr/>
           <a:lstStyle/>
           <a:p>
-            <a:fld id="{23036171-CD4D-43BD-9BBF-2CCD34572CE4}" type="slidenum">
+            <a:fld id="{6458E574-3466-AB4B-829E-8E1A936BDA3E}" type="slidenum">
               <a:rPr lang="en-US" smtClean="0"/>
               <a:t>‹#›</a:t>
             </a:fld>
             <a:endParaRPr lang="en-US"/>
+          </a:p>
+        </p:txBody>
+      </p:sp>
+      <p:sp>
+        <p:nvSpPr>
+          <p:cNvPr id="9" name="Text Placeholder 8"/>
+          <p:cNvSpPr>
+            <a:spLocks noGrp="1"/>
+          </p:cNvSpPr>
+          <p:nvPr>
+            <p:ph type="body" sz="quarter" idx="13" hasCustomPrompt="1"/>
+          </p:nvPr>
+        </p:nvSpPr>
+        <p:spPr>
+          <a:xfrm>
+            <a:off x="701675" y="3379673"/>
+            <a:ext cx="7985125" cy="1309688"/>
+          </a:xfrm>
+        </p:spPr>
+        <p:txBody>
+          <a:bodyPr/>
+          <a:lstStyle>
+            <a:lvl1pPr>
+              <a:lnSpc>
+                <a:spcPct val="60000"/>
+              </a:lnSpc>
+              <a:defRPr>
+                <a:solidFill>
+                  <a:schemeClr val="tx1"/>
+                </a:solidFill>
+              </a:defRPr>
+            </a:lvl1pPr>
+          </a:lstStyle>
+          <a:p>
+            <a:pPr lvl="0"/>
+            <a:r>
+              <a:rPr lang="en-US" dirty="0" smtClean="0"/>
+              <a:t>We’re pleased to take your questions...</a:t>
+            </a:r>
           </a:p>
         </p:txBody>
       </p:sp>
     </p:spTree>
     <p:extLst>
       <p:ext uri="{BB962C8B-B14F-4D97-AF65-F5344CB8AC3E}">
-        <p14:creationId xmlns:p14="http://schemas.microsoft.com/office/powerpoint/2010/main" val="4233366383"/>
+        <p14:creationId xmlns:p14="http://schemas.microsoft.com/office/powerpoint/2010/main" val="2289761771"/>
       </p:ext>
     </p:extLst>
   </p:cSld>
@@ -2242,7 +1159,7 @@
 </p:sldLayout>
 </file>
 
-<file path=ppt/slideLayouts/slideLayout7.xml><?xml version="1.0" encoding="utf-8"?>
+<file path=ppt/slideLayouts/slideLayout4.xml><?xml version="1.0" encoding="utf-8"?>
 <p:sldLayout xmlns:a="http://schemas.openxmlformats.org/drawingml/2006/main" xmlns:r="http://schemas.openxmlformats.org/officeDocument/2006/relationships" xmlns:p="http://schemas.openxmlformats.org/presentationml/2006/main" type="blank" preserve="1">
   <p:cSld name="Blank">
     <p:spTree>
@@ -2261,48 +1178,6 @@
       </p:grpSpPr>
       <p:sp>
         <p:nvSpPr>
-          <p:cNvPr id="2" name="Date Placeholder 1"/>
-          <p:cNvSpPr>
-            <a:spLocks noGrp="1"/>
-          </p:cNvSpPr>
-          <p:nvPr>
-            <p:ph type="dt" sz="half" idx="10"/>
-          </p:nvPr>
-        </p:nvSpPr>
-        <p:spPr/>
-        <p:txBody>
-          <a:bodyPr/>
-          <a:lstStyle/>
-          <a:p>
-            <a:fld id="{7AB64861-AB0E-4967-A169-DC4D9974776C}" type="datetimeFigureOut">
-              <a:rPr lang="en-US" smtClean="0"/>
-              <a:t>3/1/2018</a:t>
-            </a:fld>
-            <a:endParaRPr lang="en-US"/>
-          </a:p>
-        </p:txBody>
-      </p:sp>
-      <p:sp>
-        <p:nvSpPr>
-          <p:cNvPr id="3" name="Footer Placeholder 2"/>
-          <p:cNvSpPr>
-            <a:spLocks noGrp="1"/>
-          </p:cNvSpPr>
-          <p:nvPr>
-            <p:ph type="ftr" sz="quarter" idx="11"/>
-          </p:nvPr>
-        </p:nvSpPr>
-        <p:spPr/>
-        <p:txBody>
-          <a:bodyPr/>
-          <a:lstStyle/>
-          <a:p>
-            <a:endParaRPr lang="en-US"/>
-          </a:p>
-        </p:txBody>
-      </p:sp>
-      <p:sp>
-        <p:nvSpPr>
           <p:cNvPr id="4" name="Slide Number Placeholder 3"/>
           <p:cNvSpPr>
             <a:spLocks noGrp="1"/>
@@ -2316,7 +1191,7 @@
           <a:bodyPr/>
           <a:lstStyle/>
           <a:p>
-            <a:fld id="{23036171-CD4D-43BD-9BBF-2CCD34572CE4}" type="slidenum">
+            <a:fld id="{6458E574-3466-AB4B-829E-8E1A936BDA3E}" type="slidenum">
               <a:rPr lang="en-US" smtClean="0"/>
               <a:t>‹#›</a:t>
             </a:fld>
@@ -2327,541 +1202,7 @@
     </p:spTree>
     <p:extLst>
       <p:ext uri="{BB962C8B-B14F-4D97-AF65-F5344CB8AC3E}">
-        <p14:creationId xmlns:p14="http://schemas.microsoft.com/office/powerpoint/2010/main" val="4178479431"/>
-      </p:ext>
-    </p:extLst>
-  </p:cSld>
-  <p:clrMapOvr>
-    <a:masterClrMapping/>
-  </p:clrMapOvr>
-</p:sldLayout>
-</file>
-
-<file path=ppt/slideLayouts/slideLayout8.xml><?xml version="1.0" encoding="utf-8"?>
-<p:sldLayout xmlns:a="http://schemas.openxmlformats.org/drawingml/2006/main" xmlns:r="http://schemas.openxmlformats.org/officeDocument/2006/relationships" xmlns:p="http://schemas.openxmlformats.org/presentationml/2006/main" type="objTx" preserve="1">
-  <p:cSld name="Content with Caption">
-    <p:spTree>
-      <p:nvGrpSpPr>
-        <p:cNvPr id="1" name=""/>
-        <p:cNvGrpSpPr/>
-        <p:nvPr/>
-      </p:nvGrpSpPr>
-      <p:grpSpPr>
-        <a:xfrm>
-          <a:off x="0" y="0"/>
-          <a:ext cx="0" cy="0"/>
-          <a:chOff x="0" y="0"/>
-          <a:chExt cx="0" cy="0"/>
-        </a:xfrm>
-      </p:grpSpPr>
-      <p:sp>
-        <p:nvSpPr>
-          <p:cNvPr id="2" name="Title 1"/>
-          <p:cNvSpPr>
-            <a:spLocks noGrp="1"/>
-          </p:cNvSpPr>
-          <p:nvPr>
-            <p:ph type="title"/>
-          </p:nvPr>
-        </p:nvSpPr>
-        <p:spPr>
-          <a:xfrm>
-            <a:off x="839788" y="457200"/>
-            <a:ext cx="3932237" cy="1600200"/>
-          </a:xfrm>
-        </p:spPr>
-        <p:txBody>
-          <a:bodyPr anchor="b"/>
-          <a:lstStyle>
-            <a:lvl1pPr>
-              <a:defRPr sz="2400"/>
-            </a:lvl1pPr>
-          </a:lstStyle>
-          <a:p>
-            <a:r>
-              <a:rPr lang="en-US" smtClean="0"/>
-              <a:t>Click to edit Master title style</a:t>
-            </a:r>
-            <a:endParaRPr lang="en-US"/>
-          </a:p>
-        </p:txBody>
-      </p:sp>
-      <p:sp>
-        <p:nvSpPr>
-          <p:cNvPr id="3" name="Content Placeholder 2"/>
-          <p:cNvSpPr>
-            <a:spLocks noGrp="1"/>
-          </p:cNvSpPr>
-          <p:nvPr>
-            <p:ph idx="1"/>
-          </p:nvPr>
-        </p:nvSpPr>
-        <p:spPr>
-          <a:xfrm>
-            <a:off x="5183188" y="987427"/>
-            <a:ext cx="6172200" cy="4873625"/>
-          </a:xfrm>
-        </p:spPr>
-        <p:txBody>
-          <a:bodyPr/>
-          <a:lstStyle>
-            <a:lvl1pPr>
-              <a:defRPr sz="2400"/>
-            </a:lvl1pPr>
-            <a:lvl2pPr>
-              <a:defRPr sz="2100"/>
-            </a:lvl2pPr>
-            <a:lvl3pPr>
-              <a:defRPr sz="1800"/>
-            </a:lvl3pPr>
-            <a:lvl4pPr>
-              <a:defRPr sz="1500"/>
-            </a:lvl4pPr>
-            <a:lvl5pPr>
-              <a:defRPr sz="1500"/>
-            </a:lvl5pPr>
-            <a:lvl6pPr>
-              <a:defRPr sz="1500"/>
-            </a:lvl6pPr>
-            <a:lvl7pPr>
-              <a:defRPr sz="1500"/>
-            </a:lvl7pPr>
-            <a:lvl8pPr>
-              <a:defRPr sz="1500"/>
-            </a:lvl8pPr>
-            <a:lvl9pPr>
-              <a:defRPr sz="1500"/>
-            </a:lvl9pPr>
-          </a:lstStyle>
-          <a:p>
-            <a:pPr lvl="0"/>
-            <a:r>
-              <a:rPr lang="en-US" smtClean="0"/>
-              <a:t>Click to edit Master text styles</a:t>
-            </a:r>
-          </a:p>
-          <a:p>
-            <a:pPr lvl="1"/>
-            <a:r>
-              <a:rPr lang="en-US" smtClean="0"/>
-              <a:t>Second level</a:t>
-            </a:r>
-          </a:p>
-          <a:p>
-            <a:pPr lvl="2"/>
-            <a:r>
-              <a:rPr lang="en-US" smtClean="0"/>
-              <a:t>Third level</a:t>
-            </a:r>
-          </a:p>
-          <a:p>
-            <a:pPr lvl="3"/>
-            <a:r>
-              <a:rPr lang="en-US" smtClean="0"/>
-              <a:t>Fourth level</a:t>
-            </a:r>
-          </a:p>
-          <a:p>
-            <a:pPr lvl="4"/>
-            <a:r>
-              <a:rPr lang="en-US" smtClean="0"/>
-              <a:t>Fifth level</a:t>
-            </a:r>
-            <a:endParaRPr lang="en-US"/>
-          </a:p>
-        </p:txBody>
-      </p:sp>
-      <p:sp>
-        <p:nvSpPr>
-          <p:cNvPr id="4" name="Text Placeholder 3"/>
-          <p:cNvSpPr>
-            <a:spLocks noGrp="1"/>
-          </p:cNvSpPr>
-          <p:nvPr>
-            <p:ph type="body" sz="half" idx="2"/>
-          </p:nvPr>
-        </p:nvSpPr>
-        <p:spPr>
-          <a:xfrm>
-            <a:off x="839788" y="2057400"/>
-            <a:ext cx="3932237" cy="3811588"/>
-          </a:xfrm>
-        </p:spPr>
-        <p:txBody>
-          <a:bodyPr/>
-          <a:lstStyle>
-            <a:lvl1pPr marL="0" indent="0">
-              <a:buNone/>
-              <a:defRPr sz="1200"/>
-            </a:lvl1pPr>
-            <a:lvl2pPr marL="342900" indent="0">
-              <a:buNone/>
-              <a:defRPr sz="1050"/>
-            </a:lvl2pPr>
-            <a:lvl3pPr marL="685800" indent="0">
-              <a:buNone/>
-              <a:defRPr sz="900"/>
-            </a:lvl3pPr>
-            <a:lvl4pPr marL="1028700" indent="0">
-              <a:buNone/>
-              <a:defRPr sz="750"/>
-            </a:lvl4pPr>
-            <a:lvl5pPr marL="1371600" indent="0">
-              <a:buNone/>
-              <a:defRPr sz="750"/>
-            </a:lvl5pPr>
-            <a:lvl6pPr marL="1714500" indent="0">
-              <a:buNone/>
-              <a:defRPr sz="750"/>
-            </a:lvl6pPr>
-            <a:lvl7pPr marL="2057400" indent="0">
-              <a:buNone/>
-              <a:defRPr sz="750"/>
-            </a:lvl7pPr>
-            <a:lvl8pPr marL="2400300" indent="0">
-              <a:buNone/>
-              <a:defRPr sz="750"/>
-            </a:lvl8pPr>
-            <a:lvl9pPr marL="2743200" indent="0">
-              <a:buNone/>
-              <a:defRPr sz="750"/>
-            </a:lvl9pPr>
-          </a:lstStyle>
-          <a:p>
-            <a:pPr lvl="0"/>
-            <a:r>
-              <a:rPr lang="en-US" smtClean="0"/>
-              <a:t>Click to edit Master text styles</a:t>
-            </a:r>
-          </a:p>
-        </p:txBody>
-      </p:sp>
-      <p:sp>
-        <p:nvSpPr>
-          <p:cNvPr id="5" name="Date Placeholder 4"/>
-          <p:cNvSpPr>
-            <a:spLocks noGrp="1"/>
-          </p:cNvSpPr>
-          <p:nvPr>
-            <p:ph type="dt" sz="half" idx="10"/>
-          </p:nvPr>
-        </p:nvSpPr>
-        <p:spPr/>
-        <p:txBody>
-          <a:bodyPr/>
-          <a:lstStyle/>
-          <a:p>
-            <a:fld id="{7AB64861-AB0E-4967-A169-DC4D9974776C}" type="datetimeFigureOut">
-              <a:rPr lang="en-US" smtClean="0"/>
-              <a:t>3/1/2018</a:t>
-            </a:fld>
-            <a:endParaRPr lang="en-US"/>
-          </a:p>
-        </p:txBody>
-      </p:sp>
-      <p:sp>
-        <p:nvSpPr>
-          <p:cNvPr id="6" name="Footer Placeholder 5"/>
-          <p:cNvSpPr>
-            <a:spLocks noGrp="1"/>
-          </p:cNvSpPr>
-          <p:nvPr>
-            <p:ph type="ftr" sz="quarter" idx="11"/>
-          </p:nvPr>
-        </p:nvSpPr>
-        <p:spPr/>
-        <p:txBody>
-          <a:bodyPr/>
-          <a:lstStyle/>
-          <a:p>
-            <a:endParaRPr lang="en-US"/>
-          </a:p>
-        </p:txBody>
-      </p:sp>
-      <p:sp>
-        <p:nvSpPr>
-          <p:cNvPr id="7" name="Slide Number Placeholder 6"/>
-          <p:cNvSpPr>
-            <a:spLocks noGrp="1"/>
-          </p:cNvSpPr>
-          <p:nvPr>
-            <p:ph type="sldNum" sz="quarter" idx="12"/>
-          </p:nvPr>
-        </p:nvSpPr>
-        <p:spPr/>
-        <p:txBody>
-          <a:bodyPr/>
-          <a:lstStyle/>
-          <a:p>
-            <a:fld id="{23036171-CD4D-43BD-9BBF-2CCD34572CE4}" type="slidenum">
-              <a:rPr lang="en-US" smtClean="0"/>
-              <a:t>‹#›</a:t>
-            </a:fld>
-            <a:endParaRPr lang="en-US"/>
-          </a:p>
-        </p:txBody>
-      </p:sp>
-    </p:spTree>
-    <p:extLst>
-      <p:ext uri="{BB962C8B-B14F-4D97-AF65-F5344CB8AC3E}">
-        <p14:creationId xmlns:p14="http://schemas.microsoft.com/office/powerpoint/2010/main" val="1217096272"/>
-      </p:ext>
-    </p:extLst>
-  </p:cSld>
-  <p:clrMapOvr>
-    <a:masterClrMapping/>
-  </p:clrMapOvr>
-</p:sldLayout>
-</file>
-
-<file path=ppt/slideLayouts/slideLayout9.xml><?xml version="1.0" encoding="utf-8"?>
-<p:sldLayout xmlns:a="http://schemas.openxmlformats.org/drawingml/2006/main" xmlns:r="http://schemas.openxmlformats.org/officeDocument/2006/relationships" xmlns:p="http://schemas.openxmlformats.org/presentationml/2006/main" type="picTx" preserve="1">
-  <p:cSld name="Picture with Caption">
-    <p:spTree>
-      <p:nvGrpSpPr>
-        <p:cNvPr id="1" name=""/>
-        <p:cNvGrpSpPr/>
-        <p:nvPr/>
-      </p:nvGrpSpPr>
-      <p:grpSpPr>
-        <a:xfrm>
-          <a:off x="0" y="0"/>
-          <a:ext cx="0" cy="0"/>
-          <a:chOff x="0" y="0"/>
-          <a:chExt cx="0" cy="0"/>
-        </a:xfrm>
-      </p:grpSpPr>
-      <p:sp>
-        <p:nvSpPr>
-          <p:cNvPr id="2" name="Title 1"/>
-          <p:cNvSpPr>
-            <a:spLocks noGrp="1"/>
-          </p:cNvSpPr>
-          <p:nvPr>
-            <p:ph type="title"/>
-          </p:nvPr>
-        </p:nvSpPr>
-        <p:spPr>
-          <a:xfrm>
-            <a:off x="839788" y="457200"/>
-            <a:ext cx="3932237" cy="1600200"/>
-          </a:xfrm>
-        </p:spPr>
-        <p:txBody>
-          <a:bodyPr anchor="b"/>
-          <a:lstStyle>
-            <a:lvl1pPr>
-              <a:defRPr sz="2400"/>
-            </a:lvl1pPr>
-          </a:lstStyle>
-          <a:p>
-            <a:r>
-              <a:rPr lang="en-US" smtClean="0"/>
-              <a:t>Click to edit Master title style</a:t>
-            </a:r>
-            <a:endParaRPr lang="en-US"/>
-          </a:p>
-        </p:txBody>
-      </p:sp>
-      <p:sp>
-        <p:nvSpPr>
-          <p:cNvPr id="3" name="Picture Placeholder 2"/>
-          <p:cNvSpPr>
-            <a:spLocks noGrp="1"/>
-          </p:cNvSpPr>
-          <p:nvPr>
-            <p:ph type="pic" idx="1"/>
-          </p:nvPr>
-        </p:nvSpPr>
-        <p:spPr>
-          <a:xfrm>
-            <a:off x="5183188" y="987427"/>
-            <a:ext cx="6172200" cy="4873625"/>
-          </a:xfrm>
-        </p:spPr>
-        <p:txBody>
-          <a:bodyPr/>
-          <a:lstStyle>
-            <a:lvl1pPr marL="0" indent="0">
-              <a:buNone/>
-              <a:defRPr sz="2400"/>
-            </a:lvl1pPr>
-            <a:lvl2pPr marL="342900" indent="0">
-              <a:buNone/>
-              <a:defRPr sz="2100"/>
-            </a:lvl2pPr>
-            <a:lvl3pPr marL="685800" indent="0">
-              <a:buNone/>
-              <a:defRPr sz="1800"/>
-            </a:lvl3pPr>
-            <a:lvl4pPr marL="1028700" indent="0">
-              <a:buNone/>
-              <a:defRPr sz="1500"/>
-            </a:lvl4pPr>
-            <a:lvl5pPr marL="1371600" indent="0">
-              <a:buNone/>
-              <a:defRPr sz="1500"/>
-            </a:lvl5pPr>
-            <a:lvl6pPr marL="1714500" indent="0">
-              <a:buNone/>
-              <a:defRPr sz="1500"/>
-            </a:lvl6pPr>
-            <a:lvl7pPr marL="2057400" indent="0">
-              <a:buNone/>
-              <a:defRPr sz="1500"/>
-            </a:lvl7pPr>
-            <a:lvl8pPr marL="2400300" indent="0">
-              <a:buNone/>
-              <a:defRPr sz="1500"/>
-            </a:lvl8pPr>
-            <a:lvl9pPr marL="2743200" indent="0">
-              <a:buNone/>
-              <a:defRPr sz="1500"/>
-            </a:lvl9pPr>
-          </a:lstStyle>
-          <a:p>
-            <a:r>
-              <a:rPr lang="en-US" smtClean="0"/>
-              <a:t>Click icon to add picture</a:t>
-            </a:r>
-            <a:endParaRPr lang="en-US"/>
-          </a:p>
-        </p:txBody>
-      </p:sp>
-      <p:sp>
-        <p:nvSpPr>
-          <p:cNvPr id="4" name="Text Placeholder 3"/>
-          <p:cNvSpPr>
-            <a:spLocks noGrp="1"/>
-          </p:cNvSpPr>
-          <p:nvPr>
-            <p:ph type="body" sz="half" idx="2"/>
-          </p:nvPr>
-        </p:nvSpPr>
-        <p:spPr>
-          <a:xfrm>
-            <a:off x="839788" y="2057400"/>
-            <a:ext cx="3932237" cy="3811588"/>
-          </a:xfrm>
-        </p:spPr>
-        <p:txBody>
-          <a:bodyPr/>
-          <a:lstStyle>
-            <a:lvl1pPr marL="0" indent="0">
-              <a:buNone/>
-              <a:defRPr sz="1200"/>
-            </a:lvl1pPr>
-            <a:lvl2pPr marL="342900" indent="0">
-              <a:buNone/>
-              <a:defRPr sz="1050"/>
-            </a:lvl2pPr>
-            <a:lvl3pPr marL="685800" indent="0">
-              <a:buNone/>
-              <a:defRPr sz="900"/>
-            </a:lvl3pPr>
-            <a:lvl4pPr marL="1028700" indent="0">
-              <a:buNone/>
-              <a:defRPr sz="750"/>
-            </a:lvl4pPr>
-            <a:lvl5pPr marL="1371600" indent="0">
-              <a:buNone/>
-              <a:defRPr sz="750"/>
-            </a:lvl5pPr>
-            <a:lvl6pPr marL="1714500" indent="0">
-              <a:buNone/>
-              <a:defRPr sz="750"/>
-            </a:lvl6pPr>
-            <a:lvl7pPr marL="2057400" indent="0">
-              <a:buNone/>
-              <a:defRPr sz="750"/>
-            </a:lvl7pPr>
-            <a:lvl8pPr marL="2400300" indent="0">
-              <a:buNone/>
-              <a:defRPr sz="750"/>
-            </a:lvl8pPr>
-            <a:lvl9pPr marL="2743200" indent="0">
-              <a:buNone/>
-              <a:defRPr sz="750"/>
-            </a:lvl9pPr>
-          </a:lstStyle>
-          <a:p>
-            <a:pPr lvl="0"/>
-            <a:r>
-              <a:rPr lang="en-US" smtClean="0"/>
-              <a:t>Click to edit Master text styles</a:t>
-            </a:r>
-          </a:p>
-        </p:txBody>
-      </p:sp>
-      <p:sp>
-        <p:nvSpPr>
-          <p:cNvPr id="5" name="Date Placeholder 4"/>
-          <p:cNvSpPr>
-            <a:spLocks noGrp="1"/>
-          </p:cNvSpPr>
-          <p:nvPr>
-            <p:ph type="dt" sz="half" idx="10"/>
-          </p:nvPr>
-        </p:nvSpPr>
-        <p:spPr/>
-        <p:txBody>
-          <a:bodyPr/>
-          <a:lstStyle/>
-          <a:p>
-            <a:fld id="{7AB64861-AB0E-4967-A169-DC4D9974776C}" type="datetimeFigureOut">
-              <a:rPr lang="en-US" smtClean="0"/>
-              <a:t>3/1/2018</a:t>
-            </a:fld>
-            <a:endParaRPr lang="en-US"/>
-          </a:p>
-        </p:txBody>
-      </p:sp>
-      <p:sp>
-        <p:nvSpPr>
-          <p:cNvPr id="6" name="Footer Placeholder 5"/>
-          <p:cNvSpPr>
-            <a:spLocks noGrp="1"/>
-          </p:cNvSpPr>
-          <p:nvPr>
-            <p:ph type="ftr" sz="quarter" idx="11"/>
-          </p:nvPr>
-        </p:nvSpPr>
-        <p:spPr/>
-        <p:txBody>
-          <a:bodyPr/>
-          <a:lstStyle/>
-          <a:p>
-            <a:endParaRPr lang="en-US"/>
-          </a:p>
-        </p:txBody>
-      </p:sp>
-      <p:sp>
-        <p:nvSpPr>
-          <p:cNvPr id="7" name="Slide Number Placeholder 6"/>
-          <p:cNvSpPr>
-            <a:spLocks noGrp="1"/>
-          </p:cNvSpPr>
-          <p:nvPr>
-            <p:ph type="sldNum" sz="quarter" idx="12"/>
-          </p:nvPr>
-        </p:nvSpPr>
-        <p:spPr/>
-        <p:txBody>
-          <a:bodyPr/>
-          <a:lstStyle/>
-          <a:p>
-            <a:fld id="{23036171-CD4D-43BD-9BBF-2CCD34572CE4}" type="slidenum">
-              <a:rPr lang="en-US" smtClean="0"/>
-              <a:t>‹#›</a:t>
-            </a:fld>
-            <a:endParaRPr lang="en-US"/>
-          </a:p>
-        </p:txBody>
-      </p:sp>
-    </p:spTree>
-    <p:extLst>
-      <p:ext uri="{BB962C8B-B14F-4D97-AF65-F5344CB8AC3E}">
-        <p14:creationId xmlns:p14="http://schemas.microsoft.com/office/powerpoint/2010/main" val="3823026670"/>
+        <p14:creationId xmlns:p14="http://schemas.microsoft.com/office/powerpoint/2010/main" val="1483247671"/>
       </p:ext>
     </p:extLst>
   </p:cSld>
@@ -2905,24 +1246,24 @@
         </p:nvSpPr>
         <p:spPr>
           <a:xfrm>
-            <a:off x="838200" y="365127"/>
-            <a:ext cx="10515600" cy="1325563"/>
+            <a:off x="701425" y="0"/>
+            <a:ext cx="7985375" cy="1417638"/>
           </a:xfrm>
           <a:prstGeom prst="rect">
             <a:avLst/>
           </a:prstGeom>
         </p:spPr>
         <p:txBody>
-          <a:bodyPr vert="horz" lIns="91440" tIns="45720" rIns="91440" bIns="45720" rtlCol="0" anchor="ctr">
+          <a:bodyPr vert="horz" lIns="91440" tIns="45720" rIns="91440" bIns="45720" rtlCol="0" anchor="b">
             <a:normAutofit/>
           </a:bodyPr>
           <a:lstStyle/>
           <a:p>
             <a:r>
-              <a:rPr lang="en-US" smtClean="0"/>
-              <a:t>Click to edit Master title style</a:t>
-            </a:r>
-            <a:endParaRPr lang="en-US"/>
+              <a:rPr lang="en-US" dirty="0" smtClean="0"/>
+              <a:t>CLICK TO EDIT MASTER TITLE</a:t>
+            </a:r>
+            <a:endParaRPr lang="en-US" dirty="0"/>
           </a:p>
         </p:txBody>
       </p:sp>
@@ -2938,8 +1279,8 @@
         </p:nvSpPr>
         <p:spPr>
           <a:xfrm>
-            <a:off x="838200" y="1825625"/>
-            <a:ext cx="10515600" cy="4351338"/>
+            <a:off x="711194" y="1600200"/>
+            <a:ext cx="7975606" cy="4525963"/>
           </a:xfrm>
           <a:prstGeom prst="rect">
             <a:avLst/>
@@ -2953,116 +1294,38 @@
           <a:p>
             <a:pPr lvl="0"/>
             <a:r>
-              <a:rPr lang="en-US" smtClean="0"/>
-              <a:t>Click to edit Master text styles</a:t>
+              <a:rPr lang="en-US" dirty="0" smtClean="0"/>
+              <a:t>Click to edit text</a:t>
             </a:r>
           </a:p>
           <a:p>
             <a:pPr lvl="1"/>
             <a:r>
-              <a:rPr lang="en-US" smtClean="0"/>
+              <a:rPr lang="en-US" dirty="0" smtClean="0"/>
+              <a:t>First level</a:t>
+            </a:r>
+          </a:p>
+          <a:p>
+            <a:pPr lvl="2"/>
+            <a:r>
+              <a:rPr lang="en-US" dirty="0" smtClean="0"/>
               <a:t>Second level</a:t>
             </a:r>
           </a:p>
           <a:p>
-            <a:pPr lvl="2"/>
-            <a:r>
-              <a:rPr lang="en-US" smtClean="0"/>
+            <a:pPr lvl="3"/>
+            <a:r>
+              <a:rPr lang="en-US" dirty="0" smtClean="0"/>
               <a:t>Third level</a:t>
             </a:r>
           </a:p>
           <a:p>
-            <a:pPr lvl="3"/>
-            <a:r>
-              <a:rPr lang="en-US" smtClean="0"/>
+            <a:pPr lvl="4"/>
+            <a:r>
+              <a:rPr lang="en-US" dirty="0" smtClean="0"/>
               <a:t>Fourth level</a:t>
             </a:r>
-          </a:p>
-          <a:p>
-            <a:pPr lvl="4"/>
-            <a:r>
-              <a:rPr lang="en-US" smtClean="0"/>
-              <a:t>Fifth level</a:t>
-            </a:r>
-            <a:endParaRPr lang="en-US"/>
-          </a:p>
-        </p:txBody>
-      </p:sp>
-      <p:sp>
-        <p:nvSpPr>
-          <p:cNvPr id="4" name="Date Placeholder 3"/>
-          <p:cNvSpPr>
-            <a:spLocks noGrp="1"/>
-          </p:cNvSpPr>
-          <p:nvPr>
-            <p:ph type="dt" sz="half" idx="2"/>
-          </p:nvPr>
-        </p:nvSpPr>
-        <p:spPr>
-          <a:xfrm>
-            <a:off x="838200" y="6356352"/>
-            <a:ext cx="2743200" cy="365125"/>
-          </a:xfrm>
-          <a:prstGeom prst="rect">
-            <a:avLst/>
-          </a:prstGeom>
-        </p:spPr>
-        <p:txBody>
-          <a:bodyPr vert="horz" lIns="91440" tIns="45720" rIns="91440" bIns="45720" rtlCol="0" anchor="ctr"/>
-          <a:lstStyle>
-            <a:lvl1pPr algn="l">
-              <a:defRPr sz="900">
-                <a:solidFill>
-                  <a:schemeClr val="tx1">
-                    <a:tint val="75000"/>
-                  </a:schemeClr>
-                </a:solidFill>
-              </a:defRPr>
-            </a:lvl1pPr>
-          </a:lstStyle>
-          <a:p>
-            <a:fld id="{7AB64861-AB0E-4967-A169-DC4D9974776C}" type="datetimeFigureOut">
-              <a:rPr lang="en-US" smtClean="0"/>
-              <a:t>3/1/2018</a:t>
-            </a:fld>
-            <a:endParaRPr lang="en-US"/>
-          </a:p>
-        </p:txBody>
-      </p:sp>
-      <p:sp>
-        <p:nvSpPr>
-          <p:cNvPr id="5" name="Footer Placeholder 4"/>
-          <p:cNvSpPr>
-            <a:spLocks noGrp="1"/>
-          </p:cNvSpPr>
-          <p:nvPr>
-            <p:ph type="ftr" sz="quarter" idx="3"/>
-          </p:nvPr>
-        </p:nvSpPr>
-        <p:spPr>
-          <a:xfrm>
-            <a:off x="4038600" y="6356352"/>
-            <a:ext cx="4114800" cy="365125"/>
-          </a:xfrm>
-          <a:prstGeom prst="rect">
-            <a:avLst/>
-          </a:prstGeom>
-        </p:spPr>
-        <p:txBody>
-          <a:bodyPr vert="horz" lIns="91440" tIns="45720" rIns="91440" bIns="45720" rtlCol="0" anchor="ctr"/>
-          <a:lstStyle>
-            <a:lvl1pPr algn="ctr">
-              <a:defRPr sz="900">
-                <a:solidFill>
-                  <a:schemeClr val="tx1">
-                    <a:tint val="75000"/>
-                  </a:schemeClr>
-                </a:solidFill>
-              </a:defRPr>
-            </a:lvl1pPr>
-          </a:lstStyle>
-          <a:p>
-            <a:endParaRPr lang="en-US"/>
+            <a:endParaRPr lang="en-US" dirty="0"/>
           </a:p>
         </p:txBody>
       </p:sp>
@@ -3078,8 +1341,8 @@
         </p:nvSpPr>
         <p:spPr>
           <a:xfrm>
-            <a:off x="8610600" y="6356352"/>
-            <a:ext cx="2743200" cy="365125"/>
+            <a:off x="6553200" y="6356350"/>
+            <a:ext cx="2133600" cy="365125"/>
           </a:xfrm>
           <a:prstGeom prst="rect">
             <a:avLst/>
@@ -3089,7 +1352,7 @@
           <a:bodyPr vert="horz" lIns="91440" tIns="45720" rIns="91440" bIns="45720" rtlCol="0" anchor="ctr"/>
           <a:lstStyle>
             <a:lvl1pPr algn="r">
-              <a:defRPr sz="900">
+              <a:defRPr sz="1200">
                 <a:solidFill>
                   <a:schemeClr val="tx1">
                     <a:tint val="75000"/>
@@ -3099,7 +1362,7 @@
             </a:lvl1pPr>
           </a:lstStyle>
           <a:p>
-            <a:fld id="{23036171-CD4D-43BD-9BBF-2CCD34572CE4}" type="slidenum">
+            <a:fld id="{6458E574-3466-AB4B-829E-8E1A936BDA3E}" type="slidenum">
               <a:rPr lang="en-US" smtClean="0"/>
               <a:t>‹#›</a:t>
             </a:fld>
@@ -3109,14 +1372,14 @@
       </p:sp>
       <p:sp>
         <p:nvSpPr>
-          <p:cNvPr id="7" name="Rectangle 6"/>
+          <p:cNvPr id="10" name="Rectangle 9"/>
           <p:cNvSpPr/>
-          <p:nvPr/>
+          <p:nvPr userDrawn="1"/>
         </p:nvSpPr>
         <p:spPr>
           <a:xfrm>
-            <a:off x="1" y="-1"/>
-            <a:ext cx="421569" cy="6858001"/>
+            <a:off x="0" y="-1"/>
+            <a:ext cx="316177" cy="6858001"/>
           </a:xfrm>
           <a:prstGeom prst="rect">
             <a:avLst/>
@@ -3148,154 +1411,152 @@
           <a:lstStyle/>
           <a:p>
             <a:pPr algn="ctr"/>
-            <a:endParaRPr lang="en-US" sz="1800" dirty="0"/>
+            <a:endParaRPr lang="en-US" dirty="0"/>
           </a:p>
         </p:txBody>
       </p:sp>
     </p:spTree>
     <p:extLst>
       <p:ext uri="{BB962C8B-B14F-4D97-AF65-F5344CB8AC3E}">
-        <p14:creationId xmlns:p14="http://schemas.microsoft.com/office/powerpoint/2010/main" val="961457504"/>
+        <p14:creationId xmlns:p14="http://schemas.microsoft.com/office/powerpoint/2010/main" val="3693879917"/>
       </p:ext>
     </p:extLst>
   </p:cSld>
   <p:clrMap bg1="lt1" tx1="dk1" bg2="lt2" tx2="dk2" accent1="accent1" accent2="accent2" accent3="accent3" accent4="accent4" accent5="accent5" accent6="accent6" hlink="hlink" folHlink="folHlink"/>
   <p:sldLayoutIdLst>
-    <p:sldLayoutId id="2147483661" r:id="rId1"/>
-    <p:sldLayoutId id="2147483662" r:id="rId2"/>
-    <p:sldLayoutId id="2147483663" r:id="rId3"/>
-    <p:sldLayoutId id="2147483664" r:id="rId4"/>
-    <p:sldLayoutId id="2147483665" r:id="rId5"/>
-    <p:sldLayoutId id="2147483666" r:id="rId6"/>
-    <p:sldLayoutId id="2147483667" r:id="rId7"/>
-    <p:sldLayoutId id="2147483668" r:id="rId8"/>
-    <p:sldLayoutId id="2147483669" r:id="rId9"/>
-    <p:sldLayoutId id="2147483670" r:id="rId10"/>
-    <p:sldLayoutId id="2147483671" r:id="rId11"/>
-    <p:sldLayoutId id="2147483672" r:id="rId12"/>
-    <p:sldLayoutId id="2147483673" r:id="rId13"/>
+    <p:sldLayoutId id="2147483649" r:id="rId1"/>
+    <p:sldLayoutId id="2147483650" r:id="rId2"/>
+    <p:sldLayoutId id="2147483654" r:id="rId3"/>
+    <p:sldLayoutId id="2147483655" r:id="rId4"/>
   </p:sldLayoutIdLst>
   <p:txStyles>
     <p:titleStyle>
-      <a:lvl1pPr algn="l" defTabSz="685800" rtl="0" eaLnBrk="1" latinLnBrk="0" hangingPunct="1">
-        <a:lnSpc>
-          <a:spcPct val="90000"/>
-        </a:lnSpc>
+      <a:lvl1pPr algn="l" defTabSz="457200" rtl="0" eaLnBrk="1" latinLnBrk="0" hangingPunct="1">
         <a:spcBef>
           <a:spcPct val="0"/>
         </a:spcBef>
         <a:buNone/>
-        <a:defRPr sz="3300" kern="1200">
+        <a:defRPr sz="5000" b="0" i="0" kern="1200">
           <a:solidFill>
-            <a:schemeClr val="tx1"/>
+            <a:srgbClr val="128BAD"/>
           </a:solidFill>
-          <a:latin typeface="+mj-lt"/>
+          <a:latin typeface="Calibri Light"/>
           <a:ea typeface="+mj-ea"/>
-          <a:cs typeface="+mj-cs"/>
+          <a:cs typeface="Calibri Light"/>
         </a:defRPr>
       </a:lvl1pPr>
     </p:titleStyle>
     <p:bodyStyle>
-      <a:lvl1pPr marL="171450" indent="-171450" algn="l" defTabSz="685800" rtl="0" eaLnBrk="1" latinLnBrk="0" hangingPunct="1">
+      <a:lvl1pPr marL="0" indent="0" algn="l" defTabSz="457200" rtl="0" eaLnBrk="1" latinLnBrk="0" hangingPunct="1">
         <a:lnSpc>
-          <a:spcPct val="90000"/>
+          <a:spcPct val="80000"/>
         </a:lnSpc>
         <a:spcBef>
-          <a:spcPts val="750"/>
+          <a:spcPct val="20000"/>
         </a:spcBef>
-        <a:buFont typeface="Arial" panose="020B0604020202020204" pitchFamily="34" charset="0"/>
-        <a:buChar char="•"/>
-        <a:defRPr sz="2100" kern="1200">
+        <a:buSzPct val="100000"/>
+        <a:buFontTx/>
+        <a:buNone/>
+        <a:defRPr sz="2400" b="0" i="0" kern="1200" baseline="0">
           <a:solidFill>
             <a:schemeClr val="tx1"/>
           </a:solidFill>
-          <a:latin typeface="+mn-lt"/>
+          <a:latin typeface="Calibri Light"/>
           <a:ea typeface="+mn-ea"/>
-          <a:cs typeface="+mn-cs"/>
+          <a:cs typeface="Calibri Light"/>
         </a:defRPr>
       </a:lvl1pPr>
-      <a:lvl2pPr marL="514350" indent="-171450" algn="l" defTabSz="685800" rtl="0" eaLnBrk="1" latinLnBrk="0" hangingPunct="1">
+      <a:lvl2pPr marL="576263" indent="-234950" algn="l" defTabSz="457200" rtl="0" eaLnBrk="1" latinLnBrk="0" hangingPunct="1">
         <a:lnSpc>
-          <a:spcPct val="90000"/>
+          <a:spcPct val="80000"/>
         </a:lnSpc>
         <a:spcBef>
-          <a:spcPts val="375"/>
+          <a:spcPct val="20000"/>
         </a:spcBef>
-        <a:buFont typeface="Arial" panose="020B0604020202020204" pitchFamily="34" charset="0"/>
-        <a:buChar char="•"/>
-        <a:defRPr sz="1800" kern="1200">
+        <a:buSzPct val="100000"/>
+        <a:buFontTx/>
+        <a:buBlip>
+          <a:blip r:embed="rId6"/>
+        </a:buBlip>
+        <a:defRPr sz="2200" b="0" i="0" kern="1200">
           <a:solidFill>
             <a:schemeClr val="tx1"/>
           </a:solidFill>
-          <a:latin typeface="+mn-lt"/>
+          <a:latin typeface="Calibri Light"/>
           <a:ea typeface="+mn-ea"/>
-          <a:cs typeface="+mn-cs"/>
+          <a:cs typeface="Calibri Light"/>
         </a:defRPr>
       </a:lvl2pPr>
-      <a:lvl3pPr marL="857250" indent="-171450" algn="l" defTabSz="685800" rtl="0" eaLnBrk="1" latinLnBrk="0" hangingPunct="1">
+      <a:lvl3pPr marL="801688" indent="-225425" algn="l" defTabSz="457200" rtl="0" eaLnBrk="1" latinLnBrk="0" hangingPunct="1">
         <a:lnSpc>
-          <a:spcPct val="90000"/>
+          <a:spcPct val="80000"/>
         </a:lnSpc>
         <a:spcBef>
-          <a:spcPts val="375"/>
+          <a:spcPct val="20000"/>
         </a:spcBef>
-        <a:buFont typeface="Arial" panose="020B0604020202020204" pitchFamily="34" charset="0"/>
-        <a:buChar char="•"/>
-        <a:defRPr sz="1500" kern="1200">
+        <a:buSzPct val="100000"/>
+        <a:buFontTx/>
+        <a:buBlip>
+          <a:blip r:embed="rId6"/>
+        </a:buBlip>
+        <a:defRPr sz="2000" b="0" i="0" kern="1200">
           <a:solidFill>
             <a:schemeClr val="tx1"/>
           </a:solidFill>
-          <a:latin typeface="+mn-lt"/>
+          <a:latin typeface="Calibri Light"/>
           <a:ea typeface="+mn-ea"/>
-          <a:cs typeface="+mn-cs"/>
+          <a:cs typeface="Calibri Light"/>
         </a:defRPr>
       </a:lvl3pPr>
-      <a:lvl4pPr marL="1200150" indent="-171450" algn="l" defTabSz="685800" rtl="0" eaLnBrk="1" latinLnBrk="0" hangingPunct="1">
+      <a:lvl4pPr marL="966788" indent="-165100" algn="l" defTabSz="457200" rtl="0" eaLnBrk="1" latinLnBrk="0" hangingPunct="1">
         <a:lnSpc>
-          <a:spcPct val="90000"/>
+          <a:spcPct val="80000"/>
         </a:lnSpc>
         <a:spcBef>
-          <a:spcPts val="375"/>
+          <a:spcPct val="20000"/>
         </a:spcBef>
-        <a:buFont typeface="Arial" panose="020B0604020202020204" pitchFamily="34" charset="0"/>
-        <a:buChar char="•"/>
-        <a:defRPr sz="1350" kern="1200">
+        <a:buSzPct val="100000"/>
+        <a:buFontTx/>
+        <a:buBlip>
+          <a:blip r:embed="rId6"/>
+        </a:buBlip>
+        <a:defRPr sz="1800" b="0" i="0" kern="1200">
           <a:solidFill>
             <a:schemeClr val="tx1"/>
           </a:solidFill>
-          <a:latin typeface="+mn-lt"/>
+          <a:latin typeface="Calibri Light"/>
           <a:ea typeface="+mn-ea"/>
-          <a:cs typeface="+mn-cs"/>
+          <a:cs typeface="Calibri Light"/>
         </a:defRPr>
       </a:lvl4pPr>
-      <a:lvl5pPr marL="1543050" indent="-171450" algn="l" defTabSz="685800" rtl="0" eaLnBrk="1" latinLnBrk="0" hangingPunct="1">
+      <a:lvl5pPr marL="1201738" indent="-176213" algn="l" defTabSz="457200" rtl="0" eaLnBrk="1" latinLnBrk="0" hangingPunct="1">
         <a:lnSpc>
-          <a:spcPct val="90000"/>
+          <a:spcPct val="80000"/>
         </a:lnSpc>
         <a:spcBef>
-          <a:spcPts val="375"/>
+          <a:spcPct val="20000"/>
         </a:spcBef>
-        <a:buFont typeface="Arial" panose="020B0604020202020204" pitchFamily="34" charset="0"/>
-        <a:buChar char="•"/>
-        <a:defRPr sz="1350" kern="1200">
+        <a:buSzPct val="100000"/>
+        <a:buFontTx/>
+        <a:buBlip>
+          <a:blip r:embed="rId6"/>
+        </a:buBlip>
+        <a:defRPr sz="1600" b="0" i="0" kern="1200">
           <a:solidFill>
             <a:schemeClr val="tx1"/>
           </a:solidFill>
-          <a:latin typeface="+mn-lt"/>
+          <a:latin typeface="Calibri Light"/>
           <a:ea typeface="+mn-ea"/>
-          <a:cs typeface="+mn-cs"/>
+          <a:cs typeface="Calibri Light"/>
         </a:defRPr>
       </a:lvl5pPr>
-      <a:lvl6pPr marL="1885950" indent="-171450" algn="l" defTabSz="685800" rtl="0" eaLnBrk="1" latinLnBrk="0" hangingPunct="1">
-        <a:lnSpc>
-          <a:spcPct val="90000"/>
-        </a:lnSpc>
+      <a:lvl6pPr marL="2514600" indent="-228600" algn="l" defTabSz="457200" rtl="0" eaLnBrk="1" latinLnBrk="0" hangingPunct="1">
         <a:spcBef>
-          <a:spcPts val="375"/>
+          <a:spcPct val="20000"/>
         </a:spcBef>
-        <a:buFont typeface="Arial" panose="020B0604020202020204" pitchFamily="34" charset="0"/>
+        <a:buFont typeface="Arial"/>
         <a:buChar char="•"/>
-        <a:defRPr sz="1350" kern="1200">
+        <a:defRPr sz="2000" kern="1200">
           <a:solidFill>
             <a:schemeClr val="tx1"/>
           </a:solidFill>
@@ -3304,16 +1565,13 @@
           <a:cs typeface="+mn-cs"/>
         </a:defRPr>
       </a:lvl6pPr>
-      <a:lvl7pPr marL="2228850" indent="-171450" algn="l" defTabSz="685800" rtl="0" eaLnBrk="1" latinLnBrk="0" hangingPunct="1">
-        <a:lnSpc>
-          <a:spcPct val="90000"/>
-        </a:lnSpc>
+      <a:lvl7pPr marL="2971800" indent="-228600" algn="l" defTabSz="457200" rtl="0" eaLnBrk="1" latinLnBrk="0" hangingPunct="1">
         <a:spcBef>
-          <a:spcPts val="375"/>
+          <a:spcPct val="20000"/>
         </a:spcBef>
-        <a:buFont typeface="Arial" panose="020B0604020202020204" pitchFamily="34" charset="0"/>
+        <a:buFont typeface="Arial"/>
         <a:buChar char="•"/>
-        <a:defRPr sz="1350" kern="1200">
+        <a:defRPr sz="2000" kern="1200">
           <a:solidFill>
             <a:schemeClr val="tx1"/>
           </a:solidFill>
@@ -3322,16 +1580,13 @@
           <a:cs typeface="+mn-cs"/>
         </a:defRPr>
       </a:lvl7pPr>
-      <a:lvl8pPr marL="2571750" indent="-171450" algn="l" defTabSz="685800" rtl="0" eaLnBrk="1" latinLnBrk="0" hangingPunct="1">
-        <a:lnSpc>
-          <a:spcPct val="90000"/>
-        </a:lnSpc>
+      <a:lvl8pPr marL="3429000" indent="-228600" algn="l" defTabSz="457200" rtl="0" eaLnBrk="1" latinLnBrk="0" hangingPunct="1">
         <a:spcBef>
-          <a:spcPts val="375"/>
+          <a:spcPct val="20000"/>
         </a:spcBef>
-        <a:buFont typeface="Arial" panose="020B0604020202020204" pitchFamily="34" charset="0"/>
+        <a:buFont typeface="Arial"/>
         <a:buChar char="•"/>
-        <a:defRPr sz="1350" kern="1200">
+        <a:defRPr sz="2000" kern="1200">
           <a:solidFill>
             <a:schemeClr val="tx1"/>
           </a:solidFill>
@@ -3340,16 +1595,13 @@
           <a:cs typeface="+mn-cs"/>
         </a:defRPr>
       </a:lvl8pPr>
-      <a:lvl9pPr marL="2914650" indent="-171450" algn="l" defTabSz="685800" rtl="0" eaLnBrk="1" latinLnBrk="0" hangingPunct="1">
-        <a:lnSpc>
-          <a:spcPct val="90000"/>
-        </a:lnSpc>
+      <a:lvl9pPr marL="3886200" indent="-228600" algn="l" defTabSz="457200" rtl="0" eaLnBrk="1" latinLnBrk="0" hangingPunct="1">
         <a:spcBef>
-          <a:spcPts val="375"/>
+          <a:spcPct val="20000"/>
         </a:spcBef>
-        <a:buFont typeface="Arial" panose="020B0604020202020204" pitchFamily="34" charset="0"/>
+        <a:buFont typeface="Arial"/>
         <a:buChar char="•"/>
-        <a:defRPr sz="1350" kern="1200">
+        <a:defRPr sz="2000" kern="1200">
           <a:solidFill>
             <a:schemeClr val="tx1"/>
           </a:solidFill>
@@ -3363,8 +1615,8 @@
       <a:defPPr>
         <a:defRPr lang="en-US"/>
       </a:defPPr>
-      <a:lvl1pPr marL="0" algn="l" defTabSz="685800" rtl="0" eaLnBrk="1" latinLnBrk="0" hangingPunct="1">
-        <a:defRPr sz="1350" kern="1200">
+      <a:lvl1pPr marL="0" algn="l" defTabSz="457200" rtl="0" eaLnBrk="1" latinLnBrk="0" hangingPunct="1">
+        <a:defRPr sz="1800" kern="1200">
           <a:solidFill>
             <a:schemeClr val="tx1"/>
           </a:solidFill>
@@ -3373,8 +1625,8 @@
           <a:cs typeface="+mn-cs"/>
         </a:defRPr>
       </a:lvl1pPr>
-      <a:lvl2pPr marL="342900" algn="l" defTabSz="685800" rtl="0" eaLnBrk="1" latinLnBrk="0" hangingPunct="1">
-        <a:defRPr sz="1350" kern="1200">
+      <a:lvl2pPr marL="457200" algn="l" defTabSz="457200" rtl="0" eaLnBrk="1" latinLnBrk="0" hangingPunct="1">
+        <a:defRPr sz="1800" kern="1200">
           <a:solidFill>
             <a:schemeClr val="tx1"/>
           </a:solidFill>
@@ -3383,8 +1635,8 @@
           <a:cs typeface="+mn-cs"/>
         </a:defRPr>
       </a:lvl2pPr>
-      <a:lvl3pPr marL="685800" algn="l" defTabSz="685800" rtl="0" eaLnBrk="1" latinLnBrk="0" hangingPunct="1">
-        <a:defRPr sz="1350" kern="1200">
+      <a:lvl3pPr marL="914400" algn="l" defTabSz="457200" rtl="0" eaLnBrk="1" latinLnBrk="0" hangingPunct="1">
+        <a:defRPr sz="1800" kern="1200">
           <a:solidFill>
             <a:schemeClr val="tx1"/>
           </a:solidFill>
@@ -3393,8 +1645,8 @@
           <a:cs typeface="+mn-cs"/>
         </a:defRPr>
       </a:lvl3pPr>
-      <a:lvl4pPr marL="1028700" algn="l" defTabSz="685800" rtl="0" eaLnBrk="1" latinLnBrk="0" hangingPunct="1">
-        <a:defRPr sz="1350" kern="1200">
+      <a:lvl4pPr marL="1371600" algn="l" defTabSz="457200" rtl="0" eaLnBrk="1" latinLnBrk="0" hangingPunct="1">
+        <a:defRPr sz="1800" kern="1200">
           <a:solidFill>
             <a:schemeClr val="tx1"/>
           </a:solidFill>
@@ -3403,8 +1655,8 @@
           <a:cs typeface="+mn-cs"/>
         </a:defRPr>
       </a:lvl4pPr>
-      <a:lvl5pPr marL="1371600" algn="l" defTabSz="685800" rtl="0" eaLnBrk="1" latinLnBrk="0" hangingPunct="1">
-        <a:defRPr sz="1350" kern="1200">
+      <a:lvl5pPr marL="1828800" algn="l" defTabSz="457200" rtl="0" eaLnBrk="1" latinLnBrk="0" hangingPunct="1">
+        <a:defRPr sz="1800" kern="1200">
           <a:solidFill>
             <a:schemeClr val="tx1"/>
           </a:solidFill>
@@ -3413,8 +1665,8 @@
           <a:cs typeface="+mn-cs"/>
         </a:defRPr>
       </a:lvl5pPr>
-      <a:lvl6pPr marL="1714500" algn="l" defTabSz="685800" rtl="0" eaLnBrk="1" latinLnBrk="0" hangingPunct="1">
-        <a:defRPr sz="1350" kern="1200">
+      <a:lvl6pPr marL="2286000" algn="l" defTabSz="457200" rtl="0" eaLnBrk="1" latinLnBrk="0" hangingPunct="1">
+        <a:defRPr sz="1800" kern="1200">
           <a:solidFill>
             <a:schemeClr val="tx1"/>
           </a:solidFill>
@@ -3423,8 +1675,8 @@
           <a:cs typeface="+mn-cs"/>
         </a:defRPr>
       </a:lvl6pPr>
-      <a:lvl7pPr marL="2057400" algn="l" defTabSz="685800" rtl="0" eaLnBrk="1" latinLnBrk="0" hangingPunct="1">
-        <a:defRPr sz="1350" kern="1200">
+      <a:lvl7pPr marL="2743200" algn="l" defTabSz="457200" rtl="0" eaLnBrk="1" latinLnBrk="0" hangingPunct="1">
+        <a:defRPr sz="1800" kern="1200">
           <a:solidFill>
             <a:schemeClr val="tx1"/>
           </a:solidFill>
@@ -3433,8 +1685,8 @@
           <a:cs typeface="+mn-cs"/>
         </a:defRPr>
       </a:lvl7pPr>
-      <a:lvl8pPr marL="2400300" algn="l" defTabSz="685800" rtl="0" eaLnBrk="1" latinLnBrk="0" hangingPunct="1">
-        <a:defRPr sz="1350" kern="1200">
+      <a:lvl8pPr marL="3200400" algn="l" defTabSz="457200" rtl="0" eaLnBrk="1" latinLnBrk="0" hangingPunct="1">
+        <a:defRPr sz="1800" kern="1200">
           <a:solidFill>
             <a:schemeClr val="tx1"/>
           </a:solidFill>
@@ -3443,8 +1695,8 @@
           <a:cs typeface="+mn-cs"/>
         </a:defRPr>
       </a:lvl8pPr>
-      <a:lvl9pPr marL="2743200" algn="l" defTabSz="685800" rtl="0" eaLnBrk="1" latinLnBrk="0" hangingPunct="1">
-        <a:defRPr sz="1350" kern="1200">
+      <a:lvl9pPr marL="3657600" algn="l" defTabSz="457200" rtl="0" eaLnBrk="1" latinLnBrk="0" hangingPunct="1">
+        <a:defRPr sz="1800" kern="1200">
           <a:solidFill>
             <a:schemeClr val="tx1"/>
           </a:solidFill>
@@ -3491,7 +1743,11 @@
           <a:lstStyle/>
           <a:p>
             <a:r>
-              <a:rPr lang="en-US" dirty="0" smtClean="0"/>
+              <a:rPr lang="en-US" dirty="0" smtClean="0">
+                <a:solidFill>
+                  <a:schemeClr val="tx1"/>
+                </a:solidFill>
+              </a:rPr>
               <a:t>Mark Atkinson</a:t>
             </a:r>
             <a:endParaRPr lang="en-US" dirty="0">
@@ -3499,34 +1755,6 @@
                 <a:schemeClr val="tx1"/>
               </a:solidFill>
             </a:endParaRPr>
-          </a:p>
-        </p:txBody>
-      </p:sp>
-      <p:sp>
-        <p:nvSpPr>
-          <p:cNvPr id="3" name="Title 2"/>
-          <p:cNvSpPr>
-            <a:spLocks noGrp="1"/>
-          </p:cNvSpPr>
-          <p:nvPr>
-            <p:ph type="ctrTitle"/>
-          </p:nvPr>
-        </p:nvSpPr>
-        <p:spPr/>
-        <p:txBody>
-          <a:bodyPr>
-            <a:normAutofit/>
-          </a:bodyPr>
-          <a:lstStyle/>
-          <a:p>
-            <a:r>
-              <a:rPr lang="en-US" sz="5400" dirty="0"/>
-              <a:t/>
-            </a:r>
-            <a:br>
-              <a:rPr lang="en-US" sz="5400" dirty="0"/>
-            </a:br>
-            <a:endParaRPr lang="en-US" dirty="0"/>
           </a:p>
         </p:txBody>
       </p:sp>
@@ -3553,7 +1781,7 @@
                   <a:schemeClr val="tx1"/>
                 </a:solidFill>
               </a:rPr>
-              <a:t>3/1/2018</a:t>
+              <a:t>3/1/18</a:t>
             </a:r>
             <a:endParaRPr lang="en-US" dirty="0">
               <a:solidFill>
@@ -3573,7 +1801,7 @@
         </p:nvSpPr>
         <p:spPr>
           <a:xfrm>
-            <a:off x="4175185" y="396815"/>
+            <a:off x="2928934" y="172903"/>
             <a:ext cx="6635690" cy="1689162"/>
           </a:xfrm>
           <a:prstGeom prst="rect">
@@ -3605,23 +1833,39 @@
           </a:lstStyle>
           <a:p>
             <a:r>
-              <a:rPr lang="en-US" smtClean="0"/>
+              <a:rPr lang="en-US" dirty="0" smtClean="0">
+                <a:solidFill>
+                  <a:srgbClr val="128BAD"/>
+                </a:solidFill>
+              </a:rPr>
               <a:t>Customer Experience </a:t>
             </a:r>
             <a:br>
-              <a:rPr lang="en-US" smtClean="0"/>
+              <a:rPr lang="en-US" dirty="0" smtClean="0">
+                <a:solidFill>
+                  <a:srgbClr val="128BAD"/>
+                </a:solidFill>
+              </a:rPr>
             </a:br>
             <a:r>
-              <a:rPr lang="en-US" smtClean="0"/>
+              <a:rPr lang="en-US" dirty="0" smtClean="0">
+                <a:solidFill>
+                  <a:srgbClr val="128BAD"/>
+                </a:solidFill>
+              </a:rPr>
               <a:t>Test Automation</a:t>
             </a:r>
-            <a:endParaRPr lang="en-US" dirty="0"/>
+            <a:endParaRPr lang="en-US" dirty="0">
+              <a:solidFill>
+                <a:srgbClr val="128BAD"/>
+              </a:solidFill>
+            </a:endParaRPr>
           </a:p>
         </p:txBody>
       </p:sp>
       <p:sp>
         <p:nvSpPr>
-          <p:cNvPr id="6" name="Subtitle 2"/>
+          <p:cNvPr id="7" name="Subtitle 2"/>
           <p:cNvSpPr txBox="1">
             <a:spLocks/>
           </p:cNvSpPr>
@@ -3629,8 +1873,8 @@
         </p:nvSpPr>
         <p:spPr>
           <a:xfrm>
-            <a:off x="4148368" y="1919937"/>
-            <a:ext cx="6635690" cy="3916897"/>
+            <a:off x="2928934" y="1843474"/>
+            <a:ext cx="5757866" cy="3916897"/>
           </a:xfrm>
           <a:prstGeom prst="rect">
             <a:avLst/>
@@ -3858,7 +2102,15 @@
             <a:pPr algn="ctr"/>
             <a:r>
               <a:rPr lang="en-US" sz="2800" dirty="0" smtClean="0"/>
-              <a:t>Independent Product Test, Content , Scaling</a:t>
+              <a:t>Independent Product Test</a:t>
+            </a:r>
+            <a:r>
+              <a:rPr lang="en-US" sz="2800" dirty="0" smtClean="0"/>
+              <a:t>, </a:t>
+            </a:r>
+            <a:r>
+              <a:rPr lang="en-US" sz="2800" dirty="0" smtClean="0"/>
+              <a:t>Scaling</a:t>
             </a:r>
           </a:p>
           <a:p>
@@ -3895,7 +2147,7 @@
     </p:spTree>
     <p:extLst>
       <p:ext uri="{BB962C8B-B14F-4D97-AF65-F5344CB8AC3E}">
-        <p14:creationId xmlns:p14="http://schemas.microsoft.com/office/powerpoint/2010/main" val="1459026903"/>
+        <p14:creationId xmlns:p14="http://schemas.microsoft.com/office/powerpoint/2010/main" val="127992310"/>
       </p:ext>
     </p:extLst>
   </p:cSld>
@@ -3931,7 +2183,7 @@
       </p:grpSpPr>
       <p:pic>
         <p:nvPicPr>
-          <p:cNvPr id="4" name="Content Placeholder 3"/>
+          <p:cNvPr id="2" name="Content Placeholder 3"/>
           <p:cNvPicPr>
             <a:picLocks noGrp="1" noChangeAspect="1"/>
           </p:cNvPicPr>
@@ -3961,20 +2213,13 @@
     </p:spTree>
     <p:extLst>
       <p:ext uri="{BB962C8B-B14F-4D97-AF65-F5344CB8AC3E}">
-        <p14:creationId xmlns:p14="http://schemas.microsoft.com/office/powerpoint/2010/main" val="2247264479"/>
+        <p14:creationId xmlns:p14="http://schemas.microsoft.com/office/powerpoint/2010/main" val="2918513742"/>
       </p:ext>
     </p:extLst>
   </p:cSld>
   <p:clrMapOvr>
     <a:masterClrMapping/>
   </p:clrMapOvr>
-  <p:timing>
-    <p:tnLst>
-      <p:par>
-        <p:cTn id="1" dur="indefinite" restart="never" nodeType="tmRoot"/>
-      </p:par>
-    </p:tnLst>
-  </p:timing>
 </p:sld>
 </file>
 
@@ -3997,7 +2242,7 @@
       </p:grpSpPr>
       <p:pic>
         <p:nvPicPr>
-          <p:cNvPr id="4" name="Content Placeholder 3"/>
+          <p:cNvPr id="2" name="Content Placeholder 3"/>
           <p:cNvPicPr>
             <a:picLocks noGrp="1" noChangeAspect="1"/>
           </p:cNvPicPr>
@@ -4027,20 +2272,13 @@
     </p:spTree>
     <p:extLst>
       <p:ext uri="{BB962C8B-B14F-4D97-AF65-F5344CB8AC3E}">
-        <p14:creationId xmlns:p14="http://schemas.microsoft.com/office/powerpoint/2010/main" val="1889790346"/>
+        <p14:creationId xmlns:p14="http://schemas.microsoft.com/office/powerpoint/2010/main" val="1594464359"/>
       </p:ext>
     </p:extLst>
   </p:cSld>
   <p:clrMapOvr>
     <a:masterClrMapping/>
   </p:clrMapOvr>
-  <p:timing>
-    <p:tnLst>
-      <p:par>
-        <p:cTn id="1" dur="indefinite" restart="never" nodeType="tmRoot"/>
-      </p:par>
-    </p:tnLst>
-  </p:timing>
 </p:sld>
 </file>
 
@@ -4063,7 +2301,7 @@
       </p:grpSpPr>
       <p:pic>
         <p:nvPicPr>
-          <p:cNvPr id="4" name="Content Placeholder 3"/>
+          <p:cNvPr id="2" name="Content Placeholder 3"/>
           <p:cNvPicPr>
             <a:picLocks noGrp="1" noChangeAspect="1"/>
           </p:cNvPicPr>
@@ -4093,20 +2331,13 @@
     </p:spTree>
     <p:extLst>
       <p:ext uri="{BB962C8B-B14F-4D97-AF65-F5344CB8AC3E}">
-        <p14:creationId xmlns:p14="http://schemas.microsoft.com/office/powerpoint/2010/main" val="668275906"/>
+        <p14:creationId xmlns:p14="http://schemas.microsoft.com/office/powerpoint/2010/main" val="565939006"/>
       </p:ext>
     </p:extLst>
   </p:cSld>
   <p:clrMapOvr>
     <a:masterClrMapping/>
   </p:clrMapOvr>
-  <p:timing>
-    <p:tnLst>
-      <p:par>
-        <p:cTn id="1" dur="indefinite" restart="never" nodeType="tmRoot"/>
-      </p:par>
-    </p:tnLst>
-  </p:timing>
 </p:sld>
 </file>
 
@@ -4169,7 +2400,7 @@
         <p:spPr>
           <a:xfrm>
             <a:off x="423416" y="1825625"/>
-            <a:ext cx="10515600" cy="4351338"/>
+            <a:ext cx="7878920" cy="4351338"/>
           </a:xfrm>
         </p:spPr>
         <p:txBody>
@@ -4189,20 +2420,13 @@
     </p:spTree>
     <p:extLst>
       <p:ext uri="{BB962C8B-B14F-4D97-AF65-F5344CB8AC3E}">
-        <p14:creationId xmlns:p14="http://schemas.microsoft.com/office/powerpoint/2010/main" val="1740675661"/>
+        <p14:creationId xmlns:p14="http://schemas.microsoft.com/office/powerpoint/2010/main" val="4061669032"/>
       </p:ext>
     </p:extLst>
   </p:cSld>
   <p:clrMapOvr>
     <a:masterClrMapping/>
   </p:clrMapOvr>
-  <p:timing>
-    <p:tnLst>
-      <p:par>
-        <p:cTn id="1" dur="indefinite" restart="never" nodeType="tmRoot"/>
-      </p:par>
-    </p:tnLst>
-  </p:timing>
 </p:sld>
 </file>
 
@@ -4225,7 +2449,7 @@
       </p:grpSpPr>
       <p:sp>
         <p:nvSpPr>
-          <p:cNvPr id="2" name="Title 1"/>
+          <p:cNvPr id="6" name="Title 1"/>
           <p:cNvSpPr>
             <a:spLocks noGrp="1"/>
           </p:cNvSpPr>
@@ -4236,11 +2460,13 @@
         <p:spPr>
           <a:xfrm>
             <a:off x="0" y="114299"/>
-            <a:ext cx="9920177" cy="1333501"/>
+            <a:ext cx="8769927" cy="1333501"/>
           </a:xfrm>
         </p:spPr>
         <p:txBody>
-          <a:bodyPr anchor="t"/>
+          <a:bodyPr anchor="t">
+            <a:normAutofit fontScale="90000"/>
+          </a:bodyPr>
           <a:lstStyle/>
           <a:p>
             <a:pPr algn="ctr"/>
@@ -4264,7 +2490,7 @@
       </p:sp>
       <p:sp>
         <p:nvSpPr>
-          <p:cNvPr id="3" name="Content Placeholder 2"/>
+          <p:cNvPr id="7" name="Content Placeholder 2"/>
           <p:cNvSpPr>
             <a:spLocks noGrp="1"/>
           </p:cNvSpPr>
@@ -4274,8 +2500,8 @@
         </p:nvSpPr>
         <p:spPr>
           <a:xfrm>
-            <a:off x="434729" y="1730866"/>
-            <a:ext cx="11677879" cy="3997841"/>
+            <a:off x="298174" y="1730866"/>
+            <a:ext cx="8845826" cy="3997841"/>
           </a:xfrm>
         </p:spPr>
         <p:txBody>
@@ -4293,12 +2519,12 @@
               </a:spcAft>
             </a:pPr>
             <a:r>
-              <a:rPr lang="en-US" dirty="0" smtClean="0">
+              <a:rPr lang="en-US" sz="2000" dirty="0" smtClean="0">
                 <a:effectLst/>
               </a:rPr>
               <a:t>The Test Automation frame work leverages available open source technology</a:t>
             </a:r>
-            <a:endParaRPr lang="en-US" dirty="0"/>
+            <a:endParaRPr lang="en-US" sz="2000" dirty="0"/>
           </a:p>
           <a:p>
             <a:pPr>
@@ -4310,10 +2536,26 @@
               </a:spcAft>
             </a:pPr>
             <a:r>
-              <a:rPr lang="en-US" dirty="0" smtClean="0">
+              <a:rPr lang="en-US" sz="2000" dirty="0" smtClean="0">
                 <a:effectLst/>
               </a:rPr>
-              <a:t>CXTA validates the operational correctness of CX Web Applications…</a:t>
+              <a:t>CXTA validates </a:t>
+            </a:r>
+            <a:r>
+              <a:rPr lang="en-US" sz="2000" dirty="0" smtClean="0"/>
+              <a:t>product quality, usability and performance </a:t>
+            </a:r>
+            <a:r>
+              <a:rPr lang="en-US" sz="2000" dirty="0" smtClean="0">
+                <a:effectLst/>
+              </a:rPr>
+              <a:t>of </a:t>
+            </a:r>
+            <a:r>
+              <a:rPr lang="en-US" sz="2000" dirty="0" smtClean="0">
+                <a:effectLst/>
+              </a:rPr>
+              <a:t>CX Web Applications…</a:t>
             </a:r>
           </a:p>
           <a:p>
@@ -4326,15 +2568,18 @@
               </a:spcAft>
             </a:pPr>
             <a:r>
-              <a:rPr lang="en-US" dirty="0" smtClean="0"/>
+              <a:rPr lang="en-US" sz="2000" dirty="0" smtClean="0"/>
               <a:t>CXTA validates </a:t>
             </a:r>
             <a:r>
-              <a:rPr lang="en-US" dirty="0" smtClean="0">
+              <a:rPr lang="en-US" sz="2000" dirty="0" smtClean="0">
                 <a:effectLst/>
               </a:rPr>
-              <a:t>supporting technologies ( micro service API )…</a:t>
-            </a:r>
+              <a:t>core functional APIs( micro service API )…</a:t>
+            </a:r>
+            <a:endParaRPr lang="en-US" sz="2000" dirty="0" smtClean="0">
+              <a:effectLst/>
+            </a:endParaRPr>
           </a:p>
           <a:p>
             <a:pPr>
@@ -4346,20 +2591,17 @@
               </a:spcAft>
             </a:pPr>
             <a:r>
-              <a:rPr lang="en-US" dirty="0" smtClean="0"/>
+              <a:rPr lang="en-US" sz="2000" dirty="0" smtClean="0"/>
               <a:t>The following provides an </a:t>
             </a:r>
             <a:r>
-              <a:rPr lang="en-US" dirty="0" smtClean="0">
+              <a:rPr lang="en-US" sz="2000" dirty="0" smtClean="0">
                 <a:effectLst/>
               </a:rPr>
               <a:t>explanation of CXTA, our purpose, technologies, philosophies, process, and our evolutionary plans for 2018.</a:t>
             </a:r>
           </a:p>
           <a:p>
-            <a:pPr marL="0" indent="0">
-              <a:buNone/>
-            </a:pPr>
             <a:endParaRPr lang="en-US" dirty="0"/>
           </a:p>
         </p:txBody>
@@ -4367,20 +2609,13 @@
     </p:spTree>
     <p:extLst>
       <p:ext uri="{BB962C8B-B14F-4D97-AF65-F5344CB8AC3E}">
-        <p14:creationId xmlns:p14="http://schemas.microsoft.com/office/powerpoint/2010/main" val="2382997305"/>
+        <p14:creationId xmlns:p14="http://schemas.microsoft.com/office/powerpoint/2010/main" val="3604940283"/>
       </p:ext>
     </p:extLst>
   </p:cSld>
   <p:clrMapOvr>
     <a:masterClrMapping/>
   </p:clrMapOvr>
-  <p:timing>
-    <p:tnLst>
-      <p:par>
-        <p:cTn id="1" dur="indefinite" restart="never" nodeType="tmRoot"/>
-      </p:par>
-    </p:tnLst>
-  </p:timing>
 </p:sld>
 </file>
 
@@ -4403,7 +2638,7 @@
       </p:grpSpPr>
       <p:sp>
         <p:nvSpPr>
-          <p:cNvPr id="2" name="Title 1"/>
+          <p:cNvPr id="4" name="Title 1"/>
           <p:cNvSpPr>
             <a:spLocks noGrp="1"/>
           </p:cNvSpPr>
@@ -4413,8 +2648,8 @@
         </p:nvSpPr>
         <p:spPr>
           <a:xfrm>
-            <a:off x="632459" y="103302"/>
-            <a:ext cx="8596601" cy="1225768"/>
+            <a:off x="632460" y="103302"/>
+            <a:ext cx="6329449" cy="1225768"/>
           </a:xfrm>
         </p:spPr>
         <p:txBody>
@@ -4452,7 +2687,7 @@
       </p:sp>
       <p:sp>
         <p:nvSpPr>
-          <p:cNvPr id="3" name="Content Placeholder 2"/>
+          <p:cNvPr id="5" name="Content Placeholder 2"/>
           <p:cNvSpPr>
             <a:spLocks noGrp="1"/>
           </p:cNvSpPr>
@@ -4462,8 +2697,8 @@
         </p:nvSpPr>
         <p:spPr>
           <a:xfrm>
-            <a:off x="437197" y="1861096"/>
-            <a:ext cx="11490593" cy="4762500"/>
+            <a:off x="437198" y="1861096"/>
+            <a:ext cx="8460218" cy="4762500"/>
           </a:xfrm>
         </p:spPr>
         <p:txBody>
@@ -4473,75 +2708,51 @@
           <a:lstStyle/>
           <a:p>
             <a:r>
-              <a:rPr lang="en-US" dirty="0" smtClean="0"/>
+              <a:rPr lang="en-US" sz="1800" dirty="0" smtClean="0"/>
               <a:t>Develop and deliver an automated </a:t>
             </a:r>
             <a:r>
-              <a:rPr lang="en-US" dirty="0"/>
+              <a:rPr lang="en-US" sz="1800" dirty="0"/>
               <a:t>testing frame </a:t>
             </a:r>
             <a:r>
-              <a:rPr lang="en-US" dirty="0" smtClean="0"/>
-              <a:t>work… </a:t>
-            </a:r>
-          </a:p>
-          <a:p>
-            <a:endParaRPr lang="en-US" dirty="0"/>
-          </a:p>
-          <a:p>
-            <a:r>
-              <a:rPr lang="en-US" dirty="0" smtClean="0"/>
+              <a:rPr lang="en-US" sz="1800" dirty="0" smtClean="0"/>
+              <a:t>work for Delta Dental Tech teams … </a:t>
+            </a:r>
+          </a:p>
+          <a:p>
+            <a:endParaRPr lang="en-US" sz="1800" dirty="0"/>
+          </a:p>
+          <a:p>
+            <a:r>
+              <a:rPr lang="en-US" sz="1800" dirty="0"/>
+              <a:t>Design with a developmental philosophy that enables seasoned development engineers to create test scripts to validate their own work…</a:t>
+            </a:r>
+          </a:p>
+          <a:p>
+            <a:endParaRPr lang="en-US" sz="1800" dirty="0"/>
+          </a:p>
+          <a:p>
+            <a:r>
+              <a:rPr lang="en-US" sz="1800" dirty="0" smtClean="0"/>
               <a:t>Design the Framework with enough power and flexibility to meet </a:t>
             </a:r>
             <a:r>
-              <a:rPr lang="en-US" dirty="0"/>
+              <a:rPr lang="en-US" sz="1800" dirty="0"/>
               <a:t>current and future </a:t>
             </a:r>
             <a:r>
-              <a:rPr lang="en-US" dirty="0" smtClean="0"/>
+              <a:rPr lang="en-US" sz="1800" dirty="0" smtClean="0"/>
               <a:t>needs</a:t>
             </a:r>
           </a:p>
           <a:p>
-            <a:endParaRPr lang="en-US" dirty="0"/>
-          </a:p>
-          <a:p>
-            <a:r>
-              <a:rPr lang="en-US" dirty="0" smtClean="0"/>
-              <a:t>Design with a developmental </a:t>
-            </a:r>
-            <a:r>
-              <a:rPr lang="en-US" dirty="0"/>
-              <a:t>philosophy that </a:t>
-            </a:r>
-            <a:r>
-              <a:rPr lang="en-US" dirty="0" smtClean="0"/>
-              <a:t>enables seasoned </a:t>
-            </a:r>
-            <a:r>
-              <a:rPr lang="en-US" dirty="0"/>
-              <a:t>engineers to </a:t>
-            </a:r>
-            <a:r>
-              <a:rPr lang="en-US" dirty="0" smtClean="0"/>
-              <a:t>create test scripts to validate their own work…</a:t>
-            </a:r>
-          </a:p>
-          <a:p>
-            <a:endParaRPr lang="en-US" dirty="0" smtClean="0"/>
-          </a:p>
-          <a:p>
-            <a:r>
-              <a:rPr lang="en-US" dirty="0" smtClean="0"/>
-              <a:t>Continue </a:t>
-            </a:r>
-            <a:r>
-              <a:rPr lang="en-US" dirty="0"/>
-              <a:t>developing Use Case End to End Work Flow test </a:t>
-            </a:r>
-            <a:r>
-              <a:rPr lang="en-US" dirty="0" smtClean="0"/>
-              <a:t>scripts…</a:t>
+            <a:endParaRPr lang="en-US" sz="1800" dirty="0" smtClean="0"/>
+          </a:p>
+          <a:p>
+            <a:r>
+              <a:rPr lang="en-US" sz="1800" dirty="0" smtClean="0"/>
+              <a:t>Continue developing and iterating on Framework functional improvement…</a:t>
             </a:r>
           </a:p>
           <a:p>
@@ -4555,20 +2766,13 @@
     </p:spTree>
     <p:extLst>
       <p:ext uri="{BB962C8B-B14F-4D97-AF65-F5344CB8AC3E}">
-        <p14:creationId xmlns:p14="http://schemas.microsoft.com/office/powerpoint/2010/main" val="3915946766"/>
+        <p14:creationId xmlns:p14="http://schemas.microsoft.com/office/powerpoint/2010/main" val="2197375413"/>
       </p:ext>
     </p:extLst>
   </p:cSld>
   <p:clrMapOvr>
     <a:masterClrMapping/>
   </p:clrMapOvr>
-  <p:timing>
-    <p:tnLst>
-      <p:par>
-        <p:cTn id="1" dur="indefinite" restart="never" nodeType="tmRoot"/>
-      </p:par>
-    </p:tnLst>
-  </p:timing>
 </p:sld>
 </file>
 
@@ -4591,7 +2795,7 @@
       </p:grpSpPr>
       <p:sp>
         <p:nvSpPr>
-          <p:cNvPr id="2" name="Title 1"/>
+          <p:cNvPr id="4" name="Title 1"/>
           <p:cNvSpPr>
             <a:spLocks noGrp="1"/>
           </p:cNvSpPr>
@@ -4601,20 +2805,20 @@
         </p:nvSpPr>
         <p:spPr>
           <a:xfrm>
-            <a:off x="1445229" y="136496"/>
-            <a:ext cx="6679019" cy="880110"/>
+            <a:off x="1445229" y="136495"/>
+            <a:ext cx="5454335" cy="1423947"/>
           </a:xfrm>
         </p:spPr>
         <p:txBody>
           <a:bodyPr anchor="t">
-            <a:normAutofit/>
+            <a:normAutofit fontScale="90000"/>
           </a:bodyPr>
           <a:lstStyle/>
           <a:p>
             <a:pPr algn="ctr"/>
             <a:r>
               <a:rPr lang="en-US" dirty="0" smtClean="0"/>
-              <a:t>EVOLUTION</a:t>
+              <a:t>EVOLUTION / ACCOMPLISHMENTS</a:t>
             </a:r>
             <a:endParaRPr lang="en-US" dirty="0"/>
           </a:p>
@@ -4622,7 +2826,7 @@
       </p:sp>
       <p:sp>
         <p:nvSpPr>
-          <p:cNvPr id="3" name="Content Placeholder 2"/>
+          <p:cNvPr id="5" name="Content Placeholder 2"/>
           <p:cNvSpPr>
             <a:spLocks noGrp="1"/>
           </p:cNvSpPr>
@@ -4632,101 +2836,125 @@
         </p:nvSpPr>
         <p:spPr>
           <a:xfrm>
-            <a:off x="437804" y="1877487"/>
-            <a:ext cx="10515600" cy="4568256"/>
+            <a:off x="327991" y="1560442"/>
+            <a:ext cx="8727060" cy="4885301"/>
           </a:xfrm>
         </p:spPr>
         <p:txBody>
-          <a:bodyPr/>
+          <a:bodyPr>
+            <a:normAutofit/>
+          </a:bodyPr>
           <a:lstStyle/>
           <a:p>
             <a:r>
-              <a:rPr lang="en-US" dirty="0"/>
+              <a:rPr lang="en-US" sz="2000" dirty="0"/>
               <a:t>CXTA and the CX Market Place Development Team have matured. </a:t>
             </a:r>
-            <a:endParaRPr lang="en-US" dirty="0" smtClean="0"/>
-          </a:p>
-          <a:p>
-            <a:endParaRPr lang="en-US" dirty="0" smtClean="0"/>
-          </a:p>
-          <a:p>
-            <a:r>
-              <a:rPr lang="en-US" dirty="0" smtClean="0"/>
+            <a:endParaRPr lang="en-US" sz="2000" dirty="0" smtClean="0"/>
+          </a:p>
+          <a:p>
+            <a:endParaRPr lang="en-US" sz="2000" dirty="0" smtClean="0"/>
+          </a:p>
+          <a:p>
+            <a:r>
+              <a:rPr lang="en-US" sz="2000" dirty="0" smtClean="0"/>
               <a:t>We </a:t>
             </a:r>
             <a:r>
-              <a:rPr lang="en-US" dirty="0"/>
+              <a:rPr lang="en-US" sz="2000" dirty="0"/>
               <a:t>are able to do more and deliver to a greater audience.  </a:t>
             </a:r>
-            <a:endParaRPr lang="en-US" dirty="0" smtClean="0"/>
-          </a:p>
-          <a:p>
-            <a:endParaRPr lang="en-US" dirty="0" smtClean="0"/>
-          </a:p>
-          <a:p>
-            <a:r>
-              <a:rPr lang="en-US" dirty="0" smtClean="0"/>
+            <a:endParaRPr lang="en-US" sz="2000" dirty="0" smtClean="0"/>
+          </a:p>
+          <a:p>
+            <a:endParaRPr lang="en-US" sz="2000" dirty="0" smtClean="0"/>
+          </a:p>
+          <a:p>
+            <a:r>
+              <a:rPr lang="en-US" sz="2000" dirty="0" smtClean="0"/>
               <a:t>California </a:t>
             </a:r>
             <a:r>
-              <a:rPr lang="en-US" dirty="0"/>
+              <a:rPr lang="en-US" sz="2000" dirty="0"/>
               <a:t>is no longer the </a:t>
             </a:r>
             <a:r>
-              <a:rPr lang="en-US" dirty="0" smtClean="0"/>
-              <a:t>horizon !</a:t>
-            </a:r>
-          </a:p>
-          <a:p>
-            <a:pPr marL="0" indent="0">
-              <a:buNone/>
-            </a:pPr>
-            <a:r>
-              <a:rPr lang="en-US" sz="800" dirty="0"/>
-              <a:t>            </a:t>
-            </a:r>
-          </a:p>
-          <a:p>
-            <a:pPr marL="0" indent="0">
-              <a:buNone/>
-            </a:pPr>
-            <a:endParaRPr lang="en-US" sz="800" dirty="0"/>
-          </a:p>
-          <a:p>
-            <a:r>
-              <a:rPr lang="en-US" dirty="0" smtClean="0"/>
-              <a:t>To scale as is projected we have to change how we develop tests…</a:t>
-            </a:r>
-          </a:p>
-          <a:p>
-            <a:endParaRPr lang="en-US" dirty="0" smtClean="0"/>
-          </a:p>
-          <a:p>
-            <a:r>
-              <a:rPr lang="en-US" dirty="0" smtClean="0"/>
-              <a:t>We have to change how we select and execute tests…</a:t>
-            </a:r>
-            <a:endParaRPr lang="en-US" dirty="0"/>
+              <a:rPr lang="en-US" sz="2000" dirty="0" smtClean="0"/>
+              <a:t>horizon </a:t>
+            </a:r>
+            <a:r>
+              <a:rPr lang="en-US" sz="2000" dirty="0" smtClean="0"/>
+              <a:t>!</a:t>
+            </a:r>
+          </a:p>
+          <a:p>
+            <a:endParaRPr lang="en-US" sz="2000" dirty="0"/>
+          </a:p>
+          <a:p>
+            <a:r>
+              <a:rPr lang="en-US" sz="2000" dirty="0" smtClean="0"/>
+              <a:t>To </a:t>
+            </a:r>
+            <a:r>
+              <a:rPr lang="en-US" sz="2000" dirty="0" smtClean="0"/>
+              <a:t>scale as is projected we have to change how we develop tests…</a:t>
+            </a:r>
+          </a:p>
+          <a:p>
+            <a:endParaRPr lang="en-US" sz="2000" dirty="0" smtClean="0"/>
+          </a:p>
+          <a:p>
+            <a:r>
+              <a:rPr lang="en-US" sz="2000" dirty="0" smtClean="0"/>
+              <a:t>We have to change how we select and execute tests</a:t>
+            </a:r>
+            <a:r>
+              <a:rPr lang="en-US" sz="2000" dirty="0" smtClean="0"/>
+              <a:t>…</a:t>
+            </a:r>
+          </a:p>
+          <a:p>
+            <a:endParaRPr lang="en-US" sz="2000" dirty="0"/>
+          </a:p>
+          <a:p>
+            <a:r>
+              <a:rPr lang="en-US" sz="2000" dirty="0" smtClean="0"/>
+              <a:t>Reduction in the number of hours  Pull out my # from all hands Present</a:t>
+            </a:r>
+          </a:p>
+          <a:p>
+            <a:endParaRPr lang="en-US" sz="2000" dirty="0"/>
+          </a:p>
+          <a:p>
+            <a:r>
+              <a:rPr lang="en-US" sz="2000" dirty="0" smtClean="0"/>
+              <a:t>Dev staff productivity and confidence</a:t>
+            </a:r>
+          </a:p>
+          <a:p>
+            <a:endParaRPr lang="en-US" sz="2000" dirty="0"/>
+          </a:p>
+          <a:p>
+            <a:r>
+              <a:rPr lang="en-US" sz="2000" dirty="0" smtClean="0"/>
+              <a:t>Team Agility. Bug found, code fix submitted, automation run. Its Fixed !</a:t>
+            </a:r>
+          </a:p>
+          <a:p>
+            <a:endParaRPr lang="en-US" sz="2000" dirty="0"/>
           </a:p>
         </p:txBody>
       </p:sp>
     </p:spTree>
     <p:extLst>
       <p:ext uri="{BB962C8B-B14F-4D97-AF65-F5344CB8AC3E}">
-        <p14:creationId xmlns:p14="http://schemas.microsoft.com/office/powerpoint/2010/main" val="134519480"/>
+        <p14:creationId xmlns:p14="http://schemas.microsoft.com/office/powerpoint/2010/main" val="699378271"/>
       </p:ext>
     </p:extLst>
   </p:cSld>
   <p:clrMapOvr>
     <a:masterClrMapping/>
   </p:clrMapOvr>
-  <p:timing>
-    <p:tnLst>
-      <p:par>
-        <p:cTn id="1" dur="indefinite" restart="never" nodeType="tmRoot"/>
-      </p:par>
-    </p:tnLst>
-  </p:timing>
 </p:sld>
 </file>
 
@@ -4749,7 +2977,7 @@
       </p:grpSpPr>
       <p:sp>
         <p:nvSpPr>
-          <p:cNvPr id="2" name="Title 1"/>
+          <p:cNvPr id="4" name="Title 1"/>
           <p:cNvSpPr>
             <a:spLocks noGrp="1"/>
           </p:cNvSpPr>
@@ -4760,7 +2988,7 @@
         <p:spPr>
           <a:xfrm>
             <a:off x="1009384" y="128455"/>
-            <a:ext cx="7662796" cy="651510"/>
+            <a:ext cx="5765489" cy="651510"/>
           </a:xfrm>
         </p:spPr>
         <p:txBody>
@@ -4780,7 +3008,7 @@
       </p:sp>
       <p:sp>
         <p:nvSpPr>
-          <p:cNvPr id="3" name="Content Placeholder 2"/>
+          <p:cNvPr id="5" name="Content Placeholder 2"/>
           <p:cNvSpPr>
             <a:spLocks noGrp="1"/>
           </p:cNvSpPr>
@@ -4790,8 +3018,8 @@
         </p:nvSpPr>
         <p:spPr>
           <a:xfrm>
-            <a:off x="431196" y="1795828"/>
-            <a:ext cx="11254740" cy="4403194"/>
+            <a:off x="321866" y="1795828"/>
+            <a:ext cx="8822133" cy="4403194"/>
           </a:xfrm>
         </p:spPr>
         <p:txBody>
@@ -4806,34 +3034,34 @@
               </a:lnSpc>
             </a:pPr>
             <a:r>
-              <a:rPr lang="en-US" dirty="0"/>
+              <a:rPr lang="en-US" sz="2000" dirty="0"/>
               <a:t>CXTA </a:t>
             </a:r>
             <a:r>
-              <a:rPr lang="en-US" dirty="0" smtClean="0"/>
+              <a:rPr lang="en-US" sz="2000" dirty="0" smtClean="0"/>
               <a:t> is rolling </a:t>
             </a:r>
             <a:r>
-              <a:rPr lang="en-US" dirty="0"/>
+              <a:rPr lang="en-US" sz="2000" dirty="0"/>
               <a:t>out </a:t>
             </a:r>
             <a:r>
-              <a:rPr lang="en-US" dirty="0" smtClean="0"/>
+              <a:rPr lang="en-US" sz="2000" dirty="0" smtClean="0"/>
               <a:t>their </a:t>
             </a:r>
             <a:r>
-              <a:rPr lang="en-US" dirty="0"/>
+              <a:rPr lang="en-US" sz="2000" dirty="0"/>
               <a:t>first version </a:t>
             </a:r>
             <a:r>
-              <a:rPr lang="en-US" dirty="0" smtClean="0"/>
+              <a:rPr lang="en-US" sz="2000" dirty="0" smtClean="0"/>
               <a:t>of the Test </a:t>
             </a:r>
             <a:r>
-              <a:rPr lang="en-US" dirty="0"/>
+              <a:rPr lang="en-US" sz="2000" dirty="0"/>
               <a:t>Automation Framework </a:t>
             </a:r>
-            <a:endParaRPr lang="en-US" dirty="0" smtClean="0"/>
+            <a:endParaRPr lang="en-US" sz="2000" dirty="0" smtClean="0"/>
           </a:p>
           <a:p>
             <a:pPr>
@@ -4842,21 +3070,30 @@
               </a:lnSpc>
             </a:pPr>
             <a:r>
-              <a:rPr lang="en-US" dirty="0"/>
+              <a:rPr lang="en-US" sz="2000" dirty="0"/>
               <a:t>Development </a:t>
             </a:r>
             <a:r>
-              <a:rPr lang="en-US" dirty="0" smtClean="0"/>
+              <a:rPr lang="en-US" sz="2000" dirty="0" smtClean="0"/>
               <a:t>will </a:t>
             </a:r>
             <a:r>
-              <a:rPr lang="en-US" dirty="0"/>
+              <a:rPr lang="en-US" sz="2000" dirty="0"/>
               <a:t>write test automation scripts </a:t>
             </a:r>
             <a:r>
-              <a:rPr lang="en-US" dirty="0" smtClean="0"/>
-              <a:t>supporting their work</a:t>
-            </a:r>
+              <a:rPr lang="en-US" sz="2000" dirty="0" smtClean="0"/>
+              <a:t>supporting their </a:t>
+            </a:r>
+            <a:r>
+              <a:rPr lang="en-US" sz="2000" dirty="0" smtClean="0"/>
+              <a:t>work… </a:t>
+            </a:r>
+            <a:r>
+              <a:rPr lang="en-US" sz="1100" dirty="0" smtClean="0"/>
+              <a:t>( list bullet voice over )</a:t>
+            </a:r>
+            <a:endParaRPr lang="en-US" sz="2000" dirty="0" smtClean="0"/>
           </a:p>
           <a:p>
             <a:pPr>
@@ -4865,15 +3102,15 @@
               </a:lnSpc>
             </a:pPr>
             <a:r>
-              <a:rPr lang="en-US" dirty="0" smtClean="0"/>
+              <a:rPr lang="en-US" sz="2000" dirty="0" smtClean="0"/>
               <a:t>This scripting </a:t>
             </a:r>
             <a:r>
-              <a:rPr lang="en-US" dirty="0"/>
+              <a:rPr lang="en-US" sz="2000" dirty="0"/>
               <a:t>will be page specific feature level integration </a:t>
             </a:r>
             <a:r>
-              <a:rPr lang="en-US" dirty="0" smtClean="0"/>
+              <a:rPr lang="en-US" sz="2000" dirty="0" smtClean="0"/>
               <a:t>tests</a:t>
             </a:r>
           </a:p>
@@ -4884,22 +3121,22 @@
               </a:lnSpc>
             </a:pPr>
             <a:r>
-              <a:rPr lang="en-US" dirty="0" smtClean="0"/>
+              <a:rPr lang="en-US" sz="2000" dirty="0" smtClean="0"/>
               <a:t>CXTA will develop and manage </a:t>
             </a:r>
             <a:r>
-              <a:rPr lang="en-US" dirty="0"/>
+              <a:rPr lang="en-US" sz="2000" dirty="0"/>
               <a:t>all </a:t>
             </a:r>
             <a:r>
-              <a:rPr lang="en-US" dirty="0" smtClean="0"/>
+              <a:rPr lang="en-US" sz="2000" dirty="0" smtClean="0"/>
               <a:t>Use Case End </a:t>
             </a:r>
             <a:r>
-              <a:rPr lang="en-US" dirty="0"/>
+              <a:rPr lang="en-US" sz="2000" dirty="0"/>
               <a:t>to End test automation </a:t>
             </a:r>
-            <a:endParaRPr lang="en-US" dirty="0" smtClean="0"/>
+            <a:endParaRPr lang="en-US" sz="2000" dirty="0" smtClean="0"/>
           </a:p>
           <a:p>
             <a:pPr>
@@ -4908,19 +3145,19 @@
               </a:lnSpc>
             </a:pPr>
             <a:r>
-              <a:rPr lang="en-US" dirty="0" smtClean="0"/>
+              <a:rPr lang="en-US" sz="2000" dirty="0" smtClean="0"/>
               <a:t>CXTA will maintain </a:t>
             </a:r>
             <a:r>
-              <a:rPr lang="en-US" dirty="0"/>
+              <a:rPr lang="en-US" sz="2000" dirty="0"/>
               <a:t>and enhance the </a:t>
             </a:r>
             <a:r>
-              <a:rPr lang="en-US" dirty="0" smtClean="0"/>
+              <a:rPr lang="en-US" sz="2000" dirty="0" smtClean="0"/>
               <a:t>Test Automation </a:t>
             </a:r>
             <a:r>
-              <a:rPr lang="en-US" dirty="0"/>
+              <a:rPr lang="en-US" sz="2000" dirty="0"/>
               <a:t>framework.</a:t>
             </a:r>
           </a:p>
@@ -4931,23 +3168,23 @@
               </a:lnSpc>
             </a:pPr>
             <a:r>
-              <a:rPr lang="en-US" dirty="0" smtClean="0"/>
+              <a:rPr lang="en-US" sz="2000" dirty="0" smtClean="0"/>
               <a:t>Inclusion of development staff </a:t>
             </a:r>
             <a:r>
-              <a:rPr lang="en-US" dirty="0"/>
+              <a:rPr lang="en-US" sz="2000" dirty="0"/>
               <a:t>in the automation development process we </a:t>
             </a:r>
             <a:r>
-              <a:rPr lang="en-US" dirty="0" smtClean="0"/>
+              <a:rPr lang="en-US" sz="2000" dirty="0" smtClean="0"/>
               <a:t>align </a:t>
             </a:r>
             <a:r>
-              <a:rPr lang="en-US" dirty="0"/>
+              <a:rPr lang="en-US" sz="2000" dirty="0"/>
               <a:t>our teams much like the rest of the industry</a:t>
             </a:r>
             <a:r>
-              <a:rPr lang="en-US" dirty="0" smtClean="0"/>
+              <a:rPr lang="en-US" sz="2000" dirty="0" smtClean="0"/>
               <a:t>.</a:t>
             </a:r>
           </a:p>
@@ -4956,20 +3193,13 @@
     </p:spTree>
     <p:extLst>
       <p:ext uri="{BB962C8B-B14F-4D97-AF65-F5344CB8AC3E}">
-        <p14:creationId xmlns:p14="http://schemas.microsoft.com/office/powerpoint/2010/main" val="2538467909"/>
+        <p14:creationId xmlns:p14="http://schemas.microsoft.com/office/powerpoint/2010/main" val="787712425"/>
       </p:ext>
     </p:extLst>
   </p:cSld>
   <p:clrMapOvr>
     <a:masterClrMapping/>
   </p:clrMapOvr>
-  <p:timing>
-    <p:tnLst>
-      <p:par>
-        <p:cTn id="1" dur="indefinite" restart="never" nodeType="tmRoot"/>
-      </p:par>
-    </p:tnLst>
-  </p:timing>
 </p:sld>
 </file>
 
@@ -5002,33 +3232,20 @@
         </p:nvSpPr>
         <p:spPr>
           <a:xfrm>
-            <a:off x="166687" y="0"/>
-            <a:ext cx="10515600" cy="1325563"/>
+            <a:off x="318052" y="218661"/>
+            <a:ext cx="8686246" cy="1106902"/>
           </a:xfrm>
         </p:spPr>
         <p:txBody>
-          <a:bodyPr/>
+          <a:bodyPr anchor="t">
+            <a:normAutofit fontScale="90000"/>
+          </a:bodyPr>
           <a:lstStyle/>
           <a:p>
             <a:pPr algn="ctr"/>
             <a:r>
               <a:rPr lang="en-US" dirty="0" smtClean="0"/>
               <a:t>INDEPENDENT PRODUCT  TESTING </a:t>
-            </a:r>
-            <a:br>
-              <a:rPr lang="en-US" dirty="0" smtClean="0"/>
-            </a:br>
-            <a:r>
-              <a:rPr lang="en-US" dirty="0" smtClean="0"/>
-              <a:t>SCALING &amp;</a:t>
-            </a:r>
-            <a:r>
-              <a:rPr lang="en-US" sz="2400" dirty="0"/>
-              <a:t> </a:t>
-            </a:r>
-            <a:r>
-              <a:rPr lang="en-US" dirty="0" smtClean="0"/>
-              <a:t>CONTENT</a:t>
             </a:r>
             <a:endParaRPr lang="en-US" dirty="0"/>
           </a:p>
@@ -5047,7 +3264,7 @@
         <p:spPr>
           <a:xfrm>
             <a:off x="423640" y="1839480"/>
-            <a:ext cx="11625314" cy="4589026"/>
+            <a:ext cx="8580658" cy="4589026"/>
           </a:xfrm>
         </p:spPr>
         <p:txBody>
@@ -5062,11 +3279,11 @@
               </a:lnSpc>
             </a:pPr>
             <a:r>
-              <a:rPr lang="en-US" dirty="0"/>
+              <a:rPr lang="en-US" sz="2000" dirty="0"/>
               <a:t>The ability to test a products full abilities independently of all other products is a pressing </a:t>
             </a:r>
             <a:r>
-              <a:rPr lang="en-US" dirty="0" smtClean="0"/>
+              <a:rPr lang="en-US" sz="2000" dirty="0" smtClean="0"/>
               <a:t>need…</a:t>
             </a:r>
           </a:p>
@@ -5076,22 +3293,7 @@
                 <a:spcPct val="110000"/>
               </a:lnSpc>
             </a:pPr>
-            <a:r>
-              <a:rPr lang="en-US" dirty="0"/>
-              <a:t>CXTA's proposed solution </a:t>
-            </a:r>
-            <a:r>
-              <a:rPr lang="en-US" dirty="0" smtClean="0"/>
-              <a:t>reduces </a:t>
-            </a:r>
-            <a:r>
-              <a:rPr lang="en-US" dirty="0"/>
-              <a:t>the overall quantity of source code that must be maintained.  We see this as an evolutionary improvement</a:t>
-            </a:r>
-            <a:r>
-              <a:rPr lang="en-US" dirty="0" smtClean="0"/>
-              <a:t>.  There is a cost…</a:t>
-            </a:r>
+            <a:endParaRPr lang="en-US" sz="2000" smtClean="0"/>
           </a:p>
           <a:p>
             <a:pPr>
@@ -5100,34 +3302,66 @@
               </a:lnSpc>
             </a:pPr>
             <a:r>
-              <a:rPr lang="en-US" dirty="0"/>
-              <a:t>CXTA sees a direct correlation in manner and approach between refactoring code base and new test data framework methodology giving us the ability to address content test data regionally or by product selection</a:t>
-            </a:r>
-            <a:r>
-              <a:rPr lang="en-US" dirty="0" smtClean="0"/>
+              <a:rPr lang="en-US" sz="2000" smtClean="0"/>
+              <a:t>CXTA's </a:t>
+            </a:r>
+            <a:r>
+              <a:rPr lang="en-US" sz="2000" dirty="0"/>
+              <a:t>proposed solution </a:t>
+            </a:r>
+            <a:r>
+              <a:rPr lang="en-US" sz="2000" dirty="0" smtClean="0"/>
+              <a:t>reduces </a:t>
+            </a:r>
+            <a:r>
+              <a:rPr lang="en-US" sz="2000" dirty="0"/>
+              <a:t>the overall quantity of source code that must be maintained.  We see this as an evolutionary improvement</a:t>
+            </a:r>
+            <a:r>
+              <a:rPr lang="en-US" sz="2000" dirty="0" smtClean="0"/>
+              <a:t>.  There is a cost…</a:t>
+            </a:r>
+          </a:p>
+          <a:p>
+            <a:pPr>
+              <a:lnSpc>
+                <a:spcPct val="110000"/>
+              </a:lnSpc>
+            </a:pPr>
+            <a:endParaRPr lang="en-US" sz="2000" dirty="0" smtClean="0"/>
+          </a:p>
+          <a:p>
+            <a:pPr>
+              <a:lnSpc>
+                <a:spcPct val="110000"/>
+              </a:lnSpc>
+            </a:pPr>
+            <a:r>
+              <a:rPr lang="en-US" sz="2000" dirty="0" smtClean="0"/>
+              <a:t>CXTA</a:t>
+            </a:r>
+            <a:r>
+              <a:rPr lang="en-US" sz="2000" dirty="0"/>
+              <a:t> sees a direct correlation in manner and approach between refactoring code base and new test data framework methodology giving us the ability to address content test data regionally or by product selection</a:t>
+            </a:r>
+            <a:r>
+              <a:rPr lang="en-US" sz="2000" dirty="0" smtClean="0"/>
               <a:t>.  Independent Product Testing opened a door for us …</a:t>
             </a:r>
-            <a:endParaRPr lang="en-US" dirty="0"/>
+            <a:endParaRPr lang="en-US" sz="2000" dirty="0"/>
           </a:p>
         </p:txBody>
       </p:sp>
     </p:spTree>
     <p:extLst>
       <p:ext uri="{BB962C8B-B14F-4D97-AF65-F5344CB8AC3E}">
-        <p14:creationId xmlns:p14="http://schemas.microsoft.com/office/powerpoint/2010/main" val="1195374458"/>
+        <p14:creationId xmlns:p14="http://schemas.microsoft.com/office/powerpoint/2010/main" val="3651171831"/>
       </p:ext>
     </p:extLst>
   </p:cSld>
   <p:clrMapOvr>
     <a:masterClrMapping/>
   </p:clrMapOvr>
-  <p:timing>
-    <p:tnLst>
-      <p:par>
-        <p:cTn id="1" dur="indefinite" restart="never" nodeType="tmRoot"/>
-      </p:par>
-    </p:tnLst>
-  </p:timing>
 </p:sld>
 </file>
 
@@ -5160,12 +3394,14 @@
         </p:nvSpPr>
         <p:spPr>
           <a:xfrm>
-            <a:off x="2833253" y="115744"/>
-            <a:ext cx="3997036" cy="1325563"/>
+            <a:off x="2130137" y="115744"/>
+            <a:ext cx="4322618" cy="1325563"/>
           </a:xfrm>
         </p:spPr>
         <p:txBody>
-          <a:bodyPr anchor="t"/>
+          <a:bodyPr anchor="t">
+            <a:normAutofit/>
+          </a:bodyPr>
           <a:lstStyle/>
           <a:p>
             <a:pPr algn="ctr"/>
@@ -5189,8 +3425,8 @@
         </p:nvSpPr>
         <p:spPr>
           <a:xfrm>
-            <a:off x="432848" y="1872760"/>
-            <a:ext cx="10515600" cy="4351338"/>
+            <a:off x="322118" y="1872760"/>
+            <a:ext cx="8821882" cy="4351338"/>
           </a:xfrm>
         </p:spPr>
         <p:txBody>
@@ -5221,39 +3457,35 @@
             </a:r>
           </a:p>
           <a:p>
-            <a:pPr lvl="1"/>
+            <a:pPr marL="341313" lvl="1" indent="0">
+              <a:buNone/>
+            </a:pPr>
             <a:r>
               <a:rPr lang="en-US" dirty="0" smtClean="0"/>
               <a:t>Core base level classes defining what is common to any component on a web page</a:t>
             </a:r>
           </a:p>
           <a:p>
-            <a:pPr lvl="1"/>
+            <a:pPr marL="341313" lvl="1" indent="0">
+              <a:buNone/>
+            </a:pPr>
             <a:r>
               <a:rPr lang="en-US" dirty="0" smtClean="0"/>
               <a:t>Specialized components and methods build up from the </a:t>
             </a:r>
-            <a:endParaRPr lang="en-US" dirty="0" smtClean="0"/>
           </a:p>
         </p:txBody>
       </p:sp>
     </p:spTree>
     <p:extLst>
       <p:ext uri="{BB962C8B-B14F-4D97-AF65-F5344CB8AC3E}">
-        <p14:creationId xmlns:p14="http://schemas.microsoft.com/office/powerpoint/2010/main" val="3707015434"/>
+        <p14:creationId xmlns:p14="http://schemas.microsoft.com/office/powerpoint/2010/main" val="239349891"/>
       </p:ext>
     </p:extLst>
   </p:cSld>
   <p:clrMapOvr>
     <a:masterClrMapping/>
   </p:clrMapOvr>
-  <p:timing>
-    <p:tnLst>
-      <p:par>
-        <p:cTn id="1" dur="indefinite" restart="never" nodeType="tmRoot"/>
-      </p:par>
-    </p:tnLst>
-  </p:timing>
 </p:sld>
 </file>
 
@@ -5287,7 +3519,7 @@
         <p:spPr>
           <a:xfrm>
             <a:off x="1617953" y="124691"/>
-            <a:ext cx="6431539" cy="1325563"/>
+            <a:ext cx="5240047" cy="1325563"/>
           </a:xfrm>
         </p:spPr>
         <p:txBody>
@@ -5316,7 +3548,7 @@
         <p:spPr>
           <a:xfrm>
             <a:off x="437704" y="1837658"/>
-            <a:ext cx="10515600" cy="5001488"/>
+            <a:ext cx="8567504" cy="5001488"/>
           </a:xfrm>
         </p:spPr>
         <p:txBody>
@@ -5336,10 +3568,11 @@
             </a:r>
           </a:p>
           <a:p>
-            <a:pPr lvl="1">
+            <a:pPr marL="341313" lvl="1" indent="0">
               <a:lnSpc>
                 <a:spcPct val="110000"/>
               </a:lnSpc>
+              <a:buNone/>
             </a:pPr>
             <a:r>
               <a:rPr lang="en-US" sz="2800" dirty="0"/>
@@ -5347,10 +3580,11 @@
             </a:r>
           </a:p>
           <a:p>
-            <a:pPr lvl="1">
+            <a:pPr marL="341313" lvl="1" indent="0">
               <a:lnSpc>
                 <a:spcPct val="110000"/>
               </a:lnSpc>
+              <a:buNone/>
             </a:pPr>
             <a:r>
               <a:rPr lang="en-US" sz="2800" dirty="0"/>
@@ -5377,7 +3611,9 @@
             </a:r>
           </a:p>
           <a:p>
-            <a:pPr lvl="1"/>
+            <a:pPr marL="341313" lvl="1" indent="0">
+              <a:buNone/>
+            </a:pPr>
             <a:r>
               <a:rPr lang="en-US" sz="2800" dirty="0"/>
               <a:t>Gives developers ability to focus testing of code in development</a:t>
@@ -5403,10 +3639,11 @@
             </a:r>
           </a:p>
           <a:p>
-            <a:pPr lvl="1">
+            <a:pPr marL="341313" lvl="1" indent="0">
               <a:lnSpc>
                 <a:spcPct val="100000"/>
               </a:lnSpc>
+              <a:buNone/>
             </a:pPr>
             <a:r>
               <a:rPr lang="en-US" sz="2800" dirty="0"/>
@@ -5423,20 +3660,13 @@
     </p:spTree>
     <p:extLst>
       <p:ext uri="{BB962C8B-B14F-4D97-AF65-F5344CB8AC3E}">
-        <p14:creationId xmlns:p14="http://schemas.microsoft.com/office/powerpoint/2010/main" val="600975366"/>
+        <p14:creationId xmlns:p14="http://schemas.microsoft.com/office/powerpoint/2010/main" val="3319091546"/>
       </p:ext>
     </p:extLst>
   </p:cSld>
   <p:clrMapOvr>
     <a:masterClrMapping/>
   </p:clrMapOvr>
-  <p:timing>
-    <p:tnLst>
-      <p:par>
-        <p:cTn id="1" dur="indefinite" restart="never" nodeType="tmRoot"/>
-      </p:par>
-    </p:tnLst>
-  </p:timing>
 </p:sld>
 </file>
 
@@ -5469,8 +3699,8 @@
         </p:nvSpPr>
         <p:spPr>
           <a:xfrm>
-            <a:off x="1641766" y="129597"/>
-            <a:ext cx="6366163" cy="1325563"/>
+            <a:off x="1641767" y="129597"/>
+            <a:ext cx="5101934" cy="1325563"/>
           </a:xfrm>
         </p:spPr>
         <p:txBody>
@@ -5499,7 +3729,7 @@
         <p:spPr>
           <a:xfrm>
             <a:off x="432844" y="1863333"/>
-            <a:ext cx="10515600" cy="4351338"/>
+            <a:ext cx="8427352" cy="4351338"/>
           </a:xfrm>
         </p:spPr>
         <p:txBody>
@@ -5517,81 +3747,390 @@
           <a:p>
             <a:r>
               <a:rPr lang="en-US" dirty="0" smtClean="0"/>
-              <a:t>Hyper granular:  Cover every Assert and Compare in </a:t>
-            </a:r>
-            <a:r>
-              <a:rPr lang="en-US" dirty="0" smtClean="0"/>
-              <a:t>Framework</a:t>
-            </a:r>
-          </a:p>
-          <a:p>
-            <a:pPr lvl="1"/>
+              <a:t>Hyper granular:  Cover every Assert and Compare in Framework</a:t>
+            </a:r>
+          </a:p>
+          <a:p>
+            <a:pPr marL="341313" lvl="1" indent="0">
+              <a:buNone/>
+            </a:pPr>
             <a:r>
               <a:rPr lang="en-US" dirty="0" smtClean="0"/>
               <a:t>Debugging and Framework Development tool</a:t>
             </a:r>
-            <a:endParaRPr lang="en-US" dirty="0" smtClean="0"/>
           </a:p>
           <a:p>
             <a:r>
               <a:rPr lang="en-US" dirty="0" smtClean="0"/>
-              <a:t>Test Run Specific:  Pass / Fail assessment of all written script </a:t>
-            </a:r>
-            <a:r>
-              <a:rPr lang="en-US" dirty="0" smtClean="0"/>
-              <a:t>tests</a:t>
-            </a:r>
-          </a:p>
-          <a:p>
-            <a:pPr lvl="1"/>
+              <a:t>Test Run Specific:  Pass / Fail assessment of all written script tests</a:t>
+            </a:r>
+          </a:p>
+          <a:p>
+            <a:pPr marL="341313" lvl="1" indent="0">
+              <a:buNone/>
+            </a:pPr>
             <a:r>
               <a:rPr lang="en-US" dirty="0" smtClean="0"/>
               <a:t>Current Standard test run encompassing test report</a:t>
             </a:r>
-            <a:endParaRPr lang="en-US" dirty="0" smtClean="0"/>
           </a:p>
           <a:p>
             <a:r>
               <a:rPr lang="en-US" dirty="0" smtClean="0"/>
-              <a:t>High Level Product Specific:  Go / No-go on a Product </a:t>
-            </a:r>
-            <a:r>
-              <a:rPr lang="en-US" dirty="0" smtClean="0"/>
-              <a:t>basis</a:t>
-            </a:r>
-          </a:p>
-          <a:p>
-            <a:pPr lvl="1"/>
+              <a:t>High Level Product Specific:  Go / No-go on a Product basis</a:t>
+            </a:r>
+          </a:p>
+          <a:p>
+            <a:pPr marL="341313" lvl="1" indent="0">
+              <a:buNone/>
+            </a:pPr>
             <a:r>
               <a:rPr lang="en-US" dirty="0" smtClean="0"/>
               <a:t>In Design Mode.  Would provide Development and Product Managers a quick look at the current health and capability to ship the product </a:t>
             </a:r>
-            <a:endParaRPr lang="en-US" dirty="0" smtClean="0"/>
           </a:p>
         </p:txBody>
       </p:sp>
     </p:spTree>
     <p:extLst>
       <p:ext uri="{BB962C8B-B14F-4D97-AF65-F5344CB8AC3E}">
-        <p14:creationId xmlns:p14="http://schemas.microsoft.com/office/powerpoint/2010/main" val="1143108204"/>
+        <p14:creationId xmlns:p14="http://schemas.microsoft.com/office/powerpoint/2010/main" val="21198343"/>
       </p:ext>
     </p:extLst>
   </p:cSld>
   <p:clrMapOvr>
     <a:masterClrMapping/>
   </p:clrMapOvr>
-  <p:timing>
-    <p:tnLst>
-      <p:par>
-        <p:cTn id="1" dur="indefinite" restart="never" nodeType="tmRoot"/>
-      </p:par>
-    </p:tnLst>
-  </p:timing>
 </p:sld>
 </file>
 
 <file path=ppt/theme/theme1.xml><?xml version="1.0" encoding="utf-8"?>
-<a:theme xmlns:a="http://schemas.openxmlformats.org/drawingml/2006/main" name="FromNisheetTheme1">
+<a:theme xmlns:a="http://schemas.openxmlformats.org/drawingml/2006/main" name="Office Theme">
+  <a:themeElements>
+    <a:clrScheme name="Office">
+      <a:dk1>
+        <a:sysClr val="windowText" lastClr="000000"/>
+      </a:dk1>
+      <a:lt1>
+        <a:sysClr val="window" lastClr="FFFFFF"/>
+      </a:lt1>
+      <a:dk2>
+        <a:srgbClr val="1F497D"/>
+      </a:dk2>
+      <a:lt2>
+        <a:srgbClr val="EEECE1"/>
+      </a:lt2>
+      <a:accent1>
+        <a:srgbClr val="4F81BD"/>
+      </a:accent1>
+      <a:accent2>
+        <a:srgbClr val="C0504D"/>
+      </a:accent2>
+      <a:accent3>
+        <a:srgbClr val="9BBB59"/>
+      </a:accent3>
+      <a:accent4>
+        <a:srgbClr val="8064A2"/>
+      </a:accent4>
+      <a:accent5>
+        <a:srgbClr val="4BACC6"/>
+      </a:accent5>
+      <a:accent6>
+        <a:srgbClr val="F79646"/>
+      </a:accent6>
+      <a:hlink>
+        <a:srgbClr val="0000FF"/>
+      </a:hlink>
+      <a:folHlink>
+        <a:srgbClr val="800080"/>
+      </a:folHlink>
+    </a:clrScheme>
+    <a:fontScheme name="Office">
+      <a:majorFont>
+        <a:latin typeface="Calibri"/>
+        <a:ea typeface=""/>
+        <a:cs typeface=""/>
+        <a:font script="Jpan" typeface="ＭＳ Ｐゴシック"/>
+        <a:font script="Hang" typeface="맑은 고딕"/>
+        <a:font script="Hans" typeface="宋体"/>
+        <a:font script="Hant" typeface="新細明體"/>
+        <a:font script="Arab" typeface="Times New Roman"/>
+        <a:font script="Hebr" typeface="Times New Roman"/>
+        <a:font script="Thai" typeface="Angsana New"/>
+        <a:font script="Ethi" typeface="Nyala"/>
+        <a:font script="Beng" typeface="Vrinda"/>
+        <a:font script="Gujr" typeface="Shruti"/>
+        <a:font script="Khmr" typeface="MoolBoran"/>
+        <a:font script="Knda" typeface="Tunga"/>
+        <a:font script="Guru" typeface="Raavi"/>
+        <a:font script="Cans" typeface="Euphemia"/>
+        <a:font script="Cher" typeface="Plantagenet Cherokee"/>
+        <a:font script="Yiii" typeface="Microsoft Yi Baiti"/>
+        <a:font script="Tibt" typeface="Microsoft Himalaya"/>
+        <a:font script="Thaa" typeface="MV Boli"/>
+        <a:font script="Deva" typeface="Mangal"/>
+        <a:font script="Telu" typeface="Gautami"/>
+        <a:font script="Taml" typeface="Latha"/>
+        <a:font script="Syrc" typeface="Estrangelo Edessa"/>
+        <a:font script="Orya" typeface="Kalinga"/>
+        <a:font script="Mlym" typeface="Kartika"/>
+        <a:font script="Laoo" typeface="DokChampa"/>
+        <a:font script="Sinh" typeface="Iskoola Pota"/>
+        <a:font script="Mong" typeface="Mongolian Baiti"/>
+        <a:font script="Viet" typeface="Times New Roman"/>
+        <a:font script="Uigh" typeface="Microsoft Uighur"/>
+        <a:font script="Geor" typeface="Sylfaen"/>
+      </a:majorFont>
+      <a:minorFont>
+        <a:latin typeface="Calibri"/>
+        <a:ea typeface=""/>
+        <a:cs typeface=""/>
+        <a:font script="Jpan" typeface="ＭＳ Ｐゴシック"/>
+        <a:font script="Hang" typeface="맑은 고딕"/>
+        <a:font script="Hans" typeface="宋体"/>
+        <a:font script="Hant" typeface="新細明體"/>
+        <a:font script="Arab" typeface="Arial"/>
+        <a:font script="Hebr" typeface="Arial"/>
+        <a:font script="Thai" typeface="Cordia New"/>
+        <a:font script="Ethi" typeface="Nyala"/>
+        <a:font script="Beng" typeface="Vrinda"/>
+        <a:font script="Gujr" typeface="Shruti"/>
+        <a:font script="Khmr" typeface="DaunPenh"/>
+        <a:font script="Knda" typeface="Tunga"/>
+        <a:font script="Guru" typeface="Raavi"/>
+        <a:font script="Cans" typeface="Euphemia"/>
+        <a:font script="Cher" typeface="Plantagenet Cherokee"/>
+        <a:font script="Yiii" typeface="Microsoft Yi Baiti"/>
+        <a:font script="Tibt" typeface="Microsoft Himalaya"/>
+        <a:font script="Thaa" typeface="MV Boli"/>
+        <a:font script="Deva" typeface="Mangal"/>
+        <a:font script="Telu" typeface="Gautami"/>
+        <a:font script="Taml" typeface="Latha"/>
+        <a:font script="Syrc" typeface="Estrangelo Edessa"/>
+        <a:font script="Orya" typeface="Kalinga"/>
+        <a:font script="Mlym" typeface="Kartika"/>
+        <a:font script="Laoo" typeface="DokChampa"/>
+        <a:font script="Sinh" typeface="Iskoola Pota"/>
+        <a:font script="Mong" typeface="Mongolian Baiti"/>
+        <a:font script="Viet" typeface="Arial"/>
+        <a:font script="Uigh" typeface="Microsoft Uighur"/>
+        <a:font script="Geor" typeface="Sylfaen"/>
+      </a:minorFont>
+    </a:fontScheme>
+    <a:fmtScheme name="Office">
+      <a:fillStyleLst>
+        <a:solidFill>
+          <a:schemeClr val="phClr"/>
+        </a:solidFill>
+        <a:gradFill rotWithShape="1">
+          <a:gsLst>
+            <a:gs pos="0">
+              <a:schemeClr val="phClr">
+                <a:tint val="50000"/>
+                <a:satMod val="300000"/>
+              </a:schemeClr>
+            </a:gs>
+            <a:gs pos="35000">
+              <a:schemeClr val="phClr">
+                <a:tint val="37000"/>
+                <a:satMod val="300000"/>
+              </a:schemeClr>
+            </a:gs>
+            <a:gs pos="100000">
+              <a:schemeClr val="phClr">
+                <a:tint val="15000"/>
+                <a:satMod val="350000"/>
+              </a:schemeClr>
+            </a:gs>
+          </a:gsLst>
+          <a:lin ang="16200000" scaled="1"/>
+        </a:gradFill>
+        <a:gradFill rotWithShape="1">
+          <a:gsLst>
+            <a:gs pos="0">
+              <a:schemeClr val="phClr">
+                <a:tint val="100000"/>
+                <a:shade val="100000"/>
+                <a:satMod val="130000"/>
+              </a:schemeClr>
+            </a:gs>
+            <a:gs pos="100000">
+              <a:schemeClr val="phClr">
+                <a:tint val="50000"/>
+                <a:shade val="100000"/>
+                <a:satMod val="350000"/>
+              </a:schemeClr>
+            </a:gs>
+          </a:gsLst>
+          <a:lin ang="16200000" scaled="0"/>
+        </a:gradFill>
+      </a:fillStyleLst>
+      <a:lnStyleLst>
+        <a:ln w="9525" cap="flat" cmpd="sng" algn="ctr">
+          <a:solidFill>
+            <a:schemeClr val="phClr">
+              <a:shade val="95000"/>
+              <a:satMod val="105000"/>
+            </a:schemeClr>
+          </a:solidFill>
+          <a:prstDash val="solid"/>
+        </a:ln>
+        <a:ln w="25400" cap="flat" cmpd="sng" algn="ctr">
+          <a:solidFill>
+            <a:schemeClr val="phClr"/>
+          </a:solidFill>
+          <a:prstDash val="solid"/>
+        </a:ln>
+        <a:ln w="38100" cap="flat" cmpd="sng" algn="ctr">
+          <a:solidFill>
+            <a:schemeClr val="phClr"/>
+          </a:solidFill>
+          <a:prstDash val="solid"/>
+        </a:ln>
+      </a:lnStyleLst>
+      <a:effectStyleLst>
+        <a:effectStyle>
+          <a:effectLst>
+            <a:outerShdw blurRad="40000" dist="20000" dir="5400000" rotWithShape="0">
+              <a:srgbClr val="000000">
+                <a:alpha val="38000"/>
+              </a:srgbClr>
+            </a:outerShdw>
+          </a:effectLst>
+        </a:effectStyle>
+        <a:effectStyle>
+          <a:effectLst>
+            <a:outerShdw blurRad="40000" dist="23000" dir="5400000" rotWithShape="0">
+              <a:srgbClr val="000000">
+                <a:alpha val="35000"/>
+              </a:srgbClr>
+            </a:outerShdw>
+          </a:effectLst>
+        </a:effectStyle>
+        <a:effectStyle>
+          <a:effectLst>
+            <a:outerShdw blurRad="40000" dist="23000" dir="5400000" rotWithShape="0">
+              <a:srgbClr val="000000">
+                <a:alpha val="35000"/>
+              </a:srgbClr>
+            </a:outerShdw>
+          </a:effectLst>
+          <a:scene3d>
+            <a:camera prst="orthographicFront">
+              <a:rot lat="0" lon="0" rev="0"/>
+            </a:camera>
+            <a:lightRig rig="threePt" dir="t">
+              <a:rot lat="0" lon="0" rev="1200000"/>
+            </a:lightRig>
+          </a:scene3d>
+          <a:sp3d>
+            <a:bevelT w="63500" h="25400"/>
+          </a:sp3d>
+        </a:effectStyle>
+      </a:effectStyleLst>
+      <a:bgFillStyleLst>
+        <a:solidFill>
+          <a:schemeClr val="phClr"/>
+        </a:solidFill>
+        <a:gradFill rotWithShape="1">
+          <a:gsLst>
+            <a:gs pos="0">
+              <a:schemeClr val="phClr">
+                <a:tint val="40000"/>
+                <a:satMod val="350000"/>
+              </a:schemeClr>
+            </a:gs>
+            <a:gs pos="40000">
+              <a:schemeClr val="phClr">
+                <a:tint val="45000"/>
+                <a:shade val="99000"/>
+                <a:satMod val="350000"/>
+              </a:schemeClr>
+            </a:gs>
+            <a:gs pos="100000">
+              <a:schemeClr val="phClr">
+                <a:shade val="20000"/>
+                <a:satMod val="255000"/>
+              </a:schemeClr>
+            </a:gs>
+          </a:gsLst>
+          <a:path path="circle">
+            <a:fillToRect l="50000" t="-80000" r="50000" b="180000"/>
+          </a:path>
+        </a:gradFill>
+        <a:gradFill rotWithShape="1">
+          <a:gsLst>
+            <a:gs pos="0">
+              <a:schemeClr val="phClr">
+                <a:tint val="80000"/>
+                <a:satMod val="300000"/>
+              </a:schemeClr>
+            </a:gs>
+            <a:gs pos="100000">
+              <a:schemeClr val="phClr">
+                <a:shade val="30000"/>
+                <a:satMod val="200000"/>
+              </a:schemeClr>
+            </a:gs>
+          </a:gsLst>
+          <a:path path="circle">
+            <a:fillToRect l="50000" t="50000" r="50000" b="50000"/>
+          </a:path>
+        </a:gradFill>
+      </a:bgFillStyleLst>
+    </a:fmtScheme>
+  </a:themeElements>
+  <a:objectDefaults>
+    <a:spDef>
+      <a:spPr/>
+      <a:bodyPr/>
+      <a:lstStyle/>
+      <a:style>
+        <a:lnRef idx="1">
+          <a:schemeClr val="accent1"/>
+        </a:lnRef>
+        <a:fillRef idx="3">
+          <a:schemeClr val="accent1"/>
+        </a:fillRef>
+        <a:effectRef idx="2">
+          <a:schemeClr val="accent1"/>
+        </a:effectRef>
+        <a:fontRef idx="minor">
+          <a:schemeClr val="lt1"/>
+        </a:fontRef>
+      </a:style>
+    </a:spDef>
+    <a:lnDef>
+      <a:spPr/>
+      <a:bodyPr/>
+      <a:lstStyle/>
+      <a:style>
+        <a:lnRef idx="2">
+          <a:schemeClr val="accent1"/>
+        </a:lnRef>
+        <a:fillRef idx="0">
+          <a:schemeClr val="accent1"/>
+        </a:fillRef>
+        <a:effectRef idx="1">
+          <a:schemeClr val="accent1"/>
+        </a:effectRef>
+        <a:fontRef idx="minor">
+          <a:schemeClr val="tx1"/>
+        </a:fontRef>
+      </a:style>
+    </a:lnDef>
+  </a:objectDefaults>
+  <a:extraClrSchemeLst/>
+  <a:extLst>
+    <a:ext uri="{05A4C25C-085E-4340-85A3-A5531E510DB2}">
+      <thm15:themeFamily xmlns:thm15="http://schemas.microsoft.com/office/thememl/2012/main" name="Presentation2" id="{E033CE4F-DAC9-4DC1-B085-D07FC0345DDB}" vid="{0783260F-4856-4ED7-B8E5-5C83CC1572CF}"/>
+    </a:ext>
+  </a:extLst>
+</a:theme>
+</file>
+
+<file path=ppt/theme/theme2.xml><?xml version="1.0" encoding="utf-8"?>
+<a:theme xmlns:a="http://schemas.openxmlformats.org/drawingml/2006/main" name="Office Theme">
   <a:themeElements>
     <a:clrScheme name="Office">
       <a:dk1>
@@ -5845,8 +4384,270 @@
   <a:extraClrSchemeLst/>
   <a:extLst>
     <a:ext uri="{05A4C25C-085E-4340-85A3-A5531E510DB2}">
-      <thm15:themeFamily xmlns:thm15="http://schemas.microsoft.com/office/thememl/2012/main" name="FromNisheetTheme1" id="{867BE3CC-E440-4FFF-B1B6-AA54221102D8}" vid="{601AF4FC-7F68-400F-AF1A-BB38D632B53C}"/>
+      <thm15:themeFamily xmlns:thm15="http://schemas.microsoft.com/office/thememl/2012/main" name="Office Theme" id="{62F939B6-93AF-4DB8-9C6B-D6C7DFDC589F}" vid="{4A3C46E8-61CC-4603-A589-7422A47A8E4A}"/>
     </a:ext>
   </a:extLst>
 </a:theme>
+</file>
+
+<file path=customXml/item1.xml><?xml version="1.0" encoding="utf-8"?>
+<ct:contentTypeSchema xmlns:ct="http://schemas.microsoft.com/office/2006/metadata/contentType" xmlns:ma="http://schemas.microsoft.com/office/2006/metadata/properties/metaAttributes" ct:_="" ma:_="" ma:contentTypeName="Document" ma:contentTypeID="0x0101000F421C3DE11F24489C3C49A9442BEF44" ma:contentTypeVersion="0" ma:contentTypeDescription="Create a new document." ma:contentTypeScope="" ma:versionID="03fa29219166c606cfec6c1a2cbf2ee4">
+  <xsd:schema xmlns:xsd="http://www.w3.org/2001/XMLSchema" xmlns:xs="http://www.w3.org/2001/XMLSchema" xmlns:p="http://schemas.microsoft.com/office/2006/metadata/properties" xmlns:ns2="a9328eaf-6333-4034-a7ce-997665b5f80d" targetNamespace="http://schemas.microsoft.com/office/2006/metadata/properties" ma:root="true" ma:fieldsID="40f1611e01294dd1c52f51bc3dec7bd7" ns2:_="">
+    <xsd:import namespace="a9328eaf-6333-4034-a7ce-997665b5f80d"/>
+    <xsd:element name="properties">
+      <xsd:complexType>
+        <xsd:sequence>
+          <xsd:element name="documentManagement">
+            <xsd:complexType>
+              <xsd:all>
+                <xsd:element ref="ns2:_dlc_DocId" minOccurs="0"/>
+                <xsd:element ref="ns2:_dlc_DocIdUrl" minOccurs="0"/>
+                <xsd:element ref="ns2:_dlc_DocIdPersistId" minOccurs="0"/>
+              </xsd:all>
+            </xsd:complexType>
+          </xsd:element>
+        </xsd:sequence>
+      </xsd:complexType>
+    </xsd:element>
+  </xsd:schema>
+  <xsd:schema xmlns:xsd="http://www.w3.org/2001/XMLSchema" xmlns:xs="http://www.w3.org/2001/XMLSchema" xmlns:dms="http://schemas.microsoft.com/office/2006/documentManagement/types" xmlns:pc="http://schemas.microsoft.com/office/infopath/2007/PartnerControls" targetNamespace="a9328eaf-6333-4034-a7ce-997665b5f80d" elementFormDefault="qualified">
+    <xsd:import namespace="http://schemas.microsoft.com/office/2006/documentManagement/types"/>
+    <xsd:import namespace="http://schemas.microsoft.com/office/infopath/2007/PartnerControls"/>
+    <xsd:element name="_dlc_DocId" ma:index="8" nillable="true" ma:displayName="Document ID Value" ma:description="The value of the document ID assigned to this item." ma:internalName="_dlc_DocId" ma:readOnly="true">
+      <xsd:simpleType>
+        <xsd:restriction base="dms:Text"/>
+      </xsd:simpleType>
+    </xsd:element>
+    <xsd:element name="_dlc_DocIdUrl" ma:index="9" nillable="true" ma:displayName="Document ID" ma:description="Permanent link to this document." ma:hidden="true" ma:internalName="_dlc_DocIdUrl" ma:readOnly="true">
+      <xsd:complexType>
+        <xsd:complexContent>
+          <xsd:extension base="dms:URL">
+            <xsd:sequence>
+              <xsd:element name="Url" type="dms:ValidUrl" minOccurs="0" nillable="true"/>
+              <xsd:element name="Description" type="xsd:string" nillable="true"/>
+            </xsd:sequence>
+          </xsd:extension>
+        </xsd:complexContent>
+      </xsd:complexType>
+    </xsd:element>
+    <xsd:element name="_dlc_DocIdPersistId" ma:index="10" nillable="true" ma:displayName="Persist ID" ma:description="Keep ID on add." ma:hidden="true" ma:internalName="_dlc_DocIdPersistId" ma:readOnly="true">
+      <xsd:simpleType>
+        <xsd:restriction base="dms:Boolean"/>
+      </xsd:simpleType>
+    </xsd:element>
+  </xsd:schema>
+  <xsd:schema xmlns="http://schemas.openxmlformats.org/package/2006/metadata/core-properties" xmlns:xsd="http://www.w3.org/2001/XMLSchema" xmlns:xsi="http://www.w3.org/2001/XMLSchema-instance" xmlns:dc="http://purl.org/dc/elements/1.1/" xmlns:dcterms="http://purl.org/dc/terms/" xmlns:odoc="http://schemas.microsoft.com/internal/obd" targetNamespace="http://schemas.openxmlformats.org/package/2006/metadata/core-properties" elementFormDefault="qualified" attributeFormDefault="unqualified" blockDefault="#all">
+    <xsd:import namespace="http://purl.org/dc/elements/1.1/" schemaLocation="http://dublincore.org/schemas/xmls/qdc/2003/04/02/dc.xsd"/>
+    <xsd:import namespace="http://purl.org/dc/terms/" schemaLocation="http://dublincore.org/schemas/xmls/qdc/2003/04/02/dcterms.xsd"/>
+    <xsd:element name="coreProperties" type="CT_coreProperties"/>
+    <xsd:complexType name="CT_coreProperties">
+      <xsd:all>
+        <xsd:element ref="dc:creator" minOccurs="0" maxOccurs="1"/>
+        <xsd:element ref="dcterms:created" minOccurs="0" maxOccurs="1"/>
+        <xsd:element ref="dc:identifier" minOccurs="0" maxOccurs="1"/>
+        <xsd:element name="contentType" minOccurs="0" maxOccurs="1" type="xsd:string" ma:index="0" ma:displayName="Content Type"/>
+        <xsd:element ref="dc:title" minOccurs="0" maxOccurs="1" ma:index="4" ma:displayName="Title"/>
+        <xsd:element ref="dc:subject" minOccurs="0" maxOccurs="1"/>
+        <xsd:element ref="dc:description" minOccurs="0" maxOccurs="1"/>
+        <xsd:element name="keywords" minOccurs="0" maxOccurs="1" type="xsd:string"/>
+        <xsd:element ref="dc:language" minOccurs="0" maxOccurs="1"/>
+        <xsd:element name="category" minOccurs="0" maxOccurs="1" type="xsd:string"/>
+        <xsd:element name="version" minOccurs="0" maxOccurs="1" type="xsd:string"/>
+        <xsd:element name="revision" minOccurs="0" maxOccurs="1" type="xsd:string">
+          <xsd:annotation>
+            <xsd:documentation>
+                        This value indicates the number of saves or revisions. The application is responsible for updating this value after each revision.
+                    </xsd:documentation>
+          </xsd:annotation>
+        </xsd:element>
+        <xsd:element name="lastModifiedBy" minOccurs="0" maxOccurs="1" type="xsd:string"/>
+        <xsd:element ref="dcterms:modified" minOccurs="0" maxOccurs="1"/>
+        <xsd:element name="contentStatus" minOccurs="0" maxOccurs="1" type="xsd:string"/>
+      </xsd:all>
+    </xsd:complexType>
+  </xsd:schema>
+  <xs:schema xmlns:pc="http://schemas.microsoft.com/office/infopath/2007/PartnerControls" xmlns:xs="http://www.w3.org/2001/XMLSchema" targetNamespace="http://schemas.microsoft.com/office/infopath/2007/PartnerControls" elementFormDefault="qualified" attributeFormDefault="unqualified">
+    <xs:element name="Person">
+      <xs:complexType>
+        <xs:sequence>
+          <xs:element ref="pc:DisplayName" minOccurs="0"/>
+          <xs:element ref="pc:AccountId" minOccurs="0"/>
+          <xs:element ref="pc:AccountType" minOccurs="0"/>
+        </xs:sequence>
+      </xs:complexType>
+    </xs:element>
+    <xs:element name="DisplayName" type="xs:string"/>
+    <xs:element name="AccountId" type="xs:string"/>
+    <xs:element name="AccountType" type="xs:string"/>
+    <xs:element name="BDCAssociatedEntity">
+      <xs:complexType>
+        <xs:sequence>
+          <xs:element ref="pc:BDCEntity" minOccurs="0" maxOccurs="unbounded"/>
+        </xs:sequence>
+        <xs:attribute ref="pc:EntityNamespace"/>
+        <xs:attribute ref="pc:EntityName"/>
+        <xs:attribute ref="pc:SystemInstanceName"/>
+        <xs:attribute ref="pc:AssociationName"/>
+      </xs:complexType>
+    </xs:element>
+    <xs:attribute name="EntityNamespace" type="xs:string"/>
+    <xs:attribute name="EntityName" type="xs:string"/>
+    <xs:attribute name="SystemInstanceName" type="xs:string"/>
+    <xs:attribute name="AssociationName" type="xs:string"/>
+    <xs:element name="BDCEntity">
+      <xs:complexType>
+        <xs:sequence>
+          <xs:element ref="pc:EntityDisplayName" minOccurs="0"/>
+          <xs:element ref="pc:EntityInstanceReference" minOccurs="0"/>
+          <xs:element ref="pc:EntityId1" minOccurs="0"/>
+          <xs:element ref="pc:EntityId2" minOccurs="0"/>
+          <xs:element ref="pc:EntityId3" minOccurs="0"/>
+          <xs:element ref="pc:EntityId4" minOccurs="0"/>
+          <xs:element ref="pc:EntityId5" minOccurs="0"/>
+        </xs:sequence>
+      </xs:complexType>
+    </xs:element>
+    <xs:element name="EntityDisplayName" type="xs:string"/>
+    <xs:element name="EntityInstanceReference" type="xs:string"/>
+    <xs:element name="EntityId1" type="xs:string"/>
+    <xs:element name="EntityId2" type="xs:string"/>
+    <xs:element name="EntityId3" type="xs:string"/>
+    <xs:element name="EntityId4" type="xs:string"/>
+    <xs:element name="EntityId5" type="xs:string"/>
+    <xs:element name="Terms">
+      <xs:complexType>
+        <xs:sequence>
+          <xs:element ref="pc:TermInfo" minOccurs="0" maxOccurs="unbounded"/>
+        </xs:sequence>
+      </xs:complexType>
+    </xs:element>
+    <xs:element name="TermInfo">
+      <xs:complexType>
+        <xs:sequence>
+          <xs:element ref="pc:TermName" minOccurs="0"/>
+          <xs:element ref="pc:TermId" minOccurs="0"/>
+        </xs:sequence>
+      </xs:complexType>
+    </xs:element>
+    <xs:element name="TermName" type="xs:string"/>
+    <xs:element name="TermId" type="xs:string"/>
+  </xs:schema>
+</ct:contentTypeSchema>
+</file>
+
+<file path=customXml/item2.xml><?xml version="1.0" encoding="utf-8"?>
+<?mso-contentType ?>
+<spe:Receivers xmlns:spe="http://schemas.microsoft.com/sharepoint/events">
+  <Receiver>
+    <Name>Document ID Generator</Name>
+    <Synchronization>Synchronous</Synchronization>
+    <Type>10001</Type>
+    <SequenceNumber>1000</SequenceNumber>
+    <Assembly>Microsoft.Office.DocumentManagement, Version=14.0.0.0, Culture=neutral, PublicKeyToken=71e9bce111e9429c</Assembly>
+    <Class>Microsoft.Office.DocumentManagement.Internal.DocIdHandler</Class>
+    <Data/>
+    <Filter/>
+  </Receiver>
+  <Receiver>
+    <Name>Document ID Generator</Name>
+    <Synchronization>Synchronous</Synchronization>
+    <Type>10002</Type>
+    <SequenceNumber>1001</SequenceNumber>
+    <Assembly>Microsoft.Office.DocumentManagement, Version=14.0.0.0, Culture=neutral, PublicKeyToken=71e9bce111e9429c</Assembly>
+    <Class>Microsoft.Office.DocumentManagement.Internal.DocIdHandler</Class>
+    <Data/>
+    <Filter/>
+  </Receiver>
+  <Receiver>
+    <Name>Document ID Generator</Name>
+    <Synchronization>Synchronous</Synchronization>
+    <Type>10004</Type>
+    <SequenceNumber>1002</SequenceNumber>
+    <Assembly>Microsoft.Office.DocumentManagement, Version=14.0.0.0, Culture=neutral, PublicKeyToken=71e9bce111e9429c</Assembly>
+    <Class>Microsoft.Office.DocumentManagement.Internal.DocIdHandler</Class>
+    <Data/>
+    <Filter/>
+  </Receiver>
+  <Receiver>
+    <Name>Document ID Generator</Name>
+    <Synchronization>Synchronous</Synchronization>
+    <Type>10006</Type>
+    <SequenceNumber>1003</SequenceNumber>
+    <Assembly>Microsoft.Office.DocumentManagement, Version=14.0.0.0, Culture=neutral, PublicKeyToken=71e9bce111e9429c</Assembly>
+    <Class>Microsoft.Office.DocumentManagement.Internal.DocIdHandler</Class>
+    <Data/>
+    <Filter/>
+  </Receiver>
+</spe:Receivers>
+</file>
+
+<file path=customXml/item3.xml><?xml version="1.0" encoding="utf-8"?>
+<?mso-contentType ?>
+<FormTemplates xmlns="http://schemas.microsoft.com/sharepoint/v3/contenttype/forms">
+  <Display>DocumentLibraryForm</Display>
+  <Edit>DocumentLibraryForm</Edit>
+  <New>DocumentLibraryForm</New>
+</FormTemplates>
+</file>
+
+<file path=customXml/item4.xml><?xml version="1.0" encoding="utf-8"?>
+<p:properties xmlns:p="http://schemas.microsoft.com/office/2006/metadata/properties" xmlns:xsi="http://www.w3.org/2001/XMLSchema-instance" xmlns:pc="http://schemas.microsoft.com/office/infopath/2007/PartnerControls">
+  <documentManagement>
+    <_dlc_DocId xmlns="a9328eaf-6333-4034-a7ce-997665b5f80d">6AH7XJTKT27D-494-2</_dlc_DocId>
+    <_dlc_DocIdUrl xmlns="a9328eaf-6333-4034-a7ce-997665b5f80d">
+      <Url>http://itportal/sites/PMD/presentations/_layouts/DocIdRedir.aspx?ID=6AH7XJTKT27D-494-2</Url>
+      <Description>6AH7XJTKT27D-494-2</Description>
+    </_dlc_DocIdUrl>
+  </documentManagement>
+</p:properties>
+</file>
+
+<file path=customXml/itemProps1.xml><?xml version="1.0" encoding="utf-8"?>
+<ds:datastoreItem xmlns:ds="http://schemas.openxmlformats.org/officeDocument/2006/customXml" ds:itemID="{EF7533AB-0193-4AEC-8EC4-E6A274EB1992}">
+  <ds:schemaRefs>
+    <ds:schemaRef ds:uri="http://schemas.microsoft.com/office/2006/metadata/contentType"/>
+    <ds:schemaRef ds:uri="http://schemas.microsoft.com/office/2006/metadata/properties/metaAttributes"/>
+    <ds:schemaRef ds:uri="http://www.w3.org/2001/XMLSchema"/>
+    <ds:schemaRef ds:uri="http://schemas.microsoft.com/office/2006/metadata/properties"/>
+    <ds:schemaRef ds:uri="a9328eaf-6333-4034-a7ce-997665b5f80d"/>
+    <ds:schemaRef ds:uri="http://schemas.microsoft.com/office/2006/documentManagement/types"/>
+    <ds:schemaRef ds:uri="http://schemas.microsoft.com/office/infopath/2007/PartnerControls"/>
+    <ds:schemaRef ds:uri="http://schemas.openxmlformats.org/package/2006/metadata/core-properties"/>
+    <ds:schemaRef ds:uri="http://purl.org/dc/elements/1.1/"/>
+    <ds:schemaRef ds:uri="http://purl.org/dc/terms/"/>
+    <ds:schemaRef ds:uri="http://schemas.microsoft.com/internal/obd"/>
+  </ds:schemaRefs>
+</ds:datastoreItem>
+</file>
+
+<file path=customXml/itemProps2.xml><?xml version="1.0" encoding="utf-8"?>
+<ds:datastoreItem xmlns:ds="http://schemas.openxmlformats.org/officeDocument/2006/customXml" ds:itemID="{8CB52003-E8CD-4DF2-932F-2EC7EF4DD677}">
+  <ds:schemaRefs>
+    <ds:schemaRef ds:uri="http://schemas.microsoft.com/sharepoint/events"/>
+  </ds:schemaRefs>
+</ds:datastoreItem>
+</file>
+
+<file path=customXml/itemProps3.xml><?xml version="1.0" encoding="utf-8"?>
+<ds:datastoreItem xmlns:ds="http://schemas.openxmlformats.org/officeDocument/2006/customXml" ds:itemID="{E9FEC3C6-DD16-422A-B8AE-8B104F632898}">
+  <ds:schemaRefs>
+    <ds:schemaRef ds:uri="http://schemas.microsoft.com/sharepoint/v3/contenttype/forms"/>
+  </ds:schemaRefs>
+</ds:datastoreItem>
+</file>
+
+<file path=customXml/itemProps4.xml><?xml version="1.0" encoding="utf-8"?>
+<ds:datastoreItem xmlns:ds="http://schemas.openxmlformats.org/officeDocument/2006/customXml" ds:itemID="{39B4CF60-C0DC-4692-912B-881AF8D8CFF5}">
+  <ds:schemaRefs>
+    <ds:schemaRef ds:uri="http://www.w3.org/XML/1998/namespace"/>
+    <ds:schemaRef ds:uri="http://purl.org/dc/dcmitype/"/>
+    <ds:schemaRef ds:uri="http://schemas.openxmlformats.org/package/2006/metadata/core-properties"/>
+    <ds:schemaRef ds:uri="http://schemas.microsoft.com/office/2006/documentManagement/types"/>
+    <ds:schemaRef ds:uri="http://schemas.microsoft.com/office/2006/metadata/properties"/>
+    <ds:schemaRef ds:uri="http://purl.org/dc/elements/1.1/"/>
+    <ds:schemaRef ds:uri="http://schemas.microsoft.com/office/infopath/2007/PartnerControls"/>
+    <ds:schemaRef ds:uri="a9328eaf-6333-4034-a7ce-997665b5f80d"/>
+    <ds:schemaRef ds:uri="http://purl.org/dc/terms/"/>
+  </ds:schemaRefs>
+</ds:datastoreItem>
 </file>
--- a/CurrentWork_Delta/CX_StrategyPowerPoint.pptx
+++ b/CurrentWork_Delta/CX_StrategyPowerPoint.pptx
@@ -5,25 +5,27 @@
     <p:sldMasterId id="2147483648" r:id="rId5"/>
   </p:sldMasterIdLst>
   <p:notesMasterIdLst>
-    <p:notesMasterId r:id="rId19"/>
+    <p:notesMasterId r:id="rId21"/>
   </p:notesMasterIdLst>
   <p:sldIdLst>
     <p:sldId id="256" r:id="rId6"/>
     <p:sldId id="261" r:id="rId7"/>
     <p:sldId id="262" r:id="rId8"/>
     <p:sldId id="263" r:id="rId9"/>
-    <p:sldId id="271" r:id="rId10"/>
-    <p:sldId id="272" r:id="rId11"/>
-    <p:sldId id="273" r:id="rId12"/>
-    <p:sldId id="274" r:id="rId13"/>
-    <p:sldId id="275" r:id="rId14"/>
-    <p:sldId id="276" r:id="rId15"/>
-    <p:sldId id="277" r:id="rId16"/>
-    <p:sldId id="278" r:id="rId17"/>
+    <p:sldId id="283" r:id="rId10"/>
+    <p:sldId id="271" r:id="rId11"/>
+    <p:sldId id="272" r:id="rId12"/>
+    <p:sldId id="273" r:id="rId13"/>
+    <p:sldId id="274" r:id="rId14"/>
+    <p:sldId id="275" r:id="rId15"/>
+    <p:sldId id="281" r:id="rId16"/>
+    <p:sldId id="282" r:id="rId17"/>
     <p:sldId id="279" r:id="rId18"/>
+    <p:sldId id="280" r:id="rId19"/>
+    <p:sldId id="284" r:id="rId20"/>
   </p:sldIdLst>
   <p:sldSz cx="9144000" cy="6858000" type="screen4x3"/>
-  <p:notesSz cx="6858000" cy="9144000"/>
+  <p:notesSz cx="7010400" cy="9296400"/>
   <p:defaultTextStyle>
     <a:defPPr>
       <a:defRPr lang="en-US"/>
@@ -173,14 +175,14 @@
         <p:spPr>
           <a:xfrm>
             <a:off x="0" y="0"/>
-            <a:ext cx="2971800" cy="458788"/>
+            <a:ext cx="3037840" cy="466434"/>
           </a:xfrm>
           <a:prstGeom prst="rect">
             <a:avLst/>
           </a:prstGeom>
         </p:spPr>
         <p:txBody>
-          <a:bodyPr vert="horz" lIns="91440" tIns="45720" rIns="91440" bIns="45720" rtlCol="0"/>
+          <a:bodyPr vert="horz" lIns="93177" tIns="46589" rIns="93177" bIns="46589" rtlCol="0"/>
           <a:lstStyle>
             <a:lvl1pPr algn="l">
               <a:defRPr sz="1200"/>
@@ -203,15 +205,15 @@
         </p:nvSpPr>
         <p:spPr>
           <a:xfrm>
-            <a:off x="3884613" y="0"/>
-            <a:ext cx="2971800" cy="458788"/>
+            <a:off x="3970938" y="0"/>
+            <a:ext cx="3037840" cy="466434"/>
           </a:xfrm>
           <a:prstGeom prst="rect">
             <a:avLst/>
           </a:prstGeom>
         </p:spPr>
         <p:txBody>
-          <a:bodyPr vert="horz" lIns="91440" tIns="45720" rIns="91440" bIns="45720" rtlCol="0"/>
+          <a:bodyPr vert="horz" lIns="93177" tIns="46589" rIns="93177" bIns="46589" rtlCol="0"/>
           <a:lstStyle>
             <a:lvl1pPr algn="r">
               <a:defRPr sz="1200"/>
@@ -220,7 +222,7 @@
           <a:p>
             <a:fld id="{7195FF61-7FDF-4F4D-A3AE-3078F9B9BE1D}" type="datetimeFigureOut">
               <a:rPr lang="en-US" smtClean="0"/>
-              <a:t>3/1/2018</a:t>
+              <a:t>3/2/2018</a:t>
             </a:fld>
             <a:endParaRPr lang="en-US"/>
           </a:p>
@@ -238,8 +240,8 @@
         </p:nvSpPr>
         <p:spPr>
           <a:xfrm>
-            <a:off x="1371600" y="1143000"/>
-            <a:ext cx="4114800" cy="3086100"/>
+            <a:off x="1414463" y="1162050"/>
+            <a:ext cx="4181475" cy="3136900"/>
           </a:xfrm>
           <a:prstGeom prst="rect">
             <a:avLst/>
@@ -252,7 +254,7 @@
           </a:ln>
         </p:spPr>
         <p:txBody>
-          <a:bodyPr vert="horz" lIns="91440" tIns="45720" rIns="91440" bIns="45720" rtlCol="0" anchor="ctr"/>
+          <a:bodyPr vert="horz" lIns="93177" tIns="46589" rIns="93177" bIns="46589" rtlCol="0" anchor="ctr"/>
           <a:lstStyle/>
           <a:p>
             <a:endParaRPr lang="en-US"/>
@@ -271,15 +273,15 @@
         </p:nvSpPr>
         <p:spPr>
           <a:xfrm>
-            <a:off x="685800" y="4400550"/>
-            <a:ext cx="5486400" cy="3600450"/>
+            <a:off x="701040" y="4473892"/>
+            <a:ext cx="5608320" cy="3660458"/>
           </a:xfrm>
           <a:prstGeom prst="rect">
             <a:avLst/>
           </a:prstGeom>
         </p:spPr>
         <p:txBody>
-          <a:bodyPr vert="horz" lIns="91440" tIns="45720" rIns="91440" bIns="45720" rtlCol="0"/>
+          <a:bodyPr vert="horz" lIns="93177" tIns="46589" rIns="93177" bIns="46589" rtlCol="0"/>
           <a:lstStyle/>
           <a:p>
             <a:pPr lvl="0"/>
@@ -331,15 +333,15 @@
         </p:nvSpPr>
         <p:spPr>
           <a:xfrm>
-            <a:off x="0" y="8685213"/>
-            <a:ext cx="2971800" cy="458787"/>
+            <a:off x="0" y="8829967"/>
+            <a:ext cx="3037840" cy="466433"/>
           </a:xfrm>
           <a:prstGeom prst="rect">
             <a:avLst/>
           </a:prstGeom>
         </p:spPr>
         <p:txBody>
-          <a:bodyPr vert="horz" lIns="91440" tIns="45720" rIns="91440" bIns="45720" rtlCol="0" anchor="b"/>
+          <a:bodyPr vert="horz" lIns="93177" tIns="46589" rIns="93177" bIns="46589" rtlCol="0" anchor="b"/>
           <a:lstStyle>
             <a:lvl1pPr algn="l">
               <a:defRPr sz="1200"/>
@@ -362,15 +364,15 @@
         </p:nvSpPr>
         <p:spPr>
           <a:xfrm>
-            <a:off x="3884613" y="8685213"/>
-            <a:ext cx="2971800" cy="458787"/>
+            <a:off x="3970938" y="8829967"/>
+            <a:ext cx="3037840" cy="466433"/>
           </a:xfrm>
           <a:prstGeom prst="rect">
             <a:avLst/>
           </a:prstGeom>
         </p:spPr>
         <p:txBody>
-          <a:bodyPr vert="horz" lIns="91440" tIns="45720" rIns="91440" bIns="45720" rtlCol="0" anchor="b"/>
+          <a:bodyPr vert="horz" lIns="93177" tIns="46589" rIns="93177" bIns="46589" rtlCol="0" anchor="b"/>
           <a:lstStyle>
             <a:lvl1pPr algn="r">
               <a:defRPr sz="1200"/>
@@ -2102,15 +2104,7 @@
             <a:pPr algn="ctr"/>
             <a:r>
               <a:rPr lang="en-US" sz="2800" dirty="0" smtClean="0"/>
-              <a:t>Independent Product Test</a:t>
-            </a:r>
-            <a:r>
-              <a:rPr lang="en-US" sz="2800" dirty="0" smtClean="0"/>
-              <a:t>, </a:t>
-            </a:r>
-            <a:r>
-              <a:rPr lang="en-US" sz="2800" dirty="0" smtClean="0"/>
-              <a:t>Scaling</a:t>
+              <a:t>Independent Product Test, Scaling</a:t>
             </a:r>
           </a:p>
           <a:p>
@@ -2181,18 +2175,99 @@
           <a:chExt cx="0" cy="0"/>
         </a:xfrm>
       </p:grpSpPr>
-      <p:pic>
-        <p:nvPicPr>
-          <p:cNvPr id="2" name="Content Placeholder 3"/>
-          <p:cNvPicPr>
-            <a:picLocks noGrp="1" noChangeAspect="1"/>
-          </p:cNvPicPr>
+      <p:sp>
+        <p:nvSpPr>
+          <p:cNvPr id="2" name="Title 1"/>
+          <p:cNvSpPr>
+            <a:spLocks noGrp="1"/>
+          </p:cNvSpPr>
+          <p:nvPr>
+            <p:ph type="title"/>
+          </p:nvPr>
+        </p:nvSpPr>
+        <p:spPr>
+          <a:xfrm>
+            <a:off x="1641767" y="129597"/>
+            <a:ext cx="5101934" cy="1325563"/>
+          </a:xfrm>
+        </p:spPr>
+        <p:txBody>
+          <a:bodyPr anchor="t"/>
+          <a:lstStyle/>
+          <a:p>
+            <a:pPr algn="ctr"/>
+            <a:r>
+              <a:rPr lang="en-US" dirty="0" smtClean="0"/>
+              <a:t>REPORTING</a:t>
+            </a:r>
+            <a:endParaRPr lang="en-US" dirty="0"/>
+          </a:p>
+        </p:txBody>
+      </p:sp>
+      <p:sp>
+        <p:nvSpPr>
+          <p:cNvPr id="3" name="Content Placeholder 2"/>
+          <p:cNvSpPr>
+            <a:spLocks noGrp="1"/>
+          </p:cNvSpPr>
           <p:nvPr>
             <p:ph idx="1"/>
           </p:nvPr>
+        </p:nvSpPr>
+        <p:spPr>
+          <a:xfrm>
+            <a:off x="432843" y="1863333"/>
+            <a:ext cx="3849789" cy="4351338"/>
+          </a:xfrm>
+        </p:spPr>
+        <p:txBody>
+          <a:bodyPr/>
+          <a:lstStyle/>
+          <a:p>
+            <a:r>
+              <a:rPr lang="en-US" dirty="0" smtClean="0"/>
+              <a:t>Reporting:  Three levels of information</a:t>
+            </a:r>
+          </a:p>
+          <a:p>
+            <a:r>
+              <a:rPr lang="en-US" sz="1400" dirty="0" smtClean="0"/>
+              <a:t>    </a:t>
+            </a:r>
+            <a:endParaRPr lang="en-US" sz="1400" dirty="0"/>
+          </a:p>
+          <a:p>
+            <a:r>
+              <a:rPr lang="en-US" dirty="0" smtClean="0"/>
+              <a:t>Hyper granular:  Cover every Assert and Compare in Framework</a:t>
+            </a:r>
+          </a:p>
+          <a:p>
+            <a:pPr lvl="1">
+              <a:buFont typeface="Arial" panose="020B0604020202020204" pitchFamily="34" charset="0"/>
+              <a:buChar char="•"/>
+            </a:pPr>
+            <a:r>
+              <a:rPr lang="en-US" dirty="0" smtClean="0"/>
+              <a:t>Debugging and Framework Development </a:t>
+            </a:r>
+            <a:r>
+              <a:rPr lang="en-US" dirty="0" smtClean="0"/>
+              <a:t>tool</a:t>
+            </a:r>
+          </a:p>
+        </p:txBody>
+      </p:sp>
+      <p:pic>
+        <p:nvPicPr>
+          <p:cNvPr id="4" name="Picture 3"/>
+          <p:cNvPicPr>
+            <a:picLocks noChangeAspect="1"/>
+          </p:cNvPicPr>
+          <p:nvPr/>
         </p:nvPicPr>
         <p:blipFill>
-          <a:blip r:embed="rId2" cstate="print">
+          <a:blip r:embed="rId2">
             <a:extLst>
               <a:ext uri="{28A0092B-C50C-407E-A947-70E740481C1C}">
                 <a14:useLocalDpi xmlns:a14="http://schemas.microsoft.com/office/drawing/2010/main" val="0"/>
@@ -2205,21 +2280,31 @@
         </p:blipFill>
         <p:spPr>
           <a:xfrm>
-            <a:off x="1345721" y="78736"/>
-            <a:ext cx="4520242" cy="6615098"/>
+            <a:off x="4381878" y="942849"/>
+            <a:ext cx="4723646" cy="5744818"/>
           </a:xfrm>
+          <a:prstGeom prst="rect">
+            <a:avLst/>
+          </a:prstGeom>
         </p:spPr>
       </p:pic>
     </p:spTree>
     <p:extLst>
       <p:ext uri="{BB962C8B-B14F-4D97-AF65-F5344CB8AC3E}">
-        <p14:creationId xmlns:p14="http://schemas.microsoft.com/office/powerpoint/2010/main" val="2918513742"/>
+        <p14:creationId xmlns:p14="http://schemas.microsoft.com/office/powerpoint/2010/main" val="21198343"/>
       </p:ext>
     </p:extLst>
   </p:cSld>
   <p:clrMapOvr>
     <a:masterClrMapping/>
   </p:clrMapOvr>
+  <p:timing>
+    <p:tnLst>
+      <p:par>
+        <p:cTn id="1" dur="indefinite" restart="never" nodeType="tmRoot"/>
+      </p:par>
+    </p:tnLst>
+  </p:timing>
 </p:sld>
 </file>
 
@@ -2240,18 +2325,102 @@
           <a:chExt cx="0" cy="0"/>
         </a:xfrm>
       </p:grpSpPr>
-      <p:pic>
-        <p:nvPicPr>
-          <p:cNvPr id="2" name="Content Placeholder 3"/>
-          <p:cNvPicPr>
-            <a:picLocks noGrp="1" noChangeAspect="1"/>
-          </p:cNvPicPr>
+      <p:sp>
+        <p:nvSpPr>
+          <p:cNvPr id="2" name="Title 1"/>
+          <p:cNvSpPr>
+            <a:spLocks noGrp="1"/>
+          </p:cNvSpPr>
+          <p:nvPr>
+            <p:ph type="title"/>
+          </p:nvPr>
+        </p:nvSpPr>
+        <p:spPr>
+          <a:xfrm>
+            <a:off x="1641767" y="129597"/>
+            <a:ext cx="5101934" cy="1325563"/>
+          </a:xfrm>
+        </p:spPr>
+        <p:txBody>
+          <a:bodyPr anchor="t"/>
+          <a:lstStyle/>
+          <a:p>
+            <a:pPr algn="ctr"/>
+            <a:r>
+              <a:rPr lang="en-US" dirty="0" smtClean="0"/>
+              <a:t>REPORTING</a:t>
+            </a:r>
+            <a:endParaRPr lang="en-US" dirty="0"/>
+          </a:p>
+        </p:txBody>
+      </p:sp>
+      <p:sp>
+        <p:nvSpPr>
+          <p:cNvPr id="3" name="Content Placeholder 2"/>
+          <p:cNvSpPr>
+            <a:spLocks noGrp="1"/>
+          </p:cNvSpPr>
           <p:nvPr>
             <p:ph idx="1"/>
           </p:nvPr>
+        </p:nvSpPr>
+        <p:spPr>
+          <a:xfrm>
+            <a:off x="432843" y="1863333"/>
+            <a:ext cx="4787339" cy="4351338"/>
+          </a:xfrm>
+        </p:spPr>
+        <p:txBody>
+          <a:bodyPr/>
+          <a:lstStyle/>
+          <a:p>
+            <a:r>
+              <a:rPr lang="en-US" dirty="0" smtClean="0"/>
+              <a:t>Reporting:  Three levels of information</a:t>
+            </a:r>
+          </a:p>
+          <a:p>
+            <a:pPr marL="341313" lvl="1" indent="0">
+              <a:buNone/>
+            </a:pPr>
+            <a:r>
+              <a:rPr lang="en-US" sz="1400" dirty="0" smtClean="0"/>
+              <a:t>          </a:t>
+            </a:r>
+            <a:endParaRPr lang="en-US" sz="1400" dirty="0" smtClean="0"/>
+          </a:p>
+          <a:p>
+            <a:r>
+              <a:rPr lang="en-US" dirty="0" smtClean="0"/>
+              <a:t>Test Run Specific:  Pass / Fail assessment of all written script tests</a:t>
+            </a:r>
+          </a:p>
+          <a:p>
+            <a:pPr lvl="1">
+              <a:buFont typeface="Arial" panose="020B0604020202020204" pitchFamily="34" charset="0"/>
+              <a:buChar char="•"/>
+            </a:pPr>
+            <a:r>
+              <a:rPr lang="en-US" dirty="0" smtClean="0"/>
+              <a:t>Current Standard test run encompassing test </a:t>
+            </a:r>
+            <a:r>
+              <a:rPr lang="en-US" dirty="0" smtClean="0"/>
+              <a:t>report</a:t>
+            </a:r>
+          </a:p>
+        </p:txBody>
+      </p:sp>
+      <p:pic>
+        <p:nvPicPr>
+          <p:cNvPr id="5" name="Picture 4"/>
+          <p:cNvPicPr>
+            <a:picLocks noChangeAspect="1"/>
+          </p:cNvPicPr>
+          <p:nvPr/>
         </p:nvPicPr>
         <p:blipFill>
-          <a:blip r:embed="rId2" cstate="print">
+          <a:blip r:embed="rId2">
             <a:extLst>
               <a:ext uri="{28A0092B-C50C-407E-A947-70E740481C1C}">
                 <a14:useLocalDpi xmlns:a14="http://schemas.microsoft.com/office/drawing/2010/main" val="0"/>
@@ -2264,21 +2433,31 @@
         </p:blipFill>
         <p:spPr>
           <a:xfrm>
-            <a:off x="1393571" y="100492"/>
-            <a:ext cx="5436086" cy="6757508"/>
+            <a:off x="5428527" y="832327"/>
+            <a:ext cx="3599233" cy="6025673"/>
           </a:xfrm>
+          <a:prstGeom prst="rect">
+            <a:avLst/>
+          </a:prstGeom>
         </p:spPr>
       </p:pic>
     </p:spTree>
     <p:extLst>
       <p:ext uri="{BB962C8B-B14F-4D97-AF65-F5344CB8AC3E}">
-        <p14:creationId xmlns:p14="http://schemas.microsoft.com/office/powerpoint/2010/main" val="1594464359"/>
+        <p14:creationId xmlns:p14="http://schemas.microsoft.com/office/powerpoint/2010/main" val="3243345129"/>
       </p:ext>
     </p:extLst>
   </p:cSld>
   <p:clrMapOvr>
     <a:masterClrMapping/>
   </p:clrMapOvr>
+  <p:timing>
+    <p:tnLst>
+      <p:par>
+        <p:cTn id="1" dur="indefinite" restart="never" nodeType="tmRoot"/>
+      </p:par>
+    </p:tnLst>
+  </p:timing>
 </p:sld>
 </file>
 
@@ -2299,18 +2478,100 @@
           <a:chExt cx="0" cy="0"/>
         </a:xfrm>
       </p:grpSpPr>
-      <p:pic>
-        <p:nvPicPr>
-          <p:cNvPr id="2" name="Content Placeholder 3"/>
-          <p:cNvPicPr>
-            <a:picLocks noGrp="1" noChangeAspect="1"/>
-          </p:cNvPicPr>
+      <p:sp>
+        <p:nvSpPr>
+          <p:cNvPr id="2" name="Title 1"/>
+          <p:cNvSpPr>
+            <a:spLocks noGrp="1"/>
+          </p:cNvSpPr>
+          <p:nvPr>
+            <p:ph type="title"/>
+          </p:nvPr>
+        </p:nvSpPr>
+        <p:spPr>
+          <a:xfrm>
+            <a:off x="1641767" y="129597"/>
+            <a:ext cx="5101934" cy="1325563"/>
+          </a:xfrm>
+        </p:spPr>
+        <p:txBody>
+          <a:bodyPr anchor="t"/>
+          <a:lstStyle/>
+          <a:p>
+            <a:pPr algn="ctr"/>
+            <a:r>
+              <a:rPr lang="en-US" dirty="0" smtClean="0"/>
+              <a:t>REPORTING</a:t>
+            </a:r>
+            <a:endParaRPr lang="en-US" dirty="0"/>
+          </a:p>
+        </p:txBody>
+      </p:sp>
+      <p:sp>
+        <p:nvSpPr>
+          <p:cNvPr id="3" name="Content Placeholder 2"/>
+          <p:cNvSpPr>
+            <a:spLocks noGrp="1"/>
+          </p:cNvSpPr>
           <p:nvPr>
             <p:ph idx="1"/>
           </p:nvPr>
+        </p:nvSpPr>
+        <p:spPr>
+          <a:xfrm>
+            <a:off x="432844" y="1863333"/>
+            <a:ext cx="3953962" cy="4351338"/>
+          </a:xfrm>
+        </p:spPr>
+        <p:txBody>
+          <a:bodyPr>
+            <a:normAutofit/>
+          </a:bodyPr>
+          <a:lstStyle/>
+          <a:p>
+            <a:r>
+              <a:rPr lang="en-US" dirty="0" smtClean="0"/>
+              <a:t>Reporting:  Three levels of information</a:t>
+            </a:r>
+          </a:p>
+          <a:p>
+            <a:r>
+              <a:rPr lang="en-US" sz="1400" dirty="0" smtClean="0"/>
+              <a:t>   </a:t>
+            </a:r>
+          </a:p>
+          <a:p>
+            <a:r>
+              <a:rPr lang="en-US" dirty="0" smtClean="0"/>
+              <a:t>High </a:t>
+            </a:r>
+            <a:r>
+              <a:rPr lang="en-US" dirty="0" smtClean="0"/>
+              <a:t>Level Product Specific:  Go / No-go on a Product basis</a:t>
+            </a:r>
+          </a:p>
+          <a:p>
+            <a:pPr lvl="1">
+              <a:buFont typeface="Arial" panose="020B0604020202020204" pitchFamily="34" charset="0"/>
+              <a:buChar char="•"/>
+            </a:pPr>
+            <a:r>
+              <a:rPr lang="en-US" dirty="0" smtClean="0"/>
+              <a:t>In Design Mode.  Would provide Development and Product Managers a quick look at the current health and capability to ship the product </a:t>
+            </a:r>
+          </a:p>
+        </p:txBody>
+      </p:sp>
+      <p:pic>
+        <p:nvPicPr>
+          <p:cNvPr id="4" name="Picture 3"/>
+          <p:cNvPicPr>
+            <a:picLocks noChangeAspect="1"/>
+          </p:cNvPicPr>
+          <p:nvPr/>
         </p:nvPicPr>
         <p:blipFill>
-          <a:blip r:embed="rId2" cstate="print">
+          <a:blip r:embed="rId2">
             <a:extLst>
               <a:ext uri="{28A0092B-C50C-407E-A947-70E740481C1C}">
                 <a14:useLocalDpi xmlns:a14="http://schemas.microsoft.com/office/drawing/2010/main" val="0"/>
@@ -2323,21 +2584,31 @@
         </p:blipFill>
         <p:spPr>
           <a:xfrm>
-            <a:off x="1912657" y="83088"/>
-            <a:ext cx="4643418" cy="6810969"/>
+            <a:off x="4468519" y="864704"/>
+            <a:ext cx="4675481" cy="5993296"/>
           </a:xfrm>
+          <a:prstGeom prst="rect">
+            <a:avLst/>
+          </a:prstGeom>
         </p:spPr>
       </p:pic>
     </p:spTree>
     <p:extLst>
       <p:ext uri="{BB962C8B-B14F-4D97-AF65-F5344CB8AC3E}">
-        <p14:creationId xmlns:p14="http://schemas.microsoft.com/office/powerpoint/2010/main" val="565939006"/>
+        <p14:creationId xmlns:p14="http://schemas.microsoft.com/office/powerpoint/2010/main" val="2373342421"/>
       </p:ext>
     </p:extLst>
   </p:cSld>
   <p:clrMapOvr>
     <a:masterClrMapping/>
   </p:clrMapOvr>
+  <p:timing>
+    <p:tnLst>
+      <p:par>
+        <p:cTn id="1" dur="indefinite" restart="never" nodeType="tmRoot"/>
+      </p:par>
+    </p:tnLst>
+  </p:timing>
 </p:sld>
 </file>
 
@@ -2400,17 +2671,94 @@
         <p:spPr>
           <a:xfrm>
             <a:off x="423416" y="1825625"/>
-            <a:ext cx="7878920" cy="4351338"/>
+            <a:ext cx="8720584" cy="4351338"/>
           </a:xfrm>
         </p:spPr>
         <p:txBody>
           <a:bodyPr/>
           <a:lstStyle/>
           <a:p>
-            <a:r>
-              <a:rPr lang="en-US" dirty="0" smtClean="0"/>
-              <a:t>Mobile devices</a:t>
-            </a:r>
+            <a:pPr marL="342900" indent="-342900">
+              <a:buFont typeface="Arial" panose="020B0604020202020204" pitchFamily="34" charset="0"/>
+              <a:buChar char="•"/>
+            </a:pPr>
+            <a:r>
+              <a:rPr lang="en-US" sz="2000" dirty="0" smtClean="0"/>
+              <a:t>Mobile </a:t>
+            </a:r>
+            <a:r>
+              <a:rPr lang="en-US" sz="2000" dirty="0" smtClean="0"/>
+              <a:t>devices</a:t>
+            </a:r>
+          </a:p>
+          <a:p>
+            <a:endParaRPr lang="en-US" sz="2000" dirty="0"/>
+          </a:p>
+          <a:p>
+            <a:pPr marL="342900" indent="-342900">
+              <a:buFont typeface="Arial" panose="020B0604020202020204" pitchFamily="34" charset="0"/>
+              <a:buChar char="•"/>
+            </a:pPr>
+            <a:r>
+              <a:rPr lang="en-US" sz="2000" dirty="0" smtClean="0"/>
+              <a:t>Test Headless</a:t>
+            </a:r>
+          </a:p>
+          <a:p>
+            <a:endParaRPr lang="en-US" sz="2000" dirty="0"/>
+          </a:p>
+          <a:p>
+            <a:pPr marL="342900" indent="-342900">
+              <a:buFont typeface="Arial" panose="020B0604020202020204" pitchFamily="34" charset="0"/>
+              <a:buChar char="•"/>
+            </a:pPr>
+            <a:r>
+              <a:rPr lang="en-US" sz="2000" dirty="0" smtClean="0"/>
+              <a:t>Additional Application Coverage</a:t>
+            </a:r>
+          </a:p>
+          <a:p>
+            <a:pPr marL="862013" lvl="1" indent="-285750">
+              <a:buFont typeface="Arial" panose="020B0604020202020204" pitchFamily="34" charset="0"/>
+              <a:buChar char="•"/>
+            </a:pPr>
+            <a:r>
+              <a:rPr lang="en-US" sz="1600" dirty="0" smtClean="0"/>
+              <a:t>New Support should be capable in ~10 working Days</a:t>
+            </a:r>
+            <a:endParaRPr lang="en-US" sz="1600" dirty="0"/>
+          </a:p>
+          <a:p>
+            <a:endParaRPr lang="en-US" sz="2000" dirty="0" smtClean="0"/>
+          </a:p>
+          <a:p>
+            <a:pPr marL="342900" indent="-342900">
+              <a:buFont typeface="Arial" panose="020B0604020202020204" pitchFamily="34" charset="0"/>
+              <a:buChar char="•"/>
+            </a:pPr>
+            <a:r>
+              <a:rPr lang="en-US" sz="2000" dirty="0" smtClean="0"/>
+              <a:t>Continue deriving mid layer commonality.  Move commonality to the bottom Layer. </a:t>
+            </a:r>
+          </a:p>
+          <a:p>
+            <a:pPr marL="919163" lvl="1" indent="-342900">
+              <a:buFont typeface="Arial" panose="020B0604020202020204" pitchFamily="34" charset="0"/>
+              <a:buChar char="•"/>
+            </a:pPr>
+            <a:r>
+              <a:rPr lang="en-US" sz="1800" dirty="0" smtClean="0"/>
+              <a:t>The smaller the mid layer, the easier to add </a:t>
+            </a:r>
+            <a:r>
+              <a:rPr lang="en-US" sz="1800" dirty="0" err="1" smtClean="0"/>
+              <a:t>add</a:t>
+            </a:r>
+            <a:r>
+              <a:rPr lang="en-US" sz="1800" dirty="0" smtClean="0"/>
+              <a:t> new capability ( new applications )</a:t>
+            </a:r>
+            <a:endParaRPr lang="en-US" sz="1800" dirty="0" smtClean="0"/>
           </a:p>
           <a:p>
             <a:endParaRPr lang="en-US" dirty="0"/>
@@ -2427,6 +2775,1248 @@
   <p:clrMapOvr>
     <a:masterClrMapping/>
   </p:clrMapOvr>
+  <p:timing>
+    <p:tnLst>
+      <p:par>
+        <p:cTn id="1" dur="indefinite" restart="never" nodeType="tmRoot"/>
+      </p:par>
+    </p:tnLst>
+  </p:timing>
+</p:sld>
+</file>
+
+<file path=ppt/slides/slide14.xml><?xml version="1.0" encoding="utf-8"?>
+<p:sld xmlns:a="http://schemas.openxmlformats.org/drawingml/2006/main" xmlns:r="http://schemas.openxmlformats.org/officeDocument/2006/relationships" xmlns:p="http://schemas.openxmlformats.org/presentationml/2006/main">
+  <p:cSld>
+    <p:spTree>
+      <p:nvGrpSpPr>
+        <p:cNvPr id="1" name=""/>
+        <p:cNvGrpSpPr/>
+        <p:nvPr/>
+      </p:nvGrpSpPr>
+      <p:grpSpPr>
+        <a:xfrm>
+          <a:off x="0" y="0"/>
+          <a:ext cx="0" cy="0"/>
+          <a:chOff x="0" y="0"/>
+          <a:chExt cx="0" cy="0"/>
+        </a:xfrm>
+      </p:grpSpPr>
+      <p:sp>
+        <p:nvSpPr>
+          <p:cNvPr id="2" name="Title 1"/>
+          <p:cNvSpPr>
+            <a:spLocks noGrp="1"/>
+          </p:cNvSpPr>
+          <p:nvPr>
+            <p:ph type="title"/>
+          </p:nvPr>
+        </p:nvSpPr>
+        <p:spPr/>
+        <p:txBody>
+          <a:bodyPr anchor="t">
+            <a:normAutofit/>
+          </a:bodyPr>
+          <a:lstStyle/>
+          <a:p>
+            <a:r>
+              <a:rPr lang="en-US" sz="3600" dirty="0" smtClean="0"/>
+              <a:t>Market Place  :  </a:t>
+            </a:r>
+            <a:r>
+              <a:rPr lang="en-US" sz="2800" dirty="0" smtClean="0"/>
+              <a:t>Provider Directory :    Other Apps</a:t>
+            </a:r>
+            <a:br>
+              <a:rPr lang="en-US" sz="2800" dirty="0" smtClean="0"/>
+            </a:br>
+            <a:r>
+              <a:rPr lang="en-US" sz="2800" dirty="0" smtClean="0"/>
+              <a:t>                                    Microservice APIs</a:t>
+            </a:r>
+            <a:endParaRPr lang="en-US" sz="2800" dirty="0"/>
+          </a:p>
+        </p:txBody>
+      </p:sp>
+      <p:pic>
+        <p:nvPicPr>
+          <p:cNvPr id="7" name="Content Placeholder 6"/>
+          <p:cNvPicPr>
+            <a:picLocks noGrp="1" noChangeAspect="1"/>
+          </p:cNvPicPr>
+          <p:nvPr>
+            <p:ph idx="1"/>
+          </p:nvPr>
+        </p:nvPicPr>
+        <p:blipFill>
+          <a:blip r:embed="rId2">
+            <a:extLst>
+              <a:ext uri="{28A0092B-C50C-407E-A947-70E740481C1C}">
+                <a14:useLocalDpi xmlns:a14="http://schemas.microsoft.com/office/drawing/2010/main" val="0"/>
+              </a:ext>
+            </a:extLst>
+          </a:blip>
+          <a:stretch>
+            <a:fillRect/>
+          </a:stretch>
+        </p:blipFill>
+        <p:spPr>
+          <a:xfrm>
+            <a:off x="711200" y="1620044"/>
+            <a:ext cx="7975600" cy="4486275"/>
+          </a:xfrm>
+        </p:spPr>
+      </p:pic>
+    </p:spTree>
+    <p:extLst>
+      <p:ext uri="{BB962C8B-B14F-4D97-AF65-F5344CB8AC3E}">
+        <p14:creationId xmlns:p14="http://schemas.microsoft.com/office/powerpoint/2010/main" val="2893813657"/>
+      </p:ext>
+    </p:extLst>
+  </p:cSld>
+  <p:clrMapOvr>
+    <a:masterClrMapping/>
+  </p:clrMapOvr>
+  <p:timing>
+    <p:tnLst>
+      <p:par>
+        <p:cTn id="1" dur="indefinite" restart="never" nodeType="tmRoot"/>
+      </p:par>
+    </p:tnLst>
+  </p:timing>
+</p:sld>
+</file>
+
+<file path=ppt/slides/slide15.xml><?xml version="1.0" encoding="utf-8"?>
+<p:sld xmlns:a="http://schemas.openxmlformats.org/drawingml/2006/main" xmlns:r="http://schemas.openxmlformats.org/officeDocument/2006/relationships" xmlns:p="http://schemas.openxmlformats.org/presentationml/2006/main">
+  <p:cSld>
+    <p:spTree>
+      <p:nvGrpSpPr>
+        <p:cNvPr id="1" name=""/>
+        <p:cNvGrpSpPr/>
+        <p:nvPr/>
+      </p:nvGrpSpPr>
+      <p:grpSpPr>
+        <a:xfrm>
+          <a:off x="0" y="0"/>
+          <a:ext cx="0" cy="0"/>
+          <a:chOff x="0" y="0"/>
+          <a:chExt cx="0" cy="0"/>
+        </a:xfrm>
+      </p:grpSpPr>
+      <p:sp>
+        <p:nvSpPr>
+          <p:cNvPr id="3" name="Content Placeholder 2"/>
+          <p:cNvSpPr>
+            <a:spLocks noGrp="1"/>
+          </p:cNvSpPr>
+          <p:nvPr>
+            <p:ph idx="1"/>
+          </p:nvPr>
+        </p:nvSpPr>
+        <p:spPr>
+          <a:xfrm>
+            <a:off x="289367" y="92601"/>
+            <a:ext cx="2882096" cy="2037144"/>
+          </a:xfrm>
+        </p:spPr>
+        <p:txBody>
+          <a:bodyPr/>
+          <a:lstStyle/>
+          <a:p>
+            <a:r>
+              <a:rPr lang="en-US" dirty="0" smtClean="0"/>
+              <a:t>Small	5		%30</a:t>
+            </a:r>
+          </a:p>
+          <a:p>
+            <a:endParaRPr lang="en-US" dirty="0"/>
+          </a:p>
+          <a:p>
+            <a:r>
+              <a:rPr lang="en-US" dirty="0" smtClean="0"/>
+              <a:t>Med	15		%50</a:t>
+            </a:r>
+          </a:p>
+          <a:p>
+            <a:endParaRPr lang="en-US" dirty="0"/>
+          </a:p>
+          <a:p>
+            <a:r>
+              <a:rPr lang="en-US" dirty="0" smtClean="0"/>
+              <a:t>Large	30		%20</a:t>
+            </a:r>
+            <a:endParaRPr lang="en-US" dirty="0"/>
+          </a:p>
+        </p:txBody>
+      </p:sp>
+      <p:sp>
+        <p:nvSpPr>
+          <p:cNvPr id="4" name="Content Placeholder 2"/>
+          <p:cNvSpPr txBox="1">
+            <a:spLocks/>
+          </p:cNvSpPr>
+          <p:nvPr/>
+        </p:nvSpPr>
+        <p:spPr>
+          <a:xfrm>
+            <a:off x="3819646" y="150476"/>
+            <a:ext cx="3579470" cy="2777924"/>
+          </a:xfrm>
+          <a:prstGeom prst="rect">
+            <a:avLst/>
+          </a:prstGeom>
+        </p:spPr>
+        <p:txBody>
+          <a:bodyPr vert="horz" lIns="91440" tIns="45720" rIns="91440" bIns="45720" rtlCol="0">
+            <a:normAutofit fontScale="92500" lnSpcReduction="20000"/>
+          </a:bodyPr>
+          <a:lstStyle>
+            <a:lvl1pPr marL="0" indent="0" algn="l" defTabSz="457200" rtl="0" eaLnBrk="1" latinLnBrk="0" hangingPunct="1">
+              <a:lnSpc>
+                <a:spcPct val="80000"/>
+              </a:lnSpc>
+              <a:spcBef>
+                <a:spcPct val="20000"/>
+              </a:spcBef>
+              <a:buSzPct val="100000"/>
+              <a:buFontTx/>
+              <a:buNone/>
+              <a:defRPr sz="2400" b="0" i="0" kern="1200" baseline="0">
+                <a:solidFill>
+                  <a:schemeClr val="tx1"/>
+                </a:solidFill>
+                <a:latin typeface="Calibri Light"/>
+                <a:ea typeface="+mn-ea"/>
+                <a:cs typeface="Calibri Light"/>
+              </a:defRPr>
+            </a:lvl1pPr>
+            <a:lvl2pPr marL="576263" indent="-234950" algn="l" defTabSz="457200" rtl="0" eaLnBrk="1" latinLnBrk="0" hangingPunct="1">
+              <a:lnSpc>
+                <a:spcPct val="80000"/>
+              </a:lnSpc>
+              <a:spcBef>
+                <a:spcPct val="20000"/>
+              </a:spcBef>
+              <a:buSzPct val="100000"/>
+              <a:buFontTx/>
+              <a:buBlip>
+                <a:blip r:embed="rId2"/>
+              </a:buBlip>
+              <a:defRPr sz="2200" b="0" i="0" kern="1200">
+                <a:solidFill>
+                  <a:schemeClr val="tx1"/>
+                </a:solidFill>
+                <a:latin typeface="Calibri Light"/>
+                <a:ea typeface="+mn-ea"/>
+                <a:cs typeface="Calibri Light"/>
+              </a:defRPr>
+            </a:lvl2pPr>
+            <a:lvl3pPr marL="801688" indent="-225425" algn="l" defTabSz="457200" rtl="0" eaLnBrk="1" latinLnBrk="0" hangingPunct="1">
+              <a:lnSpc>
+                <a:spcPct val="80000"/>
+              </a:lnSpc>
+              <a:spcBef>
+                <a:spcPct val="20000"/>
+              </a:spcBef>
+              <a:buSzPct val="100000"/>
+              <a:buFontTx/>
+              <a:buBlip>
+                <a:blip r:embed="rId2"/>
+              </a:buBlip>
+              <a:defRPr sz="2000" b="0" i="0" kern="1200">
+                <a:solidFill>
+                  <a:schemeClr val="tx1"/>
+                </a:solidFill>
+                <a:latin typeface="Calibri Light"/>
+                <a:ea typeface="+mn-ea"/>
+                <a:cs typeface="Calibri Light"/>
+              </a:defRPr>
+            </a:lvl3pPr>
+            <a:lvl4pPr marL="966788" indent="-165100" algn="l" defTabSz="457200" rtl="0" eaLnBrk="1" latinLnBrk="0" hangingPunct="1">
+              <a:lnSpc>
+                <a:spcPct val="80000"/>
+              </a:lnSpc>
+              <a:spcBef>
+                <a:spcPct val="20000"/>
+              </a:spcBef>
+              <a:buSzPct val="100000"/>
+              <a:buFontTx/>
+              <a:buBlip>
+                <a:blip r:embed="rId2"/>
+              </a:buBlip>
+              <a:defRPr sz="1800" b="0" i="0" kern="1200">
+                <a:solidFill>
+                  <a:schemeClr val="tx1"/>
+                </a:solidFill>
+                <a:latin typeface="Calibri Light"/>
+                <a:ea typeface="+mn-ea"/>
+                <a:cs typeface="Calibri Light"/>
+              </a:defRPr>
+            </a:lvl4pPr>
+            <a:lvl5pPr marL="1201738" indent="-176213" algn="l" defTabSz="457200" rtl="0" eaLnBrk="1" latinLnBrk="0" hangingPunct="1">
+              <a:lnSpc>
+                <a:spcPct val="80000"/>
+              </a:lnSpc>
+              <a:spcBef>
+                <a:spcPct val="20000"/>
+              </a:spcBef>
+              <a:buSzPct val="100000"/>
+              <a:buFontTx/>
+              <a:buBlip>
+                <a:blip r:embed="rId2"/>
+              </a:buBlip>
+              <a:defRPr sz="1600" b="0" i="0" kern="1200">
+                <a:solidFill>
+                  <a:schemeClr val="tx1"/>
+                </a:solidFill>
+                <a:latin typeface="Calibri Light"/>
+                <a:ea typeface="+mn-ea"/>
+                <a:cs typeface="Calibri Light"/>
+              </a:defRPr>
+            </a:lvl5pPr>
+            <a:lvl6pPr marL="2514600" indent="-228600" algn="l" defTabSz="457200" rtl="0" eaLnBrk="1" latinLnBrk="0" hangingPunct="1">
+              <a:spcBef>
+                <a:spcPct val="20000"/>
+              </a:spcBef>
+              <a:buFont typeface="Arial"/>
+              <a:buChar char="•"/>
+              <a:defRPr sz="2000" kern="1200">
+                <a:solidFill>
+                  <a:schemeClr val="tx1"/>
+                </a:solidFill>
+                <a:latin typeface="+mn-lt"/>
+                <a:ea typeface="+mn-ea"/>
+                <a:cs typeface="+mn-cs"/>
+              </a:defRPr>
+            </a:lvl6pPr>
+            <a:lvl7pPr marL="2971800" indent="-228600" algn="l" defTabSz="457200" rtl="0" eaLnBrk="1" latinLnBrk="0" hangingPunct="1">
+              <a:spcBef>
+                <a:spcPct val="20000"/>
+              </a:spcBef>
+              <a:buFont typeface="Arial"/>
+              <a:buChar char="•"/>
+              <a:defRPr sz="2000" kern="1200">
+                <a:solidFill>
+                  <a:schemeClr val="tx1"/>
+                </a:solidFill>
+                <a:latin typeface="+mn-lt"/>
+                <a:ea typeface="+mn-ea"/>
+                <a:cs typeface="+mn-cs"/>
+              </a:defRPr>
+            </a:lvl7pPr>
+            <a:lvl8pPr marL="3429000" indent="-228600" algn="l" defTabSz="457200" rtl="0" eaLnBrk="1" latinLnBrk="0" hangingPunct="1">
+              <a:spcBef>
+                <a:spcPct val="20000"/>
+              </a:spcBef>
+              <a:buFont typeface="Arial"/>
+              <a:buChar char="•"/>
+              <a:defRPr sz="2000" kern="1200">
+                <a:solidFill>
+                  <a:schemeClr val="tx1"/>
+                </a:solidFill>
+                <a:latin typeface="+mn-lt"/>
+                <a:ea typeface="+mn-ea"/>
+                <a:cs typeface="+mn-cs"/>
+              </a:defRPr>
+            </a:lvl8pPr>
+            <a:lvl9pPr marL="3886200" indent="-228600" algn="l" defTabSz="457200" rtl="0" eaLnBrk="1" latinLnBrk="0" hangingPunct="1">
+              <a:spcBef>
+                <a:spcPct val="20000"/>
+              </a:spcBef>
+              <a:buFont typeface="Arial"/>
+              <a:buChar char="•"/>
+              <a:defRPr sz="2000" kern="1200">
+                <a:solidFill>
+                  <a:schemeClr val="tx1"/>
+                </a:solidFill>
+                <a:latin typeface="+mn-lt"/>
+                <a:ea typeface="+mn-ea"/>
+                <a:cs typeface="+mn-cs"/>
+              </a:defRPr>
+            </a:lvl9pPr>
+          </a:lstStyle>
+          <a:p>
+            <a:r>
+              <a:rPr lang="en-US" dirty="0" smtClean="0"/>
+              <a:t>	 </a:t>
+            </a:r>
+            <a:r>
+              <a:rPr lang="en-US" sz="3300" dirty="0" smtClean="0"/>
+              <a:t>PPO		   HMO</a:t>
+            </a:r>
+          </a:p>
+          <a:p>
+            <a:pPr marL="731838" lvl="3" indent="0">
+              <a:buNone/>
+            </a:pPr>
+            <a:r>
+              <a:rPr lang="en-US" sz="2200" dirty="0" smtClean="0"/>
+              <a:t>O			    </a:t>
+            </a:r>
+            <a:r>
+              <a:rPr lang="en-US" sz="3000" dirty="0" smtClean="0"/>
+              <a:t>PPO</a:t>
+            </a:r>
+          </a:p>
+          <a:p>
+            <a:pPr marL="731838" lvl="3" indent="0">
+              <a:buNone/>
+            </a:pPr>
+            <a:r>
+              <a:rPr lang="en-US" sz="2200" dirty="0" smtClean="0"/>
+              <a:t>N</a:t>
+            </a:r>
+          </a:p>
+          <a:p>
+            <a:pPr marL="731838" lvl="3" indent="0">
+              <a:buNone/>
+            </a:pPr>
+            <a:r>
+              <a:rPr lang="en-US" sz="2200" dirty="0" smtClean="0"/>
+              <a:t>E</a:t>
+            </a:r>
+          </a:p>
+          <a:p>
+            <a:pPr marL="731838" lvl="3" indent="0">
+              <a:buNone/>
+            </a:pPr>
+            <a:r>
+              <a:rPr lang="en-US" sz="2200" dirty="0" smtClean="0"/>
+              <a:t>                           One</a:t>
+            </a:r>
+          </a:p>
+          <a:p>
+            <a:pPr marL="731838" lvl="3" indent="0">
+              <a:buNone/>
+            </a:pPr>
+            <a:r>
+              <a:rPr lang="en-US" sz="2200" dirty="0" smtClean="0"/>
+              <a:t>S                        State</a:t>
+            </a:r>
+          </a:p>
+          <a:p>
+            <a:pPr marL="731838" lvl="3" indent="0">
+              <a:buNone/>
+            </a:pPr>
+            <a:r>
+              <a:rPr lang="en-US" sz="2200" dirty="0" smtClean="0"/>
+              <a:t>T</a:t>
+            </a:r>
+          </a:p>
+          <a:p>
+            <a:pPr marL="731838" lvl="3" indent="0">
+              <a:buNone/>
+            </a:pPr>
+            <a:r>
+              <a:rPr lang="en-US" sz="2200" dirty="0" smtClean="0"/>
+              <a:t>A</a:t>
+            </a:r>
+          </a:p>
+          <a:p>
+            <a:pPr marL="731838" lvl="3" indent="0">
+              <a:buNone/>
+            </a:pPr>
+            <a:r>
+              <a:rPr lang="en-US" sz="2200" dirty="0" smtClean="0"/>
+              <a:t>T</a:t>
+            </a:r>
+          </a:p>
+          <a:p>
+            <a:pPr marL="731838" lvl="3" indent="0">
+              <a:buNone/>
+            </a:pPr>
+            <a:r>
+              <a:rPr lang="en-US" sz="2200" dirty="0" smtClean="0"/>
+              <a:t>E</a:t>
+            </a:r>
+          </a:p>
+          <a:p>
+            <a:pPr marL="341313" lvl="1" indent="0">
+              <a:buNone/>
+            </a:pPr>
+            <a:endParaRPr lang="en-US" dirty="0" smtClean="0"/>
+          </a:p>
+        </p:txBody>
+      </p:sp>
+      <p:cxnSp>
+        <p:nvCxnSpPr>
+          <p:cNvPr id="6" name="Straight Connector 5"/>
+          <p:cNvCxnSpPr/>
+          <p:nvPr/>
+        </p:nvCxnSpPr>
+        <p:spPr>
+          <a:xfrm>
+            <a:off x="4190035" y="0"/>
+            <a:ext cx="23150" cy="2870522"/>
+          </a:xfrm>
+          <a:prstGeom prst="line">
+            <a:avLst/>
+          </a:prstGeom>
+          <a:ln>
+            <a:solidFill>
+              <a:schemeClr val="tx1"/>
+            </a:solidFill>
+          </a:ln>
+        </p:spPr>
+        <p:style>
+          <a:lnRef idx="2">
+            <a:schemeClr val="accent1"/>
+          </a:lnRef>
+          <a:fillRef idx="0">
+            <a:schemeClr val="accent1"/>
+          </a:fillRef>
+          <a:effectRef idx="1">
+            <a:schemeClr val="accent1"/>
+          </a:effectRef>
+          <a:fontRef idx="minor">
+            <a:schemeClr val="tx1"/>
+          </a:fontRef>
+        </p:style>
+      </p:cxnSp>
+      <p:cxnSp>
+        <p:nvCxnSpPr>
+          <p:cNvPr id="7" name="Straight Connector 6"/>
+          <p:cNvCxnSpPr/>
+          <p:nvPr/>
+        </p:nvCxnSpPr>
+        <p:spPr>
+          <a:xfrm>
+            <a:off x="5579962" y="0"/>
+            <a:ext cx="0" cy="2870522"/>
+          </a:xfrm>
+          <a:prstGeom prst="line">
+            <a:avLst/>
+          </a:prstGeom>
+          <a:ln>
+            <a:solidFill>
+              <a:schemeClr val="tx1"/>
+            </a:solidFill>
+          </a:ln>
+        </p:spPr>
+        <p:style>
+          <a:lnRef idx="2">
+            <a:schemeClr val="accent1"/>
+          </a:lnRef>
+          <a:fillRef idx="0">
+            <a:schemeClr val="accent1"/>
+          </a:fillRef>
+          <a:effectRef idx="1">
+            <a:schemeClr val="accent1"/>
+          </a:effectRef>
+          <a:fontRef idx="minor">
+            <a:schemeClr val="tx1"/>
+          </a:fontRef>
+        </p:style>
+      </p:cxnSp>
+      <p:cxnSp>
+        <p:nvCxnSpPr>
+          <p:cNvPr id="10" name="Straight Connector 9"/>
+          <p:cNvCxnSpPr/>
+          <p:nvPr/>
+        </p:nvCxnSpPr>
+        <p:spPr>
+          <a:xfrm>
+            <a:off x="7399116" y="0"/>
+            <a:ext cx="0" cy="2870522"/>
+          </a:xfrm>
+          <a:prstGeom prst="line">
+            <a:avLst/>
+          </a:prstGeom>
+          <a:ln>
+            <a:solidFill>
+              <a:schemeClr val="tx1"/>
+            </a:solidFill>
+          </a:ln>
+        </p:spPr>
+        <p:style>
+          <a:lnRef idx="2">
+            <a:schemeClr val="accent1"/>
+          </a:lnRef>
+          <a:fillRef idx="0">
+            <a:schemeClr val="accent1"/>
+          </a:fillRef>
+          <a:effectRef idx="1">
+            <a:schemeClr val="accent1"/>
+          </a:effectRef>
+          <a:fontRef idx="minor">
+            <a:schemeClr val="tx1"/>
+          </a:fontRef>
+        </p:style>
+      </p:cxnSp>
+      <p:sp>
+        <p:nvSpPr>
+          <p:cNvPr id="11" name="Content Placeholder 2"/>
+          <p:cNvSpPr txBox="1">
+            <a:spLocks/>
+          </p:cNvSpPr>
+          <p:nvPr/>
+        </p:nvSpPr>
+        <p:spPr>
+          <a:xfrm>
+            <a:off x="3704863" y="2870522"/>
+            <a:ext cx="3969152" cy="949124"/>
+          </a:xfrm>
+          <a:prstGeom prst="rect">
+            <a:avLst/>
+          </a:prstGeom>
+        </p:spPr>
+        <p:txBody>
+          <a:bodyPr vert="horz" lIns="91440" tIns="45720" rIns="91440" bIns="45720" rtlCol="0">
+            <a:normAutofit lnSpcReduction="10000"/>
+          </a:bodyPr>
+          <a:lstStyle>
+            <a:lvl1pPr marL="0" indent="0" algn="l" defTabSz="457200" rtl="0" eaLnBrk="1" latinLnBrk="0" hangingPunct="1">
+              <a:lnSpc>
+                <a:spcPct val="80000"/>
+              </a:lnSpc>
+              <a:spcBef>
+                <a:spcPct val="20000"/>
+              </a:spcBef>
+              <a:buSzPct val="100000"/>
+              <a:buFontTx/>
+              <a:buNone/>
+              <a:defRPr sz="2400" b="0" i="0" kern="1200" baseline="0">
+                <a:solidFill>
+                  <a:schemeClr val="tx1"/>
+                </a:solidFill>
+                <a:latin typeface="Calibri Light"/>
+                <a:ea typeface="+mn-ea"/>
+                <a:cs typeface="Calibri Light"/>
+              </a:defRPr>
+            </a:lvl1pPr>
+            <a:lvl2pPr marL="576263" indent="-234950" algn="l" defTabSz="457200" rtl="0" eaLnBrk="1" latinLnBrk="0" hangingPunct="1">
+              <a:lnSpc>
+                <a:spcPct val="80000"/>
+              </a:lnSpc>
+              <a:spcBef>
+                <a:spcPct val="20000"/>
+              </a:spcBef>
+              <a:buSzPct val="100000"/>
+              <a:buFontTx/>
+              <a:buBlip>
+                <a:blip r:embed="rId2"/>
+              </a:buBlip>
+              <a:defRPr sz="2200" b="0" i="0" kern="1200">
+                <a:solidFill>
+                  <a:schemeClr val="tx1"/>
+                </a:solidFill>
+                <a:latin typeface="Calibri Light"/>
+                <a:ea typeface="+mn-ea"/>
+                <a:cs typeface="Calibri Light"/>
+              </a:defRPr>
+            </a:lvl2pPr>
+            <a:lvl3pPr marL="801688" indent="-225425" algn="l" defTabSz="457200" rtl="0" eaLnBrk="1" latinLnBrk="0" hangingPunct="1">
+              <a:lnSpc>
+                <a:spcPct val="80000"/>
+              </a:lnSpc>
+              <a:spcBef>
+                <a:spcPct val="20000"/>
+              </a:spcBef>
+              <a:buSzPct val="100000"/>
+              <a:buFontTx/>
+              <a:buBlip>
+                <a:blip r:embed="rId2"/>
+              </a:buBlip>
+              <a:defRPr sz="2000" b="0" i="0" kern="1200">
+                <a:solidFill>
+                  <a:schemeClr val="tx1"/>
+                </a:solidFill>
+                <a:latin typeface="Calibri Light"/>
+                <a:ea typeface="+mn-ea"/>
+                <a:cs typeface="Calibri Light"/>
+              </a:defRPr>
+            </a:lvl3pPr>
+            <a:lvl4pPr marL="966788" indent="-165100" algn="l" defTabSz="457200" rtl="0" eaLnBrk="1" latinLnBrk="0" hangingPunct="1">
+              <a:lnSpc>
+                <a:spcPct val="80000"/>
+              </a:lnSpc>
+              <a:spcBef>
+                <a:spcPct val="20000"/>
+              </a:spcBef>
+              <a:buSzPct val="100000"/>
+              <a:buFontTx/>
+              <a:buBlip>
+                <a:blip r:embed="rId2"/>
+              </a:buBlip>
+              <a:defRPr sz="1800" b="0" i="0" kern="1200">
+                <a:solidFill>
+                  <a:schemeClr val="tx1"/>
+                </a:solidFill>
+                <a:latin typeface="Calibri Light"/>
+                <a:ea typeface="+mn-ea"/>
+                <a:cs typeface="Calibri Light"/>
+              </a:defRPr>
+            </a:lvl4pPr>
+            <a:lvl5pPr marL="1201738" indent="-176213" algn="l" defTabSz="457200" rtl="0" eaLnBrk="1" latinLnBrk="0" hangingPunct="1">
+              <a:lnSpc>
+                <a:spcPct val="80000"/>
+              </a:lnSpc>
+              <a:spcBef>
+                <a:spcPct val="20000"/>
+              </a:spcBef>
+              <a:buSzPct val="100000"/>
+              <a:buFontTx/>
+              <a:buBlip>
+                <a:blip r:embed="rId2"/>
+              </a:buBlip>
+              <a:defRPr sz="1600" b="0" i="0" kern="1200">
+                <a:solidFill>
+                  <a:schemeClr val="tx1"/>
+                </a:solidFill>
+                <a:latin typeface="Calibri Light"/>
+                <a:ea typeface="+mn-ea"/>
+                <a:cs typeface="Calibri Light"/>
+              </a:defRPr>
+            </a:lvl5pPr>
+            <a:lvl6pPr marL="2514600" indent="-228600" algn="l" defTabSz="457200" rtl="0" eaLnBrk="1" latinLnBrk="0" hangingPunct="1">
+              <a:spcBef>
+                <a:spcPct val="20000"/>
+              </a:spcBef>
+              <a:buFont typeface="Arial"/>
+              <a:buChar char="•"/>
+              <a:defRPr sz="2000" kern="1200">
+                <a:solidFill>
+                  <a:schemeClr val="tx1"/>
+                </a:solidFill>
+                <a:latin typeface="+mn-lt"/>
+                <a:ea typeface="+mn-ea"/>
+                <a:cs typeface="+mn-cs"/>
+              </a:defRPr>
+            </a:lvl6pPr>
+            <a:lvl7pPr marL="2971800" indent="-228600" algn="l" defTabSz="457200" rtl="0" eaLnBrk="1" latinLnBrk="0" hangingPunct="1">
+              <a:spcBef>
+                <a:spcPct val="20000"/>
+              </a:spcBef>
+              <a:buFont typeface="Arial"/>
+              <a:buChar char="•"/>
+              <a:defRPr sz="2000" kern="1200">
+                <a:solidFill>
+                  <a:schemeClr val="tx1"/>
+                </a:solidFill>
+                <a:latin typeface="+mn-lt"/>
+                <a:ea typeface="+mn-ea"/>
+                <a:cs typeface="+mn-cs"/>
+              </a:defRPr>
+            </a:lvl7pPr>
+            <a:lvl8pPr marL="3429000" indent="-228600" algn="l" defTabSz="457200" rtl="0" eaLnBrk="1" latinLnBrk="0" hangingPunct="1">
+              <a:spcBef>
+                <a:spcPct val="20000"/>
+              </a:spcBef>
+              <a:buFont typeface="Arial"/>
+              <a:buChar char="•"/>
+              <a:defRPr sz="2000" kern="1200">
+                <a:solidFill>
+                  <a:schemeClr val="tx1"/>
+                </a:solidFill>
+                <a:latin typeface="+mn-lt"/>
+                <a:ea typeface="+mn-ea"/>
+                <a:cs typeface="+mn-cs"/>
+              </a:defRPr>
+            </a:lvl8pPr>
+            <a:lvl9pPr marL="3886200" indent="-228600" algn="l" defTabSz="457200" rtl="0" eaLnBrk="1" latinLnBrk="0" hangingPunct="1">
+              <a:spcBef>
+                <a:spcPct val="20000"/>
+              </a:spcBef>
+              <a:buFont typeface="Arial"/>
+              <a:buChar char="•"/>
+              <a:defRPr sz="2000" kern="1200">
+                <a:solidFill>
+                  <a:schemeClr val="tx1"/>
+                </a:solidFill>
+                <a:latin typeface="+mn-lt"/>
+                <a:ea typeface="+mn-ea"/>
+                <a:cs typeface="+mn-cs"/>
+              </a:defRPr>
+            </a:lvl9pPr>
+          </a:lstStyle>
+          <a:p>
+            <a:r>
+              <a:rPr lang="en-US" sz="2200" dirty="0" smtClean="0"/>
+              <a:t>AARP 600 TC          1800 TC </a:t>
+            </a:r>
+          </a:p>
+          <a:p>
+            <a:r>
+              <a:rPr lang="en-US" sz="2200" dirty="0" smtClean="0"/>
+              <a:t>AARP + DIR             3600 TC</a:t>
+            </a:r>
+          </a:p>
+          <a:p>
+            <a:r>
+              <a:rPr lang="en-US" sz="2200" dirty="0"/>
+              <a:t>	 </a:t>
+            </a:r>
+            <a:r>
+              <a:rPr lang="en-US" sz="2200" dirty="0" smtClean="0"/>
+              <a:t> 1800 TC </a:t>
+            </a:r>
+            <a:endParaRPr lang="en-US" sz="2200" dirty="0"/>
+          </a:p>
+        </p:txBody>
+      </p:sp>
+      <p:sp>
+        <p:nvSpPr>
+          <p:cNvPr id="12" name="Content Placeholder 2"/>
+          <p:cNvSpPr txBox="1">
+            <a:spLocks/>
+          </p:cNvSpPr>
+          <p:nvPr/>
+        </p:nvSpPr>
+        <p:spPr>
+          <a:xfrm>
+            <a:off x="289367" y="3009418"/>
+            <a:ext cx="3171463" cy="474561"/>
+          </a:xfrm>
+          <a:prstGeom prst="rect">
+            <a:avLst/>
+          </a:prstGeom>
+        </p:spPr>
+        <p:txBody>
+          <a:bodyPr vert="horz" lIns="91440" tIns="45720" rIns="91440" bIns="45720" rtlCol="0">
+            <a:normAutofit/>
+          </a:bodyPr>
+          <a:lstStyle>
+            <a:lvl1pPr marL="0" indent="0" algn="l" defTabSz="457200" rtl="0" eaLnBrk="1" latinLnBrk="0" hangingPunct="1">
+              <a:lnSpc>
+                <a:spcPct val="80000"/>
+              </a:lnSpc>
+              <a:spcBef>
+                <a:spcPct val="20000"/>
+              </a:spcBef>
+              <a:buSzPct val="100000"/>
+              <a:buFontTx/>
+              <a:buNone/>
+              <a:defRPr sz="2400" b="0" i="0" kern="1200" baseline="0">
+                <a:solidFill>
+                  <a:schemeClr val="tx1"/>
+                </a:solidFill>
+                <a:latin typeface="Calibri Light"/>
+                <a:ea typeface="+mn-ea"/>
+                <a:cs typeface="Calibri Light"/>
+              </a:defRPr>
+            </a:lvl1pPr>
+            <a:lvl2pPr marL="576263" indent="-234950" algn="l" defTabSz="457200" rtl="0" eaLnBrk="1" latinLnBrk="0" hangingPunct="1">
+              <a:lnSpc>
+                <a:spcPct val="80000"/>
+              </a:lnSpc>
+              <a:spcBef>
+                <a:spcPct val="20000"/>
+              </a:spcBef>
+              <a:buSzPct val="100000"/>
+              <a:buFontTx/>
+              <a:buBlip>
+                <a:blip r:embed="rId2"/>
+              </a:buBlip>
+              <a:defRPr sz="2200" b="0" i="0" kern="1200">
+                <a:solidFill>
+                  <a:schemeClr val="tx1"/>
+                </a:solidFill>
+                <a:latin typeface="Calibri Light"/>
+                <a:ea typeface="+mn-ea"/>
+                <a:cs typeface="Calibri Light"/>
+              </a:defRPr>
+            </a:lvl2pPr>
+            <a:lvl3pPr marL="801688" indent="-225425" algn="l" defTabSz="457200" rtl="0" eaLnBrk="1" latinLnBrk="0" hangingPunct="1">
+              <a:lnSpc>
+                <a:spcPct val="80000"/>
+              </a:lnSpc>
+              <a:spcBef>
+                <a:spcPct val="20000"/>
+              </a:spcBef>
+              <a:buSzPct val="100000"/>
+              <a:buFontTx/>
+              <a:buBlip>
+                <a:blip r:embed="rId2"/>
+              </a:buBlip>
+              <a:defRPr sz="2000" b="0" i="0" kern="1200">
+                <a:solidFill>
+                  <a:schemeClr val="tx1"/>
+                </a:solidFill>
+                <a:latin typeface="Calibri Light"/>
+                <a:ea typeface="+mn-ea"/>
+                <a:cs typeface="Calibri Light"/>
+              </a:defRPr>
+            </a:lvl3pPr>
+            <a:lvl4pPr marL="966788" indent="-165100" algn="l" defTabSz="457200" rtl="0" eaLnBrk="1" latinLnBrk="0" hangingPunct="1">
+              <a:lnSpc>
+                <a:spcPct val="80000"/>
+              </a:lnSpc>
+              <a:spcBef>
+                <a:spcPct val="20000"/>
+              </a:spcBef>
+              <a:buSzPct val="100000"/>
+              <a:buFontTx/>
+              <a:buBlip>
+                <a:blip r:embed="rId2"/>
+              </a:buBlip>
+              <a:defRPr sz="1800" b="0" i="0" kern="1200">
+                <a:solidFill>
+                  <a:schemeClr val="tx1"/>
+                </a:solidFill>
+                <a:latin typeface="Calibri Light"/>
+                <a:ea typeface="+mn-ea"/>
+                <a:cs typeface="Calibri Light"/>
+              </a:defRPr>
+            </a:lvl4pPr>
+            <a:lvl5pPr marL="1201738" indent="-176213" algn="l" defTabSz="457200" rtl="0" eaLnBrk="1" latinLnBrk="0" hangingPunct="1">
+              <a:lnSpc>
+                <a:spcPct val="80000"/>
+              </a:lnSpc>
+              <a:spcBef>
+                <a:spcPct val="20000"/>
+              </a:spcBef>
+              <a:buSzPct val="100000"/>
+              <a:buFontTx/>
+              <a:buBlip>
+                <a:blip r:embed="rId2"/>
+              </a:buBlip>
+              <a:defRPr sz="1600" b="0" i="0" kern="1200">
+                <a:solidFill>
+                  <a:schemeClr val="tx1"/>
+                </a:solidFill>
+                <a:latin typeface="Calibri Light"/>
+                <a:ea typeface="+mn-ea"/>
+                <a:cs typeface="Calibri Light"/>
+              </a:defRPr>
+            </a:lvl5pPr>
+            <a:lvl6pPr marL="2514600" indent="-228600" algn="l" defTabSz="457200" rtl="0" eaLnBrk="1" latinLnBrk="0" hangingPunct="1">
+              <a:spcBef>
+                <a:spcPct val="20000"/>
+              </a:spcBef>
+              <a:buFont typeface="Arial"/>
+              <a:buChar char="•"/>
+              <a:defRPr sz="2000" kern="1200">
+                <a:solidFill>
+                  <a:schemeClr val="tx1"/>
+                </a:solidFill>
+                <a:latin typeface="+mn-lt"/>
+                <a:ea typeface="+mn-ea"/>
+                <a:cs typeface="+mn-cs"/>
+              </a:defRPr>
+            </a:lvl6pPr>
+            <a:lvl7pPr marL="2971800" indent="-228600" algn="l" defTabSz="457200" rtl="0" eaLnBrk="1" latinLnBrk="0" hangingPunct="1">
+              <a:spcBef>
+                <a:spcPct val="20000"/>
+              </a:spcBef>
+              <a:buFont typeface="Arial"/>
+              <a:buChar char="•"/>
+              <a:defRPr sz="2000" kern="1200">
+                <a:solidFill>
+                  <a:schemeClr val="tx1"/>
+                </a:solidFill>
+                <a:latin typeface="+mn-lt"/>
+                <a:ea typeface="+mn-ea"/>
+                <a:cs typeface="+mn-cs"/>
+              </a:defRPr>
+            </a:lvl7pPr>
+            <a:lvl8pPr marL="3429000" indent="-228600" algn="l" defTabSz="457200" rtl="0" eaLnBrk="1" latinLnBrk="0" hangingPunct="1">
+              <a:spcBef>
+                <a:spcPct val="20000"/>
+              </a:spcBef>
+              <a:buFont typeface="Arial"/>
+              <a:buChar char="•"/>
+              <a:defRPr sz="2000" kern="1200">
+                <a:solidFill>
+                  <a:schemeClr val="tx1"/>
+                </a:solidFill>
+                <a:latin typeface="+mn-lt"/>
+                <a:ea typeface="+mn-ea"/>
+                <a:cs typeface="+mn-cs"/>
+              </a:defRPr>
+            </a:lvl8pPr>
+            <a:lvl9pPr marL="3886200" indent="-228600" algn="l" defTabSz="457200" rtl="0" eaLnBrk="1" latinLnBrk="0" hangingPunct="1">
+              <a:spcBef>
+                <a:spcPct val="20000"/>
+              </a:spcBef>
+              <a:buFont typeface="Arial"/>
+              <a:buChar char="•"/>
+              <a:defRPr sz="2000" kern="1200">
+                <a:solidFill>
+                  <a:schemeClr val="tx1"/>
+                </a:solidFill>
+                <a:latin typeface="+mn-lt"/>
+                <a:ea typeface="+mn-ea"/>
+                <a:cs typeface="+mn-cs"/>
+              </a:defRPr>
+            </a:lvl9pPr>
+          </a:lstStyle>
+          <a:p>
+            <a:r>
+              <a:rPr lang="en-US" sz="2000" dirty="0" smtClean="0"/>
+              <a:t>One State 2Hrs 6 Browsers</a:t>
+            </a:r>
+          </a:p>
+        </p:txBody>
+      </p:sp>
+      <p:cxnSp>
+        <p:nvCxnSpPr>
+          <p:cNvPr id="14" name="Curved Connector 13"/>
+          <p:cNvCxnSpPr/>
+          <p:nvPr/>
+        </p:nvCxnSpPr>
+        <p:spPr>
+          <a:xfrm flipV="1">
+            <a:off x="3171463" y="3009418"/>
+            <a:ext cx="533400" cy="150471"/>
+          </a:xfrm>
+          <a:prstGeom prst="curvedConnector3">
+            <a:avLst>
+              <a:gd name="adj1" fmla="val 52170"/>
+            </a:avLst>
+          </a:prstGeom>
+          <a:ln>
+            <a:solidFill>
+              <a:schemeClr val="tx1"/>
+            </a:solidFill>
+            <a:tailEnd type="triangle"/>
+          </a:ln>
+        </p:spPr>
+        <p:style>
+          <a:lnRef idx="2">
+            <a:schemeClr val="accent1"/>
+          </a:lnRef>
+          <a:fillRef idx="0">
+            <a:schemeClr val="accent1"/>
+          </a:fillRef>
+          <a:effectRef idx="1">
+            <a:schemeClr val="accent1"/>
+          </a:effectRef>
+          <a:fontRef idx="minor">
+            <a:schemeClr val="tx1"/>
+          </a:fontRef>
+        </p:style>
+      </p:cxnSp>
+      <p:sp>
+        <p:nvSpPr>
+          <p:cNvPr id="18" name="Content Placeholder 2"/>
+          <p:cNvSpPr txBox="1">
+            <a:spLocks/>
+          </p:cNvSpPr>
+          <p:nvPr/>
+        </p:nvSpPr>
+        <p:spPr>
+          <a:xfrm>
+            <a:off x="424406" y="3819646"/>
+            <a:ext cx="2882096" cy="2037144"/>
+          </a:xfrm>
+          <a:prstGeom prst="rect">
+            <a:avLst/>
+          </a:prstGeom>
+        </p:spPr>
+        <p:txBody>
+          <a:bodyPr vert="horz" lIns="91440" tIns="45720" rIns="91440" bIns="45720" rtlCol="0">
+            <a:normAutofit/>
+          </a:bodyPr>
+          <a:lstStyle>
+            <a:lvl1pPr marL="0" indent="0" algn="l" defTabSz="457200" rtl="0" eaLnBrk="1" latinLnBrk="0" hangingPunct="1">
+              <a:lnSpc>
+                <a:spcPct val="80000"/>
+              </a:lnSpc>
+              <a:spcBef>
+                <a:spcPct val="20000"/>
+              </a:spcBef>
+              <a:buSzPct val="100000"/>
+              <a:buFontTx/>
+              <a:buNone/>
+              <a:defRPr sz="2400" b="0" i="0" kern="1200" baseline="0">
+                <a:solidFill>
+                  <a:schemeClr val="tx1"/>
+                </a:solidFill>
+                <a:latin typeface="Calibri Light"/>
+                <a:ea typeface="+mn-ea"/>
+                <a:cs typeface="Calibri Light"/>
+              </a:defRPr>
+            </a:lvl1pPr>
+            <a:lvl2pPr marL="576263" indent="-234950" algn="l" defTabSz="457200" rtl="0" eaLnBrk="1" latinLnBrk="0" hangingPunct="1">
+              <a:lnSpc>
+                <a:spcPct val="80000"/>
+              </a:lnSpc>
+              <a:spcBef>
+                <a:spcPct val="20000"/>
+              </a:spcBef>
+              <a:buSzPct val="100000"/>
+              <a:buFontTx/>
+              <a:buBlip>
+                <a:blip r:embed="rId2"/>
+              </a:buBlip>
+              <a:defRPr sz="2200" b="0" i="0" kern="1200">
+                <a:solidFill>
+                  <a:schemeClr val="tx1"/>
+                </a:solidFill>
+                <a:latin typeface="Calibri Light"/>
+                <a:ea typeface="+mn-ea"/>
+                <a:cs typeface="Calibri Light"/>
+              </a:defRPr>
+            </a:lvl2pPr>
+            <a:lvl3pPr marL="801688" indent="-225425" algn="l" defTabSz="457200" rtl="0" eaLnBrk="1" latinLnBrk="0" hangingPunct="1">
+              <a:lnSpc>
+                <a:spcPct val="80000"/>
+              </a:lnSpc>
+              <a:spcBef>
+                <a:spcPct val="20000"/>
+              </a:spcBef>
+              <a:buSzPct val="100000"/>
+              <a:buFontTx/>
+              <a:buBlip>
+                <a:blip r:embed="rId2"/>
+              </a:buBlip>
+              <a:defRPr sz="2000" b="0" i="0" kern="1200">
+                <a:solidFill>
+                  <a:schemeClr val="tx1"/>
+                </a:solidFill>
+                <a:latin typeface="Calibri Light"/>
+                <a:ea typeface="+mn-ea"/>
+                <a:cs typeface="Calibri Light"/>
+              </a:defRPr>
+            </a:lvl3pPr>
+            <a:lvl4pPr marL="966788" indent="-165100" algn="l" defTabSz="457200" rtl="0" eaLnBrk="1" latinLnBrk="0" hangingPunct="1">
+              <a:lnSpc>
+                <a:spcPct val="80000"/>
+              </a:lnSpc>
+              <a:spcBef>
+                <a:spcPct val="20000"/>
+              </a:spcBef>
+              <a:buSzPct val="100000"/>
+              <a:buFontTx/>
+              <a:buBlip>
+                <a:blip r:embed="rId2"/>
+              </a:buBlip>
+              <a:defRPr sz="1800" b="0" i="0" kern="1200">
+                <a:solidFill>
+                  <a:schemeClr val="tx1"/>
+                </a:solidFill>
+                <a:latin typeface="Calibri Light"/>
+                <a:ea typeface="+mn-ea"/>
+                <a:cs typeface="Calibri Light"/>
+              </a:defRPr>
+            </a:lvl4pPr>
+            <a:lvl5pPr marL="1201738" indent="-176213" algn="l" defTabSz="457200" rtl="0" eaLnBrk="1" latinLnBrk="0" hangingPunct="1">
+              <a:lnSpc>
+                <a:spcPct val="80000"/>
+              </a:lnSpc>
+              <a:spcBef>
+                <a:spcPct val="20000"/>
+              </a:spcBef>
+              <a:buSzPct val="100000"/>
+              <a:buFontTx/>
+              <a:buBlip>
+                <a:blip r:embed="rId2"/>
+              </a:buBlip>
+              <a:defRPr sz="1600" b="0" i="0" kern="1200">
+                <a:solidFill>
+                  <a:schemeClr val="tx1"/>
+                </a:solidFill>
+                <a:latin typeface="Calibri Light"/>
+                <a:ea typeface="+mn-ea"/>
+                <a:cs typeface="Calibri Light"/>
+              </a:defRPr>
+            </a:lvl5pPr>
+            <a:lvl6pPr marL="2514600" indent="-228600" algn="l" defTabSz="457200" rtl="0" eaLnBrk="1" latinLnBrk="0" hangingPunct="1">
+              <a:spcBef>
+                <a:spcPct val="20000"/>
+              </a:spcBef>
+              <a:buFont typeface="Arial"/>
+              <a:buChar char="•"/>
+              <a:defRPr sz="2000" kern="1200">
+                <a:solidFill>
+                  <a:schemeClr val="tx1"/>
+                </a:solidFill>
+                <a:latin typeface="+mn-lt"/>
+                <a:ea typeface="+mn-ea"/>
+                <a:cs typeface="+mn-cs"/>
+              </a:defRPr>
+            </a:lvl6pPr>
+            <a:lvl7pPr marL="2971800" indent="-228600" algn="l" defTabSz="457200" rtl="0" eaLnBrk="1" latinLnBrk="0" hangingPunct="1">
+              <a:spcBef>
+                <a:spcPct val="20000"/>
+              </a:spcBef>
+              <a:buFont typeface="Arial"/>
+              <a:buChar char="•"/>
+              <a:defRPr sz="2000" kern="1200">
+                <a:solidFill>
+                  <a:schemeClr val="tx1"/>
+                </a:solidFill>
+                <a:latin typeface="+mn-lt"/>
+                <a:ea typeface="+mn-ea"/>
+                <a:cs typeface="+mn-cs"/>
+              </a:defRPr>
+            </a:lvl7pPr>
+            <a:lvl8pPr marL="3429000" indent="-228600" algn="l" defTabSz="457200" rtl="0" eaLnBrk="1" latinLnBrk="0" hangingPunct="1">
+              <a:spcBef>
+                <a:spcPct val="20000"/>
+              </a:spcBef>
+              <a:buFont typeface="Arial"/>
+              <a:buChar char="•"/>
+              <a:defRPr sz="2000" kern="1200">
+                <a:solidFill>
+                  <a:schemeClr val="tx1"/>
+                </a:solidFill>
+                <a:latin typeface="+mn-lt"/>
+                <a:ea typeface="+mn-ea"/>
+                <a:cs typeface="+mn-cs"/>
+              </a:defRPr>
+            </a:lvl8pPr>
+            <a:lvl9pPr marL="3886200" indent="-228600" algn="l" defTabSz="457200" rtl="0" eaLnBrk="1" latinLnBrk="0" hangingPunct="1">
+              <a:spcBef>
+                <a:spcPct val="20000"/>
+              </a:spcBef>
+              <a:buFont typeface="Arial"/>
+              <a:buChar char="•"/>
+              <a:defRPr sz="2000" kern="1200">
+                <a:solidFill>
+                  <a:schemeClr val="tx1"/>
+                </a:solidFill>
+                <a:latin typeface="+mn-lt"/>
+                <a:ea typeface="+mn-ea"/>
+                <a:cs typeface="+mn-cs"/>
+              </a:defRPr>
+            </a:lvl9pPr>
+          </a:lstStyle>
+          <a:p>
+            <a:r>
+              <a:rPr lang="en-US" dirty="0" smtClean="0"/>
+              <a:t>Currently </a:t>
+            </a:r>
+          </a:p>
+          <a:p>
+            <a:r>
+              <a:rPr lang="en-US" dirty="0" smtClean="0"/>
+              <a:t>20 States</a:t>
+            </a:r>
+          </a:p>
+          <a:p>
+            <a:r>
+              <a:rPr lang="en-US" dirty="0" smtClean="0"/>
+              <a:t>7 HMO &amp; PPO</a:t>
+            </a:r>
+          </a:p>
+          <a:p>
+            <a:r>
+              <a:rPr lang="en-US" dirty="0" smtClean="0"/>
+              <a:t>13 PPO only</a:t>
+            </a:r>
+            <a:endParaRPr lang="en-US" dirty="0"/>
+          </a:p>
+        </p:txBody>
+      </p:sp>
+    </p:spTree>
+    <p:extLst>
+      <p:ext uri="{BB962C8B-B14F-4D97-AF65-F5344CB8AC3E}">
+        <p14:creationId xmlns:p14="http://schemas.microsoft.com/office/powerpoint/2010/main" val="3950809361"/>
+      </p:ext>
+    </p:extLst>
+  </p:cSld>
+  <p:clrMapOvr>
+    <a:masterClrMapping/>
+  </p:clrMapOvr>
+  <p:timing>
+    <p:tnLst>
+      <p:par>
+        <p:cTn id="1" dur="indefinite" restart="never" nodeType="tmRoot"/>
+      </p:par>
+    </p:tnLst>
+  </p:timing>
 </p:sld>
 </file>
 
@@ -2500,8 +4090,8 @@
         </p:nvSpPr>
         <p:spPr>
           <a:xfrm>
-            <a:off x="298174" y="1730866"/>
-            <a:ext cx="8845826" cy="3997841"/>
+            <a:off x="278295" y="1512208"/>
+            <a:ext cx="8994913" cy="3997841"/>
           </a:xfrm>
         </p:spPr>
         <p:txBody>
@@ -2510,13 +4100,15 @@
           </a:bodyPr>
           <a:lstStyle/>
           <a:p>
-            <a:pPr>
+            <a:pPr marL="342900" indent="-342900">
               <a:lnSpc>
                 <a:spcPct val="150000"/>
               </a:lnSpc>
               <a:spcAft>
                 <a:spcPts val="1000"/>
               </a:spcAft>
+              <a:buFont typeface="Arial" panose="020B0604020202020204" pitchFamily="34" charset="0"/>
+              <a:buChar char="•"/>
             </a:pPr>
             <a:r>
               <a:rPr lang="en-US" sz="2000" dirty="0" smtClean="0">
@@ -2527,13 +4119,15 @@
             <a:endParaRPr lang="en-US" sz="2000" dirty="0"/>
           </a:p>
           <a:p>
-            <a:pPr>
+            <a:pPr marL="342900" indent="-342900">
               <a:lnSpc>
                 <a:spcPct val="150000"/>
               </a:lnSpc>
               <a:spcAft>
                 <a:spcPts val="1000"/>
               </a:spcAft>
+              <a:buFont typeface="Arial" panose="020B0604020202020204" pitchFamily="34" charset="0"/>
+              <a:buChar char="•"/>
             </a:pPr>
             <a:r>
               <a:rPr lang="en-US" sz="2000" dirty="0" smtClean="0">
@@ -2549,23 +4143,19 @@
               <a:rPr lang="en-US" sz="2000" dirty="0" smtClean="0">
                 <a:effectLst/>
               </a:rPr>
-              <a:t>of </a:t>
-            </a:r>
-            <a:r>
-              <a:rPr lang="en-US" sz="2000" dirty="0" smtClean="0">
-                <a:effectLst/>
-              </a:rPr>
-              <a:t>CX Web Applications…</a:t>
-            </a:r>
-          </a:p>
-          <a:p>
-            <a:pPr>
+              <a:t>of CX Web Applications…</a:t>
+            </a:r>
+          </a:p>
+          <a:p>
+            <a:pPr marL="342900" indent="-342900">
               <a:lnSpc>
                 <a:spcPct val="150000"/>
               </a:lnSpc>
               <a:spcAft>
                 <a:spcPts val="1000"/>
               </a:spcAft>
+              <a:buFont typeface="Arial" panose="020B0604020202020204" pitchFamily="34" charset="0"/>
+              <a:buChar char="•"/>
             </a:pPr>
             <a:r>
               <a:rPr lang="en-US" sz="2000" dirty="0" smtClean="0"/>
@@ -2577,18 +4167,17 @@
               </a:rPr>
               <a:t>core functional APIs( micro service API )…</a:t>
             </a:r>
-            <a:endParaRPr lang="en-US" sz="2000" dirty="0" smtClean="0">
-              <a:effectLst/>
-            </a:endParaRPr>
-          </a:p>
-          <a:p>
-            <a:pPr>
+          </a:p>
+          <a:p>
+            <a:pPr marL="342900" indent="-342900">
               <a:lnSpc>
                 <a:spcPct val="150000"/>
               </a:lnSpc>
               <a:spcAft>
                 <a:spcPts val="1000"/>
               </a:spcAft>
+              <a:buFont typeface="Arial" panose="020B0604020202020204" pitchFamily="34" charset="0"/>
+              <a:buChar char="•"/>
             </a:pPr>
             <a:r>
               <a:rPr lang="en-US" sz="2000" dirty="0" smtClean="0"/>
@@ -2616,6 +4205,13 @@
   <p:clrMapOvr>
     <a:masterClrMapping/>
   </p:clrMapOvr>
+  <p:timing>
+    <p:tnLst>
+      <p:par>
+        <p:cTn id="1" dur="indefinite" restart="never" nodeType="tmRoot"/>
+      </p:par>
+    </p:tnLst>
+  </p:timing>
 </p:sld>
 </file>
 
@@ -2697,8 +4293,8 @@
         </p:nvSpPr>
         <p:spPr>
           <a:xfrm>
-            <a:off x="437198" y="1861096"/>
-            <a:ext cx="8460218" cy="4762500"/>
+            <a:off x="278173" y="1622560"/>
+            <a:ext cx="8657483" cy="4762500"/>
           </a:xfrm>
         </p:spPr>
         <p:txBody>
@@ -2707,52 +4303,96 @@
           </a:bodyPr>
           <a:lstStyle/>
           <a:p>
-            <a:r>
-              <a:rPr lang="en-US" sz="1800" dirty="0" smtClean="0"/>
+            <a:pPr marL="342900" indent="-342900">
+              <a:buFont typeface="Arial" panose="020B0604020202020204" pitchFamily="34" charset="0"/>
+              <a:buChar char="•"/>
+            </a:pPr>
+            <a:r>
+              <a:rPr lang="en-US" sz="2000" dirty="0" smtClean="0"/>
               <a:t>Develop and deliver an automated </a:t>
             </a:r>
             <a:r>
-              <a:rPr lang="en-US" sz="1800" dirty="0"/>
+              <a:rPr lang="en-US" sz="2000" dirty="0"/>
               <a:t>testing frame </a:t>
             </a:r>
             <a:r>
-              <a:rPr lang="en-US" sz="1800" dirty="0" smtClean="0"/>
-              <a:t>work for Delta Dental Tech teams … </a:t>
-            </a:r>
-          </a:p>
-          <a:p>
-            <a:endParaRPr lang="en-US" sz="1800" dirty="0"/>
-          </a:p>
-          <a:p>
-            <a:r>
-              <a:rPr lang="en-US" sz="1800" dirty="0"/>
+              <a:rPr lang="en-US" sz="2000" dirty="0" smtClean="0"/>
+              <a:t>work for Delta Dental </a:t>
+            </a:r>
+            <a:r>
+              <a:rPr lang="en-US" sz="2000" dirty="0" smtClean="0"/>
+              <a:t>technology </a:t>
+            </a:r>
+            <a:r>
+              <a:rPr lang="en-US" sz="2000" dirty="0" smtClean="0"/>
+              <a:t>teams … </a:t>
+            </a:r>
+          </a:p>
+          <a:p>
+            <a:pPr marL="342900" indent="-342900">
+              <a:buFont typeface="Arial" panose="020B0604020202020204" pitchFamily="34" charset="0"/>
+              <a:buChar char="•"/>
+            </a:pPr>
+            <a:endParaRPr lang="en-US" sz="2000" dirty="0"/>
+          </a:p>
+          <a:p>
+            <a:pPr marL="342900" indent="-342900">
+              <a:buFont typeface="Arial" panose="020B0604020202020204" pitchFamily="34" charset="0"/>
+              <a:buChar char="•"/>
+            </a:pPr>
+            <a:r>
+              <a:rPr lang="en-US" sz="2000" dirty="0"/>
               <a:t>Design with a developmental philosophy that enables seasoned development engineers to create test scripts to validate their own work…</a:t>
             </a:r>
           </a:p>
           <a:p>
-            <a:endParaRPr lang="en-US" sz="1800" dirty="0"/>
-          </a:p>
-          <a:p>
-            <a:r>
-              <a:rPr lang="en-US" sz="1800" dirty="0" smtClean="0"/>
+            <a:pPr marL="342900" indent="-342900">
+              <a:buFont typeface="Arial" panose="020B0604020202020204" pitchFamily="34" charset="0"/>
+              <a:buChar char="•"/>
+            </a:pPr>
+            <a:endParaRPr lang="en-US" sz="2000" dirty="0"/>
+          </a:p>
+          <a:p>
+            <a:pPr marL="342900" indent="-342900">
+              <a:buFont typeface="Arial" panose="020B0604020202020204" pitchFamily="34" charset="0"/>
+              <a:buChar char="•"/>
+            </a:pPr>
+            <a:r>
+              <a:rPr lang="en-US" sz="2000" dirty="0" smtClean="0"/>
               <a:t>Design the Framework with enough power and flexibility to meet </a:t>
             </a:r>
             <a:r>
-              <a:rPr lang="en-US" sz="1800" dirty="0"/>
+              <a:rPr lang="en-US" sz="2000" dirty="0"/>
               <a:t>current and future </a:t>
             </a:r>
             <a:r>
-              <a:rPr lang="en-US" sz="1800" dirty="0" smtClean="0"/>
+              <a:rPr lang="en-US" sz="2000" dirty="0" smtClean="0"/>
               <a:t>needs</a:t>
             </a:r>
           </a:p>
           <a:p>
-            <a:endParaRPr lang="en-US" sz="1800" dirty="0" smtClean="0"/>
-          </a:p>
-          <a:p>
-            <a:r>
-              <a:rPr lang="en-US" sz="1800" dirty="0" smtClean="0"/>
-              <a:t>Continue developing and iterating on Framework functional improvement…</a:t>
+            <a:pPr marL="342900" indent="-342900">
+              <a:buFont typeface="Arial" panose="020B0604020202020204" pitchFamily="34" charset="0"/>
+              <a:buChar char="•"/>
+            </a:pPr>
+            <a:endParaRPr lang="en-US" sz="2000" dirty="0" smtClean="0"/>
+          </a:p>
+          <a:p>
+            <a:pPr marL="342900" indent="-342900">
+              <a:buFont typeface="Arial" panose="020B0604020202020204" pitchFamily="34" charset="0"/>
+              <a:buChar char="•"/>
+            </a:pPr>
+            <a:r>
+              <a:rPr lang="en-US" sz="2000" dirty="0" smtClean="0"/>
+              <a:t>Continue </a:t>
+            </a:r>
+            <a:r>
+              <a:rPr lang="en-US" sz="2000" dirty="0" smtClean="0"/>
+              <a:t>iterating </a:t>
+            </a:r>
+            <a:r>
+              <a:rPr lang="en-US" sz="2000" dirty="0" smtClean="0"/>
+              <a:t>on Framework functional improvement…</a:t>
             </a:r>
           </a:p>
           <a:p>
@@ -2773,6 +4413,13 @@
   <p:clrMapOvr>
     <a:masterClrMapping/>
   </p:clrMapOvr>
+  <p:timing>
+    <p:tnLst>
+      <p:par>
+        <p:cTn id="1" dur="indefinite" restart="never" nodeType="tmRoot"/>
+      </p:par>
+    </p:tnLst>
+  </p:timing>
 </p:sld>
 </file>
 
@@ -2805,20 +4452,32 @@
         </p:nvSpPr>
         <p:spPr>
           <a:xfrm>
-            <a:off x="1445229" y="136495"/>
+            <a:off x="1445229" y="37104"/>
             <a:ext cx="5454335" cy="1423947"/>
           </a:xfrm>
         </p:spPr>
         <p:txBody>
           <a:bodyPr anchor="t">
-            <a:normAutofit fontScale="90000"/>
+            <a:normAutofit/>
           </a:bodyPr>
           <a:lstStyle/>
           <a:p>
-            <a:pPr algn="ctr"/>
+            <a:pPr algn="ctr">
+              <a:lnSpc>
+                <a:spcPct val="80000"/>
+              </a:lnSpc>
+            </a:pPr>
             <a:r>
               <a:rPr lang="en-US" dirty="0" smtClean="0"/>
-              <a:t>EVOLUTION / ACCOMPLISHMENTS</a:t>
+              <a:t>ACCOMPLISHMENTS </a:t>
+            </a:r>
+            <a:r>
+              <a:rPr lang="en-US" dirty="0"/>
+              <a:t>/ </a:t>
+            </a:r>
+            <a:r>
+              <a:rPr lang="en-US" dirty="0" smtClean="0"/>
+              <a:t>EVOLUTION</a:t>
             </a:r>
             <a:endParaRPr lang="en-US" dirty="0"/>
           </a:p>
@@ -2836,8 +4495,8 @@
         </p:nvSpPr>
         <p:spPr>
           <a:xfrm>
-            <a:off x="327991" y="1560442"/>
-            <a:ext cx="8727060" cy="4885301"/>
+            <a:off x="278296" y="1192693"/>
+            <a:ext cx="7360995" cy="5665307"/>
           </a:xfrm>
         </p:spPr>
         <p:txBody>
@@ -2846,102 +4505,318 @@
           </a:bodyPr>
           <a:lstStyle/>
           <a:p>
-            <a:r>
-              <a:rPr lang="en-US" sz="2000" dirty="0"/>
+            <a:pPr marL="342900" indent="-342900">
+              <a:lnSpc>
+                <a:spcPct val="135000"/>
+              </a:lnSpc>
+              <a:spcBef>
+                <a:spcPts val="0"/>
+              </a:spcBef>
+              <a:buFont typeface="Arial" panose="020B0604020202020204" pitchFamily="34" charset="0"/>
+              <a:buChar char="•"/>
+            </a:pPr>
+            <a:r>
+              <a:rPr lang="en-US" sz="2000" dirty="0" smtClean="0"/>
               <a:t>CXTA and the CX Market Place Development Team have matured. </a:t>
             </a:r>
             <a:endParaRPr lang="en-US" sz="2000" dirty="0" smtClean="0"/>
           </a:p>
           <a:p>
-            <a:endParaRPr lang="en-US" sz="2000" dirty="0" smtClean="0"/>
-          </a:p>
-          <a:p>
+            <a:pPr marL="342900" indent="-342900">
+              <a:lnSpc>
+                <a:spcPct val="135000"/>
+              </a:lnSpc>
+              <a:spcBef>
+                <a:spcPts val="0"/>
+              </a:spcBef>
+              <a:buFont typeface="Arial" panose="020B0604020202020204" pitchFamily="34" charset="0"/>
+              <a:buChar char="•"/>
+            </a:pPr>
             <a:r>
               <a:rPr lang="en-US" sz="2000" dirty="0" smtClean="0"/>
-              <a:t>We </a:t>
-            </a:r>
-            <a:r>
-              <a:rPr lang="en-US" sz="2000" dirty="0"/>
-              <a:t>are able to do more and deliver to a greater audience.  </a:t>
-            </a:r>
-            <a:endParaRPr lang="en-US" sz="2000" dirty="0" smtClean="0"/>
-          </a:p>
-          <a:p>
-            <a:endParaRPr lang="en-US" sz="2000" dirty="0" smtClean="0"/>
-          </a:p>
-          <a:p>
+              <a:t>We are able to do more and deliver to a greater audience.  </a:t>
+            </a:r>
+          </a:p>
+          <a:p>
+            <a:pPr marL="342900" indent="-342900">
+              <a:lnSpc>
+                <a:spcPct val="135000"/>
+              </a:lnSpc>
+              <a:spcBef>
+                <a:spcPts val="0"/>
+              </a:spcBef>
+              <a:buFont typeface="Arial" panose="020B0604020202020204" pitchFamily="34" charset="0"/>
+              <a:buChar char="•"/>
+            </a:pPr>
             <a:r>
               <a:rPr lang="en-US" sz="2000" dirty="0" smtClean="0"/>
-              <a:t>California </a:t>
-            </a:r>
-            <a:r>
-              <a:rPr lang="en-US" sz="2000" dirty="0"/>
-              <a:t>is no longer the </a:t>
-            </a:r>
+              <a:t>California is no longer the horizon !</a:t>
+            </a:r>
+          </a:p>
+          <a:p>
+            <a:pPr marL="342900" indent="-342900">
+              <a:lnSpc>
+                <a:spcPct val="135000"/>
+              </a:lnSpc>
+              <a:spcBef>
+                <a:spcPts val="0"/>
+              </a:spcBef>
+              <a:buFont typeface="Arial" panose="020B0604020202020204" pitchFamily="34" charset="0"/>
+              <a:buChar char="•"/>
+            </a:pPr>
             <a:r>
               <a:rPr lang="en-US" sz="2000" dirty="0" smtClean="0"/>
-              <a:t>horizon </a:t>
-            </a:r>
+              <a:t>To scale as is projected we have to change how we develop tests…</a:t>
+            </a:r>
+          </a:p>
+          <a:p>
+            <a:pPr marL="342900" indent="-342900">
+              <a:lnSpc>
+                <a:spcPct val="135000"/>
+              </a:lnSpc>
+              <a:spcBef>
+                <a:spcPts val="0"/>
+              </a:spcBef>
+              <a:buFont typeface="Arial" panose="020B0604020202020204" pitchFamily="34" charset="0"/>
+              <a:buChar char="•"/>
+            </a:pPr>
             <a:r>
               <a:rPr lang="en-US" sz="2000" dirty="0" smtClean="0"/>
-              <a:t>!</a:t>
-            </a:r>
+              <a:t>We have to change how we select and execute tests…</a:t>
+            </a:r>
+          </a:p>
+          <a:p>
+            <a:pPr marL="342900" indent="-342900">
+              <a:lnSpc>
+                <a:spcPct val="135000"/>
+              </a:lnSpc>
+              <a:spcBef>
+                <a:spcPts val="0"/>
+              </a:spcBef>
+              <a:buFont typeface="Arial" panose="020B0604020202020204" pitchFamily="34" charset="0"/>
+              <a:buChar char="•"/>
+            </a:pPr>
+            <a:r>
+              <a:rPr lang="en-US" sz="2000" dirty="0" smtClean="0"/>
+              <a:t>Reduction in the number of hours  Manual VS Automated</a:t>
+            </a:r>
+          </a:p>
+          <a:p>
+            <a:pPr>
+              <a:lnSpc>
+                <a:spcPct val="135000"/>
+              </a:lnSpc>
+              <a:spcBef>
+                <a:spcPts val="0"/>
+              </a:spcBef>
+            </a:pPr>
+            <a:endParaRPr lang="en-US" sz="1800" dirty="0"/>
+          </a:p>
+          <a:p>
+            <a:pPr marL="919163" lvl="1" indent="-342900">
+              <a:lnSpc>
+                <a:spcPct val="135000"/>
+              </a:lnSpc>
+              <a:spcBef>
+                <a:spcPts val="0"/>
+              </a:spcBef>
+              <a:buFont typeface="Arial" panose="020B0604020202020204" pitchFamily="34" charset="0"/>
+              <a:buChar char="•"/>
+            </a:pPr>
+            <a:endParaRPr lang="en-US" sz="1800" dirty="0" smtClean="0"/>
+          </a:p>
+          <a:p>
+            <a:pPr marL="919163" lvl="1" indent="-342900">
+              <a:lnSpc>
+                <a:spcPct val="135000"/>
+              </a:lnSpc>
+              <a:spcBef>
+                <a:spcPts val="0"/>
+              </a:spcBef>
+              <a:buFont typeface="Arial" panose="020B0604020202020204" pitchFamily="34" charset="0"/>
+              <a:buChar char="•"/>
+            </a:pPr>
+            <a:endParaRPr lang="en-US" sz="1800" dirty="0"/>
           </a:p>
           <a:p>
             <a:endParaRPr lang="en-US" sz="2000" dirty="0"/>
           </a:p>
-          <a:p>
-            <a:r>
-              <a:rPr lang="en-US" sz="2000" dirty="0" smtClean="0"/>
-              <a:t>To </a:t>
-            </a:r>
-            <a:r>
-              <a:rPr lang="en-US" sz="2000" dirty="0" smtClean="0"/>
-              <a:t>scale as is projected we have to change how we develop tests…</a:t>
-            </a:r>
-          </a:p>
-          <a:p>
-            <a:endParaRPr lang="en-US" sz="2000" dirty="0" smtClean="0"/>
-          </a:p>
-          <a:p>
-            <a:r>
-              <a:rPr lang="en-US" sz="2000" dirty="0" smtClean="0"/>
-              <a:t>We have to change how we select and execute tests</a:t>
-            </a:r>
-            <a:r>
-              <a:rPr lang="en-US" sz="2000" dirty="0" smtClean="0"/>
-              <a:t>…</a:t>
-            </a:r>
-          </a:p>
-          <a:p>
-            <a:endParaRPr lang="en-US" sz="2000" dirty="0"/>
-          </a:p>
-          <a:p>
-            <a:r>
-              <a:rPr lang="en-US" sz="2000" dirty="0" smtClean="0"/>
-              <a:t>Reduction in the number of hours  Pull out my # from all hands Present</a:t>
-            </a:r>
-          </a:p>
-          <a:p>
-            <a:endParaRPr lang="en-US" sz="2000" dirty="0"/>
-          </a:p>
-          <a:p>
-            <a:r>
-              <a:rPr lang="en-US" sz="2000" dirty="0" smtClean="0"/>
-              <a:t>Dev staff productivity and confidence</a:t>
-            </a:r>
-          </a:p>
-          <a:p>
-            <a:endParaRPr lang="en-US" sz="2000" dirty="0"/>
-          </a:p>
-          <a:p>
-            <a:r>
-              <a:rPr lang="en-US" sz="2000" dirty="0" smtClean="0"/>
-              <a:t>Team Agility. Bug found, code fix submitted, automation run. Its Fixed !</a:t>
-            </a:r>
-          </a:p>
-          <a:p>
-            <a:endParaRPr lang="en-US" sz="2000" dirty="0"/>
+        </p:txBody>
+      </p:sp>
+      <p:pic>
+        <p:nvPicPr>
+          <p:cNvPr id="6" name="Picture 5"/>
+          <p:cNvPicPr>
+            <a:picLocks noChangeAspect="1"/>
+          </p:cNvPicPr>
+          <p:nvPr/>
+        </p:nvPicPr>
+        <p:blipFill>
+          <a:blip r:embed="rId2">
+            <a:extLst>
+              <a:ext uri="{28A0092B-C50C-407E-A947-70E740481C1C}">
+                <a14:useLocalDpi xmlns:a14="http://schemas.microsoft.com/office/drawing/2010/main" val="0"/>
+              </a:ext>
+            </a:extLst>
+          </a:blip>
+          <a:stretch>
+            <a:fillRect/>
+          </a:stretch>
+        </p:blipFill>
+        <p:spPr>
+          <a:xfrm>
+            <a:off x="814713" y="3679465"/>
+            <a:ext cx="6006486" cy="1320798"/>
+          </a:xfrm>
+          <a:prstGeom prst="rect">
+            <a:avLst/>
+          </a:prstGeom>
+        </p:spPr>
+      </p:pic>
+      <p:pic>
+        <p:nvPicPr>
+          <p:cNvPr id="8" name="Picture 7"/>
+          <p:cNvPicPr>
+            <a:picLocks noChangeAspect="1"/>
+          </p:cNvPicPr>
+          <p:nvPr/>
+        </p:nvPicPr>
+        <p:blipFill>
+          <a:blip r:embed="rId3">
+            <a:extLst>
+              <a:ext uri="{28A0092B-C50C-407E-A947-70E740481C1C}">
+                <a14:useLocalDpi xmlns:a14="http://schemas.microsoft.com/office/drawing/2010/main" val="0"/>
+              </a:ext>
+            </a:extLst>
+          </a:blip>
+          <a:stretch>
+            <a:fillRect/>
+          </a:stretch>
+        </p:blipFill>
+        <p:spPr>
+          <a:xfrm>
+            <a:off x="814713" y="5198401"/>
+            <a:ext cx="6006486" cy="1328961"/>
+          </a:xfrm>
+          <a:prstGeom prst="rect">
+            <a:avLst/>
+          </a:prstGeom>
+        </p:spPr>
+      </p:pic>
+      <p:sp>
+        <p:nvSpPr>
+          <p:cNvPr id="9" name="Rectangle 8"/>
+          <p:cNvSpPr/>
+          <p:nvPr/>
+        </p:nvSpPr>
+        <p:spPr>
+          <a:xfrm>
+            <a:off x="6939022" y="3798235"/>
+            <a:ext cx="1400537" cy="1077218"/>
+          </a:xfrm>
+          <a:prstGeom prst="rect">
+            <a:avLst/>
+          </a:prstGeom>
+          <a:noFill/>
+        </p:spPr>
+        <p:txBody>
+          <a:bodyPr wrap="square" lIns="91440" tIns="45720" rIns="91440" bIns="45720">
+            <a:spAutoFit/>
+          </a:bodyPr>
+          <a:lstStyle/>
+          <a:p>
+            <a:pPr algn="ctr"/>
+            <a:r>
+              <a:rPr lang="en-US" sz="3200" dirty="0" smtClean="0">
+                <a:ln w="0"/>
+                <a:effectLst>
+                  <a:outerShdw blurRad="38100" dist="19050" dir="2700000" algn="tl" rotWithShape="0">
+                    <a:schemeClr val="dk1">
+                      <a:alpha val="40000"/>
+                    </a:schemeClr>
+                  </a:outerShdw>
+                </a:effectLst>
+              </a:rPr>
+              <a:t>CA DHMO</a:t>
+            </a:r>
+            <a:endParaRPr lang="en-US" sz="3200" b="0" cap="none" spc="0" dirty="0">
+              <a:ln w="0"/>
+              <a:solidFill>
+                <a:schemeClr val="tx1"/>
+              </a:solidFill>
+              <a:effectLst>
+                <a:outerShdw blurRad="38100" dist="19050" dir="2700000" algn="tl" rotWithShape="0">
+                  <a:schemeClr val="dk1">
+                    <a:alpha val="40000"/>
+                  </a:schemeClr>
+                </a:outerShdw>
+              </a:effectLst>
+            </a:endParaRPr>
+          </a:p>
+        </p:txBody>
+      </p:sp>
+      <p:sp>
+        <p:nvSpPr>
+          <p:cNvPr id="10" name="Rectangle 9"/>
+          <p:cNvSpPr/>
+          <p:nvPr/>
+        </p:nvSpPr>
+        <p:spPr>
+          <a:xfrm>
+            <a:off x="6967958" y="5453247"/>
+            <a:ext cx="1400537" cy="584775"/>
+          </a:xfrm>
+          <a:prstGeom prst="rect">
+            <a:avLst/>
+          </a:prstGeom>
+          <a:noFill/>
+        </p:spPr>
+        <p:txBody>
+          <a:bodyPr wrap="square" lIns="91440" tIns="45720" rIns="91440" bIns="45720">
+            <a:spAutoFit/>
+          </a:bodyPr>
+          <a:lstStyle/>
+          <a:p>
+            <a:pPr algn="ctr"/>
+            <a:r>
+              <a:rPr lang="en-US" sz="3200" dirty="0">
+                <a:ln w="0"/>
+                <a:effectLst>
+                  <a:outerShdw blurRad="38100" dist="19050" dir="2700000" algn="tl" rotWithShape="0">
+                    <a:schemeClr val="dk1">
+                      <a:alpha val="40000"/>
+                    </a:schemeClr>
+                  </a:outerShdw>
+                </a:effectLst>
+              </a:rPr>
+              <a:t>A</a:t>
+            </a:r>
+            <a:r>
+              <a:rPr lang="en-US" sz="3200" dirty="0" smtClean="0">
+                <a:ln w="0"/>
+                <a:effectLst>
+                  <a:outerShdw blurRad="38100" dist="19050" dir="2700000" algn="tl" rotWithShape="0">
+                    <a:schemeClr val="dk1">
+                      <a:alpha val="40000"/>
+                    </a:schemeClr>
+                  </a:outerShdw>
+                </a:effectLst>
+              </a:rPr>
+              <a:t>HMO</a:t>
+            </a:r>
+            <a:endParaRPr lang="en-US" sz="3200" b="0" cap="none" spc="0" dirty="0">
+              <a:ln w="0"/>
+              <a:solidFill>
+                <a:schemeClr val="tx1"/>
+              </a:solidFill>
+              <a:effectLst>
+                <a:outerShdw blurRad="38100" dist="19050" dir="2700000" algn="tl" rotWithShape="0">
+                  <a:schemeClr val="dk1">
+                    <a:alpha val="40000"/>
+                  </a:schemeClr>
+                </a:outerShdw>
+              </a:effectLst>
+            </a:endParaRPr>
           </a:p>
         </p:txBody>
       </p:sp>
@@ -2955,10 +4830,299 @@
   <p:clrMapOvr>
     <a:masterClrMapping/>
   </p:clrMapOvr>
+  <p:timing>
+    <p:tnLst>
+      <p:par>
+        <p:cTn id="1" dur="indefinite" restart="never" nodeType="tmRoot"/>
+      </p:par>
+    </p:tnLst>
+  </p:timing>
 </p:sld>
 </file>
 
 <file path=ppt/slides/slide5.xml><?xml version="1.0" encoding="utf-8"?>
+<p:sld xmlns:a="http://schemas.openxmlformats.org/drawingml/2006/main" xmlns:r="http://schemas.openxmlformats.org/officeDocument/2006/relationships" xmlns:p="http://schemas.openxmlformats.org/presentationml/2006/main">
+  <p:cSld>
+    <p:spTree>
+      <p:nvGrpSpPr>
+        <p:cNvPr id="1" name=""/>
+        <p:cNvGrpSpPr/>
+        <p:nvPr/>
+      </p:nvGrpSpPr>
+      <p:grpSpPr>
+        <a:xfrm>
+          <a:off x="0" y="0"/>
+          <a:ext cx="0" cy="0"/>
+          <a:chOff x="0" y="0"/>
+          <a:chExt cx="0" cy="0"/>
+        </a:xfrm>
+      </p:grpSpPr>
+      <p:sp>
+        <p:nvSpPr>
+          <p:cNvPr id="4" name="Title 1"/>
+          <p:cNvSpPr>
+            <a:spLocks noGrp="1"/>
+          </p:cNvSpPr>
+          <p:nvPr>
+            <p:ph type="title"/>
+          </p:nvPr>
+        </p:nvSpPr>
+        <p:spPr>
+          <a:xfrm>
+            <a:off x="1445229" y="37104"/>
+            <a:ext cx="5454335" cy="1423947"/>
+          </a:xfrm>
+        </p:spPr>
+        <p:txBody>
+          <a:bodyPr anchor="t">
+            <a:normAutofit/>
+          </a:bodyPr>
+          <a:lstStyle/>
+          <a:p>
+            <a:pPr algn="ctr">
+              <a:lnSpc>
+                <a:spcPct val="80000"/>
+              </a:lnSpc>
+            </a:pPr>
+            <a:r>
+              <a:rPr lang="en-US" dirty="0" smtClean="0"/>
+              <a:t>ACCOMPLISHMENTS </a:t>
+            </a:r>
+            <a:r>
+              <a:rPr lang="en-US" dirty="0"/>
+              <a:t>/ </a:t>
+            </a:r>
+            <a:r>
+              <a:rPr lang="en-US" dirty="0" smtClean="0"/>
+              <a:t>EVOLUTION</a:t>
+            </a:r>
+            <a:endParaRPr lang="en-US" dirty="0"/>
+          </a:p>
+        </p:txBody>
+      </p:sp>
+      <p:sp>
+        <p:nvSpPr>
+          <p:cNvPr id="5" name="Content Placeholder 2"/>
+          <p:cNvSpPr>
+            <a:spLocks noGrp="1"/>
+          </p:cNvSpPr>
+          <p:nvPr>
+            <p:ph idx="1"/>
+          </p:nvPr>
+        </p:nvSpPr>
+        <p:spPr>
+          <a:xfrm>
+            <a:off x="278296" y="1192693"/>
+            <a:ext cx="8865704" cy="5665307"/>
+          </a:xfrm>
+        </p:spPr>
+        <p:txBody>
+          <a:bodyPr>
+            <a:normAutofit/>
+          </a:bodyPr>
+          <a:lstStyle/>
+          <a:p>
+            <a:pPr marL="342900" indent="-342900">
+              <a:lnSpc>
+                <a:spcPct val="135000"/>
+              </a:lnSpc>
+              <a:spcBef>
+                <a:spcPts val="0"/>
+              </a:spcBef>
+              <a:buFont typeface="Arial" panose="020B0604020202020204" pitchFamily="34" charset="0"/>
+              <a:buChar char="•"/>
+            </a:pPr>
+            <a:r>
+              <a:rPr lang="en-US" sz="2000" dirty="0" smtClean="0"/>
+              <a:t>Dev </a:t>
+            </a:r>
+            <a:r>
+              <a:rPr lang="en-US" sz="2000" dirty="0" smtClean="0"/>
+              <a:t>staff productivity and </a:t>
+            </a:r>
+            <a:r>
+              <a:rPr lang="en-US" sz="2000" dirty="0" smtClean="0"/>
+              <a:t>confidence</a:t>
+            </a:r>
+          </a:p>
+          <a:p>
+            <a:pPr marL="919163" lvl="1" indent="-342900">
+              <a:lnSpc>
+                <a:spcPct val="100000"/>
+              </a:lnSpc>
+              <a:spcBef>
+                <a:spcPts val="0"/>
+              </a:spcBef>
+              <a:buFont typeface="Arial" panose="020B0604020202020204" pitchFamily="34" charset="0"/>
+              <a:buChar char="•"/>
+            </a:pPr>
+            <a:r>
+              <a:rPr lang="en-US" sz="1800" dirty="0" smtClean="0"/>
+              <a:t>A number of times Development has needed a confidence vote on the product reliability.  Each time I was able to provide within a number of hours a solid reporting on the product’s viability</a:t>
+            </a:r>
+          </a:p>
+          <a:p>
+            <a:pPr lvl="1" indent="0">
+              <a:lnSpc>
+                <a:spcPct val="100000"/>
+              </a:lnSpc>
+              <a:spcBef>
+                <a:spcPts val="0"/>
+              </a:spcBef>
+              <a:buNone/>
+            </a:pPr>
+            <a:r>
+              <a:rPr lang="en-US" sz="1600" dirty="0"/>
+              <a:t> </a:t>
+            </a:r>
+            <a:r>
+              <a:rPr lang="en-US" sz="1600" dirty="0" smtClean="0"/>
+              <a:t>         </a:t>
+            </a:r>
+            <a:endParaRPr lang="en-US" sz="1800" dirty="0"/>
+          </a:p>
+          <a:p>
+            <a:pPr marL="342900" indent="-342900">
+              <a:lnSpc>
+                <a:spcPct val="135000"/>
+              </a:lnSpc>
+              <a:spcBef>
+                <a:spcPts val="0"/>
+              </a:spcBef>
+              <a:buFont typeface="Arial" panose="020B0604020202020204" pitchFamily="34" charset="0"/>
+              <a:buChar char="•"/>
+            </a:pPr>
+            <a:r>
+              <a:rPr lang="en-US" sz="2000" dirty="0" smtClean="0"/>
+              <a:t>Team Agility. Bug found, code fix submitted, automation run. Its Fixed </a:t>
+            </a:r>
+            <a:r>
+              <a:rPr lang="en-US" sz="2000" dirty="0" smtClean="0"/>
+              <a:t>!</a:t>
+            </a:r>
+          </a:p>
+          <a:p>
+            <a:pPr marL="919163" lvl="1" indent="-342900">
+              <a:lnSpc>
+                <a:spcPct val="110000"/>
+              </a:lnSpc>
+              <a:spcBef>
+                <a:spcPts val="0"/>
+              </a:spcBef>
+              <a:buFont typeface="Arial" panose="020B0604020202020204" pitchFamily="34" charset="0"/>
+              <a:buChar char="•"/>
+            </a:pPr>
+            <a:r>
+              <a:rPr lang="en-US" sz="1800" dirty="0" smtClean="0"/>
+              <a:t>Product Architect claimed at one point, “ That’s why I liked Test Automation so much.”  My Automation ran the same script that forced the problem to the surface and ran identically proving the fix was successful</a:t>
+            </a:r>
+          </a:p>
+          <a:p>
+            <a:pPr>
+              <a:lnSpc>
+                <a:spcPct val="135000"/>
+              </a:lnSpc>
+              <a:spcBef>
+                <a:spcPts val="0"/>
+              </a:spcBef>
+            </a:pPr>
+            <a:r>
+              <a:rPr lang="en-US" sz="1600" dirty="0" smtClean="0"/>
+              <a:t>              </a:t>
+            </a:r>
+            <a:endParaRPr lang="en-US" sz="1600" dirty="0"/>
+          </a:p>
+          <a:p>
+            <a:pPr marL="342900" indent="-342900">
+              <a:lnSpc>
+                <a:spcPct val="135000"/>
+              </a:lnSpc>
+              <a:spcBef>
+                <a:spcPts val="0"/>
+              </a:spcBef>
+              <a:buFont typeface="Arial" panose="020B0604020202020204" pitchFamily="34" charset="0"/>
+              <a:buChar char="•"/>
+            </a:pPr>
+            <a:r>
+              <a:rPr lang="en-US" sz="2000" dirty="0" smtClean="0"/>
+              <a:t>Big Fixes done at MOT on a development request. </a:t>
+            </a:r>
+          </a:p>
+          <a:p>
+            <a:pPr marL="919163" lvl="1" indent="-342900">
+              <a:lnSpc>
+                <a:spcPct val="110000"/>
+              </a:lnSpc>
+              <a:spcBef>
+                <a:spcPts val="0"/>
+              </a:spcBef>
+              <a:buFont typeface="Arial" panose="020B0604020202020204" pitchFamily="34" charset="0"/>
+              <a:buChar char="•"/>
+            </a:pPr>
+            <a:r>
+              <a:rPr lang="en-US" sz="1800" dirty="0" smtClean="0"/>
+              <a:t>We run out tests.  We find a bug</a:t>
+            </a:r>
+          </a:p>
+          <a:p>
+            <a:pPr marL="919163" lvl="1" indent="-342900">
+              <a:lnSpc>
+                <a:spcPct val="110000"/>
+              </a:lnSpc>
+              <a:spcBef>
+                <a:spcPts val="0"/>
+              </a:spcBef>
+              <a:buFont typeface="Arial" panose="020B0604020202020204" pitchFamily="34" charset="0"/>
+              <a:buChar char="•"/>
+            </a:pPr>
+            <a:r>
+              <a:rPr lang="en-US" sz="1800" dirty="0" smtClean="0"/>
+              <a:t>We answer:  Yes, we can rerun the pass for you</a:t>
+            </a:r>
+          </a:p>
+          <a:p>
+            <a:pPr marL="919163" lvl="1" indent="-342900">
+              <a:lnSpc>
+                <a:spcPct val="110000"/>
+              </a:lnSpc>
+              <a:spcBef>
+                <a:spcPts val="0"/>
+              </a:spcBef>
+              <a:buFont typeface="Arial" panose="020B0604020202020204" pitchFamily="34" charset="0"/>
+              <a:buChar char="•"/>
+            </a:pPr>
+            <a:r>
+              <a:rPr lang="en-US" sz="1800" dirty="0" smtClean="0"/>
+              <a:t>And within hours we can report a Full Run, Short Run, Focused Run providing confidence to the team.</a:t>
+            </a:r>
+            <a:endParaRPr lang="en-US" sz="1800" dirty="0" smtClean="0"/>
+          </a:p>
+          <a:p>
+            <a:endParaRPr lang="en-US" sz="2000" dirty="0"/>
+          </a:p>
+        </p:txBody>
+      </p:sp>
+    </p:spTree>
+    <p:extLst>
+      <p:ext uri="{BB962C8B-B14F-4D97-AF65-F5344CB8AC3E}">
+        <p14:creationId xmlns:p14="http://schemas.microsoft.com/office/powerpoint/2010/main" val="2033148381"/>
+      </p:ext>
+    </p:extLst>
+  </p:cSld>
+  <p:clrMapOvr>
+    <a:masterClrMapping/>
+  </p:clrMapOvr>
+  <p:timing>
+    <p:tnLst>
+      <p:par>
+        <p:cTn id="1" dur="indefinite" restart="never" nodeType="tmRoot"/>
+      </p:par>
+    </p:tnLst>
+  </p:timing>
+</p:sld>
+</file>
+
+<file path=ppt/slides/slide6.xml><?xml version="1.0" encoding="utf-8"?>
 <p:sld xmlns:a="http://schemas.openxmlformats.org/drawingml/2006/main" xmlns:r="http://schemas.openxmlformats.org/officeDocument/2006/relationships" xmlns:p="http://schemas.openxmlformats.org/presentationml/2006/main">
   <p:cSld>
     <p:spTree>
@@ -3018,7 +5182,7 @@
         </p:nvSpPr>
         <p:spPr>
           <a:xfrm>
-            <a:off x="321866" y="1795828"/>
+            <a:off x="282110" y="1795828"/>
             <a:ext cx="8822133" cy="4403194"/>
           </a:xfrm>
         </p:spPr>
@@ -3028,10 +5192,12 @@
           </a:bodyPr>
           <a:lstStyle/>
           <a:p>
-            <a:pPr>
+            <a:pPr marL="342900" indent="-342900">
               <a:lnSpc>
                 <a:spcPct val="125000"/>
               </a:lnSpc>
+              <a:buFont typeface="Arial" panose="020B0604020202020204" pitchFamily="34" charset="0"/>
+              <a:buChar char="•"/>
             </a:pPr>
             <a:r>
               <a:rPr lang="en-US" sz="2000" dirty="0"/>
@@ -3064,10 +5230,12 @@
             <a:endParaRPr lang="en-US" sz="2000" dirty="0" smtClean="0"/>
           </a:p>
           <a:p>
-            <a:pPr>
+            <a:pPr marL="342900" indent="-342900">
               <a:lnSpc>
                 <a:spcPct val="125000"/>
               </a:lnSpc>
+              <a:buFont typeface="Arial" panose="020B0604020202020204" pitchFamily="34" charset="0"/>
+              <a:buChar char="•"/>
             </a:pPr>
             <a:r>
               <a:rPr lang="en-US" sz="2000" dirty="0"/>
@@ -3083,23 +5251,16 @@
             </a:r>
             <a:r>
               <a:rPr lang="en-US" sz="2000" dirty="0" smtClean="0"/>
-              <a:t>supporting their </a:t>
-            </a:r>
-            <a:r>
-              <a:rPr lang="en-US" sz="2000" dirty="0" smtClean="0"/>
-              <a:t>work… </a:t>
-            </a:r>
-            <a:r>
-              <a:rPr lang="en-US" sz="1100" dirty="0" smtClean="0"/>
-              <a:t>( list bullet voice over )</a:t>
-            </a:r>
-            <a:endParaRPr lang="en-US" sz="2000" dirty="0" smtClean="0"/>
-          </a:p>
-          <a:p>
-            <a:pPr>
+              <a:t>supporting their work… </a:t>
+            </a:r>
+          </a:p>
+          <a:p>
+            <a:pPr marL="342900" indent="-342900">
               <a:lnSpc>
                 <a:spcPct val="125000"/>
               </a:lnSpc>
+              <a:buFont typeface="Arial" panose="020B0604020202020204" pitchFamily="34" charset="0"/>
+              <a:buChar char="•"/>
             </a:pPr>
             <a:r>
               <a:rPr lang="en-US" sz="2000" dirty="0" smtClean="0"/>
@@ -3115,10 +5276,12 @@
             </a:r>
           </a:p>
           <a:p>
-            <a:pPr>
+            <a:pPr marL="342900" indent="-342900">
               <a:lnSpc>
                 <a:spcPct val="125000"/>
               </a:lnSpc>
+              <a:buFont typeface="Arial" panose="020B0604020202020204" pitchFamily="34" charset="0"/>
+              <a:buChar char="•"/>
             </a:pPr>
             <a:r>
               <a:rPr lang="en-US" sz="2000" dirty="0" smtClean="0"/>
@@ -3139,10 +5302,12 @@
             <a:endParaRPr lang="en-US" sz="2000" dirty="0" smtClean="0"/>
           </a:p>
           <a:p>
-            <a:pPr>
+            <a:pPr marL="342900" indent="-342900">
               <a:lnSpc>
                 <a:spcPct val="125000"/>
               </a:lnSpc>
+              <a:buFont typeface="Arial" panose="020B0604020202020204" pitchFamily="34" charset="0"/>
+              <a:buChar char="•"/>
             </a:pPr>
             <a:r>
               <a:rPr lang="en-US" sz="2000" dirty="0" smtClean="0"/>
@@ -3162,10 +5327,12 @@
             </a:r>
           </a:p>
           <a:p>
-            <a:pPr>
+            <a:pPr marL="342900" indent="-342900">
               <a:lnSpc>
                 <a:spcPct val="125000"/>
               </a:lnSpc>
+              <a:buFont typeface="Arial" panose="020B0604020202020204" pitchFamily="34" charset="0"/>
+              <a:buChar char="•"/>
             </a:pPr>
             <a:r>
               <a:rPr lang="en-US" sz="2000" dirty="0" smtClean="0"/>
@@ -3200,10 +5367,17 @@
   <p:clrMapOvr>
     <a:masterClrMapping/>
   </p:clrMapOvr>
+  <p:timing>
+    <p:tnLst>
+      <p:par>
+        <p:cTn id="1" dur="indefinite" restart="never" nodeType="tmRoot"/>
+      </p:par>
+    </p:tnLst>
+  </p:timing>
 </p:sld>
 </file>
 
-<file path=ppt/slides/slide6.xml><?xml version="1.0" encoding="utf-8"?>
+<file path=ppt/slides/slide7.xml><?xml version="1.0" encoding="utf-8"?>
 <p:sld xmlns:a="http://schemas.openxmlformats.org/drawingml/2006/main" xmlns:r="http://schemas.openxmlformats.org/officeDocument/2006/relationships" xmlns:p="http://schemas.openxmlformats.org/presentationml/2006/main">
   <p:cSld>
     <p:spTree>
@@ -3263,7 +5437,7 @@
         </p:nvSpPr>
         <p:spPr>
           <a:xfrm>
-            <a:off x="423640" y="1839480"/>
+            <a:off x="274555" y="1839480"/>
             <a:ext cx="8580658" cy="4589026"/>
           </a:xfrm>
         </p:spPr>
@@ -3273,10 +5447,12 @@
           </a:bodyPr>
           <a:lstStyle/>
           <a:p>
-            <a:pPr>
+            <a:pPr marL="342900" indent="-342900">
               <a:lnSpc>
                 <a:spcPct val="110000"/>
               </a:lnSpc>
+              <a:buFont typeface="Arial" panose="020B0604020202020204" pitchFamily="34" charset="0"/>
+              <a:buChar char="•"/>
             </a:pPr>
             <a:r>
               <a:rPr lang="en-US" sz="2000" dirty="0"/>
@@ -3288,21 +5464,25 @@
             </a:r>
           </a:p>
           <a:p>
-            <a:pPr>
+            <a:pPr marL="342900" indent="-342900">
               <a:lnSpc>
                 <a:spcPct val="110000"/>
               </a:lnSpc>
-            </a:pPr>
-            <a:endParaRPr lang="en-US" sz="2000" smtClean="0"/>
-          </a:p>
-          <a:p>
-            <a:pPr>
+              <a:buFont typeface="Arial" panose="020B0604020202020204" pitchFamily="34" charset="0"/>
+              <a:buChar char="•"/>
+            </a:pPr>
+            <a:endParaRPr lang="en-US" sz="2000" dirty="0" smtClean="0"/>
+          </a:p>
+          <a:p>
+            <a:pPr marL="342900" indent="-342900">
               <a:lnSpc>
                 <a:spcPct val="110000"/>
               </a:lnSpc>
-            </a:pPr>
-            <a:r>
-              <a:rPr lang="en-US" sz="2000" smtClean="0"/>
+              <a:buFont typeface="Arial" panose="020B0604020202020204" pitchFamily="34" charset="0"/>
+              <a:buChar char="•"/>
+            </a:pPr>
+            <a:r>
+              <a:rPr lang="en-US" sz="2000" dirty="0" smtClean="0"/>
               <a:t>CXTA's </a:t>
             </a:r>
             <a:r>
@@ -3323,18 +5503,22 @@
             </a:r>
           </a:p>
           <a:p>
-            <a:pPr>
+            <a:pPr marL="342900" indent="-342900">
               <a:lnSpc>
                 <a:spcPct val="110000"/>
               </a:lnSpc>
+              <a:buFont typeface="Arial" panose="020B0604020202020204" pitchFamily="34" charset="0"/>
+              <a:buChar char="•"/>
             </a:pPr>
             <a:endParaRPr lang="en-US" sz="2000" dirty="0" smtClean="0"/>
           </a:p>
           <a:p>
-            <a:pPr>
+            <a:pPr marL="342900" indent="-342900">
               <a:lnSpc>
                 <a:spcPct val="110000"/>
               </a:lnSpc>
+              <a:buFont typeface="Arial" panose="020B0604020202020204" pitchFamily="34" charset="0"/>
+              <a:buChar char="•"/>
             </a:pPr>
             <a:r>
               <a:rPr lang="en-US" sz="2000" dirty="0" smtClean="0"/>
@@ -3362,10 +5546,17 @@
   <p:clrMapOvr>
     <a:masterClrMapping/>
   </p:clrMapOvr>
+  <p:timing>
+    <p:tnLst>
+      <p:par>
+        <p:cTn id="1" dur="indefinite" restart="never" nodeType="tmRoot"/>
+      </p:par>
+    </p:tnLst>
+  </p:timing>
 </p:sld>
 </file>
 
-<file path=ppt/slides/slide7.xml><?xml version="1.0" encoding="utf-8"?>
+<file path=ppt/slides/slide8.xml><?xml version="1.0" encoding="utf-8"?>
 <p:sld xmlns:a="http://schemas.openxmlformats.org/drawingml/2006/main" xmlns:r="http://schemas.openxmlformats.org/officeDocument/2006/relationships" xmlns:p="http://schemas.openxmlformats.org/presentationml/2006/main">
   <p:cSld>
     <p:spTree>
@@ -3395,7 +5586,7 @@
         <p:spPr>
           <a:xfrm>
             <a:off x="2130137" y="115744"/>
-            <a:ext cx="4322618" cy="1325563"/>
+            <a:ext cx="4322618" cy="957682"/>
           </a:xfrm>
         </p:spPr>
         <p:txBody>
@@ -3425,14 +5616,15 @@
         </p:nvSpPr>
         <p:spPr>
           <a:xfrm>
-            <a:off x="322118" y="1872760"/>
-            <a:ext cx="8821882" cy="4351338"/>
+            <a:off x="272424" y="1912517"/>
+            <a:ext cx="4369152" cy="4351338"/>
           </a:xfrm>
         </p:spPr>
         <p:txBody>
           <a:bodyPr/>
           <a:lstStyle/>
           <a:p>
+            <a:pPr algn="ctr"/>
             <a:r>
               <a:rPr lang="en-US" dirty="0" err="1" smtClean="0"/>
               <a:t>Git</a:t>
@@ -3457,25 +5649,101 @@
             </a:r>
           </a:p>
           <a:p>
-            <a:pPr marL="341313" lvl="1" indent="0">
-              <a:buNone/>
-            </a:pPr>
-            <a:r>
-              <a:rPr lang="en-US" dirty="0" smtClean="0"/>
-              <a:t>Core base level classes defining what is common to any component on a web page</a:t>
-            </a:r>
-          </a:p>
-          <a:p>
-            <a:pPr marL="341313" lvl="1" indent="0">
-              <a:buNone/>
-            </a:pPr>
-            <a:r>
-              <a:rPr lang="en-US" dirty="0" smtClean="0"/>
-              <a:t>Specialized components and methods build up from the </a:t>
-            </a:r>
+            <a:pPr lvl="1">
+              <a:lnSpc>
+                <a:spcPct val="100000"/>
+              </a:lnSpc>
+              <a:spcBef>
+                <a:spcPts val="0"/>
+              </a:spcBef>
+              <a:buFont typeface="Arial" panose="020B0604020202020204" pitchFamily="34" charset="0"/>
+              <a:buChar char="•"/>
+            </a:pPr>
+            <a:r>
+              <a:rPr lang="en-US" sz="1800" dirty="0" smtClean="0"/>
+              <a:t>Core base level classes defining what is common to any component on a web </a:t>
+            </a:r>
+            <a:r>
+              <a:rPr lang="en-US" sz="1800" dirty="0" smtClean="0"/>
+              <a:t>page</a:t>
+            </a:r>
+          </a:p>
+          <a:p>
+            <a:pPr lvl="1">
+              <a:lnSpc>
+                <a:spcPct val="100000"/>
+              </a:lnSpc>
+              <a:spcBef>
+                <a:spcPts val="0"/>
+              </a:spcBef>
+              <a:buFont typeface="Arial" panose="020B0604020202020204" pitchFamily="34" charset="0"/>
+              <a:buChar char="•"/>
+            </a:pPr>
+            <a:r>
+              <a:rPr lang="en-US" sz="1800" dirty="0" smtClean="0"/>
+              <a:t>Initiator Classes, Handlers, Helper Classes</a:t>
+            </a:r>
+            <a:endParaRPr lang="en-US" sz="1800" dirty="0" smtClean="0"/>
+          </a:p>
+          <a:p>
+            <a:pPr lvl="1">
+              <a:lnSpc>
+                <a:spcPct val="100000"/>
+              </a:lnSpc>
+              <a:spcBef>
+                <a:spcPts val="0"/>
+              </a:spcBef>
+              <a:buFont typeface="Arial" panose="020B0604020202020204" pitchFamily="34" charset="0"/>
+              <a:buChar char="•"/>
+            </a:pPr>
+            <a:r>
+              <a:rPr lang="en-US" sz="1800" dirty="0" smtClean="0"/>
+              <a:t>Specialized components and methods build up from </a:t>
+            </a:r>
+            <a:r>
+              <a:rPr lang="en-US" sz="1800" dirty="0" smtClean="0"/>
+              <a:t>Core Classes and Methods</a:t>
+            </a:r>
+          </a:p>
+          <a:p>
+            <a:pPr lvl="1">
+              <a:buFont typeface="Arial" panose="020B0604020202020204" pitchFamily="34" charset="0"/>
+              <a:buChar char="•"/>
+            </a:pPr>
+            <a:endParaRPr lang="en-US" sz="1800" dirty="0" smtClean="0"/>
           </a:p>
         </p:txBody>
       </p:sp>
+      <p:pic>
+        <p:nvPicPr>
+          <p:cNvPr id="10" name="Picture 9"/>
+          <p:cNvPicPr>
+            <a:picLocks noChangeAspect="1"/>
+          </p:cNvPicPr>
+          <p:nvPr/>
+        </p:nvPicPr>
+        <p:blipFill>
+          <a:blip r:embed="rId2">
+            <a:extLst>
+              <a:ext uri="{28A0092B-C50C-407E-A947-70E740481C1C}">
+                <a14:useLocalDpi xmlns:a14="http://schemas.microsoft.com/office/drawing/2010/main" val="0"/>
+              </a:ext>
+            </a:extLst>
+          </a:blip>
+          <a:stretch>
+            <a:fillRect/>
+          </a:stretch>
+        </p:blipFill>
+        <p:spPr>
+          <a:xfrm>
+            <a:off x="4572000" y="1912517"/>
+            <a:ext cx="4556210" cy="3307665"/>
+          </a:xfrm>
+          <a:prstGeom prst="rect">
+            <a:avLst/>
+          </a:prstGeom>
+        </p:spPr>
+      </p:pic>
     </p:spTree>
     <p:extLst>
       <p:ext uri="{BB962C8B-B14F-4D97-AF65-F5344CB8AC3E}">
@@ -3486,10 +5754,17 @@
   <p:clrMapOvr>
     <a:masterClrMapping/>
   </p:clrMapOvr>
+  <p:timing>
+    <p:tnLst>
+      <p:par>
+        <p:cTn id="1" dur="indefinite" restart="never" nodeType="tmRoot"/>
+      </p:par>
+    </p:tnLst>
+  </p:timing>
 </p:sld>
 </file>
 
-<file path=ppt/slides/slide8.xml><?xml version="1.0" encoding="utf-8"?>
+<file path=ppt/slides/slide9.xml><?xml version="1.0" encoding="utf-8"?>
 <p:sld xmlns:a="http://schemas.openxmlformats.org/drawingml/2006/main" xmlns:r="http://schemas.openxmlformats.org/officeDocument/2006/relationships" xmlns:p="http://schemas.openxmlformats.org/presentationml/2006/main">
   <p:cSld>
     <p:spTree>
@@ -3568,41 +5843,43 @@
             </a:r>
           </a:p>
           <a:p>
-            <a:pPr marL="341313" lvl="1" indent="0">
+            <a:pPr lvl="1">
               <a:lnSpc>
                 <a:spcPct val="110000"/>
               </a:lnSpc>
+              <a:buFont typeface="Arial" panose="020B0604020202020204" pitchFamily="34" charset="0"/>
+              <a:buChar char="•"/>
+            </a:pPr>
+            <a:r>
+              <a:rPr lang="en-US" sz="2000" dirty="0"/>
+              <a:t>Schedule Based : Covers Regression Testing</a:t>
+            </a:r>
+          </a:p>
+          <a:p>
+            <a:pPr lvl="1">
+              <a:lnSpc>
+                <a:spcPct val="110000"/>
+              </a:lnSpc>
+              <a:buFont typeface="Arial" panose="020B0604020202020204" pitchFamily="34" charset="0"/>
+              <a:buChar char="•"/>
+            </a:pPr>
+            <a:r>
+              <a:rPr lang="en-US" sz="2000" dirty="0"/>
+              <a:t>On Demand : Covers all developer build initiated testing</a:t>
+            </a:r>
+          </a:p>
+          <a:p>
+            <a:pPr marL="457206" lvl="1" indent="0">
+              <a:lnSpc>
+                <a:spcPct val="110000"/>
+              </a:lnSpc>
               <a:buNone/>
             </a:pPr>
             <a:r>
-              <a:rPr lang="en-US" sz="2800" dirty="0"/>
-              <a:t>Schedule Based : Covers Regression Testing</a:t>
-            </a:r>
-          </a:p>
-          <a:p>
-            <a:pPr marL="341313" lvl="1" indent="0">
-              <a:lnSpc>
-                <a:spcPct val="110000"/>
-              </a:lnSpc>
-              <a:buNone/>
-            </a:pPr>
-            <a:r>
-              <a:rPr lang="en-US" sz="2800" dirty="0"/>
-              <a:t>On Demand : Covers all developer build initiated testing</a:t>
-            </a:r>
-          </a:p>
-          <a:p>
-            <a:pPr marL="457206" lvl="1" indent="0">
-              <a:lnSpc>
-                <a:spcPct val="110000"/>
-              </a:lnSpc>
-              <a:buNone/>
-            </a:pPr>
-            <a:r>
-              <a:rPr lang="en-US" sz="400" dirty="0"/>
-              <a:t>     </a:t>
-            </a:r>
-            <a:endParaRPr lang="en-US" sz="300" dirty="0"/>
+              <a:rPr lang="en-US" sz="1600" dirty="0" smtClean="0"/>
+              <a:t>                  </a:t>
+            </a:r>
+            <a:endParaRPr lang="en-US" sz="1400" dirty="0"/>
           </a:p>
           <a:p>
             <a:r>
@@ -3611,12 +5888,17 @@
             </a:r>
           </a:p>
           <a:p>
-            <a:pPr marL="341313" lvl="1" indent="0">
-              <a:buNone/>
-            </a:pPr>
-            <a:r>
-              <a:rPr lang="en-US" sz="2800" dirty="0"/>
-              <a:t>Gives developers ability to focus testing of code in development</a:t>
+            <a:pPr lvl="1">
+              <a:buFont typeface="Arial" panose="020B0604020202020204" pitchFamily="34" charset="0"/>
+              <a:buChar char="•"/>
+            </a:pPr>
+            <a:r>
+              <a:rPr lang="en-US" sz="2000" dirty="0"/>
+              <a:t>Gives developers ability to focus testing of code in </a:t>
+            </a:r>
+            <a:r>
+              <a:rPr lang="en-US" sz="2000" dirty="0" smtClean="0"/>
+              <a:t>development</a:t>
             </a:r>
           </a:p>
           <a:p>
@@ -3624,9 +5906,10 @@
               <a:buNone/>
             </a:pPr>
             <a:r>
-              <a:rPr lang="en-US" sz="500" dirty="0"/>
-              <a:t>     </a:t>
-            </a:r>
+              <a:rPr lang="en-US" sz="1400" dirty="0" smtClean="0"/>
+              <a:t>      </a:t>
+            </a:r>
+            <a:endParaRPr lang="en-US" sz="1400" dirty="0"/>
           </a:p>
           <a:p>
             <a:r>
@@ -3639,21 +5922,22 @@
             </a:r>
           </a:p>
           <a:p>
-            <a:pPr marL="341313" lvl="1" indent="0">
+            <a:pPr lvl="1">
               <a:lnSpc>
                 <a:spcPct val="100000"/>
               </a:lnSpc>
-              <a:buNone/>
-            </a:pPr>
-            <a:r>
-              <a:rPr lang="en-US" sz="2800" dirty="0"/>
+              <a:buFont typeface="Arial" panose="020B0604020202020204" pitchFamily="34" charset="0"/>
+              <a:buChar char="•"/>
+            </a:pPr>
+            <a:r>
+              <a:rPr lang="en-US" sz="2000" dirty="0"/>
               <a:t>Evolutionary change in configuration and approach moves to control of what product and state being tested out of the script and to Framework Configuration</a:t>
             </a:r>
             <a:r>
-              <a:rPr lang="en-US" sz="2800" dirty="0" smtClean="0"/>
+              <a:rPr lang="en-US" sz="2000" dirty="0" smtClean="0"/>
               <a:t>… ...</a:t>
             </a:r>
-            <a:endParaRPr lang="en-US" sz="2800" dirty="0"/>
+            <a:endParaRPr lang="en-US" sz="2000" dirty="0"/>
           </a:p>
         </p:txBody>
       </p:sp>
@@ -3667,140 +5951,13 @@
   <p:clrMapOvr>
     <a:masterClrMapping/>
   </p:clrMapOvr>
-</p:sld>
-</file>
-
-<file path=ppt/slides/slide9.xml><?xml version="1.0" encoding="utf-8"?>
-<p:sld xmlns:a="http://schemas.openxmlformats.org/drawingml/2006/main" xmlns:r="http://schemas.openxmlformats.org/officeDocument/2006/relationships" xmlns:p="http://schemas.openxmlformats.org/presentationml/2006/main">
-  <p:cSld>
-    <p:spTree>
-      <p:nvGrpSpPr>
-        <p:cNvPr id="1" name=""/>
-        <p:cNvGrpSpPr/>
-        <p:nvPr/>
-      </p:nvGrpSpPr>
-      <p:grpSpPr>
-        <a:xfrm>
-          <a:off x="0" y="0"/>
-          <a:ext cx="0" cy="0"/>
-          <a:chOff x="0" y="0"/>
-          <a:chExt cx="0" cy="0"/>
-        </a:xfrm>
-      </p:grpSpPr>
-      <p:sp>
-        <p:nvSpPr>
-          <p:cNvPr id="2" name="Title 1"/>
-          <p:cNvSpPr>
-            <a:spLocks noGrp="1"/>
-          </p:cNvSpPr>
-          <p:nvPr>
-            <p:ph type="title"/>
-          </p:nvPr>
-        </p:nvSpPr>
-        <p:spPr>
-          <a:xfrm>
-            <a:off x="1641767" y="129597"/>
-            <a:ext cx="5101934" cy="1325563"/>
-          </a:xfrm>
-        </p:spPr>
-        <p:txBody>
-          <a:bodyPr anchor="t"/>
-          <a:lstStyle/>
-          <a:p>
-            <a:pPr algn="ctr"/>
-            <a:r>
-              <a:rPr lang="en-US" dirty="0" smtClean="0"/>
-              <a:t>REPORTING</a:t>
-            </a:r>
-            <a:endParaRPr lang="en-US" dirty="0"/>
-          </a:p>
-        </p:txBody>
-      </p:sp>
-      <p:sp>
-        <p:nvSpPr>
-          <p:cNvPr id="3" name="Content Placeholder 2"/>
-          <p:cNvSpPr>
-            <a:spLocks noGrp="1"/>
-          </p:cNvSpPr>
-          <p:nvPr>
-            <p:ph idx="1"/>
-          </p:nvPr>
-        </p:nvSpPr>
-        <p:spPr>
-          <a:xfrm>
-            <a:off x="432844" y="1863333"/>
-            <a:ext cx="8427352" cy="4351338"/>
-          </a:xfrm>
-        </p:spPr>
-        <p:txBody>
-          <a:bodyPr/>
-          <a:lstStyle/>
-          <a:p>
-            <a:r>
-              <a:rPr lang="en-US" dirty="0" smtClean="0"/>
-              <a:t>Reporting:  Three levels of information</a:t>
-            </a:r>
-          </a:p>
-          <a:p>
-            <a:endParaRPr lang="en-US" dirty="0"/>
-          </a:p>
-          <a:p>
-            <a:r>
-              <a:rPr lang="en-US" dirty="0" smtClean="0"/>
-              <a:t>Hyper granular:  Cover every Assert and Compare in Framework</a:t>
-            </a:r>
-          </a:p>
-          <a:p>
-            <a:pPr marL="341313" lvl="1" indent="0">
-              <a:buNone/>
-            </a:pPr>
-            <a:r>
-              <a:rPr lang="en-US" dirty="0" smtClean="0"/>
-              <a:t>Debugging and Framework Development tool</a:t>
-            </a:r>
-          </a:p>
-          <a:p>
-            <a:r>
-              <a:rPr lang="en-US" dirty="0" smtClean="0"/>
-              <a:t>Test Run Specific:  Pass / Fail assessment of all written script tests</a:t>
-            </a:r>
-          </a:p>
-          <a:p>
-            <a:pPr marL="341313" lvl="1" indent="0">
-              <a:buNone/>
-            </a:pPr>
-            <a:r>
-              <a:rPr lang="en-US" dirty="0" smtClean="0"/>
-              <a:t>Current Standard test run encompassing test report</a:t>
-            </a:r>
-          </a:p>
-          <a:p>
-            <a:r>
-              <a:rPr lang="en-US" dirty="0" smtClean="0"/>
-              <a:t>High Level Product Specific:  Go / No-go on a Product basis</a:t>
-            </a:r>
-          </a:p>
-          <a:p>
-            <a:pPr marL="341313" lvl="1" indent="0">
-              <a:buNone/>
-            </a:pPr>
-            <a:r>
-              <a:rPr lang="en-US" dirty="0" smtClean="0"/>
-              <a:t>In Design Mode.  Would provide Development and Product Managers a quick look at the current health and capability to ship the product </a:t>
-            </a:r>
-          </a:p>
-        </p:txBody>
-      </p:sp>
-    </p:spTree>
-    <p:extLst>
-      <p:ext uri="{BB962C8B-B14F-4D97-AF65-F5344CB8AC3E}">
-        <p14:creationId xmlns:p14="http://schemas.microsoft.com/office/powerpoint/2010/main" val="21198343"/>
-      </p:ext>
-    </p:extLst>
-  </p:cSld>
-  <p:clrMapOvr>
-    <a:masterClrMapping/>
-  </p:clrMapOvr>
+  <p:timing>
+    <p:tnLst>
+      <p:par>
+        <p:cTn id="1" dur="indefinite" restart="never" nodeType="tmRoot"/>
+      </p:par>
+    </p:tnLst>
+  </p:timing>
 </p:sld>
 </file>
 
@@ -4391,6 +6548,52 @@
 </file>
 
 <file path=customXml/item1.xml><?xml version="1.0" encoding="utf-8"?>
+<?mso-contentType ?>
+<spe:Receivers xmlns:spe="http://schemas.microsoft.com/sharepoint/events">
+  <Receiver>
+    <Name>Document ID Generator</Name>
+    <Synchronization>Synchronous</Synchronization>
+    <Type>10001</Type>
+    <SequenceNumber>1000</SequenceNumber>
+    <Assembly>Microsoft.Office.DocumentManagement, Version=14.0.0.0, Culture=neutral, PublicKeyToken=71e9bce111e9429c</Assembly>
+    <Class>Microsoft.Office.DocumentManagement.Internal.DocIdHandler</Class>
+    <Data/>
+    <Filter/>
+  </Receiver>
+  <Receiver>
+    <Name>Document ID Generator</Name>
+    <Synchronization>Synchronous</Synchronization>
+    <Type>10002</Type>
+    <SequenceNumber>1001</SequenceNumber>
+    <Assembly>Microsoft.Office.DocumentManagement, Version=14.0.0.0, Culture=neutral, PublicKeyToken=71e9bce111e9429c</Assembly>
+    <Class>Microsoft.Office.DocumentManagement.Internal.DocIdHandler</Class>
+    <Data/>
+    <Filter/>
+  </Receiver>
+  <Receiver>
+    <Name>Document ID Generator</Name>
+    <Synchronization>Synchronous</Synchronization>
+    <Type>10004</Type>
+    <SequenceNumber>1002</SequenceNumber>
+    <Assembly>Microsoft.Office.DocumentManagement, Version=14.0.0.0, Culture=neutral, PublicKeyToken=71e9bce111e9429c</Assembly>
+    <Class>Microsoft.Office.DocumentManagement.Internal.DocIdHandler</Class>
+    <Data/>
+    <Filter/>
+  </Receiver>
+  <Receiver>
+    <Name>Document ID Generator</Name>
+    <Synchronization>Synchronous</Synchronization>
+    <Type>10006</Type>
+    <SequenceNumber>1003</SequenceNumber>
+    <Assembly>Microsoft.Office.DocumentManagement, Version=14.0.0.0, Culture=neutral, PublicKeyToken=71e9bce111e9429c</Assembly>
+    <Class>Microsoft.Office.DocumentManagement.Internal.DocIdHandler</Class>
+    <Data/>
+    <Filter/>
+  </Receiver>
+</spe:Receivers>
+</file>
+
+<file path=customXml/item2.xml><?xml version="1.0" encoding="utf-8"?>
 <ct:contentTypeSchema xmlns:ct="http://schemas.microsoft.com/office/2006/metadata/contentType" xmlns:ma="http://schemas.microsoft.com/office/2006/metadata/properties/metaAttributes" ct:_="" ma:_="" ma:contentTypeName="Document" ma:contentTypeID="0x0101000F421C3DE11F24489C3C49A9442BEF44" ma:contentTypeVersion="0" ma:contentTypeDescription="Create a new document." ma:contentTypeScope="" ma:versionID="03fa29219166c606cfec6c1a2cbf2ee4">
   <xsd:schema xmlns:xsd="http://www.w3.org/2001/XMLSchema" xmlns:xs="http://www.w3.org/2001/XMLSchema" xmlns:p="http://schemas.microsoft.com/office/2006/metadata/properties" xmlns:ns2="a9328eaf-6333-4034-a7ce-997665b5f80d" targetNamespace="http://schemas.microsoft.com/office/2006/metadata/properties" ma:root="true" ma:fieldsID="40f1611e01294dd1c52f51bc3dec7bd7" ns2:_="">
     <xsd:import namespace="a9328eaf-6333-4034-a7ce-997665b5f80d"/>
@@ -4535,62 +6738,7 @@
 </ct:contentTypeSchema>
 </file>
 
-<file path=customXml/item2.xml><?xml version="1.0" encoding="utf-8"?>
-<?mso-contentType ?>
-<spe:Receivers xmlns:spe="http://schemas.microsoft.com/sharepoint/events">
-  <Receiver>
-    <Name>Document ID Generator</Name>
-    <Synchronization>Synchronous</Synchronization>
-    <Type>10001</Type>
-    <SequenceNumber>1000</SequenceNumber>
-    <Assembly>Microsoft.Office.DocumentManagement, Version=14.0.0.0, Culture=neutral, PublicKeyToken=71e9bce111e9429c</Assembly>
-    <Class>Microsoft.Office.DocumentManagement.Internal.DocIdHandler</Class>
-    <Data/>
-    <Filter/>
-  </Receiver>
-  <Receiver>
-    <Name>Document ID Generator</Name>
-    <Synchronization>Synchronous</Synchronization>
-    <Type>10002</Type>
-    <SequenceNumber>1001</SequenceNumber>
-    <Assembly>Microsoft.Office.DocumentManagement, Version=14.0.0.0, Culture=neutral, PublicKeyToken=71e9bce111e9429c</Assembly>
-    <Class>Microsoft.Office.DocumentManagement.Internal.DocIdHandler</Class>
-    <Data/>
-    <Filter/>
-  </Receiver>
-  <Receiver>
-    <Name>Document ID Generator</Name>
-    <Synchronization>Synchronous</Synchronization>
-    <Type>10004</Type>
-    <SequenceNumber>1002</SequenceNumber>
-    <Assembly>Microsoft.Office.DocumentManagement, Version=14.0.0.0, Culture=neutral, PublicKeyToken=71e9bce111e9429c</Assembly>
-    <Class>Microsoft.Office.DocumentManagement.Internal.DocIdHandler</Class>
-    <Data/>
-    <Filter/>
-  </Receiver>
-  <Receiver>
-    <Name>Document ID Generator</Name>
-    <Synchronization>Synchronous</Synchronization>
-    <Type>10006</Type>
-    <SequenceNumber>1003</SequenceNumber>
-    <Assembly>Microsoft.Office.DocumentManagement, Version=14.0.0.0, Culture=neutral, PublicKeyToken=71e9bce111e9429c</Assembly>
-    <Class>Microsoft.Office.DocumentManagement.Internal.DocIdHandler</Class>
-    <Data/>
-    <Filter/>
-  </Receiver>
-</spe:Receivers>
-</file>
-
 <file path=customXml/item3.xml><?xml version="1.0" encoding="utf-8"?>
-<?mso-contentType ?>
-<FormTemplates xmlns="http://schemas.microsoft.com/sharepoint/v3/contenttype/forms">
-  <Display>DocumentLibraryForm</Display>
-  <Edit>DocumentLibraryForm</Edit>
-  <New>DocumentLibraryForm</New>
-</FormTemplates>
-</file>
-
-<file path=customXml/item4.xml><?xml version="1.0" encoding="utf-8"?>
 <p:properties xmlns:p="http://schemas.microsoft.com/office/2006/metadata/properties" xmlns:xsi="http://www.w3.org/2001/XMLSchema-instance" xmlns:pc="http://schemas.microsoft.com/office/infopath/2007/PartnerControls">
   <documentManagement>
     <_dlc_DocId xmlns="a9328eaf-6333-4034-a7ce-997665b5f80d">6AH7XJTKT27D-494-2</_dlc_DocId>
@@ -4602,7 +6750,24 @@
 </p:properties>
 </file>
 
+<file path=customXml/item4.xml><?xml version="1.0" encoding="utf-8"?>
+<?mso-contentType ?>
+<FormTemplates xmlns="http://schemas.microsoft.com/sharepoint/v3/contenttype/forms">
+  <Display>DocumentLibraryForm</Display>
+  <Edit>DocumentLibraryForm</Edit>
+  <New>DocumentLibraryForm</New>
+</FormTemplates>
+</file>
+
 <file path=customXml/itemProps1.xml><?xml version="1.0" encoding="utf-8"?>
+<ds:datastoreItem xmlns:ds="http://schemas.openxmlformats.org/officeDocument/2006/customXml" ds:itemID="{8CB52003-E8CD-4DF2-932F-2EC7EF4DD677}">
+  <ds:schemaRefs>
+    <ds:schemaRef ds:uri="http://schemas.microsoft.com/sharepoint/events"/>
+  </ds:schemaRefs>
+</ds:datastoreItem>
+</file>
+
+<file path=customXml/itemProps2.xml><?xml version="1.0" encoding="utf-8"?>
 <ds:datastoreItem xmlns:ds="http://schemas.openxmlformats.org/officeDocument/2006/customXml" ds:itemID="{EF7533AB-0193-4AEC-8EC4-E6A274EB1992}">
   <ds:schemaRefs>
     <ds:schemaRef ds:uri="http://schemas.microsoft.com/office/2006/metadata/contentType"/>
@@ -4620,34 +6785,26 @@
 </ds:datastoreItem>
 </file>
 
-<file path=customXml/itemProps2.xml><?xml version="1.0" encoding="utf-8"?>
-<ds:datastoreItem xmlns:ds="http://schemas.openxmlformats.org/officeDocument/2006/customXml" ds:itemID="{8CB52003-E8CD-4DF2-932F-2EC7EF4DD677}">
+<file path=customXml/itemProps3.xml><?xml version="1.0" encoding="utf-8"?>
+<ds:datastoreItem xmlns:ds="http://schemas.openxmlformats.org/officeDocument/2006/customXml" ds:itemID="{39B4CF60-C0DC-4692-912B-881AF8D8CFF5}">
   <ds:schemaRefs>
-    <ds:schemaRef ds:uri="http://schemas.microsoft.com/sharepoint/events"/>
+    <ds:schemaRef ds:uri="http://purl.org/dc/elements/1.1/"/>
+    <ds:schemaRef ds:uri="http://schemas.microsoft.com/office/2006/documentManagement/types"/>
+    <ds:schemaRef ds:uri="http://schemas.microsoft.com/office/infopath/2007/PartnerControls"/>
+    <ds:schemaRef ds:uri="http://schemas.openxmlformats.org/package/2006/metadata/core-properties"/>
+    <ds:schemaRef ds:uri="http://www.w3.org/XML/1998/namespace"/>
+    <ds:schemaRef ds:uri="http://purl.org/dc/dcmitype/"/>
+    <ds:schemaRef ds:uri="http://schemas.microsoft.com/office/2006/metadata/properties"/>
+    <ds:schemaRef ds:uri="a9328eaf-6333-4034-a7ce-997665b5f80d"/>
+    <ds:schemaRef ds:uri="http://purl.org/dc/terms/"/>
   </ds:schemaRefs>
 </ds:datastoreItem>
 </file>
 
-<file path=customXml/itemProps3.xml><?xml version="1.0" encoding="utf-8"?>
+<file path=customXml/itemProps4.xml><?xml version="1.0" encoding="utf-8"?>
 <ds:datastoreItem xmlns:ds="http://schemas.openxmlformats.org/officeDocument/2006/customXml" ds:itemID="{E9FEC3C6-DD16-422A-B8AE-8B104F632898}">
   <ds:schemaRefs>
     <ds:schemaRef ds:uri="http://schemas.microsoft.com/sharepoint/v3/contenttype/forms"/>
   </ds:schemaRefs>
 </ds:datastoreItem>
-</file>
-
-<file path=customXml/itemProps4.xml><?xml version="1.0" encoding="utf-8"?>
-<ds:datastoreItem xmlns:ds="http://schemas.openxmlformats.org/officeDocument/2006/customXml" ds:itemID="{39B4CF60-C0DC-4692-912B-881AF8D8CFF5}">
-  <ds:schemaRefs>
-    <ds:schemaRef ds:uri="http://www.w3.org/XML/1998/namespace"/>
-    <ds:schemaRef ds:uri="http://purl.org/dc/dcmitype/"/>
-    <ds:schemaRef ds:uri="http://schemas.openxmlformats.org/package/2006/metadata/core-properties"/>
-    <ds:schemaRef ds:uri="http://schemas.microsoft.com/office/2006/documentManagement/types"/>
-    <ds:schemaRef ds:uri="http://schemas.microsoft.com/office/2006/metadata/properties"/>
-    <ds:schemaRef ds:uri="http://purl.org/dc/elements/1.1/"/>
-    <ds:schemaRef ds:uri="http://schemas.microsoft.com/office/infopath/2007/PartnerControls"/>
-    <ds:schemaRef ds:uri="a9328eaf-6333-4034-a7ce-997665b5f80d"/>
-    <ds:schemaRef ds:uri="http://purl.org/dc/terms/"/>
-  </ds:schemaRefs>
-</ds:datastoreItem>
 </file>
--- a/CurrentWork_Delta/CX_StrategyPowerPoint.pptx
+++ b/CurrentWork_Delta/CX_StrategyPowerPoint.pptx
@@ -222,7 +222,7 @@
           <a:p>
             <a:fld id="{7195FF61-7FDF-4F4D-A3AE-3078F9B9BE1D}" type="datetimeFigureOut">
               <a:rPr lang="en-US" smtClean="0"/>
-              <a:t>3/2/2018</a:t>
+              <a:t>3/6/2018</a:t>
             </a:fld>
             <a:endParaRPr lang="en-US"/>
           </a:p>
@@ -1783,7 +1783,7 @@
                   <a:schemeClr val="tx1"/>
                 </a:solidFill>
               </a:rPr>
-              <a:t>3/1/18</a:t>
+              <a:t>3/5/18</a:t>
             </a:r>
             <a:endParaRPr lang="en-US" dirty="0">
               <a:solidFill>
@@ -2090,8 +2090,9 @@
             <a:pPr algn="ctr"/>
             <a:r>
               <a:rPr lang="en-US" sz="2800" dirty="0" smtClean="0"/>
-              <a:t>Evolution</a:t>
-            </a:r>
+              <a:t>Accomplishments / Evolution</a:t>
+            </a:r>
+            <a:endParaRPr lang="en-US" sz="2800" dirty="0" smtClean="0"/>
           </a:p>
           <a:p>
             <a:pPr algn="ctr"/>
@@ -2104,8 +2105,13 @@
             <a:pPr algn="ctr"/>
             <a:r>
               <a:rPr lang="en-US" sz="2800" dirty="0" smtClean="0"/>
-              <a:t>Independent Product Test, Scaling</a:t>
-            </a:r>
+              <a:t>Independent Product </a:t>
+            </a:r>
+            <a:r>
+              <a:rPr lang="en-US" sz="2800" dirty="0" smtClean="0"/>
+              <a:t>Testing</a:t>
+            </a:r>
+            <a:endParaRPr lang="en-US" sz="2800" dirty="0" smtClean="0"/>
           </a:p>
           <a:p>
             <a:pPr algn="ctr"/>
@@ -2132,7 +2138,7 @@
             <a:pPr algn="ctr"/>
             <a:r>
               <a:rPr lang="en-US" sz="2800" dirty="0" smtClean="0"/>
-              <a:t>Closing or Conclusions</a:t>
+              <a:t>Future…</a:t>
             </a:r>
             <a:endParaRPr lang="en-US" sz="2800" dirty="0"/>
           </a:p>
@@ -2216,12 +2222,14 @@
         </p:nvSpPr>
         <p:spPr>
           <a:xfrm>
-            <a:off x="432843" y="1863333"/>
-            <a:ext cx="3849789" cy="4351338"/>
+            <a:off x="432843" y="914091"/>
+            <a:ext cx="3849789" cy="2804461"/>
           </a:xfrm>
         </p:spPr>
         <p:txBody>
-          <a:bodyPr/>
+          <a:bodyPr>
+            <a:normAutofit/>
+          </a:bodyPr>
           <a:lstStyle/>
           <a:p>
             <a:r>
@@ -2249,11 +2257,7 @@
             </a:pPr>
             <a:r>
               <a:rPr lang="en-US" dirty="0" smtClean="0"/>
-              <a:t>Debugging and Framework Development </a:t>
-            </a:r>
-            <a:r>
-              <a:rPr lang="en-US" dirty="0" smtClean="0"/>
-              <a:t>tool</a:t>
+              <a:t>Debugging and Framework Development tool</a:t>
             </a:r>
           </a:p>
         </p:txBody>
@@ -2280,8 +2284,38 @@
         </p:blipFill>
         <p:spPr>
           <a:xfrm>
-            <a:off x="4381878" y="942849"/>
-            <a:ext cx="4723646" cy="5744818"/>
+            <a:off x="4484914" y="942849"/>
+            <a:ext cx="4620610" cy="5744818"/>
+          </a:xfrm>
+          <a:prstGeom prst="rect">
+            <a:avLst/>
+          </a:prstGeom>
+        </p:spPr>
+      </p:pic>
+      <p:pic>
+        <p:nvPicPr>
+          <p:cNvPr id="5" name="Picture 4"/>
+          <p:cNvPicPr>
+            <a:picLocks noChangeAspect="1"/>
+          </p:cNvPicPr>
+          <p:nvPr/>
+        </p:nvPicPr>
+        <p:blipFill>
+          <a:blip r:embed="rId3">
+            <a:extLst>
+              <a:ext uri="{28A0092B-C50C-407E-A947-70E740481C1C}">
+                <a14:useLocalDpi xmlns:a14="http://schemas.microsoft.com/office/drawing/2010/main" val="0"/>
+              </a:ext>
+            </a:extLst>
+          </a:blip>
+          <a:stretch>
+            <a:fillRect/>
+          </a:stretch>
+        </p:blipFill>
+        <p:spPr>
+          <a:xfrm>
+            <a:off x="330483" y="3396343"/>
+            <a:ext cx="4285060" cy="3196045"/>
           </a:xfrm>
           <a:prstGeom prst="rect">
             <a:avLst/>
@@ -2366,7 +2400,7 @@
         </p:nvSpPr>
         <p:spPr>
           <a:xfrm>
-            <a:off x="432843" y="1863333"/>
+            <a:off x="432843" y="914087"/>
             <a:ext cx="4787339" cy="4351338"/>
           </a:xfrm>
         </p:spPr>
@@ -2387,7 +2421,6 @@
               <a:rPr lang="en-US" sz="1400" dirty="0" smtClean="0"/>
               <a:t>          </a:t>
             </a:r>
-            <a:endParaRPr lang="en-US" sz="1400" dirty="0" smtClean="0"/>
           </a:p>
           <a:p>
             <a:r>
@@ -2402,11 +2435,7 @@
             </a:pPr>
             <a:r>
               <a:rPr lang="en-US" dirty="0" smtClean="0"/>
-              <a:t>Current Standard test run encompassing test </a:t>
-            </a:r>
-            <a:r>
-              <a:rPr lang="en-US" dirty="0" smtClean="0"/>
-              <a:t>report</a:t>
+              <a:t>Current Standard test run encompassing test report</a:t>
             </a:r>
           </a:p>
         </p:txBody>
@@ -2519,7 +2548,7 @@
         </p:nvSpPr>
         <p:spPr>
           <a:xfrm>
-            <a:off x="432844" y="1863333"/>
+            <a:off x="432844" y="914094"/>
             <a:ext cx="3953962" cy="4351338"/>
           </a:xfrm>
         </p:spPr>
@@ -2543,12 +2572,41 @@
           <a:p>
             <a:r>
               <a:rPr lang="en-US" dirty="0" smtClean="0"/>
-              <a:t>High </a:t>
-            </a:r>
-            <a:r>
-              <a:rPr lang="en-US" dirty="0" smtClean="0"/>
-              <a:t>Level Product Specific:  Go / No-go on a Product basis</a:t>
-            </a:r>
+              <a:t>High Level Product Specific: </a:t>
+            </a:r>
+            <a:endParaRPr lang="en-US" dirty="0" smtClean="0"/>
+          </a:p>
+          <a:p>
+            <a:r>
+              <a:rPr lang="en-US" sz="500" dirty="0"/>
+              <a:t> </a:t>
+            </a:r>
+            <a:r>
+              <a:rPr lang="en-US" sz="500" dirty="0" smtClean="0"/>
+              <a:t>      </a:t>
+            </a:r>
+            <a:endParaRPr lang="en-US" sz="500" dirty="0"/>
+          </a:p>
+          <a:p>
+            <a:r>
+              <a:rPr lang="en-US" sz="1800" dirty="0" smtClean="0"/>
+              <a:t>       </a:t>
+            </a:r>
+            <a:r>
+              <a:rPr lang="en-US" sz="1800" b="1" dirty="0" smtClean="0"/>
+              <a:t>Go / </a:t>
+            </a:r>
+            <a:r>
+              <a:rPr lang="en-US" sz="1800" b="1" dirty="0" smtClean="0"/>
+              <a:t>No-go Product  Dashboard</a:t>
+            </a:r>
+          </a:p>
+          <a:p>
+            <a:r>
+              <a:rPr lang="en-US" sz="800" dirty="0" smtClean="0"/>
+              <a:t>            </a:t>
+            </a:r>
+            <a:endParaRPr lang="en-US" sz="800" dirty="0" smtClean="0"/>
           </a:p>
           <a:p>
             <a:pPr lvl="1">
@@ -2556,8 +2614,60 @@
               <a:buChar char="•"/>
             </a:pPr>
             <a:r>
+              <a:rPr lang="en-US" sz="2000" dirty="0" smtClean="0"/>
+              <a:t>In Design Mode.  </a:t>
+            </a:r>
+            <a:endParaRPr lang="en-US" sz="2000" dirty="0" smtClean="0"/>
+          </a:p>
+          <a:p>
+            <a:pPr marL="566738" lvl="2" indent="0">
+              <a:buNone/>
+            </a:pPr>
+            <a:r>
               <a:rPr lang="en-US" dirty="0" smtClean="0"/>
-              <a:t>In Design Mode.  Would provide Development and Product Managers a quick look at the current health and capability to ship the product </a:t>
+              <a:t>Provides:</a:t>
+            </a:r>
+          </a:p>
+          <a:p>
+            <a:pPr marL="909638" lvl="2" indent="-342900">
+              <a:buFont typeface="Arial" panose="020B0604020202020204" pitchFamily="34" charset="0"/>
+              <a:buChar char="•"/>
+            </a:pPr>
+            <a:r>
+              <a:rPr lang="en-US" dirty="0" smtClean="0"/>
+              <a:t>Development Managers</a:t>
+            </a:r>
+          </a:p>
+          <a:p>
+            <a:pPr marL="909638" lvl="2" indent="-342900">
+              <a:buFont typeface="Arial" panose="020B0604020202020204" pitchFamily="34" charset="0"/>
+              <a:buChar char="•"/>
+            </a:pPr>
+            <a:r>
+              <a:rPr lang="en-US" dirty="0" smtClean="0"/>
+              <a:t>Product </a:t>
+            </a:r>
+            <a:r>
+              <a:rPr lang="en-US" dirty="0" smtClean="0"/>
+              <a:t>Managers </a:t>
+            </a:r>
+            <a:endParaRPr lang="en-US" dirty="0" smtClean="0"/>
+          </a:p>
+          <a:p>
+            <a:pPr marL="566738" lvl="2" indent="0">
+              <a:buNone/>
+            </a:pPr>
+            <a:r>
+              <a:rPr lang="en-US" dirty="0" smtClean="0"/>
+              <a:t>A</a:t>
+            </a:r>
+            <a:r>
+              <a:rPr lang="en-US" dirty="0" smtClean="0"/>
+              <a:t> </a:t>
+            </a:r>
+            <a:r>
+              <a:rPr lang="en-US" dirty="0" smtClean="0"/>
+              <a:t>quick look at the current health and capability to ship the product </a:t>
             </a:r>
           </a:p>
         </p:txBody>
@@ -2684,11 +2794,7 @@
             </a:pPr>
             <a:r>
               <a:rPr lang="en-US" sz="2000" dirty="0" smtClean="0"/>
-              <a:t>Mobile </a:t>
-            </a:r>
-            <a:r>
-              <a:rPr lang="en-US" sz="2000" dirty="0" smtClean="0"/>
-              <a:t>devices</a:t>
+              <a:t>Mobile devices</a:t>
             </a:r>
           </a:p>
           <a:p>
@@ -2758,7 +2864,6 @@
               <a:rPr lang="en-US" sz="1800" dirty="0" smtClean="0"/>
               <a:t> new capability ( new applications )</a:t>
             </a:r>
-            <a:endParaRPr lang="en-US" sz="1800" dirty="0" smtClean="0"/>
           </a:p>
           <a:p>
             <a:endParaRPr lang="en-US" dirty="0"/>
@@ -2832,7 +2937,17 @@
             </a:br>
             <a:r>
               <a:rPr lang="en-US" sz="2800" dirty="0" smtClean="0"/>
-              <a:t>                                    Microservice APIs</a:t>
+              <a:t> </a:t>
+            </a:r>
+            <a:r>
+              <a:rPr lang="en-US" sz="2800" dirty="0" smtClean="0">
+                <a:latin typeface="Bauhaus 93" panose="04030905020B02020C02" pitchFamily="82" charset="0"/>
+              </a:rPr>
+              <a:t>  </a:t>
+            </a:r>
+            <a:r>
+              <a:rPr lang="en-US" sz="2800" dirty="0" smtClean="0"/>
+              <a:t>                                 Microservice APIs</a:t>
             </a:r>
             <a:endParaRPr lang="en-US" sz="2800" dirty="0"/>
           </a:p>
@@ -2867,6 +2982,56 @@
           </a:xfrm>
         </p:spPr>
       </p:pic>
+      <p:sp>
+        <p:nvSpPr>
+          <p:cNvPr id="4" name="Title 1">
+            <a:hlinkClick r:id="rId3" action="ppaction://hlinksldjump"/>
+          </p:cNvPr>
+          <p:cNvSpPr txBox="1">
+            <a:spLocks/>
+          </p:cNvSpPr>
+          <p:nvPr/>
+        </p:nvSpPr>
+        <p:spPr>
+          <a:xfrm>
+            <a:off x="367715" y="48103"/>
+            <a:ext cx="313005" cy="287177"/>
+          </a:xfrm>
+          <a:prstGeom prst="rect">
+            <a:avLst/>
+          </a:prstGeom>
+        </p:spPr>
+        <p:txBody>
+          <a:bodyPr vert="horz" lIns="91440" tIns="45720" rIns="91440" bIns="45720" rtlCol="0" anchor="t">
+            <a:normAutofit fontScale="55000" lnSpcReduction="20000"/>
+          </a:bodyPr>
+          <a:lstStyle>
+            <a:lvl1pPr algn="l" defTabSz="457200" rtl="0" eaLnBrk="1" latinLnBrk="0" hangingPunct="1">
+              <a:spcBef>
+                <a:spcPct val="0"/>
+              </a:spcBef>
+              <a:buNone/>
+              <a:defRPr sz="5000" b="0" i="0" kern="1200">
+                <a:solidFill>
+                  <a:srgbClr val="128BAD"/>
+                </a:solidFill>
+                <a:latin typeface="Calibri Light"/>
+                <a:ea typeface="+mj-ea"/>
+                <a:cs typeface="Calibri Light"/>
+              </a:defRPr>
+            </a:lvl1pPr>
+          </a:lstStyle>
+          <a:p>
+            <a:endParaRPr lang="en-US" sz="2800" dirty="0">
+              <a:solidFill>
+                <a:schemeClr val="bg1">
+                  <a:lumMod val="95000"/>
+                </a:schemeClr>
+              </a:solidFill>
+            </a:endParaRPr>
+          </a:p>
+        </p:txBody>
+      </p:sp>
     </p:spTree>
     <p:extLst>
       <p:ext uri="{BB962C8B-B14F-4D97-AF65-F5344CB8AC3E}">
@@ -2916,8 +3081,8 @@
         </p:nvSpPr>
         <p:spPr>
           <a:xfrm>
-            <a:off x="289367" y="92601"/>
-            <a:ext cx="2882096" cy="2037144"/>
+            <a:off x="797689" y="375920"/>
+            <a:ext cx="2882096" cy="2367282"/>
           </a:xfrm>
         </p:spPr>
         <p:txBody>
@@ -2925,8 +3090,27 @@
           <a:lstStyle/>
           <a:p>
             <a:r>
+              <a:rPr lang="en-US" dirty="0"/>
+              <a:t>	</a:t>
+            </a:r>
+            <a:r>
               <a:rPr lang="en-US" dirty="0" smtClean="0"/>
-              <a:t>Small	5		%30</a:t>
+              <a:t>    </a:t>
+            </a:r>
+            <a:r>
+              <a:rPr lang="en-US" sz="1600" b="1" dirty="0" smtClean="0"/>
+              <a:t>Seconds</a:t>
+            </a:r>
+            <a:endParaRPr lang="en-US" sz="1600" b="1" dirty="0" smtClean="0"/>
+          </a:p>
+          <a:p>
+            <a:r>
+              <a:rPr lang="en-US" dirty="0" smtClean="0"/>
+              <a:t>Small</a:t>
+            </a:r>
+            <a:r>
+              <a:rPr lang="en-US" dirty="0" smtClean="0"/>
+              <a:t>	5		%30</a:t>
             </a:r>
           </a:p>
           <a:p>
@@ -2960,8 +3144,8 @@
         </p:nvSpPr>
         <p:spPr>
           <a:xfrm>
-            <a:off x="3819646" y="150476"/>
-            <a:ext cx="3579470" cy="2777924"/>
+            <a:off x="4327968" y="743236"/>
+            <a:ext cx="3579470" cy="2798621"/>
           </a:xfrm>
           <a:prstGeom prst="rect">
             <a:avLst/>
@@ -2969,7 +3153,7 @@
         </p:spPr>
         <p:txBody>
           <a:bodyPr vert="horz" lIns="91440" tIns="45720" rIns="91440" bIns="45720" rtlCol="0">
-            <a:normAutofit fontScale="92500" lnSpcReduction="20000"/>
+            <a:normAutofit/>
           </a:bodyPr>
           <a:lstStyle>
             <a:lvl1pPr marL="0" indent="0" algn="l" defTabSz="457200" rtl="0" eaLnBrk="1" latinLnBrk="0" hangingPunct="1">
@@ -3152,7 +3336,15 @@
             </a:pPr>
             <a:r>
               <a:rPr lang="en-US" sz="2200" dirty="0" smtClean="0"/>
-              <a:t>O			    </a:t>
+              <a:t>  </a:t>
+            </a:r>
+            <a:r>
+              <a:rPr lang="en-US" sz="2200" dirty="0" smtClean="0"/>
+              <a:t>			</a:t>
+            </a:r>
+            <a:r>
+              <a:rPr lang="en-US" sz="2200" dirty="0" smtClean="0"/>
+              <a:t>      </a:t>
             </a:r>
             <a:r>
               <a:rPr lang="en-US" sz="3000" dirty="0" smtClean="0"/>
@@ -3165,8 +3357,9 @@
             </a:pPr>
             <a:r>
               <a:rPr lang="en-US" sz="2200" dirty="0" smtClean="0"/>
-              <a:t>N</a:t>
-            </a:r>
+              <a:t> </a:t>
+            </a:r>
+            <a:endParaRPr lang="en-US" sz="2200" dirty="0" smtClean="0"/>
           </a:p>
           <a:p>
             <a:pPr marL="731838" lvl="3" indent="0">
@@ -3174,7 +3367,7 @@
             </a:pPr>
             <a:r>
               <a:rPr lang="en-US" sz="2200" dirty="0" smtClean="0"/>
-              <a:t>E</a:t>
+              <a:t> </a:t>
             </a:r>
           </a:p>
           <a:p>
@@ -3183,53 +3376,33 @@
             </a:pPr>
             <a:r>
               <a:rPr lang="en-US" sz="2200" dirty="0" smtClean="0"/>
-              <a:t>                           One</a:t>
-            </a:r>
+              <a:t>One                </a:t>
+            </a:r>
+            <a:r>
+              <a:rPr lang="en-US" sz="2200" dirty="0" err="1" smtClean="0"/>
+              <a:t>One</a:t>
+            </a:r>
+            <a:endParaRPr lang="en-US" sz="2200" dirty="0"/>
           </a:p>
           <a:p>
             <a:pPr marL="731838" lvl="3" indent="0">
               <a:buNone/>
             </a:pPr>
             <a:r>
-              <a:rPr lang="en-US" sz="2200" dirty="0" smtClean="0"/>
-              <a:t>S                        State</a:t>
-            </a:r>
+              <a:rPr lang="en-US" sz="2200" dirty="0"/>
+              <a:t>State              </a:t>
+            </a:r>
+            <a:r>
+              <a:rPr lang="en-US" sz="2200" dirty="0" err="1" smtClean="0"/>
+              <a:t>State</a:t>
+            </a:r>
+            <a:endParaRPr lang="en-US" sz="2200" dirty="0" smtClean="0"/>
           </a:p>
           <a:p>
             <a:pPr marL="731838" lvl="3" indent="0">
               <a:buNone/>
             </a:pPr>
-            <a:r>
-              <a:rPr lang="en-US" sz="2200" dirty="0" smtClean="0"/>
-              <a:t>T</a:t>
-            </a:r>
-          </a:p>
-          <a:p>
-            <a:pPr marL="731838" lvl="3" indent="0">
-              <a:buNone/>
-            </a:pPr>
-            <a:r>
-              <a:rPr lang="en-US" sz="2200" dirty="0" smtClean="0"/>
-              <a:t>A</a:t>
-            </a:r>
-          </a:p>
-          <a:p>
-            <a:pPr marL="731838" lvl="3" indent="0">
-              <a:buNone/>
-            </a:pPr>
-            <a:r>
-              <a:rPr lang="en-US" sz="2200" dirty="0" smtClean="0"/>
-              <a:t>T</a:t>
-            </a:r>
-          </a:p>
-          <a:p>
-            <a:pPr marL="731838" lvl="3" indent="0">
-              <a:buNone/>
-            </a:pPr>
-            <a:r>
-              <a:rPr lang="en-US" sz="2200" dirty="0" smtClean="0"/>
-              <a:t>E</a:t>
-            </a:r>
+            <a:endParaRPr lang="en-US" sz="2200" dirty="0" smtClean="0"/>
           </a:p>
           <a:p>
             <a:pPr marL="341313" lvl="1" indent="0">
@@ -3246,9 +3419,9 @@
           <p:nvPr/>
         </p:nvCxnSpPr>
         <p:spPr>
-          <a:xfrm>
-            <a:off x="4190035" y="0"/>
-            <a:ext cx="23150" cy="2870522"/>
+          <a:xfrm flipH="1">
+            <a:off x="4721507" y="592070"/>
+            <a:ext cx="11575" cy="2891909"/>
           </a:xfrm>
           <a:prstGeom prst="line">
             <a:avLst/>
@@ -3282,8 +3455,8 @@
         </p:nvCxnSpPr>
         <p:spPr>
           <a:xfrm>
-            <a:off x="5579962" y="0"/>
-            <a:ext cx="0" cy="2870522"/>
+            <a:off x="6088284" y="592070"/>
+            <a:ext cx="0" cy="2891909"/>
           </a:xfrm>
           <a:prstGeom prst="line">
             <a:avLst/>
@@ -3317,8 +3490,8 @@
         </p:nvCxnSpPr>
         <p:spPr>
           <a:xfrm>
-            <a:off x="7399116" y="0"/>
-            <a:ext cx="0" cy="2870522"/>
+            <a:off x="7907438" y="592070"/>
+            <a:ext cx="0" cy="2891909"/>
           </a:xfrm>
           <a:prstGeom prst="line">
             <a:avLst/>
@@ -3354,8 +3527,8 @@
         </p:nvSpPr>
         <p:spPr>
           <a:xfrm>
-            <a:off x="3704863" y="2870522"/>
-            <a:ext cx="3969152" cy="949124"/>
+            <a:off x="4213185" y="3669947"/>
+            <a:ext cx="3969152" cy="956196"/>
           </a:xfrm>
           <a:prstGeom prst="rect">
             <a:avLst/>
@@ -3565,8 +3738,8 @@
         </p:nvSpPr>
         <p:spPr>
           <a:xfrm>
-            <a:off x="289367" y="3009418"/>
-            <a:ext cx="3171463" cy="474561"/>
+            <a:off x="797689" y="3812379"/>
+            <a:ext cx="3171463" cy="478097"/>
           </a:xfrm>
           <a:prstGeom prst="rect">
             <a:avLst/>
@@ -3757,12 +3930,12 @@
         </p:nvCxnSpPr>
         <p:spPr>
           <a:xfrm flipV="1">
-            <a:off x="3171463" y="3009418"/>
+            <a:off x="3679785" y="3815916"/>
             <a:ext cx="533400" cy="150471"/>
           </a:xfrm>
           <a:prstGeom prst="curvedConnector3">
             <a:avLst>
-              <a:gd name="adj1" fmla="val 52170"/>
+              <a:gd name="adj1" fmla="val 50000"/>
             </a:avLst>
           </a:prstGeom>
           <a:ln>
@@ -3797,8 +3970,8 @@
         </p:nvSpPr>
         <p:spPr>
           <a:xfrm>
-            <a:off x="424406" y="3819646"/>
-            <a:ext cx="2882096" cy="2037144"/>
+            <a:off x="932728" y="4580485"/>
+            <a:ext cx="2882096" cy="2052322"/>
           </a:xfrm>
           <a:prstGeom prst="rect">
             <a:avLst/>
@@ -3997,6 +4170,56 @@
               <a:t>13 PPO only</a:t>
             </a:r>
             <a:endParaRPr lang="en-US" dirty="0"/>
+          </a:p>
+        </p:txBody>
+      </p:sp>
+      <p:sp>
+        <p:nvSpPr>
+          <p:cNvPr id="15" name="Title 1">
+            <a:hlinkClick r:id="rId3" action="ppaction://hlinksldjump"/>
+          </p:cNvPr>
+          <p:cNvSpPr txBox="1">
+            <a:spLocks/>
+          </p:cNvSpPr>
+          <p:nvPr/>
+        </p:nvSpPr>
+        <p:spPr>
+          <a:xfrm>
+            <a:off x="367715" y="48103"/>
+            <a:ext cx="313005" cy="287177"/>
+          </a:xfrm>
+          <a:prstGeom prst="rect">
+            <a:avLst/>
+          </a:prstGeom>
+        </p:spPr>
+        <p:txBody>
+          <a:bodyPr vert="horz" lIns="91440" tIns="45720" rIns="91440" bIns="45720" rtlCol="0" anchor="t">
+            <a:normAutofit fontScale="55000" lnSpcReduction="20000"/>
+          </a:bodyPr>
+          <a:lstStyle>
+            <a:lvl1pPr algn="l" defTabSz="457200" rtl="0" eaLnBrk="1" latinLnBrk="0" hangingPunct="1">
+              <a:spcBef>
+                <a:spcPct val="0"/>
+              </a:spcBef>
+              <a:buNone/>
+              <a:defRPr sz="5000" b="0" i="0" kern="1200">
+                <a:solidFill>
+                  <a:srgbClr val="128BAD"/>
+                </a:solidFill>
+                <a:latin typeface="Calibri Light"/>
+                <a:ea typeface="+mj-ea"/>
+                <a:cs typeface="Calibri Light"/>
+              </a:defRPr>
+            </a:lvl1pPr>
+          </a:lstStyle>
+          <a:p>
+            <a:endParaRPr lang="en-US" sz="2800" dirty="0">
+              <a:solidFill>
+                <a:schemeClr val="bg1">
+                  <a:lumMod val="95000"/>
+                </a:schemeClr>
+              </a:solidFill>
+            </a:endParaRPr>
           </a:p>
         </p:txBody>
       </p:sp>
@@ -4317,15 +4540,7 @@
             </a:r>
             <a:r>
               <a:rPr lang="en-US" sz="2000" dirty="0" smtClean="0"/>
-              <a:t>work for Delta Dental </a:t>
-            </a:r>
-            <a:r>
-              <a:rPr lang="en-US" sz="2000" dirty="0" smtClean="0"/>
-              <a:t>technology </a:t>
-            </a:r>
-            <a:r>
-              <a:rPr lang="en-US" sz="2000" dirty="0" smtClean="0"/>
-              <a:t>teams … </a:t>
+              <a:t>work for Delta Dental technology teams … </a:t>
             </a:r>
           </a:p>
           <a:p>
@@ -4367,8 +4582,9 @@
             </a:r>
             <a:r>
               <a:rPr lang="en-US" sz="2000" dirty="0" smtClean="0"/>
-              <a:t>needs</a:t>
-            </a:r>
+              <a:t>needs…</a:t>
+            </a:r>
+            <a:endParaRPr lang="en-US" sz="2000" dirty="0" smtClean="0"/>
           </a:p>
           <a:p>
             <a:pPr marL="342900" indent="-342900">
@@ -4384,15 +4600,7 @@
             </a:pPr>
             <a:r>
               <a:rPr lang="en-US" sz="2000" dirty="0" smtClean="0"/>
-              <a:t>Continue </a:t>
-            </a:r>
-            <a:r>
-              <a:rPr lang="en-US" sz="2000" dirty="0" smtClean="0"/>
-              <a:t>iterating </a:t>
-            </a:r>
-            <a:r>
-              <a:rPr lang="en-US" sz="2000" dirty="0" smtClean="0"/>
-              <a:t>on Framework functional improvement…</a:t>
+              <a:t>Continue iterating on Framework functional improvement…</a:t>
             </a:r>
           </a:p>
           <a:p>
@@ -4453,12 +4661,12 @@
         <p:spPr>
           <a:xfrm>
             <a:off x="1445229" y="37104"/>
-            <a:ext cx="5454335" cy="1423947"/>
+            <a:ext cx="5454335" cy="1155589"/>
           </a:xfrm>
         </p:spPr>
         <p:txBody>
           <a:bodyPr anchor="t">
-            <a:normAutofit/>
+            <a:normAutofit fontScale="90000"/>
           </a:bodyPr>
           <a:lstStyle/>
           <a:p>
@@ -4519,7 +4727,6 @@
               <a:rPr lang="en-US" sz="2000" dirty="0" smtClean="0"/>
               <a:t>CXTA and the CX Market Place Development Team have matured. </a:t>
             </a:r>
-            <a:endParaRPr lang="en-US" sz="2000" dirty="0" smtClean="0"/>
           </a:p>
           <a:p>
             <a:pPr marL="342900" indent="-342900">
@@ -4598,7 +4805,11 @@
             </a:pPr>
             <a:r>
               <a:rPr lang="en-US" sz="2000" dirty="0" smtClean="0"/>
-              <a:t>Reduction in the number of hours  Manual VS Automated</a:t>
+              <a:t>Massive reduction </a:t>
+            </a:r>
+            <a:r>
+              <a:rPr lang="en-US" sz="2000" dirty="0" smtClean="0"/>
+              <a:t>in the number of hours  Manual VS Automated</a:t>
             </a:r>
           </a:p>
           <a:p>
@@ -4675,14 +4886,16 @@
       </p:pic>
       <p:pic>
         <p:nvPicPr>
-          <p:cNvPr id="8" name="Picture 7"/>
+          <p:cNvPr id="8" name="Picture 7">
+            <a:hlinkClick r:id="rId3" action="ppaction://hlinksldjump"/>
+          </p:cNvPr>
           <p:cNvPicPr>
             <a:picLocks noChangeAspect="1"/>
           </p:cNvPicPr>
           <p:nvPr/>
         </p:nvPicPr>
         <p:blipFill>
-          <a:blip r:embed="rId3">
+          <a:blip r:embed="rId4">
             <a:extLst>
               <a:ext uri="{28A0092B-C50C-407E-A947-70E740481C1C}">
                 <a14:useLocalDpi xmlns:a14="http://schemas.microsoft.com/office/drawing/2010/main" val="0"/>
@@ -4870,12 +5083,12 @@
         <p:spPr>
           <a:xfrm>
             <a:off x="1445229" y="37104"/>
-            <a:ext cx="5454335" cy="1423947"/>
+            <a:ext cx="5454335" cy="1155589"/>
           </a:xfrm>
         </p:spPr>
         <p:txBody>
           <a:bodyPr anchor="t">
-            <a:normAutofit/>
+            <a:normAutofit fontScale="90000"/>
           </a:bodyPr>
           <a:lstStyle/>
           <a:p>
@@ -4934,15 +5147,7 @@
             </a:pPr>
             <a:r>
               <a:rPr lang="en-US" sz="2000" dirty="0" smtClean="0"/>
-              <a:t>Dev </a:t>
-            </a:r>
-            <a:r>
-              <a:rPr lang="en-US" sz="2000" dirty="0" smtClean="0"/>
-              <a:t>staff productivity and </a:t>
-            </a:r>
-            <a:r>
-              <a:rPr lang="en-US" sz="2000" dirty="0" smtClean="0"/>
-              <a:t>confidence</a:t>
+              <a:t>Dev staff productivity and confidence</a:t>
             </a:r>
           </a:p>
           <a:p>
@@ -4958,7 +5163,15 @@
             </a:pPr>
             <a:r>
               <a:rPr lang="en-US" sz="1800" dirty="0" smtClean="0"/>
-              <a:t>A number of times Development has needed a confidence vote on the product reliability.  Each time I was able to provide within a number of hours a solid reporting on the product’s viability</a:t>
+              <a:t>A number of times Development has needed a confidence vote on the </a:t>
+            </a:r>
+            <a:r>
+              <a:rPr lang="en-US" sz="1800" dirty="0" smtClean="0"/>
+              <a:t>product.  </a:t>
+            </a:r>
+            <a:r>
+              <a:rPr lang="en-US" sz="1800" dirty="0" smtClean="0"/>
+              <a:t>Each time I was able to provide within a number of hours a solid reporting on the product’s viability</a:t>
             </a:r>
           </a:p>
           <a:p>
@@ -4994,11 +5207,7 @@
             </a:pPr>
             <a:r>
               <a:rPr lang="en-US" sz="2000" dirty="0" smtClean="0"/>
-              <a:t>Team Agility. Bug found, code fix submitted, automation run. Its Fixed </a:t>
-            </a:r>
-            <a:r>
-              <a:rPr lang="en-US" sz="2000" dirty="0" smtClean="0"/>
-              <a:t>!</a:t>
+              <a:t>Team Agility. Bug found, code fix submitted, automation run. Its Fixed !</a:t>
             </a:r>
           </a:p>
           <a:p>
@@ -5095,7 +5304,6 @@
               <a:rPr lang="en-US" sz="1800" dirty="0" smtClean="0"/>
               <a:t>And within hours we can report a Full Run, Short Run, Focused Run providing confidence to the team.</a:t>
             </a:r>
-            <a:endParaRPr lang="en-US" sz="1800" dirty="0" smtClean="0"/>
           </a:p>
           <a:p>
             <a:endParaRPr lang="en-US" sz="2000" dirty="0"/>
@@ -5322,9 +5530,10 @@
               <a:t>Test Automation </a:t>
             </a:r>
             <a:r>
-              <a:rPr lang="en-US" sz="2000" dirty="0"/>
-              <a:t>framework.</a:t>
-            </a:r>
+              <a:rPr lang="en-US" sz="2000" dirty="0" smtClean="0"/>
+              <a:t>framework</a:t>
+            </a:r>
+            <a:endParaRPr lang="en-US" sz="2000" dirty="0"/>
           </a:p>
           <a:p>
             <a:pPr marL="342900" indent="-342900">
@@ -5348,12 +5557,13 @@
             </a:r>
             <a:r>
               <a:rPr lang="en-US" sz="2000" dirty="0"/>
-              <a:t>our teams much like the rest of the industry</a:t>
+              <a:t>our teams much like the rest of the </a:t>
             </a:r>
             <a:r>
               <a:rPr lang="en-US" sz="2000" dirty="0" smtClean="0"/>
-              <a:t>.</a:t>
-            </a:r>
+              <a:t>industry</a:t>
+            </a:r>
+            <a:endParaRPr lang="en-US" sz="2000" dirty="0" smtClean="0"/>
           </a:p>
         </p:txBody>
       </p:sp>
@@ -5639,8 +5849,19 @@
             </a:r>
             <a:r>
               <a:rPr lang="en-US" dirty="0" smtClean="0"/>
-              <a:t>Node.js, Protractor, JavaScript</a:t>
-            </a:r>
+              <a:t>Node.js, Protractor, </a:t>
+            </a:r>
+            <a:r>
+              <a:rPr lang="en-US" dirty="0" smtClean="0"/>
+              <a:t>JavaScript</a:t>
+            </a:r>
+          </a:p>
+          <a:p>
+            <a:r>
+              <a:rPr lang="en-US" sz="600" dirty="0" smtClean="0"/>
+              <a:t>       </a:t>
+            </a:r>
+            <a:endParaRPr lang="en-US" sz="600" dirty="0" smtClean="0"/>
           </a:p>
           <a:p>
             <a:r>
@@ -5669,6 +5890,22 @@
             </a:r>
           </a:p>
           <a:p>
+            <a:pPr marL="341313" lvl="1" indent="0">
+              <a:lnSpc>
+                <a:spcPct val="100000"/>
+              </a:lnSpc>
+              <a:spcBef>
+                <a:spcPts val="0"/>
+              </a:spcBef>
+              <a:buNone/>
+            </a:pPr>
+            <a:r>
+              <a:rPr lang="en-US" sz="1200" dirty="0" smtClean="0"/>
+              <a:t>           </a:t>
+            </a:r>
+            <a:endParaRPr lang="en-US" sz="1200" dirty="0" smtClean="0"/>
+          </a:p>
+          <a:p>
             <a:pPr lvl="1">
               <a:lnSpc>
                 <a:spcPct val="100000"/>
@@ -5683,7 +5920,22 @@
               <a:rPr lang="en-US" sz="1800" dirty="0" smtClean="0"/>
               <a:t>Initiator Classes, Handlers, Helper Classes</a:t>
             </a:r>
-            <a:endParaRPr lang="en-US" sz="1800" dirty="0" smtClean="0"/>
+          </a:p>
+          <a:p>
+            <a:pPr marL="341313" lvl="1" indent="0">
+              <a:lnSpc>
+                <a:spcPct val="100000"/>
+              </a:lnSpc>
+              <a:spcBef>
+                <a:spcPts val="0"/>
+              </a:spcBef>
+              <a:buNone/>
+            </a:pPr>
+            <a:r>
+              <a:rPr lang="en-US" sz="1200" dirty="0" smtClean="0"/>
+              <a:t>              </a:t>
+            </a:r>
+            <a:endParaRPr lang="en-US" sz="1200" dirty="0" smtClean="0"/>
           </a:p>
           <a:p>
             <a:pPr lvl="1">
@@ -5698,11 +5950,7 @@
             </a:pPr>
             <a:r>
               <a:rPr lang="en-US" sz="1800" dirty="0" smtClean="0"/>
-              <a:t>Specialized components and methods build up from </a:t>
-            </a:r>
-            <a:r>
-              <a:rPr lang="en-US" sz="1800" dirty="0" smtClean="0"/>
-              <a:t>Core Classes and Methods</a:t>
+              <a:t>Specialized components and methods build up from Core Classes and Methods</a:t>
             </a:r>
           </a:p>
           <a:p>
@@ -5716,14 +5964,16 @@
       </p:sp>
       <p:pic>
         <p:nvPicPr>
-          <p:cNvPr id="10" name="Picture 9"/>
+          <p:cNvPr id="10" name="Picture 9">
+            <a:hlinkClick r:id="rId2" action="ppaction://hlinksldjump"/>
+          </p:cNvPr>
           <p:cNvPicPr>
             <a:picLocks noChangeAspect="1"/>
           </p:cNvPicPr>
           <p:nvPr/>
         </p:nvPicPr>
         <p:blipFill>
-          <a:blip r:embed="rId2">
+          <a:blip r:embed="rId3">
             <a:extLst>
               <a:ext uri="{28A0092B-C50C-407E-A947-70E740481C1C}">
                 <a14:useLocalDpi xmlns:a14="http://schemas.microsoft.com/office/drawing/2010/main" val="0"/>
@@ -5737,7 +5987,7 @@
         <p:spPr>
           <a:xfrm>
             <a:off x="4572000" y="1912517"/>
-            <a:ext cx="4556210" cy="3307665"/>
+            <a:ext cx="4556210" cy="3736443"/>
           </a:xfrm>
           <a:prstGeom prst="rect">
             <a:avLst/>
@@ -6548,52 +6798,6 @@
 </file>
 
 <file path=customXml/item1.xml><?xml version="1.0" encoding="utf-8"?>
-<?mso-contentType ?>
-<spe:Receivers xmlns:spe="http://schemas.microsoft.com/sharepoint/events">
-  <Receiver>
-    <Name>Document ID Generator</Name>
-    <Synchronization>Synchronous</Synchronization>
-    <Type>10001</Type>
-    <SequenceNumber>1000</SequenceNumber>
-    <Assembly>Microsoft.Office.DocumentManagement, Version=14.0.0.0, Culture=neutral, PublicKeyToken=71e9bce111e9429c</Assembly>
-    <Class>Microsoft.Office.DocumentManagement.Internal.DocIdHandler</Class>
-    <Data/>
-    <Filter/>
-  </Receiver>
-  <Receiver>
-    <Name>Document ID Generator</Name>
-    <Synchronization>Synchronous</Synchronization>
-    <Type>10002</Type>
-    <SequenceNumber>1001</SequenceNumber>
-    <Assembly>Microsoft.Office.DocumentManagement, Version=14.0.0.0, Culture=neutral, PublicKeyToken=71e9bce111e9429c</Assembly>
-    <Class>Microsoft.Office.DocumentManagement.Internal.DocIdHandler</Class>
-    <Data/>
-    <Filter/>
-  </Receiver>
-  <Receiver>
-    <Name>Document ID Generator</Name>
-    <Synchronization>Synchronous</Synchronization>
-    <Type>10004</Type>
-    <SequenceNumber>1002</SequenceNumber>
-    <Assembly>Microsoft.Office.DocumentManagement, Version=14.0.0.0, Culture=neutral, PublicKeyToken=71e9bce111e9429c</Assembly>
-    <Class>Microsoft.Office.DocumentManagement.Internal.DocIdHandler</Class>
-    <Data/>
-    <Filter/>
-  </Receiver>
-  <Receiver>
-    <Name>Document ID Generator</Name>
-    <Synchronization>Synchronous</Synchronization>
-    <Type>10006</Type>
-    <SequenceNumber>1003</SequenceNumber>
-    <Assembly>Microsoft.Office.DocumentManagement, Version=14.0.0.0, Culture=neutral, PublicKeyToken=71e9bce111e9429c</Assembly>
-    <Class>Microsoft.Office.DocumentManagement.Internal.DocIdHandler</Class>
-    <Data/>
-    <Filter/>
-  </Receiver>
-</spe:Receivers>
-</file>
-
-<file path=customXml/item2.xml><?xml version="1.0" encoding="utf-8"?>
 <ct:contentTypeSchema xmlns:ct="http://schemas.microsoft.com/office/2006/metadata/contentType" xmlns:ma="http://schemas.microsoft.com/office/2006/metadata/properties/metaAttributes" ct:_="" ma:_="" ma:contentTypeName="Document" ma:contentTypeID="0x0101000F421C3DE11F24489C3C49A9442BEF44" ma:contentTypeVersion="0" ma:contentTypeDescription="Create a new document." ma:contentTypeScope="" ma:versionID="03fa29219166c606cfec6c1a2cbf2ee4">
   <xsd:schema xmlns:xsd="http://www.w3.org/2001/XMLSchema" xmlns:xs="http://www.w3.org/2001/XMLSchema" xmlns:p="http://schemas.microsoft.com/office/2006/metadata/properties" xmlns:ns2="a9328eaf-6333-4034-a7ce-997665b5f80d" targetNamespace="http://schemas.microsoft.com/office/2006/metadata/properties" ma:root="true" ma:fieldsID="40f1611e01294dd1c52f51bc3dec7bd7" ns2:_="">
     <xsd:import namespace="a9328eaf-6333-4034-a7ce-997665b5f80d"/>
@@ -6738,7 +6942,62 @@
 </ct:contentTypeSchema>
 </file>
 
+<file path=customXml/item2.xml><?xml version="1.0" encoding="utf-8"?>
+<?mso-contentType ?>
+<spe:Receivers xmlns:spe="http://schemas.microsoft.com/sharepoint/events">
+  <Receiver>
+    <Name>Document ID Generator</Name>
+    <Synchronization>Synchronous</Synchronization>
+    <Type>10001</Type>
+    <SequenceNumber>1000</SequenceNumber>
+    <Assembly>Microsoft.Office.DocumentManagement, Version=14.0.0.0, Culture=neutral, PublicKeyToken=71e9bce111e9429c</Assembly>
+    <Class>Microsoft.Office.DocumentManagement.Internal.DocIdHandler</Class>
+    <Data/>
+    <Filter/>
+  </Receiver>
+  <Receiver>
+    <Name>Document ID Generator</Name>
+    <Synchronization>Synchronous</Synchronization>
+    <Type>10002</Type>
+    <SequenceNumber>1001</SequenceNumber>
+    <Assembly>Microsoft.Office.DocumentManagement, Version=14.0.0.0, Culture=neutral, PublicKeyToken=71e9bce111e9429c</Assembly>
+    <Class>Microsoft.Office.DocumentManagement.Internal.DocIdHandler</Class>
+    <Data/>
+    <Filter/>
+  </Receiver>
+  <Receiver>
+    <Name>Document ID Generator</Name>
+    <Synchronization>Synchronous</Synchronization>
+    <Type>10004</Type>
+    <SequenceNumber>1002</SequenceNumber>
+    <Assembly>Microsoft.Office.DocumentManagement, Version=14.0.0.0, Culture=neutral, PublicKeyToken=71e9bce111e9429c</Assembly>
+    <Class>Microsoft.Office.DocumentManagement.Internal.DocIdHandler</Class>
+    <Data/>
+    <Filter/>
+  </Receiver>
+  <Receiver>
+    <Name>Document ID Generator</Name>
+    <Synchronization>Synchronous</Synchronization>
+    <Type>10006</Type>
+    <SequenceNumber>1003</SequenceNumber>
+    <Assembly>Microsoft.Office.DocumentManagement, Version=14.0.0.0, Culture=neutral, PublicKeyToken=71e9bce111e9429c</Assembly>
+    <Class>Microsoft.Office.DocumentManagement.Internal.DocIdHandler</Class>
+    <Data/>
+    <Filter/>
+  </Receiver>
+</spe:Receivers>
+</file>
+
 <file path=customXml/item3.xml><?xml version="1.0" encoding="utf-8"?>
+<?mso-contentType ?>
+<FormTemplates xmlns="http://schemas.microsoft.com/sharepoint/v3/contenttype/forms">
+  <Display>DocumentLibraryForm</Display>
+  <Edit>DocumentLibraryForm</Edit>
+  <New>DocumentLibraryForm</New>
+</FormTemplates>
+</file>
+
+<file path=customXml/item4.xml><?xml version="1.0" encoding="utf-8"?>
 <p:properties xmlns:p="http://schemas.microsoft.com/office/2006/metadata/properties" xmlns:xsi="http://www.w3.org/2001/XMLSchema-instance" xmlns:pc="http://schemas.microsoft.com/office/infopath/2007/PartnerControls">
   <documentManagement>
     <_dlc_DocId xmlns="a9328eaf-6333-4034-a7ce-997665b5f80d">6AH7XJTKT27D-494-2</_dlc_DocId>
@@ -6750,24 +7009,7 @@
 </p:properties>
 </file>
 
-<file path=customXml/item4.xml><?xml version="1.0" encoding="utf-8"?>
-<?mso-contentType ?>
-<FormTemplates xmlns="http://schemas.microsoft.com/sharepoint/v3/contenttype/forms">
-  <Display>DocumentLibraryForm</Display>
-  <Edit>DocumentLibraryForm</Edit>
-  <New>DocumentLibraryForm</New>
-</FormTemplates>
-</file>
-
 <file path=customXml/itemProps1.xml><?xml version="1.0" encoding="utf-8"?>
-<ds:datastoreItem xmlns:ds="http://schemas.openxmlformats.org/officeDocument/2006/customXml" ds:itemID="{8CB52003-E8CD-4DF2-932F-2EC7EF4DD677}">
-  <ds:schemaRefs>
-    <ds:schemaRef ds:uri="http://schemas.microsoft.com/sharepoint/events"/>
-  </ds:schemaRefs>
-</ds:datastoreItem>
-</file>
-
-<file path=customXml/itemProps2.xml><?xml version="1.0" encoding="utf-8"?>
 <ds:datastoreItem xmlns:ds="http://schemas.openxmlformats.org/officeDocument/2006/customXml" ds:itemID="{EF7533AB-0193-4AEC-8EC4-E6A274EB1992}">
   <ds:schemaRefs>
     <ds:schemaRef ds:uri="http://schemas.microsoft.com/office/2006/metadata/contentType"/>
@@ -6785,7 +7027,23 @@
 </ds:datastoreItem>
 </file>
 
+<file path=customXml/itemProps2.xml><?xml version="1.0" encoding="utf-8"?>
+<ds:datastoreItem xmlns:ds="http://schemas.openxmlformats.org/officeDocument/2006/customXml" ds:itemID="{8CB52003-E8CD-4DF2-932F-2EC7EF4DD677}">
+  <ds:schemaRefs>
+    <ds:schemaRef ds:uri="http://schemas.microsoft.com/sharepoint/events"/>
+  </ds:schemaRefs>
+</ds:datastoreItem>
+</file>
+
 <file path=customXml/itemProps3.xml><?xml version="1.0" encoding="utf-8"?>
+<ds:datastoreItem xmlns:ds="http://schemas.openxmlformats.org/officeDocument/2006/customXml" ds:itemID="{E9FEC3C6-DD16-422A-B8AE-8B104F632898}">
+  <ds:schemaRefs>
+    <ds:schemaRef ds:uri="http://schemas.microsoft.com/sharepoint/v3/contenttype/forms"/>
+  </ds:schemaRefs>
+</ds:datastoreItem>
+</file>
+
+<file path=customXml/itemProps4.xml><?xml version="1.0" encoding="utf-8"?>
 <ds:datastoreItem xmlns:ds="http://schemas.openxmlformats.org/officeDocument/2006/customXml" ds:itemID="{39B4CF60-C0DC-4692-912B-881AF8D8CFF5}">
   <ds:schemaRefs>
     <ds:schemaRef ds:uri="http://purl.org/dc/elements/1.1/"/>
@@ -6799,12 +7057,4 @@
     <ds:schemaRef ds:uri="http://purl.org/dc/terms/"/>
   </ds:schemaRefs>
 </ds:datastoreItem>
-</file>
-
-<file path=customXml/itemProps4.xml><?xml version="1.0" encoding="utf-8"?>
-<ds:datastoreItem xmlns:ds="http://schemas.openxmlformats.org/officeDocument/2006/customXml" ds:itemID="{E9FEC3C6-DD16-422A-B8AE-8B104F632898}">
-  <ds:schemaRefs>
-    <ds:schemaRef ds:uri="http://schemas.microsoft.com/sharepoint/v3/contenttype/forms"/>
-  </ds:schemaRefs>
-</ds:datastoreItem>
 </file>
--- a/CurrentWork_Delta/CX_StrategyPowerPoint.pptx
+++ b/CurrentWork_Delta/CX_StrategyPowerPoint.pptx
@@ -14,12 +14,12 @@
     <p:sldId id="263" r:id="rId9"/>
     <p:sldId id="283" r:id="rId10"/>
     <p:sldId id="271" r:id="rId11"/>
-    <p:sldId id="272" r:id="rId12"/>
-    <p:sldId id="273" r:id="rId13"/>
-    <p:sldId id="274" r:id="rId14"/>
-    <p:sldId id="275" r:id="rId15"/>
-    <p:sldId id="281" r:id="rId16"/>
-    <p:sldId id="282" r:id="rId17"/>
+    <p:sldId id="274" r:id="rId12"/>
+    <p:sldId id="272" r:id="rId13"/>
+    <p:sldId id="275" r:id="rId14"/>
+    <p:sldId id="281" r:id="rId15"/>
+    <p:sldId id="282" r:id="rId16"/>
+    <p:sldId id="273" r:id="rId17"/>
     <p:sldId id="279" r:id="rId18"/>
     <p:sldId id="280" r:id="rId19"/>
     <p:sldId id="284" r:id="rId20"/>
@@ -222,7 +222,7 @@
           <a:p>
             <a:fld id="{7195FF61-7FDF-4F4D-A3AE-3078F9B9BE1D}" type="datetimeFigureOut">
               <a:rPr lang="en-US" smtClean="0"/>
-              <a:t>3/6/2018</a:t>
+              <a:t>3/9/2018</a:t>
             </a:fld>
             <a:endParaRPr lang="en-US"/>
           </a:p>
@@ -2092,7 +2092,6 @@
               <a:rPr lang="en-US" sz="2800" dirty="0" smtClean="0"/>
               <a:t>Accomplishments / Evolution</a:t>
             </a:r>
-            <a:endParaRPr lang="en-US" sz="2800" dirty="0" smtClean="0"/>
           </a:p>
           <a:p>
             <a:pPr algn="ctr"/>
@@ -2105,13 +2104,8 @@
             <a:pPr algn="ctr"/>
             <a:r>
               <a:rPr lang="en-US" sz="2800" dirty="0" smtClean="0"/>
-              <a:t>Independent Product </a:t>
-            </a:r>
-            <a:r>
-              <a:rPr lang="en-US" sz="2800" dirty="0" smtClean="0"/>
-              <a:t>Testing</a:t>
-            </a:r>
-            <a:endParaRPr lang="en-US" sz="2800" dirty="0" smtClean="0"/>
+              <a:t>Independent Product Testing</a:t>
+            </a:r>
           </a:p>
           <a:p>
             <a:pPr algn="ctr"/>
@@ -2222,14 +2216,12 @@
         </p:nvSpPr>
         <p:spPr>
           <a:xfrm>
-            <a:off x="432843" y="914091"/>
-            <a:ext cx="3849789" cy="2804461"/>
+            <a:off x="432843" y="914087"/>
+            <a:ext cx="4787339" cy="4351338"/>
           </a:xfrm>
         </p:spPr>
         <p:txBody>
-          <a:bodyPr>
-            <a:normAutofit/>
-          </a:bodyPr>
+          <a:bodyPr/>
           <a:lstStyle/>
           <a:p>
             <a:r>
@@ -2238,16 +2230,18 @@
             </a:r>
           </a:p>
           <a:p>
+            <a:pPr marL="341313" lvl="1" indent="0">
+              <a:buNone/>
+            </a:pPr>
             <a:r>
               <a:rPr lang="en-US" sz="1400" dirty="0" smtClean="0"/>
-              <a:t>    </a:t>
-            </a:r>
-            <a:endParaRPr lang="en-US" sz="1400" dirty="0"/>
+              <a:t>          </a:t>
+            </a:r>
           </a:p>
           <a:p>
             <a:r>
               <a:rPr lang="en-US" dirty="0" smtClean="0"/>
-              <a:t>Hyper granular:  Cover every Assert and Compare in Framework</a:t>
+              <a:t>Test Run Specific:  Pass / Fail assessment of all written script tests</a:t>
             </a:r>
           </a:p>
           <a:p>
@@ -2257,14 +2251,14 @@
             </a:pPr>
             <a:r>
               <a:rPr lang="en-US" dirty="0" smtClean="0"/>
-              <a:t>Debugging and Framework Development tool</a:t>
+              <a:t>Current Standard test run encompassing test report</a:t>
             </a:r>
           </a:p>
         </p:txBody>
       </p:sp>
       <p:pic>
         <p:nvPicPr>
-          <p:cNvPr id="4" name="Picture 3"/>
+          <p:cNvPr id="5" name="Picture 4"/>
           <p:cNvPicPr>
             <a:picLocks noChangeAspect="1"/>
           </p:cNvPicPr>
@@ -2284,38 +2278,8 @@
         </p:blipFill>
         <p:spPr>
           <a:xfrm>
-            <a:off x="4484914" y="942849"/>
-            <a:ext cx="4620610" cy="5744818"/>
-          </a:xfrm>
-          <a:prstGeom prst="rect">
-            <a:avLst/>
-          </a:prstGeom>
-        </p:spPr>
-      </p:pic>
-      <p:pic>
-        <p:nvPicPr>
-          <p:cNvPr id="5" name="Picture 4"/>
-          <p:cNvPicPr>
-            <a:picLocks noChangeAspect="1"/>
-          </p:cNvPicPr>
-          <p:nvPr/>
-        </p:nvPicPr>
-        <p:blipFill>
-          <a:blip r:embed="rId3">
-            <a:extLst>
-              <a:ext uri="{28A0092B-C50C-407E-A947-70E740481C1C}">
-                <a14:useLocalDpi xmlns:a14="http://schemas.microsoft.com/office/drawing/2010/main" val="0"/>
-              </a:ext>
-            </a:extLst>
-          </a:blip>
-          <a:stretch>
-            <a:fillRect/>
-          </a:stretch>
-        </p:blipFill>
-        <p:spPr>
-          <a:xfrm>
-            <a:off x="330483" y="3396343"/>
-            <a:ext cx="4285060" cy="3196045"/>
+            <a:off x="5428527" y="832327"/>
+            <a:ext cx="3599233" cy="6025673"/>
           </a:xfrm>
           <a:prstGeom prst="rect">
             <a:avLst/>
@@ -2325,7 +2289,7 @@
     </p:spTree>
     <p:extLst>
       <p:ext uri="{BB962C8B-B14F-4D97-AF65-F5344CB8AC3E}">
-        <p14:creationId xmlns:p14="http://schemas.microsoft.com/office/powerpoint/2010/main" val="21198343"/>
+        <p14:creationId xmlns:p14="http://schemas.microsoft.com/office/powerpoint/2010/main" val="3243345129"/>
       </p:ext>
     </p:extLst>
   </p:cSld>
@@ -2400,154 +2364,6 @@
         </p:nvSpPr>
         <p:spPr>
           <a:xfrm>
-            <a:off x="432843" y="914087"/>
-            <a:ext cx="4787339" cy="4351338"/>
-          </a:xfrm>
-        </p:spPr>
-        <p:txBody>
-          <a:bodyPr/>
-          <a:lstStyle/>
-          <a:p>
-            <a:r>
-              <a:rPr lang="en-US" dirty="0" smtClean="0"/>
-              <a:t>Reporting:  Three levels of information</a:t>
-            </a:r>
-          </a:p>
-          <a:p>
-            <a:pPr marL="341313" lvl="1" indent="0">
-              <a:buNone/>
-            </a:pPr>
-            <a:r>
-              <a:rPr lang="en-US" sz="1400" dirty="0" smtClean="0"/>
-              <a:t>          </a:t>
-            </a:r>
-          </a:p>
-          <a:p>
-            <a:r>
-              <a:rPr lang="en-US" dirty="0" smtClean="0"/>
-              <a:t>Test Run Specific:  Pass / Fail assessment of all written script tests</a:t>
-            </a:r>
-          </a:p>
-          <a:p>
-            <a:pPr lvl="1">
-              <a:buFont typeface="Arial" panose="020B0604020202020204" pitchFamily="34" charset="0"/>
-              <a:buChar char="•"/>
-            </a:pPr>
-            <a:r>
-              <a:rPr lang="en-US" dirty="0" smtClean="0"/>
-              <a:t>Current Standard test run encompassing test report</a:t>
-            </a:r>
-          </a:p>
-        </p:txBody>
-      </p:sp>
-      <p:pic>
-        <p:nvPicPr>
-          <p:cNvPr id="5" name="Picture 4"/>
-          <p:cNvPicPr>
-            <a:picLocks noChangeAspect="1"/>
-          </p:cNvPicPr>
-          <p:nvPr/>
-        </p:nvPicPr>
-        <p:blipFill>
-          <a:blip r:embed="rId2">
-            <a:extLst>
-              <a:ext uri="{28A0092B-C50C-407E-A947-70E740481C1C}">
-                <a14:useLocalDpi xmlns:a14="http://schemas.microsoft.com/office/drawing/2010/main" val="0"/>
-              </a:ext>
-            </a:extLst>
-          </a:blip>
-          <a:stretch>
-            <a:fillRect/>
-          </a:stretch>
-        </p:blipFill>
-        <p:spPr>
-          <a:xfrm>
-            <a:off x="5428527" y="832327"/>
-            <a:ext cx="3599233" cy="6025673"/>
-          </a:xfrm>
-          <a:prstGeom prst="rect">
-            <a:avLst/>
-          </a:prstGeom>
-        </p:spPr>
-      </p:pic>
-    </p:spTree>
-    <p:extLst>
-      <p:ext uri="{BB962C8B-B14F-4D97-AF65-F5344CB8AC3E}">
-        <p14:creationId xmlns:p14="http://schemas.microsoft.com/office/powerpoint/2010/main" val="3243345129"/>
-      </p:ext>
-    </p:extLst>
-  </p:cSld>
-  <p:clrMapOvr>
-    <a:masterClrMapping/>
-  </p:clrMapOvr>
-  <p:timing>
-    <p:tnLst>
-      <p:par>
-        <p:cTn id="1" dur="indefinite" restart="never" nodeType="tmRoot"/>
-      </p:par>
-    </p:tnLst>
-  </p:timing>
-</p:sld>
-</file>
-
-<file path=ppt/slides/slide12.xml><?xml version="1.0" encoding="utf-8"?>
-<p:sld xmlns:a="http://schemas.openxmlformats.org/drawingml/2006/main" xmlns:r="http://schemas.openxmlformats.org/officeDocument/2006/relationships" xmlns:p="http://schemas.openxmlformats.org/presentationml/2006/main">
-  <p:cSld>
-    <p:spTree>
-      <p:nvGrpSpPr>
-        <p:cNvPr id="1" name=""/>
-        <p:cNvGrpSpPr/>
-        <p:nvPr/>
-      </p:nvGrpSpPr>
-      <p:grpSpPr>
-        <a:xfrm>
-          <a:off x="0" y="0"/>
-          <a:ext cx="0" cy="0"/>
-          <a:chOff x="0" y="0"/>
-          <a:chExt cx="0" cy="0"/>
-        </a:xfrm>
-      </p:grpSpPr>
-      <p:sp>
-        <p:nvSpPr>
-          <p:cNvPr id="2" name="Title 1"/>
-          <p:cNvSpPr>
-            <a:spLocks noGrp="1"/>
-          </p:cNvSpPr>
-          <p:nvPr>
-            <p:ph type="title"/>
-          </p:nvPr>
-        </p:nvSpPr>
-        <p:spPr>
-          <a:xfrm>
-            <a:off x="1641767" y="129597"/>
-            <a:ext cx="5101934" cy="1325563"/>
-          </a:xfrm>
-        </p:spPr>
-        <p:txBody>
-          <a:bodyPr anchor="t"/>
-          <a:lstStyle/>
-          <a:p>
-            <a:pPr algn="ctr"/>
-            <a:r>
-              <a:rPr lang="en-US" dirty="0" smtClean="0"/>
-              <a:t>REPORTING</a:t>
-            </a:r>
-            <a:endParaRPr lang="en-US" dirty="0"/>
-          </a:p>
-        </p:txBody>
-      </p:sp>
-      <p:sp>
-        <p:nvSpPr>
-          <p:cNvPr id="3" name="Content Placeholder 2"/>
-          <p:cNvSpPr>
-            <a:spLocks noGrp="1"/>
-          </p:cNvSpPr>
-          <p:nvPr>
-            <p:ph idx="1"/>
-          </p:nvPr>
-        </p:nvSpPr>
-        <p:spPr>
-          <a:xfrm>
             <a:off x="432844" y="914094"/>
             <a:ext cx="3953962" cy="4351338"/>
           </a:xfrm>
@@ -2574,7 +2390,6 @@
               <a:rPr lang="en-US" dirty="0" smtClean="0"/>
               <a:t>High Level Product Specific: </a:t>
             </a:r>
-            <a:endParaRPr lang="en-US" dirty="0" smtClean="0"/>
           </a:p>
           <a:p>
             <a:r>
@@ -2594,11 +2409,7 @@
             </a:r>
             <a:r>
               <a:rPr lang="en-US" sz="1800" b="1" dirty="0" smtClean="0"/>
-              <a:t>Go / </a:t>
-            </a:r>
-            <a:r>
-              <a:rPr lang="en-US" sz="1800" b="1" dirty="0" smtClean="0"/>
-              <a:t>No-go Product  Dashboard</a:t>
+              <a:t>Go / No-go Product  Dashboard</a:t>
             </a:r>
           </a:p>
           <a:p>
@@ -2606,7 +2417,6 @@
               <a:rPr lang="en-US" sz="800" dirty="0" smtClean="0"/>
               <a:t>            </a:t>
             </a:r>
-            <a:endParaRPr lang="en-US" sz="800" dirty="0" smtClean="0"/>
           </a:p>
           <a:p>
             <a:pPr lvl="1">
@@ -2617,7 +2427,6 @@
               <a:rPr lang="en-US" sz="2000" dirty="0" smtClean="0"/>
               <a:t>In Design Mode.  </a:t>
             </a:r>
-            <a:endParaRPr lang="en-US" sz="2000" dirty="0" smtClean="0"/>
           </a:p>
           <a:p>
             <a:pPr marL="566738" lvl="2" indent="0">
@@ -2645,13 +2454,8 @@
             </a:pPr>
             <a:r>
               <a:rPr lang="en-US" dirty="0" smtClean="0"/>
-              <a:t>Product </a:t>
-            </a:r>
-            <a:r>
-              <a:rPr lang="en-US" dirty="0" smtClean="0"/>
-              <a:t>Managers </a:t>
-            </a:r>
-            <a:endParaRPr lang="en-US" dirty="0" smtClean="0"/>
+              <a:t>Product Managers </a:t>
+            </a:r>
           </a:p>
           <a:p>
             <a:pPr marL="566738" lvl="2" indent="0">
@@ -2659,15 +2463,7 @@
             </a:pPr>
             <a:r>
               <a:rPr lang="en-US" dirty="0" smtClean="0"/>
-              <a:t>A</a:t>
-            </a:r>
-            <a:r>
-              <a:rPr lang="en-US" dirty="0" smtClean="0"/>
-              <a:t> </a:t>
-            </a:r>
-            <a:r>
-              <a:rPr lang="en-US" dirty="0" smtClean="0"/>
-              <a:t>quick look at the current health and capability to ship the product </a:t>
+              <a:t>A quick look at the current health and capability to ship the product </a:t>
             </a:r>
           </a:p>
         </p:txBody>
@@ -2722,6 +2518,338 @@
 </p:sld>
 </file>
 
+<file path=ppt/slides/slide12.xml><?xml version="1.0" encoding="utf-8"?>
+<p:sld xmlns:a="http://schemas.openxmlformats.org/drawingml/2006/main" xmlns:r="http://schemas.openxmlformats.org/officeDocument/2006/relationships" xmlns:p="http://schemas.openxmlformats.org/presentationml/2006/main">
+  <p:cSld>
+    <p:spTree>
+      <p:nvGrpSpPr>
+        <p:cNvPr id="1" name=""/>
+        <p:cNvGrpSpPr/>
+        <p:nvPr/>
+      </p:nvGrpSpPr>
+      <p:grpSpPr>
+        <a:xfrm>
+          <a:off x="0" y="0"/>
+          <a:ext cx="0" cy="0"/>
+          <a:chOff x="0" y="0"/>
+          <a:chExt cx="0" cy="0"/>
+        </a:xfrm>
+      </p:grpSpPr>
+      <p:sp>
+        <p:nvSpPr>
+          <p:cNvPr id="2" name="Title 1"/>
+          <p:cNvSpPr>
+            <a:spLocks noGrp="1"/>
+          </p:cNvSpPr>
+          <p:nvPr>
+            <p:ph type="title"/>
+          </p:nvPr>
+        </p:nvSpPr>
+        <p:spPr>
+          <a:xfrm>
+            <a:off x="2130137" y="115744"/>
+            <a:ext cx="4322618" cy="957682"/>
+          </a:xfrm>
+        </p:spPr>
+        <p:txBody>
+          <a:bodyPr anchor="t">
+            <a:normAutofit/>
+          </a:bodyPr>
+          <a:lstStyle/>
+          <a:p>
+            <a:pPr algn="ctr"/>
+            <a:r>
+              <a:rPr lang="en-US" dirty="0" smtClean="0"/>
+              <a:t>HOW IT’S BUILT</a:t>
+            </a:r>
+            <a:endParaRPr lang="en-US" dirty="0"/>
+          </a:p>
+        </p:txBody>
+      </p:sp>
+      <p:sp>
+        <p:nvSpPr>
+          <p:cNvPr id="3" name="Content Placeholder 2"/>
+          <p:cNvSpPr>
+            <a:spLocks noGrp="1"/>
+          </p:cNvSpPr>
+          <p:nvPr>
+            <p:ph idx="1"/>
+          </p:nvPr>
+        </p:nvSpPr>
+        <p:spPr>
+          <a:xfrm>
+            <a:off x="272424" y="1739797"/>
+            <a:ext cx="4299576" cy="4351338"/>
+          </a:xfrm>
+        </p:spPr>
+        <p:txBody>
+          <a:bodyPr>
+            <a:normAutofit/>
+          </a:bodyPr>
+          <a:lstStyle/>
+          <a:p>
+            <a:r>
+              <a:rPr lang="en-US" sz="600" dirty="0" smtClean="0"/>
+              <a:t>       </a:t>
+            </a:r>
+            <a:endParaRPr lang="en-US" sz="600" dirty="0" smtClean="0"/>
+          </a:p>
+          <a:p>
+            <a:pPr algn="ctr"/>
+            <a:r>
+              <a:rPr lang="en-US" dirty="0" smtClean="0"/>
+              <a:t>Framework is </a:t>
+            </a:r>
+            <a:r>
+              <a:rPr lang="en-US" dirty="0" smtClean="0"/>
+              <a:t>Class</a:t>
+            </a:r>
+          </a:p>
+          <a:p>
+            <a:pPr algn="ctr"/>
+            <a:r>
+              <a:rPr lang="en-US" dirty="0" smtClean="0"/>
+              <a:t>Object based</a:t>
+            </a:r>
+          </a:p>
+          <a:p>
+            <a:r>
+              <a:rPr lang="en-US" dirty="0" smtClean="0"/>
+              <a:t>      </a:t>
+            </a:r>
+            <a:endParaRPr lang="en-US" dirty="0"/>
+          </a:p>
+          <a:p>
+            <a:pPr lvl="1" algn="ctr">
+              <a:lnSpc>
+                <a:spcPct val="100000"/>
+              </a:lnSpc>
+              <a:spcBef>
+                <a:spcPts val="0"/>
+              </a:spcBef>
+              <a:buFont typeface="Arial" panose="020B0604020202020204" pitchFamily="34" charset="0"/>
+              <a:buChar char="•"/>
+            </a:pPr>
+            <a:r>
+              <a:rPr lang="en-US" sz="1800" b="1" dirty="0" smtClean="0"/>
+              <a:t>Script</a:t>
+            </a:r>
+            <a:r>
+              <a:rPr lang="en-US" sz="1800" dirty="0" smtClean="0"/>
+              <a:t> actions and </a:t>
+            </a:r>
+            <a:r>
+              <a:rPr lang="en-US" sz="1800" dirty="0"/>
+              <a:t>methods build up from Core </a:t>
+            </a:r>
+            <a:r>
+              <a:rPr lang="en-US" sz="1800" dirty="0" smtClean="0"/>
+              <a:t>&amp; Mid Layer components</a:t>
+            </a:r>
+            <a:endParaRPr lang="en-US" sz="1800" dirty="0"/>
+          </a:p>
+          <a:p>
+            <a:pPr marL="341313" lvl="1" indent="0">
+              <a:lnSpc>
+                <a:spcPct val="100000"/>
+              </a:lnSpc>
+              <a:spcBef>
+                <a:spcPts val="0"/>
+              </a:spcBef>
+              <a:buNone/>
+            </a:pPr>
+            <a:r>
+              <a:rPr lang="en-US" sz="1200" dirty="0" smtClean="0"/>
+              <a:t>           </a:t>
+            </a:r>
+          </a:p>
+          <a:p>
+            <a:pPr lvl="1" algn="ctr">
+              <a:lnSpc>
+                <a:spcPct val="100000"/>
+              </a:lnSpc>
+              <a:spcBef>
+                <a:spcPts val="0"/>
+              </a:spcBef>
+              <a:buFont typeface="Arial" panose="020B0604020202020204" pitchFamily="34" charset="0"/>
+              <a:buChar char="•"/>
+            </a:pPr>
+            <a:r>
+              <a:rPr lang="en-US" sz="1800" b="1" dirty="0" smtClean="0"/>
+              <a:t>Mid Level</a:t>
+            </a:r>
+            <a:r>
+              <a:rPr lang="en-US" sz="1800" dirty="0" smtClean="0"/>
+              <a:t>: Specific to Application, Methods, Classes, Wrapped functions</a:t>
+            </a:r>
+          </a:p>
+          <a:p>
+            <a:pPr marL="341313" lvl="1" indent="0">
+              <a:lnSpc>
+                <a:spcPct val="100000"/>
+              </a:lnSpc>
+              <a:spcBef>
+                <a:spcPts val="0"/>
+              </a:spcBef>
+              <a:buNone/>
+            </a:pPr>
+            <a:endParaRPr lang="en-US" sz="1800" dirty="0" smtClean="0"/>
+          </a:p>
+          <a:p>
+            <a:pPr marL="341313" lvl="1" indent="0">
+              <a:lnSpc>
+                <a:spcPct val="100000"/>
+              </a:lnSpc>
+              <a:spcBef>
+                <a:spcPts val="0"/>
+              </a:spcBef>
+              <a:buNone/>
+            </a:pPr>
+            <a:r>
+              <a:rPr lang="en-US" sz="1200" dirty="0" smtClean="0"/>
+              <a:t>              </a:t>
+            </a:r>
+          </a:p>
+          <a:p>
+            <a:pPr lvl="1" algn="ctr">
+              <a:buFont typeface="Arial" panose="020B0604020202020204" pitchFamily="34" charset="0"/>
+              <a:buChar char="•"/>
+            </a:pPr>
+            <a:r>
+              <a:rPr lang="en-US" sz="1800" b="1" dirty="0"/>
+              <a:t>Core base level </a:t>
+            </a:r>
+            <a:r>
+              <a:rPr lang="en-US" sz="1800" dirty="0"/>
+              <a:t>classes define common components</a:t>
+            </a:r>
+            <a:endParaRPr lang="en-US" sz="1800" dirty="0" smtClean="0"/>
+          </a:p>
+        </p:txBody>
+      </p:sp>
+      <p:pic>
+        <p:nvPicPr>
+          <p:cNvPr id="10" name="Picture 9">
+            <a:hlinkClick r:id="rId2" action="ppaction://hlinksldjump"/>
+          </p:cNvPr>
+          <p:cNvPicPr>
+            <a:picLocks noChangeAspect="1"/>
+          </p:cNvPicPr>
+          <p:nvPr/>
+        </p:nvPicPr>
+        <p:blipFill>
+          <a:blip r:embed="rId3">
+            <a:extLst>
+              <a:ext uri="{28A0092B-C50C-407E-A947-70E740481C1C}">
+                <a14:useLocalDpi xmlns:a14="http://schemas.microsoft.com/office/drawing/2010/main" val="0"/>
+              </a:ext>
+            </a:extLst>
+          </a:blip>
+          <a:stretch>
+            <a:fillRect/>
+          </a:stretch>
+        </p:blipFill>
+        <p:spPr>
+          <a:xfrm>
+            <a:off x="4572000" y="1912517"/>
+            <a:ext cx="4556210" cy="3736443"/>
+          </a:xfrm>
+          <a:prstGeom prst="rect">
+            <a:avLst/>
+          </a:prstGeom>
+        </p:spPr>
+      </p:pic>
+      <p:sp>
+        <p:nvSpPr>
+          <p:cNvPr id="5" name="Title 1"/>
+          <p:cNvSpPr txBox="1">
+            <a:spLocks/>
+          </p:cNvSpPr>
+          <p:nvPr/>
+        </p:nvSpPr>
+        <p:spPr>
+          <a:xfrm>
+            <a:off x="272424" y="944881"/>
+            <a:ext cx="8855786" cy="607386"/>
+          </a:xfrm>
+          <a:prstGeom prst="rect">
+            <a:avLst/>
+          </a:prstGeom>
+        </p:spPr>
+        <p:txBody>
+          <a:bodyPr vert="horz" lIns="91440" tIns="45720" rIns="91440" bIns="45720" rtlCol="0" anchor="t">
+            <a:noAutofit/>
+          </a:bodyPr>
+          <a:lstStyle>
+            <a:lvl1pPr algn="l" defTabSz="457200" rtl="0" eaLnBrk="1" latinLnBrk="0" hangingPunct="1">
+              <a:spcBef>
+                <a:spcPct val="0"/>
+              </a:spcBef>
+              <a:buNone/>
+              <a:defRPr sz="5000" b="0" i="0" kern="1200">
+                <a:solidFill>
+                  <a:srgbClr val="128BAD"/>
+                </a:solidFill>
+                <a:latin typeface="Calibri Light"/>
+                <a:ea typeface="+mj-ea"/>
+                <a:cs typeface="Calibri Light"/>
+              </a:defRPr>
+            </a:lvl1pPr>
+          </a:lstStyle>
+          <a:p>
+            <a:pPr algn="ctr"/>
+            <a:r>
+              <a:rPr lang="en-US" sz="3100" b="1" dirty="0" err="1">
+                <a:solidFill>
+                  <a:schemeClr val="tx1"/>
+                </a:solidFill>
+              </a:rPr>
+              <a:t>Git</a:t>
+            </a:r>
+            <a:r>
+              <a:rPr lang="en-US" sz="3100" b="1" dirty="0">
+                <a:solidFill>
+                  <a:schemeClr val="tx1"/>
+                </a:solidFill>
+              </a:rPr>
+              <a:t> </a:t>
+            </a:r>
+            <a:r>
+              <a:rPr lang="en-US" sz="3100" b="1" dirty="0" smtClean="0">
+                <a:solidFill>
+                  <a:schemeClr val="tx1"/>
+                </a:solidFill>
+              </a:rPr>
+              <a:t>Repo     Node.js     Protractor     JavaScript   Jenkins</a:t>
+            </a:r>
+            <a:endParaRPr lang="en-US" sz="3100" b="1" dirty="0">
+              <a:solidFill>
+                <a:schemeClr val="tx1"/>
+              </a:solidFill>
+            </a:endParaRPr>
+          </a:p>
+        </p:txBody>
+      </p:sp>
+    </p:spTree>
+    <p:extLst>
+      <p:ext uri="{BB962C8B-B14F-4D97-AF65-F5344CB8AC3E}">
+        <p14:creationId xmlns:p14="http://schemas.microsoft.com/office/powerpoint/2010/main" val="239349891"/>
+      </p:ext>
+    </p:extLst>
+  </p:cSld>
+  <p:clrMapOvr>
+    <a:masterClrMapping/>
+  </p:clrMapOvr>
+  <p:timing>
+    <p:tnLst>
+      <p:par>
+        <p:cTn id="1" dur="indefinite" restart="never" nodeType="tmRoot"/>
+      </p:par>
+    </p:tnLst>
+  </p:timing>
+</p:sld>
+</file>
+
 <file path=ppt/slides/slide13.xml><?xml version="1.0" encoding="utf-8"?>
 <p:sld xmlns:a="http://schemas.openxmlformats.org/drawingml/2006/main" xmlns:r="http://schemas.openxmlformats.org/officeDocument/2006/relationships" xmlns:p="http://schemas.openxmlformats.org/presentationml/2006/main">
   <p:cSld>
@@ -2807,8 +2935,13 @@
             </a:pPr>
             <a:r>
               <a:rPr lang="en-US" sz="2000" dirty="0" smtClean="0"/>
-              <a:t>Test Headless</a:t>
-            </a:r>
+              <a:t>Test </a:t>
+            </a:r>
+            <a:r>
+              <a:rPr lang="en-US" sz="2000" dirty="0" smtClean="0"/>
+              <a:t>Headless  : Trying to overcome CPU and Memory consumption</a:t>
+            </a:r>
+            <a:endParaRPr lang="en-US" sz="2000" dirty="0" smtClean="0"/>
           </a:p>
           <a:p>
             <a:endParaRPr lang="en-US" sz="2000" dirty="0"/>
@@ -2857,12 +2990,12 @@
               <a:t>The smaller the mid layer, the easier to add </a:t>
             </a:r>
             <a:r>
-              <a:rPr lang="en-US" sz="1800" dirty="0" err="1" smtClean="0"/>
-              <a:t>add</a:t>
-            </a:r>
-            <a:r>
               <a:rPr lang="en-US" sz="1800" dirty="0" smtClean="0"/>
-              <a:t> new capability ( new applications )</a:t>
+              <a:t>new </a:t>
+            </a:r>
+            <a:r>
+              <a:rPr lang="en-US" sz="1800" dirty="0" smtClean="0"/>
+              <a:t>capability ( new applications )</a:t>
             </a:r>
           </a:p>
           <a:p>
@@ -3101,16 +3234,11 @@
               <a:rPr lang="en-US" sz="1600" b="1" dirty="0" smtClean="0"/>
               <a:t>Seconds</a:t>
             </a:r>
-            <a:endParaRPr lang="en-US" sz="1600" b="1" dirty="0" smtClean="0"/>
           </a:p>
           <a:p>
             <a:r>
               <a:rPr lang="en-US" dirty="0" smtClean="0"/>
-              <a:t>Small</a:t>
-            </a:r>
-            <a:r>
-              <a:rPr lang="en-US" dirty="0" smtClean="0"/>
-              <a:t>	5		%30</a:t>
+              <a:t>Small	5		%30</a:t>
             </a:r>
           </a:p>
           <a:p>
@@ -3336,15 +3464,7 @@
             </a:pPr>
             <a:r>
               <a:rPr lang="en-US" sz="2200" dirty="0" smtClean="0"/>
-              <a:t>  </a:t>
-            </a:r>
-            <a:r>
-              <a:rPr lang="en-US" sz="2200" dirty="0" smtClean="0"/>
-              <a:t>			</a:t>
-            </a:r>
-            <a:r>
-              <a:rPr lang="en-US" sz="2200" dirty="0" smtClean="0"/>
-              <a:t>      </a:t>
+              <a:t>  			      </a:t>
             </a:r>
             <a:r>
               <a:rPr lang="en-US" sz="3000" dirty="0" smtClean="0"/>
@@ -3359,7 +3479,6 @@
               <a:rPr lang="en-US" sz="2200" dirty="0" smtClean="0"/>
               <a:t> </a:t>
             </a:r>
-            <a:endParaRPr lang="en-US" sz="2200" dirty="0" smtClean="0"/>
           </a:p>
           <a:p>
             <a:pPr marL="731838" lvl="3" indent="0">
@@ -4325,6 +4444,219 @@
           <a:p>
             <a:pPr marL="342900" indent="-342900">
               <a:lnSpc>
+                <a:spcPct val="90000"/>
+              </a:lnSpc>
+              <a:spcBef>
+                <a:spcPts val="0"/>
+              </a:spcBef>
+              <a:buFont typeface="Arial" panose="020B0604020202020204" pitchFamily="34" charset="0"/>
+              <a:buChar char="•"/>
+            </a:pPr>
+            <a:r>
+              <a:rPr lang="en-US" sz="2000" b="1" dirty="0" smtClean="0">
+                <a:effectLst/>
+              </a:rPr>
+              <a:t>The Test Automation frame work leverages available open source </a:t>
+            </a:r>
+            <a:r>
+              <a:rPr lang="en-US" sz="2000" b="1" dirty="0" smtClean="0">
+                <a:effectLst/>
+              </a:rPr>
+              <a:t>technology</a:t>
+            </a:r>
+          </a:p>
+          <a:p>
+            <a:pPr lvl="1" indent="0">
+              <a:lnSpc>
+                <a:spcPct val="90000"/>
+              </a:lnSpc>
+              <a:spcBef>
+                <a:spcPts val="0"/>
+              </a:spcBef>
+              <a:buNone/>
+            </a:pPr>
+            <a:r>
+              <a:rPr lang="en-US" sz="1000" dirty="0" smtClean="0"/>
+              <a:t>	</a:t>
+            </a:r>
+            <a:r>
+              <a:rPr lang="en-US" sz="1000" dirty="0" smtClean="0">
+                <a:solidFill>
+                  <a:schemeClr val="bg1">
+                    <a:lumMod val="85000"/>
+                  </a:schemeClr>
+                </a:solidFill>
+              </a:rPr>
+              <a:t>Node, Protractor, JavaScript, Jenkins</a:t>
+            </a:r>
+          </a:p>
+          <a:p>
+            <a:pPr marL="919163" lvl="1" indent="-342900">
+              <a:lnSpc>
+                <a:spcPct val="90000"/>
+              </a:lnSpc>
+              <a:spcBef>
+                <a:spcPts val="0"/>
+              </a:spcBef>
+              <a:buFont typeface="Arial" panose="020B0604020202020204" pitchFamily="34" charset="0"/>
+              <a:buChar char="•"/>
+            </a:pPr>
+            <a:endParaRPr lang="en-US" sz="1050" dirty="0"/>
+          </a:p>
+          <a:p>
+            <a:pPr lvl="1" indent="0">
+              <a:lnSpc>
+                <a:spcPct val="90000"/>
+              </a:lnSpc>
+              <a:spcBef>
+                <a:spcPts val="0"/>
+              </a:spcBef>
+              <a:buNone/>
+            </a:pPr>
+            <a:endParaRPr lang="en-US" sz="1200" dirty="0"/>
+          </a:p>
+          <a:p>
+            <a:pPr marL="342900" indent="-342900">
+              <a:lnSpc>
+                <a:spcPct val="90000"/>
+              </a:lnSpc>
+              <a:spcBef>
+                <a:spcPts val="0"/>
+              </a:spcBef>
+              <a:buFont typeface="Arial" panose="020B0604020202020204" pitchFamily="34" charset="0"/>
+              <a:buChar char="•"/>
+            </a:pPr>
+            <a:r>
+              <a:rPr lang="en-US" sz="2000" b="1" dirty="0" smtClean="0">
+                <a:effectLst/>
+              </a:rPr>
+              <a:t>CXTA validates </a:t>
+            </a:r>
+            <a:r>
+              <a:rPr lang="en-US" sz="2000" b="1" dirty="0" smtClean="0"/>
+              <a:t>product quality, usability and performance </a:t>
+            </a:r>
+            <a:r>
+              <a:rPr lang="en-US" sz="2000" b="1" dirty="0" smtClean="0">
+                <a:effectLst/>
+              </a:rPr>
+              <a:t>of CX Web </a:t>
+            </a:r>
+            <a:r>
+              <a:rPr lang="en-US" sz="2000" b="1" dirty="0" smtClean="0">
+                <a:effectLst/>
+              </a:rPr>
+              <a:t>Applications</a:t>
+            </a:r>
+          </a:p>
+          <a:p>
+            <a:pPr lvl="1" indent="0">
+              <a:lnSpc>
+                <a:spcPct val="90000"/>
+              </a:lnSpc>
+              <a:spcBef>
+                <a:spcPts val="0"/>
+              </a:spcBef>
+              <a:buNone/>
+            </a:pPr>
+            <a:r>
+              <a:rPr lang="en-US" sz="800" dirty="0" smtClean="0">
+                <a:effectLst/>
+              </a:rPr>
+              <a:t>	</a:t>
+            </a:r>
+            <a:r>
+              <a:rPr lang="en-US" sz="1000" dirty="0" smtClean="0">
+                <a:solidFill>
+                  <a:schemeClr val="bg1">
+                    <a:lumMod val="85000"/>
+                  </a:schemeClr>
+                </a:solidFill>
+                <a:effectLst/>
+              </a:rPr>
+              <a:t>Perf Quall: short test completion time, Usability: easy test authoring, Prod Qual:  Pass rate</a:t>
+            </a:r>
+          </a:p>
+          <a:p>
+            <a:pPr lvl="1" indent="0">
+              <a:lnSpc>
+                <a:spcPct val="90000"/>
+              </a:lnSpc>
+              <a:spcBef>
+                <a:spcPts val="0"/>
+              </a:spcBef>
+              <a:buNone/>
+            </a:pPr>
+            <a:endParaRPr lang="en-US" sz="1000" dirty="0"/>
+          </a:p>
+          <a:p>
+            <a:pPr lvl="1" indent="0">
+              <a:lnSpc>
+                <a:spcPct val="90000"/>
+              </a:lnSpc>
+              <a:spcBef>
+                <a:spcPts val="0"/>
+              </a:spcBef>
+              <a:buNone/>
+            </a:pPr>
+            <a:endParaRPr lang="en-US" sz="1000" dirty="0" smtClean="0">
+              <a:effectLst/>
+            </a:endParaRPr>
+          </a:p>
+          <a:p>
+            <a:pPr marL="342900" indent="-342900">
+              <a:lnSpc>
+                <a:spcPct val="90000"/>
+              </a:lnSpc>
+              <a:spcBef>
+                <a:spcPts val="0"/>
+              </a:spcBef>
+              <a:buFont typeface="Arial" panose="020B0604020202020204" pitchFamily="34" charset="0"/>
+              <a:buChar char="•"/>
+            </a:pPr>
+            <a:r>
+              <a:rPr lang="en-US" sz="2000" b="1" dirty="0" smtClean="0"/>
+              <a:t>CXTA validates </a:t>
+            </a:r>
+            <a:r>
+              <a:rPr lang="en-US" sz="2000" b="1" dirty="0" smtClean="0">
+                <a:effectLst/>
+              </a:rPr>
+              <a:t>core functional APIs( micro service API )</a:t>
+            </a:r>
+          </a:p>
+          <a:p>
+            <a:pPr marL="741363" lvl="3" indent="0">
+              <a:lnSpc>
+                <a:spcPct val="90000"/>
+              </a:lnSpc>
+              <a:spcBef>
+                <a:spcPts val="0"/>
+              </a:spcBef>
+              <a:buNone/>
+            </a:pPr>
+            <a:r>
+              <a:rPr lang="en-US" sz="1000" dirty="0" smtClean="0">
+                <a:solidFill>
+                  <a:schemeClr val="bg1">
+                    <a:lumMod val="85000"/>
+                  </a:schemeClr>
+                </a:solidFill>
+              </a:rPr>
+              <a:t>	Broker Value, aarp member #, PCP, CMS….. All supported by Microservice Information</a:t>
+            </a:r>
+            <a:endParaRPr lang="en-US" sz="1000" dirty="0" smtClean="0">
+              <a:solidFill>
+                <a:schemeClr val="bg1">
+                  <a:lumMod val="85000"/>
+                </a:schemeClr>
+              </a:solidFill>
+              <a:effectLst/>
+            </a:endParaRPr>
+          </a:p>
+          <a:p>
+            <a:pPr marL="342900" indent="-342900">
+              <a:lnSpc>
                 <a:spcPct val="150000"/>
               </a:lnSpc>
               <a:spcAft>
@@ -4334,80 +4666,15 @@
               <a:buChar char="•"/>
             </a:pPr>
             <a:r>
-              <a:rPr lang="en-US" sz="2000" dirty="0" smtClean="0">
-                <a:effectLst/>
-              </a:rPr>
-              <a:t>The Test Automation frame work leverages available open source technology</a:t>
-            </a:r>
-            <a:endParaRPr lang="en-US" sz="2000" dirty="0"/>
-          </a:p>
-          <a:p>
-            <a:pPr marL="342900" indent="-342900">
-              <a:lnSpc>
-                <a:spcPct val="150000"/>
-              </a:lnSpc>
-              <a:spcAft>
-                <a:spcPts val="1000"/>
-              </a:spcAft>
-              <a:buFont typeface="Arial" panose="020B0604020202020204" pitchFamily="34" charset="0"/>
-              <a:buChar char="•"/>
-            </a:pPr>
-            <a:r>
-              <a:rPr lang="en-US" sz="2000" dirty="0" smtClean="0">
-                <a:effectLst/>
-              </a:rPr>
-              <a:t>CXTA validates </a:t>
-            </a:r>
-            <a:r>
-              <a:rPr lang="en-US" sz="2000" dirty="0" smtClean="0"/>
-              <a:t>product quality, usability and performance </a:t>
-            </a:r>
-            <a:r>
-              <a:rPr lang="en-US" sz="2000" dirty="0" smtClean="0">
-                <a:effectLst/>
-              </a:rPr>
-              <a:t>of CX Web Applications…</a:t>
-            </a:r>
-          </a:p>
-          <a:p>
-            <a:pPr marL="342900" indent="-342900">
-              <a:lnSpc>
-                <a:spcPct val="150000"/>
-              </a:lnSpc>
-              <a:spcAft>
-                <a:spcPts val="1000"/>
-              </a:spcAft>
-              <a:buFont typeface="Arial" panose="020B0604020202020204" pitchFamily="34" charset="0"/>
-              <a:buChar char="•"/>
-            </a:pPr>
-            <a:r>
-              <a:rPr lang="en-US" sz="2000" dirty="0" smtClean="0"/>
-              <a:t>CXTA validates </a:t>
-            </a:r>
-            <a:r>
-              <a:rPr lang="en-US" sz="2000" dirty="0" smtClean="0">
-                <a:effectLst/>
-              </a:rPr>
-              <a:t>core functional APIs( micro service API )…</a:t>
-            </a:r>
-          </a:p>
-          <a:p>
-            <a:pPr marL="342900" indent="-342900">
-              <a:lnSpc>
-                <a:spcPct val="150000"/>
-              </a:lnSpc>
-              <a:spcAft>
-                <a:spcPts val="1000"/>
-              </a:spcAft>
-              <a:buFont typeface="Arial" panose="020B0604020202020204" pitchFamily="34" charset="0"/>
-              <a:buChar char="•"/>
-            </a:pPr>
-            <a:r>
-              <a:rPr lang="en-US" sz="2000" dirty="0" smtClean="0"/>
-              <a:t>The following provides an </a:t>
-            </a:r>
-            <a:r>
-              <a:rPr lang="en-US" sz="2000" dirty="0" smtClean="0">
+              <a:rPr lang="en-US" sz="2000" b="1" dirty="0" smtClean="0"/>
+              <a:t>The </a:t>
+            </a:r>
+            <a:r>
+              <a:rPr lang="en-US" sz="2000" b="1" dirty="0" smtClean="0"/>
+              <a:t>following provides an </a:t>
+            </a:r>
+            <a:r>
+              <a:rPr lang="en-US" sz="2000" b="1" dirty="0" smtClean="0">
                 <a:effectLst/>
               </a:rPr>
               <a:t>explanation of CXTA, our purpose, technologies, philosophies, process, and our evolutionary plans for 2018.</a:t>
@@ -4467,7 +4734,7 @@
         </p:nvSpPr>
         <p:spPr>
           <a:xfrm>
-            <a:off x="632460" y="103302"/>
+            <a:off x="632460" y="-49098"/>
             <a:ext cx="6329449" cy="1225768"/>
           </a:xfrm>
         </p:spPr>
@@ -4531,17 +4798,43 @@
               <a:buChar char="•"/>
             </a:pPr>
             <a:r>
-              <a:rPr lang="en-US" sz="2000" dirty="0" smtClean="0"/>
+              <a:rPr lang="en-US" sz="2000" b="1" dirty="0" smtClean="0"/>
               <a:t>Develop and deliver an automated </a:t>
             </a:r>
             <a:r>
-              <a:rPr lang="en-US" sz="2000" dirty="0"/>
+              <a:rPr lang="en-US" sz="2000" b="1" dirty="0"/>
               <a:t>testing frame </a:t>
             </a:r>
             <a:r>
-              <a:rPr lang="en-US" sz="2000" dirty="0" smtClean="0"/>
-              <a:t>work for Delta Dental technology teams … </a:t>
-            </a:r>
+              <a:rPr lang="en-US" sz="2000" b="1" dirty="0" smtClean="0"/>
+              <a:t>work for Delta Dental technology </a:t>
+            </a:r>
+            <a:r>
+              <a:rPr lang="en-US" sz="2000" b="1" dirty="0" smtClean="0"/>
+              <a:t>teams </a:t>
+            </a:r>
+          </a:p>
+          <a:p>
+            <a:pPr marL="576263" lvl="2" indent="0">
+              <a:buNone/>
+            </a:pPr>
+            <a:r>
+              <a:rPr lang="en-US" sz="1000" dirty="0" smtClean="0">
+                <a:solidFill>
+                  <a:schemeClr val="bg1">
+                    <a:lumMod val="85000"/>
+                  </a:schemeClr>
+                </a:solidFill>
+              </a:rPr>
+              <a:t>Fairly new thinking :  Testing PD and Micro services I realized this was more than just CX shop &amp; buy</a:t>
+            </a:r>
+            <a:endParaRPr lang="en-US" sz="1000" dirty="0" smtClean="0">
+              <a:solidFill>
+                <a:schemeClr val="bg1">
+                  <a:lumMod val="85000"/>
+                </a:schemeClr>
+              </a:solidFill>
+            </a:endParaRPr>
           </a:p>
           <a:p>
             <a:pPr marL="342900" indent="-342900">
@@ -4556,9 +4849,35 @@
               <a:buChar char="•"/>
             </a:pPr>
             <a:r>
-              <a:rPr lang="en-US" sz="2000" dirty="0"/>
-              <a:t>Design with a developmental philosophy that enables seasoned development engineers to create test scripts to validate their own work…</a:t>
-            </a:r>
+              <a:rPr lang="en-US" sz="2000" b="1" dirty="0"/>
+              <a:t>Design with a developmental philosophy that enables seasoned development engineers to create test scripts to validate their own </a:t>
+            </a:r>
+            <a:r>
+              <a:rPr lang="en-US" sz="2000" b="1" dirty="0" smtClean="0"/>
+              <a:t>work</a:t>
+            </a:r>
+          </a:p>
+          <a:p>
+            <a:pPr marL="576263" lvl="2" indent="0">
+              <a:buNone/>
+            </a:pPr>
+            <a:r>
+              <a:rPr lang="en-US" sz="1000" dirty="0" smtClean="0">
+                <a:solidFill>
+                  <a:schemeClr val="bg1">
+                    <a:lumMod val="85000"/>
+                  </a:schemeClr>
+                </a:solidFill>
+              </a:rPr>
+              <a:t>Designed mid Layer to off load manual steps:   Tons of  Code Level Documentation</a:t>
+            </a:r>
+            <a:endParaRPr lang="en-US" sz="1000" dirty="0">
+              <a:solidFill>
+                <a:schemeClr val="bg1">
+                  <a:lumMod val="85000"/>
+                </a:schemeClr>
+              </a:solidFill>
+            </a:endParaRPr>
           </a:p>
           <a:p>
             <a:pPr marL="342900" indent="-342900">
@@ -4573,18 +4892,39 @@
               <a:buChar char="•"/>
             </a:pPr>
             <a:r>
-              <a:rPr lang="en-US" sz="2000" dirty="0" smtClean="0"/>
+              <a:rPr lang="en-US" sz="2000" b="1" dirty="0" smtClean="0"/>
               <a:t>Design the Framework with enough power and flexibility to meet </a:t>
             </a:r>
             <a:r>
-              <a:rPr lang="en-US" sz="2000" dirty="0"/>
+              <a:rPr lang="en-US" sz="2000" b="1" dirty="0"/>
               <a:t>current and future </a:t>
             </a:r>
             <a:r>
-              <a:rPr lang="en-US" sz="2000" dirty="0" smtClean="0"/>
-              <a:t>needs…</a:t>
-            </a:r>
-            <a:endParaRPr lang="en-US" sz="2000" dirty="0" smtClean="0"/>
+              <a:rPr lang="en-US" sz="2000" b="1" dirty="0" smtClean="0"/>
+              <a:t>needs</a:t>
+            </a:r>
+          </a:p>
+          <a:p>
+            <a:pPr lvl="1" indent="0">
+              <a:buNone/>
+            </a:pPr>
+            <a:r>
+              <a:rPr lang="en-US" sz="1000" dirty="0" smtClean="0">
+                <a:solidFill>
+                  <a:schemeClr val="bg1">
+                    <a:lumMod val="85000"/>
+                  </a:schemeClr>
+                </a:solidFill>
+              </a:rPr>
+              <a:t>Open source products used to develop framework allow us to execute multiple browsers simultaneously allowing execution parallelism</a:t>
+            </a:r>
+            <a:endParaRPr lang="en-US" sz="1000" dirty="0" smtClean="0">
+              <a:solidFill>
+                <a:schemeClr val="bg1">
+                  <a:lumMod val="85000"/>
+                </a:schemeClr>
+              </a:solidFill>
+            </a:endParaRPr>
           </a:p>
           <a:p>
             <a:pPr marL="342900" indent="-342900">
@@ -4599,9 +4939,35 @@
               <a:buChar char="•"/>
             </a:pPr>
             <a:r>
-              <a:rPr lang="en-US" sz="2000" dirty="0" smtClean="0"/>
-              <a:t>Continue iterating on Framework functional improvement…</a:t>
-            </a:r>
+              <a:rPr lang="en-US" sz="2000" b="1" dirty="0" smtClean="0"/>
+              <a:t>Continue iterating on Framework functional </a:t>
+            </a:r>
+            <a:r>
+              <a:rPr lang="en-US" sz="2000" b="1" dirty="0" smtClean="0"/>
+              <a:t>improvement</a:t>
+            </a:r>
+          </a:p>
+          <a:p>
+            <a:pPr lvl="1" indent="0">
+              <a:buNone/>
+            </a:pPr>
+            <a:r>
+              <a:rPr lang="en-US" sz="1000" dirty="0" smtClean="0">
+                <a:solidFill>
+                  <a:schemeClr val="bg1">
+                    <a:lumMod val="85000"/>
+                  </a:schemeClr>
+                </a:solidFill>
+              </a:rPr>
+              <a:t>Continuous improvement refactoring the mid layer:  smaller mid layer  supports more apps</a:t>
+            </a:r>
+            <a:endParaRPr lang="en-US" sz="1000" dirty="0" smtClean="0">
+              <a:solidFill>
+                <a:schemeClr val="bg1">
+                  <a:lumMod val="85000"/>
+                </a:schemeClr>
+              </a:solidFill>
+            </a:endParaRPr>
           </a:p>
           <a:p>
             <a:endParaRPr lang="en-US" dirty="0"/>
@@ -4703,8 +5069,8 @@
         </p:nvSpPr>
         <p:spPr>
           <a:xfrm>
-            <a:off x="278296" y="1192693"/>
-            <a:ext cx="7360995" cy="5665307"/>
+            <a:off x="278295" y="1192693"/>
+            <a:ext cx="8367993" cy="5665307"/>
           </a:xfrm>
         </p:spPr>
         <p:txBody>
@@ -4724,12 +5090,12 @@
               <a:buChar char="•"/>
             </a:pPr>
             <a:r>
-              <a:rPr lang="en-US" sz="2000" dirty="0" smtClean="0"/>
+              <a:rPr lang="en-US" sz="2000" b="1" dirty="0" smtClean="0"/>
               <a:t>CXTA and the CX Market Place Development Team have matured. </a:t>
             </a:r>
           </a:p>
           <a:p>
-            <a:pPr marL="342900" indent="-342900">
+            <a:pPr marL="919163" lvl="1" indent="-342900">
               <a:lnSpc>
                 <a:spcPct val="135000"/>
               </a:lnSpc>
@@ -4740,12 +5106,16 @@
               <a:buChar char="•"/>
             </a:pPr>
             <a:r>
-              <a:rPr lang="en-US" sz="2000" dirty="0" smtClean="0"/>
-              <a:t>We are able to do more and deliver to a greater audience.  </a:t>
-            </a:r>
-          </a:p>
-          <a:p>
-            <a:pPr marL="342900" indent="-342900">
+              <a:rPr lang="en-US" sz="1600" b="1" dirty="0" smtClean="0"/>
+              <a:t>We are able to do more and deliver to a greater audience. </a:t>
+            </a:r>
+            <a:r>
+              <a:rPr lang="en-US" sz="1800" b="1" dirty="0" smtClean="0"/>
+              <a:t> </a:t>
+            </a:r>
+          </a:p>
+          <a:p>
+            <a:pPr marL="919163" lvl="1" indent="-342900">
               <a:lnSpc>
                 <a:spcPct val="135000"/>
               </a:lnSpc>
@@ -4756,14 +5126,14 @@
               <a:buChar char="•"/>
             </a:pPr>
             <a:r>
-              <a:rPr lang="en-US" sz="2000" dirty="0" smtClean="0"/>
+              <a:rPr lang="en-US" sz="1600" b="1" dirty="0" smtClean="0"/>
               <a:t>California is no longer the horizon !</a:t>
             </a:r>
           </a:p>
           <a:p>
             <a:pPr marL="342900" indent="-342900">
               <a:lnSpc>
-                <a:spcPct val="135000"/>
+                <a:spcPct val="105000"/>
               </a:lnSpc>
               <a:spcBef>
                 <a:spcPts val="0"/>
@@ -4772,14 +5142,63 @@
               <a:buChar char="•"/>
             </a:pPr>
             <a:r>
-              <a:rPr lang="en-US" sz="2000" dirty="0" smtClean="0"/>
-              <a:t>To scale as is projected we have to change how we develop tests…</a:t>
-            </a:r>
+              <a:rPr lang="en-US" sz="2000" b="1" dirty="0" smtClean="0"/>
+              <a:t>To scale </a:t>
+            </a:r>
+            <a:r>
+              <a:rPr lang="en-US" sz="2000" b="1" dirty="0" smtClean="0"/>
+              <a:t>as </a:t>
+            </a:r>
+            <a:r>
+              <a:rPr lang="en-US" sz="2000" b="1" dirty="0" smtClean="0"/>
+              <a:t>projected we have to change how we develop </a:t>
+            </a:r>
+            <a:r>
+              <a:rPr lang="en-US" sz="2000" b="1" dirty="0" smtClean="0"/>
+              <a:t>tests</a:t>
+            </a:r>
+          </a:p>
+          <a:p>
+            <a:pPr marL="566738" lvl="2" indent="0">
+              <a:lnSpc>
+                <a:spcPct val="105000"/>
+              </a:lnSpc>
+              <a:spcBef>
+                <a:spcPts val="0"/>
+              </a:spcBef>
+              <a:buNone/>
+            </a:pPr>
+            <a:r>
+              <a:rPr lang="en-US" sz="1000" dirty="0" smtClean="0">
+                <a:solidFill>
+                  <a:schemeClr val="bg1">
+                    <a:lumMod val="85000"/>
+                  </a:schemeClr>
+                </a:solidFill>
+              </a:rPr>
+              <a:t>Roll out in support:  Developers will start functional page integration test development    :      Industry practice</a:t>
+            </a:r>
+          </a:p>
+          <a:p>
+            <a:pPr marL="966788" lvl="4" indent="0">
+              <a:lnSpc>
+                <a:spcPct val="105000"/>
+              </a:lnSpc>
+              <a:spcBef>
+                <a:spcPts val="0"/>
+              </a:spcBef>
+              <a:buNone/>
+            </a:pPr>
+            <a:r>
+              <a:rPr lang="en-US" sz="200" dirty="0" smtClean="0"/>
+              <a:t>      </a:t>
+            </a:r>
+            <a:endParaRPr lang="en-US" sz="200" dirty="0" smtClean="0"/>
           </a:p>
           <a:p>
             <a:pPr marL="342900" indent="-342900">
               <a:lnSpc>
-                <a:spcPct val="135000"/>
+                <a:spcPct val="105000"/>
               </a:lnSpc>
               <a:spcBef>
                 <a:spcPts val="0"/>
@@ -4788,9 +5207,45 @@
               <a:buChar char="•"/>
             </a:pPr>
             <a:r>
-              <a:rPr lang="en-US" sz="2000" dirty="0" smtClean="0"/>
-              <a:t>We have to change how we select and execute tests…</a:t>
-            </a:r>
+              <a:rPr lang="en-US" sz="2000" b="1" dirty="0" smtClean="0"/>
+              <a:t>To scale as projected we have changed how we select</a:t>
+            </a:r>
+            <a:r>
+              <a:rPr lang="en-US" sz="1600" b="1" dirty="0" smtClean="0"/>
+              <a:t> &amp; </a:t>
+            </a:r>
+            <a:r>
+              <a:rPr lang="en-US" sz="2000" b="1" dirty="0" smtClean="0"/>
+              <a:t>control execution</a:t>
+            </a:r>
+          </a:p>
+          <a:p>
+            <a:pPr lvl="1" indent="0">
+              <a:lnSpc>
+                <a:spcPct val="105000"/>
+              </a:lnSpc>
+              <a:spcBef>
+                <a:spcPts val="0"/>
+              </a:spcBef>
+              <a:buNone/>
+            </a:pPr>
+            <a:r>
+              <a:rPr lang="en-US" sz="1000" dirty="0" smtClean="0">
+                <a:solidFill>
+                  <a:schemeClr val="bg1">
+                    <a:lumMod val="85000"/>
+                  </a:schemeClr>
+                </a:solidFill>
+              </a:rPr>
+              <a:t>Prod Mgt now in Scaling Mode we move to state groups named phases </a:t>
+            </a:r>
+            <a:endParaRPr lang="en-US" sz="1000" dirty="0" smtClean="0">
+              <a:solidFill>
+                <a:schemeClr val="bg1">
+                  <a:lumMod val="85000"/>
+                </a:schemeClr>
+              </a:solidFill>
+            </a:endParaRPr>
           </a:p>
           <a:p>
             <a:pPr marL="342900" indent="-342900">
@@ -4804,12 +5259,8 @@
               <a:buChar char="•"/>
             </a:pPr>
             <a:r>
-              <a:rPr lang="en-US" sz="2000" dirty="0" smtClean="0"/>
-              <a:t>Massive reduction </a:t>
-            </a:r>
-            <a:r>
-              <a:rPr lang="en-US" sz="2000" dirty="0" smtClean="0"/>
-              <a:t>in the number of hours  Manual VS Automated</a:t>
+              <a:rPr lang="en-US" sz="2000" b="1" dirty="0" smtClean="0"/>
+              <a:t>Massive reduction in the number of hours  Manual VS Automated</a:t>
             </a:r>
           </a:p>
           <a:p>
@@ -4876,7 +5327,7 @@
         </p:blipFill>
         <p:spPr>
           <a:xfrm>
-            <a:off x="814713" y="3679465"/>
+            <a:off x="814713" y="3917778"/>
             <a:ext cx="6006486" cy="1320798"/>
           </a:xfrm>
           <a:prstGeom prst="rect">
@@ -4908,7 +5359,7 @@
         </p:blipFill>
         <p:spPr>
           <a:xfrm>
-            <a:off x="814713" y="5198401"/>
+            <a:off x="814713" y="5387527"/>
             <a:ext cx="6006486" cy="1328961"/>
           </a:xfrm>
           <a:prstGeom prst="rect">
@@ -4924,7 +5375,7 @@
         </p:nvSpPr>
         <p:spPr>
           <a:xfrm>
-            <a:off x="6939022" y="3798235"/>
+            <a:off x="6939022" y="4049537"/>
             <a:ext cx="1400537" cy="1077218"/>
           </a:xfrm>
           <a:prstGeom prst="rect">
@@ -4950,7 +5401,26 @@
                   </a:outerShdw>
                 </a:effectLst>
               </a:rPr>
-              <a:t>CA DHMO</a:t>
+              <a:t>5 </a:t>
+            </a:r>
+          </a:p>
+          <a:p>
+            <a:pPr algn="ctr"/>
+            <a:r>
+              <a:rPr lang="en-US" sz="3200" b="0" cap="none" spc="0" dirty="0" smtClean="0">
+                <a:ln w="0"/>
+                <a:solidFill>
+                  <a:schemeClr val="tx1"/>
+                </a:solidFill>
+                <a:effectLst>
+                  <a:outerShdw blurRad="38100" dist="19050" dir="2700000" algn="tl" rotWithShape="0">
+                    <a:schemeClr val="dk1">
+                      <a:alpha val="40000"/>
+                    </a:schemeClr>
+                  </a:outerShdw>
+                </a:effectLst>
+              </a:rPr>
+              <a:t>DAYS !</a:t>
             </a:r>
             <a:endParaRPr lang="en-US" sz="3200" b="0" cap="none" spc="0" dirty="0">
               <a:ln w="0"/>
@@ -4976,8 +5446,8 @@
         </p:nvSpPr>
         <p:spPr>
           <a:xfrm>
-            <a:off x="6967958" y="5453247"/>
-            <a:ext cx="1400537" cy="584775"/>
+            <a:off x="6967958" y="5448487"/>
+            <a:ext cx="1597308" cy="1077218"/>
           </a:xfrm>
           <a:prstGeom prst="rect">
             <a:avLst/>
@@ -4992,19 +5462,6 @@
           <a:p>
             <a:pPr algn="ctr"/>
             <a:r>
-              <a:rPr lang="en-US" sz="3200" dirty="0">
-                <a:ln w="0"/>
-                <a:effectLst>
-                  <a:outerShdw blurRad="38100" dist="19050" dir="2700000" algn="tl" rotWithShape="0">
-                    <a:schemeClr val="dk1">
-                      <a:alpha val="40000"/>
-                    </a:schemeClr>
-                  </a:outerShdw>
-                </a:effectLst>
-              </a:rPr>
-              <a:t>A</a:t>
-            </a:r>
-            <a:r>
               <a:rPr lang="en-US" sz="3200" dirty="0" smtClean="0">
                 <a:ln w="0"/>
                 <a:effectLst>
@@ -5015,7 +5472,26 @@
                   </a:outerShdw>
                 </a:effectLst>
               </a:rPr>
-              <a:t>HMO</a:t>
+              <a:t>2</a:t>
+            </a:r>
+          </a:p>
+          <a:p>
+            <a:pPr algn="ctr"/>
+            <a:r>
+              <a:rPr lang="en-US" sz="3200" b="0" cap="none" spc="0" dirty="0" smtClean="0">
+                <a:ln w="0"/>
+                <a:solidFill>
+                  <a:schemeClr val="tx1"/>
+                </a:solidFill>
+                <a:effectLst>
+                  <a:outerShdw blurRad="38100" dist="19050" dir="2700000" algn="tl" rotWithShape="0">
+                    <a:schemeClr val="dk1">
+                      <a:alpha val="40000"/>
+                    </a:schemeClr>
+                  </a:outerShdw>
+                </a:effectLst>
+              </a:rPr>
+              <a:t>HOURS !</a:t>
             </a:r>
             <a:endParaRPr lang="en-US" sz="3200" b="0" cap="none" spc="0" dirty="0">
               <a:ln w="0"/>
@@ -5146,7 +5622,7 @@
               <a:buChar char="•"/>
             </a:pPr>
             <a:r>
-              <a:rPr lang="en-US" sz="2000" dirty="0" smtClean="0"/>
+              <a:rPr lang="en-US" sz="2000" b="1" dirty="0" smtClean="0"/>
               <a:t>Dev staff productivity and confidence</a:t>
             </a:r>
           </a:p>
@@ -5162,16 +5638,61 @@
               <a:buChar char="•"/>
             </a:pPr>
             <a:r>
-              <a:rPr lang="en-US" sz="1800" dirty="0" smtClean="0"/>
-              <a:t>A number of times Development has needed a confidence vote on the </a:t>
-            </a:r>
-            <a:r>
-              <a:rPr lang="en-US" sz="1800" dirty="0" smtClean="0"/>
-              <a:t>product.  </a:t>
-            </a:r>
-            <a:r>
-              <a:rPr lang="en-US" sz="1800" dirty="0" smtClean="0"/>
-              <a:t>Each time I was able to provide within a number of hours a solid reporting on the product’s viability</a:t>
+              <a:rPr lang="en-US" sz="1400" b="1" dirty="0" smtClean="0"/>
+              <a:t>Development frequently comes to CXTA for </a:t>
+            </a:r>
+            <a:r>
+              <a:rPr lang="en-US" sz="1400" b="1" dirty="0" smtClean="0"/>
+              <a:t>confidence vote on the product.  </a:t>
+            </a:r>
+            <a:endParaRPr lang="en-US" sz="1400" b="1" dirty="0" smtClean="0"/>
+          </a:p>
+          <a:p>
+            <a:pPr marL="919163" lvl="1" indent="-342900">
+              <a:lnSpc>
+                <a:spcPct val="100000"/>
+              </a:lnSpc>
+              <a:spcBef>
+                <a:spcPts val="0"/>
+              </a:spcBef>
+              <a:buFont typeface="Arial" panose="020B0604020202020204" pitchFamily="34" charset="0"/>
+              <a:buChar char="•"/>
+            </a:pPr>
+            <a:r>
+              <a:rPr lang="en-US" sz="1400" b="1" dirty="0" smtClean="0"/>
+              <a:t>Always able </a:t>
+            </a:r>
+            <a:r>
+              <a:rPr lang="en-US" sz="1400" b="1" dirty="0" smtClean="0"/>
+              <a:t>to </a:t>
+            </a:r>
+            <a:r>
+              <a:rPr lang="en-US" sz="1400" b="1" dirty="0" smtClean="0"/>
+              <a:t>provide </a:t>
+            </a:r>
+            <a:r>
+              <a:rPr lang="en-US" sz="1400" b="1" dirty="0" smtClean="0"/>
+              <a:t>within hours </a:t>
+            </a:r>
+            <a:r>
+              <a:rPr lang="en-US" sz="1400" b="1" dirty="0" smtClean="0"/>
+              <a:t>a </a:t>
+            </a:r>
+            <a:r>
+              <a:rPr lang="en-US" sz="1400" b="1" dirty="0" smtClean="0"/>
+              <a:t>report </a:t>
+            </a:r>
+            <a:r>
+              <a:rPr lang="en-US" sz="1400" b="1" dirty="0" smtClean="0"/>
+              <a:t>on </a:t>
+            </a:r>
+            <a:r>
+              <a:rPr lang="en-US" sz="1400" b="1" dirty="0" smtClean="0"/>
+              <a:t>product </a:t>
+            </a:r>
+            <a:r>
+              <a:rPr lang="en-US" sz="1400" b="1" dirty="0" smtClean="0"/>
+              <a:t>viability</a:t>
             </a:r>
           </a:p>
           <a:p>
@@ -5206,9 +5727,10 @@
               <a:buChar char="•"/>
             </a:pPr>
             <a:r>
-              <a:rPr lang="en-US" sz="2000" dirty="0" smtClean="0"/>
-              <a:t>Team Agility. Bug found, code fix submitted, automation run. Its Fixed !</a:t>
-            </a:r>
+              <a:rPr lang="en-US" sz="2000" b="1" dirty="0" smtClean="0"/>
+              <a:t>Agile Team operation : Bug fix resolution cycle!</a:t>
+            </a:r>
+            <a:endParaRPr lang="en-US" sz="2000" b="1" dirty="0" smtClean="0"/>
           </a:p>
           <a:p>
             <a:pPr marL="919163" lvl="1" indent="-342900">
@@ -5222,8 +5744,59 @@
               <a:buChar char="•"/>
             </a:pPr>
             <a:r>
-              <a:rPr lang="en-US" sz="1800" dirty="0" smtClean="0"/>
-              <a:t>Product Architect claimed at one point, “ That’s why I liked Test Automation so much.”  My Automation ran the same script that forced the problem to the surface and ran identically proving the fix was successful</a:t>
+              <a:rPr lang="en-US" sz="1800" b="1" dirty="0" smtClean="0"/>
+              <a:t>Short turn around on discover, fix , re test cycle</a:t>
+            </a:r>
+          </a:p>
+          <a:p>
+            <a:pPr lvl="2" indent="0">
+              <a:lnSpc>
+                <a:spcPct val="110000"/>
+              </a:lnSpc>
+              <a:spcBef>
+                <a:spcPts val="0"/>
+              </a:spcBef>
+              <a:buNone/>
+            </a:pPr>
+            <a:r>
+              <a:rPr lang="en-US" sz="1200" b="1" dirty="0" smtClean="0">
+                <a:solidFill>
+                  <a:schemeClr val="bg1">
+                    <a:lumMod val="75000"/>
+                  </a:schemeClr>
+                </a:solidFill>
+              </a:rPr>
+              <a:t>Product </a:t>
+            </a:r>
+            <a:r>
+              <a:rPr lang="en-US" sz="1200" b="1" dirty="0" smtClean="0">
+                <a:solidFill>
+                  <a:schemeClr val="bg1">
+                    <a:lumMod val="75000"/>
+                  </a:schemeClr>
+                </a:solidFill>
+              </a:rPr>
+              <a:t>Architect claimed at one point, “ That’s why I liked Test Automation so much.”  </a:t>
+            </a:r>
+            <a:r>
+              <a:rPr lang="en-US" sz="1200" b="1" dirty="0" smtClean="0">
+                <a:solidFill>
+                  <a:schemeClr val="bg1">
+                    <a:lumMod val="75000"/>
+                  </a:schemeClr>
+                </a:solidFill>
+              </a:rPr>
+              <a:t>Test Automation </a:t>
+            </a:r>
+            <a:r>
+              <a:rPr lang="en-US" sz="1200" b="1" dirty="0" smtClean="0">
+                <a:solidFill>
+                  <a:schemeClr val="bg1">
+                    <a:lumMod val="75000"/>
+                  </a:schemeClr>
+                </a:solidFill>
+              </a:rPr>
+              <a:t>ran the same script that forced the problem to the surface and ran identically proving the fix was successful</a:t>
             </a:r>
           </a:p>
           <a:p>
@@ -5239,74 +5812,44 @@
               <a:rPr lang="en-US" sz="1600" dirty="0" smtClean="0"/>
               <a:t>              </a:t>
             </a:r>
+            <a:endParaRPr lang="en-US" sz="1600" dirty="0" smtClean="0"/>
+          </a:p>
+          <a:p>
+            <a:pPr>
+              <a:lnSpc>
+                <a:spcPct val="135000"/>
+              </a:lnSpc>
+              <a:spcBef>
+                <a:spcPts val="0"/>
+              </a:spcBef>
+            </a:pPr>
+            <a:r>
+              <a:rPr lang="en-US" sz="1600" b="1" dirty="0" smtClean="0"/>
+              <a:t> So,   Next step is ……..   </a:t>
+            </a:r>
+            <a:endParaRPr lang="en-US" sz="1600" b="1" dirty="0"/>
+          </a:p>
+          <a:p>
+            <a:pPr>
+              <a:lnSpc>
+                <a:spcPct val="135000"/>
+              </a:lnSpc>
+              <a:spcBef>
+                <a:spcPts val="0"/>
+              </a:spcBef>
+            </a:pPr>
+            <a:endParaRPr lang="en-US" sz="1600" dirty="0" smtClean="0"/>
+          </a:p>
+          <a:p>
+            <a:pPr>
+              <a:lnSpc>
+                <a:spcPct val="135000"/>
+              </a:lnSpc>
+              <a:spcBef>
+                <a:spcPts val="0"/>
+              </a:spcBef>
+            </a:pPr>
             <a:endParaRPr lang="en-US" sz="1600" dirty="0"/>
-          </a:p>
-          <a:p>
-            <a:pPr marL="342900" indent="-342900">
-              <a:lnSpc>
-                <a:spcPct val="135000"/>
-              </a:lnSpc>
-              <a:spcBef>
-                <a:spcPts val="0"/>
-              </a:spcBef>
-              <a:buFont typeface="Arial" panose="020B0604020202020204" pitchFamily="34" charset="0"/>
-              <a:buChar char="•"/>
-            </a:pPr>
-            <a:r>
-              <a:rPr lang="en-US" sz="2000" dirty="0" smtClean="0"/>
-              <a:t>Big Fixes done at MOT on a development request. </a:t>
-            </a:r>
-          </a:p>
-          <a:p>
-            <a:pPr marL="919163" lvl="1" indent="-342900">
-              <a:lnSpc>
-                <a:spcPct val="110000"/>
-              </a:lnSpc>
-              <a:spcBef>
-                <a:spcPts val="0"/>
-              </a:spcBef>
-              <a:buFont typeface="Arial" panose="020B0604020202020204" pitchFamily="34" charset="0"/>
-              <a:buChar char="•"/>
-            </a:pPr>
-            <a:r>
-              <a:rPr lang="en-US" sz="1800" dirty="0" smtClean="0"/>
-              <a:t>We run out tests.  We find a bug</a:t>
-            </a:r>
-          </a:p>
-          <a:p>
-            <a:pPr marL="919163" lvl="1" indent="-342900">
-              <a:lnSpc>
-                <a:spcPct val="110000"/>
-              </a:lnSpc>
-              <a:spcBef>
-                <a:spcPts val="0"/>
-              </a:spcBef>
-              <a:buFont typeface="Arial" panose="020B0604020202020204" pitchFamily="34" charset="0"/>
-              <a:buChar char="•"/>
-            </a:pPr>
-            <a:r>
-              <a:rPr lang="en-US" sz="1800" dirty="0" smtClean="0"/>
-              <a:t>We answer:  Yes, we can rerun the pass for you</a:t>
-            </a:r>
-          </a:p>
-          <a:p>
-            <a:pPr marL="919163" lvl="1" indent="-342900">
-              <a:lnSpc>
-                <a:spcPct val="110000"/>
-              </a:lnSpc>
-              <a:spcBef>
-                <a:spcPts val="0"/>
-              </a:spcBef>
-              <a:buFont typeface="Arial" panose="020B0604020202020204" pitchFamily="34" charset="0"/>
-              <a:buChar char="•"/>
-            </a:pPr>
-            <a:r>
-              <a:rPr lang="en-US" sz="1800" dirty="0" smtClean="0"/>
-              <a:t>And within hours we can report a Full Run, Short Run, Focused Run providing confidence to the team.</a:t>
-            </a:r>
-          </a:p>
-          <a:p>
-            <a:endParaRPr lang="en-US" sz="2000" dirty="0"/>
           </a:p>
         </p:txBody>
       </p:sp>
@@ -5408,34 +5951,26 @@
               <a:buChar char="•"/>
             </a:pPr>
             <a:r>
-              <a:rPr lang="en-US" sz="2000" dirty="0"/>
+              <a:rPr lang="en-US" sz="2000" b="1" dirty="0"/>
               <a:t>CXTA </a:t>
             </a:r>
             <a:r>
-              <a:rPr lang="en-US" sz="2000" dirty="0" smtClean="0"/>
-              <a:t> is rolling </a:t>
-            </a:r>
-            <a:r>
-              <a:rPr lang="en-US" sz="2000" dirty="0"/>
+              <a:rPr lang="en-US" sz="2000" b="1" dirty="0" smtClean="0"/>
+              <a:t>rolling </a:t>
+            </a:r>
+            <a:r>
+              <a:rPr lang="en-US" sz="2000" b="1" dirty="0"/>
               <a:t>out </a:t>
             </a:r>
             <a:r>
-              <a:rPr lang="en-US" sz="2000" dirty="0" smtClean="0"/>
-              <a:t>their </a:t>
-            </a:r>
-            <a:r>
-              <a:rPr lang="en-US" sz="2000" dirty="0"/>
-              <a:t>first version </a:t>
-            </a:r>
-            <a:r>
-              <a:rPr lang="en-US" sz="2000" dirty="0" smtClean="0"/>
-              <a:t>of the Test </a:t>
-            </a:r>
-            <a:r>
-              <a:rPr lang="en-US" sz="2000" dirty="0"/>
+              <a:rPr lang="en-US" sz="2000" b="1" dirty="0" smtClean="0"/>
+              <a:t>first public release of Test </a:t>
+            </a:r>
+            <a:r>
+              <a:rPr lang="en-US" sz="2000" b="1" dirty="0"/>
               <a:t>Automation Framework </a:t>
             </a:r>
-            <a:endParaRPr lang="en-US" sz="2000" dirty="0" smtClean="0"/>
+            <a:endParaRPr lang="en-US" sz="2000" b="1" dirty="0" smtClean="0"/>
           </a:p>
           <a:p>
             <a:pPr marL="342900" indent="-342900">
@@ -5446,24 +5981,25 @@
               <a:buChar char="•"/>
             </a:pPr>
             <a:r>
-              <a:rPr lang="en-US" sz="2000" dirty="0"/>
-              <a:t>Development </a:t>
-            </a:r>
-            <a:r>
-              <a:rPr lang="en-US" sz="2000" dirty="0" smtClean="0"/>
-              <a:t>will </a:t>
-            </a:r>
-            <a:r>
-              <a:rPr lang="en-US" sz="2000" dirty="0"/>
-              <a:t>write test automation scripts </a:t>
-            </a:r>
-            <a:r>
-              <a:rPr lang="en-US" sz="2000" dirty="0" smtClean="0"/>
-              <a:t>supporting their work… </a:t>
-            </a:r>
-          </a:p>
-          <a:p>
-            <a:pPr marL="342900" indent="-342900">
+              <a:rPr lang="en-US" sz="2000" b="1" dirty="0" smtClean="0"/>
+              <a:t>Development staff to write </a:t>
+            </a:r>
+            <a:r>
+              <a:rPr lang="en-US" sz="2000" b="1" dirty="0"/>
+              <a:t>test automation scripts </a:t>
+            </a:r>
+            <a:r>
+              <a:rPr lang="en-US" sz="2000" b="1" dirty="0" smtClean="0"/>
+              <a:t>supporting their </a:t>
+            </a:r>
+            <a:r>
+              <a:rPr lang="en-US" sz="2000" b="1" dirty="0" smtClean="0"/>
+              <a:t>work</a:t>
+            </a:r>
+            <a:endParaRPr lang="en-US" sz="2000" b="1" dirty="0"/>
+          </a:p>
+          <a:p>
+            <a:pPr marL="919163" lvl="1" indent="-342900">
               <a:lnSpc>
                 <a:spcPct val="125000"/>
               </a:lnSpc>
@@ -5471,20 +6007,12 @@
               <a:buChar char="•"/>
             </a:pPr>
             <a:r>
-              <a:rPr lang="en-US" sz="2000" dirty="0" smtClean="0"/>
-              <a:t>This scripting </a:t>
-            </a:r>
-            <a:r>
-              <a:rPr lang="en-US" sz="2000" dirty="0"/>
-              <a:t>will be page specific feature level integration </a:t>
-            </a:r>
-            <a:r>
-              <a:rPr lang="en-US" sz="2000" dirty="0" smtClean="0"/>
-              <a:t>tests</a:t>
-            </a:r>
-          </a:p>
-          <a:p>
-            <a:pPr marL="342900" indent="-342900">
+              <a:rPr lang="en-US" sz="1400" b="1" dirty="0" smtClean="0"/>
+              <a:t>Evolutionary step</a:t>
+            </a:r>
+          </a:p>
+          <a:p>
+            <a:pPr marL="919163" lvl="1" indent="-342900">
               <a:lnSpc>
                 <a:spcPct val="125000"/>
               </a:lnSpc>
@@ -5492,22 +6020,21 @@
               <a:buChar char="•"/>
             </a:pPr>
             <a:r>
-              <a:rPr lang="en-US" sz="2000" dirty="0" smtClean="0"/>
-              <a:t>CXTA will develop and manage </a:t>
-            </a:r>
-            <a:r>
-              <a:rPr lang="en-US" sz="2000" dirty="0"/>
-              <a:t>all </a:t>
-            </a:r>
-            <a:r>
-              <a:rPr lang="en-US" sz="2000" dirty="0" smtClean="0"/>
-              <a:t>Use Case End </a:t>
-            </a:r>
-            <a:r>
-              <a:rPr lang="en-US" sz="2000" dirty="0"/>
-              <a:t>to End test automation </a:t>
-            </a:r>
-            <a:endParaRPr lang="en-US" sz="2000" dirty="0" smtClean="0"/>
+              <a:rPr lang="en-US" sz="1400" b="1" dirty="0" smtClean="0"/>
+              <a:t>This </a:t>
+            </a:r>
+            <a:r>
+              <a:rPr lang="en-US" sz="1400" b="1" dirty="0" smtClean="0"/>
+              <a:t>scripting </a:t>
+            </a:r>
+            <a:r>
+              <a:rPr lang="en-US" sz="1400" b="1" dirty="0"/>
+              <a:t>will be page specific feature level integration </a:t>
+            </a:r>
+            <a:r>
+              <a:rPr lang="en-US" sz="1400" b="1" dirty="0" smtClean="0"/>
+              <a:t>tests</a:t>
+            </a:r>
           </a:p>
           <a:p>
             <a:pPr marL="342900" indent="-342900">
@@ -5518,25 +6045,25 @@
               <a:buChar char="•"/>
             </a:pPr>
             <a:r>
-              <a:rPr lang="en-US" sz="2000" dirty="0" smtClean="0"/>
-              <a:t>CXTA will maintain </a:t>
-            </a:r>
-            <a:r>
-              <a:rPr lang="en-US" sz="2000" dirty="0"/>
-              <a:t>and enhance the </a:t>
-            </a:r>
-            <a:r>
-              <a:rPr lang="en-US" sz="2000" dirty="0" smtClean="0"/>
-              <a:t>Test Automation </a:t>
-            </a:r>
-            <a:r>
-              <a:rPr lang="en-US" sz="2000" dirty="0" smtClean="0"/>
-              <a:t>framework</a:t>
-            </a:r>
-            <a:endParaRPr lang="en-US" sz="2000" dirty="0"/>
-          </a:p>
-          <a:p>
-            <a:pPr marL="342900" indent="-342900">
+              <a:rPr lang="en-US" sz="2000" b="1" dirty="0" smtClean="0"/>
+              <a:t>CXTA </a:t>
+            </a:r>
+            <a:r>
+              <a:rPr lang="en-US" sz="2000" b="1" dirty="0" smtClean="0"/>
+              <a:t>team continues with </a:t>
+            </a:r>
+            <a:r>
+              <a:rPr lang="en-US" sz="2000" b="1" dirty="0" smtClean="0"/>
+              <a:t>Use Case End </a:t>
+            </a:r>
+            <a:r>
+              <a:rPr lang="en-US" sz="2000" b="1" dirty="0"/>
+              <a:t>to End test automation </a:t>
+            </a:r>
+            <a:endParaRPr lang="en-US" sz="2000" b="1" dirty="0" smtClean="0"/>
+          </a:p>
+          <a:p>
+            <a:pPr marL="919163" lvl="1" indent="-342900">
               <a:lnSpc>
                 <a:spcPct val="125000"/>
               </a:lnSpc>
@@ -5544,26 +6071,73 @@
               <a:buChar char="•"/>
             </a:pPr>
             <a:r>
-              <a:rPr lang="en-US" sz="2000" dirty="0" smtClean="0"/>
-              <a:t>Inclusion of development staff </a:t>
-            </a:r>
-            <a:r>
-              <a:rPr lang="en-US" sz="2000" dirty="0"/>
-              <a:t>in the automation development process we </a:t>
-            </a:r>
-            <a:r>
-              <a:rPr lang="en-US" sz="2000" dirty="0" smtClean="0"/>
-              <a:t>align </a:t>
-            </a:r>
-            <a:r>
-              <a:rPr lang="en-US" sz="2000" dirty="0"/>
-              <a:t>our teams much like the rest of the </a:t>
-            </a:r>
-            <a:r>
-              <a:rPr lang="en-US" sz="2000" dirty="0" smtClean="0"/>
+              <a:rPr lang="en-US" sz="1000" b="1" dirty="0">
+                <a:solidFill>
+                  <a:schemeClr val="bg1">
+                    <a:lumMod val="85000"/>
+                  </a:schemeClr>
+                </a:solidFill>
+              </a:rPr>
+              <a:t>Inclusion of development staff in the automation development process we align our teams much like the rest of the </a:t>
+            </a:r>
+            <a:r>
+              <a:rPr lang="en-US" sz="1000" b="1" dirty="0" smtClean="0">
+                <a:solidFill>
+                  <a:schemeClr val="bg1">
+                    <a:lumMod val="85000"/>
+                  </a:schemeClr>
+                </a:solidFill>
+              </a:rPr>
               <a:t>industry</a:t>
             </a:r>
-            <a:endParaRPr lang="en-US" sz="2000" dirty="0" smtClean="0"/>
+          </a:p>
+          <a:p>
+            <a:pPr lvl="1" indent="0">
+              <a:lnSpc>
+                <a:spcPct val="125000"/>
+              </a:lnSpc>
+              <a:buNone/>
+            </a:pPr>
+            <a:endParaRPr lang="en-US" sz="900" b="1" dirty="0" smtClean="0"/>
+          </a:p>
+          <a:p>
+            <a:pPr marL="342900" indent="-342900">
+              <a:lnSpc>
+                <a:spcPct val="125000"/>
+              </a:lnSpc>
+              <a:buFont typeface="Arial" panose="020B0604020202020204" pitchFamily="34" charset="0"/>
+              <a:buChar char="•"/>
+            </a:pPr>
+            <a:r>
+              <a:rPr lang="en-US" sz="2000" b="1" dirty="0" smtClean="0"/>
+              <a:t>CXTA </a:t>
+            </a:r>
+            <a:r>
+              <a:rPr lang="en-US" sz="2000" b="1" dirty="0" smtClean="0"/>
+              <a:t>team continues development of the </a:t>
+            </a:r>
+            <a:r>
+              <a:rPr lang="en-US" sz="2000" b="1" dirty="0" smtClean="0"/>
+              <a:t>Test Automation </a:t>
+            </a:r>
+            <a:r>
+              <a:rPr lang="en-US" sz="2000" b="1" dirty="0" smtClean="0"/>
+              <a:t>framework</a:t>
+            </a:r>
+          </a:p>
+          <a:p>
+            <a:pPr marL="919163" lvl="1" indent="-342900">
+              <a:lnSpc>
+                <a:spcPct val="125000"/>
+              </a:lnSpc>
+              <a:buFont typeface="Arial" panose="020B0604020202020204" pitchFamily="34" charset="0"/>
+              <a:buChar char="•"/>
+            </a:pPr>
+            <a:r>
+              <a:rPr lang="en-US" sz="1400" b="1" dirty="0" smtClean="0"/>
+              <a:t>Refactoring the Mid Layer is key to adding more product under test</a:t>
+            </a:r>
+            <a:endParaRPr lang="en-US" sz="1400" b="1" dirty="0"/>
           </a:p>
         </p:txBody>
       </p:sp>
@@ -5616,22 +6190,28 @@
         </p:nvSpPr>
         <p:spPr>
           <a:xfrm>
-            <a:off x="318052" y="218661"/>
-            <a:ext cx="8686246" cy="1106902"/>
+            <a:off x="1526513" y="124691"/>
+            <a:ext cx="5240047" cy="1325563"/>
           </a:xfrm>
         </p:spPr>
         <p:txBody>
           <a:bodyPr anchor="t">
-            <a:normAutofit fontScale="90000"/>
+            <a:normAutofit/>
           </a:bodyPr>
           <a:lstStyle/>
           <a:p>
             <a:pPr algn="ctr"/>
             <a:r>
               <a:rPr lang="en-US" dirty="0" smtClean="0"/>
-              <a:t>INDEPENDENT PRODUCT  TESTING </a:t>
-            </a:r>
-            <a:endParaRPr lang="en-US" dirty="0"/>
+              <a:t>EXECUTION  </a:t>
+            </a:r>
+            <a:endParaRPr lang="en-US" dirty="0">
+              <a:solidFill>
+                <a:schemeClr val="bg1">
+                  <a:lumMod val="85000"/>
+                </a:schemeClr>
+              </a:solidFill>
+            </a:endParaRPr>
           </a:p>
         </p:txBody>
       </p:sp>
@@ -5647,8 +6227,8 @@
         </p:nvSpPr>
         <p:spPr>
           <a:xfrm>
-            <a:off x="274555" y="1839480"/>
-            <a:ext cx="8580658" cy="4589026"/>
+            <a:off x="437704" y="1837658"/>
+            <a:ext cx="8567504" cy="5001488"/>
           </a:xfrm>
         </p:spPr>
         <p:txBody>
@@ -5657,7 +6237,18 @@
           </a:bodyPr>
           <a:lstStyle/>
           <a:p>
-            <a:pPr marL="342900" indent="-342900">
+            <a:pPr>
+              <a:lnSpc>
+                <a:spcPct val="110000"/>
+              </a:lnSpc>
+            </a:pPr>
+            <a:r>
+              <a:rPr lang="en-US" sz="2000" b="1" dirty="0" smtClean="0"/>
+              <a:t>Two primary modes</a:t>
+            </a:r>
+          </a:p>
+          <a:p>
+            <a:pPr lvl="1">
               <a:lnSpc>
                 <a:spcPct val="110000"/>
               </a:lnSpc>
@@ -5665,91 +6256,181 @@
               <a:buChar char="•"/>
             </a:pPr>
             <a:r>
-              <a:rPr lang="en-US" sz="2000" dirty="0"/>
-              <a:t>The ability to test a products full abilities independently of all other products is a pressing </a:t>
-            </a:r>
-            <a:r>
-              <a:rPr lang="en-US" sz="2000" dirty="0" smtClean="0"/>
-              <a:t>need…</a:t>
-            </a:r>
-          </a:p>
-          <a:p>
-            <a:pPr marL="342900" indent="-342900">
+              <a:rPr lang="en-US" sz="1800" b="1" dirty="0"/>
+              <a:t>Schedule Based : Covers Regression </a:t>
+            </a:r>
+            <a:r>
+              <a:rPr lang="en-US" sz="1800" b="1" dirty="0" smtClean="0"/>
+              <a:t>Testing  </a:t>
+            </a:r>
+            <a:r>
+              <a:rPr lang="en-US" sz="1200" b="1" dirty="0" smtClean="0"/>
+              <a:t>MOT</a:t>
+            </a:r>
+            <a:endParaRPr lang="en-US" sz="1200" b="1" dirty="0"/>
+          </a:p>
+          <a:p>
+            <a:pPr lvl="1">
               <a:lnSpc>
                 <a:spcPct val="110000"/>
               </a:lnSpc>
               <a:buFont typeface="Arial" panose="020B0604020202020204" pitchFamily="34" charset="0"/>
               <a:buChar char="•"/>
             </a:pPr>
-            <a:endParaRPr lang="en-US" sz="2000" dirty="0" smtClean="0"/>
-          </a:p>
-          <a:p>
-            <a:pPr marL="342900" indent="-342900">
+            <a:r>
+              <a:rPr lang="en-US" sz="1800" b="1" dirty="0"/>
+              <a:t>On Demand : Covers all developer build initiated </a:t>
+            </a:r>
+            <a:r>
+              <a:rPr lang="en-US" sz="1800" b="1" dirty="0" smtClean="0"/>
+              <a:t>testing  </a:t>
+            </a:r>
+            <a:r>
+              <a:rPr lang="en-US" sz="1200" b="1" dirty="0" smtClean="0"/>
+              <a:t>DIT</a:t>
+            </a:r>
+            <a:endParaRPr lang="en-US" sz="1200" b="1" dirty="0"/>
+          </a:p>
+          <a:p>
+            <a:pPr marL="457206" lvl="1" indent="0">
               <a:lnSpc>
                 <a:spcPct val="110000"/>
+              </a:lnSpc>
+              <a:buNone/>
+            </a:pPr>
+            <a:r>
+              <a:rPr lang="en-US" sz="1600" b="1" dirty="0" smtClean="0"/>
+              <a:t>                  </a:t>
+            </a:r>
+            <a:endParaRPr lang="en-US" sz="1400" b="1" dirty="0"/>
+          </a:p>
+          <a:p>
+            <a:r>
+              <a:rPr lang="en-US" sz="2000" b="1" dirty="0"/>
+              <a:t>Configuration controlled </a:t>
+            </a:r>
+            <a:r>
+              <a:rPr lang="en-US" sz="2000" b="1" dirty="0" smtClean="0"/>
+              <a:t>testing:  Biggest Evolutionary Advance</a:t>
+            </a:r>
+            <a:endParaRPr lang="en-US" sz="2000" b="1" dirty="0"/>
+          </a:p>
+          <a:p>
+            <a:pPr lvl="1">
+              <a:lnSpc>
+                <a:spcPct val="100000"/>
               </a:lnSpc>
               <a:buFont typeface="Arial" panose="020B0604020202020204" pitchFamily="34" charset="0"/>
               <a:buChar char="•"/>
             </a:pPr>
             <a:r>
-              <a:rPr lang="en-US" sz="2000" dirty="0" smtClean="0"/>
-              <a:t>CXTA's </a:t>
-            </a:r>
-            <a:r>
-              <a:rPr lang="en-US" sz="2000" dirty="0"/>
-              <a:t>proposed solution </a:t>
-            </a:r>
-            <a:r>
-              <a:rPr lang="en-US" sz="2000" dirty="0" smtClean="0"/>
-              <a:t>reduces </a:t>
-            </a:r>
-            <a:r>
-              <a:rPr lang="en-US" sz="2000" dirty="0"/>
-              <a:t>the overall quantity of source code that must be maintained.  We see this as an evolutionary improvement</a:t>
-            </a:r>
-            <a:r>
-              <a:rPr lang="en-US" sz="2000" dirty="0" smtClean="0"/>
-              <a:t>.  There is a cost…</a:t>
-            </a:r>
-          </a:p>
-          <a:p>
-            <a:pPr marL="342900" indent="-342900">
-              <a:lnSpc>
-                <a:spcPct val="110000"/>
-              </a:lnSpc>
+              <a:rPr lang="en-US" sz="1800" b="1" dirty="0"/>
+              <a:t>Evolutionary change in configuration </a:t>
+            </a:r>
+            <a:r>
+              <a:rPr lang="en-US" sz="1800" b="1" dirty="0" smtClean="0"/>
+              <a:t>approach </a:t>
+            </a:r>
+            <a:r>
+              <a:rPr lang="en-US" sz="1800" b="1" dirty="0"/>
+              <a:t>moves </a:t>
+            </a:r>
+            <a:r>
+              <a:rPr lang="en-US" sz="1800" b="1" dirty="0" smtClean="0"/>
+              <a:t>control </a:t>
+            </a:r>
+            <a:r>
+              <a:rPr lang="en-US" sz="1800" b="1" dirty="0"/>
+              <a:t>of what product and state being tested out of the </a:t>
+            </a:r>
+            <a:r>
+              <a:rPr lang="en-US" sz="1800" b="1" dirty="0" smtClean="0"/>
+              <a:t>test script </a:t>
+            </a:r>
+            <a:r>
+              <a:rPr lang="en-US" sz="1800" b="1" dirty="0"/>
+              <a:t>and </a:t>
+            </a:r>
+            <a:r>
+              <a:rPr lang="en-US" sz="1800" b="1" dirty="0" smtClean="0"/>
+              <a:t>into </a:t>
+            </a:r>
+            <a:r>
+              <a:rPr lang="en-US" sz="1800" b="1" dirty="0"/>
+              <a:t>Framework </a:t>
+            </a:r>
+            <a:r>
+              <a:rPr lang="en-US" sz="1800" b="1" dirty="0" smtClean="0"/>
+              <a:t>Configuration</a:t>
+            </a:r>
+            <a:endParaRPr lang="en-US" sz="1800" b="1" dirty="0"/>
+          </a:p>
+          <a:p>
+            <a:endParaRPr lang="en-US" b="1" dirty="0"/>
+          </a:p>
+          <a:p>
+            <a:r>
+              <a:rPr lang="en-US" sz="2000" b="1" dirty="0" smtClean="0"/>
+              <a:t>All </a:t>
+            </a:r>
+            <a:r>
+              <a:rPr lang="en-US" sz="2000" b="1" dirty="0" smtClean="0"/>
+              <a:t>testing regardless of mode is </a:t>
+            </a:r>
+            <a:r>
+              <a:rPr lang="en-US" sz="2000" b="1" u="sng" dirty="0" smtClean="0"/>
+              <a:t>configurable</a:t>
+            </a:r>
+            <a:r>
+              <a:rPr lang="en-US" sz="2000" b="1" dirty="0" smtClean="0"/>
+              <a:t> prior to run</a:t>
+            </a:r>
+          </a:p>
+          <a:p>
+            <a:pPr lvl="1">
               <a:buFont typeface="Arial" panose="020B0604020202020204" pitchFamily="34" charset="0"/>
               <a:buChar char="•"/>
             </a:pPr>
-            <a:endParaRPr lang="en-US" sz="2000" dirty="0" smtClean="0"/>
-          </a:p>
-          <a:p>
-            <a:pPr marL="342900" indent="-342900">
-              <a:lnSpc>
-                <a:spcPct val="110000"/>
-              </a:lnSpc>
+            <a:r>
+              <a:rPr lang="en-US" sz="1800" b="1" dirty="0" smtClean="0"/>
+              <a:t>Developers use </a:t>
+            </a:r>
+            <a:r>
+              <a:rPr lang="en-US" sz="1800" b="1" dirty="0" smtClean="0"/>
+              <a:t>configuration to </a:t>
+            </a:r>
+            <a:r>
+              <a:rPr lang="en-US" sz="1800" b="1" dirty="0" smtClean="0"/>
+              <a:t>focus testing on development code</a:t>
+            </a:r>
+          </a:p>
+          <a:p>
+            <a:pPr lvl="1">
               <a:buFont typeface="Arial" panose="020B0604020202020204" pitchFamily="34" charset="0"/>
               <a:buChar char="•"/>
             </a:pPr>
             <a:r>
-              <a:rPr lang="en-US" sz="2000" dirty="0" smtClean="0"/>
-              <a:t>CXTA</a:t>
-            </a:r>
-            <a:r>
-              <a:rPr lang="en-US" sz="2000" dirty="0"/>
-              <a:t> sees a direct correlation in manner and approach between refactoring code base and new test data framework methodology giving us the ability to address content test data regionally or by product selection</a:t>
-            </a:r>
-            <a:r>
-              <a:rPr lang="en-US" sz="2000" dirty="0" smtClean="0"/>
-              <a:t>.  Independent Product Testing opened a door for us …</a:t>
-            </a:r>
-            <a:endParaRPr lang="en-US" sz="2000" dirty="0"/>
+              <a:rPr lang="en-US" sz="1800" b="1" dirty="0" smtClean="0"/>
+              <a:t>Gives CXTA ability to test on same deployed code w/out stepping on Dev</a:t>
+            </a:r>
+            <a:endParaRPr lang="en-US" sz="1800" b="1" dirty="0" smtClean="0"/>
+          </a:p>
+          <a:p>
+            <a:pPr marL="457206" lvl="1" indent="0">
+              <a:buNone/>
+            </a:pPr>
+            <a:r>
+              <a:rPr lang="en-US" sz="1400" dirty="0" smtClean="0"/>
+              <a:t>      </a:t>
+            </a:r>
+            <a:endParaRPr lang="en-US" sz="1400" dirty="0"/>
           </a:p>
         </p:txBody>
       </p:sp>
     </p:spTree>
     <p:extLst>
       <p:ext uri="{BB962C8B-B14F-4D97-AF65-F5344CB8AC3E}">
-        <p14:creationId xmlns:p14="http://schemas.microsoft.com/office/powerpoint/2010/main" val="3651171831"/>
+        <p14:creationId xmlns:p14="http://schemas.microsoft.com/office/powerpoint/2010/main" val="3319091546"/>
       </p:ext>
     </p:extLst>
   </p:cSld>
@@ -5795,20 +6476,24 @@
         </p:nvSpPr>
         <p:spPr>
           <a:xfrm>
-            <a:off x="2130137" y="115744"/>
-            <a:ext cx="4322618" cy="957682"/>
+            <a:off x="318052" y="-15019"/>
+            <a:ext cx="8686246" cy="1106902"/>
           </a:xfrm>
         </p:spPr>
         <p:txBody>
           <a:bodyPr anchor="t">
-            <a:normAutofit/>
+            <a:noAutofit/>
           </a:bodyPr>
           <a:lstStyle/>
           <a:p>
-            <a:pPr algn="ctr"/>
+            <a:pPr algn="ctr">
+              <a:lnSpc>
+                <a:spcPct val="90000"/>
+              </a:lnSpc>
+            </a:pPr>
             <a:r>
               <a:rPr lang="en-US" dirty="0" smtClean="0"/>
-              <a:t>HOW IT’S BUILT</a:t>
+              <a:t>INDEPENDENT PRODUCT  TESTING </a:t>
             </a:r>
             <a:endParaRPr lang="en-US" dirty="0"/>
           </a:p>
@@ -5826,178 +6511,218 @@
         </p:nvSpPr>
         <p:spPr>
           <a:xfrm>
-            <a:off x="272424" y="1912517"/>
-            <a:ext cx="4369152" cy="4351338"/>
+            <a:off x="274555" y="1839480"/>
+            <a:ext cx="8580658" cy="4589026"/>
           </a:xfrm>
         </p:spPr>
         <p:txBody>
-          <a:bodyPr/>
+          <a:bodyPr>
+            <a:normAutofit/>
+          </a:bodyPr>
           <a:lstStyle/>
           <a:p>
-            <a:pPr algn="ctr"/>
-            <a:r>
-              <a:rPr lang="en-US" dirty="0" err="1" smtClean="0"/>
-              <a:t>Git</a:t>
-            </a:r>
-            <a:r>
-              <a:rPr lang="en-US" dirty="0" smtClean="0"/>
-              <a:t> Repo</a:t>
-            </a:r>
-            <a:r>
-              <a:rPr lang="en-US" dirty="0"/>
-              <a:t> </a:t>
-            </a:r>
-            <a:r>
-              <a:rPr lang="en-US" dirty="0" smtClean="0"/>
-              <a:t>Node.js, Protractor, </a:t>
-            </a:r>
-            <a:r>
-              <a:rPr lang="en-US" dirty="0" smtClean="0"/>
-              <a:t>JavaScript</a:t>
-            </a:r>
-          </a:p>
-          <a:p>
-            <a:r>
-              <a:rPr lang="en-US" sz="600" dirty="0" smtClean="0"/>
-              <a:t>       </a:t>
-            </a:r>
-            <a:endParaRPr lang="en-US" sz="600" dirty="0" smtClean="0"/>
-          </a:p>
-          <a:p>
-            <a:r>
-              <a:rPr lang="en-US" dirty="0" smtClean="0"/>
-              <a:t>Framework is Class/Object based</a:t>
-            </a:r>
-          </a:p>
-          <a:p>
-            <a:pPr lvl="1">
-              <a:lnSpc>
-                <a:spcPct val="100000"/>
-              </a:lnSpc>
-              <a:spcBef>
-                <a:spcPts val="0"/>
-              </a:spcBef>
+            <a:pPr marL="342900" indent="-342900">
+              <a:lnSpc>
+                <a:spcPct val="110000"/>
+              </a:lnSpc>
               <a:buFont typeface="Arial" panose="020B0604020202020204" pitchFamily="34" charset="0"/>
               <a:buChar char="•"/>
             </a:pPr>
             <a:r>
-              <a:rPr lang="en-US" sz="1800" dirty="0" smtClean="0"/>
-              <a:t>Core base level classes defining what is common to any component on a web </a:t>
-            </a:r>
-            <a:r>
-              <a:rPr lang="en-US" sz="1800" dirty="0" smtClean="0"/>
-              <a:t>page</a:t>
-            </a:r>
-          </a:p>
-          <a:p>
-            <a:pPr marL="341313" lvl="1" indent="0">
-              <a:lnSpc>
-                <a:spcPct val="100000"/>
-              </a:lnSpc>
-              <a:spcBef>
-                <a:spcPts val="0"/>
-              </a:spcBef>
+              <a:rPr lang="en-US" sz="2000" b="1" dirty="0"/>
+              <a:t>The ability to test a products full abilities independently of all other products is a pressing </a:t>
+            </a:r>
+            <a:r>
+              <a:rPr lang="en-US" sz="2000" b="1" dirty="0" smtClean="0"/>
+              <a:t>need</a:t>
+            </a:r>
+          </a:p>
+          <a:p>
+            <a:pPr lvl="1" indent="0">
+              <a:lnSpc>
+                <a:spcPct val="110000"/>
+              </a:lnSpc>
               <a:buNone/>
             </a:pPr>
             <a:r>
-              <a:rPr lang="en-US" sz="1200" dirty="0" smtClean="0"/>
-              <a:t>           </a:t>
-            </a:r>
-            <a:endParaRPr lang="en-US" sz="1200" dirty="0" smtClean="0"/>
-          </a:p>
-          <a:p>
-            <a:pPr lvl="1">
-              <a:lnSpc>
-                <a:spcPct val="100000"/>
-              </a:lnSpc>
-              <a:spcBef>
-                <a:spcPts val="0"/>
-              </a:spcBef>
+              <a:rPr lang="en-US" sz="1000" dirty="0" smtClean="0">
+                <a:solidFill>
+                  <a:schemeClr val="bg1">
+                    <a:lumMod val="75000"/>
+                  </a:schemeClr>
+                </a:solidFill>
+              </a:rPr>
+              <a:t>Solution had multiple rewards   scaling ( state X Prod )    Content Scaling</a:t>
+            </a:r>
+            <a:endParaRPr lang="en-US" sz="1000" dirty="0" smtClean="0">
+              <a:solidFill>
+                <a:schemeClr val="bg1">
+                  <a:lumMod val="75000"/>
+                </a:schemeClr>
+              </a:solidFill>
+            </a:endParaRPr>
+          </a:p>
+          <a:p>
+            <a:pPr marL="342900" indent="-342900">
+              <a:lnSpc>
+                <a:spcPct val="110000"/>
+              </a:lnSpc>
               <a:buFont typeface="Arial" panose="020B0604020202020204" pitchFamily="34" charset="0"/>
               <a:buChar char="•"/>
             </a:pPr>
-            <a:r>
-              <a:rPr lang="en-US" sz="1800" dirty="0" smtClean="0"/>
-              <a:t>Initiator Classes, Handlers, Helper Classes</a:t>
-            </a:r>
-          </a:p>
-          <a:p>
-            <a:pPr marL="341313" lvl="1" indent="0">
-              <a:lnSpc>
-                <a:spcPct val="100000"/>
-              </a:lnSpc>
-              <a:spcBef>
-                <a:spcPts val="0"/>
-              </a:spcBef>
-              <a:buNone/>
-            </a:pPr>
-            <a:r>
-              <a:rPr lang="en-US" sz="1200" dirty="0" smtClean="0"/>
-              <a:t>              </a:t>
-            </a:r>
-            <a:endParaRPr lang="en-US" sz="1200" dirty="0" smtClean="0"/>
-          </a:p>
-          <a:p>
-            <a:pPr lvl="1">
-              <a:lnSpc>
-                <a:spcPct val="100000"/>
-              </a:lnSpc>
-              <a:spcBef>
-                <a:spcPts val="0"/>
-              </a:spcBef>
+            <a:endParaRPr lang="en-US" sz="2000" dirty="0" smtClean="0"/>
+          </a:p>
+          <a:p>
+            <a:pPr marL="342900" indent="-342900">
+              <a:lnSpc>
+                <a:spcPct val="110000"/>
+              </a:lnSpc>
               <a:buFont typeface="Arial" panose="020B0604020202020204" pitchFamily="34" charset="0"/>
               <a:buChar char="•"/>
             </a:pPr>
             <a:r>
-              <a:rPr lang="en-US" sz="1800" dirty="0" smtClean="0"/>
-              <a:t>Specialized components and methods build up from Core Classes and Methods</a:t>
-            </a:r>
-          </a:p>
-          <a:p>
-            <a:pPr lvl="1">
+              <a:rPr lang="en-US" sz="2000" b="1" dirty="0" smtClean="0"/>
+              <a:t>S</a:t>
+            </a:r>
+            <a:r>
+              <a:rPr lang="en-US" sz="2000" b="1" dirty="0" smtClean="0"/>
+              <a:t>olution reduces quantity </a:t>
+            </a:r>
+            <a:r>
+              <a:rPr lang="en-US" sz="2000" b="1" dirty="0"/>
+              <a:t>of </a:t>
+            </a:r>
+            <a:r>
+              <a:rPr lang="en-US" sz="2000" b="1" dirty="0" smtClean="0"/>
+              <a:t>code.  But there </a:t>
+            </a:r>
+            <a:r>
+              <a:rPr lang="en-US" sz="2000" b="1" dirty="0" smtClean="0"/>
+              <a:t>is a </a:t>
+            </a:r>
+            <a:r>
+              <a:rPr lang="en-US" sz="2000" b="1" dirty="0" smtClean="0"/>
+              <a:t>complexity cost</a:t>
+            </a:r>
+            <a:endParaRPr lang="en-US" sz="2000" b="1" dirty="0"/>
+          </a:p>
+          <a:p>
+            <a:pPr marL="566738" lvl="2" indent="0">
+              <a:lnSpc>
+                <a:spcPct val="110000"/>
+              </a:lnSpc>
+              <a:buNone/>
+            </a:pPr>
+            <a:r>
+              <a:rPr lang="en-US" sz="1000" dirty="0">
+                <a:solidFill>
+                  <a:schemeClr val="bg1">
+                    <a:lumMod val="75000"/>
+                  </a:schemeClr>
+                </a:solidFill>
+              </a:rPr>
+              <a:t>O</a:t>
+            </a:r>
+            <a:r>
+              <a:rPr lang="en-US" sz="1000" dirty="0" smtClean="0">
+                <a:solidFill>
+                  <a:schemeClr val="bg1">
+                    <a:lumMod val="75000"/>
+                  </a:schemeClr>
+                </a:solidFill>
+              </a:rPr>
+              <a:t>ne time complexity cost to develop / modify existing code  vs.  </a:t>
+            </a:r>
+            <a:r>
+              <a:rPr lang="en-US" sz="1000" dirty="0" smtClean="0">
+                <a:solidFill>
+                  <a:schemeClr val="bg1">
+                    <a:lumMod val="75000"/>
+                  </a:schemeClr>
+                </a:solidFill>
+              </a:rPr>
+              <a:t>There will be sooo </a:t>
+            </a:r>
+            <a:r>
+              <a:rPr lang="en-US" sz="1000" dirty="0" smtClean="0">
+                <a:solidFill>
+                  <a:schemeClr val="bg1">
+                    <a:lumMod val="75000"/>
+                  </a:schemeClr>
+                </a:solidFill>
+              </a:rPr>
+              <a:t> much less code to manage</a:t>
+            </a:r>
+            <a:endParaRPr lang="en-US" sz="1600" dirty="0" smtClean="0">
+              <a:solidFill>
+                <a:schemeClr val="bg1">
+                  <a:lumMod val="75000"/>
+                </a:schemeClr>
+              </a:solidFill>
+            </a:endParaRPr>
+          </a:p>
+          <a:p>
+            <a:pPr>
+              <a:lnSpc>
+                <a:spcPct val="110000"/>
+              </a:lnSpc>
+            </a:pPr>
+            <a:endParaRPr lang="en-US" sz="2000" dirty="0" smtClean="0"/>
+          </a:p>
+          <a:p>
+            <a:pPr marL="342900" indent="-342900">
+              <a:lnSpc>
+                <a:spcPct val="110000"/>
+              </a:lnSpc>
               <a:buFont typeface="Arial" panose="020B0604020202020204" pitchFamily="34" charset="0"/>
               <a:buChar char="•"/>
             </a:pPr>
-            <a:endParaRPr lang="en-US" sz="1800" dirty="0" smtClean="0"/>
+            <a:endParaRPr lang="en-US" sz="2000" dirty="0" smtClean="0"/>
+          </a:p>
+          <a:p>
+            <a:pPr marL="342900" indent="-342900">
+              <a:lnSpc>
+                <a:spcPct val="110000"/>
+              </a:lnSpc>
+              <a:buFont typeface="Arial" panose="020B0604020202020204" pitchFamily="34" charset="0"/>
+              <a:buChar char="•"/>
+            </a:pPr>
+            <a:r>
+              <a:rPr lang="en-US" sz="2000" dirty="0" smtClean="0">
+                <a:solidFill>
+                  <a:srgbClr val="FF0000"/>
+                </a:solidFill>
+              </a:rPr>
+              <a:t>CXTA</a:t>
+            </a:r>
+            <a:r>
+              <a:rPr lang="en-US" sz="2000" dirty="0">
+                <a:solidFill>
+                  <a:srgbClr val="FF0000"/>
+                </a:solidFill>
+              </a:rPr>
+              <a:t> sees a direct correlation in manner and approach between refactoring code base and new test data framework methodology giving us the ability to address content test data regionally or by product selection</a:t>
+            </a:r>
+            <a:r>
+              <a:rPr lang="en-US" sz="2000" dirty="0" smtClean="0">
+                <a:solidFill>
+                  <a:srgbClr val="FF0000"/>
+                </a:solidFill>
+              </a:rPr>
+              <a:t>.  Independent Product Testing opened a door for us …</a:t>
+            </a:r>
+            <a:endParaRPr lang="en-US" sz="2000" dirty="0">
+              <a:solidFill>
+                <a:srgbClr val="FF0000"/>
+              </a:solidFill>
+            </a:endParaRPr>
           </a:p>
         </p:txBody>
       </p:sp>
-      <p:pic>
-        <p:nvPicPr>
-          <p:cNvPr id="10" name="Picture 9">
-            <a:hlinkClick r:id="rId2" action="ppaction://hlinksldjump"/>
-          </p:cNvPr>
-          <p:cNvPicPr>
-            <a:picLocks noChangeAspect="1"/>
-          </p:cNvPicPr>
-          <p:nvPr/>
-        </p:nvPicPr>
-        <p:blipFill>
-          <a:blip r:embed="rId3">
-            <a:extLst>
-              <a:ext uri="{28A0092B-C50C-407E-A947-70E740481C1C}">
-                <a14:useLocalDpi xmlns:a14="http://schemas.microsoft.com/office/drawing/2010/main" val="0"/>
-              </a:ext>
-            </a:extLst>
-          </a:blip>
-          <a:stretch>
-            <a:fillRect/>
-          </a:stretch>
-        </p:blipFill>
-        <p:spPr>
-          <a:xfrm>
-            <a:off x="4572000" y="1912517"/>
-            <a:ext cx="4556210" cy="3736443"/>
-          </a:xfrm>
-          <a:prstGeom prst="rect">
-            <a:avLst/>
-          </a:prstGeom>
-        </p:spPr>
-      </p:pic>
     </p:spTree>
     <p:extLst>
       <p:ext uri="{BB962C8B-B14F-4D97-AF65-F5344CB8AC3E}">
-        <p14:creationId xmlns:p14="http://schemas.microsoft.com/office/powerpoint/2010/main" val="239349891"/>
+        <p14:creationId xmlns:p14="http://schemas.microsoft.com/office/powerpoint/2010/main" val="3651171831"/>
       </p:ext>
     </p:extLst>
   </p:cSld>
@@ -6043,8 +6768,8 @@
         </p:nvSpPr>
         <p:spPr>
           <a:xfrm>
-            <a:off x="1617953" y="124691"/>
-            <a:ext cx="5240047" cy="1325563"/>
+            <a:off x="1641767" y="129597"/>
+            <a:ext cx="5101934" cy="1325563"/>
           </a:xfrm>
         </p:spPr>
         <p:txBody>
@@ -6054,7 +6779,7 @@
             <a:pPr algn="ctr"/>
             <a:r>
               <a:rPr lang="en-US" dirty="0" smtClean="0"/>
-              <a:t>EXECUTION</a:t>
+              <a:t>REPORTING</a:t>
             </a:r>
             <a:endParaRPr lang="en-US" dirty="0"/>
           </a:p>
@@ -6072,8 +6797,8 @@
         </p:nvSpPr>
         <p:spPr>
           <a:xfrm>
-            <a:off x="437704" y="1837658"/>
-            <a:ext cx="8567504" cy="5001488"/>
+            <a:off x="432843" y="914091"/>
+            <a:ext cx="3849789" cy="2804461"/>
           </a:xfrm>
         </p:spPr>
         <p:txBody>
@@ -6082,59 +6807,22 @@
           </a:bodyPr>
           <a:lstStyle/>
           <a:p>
-            <a:pPr>
-              <a:lnSpc>
-                <a:spcPct val="110000"/>
-              </a:lnSpc>
-            </a:pPr>
             <a:r>
               <a:rPr lang="en-US" dirty="0" smtClean="0"/>
-              <a:t>Two primary modes</a:t>
-            </a:r>
-          </a:p>
-          <a:p>
-            <a:pPr lvl="1">
-              <a:lnSpc>
-                <a:spcPct val="110000"/>
-              </a:lnSpc>
-              <a:buFont typeface="Arial" panose="020B0604020202020204" pitchFamily="34" charset="0"/>
-              <a:buChar char="•"/>
-            </a:pPr>
-            <a:r>
-              <a:rPr lang="en-US" sz="2000" dirty="0"/>
-              <a:t>Schedule Based : Covers Regression Testing</a:t>
-            </a:r>
-          </a:p>
-          <a:p>
-            <a:pPr lvl="1">
-              <a:lnSpc>
-                <a:spcPct val="110000"/>
-              </a:lnSpc>
-              <a:buFont typeface="Arial" panose="020B0604020202020204" pitchFamily="34" charset="0"/>
-              <a:buChar char="•"/>
-            </a:pPr>
-            <a:r>
-              <a:rPr lang="en-US" sz="2000" dirty="0"/>
-              <a:t>On Demand : Covers all developer build initiated testing</a:t>
-            </a:r>
-          </a:p>
-          <a:p>
-            <a:pPr marL="457206" lvl="1" indent="0">
-              <a:lnSpc>
-                <a:spcPct val="110000"/>
-              </a:lnSpc>
-              <a:buNone/>
-            </a:pPr>
-            <a:r>
-              <a:rPr lang="en-US" sz="1600" dirty="0" smtClean="0"/>
-              <a:t>                  </a:t>
+              <a:t>Reporting:  Three levels of information</a:t>
+            </a:r>
+          </a:p>
+          <a:p>
+            <a:r>
+              <a:rPr lang="en-US" sz="1400" dirty="0" smtClean="0"/>
+              <a:t>    </a:t>
             </a:r>
             <a:endParaRPr lang="en-US" sz="1400" dirty="0"/>
           </a:p>
           <a:p>
             <a:r>
               <a:rPr lang="en-US" dirty="0" smtClean="0"/>
-              <a:t>All testing regardless of mode is configurable prior to run</a:t>
+              <a:t>Hyper granular:  Cover every Assert and Compare in Framework</a:t>
             </a:r>
           </a:p>
           <a:p>
@@ -6143,58 +6831,76 @@
               <a:buChar char="•"/>
             </a:pPr>
             <a:r>
-              <a:rPr lang="en-US" sz="2000" dirty="0"/>
-              <a:t>Gives developers ability to focus testing of code in </a:t>
-            </a:r>
-            <a:r>
-              <a:rPr lang="en-US" sz="2000" dirty="0" smtClean="0"/>
-              <a:t>development</a:t>
-            </a:r>
-          </a:p>
-          <a:p>
-            <a:pPr marL="457206" lvl="1" indent="0">
-              <a:buNone/>
-            </a:pPr>
-            <a:r>
-              <a:rPr lang="en-US" sz="1400" dirty="0" smtClean="0"/>
-              <a:t>      </a:t>
-            </a:r>
-            <a:endParaRPr lang="en-US" sz="1400" dirty="0"/>
-          </a:p>
-          <a:p>
-            <a:r>
-              <a:rPr lang="en-US" dirty="0"/>
-              <a:t>Configuration </a:t>
-            </a:r>
-            <a:r>
               <a:rPr lang="en-US" dirty="0" smtClean="0"/>
-              <a:t>controlled testing</a:t>
-            </a:r>
-          </a:p>
-          <a:p>
-            <a:pPr lvl="1">
-              <a:lnSpc>
-                <a:spcPct val="100000"/>
-              </a:lnSpc>
-              <a:buFont typeface="Arial" panose="020B0604020202020204" pitchFamily="34" charset="0"/>
-              <a:buChar char="•"/>
-            </a:pPr>
-            <a:r>
-              <a:rPr lang="en-US" sz="2000" dirty="0"/>
-              <a:t>Evolutionary change in configuration and approach moves to control of what product and state being tested out of the script and to Framework Configuration</a:t>
-            </a:r>
-            <a:r>
-              <a:rPr lang="en-US" sz="2000" dirty="0" smtClean="0"/>
-              <a:t>… ...</a:t>
-            </a:r>
-            <a:endParaRPr lang="en-US" sz="2000" dirty="0"/>
+              <a:t>Debugging and Framework Development tool</a:t>
+            </a:r>
           </a:p>
         </p:txBody>
       </p:sp>
+      <p:pic>
+        <p:nvPicPr>
+          <p:cNvPr id="4" name="Picture 3"/>
+          <p:cNvPicPr>
+            <a:picLocks noChangeAspect="1"/>
+          </p:cNvPicPr>
+          <p:nvPr/>
+        </p:nvPicPr>
+        <p:blipFill>
+          <a:blip r:embed="rId2">
+            <a:extLst>
+              <a:ext uri="{28A0092B-C50C-407E-A947-70E740481C1C}">
+                <a14:useLocalDpi xmlns:a14="http://schemas.microsoft.com/office/drawing/2010/main" val="0"/>
+              </a:ext>
+            </a:extLst>
+          </a:blip>
+          <a:stretch>
+            <a:fillRect/>
+          </a:stretch>
+        </p:blipFill>
+        <p:spPr>
+          <a:xfrm>
+            <a:off x="4484914" y="942849"/>
+            <a:ext cx="4620610" cy="5744818"/>
+          </a:xfrm>
+          <a:prstGeom prst="rect">
+            <a:avLst/>
+          </a:prstGeom>
+        </p:spPr>
+      </p:pic>
+      <p:pic>
+        <p:nvPicPr>
+          <p:cNvPr id="5" name="Picture 4"/>
+          <p:cNvPicPr>
+            <a:picLocks noChangeAspect="1"/>
+          </p:cNvPicPr>
+          <p:nvPr/>
+        </p:nvPicPr>
+        <p:blipFill>
+          <a:blip r:embed="rId3">
+            <a:extLst>
+              <a:ext uri="{28A0092B-C50C-407E-A947-70E740481C1C}">
+                <a14:useLocalDpi xmlns:a14="http://schemas.microsoft.com/office/drawing/2010/main" val="0"/>
+              </a:ext>
+            </a:extLst>
+          </a:blip>
+          <a:stretch>
+            <a:fillRect/>
+          </a:stretch>
+        </p:blipFill>
+        <p:spPr>
+          <a:xfrm>
+            <a:off x="330483" y="3396343"/>
+            <a:ext cx="4285060" cy="3196045"/>
+          </a:xfrm>
+          <a:prstGeom prst="rect">
+            <a:avLst/>
+          </a:prstGeom>
+        </p:spPr>
+      </p:pic>
     </p:spTree>
     <p:extLst>
       <p:ext uri="{BB962C8B-B14F-4D97-AF65-F5344CB8AC3E}">
-        <p14:creationId xmlns:p14="http://schemas.microsoft.com/office/powerpoint/2010/main" val="3319091546"/>
+        <p14:creationId xmlns:p14="http://schemas.microsoft.com/office/powerpoint/2010/main" val="21198343"/>
       </p:ext>
     </p:extLst>
   </p:cSld>
@@ -6798,6 +7504,52 @@
 </file>
 
 <file path=customXml/item1.xml><?xml version="1.0" encoding="utf-8"?>
+<?mso-contentType ?>
+<spe:Receivers xmlns:spe="http://schemas.microsoft.com/sharepoint/events">
+  <Receiver>
+    <Name>Document ID Generator</Name>
+    <Synchronization>Synchronous</Synchronization>
+    <Type>10001</Type>
+    <SequenceNumber>1000</SequenceNumber>
+    <Assembly>Microsoft.Office.DocumentManagement, Version=14.0.0.0, Culture=neutral, PublicKeyToken=71e9bce111e9429c</Assembly>
+    <Class>Microsoft.Office.DocumentManagement.Internal.DocIdHandler</Class>
+    <Data/>
+    <Filter/>
+  </Receiver>
+  <Receiver>
+    <Name>Document ID Generator</Name>
+    <Synchronization>Synchronous</Synchronization>
+    <Type>10002</Type>
+    <SequenceNumber>1001</SequenceNumber>
+    <Assembly>Microsoft.Office.DocumentManagement, Version=14.0.0.0, Culture=neutral, PublicKeyToken=71e9bce111e9429c</Assembly>
+    <Class>Microsoft.Office.DocumentManagement.Internal.DocIdHandler</Class>
+    <Data/>
+    <Filter/>
+  </Receiver>
+  <Receiver>
+    <Name>Document ID Generator</Name>
+    <Synchronization>Synchronous</Synchronization>
+    <Type>10004</Type>
+    <SequenceNumber>1002</SequenceNumber>
+    <Assembly>Microsoft.Office.DocumentManagement, Version=14.0.0.0, Culture=neutral, PublicKeyToken=71e9bce111e9429c</Assembly>
+    <Class>Microsoft.Office.DocumentManagement.Internal.DocIdHandler</Class>
+    <Data/>
+    <Filter/>
+  </Receiver>
+  <Receiver>
+    <Name>Document ID Generator</Name>
+    <Synchronization>Synchronous</Synchronization>
+    <Type>10006</Type>
+    <SequenceNumber>1003</SequenceNumber>
+    <Assembly>Microsoft.Office.DocumentManagement, Version=14.0.0.0, Culture=neutral, PublicKeyToken=71e9bce111e9429c</Assembly>
+    <Class>Microsoft.Office.DocumentManagement.Internal.DocIdHandler</Class>
+    <Data/>
+    <Filter/>
+  </Receiver>
+</spe:Receivers>
+</file>
+
+<file path=customXml/item2.xml><?xml version="1.0" encoding="utf-8"?>
 <ct:contentTypeSchema xmlns:ct="http://schemas.microsoft.com/office/2006/metadata/contentType" xmlns:ma="http://schemas.microsoft.com/office/2006/metadata/properties/metaAttributes" ct:_="" ma:_="" ma:contentTypeName="Document" ma:contentTypeID="0x0101000F421C3DE11F24489C3C49A9442BEF44" ma:contentTypeVersion="0" ma:contentTypeDescription="Create a new document." ma:contentTypeScope="" ma:versionID="03fa29219166c606cfec6c1a2cbf2ee4">
   <xsd:schema xmlns:xsd="http://www.w3.org/2001/XMLSchema" xmlns:xs="http://www.w3.org/2001/XMLSchema" xmlns:p="http://schemas.microsoft.com/office/2006/metadata/properties" xmlns:ns2="a9328eaf-6333-4034-a7ce-997665b5f80d" targetNamespace="http://schemas.microsoft.com/office/2006/metadata/properties" ma:root="true" ma:fieldsID="40f1611e01294dd1c52f51bc3dec7bd7" ns2:_="">
     <xsd:import namespace="a9328eaf-6333-4034-a7ce-997665b5f80d"/>
@@ -6942,62 +7694,7 @@
 </ct:contentTypeSchema>
 </file>
 
-<file path=customXml/item2.xml><?xml version="1.0" encoding="utf-8"?>
-<?mso-contentType ?>
-<spe:Receivers xmlns:spe="http://schemas.microsoft.com/sharepoint/events">
-  <Receiver>
-    <Name>Document ID Generator</Name>
-    <Synchronization>Synchronous</Synchronization>
-    <Type>10001</Type>
-    <SequenceNumber>1000</SequenceNumber>
-    <Assembly>Microsoft.Office.DocumentManagement, Version=14.0.0.0, Culture=neutral, PublicKeyToken=71e9bce111e9429c</Assembly>
-    <Class>Microsoft.Office.DocumentManagement.Internal.DocIdHandler</Class>
-    <Data/>
-    <Filter/>
-  </Receiver>
-  <Receiver>
-    <Name>Document ID Generator</Name>
-    <Synchronization>Synchronous</Synchronization>
-    <Type>10002</Type>
-    <SequenceNumber>1001</SequenceNumber>
-    <Assembly>Microsoft.Office.DocumentManagement, Version=14.0.0.0, Culture=neutral, PublicKeyToken=71e9bce111e9429c</Assembly>
-    <Class>Microsoft.Office.DocumentManagement.Internal.DocIdHandler</Class>
-    <Data/>
-    <Filter/>
-  </Receiver>
-  <Receiver>
-    <Name>Document ID Generator</Name>
-    <Synchronization>Synchronous</Synchronization>
-    <Type>10004</Type>
-    <SequenceNumber>1002</SequenceNumber>
-    <Assembly>Microsoft.Office.DocumentManagement, Version=14.0.0.0, Culture=neutral, PublicKeyToken=71e9bce111e9429c</Assembly>
-    <Class>Microsoft.Office.DocumentManagement.Internal.DocIdHandler</Class>
-    <Data/>
-    <Filter/>
-  </Receiver>
-  <Receiver>
-    <Name>Document ID Generator</Name>
-    <Synchronization>Synchronous</Synchronization>
-    <Type>10006</Type>
-    <SequenceNumber>1003</SequenceNumber>
-    <Assembly>Microsoft.Office.DocumentManagement, Version=14.0.0.0, Culture=neutral, PublicKeyToken=71e9bce111e9429c</Assembly>
-    <Class>Microsoft.Office.DocumentManagement.Internal.DocIdHandler</Class>
-    <Data/>
-    <Filter/>
-  </Receiver>
-</spe:Receivers>
-</file>
-
 <file path=customXml/item3.xml><?xml version="1.0" encoding="utf-8"?>
-<?mso-contentType ?>
-<FormTemplates xmlns="http://schemas.microsoft.com/sharepoint/v3/contenttype/forms">
-  <Display>DocumentLibraryForm</Display>
-  <Edit>DocumentLibraryForm</Edit>
-  <New>DocumentLibraryForm</New>
-</FormTemplates>
-</file>
-
-<file path=customXml/item4.xml><?xml version="1.0" encoding="utf-8"?>
 <p:properties xmlns:p="http://schemas.microsoft.com/office/2006/metadata/properties" xmlns:xsi="http://www.w3.org/2001/XMLSchema-instance" xmlns:pc="http://schemas.microsoft.com/office/infopath/2007/PartnerControls">
   <documentManagement>
     <_dlc_DocId xmlns="a9328eaf-6333-4034-a7ce-997665b5f80d">6AH7XJTKT27D-494-2</_dlc_DocId>
@@ -7009,7 +7706,24 @@
 </p:properties>
 </file>
 
+<file path=customXml/item4.xml><?xml version="1.0" encoding="utf-8"?>
+<?mso-contentType ?>
+<FormTemplates xmlns="http://schemas.microsoft.com/sharepoint/v3/contenttype/forms">
+  <Display>DocumentLibraryForm</Display>
+  <Edit>DocumentLibraryForm</Edit>
+  <New>DocumentLibraryForm</New>
+</FormTemplates>
+</file>
+
 <file path=customXml/itemProps1.xml><?xml version="1.0" encoding="utf-8"?>
+<ds:datastoreItem xmlns:ds="http://schemas.openxmlformats.org/officeDocument/2006/customXml" ds:itemID="{8CB52003-E8CD-4DF2-932F-2EC7EF4DD677}">
+  <ds:schemaRefs>
+    <ds:schemaRef ds:uri="http://schemas.microsoft.com/sharepoint/events"/>
+  </ds:schemaRefs>
+</ds:datastoreItem>
+</file>
+
+<file path=customXml/itemProps2.xml><?xml version="1.0" encoding="utf-8"?>
 <ds:datastoreItem xmlns:ds="http://schemas.openxmlformats.org/officeDocument/2006/customXml" ds:itemID="{EF7533AB-0193-4AEC-8EC4-E6A274EB1992}">
   <ds:schemaRefs>
     <ds:schemaRef ds:uri="http://schemas.microsoft.com/office/2006/metadata/contentType"/>
@@ -7027,23 +7741,7 @@
 </ds:datastoreItem>
 </file>
 
-<file path=customXml/itemProps2.xml><?xml version="1.0" encoding="utf-8"?>
-<ds:datastoreItem xmlns:ds="http://schemas.openxmlformats.org/officeDocument/2006/customXml" ds:itemID="{8CB52003-E8CD-4DF2-932F-2EC7EF4DD677}">
-  <ds:schemaRefs>
-    <ds:schemaRef ds:uri="http://schemas.microsoft.com/sharepoint/events"/>
-  </ds:schemaRefs>
-</ds:datastoreItem>
-</file>
-
 <file path=customXml/itemProps3.xml><?xml version="1.0" encoding="utf-8"?>
-<ds:datastoreItem xmlns:ds="http://schemas.openxmlformats.org/officeDocument/2006/customXml" ds:itemID="{E9FEC3C6-DD16-422A-B8AE-8B104F632898}">
-  <ds:schemaRefs>
-    <ds:schemaRef ds:uri="http://schemas.microsoft.com/sharepoint/v3/contenttype/forms"/>
-  </ds:schemaRefs>
-</ds:datastoreItem>
-</file>
-
-<file path=customXml/itemProps4.xml><?xml version="1.0" encoding="utf-8"?>
 <ds:datastoreItem xmlns:ds="http://schemas.openxmlformats.org/officeDocument/2006/customXml" ds:itemID="{39B4CF60-C0DC-4692-912B-881AF8D8CFF5}">
   <ds:schemaRefs>
     <ds:schemaRef ds:uri="http://purl.org/dc/elements/1.1/"/>
@@ -7057,4 +7755,12 @@
     <ds:schemaRef ds:uri="http://purl.org/dc/terms/"/>
   </ds:schemaRefs>
 </ds:datastoreItem>
+</file>
+
+<file path=customXml/itemProps4.xml><?xml version="1.0" encoding="utf-8"?>
+<ds:datastoreItem xmlns:ds="http://schemas.openxmlformats.org/officeDocument/2006/customXml" ds:itemID="{E9FEC3C6-DD16-422A-B8AE-8B104F632898}">
+  <ds:schemaRefs>
+    <ds:schemaRef ds:uri="http://schemas.microsoft.com/sharepoint/v3/contenttype/forms"/>
+  </ds:schemaRefs>
+</ds:datastoreItem>
 </file>
--- a/CurrentWork_Delta/CX_StrategyPowerPoint.pptx
+++ b/CurrentWork_Delta/CX_StrategyPowerPoint.pptx
@@ -5,7 +5,7 @@
     <p:sldMasterId id="2147483648" r:id="rId5"/>
   </p:sldMasterIdLst>
   <p:notesMasterIdLst>
-    <p:notesMasterId r:id="rId21"/>
+    <p:notesMasterId r:id="rId20"/>
   </p:notesMasterIdLst>
   <p:sldIdLst>
     <p:sldId id="256" r:id="rId6"/>
@@ -15,14 +15,13 @@
     <p:sldId id="283" r:id="rId10"/>
     <p:sldId id="271" r:id="rId11"/>
     <p:sldId id="274" r:id="rId12"/>
-    <p:sldId id="272" r:id="rId13"/>
-    <p:sldId id="275" r:id="rId14"/>
-    <p:sldId id="281" r:id="rId15"/>
-    <p:sldId id="282" r:id="rId16"/>
-    <p:sldId id="273" r:id="rId17"/>
-    <p:sldId id="279" r:id="rId18"/>
-    <p:sldId id="280" r:id="rId19"/>
-    <p:sldId id="284" r:id="rId20"/>
+    <p:sldId id="275" r:id="rId13"/>
+    <p:sldId id="281" r:id="rId14"/>
+    <p:sldId id="282" r:id="rId15"/>
+    <p:sldId id="273" r:id="rId16"/>
+    <p:sldId id="279" r:id="rId17"/>
+    <p:sldId id="280" r:id="rId18"/>
+    <p:sldId id="284" r:id="rId19"/>
   </p:sldIdLst>
   <p:sldSz cx="9144000" cy="6858000" type="screen4x3"/>
   <p:notesSz cx="7010400" cy="9296400"/>
@@ -222,7 +221,7 @@
           <a:p>
             <a:fld id="{7195FF61-7FDF-4F4D-A3AE-3078F9B9BE1D}" type="datetimeFigureOut">
               <a:rPr lang="en-US" smtClean="0"/>
-              <a:t>3/9/2018</a:t>
+              <a:t>3/13/2018</a:t>
             </a:fld>
             <a:endParaRPr lang="en-US"/>
           </a:p>
@@ -1783,7 +1782,7 @@
                   <a:schemeClr val="tx1"/>
                 </a:solidFill>
               </a:rPr>
-              <a:t>3/5/18</a:t>
+              <a:t>3/13/18</a:t>
             </a:r>
             <a:endParaRPr lang="en-US" dirty="0">
               <a:solidFill>
@@ -1875,8 +1874,8 @@
         </p:nvSpPr>
         <p:spPr>
           <a:xfrm>
-            <a:off x="2928934" y="1843474"/>
-            <a:ext cx="5757866" cy="3916897"/>
+            <a:off x="2928934" y="1843475"/>
+            <a:ext cx="5757866" cy="3471476"/>
           </a:xfrm>
           <a:prstGeom prst="rect">
             <a:avLst/>
@@ -2104,14 +2103,11 @@
             <a:pPr algn="ctr"/>
             <a:r>
               <a:rPr lang="en-US" sz="2800" dirty="0" smtClean="0"/>
-              <a:t>Independent Product Testing</a:t>
-            </a:r>
-          </a:p>
-          <a:p>
-            <a:pPr algn="ctr"/>
+              <a:t>How </a:t>
+            </a:r>
             <a:r>
               <a:rPr lang="en-US" sz="2800" dirty="0" smtClean="0"/>
-              <a:t>How its built</a:t>
+              <a:t>its built</a:t>
             </a:r>
           </a:p>
           <a:p>
@@ -2216,154 +2212,6 @@
         </p:nvSpPr>
         <p:spPr>
           <a:xfrm>
-            <a:off x="432843" y="914087"/>
-            <a:ext cx="4787339" cy="4351338"/>
-          </a:xfrm>
-        </p:spPr>
-        <p:txBody>
-          <a:bodyPr/>
-          <a:lstStyle/>
-          <a:p>
-            <a:r>
-              <a:rPr lang="en-US" dirty="0" smtClean="0"/>
-              <a:t>Reporting:  Three levels of information</a:t>
-            </a:r>
-          </a:p>
-          <a:p>
-            <a:pPr marL="341313" lvl="1" indent="0">
-              <a:buNone/>
-            </a:pPr>
-            <a:r>
-              <a:rPr lang="en-US" sz="1400" dirty="0" smtClean="0"/>
-              <a:t>          </a:t>
-            </a:r>
-          </a:p>
-          <a:p>
-            <a:r>
-              <a:rPr lang="en-US" dirty="0" smtClean="0"/>
-              <a:t>Test Run Specific:  Pass / Fail assessment of all written script tests</a:t>
-            </a:r>
-          </a:p>
-          <a:p>
-            <a:pPr lvl="1">
-              <a:buFont typeface="Arial" panose="020B0604020202020204" pitchFamily="34" charset="0"/>
-              <a:buChar char="•"/>
-            </a:pPr>
-            <a:r>
-              <a:rPr lang="en-US" dirty="0" smtClean="0"/>
-              <a:t>Current Standard test run encompassing test report</a:t>
-            </a:r>
-          </a:p>
-        </p:txBody>
-      </p:sp>
-      <p:pic>
-        <p:nvPicPr>
-          <p:cNvPr id="5" name="Picture 4"/>
-          <p:cNvPicPr>
-            <a:picLocks noChangeAspect="1"/>
-          </p:cNvPicPr>
-          <p:nvPr/>
-        </p:nvPicPr>
-        <p:blipFill>
-          <a:blip r:embed="rId2">
-            <a:extLst>
-              <a:ext uri="{28A0092B-C50C-407E-A947-70E740481C1C}">
-                <a14:useLocalDpi xmlns:a14="http://schemas.microsoft.com/office/drawing/2010/main" val="0"/>
-              </a:ext>
-            </a:extLst>
-          </a:blip>
-          <a:stretch>
-            <a:fillRect/>
-          </a:stretch>
-        </p:blipFill>
-        <p:spPr>
-          <a:xfrm>
-            <a:off x="5428527" y="832327"/>
-            <a:ext cx="3599233" cy="6025673"/>
-          </a:xfrm>
-          <a:prstGeom prst="rect">
-            <a:avLst/>
-          </a:prstGeom>
-        </p:spPr>
-      </p:pic>
-    </p:spTree>
-    <p:extLst>
-      <p:ext uri="{BB962C8B-B14F-4D97-AF65-F5344CB8AC3E}">
-        <p14:creationId xmlns:p14="http://schemas.microsoft.com/office/powerpoint/2010/main" val="3243345129"/>
-      </p:ext>
-    </p:extLst>
-  </p:cSld>
-  <p:clrMapOvr>
-    <a:masterClrMapping/>
-  </p:clrMapOvr>
-  <p:timing>
-    <p:tnLst>
-      <p:par>
-        <p:cTn id="1" dur="indefinite" restart="never" nodeType="tmRoot"/>
-      </p:par>
-    </p:tnLst>
-  </p:timing>
-</p:sld>
-</file>
-
-<file path=ppt/slides/slide11.xml><?xml version="1.0" encoding="utf-8"?>
-<p:sld xmlns:a="http://schemas.openxmlformats.org/drawingml/2006/main" xmlns:r="http://schemas.openxmlformats.org/officeDocument/2006/relationships" xmlns:p="http://schemas.openxmlformats.org/presentationml/2006/main">
-  <p:cSld>
-    <p:spTree>
-      <p:nvGrpSpPr>
-        <p:cNvPr id="1" name=""/>
-        <p:cNvGrpSpPr/>
-        <p:nvPr/>
-      </p:nvGrpSpPr>
-      <p:grpSpPr>
-        <a:xfrm>
-          <a:off x="0" y="0"/>
-          <a:ext cx="0" cy="0"/>
-          <a:chOff x="0" y="0"/>
-          <a:chExt cx="0" cy="0"/>
-        </a:xfrm>
-      </p:grpSpPr>
-      <p:sp>
-        <p:nvSpPr>
-          <p:cNvPr id="2" name="Title 1"/>
-          <p:cNvSpPr>
-            <a:spLocks noGrp="1"/>
-          </p:cNvSpPr>
-          <p:nvPr>
-            <p:ph type="title"/>
-          </p:nvPr>
-        </p:nvSpPr>
-        <p:spPr>
-          <a:xfrm>
-            <a:off x="1641767" y="129597"/>
-            <a:ext cx="5101934" cy="1325563"/>
-          </a:xfrm>
-        </p:spPr>
-        <p:txBody>
-          <a:bodyPr anchor="t"/>
-          <a:lstStyle/>
-          <a:p>
-            <a:pPr algn="ctr"/>
-            <a:r>
-              <a:rPr lang="en-US" dirty="0" smtClean="0"/>
-              <a:t>REPORTING</a:t>
-            </a:r>
-            <a:endParaRPr lang="en-US" dirty="0"/>
-          </a:p>
-        </p:txBody>
-      </p:sp>
-      <p:sp>
-        <p:nvSpPr>
-          <p:cNvPr id="3" name="Content Placeholder 2"/>
-          <p:cNvSpPr>
-            <a:spLocks noGrp="1"/>
-          </p:cNvSpPr>
-          <p:nvPr>
-            <p:ph idx="1"/>
-          </p:nvPr>
-        </p:nvSpPr>
-        <p:spPr>
-          <a:xfrm>
             <a:off x="432844" y="914094"/>
             <a:ext cx="3953962" cy="4351338"/>
           </a:xfrm>
@@ -2375,19 +2223,29 @@
           <a:lstStyle/>
           <a:p>
             <a:r>
-              <a:rPr lang="en-US" dirty="0" smtClean="0"/>
-              <a:t>Reporting:  Three levels of information</a:t>
-            </a:r>
-          </a:p>
-          <a:p>
-            <a:r>
-              <a:rPr lang="en-US" sz="1400" dirty="0" smtClean="0"/>
-              <a:t>   </a:t>
-            </a:r>
-          </a:p>
-          <a:p>
-            <a:r>
-              <a:rPr lang="en-US" dirty="0" smtClean="0"/>
+              <a:rPr lang="en-US" u="sng" dirty="0"/>
+              <a:t>Three levels of </a:t>
+            </a:r>
+            <a:r>
+              <a:rPr lang="en-US" u="sng" dirty="0" smtClean="0"/>
+              <a:t>reporting</a:t>
+            </a:r>
+          </a:p>
+          <a:p>
+            <a:pPr>
+              <a:spcBef>
+                <a:spcPts val="0"/>
+              </a:spcBef>
+            </a:pPr>
+            <a:r>
+              <a:rPr lang="en-US" sz="700" dirty="0"/>
+              <a:t> </a:t>
+            </a:r>
+            <a:endParaRPr lang="en-US" sz="700" u="sng" dirty="0"/>
+          </a:p>
+          <a:p>
+            <a:r>
+              <a:rPr lang="en-US" b="1" dirty="0" smtClean="0"/>
               <a:t>High Level Product Specific: </a:t>
             </a:r>
           </a:p>
@@ -2409,8 +2267,19 @@
             </a:r>
             <a:r>
               <a:rPr lang="en-US" sz="1800" b="1" dirty="0" smtClean="0"/>
-              <a:t>Go / No-go Product  Dashboard</a:t>
-            </a:r>
+              <a:t>Go / No-go Product  </a:t>
+            </a:r>
+            <a:r>
+              <a:rPr lang="en-US" sz="1800" b="1" dirty="0" smtClean="0"/>
+              <a:t>Dashboard</a:t>
+            </a:r>
+          </a:p>
+          <a:p>
+            <a:r>
+              <a:rPr lang="en-US" sz="1800" b="1" dirty="0" smtClean="0"/>
+              <a:t>Direction I think we really need to go !</a:t>
+            </a:r>
+            <a:endParaRPr lang="en-US" sz="1800" b="1" dirty="0" smtClean="0"/>
           </a:p>
           <a:p>
             <a:r>
@@ -2429,11 +2298,11 @@
             </a:r>
           </a:p>
           <a:p>
-            <a:pPr marL="566738" lvl="2" indent="0">
+            <a:pPr marL="341313" lvl="1" indent="0">
               <a:buNone/>
             </a:pPr>
             <a:r>
-              <a:rPr lang="en-US" dirty="0" smtClean="0"/>
+              <a:rPr lang="en-US" b="1" dirty="0" smtClean="0"/>
               <a:t>Provides:</a:t>
             </a:r>
           </a:p>
@@ -2459,10 +2328,16 @@
           </a:p>
           <a:p>
             <a:pPr marL="566738" lvl="2" indent="0">
+              <a:lnSpc>
+                <a:spcPct val="125000"/>
+              </a:lnSpc>
+              <a:spcBef>
+                <a:spcPts val="0"/>
+              </a:spcBef>
               <a:buNone/>
             </a:pPr>
             <a:r>
-              <a:rPr lang="en-US" dirty="0" smtClean="0"/>
+              <a:rPr lang="en-US" b="1" dirty="0" smtClean="0"/>
               <a:t>A quick look at the current health and capability to ship the product </a:t>
             </a:r>
           </a:p>
@@ -2518,7 +2393,7 @@
 </p:sld>
 </file>
 
-<file path=ppt/slides/slide12.xml><?xml version="1.0" encoding="utf-8"?>
+<file path=ppt/slides/slide11.xml><?xml version="1.0" encoding="utf-8"?>
 <p:sld xmlns:a="http://schemas.openxmlformats.org/drawingml/2006/main" xmlns:r="http://schemas.openxmlformats.org/officeDocument/2006/relationships" xmlns:p="http://schemas.openxmlformats.org/presentationml/2006/main">
   <p:cSld>
     <p:spTree>
@@ -2566,167 +2441,6 @@
           </a:p>
         </p:txBody>
       </p:sp>
-      <p:sp>
-        <p:nvSpPr>
-          <p:cNvPr id="3" name="Content Placeholder 2"/>
-          <p:cNvSpPr>
-            <a:spLocks noGrp="1"/>
-          </p:cNvSpPr>
-          <p:nvPr>
-            <p:ph idx="1"/>
-          </p:nvPr>
-        </p:nvSpPr>
-        <p:spPr>
-          <a:xfrm>
-            <a:off x="272424" y="1739797"/>
-            <a:ext cx="4299576" cy="4351338"/>
-          </a:xfrm>
-        </p:spPr>
-        <p:txBody>
-          <a:bodyPr>
-            <a:normAutofit/>
-          </a:bodyPr>
-          <a:lstStyle/>
-          <a:p>
-            <a:r>
-              <a:rPr lang="en-US" sz="600" dirty="0" smtClean="0"/>
-              <a:t>       </a:t>
-            </a:r>
-            <a:endParaRPr lang="en-US" sz="600" dirty="0" smtClean="0"/>
-          </a:p>
-          <a:p>
-            <a:pPr algn="ctr"/>
-            <a:r>
-              <a:rPr lang="en-US" dirty="0" smtClean="0"/>
-              <a:t>Framework is </a:t>
-            </a:r>
-            <a:r>
-              <a:rPr lang="en-US" dirty="0" smtClean="0"/>
-              <a:t>Class</a:t>
-            </a:r>
-          </a:p>
-          <a:p>
-            <a:pPr algn="ctr"/>
-            <a:r>
-              <a:rPr lang="en-US" dirty="0" smtClean="0"/>
-              <a:t>Object based</a:t>
-            </a:r>
-          </a:p>
-          <a:p>
-            <a:r>
-              <a:rPr lang="en-US" dirty="0" smtClean="0"/>
-              <a:t>      </a:t>
-            </a:r>
-            <a:endParaRPr lang="en-US" dirty="0"/>
-          </a:p>
-          <a:p>
-            <a:pPr lvl="1" algn="ctr">
-              <a:lnSpc>
-                <a:spcPct val="100000"/>
-              </a:lnSpc>
-              <a:spcBef>
-                <a:spcPts val="0"/>
-              </a:spcBef>
-              <a:buFont typeface="Arial" panose="020B0604020202020204" pitchFamily="34" charset="0"/>
-              <a:buChar char="•"/>
-            </a:pPr>
-            <a:r>
-              <a:rPr lang="en-US" sz="1800" b="1" dirty="0" smtClean="0"/>
-              <a:t>Script</a:t>
-            </a:r>
-            <a:r>
-              <a:rPr lang="en-US" sz="1800" dirty="0" smtClean="0"/>
-              <a:t> actions and </a:t>
-            </a:r>
-            <a:r>
-              <a:rPr lang="en-US" sz="1800" dirty="0"/>
-              <a:t>methods build up from Core </a:t>
-            </a:r>
-            <a:r>
-              <a:rPr lang="en-US" sz="1800" dirty="0" smtClean="0"/>
-              <a:t>&amp; Mid Layer components</a:t>
-            </a:r>
-            <a:endParaRPr lang="en-US" sz="1800" dirty="0"/>
-          </a:p>
-          <a:p>
-            <a:pPr marL="341313" lvl="1" indent="0">
-              <a:lnSpc>
-                <a:spcPct val="100000"/>
-              </a:lnSpc>
-              <a:spcBef>
-                <a:spcPts val="0"/>
-              </a:spcBef>
-              <a:buNone/>
-            </a:pPr>
-            <a:r>
-              <a:rPr lang="en-US" sz="1200" dirty="0" smtClean="0"/>
-              <a:t>           </a:t>
-            </a:r>
-          </a:p>
-          <a:p>
-            <a:pPr lvl="1" algn="ctr">
-              <a:lnSpc>
-                <a:spcPct val="100000"/>
-              </a:lnSpc>
-              <a:spcBef>
-                <a:spcPts val="0"/>
-              </a:spcBef>
-              <a:buFont typeface="Arial" panose="020B0604020202020204" pitchFamily="34" charset="0"/>
-              <a:buChar char="•"/>
-            </a:pPr>
-            <a:r>
-              <a:rPr lang="en-US" sz="1800" b="1" dirty="0" smtClean="0"/>
-              <a:t>Mid Level</a:t>
-            </a:r>
-            <a:r>
-              <a:rPr lang="en-US" sz="1800" dirty="0" smtClean="0"/>
-              <a:t>: Specific to Application, Methods, Classes, Wrapped functions</a:t>
-            </a:r>
-          </a:p>
-          <a:p>
-            <a:pPr marL="341313" lvl="1" indent="0">
-              <a:lnSpc>
-                <a:spcPct val="100000"/>
-              </a:lnSpc>
-              <a:spcBef>
-                <a:spcPts val="0"/>
-              </a:spcBef>
-              <a:buNone/>
-            </a:pPr>
-            <a:endParaRPr lang="en-US" sz="1800" dirty="0" smtClean="0"/>
-          </a:p>
-          <a:p>
-            <a:pPr marL="341313" lvl="1" indent="0">
-              <a:lnSpc>
-                <a:spcPct val="100000"/>
-              </a:lnSpc>
-              <a:spcBef>
-                <a:spcPts val="0"/>
-              </a:spcBef>
-              <a:buNone/>
-            </a:pPr>
-            <a:r>
-              <a:rPr lang="en-US" sz="1200" dirty="0" smtClean="0"/>
-              <a:t>              </a:t>
-            </a:r>
-          </a:p>
-          <a:p>
-            <a:pPr lvl="1" algn="ctr">
-              <a:buFont typeface="Arial" panose="020B0604020202020204" pitchFamily="34" charset="0"/>
-              <a:buChar char="•"/>
-            </a:pPr>
-            <a:r>
-              <a:rPr lang="en-US" sz="1800" b="1" dirty="0"/>
-              <a:t>Core base level </a:t>
-            </a:r>
-            <a:r>
-              <a:rPr lang="en-US" sz="1800" dirty="0"/>
-              <a:t>classes define common components</a:t>
-            </a:r>
-            <a:endParaRPr lang="en-US" sz="1800" dirty="0" smtClean="0"/>
-          </a:p>
-        </p:txBody>
-      </p:sp>
       <p:pic>
         <p:nvPicPr>
           <p:cNvPr id="10" name="Picture 9">
@@ -2751,8 +2465,8 @@
         </p:blipFill>
         <p:spPr>
           <a:xfrm>
-            <a:off x="4572000" y="1912517"/>
-            <a:ext cx="4556210" cy="3736443"/>
+            <a:off x="4318573" y="1912517"/>
+            <a:ext cx="4809637" cy="3944273"/>
           </a:xfrm>
           <a:prstGeom prst="rect">
             <a:avLst/>
@@ -2830,10 +2544,613 @@
           </a:p>
         </p:txBody>
       </p:sp>
+      <p:sp>
+        <p:nvSpPr>
+          <p:cNvPr id="6" name="Content Placeholder 2"/>
+          <p:cNvSpPr txBox="1">
+            <a:spLocks/>
+          </p:cNvSpPr>
+          <p:nvPr/>
+        </p:nvSpPr>
+        <p:spPr>
+          <a:xfrm>
+            <a:off x="272424" y="1337774"/>
+            <a:ext cx="4162416" cy="5179102"/>
+          </a:xfrm>
+          <a:prstGeom prst="rect">
+            <a:avLst/>
+          </a:prstGeom>
+        </p:spPr>
+        <p:txBody>
+          <a:bodyPr vert="horz" lIns="91440" tIns="45720" rIns="91440" bIns="45720" rtlCol="0">
+            <a:normAutofit/>
+          </a:bodyPr>
+          <a:lstStyle>
+            <a:lvl1pPr marL="0" indent="0" algn="l" defTabSz="457200" rtl="0" eaLnBrk="1" latinLnBrk="0" hangingPunct="1">
+              <a:lnSpc>
+                <a:spcPct val="80000"/>
+              </a:lnSpc>
+              <a:spcBef>
+                <a:spcPct val="20000"/>
+              </a:spcBef>
+              <a:buSzPct val="100000"/>
+              <a:buFontTx/>
+              <a:buNone/>
+              <a:defRPr sz="2400" b="0" i="0" kern="1200" baseline="0">
+                <a:solidFill>
+                  <a:schemeClr val="tx1"/>
+                </a:solidFill>
+                <a:latin typeface="Calibri Light"/>
+                <a:ea typeface="+mn-ea"/>
+                <a:cs typeface="Calibri Light"/>
+              </a:defRPr>
+            </a:lvl1pPr>
+            <a:lvl2pPr marL="576263" indent="-234950" algn="l" defTabSz="457200" rtl="0" eaLnBrk="1" latinLnBrk="0" hangingPunct="1">
+              <a:lnSpc>
+                <a:spcPct val="80000"/>
+              </a:lnSpc>
+              <a:spcBef>
+                <a:spcPct val="20000"/>
+              </a:spcBef>
+              <a:buSzPct val="100000"/>
+              <a:buFontTx/>
+              <a:buBlip>
+                <a:blip r:embed="rId4"/>
+              </a:buBlip>
+              <a:defRPr sz="2200" b="0" i="0" kern="1200">
+                <a:solidFill>
+                  <a:schemeClr val="tx1"/>
+                </a:solidFill>
+                <a:latin typeface="Calibri Light"/>
+                <a:ea typeface="+mn-ea"/>
+                <a:cs typeface="Calibri Light"/>
+              </a:defRPr>
+            </a:lvl2pPr>
+            <a:lvl3pPr marL="801688" indent="-225425" algn="l" defTabSz="457200" rtl="0" eaLnBrk="1" latinLnBrk="0" hangingPunct="1">
+              <a:lnSpc>
+                <a:spcPct val="80000"/>
+              </a:lnSpc>
+              <a:spcBef>
+                <a:spcPct val="20000"/>
+              </a:spcBef>
+              <a:buSzPct val="100000"/>
+              <a:buFontTx/>
+              <a:buBlip>
+                <a:blip r:embed="rId4"/>
+              </a:buBlip>
+              <a:defRPr sz="2000" b="0" i="0" kern="1200">
+                <a:solidFill>
+                  <a:schemeClr val="tx1"/>
+                </a:solidFill>
+                <a:latin typeface="Calibri Light"/>
+                <a:ea typeface="+mn-ea"/>
+                <a:cs typeface="Calibri Light"/>
+              </a:defRPr>
+            </a:lvl3pPr>
+            <a:lvl4pPr marL="966788" indent="-165100" algn="l" defTabSz="457200" rtl="0" eaLnBrk="1" latinLnBrk="0" hangingPunct="1">
+              <a:lnSpc>
+                <a:spcPct val="80000"/>
+              </a:lnSpc>
+              <a:spcBef>
+                <a:spcPct val="20000"/>
+              </a:spcBef>
+              <a:buSzPct val="100000"/>
+              <a:buFontTx/>
+              <a:buBlip>
+                <a:blip r:embed="rId4"/>
+              </a:buBlip>
+              <a:defRPr sz="1800" b="0" i="0" kern="1200">
+                <a:solidFill>
+                  <a:schemeClr val="tx1"/>
+                </a:solidFill>
+                <a:latin typeface="Calibri Light"/>
+                <a:ea typeface="+mn-ea"/>
+                <a:cs typeface="Calibri Light"/>
+              </a:defRPr>
+            </a:lvl4pPr>
+            <a:lvl5pPr marL="1201738" indent="-176213" algn="l" defTabSz="457200" rtl="0" eaLnBrk="1" latinLnBrk="0" hangingPunct="1">
+              <a:lnSpc>
+                <a:spcPct val="80000"/>
+              </a:lnSpc>
+              <a:spcBef>
+                <a:spcPct val="20000"/>
+              </a:spcBef>
+              <a:buSzPct val="100000"/>
+              <a:buFontTx/>
+              <a:buBlip>
+                <a:blip r:embed="rId4"/>
+              </a:buBlip>
+              <a:defRPr sz="1600" b="0" i="0" kern="1200">
+                <a:solidFill>
+                  <a:schemeClr val="tx1"/>
+                </a:solidFill>
+                <a:latin typeface="Calibri Light"/>
+                <a:ea typeface="+mn-ea"/>
+                <a:cs typeface="Calibri Light"/>
+              </a:defRPr>
+            </a:lvl5pPr>
+            <a:lvl6pPr marL="2514600" indent="-228600" algn="l" defTabSz="457200" rtl="0" eaLnBrk="1" latinLnBrk="0" hangingPunct="1">
+              <a:spcBef>
+                <a:spcPct val="20000"/>
+              </a:spcBef>
+              <a:buFont typeface="Arial"/>
+              <a:buChar char="•"/>
+              <a:defRPr sz="2000" kern="1200">
+                <a:solidFill>
+                  <a:schemeClr val="tx1"/>
+                </a:solidFill>
+                <a:latin typeface="+mn-lt"/>
+                <a:ea typeface="+mn-ea"/>
+                <a:cs typeface="+mn-cs"/>
+              </a:defRPr>
+            </a:lvl6pPr>
+            <a:lvl7pPr marL="2971800" indent="-228600" algn="l" defTabSz="457200" rtl="0" eaLnBrk="1" latinLnBrk="0" hangingPunct="1">
+              <a:spcBef>
+                <a:spcPct val="20000"/>
+              </a:spcBef>
+              <a:buFont typeface="Arial"/>
+              <a:buChar char="•"/>
+              <a:defRPr sz="2000" kern="1200">
+                <a:solidFill>
+                  <a:schemeClr val="tx1"/>
+                </a:solidFill>
+                <a:latin typeface="+mn-lt"/>
+                <a:ea typeface="+mn-ea"/>
+                <a:cs typeface="+mn-cs"/>
+              </a:defRPr>
+            </a:lvl7pPr>
+            <a:lvl8pPr marL="3429000" indent="-228600" algn="l" defTabSz="457200" rtl="0" eaLnBrk="1" latinLnBrk="0" hangingPunct="1">
+              <a:spcBef>
+                <a:spcPct val="20000"/>
+              </a:spcBef>
+              <a:buFont typeface="Arial"/>
+              <a:buChar char="•"/>
+              <a:defRPr sz="2000" kern="1200">
+                <a:solidFill>
+                  <a:schemeClr val="tx1"/>
+                </a:solidFill>
+                <a:latin typeface="+mn-lt"/>
+                <a:ea typeface="+mn-ea"/>
+                <a:cs typeface="+mn-cs"/>
+              </a:defRPr>
+            </a:lvl8pPr>
+            <a:lvl9pPr marL="3886200" indent="-228600" algn="l" defTabSz="457200" rtl="0" eaLnBrk="1" latinLnBrk="0" hangingPunct="1">
+              <a:spcBef>
+                <a:spcPct val="20000"/>
+              </a:spcBef>
+              <a:buFont typeface="Arial"/>
+              <a:buChar char="•"/>
+              <a:defRPr sz="2000" kern="1200">
+                <a:solidFill>
+                  <a:schemeClr val="tx1"/>
+                </a:solidFill>
+                <a:latin typeface="+mn-lt"/>
+                <a:ea typeface="+mn-ea"/>
+                <a:cs typeface="+mn-cs"/>
+              </a:defRPr>
+            </a:lvl9pPr>
+          </a:lstStyle>
+          <a:p>
+            <a:r>
+              <a:rPr lang="en-US" sz="600" dirty="0" smtClean="0"/>
+              <a:t>       </a:t>
+            </a:r>
+          </a:p>
+          <a:p>
+            <a:pPr algn="ctr"/>
+            <a:r>
+              <a:rPr lang="en-US" dirty="0" smtClean="0"/>
+              <a:t>Framework is Class</a:t>
+            </a:r>
+          </a:p>
+          <a:p>
+            <a:pPr algn="ctr"/>
+            <a:r>
+              <a:rPr lang="en-US" dirty="0" smtClean="0"/>
+              <a:t>Object based</a:t>
+            </a:r>
+          </a:p>
+          <a:p>
+            <a:r>
+              <a:rPr lang="en-US" sz="1600" dirty="0" smtClean="0"/>
+              <a:t>      </a:t>
+            </a:r>
+          </a:p>
+          <a:p>
+            <a:pPr>
+              <a:lnSpc>
+                <a:spcPct val="100000"/>
+              </a:lnSpc>
+              <a:spcBef>
+                <a:spcPts val="0"/>
+              </a:spcBef>
+              <a:buFont typeface="Arial" panose="020B0604020202020204" pitchFamily="34" charset="0"/>
+              <a:buChar char="•"/>
+            </a:pPr>
+            <a:r>
+              <a:rPr lang="en-US" sz="2000" b="1" dirty="0"/>
+              <a:t>Core base level </a:t>
+            </a:r>
+            <a:r>
+              <a:rPr lang="en-US" sz="2000" dirty="0"/>
+              <a:t>classes </a:t>
+            </a:r>
+            <a:r>
+              <a:rPr lang="en-US" sz="2000" dirty="0" smtClean="0"/>
+              <a:t>define    </a:t>
+            </a:r>
+            <a:r>
+              <a:rPr lang="en-US" sz="2000" dirty="0" smtClean="0">
+                <a:solidFill>
+                  <a:schemeClr val="bg1"/>
+                </a:solidFill>
+              </a:rPr>
+              <a:t> …</a:t>
+            </a:r>
+            <a:r>
+              <a:rPr lang="en-US" sz="2000" dirty="0" smtClean="0"/>
+              <a:t>common components, Fields, </a:t>
+            </a:r>
+            <a:r>
+              <a:rPr lang="en-US" sz="2000" dirty="0" smtClean="0">
+                <a:solidFill>
+                  <a:schemeClr val="bg1"/>
+                </a:solidFill>
+              </a:rPr>
+              <a:t>…</a:t>
+            </a:r>
+            <a:r>
+              <a:rPr lang="en-US" sz="2000" dirty="0" smtClean="0"/>
+              <a:t>Buttons, Links</a:t>
+            </a:r>
+          </a:p>
+          <a:p>
+            <a:pPr indent="-234950">
+              <a:lnSpc>
+                <a:spcPct val="100000"/>
+              </a:lnSpc>
+              <a:spcBef>
+                <a:spcPts val="0"/>
+              </a:spcBef>
+            </a:pPr>
+            <a:r>
+              <a:rPr lang="en-US" sz="2000" dirty="0" smtClean="0"/>
+              <a:t>           </a:t>
+            </a:r>
+          </a:p>
+          <a:p>
+            <a:pPr>
+              <a:lnSpc>
+                <a:spcPct val="100000"/>
+              </a:lnSpc>
+              <a:spcBef>
+                <a:spcPts val="0"/>
+              </a:spcBef>
+              <a:buFont typeface="Arial" panose="020B0604020202020204" pitchFamily="34" charset="0"/>
+              <a:buChar char="•"/>
+            </a:pPr>
+            <a:r>
+              <a:rPr lang="en-US" sz="2000" b="1" dirty="0" smtClean="0"/>
+              <a:t>Mid Level</a:t>
+            </a:r>
+            <a:r>
+              <a:rPr lang="en-US" sz="2000" dirty="0" smtClean="0"/>
+              <a:t>: Specific to an Application, </a:t>
+            </a:r>
+            <a:r>
+              <a:rPr lang="en-US" sz="2000" dirty="0" smtClean="0">
+                <a:solidFill>
+                  <a:schemeClr val="bg1"/>
+                </a:solidFill>
+              </a:rPr>
+              <a:t>...</a:t>
+            </a:r>
+            <a:r>
+              <a:rPr lang="en-US" sz="2000" dirty="0" smtClean="0"/>
+              <a:t>Collections of bases classes to </a:t>
+            </a:r>
+            <a:r>
+              <a:rPr lang="en-US" sz="2000" dirty="0" smtClean="0">
+                <a:solidFill>
+                  <a:schemeClr val="bg1"/>
+                </a:solidFill>
+              </a:rPr>
+              <a:t>...</a:t>
+            </a:r>
+            <a:r>
+              <a:rPr lang="en-US" sz="2000" dirty="0" smtClean="0"/>
+              <a:t>perform Application page specific </a:t>
+            </a:r>
+            <a:r>
+              <a:rPr lang="en-US" sz="2000" dirty="0" smtClean="0">
+                <a:solidFill>
+                  <a:schemeClr val="bg1"/>
+                </a:solidFill>
+              </a:rPr>
+              <a:t>…</a:t>
+            </a:r>
+            <a:r>
+              <a:rPr lang="en-US" sz="2000" dirty="0" smtClean="0"/>
+              <a:t>action</a:t>
+            </a:r>
+          </a:p>
+          <a:p>
+            <a:pPr indent="-234950">
+              <a:lnSpc>
+                <a:spcPct val="100000"/>
+              </a:lnSpc>
+              <a:spcBef>
+                <a:spcPts val="0"/>
+              </a:spcBef>
+            </a:pPr>
+            <a:r>
+              <a:rPr lang="en-US" sz="900" dirty="0" smtClean="0"/>
+              <a:t>   </a:t>
+            </a:r>
+          </a:p>
+          <a:p>
+            <a:pPr>
+              <a:lnSpc>
+                <a:spcPct val="100000"/>
+              </a:lnSpc>
+              <a:spcBef>
+                <a:spcPts val="0"/>
+              </a:spcBef>
+              <a:buFont typeface="Arial" panose="020B0604020202020204" pitchFamily="34" charset="0"/>
+              <a:buChar char="•"/>
+            </a:pPr>
+            <a:r>
+              <a:rPr lang="en-US" sz="2000" b="1" dirty="0"/>
+              <a:t>Script</a:t>
+            </a:r>
+            <a:r>
+              <a:rPr lang="en-US" sz="2000" dirty="0"/>
+              <a:t> </a:t>
+            </a:r>
+            <a:r>
+              <a:rPr lang="en-US" sz="2000" dirty="0" smtClean="0"/>
+              <a:t>Collection of actions specific to</a:t>
+            </a:r>
+            <a:r>
+              <a:rPr lang="en-US" sz="2000" dirty="0" smtClean="0">
+                <a:solidFill>
+                  <a:schemeClr val="bg1"/>
+                </a:solidFill>
+              </a:rPr>
+              <a:t> …</a:t>
+            </a:r>
+            <a:r>
+              <a:rPr lang="en-US" sz="2000" dirty="0" smtClean="0"/>
+              <a:t>test actions and </a:t>
+            </a:r>
+            <a:r>
+              <a:rPr lang="en-US" sz="2000" dirty="0"/>
+              <a:t>methods build up </a:t>
+            </a:r>
+            <a:r>
+              <a:rPr lang="en-US" sz="2000" dirty="0" smtClean="0">
+                <a:solidFill>
+                  <a:schemeClr val="bg1"/>
+                </a:solidFill>
+              </a:rPr>
+              <a:t>…</a:t>
+            </a:r>
+            <a:r>
+              <a:rPr lang="en-US" sz="2000" dirty="0" smtClean="0"/>
+              <a:t>from </a:t>
+            </a:r>
+            <a:r>
+              <a:rPr lang="en-US" sz="2000" dirty="0"/>
+              <a:t>Core &amp; Mid Layer components</a:t>
+            </a:r>
+          </a:p>
+          <a:p>
+            <a:pPr marL="341313" lvl="1" indent="0">
+              <a:lnSpc>
+                <a:spcPct val="100000"/>
+              </a:lnSpc>
+              <a:spcBef>
+                <a:spcPts val="0"/>
+              </a:spcBef>
+              <a:buNone/>
+            </a:pPr>
+            <a:endParaRPr lang="en-US" sz="1800" dirty="0" smtClean="0"/>
+          </a:p>
+          <a:p>
+            <a:pPr lvl="1">
+              <a:lnSpc>
+                <a:spcPct val="100000"/>
+              </a:lnSpc>
+              <a:spcBef>
+                <a:spcPts val="0"/>
+              </a:spcBef>
+              <a:buFont typeface="Arial" panose="020B0604020202020204" pitchFamily="34" charset="0"/>
+              <a:buChar char="•"/>
+            </a:pPr>
+            <a:endParaRPr lang="en-US" sz="1800" b="1" dirty="0"/>
+          </a:p>
+        </p:txBody>
+      </p:sp>
     </p:spTree>
     <p:extLst>
       <p:ext uri="{BB962C8B-B14F-4D97-AF65-F5344CB8AC3E}">
         <p14:creationId xmlns:p14="http://schemas.microsoft.com/office/powerpoint/2010/main" val="239349891"/>
+      </p:ext>
+    </p:extLst>
+  </p:cSld>
+  <p:clrMapOvr>
+    <a:masterClrMapping/>
+  </p:clrMapOvr>
+  <p:timing>
+    <p:tnLst>
+      <p:par>
+        <p:cTn id="1" dur="indefinite" restart="never" nodeType="tmRoot"/>
+      </p:par>
+    </p:tnLst>
+  </p:timing>
+</p:sld>
+</file>
+
+<file path=ppt/slides/slide12.xml><?xml version="1.0" encoding="utf-8"?>
+<p:sld xmlns:a="http://schemas.openxmlformats.org/drawingml/2006/main" xmlns:r="http://schemas.openxmlformats.org/officeDocument/2006/relationships" xmlns:p="http://schemas.openxmlformats.org/presentationml/2006/main">
+  <p:cSld>
+    <p:spTree>
+      <p:nvGrpSpPr>
+        <p:cNvPr id="1" name=""/>
+        <p:cNvGrpSpPr/>
+        <p:nvPr/>
+      </p:nvGrpSpPr>
+      <p:grpSpPr>
+        <a:xfrm>
+          <a:off x="0" y="0"/>
+          <a:ext cx="0" cy="0"/>
+          <a:chOff x="0" y="0"/>
+          <a:chExt cx="0" cy="0"/>
+        </a:xfrm>
+      </p:grpSpPr>
+      <p:sp>
+        <p:nvSpPr>
+          <p:cNvPr id="2" name="Title 1"/>
+          <p:cNvSpPr>
+            <a:spLocks noGrp="1"/>
+          </p:cNvSpPr>
+          <p:nvPr>
+            <p:ph type="title"/>
+          </p:nvPr>
+        </p:nvSpPr>
+        <p:spPr>
+          <a:xfrm>
+            <a:off x="3345872" y="143451"/>
+            <a:ext cx="3041073" cy="1325563"/>
+          </a:xfrm>
+        </p:spPr>
+        <p:txBody>
+          <a:bodyPr anchor="t"/>
+          <a:lstStyle/>
+          <a:p>
+            <a:pPr algn="ctr"/>
+            <a:r>
+              <a:rPr lang="en-US" dirty="0" smtClean="0"/>
+              <a:t>FUTURE</a:t>
+            </a:r>
+            <a:endParaRPr lang="en-US" dirty="0"/>
+          </a:p>
+        </p:txBody>
+      </p:sp>
+      <p:sp>
+        <p:nvSpPr>
+          <p:cNvPr id="3" name="Content Placeholder 2"/>
+          <p:cNvSpPr>
+            <a:spLocks noGrp="1"/>
+          </p:cNvSpPr>
+          <p:nvPr>
+            <p:ph idx="1"/>
+          </p:nvPr>
+        </p:nvSpPr>
+        <p:spPr>
+          <a:xfrm>
+            <a:off x="274320" y="1825625"/>
+            <a:ext cx="8869680" cy="4351338"/>
+          </a:xfrm>
+        </p:spPr>
+        <p:txBody>
+          <a:bodyPr/>
+          <a:lstStyle/>
+          <a:p>
+            <a:pPr marL="342900" indent="-342900">
+              <a:buFont typeface="Arial" panose="020B0604020202020204" pitchFamily="34" charset="0"/>
+              <a:buChar char="•"/>
+            </a:pPr>
+            <a:r>
+              <a:rPr lang="en-US" sz="2000" dirty="0" smtClean="0"/>
+              <a:t>Refactor mid </a:t>
+            </a:r>
+            <a:r>
+              <a:rPr lang="en-US" sz="2000" dirty="0"/>
+              <a:t>layer commonality.  Move commonality to the bottom Layer. </a:t>
+            </a:r>
+          </a:p>
+          <a:p>
+            <a:pPr marL="919163" lvl="1" indent="-342900">
+              <a:buFont typeface="Arial" panose="020B0604020202020204" pitchFamily="34" charset="0"/>
+              <a:buChar char="•"/>
+            </a:pPr>
+            <a:r>
+              <a:rPr lang="en-US" sz="1800" dirty="0"/>
+              <a:t>The smaller the mid layer, the easier to add new capability ( new applications )</a:t>
+            </a:r>
+          </a:p>
+          <a:p>
+            <a:endParaRPr lang="en-US" sz="2000" dirty="0" smtClean="0"/>
+          </a:p>
+          <a:p>
+            <a:pPr marL="342900" indent="-342900">
+              <a:buFont typeface="Arial" panose="020B0604020202020204" pitchFamily="34" charset="0"/>
+              <a:buChar char="•"/>
+            </a:pPr>
+            <a:r>
+              <a:rPr lang="en-US" sz="2000" dirty="0"/>
+              <a:t>Additional Application Coverage</a:t>
+            </a:r>
+          </a:p>
+          <a:p>
+            <a:pPr marL="862013" lvl="1" indent="-285750">
+              <a:buFont typeface="Arial" panose="020B0604020202020204" pitchFamily="34" charset="0"/>
+              <a:buChar char="•"/>
+            </a:pPr>
+            <a:r>
+              <a:rPr lang="en-US" sz="1600" dirty="0"/>
+              <a:t>New Support should be capable in ~10 working Days</a:t>
+            </a:r>
+          </a:p>
+          <a:p>
+            <a:endParaRPr lang="en-US" sz="2000" dirty="0" smtClean="0"/>
+          </a:p>
+          <a:p>
+            <a:pPr marL="342900" indent="-342900">
+              <a:buFont typeface="Arial" panose="020B0604020202020204" pitchFamily="34" charset="0"/>
+              <a:buChar char="•"/>
+            </a:pPr>
+            <a:r>
+              <a:rPr lang="en-US" sz="2000" dirty="0"/>
+              <a:t>Test Headless  : Trying to overcome CPU and Memory consumption</a:t>
+            </a:r>
+          </a:p>
+          <a:p>
+            <a:endParaRPr lang="en-US" sz="2000" dirty="0" smtClean="0"/>
+          </a:p>
+          <a:p>
+            <a:pPr marL="342900" indent="-342900">
+              <a:buFont typeface="Arial" panose="020B0604020202020204" pitchFamily="34" charset="0"/>
+              <a:buChar char="•"/>
+            </a:pPr>
+            <a:r>
+              <a:rPr lang="en-US" sz="2000" dirty="0" smtClean="0"/>
+              <a:t>Mobile </a:t>
+            </a:r>
+            <a:r>
+              <a:rPr lang="en-US" sz="2000" dirty="0" smtClean="0"/>
+              <a:t>devices</a:t>
+            </a:r>
+          </a:p>
+          <a:p>
+            <a:endParaRPr lang="en-US" sz="2000" dirty="0"/>
+          </a:p>
+          <a:p>
+            <a:endParaRPr lang="en-US" sz="2000" dirty="0"/>
+          </a:p>
+          <a:p>
+            <a:endParaRPr lang="en-US" sz="2000" dirty="0" smtClean="0"/>
+          </a:p>
+          <a:p>
+            <a:endParaRPr lang="en-US" dirty="0"/>
+          </a:p>
+        </p:txBody>
+      </p:sp>
+    </p:spTree>
+    <p:extLst>
+      <p:ext uri="{BB962C8B-B14F-4D97-AF65-F5344CB8AC3E}">
+        <p14:creationId xmlns:p14="http://schemas.microsoft.com/office/powerpoint/2010/main" val="4061669032"/>
       </p:ext>
     </p:extLst>
   </p:cSld>
@@ -2879,134 +3196,174 @@
         </p:nvSpPr>
         <p:spPr>
           <a:xfrm>
-            <a:off x="3345872" y="143451"/>
-            <a:ext cx="3041073" cy="1325563"/>
+            <a:off x="713154" y="957542"/>
+            <a:ext cx="7973645" cy="1143000"/>
           </a:xfrm>
         </p:spPr>
         <p:txBody>
-          <a:bodyPr anchor="t"/>
+          <a:bodyPr anchor="t">
+            <a:normAutofit/>
+          </a:bodyPr>
           <a:lstStyle/>
           <a:p>
-            <a:pPr algn="ctr"/>
-            <a:r>
-              <a:rPr lang="en-US" dirty="0" smtClean="0"/>
-              <a:t>FUTURE</a:t>
-            </a:r>
-            <a:endParaRPr lang="en-US" dirty="0"/>
+            <a:r>
+              <a:rPr lang="en-US" sz="3600" dirty="0" smtClean="0"/>
+              <a:t>Market Place  :  </a:t>
+            </a:r>
+            <a:r>
+              <a:rPr lang="en-US" sz="2800" dirty="0" smtClean="0"/>
+              <a:t>Provider Directory :    Other Apps</a:t>
+            </a:r>
+            <a:br>
+              <a:rPr lang="en-US" sz="2800" dirty="0" smtClean="0"/>
+            </a:br>
+            <a:r>
+              <a:rPr lang="en-US" sz="2800" dirty="0" smtClean="0"/>
+              <a:t> </a:t>
+            </a:r>
+            <a:r>
+              <a:rPr lang="en-US" sz="2800" dirty="0" smtClean="0">
+                <a:latin typeface="Bauhaus 93" panose="04030905020B02020C02" pitchFamily="82" charset="0"/>
+              </a:rPr>
+              <a:t>  </a:t>
+            </a:r>
+            <a:r>
+              <a:rPr lang="en-US" sz="2800" dirty="0" smtClean="0"/>
+              <a:t>                                 Microservice APIs</a:t>
+            </a:r>
+            <a:endParaRPr lang="en-US" sz="2800" dirty="0"/>
+          </a:p>
+        </p:txBody>
+      </p:sp>
+      <p:pic>
+        <p:nvPicPr>
+          <p:cNvPr id="7" name="Content Placeholder 6"/>
+          <p:cNvPicPr>
+            <a:picLocks noGrp="1" noChangeAspect="1"/>
+          </p:cNvPicPr>
+          <p:nvPr>
+            <p:ph idx="1"/>
+          </p:nvPr>
+        </p:nvPicPr>
+        <p:blipFill>
+          <a:blip r:embed="rId2">
+            <a:extLst>
+              <a:ext uri="{28A0092B-C50C-407E-A947-70E740481C1C}">
+                <a14:useLocalDpi xmlns:a14="http://schemas.microsoft.com/office/drawing/2010/main" val="0"/>
+              </a:ext>
+            </a:extLst>
+          </a:blip>
+          <a:stretch>
+            <a:fillRect/>
+          </a:stretch>
+        </p:blipFill>
+        <p:spPr>
+          <a:xfrm>
+            <a:off x="711200" y="2302959"/>
+            <a:ext cx="7975600" cy="4486275"/>
+          </a:xfrm>
+        </p:spPr>
+      </p:pic>
+      <p:sp>
+        <p:nvSpPr>
+          <p:cNvPr id="4" name="Title 1">
+            <a:hlinkClick r:id="rId3" action="ppaction://hlinksldjump"/>
+          </p:cNvPr>
+          <p:cNvSpPr txBox="1">
+            <a:spLocks/>
+          </p:cNvSpPr>
+          <p:nvPr/>
+        </p:nvSpPr>
+        <p:spPr>
+          <a:xfrm>
+            <a:off x="367715" y="48103"/>
+            <a:ext cx="313005" cy="287177"/>
+          </a:xfrm>
+          <a:prstGeom prst="rect">
+            <a:avLst/>
+          </a:prstGeom>
+        </p:spPr>
+        <p:txBody>
+          <a:bodyPr vert="horz" lIns="91440" tIns="45720" rIns="91440" bIns="45720" rtlCol="0" anchor="t">
+            <a:normAutofit fontScale="55000" lnSpcReduction="20000"/>
+          </a:bodyPr>
+          <a:lstStyle>
+            <a:lvl1pPr algn="l" defTabSz="457200" rtl="0" eaLnBrk="1" latinLnBrk="0" hangingPunct="1">
+              <a:spcBef>
+                <a:spcPct val="0"/>
+              </a:spcBef>
+              <a:buNone/>
+              <a:defRPr sz="5000" b="0" i="0" kern="1200">
+                <a:solidFill>
+                  <a:srgbClr val="128BAD"/>
+                </a:solidFill>
+                <a:latin typeface="Calibri Light"/>
+                <a:ea typeface="+mj-ea"/>
+                <a:cs typeface="Calibri Light"/>
+              </a:defRPr>
+            </a:lvl1pPr>
+          </a:lstStyle>
+          <a:p>
+            <a:endParaRPr lang="en-US" sz="2800" dirty="0">
+              <a:solidFill>
+                <a:schemeClr val="bg1">
+                  <a:lumMod val="95000"/>
+                </a:schemeClr>
+              </a:solidFill>
+            </a:endParaRPr>
           </a:p>
         </p:txBody>
       </p:sp>
       <p:sp>
         <p:nvSpPr>
-          <p:cNvPr id="3" name="Content Placeholder 2"/>
-          <p:cNvSpPr>
-            <a:spLocks noGrp="1"/>
+          <p:cNvPr id="5" name="Title 1"/>
+          <p:cNvSpPr txBox="1">
+            <a:spLocks/>
           </p:cNvSpPr>
-          <p:nvPr>
-            <p:ph idx="1"/>
-          </p:nvPr>
+          <p:nvPr/>
         </p:nvSpPr>
         <p:spPr>
           <a:xfrm>
-            <a:off x="423416" y="1825625"/>
-            <a:ext cx="8720584" cy="4351338"/>
+            <a:off x="524217" y="233162"/>
+            <a:ext cx="7973645" cy="611790"/>
           </a:xfrm>
+          <a:prstGeom prst="rect">
+            <a:avLst/>
+          </a:prstGeom>
         </p:spPr>
         <p:txBody>
-          <a:bodyPr/>
-          <a:lstStyle/>
-          <a:p>
-            <a:pPr marL="342900" indent="-342900">
-              <a:buFont typeface="Arial" panose="020B0604020202020204" pitchFamily="34" charset="0"/>
-              <a:buChar char="•"/>
-            </a:pPr>
-            <a:r>
-              <a:rPr lang="en-US" sz="2000" dirty="0" smtClean="0"/>
-              <a:t>Mobile devices</a:t>
-            </a:r>
-          </a:p>
-          <a:p>
-            <a:endParaRPr lang="en-US" sz="2000" dirty="0"/>
-          </a:p>
-          <a:p>
-            <a:pPr marL="342900" indent="-342900">
-              <a:buFont typeface="Arial" panose="020B0604020202020204" pitchFamily="34" charset="0"/>
-              <a:buChar char="•"/>
-            </a:pPr>
-            <a:r>
-              <a:rPr lang="en-US" sz="2000" dirty="0" smtClean="0"/>
-              <a:t>Test </a:t>
-            </a:r>
-            <a:r>
-              <a:rPr lang="en-US" sz="2000" dirty="0" smtClean="0"/>
-              <a:t>Headless  : Trying to overcome CPU and Memory consumption</a:t>
-            </a:r>
-            <a:endParaRPr lang="en-US" sz="2000" dirty="0" smtClean="0"/>
-          </a:p>
-          <a:p>
-            <a:endParaRPr lang="en-US" sz="2000" dirty="0"/>
-          </a:p>
-          <a:p>
-            <a:pPr marL="342900" indent="-342900">
-              <a:buFont typeface="Arial" panose="020B0604020202020204" pitchFamily="34" charset="0"/>
-              <a:buChar char="•"/>
-            </a:pPr>
-            <a:r>
-              <a:rPr lang="en-US" sz="2000" dirty="0" smtClean="0"/>
-              <a:t>Additional Application Coverage</a:t>
-            </a:r>
-          </a:p>
-          <a:p>
-            <a:pPr marL="862013" lvl="1" indent="-285750">
-              <a:buFont typeface="Arial" panose="020B0604020202020204" pitchFamily="34" charset="0"/>
-              <a:buChar char="•"/>
-            </a:pPr>
-            <a:r>
-              <a:rPr lang="en-US" sz="1600" dirty="0" smtClean="0"/>
-              <a:t>New Support should be capable in ~10 working Days</a:t>
-            </a:r>
-            <a:endParaRPr lang="en-US" sz="1600" dirty="0"/>
-          </a:p>
-          <a:p>
-            <a:endParaRPr lang="en-US" sz="2000" dirty="0" smtClean="0"/>
-          </a:p>
-          <a:p>
-            <a:pPr marL="342900" indent="-342900">
-              <a:buFont typeface="Arial" panose="020B0604020202020204" pitchFamily="34" charset="0"/>
-              <a:buChar char="•"/>
-            </a:pPr>
-            <a:r>
-              <a:rPr lang="en-US" sz="2000" dirty="0" smtClean="0"/>
-              <a:t>Continue deriving mid layer commonality.  Move commonality to the bottom Layer. </a:t>
-            </a:r>
-          </a:p>
-          <a:p>
-            <a:pPr marL="919163" lvl="1" indent="-342900">
-              <a:buFont typeface="Arial" panose="020B0604020202020204" pitchFamily="34" charset="0"/>
-              <a:buChar char="•"/>
-            </a:pPr>
-            <a:r>
-              <a:rPr lang="en-US" sz="1800" dirty="0" smtClean="0"/>
-              <a:t>The smaller the mid layer, the easier to add </a:t>
-            </a:r>
-            <a:r>
-              <a:rPr lang="en-US" sz="1800" dirty="0" smtClean="0"/>
-              <a:t>new </a:t>
-            </a:r>
-            <a:r>
-              <a:rPr lang="en-US" sz="1800" dirty="0" smtClean="0"/>
-              <a:t>capability ( new applications )</a:t>
-            </a:r>
-          </a:p>
-          <a:p>
-            <a:endParaRPr lang="en-US" dirty="0"/>
+          <a:bodyPr vert="horz" lIns="91440" tIns="45720" rIns="91440" bIns="45720" rtlCol="0" anchor="t">
+            <a:normAutofit lnSpcReduction="10000"/>
+          </a:bodyPr>
+          <a:lstStyle>
+            <a:lvl1pPr algn="l" defTabSz="457200" rtl="0" eaLnBrk="1" latinLnBrk="0" hangingPunct="1">
+              <a:spcBef>
+                <a:spcPct val="0"/>
+              </a:spcBef>
+              <a:buNone/>
+              <a:defRPr sz="5000" b="0" i="0" kern="1200">
+                <a:solidFill>
+                  <a:srgbClr val="128BAD"/>
+                </a:solidFill>
+                <a:latin typeface="Calibri Light"/>
+                <a:ea typeface="+mj-ea"/>
+                <a:cs typeface="Calibri Light"/>
+              </a:defRPr>
+            </a:lvl1pPr>
+          </a:lstStyle>
+          <a:p>
+            <a:r>
+              <a:rPr lang="en-US" sz="3600" dirty="0" smtClean="0"/>
+              <a:t>Appendix:</a:t>
+            </a:r>
+            <a:endParaRPr lang="en-US" sz="2800" dirty="0"/>
           </a:p>
         </p:txBody>
       </p:sp>
     </p:spTree>
     <p:extLst>
       <p:ext uri="{BB962C8B-B14F-4D97-AF65-F5344CB8AC3E}">
-        <p14:creationId xmlns:p14="http://schemas.microsoft.com/office/powerpoint/2010/main" val="4061669032"/>
+        <p14:creationId xmlns:p14="http://schemas.microsoft.com/office/powerpoint/2010/main" val="2893813657"/>
       </p:ext>
     </p:extLst>
   </p:cSld>
@@ -3042,168 +3399,6 @@
       </p:grpSpPr>
       <p:sp>
         <p:nvSpPr>
-          <p:cNvPr id="2" name="Title 1"/>
-          <p:cNvSpPr>
-            <a:spLocks noGrp="1"/>
-          </p:cNvSpPr>
-          <p:nvPr>
-            <p:ph type="title"/>
-          </p:nvPr>
-        </p:nvSpPr>
-        <p:spPr/>
-        <p:txBody>
-          <a:bodyPr anchor="t">
-            <a:normAutofit/>
-          </a:bodyPr>
-          <a:lstStyle/>
-          <a:p>
-            <a:r>
-              <a:rPr lang="en-US" sz="3600" dirty="0" smtClean="0"/>
-              <a:t>Market Place  :  </a:t>
-            </a:r>
-            <a:r>
-              <a:rPr lang="en-US" sz="2800" dirty="0" smtClean="0"/>
-              <a:t>Provider Directory :    Other Apps</a:t>
-            </a:r>
-            <a:br>
-              <a:rPr lang="en-US" sz="2800" dirty="0" smtClean="0"/>
-            </a:br>
-            <a:r>
-              <a:rPr lang="en-US" sz="2800" dirty="0" smtClean="0"/>
-              <a:t> </a:t>
-            </a:r>
-            <a:r>
-              <a:rPr lang="en-US" sz="2800" dirty="0" smtClean="0">
-                <a:latin typeface="Bauhaus 93" panose="04030905020B02020C02" pitchFamily="82" charset="0"/>
-              </a:rPr>
-              <a:t>  </a:t>
-            </a:r>
-            <a:r>
-              <a:rPr lang="en-US" sz="2800" dirty="0" smtClean="0"/>
-              <a:t>                                 Microservice APIs</a:t>
-            </a:r>
-            <a:endParaRPr lang="en-US" sz="2800" dirty="0"/>
-          </a:p>
-        </p:txBody>
-      </p:sp>
-      <p:pic>
-        <p:nvPicPr>
-          <p:cNvPr id="7" name="Content Placeholder 6"/>
-          <p:cNvPicPr>
-            <a:picLocks noGrp="1" noChangeAspect="1"/>
-          </p:cNvPicPr>
-          <p:nvPr>
-            <p:ph idx="1"/>
-          </p:nvPr>
-        </p:nvPicPr>
-        <p:blipFill>
-          <a:blip r:embed="rId2">
-            <a:extLst>
-              <a:ext uri="{28A0092B-C50C-407E-A947-70E740481C1C}">
-                <a14:useLocalDpi xmlns:a14="http://schemas.microsoft.com/office/drawing/2010/main" val="0"/>
-              </a:ext>
-            </a:extLst>
-          </a:blip>
-          <a:stretch>
-            <a:fillRect/>
-          </a:stretch>
-        </p:blipFill>
-        <p:spPr>
-          <a:xfrm>
-            <a:off x="711200" y="1620044"/>
-            <a:ext cx="7975600" cy="4486275"/>
-          </a:xfrm>
-        </p:spPr>
-      </p:pic>
-      <p:sp>
-        <p:nvSpPr>
-          <p:cNvPr id="4" name="Title 1">
-            <a:hlinkClick r:id="rId3" action="ppaction://hlinksldjump"/>
-          </p:cNvPr>
-          <p:cNvSpPr txBox="1">
-            <a:spLocks/>
-          </p:cNvSpPr>
-          <p:nvPr/>
-        </p:nvSpPr>
-        <p:spPr>
-          <a:xfrm>
-            <a:off x="367715" y="48103"/>
-            <a:ext cx="313005" cy="287177"/>
-          </a:xfrm>
-          <a:prstGeom prst="rect">
-            <a:avLst/>
-          </a:prstGeom>
-        </p:spPr>
-        <p:txBody>
-          <a:bodyPr vert="horz" lIns="91440" tIns="45720" rIns="91440" bIns="45720" rtlCol="0" anchor="t">
-            <a:normAutofit fontScale="55000" lnSpcReduction="20000"/>
-          </a:bodyPr>
-          <a:lstStyle>
-            <a:lvl1pPr algn="l" defTabSz="457200" rtl="0" eaLnBrk="1" latinLnBrk="0" hangingPunct="1">
-              <a:spcBef>
-                <a:spcPct val="0"/>
-              </a:spcBef>
-              <a:buNone/>
-              <a:defRPr sz="5000" b="0" i="0" kern="1200">
-                <a:solidFill>
-                  <a:srgbClr val="128BAD"/>
-                </a:solidFill>
-                <a:latin typeface="Calibri Light"/>
-                <a:ea typeface="+mj-ea"/>
-                <a:cs typeface="Calibri Light"/>
-              </a:defRPr>
-            </a:lvl1pPr>
-          </a:lstStyle>
-          <a:p>
-            <a:endParaRPr lang="en-US" sz="2800" dirty="0">
-              <a:solidFill>
-                <a:schemeClr val="bg1">
-                  <a:lumMod val="95000"/>
-                </a:schemeClr>
-              </a:solidFill>
-            </a:endParaRPr>
-          </a:p>
-        </p:txBody>
-      </p:sp>
-    </p:spTree>
-    <p:extLst>
-      <p:ext uri="{BB962C8B-B14F-4D97-AF65-F5344CB8AC3E}">
-        <p14:creationId xmlns:p14="http://schemas.microsoft.com/office/powerpoint/2010/main" val="2893813657"/>
-      </p:ext>
-    </p:extLst>
-  </p:cSld>
-  <p:clrMapOvr>
-    <a:masterClrMapping/>
-  </p:clrMapOvr>
-  <p:timing>
-    <p:tnLst>
-      <p:par>
-        <p:cTn id="1" dur="indefinite" restart="never" nodeType="tmRoot"/>
-      </p:par>
-    </p:tnLst>
-  </p:timing>
-</p:sld>
-</file>
-
-<file path=ppt/slides/slide15.xml><?xml version="1.0" encoding="utf-8"?>
-<p:sld xmlns:a="http://schemas.openxmlformats.org/drawingml/2006/main" xmlns:r="http://schemas.openxmlformats.org/officeDocument/2006/relationships" xmlns:p="http://schemas.openxmlformats.org/presentationml/2006/main">
-  <p:cSld>
-    <p:spTree>
-      <p:nvGrpSpPr>
-        <p:cNvPr id="1" name=""/>
-        <p:cNvGrpSpPr/>
-        <p:nvPr/>
-      </p:nvGrpSpPr>
-      <p:grpSpPr>
-        <a:xfrm>
-          <a:off x="0" y="0"/>
-          <a:ext cx="0" cy="0"/>
-          <a:chOff x="0" y="0"/>
-          <a:chExt cx="0" cy="0"/>
-        </a:xfrm>
-      </p:grpSpPr>
-      <p:sp>
-        <p:nvSpPr>
           <p:cNvPr id="3" name="Content Placeholder 2"/>
           <p:cNvSpPr>
             <a:spLocks noGrp="1"/>
@@ -3214,7 +3409,7 @@
         </p:nvSpPr>
         <p:spPr>
           <a:xfrm>
-            <a:off x="797689" y="375920"/>
+            <a:off x="797689" y="1151423"/>
             <a:ext cx="2882096" cy="2367282"/>
           </a:xfrm>
         </p:spPr>
@@ -3272,7 +3467,7 @@
         </p:nvSpPr>
         <p:spPr>
           <a:xfrm>
-            <a:off x="4327968" y="743236"/>
+            <a:off x="4327968" y="1518739"/>
             <a:ext cx="3579470" cy="2798621"/>
           </a:xfrm>
           <a:prstGeom prst="rect">
@@ -3539,7 +3734,7 @@
         </p:nvCxnSpPr>
         <p:spPr>
           <a:xfrm flipH="1">
-            <a:off x="4721507" y="592070"/>
+            <a:off x="4721507" y="1367573"/>
             <a:ext cx="11575" cy="2891909"/>
           </a:xfrm>
           <a:prstGeom prst="line">
@@ -3574,7 +3769,7 @@
         </p:nvCxnSpPr>
         <p:spPr>
           <a:xfrm>
-            <a:off x="6088284" y="592070"/>
+            <a:off x="6088284" y="1367573"/>
             <a:ext cx="0" cy="2891909"/>
           </a:xfrm>
           <a:prstGeom prst="line">
@@ -3609,7 +3804,7 @@
         </p:nvCxnSpPr>
         <p:spPr>
           <a:xfrm>
-            <a:off x="7907438" y="592070"/>
+            <a:off x="7907438" y="1367573"/>
             <a:ext cx="0" cy="2891909"/>
           </a:xfrm>
           <a:prstGeom prst="line">
@@ -3646,7 +3841,7 @@
         </p:nvSpPr>
         <p:spPr>
           <a:xfrm>
-            <a:off x="4213185" y="3669947"/>
+            <a:off x="4213185" y="4445450"/>
             <a:ext cx="3969152" cy="956196"/>
           </a:xfrm>
           <a:prstGeom prst="rect">
@@ -3857,7 +4052,7 @@
         </p:nvSpPr>
         <p:spPr>
           <a:xfrm>
-            <a:off x="797689" y="3812379"/>
+            <a:off x="797689" y="4587882"/>
             <a:ext cx="3171463" cy="478097"/>
           </a:xfrm>
           <a:prstGeom prst="rect">
@@ -4049,7 +4244,7 @@
         </p:nvCxnSpPr>
         <p:spPr>
           <a:xfrm flipV="1">
-            <a:off x="3679785" y="3815916"/>
+            <a:off x="3679785" y="4591419"/>
             <a:ext cx="533400" cy="150471"/>
           </a:xfrm>
           <a:prstGeom prst="curvedConnector3">
@@ -4089,8 +4284,8 @@
         </p:nvSpPr>
         <p:spPr>
           <a:xfrm>
-            <a:off x="932728" y="4580485"/>
-            <a:ext cx="2882096" cy="2052322"/>
+            <a:off x="932728" y="5355988"/>
+            <a:ext cx="2882096" cy="1502012"/>
           </a:xfrm>
           <a:prstGeom prst="rect">
             <a:avLst/>
@@ -4339,6 +4534,52 @@
                 </a:schemeClr>
               </a:solidFill>
             </a:endParaRPr>
+          </a:p>
+        </p:txBody>
+      </p:sp>
+      <p:sp>
+        <p:nvSpPr>
+          <p:cNvPr id="13" name="Title 1"/>
+          <p:cNvSpPr txBox="1">
+            <a:spLocks/>
+          </p:cNvSpPr>
+          <p:nvPr/>
+        </p:nvSpPr>
+        <p:spPr>
+          <a:xfrm>
+            <a:off x="524217" y="233162"/>
+            <a:ext cx="7973645" cy="611790"/>
+          </a:xfrm>
+          <a:prstGeom prst="rect">
+            <a:avLst/>
+          </a:prstGeom>
+        </p:spPr>
+        <p:txBody>
+          <a:bodyPr vert="horz" lIns="91440" tIns="45720" rIns="91440" bIns="45720" rtlCol="0" anchor="t">
+            <a:normAutofit lnSpcReduction="10000"/>
+          </a:bodyPr>
+          <a:lstStyle>
+            <a:lvl1pPr algn="l" defTabSz="457200" rtl="0" eaLnBrk="1" latinLnBrk="0" hangingPunct="1">
+              <a:spcBef>
+                <a:spcPct val="0"/>
+              </a:spcBef>
+              <a:buNone/>
+              <a:defRPr sz="5000" b="0" i="0" kern="1200">
+                <a:solidFill>
+                  <a:srgbClr val="128BAD"/>
+                </a:solidFill>
+                <a:latin typeface="Calibri Light"/>
+                <a:ea typeface="+mj-ea"/>
+                <a:cs typeface="Calibri Light"/>
+              </a:defRPr>
+            </a:lvl1pPr>
+          </a:lstStyle>
+          <a:p>
+            <a:r>
+              <a:rPr lang="en-US" sz="3600" dirty="0" smtClean="0"/>
+              <a:t>Appendix:</a:t>
+            </a:r>
+            <a:endParaRPr lang="en-US" sz="2800" dirty="0"/>
           </a:p>
         </p:txBody>
       </p:sp>
@@ -4456,38 +4697,28 @@
               <a:rPr lang="en-US" sz="2000" b="1" dirty="0" smtClean="0">
                 <a:effectLst/>
               </a:rPr>
-              <a:t>The Test Automation frame work leverages available open source </a:t>
-            </a:r>
-            <a:r>
-              <a:rPr lang="en-US" sz="2000" b="1" dirty="0" smtClean="0">
-                <a:effectLst/>
+              <a:t>The Test Automation frame work leverages available open source technology</a:t>
+            </a:r>
+          </a:p>
+          <a:p>
+            <a:pPr lvl="1" indent="0">
+              <a:lnSpc>
+                <a:spcPct val="90000"/>
+              </a:lnSpc>
+              <a:spcBef>
+                <a:spcPts val="0"/>
+              </a:spcBef>
+              <a:buNone/>
+            </a:pPr>
+            <a:r>
+              <a:rPr lang="en-US" sz="1000" dirty="0" smtClean="0">
+                <a:solidFill>
+                  <a:schemeClr val="bg1">
+                    <a:lumMod val="95000"/>
+                  </a:schemeClr>
+                </a:solidFill>
               </a:rPr>
-              <a:t>technology</a:t>
-            </a:r>
-          </a:p>
-          <a:p>
-            <a:pPr lvl="1" indent="0">
-              <a:lnSpc>
-                <a:spcPct val="90000"/>
-              </a:lnSpc>
-              <a:spcBef>
-                <a:spcPts val="0"/>
-              </a:spcBef>
-              <a:buNone/>
-            </a:pPr>
-            <a:r>
-              <a:rPr lang="en-US" sz="1000" dirty="0" smtClean="0"/>
-              <a:t>	</a:t>
-            </a:r>
-            <a:r>
-              <a:rPr lang="en-US" sz="1000" dirty="0" smtClean="0">
-                <a:solidFill>
-                  <a:schemeClr val="bg1">
-                    <a:lumMod val="85000"/>
-                  </a:schemeClr>
-                </a:solidFill>
-              </a:rPr>
-              <a:t>Node, Protractor, JavaScript, Jenkins</a:t>
+              <a:t>	Node, Protractor, JavaScript, Jenkins</a:t>
             </a:r>
           </a:p>
           <a:p>
@@ -4540,13 +4771,7 @@
               <a:rPr lang="en-US" sz="2000" b="1" dirty="0" smtClean="0">
                 <a:effectLst/>
               </a:rPr>
-              <a:t>of CX Web </a:t>
-            </a:r>
-            <a:r>
-              <a:rPr lang="en-US" sz="2000" b="1" dirty="0" smtClean="0">
-                <a:effectLst/>
-              </a:rPr>
-              <a:t>Applications</a:t>
+              <a:t>of CX Web Applications</a:t>
             </a:r>
           </a:p>
           <a:p>
@@ -4561,6 +4786,11 @@
             </a:pPr>
             <a:r>
               <a:rPr lang="en-US" sz="800" dirty="0" smtClean="0">
+                <a:solidFill>
+                  <a:schemeClr val="bg1">
+                    <a:lumMod val="95000"/>
+                  </a:schemeClr>
+                </a:solidFill>
                 <a:effectLst/>
               </a:rPr>
               <a:t>	</a:t>
@@ -4569,7 +4799,7 @@
               <a:rPr lang="en-US" sz="1000" dirty="0" smtClean="0">
                 <a:solidFill>
                   <a:schemeClr val="bg1">
-                    <a:lumMod val="85000"/>
+                    <a:lumMod val="95000"/>
                   </a:schemeClr>
                 </a:solidFill>
                 <a:effectLst/>
@@ -4639,7 +4869,7 @@
               <a:rPr lang="en-US" sz="1000" dirty="0" smtClean="0">
                 <a:solidFill>
                   <a:schemeClr val="bg1">
-                    <a:lumMod val="85000"/>
+                    <a:lumMod val="95000"/>
                   </a:schemeClr>
                 </a:solidFill>
               </a:rPr>
@@ -4648,7 +4878,7 @@
             <a:endParaRPr lang="en-US" sz="1000" dirty="0" smtClean="0">
               <a:solidFill>
                 <a:schemeClr val="bg1">
-                  <a:lumMod val="85000"/>
+                  <a:lumMod val="95000"/>
                 </a:schemeClr>
               </a:solidFill>
               <a:effectLst/>
@@ -4667,11 +4897,7 @@
             </a:pPr>
             <a:r>
               <a:rPr lang="en-US" sz="2000" b="1" dirty="0" smtClean="0"/>
-              <a:t>The </a:t>
-            </a:r>
-            <a:r>
-              <a:rPr lang="en-US" sz="2000" b="1" dirty="0" smtClean="0"/>
-              <a:t>following provides an </a:t>
+              <a:t>The following provides an </a:t>
             </a:r>
             <a:r>
               <a:rPr lang="en-US" sz="2000" b="1" dirty="0" smtClean="0">
@@ -4799,7 +5025,7 @@
             </a:pPr>
             <a:r>
               <a:rPr lang="en-US" sz="2000" b="1" dirty="0" smtClean="0"/>
-              <a:t>Develop and deliver an automated </a:t>
+              <a:t>My Team develops and delivered an automated </a:t>
             </a:r>
             <a:r>
               <a:rPr lang="en-US" sz="2000" b="1" dirty="0"/>
@@ -4807,11 +5033,7 @@
             </a:r>
             <a:r>
               <a:rPr lang="en-US" sz="2000" b="1" dirty="0" smtClean="0"/>
-              <a:t>work for Delta Dental technology </a:t>
-            </a:r>
-            <a:r>
-              <a:rPr lang="en-US" sz="2000" b="1" dirty="0" smtClean="0"/>
-              <a:t>teams </a:t>
+              <a:t>work for Delta Dental technology teams ( CX, … )</a:t>
             </a:r>
           </a:p>
           <a:p>
@@ -4822,25 +5044,123 @@
               <a:rPr lang="en-US" sz="1000" dirty="0" smtClean="0">
                 <a:solidFill>
                   <a:schemeClr val="bg1">
-                    <a:lumMod val="85000"/>
+                    <a:lumMod val="95000"/>
                   </a:schemeClr>
                 </a:solidFill>
               </a:rPr>
               <a:t>Fairly new thinking :  Testing PD and Micro services I realized this was more than just CX shop &amp; buy</a:t>
             </a:r>
-            <a:endParaRPr lang="en-US" sz="1000" dirty="0" smtClean="0">
+          </a:p>
+          <a:p>
+            <a:r>
+              <a:rPr lang="en-US" sz="2000" dirty="0">
+                <a:solidFill>
+                  <a:schemeClr val="bg1">
+                    <a:lumMod val="95000"/>
+                  </a:schemeClr>
+                </a:solidFill>
+              </a:rPr>
+              <a:t>Our Purpose </a:t>
+            </a:r>
+            <a:endParaRPr lang="en-US" sz="2000" dirty="0"/>
+          </a:p>
+          <a:p>
+            <a:pPr marL="342900" indent="-342900">
+              <a:buFont typeface="Arial" panose="020B0604020202020204" pitchFamily="34" charset="0"/>
+              <a:buChar char="•"/>
+            </a:pPr>
+            <a:r>
+              <a:rPr lang="en-US" sz="2000" b="1" dirty="0" smtClean="0"/>
+              <a:t>Design </a:t>
+            </a:r>
+            <a:r>
+              <a:rPr lang="en-US" sz="2000" b="1" dirty="0"/>
+              <a:t>with a developmental philosophy that enables seasoned development engineers to create test scripts to validate their own </a:t>
+            </a:r>
+            <a:r>
+              <a:rPr lang="en-US" sz="2000" b="1" dirty="0" smtClean="0"/>
+              <a:t>work</a:t>
+            </a:r>
+          </a:p>
+          <a:p>
+            <a:pPr marL="576263" lvl="2" indent="0">
+              <a:buNone/>
+            </a:pPr>
+            <a:r>
+              <a:rPr lang="en-US" sz="1000" dirty="0" smtClean="0">
+                <a:solidFill>
+                  <a:schemeClr val="bg1">
+                    <a:lumMod val="95000"/>
+                  </a:schemeClr>
+                </a:solidFill>
+              </a:rPr>
+              <a:t>WE Designed mid Layer to off load manual steps:   Tons of  Code Level Documentation</a:t>
+            </a:r>
+            <a:endParaRPr lang="en-US" sz="1000" dirty="0">
               <a:solidFill>
                 <a:schemeClr val="bg1">
-                  <a:lumMod val="85000"/>
+                  <a:lumMod val="95000"/>
                 </a:schemeClr>
               </a:solidFill>
             </a:endParaRPr>
           </a:p>
           <a:p>
+            <a:r>
+              <a:rPr lang="en-US" sz="2000" dirty="0">
+                <a:solidFill>
+                  <a:schemeClr val="bg1">
+                    <a:lumMod val="95000"/>
+                  </a:schemeClr>
+                </a:solidFill>
+              </a:rPr>
+              <a:t>Our Purpose </a:t>
+            </a:r>
+            <a:endParaRPr lang="en-US" sz="2000" dirty="0"/>
+          </a:p>
+          <a:p>
             <a:pPr marL="342900" indent="-342900">
               <a:buFont typeface="Arial" panose="020B0604020202020204" pitchFamily="34" charset="0"/>
               <a:buChar char="•"/>
             </a:pPr>
+            <a:r>
+              <a:rPr lang="en-US" sz="2000" b="1" dirty="0" smtClean="0"/>
+              <a:t>Design the Framework with enough power and flexibility to meet </a:t>
+            </a:r>
+            <a:r>
+              <a:rPr lang="en-US" sz="2000" b="1" dirty="0"/>
+              <a:t>current and future </a:t>
+            </a:r>
+            <a:r>
+              <a:rPr lang="en-US" sz="2000" b="1" dirty="0" smtClean="0"/>
+              <a:t>needs</a:t>
+            </a:r>
+          </a:p>
+          <a:p>
+            <a:pPr lvl="1" indent="0">
+              <a:buNone/>
+            </a:pPr>
+            <a:r>
+              <a:rPr lang="en-US" sz="1000" dirty="0" smtClean="0">
+                <a:solidFill>
+                  <a:schemeClr val="bg1">
+                    <a:lumMod val="95000"/>
+                  </a:schemeClr>
+                </a:solidFill>
+              </a:rPr>
+              <a:t>Framework allows execution of multiple browsers simultaneous parallelism.     Open Source allows us to code throughout entire stack top to bottom.</a:t>
+            </a:r>
+          </a:p>
+          <a:p>
+            <a:r>
+              <a:rPr lang="en-US" sz="2000" dirty="0">
+                <a:solidFill>
+                  <a:schemeClr val="bg1">
+                    <a:lumMod val="95000"/>
+                  </a:schemeClr>
+                </a:solidFill>
+              </a:rPr>
+              <a:t>Our Purpose </a:t>
+            </a:r>
             <a:endParaRPr lang="en-US" sz="2000" dirty="0"/>
           </a:p>
           <a:p>
@@ -4849,59 +5169,8 @@
               <a:buChar char="•"/>
             </a:pPr>
             <a:r>
-              <a:rPr lang="en-US" sz="2000" b="1" dirty="0"/>
-              <a:t>Design with a developmental philosophy that enables seasoned development engineers to create test scripts to validate their own </a:t>
-            </a:r>
-            <a:r>
               <a:rPr lang="en-US" sz="2000" b="1" dirty="0" smtClean="0"/>
-              <a:t>work</a:t>
-            </a:r>
-          </a:p>
-          <a:p>
-            <a:pPr marL="576263" lvl="2" indent="0">
-              <a:buNone/>
-            </a:pPr>
-            <a:r>
-              <a:rPr lang="en-US" sz="1000" dirty="0" smtClean="0">
-                <a:solidFill>
-                  <a:schemeClr val="bg1">
-                    <a:lumMod val="85000"/>
-                  </a:schemeClr>
-                </a:solidFill>
-              </a:rPr>
-              <a:t>Designed mid Layer to off load manual steps:   Tons of  Code Level Documentation</a:t>
-            </a:r>
-            <a:endParaRPr lang="en-US" sz="1000" dirty="0">
-              <a:solidFill>
-                <a:schemeClr val="bg1">
-                  <a:lumMod val="85000"/>
-                </a:schemeClr>
-              </a:solidFill>
-            </a:endParaRPr>
-          </a:p>
-          <a:p>
-            <a:pPr marL="342900" indent="-342900">
-              <a:buFont typeface="Arial" panose="020B0604020202020204" pitchFamily="34" charset="0"/>
-              <a:buChar char="•"/>
-            </a:pPr>
-            <a:endParaRPr lang="en-US" sz="2000" dirty="0"/>
-          </a:p>
-          <a:p>
-            <a:pPr marL="342900" indent="-342900">
-              <a:buFont typeface="Arial" panose="020B0604020202020204" pitchFamily="34" charset="0"/>
-              <a:buChar char="•"/>
-            </a:pPr>
-            <a:r>
-              <a:rPr lang="en-US" sz="2000" b="1" dirty="0" smtClean="0"/>
-              <a:t>Design the Framework with enough power and flexibility to meet </a:t>
-            </a:r>
-            <a:r>
-              <a:rPr lang="en-US" sz="2000" b="1" dirty="0"/>
-              <a:t>current and future </a:t>
-            </a:r>
-            <a:r>
-              <a:rPr lang="en-US" sz="2000" b="1" dirty="0" smtClean="0"/>
-              <a:t>needs</a:t>
+              <a:t>Continue iterating on Framework functional improvement</a:t>
             </a:r>
           </a:p>
           <a:p>
@@ -4912,67 +5181,52 @@
               <a:rPr lang="en-US" sz="1000" dirty="0" smtClean="0">
                 <a:solidFill>
                   <a:schemeClr val="bg1">
-                    <a:lumMod val="85000"/>
-                  </a:schemeClr>
-                </a:solidFill>
-              </a:rPr>
-              <a:t>Open source products used to develop framework allow us to execute multiple browsers simultaneously allowing execution parallelism</a:t>
-            </a:r>
-            <a:endParaRPr lang="en-US" sz="1000" dirty="0" smtClean="0">
-              <a:solidFill>
-                <a:schemeClr val="bg1">
-                  <a:lumMod val="85000"/>
-                </a:schemeClr>
-              </a:solidFill>
-            </a:endParaRPr>
-          </a:p>
-          <a:p>
-            <a:pPr marL="342900" indent="-342900">
-              <a:buFont typeface="Arial" panose="020B0604020202020204" pitchFamily="34" charset="0"/>
-              <a:buChar char="•"/>
-            </a:pPr>
-            <a:endParaRPr lang="en-US" sz="2000" dirty="0" smtClean="0"/>
-          </a:p>
-          <a:p>
-            <a:pPr marL="342900" indent="-342900">
-              <a:buFont typeface="Arial" panose="020B0604020202020204" pitchFamily="34" charset="0"/>
-              <a:buChar char="•"/>
-            </a:pPr>
-            <a:r>
-              <a:rPr lang="en-US" sz="2000" b="1" dirty="0" smtClean="0"/>
-              <a:t>Continue iterating on Framework functional </a:t>
-            </a:r>
-            <a:r>
-              <a:rPr lang="en-US" sz="2000" b="1" dirty="0" smtClean="0"/>
-              <a:t>improvement</a:t>
-            </a:r>
-          </a:p>
-          <a:p>
-            <a:pPr lvl="1" indent="0">
-              <a:buNone/>
-            </a:pPr>
-            <a:r>
-              <a:rPr lang="en-US" sz="1000" dirty="0" smtClean="0">
-                <a:solidFill>
-                  <a:schemeClr val="bg1">
-                    <a:lumMod val="85000"/>
+                    <a:lumMod val="95000"/>
                   </a:schemeClr>
                 </a:solidFill>
               </a:rPr>
               <a:t>Continuous improvement refactoring the mid layer:  smaller mid layer  supports more apps</a:t>
             </a:r>
-            <a:endParaRPr lang="en-US" sz="1000" dirty="0" smtClean="0">
-              <a:solidFill>
-                <a:schemeClr val="bg1">
-                  <a:lumMod val="85000"/>
-                </a:schemeClr>
-              </a:solidFill>
-            </a:endParaRPr>
           </a:p>
           <a:p>
             <a:endParaRPr lang="en-US" dirty="0"/>
           </a:p>
           <a:p>
+            <a:endParaRPr lang="en-US" dirty="0"/>
+          </a:p>
+        </p:txBody>
+      </p:sp>
+      <p:sp>
+        <p:nvSpPr>
+          <p:cNvPr id="2" name="Rectangle 1"/>
+          <p:cNvSpPr/>
+          <p:nvPr/>
+        </p:nvSpPr>
+        <p:spPr>
+          <a:xfrm>
+            <a:off x="278173" y="1266682"/>
+            <a:ext cx="1414170" cy="369332"/>
+          </a:xfrm>
+          <a:prstGeom prst="rect">
+            <a:avLst/>
+          </a:prstGeom>
+        </p:spPr>
+        <p:txBody>
+          <a:bodyPr wrap="none">
+            <a:spAutoFit/>
+          </a:bodyPr>
+          <a:lstStyle/>
+          <a:p>
+            <a:r>
+              <a:rPr lang="en-US" dirty="0" smtClean="0">
+                <a:solidFill>
+                  <a:schemeClr val="bg1">
+                    <a:lumMod val="95000"/>
+                  </a:schemeClr>
+                </a:solidFill>
+              </a:rPr>
+              <a:t>Our Purpose </a:t>
+            </a:r>
             <a:endParaRPr lang="en-US" dirty="0"/>
           </a:p>
         </p:txBody>
@@ -5070,7 +5324,7 @@
         <p:spPr>
           <a:xfrm>
             <a:off x="278295" y="1192693"/>
-            <a:ext cx="8367993" cy="5665307"/>
+            <a:ext cx="8865705" cy="2403353"/>
           </a:xfrm>
         </p:spPr>
         <p:txBody>
@@ -5115,9 +5369,9 @@
             </a:r>
           </a:p>
           <a:p>
-            <a:pPr marL="919163" lvl="1" indent="-342900">
-              <a:lnSpc>
-                <a:spcPct val="135000"/>
+            <a:pPr marL="342900" indent="-342900">
+              <a:lnSpc>
+                <a:spcPct val="105000"/>
               </a:lnSpc>
               <a:spcBef>
                 <a:spcPts val="0"/>
@@ -5126,12 +5380,17 @@
               <a:buChar char="•"/>
             </a:pPr>
             <a:r>
-              <a:rPr lang="en-US" sz="1600" b="1" dirty="0" smtClean="0"/>
-              <a:t>California is no longer the horizon !</a:t>
-            </a:r>
-          </a:p>
-          <a:p>
-            <a:pPr marL="342900" indent="-342900">
+              <a:rPr lang="en-US" sz="2000" b="1" dirty="0" smtClean="0"/>
+              <a:t>To </a:t>
+            </a:r>
+            <a:r>
+              <a:rPr lang="en-US" sz="2000" b="1" dirty="0" smtClean="0"/>
+              <a:t>scale as projected </a:t>
+            </a:r>
+            <a:endParaRPr lang="en-US" sz="2000" b="1" dirty="0" smtClean="0"/>
+          </a:p>
+          <a:p>
+            <a:pPr marL="919163" lvl="1" indent="-342900">
               <a:lnSpc>
                 <a:spcPct val="105000"/>
               </a:lnSpc>
@@ -5142,61 +5401,44 @@
               <a:buChar char="•"/>
             </a:pPr>
             <a:r>
-              <a:rPr lang="en-US" sz="2000" b="1" dirty="0" smtClean="0"/>
-              <a:t>To scale </a:t>
-            </a:r>
-            <a:r>
-              <a:rPr lang="en-US" sz="2000" b="1" dirty="0" smtClean="0"/>
-              <a:t>as </a:t>
-            </a:r>
-            <a:r>
-              <a:rPr lang="en-US" sz="2000" b="1" dirty="0" smtClean="0"/>
-              <a:t>projected we have to change how we develop </a:t>
-            </a:r>
-            <a:r>
-              <a:rPr lang="en-US" sz="2000" b="1" dirty="0" smtClean="0"/>
-              <a:t>tests</a:t>
-            </a:r>
-          </a:p>
-          <a:p>
-            <a:pPr marL="566738" lvl="2" indent="0">
-              <a:lnSpc>
-                <a:spcPct val="105000"/>
-              </a:lnSpc>
-              <a:spcBef>
-                <a:spcPts val="0"/>
-              </a:spcBef>
-              <a:buNone/>
-            </a:pPr>
-            <a:r>
-              <a:rPr lang="en-US" sz="1000" dirty="0" smtClean="0">
+              <a:rPr lang="en-US" sz="1600" b="1" dirty="0" smtClean="0"/>
+              <a:t>we </a:t>
+            </a:r>
+            <a:r>
+              <a:rPr lang="en-US" sz="1600" b="1" dirty="0" smtClean="0"/>
+              <a:t>have to change how we develop </a:t>
+            </a:r>
+            <a:r>
+              <a:rPr lang="en-US" sz="1600" b="1" dirty="0" smtClean="0"/>
+              <a:t>tests   </a:t>
+            </a:r>
+            <a:r>
+              <a:rPr lang="en-US" sz="1000" b="1" dirty="0" smtClean="0">
                 <a:solidFill>
                   <a:schemeClr val="bg1">
-                    <a:lumMod val="85000"/>
+                    <a:lumMod val="65000"/>
                   </a:schemeClr>
                 </a:solidFill>
               </a:rPr>
-              <a:t>Roll out in support:  Developers will start functional page integration test development    :      Industry practice</a:t>
-            </a:r>
-          </a:p>
-          <a:p>
-            <a:pPr marL="966788" lvl="4" indent="0">
-              <a:lnSpc>
-                <a:spcPct val="105000"/>
-              </a:lnSpc>
-              <a:spcBef>
-                <a:spcPts val="0"/>
-              </a:spcBef>
-              <a:buNone/>
-            </a:pPr>
-            <a:r>
-              <a:rPr lang="en-US" sz="200" dirty="0" smtClean="0"/>
-              <a:t>      </a:t>
-            </a:r>
-            <a:endParaRPr lang="en-US" sz="200" dirty="0" smtClean="0"/>
-          </a:p>
-          <a:p>
-            <a:pPr marL="342900" indent="-342900">
+              <a:t>:</a:t>
+            </a:r>
+            <a:r>
+              <a:rPr lang="en-US" sz="1600" b="1" dirty="0" smtClean="0"/>
+              <a:t>   </a:t>
+            </a:r>
+            <a:r>
+              <a:rPr lang="en-US" sz="1000" b="1" dirty="0" smtClean="0">
+                <a:solidFill>
+                  <a:schemeClr val="bg1">
+                    <a:lumMod val="65000"/>
+                  </a:schemeClr>
+                </a:solidFill>
+              </a:rPr>
+              <a:t>roll out   :    page Integration test    :      Industry practice </a:t>
+            </a:r>
+          </a:p>
+          <a:p>
+            <a:pPr marL="919163" lvl="1" indent="-342900">
               <a:lnSpc>
                 <a:spcPct val="105000"/>
               </a:lnSpc>
@@ -5207,16 +5449,46 @@
               <a:buChar char="•"/>
             </a:pPr>
             <a:r>
-              <a:rPr lang="en-US" sz="2000" b="1" dirty="0" smtClean="0"/>
-              <a:t>To scale as projected we have changed how we select</a:t>
-            </a:r>
-            <a:r>
               <a:rPr lang="en-US" sz="1600" b="1" dirty="0" smtClean="0"/>
-              <a:t> &amp; </a:t>
-            </a:r>
-            <a:r>
-              <a:rPr lang="en-US" sz="2000" b="1" dirty="0" smtClean="0"/>
-              <a:t>control execution</a:t>
+              <a:t>we </a:t>
+            </a:r>
+            <a:r>
+              <a:rPr lang="en-US" sz="1600" b="1" dirty="0" smtClean="0"/>
+              <a:t>have changed how we select &amp; control </a:t>
+            </a:r>
+            <a:r>
+              <a:rPr lang="en-US" sz="1600" b="1" dirty="0" smtClean="0"/>
+              <a:t>execution   </a:t>
+            </a:r>
+            <a:r>
+              <a:rPr lang="en-US" sz="1000" b="1" dirty="0" smtClean="0">
+                <a:solidFill>
+                  <a:schemeClr val="bg1">
+                    <a:lumMod val="65000"/>
+                  </a:schemeClr>
+                </a:solidFill>
+              </a:rPr>
+              <a:t>now in Scaling </a:t>
+            </a:r>
+            <a:r>
+              <a:rPr lang="en-US" sz="1000" b="1" dirty="0">
+                <a:solidFill>
+                  <a:schemeClr val="bg1">
+                    <a:lumMod val="65000"/>
+                  </a:schemeClr>
+                </a:solidFill>
+              </a:rPr>
+              <a:t>Mode </a:t>
+            </a:r>
+            <a:r>
+              <a:rPr lang="en-US" sz="1000" b="1" dirty="0" smtClean="0">
+                <a:solidFill>
+                  <a:schemeClr val="bg1">
+                    <a:lumMod val="65000"/>
+                  </a:schemeClr>
+                </a:solidFill>
+              </a:rPr>
+              <a:t>:  groups of states &amp; Fcns  are named phases</a:t>
             </a:r>
           </a:p>
           <a:p>
@@ -5230,22 +5502,16 @@
               <a:buNone/>
             </a:pPr>
             <a:r>
-              <a:rPr lang="en-US" sz="1000" dirty="0" smtClean="0">
+              <a:rPr lang="en-US" sz="200" b="1" dirty="0" smtClean="0">
                 <a:solidFill>
                   <a:schemeClr val="bg1">
-                    <a:lumMod val="85000"/>
+                    <a:lumMod val="65000"/>
                   </a:schemeClr>
                 </a:solidFill>
               </a:rPr>
-              <a:t>Prod Mgt now in Scaling Mode we move to state groups named phases </a:t>
-            </a:r>
-            <a:endParaRPr lang="en-US" sz="1000" dirty="0" smtClean="0">
-              <a:solidFill>
-                <a:schemeClr val="bg1">
-                  <a:lumMod val="85000"/>
-                </a:schemeClr>
-              </a:solidFill>
-            </a:endParaRPr>
+              <a:t>   </a:t>
+            </a:r>
+            <a:endParaRPr lang="en-US" sz="700" b="1" dirty="0" smtClean="0"/>
           </a:p>
           <a:p>
             <a:pPr marL="342900" indent="-342900">
@@ -5260,7 +5526,11 @@
             </a:pPr>
             <a:r>
               <a:rPr lang="en-US" sz="2000" b="1" dirty="0" smtClean="0"/>
-              <a:t>Massive reduction in the number of hours  Manual VS Automated</a:t>
+              <a:t>Massive </a:t>
+            </a:r>
+            <a:r>
+              <a:rPr lang="en-US" sz="2000" b="1" dirty="0" smtClean="0"/>
+              <a:t>reduction in the number of hours  Manual VS Automated</a:t>
             </a:r>
           </a:p>
           <a:p>
@@ -5639,13 +5909,8 @@
             </a:pPr>
             <a:r>
               <a:rPr lang="en-US" sz="1400" b="1" dirty="0" smtClean="0"/>
-              <a:t>Development frequently comes to CXTA for </a:t>
-            </a:r>
-            <a:r>
-              <a:rPr lang="en-US" sz="1400" b="1" dirty="0" smtClean="0"/>
-              <a:t>confidence vote on the product.  </a:t>
-            </a:r>
-            <a:endParaRPr lang="en-US" sz="1400" b="1" dirty="0" smtClean="0"/>
+              <a:t>Development frequently comes to CXTA for confidence vote on the product.  </a:t>
+            </a:r>
           </a:p>
           <a:p>
             <a:pPr marL="919163" lvl="1" indent="-342900">
@@ -5660,39 +5925,7 @@
             </a:pPr>
             <a:r>
               <a:rPr lang="en-US" sz="1400" b="1" dirty="0" smtClean="0"/>
-              <a:t>Always able </a:t>
-            </a:r>
-            <a:r>
-              <a:rPr lang="en-US" sz="1400" b="1" dirty="0" smtClean="0"/>
-              <a:t>to </a:t>
-            </a:r>
-            <a:r>
-              <a:rPr lang="en-US" sz="1400" b="1" dirty="0" smtClean="0"/>
-              <a:t>provide </a:t>
-            </a:r>
-            <a:r>
-              <a:rPr lang="en-US" sz="1400" b="1" dirty="0" smtClean="0"/>
-              <a:t>within hours </a:t>
-            </a:r>
-            <a:r>
-              <a:rPr lang="en-US" sz="1400" b="1" dirty="0" smtClean="0"/>
-              <a:t>a </a:t>
-            </a:r>
-            <a:r>
-              <a:rPr lang="en-US" sz="1400" b="1" dirty="0" smtClean="0"/>
-              <a:t>report </a:t>
-            </a:r>
-            <a:r>
-              <a:rPr lang="en-US" sz="1400" b="1" dirty="0" smtClean="0"/>
-              <a:t>on </a:t>
-            </a:r>
-            <a:r>
-              <a:rPr lang="en-US" sz="1400" b="1" dirty="0" smtClean="0"/>
-              <a:t>product </a:t>
-            </a:r>
-            <a:r>
-              <a:rPr lang="en-US" sz="1400" b="1" dirty="0" smtClean="0"/>
-              <a:t>viability</a:t>
+              <a:t>Always able to provide within hours a report on product viability</a:t>
             </a:r>
           </a:p>
           <a:p>
@@ -5730,7 +5963,6 @@
               <a:rPr lang="en-US" sz="2000" b="1" dirty="0" smtClean="0"/>
               <a:t>Agile Team operation : Bug fix resolution cycle!</a:t>
             </a:r>
-            <a:endParaRPr lang="en-US" sz="2000" b="1" dirty="0" smtClean="0"/>
           </a:p>
           <a:p>
             <a:pPr marL="919163" lvl="1" indent="-342900">
@@ -5766,37 +5998,7 @@
                   </a:schemeClr>
                 </a:solidFill>
               </a:rPr>
-              <a:t>Product </a:t>
-            </a:r>
-            <a:r>
-              <a:rPr lang="en-US" sz="1200" b="1" dirty="0" smtClean="0">
-                <a:solidFill>
-                  <a:schemeClr val="bg1">
-                    <a:lumMod val="75000"/>
-                  </a:schemeClr>
-                </a:solidFill>
-              </a:rPr>
-              <a:t>Architect claimed at one point, “ That’s why I liked Test Automation so much.”  </a:t>
-            </a:r>
-            <a:r>
-              <a:rPr lang="en-US" sz="1200" b="1" dirty="0" smtClean="0">
-                <a:solidFill>
-                  <a:schemeClr val="bg1">
-                    <a:lumMod val="75000"/>
-                  </a:schemeClr>
-                </a:solidFill>
-              </a:rPr>
-              <a:t>Test Automation </a:t>
-            </a:r>
-            <a:r>
-              <a:rPr lang="en-US" sz="1200" b="1" dirty="0" smtClean="0">
-                <a:solidFill>
-                  <a:schemeClr val="bg1">
-                    <a:lumMod val="75000"/>
-                  </a:schemeClr>
-                </a:solidFill>
-              </a:rPr>
-              <a:t>ran the same script that forced the problem to the surface and ran identically proving the fix was successful</a:t>
+              <a:t>Product Architect claimed at one point, “ That’s why I liked Test Automation so much.”  Test Automation ran the same script that forced the problem to the surface and ran identically proving the fix was successful</a:t>
             </a:r>
           </a:p>
           <a:p>
@@ -5812,7 +6014,6 @@
               <a:rPr lang="en-US" sz="1600" dirty="0" smtClean="0"/>
               <a:t>              </a:t>
             </a:r>
-            <a:endParaRPr lang="en-US" sz="1600" dirty="0" smtClean="0"/>
           </a:p>
           <a:p>
             <a:pPr>
@@ -5934,7 +6135,7 @@
         <p:spPr>
           <a:xfrm>
             <a:off x="282110" y="1795828"/>
-            <a:ext cx="8822133" cy="4403194"/>
+            <a:ext cx="8822133" cy="2237692"/>
           </a:xfrm>
         </p:spPr>
         <p:txBody>
@@ -5982,7 +6183,15 @@
             </a:pPr>
             <a:r>
               <a:rPr lang="en-US" sz="2000" b="1" dirty="0" smtClean="0"/>
-              <a:t>Development staff to write </a:t>
+              <a:t>Development staff </a:t>
+            </a:r>
+            <a:r>
+              <a:rPr lang="en-US" sz="2000" b="1" dirty="0" smtClean="0"/>
+              <a:t>will </a:t>
+            </a:r>
+            <a:r>
+              <a:rPr lang="en-US" sz="2000" b="1" dirty="0" smtClean="0"/>
+              <a:t>write </a:t>
             </a:r>
             <a:r>
               <a:rPr lang="en-US" sz="2000" b="1" dirty="0"/>
@@ -5990,11 +6199,7 @@
             </a:r>
             <a:r>
               <a:rPr lang="en-US" sz="2000" b="1" dirty="0" smtClean="0"/>
-              <a:t>supporting their </a:t>
-            </a:r>
-            <a:r>
-              <a:rPr lang="en-US" sz="2000" b="1" dirty="0" smtClean="0"/>
-              <a:t>work</a:t>
+              <a:t>supporting their work</a:t>
             </a:r>
             <a:endParaRPr lang="en-US" sz="2000" b="1" dirty="0"/>
           </a:p>
@@ -6008,7 +6213,19 @@
             </a:pPr>
             <a:r>
               <a:rPr lang="en-US" sz="1400" b="1" dirty="0" smtClean="0"/>
-              <a:t>Evolutionary step</a:t>
+              <a:t>This </a:t>
+            </a:r>
+            <a:r>
+              <a:rPr lang="en-US" sz="1400" b="1" dirty="0" smtClean="0"/>
+              <a:t>scripting </a:t>
+            </a:r>
+            <a:r>
+              <a:rPr lang="en-US" sz="1400" b="1" dirty="0"/>
+              <a:t>will be page specific feature level integration </a:t>
+            </a:r>
+            <a:r>
+              <a:rPr lang="en-US" sz="1400" b="1" dirty="0" smtClean="0"/>
+              <a:t>tests</a:t>
             </a:r>
           </a:p>
           <a:p>
@@ -6021,20 +6238,9 @@
             </a:pPr>
             <a:r>
               <a:rPr lang="en-US" sz="1400" b="1" dirty="0" smtClean="0"/>
-              <a:t>This </a:t>
-            </a:r>
-            <a:r>
-              <a:rPr lang="en-US" sz="1400" b="1" dirty="0" smtClean="0"/>
-              <a:t>scripting </a:t>
-            </a:r>
-            <a:r>
-              <a:rPr lang="en-US" sz="1400" b="1" dirty="0"/>
-              <a:t>will be page specific feature level integration </a:t>
-            </a:r>
-            <a:r>
-              <a:rPr lang="en-US" sz="1400" b="1" dirty="0" smtClean="0"/>
-              <a:t>tests</a:t>
-            </a:r>
+              <a:t>REST API test scripting  covers all basic use and edge case work</a:t>
+            </a:r>
+            <a:endParaRPr lang="en-US" sz="1400" b="1" dirty="0" smtClean="0"/>
           </a:p>
           <a:p>
             <a:pPr marL="342900" indent="-342900">
@@ -6046,15 +6252,7 @@
             </a:pPr>
             <a:r>
               <a:rPr lang="en-US" sz="2000" b="1" dirty="0" smtClean="0"/>
-              <a:t>CXTA </a:t>
-            </a:r>
-            <a:r>
-              <a:rPr lang="en-US" sz="2000" b="1" dirty="0" smtClean="0"/>
-              <a:t>team continues with </a:t>
-            </a:r>
-            <a:r>
-              <a:rPr lang="en-US" sz="2000" b="1" dirty="0" smtClean="0"/>
-              <a:t>Use Case End </a:t>
+              <a:t>CXTA team continues with Use Case End </a:t>
             </a:r>
             <a:r>
               <a:rPr lang="en-US" sz="2000" b="1" dirty="0"/>
@@ -6063,7 +6261,83 @@
             <a:endParaRPr lang="en-US" sz="2000" b="1" dirty="0" smtClean="0"/>
           </a:p>
           <a:p>
-            <a:pPr marL="919163" lvl="1" indent="-342900">
+            <a:pPr lvl="1" indent="0">
+              <a:lnSpc>
+                <a:spcPct val="125000"/>
+              </a:lnSpc>
+              <a:buNone/>
+            </a:pPr>
+            <a:r>
+              <a:rPr lang="en-US" sz="1000" b="1" dirty="0">
+                <a:solidFill>
+                  <a:schemeClr val="bg1">
+                    <a:lumMod val="95000"/>
+                  </a:schemeClr>
+                </a:solidFill>
+              </a:rPr>
+              <a:t>Inclusion of development staff in the automation development process we align our teams much like the rest of the </a:t>
+            </a:r>
+            <a:r>
+              <a:rPr lang="en-US" sz="1000" b="1" dirty="0" smtClean="0">
+                <a:solidFill>
+                  <a:schemeClr val="bg1">
+                    <a:lumMod val="95000"/>
+                  </a:schemeClr>
+                </a:solidFill>
+              </a:rPr>
+              <a:t>industry</a:t>
+            </a:r>
+          </a:p>
+          <a:p>
+            <a:pPr lvl="1" indent="0">
+              <a:lnSpc>
+                <a:spcPct val="125000"/>
+              </a:lnSpc>
+              <a:buNone/>
+            </a:pPr>
+            <a:endParaRPr lang="en-US" sz="900" b="1" dirty="0" smtClean="0"/>
+          </a:p>
+        </p:txBody>
+      </p:sp>
+      <p:sp>
+        <p:nvSpPr>
+          <p:cNvPr id="6" name="Title 1"/>
+          <p:cNvSpPr txBox="1">
+            <a:spLocks/>
+          </p:cNvSpPr>
+          <p:nvPr/>
+        </p:nvSpPr>
+        <p:spPr>
+          <a:xfrm>
+            <a:off x="282110" y="4135120"/>
+            <a:ext cx="4127330" cy="1776456"/>
+          </a:xfrm>
+          <a:prstGeom prst="rect">
+            <a:avLst/>
+          </a:prstGeom>
+        </p:spPr>
+        <p:txBody>
+          <a:bodyPr vert="horz" lIns="91440" tIns="45720" rIns="91440" bIns="45720" rtlCol="0" anchor="t">
+            <a:noAutofit/>
+          </a:bodyPr>
+          <a:lstStyle>
+            <a:lvl1pPr algn="l" defTabSz="457200" rtl="0" eaLnBrk="1" latinLnBrk="0" hangingPunct="1">
+              <a:spcBef>
+                <a:spcPct val="0"/>
+              </a:spcBef>
+              <a:buNone/>
+              <a:defRPr sz="5000" b="0" i="0" kern="1200">
+                <a:solidFill>
+                  <a:srgbClr val="128BAD"/>
+                </a:solidFill>
+                <a:latin typeface="Calibri Light"/>
+                <a:ea typeface="+mj-ea"/>
+                <a:cs typeface="Calibri Light"/>
+              </a:defRPr>
+            </a:lvl1pPr>
+          </a:lstStyle>
+          <a:p>
+            <a:pPr marL="342900" indent="-342900">
               <a:lnSpc>
                 <a:spcPct val="125000"/>
               </a:lnSpc>
@@ -6071,37 +6345,16 @@
               <a:buChar char="•"/>
             </a:pPr>
             <a:r>
-              <a:rPr lang="en-US" sz="1000" b="1" dirty="0">
-                <a:solidFill>
-                  <a:schemeClr val="bg1">
-                    <a:lumMod val="85000"/>
-                  </a:schemeClr>
+              <a:rPr lang="en-US" sz="2000" b="1" dirty="0">
+                <a:solidFill>
+                  <a:schemeClr val="tx1"/>
                 </a:solidFill>
               </a:rPr>
-              <a:t>Inclusion of development staff in the automation development process we align our teams much like the rest of the </a:t>
-            </a:r>
-            <a:r>
-              <a:rPr lang="en-US" sz="1000" b="1" dirty="0" smtClean="0">
-                <a:solidFill>
-                  <a:schemeClr val="bg1">
-                    <a:lumMod val="85000"/>
-                  </a:schemeClr>
-                </a:solidFill>
-              </a:rPr>
-              <a:t>industry</a:t>
-            </a:r>
-          </a:p>
-          <a:p>
-            <a:pPr lvl="1" indent="0">
-              <a:lnSpc>
-                <a:spcPct val="125000"/>
-              </a:lnSpc>
-              <a:buNone/>
-            </a:pPr>
-            <a:endParaRPr lang="en-US" sz="900" b="1" dirty="0" smtClean="0"/>
-          </a:p>
-          <a:p>
-            <a:pPr marL="342900" indent="-342900">
+              <a:t>CXTA team continues development of the Test Automation framework</a:t>
+            </a:r>
+          </a:p>
+          <a:p>
+            <a:pPr marL="919163" lvl="1" indent="-342900">
               <a:lnSpc>
                 <a:spcPct val="125000"/>
               </a:lnSpc>
@@ -6109,35 +6362,80 @@
               <a:buChar char="•"/>
             </a:pPr>
             <a:r>
-              <a:rPr lang="en-US" sz="2000" b="1" dirty="0" smtClean="0"/>
-              <a:t>CXTA </a:t>
-            </a:r>
-            <a:r>
-              <a:rPr lang="en-US" sz="2000" b="1" dirty="0" smtClean="0"/>
-              <a:t>team continues development of the </a:t>
-            </a:r>
-            <a:r>
-              <a:rPr lang="en-US" sz="2000" b="1" dirty="0" smtClean="0"/>
-              <a:t>Test Automation </a:t>
-            </a:r>
-            <a:r>
-              <a:rPr lang="en-US" sz="2000" b="1" dirty="0" smtClean="0"/>
-              <a:t>framework</a:t>
-            </a:r>
-          </a:p>
-          <a:p>
-            <a:pPr marL="919163" lvl="1" indent="-342900">
-              <a:lnSpc>
-                <a:spcPct val="125000"/>
-              </a:lnSpc>
-              <a:buFont typeface="Arial" panose="020B0604020202020204" pitchFamily="34" charset="0"/>
-              <a:buChar char="•"/>
-            </a:pPr>
-            <a:r>
-              <a:rPr lang="en-US" sz="1400" b="1" dirty="0" smtClean="0"/>
+              <a:rPr lang="en-US" sz="1400" b="1" dirty="0"/>
               <a:t>Refactoring the Mid Layer is key to adding more product under test</a:t>
             </a:r>
-            <a:endParaRPr lang="en-US" sz="1400" b="1" dirty="0"/>
+          </a:p>
+        </p:txBody>
+      </p:sp>
+      <p:pic>
+        <p:nvPicPr>
+          <p:cNvPr id="2" name="Picture 1"/>
+          <p:cNvPicPr>
+            <a:picLocks noChangeAspect="1"/>
+          </p:cNvPicPr>
+          <p:nvPr/>
+        </p:nvPicPr>
+        <p:blipFill>
+          <a:blip r:embed="rId2">
+            <a:extLst>
+              <a:ext uri="{28A0092B-C50C-407E-A947-70E740481C1C}">
+                <a14:useLocalDpi xmlns:a14="http://schemas.microsoft.com/office/drawing/2010/main" val="0"/>
+              </a:ext>
+            </a:extLst>
+          </a:blip>
+          <a:stretch>
+            <a:fillRect/>
+          </a:stretch>
+        </p:blipFill>
+        <p:spPr>
+          <a:xfrm>
+            <a:off x="4950153" y="4135120"/>
+            <a:ext cx="3613376" cy="2623197"/>
+          </a:xfrm>
+          <a:prstGeom prst="rect">
+            <a:avLst/>
+          </a:prstGeom>
+        </p:spPr>
+      </p:pic>
+      <p:sp>
+        <p:nvSpPr>
+          <p:cNvPr id="3" name="Right Arrow 2"/>
+          <p:cNvSpPr/>
+          <p:nvPr/>
+        </p:nvSpPr>
+        <p:spPr>
+          <a:xfrm>
+            <a:off x="1009384" y="5454376"/>
+            <a:ext cx="3940769" cy="457200"/>
+          </a:xfrm>
+          <a:prstGeom prst="rightArrow">
+            <a:avLst>
+              <a:gd name="adj1" fmla="val 45556"/>
+              <a:gd name="adj2" fmla="val 138889"/>
+            </a:avLst>
+          </a:prstGeom>
+        </p:spPr>
+        <p:style>
+          <a:lnRef idx="1">
+            <a:schemeClr val="accent1"/>
+          </a:lnRef>
+          <a:fillRef idx="3">
+            <a:schemeClr val="accent1"/>
+          </a:fillRef>
+          <a:effectRef idx="2">
+            <a:schemeClr val="accent1"/>
+          </a:effectRef>
+          <a:fontRef idx="minor">
+            <a:schemeClr val="lt1"/>
+          </a:fontRef>
+        </p:style>
+        <p:txBody>
+          <a:bodyPr rtlCol="0" anchor="ctr"/>
+          <a:lstStyle/>
+          <a:p>
+            <a:pPr algn="ctr"/>
+            <a:endParaRPr lang="en-US"/>
           </a:p>
         </p:txBody>
       </p:sp>
@@ -6265,7 +6563,11 @@
             </a:r>
             <a:r>
               <a:rPr lang="en-US" sz="1200" b="1" dirty="0" smtClean="0"/>
-              <a:t>MOT</a:t>
+              <a:t>MOT - </a:t>
+            </a:r>
+            <a:r>
+              <a:rPr lang="en-US" sz="1200" b="1" dirty="0" err="1" smtClean="0"/>
+              <a:t>Cron</a:t>
             </a:r>
             <a:endParaRPr lang="en-US" sz="1200" b="1" dirty="0"/>
           </a:p>
@@ -6287,7 +6589,7 @@
             </a:r>
             <a:r>
               <a:rPr lang="en-US" sz="1200" b="1" dirty="0" smtClean="0"/>
-              <a:t>DIT</a:t>
+              <a:t>DIT - Jenkins</a:t>
             </a:r>
             <a:endParaRPr lang="en-US" sz="1200" b="1" dirty="0"/>
           </a:p>
@@ -6311,9 +6613,13 @@
             </a:r>
             <a:r>
               <a:rPr lang="en-US" sz="2000" b="1" dirty="0" smtClean="0"/>
-              <a:t>testing:  Biggest Evolutionary Advance</a:t>
-            </a:r>
-            <a:endParaRPr lang="en-US" sz="2000" b="1" dirty="0"/>
+              <a:t>testing:  </a:t>
+            </a:r>
+            <a:r>
+              <a:rPr lang="en-US" sz="2000" b="1" u="sng" dirty="0" smtClean="0"/>
+              <a:t>Biggest Evolutionary Advance</a:t>
+            </a:r>
+            <a:endParaRPr lang="en-US" sz="2000" b="1" u="sng" dirty="0"/>
           </a:p>
           <a:p>
             <a:pPr lvl="1">
@@ -6371,11 +6677,7 @@
           <a:p>
             <a:r>
               <a:rPr lang="en-US" sz="2000" b="1" dirty="0" smtClean="0"/>
-              <a:t>All </a:t>
-            </a:r>
-            <a:r>
-              <a:rPr lang="en-US" sz="2000" b="1" dirty="0" smtClean="0"/>
-              <a:t>testing regardless of mode is </a:t>
+              <a:t>All testing regardless of mode is </a:t>
             </a:r>
             <a:r>
               <a:rPr lang="en-US" sz="2000" b="1" u="sng" dirty="0" smtClean="0"/>
@@ -6393,15 +6695,7 @@
             </a:pPr>
             <a:r>
               <a:rPr lang="en-US" sz="1800" b="1" dirty="0" smtClean="0"/>
-              <a:t>Developers use </a:t>
-            </a:r>
-            <a:r>
-              <a:rPr lang="en-US" sz="1800" b="1" dirty="0" smtClean="0"/>
-              <a:t>configuration to </a:t>
-            </a:r>
-            <a:r>
-              <a:rPr lang="en-US" sz="1800" b="1" dirty="0" smtClean="0"/>
-              <a:t>focus testing on development code</a:t>
+              <a:t>Developers use configuration to focus testing on development code</a:t>
             </a:r>
           </a:p>
           <a:p>
@@ -6413,7 +6707,6 @@
               <a:rPr lang="en-US" sz="1800" b="1" dirty="0" smtClean="0"/>
               <a:t>Gives CXTA ability to test on same deployed code w/out stepping on Dev</a:t>
             </a:r>
-            <a:endParaRPr lang="en-US" sz="1800" b="1" dirty="0" smtClean="0"/>
           </a:p>
           <a:p>
             <a:pPr marL="457206" lvl="1" indent="0">
@@ -6476,298 +6769,6 @@
         </p:nvSpPr>
         <p:spPr>
           <a:xfrm>
-            <a:off x="318052" y="-15019"/>
-            <a:ext cx="8686246" cy="1106902"/>
-          </a:xfrm>
-        </p:spPr>
-        <p:txBody>
-          <a:bodyPr anchor="t">
-            <a:noAutofit/>
-          </a:bodyPr>
-          <a:lstStyle/>
-          <a:p>
-            <a:pPr algn="ctr">
-              <a:lnSpc>
-                <a:spcPct val="90000"/>
-              </a:lnSpc>
-            </a:pPr>
-            <a:r>
-              <a:rPr lang="en-US" dirty="0" smtClean="0"/>
-              <a:t>INDEPENDENT PRODUCT  TESTING </a:t>
-            </a:r>
-            <a:endParaRPr lang="en-US" dirty="0"/>
-          </a:p>
-        </p:txBody>
-      </p:sp>
-      <p:sp>
-        <p:nvSpPr>
-          <p:cNvPr id="3" name="Content Placeholder 2"/>
-          <p:cNvSpPr>
-            <a:spLocks noGrp="1"/>
-          </p:cNvSpPr>
-          <p:nvPr>
-            <p:ph idx="1"/>
-          </p:nvPr>
-        </p:nvSpPr>
-        <p:spPr>
-          <a:xfrm>
-            <a:off x="274555" y="1839480"/>
-            <a:ext cx="8580658" cy="4589026"/>
-          </a:xfrm>
-        </p:spPr>
-        <p:txBody>
-          <a:bodyPr>
-            <a:normAutofit/>
-          </a:bodyPr>
-          <a:lstStyle/>
-          <a:p>
-            <a:pPr marL="342900" indent="-342900">
-              <a:lnSpc>
-                <a:spcPct val="110000"/>
-              </a:lnSpc>
-              <a:buFont typeface="Arial" panose="020B0604020202020204" pitchFamily="34" charset="0"/>
-              <a:buChar char="•"/>
-            </a:pPr>
-            <a:r>
-              <a:rPr lang="en-US" sz="2000" b="1" dirty="0"/>
-              <a:t>The ability to test a products full abilities independently of all other products is a pressing </a:t>
-            </a:r>
-            <a:r>
-              <a:rPr lang="en-US" sz="2000" b="1" dirty="0" smtClean="0"/>
-              <a:t>need</a:t>
-            </a:r>
-          </a:p>
-          <a:p>
-            <a:pPr lvl="1" indent="0">
-              <a:lnSpc>
-                <a:spcPct val="110000"/>
-              </a:lnSpc>
-              <a:buNone/>
-            </a:pPr>
-            <a:r>
-              <a:rPr lang="en-US" sz="1000" dirty="0" smtClean="0">
-                <a:solidFill>
-                  <a:schemeClr val="bg1">
-                    <a:lumMod val="75000"/>
-                  </a:schemeClr>
-                </a:solidFill>
-              </a:rPr>
-              <a:t>Solution had multiple rewards   scaling ( state X Prod )    Content Scaling</a:t>
-            </a:r>
-            <a:endParaRPr lang="en-US" sz="1000" dirty="0" smtClean="0">
-              <a:solidFill>
-                <a:schemeClr val="bg1">
-                  <a:lumMod val="75000"/>
-                </a:schemeClr>
-              </a:solidFill>
-            </a:endParaRPr>
-          </a:p>
-          <a:p>
-            <a:pPr marL="342900" indent="-342900">
-              <a:lnSpc>
-                <a:spcPct val="110000"/>
-              </a:lnSpc>
-              <a:buFont typeface="Arial" panose="020B0604020202020204" pitchFamily="34" charset="0"/>
-              <a:buChar char="•"/>
-            </a:pPr>
-            <a:endParaRPr lang="en-US" sz="2000" dirty="0" smtClean="0"/>
-          </a:p>
-          <a:p>
-            <a:pPr marL="342900" indent="-342900">
-              <a:lnSpc>
-                <a:spcPct val="110000"/>
-              </a:lnSpc>
-              <a:buFont typeface="Arial" panose="020B0604020202020204" pitchFamily="34" charset="0"/>
-              <a:buChar char="•"/>
-            </a:pPr>
-            <a:r>
-              <a:rPr lang="en-US" sz="2000" b="1" dirty="0" smtClean="0"/>
-              <a:t>S</a:t>
-            </a:r>
-            <a:r>
-              <a:rPr lang="en-US" sz="2000" b="1" dirty="0" smtClean="0"/>
-              <a:t>olution reduces quantity </a:t>
-            </a:r>
-            <a:r>
-              <a:rPr lang="en-US" sz="2000" b="1" dirty="0"/>
-              <a:t>of </a:t>
-            </a:r>
-            <a:r>
-              <a:rPr lang="en-US" sz="2000" b="1" dirty="0" smtClean="0"/>
-              <a:t>code.  But there </a:t>
-            </a:r>
-            <a:r>
-              <a:rPr lang="en-US" sz="2000" b="1" dirty="0" smtClean="0"/>
-              <a:t>is a </a:t>
-            </a:r>
-            <a:r>
-              <a:rPr lang="en-US" sz="2000" b="1" dirty="0" smtClean="0"/>
-              <a:t>complexity cost</a:t>
-            </a:r>
-            <a:endParaRPr lang="en-US" sz="2000" b="1" dirty="0"/>
-          </a:p>
-          <a:p>
-            <a:pPr marL="566738" lvl="2" indent="0">
-              <a:lnSpc>
-                <a:spcPct val="110000"/>
-              </a:lnSpc>
-              <a:buNone/>
-            </a:pPr>
-            <a:r>
-              <a:rPr lang="en-US" sz="1000" dirty="0">
-                <a:solidFill>
-                  <a:schemeClr val="bg1">
-                    <a:lumMod val="75000"/>
-                  </a:schemeClr>
-                </a:solidFill>
-              </a:rPr>
-              <a:t>O</a:t>
-            </a:r>
-            <a:r>
-              <a:rPr lang="en-US" sz="1000" dirty="0" smtClean="0">
-                <a:solidFill>
-                  <a:schemeClr val="bg1">
-                    <a:lumMod val="75000"/>
-                  </a:schemeClr>
-                </a:solidFill>
-              </a:rPr>
-              <a:t>ne time complexity cost to develop / modify existing code  vs.  </a:t>
-            </a:r>
-            <a:r>
-              <a:rPr lang="en-US" sz="1000" dirty="0" smtClean="0">
-                <a:solidFill>
-                  <a:schemeClr val="bg1">
-                    <a:lumMod val="75000"/>
-                  </a:schemeClr>
-                </a:solidFill>
-              </a:rPr>
-              <a:t>There will be sooo </a:t>
-            </a:r>
-            <a:r>
-              <a:rPr lang="en-US" sz="1000" dirty="0" smtClean="0">
-                <a:solidFill>
-                  <a:schemeClr val="bg1">
-                    <a:lumMod val="75000"/>
-                  </a:schemeClr>
-                </a:solidFill>
-              </a:rPr>
-              <a:t> much less code to manage</a:t>
-            </a:r>
-            <a:endParaRPr lang="en-US" sz="1600" dirty="0" smtClean="0">
-              <a:solidFill>
-                <a:schemeClr val="bg1">
-                  <a:lumMod val="75000"/>
-                </a:schemeClr>
-              </a:solidFill>
-            </a:endParaRPr>
-          </a:p>
-          <a:p>
-            <a:pPr>
-              <a:lnSpc>
-                <a:spcPct val="110000"/>
-              </a:lnSpc>
-            </a:pPr>
-            <a:endParaRPr lang="en-US" sz="2000" dirty="0" smtClean="0"/>
-          </a:p>
-          <a:p>
-            <a:pPr marL="342900" indent="-342900">
-              <a:lnSpc>
-                <a:spcPct val="110000"/>
-              </a:lnSpc>
-              <a:buFont typeface="Arial" panose="020B0604020202020204" pitchFamily="34" charset="0"/>
-              <a:buChar char="•"/>
-            </a:pPr>
-            <a:endParaRPr lang="en-US" sz="2000" dirty="0" smtClean="0"/>
-          </a:p>
-          <a:p>
-            <a:pPr marL="342900" indent="-342900">
-              <a:lnSpc>
-                <a:spcPct val="110000"/>
-              </a:lnSpc>
-              <a:buFont typeface="Arial" panose="020B0604020202020204" pitchFamily="34" charset="0"/>
-              <a:buChar char="•"/>
-            </a:pPr>
-            <a:r>
-              <a:rPr lang="en-US" sz="2000" dirty="0" smtClean="0">
-                <a:solidFill>
-                  <a:srgbClr val="FF0000"/>
-                </a:solidFill>
-              </a:rPr>
-              <a:t>CXTA</a:t>
-            </a:r>
-            <a:r>
-              <a:rPr lang="en-US" sz="2000" dirty="0">
-                <a:solidFill>
-                  <a:srgbClr val="FF0000"/>
-                </a:solidFill>
-              </a:rPr>
-              <a:t> sees a direct correlation in manner and approach between refactoring code base and new test data framework methodology giving us the ability to address content test data regionally or by product selection</a:t>
-            </a:r>
-            <a:r>
-              <a:rPr lang="en-US" sz="2000" dirty="0" smtClean="0">
-                <a:solidFill>
-                  <a:srgbClr val="FF0000"/>
-                </a:solidFill>
-              </a:rPr>
-              <a:t>.  Independent Product Testing opened a door for us …</a:t>
-            </a:r>
-            <a:endParaRPr lang="en-US" sz="2000" dirty="0">
-              <a:solidFill>
-                <a:srgbClr val="FF0000"/>
-              </a:solidFill>
-            </a:endParaRPr>
-          </a:p>
-        </p:txBody>
-      </p:sp>
-    </p:spTree>
-    <p:extLst>
-      <p:ext uri="{BB962C8B-B14F-4D97-AF65-F5344CB8AC3E}">
-        <p14:creationId xmlns:p14="http://schemas.microsoft.com/office/powerpoint/2010/main" val="3651171831"/>
-      </p:ext>
-    </p:extLst>
-  </p:cSld>
-  <p:clrMapOvr>
-    <a:masterClrMapping/>
-  </p:clrMapOvr>
-  <p:timing>
-    <p:tnLst>
-      <p:par>
-        <p:cTn id="1" dur="indefinite" restart="never" nodeType="tmRoot"/>
-      </p:par>
-    </p:tnLst>
-  </p:timing>
-</p:sld>
-</file>
-
-<file path=ppt/slides/slide9.xml><?xml version="1.0" encoding="utf-8"?>
-<p:sld xmlns:a="http://schemas.openxmlformats.org/drawingml/2006/main" xmlns:r="http://schemas.openxmlformats.org/officeDocument/2006/relationships" xmlns:p="http://schemas.openxmlformats.org/presentationml/2006/main">
-  <p:cSld>
-    <p:spTree>
-      <p:nvGrpSpPr>
-        <p:cNvPr id="1" name=""/>
-        <p:cNvGrpSpPr/>
-        <p:nvPr/>
-      </p:nvGrpSpPr>
-      <p:grpSpPr>
-        <a:xfrm>
-          <a:off x="0" y="0"/>
-          <a:ext cx="0" cy="0"/>
-          <a:chOff x="0" y="0"/>
-          <a:chExt cx="0" cy="0"/>
-        </a:xfrm>
-      </p:grpSpPr>
-      <p:sp>
-        <p:nvSpPr>
-          <p:cNvPr id="2" name="Title 1"/>
-          <p:cNvSpPr>
-            <a:spLocks noGrp="1"/>
-          </p:cNvSpPr>
-          <p:nvPr>
-            <p:ph type="title"/>
-          </p:nvPr>
-        </p:nvSpPr>
-        <p:spPr>
-          <a:xfrm>
             <a:off x="1641767" y="129597"/>
             <a:ext cx="5101934" cy="1325563"/>
           </a:xfrm>
@@ -6808,21 +6809,58 @@
           <a:lstStyle/>
           <a:p>
             <a:r>
+              <a:rPr lang="en-US" u="sng" dirty="0" smtClean="0"/>
+              <a:t>Three levels </a:t>
+            </a:r>
+            <a:r>
+              <a:rPr lang="en-US" u="sng" dirty="0"/>
+              <a:t>of </a:t>
+            </a:r>
+            <a:r>
+              <a:rPr lang="en-US" u="sng" dirty="0" smtClean="0"/>
+              <a:t>reporting</a:t>
+            </a:r>
+          </a:p>
+          <a:p>
+            <a:pPr>
+              <a:spcBef>
+                <a:spcPts val="0"/>
+              </a:spcBef>
+            </a:pPr>
+            <a:r>
+              <a:rPr lang="en-US" sz="400" dirty="0" smtClean="0"/>
+              <a:t>    </a:t>
+            </a:r>
+            <a:endParaRPr lang="en-US" sz="400" dirty="0"/>
+          </a:p>
+          <a:p>
+            <a:r>
+              <a:rPr lang="en-US" b="1" dirty="0" smtClean="0"/>
+              <a:t>Hyper granular</a:t>
+            </a:r>
+            <a:r>
               <a:rPr lang="en-US" dirty="0" smtClean="0"/>
-              <a:t>Reporting:  Three levels of information</a:t>
-            </a:r>
-          </a:p>
-          <a:p>
-            <a:r>
-              <a:rPr lang="en-US" sz="1400" dirty="0" smtClean="0"/>
-              <a:t>    </a:t>
-            </a:r>
-            <a:endParaRPr lang="en-US" sz="1400" dirty="0"/>
-          </a:p>
-          <a:p>
+              <a:t>:  </a:t>
+            </a:r>
+          </a:p>
+          <a:p>
+            <a:pPr marL="342900" indent="-342900">
+              <a:buFont typeface="Arial" panose="020B0604020202020204" pitchFamily="34" charset="0"/>
+              <a:buChar char="•"/>
+            </a:pPr>
             <a:r>
               <a:rPr lang="en-US" dirty="0" smtClean="0"/>
-              <a:t>Hyper granular:  Cover every Assert and Compare in Framework</a:t>
+              <a:t>Primary for debugging.</a:t>
+            </a:r>
+          </a:p>
+          <a:p>
+            <a:pPr marL="342900" indent="-342900">
+              <a:buFont typeface="Arial" panose="020B0604020202020204" pitchFamily="34" charset="0"/>
+              <a:buChar char="•"/>
+            </a:pPr>
+            <a:r>
+              <a:rPr lang="en-US" dirty="0" smtClean="0"/>
+              <a:t>Covers every Assert or comparison in Framework</a:t>
             </a:r>
           </a:p>
           <a:p>
@@ -6889,8 +6927,8 @@
         </p:blipFill>
         <p:spPr>
           <a:xfrm>
-            <a:off x="330483" y="3396343"/>
-            <a:ext cx="4285060" cy="3196045"/>
+            <a:off x="330483" y="4023360"/>
+            <a:ext cx="4285060" cy="2807063"/>
           </a:xfrm>
           <a:prstGeom prst="rect">
             <a:avLst/>
@@ -6901,6 +6939,203 @@
     <p:extLst>
       <p:ext uri="{BB962C8B-B14F-4D97-AF65-F5344CB8AC3E}">
         <p14:creationId xmlns:p14="http://schemas.microsoft.com/office/powerpoint/2010/main" val="21198343"/>
+      </p:ext>
+    </p:extLst>
+  </p:cSld>
+  <p:clrMapOvr>
+    <a:masterClrMapping/>
+  </p:clrMapOvr>
+  <p:timing>
+    <p:tnLst>
+      <p:par>
+        <p:cTn id="1" dur="indefinite" restart="never" nodeType="tmRoot"/>
+      </p:par>
+    </p:tnLst>
+  </p:timing>
+</p:sld>
+</file>
+
+<file path=ppt/slides/slide9.xml><?xml version="1.0" encoding="utf-8"?>
+<p:sld xmlns:a="http://schemas.openxmlformats.org/drawingml/2006/main" xmlns:r="http://schemas.openxmlformats.org/officeDocument/2006/relationships" xmlns:p="http://schemas.openxmlformats.org/presentationml/2006/main">
+  <p:cSld>
+    <p:spTree>
+      <p:nvGrpSpPr>
+        <p:cNvPr id="1" name=""/>
+        <p:cNvGrpSpPr/>
+        <p:nvPr/>
+      </p:nvGrpSpPr>
+      <p:grpSpPr>
+        <a:xfrm>
+          <a:off x="0" y="0"/>
+          <a:ext cx="0" cy="0"/>
+          <a:chOff x="0" y="0"/>
+          <a:chExt cx="0" cy="0"/>
+        </a:xfrm>
+      </p:grpSpPr>
+      <p:sp>
+        <p:nvSpPr>
+          <p:cNvPr id="2" name="Title 1"/>
+          <p:cNvSpPr>
+            <a:spLocks noGrp="1"/>
+          </p:cNvSpPr>
+          <p:nvPr>
+            <p:ph type="title"/>
+          </p:nvPr>
+        </p:nvSpPr>
+        <p:spPr>
+          <a:xfrm>
+            <a:off x="1641767" y="129597"/>
+            <a:ext cx="5101934" cy="1325563"/>
+          </a:xfrm>
+        </p:spPr>
+        <p:txBody>
+          <a:bodyPr anchor="t"/>
+          <a:lstStyle/>
+          <a:p>
+            <a:pPr algn="ctr"/>
+            <a:r>
+              <a:rPr lang="en-US" dirty="0" smtClean="0"/>
+              <a:t>REPORTING</a:t>
+            </a:r>
+            <a:endParaRPr lang="en-US" dirty="0"/>
+          </a:p>
+        </p:txBody>
+      </p:sp>
+      <p:sp>
+        <p:nvSpPr>
+          <p:cNvPr id="3" name="Content Placeholder 2"/>
+          <p:cNvSpPr>
+            <a:spLocks noGrp="1"/>
+          </p:cNvSpPr>
+          <p:nvPr>
+            <p:ph idx="1"/>
+          </p:nvPr>
+        </p:nvSpPr>
+        <p:spPr>
+          <a:xfrm>
+            <a:off x="432843" y="914087"/>
+            <a:ext cx="4860517" cy="2337113"/>
+          </a:xfrm>
+        </p:spPr>
+        <p:txBody>
+          <a:bodyPr/>
+          <a:lstStyle/>
+          <a:p>
+            <a:r>
+              <a:rPr lang="en-US" u="sng" dirty="0"/>
+              <a:t>Three levels of </a:t>
+            </a:r>
+            <a:r>
+              <a:rPr lang="en-US" u="sng" dirty="0" smtClean="0"/>
+              <a:t>reporting</a:t>
+            </a:r>
+          </a:p>
+          <a:p>
+            <a:pPr>
+              <a:spcBef>
+                <a:spcPts val="0"/>
+              </a:spcBef>
+            </a:pPr>
+            <a:r>
+              <a:rPr lang="en-US" sz="800" dirty="0"/>
+              <a:t> </a:t>
+            </a:r>
+            <a:endParaRPr lang="en-US" u="sng" dirty="0"/>
+          </a:p>
+          <a:p>
+            <a:pPr indent="-234950"/>
+            <a:r>
+              <a:rPr lang="en-US" b="1" dirty="0" smtClean="0"/>
+              <a:t>Test Run Specific</a:t>
+            </a:r>
+            <a:r>
+              <a:rPr lang="en-US" dirty="0" smtClean="0"/>
+              <a:t>:  </a:t>
+            </a:r>
+          </a:p>
+          <a:p>
+            <a:pPr indent="-234950"/>
+            <a:r>
+              <a:rPr lang="en-US" dirty="0" smtClean="0"/>
+              <a:t>Test Function Pass / Fail </a:t>
+            </a:r>
+          </a:p>
+          <a:p>
+            <a:pPr marL="684213" lvl="1" indent="-342900">
+              <a:buFont typeface="Arial" panose="020B0604020202020204" pitchFamily="34" charset="0"/>
+              <a:buChar char="•"/>
+            </a:pPr>
+            <a:r>
+              <a:rPr lang="en-US" dirty="0" smtClean="0"/>
+              <a:t>Current Standard test run encompassing test specific data and testRun specifics</a:t>
+            </a:r>
+          </a:p>
+        </p:txBody>
+      </p:sp>
+      <p:pic>
+        <p:nvPicPr>
+          <p:cNvPr id="5" name="Picture 4"/>
+          <p:cNvPicPr>
+            <a:picLocks noChangeAspect="1"/>
+          </p:cNvPicPr>
+          <p:nvPr/>
+        </p:nvPicPr>
+        <p:blipFill>
+          <a:blip r:embed="rId2">
+            <a:extLst>
+              <a:ext uri="{28A0092B-C50C-407E-A947-70E740481C1C}">
+                <a14:useLocalDpi xmlns:a14="http://schemas.microsoft.com/office/drawing/2010/main" val="0"/>
+              </a:ext>
+            </a:extLst>
+          </a:blip>
+          <a:stretch>
+            <a:fillRect/>
+          </a:stretch>
+        </p:blipFill>
+        <p:spPr>
+          <a:xfrm>
+            <a:off x="5428527" y="832327"/>
+            <a:ext cx="3599233" cy="6025673"/>
+          </a:xfrm>
+          <a:prstGeom prst="rect">
+            <a:avLst/>
+          </a:prstGeom>
+        </p:spPr>
+      </p:pic>
+      <p:pic>
+        <p:nvPicPr>
+          <p:cNvPr id="6" name="Picture 5"/>
+          <p:cNvPicPr>
+            <a:picLocks noChangeAspect="1"/>
+          </p:cNvPicPr>
+          <p:nvPr/>
+        </p:nvPicPr>
+        <p:blipFill>
+          <a:blip r:embed="rId3">
+            <a:extLst>
+              <a:ext uri="{28A0092B-C50C-407E-A947-70E740481C1C}">
+                <a14:useLocalDpi xmlns:a14="http://schemas.microsoft.com/office/drawing/2010/main" val="0"/>
+              </a:ext>
+            </a:extLst>
+          </a:blip>
+          <a:stretch>
+            <a:fillRect/>
+          </a:stretch>
+        </p:blipFill>
+        <p:spPr>
+          <a:xfrm>
+            <a:off x="321831" y="3429000"/>
+            <a:ext cx="5082540" cy="2811780"/>
+          </a:xfrm>
+          <a:prstGeom prst="rect">
+            <a:avLst/>
+          </a:prstGeom>
+        </p:spPr>
+      </p:pic>
+    </p:spTree>
+    <p:extLst>
+      <p:ext uri="{BB962C8B-B14F-4D97-AF65-F5344CB8AC3E}">
+        <p14:creationId xmlns:p14="http://schemas.microsoft.com/office/powerpoint/2010/main" val="3243345129"/>
       </p:ext>
     </p:extLst>
   </p:cSld>
@@ -7744,15 +7979,15 @@
 <file path=customXml/itemProps3.xml><?xml version="1.0" encoding="utf-8"?>
 <ds:datastoreItem xmlns:ds="http://schemas.openxmlformats.org/officeDocument/2006/customXml" ds:itemID="{39B4CF60-C0DC-4692-912B-881AF8D8CFF5}">
   <ds:schemaRefs>
+    <ds:schemaRef ds:uri="http://schemas.openxmlformats.org/package/2006/metadata/core-properties"/>
+    <ds:schemaRef ds:uri="http://schemas.microsoft.com/office/infopath/2007/PartnerControls"/>
+    <ds:schemaRef ds:uri="http://schemas.microsoft.com/office/2006/documentManagement/types"/>
+    <ds:schemaRef ds:uri="http://purl.org/dc/terms/"/>
     <ds:schemaRef ds:uri="http://purl.org/dc/elements/1.1/"/>
-    <ds:schemaRef ds:uri="http://schemas.microsoft.com/office/2006/documentManagement/types"/>
-    <ds:schemaRef ds:uri="http://schemas.microsoft.com/office/infopath/2007/PartnerControls"/>
-    <ds:schemaRef ds:uri="http://schemas.openxmlformats.org/package/2006/metadata/core-properties"/>
+    <ds:schemaRef ds:uri="a9328eaf-6333-4034-a7ce-997665b5f80d"/>
+    <ds:schemaRef ds:uri="http://schemas.microsoft.com/office/2006/metadata/properties"/>
     <ds:schemaRef ds:uri="http://www.w3.org/XML/1998/namespace"/>
     <ds:schemaRef ds:uri="http://purl.org/dc/dcmitype/"/>
-    <ds:schemaRef ds:uri="http://schemas.microsoft.com/office/2006/metadata/properties"/>
-    <ds:schemaRef ds:uri="a9328eaf-6333-4034-a7ce-997665b5f80d"/>
-    <ds:schemaRef ds:uri="http://purl.org/dc/terms/"/>
   </ds:schemaRefs>
 </ds:datastoreItem>
 </file>

--- a/CurrentWork_Delta/CX_StrategyPowerPoint.pptx
+++ b/CurrentWork_Delta/CX_StrategyPowerPoint.pptx
@@ -5,7 +5,7 @@
     <p:sldMasterId id="2147483648" r:id="rId5"/>
   </p:sldMasterIdLst>
   <p:notesMasterIdLst>
-    <p:notesMasterId r:id="rId20"/>
+    <p:notesMasterId r:id="rId23"/>
   </p:notesMasterIdLst>
   <p:sldIdLst>
     <p:sldId id="256" r:id="rId6"/>
@@ -14,14 +14,17 @@
     <p:sldId id="263" r:id="rId9"/>
     <p:sldId id="283" r:id="rId10"/>
     <p:sldId id="271" r:id="rId11"/>
-    <p:sldId id="274" r:id="rId12"/>
-    <p:sldId id="275" r:id="rId13"/>
-    <p:sldId id="281" r:id="rId14"/>
-    <p:sldId id="282" r:id="rId15"/>
-    <p:sldId id="273" r:id="rId16"/>
-    <p:sldId id="279" r:id="rId17"/>
-    <p:sldId id="280" r:id="rId18"/>
-    <p:sldId id="284" r:id="rId19"/>
+    <p:sldId id="286" r:id="rId12"/>
+    <p:sldId id="274" r:id="rId13"/>
+    <p:sldId id="287" r:id="rId14"/>
+    <p:sldId id="285" r:id="rId15"/>
+    <p:sldId id="275" r:id="rId16"/>
+    <p:sldId id="281" r:id="rId17"/>
+    <p:sldId id="282" r:id="rId18"/>
+    <p:sldId id="273" r:id="rId19"/>
+    <p:sldId id="279" r:id="rId20"/>
+    <p:sldId id="280" r:id="rId21"/>
+    <p:sldId id="284" r:id="rId22"/>
   </p:sldIdLst>
   <p:sldSz cx="9144000" cy="6858000" type="screen4x3"/>
   <p:notesSz cx="7010400" cy="9296400"/>
@@ -221,7 +224,7 @@
           <a:p>
             <a:fld id="{7195FF61-7FDF-4F4D-A3AE-3078F9B9BE1D}" type="datetimeFigureOut">
               <a:rPr lang="en-US" smtClean="0"/>
-              <a:t>3/13/2018</a:t>
+              <a:t>3/16/2018</a:t>
             </a:fld>
             <a:endParaRPr lang="en-US"/>
           </a:p>
@@ -533,12 +536,6 @@
           <a:bodyPr/>
           <a:lstStyle/>
           <a:p>
-            <a:r>
-              <a:rPr lang="en-US" dirty="0" smtClean="0"/>
-              <a:t>Communication piece is hacked up</a:t>
-            </a:r>
-          </a:p>
-          <a:p>
             <a:endParaRPr lang="en-US" dirty="0"/>
           </a:p>
         </p:txBody>
@@ -570,6 +567,174 @@
     <p:extLst>
       <p:ext uri="{BB962C8B-B14F-4D97-AF65-F5344CB8AC3E}">
         <p14:creationId xmlns:p14="http://schemas.microsoft.com/office/powerpoint/2010/main" val="2043369958"/>
+      </p:ext>
+    </p:extLst>
+  </p:cSld>
+  <p:clrMapOvr>
+    <a:masterClrMapping/>
+  </p:clrMapOvr>
+</p:notes>
+</file>
+
+<file path=ppt/notesSlides/notesSlide2.xml><?xml version="1.0" encoding="utf-8"?>
+<p:notes xmlns:a="http://schemas.openxmlformats.org/drawingml/2006/main" xmlns:r="http://schemas.openxmlformats.org/officeDocument/2006/relationships" xmlns:p="http://schemas.openxmlformats.org/presentationml/2006/main">
+  <p:cSld>
+    <p:spTree>
+      <p:nvGrpSpPr>
+        <p:cNvPr id="1" name=""/>
+        <p:cNvGrpSpPr/>
+        <p:nvPr/>
+      </p:nvGrpSpPr>
+      <p:grpSpPr>
+        <a:xfrm>
+          <a:off x="0" y="0"/>
+          <a:ext cx="0" cy="0"/>
+          <a:chOff x="0" y="0"/>
+          <a:chExt cx="0" cy="0"/>
+        </a:xfrm>
+      </p:grpSpPr>
+      <p:sp>
+        <p:nvSpPr>
+          <p:cNvPr id="2" name="Slide Image Placeholder 1"/>
+          <p:cNvSpPr>
+            <a:spLocks noGrp="1" noRot="1" noChangeAspect="1"/>
+          </p:cNvSpPr>
+          <p:nvPr>
+            <p:ph type="sldImg"/>
+          </p:nvPr>
+        </p:nvSpPr>
+        <p:spPr/>
+      </p:sp>
+      <p:sp>
+        <p:nvSpPr>
+          <p:cNvPr id="3" name="Notes Placeholder 2"/>
+          <p:cNvSpPr>
+            <a:spLocks noGrp="1"/>
+          </p:cNvSpPr>
+          <p:nvPr>
+            <p:ph type="body" idx="1"/>
+          </p:nvPr>
+        </p:nvSpPr>
+        <p:spPr/>
+        <p:txBody>
+          <a:bodyPr/>
+          <a:lstStyle/>
+          <a:p>
+            <a:endParaRPr lang="en-US"/>
+          </a:p>
+        </p:txBody>
+      </p:sp>
+      <p:sp>
+        <p:nvSpPr>
+          <p:cNvPr id="4" name="Slide Number Placeholder 3"/>
+          <p:cNvSpPr>
+            <a:spLocks noGrp="1"/>
+          </p:cNvSpPr>
+          <p:nvPr>
+            <p:ph type="sldNum" sz="quarter" idx="10"/>
+          </p:nvPr>
+        </p:nvSpPr>
+        <p:spPr/>
+        <p:txBody>
+          <a:bodyPr/>
+          <a:lstStyle/>
+          <a:p>
+            <a:fld id="{F7BA8455-071F-4048-9007-26D1A9312D9F}" type="slidenum">
+              <a:rPr lang="en-US" smtClean="0"/>
+              <a:t>3</a:t>
+            </a:fld>
+            <a:endParaRPr lang="en-US"/>
+          </a:p>
+        </p:txBody>
+      </p:sp>
+    </p:spTree>
+    <p:extLst>
+      <p:ext uri="{BB962C8B-B14F-4D97-AF65-F5344CB8AC3E}">
+        <p14:creationId xmlns:p14="http://schemas.microsoft.com/office/powerpoint/2010/main" val="409054249"/>
+      </p:ext>
+    </p:extLst>
+  </p:cSld>
+  <p:clrMapOvr>
+    <a:masterClrMapping/>
+  </p:clrMapOvr>
+</p:notes>
+</file>
+
+<file path=ppt/notesSlides/notesSlide3.xml><?xml version="1.0" encoding="utf-8"?>
+<p:notes xmlns:a="http://schemas.openxmlformats.org/drawingml/2006/main" xmlns:r="http://schemas.openxmlformats.org/officeDocument/2006/relationships" xmlns:p="http://schemas.openxmlformats.org/presentationml/2006/main">
+  <p:cSld>
+    <p:spTree>
+      <p:nvGrpSpPr>
+        <p:cNvPr id="1" name=""/>
+        <p:cNvGrpSpPr/>
+        <p:nvPr/>
+      </p:nvGrpSpPr>
+      <p:grpSpPr>
+        <a:xfrm>
+          <a:off x="0" y="0"/>
+          <a:ext cx="0" cy="0"/>
+          <a:chOff x="0" y="0"/>
+          <a:chExt cx="0" cy="0"/>
+        </a:xfrm>
+      </p:grpSpPr>
+      <p:sp>
+        <p:nvSpPr>
+          <p:cNvPr id="2" name="Slide Image Placeholder 1"/>
+          <p:cNvSpPr>
+            <a:spLocks noGrp="1" noRot="1" noChangeAspect="1"/>
+          </p:cNvSpPr>
+          <p:nvPr>
+            <p:ph type="sldImg"/>
+          </p:nvPr>
+        </p:nvSpPr>
+        <p:spPr/>
+      </p:sp>
+      <p:sp>
+        <p:nvSpPr>
+          <p:cNvPr id="3" name="Notes Placeholder 2"/>
+          <p:cNvSpPr>
+            <a:spLocks noGrp="1"/>
+          </p:cNvSpPr>
+          <p:nvPr>
+            <p:ph type="body" idx="1"/>
+          </p:nvPr>
+        </p:nvSpPr>
+        <p:spPr/>
+        <p:txBody>
+          <a:bodyPr/>
+          <a:lstStyle/>
+          <a:p>
+            <a:endParaRPr lang="en-US"/>
+          </a:p>
+        </p:txBody>
+      </p:sp>
+      <p:sp>
+        <p:nvSpPr>
+          <p:cNvPr id="4" name="Slide Number Placeholder 3"/>
+          <p:cNvSpPr>
+            <a:spLocks noGrp="1"/>
+          </p:cNvSpPr>
+          <p:nvPr>
+            <p:ph type="sldNum" sz="quarter" idx="10"/>
+          </p:nvPr>
+        </p:nvSpPr>
+        <p:spPr/>
+        <p:txBody>
+          <a:bodyPr/>
+          <a:lstStyle/>
+          <a:p>
+            <a:fld id="{F7BA8455-071F-4048-9007-26D1A9312D9F}" type="slidenum">
+              <a:rPr lang="en-US" smtClean="0"/>
+              <a:t>4</a:t>
+            </a:fld>
+            <a:endParaRPr lang="en-US"/>
+          </a:p>
+        </p:txBody>
+      </p:sp>
+    </p:spTree>
+    <p:extLst>
+      <p:ext uri="{BB962C8B-B14F-4D97-AF65-F5344CB8AC3E}">
+        <p14:creationId xmlns:p14="http://schemas.microsoft.com/office/powerpoint/2010/main" val="2581290742"/>
       </p:ext>
     </p:extLst>
   </p:cSld>
@@ -2103,19 +2268,16 @@
             <a:pPr algn="ctr"/>
             <a:r>
               <a:rPr lang="en-US" sz="2800" dirty="0" smtClean="0"/>
-              <a:t>How </a:t>
-            </a:r>
+              <a:t>How its built</a:t>
+            </a:r>
+          </a:p>
+          <a:p>
+            <a:pPr algn="ctr"/>
             <a:r>
               <a:rPr lang="en-US" sz="2800" dirty="0" smtClean="0"/>
-              <a:t>its built</a:t>
-            </a:r>
-          </a:p>
-          <a:p>
-            <a:pPr algn="ctr"/>
-            <a:r>
-              <a:rPr lang="en-US" sz="2800" dirty="0" smtClean="0"/>
-              <a:t>Execution</a:t>
-            </a:r>
+              <a:t>Test Execution</a:t>
+            </a:r>
+            <a:endParaRPr lang="en-US" sz="2800" dirty="0" smtClean="0"/>
           </a:p>
           <a:p>
             <a:pPr algn="ctr"/>
@@ -2183,6 +2345,697 @@
         </p:nvSpPr>
         <p:spPr>
           <a:xfrm>
+            <a:off x="1526513" y="124691"/>
+            <a:ext cx="5240047" cy="1325563"/>
+          </a:xfrm>
+        </p:spPr>
+        <p:txBody>
+          <a:bodyPr anchor="t">
+            <a:normAutofit/>
+          </a:bodyPr>
+          <a:lstStyle/>
+          <a:p>
+            <a:pPr algn="ctr"/>
+            <a:r>
+              <a:rPr lang="en-US" dirty="0" smtClean="0"/>
+              <a:t>TESTING TYPES</a:t>
+            </a:r>
+            <a:r>
+              <a:rPr lang="en-US" dirty="0" smtClean="0"/>
+              <a:t>  </a:t>
+            </a:r>
+            <a:endParaRPr lang="en-US" dirty="0">
+              <a:solidFill>
+                <a:schemeClr val="bg1">
+                  <a:lumMod val="85000"/>
+                </a:schemeClr>
+              </a:solidFill>
+            </a:endParaRPr>
+          </a:p>
+        </p:txBody>
+      </p:sp>
+      <p:sp>
+        <p:nvSpPr>
+          <p:cNvPr id="3" name="Content Placeholder 2"/>
+          <p:cNvSpPr>
+            <a:spLocks noGrp="1"/>
+          </p:cNvSpPr>
+          <p:nvPr>
+            <p:ph idx="1"/>
+          </p:nvPr>
+        </p:nvSpPr>
+        <p:spPr>
+          <a:xfrm>
+            <a:off x="437704" y="1837658"/>
+            <a:ext cx="8567504" cy="5001488"/>
+          </a:xfrm>
+        </p:spPr>
+        <p:txBody>
+          <a:bodyPr>
+            <a:normAutofit/>
+          </a:bodyPr>
+          <a:lstStyle/>
+          <a:p>
+            <a:pPr>
+              <a:lnSpc>
+                <a:spcPct val="110000"/>
+              </a:lnSpc>
+            </a:pPr>
+            <a:r>
+              <a:rPr lang="en-US" sz="2000" b="1" dirty="0" smtClean="0"/>
+              <a:t>Three primary types of testing</a:t>
+            </a:r>
+            <a:endParaRPr lang="en-US" sz="2000" b="1" dirty="0" smtClean="0"/>
+          </a:p>
+          <a:p>
+            <a:pPr lvl="1">
+              <a:lnSpc>
+                <a:spcPct val="110000"/>
+              </a:lnSpc>
+              <a:buFont typeface="Arial" panose="020B0604020202020204" pitchFamily="34" charset="0"/>
+              <a:buChar char="•"/>
+            </a:pPr>
+            <a:r>
+              <a:rPr lang="en-US" sz="1800" b="1" dirty="0" smtClean="0"/>
+              <a:t>Page level Functional Integration </a:t>
+            </a:r>
+          </a:p>
+          <a:p>
+            <a:pPr lvl="2">
+              <a:lnSpc>
+                <a:spcPct val="110000"/>
+              </a:lnSpc>
+              <a:buFont typeface="Arial" panose="020B0604020202020204" pitchFamily="34" charset="0"/>
+              <a:buChar char="•"/>
+            </a:pPr>
+            <a:r>
+              <a:rPr lang="en-US" sz="1400" b="1" dirty="0" smtClean="0"/>
+              <a:t>Complete </a:t>
+            </a:r>
+            <a:r>
+              <a:rPr lang="en-US" sz="1400" b="1" dirty="0" smtClean="0"/>
+              <a:t>page element analysis</a:t>
+            </a:r>
+            <a:r>
+              <a:rPr lang="en-US" sz="1400" b="1" dirty="0"/>
+              <a:t> </a:t>
+            </a:r>
+            <a:r>
+              <a:rPr lang="en-US" sz="1400" b="1" dirty="0" smtClean="0"/>
+              <a:t>across all pages in application</a:t>
+            </a:r>
+          </a:p>
+          <a:p>
+            <a:pPr lvl="2">
+              <a:lnSpc>
+                <a:spcPct val="110000"/>
+              </a:lnSpc>
+              <a:buFont typeface="Arial" panose="020B0604020202020204" pitchFamily="34" charset="0"/>
+              <a:buChar char="•"/>
+            </a:pPr>
+            <a:r>
+              <a:rPr lang="en-US" sz="1400" b="1" dirty="0" smtClean="0"/>
+              <a:t>Every Button, Field, </a:t>
+            </a:r>
+            <a:r>
+              <a:rPr lang="en-US" sz="1400" b="1" dirty="0" err="1" smtClean="0"/>
+              <a:t>CheckBox</a:t>
+            </a:r>
+            <a:r>
+              <a:rPr lang="en-US" sz="1400" b="1" dirty="0" smtClean="0"/>
+              <a:t>, Link, etc.  </a:t>
+            </a:r>
+            <a:r>
+              <a:rPr lang="en-US" sz="1400" b="1" dirty="0" smtClean="0"/>
+              <a:t>Functionally evaluated and error checked</a:t>
+            </a:r>
+            <a:endParaRPr lang="en-US" sz="1400" b="1" dirty="0" smtClean="0"/>
+          </a:p>
+          <a:p>
+            <a:pPr lvl="1">
+              <a:lnSpc>
+                <a:spcPct val="110000"/>
+              </a:lnSpc>
+              <a:buFont typeface="Arial" panose="020B0604020202020204" pitchFamily="34" charset="0"/>
+              <a:buChar char="•"/>
+            </a:pPr>
+            <a:r>
+              <a:rPr lang="en-US" sz="1800" b="1" dirty="0" smtClean="0"/>
+              <a:t>Application level work flow : End to End</a:t>
+            </a:r>
+          </a:p>
+          <a:p>
+            <a:pPr lvl="2">
+              <a:lnSpc>
+                <a:spcPct val="110000"/>
+              </a:lnSpc>
+              <a:buFont typeface="Arial" panose="020B0604020202020204" pitchFamily="34" charset="0"/>
+              <a:buChar char="•"/>
+            </a:pPr>
+            <a:r>
+              <a:rPr lang="en-US" sz="1400" b="1" dirty="0" smtClean="0"/>
+              <a:t>Designated user work flow execution pathways</a:t>
+            </a:r>
+          </a:p>
+          <a:p>
+            <a:pPr lvl="2">
+              <a:lnSpc>
+                <a:spcPct val="110000"/>
+              </a:lnSpc>
+              <a:buFont typeface="Arial" panose="020B0604020202020204" pitchFamily="34" charset="0"/>
+              <a:buChar char="•"/>
+            </a:pPr>
+            <a:r>
+              <a:rPr lang="en-US" sz="1400" b="1" dirty="0" smtClean="0"/>
+              <a:t>Data driven</a:t>
+            </a:r>
+            <a:endParaRPr lang="en-US" sz="1400" b="1" dirty="0" smtClean="0"/>
+          </a:p>
+          <a:p>
+            <a:pPr lvl="1">
+              <a:lnSpc>
+                <a:spcPct val="110000"/>
+              </a:lnSpc>
+              <a:buFont typeface="Arial" panose="020B0604020202020204" pitchFamily="34" charset="0"/>
+              <a:buChar char="•"/>
+            </a:pPr>
+            <a:r>
+              <a:rPr lang="en-US" sz="1800" b="1" dirty="0" smtClean="0"/>
+              <a:t>Micro Service REST APIs</a:t>
+            </a:r>
+          </a:p>
+          <a:p>
+            <a:pPr lvl="2">
+              <a:lnSpc>
+                <a:spcPct val="110000"/>
+              </a:lnSpc>
+              <a:buFont typeface="Arial" panose="020B0604020202020204" pitchFamily="34" charset="0"/>
+              <a:buChar char="•"/>
+            </a:pPr>
+            <a:r>
+              <a:rPr lang="en-US" sz="1400" b="1" dirty="0" smtClean="0"/>
+              <a:t>Regression coverage for Micro service REST API Data type &amp; Data range</a:t>
+            </a:r>
+          </a:p>
+          <a:p>
+            <a:pPr lvl="2">
+              <a:lnSpc>
+                <a:spcPct val="110000"/>
+              </a:lnSpc>
+              <a:buFont typeface="Arial" panose="020B0604020202020204" pitchFamily="34" charset="0"/>
+              <a:buChar char="•"/>
+            </a:pPr>
+            <a:r>
+              <a:rPr lang="en-US" sz="1400" b="1" dirty="0" smtClean="0"/>
+              <a:t>Functional test use to supply data driven testing in CX Applications</a:t>
+            </a:r>
+            <a:endParaRPr lang="en-US" sz="1400" b="1" dirty="0"/>
+          </a:p>
+          <a:p>
+            <a:pPr marL="457206" lvl="1" indent="0">
+              <a:lnSpc>
+                <a:spcPct val="110000"/>
+              </a:lnSpc>
+              <a:buNone/>
+            </a:pPr>
+            <a:r>
+              <a:rPr lang="en-US" sz="1600" b="1" dirty="0" smtClean="0"/>
+              <a:t>                  </a:t>
+            </a:r>
+            <a:endParaRPr lang="en-US" sz="1600" b="1" dirty="0" smtClean="0"/>
+          </a:p>
+          <a:p>
+            <a:pPr marL="457206" lvl="1" indent="0">
+              <a:lnSpc>
+                <a:spcPct val="110000"/>
+              </a:lnSpc>
+              <a:buNone/>
+            </a:pPr>
+            <a:endParaRPr lang="en-US" sz="1400" b="1" dirty="0"/>
+          </a:p>
+        </p:txBody>
+      </p:sp>
+    </p:spTree>
+    <p:extLst>
+      <p:ext uri="{BB962C8B-B14F-4D97-AF65-F5344CB8AC3E}">
+        <p14:creationId xmlns:p14="http://schemas.microsoft.com/office/powerpoint/2010/main" val="1171498342"/>
+      </p:ext>
+    </p:extLst>
+  </p:cSld>
+  <p:clrMapOvr>
+    <a:masterClrMapping/>
+  </p:clrMapOvr>
+  <p:timing>
+    <p:tnLst>
+      <p:par>
+        <p:cTn id="1" dur="indefinite" restart="never" nodeType="tmRoot"/>
+      </p:par>
+    </p:tnLst>
+  </p:timing>
+</p:sld>
+</file>
+
+<file path=ppt/slides/slide11.xml><?xml version="1.0" encoding="utf-8"?>
+<p:sld xmlns:a="http://schemas.openxmlformats.org/drawingml/2006/main" xmlns:r="http://schemas.openxmlformats.org/officeDocument/2006/relationships" xmlns:p="http://schemas.openxmlformats.org/presentationml/2006/main">
+  <p:cSld>
+    <p:spTree>
+      <p:nvGrpSpPr>
+        <p:cNvPr id="1" name=""/>
+        <p:cNvGrpSpPr/>
+        <p:nvPr/>
+      </p:nvGrpSpPr>
+      <p:grpSpPr>
+        <a:xfrm>
+          <a:off x="0" y="0"/>
+          <a:ext cx="0" cy="0"/>
+          <a:chOff x="0" y="0"/>
+          <a:chExt cx="0" cy="0"/>
+        </a:xfrm>
+      </p:grpSpPr>
+      <p:sp>
+        <p:nvSpPr>
+          <p:cNvPr id="2" name="Title 1"/>
+          <p:cNvSpPr>
+            <a:spLocks noGrp="1"/>
+          </p:cNvSpPr>
+          <p:nvPr>
+            <p:ph type="title"/>
+          </p:nvPr>
+        </p:nvSpPr>
+        <p:spPr>
+          <a:xfrm>
+            <a:off x="1641767" y="129597"/>
+            <a:ext cx="5101934" cy="1325563"/>
+          </a:xfrm>
+        </p:spPr>
+        <p:txBody>
+          <a:bodyPr anchor="t"/>
+          <a:lstStyle/>
+          <a:p>
+            <a:pPr algn="ctr"/>
+            <a:r>
+              <a:rPr lang="en-US" dirty="0" smtClean="0"/>
+              <a:t>REPORTING</a:t>
+            </a:r>
+            <a:endParaRPr lang="en-US" dirty="0"/>
+          </a:p>
+        </p:txBody>
+      </p:sp>
+      <p:sp>
+        <p:nvSpPr>
+          <p:cNvPr id="3" name="Content Placeholder 2"/>
+          <p:cNvSpPr>
+            <a:spLocks noGrp="1"/>
+          </p:cNvSpPr>
+          <p:nvPr>
+            <p:ph idx="1"/>
+          </p:nvPr>
+        </p:nvSpPr>
+        <p:spPr>
+          <a:xfrm>
+            <a:off x="432843" y="914091"/>
+            <a:ext cx="3849789" cy="2804461"/>
+          </a:xfrm>
+        </p:spPr>
+        <p:txBody>
+          <a:bodyPr>
+            <a:normAutofit/>
+          </a:bodyPr>
+          <a:lstStyle/>
+          <a:p>
+            <a:r>
+              <a:rPr lang="en-US" u="sng" dirty="0" smtClean="0"/>
+              <a:t>Three levels </a:t>
+            </a:r>
+            <a:r>
+              <a:rPr lang="en-US" u="sng" dirty="0"/>
+              <a:t>of </a:t>
+            </a:r>
+            <a:r>
+              <a:rPr lang="en-US" u="sng" dirty="0" smtClean="0"/>
+              <a:t>reporting</a:t>
+            </a:r>
+          </a:p>
+          <a:p>
+            <a:pPr>
+              <a:spcBef>
+                <a:spcPts val="0"/>
+              </a:spcBef>
+            </a:pPr>
+            <a:r>
+              <a:rPr lang="en-US" sz="400" dirty="0" smtClean="0"/>
+              <a:t>    </a:t>
+            </a:r>
+            <a:endParaRPr lang="en-US" sz="400" dirty="0"/>
+          </a:p>
+          <a:p>
+            <a:r>
+              <a:rPr lang="en-US" b="1" dirty="0" smtClean="0"/>
+              <a:t>Hyper granular</a:t>
+            </a:r>
+            <a:r>
+              <a:rPr lang="en-US" dirty="0" smtClean="0"/>
+              <a:t>:  </a:t>
+            </a:r>
+          </a:p>
+          <a:p>
+            <a:pPr marL="342900" indent="-342900">
+              <a:buFont typeface="Arial" panose="020B0604020202020204" pitchFamily="34" charset="0"/>
+              <a:buChar char="•"/>
+            </a:pPr>
+            <a:r>
+              <a:rPr lang="en-US" dirty="0" smtClean="0"/>
+              <a:t>Primary for debugging.</a:t>
+            </a:r>
+          </a:p>
+          <a:p>
+            <a:pPr marL="342900" indent="-342900">
+              <a:buFont typeface="Arial" panose="020B0604020202020204" pitchFamily="34" charset="0"/>
+              <a:buChar char="•"/>
+            </a:pPr>
+            <a:r>
+              <a:rPr lang="en-US" dirty="0" smtClean="0"/>
+              <a:t>Covers every Assert or comparison in Framework</a:t>
+            </a:r>
+          </a:p>
+          <a:p>
+            <a:pPr lvl="1">
+              <a:buFont typeface="Arial" panose="020B0604020202020204" pitchFamily="34" charset="0"/>
+              <a:buChar char="•"/>
+            </a:pPr>
+            <a:r>
+              <a:rPr lang="en-US" dirty="0" smtClean="0"/>
+              <a:t>Debugging and Framework Development tool</a:t>
+            </a:r>
+          </a:p>
+        </p:txBody>
+      </p:sp>
+      <p:pic>
+        <p:nvPicPr>
+          <p:cNvPr id="4" name="Picture 3"/>
+          <p:cNvPicPr>
+            <a:picLocks noChangeAspect="1"/>
+          </p:cNvPicPr>
+          <p:nvPr/>
+        </p:nvPicPr>
+        <p:blipFill>
+          <a:blip r:embed="rId2">
+            <a:extLst>
+              <a:ext uri="{28A0092B-C50C-407E-A947-70E740481C1C}">
+                <a14:useLocalDpi xmlns:a14="http://schemas.microsoft.com/office/drawing/2010/main" val="0"/>
+              </a:ext>
+            </a:extLst>
+          </a:blip>
+          <a:stretch>
+            <a:fillRect/>
+          </a:stretch>
+        </p:blipFill>
+        <p:spPr>
+          <a:xfrm>
+            <a:off x="4484914" y="942849"/>
+            <a:ext cx="4620610" cy="5744818"/>
+          </a:xfrm>
+          <a:prstGeom prst="rect">
+            <a:avLst/>
+          </a:prstGeom>
+        </p:spPr>
+      </p:pic>
+      <p:pic>
+        <p:nvPicPr>
+          <p:cNvPr id="5" name="Picture 4"/>
+          <p:cNvPicPr>
+            <a:picLocks noChangeAspect="1"/>
+          </p:cNvPicPr>
+          <p:nvPr/>
+        </p:nvPicPr>
+        <p:blipFill>
+          <a:blip r:embed="rId3">
+            <a:extLst>
+              <a:ext uri="{28A0092B-C50C-407E-A947-70E740481C1C}">
+                <a14:useLocalDpi xmlns:a14="http://schemas.microsoft.com/office/drawing/2010/main" val="0"/>
+              </a:ext>
+            </a:extLst>
+          </a:blip>
+          <a:stretch>
+            <a:fillRect/>
+          </a:stretch>
+        </p:blipFill>
+        <p:spPr>
+          <a:xfrm>
+            <a:off x="330483" y="4023360"/>
+            <a:ext cx="4285060" cy="2807063"/>
+          </a:xfrm>
+          <a:prstGeom prst="rect">
+            <a:avLst/>
+          </a:prstGeom>
+        </p:spPr>
+      </p:pic>
+    </p:spTree>
+    <p:extLst>
+      <p:ext uri="{BB962C8B-B14F-4D97-AF65-F5344CB8AC3E}">
+        <p14:creationId xmlns:p14="http://schemas.microsoft.com/office/powerpoint/2010/main" val="21198343"/>
+      </p:ext>
+    </p:extLst>
+  </p:cSld>
+  <p:clrMapOvr>
+    <a:masterClrMapping/>
+  </p:clrMapOvr>
+  <p:timing>
+    <p:tnLst>
+      <p:par>
+        <p:cTn id="1" dur="indefinite" restart="never" nodeType="tmRoot"/>
+      </p:par>
+    </p:tnLst>
+  </p:timing>
+</p:sld>
+</file>
+
+<file path=ppt/slides/slide12.xml><?xml version="1.0" encoding="utf-8"?>
+<p:sld xmlns:a="http://schemas.openxmlformats.org/drawingml/2006/main" xmlns:r="http://schemas.openxmlformats.org/officeDocument/2006/relationships" xmlns:p="http://schemas.openxmlformats.org/presentationml/2006/main">
+  <p:cSld>
+    <p:spTree>
+      <p:nvGrpSpPr>
+        <p:cNvPr id="1" name=""/>
+        <p:cNvGrpSpPr/>
+        <p:nvPr/>
+      </p:nvGrpSpPr>
+      <p:grpSpPr>
+        <a:xfrm>
+          <a:off x="0" y="0"/>
+          <a:ext cx="0" cy="0"/>
+          <a:chOff x="0" y="0"/>
+          <a:chExt cx="0" cy="0"/>
+        </a:xfrm>
+      </p:grpSpPr>
+      <p:sp>
+        <p:nvSpPr>
+          <p:cNvPr id="2" name="Title 1"/>
+          <p:cNvSpPr>
+            <a:spLocks noGrp="1"/>
+          </p:cNvSpPr>
+          <p:nvPr>
+            <p:ph type="title"/>
+          </p:nvPr>
+        </p:nvSpPr>
+        <p:spPr>
+          <a:xfrm>
+            <a:off x="1641767" y="129597"/>
+            <a:ext cx="5101934" cy="1325563"/>
+          </a:xfrm>
+        </p:spPr>
+        <p:txBody>
+          <a:bodyPr anchor="t"/>
+          <a:lstStyle/>
+          <a:p>
+            <a:pPr algn="ctr"/>
+            <a:r>
+              <a:rPr lang="en-US" dirty="0" smtClean="0"/>
+              <a:t>REPORTING</a:t>
+            </a:r>
+            <a:endParaRPr lang="en-US" dirty="0"/>
+          </a:p>
+        </p:txBody>
+      </p:sp>
+      <p:sp>
+        <p:nvSpPr>
+          <p:cNvPr id="3" name="Content Placeholder 2"/>
+          <p:cNvSpPr>
+            <a:spLocks noGrp="1"/>
+          </p:cNvSpPr>
+          <p:nvPr>
+            <p:ph idx="1"/>
+          </p:nvPr>
+        </p:nvSpPr>
+        <p:spPr>
+          <a:xfrm>
+            <a:off x="432843" y="914087"/>
+            <a:ext cx="4860517" cy="2337113"/>
+          </a:xfrm>
+        </p:spPr>
+        <p:txBody>
+          <a:bodyPr/>
+          <a:lstStyle/>
+          <a:p>
+            <a:r>
+              <a:rPr lang="en-US" u="sng" dirty="0"/>
+              <a:t>Three levels of </a:t>
+            </a:r>
+            <a:r>
+              <a:rPr lang="en-US" u="sng" dirty="0" smtClean="0"/>
+              <a:t>reporting</a:t>
+            </a:r>
+          </a:p>
+          <a:p>
+            <a:pPr>
+              <a:spcBef>
+                <a:spcPts val="0"/>
+              </a:spcBef>
+            </a:pPr>
+            <a:r>
+              <a:rPr lang="en-US" sz="800" dirty="0"/>
+              <a:t> </a:t>
+            </a:r>
+            <a:endParaRPr lang="en-US" u="sng" dirty="0"/>
+          </a:p>
+          <a:p>
+            <a:pPr indent="-234950"/>
+            <a:r>
+              <a:rPr lang="en-US" b="1" dirty="0" smtClean="0"/>
+              <a:t>Test Run Specific</a:t>
+            </a:r>
+            <a:r>
+              <a:rPr lang="en-US" dirty="0" smtClean="0"/>
+              <a:t>:  </a:t>
+            </a:r>
+          </a:p>
+          <a:p>
+            <a:pPr indent="-234950"/>
+            <a:r>
+              <a:rPr lang="en-US" dirty="0" smtClean="0"/>
+              <a:t>Test Function Pass / Fail </a:t>
+            </a:r>
+          </a:p>
+          <a:p>
+            <a:pPr marL="684213" lvl="1" indent="-342900">
+              <a:buFont typeface="Arial" panose="020B0604020202020204" pitchFamily="34" charset="0"/>
+              <a:buChar char="•"/>
+            </a:pPr>
+            <a:r>
+              <a:rPr lang="en-US" dirty="0" smtClean="0"/>
+              <a:t>Current Standard test run encompassing test specific data and testRun specifics</a:t>
+            </a:r>
+          </a:p>
+        </p:txBody>
+      </p:sp>
+      <p:pic>
+        <p:nvPicPr>
+          <p:cNvPr id="5" name="Picture 4"/>
+          <p:cNvPicPr>
+            <a:picLocks noChangeAspect="1"/>
+          </p:cNvPicPr>
+          <p:nvPr/>
+        </p:nvPicPr>
+        <p:blipFill>
+          <a:blip r:embed="rId2">
+            <a:extLst>
+              <a:ext uri="{28A0092B-C50C-407E-A947-70E740481C1C}">
+                <a14:useLocalDpi xmlns:a14="http://schemas.microsoft.com/office/drawing/2010/main" val="0"/>
+              </a:ext>
+            </a:extLst>
+          </a:blip>
+          <a:stretch>
+            <a:fillRect/>
+          </a:stretch>
+        </p:blipFill>
+        <p:spPr>
+          <a:xfrm>
+            <a:off x="5428527" y="832327"/>
+            <a:ext cx="3599233" cy="6025673"/>
+          </a:xfrm>
+          <a:prstGeom prst="rect">
+            <a:avLst/>
+          </a:prstGeom>
+        </p:spPr>
+      </p:pic>
+      <p:pic>
+        <p:nvPicPr>
+          <p:cNvPr id="6" name="Picture 5"/>
+          <p:cNvPicPr>
+            <a:picLocks noChangeAspect="1"/>
+          </p:cNvPicPr>
+          <p:nvPr/>
+        </p:nvPicPr>
+        <p:blipFill>
+          <a:blip r:embed="rId3">
+            <a:extLst>
+              <a:ext uri="{28A0092B-C50C-407E-A947-70E740481C1C}">
+                <a14:useLocalDpi xmlns:a14="http://schemas.microsoft.com/office/drawing/2010/main" val="0"/>
+              </a:ext>
+            </a:extLst>
+          </a:blip>
+          <a:stretch>
+            <a:fillRect/>
+          </a:stretch>
+        </p:blipFill>
+        <p:spPr>
+          <a:xfrm>
+            <a:off x="321831" y="3429000"/>
+            <a:ext cx="5082540" cy="2811780"/>
+          </a:xfrm>
+          <a:prstGeom prst="rect">
+            <a:avLst/>
+          </a:prstGeom>
+        </p:spPr>
+      </p:pic>
+    </p:spTree>
+    <p:extLst>
+      <p:ext uri="{BB962C8B-B14F-4D97-AF65-F5344CB8AC3E}">
+        <p14:creationId xmlns:p14="http://schemas.microsoft.com/office/powerpoint/2010/main" val="3243345129"/>
+      </p:ext>
+    </p:extLst>
+  </p:cSld>
+  <p:clrMapOvr>
+    <a:masterClrMapping/>
+  </p:clrMapOvr>
+  <p:timing>
+    <p:tnLst>
+      <p:par>
+        <p:cTn id="1" dur="indefinite" restart="never" nodeType="tmRoot"/>
+      </p:par>
+    </p:tnLst>
+  </p:timing>
+</p:sld>
+</file>
+
+<file path=ppt/slides/slide13.xml><?xml version="1.0" encoding="utf-8"?>
+<p:sld xmlns:a="http://schemas.openxmlformats.org/drawingml/2006/main" xmlns:r="http://schemas.openxmlformats.org/officeDocument/2006/relationships" xmlns:p="http://schemas.openxmlformats.org/presentationml/2006/main">
+  <p:cSld>
+    <p:spTree>
+      <p:nvGrpSpPr>
+        <p:cNvPr id="1" name=""/>
+        <p:cNvGrpSpPr/>
+        <p:nvPr/>
+      </p:nvGrpSpPr>
+      <p:grpSpPr>
+        <a:xfrm>
+          <a:off x="0" y="0"/>
+          <a:ext cx="0" cy="0"/>
+          <a:chOff x="0" y="0"/>
+          <a:chExt cx="0" cy="0"/>
+        </a:xfrm>
+      </p:grpSpPr>
+      <p:sp>
+        <p:nvSpPr>
+          <p:cNvPr id="2" name="Title 1"/>
+          <p:cNvSpPr>
+            <a:spLocks noGrp="1"/>
+          </p:cNvSpPr>
+          <p:nvPr>
+            <p:ph type="title"/>
+          </p:nvPr>
+        </p:nvSpPr>
+        <p:spPr>
+          <a:xfrm>
             <a:off x="1641767" y="129597"/>
             <a:ext cx="5101934" cy="1325563"/>
           </a:xfrm>
@@ -2267,11 +3120,7 @@
             </a:r>
             <a:r>
               <a:rPr lang="en-US" sz="1800" b="1" dirty="0" smtClean="0"/>
-              <a:t>Go / No-go Product  </a:t>
-            </a:r>
-            <a:r>
-              <a:rPr lang="en-US" sz="1800" b="1" dirty="0" smtClean="0"/>
-              <a:t>Dashboard</a:t>
+              <a:t>Go / No-go Product  Dashboard</a:t>
             </a:r>
           </a:p>
           <a:p>
@@ -2279,7 +3128,6 @@
               <a:rPr lang="en-US" sz="1800" b="1" dirty="0" smtClean="0"/>
               <a:t>Direction I think we really need to go !</a:t>
             </a:r>
-            <a:endParaRPr lang="en-US" sz="1800" b="1" dirty="0" smtClean="0"/>
           </a:p>
           <a:p>
             <a:r>
@@ -2393,7 +3241,7 @@
 </p:sld>
 </file>
 
-<file path=ppt/slides/slide11.xml><?xml version="1.0" encoding="utf-8"?>
+<file path=ppt/slides/slide14.xml><?xml version="1.0" encoding="utf-8"?>
 <p:sld xmlns:a="http://schemas.openxmlformats.org/drawingml/2006/main" xmlns:r="http://schemas.openxmlformats.org/officeDocument/2006/relationships" xmlns:p="http://schemas.openxmlformats.org/presentationml/2006/main">
   <p:cSld>
     <p:spTree>
@@ -2991,7 +3839,7 @@
 </p:sld>
 </file>
 
-<file path=ppt/slides/slide12.xml><?xml version="1.0" encoding="utf-8"?>
+<file path=ppt/slides/slide15.xml><?xml version="1.0" encoding="utf-8"?>
 <p:sld xmlns:a="http://schemas.openxmlformats.org/drawingml/2006/main" xmlns:r="http://schemas.openxmlformats.org/officeDocument/2006/relationships" xmlns:p="http://schemas.openxmlformats.org/presentationml/2006/main">
   <p:cSld>
     <p:spTree>
@@ -3126,11 +3974,7 @@
             </a:pPr>
             <a:r>
               <a:rPr lang="en-US" sz="2000" dirty="0" smtClean="0"/>
-              <a:t>Mobile </a:t>
-            </a:r>
-            <a:r>
-              <a:rPr lang="en-US" sz="2000" dirty="0" smtClean="0"/>
-              <a:t>devices</a:t>
+              <a:t>Mobile devices</a:t>
             </a:r>
           </a:p>
           <a:p>
@@ -3167,7 +4011,7 @@
 </p:sld>
 </file>
 
-<file path=ppt/slides/slide13.xml><?xml version="1.0" encoding="utf-8"?>
+<file path=ppt/slides/slide16.xml><?xml version="1.0" encoding="utf-8"?>
 <p:sld xmlns:a="http://schemas.openxmlformats.org/drawingml/2006/main" xmlns:r="http://schemas.openxmlformats.org/officeDocument/2006/relationships" xmlns:p="http://schemas.openxmlformats.org/presentationml/2006/main">
   <p:cSld>
     <p:spTree>
@@ -3380,7 +4224,7 @@
 </p:sld>
 </file>
 
-<file path=ppt/slides/slide14.xml><?xml version="1.0" encoding="utf-8"?>
+<file path=ppt/slides/slide17.xml><?xml version="1.0" encoding="utf-8"?>
 <p:sld xmlns:a="http://schemas.openxmlformats.org/drawingml/2006/main" xmlns:r="http://schemas.openxmlformats.org/officeDocument/2006/relationships" xmlns:p="http://schemas.openxmlformats.org/presentationml/2006/main">
   <p:cSld>
     <p:spTree>
@@ -5009,7 +5853,7 @@
         </p:nvSpPr>
         <p:spPr>
           <a:xfrm>
-            <a:off x="278173" y="1622560"/>
+            <a:off x="278173" y="1190760"/>
             <a:ext cx="8657483" cy="4762500"/>
           </a:xfrm>
         </p:spPr>
@@ -5204,7 +6048,7 @@
         </p:nvSpPr>
         <p:spPr>
           <a:xfrm>
-            <a:off x="278173" y="1266682"/>
+            <a:off x="367073" y="815966"/>
             <a:ext cx="1414170" cy="369332"/>
           </a:xfrm>
           <a:prstGeom prst="rect">
@@ -5323,13 +6167,13 @@
         </p:nvSpPr>
         <p:spPr>
           <a:xfrm>
-            <a:off x="278295" y="1192693"/>
-            <a:ext cx="8865705" cy="2403353"/>
+            <a:off x="278295" y="1078394"/>
+            <a:ext cx="8865705" cy="2038879"/>
           </a:xfrm>
         </p:spPr>
         <p:txBody>
           <a:bodyPr>
-            <a:normAutofit/>
+            <a:normAutofit lnSpcReduction="10000"/>
           </a:bodyPr>
           <a:lstStyle/>
           <a:p>
@@ -5381,13 +6225,8 @@
             </a:pPr>
             <a:r>
               <a:rPr lang="en-US" sz="2000" b="1" dirty="0" smtClean="0"/>
-              <a:t>To </a:t>
-            </a:r>
-            <a:r>
-              <a:rPr lang="en-US" sz="2000" b="1" dirty="0" smtClean="0"/>
-              <a:t>scale as projected </a:t>
-            </a:r>
-            <a:endParaRPr lang="en-US" sz="2000" b="1" dirty="0" smtClean="0"/>
+              <a:t>To scale as projected </a:t>
+            </a:r>
           </a:p>
           <a:p>
             <a:pPr marL="919163" lvl="1" indent="-342900">
@@ -5402,15 +6241,7 @@
             </a:pPr>
             <a:r>
               <a:rPr lang="en-US" sz="1600" b="1" dirty="0" smtClean="0"/>
-              <a:t>we </a:t>
-            </a:r>
-            <a:r>
-              <a:rPr lang="en-US" sz="1600" b="1" dirty="0" smtClean="0"/>
-              <a:t>have to change how we develop </a:t>
-            </a:r>
-            <a:r>
-              <a:rPr lang="en-US" sz="1600" b="1" dirty="0" smtClean="0"/>
-              <a:t>tests   </a:t>
+              <a:t>we have to change how we develop tests   </a:t>
             </a:r>
             <a:r>
               <a:rPr lang="en-US" sz="1000" b="1" dirty="0" smtClean="0">
@@ -5450,15 +6281,7 @@
             </a:pPr>
             <a:r>
               <a:rPr lang="en-US" sz="1600" b="1" dirty="0" smtClean="0"/>
-              <a:t>we </a:t>
-            </a:r>
-            <a:r>
-              <a:rPr lang="en-US" sz="1600" b="1" dirty="0" smtClean="0"/>
-              <a:t>have changed how we select &amp; control </a:t>
-            </a:r>
-            <a:r>
-              <a:rPr lang="en-US" sz="1600" b="1" dirty="0" smtClean="0"/>
-              <a:t>execution   </a:t>
+              <a:t>we have changed how we select &amp; control execution   </a:t>
             </a:r>
             <a:r>
               <a:rPr lang="en-US" sz="1000" b="1" dirty="0" smtClean="0">
@@ -5526,23 +6349,20 @@
             </a:pPr>
             <a:r>
               <a:rPr lang="en-US" sz="2000" b="1" dirty="0" smtClean="0"/>
-              <a:t>Massive </a:t>
-            </a:r>
-            <a:r>
-              <a:rPr lang="en-US" sz="2000" b="1" dirty="0" smtClean="0"/>
-              <a:t>reduction in the number of hours  Manual VS Automated</a:t>
-            </a:r>
-          </a:p>
-          <a:p>
-            <a:pPr>
+              <a:t>Massive reduction in the number of hours  Manual VS Automated</a:t>
+            </a:r>
+          </a:p>
+          <a:p>
+            <a:pPr lvl="1" indent="0">
               <a:lnSpc>
                 <a:spcPct val="135000"/>
               </a:lnSpc>
               <a:spcBef>
                 <a:spcPts val="0"/>
               </a:spcBef>
-            </a:pPr>
-            <a:endParaRPr lang="en-US" sz="1800" dirty="0"/>
+              <a:buNone/>
+            </a:pPr>
+            <a:endParaRPr lang="en-US" sz="1800" dirty="0" smtClean="0"/>
           </a:p>
           <a:p>
             <a:pPr marL="919163" lvl="1" indent="-342900">
@@ -5555,19 +6375,6 @@
               <a:buFont typeface="Arial" panose="020B0604020202020204" pitchFamily="34" charset="0"/>
               <a:buChar char="•"/>
             </a:pPr>
-            <a:endParaRPr lang="en-US" sz="1800" dirty="0" smtClean="0"/>
-          </a:p>
-          <a:p>
-            <a:pPr marL="919163" lvl="1" indent="-342900">
-              <a:lnSpc>
-                <a:spcPct val="135000"/>
-              </a:lnSpc>
-              <a:spcBef>
-                <a:spcPts val="0"/>
-              </a:spcBef>
-              <a:buFont typeface="Arial" panose="020B0604020202020204" pitchFamily="34" charset="0"/>
-              <a:buChar char="•"/>
-            </a:pPr>
             <a:endParaRPr lang="en-US" sz="1800" dirty="0"/>
           </a:p>
           <a:p>
@@ -5575,36 +6382,6 @@
           </a:p>
         </p:txBody>
       </p:sp>
-      <p:pic>
-        <p:nvPicPr>
-          <p:cNvPr id="6" name="Picture 5"/>
-          <p:cNvPicPr>
-            <a:picLocks noChangeAspect="1"/>
-          </p:cNvPicPr>
-          <p:nvPr/>
-        </p:nvPicPr>
-        <p:blipFill>
-          <a:blip r:embed="rId2">
-            <a:extLst>
-              <a:ext uri="{28A0092B-C50C-407E-A947-70E740481C1C}">
-                <a14:useLocalDpi xmlns:a14="http://schemas.microsoft.com/office/drawing/2010/main" val="0"/>
-              </a:ext>
-            </a:extLst>
-          </a:blip>
-          <a:stretch>
-            <a:fillRect/>
-          </a:stretch>
-        </p:blipFill>
-        <p:spPr>
-          <a:xfrm>
-            <a:off x="814713" y="3917778"/>
-            <a:ext cx="6006486" cy="1320798"/>
-          </a:xfrm>
-          <a:prstGeom prst="rect">
-            <a:avLst/>
-          </a:prstGeom>
-        </p:spPr>
-      </p:pic>
       <p:pic>
         <p:nvPicPr>
           <p:cNvPr id="8" name="Picture 7">
@@ -5629,7 +6406,7 @@
         </p:blipFill>
         <p:spPr>
           <a:xfrm>
-            <a:off x="814713" y="5387527"/>
+            <a:off x="814713" y="5481046"/>
             <a:ext cx="6006486" cy="1328961"/>
           </a:xfrm>
           <a:prstGeom prst="rect">
@@ -5645,8 +6422,8 @@
         </p:nvSpPr>
         <p:spPr>
           <a:xfrm>
-            <a:off x="6939022" y="4049537"/>
-            <a:ext cx="1400537" cy="1077218"/>
+            <a:off x="7157026" y="3701428"/>
+            <a:ext cx="1288473" cy="1077218"/>
           </a:xfrm>
           <a:prstGeom prst="rect">
             <a:avLst/>
@@ -5716,8 +6493,8 @@
         </p:nvSpPr>
         <p:spPr>
           <a:xfrm>
-            <a:off x="6967958" y="5448487"/>
-            <a:ext cx="1597308" cy="1077218"/>
+            <a:off x="7047344" y="5664387"/>
+            <a:ext cx="1652155" cy="1077218"/>
           </a:xfrm>
           <a:prstGeom prst="rect">
             <a:avLst/>
@@ -5776,6 +6553,593 @@
                 </a:outerShdw>
               </a:effectLst>
             </a:endParaRPr>
+          </a:p>
+        </p:txBody>
+      </p:sp>
+      <p:pic>
+        <p:nvPicPr>
+          <p:cNvPr id="6" name="Picture 5"/>
+          <p:cNvPicPr>
+            <a:picLocks noChangeAspect="1"/>
+          </p:cNvPicPr>
+          <p:nvPr/>
+        </p:nvPicPr>
+        <p:blipFill>
+          <a:blip r:embed="rId5">
+            <a:extLst>
+              <a:ext uri="{28A0092B-C50C-407E-A947-70E740481C1C}">
+                <a14:useLocalDpi xmlns:a14="http://schemas.microsoft.com/office/drawing/2010/main" val="0"/>
+              </a:ext>
+            </a:extLst>
+          </a:blip>
+          <a:stretch>
+            <a:fillRect/>
+          </a:stretch>
+        </p:blipFill>
+        <p:spPr>
+          <a:xfrm>
+            <a:off x="814713" y="3565170"/>
+            <a:ext cx="6006486" cy="1320798"/>
+          </a:xfrm>
+          <a:prstGeom prst="rect">
+            <a:avLst/>
+          </a:prstGeom>
+        </p:spPr>
+      </p:pic>
+      <p:sp>
+        <p:nvSpPr>
+          <p:cNvPr id="3" name="Rectangle 2"/>
+          <p:cNvSpPr/>
+          <p:nvPr/>
+        </p:nvSpPr>
+        <p:spPr>
+          <a:xfrm>
+            <a:off x="2521204" y="3907440"/>
+            <a:ext cx="325905" cy="187036"/>
+          </a:xfrm>
+          <a:prstGeom prst="rect">
+            <a:avLst/>
+          </a:prstGeom>
+          <a:ln>
+            <a:noFill/>
+          </a:ln>
+        </p:spPr>
+        <p:style>
+          <a:lnRef idx="2">
+            <a:schemeClr val="dk1"/>
+          </a:lnRef>
+          <a:fillRef idx="1">
+            <a:schemeClr val="lt1"/>
+          </a:fillRef>
+          <a:effectRef idx="0">
+            <a:schemeClr val="dk1"/>
+          </a:effectRef>
+          <a:fontRef idx="minor">
+            <a:schemeClr val="dk1"/>
+          </a:fontRef>
+        </p:style>
+        <p:txBody>
+          <a:bodyPr rtlCol="0" anchor="ctr"/>
+          <a:lstStyle/>
+          <a:p>
+            <a:pPr algn="ctr"/>
+            <a:endParaRPr lang="en-US"/>
+          </a:p>
+        </p:txBody>
+      </p:sp>
+      <p:sp>
+        <p:nvSpPr>
+          <p:cNvPr id="2" name="TextBox 1"/>
+          <p:cNvSpPr txBox="1"/>
+          <p:nvPr/>
+        </p:nvSpPr>
+        <p:spPr>
+          <a:xfrm>
+            <a:off x="2481791" y="3550630"/>
+            <a:ext cx="1039091" cy="569515"/>
+          </a:xfrm>
+          <a:prstGeom prst="rect">
+            <a:avLst/>
+          </a:prstGeom>
+          <a:noFill/>
+        </p:spPr>
+        <p:txBody>
+          <a:bodyPr wrap="square" rtlCol="0">
+            <a:spAutoFit/>
+          </a:bodyPr>
+          <a:lstStyle/>
+          <a:p>
+            <a:pPr>
+              <a:lnSpc>
+                <a:spcPct val="114000"/>
+              </a:lnSpc>
+            </a:pPr>
+            <a:r>
+              <a:rPr lang="en-US" sz="1400" dirty="0" smtClean="0"/>
+              <a:t>Min per Test  Case</a:t>
+            </a:r>
+            <a:endParaRPr lang="en-US" sz="1400" dirty="0"/>
+          </a:p>
+        </p:txBody>
+      </p:sp>
+      <p:sp>
+        <p:nvSpPr>
+          <p:cNvPr id="11" name="Rectangle 10"/>
+          <p:cNvSpPr/>
+          <p:nvPr/>
+        </p:nvSpPr>
+        <p:spPr>
+          <a:xfrm>
+            <a:off x="3383525" y="3878510"/>
+            <a:ext cx="664165" cy="187036"/>
+          </a:xfrm>
+          <a:prstGeom prst="rect">
+            <a:avLst/>
+          </a:prstGeom>
+          <a:ln>
+            <a:noFill/>
+          </a:ln>
+        </p:spPr>
+        <p:style>
+          <a:lnRef idx="2">
+            <a:schemeClr val="dk1"/>
+          </a:lnRef>
+          <a:fillRef idx="1">
+            <a:schemeClr val="lt1"/>
+          </a:fillRef>
+          <a:effectRef idx="0">
+            <a:schemeClr val="dk1"/>
+          </a:effectRef>
+          <a:fontRef idx="minor">
+            <a:schemeClr val="dk1"/>
+          </a:fontRef>
+        </p:style>
+        <p:txBody>
+          <a:bodyPr rtlCol="0" anchor="ctr"/>
+          <a:lstStyle/>
+          <a:p>
+            <a:pPr algn="ctr"/>
+            <a:endParaRPr lang="en-US"/>
+          </a:p>
+        </p:txBody>
+      </p:sp>
+      <p:sp>
+        <p:nvSpPr>
+          <p:cNvPr id="12" name="TextBox 11"/>
+          <p:cNvSpPr txBox="1"/>
+          <p:nvPr/>
+        </p:nvSpPr>
+        <p:spPr>
+          <a:xfrm>
+            <a:off x="3317393" y="3550631"/>
+            <a:ext cx="1039091" cy="569515"/>
+          </a:xfrm>
+          <a:prstGeom prst="rect">
+            <a:avLst/>
+          </a:prstGeom>
+          <a:noFill/>
+        </p:spPr>
+        <p:txBody>
+          <a:bodyPr wrap="square" rtlCol="0">
+            <a:spAutoFit/>
+          </a:bodyPr>
+          <a:lstStyle/>
+          <a:p>
+            <a:pPr>
+              <a:lnSpc>
+                <a:spcPct val="114000"/>
+              </a:lnSpc>
+            </a:pPr>
+            <a:r>
+              <a:rPr lang="en-US" sz="1400" dirty="0" smtClean="0"/>
+              <a:t>Min per Test  Run</a:t>
+            </a:r>
+            <a:endParaRPr lang="en-US" sz="1400" dirty="0"/>
+          </a:p>
+        </p:txBody>
+      </p:sp>
+      <p:sp>
+        <p:nvSpPr>
+          <p:cNvPr id="14" name="Rectangle 13"/>
+          <p:cNvSpPr/>
+          <p:nvPr/>
+        </p:nvSpPr>
+        <p:spPr>
+          <a:xfrm>
+            <a:off x="4232771" y="3886658"/>
+            <a:ext cx="744474" cy="187036"/>
+          </a:xfrm>
+          <a:prstGeom prst="rect">
+            <a:avLst/>
+          </a:prstGeom>
+          <a:ln>
+            <a:noFill/>
+          </a:ln>
+        </p:spPr>
+        <p:style>
+          <a:lnRef idx="2">
+            <a:schemeClr val="dk1"/>
+          </a:lnRef>
+          <a:fillRef idx="1">
+            <a:schemeClr val="lt1"/>
+          </a:fillRef>
+          <a:effectRef idx="0">
+            <a:schemeClr val="dk1"/>
+          </a:effectRef>
+          <a:fontRef idx="minor">
+            <a:schemeClr val="dk1"/>
+          </a:fontRef>
+        </p:style>
+        <p:txBody>
+          <a:bodyPr rtlCol="0" anchor="ctr"/>
+          <a:lstStyle/>
+          <a:p>
+            <a:pPr algn="ctr"/>
+            <a:endParaRPr lang="en-US"/>
+          </a:p>
+        </p:txBody>
+      </p:sp>
+      <p:sp>
+        <p:nvSpPr>
+          <p:cNvPr id="13" name="TextBox 12"/>
+          <p:cNvSpPr txBox="1"/>
+          <p:nvPr/>
+        </p:nvSpPr>
+        <p:spPr>
+          <a:xfrm>
+            <a:off x="4099643" y="3579790"/>
+            <a:ext cx="1089641" cy="535468"/>
+          </a:xfrm>
+          <a:prstGeom prst="rect">
+            <a:avLst/>
+          </a:prstGeom>
+          <a:noFill/>
+        </p:spPr>
+        <p:txBody>
+          <a:bodyPr wrap="square" rtlCol="0">
+            <a:spAutoFit/>
+          </a:bodyPr>
+          <a:lstStyle/>
+          <a:p>
+            <a:pPr>
+              <a:lnSpc>
+                <a:spcPct val="114000"/>
+              </a:lnSpc>
+            </a:pPr>
+            <a:r>
+              <a:rPr lang="en-US" sz="1300" dirty="0" smtClean="0"/>
+              <a:t>Total Min for 3 Test  Run</a:t>
+            </a:r>
+            <a:endParaRPr lang="en-US" sz="1300" dirty="0"/>
+          </a:p>
+        </p:txBody>
+      </p:sp>
+      <p:sp>
+        <p:nvSpPr>
+          <p:cNvPr id="15" name="TextBox 14"/>
+          <p:cNvSpPr txBox="1"/>
+          <p:nvPr/>
+        </p:nvSpPr>
+        <p:spPr>
+          <a:xfrm>
+            <a:off x="814713" y="3274877"/>
+            <a:ext cx="5547987" cy="369332"/>
+          </a:xfrm>
+          <a:prstGeom prst="rect">
+            <a:avLst/>
+          </a:prstGeom>
+          <a:noFill/>
+        </p:spPr>
+        <p:txBody>
+          <a:bodyPr wrap="square" rtlCol="0">
+            <a:spAutoFit/>
+          </a:bodyPr>
+          <a:lstStyle/>
+          <a:p>
+            <a:r>
+              <a:rPr lang="en-US" dirty="0" smtClean="0"/>
+              <a:t>A collection of Test Cases run manually </a:t>
+            </a:r>
+            <a:endParaRPr lang="en-US" dirty="0"/>
+          </a:p>
+        </p:txBody>
+      </p:sp>
+      <p:sp>
+        <p:nvSpPr>
+          <p:cNvPr id="17" name="TextBox 16"/>
+          <p:cNvSpPr txBox="1"/>
+          <p:nvPr/>
+        </p:nvSpPr>
+        <p:spPr>
+          <a:xfrm>
+            <a:off x="852813" y="5192577"/>
+            <a:ext cx="5547987" cy="369332"/>
+          </a:xfrm>
+          <a:prstGeom prst="rect">
+            <a:avLst/>
+          </a:prstGeom>
+          <a:noFill/>
+        </p:spPr>
+        <p:txBody>
+          <a:bodyPr wrap="square" rtlCol="0">
+            <a:spAutoFit/>
+          </a:bodyPr>
+          <a:lstStyle/>
+          <a:p>
+            <a:r>
+              <a:rPr lang="en-US" dirty="0" smtClean="0"/>
+              <a:t>A similar collection of Test Cases run in Automation </a:t>
+            </a:r>
+            <a:endParaRPr lang="en-US" dirty="0"/>
+          </a:p>
+        </p:txBody>
+      </p:sp>
+      <p:sp>
+        <p:nvSpPr>
+          <p:cNvPr id="23" name="Rectangle 22"/>
+          <p:cNvSpPr/>
+          <p:nvPr/>
+        </p:nvSpPr>
+        <p:spPr>
+          <a:xfrm>
+            <a:off x="2533648" y="5818772"/>
+            <a:ext cx="783745" cy="177800"/>
+          </a:xfrm>
+          <a:prstGeom prst="rect">
+            <a:avLst/>
+          </a:prstGeom>
+          <a:ln>
+            <a:noFill/>
+          </a:ln>
+        </p:spPr>
+        <p:style>
+          <a:lnRef idx="2">
+            <a:schemeClr val="dk1"/>
+          </a:lnRef>
+          <a:fillRef idx="1">
+            <a:schemeClr val="lt1"/>
+          </a:fillRef>
+          <a:effectRef idx="0">
+            <a:schemeClr val="dk1"/>
+          </a:effectRef>
+          <a:fontRef idx="minor">
+            <a:schemeClr val="dk1"/>
+          </a:fontRef>
+        </p:style>
+        <p:txBody>
+          <a:bodyPr rtlCol="0" anchor="ctr"/>
+          <a:lstStyle/>
+          <a:p>
+            <a:pPr algn="ctr"/>
+            <a:endParaRPr lang="en-US"/>
+          </a:p>
+        </p:txBody>
+      </p:sp>
+      <p:sp>
+        <p:nvSpPr>
+          <p:cNvPr id="24" name="Rectangle 23"/>
+          <p:cNvSpPr/>
+          <p:nvPr/>
+        </p:nvSpPr>
+        <p:spPr>
+          <a:xfrm>
+            <a:off x="-2959100" y="3028373"/>
+            <a:ext cx="685800" cy="177800"/>
+          </a:xfrm>
+          <a:prstGeom prst="rect">
+            <a:avLst/>
+          </a:prstGeom>
+          <a:ln>
+            <a:noFill/>
+          </a:ln>
+        </p:spPr>
+        <p:style>
+          <a:lnRef idx="2">
+            <a:schemeClr val="dk1"/>
+          </a:lnRef>
+          <a:fillRef idx="1">
+            <a:schemeClr val="lt1"/>
+          </a:fillRef>
+          <a:effectRef idx="0">
+            <a:schemeClr val="dk1"/>
+          </a:effectRef>
+          <a:fontRef idx="minor">
+            <a:schemeClr val="dk1"/>
+          </a:fontRef>
+        </p:style>
+        <p:txBody>
+          <a:bodyPr rtlCol="0" anchor="ctr"/>
+          <a:lstStyle/>
+          <a:p>
+            <a:pPr algn="ctr"/>
+            <a:endParaRPr lang="en-US"/>
+          </a:p>
+        </p:txBody>
+      </p:sp>
+      <p:sp>
+        <p:nvSpPr>
+          <p:cNvPr id="25" name="Rectangle 24"/>
+          <p:cNvSpPr/>
+          <p:nvPr/>
+        </p:nvSpPr>
+        <p:spPr>
+          <a:xfrm>
+            <a:off x="3377817" y="5817767"/>
+            <a:ext cx="783745" cy="177800"/>
+          </a:xfrm>
+          <a:prstGeom prst="rect">
+            <a:avLst/>
+          </a:prstGeom>
+          <a:ln>
+            <a:noFill/>
+          </a:ln>
+        </p:spPr>
+        <p:style>
+          <a:lnRef idx="2">
+            <a:schemeClr val="dk1"/>
+          </a:lnRef>
+          <a:fillRef idx="1">
+            <a:schemeClr val="lt1"/>
+          </a:fillRef>
+          <a:effectRef idx="0">
+            <a:schemeClr val="dk1"/>
+          </a:effectRef>
+          <a:fontRef idx="minor">
+            <a:schemeClr val="dk1"/>
+          </a:fontRef>
+        </p:style>
+        <p:txBody>
+          <a:bodyPr rtlCol="0" anchor="ctr"/>
+          <a:lstStyle/>
+          <a:p>
+            <a:pPr algn="ctr"/>
+            <a:endParaRPr lang="en-US"/>
+          </a:p>
+        </p:txBody>
+      </p:sp>
+      <p:sp>
+        <p:nvSpPr>
+          <p:cNvPr id="26" name="Rectangle 25"/>
+          <p:cNvSpPr/>
+          <p:nvPr/>
+        </p:nvSpPr>
+        <p:spPr>
+          <a:xfrm>
+            <a:off x="4213955" y="5817767"/>
+            <a:ext cx="783745" cy="177800"/>
+          </a:xfrm>
+          <a:prstGeom prst="rect">
+            <a:avLst/>
+          </a:prstGeom>
+          <a:ln>
+            <a:noFill/>
+          </a:ln>
+        </p:spPr>
+        <p:style>
+          <a:lnRef idx="2">
+            <a:schemeClr val="dk1"/>
+          </a:lnRef>
+          <a:fillRef idx="1">
+            <a:schemeClr val="lt1"/>
+          </a:fillRef>
+          <a:effectRef idx="0">
+            <a:schemeClr val="dk1"/>
+          </a:effectRef>
+          <a:fontRef idx="minor">
+            <a:schemeClr val="dk1"/>
+          </a:fontRef>
+        </p:style>
+        <p:txBody>
+          <a:bodyPr rtlCol="0" anchor="ctr"/>
+          <a:lstStyle/>
+          <a:p>
+            <a:pPr algn="ctr"/>
+            <a:endParaRPr lang="en-US"/>
+          </a:p>
+        </p:txBody>
+      </p:sp>
+      <p:sp>
+        <p:nvSpPr>
+          <p:cNvPr id="19" name="TextBox 18"/>
+          <p:cNvSpPr txBox="1"/>
+          <p:nvPr/>
+        </p:nvSpPr>
+        <p:spPr>
+          <a:xfrm>
+            <a:off x="2493752" y="5493377"/>
+            <a:ext cx="964061" cy="583493"/>
+          </a:xfrm>
+          <a:prstGeom prst="rect">
+            <a:avLst/>
+          </a:prstGeom>
+          <a:noFill/>
+        </p:spPr>
+        <p:txBody>
+          <a:bodyPr wrap="square" rtlCol="0">
+            <a:spAutoFit/>
+          </a:bodyPr>
+          <a:lstStyle/>
+          <a:p>
+            <a:pPr>
+              <a:lnSpc>
+                <a:spcPct val="114000"/>
+              </a:lnSpc>
+            </a:pPr>
+            <a:r>
+              <a:rPr lang="en-US" sz="1400" dirty="0" smtClean="0"/>
+              <a:t>Sec per Test  Case</a:t>
+            </a:r>
+            <a:endParaRPr lang="en-US" sz="1400" dirty="0"/>
+          </a:p>
+        </p:txBody>
+      </p:sp>
+      <p:sp>
+        <p:nvSpPr>
+          <p:cNvPr id="21" name="TextBox 20"/>
+          <p:cNvSpPr txBox="1"/>
+          <p:nvPr/>
+        </p:nvSpPr>
+        <p:spPr>
+          <a:xfrm>
+            <a:off x="3356382" y="5478168"/>
+            <a:ext cx="1039091" cy="583493"/>
+          </a:xfrm>
+          <a:prstGeom prst="rect">
+            <a:avLst/>
+          </a:prstGeom>
+          <a:noFill/>
+        </p:spPr>
+        <p:txBody>
+          <a:bodyPr wrap="square" rtlCol="0">
+            <a:spAutoFit/>
+          </a:bodyPr>
+          <a:lstStyle/>
+          <a:p>
+            <a:pPr>
+              <a:lnSpc>
+                <a:spcPct val="114000"/>
+              </a:lnSpc>
+            </a:pPr>
+            <a:r>
+              <a:rPr lang="en-US" sz="1400" dirty="0" smtClean="0"/>
+              <a:t>Sec per Test  Run</a:t>
+            </a:r>
+            <a:endParaRPr lang="en-US" sz="1400" dirty="0"/>
+          </a:p>
+        </p:txBody>
+      </p:sp>
+      <p:sp>
+        <p:nvSpPr>
+          <p:cNvPr id="22" name="TextBox 21"/>
+          <p:cNvSpPr txBox="1"/>
+          <p:nvPr/>
+        </p:nvSpPr>
+        <p:spPr>
+          <a:xfrm>
+            <a:off x="4121247" y="5510881"/>
+            <a:ext cx="1089641" cy="548483"/>
+          </a:xfrm>
+          <a:prstGeom prst="rect">
+            <a:avLst/>
+          </a:prstGeom>
+          <a:noFill/>
+        </p:spPr>
+        <p:txBody>
+          <a:bodyPr wrap="square" rtlCol="0">
+            <a:spAutoFit/>
+          </a:bodyPr>
+          <a:lstStyle/>
+          <a:p>
+            <a:pPr>
+              <a:lnSpc>
+                <a:spcPct val="114000"/>
+              </a:lnSpc>
+            </a:pPr>
+            <a:r>
+              <a:rPr lang="en-US" sz="1300" dirty="0" smtClean="0"/>
+              <a:t>Total Secs for 3 Test  Run</a:t>
+            </a:r>
+            <a:endParaRPr lang="en-US" sz="1300" dirty="0"/>
           </a:p>
         </p:txBody>
       </p:sp>
@@ -5877,7 +7241,7 @@
         </p:spPr>
         <p:txBody>
           <a:bodyPr>
-            <a:normAutofit/>
+            <a:normAutofit fontScale="92500" lnSpcReduction="20000"/>
           </a:bodyPr>
           <a:lstStyle/>
           <a:p>
@@ -5892,7 +7256,7 @@
               <a:buChar char="•"/>
             </a:pPr>
             <a:r>
-              <a:rPr lang="en-US" sz="2000" b="1" dirty="0" smtClean="0"/>
+              <a:rPr lang="en-US" sz="2200" b="1" dirty="0" smtClean="0"/>
               <a:t>Dev staff productivity and confidence</a:t>
             </a:r>
           </a:p>
@@ -5960,7 +7324,7 @@
               <a:buChar char="•"/>
             </a:pPr>
             <a:r>
-              <a:rPr lang="en-US" sz="2000" b="1" dirty="0" smtClean="0"/>
+              <a:rPr lang="en-US" sz="2200" b="1" dirty="0" smtClean="0"/>
               <a:t>Agile Team operation : Bug fix resolution cycle!</a:t>
             </a:r>
           </a:p>
@@ -6011,9 +7375,10 @@
               </a:spcBef>
             </a:pPr>
             <a:r>
-              <a:rPr lang="en-US" sz="1600" dirty="0" smtClean="0"/>
-              <a:t>              </a:t>
-            </a:r>
+              <a:rPr lang="en-US" sz="1000" dirty="0" smtClean="0"/>
+              <a:t>     </a:t>
+            </a:r>
+            <a:endParaRPr lang="en-US" sz="1000" dirty="0" smtClean="0"/>
           </a:p>
           <a:p>
             <a:pPr>
@@ -6025,8 +7390,207 @@
               </a:spcBef>
             </a:pPr>
             <a:r>
+              <a:rPr lang="en-US" sz="1000" dirty="0" smtClean="0"/>
+              <a:t>         </a:t>
+            </a:r>
+          </a:p>
+          <a:p>
+            <a:pPr marL="285750" indent="-285750">
+              <a:lnSpc>
+                <a:spcPct val="114000"/>
+              </a:lnSpc>
+              <a:spcBef>
+                <a:spcPts val="0"/>
+              </a:spcBef>
+              <a:buFont typeface="Arial" panose="020B0604020202020204" pitchFamily="34" charset="0"/>
+              <a:buChar char="•"/>
+            </a:pPr>
+            <a:r>
+              <a:rPr lang="en-US" sz="2200" b="1" dirty="0" smtClean="0"/>
+              <a:t>Numbers of test cases by Product Line</a:t>
+            </a:r>
+          </a:p>
+          <a:p>
+            <a:pPr marL="862013" lvl="1" indent="-285750">
+              <a:lnSpc>
+                <a:spcPct val="114000"/>
+              </a:lnSpc>
+              <a:spcBef>
+                <a:spcPts val="0"/>
+              </a:spcBef>
+              <a:buFont typeface="Arial" panose="020B0604020202020204" pitchFamily="34" charset="0"/>
+              <a:buChar char="•"/>
+            </a:pPr>
+            <a:r>
+              <a:rPr lang="en-US" sz="1900" b="1" dirty="0" smtClean="0"/>
+              <a:t>Shopping &amp; Buying Page Integration Testing</a:t>
+            </a:r>
+          </a:p>
+          <a:p>
+            <a:pPr lvl="1" indent="0">
+              <a:lnSpc>
+                <a:spcPct val="114000"/>
+              </a:lnSpc>
+              <a:spcBef>
+                <a:spcPts val="0"/>
+              </a:spcBef>
+              <a:buNone/>
+            </a:pPr>
+            <a:r>
+              <a:rPr lang="en-US" sz="1800" b="1" dirty="0" err="1" smtClean="0"/>
+              <a:t>Pers</a:t>
+            </a:r>
+            <a:r>
+              <a:rPr lang="en-US" sz="1800" b="1" dirty="0" smtClean="0"/>
+              <a:t>, Deps, </a:t>
+            </a:r>
+            <a:r>
+              <a:rPr lang="en-US" sz="1800" b="1" dirty="0" err="1" smtClean="0"/>
+              <a:t>Facs</a:t>
+            </a:r>
+            <a:r>
+              <a:rPr lang="en-US" sz="1800" b="1" dirty="0" smtClean="0"/>
+              <a:t>, Buy, </a:t>
+            </a:r>
+            <a:r>
+              <a:rPr lang="en-US" sz="1800" b="1" dirty="0" err="1" smtClean="0"/>
+              <a:t>Reciept</a:t>
+            </a:r>
+            <a:endParaRPr lang="en-US" sz="1800" b="1" dirty="0" smtClean="0"/>
+          </a:p>
+          <a:p>
+            <a:pPr lvl="1" indent="0">
+              <a:lnSpc>
+                <a:spcPct val="114000"/>
+              </a:lnSpc>
+              <a:spcBef>
+                <a:spcPts val="0"/>
+              </a:spcBef>
+              <a:buNone/>
+            </a:pPr>
+            <a:r>
+              <a:rPr lang="en-US" sz="1800" b="1" dirty="0" smtClean="0"/>
+              <a:t>Shopping and Buying </a:t>
+            </a:r>
+            <a:r>
+              <a:rPr lang="en-US" sz="1800" b="1" smtClean="0"/>
+              <a:t>E2E Tests</a:t>
+            </a:r>
+            <a:endParaRPr lang="en-US" sz="1800" b="1" dirty="0"/>
+          </a:p>
+          <a:p>
+            <a:pPr>
+              <a:lnSpc>
+                <a:spcPct val="135000"/>
+              </a:lnSpc>
+              <a:spcBef>
+                <a:spcPts val="0"/>
+              </a:spcBef>
+            </a:pPr>
+            <a:endParaRPr lang="en-US" sz="1600" dirty="0" smtClean="0"/>
+          </a:p>
+          <a:p>
+            <a:pPr marL="862013" lvl="1" indent="-285750">
+              <a:lnSpc>
+                <a:spcPct val="114000"/>
+              </a:lnSpc>
+              <a:spcBef>
+                <a:spcPts val="0"/>
+              </a:spcBef>
+              <a:buFont typeface="Arial" panose="020B0604020202020204" pitchFamily="34" charset="0"/>
+              <a:buChar char="•"/>
+            </a:pPr>
+            <a:r>
+              <a:rPr lang="en-US" b="1" dirty="0" smtClean="0"/>
+              <a:t>Provider Directory</a:t>
+            </a:r>
+          </a:p>
+          <a:p>
+            <a:pPr lvl="1" indent="0">
+              <a:lnSpc>
+                <a:spcPct val="114000"/>
+              </a:lnSpc>
+              <a:spcBef>
+                <a:spcPts val="0"/>
+              </a:spcBef>
+              <a:buNone/>
+            </a:pPr>
+            <a:r>
+              <a:rPr lang="en-US" sz="1800" b="1" dirty="0" smtClean="0"/>
+              <a:t>Template 1,  Template 2, Template 3</a:t>
+            </a:r>
+          </a:p>
+          <a:p>
+            <a:pPr lvl="1" indent="0">
+              <a:lnSpc>
+                <a:spcPct val="114000"/>
+              </a:lnSpc>
+              <a:spcBef>
+                <a:spcPts val="0"/>
+              </a:spcBef>
+              <a:buNone/>
+            </a:pPr>
+            <a:r>
+              <a:rPr lang="en-US" sz="1800" b="1" dirty="0" smtClean="0"/>
+              <a:t>API Tests USED</a:t>
+            </a:r>
+          </a:p>
+          <a:p>
+            <a:pPr lvl="1" indent="0">
+              <a:lnSpc>
+                <a:spcPct val="114000"/>
+              </a:lnSpc>
+              <a:spcBef>
+                <a:spcPts val="0"/>
+              </a:spcBef>
+              <a:buNone/>
+            </a:pPr>
+            <a:endParaRPr lang="en-US" sz="1800" b="1" dirty="0"/>
+          </a:p>
+          <a:p>
+            <a:pPr marL="862013" lvl="1" indent="-285750">
+              <a:lnSpc>
+                <a:spcPct val="114000"/>
+              </a:lnSpc>
+              <a:spcBef>
+                <a:spcPts val="0"/>
+              </a:spcBef>
+              <a:buFont typeface="Arial" panose="020B0604020202020204" pitchFamily="34" charset="0"/>
+              <a:buChar char="•"/>
+            </a:pPr>
+            <a:r>
+              <a:rPr lang="en-US" sz="1800" b="1" dirty="0" smtClean="0"/>
+              <a:t>Micro Service REST API Test</a:t>
+            </a:r>
+            <a:endParaRPr lang="en-US" sz="1800" b="1" dirty="0"/>
+          </a:p>
+          <a:p>
+            <a:pPr>
+              <a:lnSpc>
+                <a:spcPct val="135000"/>
+              </a:lnSpc>
+              <a:spcBef>
+                <a:spcPts val="0"/>
+              </a:spcBef>
+            </a:pPr>
+            <a:endParaRPr lang="en-US" sz="1600" dirty="0"/>
+          </a:p>
+          <a:p>
+            <a:pPr>
+              <a:lnSpc>
+                <a:spcPct val="135000"/>
+              </a:lnSpc>
+              <a:spcBef>
+                <a:spcPts val="0"/>
+              </a:spcBef>
+            </a:pPr>
+            <a:r>
               <a:rPr lang="en-US" sz="1600" b="1" dirty="0" smtClean="0"/>
-              <a:t> So,   Next step is ……..   </a:t>
+              <a:t> </a:t>
+            </a:r>
+            <a:r>
+              <a:rPr lang="en-US" sz="1600" b="1" dirty="0" smtClean="0"/>
+              <a:t>So,   Next step is ……..   </a:t>
             </a:r>
             <a:endParaRPr lang="en-US" sz="1600" b="1" dirty="0"/>
           </a:p>
@@ -6183,15 +7747,7 @@
             </a:pPr>
             <a:r>
               <a:rPr lang="en-US" sz="2000" b="1" dirty="0" smtClean="0"/>
-              <a:t>Development staff </a:t>
-            </a:r>
-            <a:r>
-              <a:rPr lang="en-US" sz="2000" b="1" dirty="0" smtClean="0"/>
-              <a:t>will </a:t>
-            </a:r>
-            <a:r>
-              <a:rPr lang="en-US" sz="2000" b="1" dirty="0" smtClean="0"/>
-              <a:t>write </a:t>
+              <a:t>Development staff will write </a:t>
             </a:r>
             <a:r>
               <a:rPr lang="en-US" sz="2000" b="1" dirty="0"/>
@@ -6213,11 +7769,7 @@
             </a:pPr>
             <a:r>
               <a:rPr lang="en-US" sz="1400" b="1" dirty="0" smtClean="0"/>
-              <a:t>This </a:t>
-            </a:r>
-            <a:r>
-              <a:rPr lang="en-US" sz="1400" b="1" dirty="0" smtClean="0"/>
-              <a:t>scripting </a:t>
+              <a:t>This scripting </a:t>
             </a:r>
             <a:r>
               <a:rPr lang="en-US" sz="1400" b="1" dirty="0"/>
@@ -6240,7 +7792,6 @@
               <a:rPr lang="en-US" sz="1400" b="1" dirty="0" smtClean="0"/>
               <a:t>REST API test scripting  covers all basic use and edge case work</a:t>
             </a:r>
-            <a:endParaRPr lang="en-US" sz="1400" b="1" dirty="0" smtClean="0"/>
           </a:p>
           <a:p>
             <a:pPr marL="342900" indent="-342900">
@@ -6478,7 +8029,7 @@
       </p:grpSpPr>
       <p:sp>
         <p:nvSpPr>
-          <p:cNvPr id="2" name="Title 1"/>
+          <p:cNvPr id="4" name="Title 1"/>
           <p:cNvSpPr>
             <a:spLocks noGrp="1"/>
           </p:cNvSpPr>
@@ -6488,34 +8039,28 @@
         </p:nvSpPr>
         <p:spPr>
           <a:xfrm>
-            <a:off x="1526513" y="124691"/>
-            <a:ext cx="5240047" cy="1325563"/>
+            <a:off x="1009384" y="128455"/>
+            <a:ext cx="7906016" cy="651510"/>
           </a:xfrm>
         </p:spPr>
         <p:txBody>
           <a:bodyPr anchor="t">
-            <a:normAutofit/>
+            <a:noAutofit/>
           </a:bodyPr>
           <a:lstStyle/>
           <a:p>
             <a:pPr algn="ctr"/>
             <a:r>
               <a:rPr lang="en-US" dirty="0" smtClean="0"/>
-              <a:t>EXECUTION  </a:t>
-            </a:r>
-            <a:endParaRPr lang="en-US" dirty="0">
-              <a:solidFill>
-                <a:schemeClr val="bg1">
-                  <a:lumMod val="85000"/>
-                </a:schemeClr>
-              </a:solidFill>
-            </a:endParaRPr>
+              <a:t>ROLES &amp; RESPONSIBILITIES</a:t>
+            </a:r>
+            <a:endParaRPr lang="en-US" dirty="0"/>
           </a:p>
         </p:txBody>
       </p:sp>
       <p:sp>
         <p:nvSpPr>
-          <p:cNvPr id="3" name="Content Placeholder 2"/>
+          <p:cNvPr id="5" name="Content Placeholder 2"/>
           <p:cNvSpPr>
             <a:spLocks noGrp="1"/>
           </p:cNvSpPr>
@@ -6525,8 +8070,8 @@
         </p:nvSpPr>
         <p:spPr>
           <a:xfrm>
-            <a:off x="437704" y="1837658"/>
-            <a:ext cx="8567504" cy="5001488"/>
+            <a:off x="282110" y="1795828"/>
+            <a:ext cx="8822133" cy="5062172"/>
           </a:xfrm>
         </p:spPr>
         <p:txBody>
@@ -6535,195 +8080,156 @@
           </a:bodyPr>
           <a:lstStyle/>
           <a:p>
-            <a:pPr>
-              <a:lnSpc>
-                <a:spcPct val="110000"/>
-              </a:lnSpc>
-            </a:pPr>
-            <a:r>
-              <a:rPr lang="en-US" sz="2000" b="1" dirty="0" smtClean="0"/>
-              <a:t>Two primary modes</a:t>
-            </a:r>
-          </a:p>
-          <a:p>
-            <a:pPr lvl="1">
-              <a:lnSpc>
-                <a:spcPct val="110000"/>
+            <a:pPr marL="342900" indent="-342900">
+              <a:lnSpc>
+                <a:spcPct val="125000"/>
               </a:lnSpc>
               <a:buFont typeface="Arial" panose="020B0604020202020204" pitchFamily="34" charset="0"/>
               <a:buChar char="•"/>
             </a:pPr>
             <a:r>
-              <a:rPr lang="en-US" sz="1800" b="1" dirty="0"/>
-              <a:t>Schedule Based : Covers Regression </a:t>
-            </a:r>
-            <a:r>
-              <a:rPr lang="en-US" sz="1800" b="1" dirty="0" smtClean="0"/>
-              <a:t>Testing  </a:t>
-            </a:r>
-            <a:r>
-              <a:rPr lang="en-US" sz="1200" b="1" dirty="0" smtClean="0"/>
-              <a:t>MOT - </a:t>
-            </a:r>
-            <a:r>
-              <a:rPr lang="en-US" sz="1200" b="1" dirty="0" err="1" smtClean="0"/>
-              <a:t>Cron</a:t>
-            </a:r>
-            <a:endParaRPr lang="en-US" sz="1200" b="1" dirty="0"/>
-          </a:p>
-          <a:p>
-            <a:pPr lvl="1">
-              <a:lnSpc>
-                <a:spcPct val="110000"/>
+              <a:rPr lang="en-US" sz="2000" b="1" dirty="0" smtClean="0"/>
+              <a:t>Shopping &amp; Buying Engineering will be responsible</a:t>
+            </a:r>
+            <a:endParaRPr lang="en-US" sz="2000" b="1" dirty="0" smtClean="0"/>
+          </a:p>
+          <a:p>
+            <a:pPr marL="342900" indent="-342900">
+              <a:lnSpc>
+                <a:spcPct val="125000"/>
               </a:lnSpc>
               <a:buFont typeface="Arial" panose="020B0604020202020204" pitchFamily="34" charset="0"/>
               <a:buChar char="•"/>
             </a:pPr>
-            <a:r>
-              <a:rPr lang="en-US" sz="1800" b="1" dirty="0"/>
-              <a:t>On Demand : Covers all developer build initiated </a:t>
-            </a:r>
-            <a:r>
-              <a:rPr lang="en-US" sz="1800" b="1" dirty="0" smtClean="0"/>
-              <a:t>testing  </a:t>
-            </a:r>
-            <a:r>
-              <a:rPr lang="en-US" sz="1200" b="1" dirty="0" smtClean="0"/>
-              <a:t>DIT - Jenkins</a:t>
-            </a:r>
-            <a:endParaRPr lang="en-US" sz="1200" b="1" dirty="0"/>
-          </a:p>
-          <a:p>
-            <a:pPr marL="457206" lvl="1" indent="0">
-              <a:lnSpc>
-                <a:spcPct val="110000"/>
-              </a:lnSpc>
-              <a:buNone/>
-            </a:pPr>
-            <a:r>
-              <a:rPr lang="en-US" sz="1600" b="1" dirty="0" smtClean="0"/>
-              <a:t>                  </a:t>
-            </a:r>
-            <a:endParaRPr lang="en-US" sz="1400" b="1" dirty="0"/>
-          </a:p>
-          <a:p>
-            <a:r>
-              <a:rPr lang="en-US" sz="2000" b="1" dirty="0"/>
-              <a:t>Configuration controlled </a:t>
-            </a:r>
-            <a:r>
-              <a:rPr lang="en-US" sz="2000" b="1" dirty="0" smtClean="0"/>
-              <a:t>testing:  </a:t>
-            </a:r>
-            <a:r>
-              <a:rPr lang="en-US" sz="2000" b="1" u="sng" dirty="0" smtClean="0"/>
-              <a:t>Biggest Evolutionary Advance</a:t>
-            </a:r>
-            <a:endParaRPr lang="en-US" sz="2000" b="1" u="sng" dirty="0"/>
-          </a:p>
-          <a:p>
-            <a:pPr lvl="1">
-              <a:lnSpc>
-                <a:spcPct val="100000"/>
+            <a:endParaRPr lang="en-US" sz="2000" b="1" dirty="0"/>
+          </a:p>
+          <a:p>
+            <a:pPr marL="342900" indent="-342900">
+              <a:lnSpc>
+                <a:spcPct val="125000"/>
               </a:lnSpc>
               <a:buFont typeface="Arial" panose="020B0604020202020204" pitchFamily="34" charset="0"/>
               <a:buChar char="•"/>
             </a:pPr>
             <a:r>
-              <a:rPr lang="en-US" sz="1800" b="1" dirty="0"/>
-              <a:t>Evolutionary change in configuration </a:t>
-            </a:r>
-            <a:r>
-              <a:rPr lang="en-US" sz="1800" b="1" dirty="0" smtClean="0"/>
-              <a:t>approach </a:t>
-            </a:r>
-            <a:r>
-              <a:rPr lang="en-US" sz="1800" b="1" dirty="0"/>
-              <a:t>moves </a:t>
-            </a:r>
-            <a:r>
-              <a:rPr lang="en-US" sz="1800" b="1" dirty="0" smtClean="0"/>
-              <a:t>control </a:t>
-            </a:r>
-            <a:r>
-              <a:rPr lang="en-US" sz="1800" b="1" dirty="0"/>
-              <a:t>of what product and state being tested out of the </a:t>
-            </a:r>
-            <a:r>
-              <a:rPr lang="en-US" sz="1800" b="1" dirty="0" smtClean="0"/>
-              <a:t>test script </a:t>
-            </a:r>
-            <a:r>
-              <a:rPr lang="en-US" sz="1800" b="1" dirty="0"/>
-              <a:t>and </a:t>
-            </a:r>
-            <a:r>
-              <a:rPr lang="en-US" sz="1800" b="1" dirty="0" smtClean="0"/>
-              <a:t>into </a:t>
-            </a:r>
-            <a:r>
-              <a:rPr lang="en-US" sz="1800" b="1" dirty="0"/>
-              <a:t>Framework </a:t>
-            </a:r>
-            <a:r>
-              <a:rPr lang="en-US" sz="1800" b="1" dirty="0" smtClean="0"/>
-              <a:t>Configuration</a:t>
-            </a:r>
-            <a:endParaRPr lang="en-US" sz="1800" b="1" dirty="0"/>
-          </a:p>
-          <a:p>
-            <a:endParaRPr lang="en-US" b="1" dirty="0"/>
-          </a:p>
-          <a:p>
-            <a:r>
               <a:rPr lang="en-US" sz="2000" b="1" dirty="0" smtClean="0"/>
-              <a:t>All testing regardless of mode is </a:t>
-            </a:r>
-            <a:r>
-              <a:rPr lang="en-US" sz="2000" b="1" u="sng" dirty="0" smtClean="0"/>
-              <a:t>configurable</a:t>
-            </a:r>
-            <a:r>
-              <a:rPr lang="en-US" sz="2000" b="1" dirty="0" smtClean="0"/>
-              <a:t> prior to run</a:t>
-            </a:r>
-          </a:p>
-          <a:p>
-            <a:pPr lvl="1">
+              <a:t>Provider Directory Engineering will be responsible</a:t>
+            </a:r>
+            <a:endParaRPr lang="en-US" sz="2000" b="1" dirty="0"/>
+          </a:p>
+          <a:p>
+            <a:pPr>
+              <a:lnSpc>
+                <a:spcPct val="125000"/>
+              </a:lnSpc>
+            </a:pPr>
+            <a:endParaRPr lang="en-US" sz="2000" b="1" dirty="0" smtClean="0"/>
+          </a:p>
+          <a:p>
+            <a:pPr marL="342900" indent="-342900">
+              <a:lnSpc>
+                <a:spcPct val="125000"/>
+              </a:lnSpc>
               <a:buFont typeface="Arial" panose="020B0604020202020204" pitchFamily="34" charset="0"/>
               <a:buChar char="•"/>
             </a:pPr>
             <a:r>
-              <a:rPr lang="en-US" sz="1800" b="1" dirty="0" smtClean="0"/>
-              <a:t>Developers use configuration to focus testing on development code</a:t>
-            </a:r>
-          </a:p>
-          <a:p>
-            <a:pPr lvl="1">
+              <a:rPr lang="en-US" sz="2000" b="1" dirty="0" smtClean="0"/>
+              <a:t>Core Technology API Team engineers</a:t>
+            </a:r>
+            <a:endParaRPr lang="en-US" sz="2000" b="1" dirty="0"/>
+          </a:p>
+          <a:p>
+            <a:pPr marL="919163" lvl="1" indent="-342900">
+              <a:lnSpc>
+                <a:spcPct val="125000"/>
+              </a:lnSpc>
               <a:buFont typeface="Arial" panose="020B0604020202020204" pitchFamily="34" charset="0"/>
               <a:buChar char="•"/>
             </a:pPr>
             <a:r>
-              <a:rPr lang="en-US" sz="1800" b="1" dirty="0" smtClean="0"/>
-              <a:t>Gives CXTA ability to test on same deployed code w/out stepping on Dev</a:t>
-            </a:r>
-          </a:p>
-          <a:p>
-            <a:pPr marL="457206" lvl="1" indent="0">
+              <a:rPr lang="en-US" sz="1400" b="1" dirty="0" smtClean="0"/>
+              <a:t>This scripting </a:t>
+            </a:r>
+            <a:r>
+              <a:rPr lang="en-US" sz="1400" b="1" dirty="0"/>
+              <a:t>will be page specific feature level integration </a:t>
+            </a:r>
+            <a:r>
+              <a:rPr lang="en-US" sz="1400" b="1" dirty="0" smtClean="0"/>
+              <a:t>tests</a:t>
+            </a:r>
+          </a:p>
+          <a:p>
+            <a:pPr marL="919163" lvl="1" indent="-342900">
+              <a:lnSpc>
+                <a:spcPct val="125000"/>
+              </a:lnSpc>
+              <a:buFont typeface="Arial" panose="020B0604020202020204" pitchFamily="34" charset="0"/>
+              <a:buChar char="•"/>
+            </a:pPr>
+            <a:r>
+              <a:rPr lang="en-US" sz="1400" b="1" dirty="0" smtClean="0"/>
+              <a:t>REST API test scripting  covers all basic use and edge case work</a:t>
+            </a:r>
+          </a:p>
+          <a:p>
+            <a:pPr marL="342900" indent="-342900">
+              <a:lnSpc>
+                <a:spcPct val="125000"/>
+              </a:lnSpc>
+              <a:buFont typeface="Arial" panose="020B0604020202020204" pitchFamily="34" charset="0"/>
+              <a:buChar char="•"/>
+            </a:pPr>
+            <a:endParaRPr lang="en-US" sz="2000" b="1" dirty="0" smtClean="0"/>
+          </a:p>
+          <a:p>
+            <a:pPr marL="342900" indent="-342900">
+              <a:lnSpc>
+                <a:spcPct val="125000"/>
+              </a:lnSpc>
+              <a:buFont typeface="Arial" panose="020B0604020202020204" pitchFamily="34" charset="0"/>
+              <a:buChar char="•"/>
+            </a:pPr>
+            <a:endParaRPr lang="en-US" sz="2000" b="1" dirty="0"/>
+          </a:p>
+          <a:p>
+            <a:pPr marL="342900" indent="-342900">
+              <a:lnSpc>
+                <a:spcPct val="125000"/>
+              </a:lnSpc>
+              <a:buFont typeface="Arial" panose="020B0604020202020204" pitchFamily="34" charset="0"/>
+              <a:buChar char="•"/>
+            </a:pPr>
+            <a:r>
+              <a:rPr lang="en-US" sz="2000" b="1" dirty="0" smtClean="0"/>
+              <a:t>CXTA </a:t>
+            </a:r>
+            <a:r>
+              <a:rPr lang="en-US" sz="2000" b="1" dirty="0" smtClean="0"/>
+              <a:t>team continues with Use Case End </a:t>
+            </a:r>
+            <a:r>
+              <a:rPr lang="en-US" sz="2000" b="1" dirty="0"/>
+              <a:t>to End test automation </a:t>
+            </a:r>
+            <a:endParaRPr lang="en-US" sz="2000" b="1" dirty="0" smtClean="0"/>
+          </a:p>
+          <a:p>
+            <a:pPr lvl="1" indent="0">
+              <a:lnSpc>
+                <a:spcPct val="125000"/>
+              </a:lnSpc>
               <a:buNone/>
             </a:pPr>
-            <a:r>
-              <a:rPr lang="en-US" sz="1400" dirty="0" smtClean="0"/>
-              <a:t>      </a:t>
-            </a:r>
-            <a:endParaRPr lang="en-US" sz="1400" dirty="0"/>
+            <a:endParaRPr lang="en-US" sz="900" b="1" dirty="0" smtClean="0"/>
           </a:p>
         </p:txBody>
       </p:sp>
     </p:spTree>
     <p:extLst>
       <p:ext uri="{BB962C8B-B14F-4D97-AF65-F5344CB8AC3E}">
-        <p14:creationId xmlns:p14="http://schemas.microsoft.com/office/powerpoint/2010/main" val="3319091546"/>
+        <p14:creationId xmlns:p14="http://schemas.microsoft.com/office/powerpoint/2010/main" val="1248016403"/>
       </p:ext>
     </p:extLst>
   </p:cSld>
@@ -6769,20 +8275,28 @@
         </p:nvSpPr>
         <p:spPr>
           <a:xfrm>
-            <a:off x="1641767" y="129597"/>
-            <a:ext cx="5101934" cy="1325563"/>
+            <a:off x="1526513" y="124691"/>
+            <a:ext cx="6969787" cy="1325563"/>
           </a:xfrm>
         </p:spPr>
         <p:txBody>
-          <a:bodyPr anchor="t"/>
+          <a:bodyPr anchor="t">
+            <a:normAutofit/>
+          </a:bodyPr>
           <a:lstStyle/>
           <a:p>
             <a:pPr algn="ctr"/>
             <a:r>
               <a:rPr lang="en-US" dirty="0" smtClean="0"/>
-              <a:t>REPORTING</a:t>
-            </a:r>
-            <a:endParaRPr lang="en-US" dirty="0"/>
+              <a:t>PROPOSED TIME LINE</a:t>
+            </a:r>
+            <a:endParaRPr lang="en-US" dirty="0">
+              <a:solidFill>
+                <a:schemeClr val="bg1">
+                  <a:lumMod val="85000"/>
+                </a:schemeClr>
+              </a:solidFill>
+            </a:endParaRPr>
           </a:p>
         </p:txBody>
       </p:sp>
@@ -6798,8 +8312,8 @@
         </p:nvSpPr>
         <p:spPr>
           <a:xfrm>
-            <a:off x="432843" y="914091"/>
-            <a:ext cx="3849789" cy="2804461"/>
+            <a:off x="437704" y="1837658"/>
+            <a:ext cx="8567504" cy="5001488"/>
           </a:xfrm>
         </p:spPr>
         <p:txBody>
@@ -6808,59 +8322,120 @@
           </a:bodyPr>
           <a:lstStyle/>
           <a:p>
-            <a:r>
-              <a:rPr lang="en-US" u="sng" dirty="0" smtClean="0"/>
-              <a:t>Three levels </a:t>
-            </a:r>
-            <a:r>
-              <a:rPr lang="en-US" u="sng" dirty="0"/>
-              <a:t>of </a:t>
-            </a:r>
-            <a:r>
-              <a:rPr lang="en-US" u="sng" dirty="0" smtClean="0"/>
-              <a:t>reporting</a:t>
-            </a:r>
-          </a:p>
-          <a:p>
             <a:pPr>
-              <a:spcBef>
-                <a:spcPts val="0"/>
-              </a:spcBef>
-            </a:pPr>
-            <a:r>
-              <a:rPr lang="en-US" sz="400" dirty="0" smtClean="0"/>
-              <a:t>    </a:t>
-            </a:r>
-            <a:endParaRPr lang="en-US" sz="400" dirty="0"/>
-          </a:p>
-          <a:p>
-            <a:r>
-              <a:rPr lang="en-US" b="1" dirty="0" smtClean="0"/>
-              <a:t>Hyper granular</a:t>
-            </a:r>
-            <a:r>
-              <a:rPr lang="en-US" dirty="0" smtClean="0"/>
-              <a:t>:  </a:t>
-            </a:r>
-          </a:p>
-          <a:p>
-            <a:pPr marL="342900" indent="-342900">
+              <a:lnSpc>
+                <a:spcPct val="110000"/>
+              </a:lnSpc>
+            </a:pPr>
+            <a:r>
+              <a:rPr lang="en-US" sz="2000" b="1" dirty="0" smtClean="0"/>
+              <a:t>ROLL OUT &amp; ENGINEERING ADOPTION</a:t>
+            </a:r>
+            <a:endParaRPr lang="en-US" sz="2000" b="1" dirty="0" smtClean="0"/>
+          </a:p>
+          <a:p>
+            <a:pPr lvl="1">
+              <a:lnSpc>
+                <a:spcPct val="110000"/>
+              </a:lnSpc>
               <a:buFont typeface="Arial" panose="020B0604020202020204" pitchFamily="34" charset="0"/>
               <a:buChar char="•"/>
             </a:pPr>
             <a:r>
-              <a:rPr lang="en-US" dirty="0" smtClean="0"/>
-              <a:t>Primary for debugging.</a:t>
-            </a:r>
-          </a:p>
-          <a:p>
-            <a:pPr marL="342900" indent="-342900">
+              <a:rPr lang="en-US" sz="1800" b="1" dirty="0"/>
+              <a:t>Schedule </a:t>
+            </a:r>
+            <a:r>
+              <a:rPr lang="en-US" sz="1800" b="1" dirty="0" smtClean="0"/>
+              <a:t>Based : </a:t>
+            </a:r>
+            <a:r>
+              <a:rPr lang="en-US" sz="1200" b="1" dirty="0" smtClean="0"/>
+              <a:t> </a:t>
+            </a:r>
+            <a:r>
+              <a:rPr lang="en-US" sz="1200" b="1" dirty="0" err="1" smtClean="0"/>
+              <a:t>Cron</a:t>
+            </a:r>
+            <a:endParaRPr lang="en-US" sz="1200" b="1" dirty="0" smtClean="0"/>
+          </a:p>
+          <a:p>
+            <a:pPr lvl="1">
+              <a:lnSpc>
+                <a:spcPct val="110000"/>
+              </a:lnSpc>
               <a:buFont typeface="Arial" panose="020B0604020202020204" pitchFamily="34" charset="0"/>
               <a:buChar char="•"/>
             </a:pPr>
             <a:r>
-              <a:rPr lang="en-US" dirty="0" smtClean="0"/>
-              <a:t>Covers every Assert or comparison in Framework</a:t>
+              <a:rPr lang="en-US" sz="1800" b="1" dirty="0" smtClean="0"/>
+              <a:t>On Demand : </a:t>
+            </a:r>
+            <a:r>
+              <a:rPr lang="en-US" sz="1200" b="1" dirty="0" smtClean="0"/>
+              <a:t> - Jenkins</a:t>
+            </a:r>
+          </a:p>
+          <a:p>
+            <a:pPr marL="457206" lvl="1" indent="0">
+              <a:lnSpc>
+                <a:spcPct val="110000"/>
+              </a:lnSpc>
+              <a:buNone/>
+            </a:pPr>
+            <a:r>
+              <a:rPr lang="en-US" sz="1600" b="1" dirty="0" smtClean="0"/>
+              <a:t>                  </a:t>
+            </a:r>
+            <a:endParaRPr lang="en-US" sz="1400" b="1" dirty="0"/>
+          </a:p>
+          <a:p>
+            <a:r>
+              <a:rPr lang="en-US" sz="2000" b="1" dirty="0"/>
+              <a:t>Configuration controlled </a:t>
+            </a:r>
+            <a:r>
+              <a:rPr lang="en-US" sz="2000" b="1" dirty="0" smtClean="0"/>
+              <a:t>t</a:t>
+            </a:r>
+            <a:endParaRPr lang="en-US" sz="2000" b="1" u="sng" dirty="0" smtClean="0"/>
+          </a:p>
+          <a:p>
+            <a:pPr lvl="1">
+              <a:lnSpc>
+                <a:spcPct val="100000"/>
+              </a:lnSpc>
+              <a:buFont typeface="Arial" panose="020B0604020202020204" pitchFamily="34" charset="0"/>
+              <a:buChar char="•"/>
+            </a:pPr>
+            <a:r>
+              <a:rPr lang="en-US" sz="1800" b="1" dirty="0" smtClean="0"/>
+              <a:t>Evolutionary change </a:t>
+            </a:r>
+            <a:r>
+              <a:rPr lang="en-US" sz="1800" b="1" dirty="0" err="1" smtClean="0"/>
+              <a:t>cript</a:t>
+            </a:r>
+            <a:r>
+              <a:rPr lang="en-US" sz="1800" b="1" dirty="0" smtClean="0"/>
+              <a:t> and into Framework Configuration</a:t>
+            </a:r>
+          </a:p>
+          <a:p>
+            <a:endParaRPr lang="en-US" b="1" dirty="0"/>
+          </a:p>
+          <a:p>
+            <a:r>
+              <a:rPr lang="en-US" sz="2000" b="1" dirty="0" smtClean="0"/>
+              <a:t>All testing </a:t>
+            </a:r>
+            <a:r>
+              <a:rPr lang="en-US" sz="2000" b="1" dirty="0" smtClean="0"/>
+              <a:t>or </a:t>
+            </a:r>
+            <a:r>
+              <a:rPr lang="en-US" sz="2000" b="1" dirty="0" smtClean="0"/>
+              <a:t>to run</a:t>
             </a:r>
           </a:p>
           <a:p>
@@ -6869,76 +8444,56 @@
               <a:buChar char="•"/>
             </a:pPr>
             <a:r>
-              <a:rPr lang="en-US" dirty="0" smtClean="0"/>
-              <a:t>Debugging and Framework Development tool</a:t>
-            </a:r>
+              <a:rPr lang="en-US" sz="1800" b="1" dirty="0" smtClean="0"/>
+              <a:t>Developers use </a:t>
+            </a:r>
+            <a:r>
+              <a:rPr lang="en-US" sz="1800" b="1" dirty="0" err="1" smtClean="0"/>
+              <a:t>cdevelopment</a:t>
+            </a:r>
+            <a:r>
+              <a:rPr lang="en-US" sz="1800" b="1" dirty="0" smtClean="0"/>
+              <a:t> </a:t>
+            </a:r>
+            <a:r>
+              <a:rPr lang="en-US" sz="1800" b="1" dirty="0" smtClean="0"/>
+              <a:t>code</a:t>
+            </a:r>
+          </a:p>
+          <a:p>
+            <a:pPr lvl="1">
+              <a:buFont typeface="Arial" panose="020B0604020202020204" pitchFamily="34" charset="0"/>
+              <a:buChar char="•"/>
+            </a:pPr>
+            <a:r>
+              <a:rPr lang="en-US" sz="1800" b="1" dirty="0" smtClean="0"/>
+              <a:t>Gives CXTA </a:t>
+            </a:r>
+            <a:r>
+              <a:rPr lang="en-US" sz="1800" b="1" dirty="0" smtClean="0"/>
+              <a:t>w/out </a:t>
+            </a:r>
+            <a:r>
+              <a:rPr lang="en-US" sz="1800" b="1" dirty="0" smtClean="0"/>
+              <a:t>stepping on Dev</a:t>
+            </a:r>
+          </a:p>
+          <a:p>
+            <a:pPr marL="457206" lvl="1" indent="0">
+              <a:buNone/>
+            </a:pPr>
+            <a:r>
+              <a:rPr lang="en-US" sz="1400" dirty="0" smtClean="0"/>
+              <a:t>      </a:t>
+            </a:r>
+            <a:endParaRPr lang="en-US" sz="1400" dirty="0"/>
           </a:p>
         </p:txBody>
       </p:sp>
-      <p:pic>
-        <p:nvPicPr>
-          <p:cNvPr id="4" name="Picture 3"/>
-          <p:cNvPicPr>
-            <a:picLocks noChangeAspect="1"/>
-          </p:cNvPicPr>
-          <p:nvPr/>
-        </p:nvPicPr>
-        <p:blipFill>
-          <a:blip r:embed="rId2">
-            <a:extLst>
-              <a:ext uri="{28A0092B-C50C-407E-A947-70E740481C1C}">
-                <a14:useLocalDpi xmlns:a14="http://schemas.microsoft.com/office/drawing/2010/main" val="0"/>
-              </a:ext>
-            </a:extLst>
-          </a:blip>
-          <a:stretch>
-            <a:fillRect/>
-          </a:stretch>
-        </p:blipFill>
-        <p:spPr>
-          <a:xfrm>
-            <a:off x="4484914" y="942849"/>
-            <a:ext cx="4620610" cy="5744818"/>
-          </a:xfrm>
-          <a:prstGeom prst="rect">
-            <a:avLst/>
-          </a:prstGeom>
-        </p:spPr>
-      </p:pic>
-      <p:pic>
-        <p:nvPicPr>
-          <p:cNvPr id="5" name="Picture 4"/>
-          <p:cNvPicPr>
-            <a:picLocks noChangeAspect="1"/>
-          </p:cNvPicPr>
-          <p:nvPr/>
-        </p:nvPicPr>
-        <p:blipFill>
-          <a:blip r:embed="rId3">
-            <a:extLst>
-              <a:ext uri="{28A0092B-C50C-407E-A947-70E740481C1C}">
-                <a14:useLocalDpi xmlns:a14="http://schemas.microsoft.com/office/drawing/2010/main" val="0"/>
-              </a:ext>
-            </a:extLst>
-          </a:blip>
-          <a:stretch>
-            <a:fillRect/>
-          </a:stretch>
-        </p:blipFill>
-        <p:spPr>
-          <a:xfrm>
-            <a:off x="330483" y="4023360"/>
-            <a:ext cx="4285060" cy="2807063"/>
-          </a:xfrm>
-          <a:prstGeom prst="rect">
-            <a:avLst/>
-          </a:prstGeom>
-        </p:spPr>
-      </p:pic>
     </p:spTree>
     <p:extLst>
       <p:ext uri="{BB962C8B-B14F-4D97-AF65-F5344CB8AC3E}">
-        <p14:creationId xmlns:p14="http://schemas.microsoft.com/office/powerpoint/2010/main" val="21198343"/>
+        <p14:creationId xmlns:p14="http://schemas.microsoft.com/office/powerpoint/2010/main" val="3319091546"/>
       </p:ext>
     </p:extLst>
   </p:cSld>
@@ -6984,20 +8539,32 @@
         </p:nvSpPr>
         <p:spPr>
           <a:xfrm>
-            <a:off x="1641767" y="129597"/>
-            <a:ext cx="5101934" cy="1325563"/>
+            <a:off x="1526513" y="124691"/>
+            <a:ext cx="5240047" cy="1325563"/>
           </a:xfrm>
         </p:spPr>
         <p:txBody>
-          <a:bodyPr anchor="t"/>
+          <a:bodyPr anchor="t">
+            <a:normAutofit/>
+          </a:bodyPr>
           <a:lstStyle/>
           <a:p>
             <a:pPr algn="ctr"/>
             <a:r>
               <a:rPr lang="en-US" dirty="0" smtClean="0"/>
-              <a:t>REPORTING</a:t>
-            </a:r>
-            <a:endParaRPr lang="en-US" dirty="0"/>
+              <a:t>TEST </a:t>
+            </a:r>
+            <a:r>
+              <a:rPr lang="en-US" dirty="0" smtClean="0"/>
+              <a:t>EXECUTION  </a:t>
+            </a:r>
+            <a:endParaRPr lang="en-US" dirty="0">
+              <a:solidFill>
+                <a:schemeClr val="bg1">
+                  <a:lumMod val="85000"/>
+                </a:schemeClr>
+              </a:solidFill>
+            </a:endParaRPr>
           </a:p>
         </p:txBody>
       </p:sp>
@@ -7013,129 +8580,205 @@
         </p:nvSpPr>
         <p:spPr>
           <a:xfrm>
-            <a:off x="432843" y="914087"/>
-            <a:ext cx="4860517" cy="2337113"/>
+            <a:off x="437704" y="1837658"/>
+            <a:ext cx="8567504" cy="5001488"/>
           </a:xfrm>
         </p:spPr>
         <p:txBody>
-          <a:bodyPr/>
+          <a:bodyPr>
+            <a:normAutofit/>
+          </a:bodyPr>
           <a:lstStyle/>
           <a:p>
-            <a:r>
-              <a:rPr lang="en-US" u="sng" dirty="0"/>
-              <a:t>Three levels of </a:t>
-            </a:r>
-            <a:r>
-              <a:rPr lang="en-US" u="sng" dirty="0" smtClean="0"/>
-              <a:t>reporting</a:t>
-            </a:r>
-          </a:p>
-          <a:p>
             <a:pPr>
-              <a:spcBef>
-                <a:spcPts val="0"/>
-              </a:spcBef>
-            </a:pPr>
-            <a:r>
-              <a:rPr lang="en-US" sz="800" dirty="0"/>
-              <a:t> </a:t>
-            </a:r>
-            <a:endParaRPr lang="en-US" u="sng" dirty="0"/>
-          </a:p>
-          <a:p>
-            <a:pPr indent="-234950"/>
-            <a:r>
-              <a:rPr lang="en-US" b="1" dirty="0" smtClean="0"/>
-              <a:t>Test Run Specific</a:t>
-            </a:r>
-            <a:r>
-              <a:rPr lang="en-US" dirty="0" smtClean="0"/>
-              <a:t>:  </a:t>
-            </a:r>
-          </a:p>
-          <a:p>
-            <a:pPr indent="-234950"/>
-            <a:r>
-              <a:rPr lang="en-US" dirty="0" smtClean="0"/>
-              <a:t>Test Function Pass / Fail </a:t>
-            </a:r>
-          </a:p>
-          <a:p>
-            <a:pPr marL="684213" lvl="1" indent="-342900">
+              <a:lnSpc>
+                <a:spcPct val="110000"/>
+              </a:lnSpc>
+            </a:pPr>
+            <a:r>
+              <a:rPr lang="en-US" sz="2000" b="1" dirty="0" smtClean="0"/>
+              <a:t>Two primary modes</a:t>
+            </a:r>
+          </a:p>
+          <a:p>
+            <a:pPr lvl="1">
+              <a:lnSpc>
+                <a:spcPct val="110000"/>
+              </a:lnSpc>
               <a:buFont typeface="Arial" panose="020B0604020202020204" pitchFamily="34" charset="0"/>
               <a:buChar char="•"/>
             </a:pPr>
             <a:r>
-              <a:rPr lang="en-US" dirty="0" smtClean="0"/>
-              <a:t>Current Standard test run encompassing test specific data and testRun specifics</a:t>
-            </a:r>
+              <a:rPr lang="en-US" sz="1800" b="1" dirty="0"/>
+              <a:t>Schedule Based : Covers Regression </a:t>
+            </a:r>
+            <a:r>
+              <a:rPr lang="en-US" sz="1800" b="1" dirty="0" smtClean="0"/>
+              <a:t>Testing  </a:t>
+            </a:r>
+            <a:r>
+              <a:rPr lang="en-US" sz="1200" b="1" dirty="0" smtClean="0"/>
+              <a:t>MOT - </a:t>
+            </a:r>
+            <a:r>
+              <a:rPr lang="en-US" sz="1200" b="1" dirty="0" err="1" smtClean="0"/>
+              <a:t>Cron</a:t>
+            </a:r>
+            <a:endParaRPr lang="en-US" sz="1200" b="1" dirty="0"/>
+          </a:p>
+          <a:p>
+            <a:pPr lvl="1">
+              <a:lnSpc>
+                <a:spcPct val="110000"/>
+              </a:lnSpc>
+              <a:buFont typeface="Arial" panose="020B0604020202020204" pitchFamily="34" charset="0"/>
+              <a:buChar char="•"/>
+            </a:pPr>
+            <a:r>
+              <a:rPr lang="en-US" sz="1800" b="1" dirty="0"/>
+              <a:t>On Demand : Covers all developer build initiated </a:t>
+            </a:r>
+            <a:r>
+              <a:rPr lang="en-US" sz="1800" b="1" dirty="0" smtClean="0"/>
+              <a:t>testing  </a:t>
+            </a:r>
+            <a:r>
+              <a:rPr lang="en-US" sz="1200" b="1" dirty="0" smtClean="0"/>
+              <a:t>DIT - Jenkins</a:t>
+            </a:r>
+            <a:endParaRPr lang="en-US" sz="1200" b="1" dirty="0"/>
+          </a:p>
+          <a:p>
+            <a:pPr marL="457206" lvl="1" indent="0">
+              <a:lnSpc>
+                <a:spcPct val="110000"/>
+              </a:lnSpc>
+              <a:buNone/>
+            </a:pPr>
+            <a:r>
+              <a:rPr lang="en-US" sz="1600" b="1" dirty="0" smtClean="0"/>
+              <a:t>                  </a:t>
+            </a:r>
+            <a:endParaRPr lang="en-US" sz="1400" b="1" dirty="0"/>
+          </a:p>
+          <a:p>
+            <a:r>
+              <a:rPr lang="en-US" sz="2000" b="1" dirty="0"/>
+              <a:t>Configuration controlled </a:t>
+            </a:r>
+            <a:r>
+              <a:rPr lang="en-US" sz="2000" b="1" dirty="0" smtClean="0"/>
+              <a:t>testing:  </a:t>
+            </a:r>
+            <a:r>
+              <a:rPr lang="en-US" sz="2000" b="1" u="sng" dirty="0" smtClean="0"/>
+              <a:t>Biggest Evolutionary Advance</a:t>
+            </a:r>
+            <a:endParaRPr lang="en-US" sz="2000" b="1" u="sng" dirty="0"/>
+          </a:p>
+          <a:p>
+            <a:pPr lvl="1">
+              <a:lnSpc>
+                <a:spcPct val="100000"/>
+              </a:lnSpc>
+              <a:buFont typeface="Arial" panose="020B0604020202020204" pitchFamily="34" charset="0"/>
+              <a:buChar char="•"/>
+            </a:pPr>
+            <a:r>
+              <a:rPr lang="en-US" sz="1800" b="1" dirty="0"/>
+              <a:t>Evolutionary change in configuration </a:t>
+            </a:r>
+            <a:r>
+              <a:rPr lang="en-US" sz="1800" b="1" dirty="0" smtClean="0"/>
+              <a:t>approach </a:t>
+            </a:r>
+            <a:r>
+              <a:rPr lang="en-US" sz="1800" b="1" dirty="0"/>
+              <a:t>moves </a:t>
+            </a:r>
+            <a:r>
+              <a:rPr lang="en-US" sz="1800" b="1" dirty="0" smtClean="0"/>
+              <a:t>control </a:t>
+            </a:r>
+            <a:r>
+              <a:rPr lang="en-US" sz="1800" b="1" dirty="0"/>
+              <a:t>of what product and state being tested out of the </a:t>
+            </a:r>
+            <a:r>
+              <a:rPr lang="en-US" sz="1800" b="1" dirty="0" smtClean="0"/>
+              <a:t>test script </a:t>
+            </a:r>
+            <a:r>
+              <a:rPr lang="en-US" sz="1800" b="1" dirty="0"/>
+              <a:t>and </a:t>
+            </a:r>
+            <a:r>
+              <a:rPr lang="en-US" sz="1800" b="1" dirty="0" smtClean="0"/>
+              <a:t>into </a:t>
+            </a:r>
+            <a:r>
+              <a:rPr lang="en-US" sz="1800" b="1" dirty="0"/>
+              <a:t>Framework </a:t>
+            </a:r>
+            <a:r>
+              <a:rPr lang="en-US" sz="1800" b="1" dirty="0" smtClean="0"/>
+              <a:t>Configuration</a:t>
+            </a:r>
+            <a:endParaRPr lang="en-US" sz="1800" b="1" dirty="0"/>
+          </a:p>
+          <a:p>
+            <a:endParaRPr lang="en-US" b="1" dirty="0"/>
+          </a:p>
+          <a:p>
+            <a:r>
+              <a:rPr lang="en-US" sz="2000" b="1" dirty="0" smtClean="0"/>
+              <a:t>All testing regardless of mode is </a:t>
+            </a:r>
+            <a:r>
+              <a:rPr lang="en-US" sz="2000" b="1" u="sng" dirty="0" smtClean="0"/>
+              <a:t>configurable</a:t>
+            </a:r>
+            <a:r>
+              <a:rPr lang="en-US" sz="2000" b="1" dirty="0" smtClean="0"/>
+              <a:t> prior to run</a:t>
+            </a:r>
+          </a:p>
+          <a:p>
+            <a:pPr lvl="1">
+              <a:buFont typeface="Arial" panose="020B0604020202020204" pitchFamily="34" charset="0"/>
+              <a:buChar char="•"/>
+            </a:pPr>
+            <a:r>
+              <a:rPr lang="en-US" sz="1800" b="1" dirty="0" smtClean="0"/>
+              <a:t>Developers use configuration to focus testing on development code</a:t>
+            </a:r>
+          </a:p>
+          <a:p>
+            <a:pPr lvl="1">
+              <a:buFont typeface="Arial" panose="020B0604020202020204" pitchFamily="34" charset="0"/>
+              <a:buChar char="•"/>
+            </a:pPr>
+            <a:r>
+              <a:rPr lang="en-US" sz="1800" b="1" dirty="0" smtClean="0"/>
+              <a:t>Gives CXTA ability to test on same deployed code w/out stepping on Dev</a:t>
+            </a:r>
+          </a:p>
+          <a:p>
+            <a:pPr marL="457206" lvl="1" indent="0">
+              <a:buNone/>
+            </a:pPr>
+            <a:r>
+              <a:rPr lang="en-US" sz="1400" dirty="0" smtClean="0"/>
+              <a:t>      </a:t>
+            </a:r>
+            <a:endParaRPr lang="en-US" sz="1400" dirty="0"/>
           </a:p>
         </p:txBody>
       </p:sp>
-      <p:pic>
-        <p:nvPicPr>
-          <p:cNvPr id="5" name="Picture 4"/>
-          <p:cNvPicPr>
-            <a:picLocks noChangeAspect="1"/>
-          </p:cNvPicPr>
-          <p:nvPr/>
-        </p:nvPicPr>
-        <p:blipFill>
-          <a:blip r:embed="rId2">
-            <a:extLst>
-              <a:ext uri="{28A0092B-C50C-407E-A947-70E740481C1C}">
-                <a14:useLocalDpi xmlns:a14="http://schemas.microsoft.com/office/drawing/2010/main" val="0"/>
-              </a:ext>
-            </a:extLst>
-          </a:blip>
-          <a:stretch>
-            <a:fillRect/>
-          </a:stretch>
-        </p:blipFill>
-        <p:spPr>
-          <a:xfrm>
-            <a:off x="5428527" y="832327"/>
-            <a:ext cx="3599233" cy="6025673"/>
-          </a:xfrm>
-          <a:prstGeom prst="rect">
-            <a:avLst/>
-          </a:prstGeom>
-        </p:spPr>
-      </p:pic>
-      <p:pic>
-        <p:nvPicPr>
-          <p:cNvPr id="6" name="Picture 5"/>
-          <p:cNvPicPr>
-            <a:picLocks noChangeAspect="1"/>
-          </p:cNvPicPr>
-          <p:nvPr/>
-        </p:nvPicPr>
-        <p:blipFill>
-          <a:blip r:embed="rId3">
-            <a:extLst>
-              <a:ext uri="{28A0092B-C50C-407E-A947-70E740481C1C}">
-                <a14:useLocalDpi xmlns:a14="http://schemas.microsoft.com/office/drawing/2010/main" val="0"/>
-              </a:ext>
-            </a:extLst>
-          </a:blip>
-          <a:stretch>
-            <a:fillRect/>
-          </a:stretch>
-        </p:blipFill>
-        <p:spPr>
-          <a:xfrm>
-            <a:off x="321831" y="3429000"/>
-            <a:ext cx="5082540" cy="2811780"/>
-          </a:xfrm>
-          <a:prstGeom prst="rect">
-            <a:avLst/>
-          </a:prstGeom>
-        </p:spPr>
-      </p:pic>
     </p:spTree>
     <p:extLst>
       <p:ext uri="{BB962C8B-B14F-4D97-AF65-F5344CB8AC3E}">
-        <p14:creationId xmlns:p14="http://schemas.microsoft.com/office/powerpoint/2010/main" val="3243345129"/>
+        <p14:creationId xmlns:p14="http://schemas.microsoft.com/office/powerpoint/2010/main" val="21906337"/>
       </p:ext>
     </p:extLst>
   </p:cSld>
@@ -7785,6 +9428,27 @@
 </file>
 
 <file path=customXml/item2.xml><?xml version="1.0" encoding="utf-8"?>
+<?mso-contentType ?>
+<FormTemplates xmlns="http://schemas.microsoft.com/sharepoint/v3/contenttype/forms">
+  <Display>DocumentLibraryForm</Display>
+  <Edit>DocumentLibraryForm</Edit>
+  <New>DocumentLibraryForm</New>
+</FormTemplates>
+</file>
+
+<file path=customXml/item3.xml><?xml version="1.0" encoding="utf-8"?>
+<p:properties xmlns:p="http://schemas.microsoft.com/office/2006/metadata/properties" xmlns:xsi="http://www.w3.org/2001/XMLSchema-instance" xmlns:pc="http://schemas.microsoft.com/office/infopath/2007/PartnerControls">
+  <documentManagement>
+    <_dlc_DocId xmlns="a9328eaf-6333-4034-a7ce-997665b5f80d">6AH7XJTKT27D-494-2</_dlc_DocId>
+    <_dlc_DocIdUrl xmlns="a9328eaf-6333-4034-a7ce-997665b5f80d">
+      <Url>http://itportal/sites/PMD/presentations/_layouts/DocIdRedir.aspx?ID=6AH7XJTKT27D-494-2</Url>
+      <Description>6AH7XJTKT27D-494-2</Description>
+    </_dlc_DocIdUrl>
+  </documentManagement>
+</p:properties>
+</file>
+
+<file path=customXml/item4.xml><?xml version="1.0" encoding="utf-8"?>
 <ct:contentTypeSchema xmlns:ct="http://schemas.microsoft.com/office/2006/metadata/contentType" xmlns:ma="http://schemas.microsoft.com/office/2006/metadata/properties/metaAttributes" ct:_="" ma:_="" ma:contentTypeName="Document" ma:contentTypeID="0x0101000F421C3DE11F24489C3C49A9442BEF44" ma:contentTypeVersion="0" ma:contentTypeDescription="Create a new document." ma:contentTypeScope="" ma:versionID="03fa29219166c606cfec6c1a2cbf2ee4">
   <xsd:schema xmlns:xsd="http://www.w3.org/2001/XMLSchema" xmlns:xs="http://www.w3.org/2001/XMLSchema" xmlns:p="http://schemas.microsoft.com/office/2006/metadata/properties" xmlns:ns2="a9328eaf-6333-4034-a7ce-997665b5f80d" targetNamespace="http://schemas.microsoft.com/office/2006/metadata/properties" ma:root="true" ma:fieldsID="40f1611e01294dd1c52f51bc3dec7bd7" ns2:_="">
     <xsd:import namespace="a9328eaf-6333-4034-a7ce-997665b5f80d"/>
@@ -7929,27 +9593,6 @@
 </ct:contentTypeSchema>
 </file>
 
-<file path=customXml/item3.xml><?xml version="1.0" encoding="utf-8"?>
-<p:properties xmlns:p="http://schemas.microsoft.com/office/2006/metadata/properties" xmlns:xsi="http://www.w3.org/2001/XMLSchema-instance" xmlns:pc="http://schemas.microsoft.com/office/infopath/2007/PartnerControls">
-  <documentManagement>
-    <_dlc_DocId xmlns="a9328eaf-6333-4034-a7ce-997665b5f80d">6AH7XJTKT27D-494-2</_dlc_DocId>
-    <_dlc_DocIdUrl xmlns="a9328eaf-6333-4034-a7ce-997665b5f80d">
-      <Url>http://itportal/sites/PMD/presentations/_layouts/DocIdRedir.aspx?ID=6AH7XJTKT27D-494-2</Url>
-      <Description>6AH7XJTKT27D-494-2</Description>
-    </_dlc_DocIdUrl>
-  </documentManagement>
-</p:properties>
-</file>
-
-<file path=customXml/item4.xml><?xml version="1.0" encoding="utf-8"?>
-<?mso-contentType ?>
-<FormTemplates xmlns="http://schemas.microsoft.com/sharepoint/v3/contenttype/forms">
-  <Display>DocumentLibraryForm</Display>
-  <Edit>DocumentLibraryForm</Edit>
-  <New>DocumentLibraryForm</New>
-</FormTemplates>
-</file>
-
 <file path=customXml/itemProps1.xml><?xml version="1.0" encoding="utf-8"?>
 <ds:datastoreItem xmlns:ds="http://schemas.openxmlformats.org/officeDocument/2006/customXml" ds:itemID="{8CB52003-E8CD-4DF2-932F-2EC7EF4DD677}">
   <ds:schemaRefs>
@@ -7959,19 +9602,9 @@
 </file>
 
 <file path=customXml/itemProps2.xml><?xml version="1.0" encoding="utf-8"?>
-<ds:datastoreItem xmlns:ds="http://schemas.openxmlformats.org/officeDocument/2006/customXml" ds:itemID="{EF7533AB-0193-4AEC-8EC4-E6A274EB1992}">
+<ds:datastoreItem xmlns:ds="http://schemas.openxmlformats.org/officeDocument/2006/customXml" ds:itemID="{E9FEC3C6-DD16-422A-B8AE-8B104F632898}">
   <ds:schemaRefs>
-    <ds:schemaRef ds:uri="http://schemas.microsoft.com/office/2006/metadata/contentType"/>
-    <ds:schemaRef ds:uri="http://schemas.microsoft.com/office/2006/metadata/properties/metaAttributes"/>
-    <ds:schemaRef ds:uri="http://www.w3.org/2001/XMLSchema"/>
-    <ds:schemaRef ds:uri="http://schemas.microsoft.com/office/2006/metadata/properties"/>
-    <ds:schemaRef ds:uri="a9328eaf-6333-4034-a7ce-997665b5f80d"/>
-    <ds:schemaRef ds:uri="http://schemas.microsoft.com/office/2006/documentManagement/types"/>
-    <ds:schemaRef ds:uri="http://schemas.microsoft.com/office/infopath/2007/PartnerControls"/>
-    <ds:schemaRef ds:uri="http://schemas.openxmlformats.org/package/2006/metadata/core-properties"/>
-    <ds:schemaRef ds:uri="http://purl.org/dc/elements/1.1/"/>
-    <ds:schemaRef ds:uri="http://purl.org/dc/terms/"/>
-    <ds:schemaRef ds:uri="http://schemas.microsoft.com/internal/obd"/>
+    <ds:schemaRef ds:uri="http://schemas.microsoft.com/sharepoint/v3/contenttype/forms"/>
   </ds:schemaRefs>
 </ds:datastoreItem>
 </file>
@@ -7993,9 +9626,19 @@
 </file>
 
 <file path=customXml/itemProps4.xml><?xml version="1.0" encoding="utf-8"?>
-<ds:datastoreItem xmlns:ds="http://schemas.openxmlformats.org/officeDocument/2006/customXml" ds:itemID="{E9FEC3C6-DD16-422A-B8AE-8B104F632898}">
+<ds:datastoreItem xmlns:ds="http://schemas.openxmlformats.org/officeDocument/2006/customXml" ds:itemID="{EF7533AB-0193-4AEC-8EC4-E6A274EB1992}">
   <ds:schemaRefs>
-    <ds:schemaRef ds:uri="http://schemas.microsoft.com/sharepoint/v3/contenttype/forms"/>
+    <ds:schemaRef ds:uri="http://schemas.microsoft.com/office/2006/metadata/contentType"/>
+    <ds:schemaRef ds:uri="http://schemas.microsoft.com/office/2006/metadata/properties/metaAttributes"/>
+    <ds:schemaRef ds:uri="http://www.w3.org/2001/XMLSchema"/>
+    <ds:schemaRef ds:uri="http://schemas.microsoft.com/office/2006/metadata/properties"/>
+    <ds:schemaRef ds:uri="a9328eaf-6333-4034-a7ce-997665b5f80d"/>
+    <ds:schemaRef ds:uri="http://schemas.microsoft.com/office/2006/documentManagement/types"/>
+    <ds:schemaRef ds:uri="http://schemas.microsoft.com/office/infopath/2007/PartnerControls"/>
+    <ds:schemaRef ds:uri="http://schemas.openxmlformats.org/package/2006/metadata/core-properties"/>
+    <ds:schemaRef ds:uri="http://purl.org/dc/elements/1.1/"/>
+    <ds:schemaRef ds:uri="http://purl.org/dc/terms/"/>
+    <ds:schemaRef ds:uri="http://schemas.microsoft.com/internal/obd"/>
   </ds:schemaRefs>
 </ds:datastoreItem>
 </file>
--- a/CurrentWork_Delta/CX_StrategyPowerPoint.pptx
+++ b/CurrentWork_Delta/CX_StrategyPowerPoint.pptx
@@ -138,6 +138,9 @@
         </p15:guide>
       </p15:sldGuideLst>
     </p:ext>
+    <p:ext uri="{2D200454-40CA-4A62-9FC3-DE9A4176ACB9}">
+      <p15:notesGuideLst xmlns:p15="http://schemas.microsoft.com/office/powerpoint/2012/main"/>
+    </p:ext>
   </p:extLst>
 </p:presentation>
 </file>
@@ -224,7 +227,7 @@
           <a:p>
             <a:fld id="{7195FF61-7FDF-4F4D-A3AE-3078F9B9BE1D}" type="datetimeFigureOut">
               <a:rPr lang="en-US" smtClean="0"/>
-              <a:t>3/16/2018</a:t>
+              <a:t>3/19/2018</a:t>
             </a:fld>
             <a:endParaRPr lang="en-US"/>
           </a:p>
@@ -2277,7 +2280,6 @@
               <a:rPr lang="en-US" sz="2800" dirty="0" smtClean="0"/>
               <a:t>Test Execution</a:t>
             </a:r>
-            <a:endParaRPr lang="en-US" sz="2800" dirty="0" smtClean="0"/>
           </a:p>
           <a:p>
             <a:pPr algn="ctr"/>
@@ -2358,11 +2360,7 @@
             <a:pPr algn="ctr"/>
             <a:r>
               <a:rPr lang="en-US" dirty="0" smtClean="0"/>
-              <a:t>TESTING TYPES</a:t>
-            </a:r>
-            <a:r>
-              <a:rPr lang="en-US" dirty="0" smtClean="0"/>
-              <a:t>  </a:t>
+              <a:t>TESTING TYPES  </a:t>
             </a:r>
             <a:endParaRPr lang="en-US" dirty="0">
               <a:solidFill>
@@ -2386,7 +2384,7 @@
         </p:nvSpPr>
         <p:spPr>
           <a:xfrm>
-            <a:off x="437704" y="1837658"/>
+            <a:off x="275144" y="1746218"/>
             <a:ext cx="8567504" cy="5001488"/>
           </a:xfrm>
         </p:spPr>
@@ -2396,22 +2394,29 @@
           </a:bodyPr>
           <a:lstStyle/>
           <a:p>
-            <a:pPr>
-              <a:lnSpc>
-                <a:spcPct val="110000"/>
-              </a:lnSpc>
+            <a:pPr marL="342900" indent="-342900">
+              <a:lnSpc>
+                <a:spcPct val="150000"/>
+              </a:lnSpc>
+              <a:spcBef>
+                <a:spcPts val="0"/>
+              </a:spcBef>
+              <a:buFont typeface="Arial" panose="020B0604020202020204" pitchFamily="34" charset="0"/>
+              <a:buChar char="•"/>
             </a:pPr>
             <a:r>
               <a:rPr lang="en-US" sz="2000" b="1" dirty="0" smtClean="0"/>
               <a:t>Three primary types of testing</a:t>
             </a:r>
-            <a:endParaRPr lang="en-US" sz="2000" b="1" dirty="0" smtClean="0"/>
           </a:p>
           <a:p>
             <a:pPr lvl="1">
               <a:lnSpc>
-                <a:spcPct val="110000"/>
-              </a:lnSpc>
+                <a:spcPct val="150000"/>
+              </a:lnSpc>
+              <a:spcBef>
+                <a:spcPts val="0"/>
+              </a:spcBef>
               <a:buFont typeface="Arial" panose="020B0604020202020204" pitchFamily="34" charset="0"/>
               <a:buChar char="•"/>
             </a:pPr>
@@ -2423,18 +2428,17 @@
           <a:p>
             <a:pPr lvl="2">
               <a:lnSpc>
-                <a:spcPct val="110000"/>
-              </a:lnSpc>
+                <a:spcPct val="150000"/>
+              </a:lnSpc>
+              <a:spcBef>
+                <a:spcPts val="0"/>
+              </a:spcBef>
               <a:buFont typeface="Arial" panose="020B0604020202020204" pitchFamily="34" charset="0"/>
               <a:buChar char="•"/>
             </a:pPr>
             <a:r>
               <a:rPr lang="en-US" sz="1400" b="1" dirty="0" smtClean="0"/>
-              <a:t>Complete </a:t>
-            </a:r>
-            <a:r>
-              <a:rPr lang="en-US" sz="1400" b="1" dirty="0" smtClean="0"/>
-              <a:t>page element analysis</a:t>
+              <a:t>Complete page element analysis</a:t>
             </a:r>
             <a:r>
               <a:rPr lang="en-US" sz="1400" b="1" dirty="0"/>
@@ -2448,8 +2452,11 @@
           <a:p>
             <a:pPr lvl="2">
               <a:lnSpc>
-                <a:spcPct val="110000"/>
-              </a:lnSpc>
+                <a:spcPct val="150000"/>
+              </a:lnSpc>
+              <a:spcBef>
+                <a:spcPts val="0"/>
+              </a:spcBef>
               <a:buFont typeface="Arial" panose="020B0604020202020204" pitchFamily="34" charset="0"/>
               <a:buChar char="•"/>
             </a:pPr>
@@ -2463,19 +2470,17 @@
             </a:r>
             <a:r>
               <a:rPr lang="en-US" sz="1400" b="1" dirty="0" smtClean="0"/>
-              <a:t>, Link, etc.  </a:t>
-            </a:r>
-            <a:r>
-              <a:rPr lang="en-US" sz="1400" b="1" dirty="0" smtClean="0"/>
-              <a:t>Functionally evaluated and error checked</a:t>
-            </a:r>
-            <a:endParaRPr lang="en-US" sz="1400" b="1" dirty="0" smtClean="0"/>
+              <a:t>, Link, etc.  Functionally evaluated and error checked</a:t>
+            </a:r>
           </a:p>
           <a:p>
             <a:pPr lvl="1">
               <a:lnSpc>
-                <a:spcPct val="110000"/>
-              </a:lnSpc>
+                <a:spcPct val="150000"/>
+              </a:lnSpc>
+              <a:spcBef>
+                <a:spcPts val="0"/>
+              </a:spcBef>
               <a:buFont typeface="Arial" panose="020B0604020202020204" pitchFamily="34" charset="0"/>
               <a:buChar char="•"/>
             </a:pPr>
@@ -2487,8 +2492,11 @@
           <a:p>
             <a:pPr lvl="2">
               <a:lnSpc>
-                <a:spcPct val="110000"/>
-              </a:lnSpc>
+                <a:spcPct val="150000"/>
+              </a:lnSpc>
+              <a:spcBef>
+                <a:spcPts val="0"/>
+              </a:spcBef>
               <a:buFont typeface="Arial" panose="020B0604020202020204" pitchFamily="34" charset="0"/>
               <a:buChar char="•"/>
             </a:pPr>
@@ -2500,8 +2508,11 @@
           <a:p>
             <a:pPr lvl="2">
               <a:lnSpc>
-                <a:spcPct val="110000"/>
-              </a:lnSpc>
+                <a:spcPct val="150000"/>
+              </a:lnSpc>
+              <a:spcBef>
+                <a:spcPts val="0"/>
+              </a:spcBef>
               <a:buFont typeface="Arial" panose="020B0604020202020204" pitchFamily="34" charset="0"/>
               <a:buChar char="•"/>
             </a:pPr>
@@ -2509,13 +2520,15 @@
               <a:rPr lang="en-US" sz="1400" b="1" dirty="0" smtClean="0"/>
               <a:t>Data driven</a:t>
             </a:r>
-            <a:endParaRPr lang="en-US" sz="1400" b="1" dirty="0" smtClean="0"/>
           </a:p>
           <a:p>
             <a:pPr lvl="1">
               <a:lnSpc>
-                <a:spcPct val="110000"/>
-              </a:lnSpc>
+                <a:spcPct val="150000"/>
+              </a:lnSpc>
+              <a:spcBef>
+                <a:spcPts val="0"/>
+              </a:spcBef>
               <a:buFont typeface="Arial" panose="020B0604020202020204" pitchFamily="34" charset="0"/>
               <a:buChar char="•"/>
             </a:pPr>
@@ -2527,8 +2540,11 @@
           <a:p>
             <a:pPr lvl="2">
               <a:lnSpc>
-                <a:spcPct val="110000"/>
-              </a:lnSpc>
+                <a:spcPct val="150000"/>
+              </a:lnSpc>
+              <a:spcBef>
+                <a:spcPts val="0"/>
+              </a:spcBef>
               <a:buFont typeface="Arial" panose="020B0604020202020204" pitchFamily="34" charset="0"/>
               <a:buChar char="•"/>
             </a:pPr>
@@ -2540,8 +2556,11 @@
           <a:p>
             <a:pPr lvl="2">
               <a:lnSpc>
-                <a:spcPct val="110000"/>
-              </a:lnSpc>
+                <a:spcPct val="150000"/>
+              </a:lnSpc>
+              <a:spcBef>
+                <a:spcPts val="0"/>
+              </a:spcBef>
               <a:buFont typeface="Arial" panose="020B0604020202020204" pitchFamily="34" charset="0"/>
               <a:buChar char="•"/>
             </a:pPr>
@@ -2562,7 +2581,6 @@
               <a:rPr lang="en-US" sz="1600" b="1" dirty="0" smtClean="0"/>
               <a:t>                  </a:t>
             </a:r>
-            <a:endParaRPr lang="en-US" sz="1600" b="1" dirty="0" smtClean="0"/>
           </a:p>
           <a:p>
             <a:pPr marL="457206" lvl="1" indent="0">
@@ -6048,7 +6066,7 @@
         </p:nvSpPr>
         <p:spPr>
           <a:xfrm>
-            <a:off x="367073" y="815966"/>
+            <a:off x="367073" y="958206"/>
             <a:ext cx="1414170" cy="369332"/>
           </a:xfrm>
           <a:prstGeom prst="rect">
@@ -6382,38 +6400,6 @@
           </a:p>
         </p:txBody>
       </p:sp>
-      <p:pic>
-        <p:nvPicPr>
-          <p:cNvPr id="8" name="Picture 7">
-            <a:hlinkClick r:id="rId3" action="ppaction://hlinksldjump"/>
-          </p:cNvPr>
-          <p:cNvPicPr>
-            <a:picLocks noChangeAspect="1"/>
-          </p:cNvPicPr>
-          <p:nvPr/>
-        </p:nvPicPr>
-        <p:blipFill>
-          <a:blip r:embed="rId4">
-            <a:extLst>
-              <a:ext uri="{28A0092B-C50C-407E-A947-70E740481C1C}">
-                <a14:useLocalDpi xmlns:a14="http://schemas.microsoft.com/office/drawing/2010/main" val="0"/>
-              </a:ext>
-            </a:extLst>
-          </a:blip>
-          <a:stretch>
-            <a:fillRect/>
-          </a:stretch>
-        </p:blipFill>
-        <p:spPr>
-          <a:xfrm>
-            <a:off x="814713" y="5481046"/>
-            <a:ext cx="6006486" cy="1328961"/>
-          </a:xfrm>
-          <a:prstGeom prst="rect">
-            <a:avLst/>
-          </a:prstGeom>
-        </p:spPr>
-      </p:pic>
       <p:sp>
         <p:nvSpPr>
           <p:cNvPr id="9" name="Rectangle 8"/>
@@ -6553,188 +6539,6 @@
                 </a:outerShdw>
               </a:effectLst>
             </a:endParaRPr>
-          </a:p>
-        </p:txBody>
-      </p:sp>
-      <p:pic>
-        <p:nvPicPr>
-          <p:cNvPr id="6" name="Picture 5"/>
-          <p:cNvPicPr>
-            <a:picLocks noChangeAspect="1"/>
-          </p:cNvPicPr>
-          <p:nvPr/>
-        </p:nvPicPr>
-        <p:blipFill>
-          <a:blip r:embed="rId5">
-            <a:extLst>
-              <a:ext uri="{28A0092B-C50C-407E-A947-70E740481C1C}">
-                <a14:useLocalDpi xmlns:a14="http://schemas.microsoft.com/office/drawing/2010/main" val="0"/>
-              </a:ext>
-            </a:extLst>
-          </a:blip>
-          <a:stretch>
-            <a:fillRect/>
-          </a:stretch>
-        </p:blipFill>
-        <p:spPr>
-          <a:xfrm>
-            <a:off x="814713" y="3565170"/>
-            <a:ext cx="6006486" cy="1320798"/>
-          </a:xfrm>
-          <a:prstGeom prst="rect">
-            <a:avLst/>
-          </a:prstGeom>
-        </p:spPr>
-      </p:pic>
-      <p:sp>
-        <p:nvSpPr>
-          <p:cNvPr id="3" name="Rectangle 2"/>
-          <p:cNvSpPr/>
-          <p:nvPr/>
-        </p:nvSpPr>
-        <p:spPr>
-          <a:xfrm>
-            <a:off x="2521204" y="3907440"/>
-            <a:ext cx="325905" cy="187036"/>
-          </a:xfrm>
-          <a:prstGeom prst="rect">
-            <a:avLst/>
-          </a:prstGeom>
-          <a:ln>
-            <a:noFill/>
-          </a:ln>
-        </p:spPr>
-        <p:style>
-          <a:lnRef idx="2">
-            <a:schemeClr val="dk1"/>
-          </a:lnRef>
-          <a:fillRef idx="1">
-            <a:schemeClr val="lt1"/>
-          </a:fillRef>
-          <a:effectRef idx="0">
-            <a:schemeClr val="dk1"/>
-          </a:effectRef>
-          <a:fontRef idx="minor">
-            <a:schemeClr val="dk1"/>
-          </a:fontRef>
-        </p:style>
-        <p:txBody>
-          <a:bodyPr rtlCol="0" anchor="ctr"/>
-          <a:lstStyle/>
-          <a:p>
-            <a:pPr algn="ctr"/>
-            <a:endParaRPr lang="en-US"/>
-          </a:p>
-        </p:txBody>
-      </p:sp>
-      <p:sp>
-        <p:nvSpPr>
-          <p:cNvPr id="2" name="TextBox 1"/>
-          <p:cNvSpPr txBox="1"/>
-          <p:nvPr/>
-        </p:nvSpPr>
-        <p:spPr>
-          <a:xfrm>
-            <a:off x="2481791" y="3550630"/>
-            <a:ext cx="1039091" cy="569515"/>
-          </a:xfrm>
-          <a:prstGeom prst="rect">
-            <a:avLst/>
-          </a:prstGeom>
-          <a:noFill/>
-        </p:spPr>
-        <p:txBody>
-          <a:bodyPr wrap="square" rtlCol="0">
-            <a:spAutoFit/>
-          </a:bodyPr>
-          <a:lstStyle/>
-          <a:p>
-            <a:pPr>
-              <a:lnSpc>
-                <a:spcPct val="114000"/>
-              </a:lnSpc>
-            </a:pPr>
-            <a:r>
-              <a:rPr lang="en-US" sz="1400" dirty="0" smtClean="0"/>
-              <a:t>Min per Test  Case</a:t>
-            </a:r>
-            <a:endParaRPr lang="en-US" sz="1400" dirty="0"/>
-          </a:p>
-        </p:txBody>
-      </p:sp>
-      <p:sp>
-        <p:nvSpPr>
-          <p:cNvPr id="11" name="Rectangle 10"/>
-          <p:cNvSpPr/>
-          <p:nvPr/>
-        </p:nvSpPr>
-        <p:spPr>
-          <a:xfrm>
-            <a:off x="3383525" y="3878510"/>
-            <a:ext cx="664165" cy="187036"/>
-          </a:xfrm>
-          <a:prstGeom prst="rect">
-            <a:avLst/>
-          </a:prstGeom>
-          <a:ln>
-            <a:noFill/>
-          </a:ln>
-        </p:spPr>
-        <p:style>
-          <a:lnRef idx="2">
-            <a:schemeClr val="dk1"/>
-          </a:lnRef>
-          <a:fillRef idx="1">
-            <a:schemeClr val="lt1"/>
-          </a:fillRef>
-          <a:effectRef idx="0">
-            <a:schemeClr val="dk1"/>
-          </a:effectRef>
-          <a:fontRef idx="minor">
-            <a:schemeClr val="dk1"/>
-          </a:fontRef>
-        </p:style>
-        <p:txBody>
-          <a:bodyPr rtlCol="0" anchor="ctr"/>
-          <a:lstStyle/>
-          <a:p>
-            <a:pPr algn="ctr"/>
-            <a:endParaRPr lang="en-US"/>
-          </a:p>
-        </p:txBody>
-      </p:sp>
-      <p:sp>
-        <p:nvSpPr>
-          <p:cNvPr id="12" name="TextBox 11"/>
-          <p:cNvSpPr txBox="1"/>
-          <p:nvPr/>
-        </p:nvSpPr>
-        <p:spPr>
-          <a:xfrm>
-            <a:off x="3317393" y="3550631"/>
-            <a:ext cx="1039091" cy="569515"/>
-          </a:xfrm>
-          <a:prstGeom prst="rect">
-            <a:avLst/>
-          </a:prstGeom>
-          <a:noFill/>
-        </p:spPr>
-        <p:txBody>
-          <a:bodyPr wrap="square" rtlCol="0">
-            <a:spAutoFit/>
-          </a:bodyPr>
-          <a:lstStyle/>
-          <a:p>
-            <a:pPr>
-              <a:lnSpc>
-                <a:spcPct val="114000"/>
-              </a:lnSpc>
-            </a:pPr>
-            <a:r>
-              <a:rPr lang="en-US" sz="1400" dirty="0" smtClean="0"/>
-              <a:t>Min per Test  Run</a:t>
-            </a:r>
-            <a:endParaRPr lang="en-US" sz="1400" dirty="0"/>
           </a:p>
         </p:txBody>
       </p:sp>
@@ -6781,41 +6585,6 @@
       </p:sp>
       <p:sp>
         <p:nvSpPr>
-          <p:cNvPr id="13" name="TextBox 12"/>
-          <p:cNvSpPr txBox="1"/>
-          <p:nvPr/>
-        </p:nvSpPr>
-        <p:spPr>
-          <a:xfrm>
-            <a:off x="4099643" y="3579790"/>
-            <a:ext cx="1089641" cy="535468"/>
-          </a:xfrm>
-          <a:prstGeom prst="rect">
-            <a:avLst/>
-          </a:prstGeom>
-          <a:noFill/>
-        </p:spPr>
-        <p:txBody>
-          <a:bodyPr wrap="square" rtlCol="0">
-            <a:spAutoFit/>
-          </a:bodyPr>
-          <a:lstStyle/>
-          <a:p>
-            <a:pPr>
-              <a:lnSpc>
-                <a:spcPct val="114000"/>
-              </a:lnSpc>
-            </a:pPr>
-            <a:r>
-              <a:rPr lang="en-US" sz="1300" dirty="0" smtClean="0"/>
-              <a:t>Total Min for 3 Test  Run</a:t>
-            </a:r>
-            <a:endParaRPr lang="en-US" sz="1300" dirty="0"/>
-          </a:p>
-        </p:txBody>
-      </p:sp>
-      <p:sp>
-        <p:nvSpPr>
           <p:cNvPr id="15" name="TextBox 14"/>
           <p:cNvSpPr txBox="1"/>
           <p:nvPr/>
@@ -6874,275 +6643,66 @@
           </a:p>
         </p:txBody>
       </p:sp>
-      <p:sp>
-        <p:nvSpPr>
-          <p:cNvPr id="23" name="Rectangle 22"/>
-          <p:cNvSpPr/>
+      <p:pic>
+        <p:nvPicPr>
+          <p:cNvPr id="7" name="Picture 6"/>
+          <p:cNvPicPr>
+            <a:picLocks noChangeAspect="1"/>
+          </p:cNvPicPr>
           <p:nvPr/>
-        </p:nvSpPr>
+        </p:nvPicPr>
+        <p:blipFill>
+          <a:blip r:embed="rId3">
+            <a:extLst>
+              <a:ext uri="{28A0092B-C50C-407E-A947-70E740481C1C}">
+                <a14:useLocalDpi xmlns:a14="http://schemas.microsoft.com/office/drawing/2010/main" val="0"/>
+              </a:ext>
+            </a:extLst>
+          </a:blip>
+          <a:stretch>
+            <a:fillRect/>
+          </a:stretch>
+        </p:blipFill>
         <p:spPr>
           <a:xfrm>
-            <a:off x="2533648" y="5818772"/>
-            <a:ext cx="783745" cy="177800"/>
+            <a:off x="812267" y="3554932"/>
+            <a:ext cx="6008932" cy="1324886"/>
           </a:xfrm>
           <a:prstGeom prst="rect">
             <a:avLst/>
           </a:prstGeom>
-          <a:ln>
-            <a:noFill/>
-          </a:ln>
         </p:spPr>
-        <p:style>
-          <a:lnRef idx="2">
-            <a:schemeClr val="dk1"/>
-          </a:lnRef>
-          <a:fillRef idx="1">
-            <a:schemeClr val="lt1"/>
-          </a:fillRef>
-          <a:effectRef idx="0">
-            <a:schemeClr val="dk1"/>
-          </a:effectRef>
-          <a:fontRef idx="minor">
-            <a:schemeClr val="dk1"/>
-          </a:fontRef>
-        </p:style>
-        <p:txBody>
-          <a:bodyPr rtlCol="0" anchor="ctr"/>
-          <a:lstStyle/>
-          <a:p>
-            <a:pPr algn="ctr"/>
-            <a:endParaRPr lang="en-US"/>
-          </a:p>
-        </p:txBody>
-      </p:sp>
-      <p:sp>
-        <p:nvSpPr>
-          <p:cNvPr id="24" name="Rectangle 23"/>
-          <p:cNvSpPr/>
+      </p:pic>
+      <p:pic>
+        <p:nvPicPr>
+          <p:cNvPr id="16" name="Picture 15"/>
+          <p:cNvPicPr>
+            <a:picLocks noChangeAspect="1"/>
+          </p:cNvPicPr>
           <p:nvPr/>
-        </p:nvSpPr>
+        </p:nvPicPr>
+        <p:blipFill>
+          <a:blip r:embed="rId4">
+            <a:extLst>
+              <a:ext uri="{28A0092B-C50C-407E-A947-70E740481C1C}">
+                <a14:useLocalDpi xmlns:a14="http://schemas.microsoft.com/office/drawing/2010/main" val="0"/>
+              </a:ext>
+            </a:extLst>
+          </a:blip>
+          <a:stretch>
+            <a:fillRect/>
+          </a:stretch>
+        </p:blipFill>
         <p:spPr>
           <a:xfrm>
-            <a:off x="-2959100" y="3028373"/>
-            <a:ext cx="685800" cy="177800"/>
+            <a:off x="814712" y="5472429"/>
+            <a:ext cx="6088537" cy="1314451"/>
           </a:xfrm>
           <a:prstGeom prst="rect">
             <a:avLst/>
           </a:prstGeom>
-          <a:ln>
-            <a:noFill/>
-          </a:ln>
         </p:spPr>
-        <p:style>
-          <a:lnRef idx="2">
-            <a:schemeClr val="dk1"/>
-          </a:lnRef>
-          <a:fillRef idx="1">
-            <a:schemeClr val="lt1"/>
-          </a:fillRef>
-          <a:effectRef idx="0">
-            <a:schemeClr val="dk1"/>
-          </a:effectRef>
-          <a:fontRef idx="minor">
-            <a:schemeClr val="dk1"/>
-          </a:fontRef>
-        </p:style>
-        <p:txBody>
-          <a:bodyPr rtlCol="0" anchor="ctr"/>
-          <a:lstStyle/>
-          <a:p>
-            <a:pPr algn="ctr"/>
-            <a:endParaRPr lang="en-US"/>
-          </a:p>
-        </p:txBody>
-      </p:sp>
-      <p:sp>
-        <p:nvSpPr>
-          <p:cNvPr id="25" name="Rectangle 24"/>
-          <p:cNvSpPr/>
-          <p:nvPr/>
-        </p:nvSpPr>
-        <p:spPr>
-          <a:xfrm>
-            <a:off x="3377817" y="5817767"/>
-            <a:ext cx="783745" cy="177800"/>
-          </a:xfrm>
-          <a:prstGeom prst="rect">
-            <a:avLst/>
-          </a:prstGeom>
-          <a:ln>
-            <a:noFill/>
-          </a:ln>
-        </p:spPr>
-        <p:style>
-          <a:lnRef idx="2">
-            <a:schemeClr val="dk1"/>
-          </a:lnRef>
-          <a:fillRef idx="1">
-            <a:schemeClr val="lt1"/>
-          </a:fillRef>
-          <a:effectRef idx="0">
-            <a:schemeClr val="dk1"/>
-          </a:effectRef>
-          <a:fontRef idx="minor">
-            <a:schemeClr val="dk1"/>
-          </a:fontRef>
-        </p:style>
-        <p:txBody>
-          <a:bodyPr rtlCol="0" anchor="ctr"/>
-          <a:lstStyle/>
-          <a:p>
-            <a:pPr algn="ctr"/>
-            <a:endParaRPr lang="en-US"/>
-          </a:p>
-        </p:txBody>
-      </p:sp>
-      <p:sp>
-        <p:nvSpPr>
-          <p:cNvPr id="26" name="Rectangle 25"/>
-          <p:cNvSpPr/>
-          <p:nvPr/>
-        </p:nvSpPr>
-        <p:spPr>
-          <a:xfrm>
-            <a:off x="4213955" y="5817767"/>
-            <a:ext cx="783745" cy="177800"/>
-          </a:xfrm>
-          <a:prstGeom prst="rect">
-            <a:avLst/>
-          </a:prstGeom>
-          <a:ln>
-            <a:noFill/>
-          </a:ln>
-        </p:spPr>
-        <p:style>
-          <a:lnRef idx="2">
-            <a:schemeClr val="dk1"/>
-          </a:lnRef>
-          <a:fillRef idx="1">
-            <a:schemeClr val="lt1"/>
-          </a:fillRef>
-          <a:effectRef idx="0">
-            <a:schemeClr val="dk1"/>
-          </a:effectRef>
-          <a:fontRef idx="minor">
-            <a:schemeClr val="dk1"/>
-          </a:fontRef>
-        </p:style>
-        <p:txBody>
-          <a:bodyPr rtlCol="0" anchor="ctr"/>
-          <a:lstStyle/>
-          <a:p>
-            <a:pPr algn="ctr"/>
-            <a:endParaRPr lang="en-US"/>
-          </a:p>
-        </p:txBody>
-      </p:sp>
-      <p:sp>
-        <p:nvSpPr>
-          <p:cNvPr id="19" name="TextBox 18"/>
-          <p:cNvSpPr txBox="1"/>
-          <p:nvPr/>
-        </p:nvSpPr>
-        <p:spPr>
-          <a:xfrm>
-            <a:off x="2493752" y="5493377"/>
-            <a:ext cx="964061" cy="583493"/>
-          </a:xfrm>
-          <a:prstGeom prst="rect">
-            <a:avLst/>
-          </a:prstGeom>
-          <a:noFill/>
-        </p:spPr>
-        <p:txBody>
-          <a:bodyPr wrap="square" rtlCol="0">
-            <a:spAutoFit/>
-          </a:bodyPr>
-          <a:lstStyle/>
-          <a:p>
-            <a:pPr>
-              <a:lnSpc>
-                <a:spcPct val="114000"/>
-              </a:lnSpc>
-            </a:pPr>
-            <a:r>
-              <a:rPr lang="en-US" sz="1400" dirty="0" smtClean="0"/>
-              <a:t>Sec per Test  Case</a:t>
-            </a:r>
-            <a:endParaRPr lang="en-US" sz="1400" dirty="0"/>
-          </a:p>
-        </p:txBody>
-      </p:sp>
-      <p:sp>
-        <p:nvSpPr>
-          <p:cNvPr id="21" name="TextBox 20"/>
-          <p:cNvSpPr txBox="1"/>
-          <p:nvPr/>
-        </p:nvSpPr>
-        <p:spPr>
-          <a:xfrm>
-            <a:off x="3356382" y="5478168"/>
-            <a:ext cx="1039091" cy="583493"/>
-          </a:xfrm>
-          <a:prstGeom prst="rect">
-            <a:avLst/>
-          </a:prstGeom>
-          <a:noFill/>
-        </p:spPr>
-        <p:txBody>
-          <a:bodyPr wrap="square" rtlCol="0">
-            <a:spAutoFit/>
-          </a:bodyPr>
-          <a:lstStyle/>
-          <a:p>
-            <a:pPr>
-              <a:lnSpc>
-                <a:spcPct val="114000"/>
-              </a:lnSpc>
-            </a:pPr>
-            <a:r>
-              <a:rPr lang="en-US" sz="1400" dirty="0" smtClean="0"/>
-              <a:t>Sec per Test  Run</a:t>
-            </a:r>
-            <a:endParaRPr lang="en-US" sz="1400" dirty="0"/>
-          </a:p>
-        </p:txBody>
-      </p:sp>
-      <p:sp>
-        <p:nvSpPr>
-          <p:cNvPr id="22" name="TextBox 21"/>
-          <p:cNvSpPr txBox="1"/>
-          <p:nvPr/>
-        </p:nvSpPr>
-        <p:spPr>
-          <a:xfrm>
-            <a:off x="4121247" y="5510881"/>
-            <a:ext cx="1089641" cy="548483"/>
-          </a:xfrm>
-          <a:prstGeom prst="rect">
-            <a:avLst/>
-          </a:prstGeom>
-          <a:noFill/>
-        </p:spPr>
-        <p:txBody>
-          <a:bodyPr wrap="square" rtlCol="0">
-            <a:spAutoFit/>
-          </a:bodyPr>
-          <a:lstStyle/>
-          <a:p>
-            <a:pPr>
-              <a:lnSpc>
-                <a:spcPct val="114000"/>
-              </a:lnSpc>
-            </a:pPr>
-            <a:r>
-              <a:rPr lang="en-US" sz="1300" dirty="0" smtClean="0"/>
-              <a:t>Total Secs for 3 Test  Run</a:t>
-            </a:r>
-            <a:endParaRPr lang="en-US" sz="1300" dirty="0"/>
-          </a:p>
-        </p:txBody>
-      </p:sp>
+      </p:pic>
     </p:spTree>
     <p:extLst>
       <p:ext uri="{BB962C8B-B14F-4D97-AF65-F5344CB8AC3E}">
@@ -7355,13 +6915,7 @@
               <a:buNone/>
             </a:pPr>
             <a:r>
-              <a:rPr lang="en-US" sz="1200" b="1" dirty="0" smtClean="0">
-                <a:solidFill>
-                  <a:schemeClr val="bg1">
-                    <a:lumMod val="75000"/>
-                  </a:schemeClr>
-                </a:solidFill>
-              </a:rPr>
+              <a:rPr lang="en-US" sz="1200" dirty="0" smtClean="0"/>
               <a:t>Product Architect claimed at one point, “ That’s why I liked Test Automation so much.”  Test Automation ran the same script that forced the problem to the surface and ran identically proving the fix was successful</a:t>
             </a:r>
           </a:p>
@@ -7378,7 +6932,6 @@
               <a:rPr lang="en-US" sz="1000" dirty="0" smtClean="0"/>
               <a:t>     </a:t>
             </a:r>
-            <a:endParaRPr lang="en-US" sz="1000" dirty="0" smtClean="0"/>
           </a:p>
           <a:p>
             <a:pPr>
@@ -7470,11 +7023,26 @@
             </a:pPr>
             <a:r>
               <a:rPr lang="en-US" sz="1800" b="1" dirty="0" smtClean="0"/>
-              <a:t>Shopping and Buying </a:t>
-            </a:r>
-            <a:r>
-              <a:rPr lang="en-US" sz="1800" b="1" smtClean="0"/>
-              <a:t>E2E Tests</a:t>
+              <a:t>Shopping and Buying E2E </a:t>
+            </a:r>
+            <a:r>
+              <a:rPr lang="en-US" sz="1800" b="1" dirty="0" smtClean="0"/>
+              <a:t>Tests</a:t>
+            </a:r>
+          </a:p>
+          <a:p>
+            <a:pPr lvl="1" indent="0">
+              <a:lnSpc>
+                <a:spcPct val="114000"/>
+              </a:lnSpc>
+              <a:spcBef>
+                <a:spcPts val="0"/>
+              </a:spcBef>
+              <a:buNone/>
+            </a:pPr>
+            <a:r>
+              <a:rPr lang="en-US" sz="1800" b="1" dirty="0" smtClean="0"/>
+              <a:t>Content</a:t>
             </a:r>
             <a:endParaRPr lang="en-US" sz="1800" b="1" dirty="0"/>
           </a:p>
@@ -7586,11 +7154,7 @@
             </a:pPr>
             <a:r>
               <a:rPr lang="en-US" sz="1600" b="1" dirty="0" smtClean="0"/>
-              <a:t> </a:t>
-            </a:r>
-            <a:r>
-              <a:rPr lang="en-US" sz="1600" b="1" dirty="0" smtClean="0"/>
-              <a:t>So,   Next step is ……..   </a:t>
+              <a:t> So,   Next step is ……..   </a:t>
             </a:r>
             <a:endParaRPr lang="en-US" sz="1600" b="1" dirty="0"/>
           </a:p>
@@ -8039,8 +7603,8 @@
         </p:nvSpPr>
         <p:spPr>
           <a:xfrm>
-            <a:off x="1009384" y="128455"/>
-            <a:ext cx="7906016" cy="651510"/>
+            <a:off x="1009384" y="779966"/>
+            <a:ext cx="7088136" cy="774514"/>
           </a:xfrm>
         </p:spPr>
         <p:txBody>
@@ -8089,11 +7653,130 @@
             </a:pPr>
             <a:r>
               <a:rPr lang="en-US" sz="2000" b="1" dirty="0" smtClean="0"/>
-              <a:t>Shopping &amp; Buying Engineering will be responsible</a:t>
+              <a:t>Shopping &amp; Buying </a:t>
+            </a:r>
+            <a:r>
+              <a:rPr lang="en-US" sz="2000" b="1" dirty="0" smtClean="0"/>
+              <a:t>Development Engineers</a:t>
+            </a:r>
+          </a:p>
+          <a:p>
+            <a:pPr marL="919163" lvl="1" indent="-342900">
+              <a:lnSpc>
+                <a:spcPct val="105000"/>
+              </a:lnSpc>
+              <a:spcBef>
+                <a:spcPts val="0"/>
+              </a:spcBef>
+              <a:buFont typeface="Arial" panose="020B0604020202020204" pitchFamily="34" charset="0"/>
+              <a:buChar char="•"/>
+            </a:pPr>
+            <a:r>
+              <a:rPr lang="en-US" sz="1400" dirty="0" smtClean="0"/>
+              <a:t>Responsible for all new  Page Level Functional Integration Tests</a:t>
+            </a:r>
+          </a:p>
+          <a:p>
+            <a:pPr marL="919163" lvl="1" indent="-342900">
+              <a:lnSpc>
+                <a:spcPct val="105000"/>
+              </a:lnSpc>
+              <a:spcBef>
+                <a:spcPts val="0"/>
+              </a:spcBef>
+              <a:buFont typeface="Arial" panose="020B0604020202020204" pitchFamily="34" charset="0"/>
+              <a:buChar char="•"/>
+            </a:pPr>
+            <a:r>
+              <a:rPr lang="en-US" sz="1400" dirty="0" smtClean="0"/>
+              <a:t>Responsible </a:t>
+            </a:r>
+            <a:r>
+              <a:rPr lang="en-US" sz="1400" dirty="0"/>
+              <a:t>for </a:t>
+            </a:r>
+            <a:r>
+              <a:rPr lang="en-US" sz="1400" dirty="0" smtClean="0"/>
+              <a:t>correcting all test failures in  ../</a:t>
+            </a:r>
+            <a:r>
+              <a:rPr lang="en-US" sz="1400" dirty="0" err="1" smtClean="0"/>
+              <a:t>fitmp</a:t>
+            </a:r>
+            <a:r>
+              <a:rPr lang="en-US" sz="1400" dirty="0" smtClean="0"/>
+              <a:t>  directory, keeping it completely operational</a:t>
+            </a:r>
+            <a:endParaRPr lang="en-US" sz="1400" b="1" dirty="0"/>
+          </a:p>
+          <a:p>
+            <a:pPr marL="342900" indent="-342900">
+              <a:lnSpc>
+                <a:spcPct val="125000"/>
+              </a:lnSpc>
+              <a:buFont typeface="Arial" panose="020B0604020202020204" pitchFamily="34" charset="0"/>
+              <a:buChar char="•"/>
+            </a:pPr>
+            <a:r>
+              <a:rPr lang="en-US" sz="2000" b="1" dirty="0" smtClean="0"/>
+              <a:t>Provider Directory </a:t>
+            </a:r>
+            <a:r>
+              <a:rPr lang="en-US" sz="2000" b="1" dirty="0"/>
+              <a:t>Development Engineers </a:t>
             </a:r>
             <a:endParaRPr lang="en-US" sz="2000" b="1" dirty="0" smtClean="0"/>
           </a:p>
           <a:p>
+            <a:pPr marL="919163" lvl="1" indent="-342900">
+              <a:lnSpc>
+                <a:spcPct val="105000"/>
+              </a:lnSpc>
+              <a:spcBef>
+                <a:spcPts val="0"/>
+              </a:spcBef>
+              <a:buFont typeface="Arial" panose="020B0604020202020204" pitchFamily="34" charset="0"/>
+              <a:buChar char="•"/>
+            </a:pPr>
+            <a:r>
+              <a:rPr lang="en-US" sz="1400" dirty="0" smtClean="0"/>
+              <a:t>R</a:t>
+            </a:r>
+            <a:r>
+              <a:rPr lang="en-US" sz="1400" dirty="0" smtClean="0"/>
+              <a:t>esponsible for all new Template level Functional Integration Tests</a:t>
+            </a:r>
+          </a:p>
+          <a:p>
+            <a:pPr marL="919163" lvl="1" indent="-342900">
+              <a:lnSpc>
+                <a:spcPct val="105000"/>
+              </a:lnSpc>
+              <a:spcBef>
+                <a:spcPts val="0"/>
+              </a:spcBef>
+              <a:buFont typeface="Arial" panose="020B0604020202020204" pitchFamily="34" charset="0"/>
+              <a:buChar char="•"/>
+            </a:pPr>
+            <a:r>
+              <a:rPr lang="en-US" sz="1400" dirty="0" smtClean="0"/>
+              <a:t>Responsible for correcting all test failures in the  </a:t>
+            </a:r>
+            <a:r>
+              <a:rPr lang="en-US" sz="1400" dirty="0" smtClean="0"/>
+              <a:t>../</a:t>
+            </a:r>
+            <a:r>
+              <a:rPr lang="en-US" sz="1400" dirty="0" err="1" smtClean="0"/>
+              <a:t>fitpd</a:t>
+            </a:r>
+            <a:r>
+              <a:rPr lang="en-US" sz="1400" dirty="0" smtClean="0"/>
+              <a:t>  directory, keeping all test operational</a:t>
+            </a:r>
+            <a:endParaRPr lang="en-US" sz="1400" dirty="0"/>
+          </a:p>
+          <a:p>
             <a:pPr marL="342900" indent="-342900">
               <a:lnSpc>
                 <a:spcPct val="125000"/>
@@ -8101,97 +7784,59 @@
               <a:buFont typeface="Arial" panose="020B0604020202020204" pitchFamily="34" charset="0"/>
               <a:buChar char="•"/>
             </a:pPr>
+            <a:r>
+              <a:rPr lang="en-US" sz="2000" b="1" dirty="0" smtClean="0"/>
+              <a:t> Core </a:t>
+            </a:r>
+            <a:r>
+              <a:rPr lang="en-US" sz="2000" b="1" dirty="0" smtClean="0"/>
+              <a:t>Technology API Team engineers</a:t>
+            </a:r>
             <a:endParaRPr lang="en-US" sz="2000" b="1" dirty="0"/>
           </a:p>
           <a:p>
-            <a:pPr marL="342900" indent="-342900">
+            <a:pPr marL="919163" lvl="1" indent="-342900">
+              <a:lnSpc>
+                <a:spcPct val="105000"/>
+              </a:lnSpc>
+              <a:spcBef>
+                <a:spcPts val="0"/>
+              </a:spcBef>
+              <a:buFont typeface="Arial" panose="020B0604020202020204" pitchFamily="34" charset="0"/>
+              <a:buChar char="•"/>
+            </a:pPr>
+            <a:r>
+              <a:rPr lang="en-US" sz="1400" dirty="0" smtClean="0"/>
+              <a:t>Responsible for adding new tests to the REST API regression suite </a:t>
+            </a:r>
+          </a:p>
+          <a:p>
+            <a:pPr marL="919163" lvl="1" indent="-342900">
+              <a:lnSpc>
+                <a:spcPct val="105000"/>
+              </a:lnSpc>
+              <a:spcBef>
+                <a:spcPts val="0"/>
+              </a:spcBef>
+              <a:buFont typeface="Arial" panose="020B0604020202020204" pitchFamily="34" charset="0"/>
+              <a:buChar char="•"/>
+            </a:pPr>
+            <a:r>
+              <a:rPr lang="en-US" sz="1400" dirty="0" smtClean="0"/>
+              <a:t>Responsible for correcting all REST API regression failures , keeping all scripting completely operational</a:t>
+            </a:r>
+          </a:p>
+          <a:p>
+            <a:pPr>
               <a:lnSpc>
                 <a:spcPct val="125000"/>
               </a:lnSpc>
-              <a:buFont typeface="Arial" panose="020B0604020202020204" pitchFamily="34" charset="0"/>
-              <a:buChar char="•"/>
-            </a:pPr>
-            <a:r>
-              <a:rPr lang="en-US" sz="2000" b="1" dirty="0" smtClean="0"/>
-              <a:t>Provider Directory Engineering will be responsible</a:t>
-            </a:r>
-            <a:endParaRPr lang="en-US" sz="2000" b="1" dirty="0"/>
-          </a:p>
-          <a:p>
-            <a:pPr>
-              <a:lnSpc>
-                <a:spcPct val="125000"/>
-              </a:lnSpc>
-            </a:pPr>
-            <a:endParaRPr lang="en-US" sz="2000" b="1" dirty="0" smtClean="0"/>
-          </a:p>
-          <a:p>
-            <a:pPr marL="342900" indent="-342900">
-              <a:lnSpc>
-                <a:spcPct val="125000"/>
-              </a:lnSpc>
-              <a:buFont typeface="Arial" panose="020B0604020202020204" pitchFamily="34" charset="0"/>
-              <a:buChar char="•"/>
-            </a:pPr>
-            <a:r>
-              <a:rPr lang="en-US" sz="2000" b="1" dirty="0" smtClean="0"/>
-              <a:t>Core Technology API Team engineers</a:t>
-            </a:r>
-            <a:endParaRPr lang="en-US" sz="2000" b="1" dirty="0"/>
-          </a:p>
-          <a:p>
-            <a:pPr marL="919163" lvl="1" indent="-342900">
-              <a:lnSpc>
-                <a:spcPct val="125000"/>
-              </a:lnSpc>
-              <a:buFont typeface="Arial" panose="020B0604020202020204" pitchFamily="34" charset="0"/>
-              <a:buChar char="•"/>
-            </a:pPr>
-            <a:r>
-              <a:rPr lang="en-US" sz="1400" b="1" dirty="0" smtClean="0"/>
-              <a:t>This scripting </a:t>
-            </a:r>
-            <a:r>
-              <a:rPr lang="en-US" sz="1400" b="1" dirty="0"/>
-              <a:t>will be page specific feature level integration </a:t>
-            </a:r>
-            <a:r>
-              <a:rPr lang="en-US" sz="1400" b="1" dirty="0" smtClean="0"/>
-              <a:t>tests</a:t>
-            </a:r>
-          </a:p>
-          <a:p>
-            <a:pPr marL="919163" lvl="1" indent="-342900">
-              <a:lnSpc>
-                <a:spcPct val="125000"/>
-              </a:lnSpc>
-              <a:buFont typeface="Arial" panose="020B0604020202020204" pitchFamily="34" charset="0"/>
-              <a:buChar char="•"/>
-            </a:pPr>
-            <a:r>
-              <a:rPr lang="en-US" sz="1400" b="1" dirty="0" smtClean="0"/>
-              <a:t>REST API test scripting  covers all basic use and edge case work</a:t>
-            </a:r>
-          </a:p>
-          <a:p>
-            <a:pPr marL="342900" indent="-342900">
-              <a:lnSpc>
-                <a:spcPct val="125000"/>
-              </a:lnSpc>
-              <a:buFont typeface="Arial" panose="020B0604020202020204" pitchFamily="34" charset="0"/>
-              <a:buChar char="•"/>
-            </a:pPr>
-            <a:endParaRPr lang="en-US" sz="2000" b="1" dirty="0" smtClean="0"/>
-          </a:p>
-          <a:p>
-            <a:pPr marL="342900" indent="-342900">
-              <a:lnSpc>
-                <a:spcPct val="125000"/>
-              </a:lnSpc>
-              <a:buFont typeface="Arial" panose="020B0604020202020204" pitchFamily="34" charset="0"/>
-              <a:buChar char="•"/>
-            </a:pPr>
-            <a:endParaRPr lang="en-US" sz="2000" b="1" dirty="0"/>
+            </a:pPr>
+            <a:r>
+              <a:rPr lang="en-US" sz="500" b="1" dirty="0" smtClean="0"/>
+              <a:t>             </a:t>
+            </a:r>
+            <a:endParaRPr lang="en-US" sz="500" b="1" dirty="0" smtClean="0"/>
           </a:p>
           <a:p>
             <a:pPr marL="342900" indent="-342900">
@@ -8206,23 +7851,181 @@
               <a:t>CXTA </a:t>
             </a:r>
             <a:r>
+              <a:rPr lang="en-US" sz="2000" b="1" dirty="0"/>
+              <a:t>T</a:t>
+            </a:r>
+            <a:r>
               <a:rPr lang="en-US" sz="2000" b="1" dirty="0" smtClean="0"/>
-              <a:t>team continues with Use Case End </a:t>
-            </a:r>
-            <a:r>
-              <a:rPr lang="en-US" sz="2000" b="1" dirty="0"/>
-              <a:t>to End test automation </a:t>
-            </a:r>
-            <a:endParaRPr lang="en-US" sz="2000" b="1" dirty="0" smtClean="0"/>
-          </a:p>
-          <a:p>
-            <a:pPr lvl="1" indent="0">
-              <a:lnSpc>
-                <a:spcPct val="125000"/>
-              </a:lnSpc>
+              <a:t>eam engineers</a:t>
+            </a:r>
+          </a:p>
+          <a:p>
+            <a:pPr marL="919163" lvl="1" indent="-342900">
+              <a:lnSpc>
+                <a:spcPct val="105000"/>
+              </a:lnSpc>
+              <a:spcBef>
+                <a:spcPts val="0"/>
+              </a:spcBef>
+              <a:buFont typeface="Arial" panose="020B0604020202020204" pitchFamily="34" charset="0"/>
+              <a:buChar char="•"/>
+            </a:pPr>
+            <a:r>
+              <a:rPr lang="en-US" sz="1400" dirty="0" smtClean="0"/>
+              <a:t>Oversee and manage all Framework development. </a:t>
+            </a:r>
+          </a:p>
+          <a:p>
+            <a:pPr marL="919163" lvl="1" indent="-342900">
+              <a:lnSpc>
+                <a:spcPct val="105000"/>
+              </a:lnSpc>
+              <a:spcBef>
+                <a:spcPts val="0"/>
+              </a:spcBef>
+              <a:buFont typeface="Arial" panose="020B0604020202020204" pitchFamily="34" charset="0"/>
+              <a:buChar char="•"/>
+            </a:pPr>
+            <a:r>
+              <a:rPr lang="en-US" sz="1400" dirty="0" smtClean="0"/>
+              <a:t>Continual </a:t>
+            </a:r>
+            <a:r>
+              <a:rPr lang="en-US" sz="1400" dirty="0"/>
+              <a:t>frame work </a:t>
+            </a:r>
+            <a:r>
+              <a:rPr lang="en-US" sz="1400" dirty="0" smtClean="0"/>
+              <a:t>improvement, evaluating all need </a:t>
+            </a:r>
+            <a:r>
+              <a:rPr lang="en-US" sz="1400" dirty="0"/>
+              <a:t>for new </a:t>
+            </a:r>
+            <a:r>
+              <a:rPr lang="en-US" sz="1400" dirty="0" smtClean="0"/>
+              <a:t>coverage</a:t>
+            </a:r>
+            <a:endParaRPr lang="en-US" sz="1400" dirty="0"/>
+          </a:p>
+          <a:p>
+            <a:pPr marL="919163" lvl="1" indent="-342900">
+              <a:lnSpc>
+                <a:spcPct val="105000"/>
+              </a:lnSpc>
+              <a:spcBef>
+                <a:spcPts val="0"/>
+              </a:spcBef>
+              <a:buFont typeface="Arial" panose="020B0604020202020204" pitchFamily="34" charset="0"/>
+              <a:buChar char="•"/>
+            </a:pPr>
+            <a:r>
+              <a:rPr lang="en-US" sz="1400" dirty="0" smtClean="0"/>
+              <a:t>Continually analyze mid layer code</a:t>
+            </a:r>
+          </a:p>
+          <a:p>
+            <a:pPr marL="919163" lvl="1" indent="-342900">
+              <a:lnSpc>
+                <a:spcPct val="105000"/>
+              </a:lnSpc>
+              <a:spcBef>
+                <a:spcPts val="0"/>
+              </a:spcBef>
+              <a:buFont typeface="Arial" panose="020B0604020202020204" pitchFamily="34" charset="0"/>
+              <a:buChar char="•"/>
+            </a:pPr>
+            <a:r>
+              <a:rPr lang="en-US" sz="1400" dirty="0" smtClean="0"/>
+              <a:t>Refactor </a:t>
+            </a:r>
+            <a:r>
+              <a:rPr lang="en-US" sz="1400" dirty="0"/>
+              <a:t>content from mid layer </a:t>
+            </a:r>
+            <a:r>
+              <a:rPr lang="en-US" sz="1400" dirty="0" smtClean="0"/>
+              <a:t>to the lower common </a:t>
+            </a:r>
+            <a:r>
+              <a:rPr lang="en-US" sz="1400" dirty="0"/>
+              <a:t>layer</a:t>
+            </a:r>
+          </a:p>
+          <a:p>
+            <a:pPr marL="919163" lvl="1" indent="-342900">
+              <a:lnSpc>
+                <a:spcPct val="105000"/>
+              </a:lnSpc>
+              <a:spcBef>
+                <a:spcPts val="0"/>
+              </a:spcBef>
+              <a:buFont typeface="Arial" panose="020B0604020202020204" pitchFamily="34" charset="0"/>
+              <a:buChar char="•"/>
+            </a:pPr>
+            <a:r>
+              <a:rPr lang="en-US" sz="1400" dirty="0" smtClean="0"/>
+              <a:t>Develop all </a:t>
+            </a:r>
+            <a:r>
+              <a:rPr lang="en-US" sz="1400" dirty="0" smtClean="0"/>
+              <a:t>End </a:t>
+            </a:r>
+            <a:r>
+              <a:rPr lang="en-US" sz="1400" dirty="0"/>
+              <a:t>to End test </a:t>
+            </a:r>
+            <a:r>
+              <a:rPr lang="en-US" sz="1400" dirty="0" smtClean="0"/>
+              <a:t>automation scripts based on business use cases</a:t>
+            </a:r>
+          </a:p>
+        </p:txBody>
+      </p:sp>
+      <p:sp>
+        <p:nvSpPr>
+          <p:cNvPr id="6" name="Title 1"/>
+          <p:cNvSpPr txBox="1">
+            <a:spLocks/>
+          </p:cNvSpPr>
+          <p:nvPr/>
+        </p:nvSpPr>
+        <p:spPr>
+          <a:xfrm>
+            <a:off x="1009384" y="128455"/>
+            <a:ext cx="5765489" cy="651510"/>
+          </a:xfrm>
+          <a:prstGeom prst="rect">
+            <a:avLst/>
+          </a:prstGeom>
+        </p:spPr>
+        <p:txBody>
+          <a:bodyPr vert="horz" lIns="91440" tIns="45720" rIns="91440" bIns="45720" rtlCol="0" anchor="t">
+            <a:noAutofit/>
+          </a:bodyPr>
+          <a:lstStyle>
+            <a:lvl1pPr algn="l" defTabSz="457200" rtl="0" eaLnBrk="1" latinLnBrk="0" hangingPunct="1">
+              <a:spcBef>
+                <a:spcPct val="0"/>
+              </a:spcBef>
               <a:buNone/>
-            </a:pPr>
-            <a:endParaRPr lang="en-US" sz="900" b="1" dirty="0" smtClean="0"/>
+              <a:defRPr sz="5000" b="0" i="0" kern="1200">
+                <a:solidFill>
+                  <a:srgbClr val="128BAD"/>
+                </a:solidFill>
+                <a:latin typeface="Calibri Light"/>
+                <a:ea typeface="+mj-ea"/>
+                <a:cs typeface="Calibri Light"/>
+              </a:defRPr>
+            </a:lvl1pPr>
+          </a:lstStyle>
+          <a:p>
+            <a:pPr algn="ctr"/>
+            <a:r>
+              <a:rPr lang="en-US" dirty="0" smtClean="0"/>
+              <a:t>ROLL OUT</a:t>
+            </a:r>
+            <a:endParaRPr lang="en-US" dirty="0"/>
           </a:p>
         </p:txBody>
       </p:sp>
@@ -8275,8 +8078,8 @@
         </p:nvSpPr>
         <p:spPr>
           <a:xfrm>
-            <a:off x="1526513" y="124691"/>
-            <a:ext cx="6969787" cy="1325563"/>
+            <a:off x="1009385" y="779965"/>
+            <a:ext cx="6356616" cy="865955"/>
           </a:xfrm>
         </p:spPr>
         <p:txBody>
@@ -8312,8 +8115,8 @@
         </p:nvSpPr>
         <p:spPr>
           <a:xfrm>
-            <a:off x="437704" y="1837658"/>
-            <a:ext cx="8567504" cy="5001488"/>
+            <a:off x="285304" y="1827498"/>
+            <a:ext cx="8567504" cy="4867942"/>
           </a:xfrm>
         </p:spPr>
         <p:txBody>
@@ -8322,16 +8125,17 @@
           </a:bodyPr>
           <a:lstStyle/>
           <a:p>
-            <a:pPr>
+            <a:pPr marL="342900" indent="-342900">
               <a:lnSpc>
                 <a:spcPct val="110000"/>
               </a:lnSpc>
+              <a:buFont typeface="Arial" panose="020B0604020202020204" pitchFamily="34" charset="0"/>
+              <a:buChar char="•"/>
             </a:pPr>
             <a:r>
               <a:rPr lang="en-US" sz="2000" b="1" dirty="0" smtClean="0"/>
               <a:t>ROLL OUT &amp; ENGINEERING ADOPTION</a:t>
             </a:r>
-            <a:endParaRPr lang="en-US" sz="2000" b="1" dirty="0" smtClean="0"/>
           </a:p>
           <a:p>
             <a:pPr lvl="1">
@@ -8342,39 +8146,36 @@
               <a:buChar char="•"/>
             </a:pPr>
             <a:r>
-              <a:rPr lang="en-US" sz="1800" b="1" dirty="0"/>
-              <a:t>Schedule </a:t>
+              <a:rPr lang="en-US" sz="1800" b="1" dirty="0" err="1" smtClean="0"/>
+              <a:t>Intruduction</a:t>
             </a:r>
             <a:r>
               <a:rPr lang="en-US" sz="1800" b="1" dirty="0" smtClean="0"/>
-              <a:t>Based : </a:t>
-            </a:r>
-            <a:r>
-              <a:rPr lang="en-US" sz="1200" b="1" dirty="0" smtClean="0"/>
-              <a:t> </a:t>
-            </a:r>
-            <a:r>
-              <a:rPr lang="en-US" sz="1200" b="1" dirty="0" err="1" smtClean="0"/>
-              <a:t>Cron</a:t>
+              <a:t> and training mid Q2</a:t>
+            </a:r>
+          </a:p>
+          <a:p>
+            <a:pPr lvl="1">
+              <a:lnSpc>
+                <a:spcPct val="110000"/>
+              </a:lnSpc>
+              <a:buFont typeface="Arial" panose="020B0604020202020204" pitchFamily="34" charset="0"/>
+              <a:buChar char="•"/>
+            </a:pPr>
+            <a:r>
+              <a:rPr lang="en-US" sz="1800" b="1" dirty="0" smtClean="0"/>
+              <a:t>Fully operational by end Q2</a:t>
             </a:r>
             <a:endParaRPr lang="en-US" sz="1200" b="1" dirty="0" smtClean="0"/>
           </a:p>
           <a:p>
-            <a:pPr lvl="1">
+            <a:pPr marL="341313" lvl="1" indent="0">
               <a:lnSpc>
                 <a:spcPct val="110000"/>
               </a:lnSpc>
-              <a:buFont typeface="Arial" panose="020B0604020202020204" pitchFamily="34" charset="0"/>
-              <a:buChar char="•"/>
-            </a:pPr>
-            <a:r>
-              <a:rPr lang="en-US" sz="1800" b="1" dirty="0" smtClean="0"/>
-              <a:t>On Demand : </a:t>
-            </a:r>
-            <a:r>
-              <a:rPr lang="en-US" sz="1200" b="1" dirty="0" smtClean="0"/>
-              <a:t> - Jenkins</a:t>
-            </a:r>
+              <a:buNone/>
+            </a:pPr>
+            <a:endParaRPr lang="en-US" sz="1200" b="1" dirty="0" smtClean="0"/>
           </a:p>
           <a:p>
             <a:pPr marL="457206" lvl="1" indent="0">
@@ -8390,52 +8191,161 @@
             <a:endParaRPr lang="en-US" sz="1400" b="1" dirty="0"/>
           </a:p>
           <a:p>
-            <a:r>
-              <a:rPr lang="en-US" sz="2000" b="1" dirty="0"/>
+            <a:pPr marL="342900" indent="-342900">
+              <a:buFont typeface="Arial" panose="020B0604020202020204" pitchFamily="34" charset="0"/>
+              <a:buChar char="•"/>
+            </a:pPr>
+            <a:r>
+              <a:rPr lang="en-US" sz="2000" b="1" dirty="0">
+                <a:solidFill>
+                  <a:srgbClr val="FF0000"/>
+                </a:solidFill>
+              </a:rPr>
               <a:t>Configuration controlled </a:t>
             </a:r>
             <a:r>
-              <a:rPr lang="en-US" sz="2000" b="1" dirty="0" smtClean="0"/>
+              <a:rPr lang="en-US" sz="2000" b="1" dirty="0" smtClean="0">
+                <a:solidFill>
+                  <a:srgbClr val="FF0000"/>
+                </a:solidFill>
+              </a:rPr>
               <a:t>t</a:t>
             </a:r>
-            <a:endParaRPr lang="en-US" sz="2000" b="1" u="sng" dirty="0" smtClean="0"/>
+            <a:endParaRPr lang="en-US" sz="2000" b="1" u="sng" dirty="0" smtClean="0">
+              <a:solidFill>
+                <a:srgbClr val="FF0000"/>
+              </a:solidFill>
+            </a:endParaRPr>
           </a:p>
           <a:p>
             <a:pPr lvl="1">
               <a:lnSpc>
-                <a:spcPct val="100000"/>
-              </a:lnSpc>
-              <a:buFont typeface="Arial" panose="020B0604020202020204" pitchFamily="34" charset="0"/>
-              <a:buChar char="•"/>
-            </a:pPr>
-            <a:r>
-              <a:rPr lang="en-US" sz="1800" b="1" dirty="0" smtClean="0"/>
-              <a:t>Evolutionary change </a:t>
-            </a:r>
-            <a:r>
-              <a:rPr lang="en-US" sz="1800" b="1" dirty="0" err="1" smtClean="0"/>
-              <a:t>cript</a:t>
-            </a:r>
-            <a:r>
-              <a:rPr lang="en-US" sz="1800" b="1" dirty="0" smtClean="0"/>
-              <a:t> and into Framework Configuration</a:t>
-            </a:r>
-          </a:p>
-          <a:p>
-            <a:endParaRPr lang="en-US" b="1" dirty="0"/>
-          </a:p>
-          <a:p>
-            <a:r>
-              <a:rPr lang="en-US" sz="2000" b="1" dirty="0" smtClean="0"/>
-              <a:t>All testing </a:t>
-            </a:r>
-            <a:r>
-              <a:rPr lang="en-US" sz="2000" b="1" dirty="0" smtClean="0"/>
-              <a:t>or </a:t>
-            </a:r>
-            <a:r>
-              <a:rPr lang="en-US" sz="2000" b="1" dirty="0" smtClean="0"/>
-              <a:t>to run</a:t>
+                <a:spcPct val="110000"/>
+              </a:lnSpc>
+              <a:buFont typeface="Arial" panose="020B0604020202020204" pitchFamily="34" charset="0"/>
+              <a:buChar char="•"/>
+            </a:pPr>
+            <a:r>
+              <a:rPr lang="en-US" sz="1800" b="1" dirty="0">
+                <a:solidFill>
+                  <a:srgbClr val="FF0000"/>
+                </a:solidFill>
+              </a:rPr>
+              <a:t>Ipsum </a:t>
+            </a:r>
+            <a:r>
+              <a:rPr lang="en-US" sz="1800" b="1" dirty="0" err="1" smtClean="0">
+                <a:solidFill>
+                  <a:srgbClr val="FF0000"/>
+                </a:solidFill>
+              </a:rPr>
+              <a:t>lore</a:t>
+            </a:r>
+            <a:r>
+              <a:rPr lang="en-US" sz="1800" b="1" dirty="0" err="1">
+                <a:solidFill>
+                  <a:srgbClr val="FF0000"/>
+                </a:solidFill>
+              </a:rPr>
+              <a:t>Ipsum</a:t>
+            </a:r>
+            <a:r>
+              <a:rPr lang="en-US" sz="1800" b="1" dirty="0">
+                <a:solidFill>
+                  <a:srgbClr val="FF0000"/>
+                </a:solidFill>
+              </a:rPr>
+              <a:t> </a:t>
+            </a:r>
+            <a:r>
+              <a:rPr lang="en-US" sz="1800" b="1" dirty="0" err="1" smtClean="0">
+                <a:solidFill>
+                  <a:srgbClr val="FF0000"/>
+                </a:solidFill>
+              </a:rPr>
+              <a:t>lore</a:t>
+            </a:r>
+            <a:r>
+              <a:rPr lang="en-US" sz="1800" b="1" dirty="0" err="1">
+                <a:solidFill>
+                  <a:srgbClr val="FF0000"/>
+                </a:solidFill>
+              </a:rPr>
+              <a:t>Ipsum</a:t>
+            </a:r>
+            <a:r>
+              <a:rPr lang="en-US" sz="1800" b="1" dirty="0">
+                <a:solidFill>
+                  <a:srgbClr val="FF0000"/>
+                </a:solidFill>
+              </a:rPr>
+              <a:t> </a:t>
+            </a:r>
+            <a:r>
+              <a:rPr lang="en-US" sz="1800" b="1" dirty="0" err="1" smtClean="0">
+                <a:solidFill>
+                  <a:srgbClr val="FF0000"/>
+                </a:solidFill>
+              </a:rPr>
+              <a:t>lore</a:t>
+            </a:r>
+            <a:r>
+              <a:rPr lang="en-US" sz="1800" b="1" dirty="0" err="1">
+                <a:solidFill>
+                  <a:srgbClr val="FF0000"/>
+                </a:solidFill>
+              </a:rPr>
+              <a:t>Ipsum</a:t>
+            </a:r>
+            <a:r>
+              <a:rPr lang="en-US" sz="1800" b="1" dirty="0">
+                <a:solidFill>
+                  <a:srgbClr val="FF0000"/>
+                </a:solidFill>
+              </a:rPr>
+              <a:t> </a:t>
+            </a:r>
+            <a:r>
+              <a:rPr lang="en-US" sz="1800" b="1" dirty="0" smtClean="0">
+                <a:solidFill>
+                  <a:srgbClr val="FF0000"/>
+                </a:solidFill>
+              </a:rPr>
+              <a:t>lore</a:t>
+            </a:r>
+            <a:endParaRPr lang="en-US" sz="1000" b="1" dirty="0" smtClean="0">
+              <a:solidFill>
+                <a:srgbClr val="FF0000"/>
+              </a:solidFill>
+            </a:endParaRPr>
+          </a:p>
+          <a:p>
+            <a:endParaRPr lang="en-US" b="1" dirty="0" smtClean="0">
+              <a:solidFill>
+                <a:srgbClr val="FF0000"/>
+              </a:solidFill>
+            </a:endParaRPr>
+          </a:p>
+          <a:p>
+            <a:pPr marL="342900" indent="-342900">
+              <a:buFont typeface="Arial" panose="020B0604020202020204" pitchFamily="34" charset="0"/>
+              <a:buChar char="•"/>
+            </a:pPr>
+            <a:r>
+              <a:rPr lang="en-US" sz="2000" b="1" dirty="0" smtClean="0">
+                <a:solidFill>
+                  <a:srgbClr val="FF0000"/>
+                </a:solidFill>
+              </a:rPr>
+              <a:t>All </a:t>
+            </a:r>
+            <a:r>
+              <a:rPr lang="en-US" sz="2000" b="1" dirty="0" smtClean="0">
+                <a:solidFill>
+                  <a:srgbClr val="FF0000"/>
+                </a:solidFill>
+              </a:rPr>
+              <a:t>testing or to run</a:t>
             </a:r>
           </a:p>
           <a:p>
@@ -8444,20 +8354,28 @@
               <a:buChar char="•"/>
             </a:pPr>
             <a:r>
-              <a:rPr lang="en-US" sz="1800" b="1" dirty="0" smtClean="0"/>
+              <a:rPr lang="en-US" sz="1800" b="1" dirty="0" smtClean="0">
+                <a:solidFill>
+                  <a:srgbClr val="FF0000"/>
+                </a:solidFill>
+              </a:rPr>
               <a:t>Developers use </a:t>
             </a:r>
             <a:r>
-              <a:rPr lang="en-US" sz="1800" b="1" dirty="0" err="1" smtClean="0"/>
+              <a:rPr lang="en-US" sz="1800" b="1" dirty="0" err="1" smtClean="0">
+                <a:solidFill>
+                  <a:srgbClr val="FF0000"/>
+                </a:solidFill>
+              </a:rPr>
               <a:t>cdevelopment</a:t>
             </a:r>
             <a:r>
-              <a:rPr lang="en-US" sz="1800" b="1" dirty="0" smtClean="0"/>
-              <a:t> </a:t>
-            </a:r>
-            <a:r>
-              <a:rPr lang="en-US" sz="1800" b="1" dirty="0" smtClean="0"/>
-              <a:t>code</a:t>
+              <a:rPr lang="en-US" sz="1800" b="1" dirty="0" smtClean="0">
+                <a:solidFill>
+                  <a:srgbClr val="FF0000"/>
+                </a:solidFill>
+              </a:rPr>
+              <a:t> code</a:t>
             </a:r>
           </a:p>
           <a:p>
@@ -8466,16 +8384,12 @@
               <a:buChar char="•"/>
             </a:pPr>
             <a:r>
-              <a:rPr lang="en-US" sz="1800" b="1" dirty="0" smtClean="0"/>
-              <a:t>Gives CXTA </a:t>
-            </a:r>
-            <a:r>
-              <a:rPr lang="en-US" sz="1800" b="1" dirty="0" smtClean="0"/>
-              <a:t>w/out </a:t>
-            </a:r>
-            <a:r>
-              <a:rPr lang="en-US" sz="1800" b="1" dirty="0" smtClean="0"/>
-              <a:t>stepping on Dev</a:t>
+              <a:rPr lang="en-US" sz="1800" b="1" dirty="0" smtClean="0">
+                <a:solidFill>
+                  <a:srgbClr val="FF0000"/>
+                </a:solidFill>
+              </a:rPr>
+              <a:t>Gives CXTA w/out stepping on Dev</a:t>
             </a:r>
           </a:p>
           <a:p>
@@ -8487,6 +8401,53 @@
               <a:t>      </a:t>
             </a:r>
             <a:endParaRPr lang="en-US" sz="1400" dirty="0"/>
+          </a:p>
+        </p:txBody>
+      </p:sp>
+      <p:sp>
+        <p:nvSpPr>
+          <p:cNvPr id="4" name="Title 1"/>
+          <p:cNvSpPr txBox="1">
+            <a:spLocks/>
+          </p:cNvSpPr>
+          <p:nvPr/>
+        </p:nvSpPr>
+        <p:spPr>
+          <a:xfrm>
+            <a:off x="1009384" y="128455"/>
+            <a:ext cx="5765489" cy="651510"/>
+          </a:xfrm>
+          <a:prstGeom prst="rect">
+            <a:avLst/>
+          </a:prstGeom>
+        </p:spPr>
+        <p:txBody>
+          <a:bodyPr vert="horz" lIns="91440" tIns="45720" rIns="91440" bIns="45720" rtlCol="0" anchor="t">
+            <a:noAutofit/>
+          </a:bodyPr>
+          <a:lstStyle>
+            <a:lvl1pPr algn="l" defTabSz="457200" rtl="0" eaLnBrk="1" latinLnBrk="0" hangingPunct="1">
+              <a:spcBef>
+                <a:spcPct val="0"/>
+              </a:spcBef>
+              <a:buNone/>
+              <a:defRPr sz="5000" b="0" i="0" kern="1200">
+                <a:solidFill>
+                  <a:srgbClr val="128BAD"/>
+                </a:solidFill>
+                <a:latin typeface="Calibri Light"/>
+                <a:ea typeface="+mj-ea"/>
+                <a:cs typeface="Calibri Light"/>
+              </a:defRPr>
+            </a:lvl1pPr>
+          </a:lstStyle>
+          <a:p>
+            <a:pPr algn="ctr"/>
+            <a:r>
+              <a:rPr lang="en-US" dirty="0" smtClean="0"/>
+              <a:t>ROLL OUT</a:t>
+            </a:r>
+            <a:endParaRPr lang="en-US" dirty="0"/>
           </a:p>
         </p:txBody>
       </p:sp>
@@ -8552,11 +8513,7 @@
             <a:pPr algn="ctr"/>
             <a:r>
               <a:rPr lang="en-US" dirty="0" smtClean="0"/>
-              <a:t>TEST </a:t>
-            </a:r>
-            <a:r>
-              <a:rPr lang="en-US" dirty="0" smtClean="0"/>
-              <a:t>EXECUTION  </a:t>
+              <a:t>TEST EXECUTION  </a:t>
             </a:r>
             <a:endParaRPr lang="en-US" dirty="0">
               <a:solidFill>
@@ -8580,7 +8537,7 @@
         </p:nvSpPr>
         <p:spPr>
           <a:xfrm>
-            <a:off x="437704" y="1837658"/>
+            <a:off x="275144" y="1827498"/>
             <a:ext cx="8567504" cy="5001488"/>
           </a:xfrm>
         </p:spPr>
@@ -8590,10 +8547,12 @@
           </a:bodyPr>
           <a:lstStyle/>
           <a:p>
-            <a:pPr>
+            <a:pPr marL="342900" indent="-342900">
               <a:lnSpc>
                 <a:spcPct val="110000"/>
               </a:lnSpc>
+              <a:buFont typeface="Arial" panose="020B0604020202020204" pitchFamily="34" charset="0"/>
+              <a:buChar char="•"/>
             </a:pPr>
             <a:r>
               <a:rPr lang="en-US" sz="2000" b="1" dirty="0" smtClean="0"/>
@@ -8662,6 +8621,10 @@
             <a:endParaRPr lang="en-US" sz="1400" b="1" dirty="0"/>
           </a:p>
           <a:p>
+            <a:pPr marL="342900" indent="-342900">
+              <a:buFont typeface="Arial" panose="020B0604020202020204" pitchFamily="34" charset="0"/>
+              <a:buChar char="•"/>
+            </a:pPr>
             <a:r>
               <a:rPr lang="en-US" sz="2000" b="1" dirty="0"/>
               <a:t>Configuration controlled </a:t>
@@ -8730,6 +8693,10 @@
             <a:endParaRPr lang="en-US" b="1" dirty="0"/>
           </a:p>
           <a:p>
+            <a:pPr marL="342900" indent="-342900">
+              <a:buFont typeface="Arial" panose="020B0604020202020204" pitchFamily="34" charset="0"/>
+              <a:buChar char="•"/>
+            </a:pPr>
             <a:r>
               <a:rPr lang="en-US" sz="2000" b="1" dirty="0" smtClean="0"/>
               <a:t>All testing regardless of mode is </a:t>
@@ -9383,6 +9350,15 @@
 
 <file path=customXml/item1.xml><?xml version="1.0" encoding="utf-8"?>
 <?mso-contentType ?>
+<FormTemplates xmlns="http://schemas.microsoft.com/sharepoint/v3/contenttype/forms">
+  <Display>DocumentLibraryForm</Display>
+  <Edit>DocumentLibraryForm</Edit>
+  <New>DocumentLibraryForm</New>
+</FormTemplates>
+</file>
+
+<file path=customXml/item2.xml><?xml version="1.0" encoding="utf-8"?>
+<?mso-contentType ?>
 <spe:Receivers xmlns:spe="http://schemas.microsoft.com/sharepoint/events">
   <Receiver>
     <Name>Document ID Generator</Name>
@@ -9427,28 +9403,7 @@
 </spe:Receivers>
 </file>
 
-<file path=customXml/item2.xml><?xml version="1.0" encoding="utf-8"?>
-<?mso-contentType ?>
-<FormTemplates xmlns="http://schemas.microsoft.com/sharepoint/v3/contenttype/forms">
-  <Display>DocumentLibraryForm</Display>
-  <Edit>DocumentLibraryForm</Edit>
-  <New>DocumentLibraryForm</New>
-</FormTemplates>
-</file>
-
 <file path=customXml/item3.xml><?xml version="1.0" encoding="utf-8"?>
-<p:properties xmlns:p="http://schemas.microsoft.com/office/2006/metadata/properties" xmlns:xsi="http://www.w3.org/2001/XMLSchema-instance" xmlns:pc="http://schemas.microsoft.com/office/infopath/2007/PartnerControls">
-  <documentManagement>
-    <_dlc_DocId xmlns="a9328eaf-6333-4034-a7ce-997665b5f80d">6AH7XJTKT27D-494-2</_dlc_DocId>
-    <_dlc_DocIdUrl xmlns="a9328eaf-6333-4034-a7ce-997665b5f80d">
-      <Url>http://itportal/sites/PMD/presentations/_layouts/DocIdRedir.aspx?ID=6AH7XJTKT27D-494-2</Url>
-      <Description>6AH7XJTKT27D-494-2</Description>
-    </_dlc_DocIdUrl>
-  </documentManagement>
-</p:properties>
-</file>
-
-<file path=customXml/item4.xml><?xml version="1.0" encoding="utf-8"?>
 <ct:contentTypeSchema xmlns:ct="http://schemas.microsoft.com/office/2006/metadata/contentType" xmlns:ma="http://schemas.microsoft.com/office/2006/metadata/properties/metaAttributes" ct:_="" ma:_="" ma:contentTypeName="Document" ma:contentTypeID="0x0101000F421C3DE11F24489C3C49A9442BEF44" ma:contentTypeVersion="0" ma:contentTypeDescription="Create a new document." ma:contentTypeScope="" ma:versionID="03fa29219166c606cfec6c1a2cbf2ee4">
   <xsd:schema xmlns:xsd="http://www.w3.org/2001/XMLSchema" xmlns:xs="http://www.w3.org/2001/XMLSchema" xmlns:p="http://schemas.microsoft.com/office/2006/metadata/properties" xmlns:ns2="a9328eaf-6333-4034-a7ce-997665b5f80d" targetNamespace="http://schemas.microsoft.com/office/2006/metadata/properties" ma:root="true" ma:fieldsID="40f1611e01294dd1c52f51bc3dec7bd7" ns2:_="">
     <xsd:import namespace="a9328eaf-6333-4034-a7ce-997665b5f80d"/>
@@ -9593,7 +9548,27 @@
 </ct:contentTypeSchema>
 </file>
 
+<file path=customXml/item4.xml><?xml version="1.0" encoding="utf-8"?>
+<p:properties xmlns:p="http://schemas.microsoft.com/office/2006/metadata/properties" xmlns:xsi="http://www.w3.org/2001/XMLSchema-instance" xmlns:pc="http://schemas.microsoft.com/office/infopath/2007/PartnerControls">
+  <documentManagement>
+    <_dlc_DocId xmlns="a9328eaf-6333-4034-a7ce-997665b5f80d">6AH7XJTKT27D-494-2</_dlc_DocId>
+    <_dlc_DocIdUrl xmlns="a9328eaf-6333-4034-a7ce-997665b5f80d">
+      <Url>http://itportal/sites/PMD/presentations/_layouts/DocIdRedir.aspx?ID=6AH7XJTKT27D-494-2</Url>
+      <Description>6AH7XJTKT27D-494-2</Description>
+    </_dlc_DocIdUrl>
+  </documentManagement>
+</p:properties>
+</file>
+
 <file path=customXml/itemProps1.xml><?xml version="1.0" encoding="utf-8"?>
+<ds:datastoreItem xmlns:ds="http://schemas.openxmlformats.org/officeDocument/2006/customXml" ds:itemID="{E9FEC3C6-DD16-422A-B8AE-8B104F632898}">
+  <ds:schemaRefs>
+    <ds:schemaRef ds:uri="http://schemas.microsoft.com/sharepoint/v3/contenttype/forms"/>
+  </ds:schemaRefs>
+</ds:datastoreItem>
+</file>
+
+<file path=customXml/itemProps2.xml><?xml version="1.0" encoding="utf-8"?>
 <ds:datastoreItem xmlns:ds="http://schemas.openxmlformats.org/officeDocument/2006/customXml" ds:itemID="{8CB52003-E8CD-4DF2-932F-2EC7EF4DD677}">
   <ds:schemaRefs>
     <ds:schemaRef ds:uri="http://schemas.microsoft.com/sharepoint/events"/>
@@ -9601,31 +9576,7 @@
 </ds:datastoreItem>
 </file>
 
-<file path=customXml/itemProps2.xml><?xml version="1.0" encoding="utf-8"?>
-<ds:datastoreItem xmlns:ds="http://schemas.openxmlformats.org/officeDocument/2006/customXml" ds:itemID="{E9FEC3C6-DD16-422A-B8AE-8B104F632898}">
-  <ds:schemaRefs>
-    <ds:schemaRef ds:uri="http://schemas.microsoft.com/sharepoint/v3/contenttype/forms"/>
-  </ds:schemaRefs>
-</ds:datastoreItem>
-</file>
-
 <file path=customXml/itemProps3.xml><?xml version="1.0" encoding="utf-8"?>
-<ds:datastoreItem xmlns:ds="http://schemas.openxmlformats.org/officeDocument/2006/customXml" ds:itemID="{39B4CF60-C0DC-4692-912B-881AF8D8CFF5}">
-  <ds:schemaRefs>
-    <ds:schemaRef ds:uri="http://schemas.openxmlformats.org/package/2006/metadata/core-properties"/>
-    <ds:schemaRef ds:uri="http://schemas.microsoft.com/office/infopath/2007/PartnerControls"/>
-    <ds:schemaRef ds:uri="http://schemas.microsoft.com/office/2006/documentManagement/types"/>
-    <ds:schemaRef ds:uri="http://purl.org/dc/terms/"/>
-    <ds:schemaRef ds:uri="http://purl.org/dc/elements/1.1/"/>
-    <ds:schemaRef ds:uri="a9328eaf-6333-4034-a7ce-997665b5f80d"/>
-    <ds:schemaRef ds:uri="http://schemas.microsoft.com/office/2006/metadata/properties"/>
-    <ds:schemaRef ds:uri="http://www.w3.org/XML/1998/namespace"/>
-    <ds:schemaRef ds:uri="http://purl.org/dc/dcmitype/"/>
-  </ds:schemaRefs>
-</ds:datastoreItem>
-</file>
-
-<file path=customXml/itemProps4.xml><?xml version="1.0" encoding="utf-8"?>
 <ds:datastoreItem xmlns:ds="http://schemas.openxmlformats.org/officeDocument/2006/customXml" ds:itemID="{EF7533AB-0193-4AEC-8EC4-E6A274EB1992}">
   <ds:schemaRefs>
     <ds:schemaRef ds:uri="http://schemas.microsoft.com/office/2006/metadata/contentType"/>
@@ -9641,4 +9592,20 @@
     <ds:schemaRef ds:uri="http://schemas.microsoft.com/internal/obd"/>
   </ds:schemaRefs>
 </ds:datastoreItem>
+</file>
+
+<file path=customXml/itemProps4.xml><?xml version="1.0" encoding="utf-8"?>
+<ds:datastoreItem xmlns:ds="http://schemas.openxmlformats.org/officeDocument/2006/customXml" ds:itemID="{39B4CF60-C0DC-4692-912B-881AF8D8CFF5}">
+  <ds:schemaRefs>
+    <ds:schemaRef ds:uri="http://schemas.microsoft.com/office/2006/documentManagement/types"/>
+    <ds:schemaRef ds:uri="http://schemas.openxmlformats.org/package/2006/metadata/core-properties"/>
+    <ds:schemaRef ds:uri="http://www.w3.org/XML/1998/namespace"/>
+    <ds:schemaRef ds:uri="a9328eaf-6333-4034-a7ce-997665b5f80d"/>
+    <ds:schemaRef ds:uri="http://purl.org/dc/elements/1.1/"/>
+    <ds:schemaRef ds:uri="http://purl.org/dc/terms/"/>
+    <ds:schemaRef ds:uri="http://schemas.microsoft.com/office/infopath/2007/PartnerControls"/>
+    <ds:schemaRef ds:uri="http://schemas.microsoft.com/office/2006/metadata/properties"/>
+    <ds:schemaRef ds:uri="http://purl.org/dc/dcmitype/"/>
+  </ds:schemaRefs>
+</ds:datastoreItem>
 </file>
--- a/CurrentWork_Delta/CX_StrategyPowerPoint.pptx
+++ b/CurrentWork_Delta/CX_StrategyPowerPoint.pptx
@@ -227,7 +227,7 @@
           <a:p>
             <a:fld id="{7195FF61-7FDF-4F4D-A3AE-3078F9B9BE1D}" type="datetimeFigureOut">
               <a:rPr lang="en-US" smtClean="0"/>
-              <a:t>3/19/2018</a:t>
+              <a:t>3/20/2018</a:t>
             </a:fld>
             <a:endParaRPr lang="en-US"/>
           </a:p>
@@ -2042,8 +2042,8 @@
         </p:nvSpPr>
         <p:spPr>
           <a:xfrm>
-            <a:off x="2928934" y="1843475"/>
-            <a:ext cx="5757866" cy="3471476"/>
+            <a:off x="2928934" y="1680288"/>
+            <a:ext cx="5757866" cy="4396195"/>
           </a:xfrm>
           <a:prstGeom prst="rect">
             <a:avLst/>
@@ -2051,7 +2051,7 @@
         </p:spPr>
         <p:txBody>
           <a:bodyPr vert="horz" lIns="91440" tIns="45720" rIns="91440" bIns="45720" rtlCol="0" anchor="b">
-            <a:normAutofit/>
+            <a:normAutofit lnSpcReduction="10000"/>
           </a:bodyPr>
           <a:lstStyle>
             <a:lvl1pPr marL="0" marR="0" indent="0" algn="l" defTabSz="457200" rtl="0" eaLnBrk="1" fontAlgn="auto" latinLnBrk="0" hangingPunct="1">
@@ -2264,15 +2264,27 @@
             <a:pPr algn="ctr"/>
             <a:r>
               <a:rPr lang="en-US" sz="2800" dirty="0" smtClean="0"/>
-              <a:t>Roll Out</a:t>
+              <a:t>Roll </a:t>
+            </a:r>
+            <a:r>
+              <a:rPr lang="en-US" sz="2800" dirty="0" smtClean="0"/>
+              <a:t>Out</a:t>
             </a:r>
           </a:p>
           <a:p>
             <a:pPr algn="ctr"/>
             <a:r>
               <a:rPr lang="en-US" sz="2800" dirty="0" smtClean="0"/>
-              <a:t>How its built</a:t>
-            </a:r>
+              <a:t>Roles &amp; Responsibilities</a:t>
+            </a:r>
+          </a:p>
+          <a:p>
+            <a:pPr algn="ctr"/>
+            <a:r>
+              <a:rPr lang="en-US" sz="2800" dirty="0" smtClean="0"/>
+              <a:t>Proposed Timeline</a:t>
+            </a:r>
+            <a:endParaRPr lang="en-US" sz="2800" dirty="0" smtClean="0"/>
           </a:p>
           <a:p>
             <a:pPr algn="ctr"/>
@@ -2285,14 +2297,36 @@
             <a:pPr algn="ctr"/>
             <a:r>
               <a:rPr lang="en-US" sz="2800" dirty="0" smtClean="0"/>
+              <a:t>Testing Types</a:t>
+            </a:r>
+            <a:endParaRPr lang="en-US" sz="2800" dirty="0" smtClean="0"/>
+          </a:p>
+          <a:p>
+            <a:pPr algn="ctr"/>
+            <a:r>
+              <a:rPr lang="en-US" sz="2800" dirty="0" smtClean="0"/>
               <a:t>Reporting</a:t>
             </a:r>
           </a:p>
           <a:p>
             <a:pPr algn="ctr"/>
             <a:r>
+              <a:rPr lang="en-US" sz="2800" dirty="0"/>
+              <a:t>How its built</a:t>
+            </a:r>
+          </a:p>
+          <a:p>
+            <a:pPr algn="ctr"/>
+            <a:r>
               <a:rPr lang="en-US" sz="2800" dirty="0" smtClean="0"/>
-              <a:t>Future…</a:t>
+              <a:t>Future</a:t>
+            </a:r>
+          </a:p>
+          <a:p>
+            <a:pPr algn="ctr"/>
+            <a:r>
+              <a:rPr lang="en-US" sz="2800" dirty="0" smtClean="0"/>
+              <a:t>Appendix</a:t>
             </a:r>
             <a:endParaRPr lang="en-US" sz="2800" dirty="0"/>
           </a:p>
@@ -7023,11 +7057,7 @@
             </a:pPr>
             <a:r>
               <a:rPr lang="en-US" sz="1800" b="1" dirty="0" smtClean="0"/>
-              <a:t>Shopping and Buying E2E </a:t>
-            </a:r>
-            <a:r>
-              <a:rPr lang="en-US" sz="1800" b="1" dirty="0" smtClean="0"/>
-              <a:t>Tests</a:t>
+              <a:t>Shopping and Buying E2E Tests</a:t>
             </a:r>
           </a:p>
           <a:p>
@@ -7653,11 +7683,7 @@
             </a:pPr>
             <a:r>
               <a:rPr lang="en-US" sz="2000" b="1" dirty="0" smtClean="0"/>
-              <a:t>Shopping &amp; Buying </a:t>
-            </a:r>
-            <a:r>
-              <a:rPr lang="en-US" sz="2000" b="1" dirty="0" smtClean="0"/>
-              <a:t>Development Engineers</a:t>
+              <a:t>Shopping &amp; Buying Development Engineers</a:t>
             </a:r>
           </a:p>
           <a:p>
@@ -7740,31 +7766,23 @@
             </a:pPr>
             <a:r>
               <a:rPr lang="en-US" sz="1400" dirty="0" smtClean="0"/>
-              <a:t>R</a:t>
-            </a:r>
+              <a:t>Responsible for all new Template level Functional Integration Tests</a:t>
+            </a:r>
+          </a:p>
+          <a:p>
+            <a:pPr marL="919163" lvl="1" indent="-342900">
+              <a:lnSpc>
+                <a:spcPct val="105000"/>
+              </a:lnSpc>
+              <a:spcBef>
+                <a:spcPts val="0"/>
+              </a:spcBef>
+              <a:buFont typeface="Arial" panose="020B0604020202020204" pitchFamily="34" charset="0"/>
+              <a:buChar char="•"/>
+            </a:pPr>
             <a:r>
               <a:rPr lang="en-US" sz="1400" dirty="0" smtClean="0"/>
-              <a:t>esponsible for all new Template level Functional Integration Tests</a:t>
-            </a:r>
-          </a:p>
-          <a:p>
-            <a:pPr marL="919163" lvl="1" indent="-342900">
-              <a:lnSpc>
-                <a:spcPct val="105000"/>
-              </a:lnSpc>
-              <a:spcBef>
-                <a:spcPts val="0"/>
-              </a:spcBef>
-              <a:buFont typeface="Arial" panose="020B0604020202020204" pitchFamily="34" charset="0"/>
-              <a:buChar char="•"/>
-            </a:pPr>
-            <a:r>
-              <a:rPr lang="en-US" sz="1400" dirty="0" smtClean="0"/>
-              <a:t>Responsible for correcting all test failures in the  </a:t>
-            </a:r>
-            <a:r>
-              <a:rPr lang="en-US" sz="1400" dirty="0" smtClean="0"/>
-              <a:t>../</a:t>
+              <a:t>Responsible for correcting all test failures in the  ../</a:t>
             </a:r>
             <a:r>
               <a:rPr lang="en-US" sz="1400" dirty="0" err="1" smtClean="0"/>
@@ -7786,11 +7804,7 @@
             </a:pPr>
             <a:r>
               <a:rPr lang="en-US" sz="2000" b="1" dirty="0" smtClean="0"/>
-              <a:t> Core </a:t>
-            </a:r>
-            <a:r>
-              <a:rPr lang="en-US" sz="2000" b="1" dirty="0" smtClean="0"/>
-              <a:t>Technology API Team engineers</a:t>
+              <a:t> Core Technology API Team engineers</a:t>
             </a:r>
             <a:endParaRPr lang="en-US" sz="2000" b="1" dirty="0"/>
           </a:p>
@@ -7836,7 +7850,6 @@
               <a:rPr lang="en-US" sz="500" b="1" dirty="0" smtClean="0"/>
               <a:t>             </a:t>
             </a:r>
-            <a:endParaRPr lang="en-US" sz="500" b="1" dirty="0" smtClean="0"/>
           </a:p>
           <a:p>
             <a:pPr marL="342900" indent="-342900">
@@ -7965,11 +7978,7 @@
             </a:pPr>
             <a:r>
               <a:rPr lang="en-US" sz="1400" dirty="0" smtClean="0"/>
-              <a:t>Develop all </a:t>
-            </a:r>
-            <a:r>
-              <a:rPr lang="en-US" sz="1400" dirty="0" smtClean="0"/>
-              <a:t>End </a:t>
+              <a:t>Develop all End </a:t>
             </a:r>
             <a:r>
               <a:rPr lang="en-US" sz="1400" dirty="0"/>
@@ -8337,15 +8346,7 @@
                   <a:srgbClr val="FF0000"/>
                 </a:solidFill>
               </a:rPr>
-              <a:t>All </a:t>
-            </a:r>
-            <a:r>
-              <a:rPr lang="en-US" sz="2000" b="1" dirty="0" smtClean="0">
-                <a:solidFill>
-                  <a:srgbClr val="FF0000"/>
-                </a:solidFill>
-              </a:rPr>
-              <a:t>testing or to run</a:t>
+              <a:t>All testing or to run</a:t>
             </a:r>
           </a:p>
           <a:p>
@@ -9350,15 +9351,6 @@
 
 <file path=customXml/item1.xml><?xml version="1.0" encoding="utf-8"?>
 <?mso-contentType ?>
-<FormTemplates xmlns="http://schemas.microsoft.com/sharepoint/v3/contenttype/forms">
-  <Display>DocumentLibraryForm</Display>
-  <Edit>DocumentLibraryForm</Edit>
-  <New>DocumentLibraryForm</New>
-</FormTemplates>
-</file>
-
-<file path=customXml/item2.xml><?xml version="1.0" encoding="utf-8"?>
-<?mso-contentType ?>
 <spe:Receivers xmlns:spe="http://schemas.microsoft.com/sharepoint/events">
   <Receiver>
     <Name>Document ID Generator</Name>
@@ -9403,7 +9395,28 @@
 </spe:Receivers>
 </file>
 
+<file path=customXml/item2.xml><?xml version="1.0" encoding="utf-8"?>
+<?mso-contentType ?>
+<FormTemplates xmlns="http://schemas.microsoft.com/sharepoint/v3/contenttype/forms">
+  <Display>DocumentLibraryForm</Display>
+  <Edit>DocumentLibraryForm</Edit>
+  <New>DocumentLibraryForm</New>
+</FormTemplates>
+</file>
+
 <file path=customXml/item3.xml><?xml version="1.0" encoding="utf-8"?>
+<p:properties xmlns:p="http://schemas.microsoft.com/office/2006/metadata/properties" xmlns:xsi="http://www.w3.org/2001/XMLSchema-instance" xmlns:pc="http://schemas.microsoft.com/office/infopath/2007/PartnerControls">
+  <documentManagement>
+    <_dlc_DocId xmlns="a9328eaf-6333-4034-a7ce-997665b5f80d">6AH7XJTKT27D-494-2</_dlc_DocId>
+    <_dlc_DocIdUrl xmlns="a9328eaf-6333-4034-a7ce-997665b5f80d">
+      <Url>http://itportal/sites/PMD/presentations/_layouts/DocIdRedir.aspx?ID=6AH7XJTKT27D-494-2</Url>
+      <Description>6AH7XJTKT27D-494-2</Description>
+    </_dlc_DocIdUrl>
+  </documentManagement>
+</p:properties>
+</file>
+
+<file path=customXml/item4.xml><?xml version="1.0" encoding="utf-8"?>
 <ct:contentTypeSchema xmlns:ct="http://schemas.microsoft.com/office/2006/metadata/contentType" xmlns:ma="http://schemas.microsoft.com/office/2006/metadata/properties/metaAttributes" ct:_="" ma:_="" ma:contentTypeName="Document" ma:contentTypeID="0x0101000F421C3DE11F24489C3C49A9442BEF44" ma:contentTypeVersion="0" ma:contentTypeDescription="Create a new document." ma:contentTypeScope="" ma:versionID="03fa29219166c606cfec6c1a2cbf2ee4">
   <xsd:schema xmlns:xsd="http://www.w3.org/2001/XMLSchema" xmlns:xs="http://www.w3.org/2001/XMLSchema" xmlns:p="http://schemas.microsoft.com/office/2006/metadata/properties" xmlns:ns2="a9328eaf-6333-4034-a7ce-997665b5f80d" targetNamespace="http://schemas.microsoft.com/office/2006/metadata/properties" ma:root="true" ma:fieldsID="40f1611e01294dd1c52f51bc3dec7bd7" ns2:_="">
     <xsd:import namespace="a9328eaf-6333-4034-a7ce-997665b5f80d"/>
@@ -9548,19 +9561,15 @@
 </ct:contentTypeSchema>
 </file>
 
-<file path=customXml/item4.xml><?xml version="1.0" encoding="utf-8"?>
-<p:properties xmlns:p="http://schemas.microsoft.com/office/2006/metadata/properties" xmlns:xsi="http://www.w3.org/2001/XMLSchema-instance" xmlns:pc="http://schemas.microsoft.com/office/infopath/2007/PartnerControls">
-  <documentManagement>
-    <_dlc_DocId xmlns="a9328eaf-6333-4034-a7ce-997665b5f80d">6AH7XJTKT27D-494-2</_dlc_DocId>
-    <_dlc_DocIdUrl xmlns="a9328eaf-6333-4034-a7ce-997665b5f80d">
-      <Url>http://itportal/sites/PMD/presentations/_layouts/DocIdRedir.aspx?ID=6AH7XJTKT27D-494-2</Url>
-      <Description>6AH7XJTKT27D-494-2</Description>
-    </_dlc_DocIdUrl>
-  </documentManagement>
-</p:properties>
+<file path=customXml/itemProps1.xml><?xml version="1.0" encoding="utf-8"?>
+<ds:datastoreItem xmlns:ds="http://schemas.openxmlformats.org/officeDocument/2006/customXml" ds:itemID="{8CB52003-E8CD-4DF2-932F-2EC7EF4DD677}">
+  <ds:schemaRefs>
+    <ds:schemaRef ds:uri="http://schemas.microsoft.com/sharepoint/events"/>
+  </ds:schemaRefs>
+</ds:datastoreItem>
 </file>
 
-<file path=customXml/itemProps1.xml><?xml version="1.0" encoding="utf-8"?>
+<file path=customXml/itemProps2.xml><?xml version="1.0" encoding="utf-8"?>
 <ds:datastoreItem xmlns:ds="http://schemas.openxmlformats.org/officeDocument/2006/customXml" ds:itemID="{E9FEC3C6-DD16-422A-B8AE-8B104F632898}">
   <ds:schemaRefs>
     <ds:schemaRef ds:uri="http://schemas.microsoft.com/sharepoint/v3/contenttype/forms"/>
@@ -9568,15 +9577,23 @@
 </ds:datastoreItem>
 </file>
 
-<file path=customXml/itemProps2.xml><?xml version="1.0" encoding="utf-8"?>
-<ds:datastoreItem xmlns:ds="http://schemas.openxmlformats.org/officeDocument/2006/customXml" ds:itemID="{8CB52003-E8CD-4DF2-932F-2EC7EF4DD677}">
+<file path=customXml/itemProps3.xml><?xml version="1.0" encoding="utf-8"?>
+<ds:datastoreItem xmlns:ds="http://schemas.openxmlformats.org/officeDocument/2006/customXml" ds:itemID="{39B4CF60-C0DC-4692-912B-881AF8D8CFF5}">
   <ds:schemaRefs>
-    <ds:schemaRef ds:uri="http://schemas.microsoft.com/sharepoint/events"/>
+    <ds:schemaRef ds:uri="http://schemas.microsoft.com/office/2006/documentManagement/types"/>
+    <ds:schemaRef ds:uri="http://schemas.openxmlformats.org/package/2006/metadata/core-properties"/>
+    <ds:schemaRef ds:uri="http://www.w3.org/XML/1998/namespace"/>
+    <ds:schemaRef ds:uri="a9328eaf-6333-4034-a7ce-997665b5f80d"/>
+    <ds:schemaRef ds:uri="http://purl.org/dc/elements/1.1/"/>
+    <ds:schemaRef ds:uri="http://purl.org/dc/terms/"/>
+    <ds:schemaRef ds:uri="http://schemas.microsoft.com/office/infopath/2007/PartnerControls"/>
+    <ds:schemaRef ds:uri="http://schemas.microsoft.com/office/2006/metadata/properties"/>
+    <ds:schemaRef ds:uri="http://purl.org/dc/dcmitype/"/>
   </ds:schemaRefs>
 </ds:datastoreItem>
 </file>
 
-<file path=customXml/itemProps3.xml><?xml version="1.0" encoding="utf-8"?>
+<file path=customXml/itemProps4.xml><?xml version="1.0" encoding="utf-8"?>
 <ds:datastoreItem xmlns:ds="http://schemas.openxmlformats.org/officeDocument/2006/customXml" ds:itemID="{EF7533AB-0193-4AEC-8EC4-E6A274EB1992}">
   <ds:schemaRefs>
     <ds:schemaRef ds:uri="http://schemas.microsoft.com/office/2006/metadata/contentType"/>
@@ -9592,20 +9609,4 @@
     <ds:schemaRef ds:uri="http://schemas.microsoft.com/internal/obd"/>
   </ds:schemaRefs>
 </ds:datastoreItem>
-</file>
-
-<file path=customXml/itemProps4.xml><?xml version="1.0" encoding="utf-8"?>
-<ds:datastoreItem xmlns:ds="http://schemas.openxmlformats.org/officeDocument/2006/customXml" ds:itemID="{39B4CF60-C0DC-4692-912B-881AF8D8CFF5}">
-  <ds:schemaRefs>
-    <ds:schemaRef ds:uri="http://schemas.microsoft.com/office/2006/documentManagement/types"/>
-    <ds:schemaRef ds:uri="http://schemas.openxmlformats.org/package/2006/metadata/core-properties"/>
-    <ds:schemaRef ds:uri="http://www.w3.org/XML/1998/namespace"/>
-    <ds:schemaRef ds:uri="a9328eaf-6333-4034-a7ce-997665b5f80d"/>
-    <ds:schemaRef ds:uri="http://purl.org/dc/elements/1.1/"/>
-    <ds:schemaRef ds:uri="http://purl.org/dc/terms/"/>
-    <ds:schemaRef ds:uri="http://schemas.microsoft.com/office/infopath/2007/PartnerControls"/>
-    <ds:schemaRef ds:uri="http://schemas.microsoft.com/office/2006/metadata/properties"/>
-    <ds:schemaRef ds:uri="http://purl.org/dc/dcmitype/"/>
-  </ds:schemaRefs>
-</ds:datastoreItem>
 </file>
--- a/CurrentWork_Delta/CX_StrategyPowerPoint.pptx
+++ b/CurrentWork_Delta/CX_StrategyPowerPoint.pptx
@@ -5,7 +5,7 @@
     <p:sldMasterId id="2147483648" r:id="rId5"/>
   </p:sldMasterIdLst>
   <p:notesMasterIdLst>
-    <p:notesMasterId r:id="rId23"/>
+    <p:notesMasterId r:id="rId24"/>
   </p:notesMasterIdLst>
   <p:sldIdLst>
     <p:sldId id="256" r:id="rId6"/>
@@ -18,13 +18,14 @@
     <p:sldId id="274" r:id="rId13"/>
     <p:sldId id="287" r:id="rId14"/>
     <p:sldId id="285" r:id="rId15"/>
-    <p:sldId id="275" r:id="rId16"/>
-    <p:sldId id="281" r:id="rId17"/>
-    <p:sldId id="282" r:id="rId18"/>
-    <p:sldId id="273" r:id="rId19"/>
-    <p:sldId id="279" r:id="rId20"/>
-    <p:sldId id="280" r:id="rId21"/>
-    <p:sldId id="284" r:id="rId22"/>
+    <p:sldId id="280" r:id="rId16"/>
+    <p:sldId id="275" r:id="rId17"/>
+    <p:sldId id="281" r:id="rId18"/>
+    <p:sldId id="282" r:id="rId19"/>
+    <p:sldId id="273" r:id="rId20"/>
+    <p:sldId id="279" r:id="rId21"/>
+    <p:sldId id="288" r:id="rId22"/>
+    <p:sldId id="284" r:id="rId23"/>
   </p:sldIdLst>
   <p:sldSz cx="9144000" cy="6858000" type="screen4x3"/>
   <p:notesSz cx="7010400" cy="9296400"/>
@@ -227,7 +228,7 @@
           <a:p>
             <a:fld id="{7195FF61-7FDF-4F4D-A3AE-3078F9B9BE1D}" type="datetimeFigureOut">
               <a:rPr lang="en-US" smtClean="0"/>
-              <a:t>3/20/2018</a:t>
+              <a:t>3/27/2018</a:t>
             </a:fld>
             <a:endParaRPr lang="en-US"/>
           </a:p>
@@ -2042,8 +2043,8 @@
         </p:nvSpPr>
         <p:spPr>
           <a:xfrm>
-            <a:off x="2928934" y="1680288"/>
-            <a:ext cx="5757866" cy="4396195"/>
+            <a:off x="2928934" y="1111328"/>
+            <a:ext cx="5757866" cy="5360592"/>
           </a:xfrm>
           <a:prstGeom prst="rect">
             <a:avLst/>
@@ -2051,7 +2052,7 @@
         </p:spPr>
         <p:txBody>
           <a:bodyPr vert="horz" lIns="91440" tIns="45720" rIns="91440" bIns="45720" rtlCol="0" anchor="b">
-            <a:normAutofit lnSpcReduction="10000"/>
+            <a:normAutofit/>
           </a:bodyPr>
           <a:lstStyle>
             <a:lvl1pPr marL="0" marR="0" indent="0" algn="l" defTabSz="457200" rtl="0" eaLnBrk="1" fontAlgn="auto" latinLnBrk="0" hangingPunct="1">
@@ -2264,11 +2265,7 @@
             <a:pPr algn="ctr"/>
             <a:r>
               <a:rPr lang="en-US" sz="2800" dirty="0" smtClean="0"/>
-              <a:t>Roll </a:t>
-            </a:r>
-            <a:r>
-              <a:rPr lang="en-US" sz="2800" dirty="0" smtClean="0"/>
-              <a:t>Out</a:t>
+              <a:t>Roll Out</a:t>
             </a:r>
           </a:p>
           <a:p>
@@ -2284,7 +2281,6 @@
               <a:rPr lang="en-US" sz="2800" dirty="0" smtClean="0"/>
               <a:t>Proposed Timeline</a:t>
             </a:r>
-            <a:endParaRPr lang="en-US" sz="2800" dirty="0" smtClean="0"/>
           </a:p>
           <a:p>
             <a:pPr algn="ctr"/>
@@ -2297,7 +2293,18 @@
             <a:pPr algn="ctr"/>
             <a:r>
               <a:rPr lang="en-US" sz="2800" dirty="0" smtClean="0"/>
-              <a:t>Testing Types</a:t>
+              <a:t>Testing </a:t>
+            </a:r>
+            <a:r>
+              <a:rPr lang="en-US" sz="2800" dirty="0" smtClean="0"/>
+              <a:t>Types</a:t>
+            </a:r>
+          </a:p>
+          <a:p>
+            <a:pPr algn="ctr"/>
+            <a:r>
+              <a:rPr lang="en-US" sz="2800" dirty="0" smtClean="0"/>
+              <a:t>Test Case Numbers</a:t>
             </a:r>
             <a:endParaRPr lang="en-US" sz="2800" dirty="0" smtClean="0"/>
           </a:p>
@@ -2508,6 +2515,21 @@
             </a:r>
           </a:p>
           <a:p>
+            <a:pPr marL="341313" lvl="1" indent="0">
+              <a:lnSpc>
+                <a:spcPct val="150000"/>
+              </a:lnSpc>
+              <a:spcBef>
+                <a:spcPts val="0"/>
+              </a:spcBef>
+              <a:buNone/>
+            </a:pPr>
+            <a:r>
+              <a:rPr lang="en-US" sz="800" b="1" dirty="0" smtClean="0"/>
+              <a:t>     </a:t>
+            </a:r>
+          </a:p>
+          <a:p>
             <a:pPr lvl="1">
               <a:lnSpc>
                 <a:spcPct val="150000"/>
@@ -2520,7 +2542,11 @@
             </a:pPr>
             <a:r>
               <a:rPr lang="en-US" sz="1800" b="1" dirty="0" smtClean="0"/>
-              <a:t>Application level work flow : End to End</a:t>
+              <a:t>Application </a:t>
+            </a:r>
+            <a:r>
+              <a:rPr lang="en-US" sz="1800" b="1" dirty="0" smtClean="0"/>
+              <a:t>level work flow : End to End</a:t>
             </a:r>
           </a:p>
           <a:p>
@@ -2556,6 +2582,20 @@
             </a:r>
           </a:p>
           <a:p>
+            <a:pPr indent="-234950">
+              <a:lnSpc>
+                <a:spcPct val="150000"/>
+              </a:lnSpc>
+              <a:spcBef>
+                <a:spcPts val="0"/>
+              </a:spcBef>
+            </a:pPr>
+            <a:r>
+              <a:rPr lang="en-US" sz="800" b="1" dirty="0" smtClean="0"/>
+              <a:t>   </a:t>
+            </a:r>
+          </a:p>
+          <a:p>
             <a:pPr lvl="1">
               <a:lnSpc>
                 <a:spcPct val="150000"/>
@@ -2568,7 +2608,11 @@
             </a:pPr>
             <a:r>
               <a:rPr lang="en-US" sz="1800" b="1" dirty="0" smtClean="0"/>
-              <a:t>Micro Service REST APIs</a:t>
+              <a:t>Micro </a:t>
+            </a:r>
+            <a:r>
+              <a:rPr lang="en-US" sz="1800" b="1" dirty="0" smtClean="0"/>
+              <a:t>Service REST APIs</a:t>
             </a:r>
           </a:p>
           <a:p>
@@ -2648,6 +2692,199 @@
 </file>
 
 <file path=ppt/slides/slide11.xml><?xml version="1.0" encoding="utf-8"?>
+<p:sld xmlns:a="http://schemas.openxmlformats.org/drawingml/2006/main" xmlns:r="http://schemas.openxmlformats.org/officeDocument/2006/relationships" xmlns:p="http://schemas.openxmlformats.org/presentationml/2006/main">
+  <p:cSld>
+    <p:spTree>
+      <p:nvGrpSpPr>
+        <p:cNvPr id="1" name=""/>
+        <p:cNvGrpSpPr/>
+        <p:nvPr/>
+      </p:nvGrpSpPr>
+      <p:grpSpPr>
+        <a:xfrm>
+          <a:off x="0" y="0"/>
+          <a:ext cx="0" cy="0"/>
+          <a:chOff x="0" y="0"/>
+          <a:chExt cx="0" cy="0"/>
+        </a:xfrm>
+      </p:grpSpPr>
+      <p:sp>
+        <p:nvSpPr>
+          <p:cNvPr id="4" name="Title 1">
+            <a:hlinkClick r:id="rId2" action="ppaction://hlinksldjump"/>
+          </p:cNvPr>
+          <p:cNvSpPr txBox="1">
+            <a:spLocks/>
+          </p:cNvSpPr>
+          <p:nvPr/>
+        </p:nvSpPr>
+        <p:spPr>
+          <a:xfrm>
+            <a:off x="367715" y="48103"/>
+            <a:ext cx="313005" cy="287177"/>
+          </a:xfrm>
+          <a:prstGeom prst="rect">
+            <a:avLst/>
+          </a:prstGeom>
+        </p:spPr>
+        <p:txBody>
+          <a:bodyPr vert="horz" lIns="91440" tIns="45720" rIns="91440" bIns="45720" rtlCol="0" anchor="t">
+            <a:normAutofit fontScale="55000" lnSpcReduction="20000"/>
+          </a:bodyPr>
+          <a:lstStyle>
+            <a:lvl1pPr algn="l" defTabSz="457200" rtl="0" eaLnBrk="1" latinLnBrk="0" hangingPunct="1">
+              <a:spcBef>
+                <a:spcPct val="0"/>
+              </a:spcBef>
+              <a:buNone/>
+              <a:defRPr sz="5000" b="0" i="0" kern="1200">
+                <a:solidFill>
+                  <a:srgbClr val="128BAD"/>
+                </a:solidFill>
+                <a:latin typeface="Calibri Light"/>
+                <a:ea typeface="+mj-ea"/>
+                <a:cs typeface="Calibri Light"/>
+              </a:defRPr>
+            </a:lvl1pPr>
+          </a:lstStyle>
+          <a:p>
+            <a:endParaRPr lang="en-US" sz="2800" dirty="0">
+              <a:solidFill>
+                <a:schemeClr val="bg1">
+                  <a:lumMod val="95000"/>
+                </a:schemeClr>
+              </a:solidFill>
+            </a:endParaRPr>
+          </a:p>
+        </p:txBody>
+      </p:sp>
+      <p:sp>
+        <p:nvSpPr>
+          <p:cNvPr id="8" name="Title 7"/>
+          <p:cNvSpPr>
+            <a:spLocks noGrp="1"/>
+          </p:cNvSpPr>
+          <p:nvPr>
+            <p:ph type="title"/>
+          </p:nvPr>
+        </p:nvSpPr>
+        <p:spPr>
+          <a:xfrm>
+            <a:off x="713155" y="109366"/>
+            <a:ext cx="6896686" cy="983152"/>
+          </a:xfrm>
+        </p:spPr>
+        <p:txBody>
+          <a:bodyPr anchor="t">
+            <a:normAutofit/>
+          </a:bodyPr>
+          <a:lstStyle/>
+          <a:p>
+            <a:pPr algn="ctr"/>
+            <a:r>
+              <a:rPr lang="en-US" dirty="0" smtClean="0"/>
+              <a:t>TEST CASES NUMBERS</a:t>
+            </a:r>
+            <a:endParaRPr lang="en-US" dirty="0"/>
+          </a:p>
+        </p:txBody>
+      </p:sp>
+      <p:pic>
+        <p:nvPicPr>
+          <p:cNvPr id="12" name="Picture 11"/>
+          <p:cNvPicPr>
+            <a:picLocks noChangeAspect="1"/>
+          </p:cNvPicPr>
+          <p:nvPr/>
+        </p:nvPicPr>
+        <p:blipFill>
+          <a:blip r:embed="rId3">
+            <a:extLst>
+              <a:ext uri="{28A0092B-C50C-407E-A947-70E740481C1C}">
+                <a14:useLocalDpi xmlns:a14="http://schemas.microsoft.com/office/drawing/2010/main" val="0"/>
+              </a:ext>
+            </a:extLst>
+          </a:blip>
+          <a:stretch>
+            <a:fillRect/>
+          </a:stretch>
+        </p:blipFill>
+        <p:spPr>
+          <a:xfrm>
+            <a:off x="680720" y="1459114"/>
+            <a:ext cx="2040206" cy="3710656"/>
+          </a:xfrm>
+          <a:prstGeom prst="rect">
+            <a:avLst/>
+          </a:prstGeom>
+        </p:spPr>
+      </p:pic>
+      <p:sp>
+        <p:nvSpPr>
+          <p:cNvPr id="13" name="TextBox 12"/>
+          <p:cNvSpPr txBox="1"/>
+          <p:nvPr/>
+        </p:nvSpPr>
+        <p:spPr>
+          <a:xfrm>
+            <a:off x="2519680" y="1590596"/>
+            <a:ext cx="5618480" cy="2554545"/>
+          </a:xfrm>
+          <a:prstGeom prst="rect">
+            <a:avLst/>
+          </a:prstGeom>
+          <a:noFill/>
+        </p:spPr>
+        <p:txBody>
+          <a:bodyPr wrap="square" rtlCol="0">
+            <a:spAutoFit/>
+          </a:bodyPr>
+          <a:lstStyle/>
+          <a:p>
+            <a:r>
+              <a:rPr lang="en-US" sz="2000" dirty="0" smtClean="0"/>
+              <a:t>This listing of test case numbers requires an understanding of framework configuration and dataProvider test technology abilities</a:t>
+            </a:r>
+          </a:p>
+          <a:p>
+            <a:endParaRPr lang="en-US" sz="2000" dirty="0"/>
+          </a:p>
+          <a:p>
+            <a:endParaRPr lang="en-US" sz="2000" dirty="0" smtClean="0"/>
+          </a:p>
+          <a:p>
+            <a:r>
+              <a:rPr lang="en-US" sz="2000" dirty="0" smtClean="0"/>
+              <a:t>These test only represent the Shopping and Buying Application and only through phase 3  of  8 phases</a:t>
+            </a:r>
+            <a:endParaRPr lang="en-US" sz="2000" dirty="0"/>
+          </a:p>
+          <a:p>
+            <a:endParaRPr lang="en-US" sz="2000" dirty="0"/>
+          </a:p>
+        </p:txBody>
+      </p:sp>
+    </p:spTree>
+    <p:extLst>
+      <p:ext uri="{BB962C8B-B14F-4D97-AF65-F5344CB8AC3E}">
+        <p14:creationId xmlns:p14="http://schemas.microsoft.com/office/powerpoint/2010/main" val="2893813657"/>
+      </p:ext>
+    </p:extLst>
+  </p:cSld>
+  <p:clrMapOvr>
+    <a:masterClrMapping/>
+  </p:clrMapOvr>
+  <p:timing>
+    <p:tnLst>
+      <p:par>
+        <p:cTn id="1" dur="indefinite" restart="never" nodeType="tmRoot"/>
+      </p:par>
+    </p:tnLst>
+  </p:timing>
+</p:sld>
+</file>
+
+<file path=ppt/slides/slide12.xml><?xml version="1.0" encoding="utf-8"?>
 <p:sld xmlns:a="http://schemas.openxmlformats.org/drawingml/2006/main" xmlns:r="http://schemas.openxmlformats.org/officeDocument/2006/relationships" xmlns:p="http://schemas.openxmlformats.org/presentationml/2006/main">
   <p:cSld>
     <p:spTree>
@@ -2862,7 +3099,7 @@
 </p:sld>
 </file>
 
-<file path=ppt/slides/slide12.xml><?xml version="1.0" encoding="utf-8"?>
+<file path=ppt/slides/slide13.xml><?xml version="1.0" encoding="utf-8"?>
 <p:sld xmlns:a="http://schemas.openxmlformats.org/drawingml/2006/main" xmlns:r="http://schemas.openxmlformats.org/officeDocument/2006/relationships" xmlns:p="http://schemas.openxmlformats.org/presentationml/2006/main">
   <p:cSld>
     <p:spTree>
@@ -3059,7 +3296,7 @@
 </p:sld>
 </file>
 
-<file path=ppt/slides/slide13.xml><?xml version="1.0" encoding="utf-8"?>
+<file path=ppt/slides/slide14.xml><?xml version="1.0" encoding="utf-8"?>
 <p:sld xmlns:a="http://schemas.openxmlformats.org/drawingml/2006/main" xmlns:r="http://schemas.openxmlformats.org/officeDocument/2006/relationships" xmlns:p="http://schemas.openxmlformats.org/presentationml/2006/main">
   <p:cSld>
     <p:spTree>
@@ -3293,7 +3530,7 @@
 </p:sld>
 </file>
 
-<file path=ppt/slides/slide14.xml><?xml version="1.0" encoding="utf-8"?>
+<file path=ppt/slides/slide15.xml><?xml version="1.0" encoding="utf-8"?>
 <p:sld xmlns:a="http://schemas.openxmlformats.org/drawingml/2006/main" xmlns:r="http://schemas.openxmlformats.org/officeDocument/2006/relationships" xmlns:p="http://schemas.openxmlformats.org/presentationml/2006/main">
   <p:cSld>
     <p:spTree>
@@ -3891,7 +4128,7 @@
 </p:sld>
 </file>
 
-<file path=ppt/slides/slide15.xml><?xml version="1.0" encoding="utf-8"?>
+<file path=ppt/slides/slide16.xml><?xml version="1.0" encoding="utf-8"?>
 <p:sld xmlns:a="http://schemas.openxmlformats.org/drawingml/2006/main" xmlns:r="http://schemas.openxmlformats.org/officeDocument/2006/relationships" xmlns:p="http://schemas.openxmlformats.org/presentationml/2006/main">
   <p:cSld>
     <p:spTree>
@@ -3977,8 +4214,49 @@
             </a:pPr>
             <a:r>
               <a:rPr lang="en-US" sz="1800" dirty="0"/>
-              <a:t>The smaller the mid layer, the easier to add new capability ( new applications )</a:t>
-            </a:r>
+              <a:t>The smaller the mid layer, the easier to add new capability ( new applications </a:t>
+            </a:r>
+            <a:r>
+              <a:rPr lang="en-US" sz="1800" dirty="0" smtClean="0"/>
+              <a:t>)</a:t>
+            </a:r>
+          </a:p>
+          <a:p>
+            <a:pPr marL="919163" lvl="1" indent="-342900">
+              <a:buFont typeface="Arial" panose="020B0604020202020204" pitchFamily="34" charset="0"/>
+              <a:buChar char="•"/>
+            </a:pPr>
+            <a:r>
+              <a:rPr lang="en-US" sz="1800" dirty="0" smtClean="0"/>
+              <a:t>Decouple testing concepts in the upper layer from calls to Protractor that belong in the </a:t>
+            </a:r>
+            <a:r>
+              <a:rPr lang="en-US" sz="1800" dirty="0" err="1" smtClean="0"/>
+              <a:t>midLayer</a:t>
+            </a:r>
+            <a:r>
+              <a:rPr lang="en-US" sz="1800" dirty="0" smtClean="0"/>
+              <a:t> ( </a:t>
+            </a:r>
+            <a:r>
+              <a:rPr lang="en-US" sz="1800" dirty="0" err="1" smtClean="0"/>
+              <a:t>pageObjects</a:t>
+            </a:r>
+            <a:r>
+              <a:rPr lang="en-US" sz="1800" dirty="0" smtClean="0"/>
+              <a:t> )</a:t>
+            </a:r>
+          </a:p>
+          <a:p>
+            <a:pPr marL="919163" lvl="1" indent="-342900">
+              <a:buFont typeface="Arial" panose="020B0604020202020204" pitchFamily="34" charset="0"/>
+              <a:buChar char="•"/>
+            </a:pPr>
+            <a:r>
+              <a:rPr lang="en-US" sz="1800" dirty="0" smtClean="0"/>
+              <a:t>Work in localized well isolated areas.  Keep the churn away from the dev engineers</a:t>
+            </a:r>
+            <a:endParaRPr lang="en-US" sz="1800" dirty="0"/>
           </a:p>
           <a:p>
             <a:endParaRPr lang="en-US" sz="2000" dirty="0" smtClean="0"/>
@@ -3989,31 +4267,57 @@
               <a:buChar char="•"/>
             </a:pPr>
             <a:r>
+              <a:rPr lang="en-US" sz="2000" dirty="0" smtClean="0"/>
+              <a:t>Add Coverage for a new application</a:t>
+            </a:r>
+            <a:endParaRPr lang="en-US" sz="2000" dirty="0"/>
+          </a:p>
+          <a:p>
+            <a:pPr marL="862013" lvl="1" indent="-285750">
+              <a:buFont typeface="Arial" panose="020B0604020202020204" pitchFamily="34" charset="0"/>
+              <a:buChar char="•"/>
+            </a:pPr>
+            <a:r>
+              <a:rPr lang="en-US" sz="1600" dirty="0" smtClean="0"/>
+              <a:t>Adding support for new applications can be accomplished in </a:t>
+            </a:r>
+            <a:r>
+              <a:rPr lang="en-US" sz="1600" dirty="0"/>
+              <a:t>~10 working Days</a:t>
+            </a:r>
+          </a:p>
+          <a:p>
+            <a:endParaRPr lang="en-US" sz="2000" dirty="0" smtClean="0"/>
+          </a:p>
+          <a:p>
+            <a:pPr marL="342900" indent="-342900">
+              <a:buFont typeface="Arial" panose="020B0604020202020204" pitchFamily="34" charset="0"/>
+              <a:buChar char="•"/>
+            </a:pPr>
+            <a:r>
+              <a:rPr lang="en-US" sz="2000" dirty="0" smtClean="0"/>
+              <a:t>Better Reporting</a:t>
+            </a:r>
+          </a:p>
+          <a:p>
+            <a:pPr marL="342900" indent="-342900">
+              <a:buFont typeface="Arial" panose="020B0604020202020204" pitchFamily="34" charset="0"/>
+              <a:buChar char="•"/>
+            </a:pPr>
+            <a:endParaRPr lang="en-US" sz="2000" dirty="0" smtClean="0"/>
+          </a:p>
+          <a:p>
+            <a:pPr marL="342900" indent="-342900">
+              <a:buFont typeface="Arial" panose="020B0604020202020204" pitchFamily="34" charset="0"/>
+              <a:buChar char="•"/>
+            </a:pPr>
+            <a:r>
+              <a:rPr lang="en-US" sz="2000" dirty="0" smtClean="0"/>
+              <a:t>Test </a:t>
+            </a:r>
+            <a:r>
               <a:rPr lang="en-US" sz="2000" dirty="0"/>
-              <a:t>Additional Application Coverage</a:t>
-            </a:r>
-          </a:p>
-          <a:p>
-            <a:pPr marL="862013" lvl="1" indent="-285750">
-              <a:buFont typeface="Arial" panose="020B0604020202020204" pitchFamily="34" charset="0"/>
-              <a:buChar char="•"/>
-            </a:pPr>
-            <a:r>
-              <a:rPr lang="en-US" sz="1600" dirty="0"/>
-              <a:t>New Support should be capable in ~10 working Days</a:t>
-            </a:r>
-          </a:p>
-          <a:p>
-            <a:endParaRPr lang="en-US" sz="2000" dirty="0" smtClean="0"/>
-          </a:p>
-          <a:p>
-            <a:pPr marL="342900" indent="-342900">
-              <a:buFont typeface="Arial" panose="020B0604020202020204" pitchFamily="34" charset="0"/>
-              <a:buChar char="•"/>
-            </a:pPr>
-            <a:r>
-              <a:rPr lang="en-US" sz="2000" dirty="0"/>
-              <a:t>Test Headless  : Trying to overcome CPU and Memory consumption</a:t>
+              <a:t>Headless  : Trying to overcome CPU and Memory consumption</a:t>
             </a:r>
           </a:p>
           <a:p>
@@ -4063,7 +4367,7 @@
 </p:sld>
 </file>
 
-<file path=ppt/slides/slide16.xml><?xml version="1.0" encoding="utf-8"?>
+<file path=ppt/slides/slide17.xml><?xml version="1.0" encoding="utf-8"?>
 <p:sld xmlns:a="http://schemas.openxmlformats.org/drawingml/2006/main" xmlns:r="http://schemas.openxmlformats.org/officeDocument/2006/relationships" xmlns:p="http://schemas.openxmlformats.org/presentationml/2006/main">
   <p:cSld>
     <p:spTree>
@@ -4259,7 +4563,7 @@
     </p:spTree>
     <p:extLst>
       <p:ext uri="{BB962C8B-B14F-4D97-AF65-F5344CB8AC3E}">
-        <p14:creationId xmlns:p14="http://schemas.microsoft.com/office/powerpoint/2010/main" val="2893813657"/>
+        <p14:creationId xmlns:p14="http://schemas.microsoft.com/office/powerpoint/2010/main" val="1050889800"/>
       </p:ext>
     </p:extLst>
   </p:cSld>
@@ -4276,7 +4580,7 @@
 </p:sld>
 </file>
 
-<file path=ppt/slides/slide17.xml><?xml version="1.0" encoding="utf-8"?>
+<file path=ppt/slides/slide18.xml><?xml version="1.0" encoding="utf-8"?>
 <p:sld xmlns:a="http://schemas.openxmlformats.org/drawingml/2006/main" xmlns:r="http://schemas.openxmlformats.org/officeDocument/2006/relationships" xmlns:p="http://schemas.openxmlformats.org/presentationml/2006/main">
   <p:cSld>
     <p:spTree>
@@ -6835,7 +7139,7 @@
         </p:spPr>
         <p:txBody>
           <a:bodyPr>
-            <a:normAutofit fontScale="92500" lnSpcReduction="20000"/>
+            <a:normAutofit fontScale="92500" lnSpcReduction="10000"/>
           </a:bodyPr>
           <a:lstStyle/>
           <a:p>
@@ -6968,6 +7272,44 @@
             </a:r>
           </a:p>
           <a:p>
+            <a:pPr marL="285750" indent="-285750">
+              <a:lnSpc>
+                <a:spcPct val="114000"/>
+              </a:lnSpc>
+              <a:spcBef>
+                <a:spcPts val="0"/>
+              </a:spcBef>
+              <a:buFont typeface="Arial" panose="020B0604020202020204" pitchFamily="34" charset="0"/>
+              <a:buChar char="•"/>
+            </a:pPr>
+            <a:r>
+              <a:rPr lang="en-US" sz="2200" b="1" dirty="0" smtClean="0"/>
+              <a:t>Increase in number of test points without more code.   </a:t>
+            </a:r>
+            <a:r>
+              <a:rPr lang="en-US" sz="1700" b="1" dirty="0" smtClean="0"/>
+              <a:t>See Appendix: Test Case Numbers</a:t>
+            </a:r>
+            <a:endParaRPr lang="en-US" sz="1700" b="1" dirty="0" smtClean="0"/>
+          </a:p>
+          <a:p>
+            <a:pPr marL="862013" lvl="1" indent="-285750">
+              <a:lnSpc>
+                <a:spcPct val="114000"/>
+              </a:lnSpc>
+              <a:spcBef>
+                <a:spcPts val="0"/>
+              </a:spcBef>
+              <a:buFont typeface="Arial" panose="020B0604020202020204" pitchFamily="34" charset="0"/>
+              <a:buChar char="•"/>
+            </a:pPr>
+            <a:r>
+              <a:rPr lang="en-US" sz="1900" b="1" dirty="0" smtClean="0"/>
+              <a:t>Implementation of the ‘dataProvider’ technology </a:t>
+            </a:r>
+            <a:endParaRPr lang="en-US" sz="1800" b="1" dirty="0"/>
+          </a:p>
+          <a:p>
             <a:pPr>
               <a:lnSpc>
                 <a:spcPct val="135000"/>
@@ -6976,10 +7318,53 @@
                 <a:spcPts val="0"/>
               </a:spcBef>
             </a:pPr>
-            <a:r>
-              <a:rPr lang="en-US" sz="1000" dirty="0" smtClean="0"/>
-              <a:t>         </a:t>
-            </a:r>
+            <a:endParaRPr lang="en-US" sz="1600" dirty="0" smtClean="0"/>
+          </a:p>
+          <a:p>
+            <a:pPr marL="342900" indent="-342900">
+              <a:lnSpc>
+                <a:spcPct val="114000"/>
+              </a:lnSpc>
+              <a:spcBef>
+                <a:spcPts val="0"/>
+              </a:spcBef>
+              <a:buFont typeface="Arial" panose="020B0604020202020204" pitchFamily="34" charset="0"/>
+              <a:buChar char="•"/>
+            </a:pPr>
+            <a:r>
+              <a:rPr lang="en-US" sz="2200" b="1" dirty="0" smtClean="0"/>
+              <a:t>Provider Directory testing  incorporates novel use of the API scripts</a:t>
+            </a:r>
+            <a:endParaRPr lang="en-US" b="1" dirty="0" smtClean="0"/>
+          </a:p>
+          <a:p>
+            <a:pPr marL="862013" lvl="1" indent="-285750">
+              <a:lnSpc>
+                <a:spcPct val="114000"/>
+              </a:lnSpc>
+              <a:spcBef>
+                <a:spcPts val="0"/>
+              </a:spcBef>
+              <a:buFont typeface="Arial" panose="020B0604020202020204" pitchFamily="34" charset="0"/>
+              <a:buChar char="•"/>
+            </a:pPr>
+            <a:r>
+              <a:rPr lang="en-US" sz="1800" b="1" dirty="0" smtClean="0"/>
+              <a:t>First access REST API and capture data.  Then access PD UI requesting same information.  Compare results</a:t>
+            </a:r>
+            <a:endParaRPr lang="en-US" sz="1800" b="1" dirty="0" smtClean="0"/>
+          </a:p>
+          <a:p>
+            <a:pPr lvl="1" indent="0">
+              <a:lnSpc>
+                <a:spcPct val="114000"/>
+              </a:lnSpc>
+              <a:spcBef>
+                <a:spcPts val="0"/>
+              </a:spcBef>
+              <a:buNone/>
+            </a:pPr>
+            <a:endParaRPr lang="en-US" sz="1800" b="1" dirty="0" smtClean="0"/>
           </a:p>
           <a:p>
             <a:pPr marL="285750" indent="-285750">
@@ -6994,7 +7379,15 @@
             </a:pPr>
             <a:r>
               <a:rPr lang="en-US" sz="2200" b="1" dirty="0" smtClean="0"/>
-              <a:t>Numbers of test cases by Product Line</a:t>
+              <a:t>Micro </a:t>
+            </a:r>
+            <a:r>
+              <a:rPr lang="en-US" sz="2200" b="1" dirty="0" smtClean="0"/>
+              <a:t>Service REST API </a:t>
+            </a:r>
+            <a:r>
+              <a:rPr lang="en-US" sz="2200" b="1" dirty="0" smtClean="0"/>
+              <a:t>Testing accomplished in same framework</a:t>
             </a:r>
           </a:p>
           <a:p>
@@ -7010,157 +7403,9 @@
             </a:pPr>
             <a:r>
               <a:rPr lang="en-US" sz="1900" b="1" dirty="0" smtClean="0"/>
-              <a:t>Shopping &amp; Buying Page Integration Testing</a:t>
-            </a:r>
-          </a:p>
-          <a:p>
-            <a:pPr lvl="1" indent="0">
-              <a:lnSpc>
-                <a:spcPct val="114000"/>
-              </a:lnSpc>
-              <a:spcBef>
-                <a:spcPts val="0"/>
-              </a:spcBef>
-              <a:buNone/>
-            </a:pPr>
-            <a:r>
-              <a:rPr lang="en-US" sz="1800" b="1" dirty="0" err="1" smtClean="0"/>
-              <a:t>Pers</a:t>
-            </a:r>
-            <a:r>
-              <a:rPr lang="en-US" sz="1800" b="1" dirty="0" smtClean="0"/>
-              <a:t>, Deps, </a:t>
-            </a:r>
-            <a:r>
-              <a:rPr lang="en-US" sz="1800" b="1" dirty="0" err="1" smtClean="0"/>
-              <a:t>Facs</a:t>
-            </a:r>
-            <a:r>
-              <a:rPr lang="en-US" sz="1800" b="1" dirty="0" smtClean="0"/>
-              <a:t>, Buy, </a:t>
-            </a:r>
-            <a:r>
-              <a:rPr lang="en-US" sz="1800" b="1" dirty="0" err="1" smtClean="0"/>
-              <a:t>Reciept</a:t>
-            </a:r>
-            <a:endParaRPr lang="en-US" sz="1800" b="1" dirty="0" smtClean="0"/>
-          </a:p>
-          <a:p>
-            <a:pPr lvl="1" indent="0">
-              <a:lnSpc>
-                <a:spcPct val="114000"/>
-              </a:lnSpc>
-              <a:spcBef>
-                <a:spcPts val="0"/>
-              </a:spcBef>
-              <a:buNone/>
-            </a:pPr>
-            <a:r>
-              <a:rPr lang="en-US" sz="1800" b="1" dirty="0" smtClean="0"/>
-              <a:t>Shopping and Buying E2E Tests</a:t>
-            </a:r>
-          </a:p>
-          <a:p>
-            <a:pPr lvl="1" indent="0">
-              <a:lnSpc>
-                <a:spcPct val="114000"/>
-              </a:lnSpc>
-              <a:spcBef>
-                <a:spcPts val="0"/>
-              </a:spcBef>
-              <a:buNone/>
-            </a:pPr>
-            <a:r>
-              <a:rPr lang="en-US" sz="1800" b="1" dirty="0" smtClean="0"/>
-              <a:t>Content</a:t>
-            </a:r>
-            <a:endParaRPr lang="en-US" sz="1800" b="1" dirty="0"/>
-          </a:p>
-          <a:p>
-            <a:pPr>
-              <a:lnSpc>
-                <a:spcPct val="135000"/>
-              </a:lnSpc>
-              <a:spcBef>
-                <a:spcPts val="0"/>
-              </a:spcBef>
-            </a:pPr>
-            <a:endParaRPr lang="en-US" sz="1600" dirty="0" smtClean="0"/>
-          </a:p>
-          <a:p>
-            <a:pPr marL="862013" lvl="1" indent="-285750">
-              <a:lnSpc>
-                <a:spcPct val="114000"/>
-              </a:lnSpc>
-              <a:spcBef>
-                <a:spcPts val="0"/>
-              </a:spcBef>
-              <a:buFont typeface="Arial" panose="020B0604020202020204" pitchFamily="34" charset="0"/>
-              <a:buChar char="•"/>
-            </a:pPr>
-            <a:r>
-              <a:rPr lang="en-US" b="1" dirty="0" smtClean="0"/>
-              <a:t>Provider Directory</a:t>
-            </a:r>
-          </a:p>
-          <a:p>
-            <a:pPr lvl="1" indent="0">
-              <a:lnSpc>
-                <a:spcPct val="114000"/>
-              </a:lnSpc>
-              <a:spcBef>
-                <a:spcPts val="0"/>
-              </a:spcBef>
-              <a:buNone/>
-            </a:pPr>
-            <a:r>
-              <a:rPr lang="en-US" sz="1800" b="1" dirty="0" smtClean="0"/>
-              <a:t>Template 1,  Template 2, Template 3</a:t>
-            </a:r>
-          </a:p>
-          <a:p>
-            <a:pPr lvl="1" indent="0">
-              <a:lnSpc>
-                <a:spcPct val="114000"/>
-              </a:lnSpc>
-              <a:spcBef>
-                <a:spcPts val="0"/>
-              </a:spcBef>
-              <a:buNone/>
-            </a:pPr>
-            <a:r>
-              <a:rPr lang="en-US" sz="1800" b="1" dirty="0" smtClean="0"/>
-              <a:t>API Tests USED</a:t>
-            </a:r>
-          </a:p>
-          <a:p>
-            <a:pPr lvl="1" indent="0">
-              <a:lnSpc>
-                <a:spcPct val="114000"/>
-              </a:lnSpc>
-              <a:spcBef>
-                <a:spcPts val="0"/>
-              </a:spcBef>
-              <a:buNone/>
-            </a:pPr>
-            <a:endParaRPr lang="en-US" sz="1800" b="1" dirty="0"/>
-          </a:p>
-          <a:p>
-            <a:pPr marL="862013" lvl="1" indent="-285750">
-              <a:lnSpc>
-                <a:spcPct val="114000"/>
-              </a:lnSpc>
-              <a:spcBef>
-                <a:spcPts val="0"/>
-              </a:spcBef>
-              <a:buFont typeface="Arial" panose="020B0604020202020204" pitchFamily="34" charset="0"/>
-              <a:buChar char="•"/>
-            </a:pPr>
-            <a:r>
-              <a:rPr lang="en-US" sz="1800" b="1" dirty="0" smtClean="0"/>
-              <a:t>Micro Service REST API Test</a:t>
-            </a:r>
-            <a:endParaRPr lang="en-US" sz="1800" b="1" dirty="0"/>
+              <a:t>No need for another product or framework.  It can all be done in CXTA Framework.</a:t>
+            </a:r>
+            <a:endParaRPr lang="en-US" sz="1900" b="1" dirty="0"/>
           </a:p>
           <a:p>
             <a:pPr>
@@ -8155,16 +8400,12 @@
               <a:buChar char="•"/>
             </a:pPr>
             <a:r>
-              <a:rPr lang="en-US" sz="1800" b="1" dirty="0" err="1" smtClean="0"/>
-              <a:t>Intruduction</a:t>
-            </a:r>
-            <a:r>
               <a:rPr lang="en-US" sz="1800" b="1" dirty="0" smtClean="0"/>
-              <a:t> and training mid Q2</a:t>
-            </a:r>
-          </a:p>
-          <a:p>
-            <a:pPr lvl="1">
+              <a:t>Necessary to accomplish before</a:t>
+            </a:r>
+          </a:p>
+          <a:p>
+            <a:pPr lvl="2">
               <a:lnSpc>
                 <a:spcPct val="110000"/>
               </a:lnSpc>
@@ -8173,18 +8414,48 @@
             </a:pPr>
             <a:r>
               <a:rPr lang="en-US" sz="1800" b="1" dirty="0" smtClean="0"/>
-              <a:t>Fully operational by end Q2</a:t>
-            </a:r>
-            <a:endParaRPr lang="en-US" sz="1200" b="1" dirty="0" smtClean="0"/>
-          </a:p>
-          <a:p>
-            <a:pPr marL="341313" lvl="1" indent="0">
+              <a:t>Mid Layer API refactor ( we can only cover a small amount to start )</a:t>
+            </a:r>
+          </a:p>
+          <a:p>
+            <a:pPr lvl="2">
               <a:lnSpc>
                 <a:spcPct val="110000"/>
               </a:lnSpc>
-              <a:buNone/>
-            </a:pPr>
-            <a:endParaRPr lang="en-US" sz="1200" b="1" dirty="0" smtClean="0"/>
+              <a:buFont typeface="Arial" panose="020B0604020202020204" pitchFamily="34" charset="0"/>
+              <a:buChar char="•"/>
+            </a:pPr>
+            <a:r>
+              <a:rPr lang="en-US" sz="1800" b="1" dirty="0" smtClean="0"/>
+              <a:t>Training aids : examples of installation and configuration</a:t>
+            </a:r>
+          </a:p>
+          <a:p>
+            <a:pPr lvl="2">
+              <a:lnSpc>
+                <a:spcPct val="110000"/>
+              </a:lnSpc>
+              <a:buFont typeface="Arial" panose="020B0604020202020204" pitchFamily="34" charset="0"/>
+              <a:buChar char="•"/>
+            </a:pPr>
+            <a:r>
+              <a:rPr lang="en-US" sz="1800" b="1" dirty="0" smtClean="0"/>
+              <a:t>Training staff in the use and operation</a:t>
+            </a:r>
+          </a:p>
+          <a:p>
+            <a:pPr lvl="2">
+              <a:lnSpc>
+                <a:spcPct val="110000"/>
+              </a:lnSpc>
+              <a:buFont typeface="Arial" panose="020B0604020202020204" pitchFamily="34" charset="0"/>
+              <a:buChar char="•"/>
+            </a:pPr>
+            <a:r>
+              <a:rPr lang="en-US" sz="1800" b="1" dirty="0" smtClean="0"/>
+              <a:t>Test and debug their installations</a:t>
+            </a:r>
+            <a:endParaRPr lang="en-US" sz="1800" b="1" dirty="0" smtClean="0"/>
           </a:p>
           <a:p>
             <a:pPr marL="457206" lvl="1" indent="0">
@@ -8205,26 +8476,10 @@
               <a:buChar char="•"/>
             </a:pPr>
             <a:r>
-              <a:rPr lang="en-US" sz="2000" b="1" dirty="0">
-                <a:solidFill>
-                  <a:srgbClr val="FF0000"/>
-                </a:solidFill>
-              </a:rPr>
-              <a:t>Configuration controlled </a:t>
-            </a:r>
-            <a:r>
-              <a:rPr lang="en-US" sz="2000" b="1" dirty="0" smtClean="0">
-                <a:solidFill>
-                  <a:srgbClr val="FF0000"/>
-                </a:solidFill>
-              </a:rPr>
-              <a:t>t</a:t>
-            </a:r>
-            <a:endParaRPr lang="en-US" sz="2000" b="1" u="sng" dirty="0" smtClean="0">
-              <a:solidFill>
-                <a:srgbClr val="FF0000"/>
-              </a:solidFill>
-            </a:endParaRPr>
+              <a:rPr lang="en-US" sz="2000" b="1" dirty="0" smtClean="0"/>
+              <a:t>Timing on Roll out	</a:t>
+            </a:r>
+            <a:endParaRPr lang="en-US" sz="2000" b="1" u="sng" dirty="0" smtClean="0"/>
           </a:p>
           <a:p>
             <a:pPr lvl="1">
@@ -8235,163 +8490,26 @@
               <a:buChar char="•"/>
             </a:pPr>
             <a:r>
-              <a:rPr lang="en-US" sz="1800" b="1" dirty="0">
-                <a:solidFill>
-                  <a:srgbClr val="FF0000"/>
-                </a:solidFill>
-              </a:rPr>
-              <a:t>Ipsum </a:t>
-            </a:r>
-            <a:r>
-              <a:rPr lang="en-US" sz="1800" b="1" dirty="0" err="1" smtClean="0">
-                <a:solidFill>
-                  <a:srgbClr val="FF0000"/>
-                </a:solidFill>
-              </a:rPr>
-              <a:t>lore</a:t>
-            </a:r>
-            <a:r>
-              <a:rPr lang="en-US" sz="1800" b="1" dirty="0" err="1">
-                <a:solidFill>
-                  <a:srgbClr val="FF0000"/>
-                </a:solidFill>
-              </a:rPr>
-              <a:t>Ipsum</a:t>
-            </a:r>
-            <a:r>
-              <a:rPr lang="en-US" sz="1800" b="1" dirty="0">
-                <a:solidFill>
-                  <a:srgbClr val="FF0000"/>
-                </a:solidFill>
-              </a:rPr>
-              <a:t> </a:t>
-            </a:r>
-            <a:r>
-              <a:rPr lang="en-US" sz="1800" b="1" dirty="0" err="1" smtClean="0">
-                <a:solidFill>
-                  <a:srgbClr val="FF0000"/>
-                </a:solidFill>
-              </a:rPr>
-              <a:t>lore</a:t>
-            </a:r>
-            <a:r>
-              <a:rPr lang="en-US" sz="1800" b="1" dirty="0" err="1">
-                <a:solidFill>
-                  <a:srgbClr val="FF0000"/>
-                </a:solidFill>
-              </a:rPr>
-              <a:t>Ipsum</a:t>
-            </a:r>
-            <a:r>
-              <a:rPr lang="en-US" sz="1800" b="1" dirty="0">
-                <a:solidFill>
-                  <a:srgbClr val="FF0000"/>
-                </a:solidFill>
-              </a:rPr>
-              <a:t> </a:t>
-            </a:r>
-            <a:r>
-              <a:rPr lang="en-US" sz="1800" b="1" dirty="0" err="1" smtClean="0">
-                <a:solidFill>
-                  <a:srgbClr val="FF0000"/>
-                </a:solidFill>
-              </a:rPr>
-              <a:t>lore</a:t>
-            </a:r>
-            <a:r>
-              <a:rPr lang="en-US" sz="1800" b="1" dirty="0" err="1">
-                <a:solidFill>
-                  <a:srgbClr val="FF0000"/>
-                </a:solidFill>
-              </a:rPr>
-              <a:t>Ipsum</a:t>
-            </a:r>
-            <a:r>
-              <a:rPr lang="en-US" sz="1800" b="1" dirty="0">
-                <a:solidFill>
-                  <a:srgbClr val="FF0000"/>
-                </a:solidFill>
-              </a:rPr>
-              <a:t> </a:t>
-            </a:r>
-            <a:r>
-              <a:rPr lang="en-US" sz="1800" b="1" dirty="0" smtClean="0">
-                <a:solidFill>
-                  <a:srgbClr val="FF0000"/>
-                </a:solidFill>
-              </a:rPr>
-              <a:t>lore</a:t>
-            </a:r>
-            <a:endParaRPr lang="en-US" sz="1000" b="1" dirty="0" smtClean="0">
-              <a:solidFill>
-                <a:srgbClr val="FF0000"/>
-              </a:solidFill>
-            </a:endParaRPr>
-          </a:p>
-          <a:p>
-            <a:endParaRPr lang="en-US" b="1" dirty="0" smtClean="0">
-              <a:solidFill>
-                <a:srgbClr val="FF0000"/>
-              </a:solidFill>
-            </a:endParaRPr>
-          </a:p>
-          <a:p>
-            <a:pPr marL="342900" indent="-342900">
-              <a:buFont typeface="Arial" panose="020B0604020202020204" pitchFamily="34" charset="0"/>
-              <a:buChar char="•"/>
-            </a:pPr>
-            <a:r>
-              <a:rPr lang="en-US" sz="2000" b="1" dirty="0" smtClean="0">
-                <a:solidFill>
-                  <a:srgbClr val="FF0000"/>
-                </a:solidFill>
-              </a:rPr>
-              <a:t>All testing or to run</a:t>
+              <a:rPr lang="en-US" sz="1800" b="1" dirty="0" smtClean="0"/>
+              <a:t>Roll out to Market place team at the end of April</a:t>
             </a:r>
           </a:p>
           <a:p>
             <a:pPr lvl="1">
-              <a:buFont typeface="Arial" panose="020B0604020202020204" pitchFamily="34" charset="0"/>
-              <a:buChar char="•"/>
-            </a:pPr>
-            <a:r>
-              <a:rPr lang="en-US" sz="1800" b="1" dirty="0" smtClean="0">
-                <a:solidFill>
-                  <a:srgbClr val="FF0000"/>
-                </a:solidFill>
-              </a:rPr>
-              <a:t>Developers use </a:t>
-            </a:r>
-            <a:r>
-              <a:rPr lang="en-US" sz="1800" b="1" dirty="0" err="1" smtClean="0">
-                <a:solidFill>
-                  <a:srgbClr val="FF0000"/>
-                </a:solidFill>
-              </a:rPr>
-              <a:t>cdevelopment</a:t>
-            </a:r>
-            <a:r>
-              <a:rPr lang="en-US" sz="1800" b="1" dirty="0" smtClean="0">
-                <a:solidFill>
-                  <a:srgbClr val="FF0000"/>
-                </a:solidFill>
-              </a:rPr>
-              <a:t> code</a:t>
-            </a:r>
-          </a:p>
-          <a:p>
-            <a:pPr lvl="1">
-              <a:buFont typeface="Arial" panose="020B0604020202020204" pitchFamily="34" charset="0"/>
-              <a:buChar char="•"/>
-            </a:pPr>
-            <a:r>
-              <a:rPr lang="en-US" sz="1800" b="1" dirty="0" smtClean="0">
-                <a:solidFill>
-                  <a:srgbClr val="FF0000"/>
-                </a:solidFill>
-              </a:rPr>
-              <a:t>Gives CXTA w/out stepping on Dev</a:t>
-            </a:r>
+              <a:lnSpc>
+                <a:spcPct val="110000"/>
+              </a:lnSpc>
+              <a:buFont typeface="Arial" panose="020B0604020202020204" pitchFamily="34" charset="0"/>
+              <a:buChar char="•"/>
+            </a:pPr>
+            <a:r>
+              <a:rPr lang="en-US" sz="1800" b="1" dirty="0" smtClean="0"/>
+              <a:t>Roll out to other teams on first or second week of May</a:t>
+            </a:r>
+            <a:endParaRPr lang="en-US" sz="1000" b="1" dirty="0" smtClean="0"/>
+          </a:p>
+          <a:p>
+            <a:endParaRPr lang="en-US" b="1" dirty="0" smtClean="0"/>
           </a:p>
           <a:p>
             <a:pPr marL="457206" lvl="1" indent="0">
@@ -8399,7 +8517,7 @@
             </a:pPr>
             <a:r>
               <a:rPr lang="en-US" sz="1400" dirty="0" smtClean="0"/>
-              <a:t>      </a:t>
+              <a:t>     </a:t>
             </a:r>
             <a:endParaRPr lang="en-US" sz="1400" dirty="0"/>
           </a:p>
@@ -9350,6 +9468,27 @@
 </file>
 
 <file path=customXml/item1.xml><?xml version="1.0" encoding="utf-8"?>
+<p:properties xmlns:p="http://schemas.microsoft.com/office/2006/metadata/properties" xmlns:xsi="http://www.w3.org/2001/XMLSchema-instance" xmlns:pc="http://schemas.microsoft.com/office/infopath/2007/PartnerControls">
+  <documentManagement>
+    <_dlc_DocId xmlns="a9328eaf-6333-4034-a7ce-997665b5f80d">6AH7XJTKT27D-494-2</_dlc_DocId>
+    <_dlc_DocIdUrl xmlns="a9328eaf-6333-4034-a7ce-997665b5f80d">
+      <Url>http://itportal/sites/PMD/presentations/_layouts/DocIdRedir.aspx?ID=6AH7XJTKT27D-494-2</Url>
+      <Description>6AH7XJTKT27D-494-2</Description>
+    </_dlc_DocIdUrl>
+  </documentManagement>
+</p:properties>
+</file>
+
+<file path=customXml/item2.xml><?xml version="1.0" encoding="utf-8"?>
+<?mso-contentType ?>
+<FormTemplates xmlns="http://schemas.microsoft.com/sharepoint/v3/contenttype/forms">
+  <Display>DocumentLibraryForm</Display>
+  <Edit>DocumentLibraryForm</Edit>
+  <New>DocumentLibraryForm</New>
+</FormTemplates>
+</file>
+
+<file path=customXml/item3.xml><?xml version="1.0" encoding="utf-8"?>
 <?mso-contentType ?>
 <spe:Receivers xmlns:spe="http://schemas.microsoft.com/sharepoint/events">
   <Receiver>
@@ -9393,27 +9532,6 @@
     <Filter/>
   </Receiver>
 </spe:Receivers>
-</file>
-
-<file path=customXml/item2.xml><?xml version="1.0" encoding="utf-8"?>
-<?mso-contentType ?>
-<FormTemplates xmlns="http://schemas.microsoft.com/sharepoint/v3/contenttype/forms">
-  <Display>DocumentLibraryForm</Display>
-  <Edit>DocumentLibraryForm</Edit>
-  <New>DocumentLibraryForm</New>
-</FormTemplates>
-</file>
-
-<file path=customXml/item3.xml><?xml version="1.0" encoding="utf-8"?>
-<p:properties xmlns:p="http://schemas.microsoft.com/office/2006/metadata/properties" xmlns:xsi="http://www.w3.org/2001/XMLSchema-instance" xmlns:pc="http://schemas.microsoft.com/office/infopath/2007/PartnerControls">
-  <documentManagement>
-    <_dlc_DocId xmlns="a9328eaf-6333-4034-a7ce-997665b5f80d">6AH7XJTKT27D-494-2</_dlc_DocId>
-    <_dlc_DocIdUrl xmlns="a9328eaf-6333-4034-a7ce-997665b5f80d">
-      <Url>http://itportal/sites/PMD/presentations/_layouts/DocIdRedir.aspx?ID=6AH7XJTKT27D-494-2</Url>
-      <Description>6AH7XJTKT27D-494-2</Description>
-    </_dlc_DocIdUrl>
-  </documentManagement>
-</p:properties>
 </file>
 
 <file path=customXml/item4.xml><?xml version="1.0" encoding="utf-8"?>
@@ -9562,9 +9680,17 @@
 </file>
 
 <file path=customXml/itemProps1.xml><?xml version="1.0" encoding="utf-8"?>
-<ds:datastoreItem xmlns:ds="http://schemas.openxmlformats.org/officeDocument/2006/customXml" ds:itemID="{8CB52003-E8CD-4DF2-932F-2EC7EF4DD677}">
+<ds:datastoreItem xmlns:ds="http://schemas.openxmlformats.org/officeDocument/2006/customXml" ds:itemID="{39B4CF60-C0DC-4692-912B-881AF8D8CFF5}">
   <ds:schemaRefs>
-    <ds:schemaRef ds:uri="http://schemas.microsoft.com/sharepoint/events"/>
+    <ds:schemaRef ds:uri="http://schemas.microsoft.com/office/2006/documentManagement/types"/>
+    <ds:schemaRef ds:uri="http://schemas.openxmlformats.org/package/2006/metadata/core-properties"/>
+    <ds:schemaRef ds:uri="http://www.w3.org/XML/1998/namespace"/>
+    <ds:schemaRef ds:uri="a9328eaf-6333-4034-a7ce-997665b5f80d"/>
+    <ds:schemaRef ds:uri="http://purl.org/dc/elements/1.1/"/>
+    <ds:schemaRef ds:uri="http://purl.org/dc/terms/"/>
+    <ds:schemaRef ds:uri="http://schemas.microsoft.com/office/infopath/2007/PartnerControls"/>
+    <ds:schemaRef ds:uri="http://schemas.microsoft.com/office/2006/metadata/properties"/>
+    <ds:schemaRef ds:uri="http://purl.org/dc/dcmitype/"/>
   </ds:schemaRefs>
 </ds:datastoreItem>
 </file>
@@ -9578,17 +9704,9 @@
 </file>
 
 <file path=customXml/itemProps3.xml><?xml version="1.0" encoding="utf-8"?>
-<ds:datastoreItem xmlns:ds="http://schemas.openxmlformats.org/officeDocument/2006/customXml" ds:itemID="{39B4CF60-C0DC-4692-912B-881AF8D8CFF5}">
+<ds:datastoreItem xmlns:ds="http://schemas.openxmlformats.org/officeDocument/2006/customXml" ds:itemID="{8CB52003-E8CD-4DF2-932F-2EC7EF4DD677}">
   <ds:schemaRefs>
-    <ds:schemaRef ds:uri="http://schemas.microsoft.com/office/2006/documentManagement/types"/>
-    <ds:schemaRef ds:uri="http://schemas.openxmlformats.org/package/2006/metadata/core-properties"/>
-    <ds:schemaRef ds:uri="http://www.w3.org/XML/1998/namespace"/>
-    <ds:schemaRef ds:uri="a9328eaf-6333-4034-a7ce-997665b5f80d"/>
-    <ds:schemaRef ds:uri="http://purl.org/dc/elements/1.1/"/>
-    <ds:schemaRef ds:uri="http://purl.org/dc/terms/"/>
-    <ds:schemaRef ds:uri="http://schemas.microsoft.com/office/infopath/2007/PartnerControls"/>
-    <ds:schemaRef ds:uri="http://schemas.microsoft.com/office/2006/metadata/properties"/>
-    <ds:schemaRef ds:uri="http://purl.org/dc/dcmitype/"/>
+    <ds:schemaRef ds:uri="http://schemas.microsoft.com/sharepoint/events"/>
   </ds:schemaRefs>
 </ds:datastoreItem>
 </file>

--- a/CurrentWork_Delta/CX_StrategyPowerPoint.pptx
+++ b/CurrentWork_Delta/CX_StrategyPowerPoint.pptx
@@ -228,7 +228,7 @@
           <a:p>
             <a:fld id="{7195FF61-7FDF-4F4D-A3AE-3078F9B9BE1D}" type="datetimeFigureOut">
               <a:rPr lang="en-US" smtClean="0"/>
-              <a:t>3/27/2018</a:t>
+              <a:t>3/29/2018</a:t>
             </a:fld>
             <a:endParaRPr lang="en-US"/>
           </a:p>
@@ -2293,11 +2293,7 @@
             <a:pPr algn="ctr"/>
             <a:r>
               <a:rPr lang="en-US" sz="2800" dirty="0" smtClean="0"/>
-              <a:t>Testing </a:t>
-            </a:r>
-            <a:r>
-              <a:rPr lang="en-US" sz="2800" dirty="0" smtClean="0"/>
-              <a:t>Types</a:t>
+              <a:t>Testing Types</a:t>
             </a:r>
           </a:p>
           <a:p>
@@ -2306,7 +2302,6 @@
               <a:rPr lang="en-US" sz="2800" dirty="0" smtClean="0"/>
               <a:t>Test Case Numbers</a:t>
             </a:r>
-            <a:endParaRPr lang="en-US" sz="2800" dirty="0" smtClean="0"/>
           </a:p>
           <a:p>
             <a:pPr algn="ctr"/>
@@ -2506,8 +2501,8 @@
               <a:t>Every Button, Field, </a:t>
             </a:r>
             <a:r>
-              <a:rPr lang="en-US" sz="1400" b="1" dirty="0" err="1" smtClean="0"/>
-              <a:t>CheckBox</a:t>
+              <a:rPr lang="en-US" sz="1400" b="1" dirty="0" smtClean="0"/>
+              <a:t>Check Box</a:t>
             </a:r>
             <a:r>
               <a:rPr lang="en-US" sz="1400" b="1" dirty="0" smtClean="0"/>
@@ -2542,11 +2537,7 @@
             </a:pPr>
             <a:r>
               <a:rPr lang="en-US" sz="1800" b="1" dirty="0" smtClean="0"/>
-              <a:t>Application </a:t>
-            </a:r>
-            <a:r>
-              <a:rPr lang="en-US" sz="1800" b="1" dirty="0" smtClean="0"/>
-              <a:t>level work flow : End to End</a:t>
+              <a:t>Application level work flow : End to End</a:t>
             </a:r>
           </a:p>
           <a:p>
@@ -2608,11 +2599,7 @@
             </a:pPr>
             <a:r>
               <a:rPr lang="en-US" sz="1800" b="1" dirty="0" smtClean="0"/>
-              <a:t>Micro </a:t>
-            </a:r>
-            <a:r>
-              <a:rPr lang="en-US" sz="1800" b="1" dirty="0" smtClean="0"/>
-              <a:t>Service REST APIs</a:t>
+              <a:t>Micro Service REST APIs</a:t>
             </a:r>
           </a:p>
           <a:p>
@@ -2789,36 +2776,6 @@
           </a:p>
         </p:txBody>
       </p:sp>
-      <p:pic>
-        <p:nvPicPr>
-          <p:cNvPr id="12" name="Picture 11"/>
-          <p:cNvPicPr>
-            <a:picLocks noChangeAspect="1"/>
-          </p:cNvPicPr>
-          <p:nvPr/>
-        </p:nvPicPr>
-        <p:blipFill>
-          <a:blip r:embed="rId3">
-            <a:extLst>
-              <a:ext uri="{28A0092B-C50C-407E-A947-70E740481C1C}">
-                <a14:useLocalDpi xmlns:a14="http://schemas.microsoft.com/office/drawing/2010/main" val="0"/>
-              </a:ext>
-            </a:extLst>
-          </a:blip>
-          <a:stretch>
-            <a:fillRect/>
-          </a:stretch>
-        </p:blipFill>
-        <p:spPr>
-          <a:xfrm>
-            <a:off x="680720" y="1459114"/>
-            <a:ext cx="2040206" cy="3710656"/>
-          </a:xfrm>
-          <a:prstGeom prst="rect">
-            <a:avLst/>
-          </a:prstGeom>
-        </p:spPr>
-      </p:pic>
       <p:sp>
         <p:nvSpPr>
           <p:cNvPr id="13" name="TextBox 12"/>
@@ -2827,8 +2784,8 @@
         </p:nvSpPr>
         <p:spPr>
           <a:xfrm>
-            <a:off x="2519680" y="1590596"/>
-            <a:ext cx="5618480" cy="2554545"/>
+            <a:off x="680720" y="1066750"/>
+            <a:ext cx="5618480" cy="3785652"/>
           </a:xfrm>
           <a:prstGeom prst="rect">
             <a:avLst/>
@@ -2843,7 +2800,15 @@
           <a:p>
             <a:r>
               <a:rPr lang="en-US" sz="2000" dirty="0" smtClean="0"/>
-              <a:t>This listing of test case numbers requires an understanding of framework configuration and dataProvider test technology abilities</a:t>
+              <a:t>Test </a:t>
+            </a:r>
+            <a:r>
+              <a:rPr lang="en-US" sz="2000" dirty="0" smtClean="0"/>
+              <a:t>case numbers </a:t>
+            </a:r>
+            <a:r>
+              <a:rPr lang="en-US" sz="2000" dirty="0" smtClean="0"/>
+              <a:t>are a combination of a Phase release, A product under test, and the number of states we are testing against.</a:t>
             </a:r>
           </a:p>
           <a:p>
@@ -2854,9 +2819,61 @@
           </a:p>
           <a:p>
             <a:r>
+              <a:rPr lang="en-US" sz="2000" dirty="0"/>
+              <a:t>Phase 1 AARP HMO 5 states </a:t>
+            </a:r>
+            <a:r>
               <a:rPr lang="en-US" sz="2000" dirty="0" smtClean="0"/>
-              <a:t>These test only represent the Shopping and Buying Application and only through phase 3  of  8 phases</a:t>
-            </a:r>
+              <a:t>	=== </a:t>
+            </a:r>
+            <a:r>
+              <a:rPr lang="en-US" sz="2000" dirty="0"/>
+              <a:t>850 </a:t>
+            </a:r>
+            <a:r>
+              <a:rPr lang="en-US" sz="2000" dirty="0" smtClean="0"/>
+              <a:t>tests</a:t>
+            </a:r>
+          </a:p>
+          <a:p>
+            <a:endParaRPr lang="en-US" sz="2000" dirty="0"/>
+          </a:p>
+          <a:p>
+            <a:r>
+              <a:rPr lang="en-US" sz="2000" dirty="0"/>
+              <a:t>Phase 1 DPPO  X </a:t>
+            </a:r>
+            <a:r>
+              <a:rPr lang="en-US" sz="2000" dirty="0" smtClean="0"/>
+              <a:t>States		=== </a:t>
+            </a:r>
+            <a:r>
+              <a:rPr lang="en-US" sz="2000" dirty="0"/>
+              <a:t>1327 </a:t>
+            </a:r>
+            <a:r>
+              <a:rPr lang="en-US" sz="2000" dirty="0" smtClean="0"/>
+              <a:t>tests</a:t>
+            </a:r>
+          </a:p>
+          <a:p>
+            <a:endParaRPr lang="en-US" sz="2000" dirty="0"/>
+          </a:p>
+          <a:p>
+            <a:r>
+              <a:rPr lang="en-US" sz="2000" dirty="0"/>
+              <a:t>Phase 2 All products All states </a:t>
+            </a:r>
+            <a:r>
+              <a:rPr lang="en-US" sz="2000" dirty="0" smtClean="0"/>
+              <a:t>	=== </a:t>
+            </a:r>
+            <a:r>
+              <a:rPr lang="en-US" sz="2000" dirty="0"/>
+              <a:t>73475 tests.</a:t>
+            </a:r>
+          </a:p>
+          <a:p>
             <a:endParaRPr lang="en-US" sz="2000" dirty="0"/>
           </a:p>
           <a:p>
@@ -3354,13 +3371,13 @@
         </p:nvSpPr>
         <p:spPr>
           <a:xfrm>
-            <a:off x="432844" y="914094"/>
-            <a:ext cx="3953962" cy="4351338"/>
+            <a:off x="432844" y="914093"/>
+            <a:ext cx="3953962" cy="5366633"/>
           </a:xfrm>
         </p:spPr>
         <p:txBody>
           <a:bodyPr>
-            <a:normAutofit/>
+            <a:normAutofit lnSpcReduction="10000"/>
           </a:bodyPr>
           <a:lstStyle/>
           <a:p>
@@ -3386,9 +3403,39 @@
             <a:endParaRPr lang="en-US" sz="700" u="sng" dirty="0"/>
           </a:p>
           <a:p>
+            <a:endParaRPr lang="en-US" b="1" dirty="0" smtClean="0"/>
+          </a:p>
+          <a:p>
             <a:r>
               <a:rPr lang="en-US" b="1" dirty="0" smtClean="0"/>
-              <a:t>High Level Product Specific: </a:t>
+              <a:t>ASPERIAIONAL PRESENTATION</a:t>
+            </a:r>
+          </a:p>
+          <a:p>
+            <a:endParaRPr lang="en-US" b="1" dirty="0"/>
+          </a:p>
+          <a:p>
+            <a:r>
+              <a:rPr lang="en-US" b="1" dirty="0" smtClean="0"/>
+              <a:t>High </a:t>
+            </a:r>
+            <a:r>
+              <a:rPr lang="en-US" b="1" dirty="0" smtClean="0"/>
+              <a:t>Level </a:t>
+            </a:r>
+            <a:r>
+              <a:rPr lang="en-US" b="1" dirty="0" smtClean="0"/>
+              <a:t>Dashboard</a:t>
+            </a:r>
+          </a:p>
+          <a:p>
+            <a:r>
+              <a:rPr lang="en-US" b="1" dirty="0" smtClean="0"/>
+              <a:t>Product </a:t>
+            </a:r>
+            <a:r>
+              <a:rPr lang="en-US" b="1" dirty="0" smtClean="0"/>
+              <a:t>Specific: </a:t>
             </a:r>
           </a:p>
           <a:p>
@@ -4268,7 +4315,15 @@
             </a:pPr>
             <a:r>
               <a:rPr lang="en-US" sz="2000" dirty="0" smtClean="0"/>
-              <a:t>Add Coverage for a new application</a:t>
+              <a:t>Add Coverage for a new </a:t>
+            </a:r>
+            <a:r>
+              <a:rPr lang="en-US" sz="2000" dirty="0" smtClean="0"/>
+              <a:t>application  Ability to spin up new </a:t>
+            </a:r>
+            <a:r>
+              <a:rPr lang="en-US" sz="2000" dirty="0" err="1" smtClean="0"/>
+              <a:t>applicaiton</a:t>
             </a:r>
             <a:endParaRPr lang="en-US" sz="2000" dirty="0"/>
           </a:p>
@@ -7290,7 +7345,6 @@
               <a:rPr lang="en-US" sz="1700" b="1" dirty="0" smtClean="0"/>
               <a:t>See Appendix: Test Case Numbers</a:t>
             </a:r>
-            <a:endParaRPr lang="en-US" sz="1700" b="1" dirty="0" smtClean="0"/>
           </a:p>
           <a:p>
             <a:pPr marL="862013" lvl="1" indent="-285750">
@@ -7352,42 +7406,33 @@
               <a:rPr lang="en-US" sz="1800" b="1" dirty="0" smtClean="0"/>
               <a:t>First access REST API and capture data.  Then access PD UI requesting same information.  Compare results</a:t>
             </a:r>
+          </a:p>
+          <a:p>
+            <a:pPr lvl="1" indent="0">
+              <a:lnSpc>
+                <a:spcPct val="114000"/>
+              </a:lnSpc>
+              <a:spcBef>
+                <a:spcPts val="0"/>
+              </a:spcBef>
+              <a:buNone/>
+            </a:pPr>
             <a:endParaRPr lang="en-US" sz="1800" b="1" dirty="0" smtClean="0"/>
           </a:p>
           <a:p>
-            <a:pPr lvl="1" indent="0">
+            <a:pPr marL="285750" indent="-285750">
               <a:lnSpc>
                 <a:spcPct val="114000"/>
               </a:lnSpc>
               <a:spcBef>
                 <a:spcPts val="0"/>
               </a:spcBef>
-              <a:buNone/>
-            </a:pPr>
-            <a:endParaRPr lang="en-US" sz="1800" b="1" dirty="0" smtClean="0"/>
-          </a:p>
-          <a:p>
-            <a:pPr marL="285750" indent="-285750">
-              <a:lnSpc>
-                <a:spcPct val="114000"/>
-              </a:lnSpc>
-              <a:spcBef>
-                <a:spcPts val="0"/>
-              </a:spcBef>
               <a:buFont typeface="Arial" panose="020B0604020202020204" pitchFamily="34" charset="0"/>
               <a:buChar char="•"/>
             </a:pPr>
             <a:r>
               <a:rPr lang="en-US" sz="2200" b="1" dirty="0" smtClean="0"/>
-              <a:t>Micro </a:t>
-            </a:r>
-            <a:r>
-              <a:rPr lang="en-US" sz="2200" b="1" dirty="0" smtClean="0"/>
-              <a:t>Service REST API </a:t>
-            </a:r>
-            <a:r>
-              <a:rPr lang="en-US" sz="2200" b="1" dirty="0" smtClean="0"/>
-              <a:t>Testing accomplished in same framework</a:t>
+              <a:t>Micro Service REST API Testing accomplished in same framework</a:t>
             </a:r>
           </a:p>
           <a:p>
@@ -7968,15 +8013,7 @@
             </a:r>
             <a:r>
               <a:rPr lang="en-US" sz="1400" dirty="0" smtClean="0"/>
-              <a:t>correcting all test failures in  ../</a:t>
-            </a:r>
-            <a:r>
-              <a:rPr lang="en-US" sz="1400" dirty="0" err="1" smtClean="0"/>
-              <a:t>fitmp</a:t>
-            </a:r>
-            <a:r>
-              <a:rPr lang="en-US" sz="1400" dirty="0" smtClean="0"/>
-              <a:t>  directory, keeping it completely operational</a:t>
+              <a:t>correcting all test failures in  ../fitmp  directory, keeping it completely operational</a:t>
             </a:r>
             <a:endParaRPr lang="en-US" sz="1400" b="1" dirty="0"/>
           </a:p>
@@ -8027,15 +8064,7 @@
             </a:pPr>
             <a:r>
               <a:rPr lang="en-US" sz="1400" dirty="0" smtClean="0"/>
-              <a:t>Responsible for correcting all test failures in the  ../</a:t>
-            </a:r>
-            <a:r>
-              <a:rPr lang="en-US" sz="1400" dirty="0" err="1" smtClean="0"/>
-              <a:t>fitpd</a:t>
-            </a:r>
-            <a:r>
-              <a:rPr lang="en-US" sz="1400" dirty="0" smtClean="0"/>
-              <a:t>  directory, keeping all test operational</a:t>
+              <a:t>Responsible for correcting all test failures in the  ../fitpd  directory, keeping all test operational</a:t>
             </a:r>
             <a:endParaRPr lang="en-US" sz="1400" dirty="0"/>
           </a:p>
@@ -8082,8 +8111,21 @@
             </a:pPr>
             <a:r>
               <a:rPr lang="en-US" sz="1400" dirty="0" smtClean="0"/>
-              <a:t>Responsible for correcting all REST API regression failures , keeping all scripting completely operational</a:t>
-            </a:r>
+              <a:t>Responsible for correcting all </a:t>
+            </a:r>
+            <a:r>
+              <a:rPr lang="en-US" sz="1400" dirty="0" smtClean="0"/>
+              <a:t>test failures in the ../fitapi</a:t>
+            </a:r>
+            <a:r>
+              <a:rPr lang="en-US" sz="1400" dirty="0"/>
+              <a:t> directory, keeping all test </a:t>
+            </a:r>
+            <a:r>
+              <a:rPr lang="en-US" sz="1400" dirty="0" smtClean="0"/>
+              <a:t>operational</a:t>
+            </a:r>
+            <a:endParaRPr lang="en-US" sz="1400" dirty="0" smtClean="0"/>
           </a:p>
           <a:p>
             <a:pPr>
@@ -8095,6 +8137,7 @@
               <a:rPr lang="en-US" sz="500" b="1" dirty="0" smtClean="0"/>
               <a:t>             </a:t>
             </a:r>
+            <a:endParaRPr lang="en-US" sz="500" b="1" dirty="0" smtClean="0"/>
           </a:p>
           <a:p>
             <a:pPr marL="342900" indent="-342900">
@@ -8392,7 +8435,7 @@
             </a:r>
           </a:p>
           <a:p>
-            <a:pPr lvl="1">
+            <a:pPr lvl="2">
               <a:lnSpc>
                 <a:spcPct val="110000"/>
               </a:lnSpc>
@@ -8401,7 +8444,15 @@
             </a:pPr>
             <a:r>
               <a:rPr lang="en-US" sz="1800" b="1" dirty="0" smtClean="0"/>
-              <a:t>Necessary to accomplish before</a:t>
+              <a:t>Refactor mid </a:t>
+            </a:r>
+            <a:r>
+              <a:rPr lang="en-US" sz="1800" b="1" dirty="0" smtClean="0"/>
+              <a:t>l</a:t>
+            </a:r>
+            <a:r>
+              <a:rPr lang="en-US" sz="1800" b="1" dirty="0" smtClean="0"/>
+              <a:t>ayer, ensure API is uniform</a:t>
             </a:r>
           </a:p>
           <a:p>
@@ -8414,7 +8465,7 @@
             </a:pPr>
             <a:r>
               <a:rPr lang="en-US" sz="1800" b="1" dirty="0" smtClean="0"/>
-              <a:t>Mid Layer API refactor ( we can only cover a small amount to start )</a:t>
+              <a:t>Write up training aids, examples of installation and configuration</a:t>
             </a:r>
           </a:p>
           <a:p>
@@ -8427,7 +8478,11 @@
             </a:pPr>
             <a:r>
               <a:rPr lang="en-US" sz="1800" b="1" dirty="0" smtClean="0"/>
-              <a:t>Training aids : examples of installation and configuration</a:t>
+              <a:t>Training </a:t>
+            </a:r>
+            <a:r>
+              <a:rPr lang="en-US" sz="1800" b="1" dirty="0" smtClean="0"/>
+              <a:t>staff in the use and operation</a:t>
             </a:r>
           </a:p>
           <a:p>
@@ -8440,20 +8495,11 @@
             </a:pPr>
             <a:r>
               <a:rPr lang="en-US" sz="1800" b="1" dirty="0" smtClean="0"/>
-              <a:t>Training staff in the use and operation</a:t>
-            </a:r>
-          </a:p>
-          <a:p>
-            <a:pPr lvl="2">
-              <a:lnSpc>
-                <a:spcPct val="110000"/>
-              </a:lnSpc>
-              <a:buFont typeface="Arial" panose="020B0604020202020204" pitchFamily="34" charset="0"/>
-              <a:buChar char="•"/>
-            </a:pPr>
+              <a:t>Test and debug </a:t>
+            </a:r>
             <a:r>
               <a:rPr lang="en-US" sz="1800" b="1" dirty="0" smtClean="0"/>
-              <a:t>Test and debug their installations</a:t>
+              <a:t>initial installations</a:t>
             </a:r>
             <a:endParaRPr lang="en-US" sz="1800" b="1" dirty="0" smtClean="0"/>
           </a:p>
@@ -8491,7 +8537,24 @@
             </a:pPr>
             <a:r>
               <a:rPr lang="en-US" sz="1800" b="1" dirty="0" smtClean="0"/>
-              <a:t>Roll out to Market place team at the end of April</a:t>
+              <a:t>Roll out First week April to the Core Tech Team REST API Test Framework</a:t>
+            </a:r>
+          </a:p>
+          <a:p>
+            <a:pPr lvl="1">
+              <a:lnSpc>
+                <a:spcPct val="110000"/>
+              </a:lnSpc>
+              <a:buFont typeface="Arial" panose="020B0604020202020204" pitchFamily="34" charset="0"/>
+              <a:buChar char="•"/>
+            </a:pPr>
+            <a:r>
+              <a:rPr lang="en-US" sz="1800" b="1" dirty="0" smtClean="0"/>
+              <a:t>Roll </a:t>
+            </a:r>
+            <a:r>
+              <a:rPr lang="en-US" sz="1800" b="1" dirty="0" smtClean="0"/>
+              <a:t>out to Market place team at the end of April</a:t>
             </a:r>
           </a:p>
           <a:p>
@@ -9468,27 +9531,6 @@
 </file>
 
 <file path=customXml/item1.xml><?xml version="1.0" encoding="utf-8"?>
-<p:properties xmlns:p="http://schemas.microsoft.com/office/2006/metadata/properties" xmlns:xsi="http://www.w3.org/2001/XMLSchema-instance" xmlns:pc="http://schemas.microsoft.com/office/infopath/2007/PartnerControls">
-  <documentManagement>
-    <_dlc_DocId xmlns="a9328eaf-6333-4034-a7ce-997665b5f80d">6AH7XJTKT27D-494-2</_dlc_DocId>
-    <_dlc_DocIdUrl xmlns="a9328eaf-6333-4034-a7ce-997665b5f80d">
-      <Url>http://itportal/sites/PMD/presentations/_layouts/DocIdRedir.aspx?ID=6AH7XJTKT27D-494-2</Url>
-      <Description>6AH7XJTKT27D-494-2</Description>
-    </_dlc_DocIdUrl>
-  </documentManagement>
-</p:properties>
-</file>
-
-<file path=customXml/item2.xml><?xml version="1.0" encoding="utf-8"?>
-<?mso-contentType ?>
-<FormTemplates xmlns="http://schemas.microsoft.com/sharepoint/v3/contenttype/forms">
-  <Display>DocumentLibraryForm</Display>
-  <Edit>DocumentLibraryForm</Edit>
-  <New>DocumentLibraryForm</New>
-</FormTemplates>
-</file>
-
-<file path=customXml/item3.xml><?xml version="1.0" encoding="utf-8"?>
 <?mso-contentType ?>
 <spe:Receivers xmlns:spe="http://schemas.microsoft.com/sharepoint/events">
   <Receiver>
@@ -9532,6 +9574,27 @@
     <Filter/>
   </Receiver>
 </spe:Receivers>
+</file>
+
+<file path=customXml/item2.xml><?xml version="1.0" encoding="utf-8"?>
+<?mso-contentType ?>
+<FormTemplates xmlns="http://schemas.microsoft.com/sharepoint/v3/contenttype/forms">
+  <Display>DocumentLibraryForm</Display>
+  <Edit>DocumentLibraryForm</Edit>
+  <New>DocumentLibraryForm</New>
+</FormTemplates>
+</file>
+
+<file path=customXml/item3.xml><?xml version="1.0" encoding="utf-8"?>
+<p:properties xmlns:p="http://schemas.microsoft.com/office/2006/metadata/properties" xmlns:xsi="http://www.w3.org/2001/XMLSchema-instance" xmlns:pc="http://schemas.microsoft.com/office/infopath/2007/PartnerControls">
+  <documentManagement>
+    <_dlc_DocId xmlns="a9328eaf-6333-4034-a7ce-997665b5f80d">6AH7XJTKT27D-494-2</_dlc_DocId>
+    <_dlc_DocIdUrl xmlns="a9328eaf-6333-4034-a7ce-997665b5f80d">
+      <Url>http://itportal/sites/PMD/presentations/_layouts/DocIdRedir.aspx?ID=6AH7XJTKT27D-494-2</Url>
+      <Description>6AH7XJTKT27D-494-2</Description>
+    </_dlc_DocIdUrl>
+  </documentManagement>
+</p:properties>
 </file>
 
 <file path=customXml/item4.xml><?xml version="1.0" encoding="utf-8"?>
@@ -9680,17 +9743,9 @@
 </file>
 
 <file path=customXml/itemProps1.xml><?xml version="1.0" encoding="utf-8"?>
-<ds:datastoreItem xmlns:ds="http://schemas.openxmlformats.org/officeDocument/2006/customXml" ds:itemID="{39B4CF60-C0DC-4692-912B-881AF8D8CFF5}">
+<ds:datastoreItem xmlns:ds="http://schemas.openxmlformats.org/officeDocument/2006/customXml" ds:itemID="{8CB52003-E8CD-4DF2-932F-2EC7EF4DD677}">
   <ds:schemaRefs>
-    <ds:schemaRef ds:uri="http://schemas.microsoft.com/office/2006/documentManagement/types"/>
-    <ds:schemaRef ds:uri="http://schemas.openxmlformats.org/package/2006/metadata/core-properties"/>
-    <ds:schemaRef ds:uri="http://www.w3.org/XML/1998/namespace"/>
-    <ds:schemaRef ds:uri="a9328eaf-6333-4034-a7ce-997665b5f80d"/>
-    <ds:schemaRef ds:uri="http://purl.org/dc/elements/1.1/"/>
-    <ds:schemaRef ds:uri="http://purl.org/dc/terms/"/>
-    <ds:schemaRef ds:uri="http://schemas.microsoft.com/office/infopath/2007/PartnerControls"/>
-    <ds:schemaRef ds:uri="http://schemas.microsoft.com/office/2006/metadata/properties"/>
-    <ds:schemaRef ds:uri="http://purl.org/dc/dcmitype/"/>
+    <ds:schemaRef ds:uri="http://schemas.microsoft.com/sharepoint/events"/>
   </ds:schemaRefs>
 </ds:datastoreItem>
 </file>
@@ -9704,9 +9759,17 @@
 </file>
 
 <file path=customXml/itemProps3.xml><?xml version="1.0" encoding="utf-8"?>
-<ds:datastoreItem xmlns:ds="http://schemas.openxmlformats.org/officeDocument/2006/customXml" ds:itemID="{8CB52003-E8CD-4DF2-932F-2EC7EF4DD677}">
+<ds:datastoreItem xmlns:ds="http://schemas.openxmlformats.org/officeDocument/2006/customXml" ds:itemID="{39B4CF60-C0DC-4692-912B-881AF8D8CFF5}">
   <ds:schemaRefs>
-    <ds:schemaRef ds:uri="http://schemas.microsoft.com/sharepoint/events"/>
+    <ds:schemaRef ds:uri="http://schemas.microsoft.com/office/2006/documentManagement/types"/>
+    <ds:schemaRef ds:uri="http://schemas.openxmlformats.org/package/2006/metadata/core-properties"/>
+    <ds:schemaRef ds:uri="http://www.w3.org/XML/1998/namespace"/>
+    <ds:schemaRef ds:uri="a9328eaf-6333-4034-a7ce-997665b5f80d"/>
+    <ds:schemaRef ds:uri="http://purl.org/dc/elements/1.1/"/>
+    <ds:schemaRef ds:uri="http://purl.org/dc/terms/"/>
+    <ds:schemaRef ds:uri="http://schemas.microsoft.com/office/infopath/2007/PartnerControls"/>
+    <ds:schemaRef ds:uri="http://schemas.microsoft.com/office/2006/metadata/properties"/>
+    <ds:schemaRef ds:uri="http://purl.org/dc/dcmitype/"/>
   </ds:schemaRefs>
 </ds:datastoreItem>
 </file>

--- a/CurrentWork_Delta/CX_StrategyPowerPoint.pptx
+++ b/CurrentWork_Delta/CX_StrategyPowerPoint.pptx
@@ -13,17 +13,17 @@
     <p:sldId id="262" r:id="rId4"/>
     <p:sldId id="263" r:id="rId5"/>
     <p:sldId id="283" r:id="rId6"/>
-    <p:sldId id="271" r:id="rId7"/>
-    <p:sldId id="286" r:id="rId8"/>
-    <p:sldId id="274" r:id="rId9"/>
-    <p:sldId id="287" r:id="rId10"/>
-    <p:sldId id="285" r:id="rId11"/>
-    <p:sldId id="280" r:id="rId12"/>
-    <p:sldId id="275" r:id="rId13"/>
-    <p:sldId id="281" r:id="rId14"/>
-    <p:sldId id="282" r:id="rId15"/>
-    <p:sldId id="273" r:id="rId16"/>
-    <p:sldId id="279" r:id="rId17"/>
+    <p:sldId id="273" r:id="rId7"/>
+    <p:sldId id="287" r:id="rId8"/>
+    <p:sldId id="285" r:id="rId9"/>
+    <p:sldId id="280" r:id="rId10"/>
+    <p:sldId id="275" r:id="rId11"/>
+    <p:sldId id="281" r:id="rId12"/>
+    <p:sldId id="282" r:id="rId13"/>
+    <p:sldId id="279" r:id="rId14"/>
+    <p:sldId id="271" r:id="rId15"/>
+    <p:sldId id="286" r:id="rId16"/>
+    <p:sldId id="274" r:id="rId17"/>
     <p:sldId id="288" r:id="rId18"/>
     <p:sldId id="284" r:id="rId19"/>
   </p:sldIdLst>
@@ -154,6 +154,25 @@
       </a:defRPr>
     </a:lvl9pPr>
   </p:defaultTextStyle>
+  <p:extLst>
+    <p:ext uri="{EFAFB233-063F-42B5-8137-9DF3F51BA10A}">
+      <p15:sldGuideLst xmlns:p15="http://schemas.microsoft.com/office/powerpoint/2012/main">
+        <p15:guide id="1" orient="horz" pos="2625">
+          <p15:clr>
+            <a:srgbClr val="A4A3A4"/>
+          </p15:clr>
+        </p15:guide>
+        <p15:guide id="2" pos="2880">
+          <p15:clr>
+            <a:srgbClr val="A4A3A4"/>
+          </p15:clr>
+        </p15:guide>
+      </p15:sldGuideLst>
+    </p:ext>
+    <p:ext uri="{2D200454-40CA-4A62-9FC3-DE9A4176ACB9}">
+      <p15:notesGuideLst xmlns:p15="http://schemas.microsoft.com/office/powerpoint/2012/main"/>
+    </p:ext>
+  </p:extLst>
 </p:presentation>
 </file>
 
@@ -266,7 +285,7 @@
               <a:pPr>
                 <a:defRPr/>
               </a:pPr>
-              <a:t>3/30/2018</a:t>
+              <a:t>4/4/2018</a:t>
             </a:fld>
             <a:endParaRPr lang="en-US"/>
           </a:p>
@@ -460,6 +479,11 @@
         </p:txBody>
       </p:sp>
     </p:spTree>
+    <p:extLst>
+      <p:ext uri="{BB962C8B-B14F-4D97-AF65-F5344CB8AC3E}">
+        <p14:creationId xmlns:p14="http://schemas.microsoft.com/office/powerpoint/2010/main" val="3598042489"/>
+      </p:ext>
+    </p:extLst>
   </p:cSld>
   <p:clrMap bg1="lt1" tx1="dk1" bg2="lt2" tx2="dk2" accent1="accent1" accent2="accent2" accent3="accent3" accent4="accent4" accent5="accent5" accent6="accent6" hlink="hlink" folHlink="folHlink"/>
   <p:notesStyle>
@@ -712,6 +736,11 @@
         </p:txBody>
       </p:sp>
     </p:spTree>
+    <p:extLst>
+      <p:ext uri="{BB962C8B-B14F-4D97-AF65-F5344CB8AC3E}">
+        <p14:creationId xmlns:p14="http://schemas.microsoft.com/office/powerpoint/2010/main" val="476630339"/>
+      </p:ext>
+    </p:extLst>
   </p:cSld>
   <p:clrMapOvr>
     <a:masterClrMapping/>
@@ -844,6 +873,11 @@
         </p:txBody>
       </p:sp>
     </p:spTree>
+    <p:extLst>
+      <p:ext uri="{BB962C8B-B14F-4D97-AF65-F5344CB8AC3E}">
+        <p14:creationId xmlns:p14="http://schemas.microsoft.com/office/powerpoint/2010/main" val="1422267277"/>
+      </p:ext>
+    </p:extLst>
   </p:cSld>
   <p:clrMapOvr>
     <a:masterClrMapping/>
@@ -976,6 +1010,11 @@
         </p:txBody>
       </p:sp>
     </p:spTree>
+    <p:extLst>
+      <p:ext uri="{BB962C8B-B14F-4D97-AF65-F5344CB8AC3E}">
+        <p14:creationId xmlns:p14="http://schemas.microsoft.com/office/powerpoint/2010/main" val="1530160523"/>
+      </p:ext>
+    </p:extLst>
   </p:cSld>
   <p:clrMapOvr>
     <a:masterClrMapping/>
@@ -2370,7 +2409,7 @@
               <a:rPr lang="en-US" dirty="0" smtClean="0">
                 <a:ea typeface="+mn-ea"/>
               </a:rPr>
-              <a:t>3/13/18</a:t>
+              <a:t>4/4/18</a:t>
             </a:r>
             <a:endParaRPr lang="en-US" dirty="0">
               <a:ea typeface="+mn-ea"/>
@@ -2380,7 +2419,7 @@
       </p:sp>
       <p:sp>
         <p:nvSpPr>
-          <p:cNvPr id="7171" name="Title 1"/>
+          <p:cNvPr id="6" name="Title 1"/>
           <p:cNvSpPr txBox="1">
             <a:spLocks/>
           </p:cNvSpPr>
@@ -2388,8 +2427,8 @@
         </p:nvSpPr>
         <p:spPr bwMode="auto">
           <a:xfrm>
-            <a:off x="2928938" y="173038"/>
-            <a:ext cx="6635750" cy="1689100"/>
+            <a:off x="3284426" y="437228"/>
+            <a:ext cx="5296048" cy="1689100"/>
           </a:xfrm>
           <a:prstGeom prst="rect">
             <a:avLst/>
@@ -2412,281 +2451,45 @@
               </a:lnSpc>
             </a:pPr>
             <a:r>
-              <a:rPr lang="en-US" sz="5000">
+              <a:rPr lang="en-US" sz="5000" dirty="0" smtClean="0">
                 <a:solidFill>
                   <a:srgbClr val="128BAD"/>
                 </a:solidFill>
                 <a:latin typeface="Calibri" pitchFamily="34" charset="0"/>
               </a:rPr>
-              <a:t>Customer Experience </a:t>
-            </a:r>
-            <a:br>
-              <a:rPr lang="en-US" sz="5000">
+              <a:t>Test Automation Framework for </a:t>
+            </a:r>
+          </a:p>
+          <a:p>
+            <a:pPr defTabSz="685800">
+              <a:lnSpc>
+                <a:spcPct val="70000"/>
+              </a:lnSpc>
+            </a:pPr>
+            <a:r>
+              <a:rPr lang="en-US" sz="5000" dirty="0" err="1" smtClean="0">
                 <a:solidFill>
                   <a:srgbClr val="128BAD"/>
                 </a:solidFill>
                 <a:latin typeface="Calibri" pitchFamily="34" charset="0"/>
               </a:rPr>
-            </a:br>
-            <a:r>
-              <a:rPr lang="en-US" sz="5000">
+              <a:t>NextGen</a:t>
+            </a:r>
+            <a:r>
+              <a:rPr lang="en-US" sz="5000" dirty="0" smtClean="0">
                 <a:solidFill>
                   <a:srgbClr val="128BAD"/>
                 </a:solidFill>
                 <a:latin typeface="Calibri" pitchFamily="34" charset="0"/>
               </a:rPr>
-              <a:t>Test Automation</a:t>
-            </a:r>
-          </a:p>
-        </p:txBody>
-      </p:sp>
-      <p:sp>
-        <p:nvSpPr>
-          <p:cNvPr id="7172" name="Subtitle 2"/>
-          <p:cNvSpPr txBox="1">
-            <a:spLocks/>
-          </p:cNvSpPr>
-          <p:nvPr/>
-        </p:nvSpPr>
-        <p:spPr bwMode="auto">
-          <a:xfrm>
-            <a:off x="2928938" y="1111250"/>
-            <a:ext cx="5757862" cy="5360988"/>
-          </a:xfrm>
-          <a:prstGeom prst="rect">
-            <a:avLst/>
-          </a:prstGeom>
-          <a:noFill/>
-          <a:ln w="9525">
-            <a:noFill/>
-            <a:miter lim="800000"/>
-            <a:headEnd/>
-            <a:tailEnd/>
-          </a:ln>
-        </p:spPr>
-        <p:txBody>
-          <a:bodyPr anchor="b"/>
-          <a:lstStyle/>
-          <a:p>
-            <a:pPr algn="ctr">
-              <a:lnSpc>
-                <a:spcPct val="70000"/>
-              </a:lnSpc>
-              <a:spcBef>
-                <a:spcPct val="20000"/>
-              </a:spcBef>
-              <a:buSzPct val="100000"/>
-            </a:pPr>
-            <a:r>
-              <a:rPr lang="en-US" sz="2800">
-                <a:latin typeface="Calibri" pitchFamily="34" charset="0"/>
-              </a:rPr>
-              <a:t>Introduction</a:t>
-            </a:r>
-          </a:p>
-          <a:p>
-            <a:pPr algn="ctr">
-              <a:lnSpc>
-                <a:spcPct val="70000"/>
-              </a:lnSpc>
-              <a:spcBef>
-                <a:spcPct val="20000"/>
-              </a:spcBef>
-              <a:buSzPct val="100000"/>
-            </a:pPr>
-            <a:r>
-              <a:rPr lang="en-US" sz="2800">
-                <a:latin typeface="Calibri" pitchFamily="34" charset="0"/>
-              </a:rPr>
-              <a:t>Purpose</a:t>
-            </a:r>
-          </a:p>
-          <a:p>
-            <a:pPr algn="ctr">
-              <a:lnSpc>
-                <a:spcPct val="70000"/>
-              </a:lnSpc>
-              <a:spcBef>
-                <a:spcPct val="20000"/>
-              </a:spcBef>
-              <a:buSzPct val="100000"/>
-            </a:pPr>
-            <a:r>
-              <a:rPr lang="en-US" sz="2800">
-                <a:latin typeface="Calibri" pitchFamily="34" charset="0"/>
-              </a:rPr>
-              <a:t>Accomplishments / Evolution</a:t>
-            </a:r>
-          </a:p>
-          <a:p>
-            <a:pPr algn="ctr">
-              <a:lnSpc>
-                <a:spcPct val="70000"/>
-              </a:lnSpc>
-              <a:spcBef>
-                <a:spcPct val="20000"/>
-              </a:spcBef>
-              <a:buSzPct val="100000"/>
-            </a:pPr>
-            <a:r>
-              <a:rPr lang="en-US" sz="2800">
-                <a:latin typeface="Calibri" pitchFamily="34" charset="0"/>
-              </a:rPr>
-              <a:t>Roll Out</a:t>
-            </a:r>
-          </a:p>
-          <a:p>
-            <a:pPr algn="ctr">
-              <a:lnSpc>
-                <a:spcPct val="70000"/>
-              </a:lnSpc>
-              <a:spcBef>
-                <a:spcPct val="20000"/>
-              </a:spcBef>
-              <a:buSzPct val="100000"/>
-            </a:pPr>
-            <a:r>
-              <a:rPr lang="en-US" sz="2800">
-                <a:latin typeface="Calibri" pitchFamily="34" charset="0"/>
-              </a:rPr>
-              <a:t>Roles &amp; Responsibilities</a:t>
-            </a:r>
-          </a:p>
-          <a:p>
-            <a:pPr algn="ctr">
-              <a:lnSpc>
-                <a:spcPct val="70000"/>
-              </a:lnSpc>
-              <a:spcBef>
-                <a:spcPct val="20000"/>
-              </a:spcBef>
-              <a:buSzPct val="100000"/>
-            </a:pPr>
-            <a:r>
-              <a:rPr lang="en-US" sz="2800">
-                <a:latin typeface="Calibri" pitchFamily="34" charset="0"/>
-              </a:rPr>
-              <a:t>Proposed Timeline</a:t>
-            </a:r>
-          </a:p>
-          <a:p>
-            <a:pPr algn="ctr">
-              <a:lnSpc>
-                <a:spcPct val="70000"/>
-              </a:lnSpc>
-              <a:spcBef>
-                <a:spcPct val="20000"/>
-              </a:spcBef>
-              <a:buSzPct val="100000"/>
-            </a:pPr>
-            <a:r>
-              <a:rPr lang="en-US" sz="2800">
-                <a:latin typeface="Calibri" pitchFamily="34" charset="0"/>
-              </a:rPr>
-              <a:t>Test Execution</a:t>
-            </a:r>
-          </a:p>
-          <a:p>
-            <a:pPr algn="ctr">
-              <a:lnSpc>
-                <a:spcPct val="70000"/>
-              </a:lnSpc>
-              <a:spcBef>
-                <a:spcPct val="20000"/>
-              </a:spcBef>
-              <a:buSzPct val="100000"/>
-            </a:pPr>
-            <a:r>
-              <a:rPr lang="en-US" sz="2800">
-                <a:latin typeface="Calibri" pitchFamily="34" charset="0"/>
-              </a:rPr>
-              <a:t>Testing Types</a:t>
-            </a:r>
-          </a:p>
-          <a:p>
-            <a:pPr algn="ctr">
-              <a:lnSpc>
-                <a:spcPct val="70000"/>
-              </a:lnSpc>
-              <a:spcBef>
-                <a:spcPct val="20000"/>
-              </a:spcBef>
-              <a:buSzPct val="100000"/>
-            </a:pPr>
-            <a:r>
-              <a:rPr lang="en-US" sz="2800">
-                <a:latin typeface="Calibri" pitchFamily="34" charset="0"/>
-              </a:rPr>
-              <a:t>Test Case Numbers</a:t>
-            </a:r>
-          </a:p>
-          <a:p>
-            <a:pPr algn="ctr">
-              <a:lnSpc>
-                <a:spcPct val="70000"/>
-              </a:lnSpc>
-              <a:spcBef>
-                <a:spcPct val="20000"/>
-              </a:spcBef>
-              <a:buSzPct val="100000"/>
-            </a:pPr>
-            <a:r>
-              <a:rPr lang="en-US" sz="2800">
-                <a:latin typeface="Calibri" pitchFamily="34" charset="0"/>
-              </a:rPr>
-              <a:t>Reporting</a:t>
-            </a:r>
-          </a:p>
-          <a:p>
-            <a:pPr algn="ctr">
-              <a:lnSpc>
-                <a:spcPct val="70000"/>
-              </a:lnSpc>
-              <a:spcBef>
-                <a:spcPct val="20000"/>
-              </a:spcBef>
-              <a:buSzPct val="100000"/>
-            </a:pPr>
-            <a:r>
-              <a:rPr lang="en-US" sz="2800">
-                <a:latin typeface="Calibri" pitchFamily="34" charset="0"/>
-              </a:rPr>
-              <a:t>How its built</a:t>
-            </a:r>
-          </a:p>
-          <a:p>
-            <a:pPr algn="ctr">
-              <a:lnSpc>
-                <a:spcPct val="70000"/>
-              </a:lnSpc>
-              <a:spcBef>
-                <a:spcPct val="20000"/>
-              </a:spcBef>
-              <a:buSzPct val="100000"/>
-            </a:pPr>
-            <a:r>
-              <a:rPr lang="en-US" sz="2800">
-                <a:latin typeface="Calibri" pitchFamily="34" charset="0"/>
-              </a:rPr>
-              <a:t>Future</a:t>
-            </a:r>
-          </a:p>
-          <a:p>
-            <a:pPr algn="ctr">
-              <a:lnSpc>
-                <a:spcPct val="70000"/>
-              </a:lnSpc>
-              <a:spcBef>
-                <a:spcPct val="20000"/>
-              </a:spcBef>
-              <a:buSzPct val="100000"/>
-            </a:pPr>
-            <a:r>
-              <a:rPr lang="en-US" sz="2800">
-                <a:latin typeface="Calibri" pitchFamily="34" charset="0"/>
-              </a:rPr>
-              <a:t>Appendix</a:t>
-            </a:r>
+              <a:t> Platform</a:t>
+            </a:r>
+            <a:endParaRPr lang="en-US" sz="5000" dirty="0">
+              <a:solidFill>
+                <a:srgbClr val="128BAD"/>
+              </a:solidFill>
+              <a:latin typeface="Calibri" pitchFamily="34" charset="0"/>
+            </a:endParaRPr>
           </a:p>
         </p:txBody>
       </p:sp>
@@ -2706,630 +2509,6 @@
 </file>
 
 <file path=ppt/slides/slide10.xml><?xml version="1.0" encoding="utf-8"?>
-<p:sld xmlns:a="http://schemas.openxmlformats.org/drawingml/2006/main" xmlns:r="http://schemas.openxmlformats.org/officeDocument/2006/relationships" xmlns:p="http://schemas.openxmlformats.org/presentationml/2006/main">
-  <p:cSld>
-    <p:spTree>
-      <p:nvGrpSpPr>
-        <p:cNvPr id="1" name=""/>
-        <p:cNvGrpSpPr/>
-        <p:nvPr/>
-      </p:nvGrpSpPr>
-      <p:grpSpPr>
-        <a:xfrm>
-          <a:off x="0" y="0"/>
-          <a:ext cx="0" cy="0"/>
-          <a:chOff x="0" y="0"/>
-          <a:chExt cx="0" cy="0"/>
-        </a:xfrm>
-      </p:grpSpPr>
-      <p:sp>
-        <p:nvSpPr>
-          <p:cNvPr id="2" name="Title 1"/>
-          <p:cNvSpPr>
-            <a:spLocks noGrp="1"/>
-          </p:cNvSpPr>
-          <p:nvPr>
-            <p:ph type="title"/>
-          </p:nvPr>
-        </p:nvSpPr>
-        <p:spPr>
-          <a:xfrm>
-            <a:off x="1527175" y="125413"/>
-            <a:ext cx="5238750" cy="1325562"/>
-          </a:xfrm>
-        </p:spPr>
-        <p:txBody>
-          <a:bodyPr rtlCol="0" anchor="t">
-            <a:normAutofit/>
-          </a:bodyPr>
-          <a:lstStyle/>
-          <a:p>
-            <a:pPr algn="ctr" eaLnBrk="1" fontAlgn="auto" hangingPunct="1">
-              <a:spcAft>
-                <a:spcPts val="0"/>
-              </a:spcAft>
-              <a:defRPr/>
-            </a:pPr>
-            <a:r>
-              <a:rPr lang="en-US" dirty="0" smtClean="0">
-                <a:ea typeface="+mj-ea"/>
-              </a:rPr>
-              <a:t>TESTING TYPES  </a:t>
-            </a:r>
-            <a:endParaRPr lang="en-US" dirty="0">
-              <a:solidFill>
-                <a:schemeClr val="bg1">
-                  <a:lumMod val="85000"/>
-                </a:schemeClr>
-              </a:solidFill>
-              <a:ea typeface="+mj-ea"/>
-            </a:endParaRPr>
-          </a:p>
-        </p:txBody>
-      </p:sp>
-      <p:sp>
-        <p:nvSpPr>
-          <p:cNvPr id="3" name="Content Placeholder 2"/>
-          <p:cNvSpPr>
-            <a:spLocks noGrp="1"/>
-          </p:cNvSpPr>
-          <p:nvPr>
-            <p:ph idx="1"/>
-          </p:nvPr>
-        </p:nvSpPr>
-        <p:spPr>
-          <a:xfrm>
-            <a:off x="274638" y="1746250"/>
-            <a:ext cx="8567737" cy="5002213"/>
-          </a:xfrm>
-        </p:spPr>
-        <p:txBody>
-          <a:bodyPr rtlCol="0">
-            <a:normAutofit/>
-          </a:bodyPr>
-          <a:lstStyle/>
-          <a:p>
-            <a:pPr marL="342900" indent="-342900" eaLnBrk="1" fontAlgn="auto" hangingPunct="1">
-              <a:lnSpc>
-                <a:spcPct val="150000"/>
-              </a:lnSpc>
-              <a:spcBef>
-                <a:spcPts val="0"/>
-              </a:spcBef>
-              <a:spcAft>
-                <a:spcPts val="0"/>
-              </a:spcAft>
-              <a:buFont typeface="Arial" panose="020B0604020202020204" pitchFamily="34" charset="0"/>
-              <a:buChar char="•"/>
-              <a:defRPr/>
-            </a:pPr>
-            <a:r>
-              <a:rPr lang="en-US" sz="2000" b="1" dirty="0" smtClean="0">
-                <a:ea typeface="+mn-ea"/>
-              </a:rPr>
-              <a:t>Three primary types of testing</a:t>
-            </a:r>
-          </a:p>
-          <a:p>
-            <a:pPr lvl="1" eaLnBrk="1" fontAlgn="auto" hangingPunct="1">
-              <a:lnSpc>
-                <a:spcPct val="150000"/>
-              </a:lnSpc>
-              <a:spcBef>
-                <a:spcPts val="0"/>
-              </a:spcBef>
-              <a:spcAft>
-                <a:spcPts val="0"/>
-              </a:spcAft>
-              <a:buFont typeface="Arial" panose="020B0604020202020204" pitchFamily="34" charset="0"/>
-              <a:buChar char="•"/>
-              <a:defRPr/>
-            </a:pPr>
-            <a:r>
-              <a:rPr lang="en-US" sz="1800" b="1" dirty="0" smtClean="0">
-                <a:ea typeface="+mn-ea"/>
-              </a:rPr>
-              <a:t>Page level Functional Integration </a:t>
-            </a:r>
-          </a:p>
-          <a:p>
-            <a:pPr lvl="2" eaLnBrk="1" fontAlgn="auto" hangingPunct="1">
-              <a:lnSpc>
-                <a:spcPct val="150000"/>
-              </a:lnSpc>
-              <a:spcBef>
-                <a:spcPts val="0"/>
-              </a:spcBef>
-              <a:spcAft>
-                <a:spcPts val="0"/>
-              </a:spcAft>
-              <a:buFont typeface="Arial" panose="020B0604020202020204" pitchFamily="34" charset="0"/>
-              <a:buChar char="•"/>
-              <a:defRPr/>
-            </a:pPr>
-            <a:r>
-              <a:rPr lang="en-US" sz="1400" b="1" dirty="0" smtClean="0">
-                <a:ea typeface="+mn-ea"/>
-              </a:rPr>
-              <a:t>Complete page element analysis</a:t>
-            </a:r>
-            <a:r>
-              <a:rPr lang="en-US" sz="1400" b="1" dirty="0">
-                <a:ea typeface="+mn-ea"/>
-              </a:rPr>
-              <a:t> </a:t>
-            </a:r>
-            <a:r>
-              <a:rPr lang="en-US" sz="1400" b="1" dirty="0" smtClean="0">
-                <a:ea typeface="+mn-ea"/>
-              </a:rPr>
-              <a:t>across all pages in application</a:t>
-            </a:r>
-          </a:p>
-          <a:p>
-            <a:pPr lvl="2" eaLnBrk="1" fontAlgn="auto" hangingPunct="1">
-              <a:lnSpc>
-                <a:spcPct val="150000"/>
-              </a:lnSpc>
-              <a:spcBef>
-                <a:spcPts val="0"/>
-              </a:spcBef>
-              <a:spcAft>
-                <a:spcPts val="0"/>
-              </a:spcAft>
-              <a:buFont typeface="Arial" panose="020B0604020202020204" pitchFamily="34" charset="0"/>
-              <a:buChar char="•"/>
-              <a:defRPr/>
-            </a:pPr>
-            <a:r>
-              <a:rPr lang="en-US" sz="1400" b="1" dirty="0" smtClean="0">
-                <a:ea typeface="+mn-ea"/>
-              </a:rPr>
-              <a:t>Every Button, Field, Check Box, Link, etc.  Functionally evaluated and error checked</a:t>
-            </a:r>
-          </a:p>
-          <a:p>
-            <a:pPr marL="341313" lvl="1" indent="0" eaLnBrk="1" fontAlgn="auto" hangingPunct="1">
-              <a:lnSpc>
-                <a:spcPct val="150000"/>
-              </a:lnSpc>
-              <a:spcBef>
-                <a:spcPts val="0"/>
-              </a:spcBef>
-              <a:spcAft>
-                <a:spcPts val="0"/>
-              </a:spcAft>
-              <a:buFontTx/>
-              <a:buNone/>
-              <a:defRPr/>
-            </a:pPr>
-            <a:r>
-              <a:rPr lang="en-US" sz="800" b="1" dirty="0" smtClean="0">
-                <a:ea typeface="+mn-ea"/>
-              </a:rPr>
-              <a:t>     </a:t>
-            </a:r>
-          </a:p>
-          <a:p>
-            <a:pPr lvl="1" eaLnBrk="1" fontAlgn="auto" hangingPunct="1">
-              <a:lnSpc>
-                <a:spcPct val="150000"/>
-              </a:lnSpc>
-              <a:spcBef>
-                <a:spcPts val="0"/>
-              </a:spcBef>
-              <a:spcAft>
-                <a:spcPts val="0"/>
-              </a:spcAft>
-              <a:buFont typeface="Arial" panose="020B0604020202020204" pitchFamily="34" charset="0"/>
-              <a:buChar char="•"/>
-              <a:defRPr/>
-            </a:pPr>
-            <a:r>
-              <a:rPr lang="en-US" sz="1800" b="1" dirty="0" smtClean="0">
-                <a:ea typeface="+mn-ea"/>
-              </a:rPr>
-              <a:t>Application level work flow : End to End</a:t>
-            </a:r>
-          </a:p>
-          <a:p>
-            <a:pPr lvl="2" eaLnBrk="1" fontAlgn="auto" hangingPunct="1">
-              <a:lnSpc>
-                <a:spcPct val="150000"/>
-              </a:lnSpc>
-              <a:spcBef>
-                <a:spcPts val="0"/>
-              </a:spcBef>
-              <a:spcAft>
-                <a:spcPts val="0"/>
-              </a:spcAft>
-              <a:buFont typeface="Arial" panose="020B0604020202020204" pitchFamily="34" charset="0"/>
-              <a:buChar char="•"/>
-              <a:defRPr/>
-            </a:pPr>
-            <a:r>
-              <a:rPr lang="en-US" sz="1400" b="1" dirty="0" smtClean="0">
-                <a:ea typeface="+mn-ea"/>
-              </a:rPr>
-              <a:t>Designated user work flow execution pathways</a:t>
-            </a:r>
-          </a:p>
-          <a:p>
-            <a:pPr lvl="2" eaLnBrk="1" fontAlgn="auto" hangingPunct="1">
-              <a:lnSpc>
-                <a:spcPct val="150000"/>
-              </a:lnSpc>
-              <a:spcBef>
-                <a:spcPts val="0"/>
-              </a:spcBef>
-              <a:spcAft>
-                <a:spcPts val="0"/>
-              </a:spcAft>
-              <a:buFont typeface="Arial" panose="020B0604020202020204" pitchFamily="34" charset="0"/>
-              <a:buChar char="•"/>
-              <a:defRPr/>
-            </a:pPr>
-            <a:r>
-              <a:rPr lang="en-US" sz="1400" b="1" dirty="0" smtClean="0">
-                <a:ea typeface="+mn-ea"/>
-              </a:rPr>
-              <a:t>Data driven</a:t>
-            </a:r>
-          </a:p>
-          <a:p>
-            <a:pPr indent="-234950" eaLnBrk="1" fontAlgn="auto" hangingPunct="1">
-              <a:lnSpc>
-                <a:spcPct val="150000"/>
-              </a:lnSpc>
-              <a:spcBef>
-                <a:spcPts val="0"/>
-              </a:spcBef>
-              <a:spcAft>
-                <a:spcPts val="0"/>
-              </a:spcAft>
-              <a:defRPr/>
-            </a:pPr>
-            <a:r>
-              <a:rPr lang="en-US" sz="800" b="1" dirty="0" smtClean="0">
-                <a:ea typeface="+mn-ea"/>
-              </a:rPr>
-              <a:t>   </a:t>
-            </a:r>
-          </a:p>
-          <a:p>
-            <a:pPr lvl="1" eaLnBrk="1" fontAlgn="auto" hangingPunct="1">
-              <a:lnSpc>
-                <a:spcPct val="150000"/>
-              </a:lnSpc>
-              <a:spcBef>
-                <a:spcPts val="0"/>
-              </a:spcBef>
-              <a:spcAft>
-                <a:spcPts val="0"/>
-              </a:spcAft>
-              <a:buFont typeface="Arial" panose="020B0604020202020204" pitchFamily="34" charset="0"/>
-              <a:buChar char="•"/>
-              <a:defRPr/>
-            </a:pPr>
-            <a:r>
-              <a:rPr lang="en-US" sz="1800" b="1" dirty="0" smtClean="0">
-                <a:ea typeface="+mn-ea"/>
-              </a:rPr>
-              <a:t>Micro Service REST APIs</a:t>
-            </a:r>
-          </a:p>
-          <a:p>
-            <a:pPr lvl="2" eaLnBrk="1" fontAlgn="auto" hangingPunct="1">
-              <a:lnSpc>
-                <a:spcPct val="150000"/>
-              </a:lnSpc>
-              <a:spcBef>
-                <a:spcPts val="0"/>
-              </a:spcBef>
-              <a:spcAft>
-                <a:spcPts val="0"/>
-              </a:spcAft>
-              <a:buFont typeface="Arial" panose="020B0604020202020204" pitchFamily="34" charset="0"/>
-              <a:buChar char="•"/>
-              <a:defRPr/>
-            </a:pPr>
-            <a:r>
-              <a:rPr lang="en-US" sz="1400" b="1" dirty="0" smtClean="0">
-                <a:ea typeface="+mn-ea"/>
-              </a:rPr>
-              <a:t>Regression coverage for Micro service REST API Data type &amp; Data range</a:t>
-            </a:r>
-          </a:p>
-          <a:p>
-            <a:pPr lvl="2" eaLnBrk="1" fontAlgn="auto" hangingPunct="1">
-              <a:lnSpc>
-                <a:spcPct val="150000"/>
-              </a:lnSpc>
-              <a:spcBef>
-                <a:spcPts val="0"/>
-              </a:spcBef>
-              <a:spcAft>
-                <a:spcPts val="0"/>
-              </a:spcAft>
-              <a:buFont typeface="Arial" panose="020B0604020202020204" pitchFamily="34" charset="0"/>
-              <a:buChar char="•"/>
-              <a:defRPr/>
-            </a:pPr>
-            <a:r>
-              <a:rPr lang="en-US" sz="1400" b="1" dirty="0" smtClean="0">
-                <a:ea typeface="+mn-ea"/>
-              </a:rPr>
-              <a:t>Functional test use to supply data driven testing in CX Applications</a:t>
-            </a:r>
-            <a:endParaRPr lang="en-US" sz="1400" b="1" dirty="0">
-              <a:ea typeface="+mn-ea"/>
-            </a:endParaRPr>
-          </a:p>
-          <a:p>
-            <a:pPr marL="457206" lvl="1" indent="0" eaLnBrk="1" fontAlgn="auto" hangingPunct="1">
-              <a:lnSpc>
-                <a:spcPct val="110000"/>
-              </a:lnSpc>
-              <a:spcAft>
-                <a:spcPts val="0"/>
-              </a:spcAft>
-              <a:buFontTx/>
-              <a:buNone/>
-              <a:defRPr/>
-            </a:pPr>
-            <a:r>
-              <a:rPr lang="en-US" sz="1600" b="1" dirty="0" smtClean="0">
-                <a:ea typeface="+mn-ea"/>
-              </a:rPr>
-              <a:t>                  </a:t>
-            </a:r>
-          </a:p>
-          <a:p>
-            <a:pPr marL="457206" lvl="1" indent="0" eaLnBrk="1" fontAlgn="auto" hangingPunct="1">
-              <a:lnSpc>
-                <a:spcPct val="110000"/>
-              </a:lnSpc>
-              <a:spcAft>
-                <a:spcPts val="0"/>
-              </a:spcAft>
-              <a:buFontTx/>
-              <a:buNone/>
-              <a:defRPr/>
-            </a:pPr>
-            <a:endParaRPr lang="en-US" sz="1400" b="1" dirty="0">
-              <a:ea typeface="+mn-ea"/>
-            </a:endParaRPr>
-          </a:p>
-        </p:txBody>
-      </p:sp>
-    </p:spTree>
-  </p:cSld>
-  <p:clrMapOvr>
-    <a:masterClrMapping/>
-  </p:clrMapOvr>
-  <p:timing>
-    <p:tnLst>
-      <p:par>
-        <p:cTn id="1" dur="indefinite" restart="never" nodeType="tmRoot"/>
-      </p:par>
-    </p:tnLst>
-  </p:timing>
-</p:sld>
-</file>
-
-<file path=ppt/slides/slide11.xml><?xml version="1.0" encoding="utf-8"?>
-<p:sld xmlns:a="http://schemas.openxmlformats.org/drawingml/2006/main" xmlns:r="http://schemas.openxmlformats.org/officeDocument/2006/relationships" xmlns:p="http://schemas.openxmlformats.org/presentationml/2006/main">
-  <p:cSld>
-    <p:spTree>
-      <p:nvGrpSpPr>
-        <p:cNvPr id="1" name=""/>
-        <p:cNvGrpSpPr/>
-        <p:nvPr/>
-      </p:nvGrpSpPr>
-      <p:grpSpPr>
-        <a:xfrm>
-          <a:off x="0" y="0"/>
-          <a:ext cx="0" cy="0"/>
-          <a:chOff x="0" y="0"/>
-          <a:chExt cx="0" cy="0"/>
-        </a:xfrm>
-      </p:grpSpPr>
-      <p:sp>
-        <p:nvSpPr>
-          <p:cNvPr id="4" name="Title 1">
-            <a:hlinkClick r:id="rId2" action="ppaction://hlinksldjump"/>
-          </p:cNvPr>
-          <p:cNvSpPr txBox="1">
-            <a:spLocks/>
-          </p:cNvSpPr>
-          <p:nvPr/>
-        </p:nvSpPr>
-        <p:spPr>
-          <a:xfrm>
-            <a:off x="368300" y="47625"/>
-            <a:ext cx="312738" cy="287338"/>
-          </a:xfrm>
-          <a:prstGeom prst="rect">
-            <a:avLst/>
-          </a:prstGeom>
-        </p:spPr>
-        <p:txBody>
-          <a:bodyPr>
-            <a:normAutofit fontScale="55000" lnSpcReduction="20000"/>
-          </a:bodyPr>
-          <a:lstStyle>
-            <a:lvl1pPr algn="l" defTabSz="457200" rtl="0" eaLnBrk="1" latinLnBrk="0" hangingPunct="1">
-              <a:spcBef>
-                <a:spcPct val="0"/>
-              </a:spcBef>
-              <a:buNone/>
-              <a:defRPr sz="5000" b="0" i="0" kern="1200">
-                <a:solidFill>
-                  <a:srgbClr val="128BAD"/>
-                </a:solidFill>
-                <a:latin typeface="Calibri Light"/>
-                <a:ea typeface="+mj-ea"/>
-                <a:cs typeface="Calibri Light"/>
-              </a:defRPr>
-            </a:lvl1pPr>
-          </a:lstStyle>
-          <a:p>
-            <a:pPr fontAlgn="auto">
-              <a:spcAft>
-                <a:spcPts val="0"/>
-              </a:spcAft>
-              <a:defRPr/>
-            </a:pPr>
-            <a:endParaRPr lang="en-US" sz="2800" dirty="0">
-              <a:solidFill>
-                <a:schemeClr val="bg1">
-                  <a:lumMod val="95000"/>
-                </a:schemeClr>
-              </a:solidFill>
-            </a:endParaRPr>
-          </a:p>
-        </p:txBody>
-      </p:sp>
-      <p:sp>
-        <p:nvSpPr>
-          <p:cNvPr id="20482" name="Title 7"/>
-          <p:cNvSpPr>
-            <a:spLocks noGrp="1"/>
-          </p:cNvSpPr>
-          <p:nvPr>
-            <p:ph type="title"/>
-          </p:nvPr>
-        </p:nvSpPr>
-        <p:spPr>
-          <a:xfrm>
-            <a:off x="712788" y="109538"/>
-            <a:ext cx="6897687" cy="982662"/>
-          </a:xfrm>
-        </p:spPr>
-        <p:txBody>
-          <a:bodyPr anchor="t"/>
-          <a:lstStyle/>
-          <a:p>
-            <a:pPr algn="ctr" eaLnBrk="1" hangingPunct="1"/>
-            <a:r>
-              <a:rPr lang="en-US" smtClean="0">
-                <a:latin typeface="Calibri Light" pitchFamily="34" charset="0"/>
-                <a:cs typeface="Calibri Light" pitchFamily="34" charset="0"/>
-              </a:rPr>
-              <a:t>TEST CASES NUMBERS</a:t>
-            </a:r>
-          </a:p>
-        </p:txBody>
-      </p:sp>
-      <p:sp>
-        <p:nvSpPr>
-          <p:cNvPr id="20483" name="TextBox 12"/>
-          <p:cNvSpPr txBox="1">
-            <a:spLocks noChangeArrowheads="1"/>
-          </p:cNvSpPr>
-          <p:nvPr/>
-        </p:nvSpPr>
-        <p:spPr bwMode="auto">
-          <a:xfrm>
-            <a:off x="681038" y="1066800"/>
-            <a:ext cx="5618162" cy="3749675"/>
-          </a:xfrm>
-          <a:prstGeom prst="rect">
-            <a:avLst/>
-          </a:prstGeom>
-          <a:noFill/>
-          <a:ln w="9525">
-            <a:noFill/>
-            <a:miter lim="800000"/>
-            <a:headEnd/>
-            <a:tailEnd/>
-          </a:ln>
-        </p:spPr>
-        <p:txBody>
-          <a:bodyPr>
-            <a:spAutoFit/>
-          </a:bodyPr>
-          <a:lstStyle/>
-          <a:p>
-            <a:r>
-              <a:rPr lang="en-US" sz="2000">
-                <a:latin typeface="Calibri" pitchFamily="34" charset="0"/>
-              </a:rPr>
-              <a:t>Test case numbers are a combination of a Phase release, A product under test, and the number of states we are testing against.</a:t>
-            </a:r>
-          </a:p>
-          <a:p>
-            <a:endParaRPr lang="en-US" sz="2000">
-              <a:latin typeface="Calibri" pitchFamily="34" charset="0"/>
-            </a:endParaRPr>
-          </a:p>
-          <a:p>
-            <a:endParaRPr lang="en-US" sz="2000">
-              <a:latin typeface="Calibri" pitchFamily="34" charset="0"/>
-            </a:endParaRPr>
-          </a:p>
-          <a:p>
-            <a:r>
-              <a:rPr lang="en-US" sz="2000">
-                <a:latin typeface="Calibri" pitchFamily="34" charset="0"/>
-              </a:rPr>
-              <a:t>Phase 1 AARP HMO 5 states 	=== 850 tests</a:t>
-            </a:r>
-          </a:p>
-          <a:p>
-            <a:endParaRPr lang="en-US" sz="2000">
-              <a:latin typeface="Calibri" pitchFamily="34" charset="0"/>
-            </a:endParaRPr>
-          </a:p>
-          <a:p>
-            <a:r>
-              <a:rPr lang="en-US" sz="2000">
-                <a:latin typeface="Calibri" pitchFamily="34" charset="0"/>
-              </a:rPr>
-              <a:t>Phase 1 DPPO  X States		=== 1327 tests</a:t>
-            </a:r>
-          </a:p>
-          <a:p>
-            <a:endParaRPr lang="en-US" sz="2000">
-              <a:latin typeface="Calibri" pitchFamily="34" charset="0"/>
-            </a:endParaRPr>
-          </a:p>
-          <a:p>
-            <a:r>
-              <a:rPr lang="en-US" sz="2000">
-                <a:latin typeface="Calibri" pitchFamily="34" charset="0"/>
-              </a:rPr>
-              <a:t>Phase 2 All products All states 	=== 73475 tests.</a:t>
-            </a:r>
-          </a:p>
-          <a:p>
-            <a:endParaRPr lang="en-US" sz="2000">
-              <a:latin typeface="Calibri" pitchFamily="34" charset="0"/>
-            </a:endParaRPr>
-          </a:p>
-          <a:p>
-            <a:endParaRPr lang="en-US" sz="2000">
-              <a:latin typeface="Calibri" pitchFamily="34" charset="0"/>
-            </a:endParaRPr>
-          </a:p>
-        </p:txBody>
-      </p:sp>
-    </p:spTree>
-  </p:cSld>
-  <p:clrMapOvr>
-    <a:masterClrMapping/>
-  </p:clrMapOvr>
-  <p:timing>
-    <p:tnLst>
-      <p:par>
-        <p:cTn id="1" dur="indefinite" restart="never" nodeType="tmRoot"/>
-      </p:par>
-    </p:tnLst>
-  </p:timing>
-</p:sld>
-</file>
-
-<file path=ppt/slides/slide12.xml><?xml version="1.0" encoding="utf-8"?>
 <p:sld xmlns:a="http://schemas.openxmlformats.org/drawingml/2006/main" xmlns:r="http://schemas.openxmlformats.org/officeDocument/2006/relationships" xmlns:p="http://schemas.openxmlformats.org/presentationml/2006/main">
   <p:cSld>
     <p:spTree>
@@ -3593,7 +2772,7 @@
 </p:sld>
 </file>
 
-<file path=ppt/slides/slide13.xml><?xml version="1.0" encoding="utf-8"?>
+<file path=ppt/slides/slide11.xml><?xml version="1.0" encoding="utf-8"?>
 <p:sld xmlns:a="http://schemas.openxmlformats.org/drawingml/2006/main" xmlns:r="http://schemas.openxmlformats.org/officeDocument/2006/relationships" xmlns:p="http://schemas.openxmlformats.org/presentationml/2006/main">
   <p:cSld>
     <p:spTree>
@@ -3833,7 +3012,7 @@
 </p:sld>
 </file>
 
-<file path=ppt/slides/slide14.xml><?xml version="1.0" encoding="utf-8"?>
+<file path=ppt/slides/slide12.xml><?xml version="1.0" encoding="utf-8"?>
 <p:sld xmlns:a="http://schemas.openxmlformats.org/drawingml/2006/main" xmlns:r="http://schemas.openxmlformats.org/officeDocument/2006/relationships" xmlns:p="http://schemas.openxmlformats.org/presentationml/2006/main">
   <p:cSld>
     <p:spTree>
@@ -4154,6 +3333,759 @@
 </p:sld>
 </file>
 
+<file path=ppt/slides/slide13.xml><?xml version="1.0" encoding="utf-8"?>
+<p:sld xmlns:a="http://schemas.openxmlformats.org/drawingml/2006/main" xmlns:r="http://schemas.openxmlformats.org/officeDocument/2006/relationships" xmlns:p="http://schemas.openxmlformats.org/presentationml/2006/main">
+  <p:cSld>
+    <p:spTree>
+      <p:nvGrpSpPr>
+        <p:cNvPr id="1" name=""/>
+        <p:cNvGrpSpPr/>
+        <p:nvPr/>
+      </p:nvGrpSpPr>
+      <p:grpSpPr>
+        <a:xfrm>
+          <a:off x="0" y="0"/>
+          <a:ext cx="0" cy="0"/>
+          <a:chOff x="0" y="0"/>
+          <a:chExt cx="0" cy="0"/>
+        </a:xfrm>
+      </p:grpSpPr>
+      <p:sp>
+        <p:nvSpPr>
+          <p:cNvPr id="25601" name="Title 1"/>
+          <p:cNvSpPr>
+            <a:spLocks noGrp="1"/>
+          </p:cNvSpPr>
+          <p:nvPr>
+            <p:ph type="title"/>
+          </p:nvPr>
+        </p:nvSpPr>
+        <p:spPr>
+          <a:xfrm>
+            <a:off x="3346450" y="142875"/>
+            <a:ext cx="3040063" cy="1325563"/>
+          </a:xfrm>
+        </p:spPr>
+        <p:txBody>
+          <a:bodyPr anchor="t"/>
+          <a:lstStyle/>
+          <a:p>
+            <a:pPr algn="ctr" eaLnBrk="1" hangingPunct="1"/>
+            <a:r>
+              <a:rPr lang="en-US" smtClean="0">
+                <a:latin typeface="Calibri Light" pitchFamily="34" charset="0"/>
+                <a:cs typeface="Calibri Light" pitchFamily="34" charset="0"/>
+              </a:rPr>
+              <a:t>FUTURE</a:t>
+            </a:r>
+          </a:p>
+        </p:txBody>
+      </p:sp>
+      <p:sp>
+        <p:nvSpPr>
+          <p:cNvPr id="25602" name="Content Placeholder 2"/>
+          <p:cNvSpPr>
+            <a:spLocks noGrp="1"/>
+          </p:cNvSpPr>
+          <p:nvPr>
+            <p:ph idx="1"/>
+          </p:nvPr>
+        </p:nvSpPr>
+        <p:spPr>
+          <a:xfrm>
+            <a:off x="274638" y="1825625"/>
+            <a:ext cx="8869362" cy="4351338"/>
+          </a:xfrm>
+        </p:spPr>
+        <p:txBody>
+          <a:bodyPr/>
+          <a:lstStyle/>
+          <a:p>
+            <a:pPr marL="342900" indent="-342900" eaLnBrk="1" hangingPunct="1">
+              <a:buFontTx/>
+              <a:buChar char="•"/>
+            </a:pPr>
+            <a:r>
+              <a:rPr lang="en-US" sz="2000" dirty="0" smtClean="0">
+                <a:latin typeface="Calibri Light" pitchFamily="34" charset="0"/>
+                <a:cs typeface="Calibri Light" pitchFamily="34" charset="0"/>
+              </a:rPr>
+              <a:t>Refactor mid layer commonality.  Move commonality to the bottom Layer. </a:t>
+            </a:r>
+          </a:p>
+          <a:p>
+            <a:pPr marL="919163" lvl="1" indent="-342900" eaLnBrk="1" hangingPunct="1">
+              <a:buFont typeface="Arial" panose="020B0604020202020204" pitchFamily="34" charset="0"/>
+              <a:buChar char="•"/>
+            </a:pPr>
+            <a:r>
+              <a:rPr lang="en-US" sz="1800" dirty="0" smtClean="0">
+                <a:latin typeface="Calibri Light" pitchFamily="34" charset="0"/>
+                <a:cs typeface="Calibri Light" pitchFamily="34" charset="0"/>
+              </a:rPr>
+              <a:t>The smaller the mid layer, the easier to add new capability ( new applications )</a:t>
+            </a:r>
+          </a:p>
+          <a:p>
+            <a:pPr marL="919163" lvl="1" indent="-342900" eaLnBrk="1" hangingPunct="1">
+              <a:buFont typeface="Arial" panose="020B0604020202020204" pitchFamily="34" charset="0"/>
+              <a:buChar char="•"/>
+            </a:pPr>
+            <a:endParaRPr lang="en-US" sz="1800" dirty="0" smtClean="0">
+              <a:latin typeface="Calibri Light" pitchFamily="34" charset="0"/>
+              <a:cs typeface="Calibri Light" pitchFamily="34" charset="0"/>
+            </a:endParaRPr>
+          </a:p>
+          <a:p>
+            <a:pPr marL="342900" indent="-342900" eaLnBrk="1" hangingPunct="1">
+              <a:buFontTx/>
+              <a:buChar char="•"/>
+            </a:pPr>
+            <a:r>
+              <a:rPr lang="en-US" sz="1800" dirty="0" smtClean="0">
+                <a:latin typeface="Calibri Light" pitchFamily="34" charset="0"/>
+                <a:cs typeface="Calibri Light" pitchFamily="34" charset="0"/>
+              </a:rPr>
+              <a:t>Decouple function calls in the upper layer from in the bottom layer and below </a:t>
+            </a:r>
+          </a:p>
+          <a:p>
+            <a:pPr marL="919163" lvl="1" indent="-342900" eaLnBrk="1" hangingPunct="1">
+              <a:buFontTx/>
+              <a:buChar char="•"/>
+            </a:pPr>
+            <a:r>
+              <a:rPr lang="en-US" sz="1800" dirty="0" smtClean="0">
+                <a:latin typeface="Calibri Light" pitchFamily="34" charset="0"/>
+                <a:cs typeface="Calibri Light" pitchFamily="34" charset="0"/>
+              </a:rPr>
+              <a:t>Keep calls to Protractor in the mid Layer ( page Objects )</a:t>
+            </a:r>
+          </a:p>
+          <a:p>
+            <a:pPr marL="919163" lvl="1" indent="-342900" eaLnBrk="1" hangingPunct="1">
+              <a:buFont typeface="Arial" charset="0"/>
+              <a:buChar char="•"/>
+            </a:pPr>
+            <a:r>
+              <a:rPr lang="en-US" sz="1800" dirty="0" smtClean="0">
+                <a:latin typeface="Calibri Light" pitchFamily="34" charset="0"/>
+                <a:cs typeface="Calibri Light" pitchFamily="34" charset="0"/>
+              </a:rPr>
+              <a:t>Work in localized well isolated areas.  Keep the churn away from the dev engineers</a:t>
+            </a:r>
+          </a:p>
+          <a:p>
+            <a:pPr marL="342900" indent="-342900" eaLnBrk="1" hangingPunct="1">
+              <a:buFont typeface="Arial" panose="020B0604020202020204" pitchFamily="34" charset="0"/>
+              <a:buChar char="•"/>
+            </a:pPr>
+            <a:endParaRPr lang="en-US" sz="2000" dirty="0" smtClean="0">
+              <a:latin typeface="Calibri Light" pitchFamily="34" charset="0"/>
+              <a:cs typeface="Calibri Light" pitchFamily="34" charset="0"/>
+            </a:endParaRPr>
+          </a:p>
+          <a:p>
+            <a:pPr marL="342900" indent="-342900" eaLnBrk="1" hangingPunct="1">
+              <a:buFontTx/>
+              <a:buChar char="•"/>
+            </a:pPr>
+            <a:r>
+              <a:rPr lang="en-US" sz="2000" dirty="0" smtClean="0">
+                <a:latin typeface="Calibri Light" pitchFamily="34" charset="0"/>
+                <a:cs typeface="Calibri Light" pitchFamily="34" charset="0"/>
+              </a:rPr>
+              <a:t>Ability to spin up new application</a:t>
+            </a:r>
+          </a:p>
+          <a:p>
+            <a:pPr marL="919163" lvl="1" indent="-342900" eaLnBrk="1" hangingPunct="1">
+              <a:buFont typeface="Arial" panose="020B0604020202020204" pitchFamily="34" charset="0"/>
+              <a:buChar char="•"/>
+            </a:pPr>
+            <a:r>
+              <a:rPr lang="en-US" sz="1600" dirty="0" smtClean="0">
+                <a:latin typeface="Calibri Light" pitchFamily="34" charset="0"/>
+                <a:cs typeface="Calibri Light" pitchFamily="34" charset="0"/>
+              </a:rPr>
+              <a:t>Adding support for new applications can be accomplished in ~10 working Days</a:t>
+            </a:r>
+          </a:p>
+          <a:p>
+            <a:pPr marL="342900" indent="-342900" eaLnBrk="1" hangingPunct="1">
+              <a:buFont typeface="Arial" panose="020B0604020202020204" pitchFamily="34" charset="0"/>
+              <a:buChar char="•"/>
+            </a:pPr>
+            <a:endParaRPr lang="en-US" sz="2000" dirty="0" smtClean="0">
+              <a:latin typeface="Calibri Light" pitchFamily="34" charset="0"/>
+              <a:cs typeface="Calibri Light" pitchFamily="34" charset="0"/>
+            </a:endParaRPr>
+          </a:p>
+          <a:p>
+            <a:pPr marL="342900" indent="-342900" eaLnBrk="1" hangingPunct="1">
+              <a:buFontTx/>
+              <a:buChar char="•"/>
+            </a:pPr>
+            <a:r>
+              <a:rPr lang="en-US" sz="2000" dirty="0" smtClean="0">
+                <a:latin typeface="Calibri Light" pitchFamily="34" charset="0"/>
+                <a:cs typeface="Calibri Light" pitchFamily="34" charset="0"/>
+              </a:rPr>
+              <a:t>Better Reporting</a:t>
+            </a:r>
+          </a:p>
+          <a:p>
+            <a:pPr marL="342900" indent="-342900" eaLnBrk="1" hangingPunct="1">
+              <a:buFontTx/>
+              <a:buChar char="•"/>
+            </a:pPr>
+            <a:endParaRPr lang="en-US" sz="2000" dirty="0" smtClean="0">
+              <a:latin typeface="Calibri Light" pitchFamily="34" charset="0"/>
+              <a:cs typeface="Calibri Light" pitchFamily="34" charset="0"/>
+            </a:endParaRPr>
+          </a:p>
+          <a:p>
+            <a:pPr marL="342900" indent="-342900" eaLnBrk="1" hangingPunct="1">
+              <a:buFontTx/>
+              <a:buChar char="•"/>
+            </a:pPr>
+            <a:r>
+              <a:rPr lang="en-US" sz="2000" dirty="0" smtClean="0">
+                <a:latin typeface="Calibri Light" pitchFamily="34" charset="0"/>
+                <a:cs typeface="Calibri Light" pitchFamily="34" charset="0"/>
+              </a:rPr>
+              <a:t>Test Headless  : Trying to overcome CPU and Memory consumption</a:t>
+            </a:r>
+          </a:p>
+          <a:p>
+            <a:pPr marL="342900" indent="-342900" eaLnBrk="1" hangingPunct="1">
+              <a:buFont typeface="Arial" panose="020B0604020202020204" pitchFamily="34" charset="0"/>
+              <a:buChar char="•"/>
+            </a:pPr>
+            <a:endParaRPr lang="en-US" sz="2000" dirty="0" smtClean="0">
+              <a:latin typeface="Calibri Light" pitchFamily="34" charset="0"/>
+              <a:cs typeface="Calibri Light" pitchFamily="34" charset="0"/>
+            </a:endParaRPr>
+          </a:p>
+          <a:p>
+            <a:pPr marL="342900" indent="-342900" eaLnBrk="1" hangingPunct="1">
+              <a:buFontTx/>
+              <a:buChar char="•"/>
+            </a:pPr>
+            <a:r>
+              <a:rPr lang="en-US" sz="2000" dirty="0" smtClean="0">
+                <a:latin typeface="Calibri Light" pitchFamily="34" charset="0"/>
+                <a:cs typeface="Calibri Light" pitchFamily="34" charset="0"/>
+              </a:rPr>
+              <a:t>Mobile devices</a:t>
+            </a:r>
+          </a:p>
+          <a:p>
+            <a:pPr marL="342900" indent="-342900" eaLnBrk="1" hangingPunct="1"/>
+            <a:endParaRPr lang="en-US" sz="2000" dirty="0" smtClean="0">
+              <a:latin typeface="Calibri Light" pitchFamily="34" charset="0"/>
+              <a:cs typeface="Calibri Light" pitchFamily="34" charset="0"/>
+            </a:endParaRPr>
+          </a:p>
+          <a:p>
+            <a:pPr marL="342900" indent="-342900" eaLnBrk="1" hangingPunct="1"/>
+            <a:endParaRPr lang="en-US" sz="2000" dirty="0" smtClean="0">
+              <a:latin typeface="Calibri Light" pitchFamily="34" charset="0"/>
+              <a:cs typeface="Calibri Light" pitchFamily="34" charset="0"/>
+            </a:endParaRPr>
+          </a:p>
+          <a:p>
+            <a:pPr marL="342900" indent="-342900" eaLnBrk="1" hangingPunct="1"/>
+            <a:endParaRPr lang="en-US" sz="2000" dirty="0" smtClean="0">
+              <a:latin typeface="Calibri Light" pitchFamily="34" charset="0"/>
+              <a:cs typeface="Calibri Light" pitchFamily="34" charset="0"/>
+            </a:endParaRPr>
+          </a:p>
+          <a:p>
+            <a:pPr marL="342900" indent="-342900" eaLnBrk="1" hangingPunct="1"/>
+            <a:endParaRPr lang="en-US" dirty="0" smtClean="0">
+              <a:latin typeface="Calibri Light" pitchFamily="34" charset="0"/>
+              <a:cs typeface="Calibri Light" pitchFamily="34" charset="0"/>
+            </a:endParaRPr>
+          </a:p>
+        </p:txBody>
+      </p:sp>
+    </p:spTree>
+  </p:cSld>
+  <p:clrMapOvr>
+    <a:masterClrMapping/>
+  </p:clrMapOvr>
+  <p:timing>
+    <p:tnLst>
+      <p:par>
+        <p:cTn id="1" dur="indefinite" restart="never" nodeType="tmRoot"/>
+      </p:par>
+    </p:tnLst>
+  </p:timing>
+</p:sld>
+</file>
+
+<file path=ppt/slides/slide14.xml><?xml version="1.0" encoding="utf-8"?>
+<p:sld xmlns:a="http://schemas.openxmlformats.org/drawingml/2006/main" xmlns:r="http://schemas.openxmlformats.org/officeDocument/2006/relationships" xmlns:p="http://schemas.openxmlformats.org/presentationml/2006/main">
+  <p:cSld>
+    <p:spTree>
+      <p:nvGrpSpPr>
+        <p:cNvPr id="1" name=""/>
+        <p:cNvGrpSpPr/>
+        <p:nvPr/>
+      </p:nvGrpSpPr>
+      <p:grpSpPr>
+        <a:xfrm>
+          <a:off x="0" y="0"/>
+          <a:ext cx="0" cy="0"/>
+          <a:chOff x="0" y="0"/>
+          <a:chExt cx="0" cy="0"/>
+        </a:xfrm>
+      </p:grpSpPr>
+      <p:sp>
+        <p:nvSpPr>
+          <p:cNvPr id="15361" name="Title 1"/>
+          <p:cNvSpPr>
+            <a:spLocks noGrp="1"/>
+          </p:cNvSpPr>
+          <p:nvPr>
+            <p:ph type="title"/>
+          </p:nvPr>
+        </p:nvSpPr>
+        <p:spPr>
+          <a:xfrm>
+            <a:off x="1009650" y="128588"/>
+            <a:ext cx="5765800" cy="650875"/>
+          </a:xfrm>
+        </p:spPr>
+        <p:txBody>
+          <a:bodyPr anchor="t"/>
+          <a:lstStyle/>
+          <a:p>
+            <a:pPr algn="ctr" eaLnBrk="1" hangingPunct="1"/>
+            <a:r>
+              <a:rPr lang="en-US" smtClean="0">
+                <a:latin typeface="Calibri Light" pitchFamily="34" charset="0"/>
+                <a:cs typeface="Calibri Light" pitchFamily="34" charset="0"/>
+              </a:rPr>
+              <a:t>ROLL OUT</a:t>
+            </a:r>
+          </a:p>
+        </p:txBody>
+      </p:sp>
+      <p:sp>
+        <p:nvSpPr>
+          <p:cNvPr id="5" name="Content Placeholder 2"/>
+          <p:cNvSpPr>
+            <a:spLocks noGrp="1"/>
+          </p:cNvSpPr>
+          <p:nvPr>
+            <p:ph idx="1"/>
+          </p:nvPr>
+        </p:nvSpPr>
+        <p:spPr>
+          <a:xfrm>
+            <a:off x="282575" y="1795463"/>
+            <a:ext cx="8821738" cy="2238375"/>
+          </a:xfrm>
+        </p:spPr>
+        <p:txBody>
+          <a:bodyPr rtlCol="0">
+            <a:normAutofit/>
+          </a:bodyPr>
+          <a:lstStyle/>
+          <a:p>
+            <a:pPr marL="342900" indent="-342900" eaLnBrk="1" fontAlgn="auto" hangingPunct="1">
+              <a:lnSpc>
+                <a:spcPct val="125000"/>
+              </a:lnSpc>
+              <a:spcAft>
+                <a:spcPts val="0"/>
+              </a:spcAft>
+              <a:buFont typeface="Arial" panose="020B0604020202020204" pitchFamily="34" charset="0"/>
+              <a:buChar char="•"/>
+              <a:defRPr/>
+            </a:pPr>
+            <a:r>
+              <a:rPr lang="en-US" sz="2000" b="1" dirty="0"/>
+              <a:t>NGTA </a:t>
+            </a:r>
+            <a:r>
+              <a:rPr lang="en-US" sz="2000" b="1" dirty="0">
+                <a:ea typeface="+mn-ea"/>
+              </a:rPr>
+              <a:t> </a:t>
+            </a:r>
+            <a:r>
+              <a:rPr lang="en-US" sz="2000" b="1" dirty="0" smtClean="0">
+                <a:ea typeface="+mn-ea"/>
+              </a:rPr>
+              <a:t>rolling </a:t>
+            </a:r>
+            <a:r>
+              <a:rPr lang="en-US" sz="2000" b="1" dirty="0">
+                <a:ea typeface="+mn-ea"/>
+              </a:rPr>
+              <a:t>out </a:t>
+            </a:r>
+            <a:r>
+              <a:rPr lang="en-US" sz="2000" b="1" dirty="0" smtClean="0">
+                <a:ea typeface="+mn-ea"/>
+              </a:rPr>
+              <a:t>first public release of Test </a:t>
+            </a:r>
+            <a:r>
+              <a:rPr lang="en-US" sz="2000" b="1" dirty="0">
+                <a:ea typeface="+mn-ea"/>
+              </a:rPr>
+              <a:t>Automation Framework </a:t>
+            </a:r>
+            <a:endParaRPr lang="en-US" sz="2000" b="1" dirty="0" smtClean="0">
+              <a:ea typeface="+mn-ea"/>
+            </a:endParaRPr>
+          </a:p>
+          <a:p>
+            <a:pPr marL="342900" indent="-342900" eaLnBrk="1" fontAlgn="auto" hangingPunct="1">
+              <a:lnSpc>
+                <a:spcPct val="125000"/>
+              </a:lnSpc>
+              <a:spcAft>
+                <a:spcPts val="0"/>
+              </a:spcAft>
+              <a:buFont typeface="Arial" panose="020B0604020202020204" pitchFamily="34" charset="0"/>
+              <a:buChar char="•"/>
+              <a:defRPr/>
+            </a:pPr>
+            <a:r>
+              <a:rPr lang="en-US" sz="2000" b="1" dirty="0" smtClean="0">
+                <a:ea typeface="+mn-ea"/>
+              </a:rPr>
+              <a:t>Development staff will write </a:t>
+            </a:r>
+            <a:r>
+              <a:rPr lang="en-US" sz="2000" b="1" dirty="0">
+                <a:ea typeface="+mn-ea"/>
+              </a:rPr>
+              <a:t>test automation scripts </a:t>
+            </a:r>
+            <a:r>
+              <a:rPr lang="en-US" sz="2000" b="1" dirty="0" smtClean="0">
+                <a:ea typeface="+mn-ea"/>
+              </a:rPr>
+              <a:t>supporting their work</a:t>
+            </a:r>
+            <a:endParaRPr lang="en-US" sz="2000" b="1" dirty="0">
+              <a:ea typeface="+mn-ea"/>
+            </a:endParaRPr>
+          </a:p>
+          <a:p>
+            <a:pPr marL="919163" lvl="1" indent="-342900" eaLnBrk="1" fontAlgn="auto" hangingPunct="1">
+              <a:lnSpc>
+                <a:spcPct val="125000"/>
+              </a:lnSpc>
+              <a:spcAft>
+                <a:spcPts val="0"/>
+              </a:spcAft>
+              <a:buFont typeface="Arial" panose="020B0604020202020204" pitchFamily="34" charset="0"/>
+              <a:buChar char="•"/>
+              <a:defRPr/>
+            </a:pPr>
+            <a:r>
+              <a:rPr lang="en-US" sz="1400" b="1" dirty="0" smtClean="0">
+                <a:ea typeface="+mn-ea"/>
+              </a:rPr>
+              <a:t>This scripting </a:t>
+            </a:r>
+            <a:r>
+              <a:rPr lang="en-US" sz="1400" b="1" dirty="0">
+                <a:ea typeface="+mn-ea"/>
+              </a:rPr>
+              <a:t>will be page specific feature level integration </a:t>
+            </a:r>
+            <a:r>
+              <a:rPr lang="en-US" sz="1400" b="1" dirty="0" smtClean="0">
+                <a:ea typeface="+mn-ea"/>
+              </a:rPr>
+              <a:t>tests</a:t>
+            </a:r>
+          </a:p>
+          <a:p>
+            <a:pPr marL="919163" lvl="1" indent="-342900" eaLnBrk="1" fontAlgn="auto" hangingPunct="1">
+              <a:lnSpc>
+                <a:spcPct val="125000"/>
+              </a:lnSpc>
+              <a:spcAft>
+                <a:spcPts val="0"/>
+              </a:spcAft>
+              <a:buFont typeface="Arial" panose="020B0604020202020204" pitchFamily="34" charset="0"/>
+              <a:buChar char="•"/>
+              <a:defRPr/>
+            </a:pPr>
+            <a:r>
+              <a:rPr lang="en-US" sz="1400" b="1" dirty="0" smtClean="0">
+                <a:ea typeface="+mn-ea"/>
+              </a:rPr>
+              <a:t>REST API test scripting  covers all basic use and edge case work</a:t>
+            </a:r>
+          </a:p>
+          <a:p>
+            <a:pPr marL="342900" indent="-342900" eaLnBrk="1" fontAlgn="auto" hangingPunct="1">
+              <a:lnSpc>
+                <a:spcPct val="125000"/>
+              </a:lnSpc>
+              <a:spcAft>
+                <a:spcPts val="0"/>
+              </a:spcAft>
+              <a:buFont typeface="Arial" panose="020B0604020202020204" pitchFamily="34" charset="0"/>
+              <a:buChar char="•"/>
+              <a:defRPr/>
+            </a:pPr>
+            <a:r>
+              <a:rPr lang="en-US" sz="2000" b="1" dirty="0"/>
+              <a:t>NGTA </a:t>
+            </a:r>
+            <a:r>
+              <a:rPr lang="en-US" sz="2000" b="1" dirty="0" smtClean="0">
+                <a:ea typeface="+mn-ea"/>
+              </a:rPr>
+              <a:t>team </a:t>
+            </a:r>
+            <a:r>
+              <a:rPr lang="en-US" sz="2000" b="1" dirty="0" smtClean="0">
+                <a:ea typeface="+mn-ea"/>
+              </a:rPr>
+              <a:t>continues with Use Case End </a:t>
+            </a:r>
+            <a:r>
+              <a:rPr lang="en-US" sz="2000" b="1" dirty="0">
+                <a:ea typeface="+mn-ea"/>
+              </a:rPr>
+              <a:t>to End test automation </a:t>
+            </a:r>
+            <a:endParaRPr lang="en-US" sz="2000" b="1" dirty="0" smtClean="0">
+              <a:ea typeface="+mn-ea"/>
+            </a:endParaRPr>
+          </a:p>
+          <a:p>
+            <a:pPr lvl="1" indent="0" eaLnBrk="1" fontAlgn="auto" hangingPunct="1">
+              <a:lnSpc>
+                <a:spcPct val="125000"/>
+              </a:lnSpc>
+              <a:spcAft>
+                <a:spcPts val="0"/>
+              </a:spcAft>
+              <a:buFontTx/>
+              <a:buNone/>
+              <a:defRPr/>
+            </a:pPr>
+            <a:r>
+              <a:rPr lang="en-US" sz="1000" b="1" dirty="0">
+                <a:solidFill>
+                  <a:schemeClr val="bg1">
+                    <a:lumMod val="95000"/>
+                  </a:schemeClr>
+                </a:solidFill>
+                <a:ea typeface="+mn-ea"/>
+              </a:rPr>
+              <a:t>Inclusion of development staff in the automation development process we align our teams much like the rest of the </a:t>
+            </a:r>
+            <a:r>
+              <a:rPr lang="en-US" sz="1000" b="1" dirty="0" smtClean="0">
+                <a:solidFill>
+                  <a:schemeClr val="bg1">
+                    <a:lumMod val="95000"/>
+                  </a:schemeClr>
+                </a:solidFill>
+                <a:ea typeface="+mn-ea"/>
+              </a:rPr>
+              <a:t>industry</a:t>
+            </a:r>
+          </a:p>
+          <a:p>
+            <a:pPr lvl="1" indent="0" eaLnBrk="1" fontAlgn="auto" hangingPunct="1">
+              <a:lnSpc>
+                <a:spcPct val="125000"/>
+              </a:lnSpc>
+              <a:spcAft>
+                <a:spcPts val="0"/>
+              </a:spcAft>
+              <a:buFontTx/>
+              <a:buNone/>
+              <a:defRPr/>
+            </a:pPr>
+            <a:endParaRPr lang="en-US" sz="900" b="1" dirty="0" smtClean="0">
+              <a:ea typeface="+mn-ea"/>
+            </a:endParaRPr>
+          </a:p>
+        </p:txBody>
+      </p:sp>
+      <p:sp>
+        <p:nvSpPr>
+          <p:cNvPr id="15363" name="Title 1"/>
+          <p:cNvSpPr txBox="1">
+            <a:spLocks/>
+          </p:cNvSpPr>
+          <p:nvPr/>
+        </p:nvSpPr>
+        <p:spPr bwMode="auto">
+          <a:xfrm>
+            <a:off x="282575" y="4135438"/>
+            <a:ext cx="4127500" cy="1776412"/>
+          </a:xfrm>
+          <a:prstGeom prst="rect">
+            <a:avLst/>
+          </a:prstGeom>
+          <a:noFill/>
+          <a:ln w="9525">
+            <a:noFill/>
+            <a:miter lim="800000"/>
+            <a:headEnd/>
+            <a:tailEnd/>
+          </a:ln>
+        </p:spPr>
+        <p:txBody>
+          <a:bodyPr/>
+          <a:lstStyle/>
+          <a:p>
+            <a:pPr marL="342900" indent="-342900">
+              <a:lnSpc>
+                <a:spcPct val="125000"/>
+              </a:lnSpc>
+              <a:buFont typeface="Arial" charset="0"/>
+              <a:buChar char="•"/>
+            </a:pPr>
+            <a:r>
+              <a:rPr lang="en-US" sz="2000" b="1" dirty="0" smtClean="0">
+                <a:latin typeface="Calibri Light" pitchFamily="34" charset="0"/>
+              </a:rPr>
+              <a:t>NG</a:t>
+            </a:r>
+            <a:r>
+              <a:rPr lang="en-US" sz="2000" b="1" dirty="0" smtClean="0">
+                <a:latin typeface="Calibri Light" pitchFamily="34" charset="0"/>
+              </a:rPr>
+              <a:t>TA team </a:t>
+            </a:r>
+            <a:r>
+              <a:rPr lang="en-US" sz="2000" b="1" dirty="0">
+                <a:latin typeface="Calibri Light" pitchFamily="34" charset="0"/>
+              </a:rPr>
+              <a:t>continues development of the Test Automation framework</a:t>
+            </a:r>
+          </a:p>
+          <a:p>
+            <a:pPr marL="919163" lvl="1" indent="-342900">
+              <a:lnSpc>
+                <a:spcPct val="125000"/>
+              </a:lnSpc>
+              <a:buFont typeface="Arial" charset="0"/>
+              <a:buChar char="•"/>
+            </a:pPr>
+            <a:r>
+              <a:rPr lang="en-US" sz="1400" b="1" dirty="0">
+                <a:latin typeface="Calibri" pitchFamily="34" charset="0"/>
+              </a:rPr>
+              <a:t>Refactoring the Mid Layer is key to adding more product under test</a:t>
+            </a:r>
+          </a:p>
+        </p:txBody>
+      </p:sp>
+      <p:pic>
+        <p:nvPicPr>
+          <p:cNvPr id="15364" name="Picture 1"/>
+          <p:cNvPicPr>
+            <a:picLocks noChangeAspect="1"/>
+          </p:cNvPicPr>
+          <p:nvPr/>
+        </p:nvPicPr>
+        <p:blipFill>
+          <a:blip r:embed="rId2"/>
+          <a:srcRect/>
+          <a:stretch>
+            <a:fillRect/>
+          </a:stretch>
+        </p:blipFill>
+        <p:spPr bwMode="auto">
+          <a:xfrm>
+            <a:off x="4949825" y="4135438"/>
+            <a:ext cx="3613150" cy="2622550"/>
+          </a:xfrm>
+          <a:prstGeom prst="rect">
+            <a:avLst/>
+          </a:prstGeom>
+          <a:noFill/>
+          <a:ln w="9525">
+            <a:noFill/>
+            <a:miter lim="800000"/>
+            <a:headEnd/>
+            <a:tailEnd/>
+          </a:ln>
+        </p:spPr>
+      </p:pic>
+      <p:sp>
+        <p:nvSpPr>
+          <p:cNvPr id="3" name="Right Arrow 2"/>
+          <p:cNvSpPr/>
+          <p:nvPr/>
+        </p:nvSpPr>
+        <p:spPr>
+          <a:xfrm>
+            <a:off x="1009650" y="5454650"/>
+            <a:ext cx="3940175" cy="457200"/>
+          </a:xfrm>
+          <a:prstGeom prst="rightArrow">
+            <a:avLst>
+              <a:gd name="adj1" fmla="val 45556"/>
+              <a:gd name="adj2" fmla="val 138889"/>
+            </a:avLst>
+          </a:prstGeom>
+        </p:spPr>
+        <p:style>
+          <a:lnRef idx="1">
+            <a:schemeClr val="accent1"/>
+          </a:lnRef>
+          <a:fillRef idx="3">
+            <a:schemeClr val="accent1"/>
+          </a:fillRef>
+          <a:effectRef idx="2">
+            <a:schemeClr val="accent1"/>
+          </a:effectRef>
+          <a:fontRef idx="minor">
+            <a:schemeClr val="lt1"/>
+          </a:fontRef>
+        </p:style>
+        <p:txBody>
+          <a:bodyPr anchor="ctr"/>
+          <a:lstStyle/>
+          <a:p>
+            <a:pPr algn="ctr" fontAlgn="auto">
+              <a:spcBef>
+                <a:spcPts val="0"/>
+              </a:spcBef>
+              <a:spcAft>
+                <a:spcPts val="0"/>
+              </a:spcAft>
+              <a:defRPr/>
+            </a:pPr>
+            <a:endParaRPr lang="en-US"/>
+          </a:p>
+        </p:txBody>
+      </p:sp>
+    </p:spTree>
+  </p:cSld>
+  <p:clrMapOvr>
+    <a:masterClrMapping/>
+  </p:clrMapOvr>
+  <p:timing>
+    <p:tnLst>
+      <p:par>
+        <p:cTn id="1" dur="indefinite" restart="never" nodeType="tmRoot"/>
+      </p:par>
+    </p:tnLst>
+  </p:timing>
+</p:sld>
+</file>
+
 <file path=ppt/slides/slide15.xml><?xml version="1.0" encoding="utf-8"?>
 <p:sld xmlns:a="http://schemas.openxmlformats.org/drawingml/2006/main" xmlns:r="http://schemas.openxmlformats.org/officeDocument/2006/relationships" xmlns:p="http://schemas.openxmlformats.org/presentationml/2006/main">
   <p:cSld>
@@ -4173,7 +4105,7 @@
       </p:grpSpPr>
       <p:sp>
         <p:nvSpPr>
-          <p:cNvPr id="24577" name="Title 1"/>
+          <p:cNvPr id="16385" name="Title 1"/>
           <p:cNvSpPr>
             <a:spLocks noGrp="1"/>
           </p:cNvSpPr>
@@ -4183,8 +4115,8 @@
         </p:nvSpPr>
         <p:spPr>
           <a:xfrm>
-            <a:off x="2130425" y="115888"/>
-            <a:ext cx="4322763" cy="957262"/>
+            <a:off x="1009650" y="779463"/>
+            <a:ext cx="7088188" cy="774700"/>
           </a:xfrm>
         </p:spPr>
         <p:txBody>
@@ -4197,48 +4129,339 @@
                 <a:latin typeface="Calibri Light" pitchFamily="34" charset="0"/>
                 <a:cs typeface="Calibri Light" pitchFamily="34" charset="0"/>
               </a:rPr>
-              <a:t>HOW IT’S BUILT</a:t>
+              <a:t>ROLES &amp; RESPONSIBILITIES</a:t>
             </a:r>
           </a:p>
         </p:txBody>
       </p:sp>
-      <p:pic>
-        <p:nvPicPr>
-          <p:cNvPr id="24578" name="Picture 9">
-            <a:hlinkClick r:id="rId2" action="ppaction://hlinksldjump"/>
-          </p:cNvPr>
-          <p:cNvPicPr>
-            <a:picLocks noChangeAspect="1"/>
-          </p:cNvPicPr>
-          <p:nvPr/>
-        </p:nvPicPr>
-        <p:blipFill>
-          <a:blip r:embed="rId3"/>
-          <a:srcRect/>
-          <a:stretch>
-            <a:fillRect/>
-          </a:stretch>
-        </p:blipFill>
-        <p:spPr bwMode="auto">
-          <a:xfrm>
-            <a:off x="4318000" y="1912938"/>
-            <a:ext cx="4810125" cy="3943350"/>
-          </a:xfrm>
-          <a:prstGeom prst="rect">
-            <a:avLst/>
-          </a:prstGeom>
-          <a:noFill/>
-          <a:ln w="9525">
-            <a:noFill/>
-            <a:miter lim="800000"/>
-            <a:headEnd/>
-            <a:tailEnd/>
-          </a:ln>
-        </p:spPr>
-      </p:pic>
       <p:sp>
         <p:nvSpPr>
-          <p:cNvPr id="24579" name="Title 1"/>
+          <p:cNvPr id="16386" name="Content Placeholder 2"/>
+          <p:cNvSpPr>
+            <a:spLocks noGrp="1"/>
+          </p:cNvSpPr>
+          <p:nvPr>
+            <p:ph idx="1"/>
+          </p:nvPr>
+        </p:nvSpPr>
+        <p:spPr>
+          <a:xfrm>
+            <a:off x="282575" y="1795463"/>
+            <a:ext cx="8821738" cy="5062537"/>
+          </a:xfrm>
+        </p:spPr>
+        <p:txBody>
+          <a:bodyPr/>
+          <a:lstStyle/>
+          <a:p>
+            <a:pPr marL="342900" indent="-342900" eaLnBrk="1" hangingPunct="1">
+              <a:lnSpc>
+                <a:spcPct val="125000"/>
+              </a:lnSpc>
+              <a:buFontTx/>
+              <a:buChar char="•"/>
+            </a:pPr>
+            <a:r>
+              <a:rPr lang="en-US" sz="2000" b="1" dirty="0" smtClean="0">
+                <a:latin typeface="Calibri Light" pitchFamily="34" charset="0"/>
+                <a:cs typeface="Calibri Light" pitchFamily="34" charset="0"/>
+              </a:rPr>
+              <a:t>Shopping &amp; Buying Development Engineers</a:t>
+            </a:r>
+          </a:p>
+          <a:p>
+            <a:pPr marL="919163" lvl="1" indent="-342900" eaLnBrk="1" hangingPunct="1">
+              <a:lnSpc>
+                <a:spcPct val="105000"/>
+              </a:lnSpc>
+              <a:spcBef>
+                <a:spcPct val="0"/>
+              </a:spcBef>
+              <a:buFont typeface="Arial" panose="020B0604020202020204" pitchFamily="34" charset="0"/>
+              <a:buChar char="•"/>
+            </a:pPr>
+            <a:r>
+              <a:rPr lang="en-US" sz="1400" dirty="0" smtClean="0">
+                <a:latin typeface="Calibri Light" pitchFamily="34" charset="0"/>
+                <a:cs typeface="Calibri Light" pitchFamily="34" charset="0"/>
+              </a:rPr>
+              <a:t>Responsible for all new  Page Level Functional Integration Tests</a:t>
+            </a:r>
+          </a:p>
+          <a:p>
+            <a:pPr marL="919163" lvl="1" indent="-342900" eaLnBrk="1" hangingPunct="1">
+              <a:lnSpc>
+                <a:spcPct val="105000"/>
+              </a:lnSpc>
+              <a:spcBef>
+                <a:spcPct val="0"/>
+              </a:spcBef>
+              <a:buFont typeface="Arial" panose="020B0604020202020204" pitchFamily="34" charset="0"/>
+              <a:buChar char="•"/>
+            </a:pPr>
+            <a:r>
+              <a:rPr lang="en-US" sz="1400" dirty="0" smtClean="0">
+                <a:latin typeface="Calibri Light" pitchFamily="34" charset="0"/>
+                <a:cs typeface="Calibri Light" pitchFamily="34" charset="0"/>
+              </a:rPr>
+              <a:t>Responsible for correcting all test failures in  ../fitmp  directory, keeping it completely operational</a:t>
+            </a:r>
+            <a:endParaRPr lang="en-US" sz="1400" b="1" dirty="0" smtClean="0">
+              <a:latin typeface="Calibri Light" pitchFamily="34" charset="0"/>
+              <a:cs typeface="Calibri Light" pitchFamily="34" charset="0"/>
+            </a:endParaRPr>
+          </a:p>
+          <a:p>
+            <a:pPr marL="342900" indent="-342900" eaLnBrk="1" hangingPunct="1">
+              <a:lnSpc>
+                <a:spcPct val="125000"/>
+              </a:lnSpc>
+              <a:buFontTx/>
+              <a:buChar char="•"/>
+            </a:pPr>
+            <a:r>
+              <a:rPr lang="en-US" sz="2000" b="1" dirty="0" smtClean="0">
+                <a:latin typeface="Calibri Light" pitchFamily="34" charset="0"/>
+                <a:cs typeface="Calibri Light" pitchFamily="34" charset="0"/>
+              </a:rPr>
+              <a:t>Provider Directory Development Engineers </a:t>
+            </a:r>
+          </a:p>
+          <a:p>
+            <a:pPr marL="919163" lvl="1" indent="-342900" eaLnBrk="1" hangingPunct="1">
+              <a:lnSpc>
+                <a:spcPct val="105000"/>
+              </a:lnSpc>
+              <a:spcBef>
+                <a:spcPct val="0"/>
+              </a:spcBef>
+              <a:buFont typeface="Arial" panose="020B0604020202020204" pitchFamily="34" charset="0"/>
+              <a:buChar char="•"/>
+            </a:pPr>
+            <a:r>
+              <a:rPr lang="en-US" sz="1400" dirty="0" smtClean="0">
+                <a:latin typeface="Calibri Light" pitchFamily="34" charset="0"/>
+                <a:cs typeface="Calibri Light" pitchFamily="34" charset="0"/>
+              </a:rPr>
+              <a:t>Responsible for all new Template level Functional Integration Tests</a:t>
+            </a:r>
+          </a:p>
+          <a:p>
+            <a:pPr marL="919163" lvl="1" indent="-342900" eaLnBrk="1" hangingPunct="1">
+              <a:lnSpc>
+                <a:spcPct val="105000"/>
+              </a:lnSpc>
+              <a:spcBef>
+                <a:spcPct val="0"/>
+              </a:spcBef>
+              <a:buFont typeface="Arial" panose="020B0604020202020204" pitchFamily="34" charset="0"/>
+              <a:buChar char="•"/>
+            </a:pPr>
+            <a:r>
+              <a:rPr lang="en-US" sz="1400" dirty="0" smtClean="0">
+                <a:latin typeface="Calibri Light" pitchFamily="34" charset="0"/>
+                <a:cs typeface="Calibri Light" pitchFamily="34" charset="0"/>
+              </a:rPr>
+              <a:t>Responsible for correcting all test failures in the  ../fitpd  directory, keeping all test operational</a:t>
+            </a:r>
+          </a:p>
+          <a:p>
+            <a:pPr marL="342900" indent="-342900" eaLnBrk="1" hangingPunct="1">
+              <a:lnSpc>
+                <a:spcPct val="125000"/>
+              </a:lnSpc>
+              <a:buFontTx/>
+              <a:buChar char="•"/>
+            </a:pPr>
+            <a:r>
+              <a:rPr lang="en-US" sz="2000" b="1" dirty="0" smtClean="0">
+                <a:latin typeface="Calibri Light" pitchFamily="34" charset="0"/>
+                <a:cs typeface="Calibri Light" pitchFamily="34" charset="0"/>
+              </a:rPr>
+              <a:t> Core Technology API Team engineers</a:t>
+            </a:r>
+          </a:p>
+          <a:p>
+            <a:pPr marL="919163" lvl="1" indent="-342900" eaLnBrk="1" hangingPunct="1">
+              <a:lnSpc>
+                <a:spcPct val="105000"/>
+              </a:lnSpc>
+              <a:spcBef>
+                <a:spcPct val="0"/>
+              </a:spcBef>
+              <a:buFont typeface="Arial" panose="020B0604020202020204" pitchFamily="34" charset="0"/>
+              <a:buChar char="•"/>
+            </a:pPr>
+            <a:r>
+              <a:rPr lang="en-US" sz="1400" dirty="0" smtClean="0">
+                <a:latin typeface="Calibri Light" pitchFamily="34" charset="0"/>
+                <a:cs typeface="Calibri Light" pitchFamily="34" charset="0"/>
+              </a:rPr>
+              <a:t>Responsible for adding new tests to the REST API regression suite </a:t>
+            </a:r>
+          </a:p>
+          <a:p>
+            <a:pPr marL="919163" lvl="1" indent="-342900" eaLnBrk="1" hangingPunct="1">
+              <a:lnSpc>
+                <a:spcPct val="105000"/>
+              </a:lnSpc>
+              <a:spcBef>
+                <a:spcPct val="0"/>
+              </a:spcBef>
+              <a:buFont typeface="Arial" panose="020B0604020202020204" pitchFamily="34" charset="0"/>
+              <a:buChar char="•"/>
+            </a:pPr>
+            <a:r>
+              <a:rPr lang="en-US" sz="1400" dirty="0" smtClean="0">
+                <a:latin typeface="Calibri Light" pitchFamily="34" charset="0"/>
+                <a:cs typeface="Calibri Light" pitchFamily="34" charset="0"/>
+              </a:rPr>
+              <a:t>Responsible for correcting all test failures in the ../fitapi directory, keeping all test operational</a:t>
+            </a:r>
+          </a:p>
+          <a:p>
+            <a:pPr marL="342900" indent="-342900" eaLnBrk="1" hangingPunct="1">
+              <a:lnSpc>
+                <a:spcPct val="125000"/>
+              </a:lnSpc>
+              <a:buFont typeface="Arial" panose="020B0604020202020204" pitchFamily="34" charset="0"/>
+              <a:buChar char="•"/>
+            </a:pPr>
+            <a:r>
+              <a:rPr lang="en-US" sz="500" b="1" dirty="0" smtClean="0">
+                <a:latin typeface="Calibri Light" pitchFamily="34" charset="0"/>
+                <a:cs typeface="Calibri Light" pitchFamily="34" charset="0"/>
+              </a:rPr>
+              <a:t>             </a:t>
+            </a:r>
+          </a:p>
+          <a:p>
+            <a:pPr marL="342900" indent="-342900" eaLnBrk="1" hangingPunct="1">
+              <a:lnSpc>
+                <a:spcPct val="125000"/>
+              </a:lnSpc>
+              <a:buFontTx/>
+              <a:buChar char="•"/>
+            </a:pPr>
+            <a:r>
+              <a:rPr lang="en-US" sz="2000" b="1" dirty="0"/>
+              <a:t>NGTA </a:t>
+            </a:r>
+            <a:r>
+              <a:rPr lang="en-US" sz="2000" b="1" dirty="0" smtClean="0">
+                <a:latin typeface="Calibri Light" pitchFamily="34" charset="0"/>
+                <a:cs typeface="Calibri Light" pitchFamily="34" charset="0"/>
+              </a:rPr>
+              <a:t>Team </a:t>
+            </a:r>
+            <a:r>
+              <a:rPr lang="en-US" sz="2000" b="1" dirty="0" smtClean="0">
+                <a:latin typeface="Calibri Light" pitchFamily="34" charset="0"/>
+                <a:cs typeface="Calibri Light" pitchFamily="34" charset="0"/>
+              </a:rPr>
+              <a:t>engineers</a:t>
+            </a:r>
+          </a:p>
+          <a:p>
+            <a:pPr marL="919163" lvl="1" indent="-342900" eaLnBrk="1" hangingPunct="1">
+              <a:lnSpc>
+                <a:spcPct val="105000"/>
+              </a:lnSpc>
+              <a:spcBef>
+                <a:spcPct val="0"/>
+              </a:spcBef>
+              <a:buFont typeface="Arial" charset="0"/>
+              <a:buChar char="•"/>
+            </a:pPr>
+            <a:r>
+              <a:rPr lang="en-US" sz="1400" dirty="0" smtClean="0">
+                <a:latin typeface="Calibri Light" pitchFamily="34" charset="0"/>
+                <a:cs typeface="Calibri Light" pitchFamily="34" charset="0"/>
+              </a:rPr>
+              <a:t>Oversee and manage all Framework development. </a:t>
+            </a:r>
+          </a:p>
+          <a:p>
+            <a:pPr marL="919163" lvl="1" indent="-342900" eaLnBrk="1" hangingPunct="1">
+              <a:lnSpc>
+                <a:spcPct val="105000"/>
+              </a:lnSpc>
+              <a:spcBef>
+                <a:spcPct val="0"/>
+              </a:spcBef>
+              <a:buFont typeface="Arial" charset="0"/>
+              <a:buChar char="•"/>
+            </a:pPr>
+            <a:r>
+              <a:rPr lang="en-US" sz="1400" dirty="0" smtClean="0">
+                <a:latin typeface="Calibri Light" pitchFamily="34" charset="0"/>
+                <a:cs typeface="Calibri Light" pitchFamily="34" charset="0"/>
+              </a:rPr>
+              <a:t>Continual frame work improvement, evaluating all need for new coverage</a:t>
+            </a:r>
+          </a:p>
+          <a:p>
+            <a:pPr marL="919163" lvl="1" indent="-342900" eaLnBrk="1" hangingPunct="1">
+              <a:lnSpc>
+                <a:spcPct val="105000"/>
+              </a:lnSpc>
+              <a:spcBef>
+                <a:spcPct val="0"/>
+              </a:spcBef>
+              <a:buFont typeface="Arial" charset="0"/>
+              <a:buChar char="•"/>
+            </a:pPr>
+            <a:r>
+              <a:rPr lang="en-US" sz="1400" dirty="0" smtClean="0">
+                <a:latin typeface="Calibri Light" pitchFamily="34" charset="0"/>
+                <a:cs typeface="Calibri Light" pitchFamily="34" charset="0"/>
+              </a:rPr>
+              <a:t>Continually analyze mid layer code</a:t>
+            </a:r>
+          </a:p>
+          <a:p>
+            <a:pPr marL="919163" lvl="1" indent="-342900" eaLnBrk="1" hangingPunct="1">
+              <a:lnSpc>
+                <a:spcPct val="105000"/>
+              </a:lnSpc>
+              <a:spcBef>
+                <a:spcPct val="0"/>
+              </a:spcBef>
+              <a:buFont typeface="Arial" charset="0"/>
+              <a:buChar char="•"/>
+            </a:pPr>
+            <a:r>
+              <a:rPr lang="en-US" sz="1400" dirty="0" smtClean="0">
+                <a:latin typeface="Calibri Light" pitchFamily="34" charset="0"/>
+                <a:cs typeface="Calibri Light" pitchFamily="34" charset="0"/>
+              </a:rPr>
+              <a:t>Refactor content from mid layer to the lower common layer</a:t>
+            </a:r>
+          </a:p>
+          <a:p>
+            <a:pPr marL="919163" lvl="1" indent="-342900" eaLnBrk="1" hangingPunct="1">
+              <a:lnSpc>
+                <a:spcPct val="105000"/>
+              </a:lnSpc>
+              <a:spcBef>
+                <a:spcPct val="0"/>
+              </a:spcBef>
+              <a:buFont typeface="Arial" charset="0"/>
+              <a:buChar char="•"/>
+            </a:pPr>
+            <a:r>
+              <a:rPr lang="en-US" sz="1400" dirty="0" smtClean="0">
+                <a:latin typeface="Calibri Light" pitchFamily="34" charset="0"/>
+                <a:cs typeface="Calibri Light" pitchFamily="34" charset="0"/>
+              </a:rPr>
+              <a:t>Develop all End to End test automation scripts based on business use cases</a:t>
+            </a:r>
+          </a:p>
+        </p:txBody>
+      </p:sp>
+      <p:sp>
+        <p:nvSpPr>
+          <p:cNvPr id="16387" name="Title 1"/>
           <p:cNvSpPr txBox="1">
             <a:spLocks/>
           </p:cNvSpPr>
@@ -4246,8 +4469,8 @@
         </p:nvSpPr>
         <p:spPr bwMode="auto">
           <a:xfrm>
-            <a:off x="273050" y="944563"/>
-            <a:ext cx="8855075" cy="608012"/>
+            <a:off x="1009650" y="128588"/>
+            <a:ext cx="5765800" cy="650875"/>
           </a:xfrm>
           <a:prstGeom prst="rect">
             <a:avLst/>
@@ -4266,489 +4489,14 @@
           <a:p>
             <a:pPr algn="ctr"/>
             <a:r>
-              <a:rPr lang="en-US" sz="3100" b="1">
+              <a:rPr lang="en-US" sz="5000">
+                <a:solidFill>
+                  <a:srgbClr val="128BAD"/>
+                </a:solidFill>
                 <a:latin typeface="Calibri Light" pitchFamily="34" charset="0"/>
               </a:rPr>
-              <a:t>Git Repo     Node.js     Protractor     JavaScript   Jenkins</a:t>
-            </a:r>
-          </a:p>
-        </p:txBody>
-      </p:sp>
-      <p:sp>
-        <p:nvSpPr>
-          <p:cNvPr id="6" name="Content Placeholder 2"/>
-          <p:cNvSpPr txBox="1">
-            <a:spLocks/>
-          </p:cNvSpPr>
-          <p:nvPr/>
-        </p:nvSpPr>
-        <p:spPr>
-          <a:xfrm>
-            <a:off x="273050" y="1338263"/>
-            <a:ext cx="4162425" cy="5178425"/>
-          </a:xfrm>
-          <a:prstGeom prst="rect">
-            <a:avLst/>
-          </a:prstGeom>
-        </p:spPr>
-        <p:txBody>
-          <a:bodyPr>
-            <a:normAutofit/>
-          </a:bodyPr>
-          <a:lstStyle>
-            <a:lvl1pPr marL="0" indent="0" algn="l" defTabSz="457200" rtl="0" eaLnBrk="1" latinLnBrk="0" hangingPunct="1">
-              <a:lnSpc>
-                <a:spcPct val="80000"/>
-              </a:lnSpc>
-              <a:spcBef>
-                <a:spcPct val="20000"/>
-              </a:spcBef>
-              <a:buSzPct val="100000"/>
-              <a:buFontTx/>
-              <a:buNone/>
-              <a:defRPr sz="2400" b="0" i="0" kern="1200" baseline="0">
-                <a:solidFill>
-                  <a:schemeClr val="tx1"/>
-                </a:solidFill>
-                <a:latin typeface="Calibri Light"/>
-                <a:ea typeface="+mn-ea"/>
-                <a:cs typeface="Calibri Light"/>
-              </a:defRPr>
-            </a:lvl1pPr>
-            <a:lvl2pPr marL="576263" indent="-234950" algn="l" defTabSz="457200" rtl="0" eaLnBrk="1" latinLnBrk="0" hangingPunct="1">
-              <a:lnSpc>
-                <a:spcPct val="80000"/>
-              </a:lnSpc>
-              <a:spcBef>
-                <a:spcPct val="20000"/>
-              </a:spcBef>
-              <a:buSzPct val="100000"/>
-              <a:buFontTx/>
-              <a:buBlip>
-                <a:blip r:embed="rId4"/>
-              </a:buBlip>
-              <a:defRPr sz="2200" b="0" i="0" kern="1200">
-                <a:solidFill>
-                  <a:schemeClr val="tx1"/>
-                </a:solidFill>
-                <a:latin typeface="Calibri Light"/>
-                <a:ea typeface="+mn-ea"/>
-                <a:cs typeface="Calibri Light"/>
-              </a:defRPr>
-            </a:lvl2pPr>
-            <a:lvl3pPr marL="801688" indent="-225425" algn="l" defTabSz="457200" rtl="0" eaLnBrk="1" latinLnBrk="0" hangingPunct="1">
-              <a:lnSpc>
-                <a:spcPct val="80000"/>
-              </a:lnSpc>
-              <a:spcBef>
-                <a:spcPct val="20000"/>
-              </a:spcBef>
-              <a:buSzPct val="100000"/>
-              <a:buFontTx/>
-              <a:buBlip>
-                <a:blip r:embed="rId4"/>
-              </a:buBlip>
-              <a:defRPr sz="2000" b="0" i="0" kern="1200">
-                <a:solidFill>
-                  <a:schemeClr val="tx1"/>
-                </a:solidFill>
-                <a:latin typeface="Calibri Light"/>
-                <a:ea typeface="+mn-ea"/>
-                <a:cs typeface="Calibri Light"/>
-              </a:defRPr>
-            </a:lvl3pPr>
-            <a:lvl4pPr marL="966788" indent="-165100" algn="l" defTabSz="457200" rtl="0" eaLnBrk="1" latinLnBrk="0" hangingPunct="1">
-              <a:lnSpc>
-                <a:spcPct val="80000"/>
-              </a:lnSpc>
-              <a:spcBef>
-                <a:spcPct val="20000"/>
-              </a:spcBef>
-              <a:buSzPct val="100000"/>
-              <a:buFontTx/>
-              <a:buBlip>
-                <a:blip r:embed="rId4"/>
-              </a:buBlip>
-              <a:defRPr sz="1800" b="0" i="0" kern="1200">
-                <a:solidFill>
-                  <a:schemeClr val="tx1"/>
-                </a:solidFill>
-                <a:latin typeface="Calibri Light"/>
-                <a:ea typeface="+mn-ea"/>
-                <a:cs typeface="Calibri Light"/>
-              </a:defRPr>
-            </a:lvl4pPr>
-            <a:lvl5pPr marL="1201738" indent="-176213" algn="l" defTabSz="457200" rtl="0" eaLnBrk="1" latinLnBrk="0" hangingPunct="1">
-              <a:lnSpc>
-                <a:spcPct val="80000"/>
-              </a:lnSpc>
-              <a:spcBef>
-                <a:spcPct val="20000"/>
-              </a:spcBef>
-              <a:buSzPct val="100000"/>
-              <a:buFontTx/>
-              <a:buBlip>
-                <a:blip r:embed="rId4"/>
-              </a:buBlip>
-              <a:defRPr sz="1600" b="0" i="0" kern="1200">
-                <a:solidFill>
-                  <a:schemeClr val="tx1"/>
-                </a:solidFill>
-                <a:latin typeface="Calibri Light"/>
-                <a:ea typeface="+mn-ea"/>
-                <a:cs typeface="Calibri Light"/>
-              </a:defRPr>
-            </a:lvl5pPr>
-            <a:lvl6pPr marL="2514600" indent="-228600" algn="l" defTabSz="457200" rtl="0" eaLnBrk="1" latinLnBrk="0" hangingPunct="1">
-              <a:spcBef>
-                <a:spcPct val="20000"/>
-              </a:spcBef>
-              <a:buFont typeface="Arial"/>
-              <a:buChar char="•"/>
-              <a:defRPr sz="2000" kern="1200">
-                <a:solidFill>
-                  <a:schemeClr val="tx1"/>
-                </a:solidFill>
-                <a:latin typeface="+mn-lt"/>
-                <a:ea typeface="+mn-ea"/>
-                <a:cs typeface="+mn-cs"/>
-              </a:defRPr>
-            </a:lvl6pPr>
-            <a:lvl7pPr marL="2971800" indent="-228600" algn="l" defTabSz="457200" rtl="0" eaLnBrk="1" latinLnBrk="0" hangingPunct="1">
-              <a:spcBef>
-                <a:spcPct val="20000"/>
-              </a:spcBef>
-              <a:buFont typeface="Arial"/>
-              <a:buChar char="•"/>
-              <a:defRPr sz="2000" kern="1200">
-                <a:solidFill>
-                  <a:schemeClr val="tx1"/>
-                </a:solidFill>
-                <a:latin typeface="+mn-lt"/>
-                <a:ea typeface="+mn-ea"/>
-                <a:cs typeface="+mn-cs"/>
-              </a:defRPr>
-            </a:lvl7pPr>
-            <a:lvl8pPr marL="3429000" indent="-228600" algn="l" defTabSz="457200" rtl="0" eaLnBrk="1" latinLnBrk="0" hangingPunct="1">
-              <a:spcBef>
-                <a:spcPct val="20000"/>
-              </a:spcBef>
-              <a:buFont typeface="Arial"/>
-              <a:buChar char="•"/>
-              <a:defRPr sz="2000" kern="1200">
-                <a:solidFill>
-                  <a:schemeClr val="tx1"/>
-                </a:solidFill>
-                <a:latin typeface="+mn-lt"/>
-                <a:ea typeface="+mn-ea"/>
-                <a:cs typeface="+mn-cs"/>
-              </a:defRPr>
-            </a:lvl8pPr>
-            <a:lvl9pPr marL="3886200" indent="-228600" algn="l" defTabSz="457200" rtl="0" eaLnBrk="1" latinLnBrk="0" hangingPunct="1">
-              <a:spcBef>
-                <a:spcPct val="20000"/>
-              </a:spcBef>
-              <a:buFont typeface="Arial"/>
-              <a:buChar char="•"/>
-              <a:defRPr sz="2000" kern="1200">
-                <a:solidFill>
-                  <a:schemeClr val="tx1"/>
-                </a:solidFill>
-                <a:latin typeface="+mn-lt"/>
-                <a:ea typeface="+mn-ea"/>
-                <a:cs typeface="+mn-cs"/>
-              </a:defRPr>
-            </a:lvl9pPr>
-          </a:lstStyle>
-          <a:p>
-            <a:pPr fontAlgn="auto">
-              <a:spcAft>
-                <a:spcPts val="0"/>
-              </a:spcAft>
-              <a:defRPr/>
-            </a:pPr>
-            <a:r>
-              <a:rPr lang="en-US" sz="600" dirty="0" smtClean="0"/>
-              <a:t>       </a:t>
-            </a:r>
-          </a:p>
-          <a:p>
-            <a:pPr algn="ctr" fontAlgn="auto">
-              <a:spcAft>
-                <a:spcPts val="0"/>
-              </a:spcAft>
-              <a:defRPr/>
-            </a:pPr>
-            <a:r>
-              <a:rPr lang="en-US" dirty="0" smtClean="0"/>
-              <a:t>Framework is Class</a:t>
-            </a:r>
-          </a:p>
-          <a:p>
-            <a:pPr algn="ctr" fontAlgn="auto">
-              <a:spcAft>
-                <a:spcPts val="0"/>
-              </a:spcAft>
-              <a:defRPr/>
-            </a:pPr>
-            <a:r>
-              <a:rPr lang="en-US" dirty="0" smtClean="0"/>
-              <a:t>Object based</a:t>
-            </a:r>
-          </a:p>
-          <a:p>
-            <a:pPr fontAlgn="auto">
-              <a:spcAft>
-                <a:spcPts val="0"/>
-              </a:spcAft>
-              <a:defRPr/>
-            </a:pPr>
-            <a:r>
-              <a:rPr lang="en-US" sz="1600" dirty="0" smtClean="0"/>
-              <a:t>      </a:t>
-            </a:r>
-          </a:p>
-          <a:p>
-            <a:pPr fontAlgn="auto">
-              <a:lnSpc>
-                <a:spcPct val="100000"/>
-              </a:lnSpc>
-              <a:spcBef>
-                <a:spcPts val="0"/>
-              </a:spcBef>
-              <a:spcAft>
-                <a:spcPts val="0"/>
-              </a:spcAft>
-              <a:buFont typeface="Arial" panose="020B0604020202020204" pitchFamily="34" charset="0"/>
-              <a:buChar char="•"/>
-              <a:defRPr/>
-            </a:pPr>
-            <a:r>
-              <a:rPr lang="en-US" sz="2000" b="1" dirty="0"/>
-              <a:t>Core base level </a:t>
-            </a:r>
-            <a:r>
-              <a:rPr lang="en-US" sz="2000" dirty="0"/>
-              <a:t>classes </a:t>
-            </a:r>
-            <a:r>
-              <a:rPr lang="en-US" sz="2000" dirty="0" smtClean="0"/>
-              <a:t>define    </a:t>
-            </a:r>
-            <a:r>
-              <a:rPr lang="en-US" sz="2000" dirty="0" smtClean="0">
-                <a:solidFill>
-                  <a:schemeClr val="bg1"/>
-                </a:solidFill>
-              </a:rPr>
-              <a:t> …</a:t>
-            </a:r>
-            <a:r>
-              <a:rPr lang="en-US" sz="2000" dirty="0" smtClean="0"/>
-              <a:t>common components, Fields, </a:t>
-            </a:r>
-            <a:r>
-              <a:rPr lang="en-US" sz="2000" dirty="0" smtClean="0">
-                <a:solidFill>
-                  <a:schemeClr val="bg1"/>
-                </a:solidFill>
-              </a:rPr>
-              <a:t>…</a:t>
-            </a:r>
-            <a:r>
-              <a:rPr lang="en-US" sz="2000" dirty="0" smtClean="0"/>
-              <a:t>Buttons, Links</a:t>
-            </a:r>
-          </a:p>
-          <a:p>
-            <a:pPr indent="-234950" fontAlgn="auto">
-              <a:lnSpc>
-                <a:spcPct val="100000"/>
-              </a:lnSpc>
-              <a:spcBef>
-                <a:spcPts val="0"/>
-              </a:spcBef>
-              <a:spcAft>
-                <a:spcPts val="0"/>
-              </a:spcAft>
-              <a:defRPr/>
-            </a:pPr>
-            <a:r>
-              <a:rPr lang="en-US" sz="2000" dirty="0" smtClean="0"/>
-              <a:t>           </a:t>
-            </a:r>
-          </a:p>
-          <a:p>
-            <a:pPr fontAlgn="auto">
-              <a:lnSpc>
-                <a:spcPct val="100000"/>
-              </a:lnSpc>
-              <a:spcBef>
-                <a:spcPts val="0"/>
-              </a:spcBef>
-              <a:spcAft>
-                <a:spcPts val="0"/>
-              </a:spcAft>
-              <a:buFont typeface="Arial" panose="020B0604020202020204" pitchFamily="34" charset="0"/>
-              <a:buChar char="•"/>
-              <a:defRPr/>
-            </a:pPr>
-            <a:r>
-              <a:rPr lang="en-US" sz="2000" b="1" dirty="0" smtClean="0"/>
-              <a:t>Mid Level</a:t>
-            </a:r>
-            <a:r>
-              <a:rPr lang="en-US" sz="2000" dirty="0" smtClean="0"/>
-              <a:t>: Specific to an Application, </a:t>
-            </a:r>
-            <a:r>
-              <a:rPr lang="en-US" sz="2000" dirty="0" smtClean="0">
-                <a:solidFill>
-                  <a:schemeClr val="bg1"/>
-                </a:solidFill>
-              </a:rPr>
-              <a:t>...</a:t>
-            </a:r>
-            <a:r>
-              <a:rPr lang="en-US" sz="2000" dirty="0" smtClean="0"/>
-              <a:t>Collections of bases classes to </a:t>
-            </a:r>
-            <a:r>
-              <a:rPr lang="en-US" sz="2000" dirty="0" smtClean="0">
-                <a:solidFill>
-                  <a:schemeClr val="bg1"/>
-                </a:solidFill>
-              </a:rPr>
-              <a:t>...</a:t>
-            </a:r>
-            <a:r>
-              <a:rPr lang="en-US" sz="2000" dirty="0" smtClean="0"/>
-              <a:t>perform Application page specific </a:t>
-            </a:r>
-            <a:r>
-              <a:rPr lang="en-US" sz="2000" dirty="0" smtClean="0">
-                <a:solidFill>
-                  <a:schemeClr val="bg1"/>
-                </a:solidFill>
-              </a:rPr>
-              <a:t>…</a:t>
-            </a:r>
-            <a:r>
-              <a:rPr lang="en-US" sz="2000" dirty="0" smtClean="0"/>
-              <a:t>action</a:t>
-            </a:r>
-          </a:p>
-          <a:p>
-            <a:pPr indent="-234950" fontAlgn="auto">
-              <a:lnSpc>
-                <a:spcPct val="100000"/>
-              </a:lnSpc>
-              <a:spcBef>
-                <a:spcPts val="0"/>
-              </a:spcBef>
-              <a:spcAft>
-                <a:spcPts val="0"/>
-              </a:spcAft>
-              <a:defRPr/>
-            </a:pPr>
-            <a:r>
-              <a:rPr lang="en-US" sz="900" dirty="0" smtClean="0"/>
-              <a:t>   </a:t>
-            </a:r>
-          </a:p>
-          <a:p>
-            <a:pPr fontAlgn="auto">
-              <a:lnSpc>
-                <a:spcPct val="100000"/>
-              </a:lnSpc>
-              <a:spcBef>
-                <a:spcPts val="0"/>
-              </a:spcBef>
-              <a:spcAft>
-                <a:spcPts val="0"/>
-              </a:spcAft>
-              <a:buFont typeface="Arial" panose="020B0604020202020204" pitchFamily="34" charset="0"/>
-              <a:buChar char="•"/>
-              <a:defRPr/>
-            </a:pPr>
-            <a:r>
-              <a:rPr lang="en-US" sz="2000" b="1" dirty="0"/>
-              <a:t>Script</a:t>
-            </a:r>
-            <a:r>
-              <a:rPr lang="en-US" sz="2000" dirty="0"/>
-              <a:t> </a:t>
-            </a:r>
-            <a:r>
-              <a:rPr lang="en-US" sz="2000" dirty="0" smtClean="0"/>
-              <a:t>Collection of actions specific to</a:t>
-            </a:r>
-            <a:r>
-              <a:rPr lang="en-US" sz="2000" dirty="0" smtClean="0">
-                <a:solidFill>
-                  <a:schemeClr val="bg1"/>
-                </a:solidFill>
-              </a:rPr>
-              <a:t> …</a:t>
-            </a:r>
-            <a:r>
-              <a:rPr lang="en-US" sz="2000" dirty="0" smtClean="0"/>
-              <a:t>test actions and </a:t>
-            </a:r>
-            <a:r>
-              <a:rPr lang="en-US" sz="2000" dirty="0"/>
-              <a:t>methods build up </a:t>
-            </a:r>
-            <a:r>
-              <a:rPr lang="en-US" sz="2000" dirty="0" smtClean="0">
-                <a:solidFill>
-                  <a:schemeClr val="bg1"/>
-                </a:solidFill>
-              </a:rPr>
-              <a:t>…</a:t>
-            </a:r>
-            <a:r>
-              <a:rPr lang="en-US" sz="2000" dirty="0" smtClean="0"/>
-              <a:t>from </a:t>
-            </a:r>
-            <a:r>
-              <a:rPr lang="en-US" sz="2000" dirty="0"/>
-              <a:t>Core &amp; Mid Layer components</a:t>
-            </a:r>
-          </a:p>
-          <a:p>
-            <a:pPr marL="341313" lvl="1" indent="0" fontAlgn="auto">
-              <a:lnSpc>
-                <a:spcPct val="100000"/>
-              </a:lnSpc>
-              <a:spcBef>
-                <a:spcPts val="0"/>
-              </a:spcBef>
-              <a:spcAft>
-                <a:spcPts val="0"/>
-              </a:spcAft>
-              <a:buFontTx/>
-              <a:buNone/>
-              <a:defRPr/>
-            </a:pPr>
-            <a:endParaRPr lang="en-US" sz="1800" dirty="0" smtClean="0"/>
-          </a:p>
-          <a:p>
-            <a:pPr lvl="1" fontAlgn="auto">
-              <a:lnSpc>
-                <a:spcPct val="100000"/>
-              </a:lnSpc>
-              <a:spcBef>
-                <a:spcPts val="0"/>
-              </a:spcBef>
-              <a:spcAft>
-                <a:spcPts val="0"/>
-              </a:spcAft>
-              <a:buFont typeface="Arial" panose="020B0604020202020204" pitchFamily="34" charset="0"/>
-              <a:buChar char="•"/>
-              <a:defRPr/>
-            </a:pPr>
-            <a:endParaRPr lang="en-US" sz="1800" b="1" dirty="0"/>
+              <a:t>ROLL OUT</a:t>
+            </a:r>
           </a:p>
         </p:txBody>
       </p:sp>
@@ -4786,7 +4534,7 @@
       </p:grpSpPr>
       <p:sp>
         <p:nvSpPr>
-          <p:cNvPr id="25601" name="Title 1"/>
+          <p:cNvPr id="2" name="Title 1"/>
           <p:cNvSpPr>
             <a:spLocks noGrp="1"/>
           </p:cNvSpPr>
@@ -4796,28 +4544,42 @@
         </p:nvSpPr>
         <p:spPr>
           <a:xfrm>
-            <a:off x="3346450" y="142875"/>
-            <a:ext cx="3040063" cy="1325563"/>
+            <a:off x="1009650" y="779463"/>
+            <a:ext cx="6356350" cy="866775"/>
           </a:xfrm>
         </p:spPr>
         <p:txBody>
-          <a:bodyPr anchor="t"/>
+          <a:bodyPr rtlCol="0" anchor="t">
+            <a:normAutofit/>
+          </a:bodyPr>
           <a:lstStyle/>
           <a:p>
-            <a:pPr algn="ctr" eaLnBrk="1" hangingPunct="1"/>
-            <a:r>
-              <a:rPr lang="en-US" smtClean="0">
-                <a:latin typeface="Calibri Light" pitchFamily="34" charset="0"/>
-                <a:cs typeface="Calibri Light" pitchFamily="34" charset="0"/>
-              </a:rPr>
-              <a:t>FUTURE</a:t>
-            </a:r>
+            <a:pPr algn="ctr" eaLnBrk="1" fontAlgn="auto" hangingPunct="1">
+              <a:spcAft>
+                <a:spcPts val="0"/>
+              </a:spcAft>
+              <a:defRPr/>
+            </a:pPr>
+            <a:r>
+              <a:rPr lang="en-US" dirty="0" smtClean="0">
+                <a:ea typeface="+mj-ea"/>
+              </a:rPr>
+              <a:t>PROPOSED TIME LINE</a:t>
+            </a:r>
+            <a:endParaRPr lang="en-US" dirty="0">
+              <a:solidFill>
+                <a:schemeClr val="bg1">
+                  <a:lumMod val="85000"/>
+                </a:schemeClr>
+              </a:solidFill>
+              <a:ea typeface="+mj-ea"/>
+            </a:endParaRPr>
           </a:p>
         </p:txBody>
       </p:sp>
       <p:sp>
         <p:nvSpPr>
-          <p:cNvPr id="25602" name="Content Placeholder 2"/>
+          <p:cNvPr id="17410" name="Content Placeholder 2"/>
           <p:cNvSpPr>
             <a:spLocks noGrp="1"/>
           </p:cNvSpPr>
@@ -4827,8 +4589,8 @@
         </p:nvSpPr>
         <p:spPr>
           <a:xfrm>
-            <a:off x="274638" y="1825625"/>
-            <a:ext cx="8869362" cy="4351338"/>
+            <a:off x="285750" y="1827213"/>
+            <a:ext cx="8567738" cy="4868862"/>
           </a:xfrm>
         </p:spPr>
         <p:txBody>
@@ -4836,196 +4598,293 @@
           <a:lstStyle/>
           <a:p>
             <a:pPr marL="342900" indent="-342900" eaLnBrk="1" hangingPunct="1">
+              <a:lnSpc>
+                <a:spcPct val="110000"/>
+              </a:lnSpc>
+              <a:spcBef>
+                <a:spcPct val="0"/>
+              </a:spcBef>
               <a:buFontTx/>
               <a:buChar char="•"/>
             </a:pPr>
             <a:r>
-              <a:rPr lang="en-US" sz="2000" smtClean="0">
+              <a:rPr lang="en-US" sz="2000" b="1" dirty="0" smtClean="0">
                 <a:latin typeface="Calibri Light" pitchFamily="34" charset="0"/>
                 <a:cs typeface="Calibri Light" pitchFamily="34" charset="0"/>
               </a:rPr>
-              <a:t>Refactor mid layer commonality.  Move commonality to the bottom Layer. </a:t>
-            </a:r>
-          </a:p>
-          <a:p>
-            <a:pPr marL="919163" lvl="1" indent="-342900" eaLnBrk="1" hangingPunct="1"/>
-            <a:r>
-              <a:rPr lang="en-US" sz="1800" smtClean="0">
+              <a:t>ROLL OUT &amp; ENGINEERING ADOPTION</a:t>
+            </a:r>
+          </a:p>
+          <a:p>
+            <a:pPr lvl="2" eaLnBrk="1" hangingPunct="1">
+              <a:lnSpc>
+                <a:spcPct val="110000"/>
+              </a:lnSpc>
+              <a:spcBef>
+                <a:spcPct val="0"/>
+              </a:spcBef>
+              <a:buFontTx/>
+              <a:buChar char="•"/>
+            </a:pPr>
+            <a:r>
+              <a:rPr lang="en-US" sz="1800" b="1" dirty="0" smtClean="0">
                 <a:latin typeface="Calibri Light" pitchFamily="34" charset="0"/>
                 <a:cs typeface="Calibri Light" pitchFamily="34" charset="0"/>
               </a:rPr>
-              <a:t>The smaller the mid layer, the easier to add new capability ( new applications )</a:t>
-            </a:r>
-          </a:p>
-          <a:p>
-            <a:pPr marL="919163" lvl="1" indent="-342900" eaLnBrk="1" hangingPunct="1"/>
-            <a:endParaRPr lang="en-US" sz="1800" smtClean="0">
+              <a:t>Refactor mid layer, ensure API is uniform</a:t>
+            </a:r>
+          </a:p>
+          <a:p>
+            <a:pPr lvl="2" eaLnBrk="1" hangingPunct="1">
+              <a:lnSpc>
+                <a:spcPct val="110000"/>
+              </a:lnSpc>
+              <a:spcBef>
+                <a:spcPct val="0"/>
+              </a:spcBef>
+              <a:buFontTx/>
+              <a:buChar char="•"/>
+            </a:pPr>
+            <a:r>
+              <a:rPr lang="en-US" sz="1800" b="1" dirty="0" smtClean="0">
+                <a:latin typeface="Calibri Light" pitchFamily="34" charset="0"/>
+                <a:cs typeface="Calibri Light" pitchFamily="34" charset="0"/>
+              </a:rPr>
+              <a:t>Write up training aids, examples of installation and configuration</a:t>
+            </a:r>
+          </a:p>
+          <a:p>
+            <a:pPr lvl="2" eaLnBrk="1" hangingPunct="1">
+              <a:lnSpc>
+                <a:spcPct val="110000"/>
+              </a:lnSpc>
+              <a:spcBef>
+                <a:spcPct val="0"/>
+              </a:spcBef>
+              <a:buFontTx/>
+              <a:buChar char="•"/>
+            </a:pPr>
+            <a:r>
+              <a:rPr lang="en-US" sz="1800" b="1" dirty="0" smtClean="0">
+                <a:latin typeface="Calibri Light" pitchFamily="34" charset="0"/>
+                <a:cs typeface="Calibri Light" pitchFamily="34" charset="0"/>
+              </a:rPr>
+              <a:t>Training staff in the use and operation</a:t>
+            </a:r>
+          </a:p>
+          <a:p>
+            <a:pPr lvl="2" eaLnBrk="1" hangingPunct="1">
+              <a:lnSpc>
+                <a:spcPct val="110000"/>
+              </a:lnSpc>
+              <a:spcBef>
+                <a:spcPct val="0"/>
+              </a:spcBef>
+              <a:buFontTx/>
+              <a:buChar char="•"/>
+            </a:pPr>
+            <a:r>
+              <a:rPr lang="en-US" sz="1800" b="1" dirty="0" smtClean="0">
+                <a:latin typeface="Calibri Light" pitchFamily="34" charset="0"/>
+                <a:cs typeface="Calibri Light" pitchFamily="34" charset="0"/>
+              </a:rPr>
+              <a:t>Test and debug initial installations</a:t>
+            </a:r>
+          </a:p>
+          <a:p>
+            <a:pPr indent="-119063" eaLnBrk="1" hangingPunct="1">
+              <a:lnSpc>
+                <a:spcPct val="110000"/>
+              </a:lnSpc>
+              <a:spcBef>
+                <a:spcPct val="0"/>
+              </a:spcBef>
+            </a:pPr>
+            <a:r>
+              <a:rPr lang="en-US" sz="500" b="1" dirty="0" smtClean="0">
+                <a:latin typeface="Calibri Light" pitchFamily="34" charset="0"/>
+                <a:cs typeface="Calibri Light" pitchFamily="34" charset="0"/>
+              </a:rPr>
+              <a:t>                  </a:t>
+            </a:r>
+          </a:p>
+          <a:p>
+            <a:pPr marL="342900" indent="-342900" eaLnBrk="1" hangingPunct="1">
+              <a:lnSpc>
+                <a:spcPct val="110000"/>
+              </a:lnSpc>
+              <a:spcBef>
+                <a:spcPct val="0"/>
+              </a:spcBef>
+              <a:buFontTx/>
+              <a:buChar char="•"/>
+            </a:pPr>
+            <a:r>
+              <a:rPr lang="en-US" sz="2000" b="1" dirty="0" smtClean="0">
+                <a:latin typeface="Calibri Light" pitchFamily="34" charset="0"/>
+                <a:cs typeface="Calibri Light" pitchFamily="34" charset="0"/>
+              </a:rPr>
+              <a:t>Timing on Roll out	</a:t>
+            </a:r>
+            <a:endParaRPr lang="en-US" sz="2000" b="1" u="sng" dirty="0" smtClean="0">
               <a:latin typeface="Calibri Light" pitchFamily="34" charset="0"/>
               <a:cs typeface="Calibri Light" pitchFamily="34" charset="0"/>
             </a:endParaRPr>
           </a:p>
           <a:p>
-            <a:pPr marL="342900" indent="-342900" eaLnBrk="1" hangingPunct="1">
-              <a:buFontTx/>
-              <a:buChar char="•"/>
-            </a:pPr>
-            <a:r>
-              <a:rPr lang="en-US" sz="1800" smtClean="0">
+            <a:pPr marL="742950" lvl="1" indent="-285750" eaLnBrk="1" hangingPunct="1">
+              <a:lnSpc>
+                <a:spcPct val="110000"/>
+              </a:lnSpc>
+              <a:spcBef>
+                <a:spcPct val="0"/>
+              </a:spcBef>
+              <a:buFont typeface="Arial" panose="020B0604020202020204" pitchFamily="34" charset="0"/>
+              <a:buChar char="•"/>
+            </a:pPr>
+            <a:r>
+              <a:rPr lang="en-US" sz="1800" b="1" dirty="0" smtClean="0">
                 <a:latin typeface="Calibri Light" pitchFamily="34" charset="0"/>
                 <a:cs typeface="Calibri Light" pitchFamily="34" charset="0"/>
               </a:rPr>
-              <a:t>Decouple function calls in the upper layer from in the bottom layer and below </a:t>
-            </a:r>
-          </a:p>
-          <a:p>
-            <a:pPr marL="919163" lvl="1" indent="-342900" eaLnBrk="1" hangingPunct="1">
-              <a:buFontTx/>
-              <a:buChar char="•"/>
-            </a:pPr>
-            <a:r>
-              <a:rPr lang="en-US" sz="1800" smtClean="0">
+              <a:t>Roll out First week April to the Core Tech Team REST API Test Framework</a:t>
+            </a:r>
+          </a:p>
+          <a:p>
+            <a:pPr marL="742950" lvl="1" indent="-285750" eaLnBrk="1" hangingPunct="1">
+              <a:lnSpc>
+                <a:spcPct val="110000"/>
+              </a:lnSpc>
+              <a:spcBef>
+                <a:spcPct val="0"/>
+              </a:spcBef>
+              <a:buFont typeface="Arial" panose="020B0604020202020204" pitchFamily="34" charset="0"/>
+              <a:buChar char="•"/>
+            </a:pPr>
+            <a:r>
+              <a:rPr lang="en-US" sz="1800" b="1" dirty="0" smtClean="0">
                 <a:latin typeface="Calibri Light" pitchFamily="34" charset="0"/>
                 <a:cs typeface="Calibri Light" pitchFamily="34" charset="0"/>
               </a:rPr>
-              <a:t>Keep calls to Protractor in the mid Layer ( page Objects )</a:t>
-            </a:r>
-          </a:p>
-          <a:p>
-            <a:pPr marL="919163" lvl="1" indent="-342900" eaLnBrk="1" hangingPunct="1">
-              <a:buFont typeface="Arial" charset="0"/>
-              <a:buChar char="•"/>
-            </a:pPr>
-            <a:r>
-              <a:rPr lang="en-US" sz="1800" smtClean="0">
+              <a:t>Roll out to Market place team at the end of April</a:t>
+            </a:r>
+          </a:p>
+          <a:p>
+            <a:pPr marL="742950" lvl="1" indent="-285750" eaLnBrk="1" hangingPunct="1">
+              <a:lnSpc>
+                <a:spcPct val="110000"/>
+              </a:lnSpc>
+              <a:spcBef>
+                <a:spcPct val="0"/>
+              </a:spcBef>
+              <a:buFont typeface="Arial" panose="020B0604020202020204" pitchFamily="34" charset="0"/>
+              <a:buChar char="•"/>
+            </a:pPr>
+            <a:r>
+              <a:rPr lang="en-US" sz="1800" b="1" dirty="0" smtClean="0">
                 <a:latin typeface="Calibri Light" pitchFamily="34" charset="0"/>
                 <a:cs typeface="Calibri Light" pitchFamily="34" charset="0"/>
               </a:rPr>
-              <a:t>Work in localized well isolated areas.  Keep the churn away from the dev engineers</a:t>
-            </a:r>
-          </a:p>
-          <a:p>
-            <a:pPr marL="342900" indent="-342900" eaLnBrk="1" hangingPunct="1"/>
-            <a:endParaRPr lang="en-US" sz="2000" smtClean="0">
+              <a:t>Roll out to other teams on first or second week of May</a:t>
+            </a:r>
+            <a:endParaRPr lang="en-US" sz="1000" b="1" dirty="0" smtClean="0">
               <a:latin typeface="Calibri Light" pitchFamily="34" charset="0"/>
               <a:cs typeface="Calibri Light" pitchFamily="34" charset="0"/>
             </a:endParaRPr>
           </a:p>
           <a:p>
-            <a:pPr marL="342900" indent="-342900" eaLnBrk="1" hangingPunct="1">
-              <a:buFontTx/>
-              <a:buChar char="•"/>
-            </a:pPr>
-            <a:r>
-              <a:rPr lang="en-US" sz="2000" smtClean="0">
-                <a:latin typeface="Calibri Light" pitchFamily="34" charset="0"/>
-                <a:cs typeface="Calibri Light" pitchFamily="34" charset="0"/>
-              </a:rPr>
-              <a:t>Ability to spin up new application</a:t>
-            </a:r>
-          </a:p>
-          <a:p>
-            <a:pPr marL="919163" lvl="1" indent="-342900" eaLnBrk="1" hangingPunct="1"/>
-            <a:r>
-              <a:rPr lang="en-US" sz="1600" smtClean="0">
-                <a:latin typeface="Calibri Light" pitchFamily="34" charset="0"/>
-                <a:cs typeface="Calibri Light" pitchFamily="34" charset="0"/>
-              </a:rPr>
-              <a:t>Adding support for new applications can be accomplished in ~10 working Days</a:t>
-            </a:r>
-          </a:p>
-          <a:p>
             <a:pPr marL="342900" indent="-342900" eaLnBrk="1" hangingPunct="1"/>
-            <a:endParaRPr lang="en-US" sz="2000" smtClean="0">
+            <a:endParaRPr lang="en-US" b="1" dirty="0" smtClean="0">
               <a:latin typeface="Calibri Light" pitchFamily="34" charset="0"/>
               <a:cs typeface="Calibri Light" pitchFamily="34" charset="0"/>
             </a:endParaRPr>
           </a:p>
           <a:p>
-            <a:pPr marL="342900" indent="-342900" eaLnBrk="1" hangingPunct="1">
+            <a:pPr marL="457200" lvl="1" indent="0" eaLnBrk="1" hangingPunct="1">
               <a:buFontTx/>
-              <a:buChar char="•"/>
-            </a:pPr>
-            <a:r>
-              <a:rPr lang="en-US" sz="2000" smtClean="0">
+              <a:buNone/>
+            </a:pPr>
+            <a:r>
+              <a:rPr lang="en-US" sz="1400" dirty="0" smtClean="0">
                 <a:latin typeface="Calibri Light" pitchFamily="34" charset="0"/>
                 <a:cs typeface="Calibri Light" pitchFamily="34" charset="0"/>
               </a:rPr>
-              <a:t>Better Reporting</a:t>
-            </a:r>
-          </a:p>
-          <a:p>
-            <a:pPr marL="342900" indent="-342900" eaLnBrk="1" hangingPunct="1">
-              <a:buFontTx/>
-              <a:buChar char="•"/>
-            </a:pPr>
-            <a:endParaRPr lang="en-US" sz="2000" smtClean="0">
-              <a:latin typeface="Calibri Light" pitchFamily="34" charset="0"/>
-              <a:cs typeface="Calibri Light" pitchFamily="34" charset="0"/>
-            </a:endParaRPr>
-          </a:p>
-          <a:p>
-            <a:pPr marL="342900" indent="-342900" eaLnBrk="1" hangingPunct="1">
-              <a:buFontTx/>
-              <a:buChar char="•"/>
-            </a:pPr>
-            <a:r>
-              <a:rPr lang="en-US" sz="2000" smtClean="0">
-                <a:latin typeface="Calibri Light" pitchFamily="34" charset="0"/>
-                <a:cs typeface="Calibri Light" pitchFamily="34" charset="0"/>
-              </a:rPr>
-              <a:t>Test Headless  : Trying to overcome CPU and Memory consumption</a:t>
-            </a:r>
-          </a:p>
-          <a:p>
-            <a:pPr marL="342900" indent="-342900" eaLnBrk="1" hangingPunct="1"/>
-            <a:endParaRPr lang="en-US" sz="2000" smtClean="0">
-              <a:latin typeface="Calibri Light" pitchFamily="34" charset="0"/>
-              <a:cs typeface="Calibri Light" pitchFamily="34" charset="0"/>
-            </a:endParaRPr>
-          </a:p>
-          <a:p>
-            <a:pPr marL="342900" indent="-342900" eaLnBrk="1" hangingPunct="1">
-              <a:buFontTx/>
-              <a:buChar char="•"/>
-            </a:pPr>
-            <a:r>
-              <a:rPr lang="en-US" sz="2000" smtClean="0">
-                <a:latin typeface="Calibri Light" pitchFamily="34" charset="0"/>
-                <a:cs typeface="Calibri Light" pitchFamily="34" charset="0"/>
-              </a:rPr>
-              <a:t>Mobile devices</a:t>
-            </a:r>
-          </a:p>
-          <a:p>
-            <a:pPr marL="342900" indent="-342900" eaLnBrk="1" hangingPunct="1"/>
-            <a:endParaRPr lang="en-US" sz="2000" smtClean="0">
-              <a:latin typeface="Calibri Light" pitchFamily="34" charset="0"/>
-              <a:cs typeface="Calibri Light" pitchFamily="34" charset="0"/>
-            </a:endParaRPr>
-          </a:p>
-          <a:p>
-            <a:pPr marL="342900" indent="-342900" eaLnBrk="1" hangingPunct="1"/>
-            <a:endParaRPr lang="en-US" sz="2000" smtClean="0">
-              <a:latin typeface="Calibri Light" pitchFamily="34" charset="0"/>
-              <a:cs typeface="Calibri Light" pitchFamily="34" charset="0"/>
-            </a:endParaRPr>
-          </a:p>
-          <a:p>
-            <a:pPr marL="342900" indent="-342900" eaLnBrk="1" hangingPunct="1"/>
-            <a:endParaRPr lang="en-US" sz="2000" smtClean="0">
-              <a:latin typeface="Calibri Light" pitchFamily="34" charset="0"/>
-              <a:cs typeface="Calibri Light" pitchFamily="34" charset="0"/>
-            </a:endParaRPr>
-          </a:p>
-          <a:p>
-            <a:pPr marL="342900" indent="-342900" eaLnBrk="1" hangingPunct="1"/>
-            <a:endParaRPr lang="en-US" smtClean="0">
-              <a:latin typeface="Calibri Light" pitchFamily="34" charset="0"/>
-              <a:cs typeface="Calibri Light" pitchFamily="34" charset="0"/>
-            </a:endParaRPr>
+              <a:t>     </a:t>
+            </a:r>
           </a:p>
         </p:txBody>
       </p:sp>
+      <p:sp>
+        <p:nvSpPr>
+          <p:cNvPr id="17411" name="Title 1"/>
+          <p:cNvSpPr txBox="1">
+            <a:spLocks/>
+          </p:cNvSpPr>
+          <p:nvPr/>
+        </p:nvSpPr>
+        <p:spPr bwMode="auto">
+          <a:xfrm>
+            <a:off x="1009650" y="128588"/>
+            <a:ext cx="5765800" cy="650875"/>
+          </a:xfrm>
+          <a:prstGeom prst="rect">
+            <a:avLst/>
+          </a:prstGeom>
+          <a:noFill/>
+          <a:ln w="9525">
+            <a:noFill/>
+            <a:miter lim="800000"/>
+            <a:headEnd/>
+            <a:tailEnd/>
+          </a:ln>
+        </p:spPr>
+        <p:txBody>
+          <a:bodyPr/>
+          <a:lstStyle/>
+          <a:p>
+            <a:pPr algn="ctr"/>
+            <a:r>
+              <a:rPr lang="en-US" sz="5000">
+                <a:solidFill>
+                  <a:srgbClr val="128BAD"/>
+                </a:solidFill>
+                <a:latin typeface="Calibri Light" pitchFamily="34" charset="0"/>
+              </a:rPr>
+              <a:t>ROLL OUT</a:t>
+            </a:r>
+          </a:p>
+        </p:txBody>
+      </p:sp>
+      <p:pic>
+        <p:nvPicPr>
+          <p:cNvPr id="3" name="Picture 2"/>
+          <p:cNvPicPr>
+            <a:picLocks noChangeAspect="1"/>
+          </p:cNvPicPr>
+          <p:nvPr/>
+        </p:nvPicPr>
+        <p:blipFill>
+          <a:blip r:embed="rId2">
+            <a:extLst>
+              <a:ext uri="{28A0092B-C50C-407E-A947-70E740481C1C}">
+                <a14:useLocalDpi xmlns:a14="http://schemas.microsoft.com/office/drawing/2010/main" val="0"/>
+              </a:ext>
+            </a:extLst>
+          </a:blip>
+          <a:stretch>
+            <a:fillRect/>
+          </a:stretch>
+        </p:blipFill>
+        <p:spPr>
+          <a:xfrm>
+            <a:off x="701037" y="4810285"/>
+            <a:ext cx="6020246" cy="1885790"/>
+          </a:xfrm>
+          <a:prstGeom prst="rect">
+            <a:avLst/>
+          </a:prstGeom>
+        </p:spPr>
+      </p:pic>
     </p:spTree>
   </p:cSld>
   <p:clrMapOvr>
@@ -6238,13 +6097,31 @@
               <a:rPr lang="en-US" dirty="0" smtClean="0">
                 <a:ea typeface="+mj-ea"/>
               </a:rPr>
-              <a:t>     CXTA  - </a:t>
+              <a:t>     </a:t>
+            </a:r>
+            <a:r>
+              <a:rPr lang="en-US" dirty="0" smtClean="0">
+                <a:ea typeface="+mj-ea"/>
+              </a:rPr>
+              <a:t>NGTA  </a:t>
+            </a:r>
+            <a:r>
+              <a:rPr lang="en-US" dirty="0" smtClean="0">
+                <a:ea typeface="+mj-ea"/>
+              </a:rPr>
+              <a:t>- </a:t>
+            </a:r>
+            <a:r>
+              <a:rPr lang="en-US" sz="3000" b="1" dirty="0" smtClean="0">
+                <a:ea typeface="+mj-ea"/>
+              </a:rPr>
+              <a:t>Next Generation platform Test </a:t>
             </a:r>
             <a:r>
               <a:rPr lang="en-US" sz="3000" b="1" dirty="0">
                 <a:ea typeface="+mj-ea"/>
               </a:rPr>
-              <a:t>Customer Experience Test Automation</a:t>
+              <a:t>Automation</a:t>
             </a:r>
           </a:p>
         </p:txBody>
@@ -6293,7 +6170,7 @@
             </a:r>
           </a:p>
           <a:p>
-            <a:pPr lvl="1" indent="0" eaLnBrk="1" fontAlgn="auto" hangingPunct="1">
+            <a:pPr marL="747713" lvl="1" indent="-171450" eaLnBrk="1" fontAlgn="auto" hangingPunct="1">
               <a:lnSpc>
                 <a:spcPct val="90000"/>
               </a:lnSpc>
@@ -6303,38 +6180,41 @@
               <a:spcAft>
                 <a:spcPts val="0"/>
               </a:spcAft>
-              <a:buFontTx/>
-              <a:buNone/>
-              <a:defRPr/>
-            </a:pPr>
-            <a:r>
-              <a:rPr lang="en-US" sz="1000" dirty="0" smtClean="0">
-                <a:solidFill>
-                  <a:schemeClr val="bg1">
-                    <a:lumMod val="95000"/>
-                  </a:schemeClr>
-                </a:solidFill>
-                <a:ea typeface="+mn-ea"/>
-              </a:rPr>
-              <a:t>	Node, Protractor, JavaScript, Jenkins</a:t>
-            </a:r>
-          </a:p>
-          <a:p>
-            <a:pPr marL="919163" lvl="1" indent="-342900" eaLnBrk="1" fontAlgn="auto" hangingPunct="1">
-              <a:lnSpc>
-                <a:spcPct val="90000"/>
-              </a:lnSpc>
-              <a:spcBef>
-                <a:spcPts val="0"/>
-              </a:spcBef>
-              <a:spcAft>
-                <a:spcPts val="0"/>
-              </a:spcAft>
               <a:buFont typeface="Arial" panose="020B0604020202020204" pitchFamily="34" charset="0"/>
               <a:buChar char="•"/>
               <a:defRPr/>
             </a:pPr>
-            <a:endParaRPr lang="en-US" sz="1050" dirty="0">
+            <a:r>
+              <a:rPr lang="en-US" sz="1600" b="1" dirty="0" smtClean="0">
+                <a:ea typeface="+mn-ea"/>
+              </a:rPr>
+              <a:t>Node,   </a:t>
+            </a:r>
+            <a:r>
+              <a:rPr lang="en-US" sz="1600" b="1" dirty="0" smtClean="0">
+                <a:ea typeface="+mn-ea"/>
+              </a:rPr>
+              <a:t>Protractor</a:t>
+            </a:r>
+            <a:r>
+              <a:rPr lang="en-US" sz="1600" b="1" dirty="0" smtClean="0">
+                <a:ea typeface="+mn-ea"/>
+              </a:rPr>
+              <a:t>,   </a:t>
+            </a:r>
+            <a:r>
+              <a:rPr lang="en-US" sz="1600" b="1" dirty="0" smtClean="0">
+                <a:ea typeface="+mn-ea"/>
+              </a:rPr>
+              <a:t>JavaScript, </a:t>
+            </a:r>
+            <a:r>
+              <a:rPr lang="en-US" sz="1600" b="1" dirty="0" smtClean="0">
+                <a:ea typeface="+mn-ea"/>
+              </a:rPr>
+              <a:t>  Jenkins</a:t>
+            </a:r>
+            <a:endParaRPr lang="en-US" sz="2000" b="1" dirty="0">
               <a:ea typeface="+mn-ea"/>
             </a:endParaRPr>
           </a:p>
@@ -6376,7 +6256,13 @@
               <a:rPr lang="en-US" sz="2000" b="1" dirty="0" smtClean="0">
                 <a:ea typeface="+mn-ea"/>
               </a:rPr>
-              <a:t>CXTA validates product quality, usability and performance of CX Web Applications</a:t>
+              <a:t>NGTA </a:t>
+            </a:r>
+            <a:r>
+              <a:rPr lang="en-US" sz="2000" b="1" dirty="0" smtClean="0">
+                <a:ea typeface="+mn-ea"/>
+              </a:rPr>
+              <a:t>validates product quality, usability and performance of CX Web Applications</a:t>
             </a:r>
           </a:p>
           <a:p>
@@ -6397,9 +6283,7 @@
             <a:r>
               <a:rPr lang="en-US" sz="800" dirty="0" smtClean="0">
                 <a:solidFill>
-                  <a:schemeClr val="bg1">
-                    <a:lumMod val="95000"/>
-                  </a:schemeClr>
+                  <a:srgbClr val="FF0000"/>
                 </a:solidFill>
                 <a:ea typeface="+mn-ea"/>
               </a:rPr>
@@ -6408,9 +6292,7 @@
             <a:r>
               <a:rPr lang="en-US" sz="1000" dirty="0" smtClean="0">
                 <a:solidFill>
-                  <a:schemeClr val="bg1">
-                    <a:lumMod val="95000"/>
-                  </a:schemeClr>
+                  <a:srgbClr val="FF0000"/>
                 </a:solidFill>
                 <a:ea typeface="+mn-ea"/>
               </a:rPr>
@@ -6471,14 +6353,30 @@
               <a:defRPr/>
             </a:pPr>
             <a:r>
+              <a:rPr lang="en-US" sz="2000" b="1" dirty="0"/>
+              <a:t>NGTA </a:t>
+            </a:r>
+            <a:r>
               <a:rPr lang="en-US" sz="2000" b="1" dirty="0" smtClean="0">
                 <a:ea typeface="+mn-ea"/>
               </a:rPr>
-              <a:t>CXTA validates core functional APIs( micro service API )</a:t>
-            </a:r>
-          </a:p>
-          <a:p>
-            <a:pPr marL="741363" lvl="3" indent="0" eaLnBrk="1" fontAlgn="auto" hangingPunct="1">
+              <a:t>validates </a:t>
+            </a:r>
+            <a:r>
+              <a:rPr lang="en-US" sz="2000" b="1" dirty="0" smtClean="0">
+                <a:ea typeface="+mn-ea"/>
+              </a:rPr>
+              <a:t>core functional APIs( micro service API </a:t>
+            </a:r>
+            <a:r>
+              <a:rPr lang="en-US" sz="2000" b="1" dirty="0" smtClean="0">
+                <a:ea typeface="+mn-ea"/>
+              </a:rPr>
+              <a:t>)</a:t>
+            </a:r>
+          </a:p>
+          <a:p>
+            <a:pPr marL="919163" lvl="1" indent="-342900" eaLnBrk="1" fontAlgn="auto" hangingPunct="1">
               <a:lnSpc>
                 <a:spcPct val="90000"/>
               </a:lnSpc>
@@ -6488,21 +6386,31 @@
               <a:spcAft>
                 <a:spcPts val="0"/>
               </a:spcAft>
-              <a:buFontTx/>
-              <a:buNone/>
-              <a:defRPr/>
-            </a:pPr>
-            <a:r>
-              <a:rPr lang="en-US" sz="1000" dirty="0" smtClean="0">
-                <a:solidFill>
-                  <a:schemeClr val="bg1">
-                    <a:lumMod val="95000"/>
-                  </a:schemeClr>
-                </a:solidFill>
-                <a:ea typeface="+mn-ea"/>
-              </a:rPr>
-              <a:t>	Broker Value, aarp member #, PCP, CMS….. All supported by Microservice Information</a:t>
-            </a:r>
+              <a:buFont typeface="Arial" panose="020B0604020202020204" pitchFamily="34" charset="0"/>
+              <a:buChar char="•"/>
+              <a:defRPr/>
+            </a:pPr>
+            <a:r>
+              <a:rPr lang="en-US" sz="1600" b="1" dirty="0" err="1" smtClean="0">
+                <a:ea typeface="+mn-ea"/>
+              </a:rPr>
+              <a:t>Frisby</a:t>
+            </a:r>
+            <a:r>
+              <a:rPr lang="en-US" sz="1600" b="1" dirty="0" smtClean="0">
+                <a:ea typeface="+mn-ea"/>
+              </a:rPr>
+              <a:t>,    Solar  </a:t>
+            </a:r>
+            <a:r>
+              <a:rPr lang="en-US" sz="1400" b="1" dirty="0" smtClean="0">
+                <a:ea typeface="+mn-ea"/>
+              </a:rPr>
+              <a:t>( Node Modules )</a:t>
+            </a:r>
+            <a:endParaRPr lang="en-US" sz="1400" b="1" dirty="0" smtClean="0">
+              <a:ea typeface="+mn-ea"/>
+            </a:endParaRPr>
           </a:p>
           <a:p>
             <a:pPr marL="342900" indent="-342900" eaLnBrk="1" fontAlgn="auto" hangingPunct="1">
@@ -6520,7 +6428,17 @@
               <a:rPr lang="en-US" sz="2000" b="1" dirty="0" smtClean="0">
                 <a:ea typeface="+mn-ea"/>
               </a:rPr>
-              <a:t>The following provides an explanation of CXTA, our purpose, technologies, philosophies, process, and our evolutionary plans for 2018.</a:t>
+              <a:t>The following provides an explanation of </a:t>
+            </a:r>
+            <a:r>
+              <a:rPr lang="en-US" sz="2000" b="1" dirty="0" smtClean="0"/>
+              <a:t>NGTA </a:t>
+            </a:r>
+            <a:r>
+              <a:rPr lang="en-US" sz="2000" b="1" dirty="0" smtClean="0">
+                <a:ea typeface="+mn-ea"/>
+              </a:rPr>
+              <a:t>, our purpose, technologies, philosophies, process, and our evolutionary plans for 2018.</a:t>
             </a:r>
           </a:p>
           <a:p>
@@ -6694,17 +6612,12 @@
               <a:buNone/>
               <a:defRPr/>
             </a:pPr>
-            <a:r>
-              <a:rPr lang="en-US" sz="1000" dirty="0" smtClean="0">
-                <a:solidFill>
-                  <a:schemeClr val="bg1">
-                    <a:lumMod val="95000"/>
-                  </a:schemeClr>
-                </a:solidFill>
-                <a:ea typeface="+mn-ea"/>
-              </a:rPr>
-              <a:t>Fairly new thinking :  Testing PD and Micro services I realized this was more than just CX shop &amp; buy</a:t>
-            </a:r>
+            <a:endParaRPr lang="en-US" sz="1000" dirty="0" smtClean="0">
+              <a:solidFill>
+                <a:srgbClr val="FF0000"/>
+              </a:solidFill>
+              <a:ea typeface="+mn-ea"/>
+            </a:endParaRPr>
           </a:p>
           <a:p>
             <a:pPr eaLnBrk="1" fontAlgn="auto" hangingPunct="1">
@@ -6713,17 +6626,125 @@
               </a:spcAft>
               <a:defRPr/>
             </a:pPr>
-            <a:r>
-              <a:rPr lang="en-US" sz="2000" dirty="0">
-                <a:solidFill>
-                  <a:schemeClr val="bg1">
-                    <a:lumMod val="95000"/>
-                  </a:schemeClr>
-                </a:solidFill>
-                <a:ea typeface="+mn-ea"/>
-              </a:rPr>
-              <a:t>Our Purpose </a:t>
-            </a:r>
+            <a:endParaRPr lang="en-US" sz="2000" dirty="0">
+              <a:solidFill>
+                <a:srgbClr val="FF0000"/>
+              </a:solidFill>
+              <a:ea typeface="+mn-ea"/>
+            </a:endParaRPr>
+          </a:p>
+          <a:p>
+            <a:pPr marL="342900" indent="-342900" eaLnBrk="1" fontAlgn="auto" hangingPunct="1">
+              <a:spcAft>
+                <a:spcPts val="0"/>
+              </a:spcAft>
+              <a:buFont typeface="Arial" panose="020B0604020202020204" pitchFamily="34" charset="0"/>
+              <a:buChar char="•"/>
+              <a:defRPr/>
+            </a:pPr>
+            <a:r>
+              <a:rPr lang="en-US" sz="2000" b="1" dirty="0" smtClean="0">
+                <a:ea typeface="+mn-ea"/>
+              </a:rPr>
+              <a:t>Design </a:t>
+            </a:r>
+            <a:r>
+              <a:rPr lang="en-US" sz="2000" b="1" dirty="0">
+                <a:ea typeface="+mn-ea"/>
+              </a:rPr>
+              <a:t>with a developmental philosophy that enables seasoned development engineers to create test scripts to validate their own </a:t>
+            </a:r>
+            <a:r>
+              <a:rPr lang="en-US" sz="2000" b="1" dirty="0" smtClean="0">
+                <a:ea typeface="+mn-ea"/>
+              </a:rPr>
+              <a:t>work</a:t>
+            </a:r>
+          </a:p>
+          <a:p>
+            <a:pPr marL="576263" lvl="2" indent="0" eaLnBrk="1" fontAlgn="auto" hangingPunct="1">
+              <a:spcAft>
+                <a:spcPts val="0"/>
+              </a:spcAft>
+              <a:buFontTx/>
+              <a:buNone/>
+              <a:defRPr/>
+            </a:pPr>
+            <a:endParaRPr lang="en-US" sz="1000" dirty="0" smtClean="0">
+              <a:solidFill>
+                <a:srgbClr val="FF0000"/>
+              </a:solidFill>
+              <a:ea typeface="+mn-ea"/>
+            </a:endParaRPr>
+          </a:p>
+          <a:p>
+            <a:pPr eaLnBrk="1" fontAlgn="auto" hangingPunct="1">
+              <a:spcAft>
+                <a:spcPts val="0"/>
+              </a:spcAft>
+              <a:defRPr/>
+            </a:pPr>
+            <a:endParaRPr lang="en-US" sz="2000" dirty="0" smtClean="0">
+              <a:ea typeface="+mn-ea"/>
+            </a:endParaRPr>
+          </a:p>
+          <a:p>
+            <a:pPr marL="342900" indent="-342900" eaLnBrk="1" fontAlgn="auto" hangingPunct="1">
+              <a:spcAft>
+                <a:spcPts val="0"/>
+              </a:spcAft>
+              <a:buFont typeface="Arial" panose="020B0604020202020204" pitchFamily="34" charset="0"/>
+              <a:buChar char="•"/>
+              <a:defRPr/>
+            </a:pPr>
+            <a:r>
+              <a:rPr lang="en-US" sz="2000" b="1" dirty="0" smtClean="0">
+                <a:ea typeface="+mn-ea"/>
+              </a:rPr>
+              <a:t>Design </a:t>
+            </a:r>
+            <a:r>
+              <a:rPr lang="en-US" sz="2000" b="1" dirty="0" smtClean="0">
+                <a:ea typeface="+mn-ea"/>
+              </a:rPr>
+              <a:t>the Framework with enough power and flexibility to meet </a:t>
+            </a:r>
+            <a:r>
+              <a:rPr lang="en-US" sz="2000" b="1" dirty="0">
+                <a:ea typeface="+mn-ea"/>
+              </a:rPr>
+              <a:t>current and future </a:t>
+            </a:r>
+            <a:r>
+              <a:rPr lang="en-US" sz="2000" b="1" dirty="0" smtClean="0">
+                <a:ea typeface="+mn-ea"/>
+              </a:rPr>
+              <a:t>needs</a:t>
+            </a:r>
+          </a:p>
+          <a:p>
+            <a:pPr lvl="1" indent="0" eaLnBrk="1" fontAlgn="auto" hangingPunct="1">
+              <a:spcAft>
+                <a:spcPts val="0"/>
+              </a:spcAft>
+              <a:buFontTx/>
+              <a:buNone/>
+              <a:defRPr/>
+            </a:pPr>
+            <a:endParaRPr lang="en-US" sz="1000" dirty="0" smtClean="0">
+              <a:solidFill>
+                <a:srgbClr val="FF0000"/>
+              </a:solidFill>
+              <a:ea typeface="+mn-ea"/>
+            </a:endParaRPr>
+          </a:p>
+          <a:p>
+            <a:pPr eaLnBrk="1" fontAlgn="auto" hangingPunct="1">
+              <a:spcAft>
+                <a:spcPts val="0"/>
+              </a:spcAft>
+              <a:defRPr/>
+            </a:pPr>
             <a:endParaRPr lang="en-US" sz="2000" dirty="0">
               <a:ea typeface="+mn-ea"/>
             </a:endParaRPr>
@@ -6741,178 +6762,7 @@
               <a:rPr lang="en-US" sz="2000" b="1" dirty="0" smtClean="0">
                 <a:ea typeface="+mn-ea"/>
               </a:rPr>
-              <a:t>Design </a:t>
-            </a:r>
-            <a:r>
-              <a:rPr lang="en-US" sz="2000" b="1" dirty="0">
-                <a:ea typeface="+mn-ea"/>
-              </a:rPr>
-              <a:t>with a developmental philosophy that enables seasoned development engineers to create test scripts to validate their own </a:t>
-            </a:r>
-            <a:r>
-              <a:rPr lang="en-US" sz="2000" b="1" dirty="0" smtClean="0">
-                <a:ea typeface="+mn-ea"/>
-              </a:rPr>
-              <a:t>work</a:t>
-            </a:r>
-          </a:p>
-          <a:p>
-            <a:pPr marL="576263" lvl="2" indent="0" eaLnBrk="1" fontAlgn="auto" hangingPunct="1">
-              <a:spcAft>
-                <a:spcPts val="0"/>
-              </a:spcAft>
-              <a:buFontTx/>
-              <a:buNone/>
-              <a:defRPr/>
-            </a:pPr>
-            <a:r>
-              <a:rPr lang="en-US" sz="1000" dirty="0" smtClean="0">
-                <a:solidFill>
-                  <a:schemeClr val="bg1">
-                    <a:lumMod val="95000"/>
-                  </a:schemeClr>
-                </a:solidFill>
-                <a:ea typeface="+mn-ea"/>
-              </a:rPr>
-              <a:t>WE Designed mid Layer to off load manual steps:   Tons of  Code Level Documentation</a:t>
-            </a:r>
-            <a:endParaRPr lang="en-US" sz="1000" dirty="0">
-              <a:solidFill>
-                <a:schemeClr val="bg1">
-                  <a:lumMod val="95000"/>
-                </a:schemeClr>
-              </a:solidFill>
-              <a:ea typeface="+mn-ea"/>
-            </a:endParaRPr>
-          </a:p>
-          <a:p>
-            <a:pPr eaLnBrk="1" fontAlgn="auto" hangingPunct="1">
-              <a:spcAft>
-                <a:spcPts val="0"/>
-              </a:spcAft>
-              <a:defRPr/>
-            </a:pPr>
-            <a:r>
-              <a:rPr lang="en-US" sz="2000" dirty="0">
-                <a:solidFill>
-                  <a:schemeClr val="bg1">
-                    <a:lumMod val="95000"/>
-                  </a:schemeClr>
-                </a:solidFill>
-                <a:ea typeface="+mn-ea"/>
-              </a:rPr>
-              <a:t>Our Purpose </a:t>
-            </a:r>
-            <a:endParaRPr lang="en-US" sz="2000" dirty="0">
-              <a:ea typeface="+mn-ea"/>
-            </a:endParaRPr>
-          </a:p>
-          <a:p>
-            <a:pPr marL="342900" indent="-342900" eaLnBrk="1" fontAlgn="auto" hangingPunct="1">
-              <a:spcAft>
-                <a:spcPts val="0"/>
-              </a:spcAft>
-              <a:buFont typeface="Arial" panose="020B0604020202020204" pitchFamily="34" charset="0"/>
-              <a:buChar char="•"/>
-              <a:defRPr/>
-            </a:pPr>
-            <a:r>
-              <a:rPr lang="en-US" sz="2000" b="1" dirty="0" smtClean="0">
-                <a:ea typeface="+mn-ea"/>
-              </a:rPr>
-              <a:t>Design the Framework with enough power and flexibility to meet </a:t>
-            </a:r>
-            <a:r>
-              <a:rPr lang="en-US" sz="2000" b="1" dirty="0">
-                <a:ea typeface="+mn-ea"/>
-              </a:rPr>
-              <a:t>current and future </a:t>
-            </a:r>
-            <a:r>
-              <a:rPr lang="en-US" sz="2000" b="1" dirty="0" smtClean="0">
-                <a:ea typeface="+mn-ea"/>
-              </a:rPr>
-              <a:t>needs</a:t>
-            </a:r>
-          </a:p>
-          <a:p>
-            <a:pPr lvl="1" indent="0" eaLnBrk="1" fontAlgn="auto" hangingPunct="1">
-              <a:spcAft>
-                <a:spcPts val="0"/>
-              </a:spcAft>
-              <a:buFontTx/>
-              <a:buNone/>
-              <a:defRPr/>
-            </a:pPr>
-            <a:r>
-              <a:rPr lang="en-US" sz="1000" dirty="0" smtClean="0">
-                <a:solidFill>
-                  <a:schemeClr val="bg1">
-                    <a:lumMod val="95000"/>
-                  </a:schemeClr>
-                </a:solidFill>
-                <a:ea typeface="+mn-ea"/>
-              </a:rPr>
-              <a:t>Framework allows execution of multiple browsers simultaneous parallelism.     Open Source allows us to code throughout entire stack top to bottom.</a:t>
-            </a:r>
-          </a:p>
-          <a:p>
-            <a:pPr eaLnBrk="1" fontAlgn="auto" hangingPunct="1">
-              <a:spcAft>
-                <a:spcPts val="0"/>
-              </a:spcAft>
-              <a:defRPr/>
-            </a:pPr>
-            <a:r>
-              <a:rPr lang="en-US" sz="2000" dirty="0">
-                <a:solidFill>
-                  <a:schemeClr val="bg1">
-                    <a:lumMod val="95000"/>
-                  </a:schemeClr>
-                </a:solidFill>
-                <a:ea typeface="+mn-ea"/>
-              </a:rPr>
-              <a:t>Our Purpose </a:t>
-            </a:r>
-            <a:endParaRPr lang="en-US" sz="2000" dirty="0">
-              <a:ea typeface="+mn-ea"/>
-            </a:endParaRPr>
-          </a:p>
-          <a:p>
-            <a:pPr marL="342900" indent="-342900" eaLnBrk="1" fontAlgn="auto" hangingPunct="1">
-              <a:spcAft>
-                <a:spcPts val="0"/>
-              </a:spcAft>
-              <a:buFont typeface="Arial" panose="020B0604020202020204" pitchFamily="34" charset="0"/>
-              <a:buChar char="•"/>
-              <a:defRPr/>
-            </a:pPr>
-            <a:r>
-              <a:rPr lang="en-US" sz="2000" b="1" dirty="0" smtClean="0">
-                <a:ea typeface="+mn-ea"/>
-              </a:rPr>
               <a:t>Continue iterating on Framework functional improvement</a:t>
-            </a:r>
-          </a:p>
-          <a:p>
-            <a:pPr lvl="1" indent="0" eaLnBrk="1" fontAlgn="auto" hangingPunct="1">
-              <a:spcAft>
-                <a:spcPts val="0"/>
-              </a:spcAft>
-              <a:buFontTx/>
-              <a:buNone/>
-              <a:defRPr/>
-            </a:pPr>
-            <a:r>
-              <a:rPr lang="en-US" sz="1000" dirty="0" smtClean="0">
-                <a:solidFill>
-                  <a:schemeClr val="bg1">
-                    <a:lumMod val="95000"/>
-                  </a:schemeClr>
-                </a:solidFill>
-                <a:ea typeface="+mn-ea"/>
-              </a:rPr>
-              <a:t>Continuous improvement refactoring the mid layer:  smaller mid layer  supports more apps</a:t>
             </a:r>
           </a:p>
           <a:p>
@@ -6935,55 +6785,6 @@
             </a:pPr>
             <a:endParaRPr lang="en-US" dirty="0">
               <a:ea typeface="+mn-ea"/>
-            </a:endParaRPr>
-          </a:p>
-        </p:txBody>
-      </p:sp>
-      <p:sp>
-        <p:nvSpPr>
-          <p:cNvPr id="2" name="Rectangle 1"/>
-          <p:cNvSpPr/>
-          <p:nvPr/>
-        </p:nvSpPr>
-        <p:spPr>
-          <a:xfrm>
-            <a:off x="366713" y="958850"/>
-            <a:ext cx="1414462" cy="368300"/>
-          </a:xfrm>
-          <a:prstGeom prst="rect">
-            <a:avLst/>
-          </a:prstGeom>
-        </p:spPr>
-        <p:txBody>
-          <a:bodyPr wrap="none">
-            <a:spAutoFit/>
-          </a:bodyPr>
-          <a:lstStyle/>
-          <a:p>
-            <a:pPr fontAlgn="auto">
-              <a:spcBef>
-                <a:spcPts val="0"/>
-              </a:spcBef>
-              <a:spcAft>
-                <a:spcPts val="0"/>
-              </a:spcAft>
-              <a:defRPr/>
-            </a:pPr>
-            <a:r>
-              <a:rPr lang="en-US" dirty="0">
-                <a:solidFill>
-                  <a:schemeClr val="bg1">
-                    <a:lumMod val="95000"/>
-                  </a:schemeClr>
-                </a:solidFill>
-                <a:latin typeface="+mn-lt"/>
-                <a:cs typeface="+mn-cs"/>
-              </a:rPr>
-              <a:t>Our Purpose </a:t>
-            </a:r>
-            <a:endParaRPr lang="en-US" dirty="0">
-              <a:latin typeface="+mn-lt"/>
-              <a:cs typeface="+mn-cs"/>
             </a:endParaRPr>
           </a:p>
         </p:txBody>
@@ -7108,76 +6909,100 @@
               <a:buChar char="•"/>
             </a:pPr>
             <a:r>
-              <a:rPr lang="en-US" sz="2000" b="1" smtClean="0">
+              <a:rPr lang="en-US" sz="2000" b="1" dirty="0"/>
+              <a:t>NGTA </a:t>
+            </a:r>
+            <a:r>
+              <a:rPr lang="en-US" sz="2000" b="1" dirty="0" smtClean="0">
                 <a:latin typeface="Calibri Light" pitchFamily="34" charset="0"/>
                 <a:cs typeface="Calibri Light" pitchFamily="34" charset="0"/>
               </a:rPr>
-              <a:t>CXTA and the CX Market Place Development Team have matured. </a:t>
-            </a:r>
-          </a:p>
-          <a:p>
-            <a:pPr marL="919163" lvl="1" indent="-342900" eaLnBrk="1" hangingPunct="1">
-              <a:lnSpc>
-                <a:spcPct val="125000"/>
-              </a:lnSpc>
-              <a:spcBef>
-                <a:spcPct val="0"/>
-              </a:spcBef>
-            </a:pPr>
-            <a:r>
-              <a:rPr lang="en-US" sz="1600" b="1" smtClean="0">
+              <a:t>and </a:t>
+            </a:r>
+            <a:r>
+              <a:rPr lang="en-US" sz="2000" b="1" dirty="0" smtClean="0">
                 <a:latin typeface="Calibri Light" pitchFamily="34" charset="0"/>
                 <a:cs typeface="Calibri Light" pitchFamily="34" charset="0"/>
               </a:rPr>
-              <a:t>We are able to do more and deliver to a greater audience. </a:t>
-            </a:r>
-            <a:r>
-              <a:rPr lang="en-US" sz="1800" b="1" smtClean="0">
+              <a:t>the CX Market Place Development Team have </a:t>
+            </a:r>
+            <a:r>
+              <a:rPr lang="en-US" sz="2000" b="1" dirty="0" smtClean="0">
                 <a:latin typeface="Calibri Light" pitchFamily="34" charset="0"/>
                 <a:cs typeface="Calibri Light" pitchFamily="34" charset="0"/>
               </a:rPr>
-              <a:t> </a:t>
-            </a:r>
-          </a:p>
-          <a:p>
-            <a:pPr marL="342900" indent="-342900" eaLnBrk="1" hangingPunct="1">
-              <a:lnSpc>
-                <a:spcPct val="95000"/>
+              <a:t>matured since 2016. </a:t>
+            </a:r>
+            <a:endParaRPr lang="en-US" sz="2000" b="1" dirty="0" smtClean="0">
+              <a:latin typeface="Calibri Light" pitchFamily="34" charset="0"/>
+              <a:cs typeface="Calibri Light" pitchFamily="34" charset="0"/>
+            </a:endParaRPr>
+          </a:p>
+          <a:p>
+            <a:pPr marL="919163" lvl="1" indent="-342900" eaLnBrk="1" hangingPunct="1">
+              <a:lnSpc>
+                <a:spcPct val="125000"/>
               </a:lnSpc>
               <a:spcBef>
                 <a:spcPct val="0"/>
               </a:spcBef>
-              <a:buFontTx/>
-              <a:buChar char="•"/>
-            </a:pPr>
-            <a:r>
-              <a:rPr lang="en-US" sz="2000" b="1" smtClean="0">
+              <a:buFont typeface="Arial" panose="020B0604020202020204" pitchFamily="34" charset="0"/>
+              <a:buChar char="•"/>
+            </a:pPr>
+            <a:r>
+              <a:rPr lang="en-US" sz="1600" b="1" dirty="0" smtClean="0">
                 <a:latin typeface="Calibri Light" pitchFamily="34" charset="0"/>
                 <a:cs typeface="Calibri Light" pitchFamily="34" charset="0"/>
               </a:rPr>
-              <a:t>To scale as projected </a:t>
-            </a:r>
-          </a:p>
-          <a:p>
-            <a:pPr marL="919163" lvl="1" indent="-342900" eaLnBrk="1" hangingPunct="1">
-              <a:lnSpc>
-                <a:spcPct val="95000"/>
-              </a:lnSpc>
-              <a:spcBef>
-                <a:spcPct val="0"/>
-              </a:spcBef>
-              <a:buFont typeface="Arial" charset="0"/>
-              <a:buChar char="•"/>
-            </a:pPr>
-            <a:r>
-              <a:rPr lang="en-US" sz="1600" b="1" smtClean="0">
+              <a:t>We are able to do more and deliver to a greater audience. </a:t>
+            </a:r>
+            <a:r>
+              <a:rPr lang="en-US" sz="1800" b="1" dirty="0" smtClean="0">
                 <a:latin typeface="Calibri Light" pitchFamily="34" charset="0"/>
                 <a:cs typeface="Calibri Light" pitchFamily="34" charset="0"/>
               </a:rPr>
+              <a:t> </a:t>
+            </a:r>
+          </a:p>
+          <a:p>
+            <a:pPr marL="342900" indent="-342900" eaLnBrk="1" hangingPunct="1">
+              <a:lnSpc>
+                <a:spcPct val="95000"/>
+              </a:lnSpc>
+              <a:spcBef>
+                <a:spcPct val="0"/>
+              </a:spcBef>
+              <a:buFontTx/>
+              <a:buChar char="•"/>
+            </a:pPr>
+            <a:r>
+              <a:rPr lang="en-US" sz="2000" b="1" dirty="0" smtClean="0">
+                <a:latin typeface="Calibri Light" pitchFamily="34" charset="0"/>
+                <a:cs typeface="Calibri Light" pitchFamily="34" charset="0"/>
+              </a:rPr>
+              <a:t>To scale as projected </a:t>
+            </a:r>
+          </a:p>
+          <a:p>
+            <a:pPr marL="919163" lvl="1" indent="-342900" eaLnBrk="1" hangingPunct="1">
+              <a:lnSpc>
+                <a:spcPct val="95000"/>
+              </a:lnSpc>
+              <a:spcBef>
+                <a:spcPct val="0"/>
+              </a:spcBef>
+              <a:buFont typeface="Arial" charset="0"/>
+              <a:buChar char="•"/>
+            </a:pPr>
+            <a:r>
+              <a:rPr lang="en-US" sz="1600" b="1" dirty="0" smtClean="0">
+                <a:latin typeface="Calibri Light" pitchFamily="34" charset="0"/>
+                <a:cs typeface="Calibri Light" pitchFamily="34" charset="0"/>
+              </a:rPr>
               <a:t>we have to change how we develop tests   </a:t>
             </a:r>
             <a:r>
-              <a:rPr lang="en-US" sz="1000" b="1" smtClean="0">
+              <a:rPr lang="en-US" sz="1000" b="1" dirty="0" smtClean="0">
                 <a:solidFill>
                   <a:srgbClr val="A6A6A6"/>
                 </a:solidFill>
@@ -7187,14 +7012,14 @@
               <a:t>:</a:t>
             </a:r>
             <a:r>
-              <a:rPr lang="en-US" sz="1600" b="1" smtClean="0">
+              <a:rPr lang="en-US" sz="1600" b="1" dirty="0" smtClean="0">
                 <a:latin typeface="Calibri Light" pitchFamily="34" charset="0"/>
                 <a:cs typeface="Calibri Light" pitchFamily="34" charset="0"/>
               </a:rPr>
               <a:t>   </a:t>
             </a:r>
             <a:r>
-              <a:rPr lang="en-US" sz="1000" b="1" smtClean="0">
+              <a:rPr lang="en-US" sz="1000" b="1" dirty="0" smtClean="0">
                 <a:solidFill>
                   <a:srgbClr val="A6A6A6"/>
                 </a:solidFill>
@@ -7216,45 +7041,65 @@
               <a:buChar char="•"/>
             </a:pPr>
             <a:r>
-              <a:rPr lang="en-US" sz="1600" b="1" smtClean="0">
+              <a:rPr lang="en-US" sz="1600" b="1" dirty="0" smtClean="0">
                 <a:latin typeface="Calibri Light" pitchFamily="34" charset="0"/>
                 <a:cs typeface="Calibri Light" pitchFamily="34" charset="0"/>
               </a:rPr>
               <a:t>we have changed how we select &amp; control execution   </a:t>
             </a:r>
             <a:r>
-              <a:rPr lang="en-US" sz="1000" b="1" smtClean="0">
+              <a:rPr lang="en-US" sz="1000" b="1" dirty="0" smtClean="0">
                 <a:solidFill>
                   <a:srgbClr val="A6A6A6"/>
                 </a:solidFill>
                 <a:latin typeface="Calibri Light" pitchFamily="34" charset="0"/>
                 <a:cs typeface="Calibri Light" pitchFamily="34" charset="0"/>
               </a:rPr>
-              <a:t>now in Scaling Mode :  groups of states &amp; Fcns  are named phases</a:t>
-            </a:r>
-          </a:p>
-          <a:p>
-            <a:pPr marL="919163" lvl="1" indent="-342900" eaLnBrk="1" hangingPunct="1">
-              <a:lnSpc>
-                <a:spcPct val="95000"/>
-              </a:lnSpc>
-              <a:spcBef>
-                <a:spcPct val="0"/>
-              </a:spcBef>
-              <a:buFontTx/>
-              <a:buNone/>
-            </a:pPr>
-            <a:r>
-              <a:rPr lang="en-US" sz="200" b="1" smtClean="0">
+              <a:t>now in Scaling Mode :  groups of states &amp; </a:t>
+            </a:r>
+            <a:r>
+              <a:rPr lang="en-US" sz="1000" b="1" dirty="0" err="1" smtClean="0">
                 <a:solidFill>
                   <a:srgbClr val="A6A6A6"/>
                 </a:solidFill>
                 <a:latin typeface="Calibri Light" pitchFamily="34" charset="0"/>
                 <a:cs typeface="Calibri Light" pitchFamily="34" charset="0"/>
               </a:rPr>
+              <a:t>Fcns</a:t>
+            </a:r>
+            <a:r>
+              <a:rPr lang="en-US" sz="1000" b="1" dirty="0" smtClean="0">
+                <a:solidFill>
+                  <a:srgbClr val="A6A6A6"/>
+                </a:solidFill>
+                <a:latin typeface="Calibri Light" pitchFamily="34" charset="0"/>
+                <a:cs typeface="Calibri Light" pitchFamily="34" charset="0"/>
+              </a:rPr>
+              <a:t>  are named phases</a:t>
+            </a:r>
+          </a:p>
+          <a:p>
+            <a:pPr marL="919163" lvl="1" indent="-342900" eaLnBrk="1" hangingPunct="1">
+              <a:lnSpc>
+                <a:spcPct val="95000"/>
+              </a:lnSpc>
+              <a:spcBef>
+                <a:spcPct val="0"/>
+              </a:spcBef>
+              <a:buFontTx/>
+              <a:buNone/>
+            </a:pPr>
+            <a:r>
+              <a:rPr lang="en-US" sz="200" b="1" dirty="0" smtClean="0">
+                <a:solidFill>
+                  <a:srgbClr val="A6A6A6"/>
+                </a:solidFill>
+                <a:latin typeface="Calibri Light" pitchFamily="34" charset="0"/>
+                <a:cs typeface="Calibri Light" pitchFamily="34" charset="0"/>
+              </a:rPr>
               <a:t>   </a:t>
             </a:r>
-            <a:endParaRPr lang="en-US" sz="700" b="1" smtClean="0">
+            <a:endParaRPr lang="en-US" sz="700" b="1" dirty="0" smtClean="0">
               <a:latin typeface="Calibri Light" pitchFamily="34" charset="0"/>
               <a:cs typeface="Calibri Light" pitchFamily="34" charset="0"/>
             </a:endParaRPr>
@@ -7271,7 +7116,7 @@
               <a:buChar char="•"/>
             </a:pPr>
             <a:r>
-              <a:rPr lang="en-US" sz="2000" b="1" smtClean="0">
+              <a:rPr lang="en-US" sz="2000" b="1" dirty="0" smtClean="0">
                 <a:latin typeface="Calibri Light" pitchFamily="34" charset="0"/>
                 <a:cs typeface="Calibri Light" pitchFamily="34" charset="0"/>
               </a:rPr>
@@ -7289,7 +7134,7 @@
               <a:buFontTx/>
               <a:buNone/>
             </a:pPr>
-            <a:endParaRPr lang="en-US" sz="1800" smtClean="0">
+            <a:endParaRPr lang="en-US" sz="1800" dirty="0" smtClean="0">
               <a:latin typeface="Calibri Light" pitchFamily="34" charset="0"/>
               <a:cs typeface="Calibri Light" pitchFamily="34" charset="0"/>
             </a:endParaRPr>
@@ -7305,7 +7150,7 @@
               <a:buFont typeface="Arial" charset="0"/>
               <a:buChar char="•"/>
             </a:pPr>
-            <a:endParaRPr lang="en-US" sz="1800" smtClean="0">
+            <a:endParaRPr lang="en-US" sz="1800" dirty="0" smtClean="0">
               <a:latin typeface="Calibri Light" pitchFamily="34" charset="0"/>
               <a:cs typeface="Calibri Light" pitchFamily="34" charset="0"/>
             </a:endParaRPr>
@@ -7316,7 +7161,7 @@
                 <a:spcPct val="70000"/>
               </a:lnSpc>
             </a:pPr>
-            <a:endParaRPr lang="en-US" sz="2000" smtClean="0">
+            <a:endParaRPr lang="en-US" sz="2000" dirty="0" smtClean="0">
               <a:latin typeface="Calibri Light" pitchFamily="34" charset="0"/>
               <a:cs typeface="Calibri Light" pitchFamily="34" charset="0"/>
             </a:endParaRPr>
@@ -7592,7 +7437,7 @@
           <a:lstStyle/>
           <a:p>
             <a:r>
-              <a:rPr lang="en-US">
+              <a:rPr lang="en-US" dirty="0">
                 <a:latin typeface="Calibri" pitchFamily="34" charset="0"/>
               </a:rPr>
               <a:t>A similar collection of Test Cases run in Automation </a:t>
@@ -7602,66 +7447,62 @@
       </p:sp>
       <p:pic>
         <p:nvPicPr>
-          <p:cNvPr id="12296" name="Picture 6"/>
+          <p:cNvPr id="3" name="Picture 2"/>
           <p:cNvPicPr>
             <a:picLocks noChangeAspect="1"/>
           </p:cNvPicPr>
           <p:nvPr/>
         </p:nvPicPr>
         <p:blipFill>
-          <a:blip r:embed="rId3"/>
-          <a:srcRect/>
+          <a:blip r:embed="rId3">
+            <a:extLst>
+              <a:ext uri="{28A0092B-C50C-407E-A947-70E740481C1C}">
+                <a14:useLocalDpi xmlns:a14="http://schemas.microsoft.com/office/drawing/2010/main" val="0"/>
+              </a:ext>
+            </a:extLst>
+          </a:blip>
           <a:stretch>
             <a:fillRect/>
           </a:stretch>
         </p:blipFill>
-        <p:spPr bwMode="auto">
+        <p:spPr>
           <a:xfrm>
-            <a:off x="812800" y="3554413"/>
-            <a:ext cx="6008688" cy="1325562"/>
+            <a:off x="852489" y="5472044"/>
+            <a:ext cx="5969000" cy="1297609"/>
           </a:xfrm>
           <a:prstGeom prst="rect">
             <a:avLst/>
           </a:prstGeom>
-          <a:noFill/>
-          <a:ln w="9525">
-            <a:noFill/>
-            <a:miter lim="800000"/>
-            <a:headEnd/>
-            <a:tailEnd/>
-          </a:ln>
         </p:spPr>
       </p:pic>
       <p:pic>
         <p:nvPicPr>
-          <p:cNvPr id="12297" name="Picture 15"/>
+          <p:cNvPr id="6" name="Picture 5"/>
           <p:cNvPicPr>
             <a:picLocks noChangeAspect="1"/>
           </p:cNvPicPr>
           <p:nvPr/>
         </p:nvPicPr>
         <p:blipFill>
-          <a:blip r:embed="rId4"/>
-          <a:srcRect/>
+          <a:blip r:embed="rId4">
+            <a:extLst>
+              <a:ext uri="{28A0092B-C50C-407E-A947-70E740481C1C}">
+                <a14:useLocalDpi xmlns:a14="http://schemas.microsoft.com/office/drawing/2010/main" val="0"/>
+              </a:ext>
+            </a:extLst>
+          </a:blip>
           <a:stretch>
             <a:fillRect/>
           </a:stretch>
         </p:blipFill>
-        <p:spPr bwMode="auto">
+        <p:spPr>
           <a:xfrm>
-            <a:off x="814388" y="5472113"/>
-            <a:ext cx="6089650" cy="1314450"/>
+            <a:off x="852489" y="3604408"/>
+            <a:ext cx="5969000" cy="1331066"/>
           </a:xfrm>
           <a:prstGeom prst="rect">
             <a:avLst/>
           </a:prstGeom>
-          <a:noFill/>
-          <a:ln w="9525">
-            <a:noFill/>
-            <a:miter lim="800000"/>
-            <a:headEnd/>
-            <a:tailEnd/>
-          </a:ln>
         </p:spPr>
       </p:pic>
     </p:spTree>
@@ -7813,7 +7654,23 @@
               <a:rPr lang="en-US" sz="1400" b="1" dirty="0" smtClean="0">
                 <a:ea typeface="+mn-ea"/>
               </a:rPr>
-              <a:t>Development frequently comes to CXTA for confidence vote on the product.  </a:t>
+              <a:t>Development frequently comes to </a:t>
+            </a:r>
+            <a:r>
+              <a:rPr lang="en-US" sz="1400" b="1" dirty="0"/>
+              <a:t>NGTA </a:t>
+            </a:r>
+            <a:r>
+              <a:rPr lang="en-US" sz="1400" b="1" dirty="0" smtClean="0">
+                <a:ea typeface="+mn-ea"/>
+              </a:rPr>
+              <a:t>for </a:t>
+            </a:r>
+            <a:r>
+              <a:rPr lang="en-US" sz="1400" b="1" dirty="0" smtClean="0">
+                <a:ea typeface="+mn-ea"/>
+              </a:rPr>
+              <a:t>confidence vote on the product.  </a:t>
             </a:r>
           </a:p>
           <a:p>
@@ -8132,7 +7989,23 @@
               <a:rPr lang="en-US" sz="1900" b="1" dirty="0" smtClean="0">
                 <a:ea typeface="+mn-ea"/>
               </a:rPr>
-              <a:t>No need for another product or framework.  It can all be done in CXTA Framework.</a:t>
+              <a:t>No need for another product or framework.  It can all be done in </a:t>
+            </a:r>
+            <a:r>
+              <a:rPr lang="en-US" sz="1800" b="1" dirty="0"/>
+              <a:t>NGTA </a:t>
+            </a:r>
+            <a:r>
+              <a:rPr lang="en-US" sz="1900" b="1" dirty="0" smtClean="0">
+                <a:ea typeface="+mn-ea"/>
+              </a:rPr>
+              <a:t>Framework</a:t>
+            </a:r>
+            <a:r>
+              <a:rPr lang="en-US" sz="1900" b="1" dirty="0" smtClean="0">
+                <a:ea typeface="+mn-ea"/>
+              </a:rPr>
+              <a:t>.</a:t>
             </a:r>
             <a:endParaRPr lang="en-US" sz="1900" b="1" dirty="0">
               <a:ea typeface="+mn-ea"/>
@@ -8172,11 +8045,8 @@
               <a:rPr lang="en-US" sz="1600" b="1" dirty="0" smtClean="0">
                 <a:ea typeface="+mn-ea"/>
               </a:rPr>
-              <a:t> So,   Next step is ……..   </a:t>
-            </a:r>
-            <a:endParaRPr lang="en-US" sz="1600" b="1" dirty="0">
-              <a:ea typeface="+mn-ea"/>
-            </a:endParaRPr>
+              <a:t>                </a:t>
+            </a:r>
           </a:p>
           <a:p>
             <a:pPr eaLnBrk="1" fontAlgn="auto" hangingPunct="1">
@@ -8248,7 +8118,7 @@
       </p:grpSpPr>
       <p:sp>
         <p:nvSpPr>
-          <p:cNvPr id="15361" name="Title 1"/>
+          <p:cNvPr id="24577" name="Title 1"/>
           <p:cNvSpPr>
             <a:spLocks noGrp="1"/>
           </p:cNvSpPr>
@@ -8258,8 +8128,8 @@
         </p:nvSpPr>
         <p:spPr>
           <a:xfrm>
-            <a:off x="1009650" y="128588"/>
-            <a:ext cx="5765800" cy="650875"/>
+            <a:off x="497712" y="115888"/>
+            <a:ext cx="8542116" cy="957262"/>
           </a:xfrm>
         </p:spPr>
         <p:txBody>
@@ -8268,250 +8138,56 @@
           <a:p>
             <a:pPr algn="ctr" eaLnBrk="1" hangingPunct="1"/>
             <a:r>
-              <a:rPr lang="en-US" smtClean="0">
+              <a:rPr lang="en-US" sz="4500" dirty="0" smtClean="0">
                 <a:latin typeface="Calibri Light" pitchFamily="34" charset="0"/>
                 <a:cs typeface="Calibri Light" pitchFamily="34" charset="0"/>
               </a:rPr>
-              <a:t>ROLL OUT</a:t>
-            </a:r>
+              <a:t>ARCHITECTURAL TECH STACK</a:t>
+            </a:r>
+            <a:endParaRPr lang="en-US" sz="4500" dirty="0" smtClean="0">
+              <a:latin typeface="Calibri Light" pitchFamily="34" charset="0"/>
+              <a:cs typeface="Calibri Light" pitchFamily="34" charset="0"/>
+            </a:endParaRPr>
           </a:p>
         </p:txBody>
       </p:sp>
+      <p:pic>
+        <p:nvPicPr>
+          <p:cNvPr id="24578" name="Picture 9">
+            <a:hlinkClick r:id="rId2" action="ppaction://hlinksldjump"/>
+          </p:cNvPr>
+          <p:cNvPicPr>
+            <a:picLocks noChangeAspect="1"/>
+          </p:cNvPicPr>
+          <p:nvPr/>
+        </p:nvPicPr>
+        <p:blipFill>
+          <a:blip r:embed="rId3"/>
+          <a:srcRect/>
+          <a:stretch>
+            <a:fillRect/>
+          </a:stretch>
+        </p:blipFill>
+        <p:spPr bwMode="auto">
+          <a:xfrm>
+            <a:off x="4318000" y="1912938"/>
+            <a:ext cx="4810125" cy="3943350"/>
+          </a:xfrm>
+          <a:prstGeom prst="rect">
+            <a:avLst/>
+          </a:prstGeom>
+          <a:noFill/>
+          <a:ln w="9525">
+            <a:noFill/>
+            <a:miter lim="800000"/>
+            <a:headEnd/>
+            <a:tailEnd/>
+          </a:ln>
+        </p:spPr>
+      </p:pic>
       <p:sp>
         <p:nvSpPr>
-          <p:cNvPr id="5" name="Content Placeholder 2"/>
-          <p:cNvSpPr>
-            <a:spLocks noGrp="1"/>
-          </p:cNvSpPr>
-          <p:nvPr>
-            <p:ph idx="1"/>
-          </p:nvPr>
-        </p:nvSpPr>
-        <p:spPr>
-          <a:xfrm>
-            <a:off x="282575" y="1795463"/>
-            <a:ext cx="8821738" cy="2238375"/>
-          </a:xfrm>
-        </p:spPr>
-        <p:txBody>
-          <a:bodyPr rtlCol="0">
-            <a:normAutofit/>
-          </a:bodyPr>
-          <a:lstStyle/>
-          <a:p>
-            <a:pPr marL="342900" indent="-342900" eaLnBrk="1" fontAlgn="auto" hangingPunct="1">
-              <a:lnSpc>
-                <a:spcPct val="125000"/>
-              </a:lnSpc>
-              <a:spcAft>
-                <a:spcPts val="0"/>
-              </a:spcAft>
-              <a:buFont typeface="Arial" panose="020B0604020202020204" pitchFamily="34" charset="0"/>
-              <a:buChar char="•"/>
-              <a:defRPr/>
-            </a:pPr>
-            <a:r>
-              <a:rPr lang="en-US" sz="2000" b="1" dirty="0">
-                <a:ea typeface="+mn-ea"/>
-              </a:rPr>
-              <a:t>CXTA </a:t>
-            </a:r>
-            <a:r>
-              <a:rPr lang="en-US" sz="2000" b="1" dirty="0" smtClean="0">
-                <a:ea typeface="+mn-ea"/>
-              </a:rPr>
-              <a:t>rolling </a:t>
-            </a:r>
-            <a:r>
-              <a:rPr lang="en-US" sz="2000" b="1" dirty="0">
-                <a:ea typeface="+mn-ea"/>
-              </a:rPr>
-              <a:t>out </a:t>
-            </a:r>
-            <a:r>
-              <a:rPr lang="en-US" sz="2000" b="1" dirty="0" smtClean="0">
-                <a:ea typeface="+mn-ea"/>
-              </a:rPr>
-              <a:t>first public release of Test </a:t>
-            </a:r>
-            <a:r>
-              <a:rPr lang="en-US" sz="2000" b="1" dirty="0">
-                <a:ea typeface="+mn-ea"/>
-              </a:rPr>
-              <a:t>Automation Framework </a:t>
-            </a:r>
-            <a:endParaRPr lang="en-US" sz="2000" b="1" dirty="0" smtClean="0">
-              <a:ea typeface="+mn-ea"/>
-            </a:endParaRPr>
-          </a:p>
-          <a:p>
-            <a:pPr marL="342900" indent="-342900" eaLnBrk="1" fontAlgn="auto" hangingPunct="1">
-              <a:lnSpc>
-                <a:spcPct val="125000"/>
-              </a:lnSpc>
-              <a:spcAft>
-                <a:spcPts val="0"/>
-              </a:spcAft>
-              <a:buFont typeface="Arial" panose="020B0604020202020204" pitchFamily="34" charset="0"/>
-              <a:buChar char="•"/>
-              <a:defRPr/>
-            </a:pPr>
-            <a:r>
-              <a:rPr lang="en-US" sz="2000" b="1" dirty="0" smtClean="0">
-                <a:ea typeface="+mn-ea"/>
-              </a:rPr>
-              <a:t>Development staff will write </a:t>
-            </a:r>
-            <a:r>
-              <a:rPr lang="en-US" sz="2000" b="1" dirty="0">
-                <a:ea typeface="+mn-ea"/>
-              </a:rPr>
-              <a:t>test automation scripts </a:t>
-            </a:r>
-            <a:r>
-              <a:rPr lang="en-US" sz="2000" b="1" dirty="0" smtClean="0">
-                <a:ea typeface="+mn-ea"/>
-              </a:rPr>
-              <a:t>supporting their work</a:t>
-            </a:r>
-            <a:endParaRPr lang="en-US" sz="2000" b="1" dirty="0">
-              <a:ea typeface="+mn-ea"/>
-            </a:endParaRPr>
-          </a:p>
-          <a:p>
-            <a:pPr marL="919163" lvl="1" indent="-342900" eaLnBrk="1" fontAlgn="auto" hangingPunct="1">
-              <a:lnSpc>
-                <a:spcPct val="125000"/>
-              </a:lnSpc>
-              <a:spcAft>
-                <a:spcPts val="0"/>
-              </a:spcAft>
-              <a:buFont typeface="Arial" panose="020B0604020202020204" pitchFamily="34" charset="0"/>
-              <a:buChar char="•"/>
-              <a:defRPr/>
-            </a:pPr>
-            <a:r>
-              <a:rPr lang="en-US" sz="1400" b="1" dirty="0" smtClean="0">
-                <a:ea typeface="+mn-ea"/>
-              </a:rPr>
-              <a:t>This scripting </a:t>
-            </a:r>
-            <a:r>
-              <a:rPr lang="en-US" sz="1400" b="1" dirty="0">
-                <a:ea typeface="+mn-ea"/>
-              </a:rPr>
-              <a:t>will be page specific feature level integration </a:t>
-            </a:r>
-            <a:r>
-              <a:rPr lang="en-US" sz="1400" b="1" dirty="0" smtClean="0">
-                <a:ea typeface="+mn-ea"/>
-              </a:rPr>
-              <a:t>tests</a:t>
-            </a:r>
-          </a:p>
-          <a:p>
-            <a:pPr marL="919163" lvl="1" indent="-342900" eaLnBrk="1" fontAlgn="auto" hangingPunct="1">
-              <a:lnSpc>
-                <a:spcPct val="125000"/>
-              </a:lnSpc>
-              <a:spcAft>
-                <a:spcPts val="0"/>
-              </a:spcAft>
-              <a:buFont typeface="Arial" panose="020B0604020202020204" pitchFamily="34" charset="0"/>
-              <a:buChar char="•"/>
-              <a:defRPr/>
-            </a:pPr>
-            <a:r>
-              <a:rPr lang="en-US" sz="1400" b="1" dirty="0" smtClean="0">
-                <a:ea typeface="+mn-ea"/>
-              </a:rPr>
-              <a:t>REST API test scripting  covers all basic use and edge case work</a:t>
-            </a:r>
-          </a:p>
-          <a:p>
-            <a:pPr marL="342900" indent="-342900" eaLnBrk="1" fontAlgn="auto" hangingPunct="1">
-              <a:lnSpc>
-                <a:spcPct val="125000"/>
-              </a:lnSpc>
-              <a:spcAft>
-                <a:spcPts val="0"/>
-              </a:spcAft>
-              <a:buFont typeface="Arial" panose="020B0604020202020204" pitchFamily="34" charset="0"/>
-              <a:buChar char="•"/>
-              <a:defRPr/>
-            </a:pPr>
-            <a:r>
-              <a:rPr lang="en-US" sz="2000" b="1" dirty="0" smtClean="0">
-                <a:ea typeface="+mn-ea"/>
-              </a:rPr>
-              <a:t>CXTA team continues with Use Case End </a:t>
-            </a:r>
-            <a:r>
-              <a:rPr lang="en-US" sz="2000" b="1" dirty="0">
-                <a:ea typeface="+mn-ea"/>
-              </a:rPr>
-              <a:t>to End test automation </a:t>
-            </a:r>
-            <a:endParaRPr lang="en-US" sz="2000" b="1" dirty="0" smtClean="0">
-              <a:ea typeface="+mn-ea"/>
-            </a:endParaRPr>
-          </a:p>
-          <a:p>
-            <a:pPr lvl="1" indent="0" eaLnBrk="1" fontAlgn="auto" hangingPunct="1">
-              <a:lnSpc>
-                <a:spcPct val="125000"/>
-              </a:lnSpc>
-              <a:spcAft>
-                <a:spcPts val="0"/>
-              </a:spcAft>
-              <a:buFontTx/>
-              <a:buNone/>
-              <a:defRPr/>
-            </a:pPr>
-            <a:r>
-              <a:rPr lang="en-US" sz="1000" b="1" dirty="0">
-                <a:solidFill>
-                  <a:schemeClr val="bg1">
-                    <a:lumMod val="95000"/>
-                  </a:schemeClr>
-                </a:solidFill>
-                <a:ea typeface="+mn-ea"/>
-              </a:rPr>
-              <a:t>Inclusion of development staff in the automation development process we align our teams much like the rest of the </a:t>
-            </a:r>
-            <a:r>
-              <a:rPr lang="en-US" sz="1000" b="1" dirty="0" smtClean="0">
-                <a:solidFill>
-                  <a:schemeClr val="bg1">
-                    <a:lumMod val="95000"/>
-                  </a:schemeClr>
-                </a:solidFill>
-                <a:ea typeface="+mn-ea"/>
-              </a:rPr>
-              <a:t>industry</a:t>
-            </a:r>
-          </a:p>
-          <a:p>
-            <a:pPr lvl="1" indent="0" eaLnBrk="1" fontAlgn="auto" hangingPunct="1">
-              <a:lnSpc>
-                <a:spcPct val="125000"/>
-              </a:lnSpc>
-              <a:spcAft>
-                <a:spcPts val="0"/>
-              </a:spcAft>
-              <a:buFontTx/>
-              <a:buNone/>
-              <a:defRPr/>
-            </a:pPr>
-            <a:endParaRPr lang="en-US" sz="900" b="1" dirty="0" smtClean="0">
-              <a:ea typeface="+mn-ea"/>
-            </a:endParaRPr>
-          </a:p>
-        </p:txBody>
-      </p:sp>
-      <p:sp>
-        <p:nvSpPr>
-          <p:cNvPr id="15363" name="Title 1"/>
+          <p:cNvPr id="24579" name="Title 1"/>
           <p:cNvSpPr txBox="1">
             <a:spLocks/>
           </p:cNvSpPr>
@@ -8519,8 +8195,8 @@
         </p:nvSpPr>
         <p:spPr bwMode="auto">
           <a:xfrm>
-            <a:off x="282575" y="4135438"/>
-            <a:ext cx="4127500" cy="1776412"/>
+            <a:off x="273050" y="944563"/>
+            <a:ext cx="8855075" cy="608012"/>
           </a:xfrm>
           <a:prstGeom prst="rect">
             <a:avLst/>
@@ -8537,115 +8213,491 @@
           <a:bodyPr/>
           <a:lstStyle/>
           <a:p>
-            <a:pPr marL="342900" indent="-342900">
-              <a:lnSpc>
-                <a:spcPct val="125000"/>
-              </a:lnSpc>
-              <a:buFont typeface="Arial" charset="0"/>
-              <a:buChar char="•"/>
-            </a:pPr>
-            <a:r>
-              <a:rPr lang="en-US" sz="2000" b="1">
+            <a:pPr algn="ctr"/>
+            <a:r>
+              <a:rPr lang="en-US" sz="3100" b="1">
                 <a:latin typeface="Calibri Light" pitchFamily="34" charset="0"/>
               </a:rPr>
-              <a:t>CXTA team continues development of the Test Automation framework</a:t>
-            </a:r>
-          </a:p>
-          <a:p>
-            <a:pPr marL="919163" lvl="1" indent="-342900">
-              <a:lnSpc>
-                <a:spcPct val="125000"/>
-              </a:lnSpc>
-              <a:buFont typeface="Arial" charset="0"/>
-              <a:buChar char="•"/>
-            </a:pPr>
-            <a:r>
-              <a:rPr lang="en-US" sz="1400" b="1">
-                <a:latin typeface="Calibri" pitchFamily="34" charset="0"/>
-              </a:rPr>
-              <a:t>Refactoring the Mid Layer is key to adding more product under test</a:t>
+              <a:t>Git Repo     Node.js     Protractor     JavaScript   Jenkins</a:t>
             </a:r>
           </a:p>
         </p:txBody>
       </p:sp>
-      <p:pic>
-        <p:nvPicPr>
-          <p:cNvPr id="15364" name="Picture 1"/>
-          <p:cNvPicPr>
-            <a:picLocks noChangeAspect="1"/>
-          </p:cNvPicPr>
+      <p:sp>
+        <p:nvSpPr>
+          <p:cNvPr id="6" name="Content Placeholder 2"/>
+          <p:cNvSpPr txBox="1">
+            <a:spLocks/>
+          </p:cNvSpPr>
           <p:nvPr/>
-        </p:nvPicPr>
-        <p:blipFill>
-          <a:blip r:embed="rId2"/>
-          <a:srcRect/>
-          <a:stretch>
-            <a:fillRect/>
-          </a:stretch>
-        </p:blipFill>
-        <p:spPr bwMode="auto">
+        </p:nvSpPr>
+        <p:spPr>
           <a:xfrm>
-            <a:off x="4949825" y="4135438"/>
-            <a:ext cx="3613150" cy="2622550"/>
+            <a:off x="273050" y="1338263"/>
+            <a:ext cx="4162425" cy="5178425"/>
           </a:xfrm>
           <a:prstGeom prst="rect">
             <a:avLst/>
           </a:prstGeom>
-          <a:noFill/>
-          <a:ln w="9525">
-            <a:noFill/>
-            <a:miter lim="800000"/>
-            <a:headEnd/>
-            <a:tailEnd/>
-          </a:ln>
         </p:spPr>
-      </p:pic>
-      <p:sp>
-        <p:nvSpPr>
-          <p:cNvPr id="3" name="Right Arrow 2"/>
-          <p:cNvSpPr/>
-          <p:nvPr/>
-        </p:nvSpPr>
-        <p:spPr>
-          <a:xfrm>
-            <a:off x="1009650" y="5454650"/>
-            <a:ext cx="3940175" cy="457200"/>
-          </a:xfrm>
-          <a:prstGeom prst="rightArrow">
-            <a:avLst>
-              <a:gd name="adj1" fmla="val 45556"/>
-              <a:gd name="adj2" fmla="val 138889"/>
-            </a:avLst>
-          </a:prstGeom>
-        </p:spPr>
-        <p:style>
-          <a:lnRef idx="1">
-            <a:schemeClr val="accent1"/>
-          </a:lnRef>
-          <a:fillRef idx="3">
-            <a:schemeClr val="accent1"/>
-          </a:fillRef>
-          <a:effectRef idx="2">
-            <a:schemeClr val="accent1"/>
-          </a:effectRef>
-          <a:fontRef idx="minor">
-            <a:schemeClr val="lt1"/>
-          </a:fontRef>
-        </p:style>
         <p:txBody>
-          <a:bodyPr anchor="ctr"/>
-          <a:lstStyle/>
+          <a:bodyPr>
+            <a:normAutofit/>
+          </a:bodyPr>
+          <a:lstStyle>
+            <a:lvl1pPr marL="0" indent="0" algn="l" defTabSz="457200" rtl="0" eaLnBrk="1" latinLnBrk="0" hangingPunct="1">
+              <a:lnSpc>
+                <a:spcPct val="80000"/>
+              </a:lnSpc>
+              <a:spcBef>
+                <a:spcPct val="20000"/>
+              </a:spcBef>
+              <a:buSzPct val="100000"/>
+              <a:buFontTx/>
+              <a:buNone/>
+              <a:defRPr sz="2400" b="0" i="0" kern="1200" baseline="0">
+                <a:solidFill>
+                  <a:schemeClr val="tx1"/>
+                </a:solidFill>
+                <a:latin typeface="Calibri Light"/>
+                <a:ea typeface="+mn-ea"/>
+                <a:cs typeface="Calibri Light"/>
+              </a:defRPr>
+            </a:lvl1pPr>
+            <a:lvl2pPr marL="576263" indent="-234950" algn="l" defTabSz="457200" rtl="0" eaLnBrk="1" latinLnBrk="0" hangingPunct="1">
+              <a:lnSpc>
+                <a:spcPct val="80000"/>
+              </a:lnSpc>
+              <a:spcBef>
+                <a:spcPct val="20000"/>
+              </a:spcBef>
+              <a:buSzPct val="100000"/>
+              <a:buFontTx/>
+              <a:buBlip>
+                <a:blip r:embed="rId4"/>
+              </a:buBlip>
+              <a:defRPr sz="2200" b="0" i="0" kern="1200">
+                <a:solidFill>
+                  <a:schemeClr val="tx1"/>
+                </a:solidFill>
+                <a:latin typeface="Calibri Light"/>
+                <a:ea typeface="+mn-ea"/>
+                <a:cs typeface="Calibri Light"/>
+              </a:defRPr>
+            </a:lvl2pPr>
+            <a:lvl3pPr marL="801688" indent="-225425" algn="l" defTabSz="457200" rtl="0" eaLnBrk="1" latinLnBrk="0" hangingPunct="1">
+              <a:lnSpc>
+                <a:spcPct val="80000"/>
+              </a:lnSpc>
+              <a:spcBef>
+                <a:spcPct val="20000"/>
+              </a:spcBef>
+              <a:buSzPct val="100000"/>
+              <a:buFontTx/>
+              <a:buBlip>
+                <a:blip r:embed="rId4"/>
+              </a:buBlip>
+              <a:defRPr sz="2000" b="0" i="0" kern="1200">
+                <a:solidFill>
+                  <a:schemeClr val="tx1"/>
+                </a:solidFill>
+                <a:latin typeface="Calibri Light"/>
+                <a:ea typeface="+mn-ea"/>
+                <a:cs typeface="Calibri Light"/>
+              </a:defRPr>
+            </a:lvl3pPr>
+            <a:lvl4pPr marL="966788" indent="-165100" algn="l" defTabSz="457200" rtl="0" eaLnBrk="1" latinLnBrk="0" hangingPunct="1">
+              <a:lnSpc>
+                <a:spcPct val="80000"/>
+              </a:lnSpc>
+              <a:spcBef>
+                <a:spcPct val="20000"/>
+              </a:spcBef>
+              <a:buSzPct val="100000"/>
+              <a:buFontTx/>
+              <a:buBlip>
+                <a:blip r:embed="rId4"/>
+              </a:buBlip>
+              <a:defRPr sz="1800" b="0" i="0" kern="1200">
+                <a:solidFill>
+                  <a:schemeClr val="tx1"/>
+                </a:solidFill>
+                <a:latin typeface="Calibri Light"/>
+                <a:ea typeface="+mn-ea"/>
+                <a:cs typeface="Calibri Light"/>
+              </a:defRPr>
+            </a:lvl4pPr>
+            <a:lvl5pPr marL="1201738" indent="-176213" algn="l" defTabSz="457200" rtl="0" eaLnBrk="1" latinLnBrk="0" hangingPunct="1">
+              <a:lnSpc>
+                <a:spcPct val="80000"/>
+              </a:lnSpc>
+              <a:spcBef>
+                <a:spcPct val="20000"/>
+              </a:spcBef>
+              <a:buSzPct val="100000"/>
+              <a:buFontTx/>
+              <a:buBlip>
+                <a:blip r:embed="rId4"/>
+              </a:buBlip>
+              <a:defRPr sz="1600" b="0" i="0" kern="1200">
+                <a:solidFill>
+                  <a:schemeClr val="tx1"/>
+                </a:solidFill>
+                <a:latin typeface="Calibri Light"/>
+                <a:ea typeface="+mn-ea"/>
+                <a:cs typeface="Calibri Light"/>
+              </a:defRPr>
+            </a:lvl5pPr>
+            <a:lvl6pPr marL="2514600" indent="-228600" algn="l" defTabSz="457200" rtl="0" eaLnBrk="1" latinLnBrk="0" hangingPunct="1">
+              <a:spcBef>
+                <a:spcPct val="20000"/>
+              </a:spcBef>
+              <a:buFont typeface="Arial"/>
+              <a:buChar char="•"/>
+              <a:defRPr sz="2000" kern="1200">
+                <a:solidFill>
+                  <a:schemeClr val="tx1"/>
+                </a:solidFill>
+                <a:latin typeface="+mn-lt"/>
+                <a:ea typeface="+mn-ea"/>
+                <a:cs typeface="+mn-cs"/>
+              </a:defRPr>
+            </a:lvl6pPr>
+            <a:lvl7pPr marL="2971800" indent="-228600" algn="l" defTabSz="457200" rtl="0" eaLnBrk="1" latinLnBrk="0" hangingPunct="1">
+              <a:spcBef>
+                <a:spcPct val="20000"/>
+              </a:spcBef>
+              <a:buFont typeface="Arial"/>
+              <a:buChar char="•"/>
+              <a:defRPr sz="2000" kern="1200">
+                <a:solidFill>
+                  <a:schemeClr val="tx1"/>
+                </a:solidFill>
+                <a:latin typeface="+mn-lt"/>
+                <a:ea typeface="+mn-ea"/>
+                <a:cs typeface="+mn-cs"/>
+              </a:defRPr>
+            </a:lvl7pPr>
+            <a:lvl8pPr marL="3429000" indent="-228600" algn="l" defTabSz="457200" rtl="0" eaLnBrk="1" latinLnBrk="0" hangingPunct="1">
+              <a:spcBef>
+                <a:spcPct val="20000"/>
+              </a:spcBef>
+              <a:buFont typeface="Arial"/>
+              <a:buChar char="•"/>
+              <a:defRPr sz="2000" kern="1200">
+                <a:solidFill>
+                  <a:schemeClr val="tx1"/>
+                </a:solidFill>
+                <a:latin typeface="+mn-lt"/>
+                <a:ea typeface="+mn-ea"/>
+                <a:cs typeface="+mn-cs"/>
+              </a:defRPr>
+            </a:lvl8pPr>
+            <a:lvl9pPr marL="3886200" indent="-228600" algn="l" defTabSz="457200" rtl="0" eaLnBrk="1" latinLnBrk="0" hangingPunct="1">
+              <a:spcBef>
+                <a:spcPct val="20000"/>
+              </a:spcBef>
+              <a:buFont typeface="Arial"/>
+              <a:buChar char="•"/>
+              <a:defRPr sz="2000" kern="1200">
+                <a:solidFill>
+                  <a:schemeClr val="tx1"/>
+                </a:solidFill>
+                <a:latin typeface="+mn-lt"/>
+                <a:ea typeface="+mn-ea"/>
+                <a:cs typeface="+mn-cs"/>
+              </a:defRPr>
+            </a:lvl9pPr>
+          </a:lstStyle>
+          <a:p>
+            <a:pPr fontAlgn="auto">
+              <a:spcAft>
+                <a:spcPts val="0"/>
+              </a:spcAft>
+              <a:defRPr/>
+            </a:pPr>
+            <a:r>
+              <a:rPr lang="en-US" sz="600" dirty="0" smtClean="0"/>
+              <a:t>       </a:t>
+            </a:r>
+          </a:p>
           <a:p>
             <a:pPr algn="ctr" fontAlgn="auto">
-              <a:spcBef>
-                <a:spcPts val="0"/>
-              </a:spcBef>
-              <a:spcAft>
-                <a:spcPts val="0"/>
-              </a:spcAft>
-              <a:defRPr/>
-            </a:pPr>
-            <a:endParaRPr lang="en-US"/>
+              <a:spcAft>
+                <a:spcPts val="0"/>
+              </a:spcAft>
+              <a:defRPr/>
+            </a:pPr>
+            <a:r>
+              <a:rPr lang="en-US" dirty="0" smtClean="0"/>
+              <a:t>Framework is Class</a:t>
+            </a:r>
+          </a:p>
+          <a:p>
+            <a:pPr algn="ctr" fontAlgn="auto">
+              <a:spcAft>
+                <a:spcPts val="0"/>
+              </a:spcAft>
+              <a:defRPr/>
+            </a:pPr>
+            <a:r>
+              <a:rPr lang="en-US" dirty="0" smtClean="0"/>
+              <a:t>Object based</a:t>
+            </a:r>
+          </a:p>
+          <a:p>
+            <a:pPr fontAlgn="auto">
+              <a:spcAft>
+                <a:spcPts val="0"/>
+              </a:spcAft>
+              <a:defRPr/>
+            </a:pPr>
+            <a:r>
+              <a:rPr lang="en-US" sz="1600" dirty="0" smtClean="0"/>
+              <a:t>      </a:t>
+            </a:r>
+          </a:p>
+          <a:p>
+            <a:pPr fontAlgn="auto">
+              <a:lnSpc>
+                <a:spcPct val="100000"/>
+              </a:lnSpc>
+              <a:spcBef>
+                <a:spcPts val="0"/>
+              </a:spcBef>
+              <a:spcAft>
+                <a:spcPts val="0"/>
+              </a:spcAft>
+              <a:buFont typeface="Arial" panose="020B0604020202020204" pitchFamily="34" charset="0"/>
+              <a:buChar char="•"/>
+              <a:defRPr/>
+            </a:pPr>
+            <a:r>
+              <a:rPr lang="en-US" sz="2000" b="1" dirty="0"/>
+              <a:t>Core base level </a:t>
+            </a:r>
+            <a:r>
+              <a:rPr lang="en-US" sz="2000" dirty="0"/>
+              <a:t>classes </a:t>
+            </a:r>
+            <a:r>
+              <a:rPr lang="en-US" sz="2000" dirty="0" smtClean="0"/>
+              <a:t>define    </a:t>
+            </a:r>
+            <a:r>
+              <a:rPr lang="en-US" sz="2000" dirty="0" smtClean="0">
+                <a:solidFill>
+                  <a:schemeClr val="bg1"/>
+                </a:solidFill>
+              </a:rPr>
+              <a:t> …</a:t>
+            </a:r>
+            <a:r>
+              <a:rPr lang="en-US" sz="2000" dirty="0" smtClean="0"/>
+              <a:t>common components, Fields, </a:t>
+            </a:r>
+            <a:r>
+              <a:rPr lang="en-US" sz="2000" dirty="0" smtClean="0">
+                <a:solidFill>
+                  <a:schemeClr val="bg1"/>
+                </a:solidFill>
+              </a:rPr>
+              <a:t>…</a:t>
+            </a:r>
+            <a:r>
+              <a:rPr lang="en-US" sz="2000" dirty="0" smtClean="0"/>
+              <a:t>Buttons, Links</a:t>
+            </a:r>
+          </a:p>
+          <a:p>
+            <a:pPr indent="-234950" fontAlgn="auto">
+              <a:lnSpc>
+                <a:spcPct val="100000"/>
+              </a:lnSpc>
+              <a:spcBef>
+                <a:spcPts val="0"/>
+              </a:spcBef>
+              <a:spcAft>
+                <a:spcPts val="0"/>
+              </a:spcAft>
+              <a:defRPr/>
+            </a:pPr>
+            <a:r>
+              <a:rPr lang="en-US" sz="2000" dirty="0" smtClean="0"/>
+              <a:t>           </a:t>
+            </a:r>
+          </a:p>
+          <a:p>
+            <a:pPr fontAlgn="auto">
+              <a:lnSpc>
+                <a:spcPct val="100000"/>
+              </a:lnSpc>
+              <a:spcBef>
+                <a:spcPts val="0"/>
+              </a:spcBef>
+              <a:spcAft>
+                <a:spcPts val="0"/>
+              </a:spcAft>
+              <a:buFont typeface="Arial" panose="020B0604020202020204" pitchFamily="34" charset="0"/>
+              <a:buChar char="•"/>
+              <a:defRPr/>
+            </a:pPr>
+            <a:r>
+              <a:rPr lang="en-US" sz="2000" b="1" dirty="0" smtClean="0"/>
+              <a:t>Mid Level</a:t>
+            </a:r>
+            <a:r>
+              <a:rPr lang="en-US" sz="2000" dirty="0" smtClean="0"/>
+              <a:t>: Specific to an Application, </a:t>
+            </a:r>
+            <a:r>
+              <a:rPr lang="en-US" sz="2000" dirty="0" smtClean="0">
+                <a:solidFill>
+                  <a:schemeClr val="bg1"/>
+                </a:solidFill>
+              </a:rPr>
+              <a:t>...</a:t>
+            </a:r>
+            <a:r>
+              <a:rPr lang="en-US" sz="2000" dirty="0" smtClean="0"/>
+              <a:t>Collections of bases classes to </a:t>
+            </a:r>
+            <a:r>
+              <a:rPr lang="en-US" sz="2000" dirty="0" smtClean="0">
+                <a:solidFill>
+                  <a:schemeClr val="bg1"/>
+                </a:solidFill>
+              </a:rPr>
+              <a:t>...</a:t>
+            </a:r>
+            <a:r>
+              <a:rPr lang="en-US" sz="2000" dirty="0" smtClean="0"/>
+              <a:t>perform Application page specific </a:t>
+            </a:r>
+            <a:r>
+              <a:rPr lang="en-US" sz="2000" dirty="0" smtClean="0">
+                <a:solidFill>
+                  <a:schemeClr val="bg1"/>
+                </a:solidFill>
+              </a:rPr>
+              <a:t>…</a:t>
+            </a:r>
+            <a:r>
+              <a:rPr lang="en-US" sz="2000" dirty="0" smtClean="0"/>
+              <a:t>action</a:t>
+            </a:r>
+          </a:p>
+          <a:p>
+            <a:pPr indent="-234950" fontAlgn="auto">
+              <a:lnSpc>
+                <a:spcPct val="100000"/>
+              </a:lnSpc>
+              <a:spcBef>
+                <a:spcPts val="0"/>
+              </a:spcBef>
+              <a:spcAft>
+                <a:spcPts val="0"/>
+              </a:spcAft>
+              <a:defRPr/>
+            </a:pPr>
+            <a:r>
+              <a:rPr lang="en-US" sz="900" dirty="0" smtClean="0"/>
+              <a:t>   </a:t>
+            </a:r>
+          </a:p>
+          <a:p>
+            <a:pPr fontAlgn="auto">
+              <a:lnSpc>
+                <a:spcPct val="100000"/>
+              </a:lnSpc>
+              <a:spcBef>
+                <a:spcPts val="0"/>
+              </a:spcBef>
+              <a:spcAft>
+                <a:spcPts val="0"/>
+              </a:spcAft>
+              <a:buFont typeface="Arial" panose="020B0604020202020204" pitchFamily="34" charset="0"/>
+              <a:buChar char="•"/>
+              <a:defRPr/>
+            </a:pPr>
+            <a:r>
+              <a:rPr lang="en-US" sz="2000" b="1" dirty="0"/>
+              <a:t>Script</a:t>
+            </a:r>
+            <a:r>
+              <a:rPr lang="en-US" sz="2000" dirty="0"/>
+              <a:t> </a:t>
+            </a:r>
+            <a:r>
+              <a:rPr lang="en-US" sz="2000" dirty="0" smtClean="0"/>
+              <a:t>Collection of actions specific to</a:t>
+            </a:r>
+            <a:r>
+              <a:rPr lang="en-US" sz="2000" dirty="0" smtClean="0">
+                <a:solidFill>
+                  <a:schemeClr val="bg1"/>
+                </a:solidFill>
+              </a:rPr>
+              <a:t> …</a:t>
+            </a:r>
+            <a:r>
+              <a:rPr lang="en-US" sz="2000" dirty="0" smtClean="0"/>
+              <a:t>test actions and </a:t>
+            </a:r>
+            <a:r>
+              <a:rPr lang="en-US" sz="2000" dirty="0"/>
+              <a:t>methods build up </a:t>
+            </a:r>
+            <a:r>
+              <a:rPr lang="en-US" sz="2000" dirty="0" smtClean="0">
+                <a:solidFill>
+                  <a:schemeClr val="bg1"/>
+                </a:solidFill>
+              </a:rPr>
+              <a:t>…</a:t>
+            </a:r>
+            <a:r>
+              <a:rPr lang="en-US" sz="2000" dirty="0" smtClean="0"/>
+              <a:t>from </a:t>
+            </a:r>
+            <a:r>
+              <a:rPr lang="en-US" sz="2000" dirty="0"/>
+              <a:t>Core &amp; Mid Layer components</a:t>
+            </a:r>
+          </a:p>
+          <a:p>
+            <a:pPr marL="341313" lvl="1" indent="0" fontAlgn="auto">
+              <a:lnSpc>
+                <a:spcPct val="100000"/>
+              </a:lnSpc>
+              <a:spcBef>
+                <a:spcPts val="0"/>
+              </a:spcBef>
+              <a:spcAft>
+                <a:spcPts val="0"/>
+              </a:spcAft>
+              <a:buFontTx/>
+              <a:buNone/>
+              <a:defRPr/>
+            </a:pPr>
+            <a:endParaRPr lang="en-US" sz="1800" dirty="0" smtClean="0"/>
+          </a:p>
+          <a:p>
+            <a:pPr lvl="1" fontAlgn="auto">
+              <a:lnSpc>
+                <a:spcPct val="100000"/>
+              </a:lnSpc>
+              <a:spcBef>
+                <a:spcPts val="0"/>
+              </a:spcBef>
+              <a:spcAft>
+                <a:spcPts val="0"/>
+              </a:spcAft>
+              <a:buFont typeface="Arial" panose="020B0604020202020204" pitchFamily="34" charset="0"/>
+              <a:buChar char="•"/>
+              <a:defRPr/>
+            </a:pPr>
+            <a:endParaRPr lang="en-US" sz="1800" b="1" dirty="0"/>
           </a:p>
         </p:txBody>
       </p:sp>
@@ -8683,7 +8735,7 @@
       </p:grpSpPr>
       <p:sp>
         <p:nvSpPr>
-          <p:cNvPr id="16385" name="Title 1"/>
+          <p:cNvPr id="2" name="Title 1"/>
           <p:cNvSpPr>
             <a:spLocks noGrp="1"/>
           </p:cNvSpPr>
@@ -8693,28 +8745,42 @@
         </p:nvSpPr>
         <p:spPr>
           <a:xfrm>
-            <a:off x="1009650" y="779463"/>
-            <a:ext cx="7088188" cy="774700"/>
+            <a:off x="1527175" y="125413"/>
+            <a:ext cx="5238750" cy="1325562"/>
           </a:xfrm>
         </p:spPr>
         <p:txBody>
-          <a:bodyPr anchor="t"/>
+          <a:bodyPr rtlCol="0" anchor="t">
+            <a:normAutofit/>
+          </a:bodyPr>
           <a:lstStyle/>
           <a:p>
-            <a:pPr algn="ctr" eaLnBrk="1" hangingPunct="1"/>
-            <a:r>
-              <a:rPr lang="en-US" smtClean="0">
-                <a:latin typeface="Calibri Light" pitchFamily="34" charset="0"/>
-                <a:cs typeface="Calibri Light" pitchFamily="34" charset="0"/>
-              </a:rPr>
-              <a:t>ROLES &amp; RESPONSIBILITIES</a:t>
-            </a:r>
+            <a:pPr algn="ctr" eaLnBrk="1" fontAlgn="auto" hangingPunct="1">
+              <a:spcAft>
+                <a:spcPts val="0"/>
+              </a:spcAft>
+              <a:defRPr/>
+            </a:pPr>
+            <a:r>
+              <a:rPr lang="en-US" dirty="0" smtClean="0">
+                <a:ea typeface="+mj-ea"/>
+              </a:rPr>
+              <a:t>TEST EXECUTION  </a:t>
+            </a:r>
+            <a:endParaRPr lang="en-US" dirty="0">
+              <a:solidFill>
+                <a:schemeClr val="bg1">
+                  <a:lumMod val="85000"/>
+                </a:schemeClr>
+              </a:solidFill>
+              <a:ea typeface="+mj-ea"/>
+            </a:endParaRPr>
           </a:p>
         </p:txBody>
       </p:sp>
       <p:sp>
         <p:nvSpPr>
-          <p:cNvPr id="16386" name="Content Placeholder 2"/>
+          <p:cNvPr id="3" name="Content Placeholder 2"/>
           <p:cNvSpPr>
             <a:spLocks noGrp="1"/>
           </p:cNvSpPr>
@@ -8724,332 +8790,336 @@
         </p:nvSpPr>
         <p:spPr>
           <a:xfrm>
-            <a:off x="282575" y="1795463"/>
-            <a:ext cx="8821738" cy="5062537"/>
+            <a:off x="274638" y="1827213"/>
+            <a:ext cx="8567737" cy="5002212"/>
           </a:xfrm>
         </p:spPr>
         <p:txBody>
-          <a:bodyPr/>
+          <a:bodyPr rtlCol="0">
+            <a:normAutofit/>
+          </a:bodyPr>
           <a:lstStyle/>
           <a:p>
-            <a:pPr marL="342900" indent="-342900" eaLnBrk="1" hangingPunct="1">
-              <a:lnSpc>
-                <a:spcPct val="125000"/>
-              </a:lnSpc>
+            <a:pPr marL="342900" indent="-342900" eaLnBrk="1" fontAlgn="auto" hangingPunct="1">
+              <a:lnSpc>
+                <a:spcPct val="110000"/>
+              </a:lnSpc>
+              <a:spcAft>
+                <a:spcPts val="0"/>
+              </a:spcAft>
+              <a:buFont typeface="Arial" panose="020B0604020202020204" pitchFamily="34" charset="0"/>
+              <a:buChar char="•"/>
+              <a:defRPr/>
+            </a:pPr>
+            <a:r>
+              <a:rPr lang="en-US" sz="2000" b="1" dirty="0" smtClean="0">
+                <a:ea typeface="+mn-ea"/>
+              </a:rPr>
+              <a:t>Two primary modes</a:t>
+            </a:r>
+          </a:p>
+          <a:p>
+            <a:pPr lvl="1" eaLnBrk="1" fontAlgn="auto" hangingPunct="1">
+              <a:lnSpc>
+                <a:spcPct val="110000"/>
+              </a:lnSpc>
+              <a:spcAft>
+                <a:spcPts val="0"/>
+              </a:spcAft>
+              <a:buFont typeface="Arial" panose="020B0604020202020204" pitchFamily="34" charset="0"/>
+              <a:buChar char="•"/>
+              <a:defRPr/>
+            </a:pPr>
+            <a:r>
+              <a:rPr lang="en-US" sz="1800" b="1" dirty="0">
+                <a:ea typeface="+mn-ea"/>
+              </a:rPr>
+              <a:t>Schedule Based : Covers Regression </a:t>
+            </a:r>
+            <a:r>
+              <a:rPr lang="en-US" sz="1800" b="1" dirty="0" smtClean="0">
+                <a:ea typeface="+mn-ea"/>
+              </a:rPr>
+              <a:t>Testing  </a:t>
+            </a:r>
+            <a:r>
+              <a:rPr lang="en-US" sz="1200" b="1" dirty="0" smtClean="0">
+                <a:ea typeface="+mn-ea"/>
+              </a:rPr>
+              <a:t>MOT - Cron</a:t>
+            </a:r>
+            <a:endParaRPr lang="en-US" sz="1200" b="1" dirty="0">
+              <a:ea typeface="+mn-ea"/>
+            </a:endParaRPr>
+          </a:p>
+          <a:p>
+            <a:pPr lvl="1" eaLnBrk="1" fontAlgn="auto" hangingPunct="1">
+              <a:lnSpc>
+                <a:spcPct val="110000"/>
+              </a:lnSpc>
+              <a:spcAft>
+                <a:spcPts val="0"/>
+              </a:spcAft>
+              <a:buFont typeface="Arial" panose="020B0604020202020204" pitchFamily="34" charset="0"/>
+              <a:buChar char="•"/>
+              <a:defRPr/>
+            </a:pPr>
+            <a:r>
+              <a:rPr lang="en-US" sz="1800" b="1" dirty="0">
+                <a:ea typeface="+mn-ea"/>
+              </a:rPr>
+              <a:t>On Demand : Covers all developer build initiated </a:t>
+            </a:r>
+            <a:r>
+              <a:rPr lang="en-US" sz="1800" b="1" dirty="0" smtClean="0">
+                <a:ea typeface="+mn-ea"/>
+              </a:rPr>
+              <a:t>testing  </a:t>
+            </a:r>
+            <a:r>
+              <a:rPr lang="en-US" sz="1200" b="1" dirty="0" smtClean="0">
+                <a:ea typeface="+mn-ea"/>
+              </a:rPr>
+              <a:t>DIT - Jenkins</a:t>
+            </a:r>
+            <a:endParaRPr lang="en-US" sz="1200" b="1" dirty="0">
+              <a:ea typeface="+mn-ea"/>
+            </a:endParaRPr>
+          </a:p>
+          <a:p>
+            <a:pPr marL="457206" lvl="1" indent="0" eaLnBrk="1" fontAlgn="auto" hangingPunct="1">
+              <a:lnSpc>
+                <a:spcPct val="110000"/>
+              </a:lnSpc>
+              <a:spcAft>
+                <a:spcPts val="0"/>
+              </a:spcAft>
               <a:buFontTx/>
-              <a:buChar char="•"/>
-            </a:pPr>
-            <a:r>
-              <a:rPr lang="en-US" sz="2000" b="1" smtClean="0">
-                <a:latin typeface="Calibri Light" pitchFamily="34" charset="0"/>
-                <a:cs typeface="Calibri Light" pitchFamily="34" charset="0"/>
-              </a:rPr>
-              <a:t>Shopping &amp; Buying Development Engineers</a:t>
-            </a:r>
-          </a:p>
-          <a:p>
-            <a:pPr marL="919163" lvl="1" indent="-342900" eaLnBrk="1" hangingPunct="1">
-              <a:lnSpc>
-                <a:spcPct val="105000"/>
-              </a:lnSpc>
-              <a:spcBef>
-                <a:spcPct val="0"/>
-              </a:spcBef>
-            </a:pPr>
-            <a:r>
-              <a:rPr lang="en-US" sz="1400" smtClean="0">
-                <a:latin typeface="Calibri Light" pitchFamily="34" charset="0"/>
-                <a:cs typeface="Calibri Light" pitchFamily="34" charset="0"/>
-              </a:rPr>
-              <a:t>Responsible for all new  Page Level Functional Integration Tests</a:t>
-            </a:r>
-          </a:p>
-          <a:p>
-            <a:pPr marL="919163" lvl="1" indent="-342900" eaLnBrk="1" hangingPunct="1">
-              <a:lnSpc>
-                <a:spcPct val="105000"/>
-              </a:lnSpc>
-              <a:spcBef>
-                <a:spcPct val="0"/>
-              </a:spcBef>
-            </a:pPr>
-            <a:r>
-              <a:rPr lang="en-US" sz="1400" smtClean="0">
-                <a:latin typeface="Calibri Light" pitchFamily="34" charset="0"/>
-                <a:cs typeface="Calibri Light" pitchFamily="34" charset="0"/>
-              </a:rPr>
-              <a:t>Responsible for correcting all test failures in  ../fitmp  directory, keeping it completely operational</a:t>
-            </a:r>
-            <a:endParaRPr lang="en-US" sz="1400" b="1" smtClean="0">
-              <a:latin typeface="Calibri Light" pitchFamily="34" charset="0"/>
-              <a:cs typeface="Calibri Light" pitchFamily="34" charset="0"/>
+              <a:buNone/>
+              <a:defRPr/>
+            </a:pPr>
+            <a:r>
+              <a:rPr lang="en-US" sz="1600" b="1" dirty="0" smtClean="0">
+                <a:ea typeface="+mn-ea"/>
+              </a:rPr>
+              <a:t>                  </a:t>
+            </a:r>
+            <a:endParaRPr lang="en-US" sz="1400" b="1" dirty="0">
+              <a:ea typeface="+mn-ea"/>
             </a:endParaRPr>
           </a:p>
           <a:p>
-            <a:pPr marL="342900" indent="-342900" eaLnBrk="1" hangingPunct="1">
-              <a:lnSpc>
-                <a:spcPct val="125000"/>
-              </a:lnSpc>
+            <a:pPr marL="342900" indent="-342900" eaLnBrk="1" fontAlgn="auto" hangingPunct="1">
+              <a:spcAft>
+                <a:spcPts val="0"/>
+              </a:spcAft>
+              <a:buFont typeface="Arial" panose="020B0604020202020204" pitchFamily="34" charset="0"/>
+              <a:buChar char="•"/>
+              <a:defRPr/>
+            </a:pPr>
+            <a:r>
+              <a:rPr lang="en-US" sz="2000" b="1" dirty="0">
+                <a:ea typeface="+mn-ea"/>
+              </a:rPr>
+              <a:t>Configuration controlled </a:t>
+            </a:r>
+            <a:r>
+              <a:rPr lang="en-US" sz="2000" b="1" dirty="0" smtClean="0">
+                <a:ea typeface="+mn-ea"/>
+              </a:rPr>
+              <a:t>testing:  </a:t>
+            </a:r>
+            <a:r>
+              <a:rPr lang="en-US" sz="2000" b="1" u="sng" dirty="0" smtClean="0">
+                <a:ea typeface="+mn-ea"/>
+              </a:rPr>
+              <a:t>Biggest Evolutionary Advance</a:t>
+            </a:r>
+            <a:endParaRPr lang="en-US" sz="2000" b="1" u="sng" dirty="0">
+              <a:ea typeface="+mn-ea"/>
+            </a:endParaRPr>
+          </a:p>
+          <a:p>
+            <a:pPr lvl="1" eaLnBrk="1" fontAlgn="auto" hangingPunct="1">
+              <a:lnSpc>
+                <a:spcPct val="100000"/>
+              </a:lnSpc>
+              <a:spcAft>
+                <a:spcPts val="0"/>
+              </a:spcAft>
+              <a:buFont typeface="Arial" panose="020B0604020202020204" pitchFamily="34" charset="0"/>
+              <a:buChar char="•"/>
+              <a:defRPr/>
+            </a:pPr>
+            <a:r>
+              <a:rPr lang="en-US" sz="1800" b="1" dirty="0">
+                <a:ea typeface="+mn-ea"/>
+              </a:rPr>
+              <a:t>Evolutionary change in configuration </a:t>
+            </a:r>
+            <a:r>
+              <a:rPr lang="en-US" sz="1800" b="1" dirty="0" smtClean="0">
+                <a:ea typeface="+mn-ea"/>
+              </a:rPr>
+              <a:t>approach </a:t>
+            </a:r>
+            <a:r>
+              <a:rPr lang="en-US" sz="1800" b="1" dirty="0">
+                <a:ea typeface="+mn-ea"/>
+              </a:rPr>
+              <a:t>moves </a:t>
+            </a:r>
+            <a:r>
+              <a:rPr lang="en-US" sz="1800" b="1" dirty="0" smtClean="0">
+                <a:ea typeface="+mn-ea"/>
+              </a:rPr>
+              <a:t>control </a:t>
+            </a:r>
+            <a:r>
+              <a:rPr lang="en-US" sz="1800" b="1" dirty="0">
+                <a:ea typeface="+mn-ea"/>
+              </a:rPr>
+              <a:t>of what product and state being tested out of the </a:t>
+            </a:r>
+            <a:r>
+              <a:rPr lang="en-US" sz="1800" b="1" dirty="0" smtClean="0">
+                <a:ea typeface="+mn-ea"/>
+              </a:rPr>
+              <a:t>test script </a:t>
+            </a:r>
+            <a:r>
+              <a:rPr lang="en-US" sz="1800" b="1" dirty="0">
+                <a:ea typeface="+mn-ea"/>
+              </a:rPr>
+              <a:t>and </a:t>
+            </a:r>
+            <a:r>
+              <a:rPr lang="en-US" sz="1800" b="1" dirty="0" smtClean="0">
+                <a:ea typeface="+mn-ea"/>
+              </a:rPr>
+              <a:t>into </a:t>
+            </a:r>
+            <a:r>
+              <a:rPr lang="en-US" sz="1800" b="1" dirty="0">
+                <a:ea typeface="+mn-ea"/>
+              </a:rPr>
+              <a:t>Framework </a:t>
+            </a:r>
+            <a:r>
+              <a:rPr lang="en-US" sz="1800" b="1" dirty="0" smtClean="0">
+                <a:ea typeface="+mn-ea"/>
+              </a:rPr>
+              <a:t>Configuration</a:t>
+            </a:r>
+            <a:endParaRPr lang="en-US" sz="1800" b="1" dirty="0">
+              <a:ea typeface="+mn-ea"/>
+            </a:endParaRPr>
+          </a:p>
+          <a:p>
+            <a:pPr eaLnBrk="1" fontAlgn="auto" hangingPunct="1">
+              <a:spcAft>
+                <a:spcPts val="0"/>
+              </a:spcAft>
+              <a:defRPr/>
+            </a:pPr>
+            <a:endParaRPr lang="en-US" b="1" dirty="0">
+              <a:ea typeface="+mn-ea"/>
+            </a:endParaRPr>
+          </a:p>
+          <a:p>
+            <a:pPr marL="342900" indent="-342900" eaLnBrk="1" fontAlgn="auto" hangingPunct="1">
+              <a:spcAft>
+                <a:spcPts val="0"/>
+              </a:spcAft>
+              <a:buFont typeface="Arial" panose="020B0604020202020204" pitchFamily="34" charset="0"/>
+              <a:buChar char="•"/>
+              <a:defRPr/>
+            </a:pPr>
+            <a:r>
+              <a:rPr lang="en-US" sz="2000" b="1" dirty="0" smtClean="0">
+                <a:ea typeface="+mn-ea"/>
+              </a:rPr>
+              <a:t>All testing regardless of mode is </a:t>
+            </a:r>
+            <a:r>
+              <a:rPr lang="en-US" sz="2000" b="1" u="sng" dirty="0" smtClean="0">
+                <a:ea typeface="+mn-ea"/>
+              </a:rPr>
+              <a:t>configurable</a:t>
+            </a:r>
+            <a:r>
+              <a:rPr lang="en-US" sz="2000" b="1" dirty="0" smtClean="0">
+                <a:ea typeface="+mn-ea"/>
+              </a:rPr>
+              <a:t> prior to run</a:t>
+            </a:r>
+          </a:p>
+          <a:p>
+            <a:pPr lvl="1" eaLnBrk="1" fontAlgn="auto" hangingPunct="1">
+              <a:spcAft>
+                <a:spcPts val="0"/>
+              </a:spcAft>
+              <a:buFont typeface="Arial" panose="020B0604020202020204" pitchFamily="34" charset="0"/>
+              <a:buChar char="•"/>
+              <a:defRPr/>
+            </a:pPr>
+            <a:r>
+              <a:rPr lang="en-US" sz="1800" b="1" dirty="0" smtClean="0">
+                <a:ea typeface="+mn-ea"/>
+              </a:rPr>
+              <a:t>Developers use configuration to focus testing on development code</a:t>
+            </a:r>
+          </a:p>
+          <a:p>
+            <a:pPr lvl="1" eaLnBrk="1" fontAlgn="auto" hangingPunct="1">
+              <a:spcAft>
+                <a:spcPts val="0"/>
+              </a:spcAft>
+              <a:buFont typeface="Arial" panose="020B0604020202020204" pitchFamily="34" charset="0"/>
+              <a:buChar char="•"/>
+              <a:defRPr/>
+            </a:pPr>
+            <a:r>
+              <a:rPr lang="en-US" sz="1800" b="1" dirty="0" smtClean="0">
+                <a:ea typeface="+mn-ea"/>
+              </a:rPr>
+              <a:t>Gives </a:t>
+            </a:r>
+            <a:r>
+              <a:rPr lang="en-US" sz="1800" b="1" dirty="0"/>
+              <a:t>NGTA </a:t>
+            </a:r>
+            <a:r>
+              <a:rPr lang="en-US" sz="1800" b="1" dirty="0" smtClean="0">
+                <a:ea typeface="+mn-ea"/>
+              </a:rPr>
+              <a:t>ability </a:t>
+            </a:r>
+            <a:r>
+              <a:rPr lang="en-US" sz="1800" b="1" dirty="0" smtClean="0">
+                <a:ea typeface="+mn-ea"/>
+              </a:rPr>
+              <a:t>to test on same deployed code w/out stepping on Dev</a:t>
+            </a:r>
+          </a:p>
+          <a:p>
+            <a:pPr marL="457206" lvl="1" indent="0" eaLnBrk="1" fontAlgn="auto" hangingPunct="1">
+              <a:spcAft>
+                <a:spcPts val="0"/>
+              </a:spcAft>
               <a:buFontTx/>
-              <a:buChar char="•"/>
-            </a:pPr>
-            <a:r>
-              <a:rPr lang="en-US" sz="2000" b="1" smtClean="0">
-                <a:latin typeface="Calibri Light" pitchFamily="34" charset="0"/>
-                <a:cs typeface="Calibri Light" pitchFamily="34" charset="0"/>
-              </a:rPr>
-              <a:t>Provider Directory Development Engineers </a:t>
-            </a:r>
-          </a:p>
-          <a:p>
-            <a:pPr marL="919163" lvl="1" indent="-342900" eaLnBrk="1" hangingPunct="1">
-              <a:lnSpc>
-                <a:spcPct val="105000"/>
-              </a:lnSpc>
-              <a:spcBef>
-                <a:spcPct val="0"/>
-              </a:spcBef>
-            </a:pPr>
-            <a:r>
-              <a:rPr lang="en-US" sz="1400" smtClean="0">
-                <a:latin typeface="Calibri Light" pitchFamily="34" charset="0"/>
-                <a:cs typeface="Calibri Light" pitchFamily="34" charset="0"/>
-              </a:rPr>
-              <a:t>Responsible for all new Template level Functional Integration Tests</a:t>
-            </a:r>
-          </a:p>
-          <a:p>
-            <a:pPr marL="919163" lvl="1" indent="-342900" eaLnBrk="1" hangingPunct="1">
-              <a:lnSpc>
-                <a:spcPct val="105000"/>
-              </a:lnSpc>
-              <a:spcBef>
-                <a:spcPct val="0"/>
-              </a:spcBef>
-            </a:pPr>
-            <a:r>
-              <a:rPr lang="en-US" sz="1400" smtClean="0">
-                <a:latin typeface="Calibri Light" pitchFamily="34" charset="0"/>
-                <a:cs typeface="Calibri Light" pitchFamily="34" charset="0"/>
-              </a:rPr>
-              <a:t>Responsible for correcting all test failures in the  ../fitpd  directory, keeping all test operational</a:t>
-            </a:r>
-          </a:p>
-          <a:p>
-            <a:pPr marL="342900" indent="-342900" eaLnBrk="1" hangingPunct="1">
-              <a:lnSpc>
-                <a:spcPct val="125000"/>
-              </a:lnSpc>
-              <a:buFontTx/>
-              <a:buChar char="•"/>
-            </a:pPr>
-            <a:r>
-              <a:rPr lang="en-US" sz="2000" b="1" smtClean="0">
-                <a:latin typeface="Calibri Light" pitchFamily="34" charset="0"/>
-                <a:cs typeface="Calibri Light" pitchFamily="34" charset="0"/>
-              </a:rPr>
-              <a:t> Core Technology API Team engineers</a:t>
-            </a:r>
-          </a:p>
-          <a:p>
-            <a:pPr marL="919163" lvl="1" indent="-342900" eaLnBrk="1" hangingPunct="1">
-              <a:lnSpc>
-                <a:spcPct val="105000"/>
-              </a:lnSpc>
-              <a:spcBef>
-                <a:spcPct val="0"/>
-              </a:spcBef>
-            </a:pPr>
-            <a:r>
-              <a:rPr lang="en-US" sz="1400" smtClean="0">
-                <a:latin typeface="Calibri Light" pitchFamily="34" charset="0"/>
-                <a:cs typeface="Calibri Light" pitchFamily="34" charset="0"/>
-              </a:rPr>
-              <a:t>Responsible for adding new tests to the REST API regression suite </a:t>
-            </a:r>
-          </a:p>
-          <a:p>
-            <a:pPr marL="919163" lvl="1" indent="-342900" eaLnBrk="1" hangingPunct="1">
-              <a:lnSpc>
-                <a:spcPct val="105000"/>
-              </a:lnSpc>
-              <a:spcBef>
-                <a:spcPct val="0"/>
-              </a:spcBef>
-            </a:pPr>
-            <a:r>
-              <a:rPr lang="en-US" sz="1400" smtClean="0">
-                <a:latin typeface="Calibri Light" pitchFamily="34" charset="0"/>
-                <a:cs typeface="Calibri Light" pitchFamily="34" charset="0"/>
-              </a:rPr>
-              <a:t>Responsible for correcting all test failures in the ../fitapi directory, keeping all test operational</a:t>
-            </a:r>
-          </a:p>
-          <a:p>
-            <a:pPr marL="342900" indent="-342900" eaLnBrk="1" hangingPunct="1">
-              <a:lnSpc>
-                <a:spcPct val="125000"/>
-              </a:lnSpc>
-            </a:pPr>
-            <a:r>
-              <a:rPr lang="en-US" sz="500" b="1" smtClean="0">
-                <a:latin typeface="Calibri Light" pitchFamily="34" charset="0"/>
-                <a:cs typeface="Calibri Light" pitchFamily="34" charset="0"/>
-              </a:rPr>
-              <a:t>             </a:t>
-            </a:r>
-          </a:p>
-          <a:p>
-            <a:pPr marL="342900" indent="-342900" eaLnBrk="1" hangingPunct="1">
-              <a:lnSpc>
-                <a:spcPct val="125000"/>
-              </a:lnSpc>
-              <a:buFontTx/>
-              <a:buChar char="•"/>
-            </a:pPr>
-            <a:r>
-              <a:rPr lang="en-US" sz="2000" b="1" smtClean="0">
-                <a:latin typeface="Calibri Light" pitchFamily="34" charset="0"/>
-                <a:cs typeface="Calibri Light" pitchFamily="34" charset="0"/>
-              </a:rPr>
-              <a:t>CXTA Team engineers</a:t>
-            </a:r>
-          </a:p>
-          <a:p>
-            <a:pPr marL="919163" lvl="1" indent="-342900" eaLnBrk="1" hangingPunct="1">
-              <a:lnSpc>
-                <a:spcPct val="105000"/>
-              </a:lnSpc>
-              <a:spcBef>
-                <a:spcPct val="0"/>
-              </a:spcBef>
-              <a:buFont typeface="Arial" charset="0"/>
-              <a:buChar char="•"/>
-            </a:pPr>
-            <a:r>
-              <a:rPr lang="en-US" sz="1400" smtClean="0">
-                <a:latin typeface="Calibri Light" pitchFamily="34" charset="0"/>
-                <a:cs typeface="Calibri Light" pitchFamily="34" charset="0"/>
-              </a:rPr>
-              <a:t>Oversee and manage all Framework development. </a:t>
-            </a:r>
-          </a:p>
-          <a:p>
-            <a:pPr marL="919163" lvl="1" indent="-342900" eaLnBrk="1" hangingPunct="1">
-              <a:lnSpc>
-                <a:spcPct val="105000"/>
-              </a:lnSpc>
-              <a:spcBef>
-                <a:spcPct val="0"/>
-              </a:spcBef>
-              <a:buFont typeface="Arial" charset="0"/>
-              <a:buChar char="•"/>
-            </a:pPr>
-            <a:r>
-              <a:rPr lang="en-US" sz="1400" smtClean="0">
-                <a:latin typeface="Calibri Light" pitchFamily="34" charset="0"/>
-                <a:cs typeface="Calibri Light" pitchFamily="34" charset="0"/>
-              </a:rPr>
-              <a:t>Continual frame work improvement, evaluating all need for new coverage</a:t>
-            </a:r>
-          </a:p>
-          <a:p>
-            <a:pPr marL="919163" lvl="1" indent="-342900" eaLnBrk="1" hangingPunct="1">
-              <a:lnSpc>
-                <a:spcPct val="105000"/>
-              </a:lnSpc>
-              <a:spcBef>
-                <a:spcPct val="0"/>
-              </a:spcBef>
-              <a:buFont typeface="Arial" charset="0"/>
-              <a:buChar char="•"/>
-            </a:pPr>
-            <a:r>
-              <a:rPr lang="en-US" sz="1400" smtClean="0">
-                <a:latin typeface="Calibri Light" pitchFamily="34" charset="0"/>
-                <a:cs typeface="Calibri Light" pitchFamily="34" charset="0"/>
-              </a:rPr>
-              <a:t>Continually analyze mid layer code</a:t>
-            </a:r>
-          </a:p>
-          <a:p>
-            <a:pPr marL="919163" lvl="1" indent="-342900" eaLnBrk="1" hangingPunct="1">
-              <a:lnSpc>
-                <a:spcPct val="105000"/>
-              </a:lnSpc>
-              <a:spcBef>
-                <a:spcPct val="0"/>
-              </a:spcBef>
-              <a:buFont typeface="Arial" charset="0"/>
-              <a:buChar char="•"/>
-            </a:pPr>
-            <a:r>
-              <a:rPr lang="en-US" sz="1400" smtClean="0">
-                <a:latin typeface="Calibri Light" pitchFamily="34" charset="0"/>
-                <a:cs typeface="Calibri Light" pitchFamily="34" charset="0"/>
-              </a:rPr>
-              <a:t>Refactor content from mid layer to the lower common layer</a:t>
-            </a:r>
-          </a:p>
-          <a:p>
-            <a:pPr marL="919163" lvl="1" indent="-342900" eaLnBrk="1" hangingPunct="1">
-              <a:lnSpc>
-                <a:spcPct val="105000"/>
-              </a:lnSpc>
-              <a:spcBef>
-                <a:spcPct val="0"/>
-              </a:spcBef>
-              <a:buFont typeface="Arial" charset="0"/>
-              <a:buChar char="•"/>
-            </a:pPr>
-            <a:r>
-              <a:rPr lang="en-US" sz="1400" smtClean="0">
-                <a:latin typeface="Calibri Light" pitchFamily="34" charset="0"/>
-                <a:cs typeface="Calibri Light" pitchFamily="34" charset="0"/>
-              </a:rPr>
-              <a:t>Develop all End to End test automation scripts based on business use cases</a:t>
-            </a:r>
-          </a:p>
-        </p:txBody>
-      </p:sp>
-      <p:sp>
-        <p:nvSpPr>
-          <p:cNvPr id="16387" name="Title 1"/>
-          <p:cNvSpPr txBox="1">
-            <a:spLocks/>
-          </p:cNvSpPr>
-          <p:nvPr/>
-        </p:nvSpPr>
-        <p:spPr bwMode="auto">
-          <a:xfrm>
-            <a:off x="1009650" y="128588"/>
-            <a:ext cx="5765800" cy="650875"/>
-          </a:xfrm>
-          <a:prstGeom prst="rect">
-            <a:avLst/>
-          </a:prstGeom>
-          <a:noFill/>
-          <a:ln w="9525">
-            <a:noFill/>
-            <a:miter lim="800000"/>
-            <a:headEnd/>
-            <a:tailEnd/>
-          </a:ln>
-        </p:spPr>
-        <p:txBody>
-          <a:bodyPr/>
-          <a:lstStyle/>
-          <a:p>
-            <a:pPr algn="ctr"/>
-            <a:r>
-              <a:rPr lang="en-US" sz="5000">
-                <a:solidFill>
-                  <a:srgbClr val="128BAD"/>
-                </a:solidFill>
-                <a:latin typeface="Calibri Light" pitchFamily="34" charset="0"/>
-              </a:rPr>
-              <a:t>ROLL OUT</a:t>
-            </a:r>
+              <a:buNone/>
+              <a:defRPr/>
+            </a:pPr>
+            <a:r>
+              <a:rPr lang="en-US" sz="1400" dirty="0" smtClean="0">
+                <a:ea typeface="+mn-ea"/>
+              </a:rPr>
+              <a:t>      </a:t>
+            </a:r>
+            <a:endParaRPr lang="en-US" sz="1400" dirty="0">
+              <a:ea typeface="+mn-ea"/>
+            </a:endParaRPr>
           </a:p>
         </p:txBody>
       </p:sp>
@@ -9097,8 +9167,8 @@
         </p:nvSpPr>
         <p:spPr>
           <a:xfrm>
-            <a:off x="1009650" y="779463"/>
-            <a:ext cx="6356350" cy="866775"/>
+            <a:off x="1527175" y="125413"/>
+            <a:ext cx="5238750" cy="1325562"/>
           </a:xfrm>
         </p:spPr>
         <p:txBody>
@@ -9117,7 +9187,7 @@
               <a:rPr lang="en-US" dirty="0" smtClean="0">
                 <a:ea typeface="+mj-ea"/>
               </a:rPr>
-              <a:t>PROPOSED TIME LINE</a:t>
+              <a:t>TESTING TYPES  </a:t>
             </a:r>
             <a:endParaRPr lang="en-US" dirty="0">
               <a:solidFill>
@@ -9132,7 +9202,7 @@
       </p:sp>
       <p:sp>
         <p:nvSpPr>
-          <p:cNvPr id="17410" name="Content Placeholder 2"/>
+          <p:cNvPr id="3" name="Content Placeholder 2"/>
           <p:cNvSpPr>
             <a:spLocks noGrp="1"/>
           </p:cNvSpPr>
@@ -9142,323 +9212,326 @@
         </p:nvSpPr>
         <p:spPr>
           <a:xfrm>
-            <a:off x="285750" y="1827213"/>
-            <a:ext cx="8567738" cy="4868862"/>
+            <a:off x="274638" y="1746250"/>
+            <a:ext cx="8567737" cy="5002213"/>
           </a:xfrm>
         </p:spPr>
         <p:txBody>
-          <a:bodyPr/>
+          <a:bodyPr rtlCol="0">
+            <a:normAutofit/>
+          </a:bodyPr>
           <a:lstStyle/>
           <a:p>
-            <a:pPr marL="342900" indent="-342900" eaLnBrk="1" hangingPunct="1">
-              <a:lnSpc>
-                <a:spcPct val="110000"/>
-              </a:lnSpc>
-              <a:spcBef>
-                <a:spcPct val="0"/>
-              </a:spcBef>
-              <a:buFontTx/>
-              <a:buChar char="•"/>
-            </a:pPr>
-            <a:r>
-              <a:rPr lang="en-US" sz="2000" b="1" smtClean="0">
-                <a:latin typeface="Calibri Light" pitchFamily="34" charset="0"/>
-                <a:cs typeface="Calibri Light" pitchFamily="34" charset="0"/>
-              </a:rPr>
-              <a:t>ROLL OUT &amp; ENGINEERING ADOPTION</a:t>
-            </a:r>
-          </a:p>
-          <a:p>
-            <a:pPr lvl="2" eaLnBrk="1" hangingPunct="1">
-              <a:lnSpc>
-                <a:spcPct val="110000"/>
-              </a:lnSpc>
-              <a:spcBef>
-                <a:spcPct val="0"/>
-              </a:spcBef>
-              <a:buFontTx/>
-              <a:buChar char="•"/>
-            </a:pPr>
-            <a:r>
-              <a:rPr lang="en-US" sz="1800" b="1" smtClean="0">
-                <a:latin typeface="Calibri Light" pitchFamily="34" charset="0"/>
-                <a:cs typeface="Calibri Light" pitchFamily="34" charset="0"/>
-              </a:rPr>
-              <a:t>Refactor mid layer, ensure API is uniform</a:t>
-            </a:r>
-          </a:p>
-          <a:p>
-            <a:pPr lvl="2" eaLnBrk="1" hangingPunct="1">
-              <a:lnSpc>
-                <a:spcPct val="110000"/>
-              </a:lnSpc>
-              <a:spcBef>
-                <a:spcPct val="0"/>
-              </a:spcBef>
-              <a:buFontTx/>
-              <a:buChar char="•"/>
-            </a:pPr>
-            <a:r>
-              <a:rPr lang="en-US" sz="1800" b="1" smtClean="0">
-                <a:latin typeface="Calibri Light" pitchFamily="34" charset="0"/>
-                <a:cs typeface="Calibri Light" pitchFamily="34" charset="0"/>
-              </a:rPr>
-              <a:t>Write up training aids, examples of installation and configuration</a:t>
-            </a:r>
-          </a:p>
-          <a:p>
-            <a:pPr lvl="2" eaLnBrk="1" hangingPunct="1">
-              <a:lnSpc>
-                <a:spcPct val="110000"/>
-              </a:lnSpc>
-              <a:spcBef>
-                <a:spcPct val="0"/>
-              </a:spcBef>
-              <a:buFontTx/>
-              <a:buChar char="•"/>
-            </a:pPr>
-            <a:r>
-              <a:rPr lang="en-US" sz="1800" b="1" smtClean="0">
-                <a:latin typeface="Calibri Light" pitchFamily="34" charset="0"/>
-                <a:cs typeface="Calibri Light" pitchFamily="34" charset="0"/>
-              </a:rPr>
-              <a:t>Training staff in the use and operation</a:t>
-            </a:r>
-          </a:p>
-          <a:p>
-            <a:pPr lvl="2" eaLnBrk="1" hangingPunct="1">
-              <a:lnSpc>
-                <a:spcPct val="110000"/>
-              </a:lnSpc>
-              <a:spcBef>
-                <a:spcPct val="0"/>
-              </a:spcBef>
-              <a:buFontTx/>
-              <a:buChar char="•"/>
-            </a:pPr>
-            <a:r>
-              <a:rPr lang="en-US" sz="1800" b="1" smtClean="0">
-                <a:latin typeface="Calibri Light" pitchFamily="34" charset="0"/>
-                <a:cs typeface="Calibri Light" pitchFamily="34" charset="0"/>
-              </a:rPr>
-              <a:t>Test and debug initial installations</a:t>
-            </a:r>
-          </a:p>
-          <a:p>
-            <a:pPr marL="457200" lvl="1" indent="0" eaLnBrk="1" hangingPunct="1">
-              <a:lnSpc>
-                <a:spcPct val="110000"/>
-              </a:lnSpc>
-              <a:spcBef>
-                <a:spcPct val="0"/>
-              </a:spcBef>
+            <a:pPr marL="342900" indent="-342900" eaLnBrk="1" fontAlgn="auto" hangingPunct="1">
+              <a:lnSpc>
+                <a:spcPct val="150000"/>
+              </a:lnSpc>
+              <a:spcBef>
+                <a:spcPts val="0"/>
+              </a:spcBef>
+              <a:spcAft>
+                <a:spcPts val="0"/>
+              </a:spcAft>
+              <a:buFont typeface="Arial" panose="020B0604020202020204" pitchFamily="34" charset="0"/>
+              <a:buChar char="•"/>
+              <a:defRPr/>
+            </a:pPr>
+            <a:r>
+              <a:rPr lang="en-US" sz="2000" b="1" dirty="0" smtClean="0">
+                <a:ea typeface="+mn-ea"/>
+              </a:rPr>
+              <a:t>Three primary types of testing</a:t>
+            </a:r>
+          </a:p>
+          <a:p>
+            <a:pPr lvl="1" eaLnBrk="1" fontAlgn="auto" hangingPunct="1">
+              <a:lnSpc>
+                <a:spcPct val="150000"/>
+              </a:lnSpc>
+              <a:spcBef>
+                <a:spcPts val="0"/>
+              </a:spcBef>
+              <a:spcAft>
+                <a:spcPts val="0"/>
+              </a:spcAft>
+              <a:buFont typeface="Arial" panose="020B0604020202020204" pitchFamily="34" charset="0"/>
+              <a:buChar char="•"/>
+              <a:defRPr/>
+            </a:pPr>
+            <a:r>
+              <a:rPr lang="en-US" sz="1800" b="1" dirty="0" smtClean="0">
+                <a:ea typeface="+mn-ea"/>
+              </a:rPr>
+              <a:t>Page level Functional Integration </a:t>
+            </a:r>
+          </a:p>
+          <a:p>
+            <a:pPr lvl="2" eaLnBrk="1" fontAlgn="auto" hangingPunct="1">
+              <a:lnSpc>
+                <a:spcPct val="150000"/>
+              </a:lnSpc>
+              <a:spcBef>
+                <a:spcPts val="0"/>
+              </a:spcBef>
+              <a:spcAft>
+                <a:spcPts val="0"/>
+              </a:spcAft>
+              <a:buFont typeface="Arial" panose="020B0604020202020204" pitchFamily="34" charset="0"/>
+              <a:buChar char="•"/>
+              <a:defRPr/>
+            </a:pPr>
+            <a:r>
+              <a:rPr lang="en-US" sz="1400" b="1" dirty="0" smtClean="0">
+                <a:ea typeface="+mn-ea"/>
+              </a:rPr>
+              <a:t>Complete page element analysis</a:t>
+            </a:r>
+            <a:r>
+              <a:rPr lang="en-US" sz="1400" b="1" dirty="0">
+                <a:ea typeface="+mn-ea"/>
+              </a:rPr>
+              <a:t> </a:t>
+            </a:r>
+            <a:r>
+              <a:rPr lang="en-US" sz="1400" b="1" dirty="0" smtClean="0">
+                <a:ea typeface="+mn-ea"/>
+              </a:rPr>
+              <a:t>across all pages in application</a:t>
+            </a:r>
+          </a:p>
+          <a:p>
+            <a:pPr lvl="2" eaLnBrk="1" fontAlgn="auto" hangingPunct="1">
+              <a:lnSpc>
+                <a:spcPct val="150000"/>
+              </a:lnSpc>
+              <a:spcBef>
+                <a:spcPts val="0"/>
+              </a:spcBef>
+              <a:spcAft>
+                <a:spcPts val="0"/>
+              </a:spcAft>
+              <a:buFont typeface="Arial" panose="020B0604020202020204" pitchFamily="34" charset="0"/>
+              <a:buChar char="•"/>
+              <a:defRPr/>
+            </a:pPr>
+            <a:r>
+              <a:rPr lang="en-US" sz="1400" b="1" dirty="0" smtClean="0">
+                <a:ea typeface="+mn-ea"/>
+              </a:rPr>
+              <a:t>Every Button, Field, Check Box, Link, etc.  Functionally evaluated and error checked</a:t>
+            </a:r>
+          </a:p>
+          <a:p>
+            <a:pPr marL="341313" lvl="1" indent="0" eaLnBrk="1" fontAlgn="auto" hangingPunct="1">
+              <a:lnSpc>
+                <a:spcPct val="150000"/>
+              </a:lnSpc>
+              <a:spcBef>
+                <a:spcPts val="0"/>
+              </a:spcBef>
+              <a:spcAft>
+                <a:spcPts val="0"/>
+              </a:spcAft>
               <a:buFontTx/>
               <a:buNone/>
-            </a:pPr>
-            <a:r>
-              <a:rPr lang="en-US" sz="1600" b="1" smtClean="0">
-                <a:latin typeface="Calibri Light" pitchFamily="34" charset="0"/>
-                <a:cs typeface="Calibri Light" pitchFamily="34" charset="0"/>
-              </a:rPr>
-              <a:t>                  </a:t>
-            </a:r>
-            <a:endParaRPr lang="en-US" sz="1400" b="1" smtClean="0">
-              <a:latin typeface="Calibri Light" pitchFamily="34" charset="0"/>
-              <a:cs typeface="Calibri Light" pitchFamily="34" charset="0"/>
+              <a:defRPr/>
+            </a:pPr>
+            <a:r>
+              <a:rPr lang="en-US" sz="800" b="1" dirty="0" smtClean="0">
+                <a:ea typeface="+mn-ea"/>
+              </a:rPr>
+              <a:t>     </a:t>
+            </a:r>
+          </a:p>
+          <a:p>
+            <a:pPr lvl="1" eaLnBrk="1" fontAlgn="auto" hangingPunct="1">
+              <a:lnSpc>
+                <a:spcPct val="150000"/>
+              </a:lnSpc>
+              <a:spcBef>
+                <a:spcPts val="0"/>
+              </a:spcBef>
+              <a:spcAft>
+                <a:spcPts val="0"/>
+              </a:spcAft>
+              <a:buFont typeface="Arial" panose="020B0604020202020204" pitchFamily="34" charset="0"/>
+              <a:buChar char="•"/>
+              <a:defRPr/>
+            </a:pPr>
+            <a:r>
+              <a:rPr lang="en-US" sz="1800" b="1" dirty="0" smtClean="0">
+                <a:ea typeface="+mn-ea"/>
+              </a:rPr>
+              <a:t>Application level work flow : End to End</a:t>
+            </a:r>
+          </a:p>
+          <a:p>
+            <a:pPr lvl="2" eaLnBrk="1" fontAlgn="auto" hangingPunct="1">
+              <a:lnSpc>
+                <a:spcPct val="150000"/>
+              </a:lnSpc>
+              <a:spcBef>
+                <a:spcPts val="0"/>
+              </a:spcBef>
+              <a:spcAft>
+                <a:spcPts val="0"/>
+              </a:spcAft>
+              <a:buFont typeface="Arial" panose="020B0604020202020204" pitchFamily="34" charset="0"/>
+              <a:buChar char="•"/>
+              <a:defRPr/>
+            </a:pPr>
+            <a:r>
+              <a:rPr lang="en-US" sz="1400" b="1" dirty="0" smtClean="0">
+                <a:ea typeface="+mn-ea"/>
+              </a:rPr>
+              <a:t>Designated user work flow execution pathways</a:t>
+            </a:r>
+          </a:p>
+          <a:p>
+            <a:pPr lvl="2" eaLnBrk="1" fontAlgn="auto" hangingPunct="1">
+              <a:lnSpc>
+                <a:spcPct val="150000"/>
+              </a:lnSpc>
+              <a:spcBef>
+                <a:spcPts val="0"/>
+              </a:spcBef>
+              <a:spcAft>
+                <a:spcPts val="0"/>
+              </a:spcAft>
+              <a:buFont typeface="Arial" panose="020B0604020202020204" pitchFamily="34" charset="0"/>
+              <a:buChar char="•"/>
+              <a:defRPr/>
+            </a:pPr>
+            <a:r>
+              <a:rPr lang="en-US" sz="1400" b="1" dirty="0" smtClean="0">
+                <a:ea typeface="+mn-ea"/>
+              </a:rPr>
+              <a:t>Data driven</a:t>
+            </a:r>
+          </a:p>
+          <a:p>
+            <a:pPr indent="-234950" eaLnBrk="1" fontAlgn="auto" hangingPunct="1">
+              <a:lnSpc>
+                <a:spcPct val="150000"/>
+              </a:lnSpc>
+              <a:spcBef>
+                <a:spcPts val="0"/>
+              </a:spcBef>
+              <a:spcAft>
+                <a:spcPts val="0"/>
+              </a:spcAft>
+              <a:defRPr/>
+            </a:pPr>
+            <a:r>
+              <a:rPr lang="en-US" sz="800" b="1" dirty="0" smtClean="0">
+                <a:ea typeface="+mn-ea"/>
+              </a:rPr>
+              <a:t>   </a:t>
+            </a:r>
+          </a:p>
+          <a:p>
+            <a:pPr lvl="1" eaLnBrk="1" fontAlgn="auto" hangingPunct="1">
+              <a:lnSpc>
+                <a:spcPct val="150000"/>
+              </a:lnSpc>
+              <a:spcBef>
+                <a:spcPts val="0"/>
+              </a:spcBef>
+              <a:spcAft>
+                <a:spcPts val="0"/>
+              </a:spcAft>
+              <a:buFont typeface="Arial" panose="020B0604020202020204" pitchFamily="34" charset="0"/>
+              <a:buChar char="•"/>
+              <a:defRPr/>
+            </a:pPr>
+            <a:r>
+              <a:rPr lang="en-US" sz="1800" b="1" dirty="0" smtClean="0">
+                <a:ea typeface="+mn-ea"/>
+              </a:rPr>
+              <a:t>Micro Service REST APIs</a:t>
+            </a:r>
+          </a:p>
+          <a:p>
+            <a:pPr lvl="2" eaLnBrk="1" fontAlgn="auto" hangingPunct="1">
+              <a:lnSpc>
+                <a:spcPct val="150000"/>
+              </a:lnSpc>
+              <a:spcBef>
+                <a:spcPts val="0"/>
+              </a:spcBef>
+              <a:spcAft>
+                <a:spcPts val="0"/>
+              </a:spcAft>
+              <a:buFont typeface="Arial" panose="020B0604020202020204" pitchFamily="34" charset="0"/>
+              <a:buChar char="•"/>
+              <a:defRPr/>
+            </a:pPr>
+            <a:r>
+              <a:rPr lang="en-US" sz="1400" b="1" dirty="0" smtClean="0">
+                <a:ea typeface="+mn-ea"/>
+              </a:rPr>
+              <a:t>Regression coverage for Micro service REST API Data type &amp; Data range</a:t>
+            </a:r>
+          </a:p>
+          <a:p>
+            <a:pPr lvl="2" eaLnBrk="1" fontAlgn="auto" hangingPunct="1">
+              <a:lnSpc>
+                <a:spcPct val="150000"/>
+              </a:lnSpc>
+              <a:spcBef>
+                <a:spcPts val="0"/>
+              </a:spcBef>
+              <a:spcAft>
+                <a:spcPts val="0"/>
+              </a:spcAft>
+              <a:buFont typeface="Arial" panose="020B0604020202020204" pitchFamily="34" charset="0"/>
+              <a:buChar char="•"/>
+              <a:defRPr/>
+            </a:pPr>
+            <a:r>
+              <a:rPr lang="en-US" sz="1400" b="1" dirty="0" smtClean="0">
+                <a:ea typeface="+mn-ea"/>
+              </a:rPr>
+              <a:t>Functional test use to supply data driven testing in CX Applications</a:t>
+            </a:r>
+            <a:endParaRPr lang="en-US" sz="1400" b="1" dirty="0">
+              <a:ea typeface="+mn-ea"/>
             </a:endParaRPr>
           </a:p>
           <a:p>
-            <a:pPr marL="342900" indent="-342900" eaLnBrk="1" hangingPunct="1">
+            <a:pPr marL="457206" lvl="1" indent="0" eaLnBrk="1" fontAlgn="auto" hangingPunct="1">
               <a:lnSpc>
                 <a:spcPct val="110000"/>
               </a:lnSpc>
-              <a:spcBef>
-                <a:spcPct val="0"/>
-              </a:spcBef>
-              <a:buFontTx/>
-              <a:buChar char="•"/>
-            </a:pPr>
-            <a:r>
-              <a:rPr lang="en-US" sz="2000" b="1" smtClean="0">
-                <a:latin typeface="Calibri Light" pitchFamily="34" charset="0"/>
-                <a:cs typeface="Calibri Light" pitchFamily="34" charset="0"/>
-              </a:rPr>
-              <a:t>Timing on Roll out	</a:t>
-            </a:r>
-            <a:endParaRPr lang="en-US" sz="2000" b="1" u="sng" smtClean="0">
-              <a:latin typeface="Calibri Light" pitchFamily="34" charset="0"/>
-              <a:cs typeface="Calibri Light" pitchFamily="34" charset="0"/>
-            </a:endParaRPr>
-          </a:p>
-          <a:p>
-            <a:pPr marL="457200" lvl="1" indent="0" eaLnBrk="1" hangingPunct="1">
-              <a:lnSpc>
-                <a:spcPct val="110000"/>
-              </a:lnSpc>
-              <a:spcBef>
-                <a:spcPct val="0"/>
-              </a:spcBef>
-            </a:pPr>
-            <a:r>
-              <a:rPr lang="en-US" sz="1800" b="1" smtClean="0">
-                <a:latin typeface="Calibri Light" pitchFamily="34" charset="0"/>
-                <a:cs typeface="Calibri Light" pitchFamily="34" charset="0"/>
-              </a:rPr>
-              <a:t>Roll out First week April to the Core Tech Team REST API Test Framework</a:t>
-            </a:r>
-          </a:p>
-          <a:p>
-            <a:pPr marL="457200" lvl="1" indent="0" eaLnBrk="1" hangingPunct="1">
-              <a:lnSpc>
-                <a:spcPct val="110000"/>
-              </a:lnSpc>
-              <a:spcBef>
-                <a:spcPct val="0"/>
-              </a:spcBef>
-            </a:pPr>
-            <a:r>
-              <a:rPr lang="en-US" sz="1800" b="1" smtClean="0">
-                <a:latin typeface="Calibri Light" pitchFamily="34" charset="0"/>
-                <a:cs typeface="Calibri Light" pitchFamily="34" charset="0"/>
-              </a:rPr>
-              <a:t>Roll out to Market place team at the end of April</a:t>
-            </a:r>
-          </a:p>
-          <a:p>
-            <a:pPr marL="457200" lvl="1" indent="0" eaLnBrk="1" hangingPunct="1">
-              <a:lnSpc>
-                <a:spcPct val="110000"/>
-              </a:lnSpc>
-              <a:spcBef>
-                <a:spcPct val="0"/>
-              </a:spcBef>
-            </a:pPr>
-            <a:r>
-              <a:rPr lang="en-US" sz="1800" b="1" smtClean="0">
-                <a:latin typeface="Calibri Light" pitchFamily="34" charset="0"/>
-                <a:cs typeface="Calibri Light" pitchFamily="34" charset="0"/>
-              </a:rPr>
-              <a:t>Roll out to other teams on first or second week of May</a:t>
-            </a:r>
-            <a:endParaRPr lang="en-US" sz="1000" b="1" smtClean="0">
-              <a:latin typeface="Calibri Light" pitchFamily="34" charset="0"/>
-              <a:cs typeface="Calibri Light" pitchFamily="34" charset="0"/>
-            </a:endParaRPr>
-          </a:p>
-          <a:p>
-            <a:pPr marL="342900" indent="-342900" eaLnBrk="1" hangingPunct="1"/>
-            <a:endParaRPr lang="en-US" b="1" smtClean="0">
-              <a:latin typeface="Calibri Light" pitchFamily="34" charset="0"/>
-              <a:cs typeface="Calibri Light" pitchFamily="34" charset="0"/>
-            </a:endParaRPr>
-          </a:p>
-          <a:p>
-            <a:pPr marL="457200" lvl="1" indent="0" eaLnBrk="1" hangingPunct="1">
+              <a:spcAft>
+                <a:spcPts val="0"/>
+              </a:spcAft>
               <a:buFontTx/>
               <a:buNone/>
-            </a:pPr>
-            <a:r>
-              <a:rPr lang="en-US" sz="1400" smtClean="0">
-                <a:latin typeface="Calibri Light" pitchFamily="34" charset="0"/>
-                <a:cs typeface="Calibri Light" pitchFamily="34" charset="0"/>
-              </a:rPr>
-              <a:t>     </a:t>
-            </a:r>
-          </a:p>
-        </p:txBody>
-      </p:sp>
-      <p:sp>
-        <p:nvSpPr>
-          <p:cNvPr id="17411" name="Title 1"/>
-          <p:cNvSpPr txBox="1">
-            <a:spLocks/>
-          </p:cNvSpPr>
-          <p:nvPr/>
-        </p:nvSpPr>
-        <p:spPr bwMode="auto">
-          <a:xfrm>
-            <a:off x="1009650" y="128588"/>
-            <a:ext cx="5765800" cy="650875"/>
-          </a:xfrm>
-          <a:prstGeom prst="rect">
-            <a:avLst/>
-          </a:prstGeom>
-          <a:noFill/>
-          <a:ln w="9525">
-            <a:noFill/>
-            <a:miter lim="800000"/>
-            <a:headEnd/>
-            <a:tailEnd/>
-          </a:ln>
-        </p:spPr>
-        <p:txBody>
-          <a:bodyPr/>
-          <a:lstStyle/>
-          <a:p>
-            <a:pPr algn="ctr"/>
-            <a:r>
-              <a:rPr lang="en-US" sz="5000">
-                <a:solidFill>
-                  <a:srgbClr val="128BAD"/>
-                </a:solidFill>
-                <a:latin typeface="Calibri Light" pitchFamily="34" charset="0"/>
-              </a:rPr>
-              <a:t>ROLL OUT</a:t>
-            </a:r>
-          </a:p>
-        </p:txBody>
-      </p:sp>
-      <p:sp>
-        <p:nvSpPr>
-          <p:cNvPr id="17421" name="Text Box 13"/>
-          <p:cNvSpPr txBox="1">
-            <a:spLocks noChangeArrowheads="1"/>
-          </p:cNvSpPr>
-          <p:nvPr/>
-        </p:nvSpPr>
-        <p:spPr bwMode="auto">
-          <a:xfrm>
-            <a:off x="693738" y="5211763"/>
-            <a:ext cx="7292975" cy="779462"/>
-          </a:xfrm>
-          <a:prstGeom prst="rect">
-            <a:avLst/>
-          </a:prstGeom>
-          <a:noFill/>
-          <a:ln w="9525">
-            <a:noFill/>
-            <a:miter lim="800000"/>
-            <a:headEnd/>
-            <a:tailEnd/>
-          </a:ln>
-          <a:effectLst/>
-        </p:spPr>
-        <p:txBody>
-          <a:bodyPr>
-            <a:spAutoFit/>
-          </a:bodyPr>
-          <a:lstStyle/>
-          <a:p>
-            <a:pPr defTabSz="914400">
-              <a:spcBef>
-                <a:spcPct val="50000"/>
-              </a:spcBef>
-            </a:pPr>
-            <a:r>
-              <a:rPr lang="en-US"/>
-              <a:t>Location for some kind of time specific </a:t>
-            </a:r>
-          </a:p>
-          <a:p>
-            <a:pPr defTabSz="914400">
-              <a:spcBef>
-                <a:spcPct val="50000"/>
-              </a:spcBef>
-            </a:pPr>
-            <a:r>
-              <a:rPr lang="en-US"/>
-              <a:t>Gant Chart like layout of the roll out process.</a:t>
-            </a:r>
+              <a:defRPr/>
+            </a:pPr>
+            <a:r>
+              <a:rPr lang="en-US" sz="1600" b="1" dirty="0" smtClean="0">
+                <a:ea typeface="+mn-ea"/>
+              </a:rPr>
+              <a:t>                  </a:t>
+            </a:r>
+          </a:p>
+          <a:p>
+            <a:pPr marL="457206" lvl="1" indent="0" eaLnBrk="1" fontAlgn="auto" hangingPunct="1">
+              <a:lnSpc>
+                <a:spcPct val="110000"/>
+              </a:lnSpc>
+              <a:spcAft>
+                <a:spcPts val="0"/>
+              </a:spcAft>
+              <a:buFontTx/>
+              <a:buNone/>
+              <a:defRPr/>
+            </a:pPr>
+            <a:endParaRPr lang="en-US" sz="1400" b="1" dirty="0">
+              <a:ea typeface="+mn-ea"/>
+            </a:endParaRPr>
           </a:p>
         </p:txBody>
       </p:sp>
@@ -9496,7 +9569,63 @@
       </p:grpSpPr>
       <p:sp>
         <p:nvSpPr>
-          <p:cNvPr id="2" name="Title 1"/>
+          <p:cNvPr id="4" name="Title 1">
+            <a:hlinkClick r:id="rId2" action="ppaction://hlinksldjump"/>
+          </p:cNvPr>
+          <p:cNvSpPr txBox="1">
+            <a:spLocks/>
+          </p:cNvSpPr>
+          <p:nvPr/>
+        </p:nvSpPr>
+        <p:spPr>
+          <a:xfrm>
+            <a:off x="368300" y="47625"/>
+            <a:ext cx="312738" cy="287338"/>
+          </a:xfrm>
+          <a:prstGeom prst="rect">
+            <a:avLst/>
+          </a:prstGeom>
+        </p:spPr>
+        <p:txBody>
+          <a:bodyPr>
+            <a:normAutofit fontScale="55000" lnSpcReduction="20000"/>
+          </a:bodyPr>
+          <a:lstStyle>
+            <a:lvl1pPr algn="l" defTabSz="457200" rtl="0" eaLnBrk="1" latinLnBrk="0" hangingPunct="1">
+              <a:spcBef>
+                <a:spcPct val="0"/>
+              </a:spcBef>
+              <a:buNone/>
+              <a:defRPr sz="5000" b="0" i="0" kern="1200">
+                <a:solidFill>
+                  <a:srgbClr val="128BAD"/>
+                </a:solidFill>
+                <a:latin typeface="Calibri Light"/>
+                <a:ea typeface="+mj-ea"/>
+                <a:cs typeface="Calibri Light"/>
+              </a:defRPr>
+            </a:lvl1pPr>
+          </a:lstStyle>
+          <a:p>
+            <a:pPr fontAlgn="auto">
+              <a:spcAft>
+                <a:spcPts val="0"/>
+              </a:spcAft>
+              <a:defRPr/>
+            </a:pPr>
+            <a:endParaRPr lang="en-US" sz="2800" dirty="0">
+              <a:solidFill>
+                <a:schemeClr val="bg1">
+                  <a:lumMod val="95000"/>
+                </a:schemeClr>
+              </a:solidFill>
+            </a:endParaRPr>
+          </a:p>
+        </p:txBody>
+      </p:sp>
+      <p:sp>
+        <p:nvSpPr>
+          <p:cNvPr id="20482" name="Title 7"/>
           <p:cNvSpPr>
             <a:spLocks noGrp="1"/>
           </p:cNvSpPr>
@@ -9506,370 +9635,292 @@
         </p:nvSpPr>
         <p:spPr>
           <a:xfrm>
-            <a:off x="1527175" y="125413"/>
-            <a:ext cx="5238750" cy="1325562"/>
+            <a:off x="712788" y="109538"/>
+            <a:ext cx="6897687" cy="982662"/>
           </a:xfrm>
         </p:spPr>
         <p:txBody>
-          <a:bodyPr rtlCol="0" anchor="t">
-            <a:normAutofit/>
-          </a:bodyPr>
+          <a:bodyPr anchor="t"/>
           <a:lstStyle/>
           <a:p>
-            <a:pPr algn="ctr" eaLnBrk="1" fontAlgn="auto" hangingPunct="1">
-              <a:spcAft>
-                <a:spcPts val="0"/>
-              </a:spcAft>
-              <a:defRPr/>
-            </a:pPr>
-            <a:r>
-              <a:rPr lang="en-US" dirty="0" smtClean="0">
-                <a:ea typeface="+mj-ea"/>
-              </a:rPr>
-              <a:t>TEST EXECUTION  </a:t>
-            </a:r>
-            <a:endParaRPr lang="en-US" dirty="0">
-              <a:solidFill>
-                <a:schemeClr val="bg1">
-                  <a:lumMod val="85000"/>
-                </a:schemeClr>
-              </a:solidFill>
-              <a:ea typeface="+mj-ea"/>
-            </a:endParaRPr>
+            <a:pPr algn="ctr" eaLnBrk="1" hangingPunct="1"/>
+            <a:r>
+              <a:rPr lang="en-US" smtClean="0">
+                <a:latin typeface="Calibri Light" pitchFamily="34" charset="0"/>
+                <a:cs typeface="Calibri Light" pitchFamily="34" charset="0"/>
+              </a:rPr>
+              <a:t>TEST CASES NUMBERS</a:t>
+            </a:r>
           </a:p>
         </p:txBody>
       </p:sp>
       <p:sp>
         <p:nvSpPr>
-          <p:cNvPr id="3" name="Content Placeholder 2"/>
-          <p:cNvSpPr>
-            <a:spLocks noGrp="1"/>
+          <p:cNvPr id="20483" name="TextBox 12"/>
+          <p:cNvSpPr txBox="1">
+            <a:spLocks noChangeArrowheads="1"/>
           </p:cNvSpPr>
-          <p:nvPr>
-            <p:ph idx="1"/>
-          </p:nvPr>
+          <p:nvPr/>
         </p:nvSpPr>
-        <p:spPr>
+        <p:spPr bwMode="auto">
           <a:xfrm>
-            <a:off x="274638" y="1827213"/>
-            <a:ext cx="8567737" cy="5002212"/>
+            <a:off x="274320" y="1840428"/>
+            <a:ext cx="6624320" cy="4401205"/>
           </a:xfrm>
+          <a:prstGeom prst="rect">
+            <a:avLst/>
+          </a:prstGeom>
+          <a:noFill/>
+          <a:ln w="9525">
+            <a:noFill/>
+            <a:miter lim="800000"/>
+            <a:headEnd/>
+            <a:tailEnd/>
+          </a:ln>
         </p:spPr>
         <p:txBody>
-          <a:bodyPr rtlCol="0">
-            <a:normAutofit/>
+          <a:bodyPr wrap="square">
+            <a:spAutoFit/>
           </a:bodyPr>
           <a:lstStyle/>
           <a:p>
-            <a:pPr marL="342900" indent="-342900" eaLnBrk="1" fontAlgn="auto" hangingPunct="1">
-              <a:lnSpc>
-                <a:spcPct val="110000"/>
-              </a:lnSpc>
-              <a:spcAft>
-                <a:spcPts val="0"/>
-              </a:spcAft>
+            <a:pPr marL="342900" indent="-342900">
               <a:buFont typeface="Arial" panose="020B0604020202020204" pitchFamily="34" charset="0"/>
               <a:buChar char="•"/>
-              <a:defRPr/>
-            </a:pPr>
-            <a:r>
-              <a:rPr lang="en-US" sz="2000" b="1" dirty="0" smtClean="0">
-                <a:ea typeface="+mn-ea"/>
-              </a:rPr>
-              <a:t>Two primary modes</a:t>
-            </a:r>
-          </a:p>
-          <a:p>
-            <a:pPr lvl="1" eaLnBrk="1" fontAlgn="auto" hangingPunct="1">
-              <a:lnSpc>
-                <a:spcPct val="110000"/>
-              </a:lnSpc>
-              <a:spcAft>
-                <a:spcPts val="0"/>
-              </a:spcAft>
+            </a:pPr>
+            <a:r>
+              <a:rPr lang="en-US" sz="2000" dirty="0">
+                <a:latin typeface="Calibri" pitchFamily="34" charset="0"/>
+              </a:rPr>
+              <a:t>Test case numbers are a </a:t>
+            </a:r>
+            <a:r>
+              <a:rPr lang="en-US" sz="2000" dirty="0" smtClean="0">
+                <a:latin typeface="Calibri" pitchFamily="34" charset="0"/>
+              </a:rPr>
+              <a:t>product of functional test written X   data points tested against   X   States Tested in</a:t>
+            </a:r>
+          </a:p>
+          <a:p>
+            <a:pPr marL="342900" indent="-342900">
               <a:buFont typeface="Arial" panose="020B0604020202020204" pitchFamily="34" charset="0"/>
               <a:buChar char="•"/>
-              <a:defRPr/>
-            </a:pPr>
-            <a:r>
-              <a:rPr lang="en-US" sz="1800" b="1" dirty="0">
-                <a:ea typeface="+mn-ea"/>
-              </a:rPr>
-              <a:t>Schedule Based : Covers Regression </a:t>
-            </a:r>
-            <a:r>
-              <a:rPr lang="en-US" sz="1800" b="1" dirty="0" smtClean="0">
-                <a:ea typeface="+mn-ea"/>
-              </a:rPr>
-              <a:t>Testing  </a:t>
-            </a:r>
-            <a:r>
-              <a:rPr lang="en-US" sz="1200" b="1" dirty="0" smtClean="0">
-                <a:ea typeface="+mn-ea"/>
-              </a:rPr>
-              <a:t>MOT - </a:t>
-            </a:r>
-            <a:r>
-              <a:rPr lang="en-US" sz="1200" b="1" dirty="0" err="1" smtClean="0">
-                <a:ea typeface="+mn-ea"/>
-              </a:rPr>
-              <a:t>Cron</a:t>
-            </a:r>
-            <a:endParaRPr lang="en-US" sz="1200" b="1" dirty="0">
-              <a:ea typeface="+mn-ea"/>
+            </a:pPr>
+            <a:endParaRPr lang="en-US" sz="2000" dirty="0">
+              <a:latin typeface="Calibri" pitchFamily="34" charset="0"/>
             </a:endParaRPr>
           </a:p>
           <a:p>
-            <a:pPr lvl="1" eaLnBrk="1" fontAlgn="auto" hangingPunct="1">
-              <a:lnSpc>
-                <a:spcPct val="110000"/>
-              </a:lnSpc>
-              <a:spcAft>
-                <a:spcPts val="0"/>
-              </a:spcAft>
+            <a:pPr marL="342900" indent="-342900">
               <a:buFont typeface="Arial" panose="020B0604020202020204" pitchFamily="34" charset="0"/>
               <a:buChar char="•"/>
-              <a:defRPr/>
-            </a:pPr>
-            <a:r>
-              <a:rPr lang="en-US" sz="1800" b="1" dirty="0">
-                <a:ea typeface="+mn-ea"/>
-              </a:rPr>
-              <a:t>On Demand : Covers all developer build initiated </a:t>
-            </a:r>
-            <a:r>
-              <a:rPr lang="en-US" sz="1800" b="1" dirty="0" smtClean="0">
-                <a:ea typeface="+mn-ea"/>
-              </a:rPr>
-              <a:t>testing  </a:t>
-            </a:r>
-            <a:r>
-              <a:rPr lang="en-US" sz="1200" b="1" dirty="0" smtClean="0">
-                <a:ea typeface="+mn-ea"/>
-              </a:rPr>
-              <a:t>DIT - Jenkins</a:t>
-            </a:r>
-            <a:endParaRPr lang="en-US" sz="1200" b="1" dirty="0">
-              <a:ea typeface="+mn-ea"/>
+            </a:pPr>
+            <a:endParaRPr lang="en-US" sz="2000" dirty="0">
+              <a:latin typeface="Calibri" pitchFamily="34" charset="0"/>
             </a:endParaRPr>
           </a:p>
           <a:p>
-            <a:pPr marL="457206" lvl="1" indent="0" eaLnBrk="1" fontAlgn="auto" hangingPunct="1">
-              <a:lnSpc>
-                <a:spcPct val="110000"/>
-              </a:lnSpc>
-              <a:spcAft>
-                <a:spcPts val="0"/>
-              </a:spcAft>
-              <a:buFontTx/>
-              <a:buNone/>
-              <a:defRPr/>
-            </a:pPr>
-            <a:r>
-              <a:rPr lang="en-US" sz="1600" b="1" dirty="0" smtClean="0">
-                <a:ea typeface="+mn-ea"/>
-              </a:rPr>
-              <a:t>                  </a:t>
-            </a:r>
-            <a:endParaRPr lang="en-US" sz="1400" b="1" dirty="0">
-              <a:ea typeface="+mn-ea"/>
+            <a:pPr marL="342900" indent="-342900">
+              <a:buFont typeface="Arial" panose="020B0604020202020204" pitchFamily="34" charset="0"/>
+              <a:buChar char="•"/>
+            </a:pPr>
+            <a:r>
+              <a:rPr lang="en-US" sz="2000" dirty="0" smtClean="0">
+                <a:latin typeface="Calibri" pitchFamily="34" charset="0"/>
+              </a:rPr>
+              <a:t>Phase_0   4 Prod  </a:t>
+            </a:r>
+            <a:r>
+              <a:rPr lang="en-US" sz="2000" dirty="0">
+                <a:latin typeface="Calibri" pitchFamily="34" charset="0"/>
+              </a:rPr>
+              <a:t>5 states 	</a:t>
+            </a:r>
+            <a:r>
+              <a:rPr lang="en-US" sz="2000" dirty="0" smtClean="0">
+                <a:latin typeface="Calibri" pitchFamily="34" charset="0"/>
+              </a:rPr>
+              <a:t>=== 10125 tests</a:t>
+            </a:r>
+            <a:endParaRPr lang="en-US" sz="2000" dirty="0">
+              <a:latin typeface="Calibri" pitchFamily="34" charset="0"/>
             </a:endParaRPr>
           </a:p>
           <a:p>
-            <a:pPr marL="342900" indent="-342900" eaLnBrk="1" fontAlgn="auto" hangingPunct="1">
-              <a:spcAft>
-                <a:spcPts val="0"/>
-              </a:spcAft>
+            <a:pPr marL="342900" indent="-342900">
               <a:buFont typeface="Arial" panose="020B0604020202020204" pitchFamily="34" charset="0"/>
               <a:buChar char="•"/>
-              <a:defRPr/>
-            </a:pPr>
-            <a:r>
-              <a:rPr lang="en-US" sz="2000" b="1" dirty="0">
-                <a:ea typeface="+mn-ea"/>
-              </a:rPr>
-              <a:t>Configuration controlled </a:t>
-            </a:r>
-            <a:r>
-              <a:rPr lang="en-US" sz="2000" b="1" dirty="0" smtClean="0">
-                <a:ea typeface="+mn-ea"/>
-              </a:rPr>
-              <a:t>testing:  </a:t>
-            </a:r>
-            <a:r>
-              <a:rPr lang="en-US" sz="2000" b="1" u="sng" dirty="0" smtClean="0">
-                <a:ea typeface="+mn-ea"/>
-              </a:rPr>
-              <a:t>Biggest Evolutionary Advance</a:t>
-            </a:r>
-            <a:endParaRPr lang="en-US" sz="2000" b="1" u="sng" dirty="0">
-              <a:ea typeface="+mn-ea"/>
+            </a:pPr>
+            <a:endParaRPr lang="en-US" sz="2000" dirty="0">
+              <a:latin typeface="Calibri" pitchFamily="34" charset="0"/>
             </a:endParaRPr>
           </a:p>
           <a:p>
-            <a:pPr lvl="1" eaLnBrk="1" fontAlgn="auto" hangingPunct="1">
-              <a:lnSpc>
-                <a:spcPct val="100000"/>
-              </a:lnSpc>
-              <a:spcAft>
-                <a:spcPts val="0"/>
-              </a:spcAft>
+            <a:pPr marL="342900" indent="-342900">
               <a:buFont typeface="Arial" panose="020B0604020202020204" pitchFamily="34" charset="0"/>
               <a:buChar char="•"/>
-              <a:defRPr/>
-            </a:pPr>
-            <a:r>
-              <a:rPr lang="en-US" sz="1800" b="1" dirty="0">
-                <a:ea typeface="+mn-ea"/>
-              </a:rPr>
-              <a:t>Evolutionary change in configuration </a:t>
-            </a:r>
-            <a:r>
-              <a:rPr lang="en-US" sz="1800" b="1" dirty="0" smtClean="0">
-                <a:ea typeface="+mn-ea"/>
-              </a:rPr>
-              <a:t>approach </a:t>
-            </a:r>
-            <a:r>
-              <a:rPr lang="en-US" sz="1800" b="1" dirty="0">
-                <a:ea typeface="+mn-ea"/>
-              </a:rPr>
-              <a:t>moves </a:t>
-            </a:r>
-            <a:r>
-              <a:rPr lang="en-US" sz="1800" b="1" dirty="0" smtClean="0">
-                <a:ea typeface="+mn-ea"/>
-              </a:rPr>
-              <a:t>control </a:t>
-            </a:r>
-            <a:r>
-              <a:rPr lang="en-US" sz="1800" b="1" dirty="0">
-                <a:ea typeface="+mn-ea"/>
-              </a:rPr>
-              <a:t>of what product and state being tested out of the </a:t>
-            </a:r>
-            <a:r>
-              <a:rPr lang="en-US" sz="1800" b="1" dirty="0" smtClean="0">
-                <a:ea typeface="+mn-ea"/>
-              </a:rPr>
-              <a:t>test script </a:t>
-            </a:r>
-            <a:r>
-              <a:rPr lang="en-US" sz="1800" b="1" dirty="0">
-                <a:ea typeface="+mn-ea"/>
-              </a:rPr>
-              <a:t>and </a:t>
-            </a:r>
-            <a:r>
-              <a:rPr lang="en-US" sz="1800" b="1" dirty="0" smtClean="0">
-                <a:ea typeface="+mn-ea"/>
-              </a:rPr>
-              <a:t>into </a:t>
-            </a:r>
-            <a:r>
-              <a:rPr lang="en-US" sz="1800" b="1" dirty="0">
-                <a:ea typeface="+mn-ea"/>
-              </a:rPr>
-              <a:t>Framework </a:t>
-            </a:r>
-            <a:r>
-              <a:rPr lang="en-US" sz="1800" b="1" dirty="0" smtClean="0">
-                <a:ea typeface="+mn-ea"/>
-              </a:rPr>
-              <a:t>Configuration</a:t>
-            </a:r>
-            <a:endParaRPr lang="en-US" sz="1800" b="1" dirty="0">
-              <a:ea typeface="+mn-ea"/>
+            </a:pPr>
+            <a:r>
+              <a:rPr lang="en-US" sz="2000" dirty="0">
+                <a:latin typeface="Calibri" pitchFamily="34" charset="0"/>
+              </a:rPr>
+              <a:t>Phase_1 </a:t>
+            </a:r>
+            <a:r>
+              <a:rPr lang="en-US" sz="2000" dirty="0" smtClean="0">
+                <a:latin typeface="Calibri" pitchFamily="34" charset="0"/>
+              </a:rPr>
+              <a:t>  2 </a:t>
+            </a:r>
+            <a:r>
+              <a:rPr lang="en-US" sz="2000" dirty="0">
+                <a:latin typeface="Calibri" pitchFamily="34" charset="0"/>
+              </a:rPr>
+              <a:t>Prod   </a:t>
+            </a:r>
+            <a:r>
+              <a:rPr lang="en-US" sz="2000" dirty="0" smtClean="0">
+                <a:latin typeface="Calibri" pitchFamily="34" charset="0"/>
+              </a:rPr>
+              <a:t>8 States</a:t>
+            </a:r>
+            <a:r>
+              <a:rPr lang="en-US" sz="2000" dirty="0">
+                <a:latin typeface="Calibri" pitchFamily="34" charset="0"/>
+              </a:rPr>
+              <a:t>	</a:t>
+            </a:r>
+            <a:r>
+              <a:rPr lang="en-US" sz="2000" dirty="0" smtClean="0">
+                <a:latin typeface="Calibri" pitchFamily="34" charset="0"/>
+              </a:rPr>
+              <a:t>===   4394 </a:t>
+            </a:r>
+            <a:r>
+              <a:rPr lang="en-US" sz="2000" dirty="0">
+                <a:latin typeface="Calibri" pitchFamily="34" charset="0"/>
+              </a:rPr>
+              <a:t>tests</a:t>
+            </a:r>
+          </a:p>
+          <a:p>
+            <a:pPr marL="342900" indent="-342900">
+              <a:buFont typeface="Arial" panose="020B0604020202020204" pitchFamily="34" charset="0"/>
+              <a:buChar char="•"/>
+            </a:pPr>
+            <a:endParaRPr lang="en-US" sz="2000" dirty="0">
+              <a:latin typeface="Calibri" pitchFamily="34" charset="0"/>
             </a:endParaRPr>
           </a:p>
           <a:p>
-            <a:pPr eaLnBrk="1" fontAlgn="auto" hangingPunct="1">
-              <a:spcAft>
-                <a:spcPts val="0"/>
-              </a:spcAft>
-              <a:defRPr/>
-            </a:pPr>
-            <a:endParaRPr lang="en-US" b="1" dirty="0">
-              <a:ea typeface="+mn-ea"/>
+            <a:pPr marL="342900" indent="-342900">
+              <a:buFont typeface="Arial" panose="020B0604020202020204" pitchFamily="34" charset="0"/>
+              <a:buChar char="•"/>
+            </a:pPr>
+            <a:r>
+              <a:rPr lang="en-US" sz="2000" dirty="0">
+                <a:latin typeface="Calibri" pitchFamily="34" charset="0"/>
+              </a:rPr>
+              <a:t>Phase_2 </a:t>
+            </a:r>
+            <a:r>
+              <a:rPr lang="en-US" sz="2000" dirty="0" smtClean="0">
+                <a:latin typeface="Calibri" pitchFamily="34" charset="0"/>
+              </a:rPr>
+              <a:t>  1 </a:t>
+            </a:r>
+            <a:r>
+              <a:rPr lang="en-US" sz="2000" dirty="0">
+                <a:latin typeface="Calibri" pitchFamily="34" charset="0"/>
+              </a:rPr>
+              <a:t>Prod   </a:t>
+            </a:r>
+            <a:r>
+              <a:rPr lang="en-US" sz="2000" dirty="0" smtClean="0">
+                <a:latin typeface="Calibri" pitchFamily="34" charset="0"/>
+              </a:rPr>
+              <a:t>7 States </a:t>
+            </a:r>
+            <a:r>
+              <a:rPr lang="en-US" sz="2000" dirty="0">
+                <a:latin typeface="Calibri" pitchFamily="34" charset="0"/>
+              </a:rPr>
+              <a:t>	=== </a:t>
+            </a:r>
+            <a:r>
+              <a:rPr lang="en-US" sz="2000" dirty="0" smtClean="0">
+                <a:latin typeface="Calibri" pitchFamily="34" charset="0"/>
+              </a:rPr>
+              <a:t>  3234 tests</a:t>
+            </a:r>
+          </a:p>
+          <a:p>
+            <a:pPr marL="342900" indent="-342900">
+              <a:buFont typeface="Arial" panose="020B0604020202020204" pitchFamily="34" charset="0"/>
+              <a:buChar char="•"/>
+            </a:pPr>
+            <a:endParaRPr lang="en-US" sz="2000" dirty="0">
+              <a:latin typeface="Calibri" pitchFamily="34" charset="0"/>
             </a:endParaRPr>
           </a:p>
           <a:p>
-            <a:pPr marL="342900" indent="-342900" eaLnBrk="1" fontAlgn="auto" hangingPunct="1">
-              <a:spcAft>
-                <a:spcPts val="0"/>
-              </a:spcAft>
+            <a:pPr marL="342900" indent="-342900">
               <a:buFont typeface="Arial" panose="020B0604020202020204" pitchFamily="34" charset="0"/>
               <a:buChar char="•"/>
-              <a:defRPr/>
-            </a:pPr>
-            <a:r>
-              <a:rPr lang="en-US" sz="2000" b="1" dirty="0" smtClean="0">
-                <a:ea typeface="+mn-ea"/>
-              </a:rPr>
-              <a:t>All testing regardless of mode is </a:t>
-            </a:r>
-            <a:r>
-              <a:rPr lang="en-US" sz="2000" b="1" u="sng" dirty="0" smtClean="0">
-                <a:ea typeface="+mn-ea"/>
-              </a:rPr>
-              <a:t>configurable</a:t>
-            </a:r>
-            <a:r>
-              <a:rPr lang="en-US" sz="2000" b="1" dirty="0" smtClean="0">
-                <a:ea typeface="+mn-ea"/>
-              </a:rPr>
-              <a:t> prior to run</a:t>
-            </a:r>
-          </a:p>
-          <a:p>
-            <a:pPr lvl="1" eaLnBrk="1" fontAlgn="auto" hangingPunct="1">
-              <a:spcAft>
-                <a:spcPts val="0"/>
-              </a:spcAft>
-              <a:buFont typeface="Arial" panose="020B0604020202020204" pitchFamily="34" charset="0"/>
-              <a:buChar char="•"/>
-              <a:defRPr/>
-            </a:pPr>
-            <a:r>
-              <a:rPr lang="en-US" sz="1800" b="1" dirty="0" smtClean="0">
-                <a:ea typeface="+mn-ea"/>
-              </a:rPr>
-              <a:t>Developers use configuration to focus testing on development code</a:t>
-            </a:r>
-          </a:p>
-          <a:p>
-            <a:pPr lvl="1" eaLnBrk="1" fontAlgn="auto" hangingPunct="1">
-              <a:spcAft>
-                <a:spcPts val="0"/>
-              </a:spcAft>
-              <a:buFont typeface="Arial" panose="020B0604020202020204" pitchFamily="34" charset="0"/>
-              <a:buChar char="•"/>
-              <a:defRPr/>
-            </a:pPr>
-            <a:r>
-              <a:rPr lang="en-US" sz="1800" b="1" dirty="0" smtClean="0">
-                <a:ea typeface="+mn-ea"/>
-              </a:rPr>
-              <a:t>Gives CXTA ability to test on same deployed code w/out stepping on Dev</a:t>
-            </a:r>
-          </a:p>
-          <a:p>
-            <a:pPr marL="457206" lvl="1" indent="0" eaLnBrk="1" fontAlgn="auto" hangingPunct="1">
-              <a:spcAft>
-                <a:spcPts val="0"/>
-              </a:spcAft>
-              <a:buFontTx/>
-              <a:buNone/>
-              <a:defRPr/>
-            </a:pPr>
-            <a:r>
-              <a:rPr lang="en-US" sz="1400" dirty="0" smtClean="0">
-                <a:ea typeface="+mn-ea"/>
-              </a:rPr>
-              <a:t>      </a:t>
-            </a:r>
-            <a:endParaRPr lang="en-US" sz="1400" dirty="0">
-              <a:ea typeface="+mn-ea"/>
+            </a:pPr>
+            <a:r>
+              <a:rPr lang="en-US" sz="2000" dirty="0">
+                <a:latin typeface="Calibri" pitchFamily="34" charset="0"/>
+              </a:rPr>
+              <a:t>Phase_3 </a:t>
+            </a:r>
+            <a:r>
+              <a:rPr lang="en-US" sz="2000" dirty="0" smtClean="0">
+                <a:latin typeface="Calibri" pitchFamily="34" charset="0"/>
+              </a:rPr>
+              <a:t>  1 </a:t>
+            </a:r>
+            <a:r>
+              <a:rPr lang="en-US" sz="2000" dirty="0">
+                <a:latin typeface="Calibri" pitchFamily="34" charset="0"/>
+              </a:rPr>
+              <a:t>Prod</a:t>
+            </a:r>
+            <a:r>
+              <a:rPr lang="en-US" sz="2000" dirty="0" smtClean="0">
+                <a:latin typeface="Calibri" pitchFamily="34" charset="0"/>
+              </a:rPr>
+              <a:t>   7 </a:t>
+            </a:r>
+            <a:r>
+              <a:rPr lang="en-US" sz="2000" dirty="0">
+                <a:latin typeface="Calibri" pitchFamily="34" charset="0"/>
+              </a:rPr>
+              <a:t>States 	===   3234 </a:t>
+            </a:r>
+            <a:r>
+              <a:rPr lang="en-US" sz="2000" dirty="0" smtClean="0">
+                <a:latin typeface="Calibri" pitchFamily="34" charset="0"/>
+              </a:rPr>
+              <a:t>tests</a:t>
+            </a:r>
+            <a:endParaRPr lang="en-US" sz="2000" dirty="0">
+              <a:latin typeface="Calibri" pitchFamily="34" charset="0"/>
+            </a:endParaRPr>
+          </a:p>
+          <a:p>
+            <a:endParaRPr lang="en-US" sz="2000" dirty="0">
+              <a:latin typeface="Calibri" pitchFamily="34" charset="0"/>
+            </a:endParaRPr>
+          </a:p>
+          <a:p>
+            <a:endParaRPr lang="en-US" sz="2000" dirty="0">
+              <a:latin typeface="Calibri" pitchFamily="34" charset="0"/>
+            </a:endParaRPr>
+          </a:p>
+          <a:p>
+            <a:endParaRPr lang="en-US" sz="2000" dirty="0">
+              <a:latin typeface="Calibri" pitchFamily="34" charset="0"/>
             </a:endParaRPr>
           </a:p>
         </p:txBody>
@@ -10208,7 +10259,7 @@
   <a:extraClrSchemeLst/>
   <a:extLst>
     <a:ext uri="{05A4C25C-085E-4340-85A3-A5531E510DB2}">
-      <thm15:themeFamily xmlns="" xmlns:thm15="http://schemas.microsoft.com/office/thememl/2012/main" name="Presentation2" id="{E033CE4F-DAC9-4DC1-B085-D07FC0345DDB}" vid="{0783260F-4856-4ED7-B8E5-5C83CC1572CF}"/>
+      <thm15:themeFamily xmlns:thm15="http://schemas.microsoft.com/office/thememl/2012/main" name="Presentation2" id="{E033CE4F-DAC9-4DC1-B085-D07FC0345DDB}" vid="{0783260F-4856-4ED7-B8E5-5C83CC1572CF}"/>
     </a:ext>
   </a:extLst>
 </a:theme>
@@ -10469,7 +10520,7 @@
   <a:extraClrSchemeLst/>
   <a:extLst>
     <a:ext uri="{05A4C25C-085E-4340-85A3-A5531E510DB2}">
-      <thm15:themeFamily xmlns="" xmlns:thm15="http://schemas.microsoft.com/office/thememl/2012/main" name="Office Theme" id="{62F939B6-93AF-4DB8-9C6B-D6C7DFDC589F}" vid="{4A3C46E8-61CC-4603-A589-7422A47A8E4A}"/>
+      <thm15:themeFamily xmlns:thm15="http://schemas.microsoft.com/office/thememl/2012/main" name="Office Theme" id="{62F939B6-93AF-4DB8-9C6B-D6C7DFDC589F}" vid="{4A3C46E8-61CC-4603-A589-7422A47A8E4A}"/>
     </a:ext>
   </a:extLst>
 </a:theme>

--- a/CurrentWork_Delta/CX_StrategyPowerPoint.pptx
+++ b/CurrentWork_Delta/CX_StrategyPowerPoint.pptx
@@ -285,7 +285,7 @@
               <a:pPr>
                 <a:defRPr/>
               </a:pPr>
-              <a:t>4/4/2018</a:t>
+              <a:t>4/10/2018</a:t>
             </a:fld>
             <a:endParaRPr lang="en-US"/>
           </a:p>
@@ -2428,7 +2428,7 @@
         <p:spPr bwMode="auto">
           <a:xfrm>
             <a:off x="3284426" y="437228"/>
-            <a:ext cx="5296048" cy="1689100"/>
+            <a:ext cx="5296048" cy="2305972"/>
           </a:xfrm>
           <a:prstGeom prst="rect">
             <a:avLst/>
@@ -2447,7 +2447,7 @@
           <a:p>
             <a:pPr defTabSz="685800">
               <a:lnSpc>
-                <a:spcPct val="70000"/>
+                <a:spcPct val="85000"/>
               </a:lnSpc>
             </a:pPr>
             <a:r>
@@ -2463,7 +2463,7 @@
           <a:p>
             <a:pPr defTabSz="685800">
               <a:lnSpc>
-                <a:spcPct val="70000"/>
+                <a:spcPct val="85000"/>
               </a:lnSpc>
             </a:pPr>
             <a:r>
@@ -3848,13 +3848,7 @@
               <a:rPr lang="en-US" sz="2000" b="1" dirty="0" smtClean="0">
                 <a:ea typeface="+mn-ea"/>
               </a:rPr>
-              <a:t>team </a:t>
-            </a:r>
-            <a:r>
-              <a:rPr lang="en-US" sz="2000" b="1" dirty="0" smtClean="0">
-                <a:ea typeface="+mn-ea"/>
-              </a:rPr>
-              <a:t>continues with Use Case End </a:t>
+              <a:t>team continues with Use Case End </a:t>
             </a:r>
             <a:r>
               <a:rPr lang="en-US" sz="2000" b="1" dirty="0">
@@ -3958,13 +3952,7 @@
               <a:rPr lang="en-US" sz="2000" b="1" dirty="0" smtClean="0">
                 <a:latin typeface="Calibri Light" pitchFamily="34" charset="0"/>
               </a:rPr>
-              <a:t>NG</a:t>
-            </a:r>
-            <a:r>
-              <a:rPr lang="en-US" sz="2000" b="1" dirty="0" smtClean="0">
-                <a:latin typeface="Calibri Light" pitchFamily="34" charset="0"/>
-              </a:rPr>
-              <a:t>TA team </a:t>
+              <a:t>NGTA team </a:t>
             </a:r>
             <a:r>
               <a:rPr lang="en-US" sz="2000" b="1" dirty="0">
@@ -4352,14 +4340,7 @@
                 <a:latin typeface="Calibri Light" pitchFamily="34" charset="0"/>
                 <a:cs typeface="Calibri Light" pitchFamily="34" charset="0"/>
               </a:rPr>
-              <a:t>Team </a:t>
-            </a:r>
-            <a:r>
-              <a:rPr lang="en-US" sz="2000" b="1" dirty="0" smtClean="0">
-                <a:latin typeface="Calibri Light" pitchFamily="34" charset="0"/>
-                <a:cs typeface="Calibri Light" pitchFamily="34" charset="0"/>
-              </a:rPr>
-              <a:t>engineers</a:t>
+              <a:t>Team engineers</a:t>
             </a:r>
           </a:p>
           <a:p>
@@ -6097,19 +6078,7 @@
               <a:rPr lang="en-US" dirty="0" smtClean="0">
                 <a:ea typeface="+mj-ea"/>
               </a:rPr>
-              <a:t>     </a:t>
-            </a:r>
-            <a:r>
-              <a:rPr lang="en-US" dirty="0" smtClean="0">
-                <a:ea typeface="+mj-ea"/>
-              </a:rPr>
-              <a:t>NGTA  </a:t>
-            </a:r>
-            <a:r>
-              <a:rPr lang="en-US" dirty="0" smtClean="0">
-                <a:ea typeface="+mj-ea"/>
-              </a:rPr>
-              <a:t>- </a:t>
+              <a:t>     NGTA  - </a:t>
             </a:r>
             <a:r>
               <a:rPr lang="en-US" sz="3000" b="1" dirty="0" smtClean="0">
@@ -6139,7 +6108,7 @@
         <p:spPr>
           <a:xfrm>
             <a:off x="277813" y="1512888"/>
-            <a:ext cx="8994775" cy="3997325"/>
+            <a:ext cx="8866187" cy="3997325"/>
           </a:xfrm>
         </p:spPr>
         <p:txBody>
@@ -6188,31 +6157,19 @@
               <a:rPr lang="en-US" sz="1600" b="1" dirty="0" smtClean="0">
                 <a:ea typeface="+mn-ea"/>
               </a:rPr>
-              <a:t>Node,   </a:t>
+              <a:t>Node,   Protractor,   </a:t>
             </a:r>
             <a:r>
               <a:rPr lang="en-US" sz="1600" b="1" dirty="0" smtClean="0">
                 <a:ea typeface="+mn-ea"/>
               </a:rPr>
-              <a:t>Protractor</a:t>
-            </a:r>
-            <a:r>
-              <a:rPr lang="en-US" sz="1600" b="1" dirty="0" smtClean="0">
-                <a:ea typeface="+mn-ea"/>
-              </a:rPr>
-              <a:t>,   </a:t>
-            </a:r>
-            <a:r>
-              <a:rPr lang="en-US" sz="1600" b="1" dirty="0" smtClean="0">
-                <a:ea typeface="+mn-ea"/>
-              </a:rPr>
-              <a:t>JavaScript, </a:t>
-            </a:r>
-            <a:r>
-              <a:rPr lang="en-US" sz="1600" b="1" dirty="0" smtClean="0">
-                <a:ea typeface="+mn-ea"/>
-              </a:rPr>
-              <a:t>  Jenkins</a:t>
+              <a:t>JavaScript</a:t>
+            </a:r>
+            <a:r>
+              <a:rPr lang="en-US" sz="1600" b="1" dirty="0">
+                <a:ea typeface="+mn-ea"/>
+              </a:rPr>
+              <a:t> </a:t>
             </a:r>
             <a:endParaRPr lang="en-US" sz="2000" b="1" dirty="0">
               <a:ea typeface="+mn-ea"/>
@@ -6256,13 +6213,7 @@
               <a:rPr lang="en-US" sz="2000" b="1" dirty="0" smtClean="0">
                 <a:ea typeface="+mn-ea"/>
               </a:rPr>
-              <a:t>NGTA </a:t>
-            </a:r>
-            <a:r>
-              <a:rPr lang="en-US" sz="2000" b="1" dirty="0" smtClean="0">
-                <a:ea typeface="+mn-ea"/>
-              </a:rPr>
-              <a:t>validates product quality, usability and performance of CX Web Applications</a:t>
+              <a:t>NGTA validates product quality, usability and performance of CX Web Applications</a:t>
             </a:r>
           </a:p>
           <a:p>
@@ -6289,32 +6240,10 @@
               </a:rPr>
               <a:t>	</a:t>
             </a:r>
-            <a:r>
-              <a:rPr lang="en-US" sz="1000" dirty="0" smtClean="0">
-                <a:solidFill>
-                  <a:srgbClr val="FF0000"/>
-                </a:solidFill>
-                <a:ea typeface="+mn-ea"/>
-              </a:rPr>
-              <a:t>Perf Quall: short test completion time, Usability: easy test authoring, Prod Qual:  Pass rate</a:t>
-            </a:r>
-          </a:p>
-          <a:p>
-            <a:pPr lvl="1" indent="0" eaLnBrk="1" fontAlgn="auto" hangingPunct="1">
-              <a:lnSpc>
-                <a:spcPct val="90000"/>
-              </a:lnSpc>
-              <a:spcBef>
-                <a:spcPts val="0"/>
-              </a:spcBef>
-              <a:spcAft>
-                <a:spcPts val="0"/>
-              </a:spcAft>
-              <a:buFontTx/>
-              <a:buNone/>
-              <a:defRPr/>
-            </a:pPr>
-            <a:endParaRPr lang="en-US" sz="1000" dirty="0">
+            <a:endParaRPr lang="en-US" sz="1000" dirty="0" smtClean="0">
+              <a:solidFill>
+                <a:srgbClr val="FF0000"/>
+              </a:solidFill>
               <a:ea typeface="+mn-ea"/>
             </a:endParaRPr>
           </a:p>
@@ -6338,6 +6267,25 @@
             </a:endParaRPr>
           </a:p>
           <a:p>
+            <a:pPr lvl="1" indent="0" eaLnBrk="1" fontAlgn="auto" hangingPunct="1">
+              <a:lnSpc>
+                <a:spcPct val="90000"/>
+              </a:lnSpc>
+              <a:spcBef>
+                <a:spcPts val="0"/>
+              </a:spcBef>
+              <a:spcAft>
+                <a:spcPts val="0"/>
+              </a:spcAft>
+              <a:buFontTx/>
+              <a:buNone/>
+              <a:defRPr/>
+            </a:pPr>
+            <a:endParaRPr lang="en-US" sz="1000" dirty="0" smtClean="0">
+              <a:ea typeface="+mn-ea"/>
+            </a:endParaRPr>
+          </a:p>
+          <a:p>
             <a:pPr marL="342900" indent="-342900" eaLnBrk="1" fontAlgn="auto" hangingPunct="1">
               <a:lnSpc>
                 <a:spcPct val="90000"/>
@@ -6360,86 +6308,74 @@
               <a:rPr lang="en-US" sz="2000" b="1" dirty="0" smtClean="0">
                 <a:ea typeface="+mn-ea"/>
               </a:rPr>
-              <a:t>validates </a:t>
-            </a:r>
+              <a:t>validates core functional APIs( micro service API )</a:t>
+            </a:r>
+          </a:p>
+          <a:p>
+            <a:pPr marL="919163" lvl="1" indent="-342900" eaLnBrk="1" fontAlgn="auto" hangingPunct="1">
+              <a:lnSpc>
+                <a:spcPct val="90000"/>
+              </a:lnSpc>
+              <a:spcBef>
+                <a:spcPts val="0"/>
+              </a:spcBef>
+              <a:spcAft>
+                <a:spcPts val="0"/>
+              </a:spcAft>
+              <a:buFont typeface="Arial" panose="020B0604020202020204" pitchFamily="34" charset="0"/>
+              <a:buChar char="•"/>
+              <a:defRPr/>
+            </a:pPr>
+            <a:r>
+              <a:rPr lang="en-US" sz="1600" b="1" dirty="0" smtClean="0">
+                <a:ea typeface="+mn-ea"/>
+              </a:rPr>
+              <a:t>Frisby,    Solar  </a:t>
+            </a:r>
+            <a:r>
+              <a:rPr lang="en-US" sz="1400" b="1" dirty="0" smtClean="0">
+                <a:ea typeface="+mn-ea"/>
+              </a:rPr>
+              <a:t>( Node Modules )</a:t>
+            </a:r>
+          </a:p>
+          <a:p>
+            <a:pPr marL="342900" indent="-342900" eaLnBrk="1" fontAlgn="auto" hangingPunct="1">
+              <a:lnSpc>
+                <a:spcPct val="150000"/>
+              </a:lnSpc>
+              <a:spcAft>
+                <a:spcPts val="1000"/>
+              </a:spcAft>
+              <a:buFont typeface="Arial" panose="020B0604020202020204" pitchFamily="34" charset="0"/>
+              <a:buChar char="•"/>
+              <a:defRPr/>
+            </a:pPr>
             <a:r>
               <a:rPr lang="en-US" sz="2000" b="1" dirty="0" smtClean="0">
                 <a:ea typeface="+mn-ea"/>
               </a:rPr>
-              <a:t>core functional APIs( micro service API </a:t>
+              <a:t>The following provides an explanation of </a:t>
+            </a:r>
+            <a:r>
+              <a:rPr lang="en-US" sz="2000" b="1" dirty="0" smtClean="0"/>
+              <a:t>NGTA </a:t>
             </a:r>
             <a:r>
               <a:rPr lang="en-US" sz="2000" b="1" dirty="0" smtClean="0">
                 <a:ea typeface="+mn-ea"/>
               </a:rPr>
-              <a:t>)</a:t>
-            </a:r>
-          </a:p>
-          <a:p>
-            <a:pPr marL="919163" lvl="1" indent="-342900" eaLnBrk="1" fontAlgn="auto" hangingPunct="1">
-              <a:lnSpc>
-                <a:spcPct val="90000"/>
-              </a:lnSpc>
-              <a:spcBef>
-                <a:spcPts val="0"/>
-              </a:spcBef>
-              <a:spcAft>
-                <a:spcPts val="0"/>
-              </a:spcAft>
-              <a:buFont typeface="Arial" panose="020B0604020202020204" pitchFamily="34" charset="0"/>
-              <a:buChar char="•"/>
-              <a:defRPr/>
-            </a:pPr>
-            <a:r>
-              <a:rPr lang="en-US" sz="1600" b="1" dirty="0" err="1" smtClean="0">
-                <a:ea typeface="+mn-ea"/>
-              </a:rPr>
-              <a:t>Frisby</a:t>
-            </a:r>
-            <a:r>
-              <a:rPr lang="en-US" sz="1600" b="1" dirty="0" smtClean="0">
-                <a:ea typeface="+mn-ea"/>
-              </a:rPr>
-              <a:t>,    Solar  </a:t>
-            </a:r>
-            <a:r>
-              <a:rPr lang="en-US" sz="1400" b="1" dirty="0" smtClean="0">
-                <a:ea typeface="+mn-ea"/>
-              </a:rPr>
-              <a:t>( Node Modules )</a:t>
-            </a:r>
-            <a:endParaRPr lang="en-US" sz="1400" b="1" dirty="0" smtClean="0">
+              <a:t>, our purpose, technologies, philosophies, process, and our evolutionary plans for </a:t>
+            </a:r>
+            <a:r>
+              <a:rPr lang="en-US" sz="2000" b="1" dirty="0" smtClean="0">
+                <a:ea typeface="+mn-ea"/>
+              </a:rPr>
+              <a:t>2018 being developed by         2 local staff and 3 off shore staff.</a:t>
+            </a:r>
+            <a:endParaRPr lang="en-US" sz="2000" b="1" dirty="0" smtClean="0">
               <a:ea typeface="+mn-ea"/>
             </a:endParaRPr>
-          </a:p>
-          <a:p>
-            <a:pPr marL="342900" indent="-342900" eaLnBrk="1" fontAlgn="auto" hangingPunct="1">
-              <a:lnSpc>
-                <a:spcPct val="150000"/>
-              </a:lnSpc>
-              <a:spcAft>
-                <a:spcPts val="1000"/>
-              </a:spcAft>
-              <a:buFont typeface="Arial" panose="020B0604020202020204" pitchFamily="34" charset="0"/>
-              <a:buChar char="•"/>
-              <a:defRPr/>
-            </a:pPr>
-            <a:r>
-              <a:rPr lang="en-US" sz="2000" b="1" dirty="0" smtClean="0">
-                <a:ea typeface="+mn-ea"/>
-              </a:rPr>
-              <a:t>The following provides an explanation of </a:t>
-            </a:r>
-            <a:r>
-              <a:rPr lang="en-US" sz="2000" b="1" dirty="0" smtClean="0"/>
-              <a:t>NGTA </a:t>
-            </a:r>
-            <a:r>
-              <a:rPr lang="en-US" sz="2000" b="1" dirty="0" smtClean="0">
-                <a:ea typeface="+mn-ea"/>
-              </a:rPr>
-              <a:t>, our purpose, technologies, philosophies, process, and our evolutionary plans for 2018.</a:t>
-            </a:r>
           </a:p>
           <a:p>
             <a:pPr eaLnBrk="1" fontAlgn="auto" hangingPunct="1">
@@ -6600,7 +6536,25 @@
               <a:rPr lang="en-US" sz="2000" b="1" dirty="0" smtClean="0">
                 <a:ea typeface="+mn-ea"/>
               </a:rPr>
-              <a:t>work for Delta Dental technology teams ( CX, … )</a:t>
+              <a:t>work for Delta Dental technology teams ( CX, </a:t>
+            </a:r>
+            <a:r>
+              <a:rPr lang="en-US" sz="2000" b="1" dirty="0" smtClean="0">
+                <a:ea typeface="+mn-ea"/>
+              </a:rPr>
+              <a:t>. . . </a:t>
+            </a:r>
+            <a:r>
+              <a:rPr lang="en-US" sz="2000" b="1" dirty="0" smtClean="0">
+                <a:ea typeface="+mn-ea"/>
+              </a:rPr>
+              <a:t> </a:t>
+            </a:r>
+            <a:r>
+              <a:rPr lang="en-US" sz="2000" b="1" dirty="0" smtClean="0">
+                <a:ea typeface="+mn-ea"/>
+              </a:rPr>
+              <a:t>)</a:t>
             </a:r>
           </a:p>
           <a:p>
@@ -6701,13 +6655,7 @@
               <a:rPr lang="en-US" sz="2000" b="1" dirty="0" smtClean="0">
                 <a:ea typeface="+mn-ea"/>
               </a:rPr>
-              <a:t>Design </a:t>
-            </a:r>
-            <a:r>
-              <a:rPr lang="en-US" sz="2000" b="1" dirty="0" smtClean="0">
-                <a:ea typeface="+mn-ea"/>
-              </a:rPr>
-              <a:t>the Framework with enough power and flexibility to meet </a:t>
+              <a:t>Design the Framework with enough power and flexibility to meet </a:t>
             </a:r>
             <a:r>
               <a:rPr lang="en-US" sz="2000" b="1" dirty="0">
@@ -6917,26 +6865,8 @@
                 <a:latin typeface="Calibri Light" pitchFamily="34" charset="0"/>
                 <a:cs typeface="Calibri Light" pitchFamily="34" charset="0"/>
               </a:rPr>
-              <a:t>and </a:t>
-            </a:r>
-            <a:r>
-              <a:rPr lang="en-US" sz="2000" b="1" dirty="0" smtClean="0">
-                <a:latin typeface="Calibri Light" pitchFamily="34" charset="0"/>
-                <a:cs typeface="Calibri Light" pitchFamily="34" charset="0"/>
-              </a:rPr>
-              <a:t>the CX Market Place Development Team have </a:t>
-            </a:r>
-            <a:r>
-              <a:rPr lang="en-US" sz="2000" b="1" dirty="0" smtClean="0">
-                <a:latin typeface="Calibri Light" pitchFamily="34" charset="0"/>
-                <a:cs typeface="Calibri Light" pitchFamily="34" charset="0"/>
-              </a:rPr>
-              <a:t>matured since 2016. </a:t>
-            </a:r>
-            <a:endParaRPr lang="en-US" sz="2000" b="1" dirty="0" smtClean="0">
-              <a:latin typeface="Calibri Light" pitchFamily="34" charset="0"/>
-              <a:cs typeface="Calibri Light" pitchFamily="34" charset="0"/>
-            </a:endParaRPr>
+              <a:t>and the CX Market Place Development Team have matured since 2016. </a:t>
+            </a:r>
           </a:p>
           <a:p>
             <a:pPr marL="919163" lvl="1" indent="-342900" eaLnBrk="1" hangingPunct="1">
@@ -7009,74 +6939,34 @@
                 <a:latin typeface="Calibri Light" pitchFamily="34" charset="0"/>
                 <a:cs typeface="Calibri Light" pitchFamily="34" charset="0"/>
               </a:rPr>
-              <a:t>:</a:t>
-            </a:r>
+              <a:t> </a:t>
+            </a:r>
+          </a:p>
+          <a:p>
+            <a:pPr marL="919163" lvl="1" indent="-342900" eaLnBrk="1" hangingPunct="1">
+              <a:lnSpc>
+                <a:spcPct val="95000"/>
+              </a:lnSpc>
+              <a:spcBef>
+                <a:spcPct val="0"/>
+              </a:spcBef>
+              <a:buFont typeface="Arial" charset="0"/>
+              <a:buChar char="•"/>
+            </a:pPr>
             <a:r>
               <a:rPr lang="en-US" sz="1600" b="1" dirty="0" smtClean="0">
                 <a:latin typeface="Calibri Light" pitchFamily="34" charset="0"/>
                 <a:cs typeface="Calibri Light" pitchFamily="34" charset="0"/>
               </a:rPr>
-              <a:t>   </a:t>
-            </a:r>
-            <a:r>
-              <a:rPr lang="en-US" sz="1000" b="1" dirty="0" smtClean="0">
-                <a:solidFill>
-                  <a:srgbClr val="A6A6A6"/>
-                </a:solidFill>
-                <a:latin typeface="Calibri Light" pitchFamily="34" charset="0"/>
-                <a:cs typeface="Calibri Light" pitchFamily="34" charset="0"/>
-              </a:rPr>
-              <a:t>roll out   :    page Integration test    :      Industry practice </a:t>
-            </a:r>
-          </a:p>
-          <a:p>
-            <a:pPr marL="919163" lvl="1" indent="-342900" eaLnBrk="1" hangingPunct="1">
-              <a:lnSpc>
-                <a:spcPct val="95000"/>
-              </a:lnSpc>
-              <a:spcBef>
-                <a:spcPct val="0"/>
-              </a:spcBef>
-              <a:buFont typeface="Arial" charset="0"/>
-              <a:buChar char="•"/>
-            </a:pPr>
-            <a:r>
-              <a:rPr lang="en-US" sz="1600" b="1" dirty="0" smtClean="0">
-                <a:latin typeface="Calibri Light" pitchFamily="34" charset="0"/>
-                <a:cs typeface="Calibri Light" pitchFamily="34" charset="0"/>
-              </a:rPr>
-              <a:t>we have changed how we select &amp; control execution   </a:t>
-            </a:r>
-            <a:r>
-              <a:rPr lang="en-US" sz="1000" b="1" dirty="0" smtClean="0">
-                <a:solidFill>
-                  <a:srgbClr val="A6A6A6"/>
-                </a:solidFill>
-                <a:latin typeface="Calibri Light" pitchFamily="34" charset="0"/>
-                <a:cs typeface="Calibri Light" pitchFamily="34" charset="0"/>
-              </a:rPr>
-              <a:t>now in Scaling Mode :  groups of states &amp; </a:t>
-            </a:r>
-            <a:r>
-              <a:rPr lang="en-US" sz="1000" b="1" dirty="0" err="1" smtClean="0">
-                <a:solidFill>
-                  <a:srgbClr val="A6A6A6"/>
-                </a:solidFill>
-                <a:latin typeface="Calibri Light" pitchFamily="34" charset="0"/>
-                <a:cs typeface="Calibri Light" pitchFamily="34" charset="0"/>
-              </a:rPr>
-              <a:t>Fcns</a:t>
-            </a:r>
-            <a:r>
-              <a:rPr lang="en-US" sz="1000" b="1" dirty="0" smtClean="0">
-                <a:solidFill>
-                  <a:srgbClr val="A6A6A6"/>
-                </a:solidFill>
-                <a:latin typeface="Calibri Light" pitchFamily="34" charset="0"/>
-                <a:cs typeface="Calibri Light" pitchFamily="34" charset="0"/>
-              </a:rPr>
-              <a:t>  are named phases</a:t>
-            </a:r>
+              <a:t>we have changed how we select &amp; control execution  </a:t>
+            </a:r>
+            <a:endParaRPr lang="en-US" sz="1000" b="1" dirty="0" smtClean="0">
+              <a:solidFill>
+                <a:srgbClr val="A6A6A6"/>
+              </a:solidFill>
+              <a:latin typeface="Calibri Light" pitchFamily="34" charset="0"/>
+              <a:cs typeface="Calibri Light" pitchFamily="34" charset="0"/>
+            </a:endParaRPr>
           </a:p>
           <a:p>
             <a:pPr marL="919163" lvl="1" indent="-342900" eaLnBrk="1" hangingPunct="1">
@@ -7377,7 +7267,7 @@
         </p:nvSpPr>
         <p:spPr bwMode="auto">
           <a:xfrm>
-            <a:off x="814388" y="3275013"/>
+            <a:off x="814388" y="3208338"/>
             <a:ext cx="5548312" cy="369887"/>
           </a:xfrm>
           <a:prstGeom prst="rect">
@@ -7398,10 +7288,22 @@
           <a:lstStyle/>
           <a:p>
             <a:r>
-              <a:rPr lang="en-US">
+              <a:rPr lang="en-US" dirty="0">
                 <a:latin typeface="Calibri" pitchFamily="34" charset="0"/>
               </a:rPr>
-              <a:t>A collection of Test Cases run manually </a:t>
+              <a:t>A collection of </a:t>
+            </a:r>
+            <a:r>
+              <a:rPr lang="en-US" dirty="0" smtClean="0">
+                <a:latin typeface="Calibri" pitchFamily="34" charset="0"/>
+              </a:rPr>
+              <a:t>Manual Test </a:t>
+            </a:r>
+            <a:r>
+              <a:rPr lang="en-US" dirty="0">
+                <a:latin typeface="Calibri" pitchFamily="34" charset="0"/>
+              </a:rPr>
+              <a:t>Cases </a:t>
             </a:r>
           </a:p>
         </p:txBody>
@@ -7416,8 +7318,8 @@
         </p:nvSpPr>
         <p:spPr bwMode="auto">
           <a:xfrm>
-            <a:off x="852488" y="5192713"/>
-            <a:ext cx="5548312" cy="369887"/>
+            <a:off x="852488" y="5116513"/>
+            <a:ext cx="5548312" cy="369332"/>
           </a:xfrm>
           <a:prstGeom prst="rect">
             <a:avLst/>
@@ -7440,14 +7342,26 @@
               <a:rPr lang="en-US" dirty="0">
                 <a:latin typeface="Calibri" pitchFamily="34" charset="0"/>
               </a:rPr>
-              <a:t>A similar collection of Test Cases run in Automation </a:t>
+              <a:t>A similar collection </a:t>
+            </a:r>
+            <a:r>
+              <a:rPr lang="en-US" dirty="0" smtClean="0">
+                <a:latin typeface="Calibri" pitchFamily="34" charset="0"/>
+              </a:rPr>
+              <a:t>of Automated Test </a:t>
+            </a:r>
+            <a:r>
+              <a:rPr lang="en-US" dirty="0">
+                <a:latin typeface="Calibri" pitchFamily="34" charset="0"/>
+              </a:rPr>
+              <a:t>Cases </a:t>
             </a:r>
           </a:p>
         </p:txBody>
       </p:sp>
       <p:pic>
         <p:nvPicPr>
-          <p:cNvPr id="3" name="Picture 2"/>
+          <p:cNvPr id="2" name="Picture 1"/>
           <p:cNvPicPr>
             <a:picLocks noChangeAspect="1"/>
           </p:cNvPicPr>
@@ -7467,8 +7381,8 @@
         </p:blipFill>
         <p:spPr>
           <a:xfrm>
-            <a:off x="852489" y="5472044"/>
-            <a:ext cx="5969000" cy="1297609"/>
+            <a:off x="852489" y="3596790"/>
+            <a:ext cx="5948520" cy="1316136"/>
           </a:xfrm>
           <a:prstGeom prst="rect">
             <a:avLst/>
@@ -7477,7 +7391,7 @@
       </p:pic>
       <p:pic>
         <p:nvPicPr>
-          <p:cNvPr id="6" name="Picture 5"/>
+          <p:cNvPr id="7" name="Picture 6"/>
           <p:cNvPicPr>
             <a:picLocks noChangeAspect="1"/>
           </p:cNvPicPr>
@@ -7497,8 +7411,8 @@
         </p:blipFill>
         <p:spPr>
           <a:xfrm>
-            <a:off x="852489" y="3604408"/>
-            <a:ext cx="5969000" cy="1331066"/>
+            <a:off x="852489" y="5472043"/>
+            <a:ext cx="5948520" cy="1313847"/>
           </a:xfrm>
           <a:prstGeom prst="rect">
             <a:avLst/>
@@ -7664,13 +7578,7 @@
               <a:rPr lang="en-US" sz="1400" b="1" dirty="0" smtClean="0">
                 <a:ea typeface="+mn-ea"/>
               </a:rPr>
-              <a:t>for </a:t>
-            </a:r>
-            <a:r>
-              <a:rPr lang="en-US" sz="1400" b="1" dirty="0" smtClean="0">
-                <a:ea typeface="+mn-ea"/>
-              </a:rPr>
-              <a:t>confidence vote on the product.  </a:t>
+              <a:t>for confidence vote on the product.  </a:t>
             </a:r>
           </a:p>
           <a:p>
@@ -7999,13 +7907,7 @@
               <a:rPr lang="en-US" sz="1900" b="1" dirty="0" smtClean="0">
                 <a:ea typeface="+mn-ea"/>
               </a:rPr>
-              <a:t>Framework</a:t>
-            </a:r>
-            <a:r>
-              <a:rPr lang="en-US" sz="1900" b="1" dirty="0" smtClean="0">
-                <a:ea typeface="+mn-ea"/>
-              </a:rPr>
-              <a:t>.</a:t>
+              <a:t>Framework.</a:t>
             </a:r>
             <a:endParaRPr lang="en-US" sz="1900" b="1" dirty="0">
               <a:ea typeface="+mn-ea"/>
@@ -8144,10 +8046,6 @@
               </a:rPr>
               <a:t>ARCHITECTURAL TECH STACK</a:t>
             </a:r>
-            <a:endParaRPr lang="en-US" sz="4500" dirty="0" smtClean="0">
-              <a:latin typeface="Calibri Light" pitchFamily="34" charset="0"/>
-              <a:cs typeface="Calibri Light" pitchFamily="34" charset="0"/>
-            </a:endParaRPr>
           </a:p>
         </p:txBody>
       </p:sp>
@@ -8952,64 +8850,16 @@
               <a:defRPr/>
             </a:pPr>
             <a:r>
-              <a:rPr lang="en-US" sz="1800" b="1" dirty="0">
-                <a:ea typeface="+mn-ea"/>
-              </a:rPr>
-              <a:t>Evolutionary change in configuration </a:t>
-            </a:r>
-            <a:r>
-              <a:rPr lang="en-US" sz="1800" b="1" dirty="0" smtClean="0">
-                <a:ea typeface="+mn-ea"/>
-              </a:rPr>
-              <a:t>approach </a:t>
-            </a:r>
-            <a:r>
-              <a:rPr lang="en-US" sz="1800" b="1" dirty="0">
-                <a:ea typeface="+mn-ea"/>
-              </a:rPr>
-              <a:t>moves </a:t>
-            </a:r>
-            <a:r>
-              <a:rPr lang="en-US" sz="1800" b="1" dirty="0" smtClean="0">
-                <a:ea typeface="+mn-ea"/>
-              </a:rPr>
-              <a:t>control </a:t>
-            </a:r>
-            <a:r>
-              <a:rPr lang="en-US" sz="1800" b="1" dirty="0">
-                <a:ea typeface="+mn-ea"/>
-              </a:rPr>
-              <a:t>of what product and state being tested out of the </a:t>
-            </a:r>
-            <a:r>
-              <a:rPr lang="en-US" sz="1800" b="1" dirty="0" smtClean="0">
-                <a:ea typeface="+mn-ea"/>
-              </a:rPr>
-              <a:t>test script </a:t>
-            </a:r>
-            <a:r>
-              <a:rPr lang="en-US" sz="1800" b="1" dirty="0">
-                <a:ea typeface="+mn-ea"/>
-              </a:rPr>
-              <a:t>and </a:t>
-            </a:r>
-            <a:r>
-              <a:rPr lang="en-US" sz="1800" b="1" dirty="0" smtClean="0">
-                <a:ea typeface="+mn-ea"/>
-              </a:rPr>
-              <a:t>into </a:t>
-            </a:r>
-            <a:r>
-              <a:rPr lang="en-US" sz="1800" b="1" dirty="0">
-                <a:ea typeface="+mn-ea"/>
-              </a:rPr>
-              <a:t>Framework </a:t>
-            </a:r>
-            <a:r>
-              <a:rPr lang="en-US" sz="1800" b="1" dirty="0" smtClean="0">
-                <a:ea typeface="+mn-ea"/>
-              </a:rPr>
-              <a:t>Configuration</a:t>
+              <a:rPr lang="en-US" sz="1800" b="1" dirty="0" smtClean="0"/>
+              <a:t>In </a:t>
+            </a:r>
+            <a:r>
+              <a:rPr lang="en-US" sz="1800" b="1" dirty="0"/>
+              <a:t>order to scale Market Place across states our research showed us how to pull test data out of our scripts, decoupling execution from configuration</a:t>
+            </a:r>
+            <a:r>
+              <a:rPr lang="en-US" sz="1800" b="1" dirty="0" smtClean="0"/>
+              <a:t>.</a:t>
             </a:r>
             <a:endParaRPr lang="en-US" sz="1800" b="1" dirty="0">
               <a:ea typeface="+mn-ea"/>
@@ -9039,7 +8889,19 @@
               <a:rPr lang="en-US" sz="2000" b="1" dirty="0" smtClean="0">
                 <a:ea typeface="+mn-ea"/>
               </a:rPr>
-              <a:t>All testing regardless of mode is </a:t>
+              <a:t>All testing regardless of </a:t>
+            </a:r>
+            <a:r>
+              <a:rPr lang="en-US" sz="2000" b="1" dirty="0" smtClean="0">
+                <a:ea typeface="+mn-ea"/>
+              </a:rPr>
+              <a:t>primary mode </a:t>
+            </a:r>
+            <a:r>
+              <a:rPr lang="en-US" sz="2000" b="1" dirty="0" smtClean="0">
+                <a:ea typeface="+mn-ea"/>
+              </a:rPr>
+              <a:t>is </a:t>
             </a:r>
             <a:r>
               <a:rPr lang="en-US" sz="2000" b="1" u="sng" dirty="0" smtClean="0">
@@ -9067,7 +8929,19 @@
               <a:rPr lang="en-US" sz="1800" b="1" dirty="0" smtClean="0">
                 <a:ea typeface="+mn-ea"/>
               </a:rPr>
-              <a:t>Developers use configuration to focus testing on development code</a:t>
+              <a:t>Developers use </a:t>
+            </a:r>
+            <a:r>
+              <a:rPr lang="en-US" sz="1800" b="1" dirty="0" smtClean="0">
+                <a:ea typeface="+mn-ea"/>
+              </a:rPr>
+              <a:t>the configuration model to </a:t>
+            </a:r>
+            <a:r>
+              <a:rPr lang="en-US" sz="1800" b="1" dirty="0" smtClean="0">
+                <a:ea typeface="+mn-ea"/>
+              </a:rPr>
+              <a:t>focus testing on development code</a:t>
             </a:r>
           </a:p>
           <a:p>
@@ -9093,14 +8967,26 @@
               <a:rPr lang="en-US" sz="1800" b="1" dirty="0" smtClean="0">
                 <a:ea typeface="+mn-ea"/>
               </a:rPr>
-              <a:t>ability </a:t>
+              <a:t>ability to test on same deployed code w/out stepping on </a:t>
             </a:r>
             <a:r>
               <a:rPr lang="en-US" sz="1800" b="1" dirty="0" smtClean="0">
                 <a:ea typeface="+mn-ea"/>
               </a:rPr>
-              <a:t>to test on same deployed code w/out stepping on Dev</a:t>
-            </a:r>
+              <a:t>Dev</a:t>
+            </a:r>
+          </a:p>
+          <a:p>
+            <a:pPr marL="341313" lvl="1" indent="0" eaLnBrk="1" fontAlgn="auto" hangingPunct="1">
+              <a:spcAft>
+                <a:spcPts val="0"/>
+              </a:spcAft>
+              <a:buNone/>
+              <a:defRPr/>
+            </a:pPr>
+            <a:endParaRPr lang="en-US" sz="1800" b="1" dirty="0" smtClean="0">
+              <a:ea typeface="+mn-ea"/>
+            </a:endParaRPr>
           </a:p>
           <a:p>
             <a:pPr marL="457206" lvl="1" indent="0" eaLnBrk="1" fontAlgn="auto" hangingPunct="1">
@@ -9636,7 +9522,7 @@
         <p:spPr>
           <a:xfrm>
             <a:off x="712788" y="109538"/>
-            <a:ext cx="6897687" cy="982662"/>
+            <a:ext cx="6897687" cy="1528762"/>
           </a:xfrm>
         </p:spPr>
         <p:txBody>
@@ -9645,12 +9531,36 @@
           <a:p>
             <a:pPr algn="ctr" eaLnBrk="1" hangingPunct="1"/>
             <a:r>
-              <a:rPr lang="en-US" smtClean="0">
+              <a:rPr lang="en-US" dirty="0" smtClean="0">
                 <a:latin typeface="Calibri Light" pitchFamily="34" charset="0"/>
                 <a:cs typeface="Calibri Light" pitchFamily="34" charset="0"/>
               </a:rPr>
-              <a:t>TEST CASES NUMBERS</a:t>
-            </a:r>
+              <a:t>TEST CASES </a:t>
+            </a:r>
+            <a:r>
+              <a:rPr lang="en-US" dirty="0" smtClean="0">
+                <a:latin typeface="Calibri Light" pitchFamily="34" charset="0"/>
+                <a:cs typeface="Calibri Light" pitchFamily="34" charset="0"/>
+              </a:rPr>
+              <a:t>NUMBERS</a:t>
+            </a:r>
+            <a:br>
+              <a:rPr lang="en-US" dirty="0" smtClean="0">
+                <a:latin typeface="Calibri Light" pitchFamily="34" charset="0"/>
+                <a:cs typeface="Calibri Light" pitchFamily="34" charset="0"/>
+              </a:rPr>
+            </a:br>
+            <a:r>
+              <a:rPr lang="en-US" sz="4000" dirty="0" smtClean="0">
+                <a:latin typeface="Calibri Light" pitchFamily="34" charset="0"/>
+                <a:cs typeface="Calibri Light" pitchFamily="34" charset="0"/>
+              </a:rPr>
+              <a:t>Market Place</a:t>
+            </a:r>
+            <a:endParaRPr lang="en-US" dirty="0" smtClean="0">
+              <a:latin typeface="Calibri Light" pitchFamily="34" charset="0"/>
+              <a:cs typeface="Calibri Light" pitchFamily="34" charset="0"/>
+            </a:endParaRPr>
           </a:p>
         </p:txBody>
       </p:sp>
@@ -9665,7 +9575,7 @@
         <p:spPr bwMode="auto">
           <a:xfrm>
             <a:off x="274320" y="1840428"/>
-            <a:ext cx="6624320" cy="4401205"/>
+            <a:ext cx="6624320" cy="5447645"/>
           </a:xfrm>
           <a:prstGeom prst="rect">
             <a:avLst/>
@@ -9725,23 +9635,32 @@
               <a:buChar char="•"/>
             </a:pPr>
             <a:r>
+              <a:rPr lang="en-US" sz="1600" dirty="0" smtClean="0">
+                <a:latin typeface="Calibri" pitchFamily="34" charset="0"/>
+              </a:rPr>
+              <a:t>Phase 0 </a:t>
+            </a:r>
+            <a:r>
+              <a:rPr lang="en-US" sz="1600" dirty="0" smtClean="0">
+                <a:latin typeface="Calibri" pitchFamily="34" charset="0"/>
+              </a:rPr>
+              <a:t>contains 4 products with different number of tests per product.  </a:t>
+            </a:r>
+            <a:r>
               <a:rPr lang="en-US" sz="2000" dirty="0" smtClean="0">
                 <a:latin typeface="Calibri" pitchFamily="34" charset="0"/>
               </a:rPr>
-              <a:t>Phase_0   4 Prod  </a:t>
-            </a:r>
-            <a:r>
-              <a:rPr lang="en-US" sz="2000" dirty="0">
-                <a:latin typeface="Calibri" pitchFamily="34" charset="0"/>
-              </a:rPr>
-              <a:t>5 states 	</a:t>
-            </a:r>
-            <a:r>
-              <a:rPr lang="en-US" sz="2000" dirty="0" smtClean="0">
-                <a:latin typeface="Calibri" pitchFamily="34" charset="0"/>
-              </a:rPr>
-              <a:t>=== 10125 tests</a:t>
-            </a:r>
+              <a:t>4 Products tested in 5 states totals 10125 tests</a:t>
+            </a:r>
+            <a:endParaRPr lang="en-US" sz="1600" dirty="0" smtClean="0">
+              <a:latin typeface="Calibri" pitchFamily="34" charset="0"/>
+            </a:endParaRPr>
+          </a:p>
+          <a:p>
+            <a:pPr marL="342900" indent="-342900">
+              <a:buFont typeface="Arial" panose="020B0604020202020204" pitchFamily="34" charset="0"/>
+              <a:buChar char="•"/>
+            </a:pPr>
             <a:endParaRPr lang="en-US" sz="2000" dirty="0">
               <a:latin typeface="Calibri" pitchFamily="34" charset="0"/>
             </a:endParaRPr>
@@ -9751,6 +9670,30 @@
               <a:buFont typeface="Arial" panose="020B0604020202020204" pitchFamily="34" charset="0"/>
               <a:buChar char="•"/>
             </a:pPr>
+            <a:r>
+              <a:rPr lang="en-US" sz="1600" dirty="0" smtClean="0">
+                <a:latin typeface="Calibri" pitchFamily="34" charset="0"/>
+              </a:rPr>
+              <a:t>Phase 1 contains 2 products with different numbers of tests per product.      </a:t>
+            </a:r>
+            <a:r>
+              <a:rPr lang="en-US" sz="2000" dirty="0" smtClean="0">
+                <a:latin typeface="Calibri" pitchFamily="34" charset="0"/>
+              </a:rPr>
+              <a:t>2 Products tested in 8 States totals 4394 </a:t>
+            </a:r>
+            <a:r>
+              <a:rPr lang="en-US" sz="2000" dirty="0">
+                <a:latin typeface="Calibri" pitchFamily="34" charset="0"/>
+              </a:rPr>
+              <a:t>tests</a:t>
+            </a:r>
+          </a:p>
+          <a:p>
+            <a:pPr marL="342900" indent="-342900">
+              <a:buFont typeface="Arial" panose="020B0604020202020204" pitchFamily="34" charset="0"/>
+              <a:buChar char="•"/>
+            </a:pPr>
             <a:endParaRPr lang="en-US" sz="2000" dirty="0">
               <a:latin typeface="Calibri" pitchFamily="34" charset="0"/>
             </a:endParaRPr>
@@ -9761,43 +9704,25 @@
               <a:buChar char="•"/>
             </a:pPr>
             <a:r>
-              <a:rPr lang="en-US" sz="2000" dirty="0">
+              <a:rPr lang="en-US" sz="1600" dirty="0" smtClean="0">
                 <a:latin typeface="Calibri" pitchFamily="34" charset="0"/>
               </a:rPr>
-              <a:t>Phase_1 </a:t>
-            </a:r>
+              <a:t>Phase 3 contains 1 product </a:t>
+            </a:r>
+          </a:p>
+          <a:p>
+            <a:pPr marL="342900" indent="-342900">
+              <a:buFont typeface="Arial" panose="020B0604020202020204" pitchFamily="34" charset="0"/>
+              <a:buChar char="•"/>
+            </a:pPr>
             <a:r>
               <a:rPr lang="en-US" sz="2000" dirty="0" smtClean="0">
                 <a:latin typeface="Calibri" pitchFamily="34" charset="0"/>
               </a:rPr>
-              <a:t>  2 </a:t>
-            </a:r>
-            <a:r>
-              <a:rPr lang="en-US" sz="2000" dirty="0">
-                <a:latin typeface="Calibri" pitchFamily="34" charset="0"/>
-              </a:rPr>
-              <a:t>Prod   </a:t>
+              <a:t>1 Product tested in 7 States totals 3234 </a:t>
             </a:r>
             <a:r>
               <a:rPr lang="en-US" sz="2000" dirty="0" smtClean="0">
-                <a:latin typeface="Calibri" pitchFamily="34" charset="0"/>
-              </a:rPr>
-              <a:t>8 States</a:t>
-            </a:r>
-            <a:r>
-              <a:rPr lang="en-US" sz="2000" dirty="0">
-                <a:latin typeface="Calibri" pitchFamily="34" charset="0"/>
-              </a:rPr>
-              <a:t>	</a:t>
-            </a:r>
-            <a:r>
-              <a:rPr lang="en-US" sz="2000" dirty="0" smtClean="0">
-                <a:latin typeface="Calibri" pitchFamily="34" charset="0"/>
-              </a:rPr>
-              <a:t>===   4394 </a:t>
-            </a:r>
-            <a:r>
-              <a:rPr lang="en-US" sz="2000" dirty="0">
                 <a:latin typeface="Calibri" pitchFamily="34" charset="0"/>
               </a:rPr>
               <a:t>tests</a:t>
@@ -9818,95 +9743,26 @@
               <a:buChar char="•"/>
             </a:pPr>
             <a:r>
+              <a:rPr lang="en-US" sz="2000" dirty="0" smtClean="0">
+                <a:latin typeface="Calibri" pitchFamily="34" charset="0"/>
+              </a:rPr>
+              <a:t>Phase 3 contains 1 product </a:t>
+            </a:r>
+            <a:endParaRPr lang="en-US" sz="2000" dirty="0" smtClean="0">
+              <a:latin typeface="Calibri" pitchFamily="34" charset="0"/>
+            </a:endParaRPr>
+          </a:p>
+          <a:p>
+            <a:pPr marL="342900" indent="-342900">
+              <a:buFont typeface="Arial" panose="020B0604020202020204" pitchFamily="34" charset="0"/>
+              <a:buChar char="•"/>
+            </a:pPr>
+            <a:r>
               <a:rPr lang="en-US" sz="2000" dirty="0">
                 <a:latin typeface="Calibri" pitchFamily="34" charset="0"/>
               </a:rPr>
-              <a:t>Phase_2 </a:t>
-            </a:r>
-            <a:r>
-              <a:rPr lang="en-US" sz="2000" dirty="0" smtClean="0">
-                <a:latin typeface="Calibri" pitchFamily="34" charset="0"/>
-              </a:rPr>
-              <a:t>  1 </a:t>
-            </a:r>
-            <a:r>
-              <a:rPr lang="en-US" sz="2000" dirty="0">
-                <a:latin typeface="Calibri" pitchFamily="34" charset="0"/>
-              </a:rPr>
-              <a:t>Prod   </a:t>
-            </a:r>
-            <a:r>
-              <a:rPr lang="en-US" sz="2000" dirty="0" smtClean="0">
-                <a:latin typeface="Calibri" pitchFamily="34" charset="0"/>
-              </a:rPr>
-              <a:t>7 States </a:t>
-            </a:r>
-            <a:r>
-              <a:rPr lang="en-US" sz="2000" dirty="0">
-                <a:latin typeface="Calibri" pitchFamily="34" charset="0"/>
-              </a:rPr>
-              <a:t>	=== </a:t>
-            </a:r>
-            <a:r>
-              <a:rPr lang="en-US" sz="2000" dirty="0" smtClean="0">
-                <a:latin typeface="Calibri" pitchFamily="34" charset="0"/>
-              </a:rPr>
-              <a:t>  3234 tests</a:t>
-            </a:r>
-          </a:p>
-          <a:p>
-            <a:pPr marL="342900" indent="-342900">
-              <a:buFont typeface="Arial" panose="020B0604020202020204" pitchFamily="34" charset="0"/>
-              <a:buChar char="•"/>
-            </a:pPr>
-            <a:endParaRPr lang="en-US" sz="2000" dirty="0">
-              <a:latin typeface="Calibri" pitchFamily="34" charset="0"/>
-            </a:endParaRPr>
-          </a:p>
-          <a:p>
-            <a:pPr marL="342900" indent="-342900">
-              <a:buFont typeface="Arial" panose="020B0604020202020204" pitchFamily="34" charset="0"/>
-              <a:buChar char="•"/>
-            </a:pPr>
-            <a:r>
-              <a:rPr lang="en-US" sz="2000" dirty="0">
-                <a:latin typeface="Calibri" pitchFamily="34" charset="0"/>
-              </a:rPr>
-              <a:t>Phase_3 </a:t>
-            </a:r>
-            <a:r>
-              <a:rPr lang="en-US" sz="2000" dirty="0" smtClean="0">
-                <a:latin typeface="Calibri" pitchFamily="34" charset="0"/>
-              </a:rPr>
-              <a:t>  1 </a:t>
-            </a:r>
-            <a:r>
-              <a:rPr lang="en-US" sz="2000" dirty="0">
-                <a:latin typeface="Calibri" pitchFamily="34" charset="0"/>
-              </a:rPr>
-              <a:t>Prod</a:t>
-            </a:r>
-            <a:r>
-              <a:rPr lang="en-US" sz="2000" dirty="0" smtClean="0">
-                <a:latin typeface="Calibri" pitchFamily="34" charset="0"/>
-              </a:rPr>
-              <a:t>   7 </a:t>
-            </a:r>
-            <a:r>
-              <a:rPr lang="en-US" sz="2000" dirty="0">
-                <a:latin typeface="Calibri" pitchFamily="34" charset="0"/>
-              </a:rPr>
-              <a:t>States 	===   3234 </a:t>
-            </a:r>
-            <a:r>
-              <a:rPr lang="en-US" sz="2000" dirty="0" smtClean="0">
-                <a:latin typeface="Calibri" pitchFamily="34" charset="0"/>
-              </a:rPr>
-              <a:t>tests</a:t>
-            </a:r>
-            <a:endParaRPr lang="en-US" sz="2000" dirty="0">
-              <a:latin typeface="Calibri" pitchFamily="34" charset="0"/>
-            </a:endParaRPr>
+              <a:t>1 Product tested in 7 States totals 3234 tests</a:t>
+            </a:r>
           </a:p>
           <a:p>
             <a:endParaRPr lang="en-US" sz="2000" dirty="0">

--- a/CurrentWork_Delta/CX_StrategyPowerPoint.pptx
+++ b/CurrentWork_Delta/CX_StrategyPowerPoint.pptx
@@ -285,7 +285,7 @@
               <a:pPr>
                 <a:defRPr/>
               </a:pPr>
-              <a:t>4/10/2018</a:t>
+              <a:t>4/11/2018</a:t>
             </a:fld>
             <a:endParaRPr lang="en-US"/>
           </a:p>
@@ -3086,7 +3086,7 @@
               </a:lnSpc>
             </a:pPr>
             <a:r>
-              <a:rPr lang="en-US" u="sng" smtClean="0">
+              <a:rPr lang="en-US" u="sng" dirty="0" smtClean="0">
                 <a:latin typeface="Calibri Light" pitchFamily="34" charset="0"/>
                 <a:cs typeface="Calibri Light" pitchFamily="34" charset="0"/>
               </a:rPr>
@@ -3103,13 +3103,13 @@
               </a:spcBef>
             </a:pPr>
             <a:r>
-              <a:rPr lang="en-US" sz="700" smtClean="0">
+              <a:rPr lang="en-US" sz="700" dirty="0" smtClean="0">
                 <a:latin typeface="Calibri Light" pitchFamily="34" charset="0"/>
                 <a:cs typeface="Calibri Light" pitchFamily="34" charset="0"/>
               </a:rPr>
               <a:t> </a:t>
             </a:r>
-            <a:endParaRPr lang="en-US" sz="700" u="sng" smtClean="0">
+            <a:endParaRPr lang="en-US" sz="700" u="sng" dirty="0" smtClean="0">
               <a:latin typeface="Calibri Light" pitchFamily="34" charset="0"/>
               <a:cs typeface="Calibri Light" pitchFamily="34" charset="0"/>
             </a:endParaRPr>
@@ -3120,7 +3120,7 @@
                 <a:spcPct val="70000"/>
               </a:lnSpc>
             </a:pPr>
-            <a:endParaRPr lang="en-US" b="1" smtClean="0">
+            <a:endParaRPr lang="en-US" b="1" dirty="0" smtClean="0">
               <a:latin typeface="Calibri Light" pitchFamily="34" charset="0"/>
               <a:cs typeface="Calibri Light" pitchFamily="34" charset="0"/>
             </a:endParaRPr>
@@ -3132,11 +3132,18 @@
               </a:lnSpc>
             </a:pPr>
             <a:r>
-              <a:rPr lang="en-US" sz="2500" b="1" u="sng" smtClean="0">
+              <a:rPr lang="en-US" sz="2500" b="1" u="sng" dirty="0" smtClean="0">
                 <a:latin typeface="Calibri Light" pitchFamily="34" charset="0"/>
                 <a:cs typeface="Calibri Light" pitchFamily="34" charset="0"/>
               </a:rPr>
-              <a:t>ASPERIAIONAL PRESENTATION</a:t>
+              <a:t>ASPIRATIONAL </a:t>
+            </a:r>
+            <a:r>
+              <a:rPr lang="en-US" sz="2500" b="1" u="sng" dirty="0" smtClean="0">
+                <a:latin typeface="Calibri Light" pitchFamily="34" charset="0"/>
+                <a:cs typeface="Calibri Light" pitchFamily="34" charset="0"/>
+              </a:rPr>
+              <a:t>PRESENTATION</a:t>
             </a:r>
           </a:p>
           <a:p>
@@ -3145,7 +3152,7 @@
                 <a:spcPct val="70000"/>
               </a:lnSpc>
             </a:pPr>
-            <a:endParaRPr lang="en-US" sz="2500" b="1" smtClean="0">
+            <a:endParaRPr lang="en-US" sz="2500" b="1" dirty="0" smtClean="0">
               <a:latin typeface="Calibri Light" pitchFamily="34" charset="0"/>
               <a:cs typeface="Calibri Light" pitchFamily="34" charset="0"/>
             </a:endParaRPr>
@@ -3157,7 +3164,7 @@
               </a:lnSpc>
             </a:pPr>
             <a:r>
-              <a:rPr lang="en-US" b="1" smtClean="0">
+              <a:rPr lang="en-US" b="1" dirty="0" smtClean="0">
                 <a:latin typeface="Calibri Light" pitchFamily="34" charset="0"/>
                 <a:cs typeface="Calibri Light" pitchFamily="34" charset="0"/>
               </a:rPr>
@@ -3171,7 +3178,7 @@
               </a:lnSpc>
             </a:pPr>
             <a:r>
-              <a:rPr lang="en-US" b="1" smtClean="0">
+              <a:rPr lang="en-US" b="1" dirty="0" smtClean="0">
                 <a:latin typeface="Calibri Light" pitchFamily="34" charset="0"/>
                 <a:cs typeface="Calibri Light" pitchFamily="34" charset="0"/>
               </a:rPr>
@@ -3185,7 +3192,7 @@
               </a:lnSpc>
             </a:pPr>
             <a:r>
-              <a:rPr lang="en-US" sz="500" smtClean="0">
+              <a:rPr lang="en-US" sz="500" dirty="0" smtClean="0">
                 <a:latin typeface="Calibri Light" pitchFamily="34" charset="0"/>
                 <a:cs typeface="Calibri Light" pitchFamily="34" charset="0"/>
               </a:rPr>
@@ -3199,14 +3206,14 @@
               </a:lnSpc>
             </a:pPr>
             <a:r>
-              <a:rPr lang="en-US" sz="1800" smtClean="0">
+              <a:rPr lang="en-US" sz="1800" dirty="0" smtClean="0">
                 <a:latin typeface="Calibri Light" pitchFamily="34" charset="0"/>
                 <a:cs typeface="Calibri Light" pitchFamily="34" charset="0"/>
               </a:rPr>
               <a:t>       </a:t>
             </a:r>
             <a:r>
-              <a:rPr lang="en-US" sz="1800" b="1" smtClean="0">
+              <a:rPr lang="en-US" sz="1800" b="1" dirty="0" smtClean="0">
                 <a:latin typeface="Calibri Light" pitchFamily="34" charset="0"/>
                 <a:cs typeface="Calibri Light" pitchFamily="34" charset="0"/>
               </a:rPr>
@@ -3219,7 +3226,7 @@
                 <a:spcPct val="70000"/>
               </a:lnSpc>
             </a:pPr>
-            <a:endParaRPr lang="en-US" sz="1800" b="1" smtClean="0">
+            <a:endParaRPr lang="en-US" sz="1800" b="1" dirty="0" smtClean="0">
               <a:latin typeface="Calibri Light" pitchFamily="34" charset="0"/>
               <a:cs typeface="Calibri Light" pitchFamily="34" charset="0"/>
             </a:endParaRPr>
@@ -3231,7 +3238,7 @@
               </a:lnSpc>
             </a:pPr>
             <a:r>
-              <a:rPr lang="en-US" sz="800" smtClean="0">
+              <a:rPr lang="en-US" sz="800" dirty="0" smtClean="0">
                 <a:latin typeface="Calibri Light" pitchFamily="34" charset="0"/>
                 <a:cs typeface="Calibri Light" pitchFamily="34" charset="0"/>
               </a:rPr>
@@ -3245,7 +3252,7 @@
               </a:lnSpc>
             </a:pPr>
             <a:r>
-              <a:rPr lang="en-US" b="1" smtClean="0">
+              <a:rPr lang="en-US" b="1" dirty="0" smtClean="0">
                 <a:latin typeface="Calibri Light" pitchFamily="34" charset="0"/>
                 <a:cs typeface="Calibri Light" pitchFamily="34" charset="0"/>
               </a:rPr>
@@ -3261,7 +3268,7 @@
               <a:buChar char="•"/>
             </a:pPr>
             <a:r>
-              <a:rPr lang="en-US" b="1" smtClean="0">
+              <a:rPr lang="en-US" b="1" dirty="0" smtClean="0">
                 <a:latin typeface="Calibri Light" pitchFamily="34" charset="0"/>
                 <a:cs typeface="Calibri Light" pitchFamily="34" charset="0"/>
               </a:rPr>
@@ -3277,7 +3284,7 @@
               <a:buChar char="•"/>
             </a:pPr>
             <a:r>
-              <a:rPr lang="en-US" b="1" smtClean="0">
+              <a:rPr lang="en-US" b="1" dirty="0" smtClean="0">
                 <a:latin typeface="Calibri Light" pitchFamily="34" charset="0"/>
                 <a:cs typeface="Calibri Light" pitchFamily="34" charset="0"/>
               </a:rPr>
@@ -3686,7 +3693,7 @@
         <p:spPr>
           <a:xfrm>
             <a:off x="282575" y="1795463"/>
-            <a:ext cx="8821738" cy="2238375"/>
+            <a:ext cx="8821738" cy="2014537"/>
           </a:xfrm>
         </p:spPr>
         <p:txBody>
@@ -3859,41 +3866,6 @@
             <a:endParaRPr lang="en-US" sz="2000" b="1" dirty="0" smtClean="0">
               <a:ea typeface="+mn-ea"/>
             </a:endParaRPr>
-          </a:p>
-          <a:p>
-            <a:pPr lvl="1" indent="0" eaLnBrk="1" fontAlgn="auto" hangingPunct="1">
-              <a:lnSpc>
-                <a:spcPct val="125000"/>
-              </a:lnSpc>
-              <a:spcAft>
-                <a:spcPts val="0"/>
-              </a:spcAft>
-              <a:buFontTx/>
-              <a:buNone/>
-              <a:defRPr/>
-            </a:pPr>
-            <a:r>
-              <a:rPr lang="en-US" sz="1000" b="1" dirty="0">
-                <a:solidFill>
-                  <a:schemeClr val="bg1">
-                    <a:lumMod val="95000"/>
-                  </a:schemeClr>
-                </a:solidFill>
-                <a:ea typeface="+mn-ea"/>
-              </a:rPr>
-              <a:t>Inclusion of development staff in the automation development process we align our teams much like the rest of the </a:t>
-            </a:r>
-            <a:r>
-              <a:rPr lang="en-US" sz="1000" b="1" dirty="0" smtClean="0">
-                <a:solidFill>
-                  <a:schemeClr val="bg1">
-                    <a:lumMod val="95000"/>
-                  </a:schemeClr>
-                </a:solidFill>
-                <a:ea typeface="+mn-ea"/>
-              </a:rPr>
-              <a:t>industry</a:t>
-            </a:r>
           </a:p>
           <a:p>
             <a:pPr lvl="1" indent="0" eaLnBrk="1" fontAlgn="auto" hangingPunct="1">
@@ -3923,8 +3895,8 @@
         </p:nvSpPr>
         <p:spPr bwMode="auto">
           <a:xfrm>
-            <a:off x="282575" y="4135438"/>
-            <a:ext cx="4127500" cy="1776412"/>
+            <a:off x="282575" y="4135437"/>
+            <a:ext cx="3316968" cy="2294391"/>
           </a:xfrm>
           <a:prstGeom prst="rect">
             <a:avLst/>
@@ -3995,7 +3967,7 @@
         </p:blipFill>
         <p:spPr bwMode="auto">
           <a:xfrm>
-            <a:off x="4949825" y="4135438"/>
+            <a:off x="4949825" y="3932242"/>
             <a:ext cx="3613150" cy="2622550"/>
           </a:xfrm>
           <a:prstGeom prst="rect">
@@ -4012,50 +3984,137 @@
       </p:pic>
       <p:sp>
         <p:nvSpPr>
-          <p:cNvPr id="3" name="Right Arrow 2"/>
+          <p:cNvPr id="2" name="Left Brace 1"/>
           <p:cNvSpPr/>
           <p:nvPr/>
         </p:nvSpPr>
         <p:spPr>
           <a:xfrm>
-            <a:off x="1009650" y="5454650"/>
-            <a:ext cx="3940175" cy="457200"/>
+            <a:off x="4587240" y="4541520"/>
+            <a:ext cx="190500" cy="541020"/>
           </a:xfrm>
-          <a:prstGeom prst="rightArrow">
-            <a:avLst>
-              <a:gd name="adj1" fmla="val 45556"/>
-              <a:gd name="adj2" fmla="val 138889"/>
-            </a:avLst>
+          <a:prstGeom prst="leftBrace">
+            <a:avLst/>
           </a:prstGeom>
         </p:spPr>
         <p:style>
-          <a:lnRef idx="1">
+          <a:lnRef idx="2">
             <a:schemeClr val="accent1"/>
           </a:lnRef>
-          <a:fillRef idx="3">
+          <a:fillRef idx="0">
             <a:schemeClr val="accent1"/>
           </a:fillRef>
-          <a:effectRef idx="2">
+          <a:effectRef idx="1">
             <a:schemeClr val="accent1"/>
           </a:effectRef>
           <a:fontRef idx="minor">
-            <a:schemeClr val="lt1"/>
+            <a:schemeClr val="tx1"/>
           </a:fontRef>
         </p:style>
         <p:txBody>
-          <a:bodyPr anchor="ctr"/>
+          <a:bodyPr rtlCol="0" anchor="ctr"/>
           <a:lstStyle/>
           <a:p>
-            <a:pPr algn="ctr" fontAlgn="auto">
-              <a:spcBef>
-                <a:spcPts val="0"/>
-              </a:spcBef>
-              <a:spcAft>
-                <a:spcPts val="0"/>
-              </a:spcAft>
-              <a:defRPr/>
-            </a:pPr>
+            <a:pPr algn="ctr"/>
             <a:endParaRPr lang="en-US"/>
+          </a:p>
+        </p:txBody>
+      </p:sp>
+      <p:sp>
+        <p:nvSpPr>
+          <p:cNvPr id="8" name="Left Brace 7"/>
+          <p:cNvSpPr/>
+          <p:nvPr/>
+        </p:nvSpPr>
+        <p:spPr>
+          <a:xfrm>
+            <a:off x="4594860" y="5364480"/>
+            <a:ext cx="190500" cy="1127760"/>
+          </a:xfrm>
+          <a:prstGeom prst="leftBrace">
+            <a:avLst/>
+          </a:prstGeom>
+        </p:spPr>
+        <p:style>
+          <a:lnRef idx="2">
+            <a:schemeClr val="accent1"/>
+          </a:lnRef>
+          <a:fillRef idx="0">
+            <a:schemeClr val="accent1"/>
+          </a:fillRef>
+          <a:effectRef idx="1">
+            <a:schemeClr val="accent1"/>
+          </a:effectRef>
+          <a:fontRef idx="minor">
+            <a:schemeClr val="tx1"/>
+          </a:fontRef>
+        </p:style>
+        <p:txBody>
+          <a:bodyPr rtlCol="0" anchor="ctr"/>
+          <a:lstStyle/>
+          <a:p>
+            <a:pPr algn="ctr"/>
+            <a:endParaRPr lang="en-US"/>
+          </a:p>
+        </p:txBody>
+      </p:sp>
+      <p:sp>
+        <p:nvSpPr>
+          <p:cNvPr id="4" name="TextBox 3"/>
+          <p:cNvSpPr txBox="1"/>
+          <p:nvPr/>
+        </p:nvSpPr>
+        <p:spPr>
+          <a:xfrm>
+            <a:off x="3848100" y="4610100"/>
+            <a:ext cx="595035" cy="369332"/>
+          </a:xfrm>
+          <a:prstGeom prst="rect">
+            <a:avLst/>
+          </a:prstGeom>
+          <a:noFill/>
+        </p:spPr>
+        <p:txBody>
+          <a:bodyPr wrap="none" rtlCol="0">
+            <a:spAutoFit/>
+          </a:bodyPr>
+          <a:lstStyle/>
+          <a:p>
+            <a:r>
+              <a:rPr lang="en-US" dirty="0" smtClean="0"/>
+              <a:t>Dev</a:t>
+            </a:r>
+            <a:endParaRPr lang="en-US" dirty="0"/>
+          </a:p>
+        </p:txBody>
+      </p:sp>
+      <p:sp>
+        <p:nvSpPr>
+          <p:cNvPr id="11" name="TextBox 10"/>
+          <p:cNvSpPr txBox="1"/>
+          <p:nvPr/>
+        </p:nvSpPr>
+        <p:spPr>
+          <a:xfrm>
+            <a:off x="3549635" y="5720834"/>
+            <a:ext cx="1095172" cy="369332"/>
+          </a:xfrm>
+          <a:prstGeom prst="rect">
+            <a:avLst/>
+          </a:prstGeom>
+          <a:noFill/>
+        </p:spPr>
+        <p:txBody>
+          <a:bodyPr wrap="none" rtlCol="0">
+            <a:spAutoFit/>
+          </a:bodyPr>
+          <a:lstStyle/>
+          <a:p>
+            <a:r>
+              <a:rPr lang="en-US" dirty="0" err="1" smtClean="0"/>
+              <a:t>NextGen</a:t>
+            </a:r>
+            <a:endParaRPr lang="en-US" dirty="0"/>
           </a:p>
         </p:txBody>
       </p:sp>
@@ -6157,13 +6216,7 @@
               <a:rPr lang="en-US" sz="1600" b="1" dirty="0" smtClean="0">
                 <a:ea typeface="+mn-ea"/>
               </a:rPr>
-              <a:t>Node,   Protractor,   </a:t>
-            </a:r>
-            <a:r>
-              <a:rPr lang="en-US" sz="1600" b="1" dirty="0" smtClean="0">
-                <a:ea typeface="+mn-ea"/>
-              </a:rPr>
-              <a:t>JavaScript</a:t>
+              <a:t>Node,   Protractor,   JavaScript</a:t>
             </a:r>
             <a:r>
               <a:rPr lang="en-US" sz="1600" b="1" dirty="0">
@@ -6365,17 +6418,8 @@
               <a:rPr lang="en-US" sz="2000" b="1" dirty="0" smtClean="0">
                 <a:ea typeface="+mn-ea"/>
               </a:rPr>
-              <a:t>, our purpose, technologies, philosophies, process, and our evolutionary plans for </a:t>
-            </a:r>
-            <a:r>
-              <a:rPr lang="en-US" sz="2000" b="1" dirty="0" smtClean="0">
-                <a:ea typeface="+mn-ea"/>
-              </a:rPr>
-              <a:t>2018 being developed by         2 local staff and 3 off shore staff.</a:t>
-            </a:r>
-            <a:endParaRPr lang="en-US" sz="2000" b="1" dirty="0" smtClean="0">
-              <a:ea typeface="+mn-ea"/>
-            </a:endParaRPr>
+              <a:t>, our purpose, technologies, philosophies, process, and our evolutionary plans for 2018 being developed by         2 local staff and 3 off shore staff.</a:t>
+            </a:r>
           </a:p>
           <a:p>
             <a:pPr eaLnBrk="1" fontAlgn="auto" hangingPunct="1">
@@ -6536,25 +6580,7 @@
               <a:rPr lang="en-US" sz="2000" b="1" dirty="0" smtClean="0">
                 <a:ea typeface="+mn-ea"/>
               </a:rPr>
-              <a:t>work for Delta Dental technology teams ( CX, </a:t>
-            </a:r>
-            <a:r>
-              <a:rPr lang="en-US" sz="2000" b="1" dirty="0" smtClean="0">
-                <a:ea typeface="+mn-ea"/>
-              </a:rPr>
-              <a:t>. . . </a:t>
-            </a:r>
-            <a:r>
-              <a:rPr lang="en-US" sz="2000" b="1" dirty="0" smtClean="0">
-                <a:ea typeface="+mn-ea"/>
-              </a:rPr>
-              <a:t> </a:t>
-            </a:r>
-            <a:r>
-              <a:rPr lang="en-US" sz="2000" b="1" dirty="0" smtClean="0">
-                <a:ea typeface="+mn-ea"/>
-              </a:rPr>
-              <a:t>)</a:t>
+              <a:t>work for Delta Dental technology teams ( CX, . . .  )</a:t>
             </a:r>
           </a:p>
           <a:p>
@@ -8855,11 +8881,35 @@
             </a:r>
             <a:r>
               <a:rPr lang="en-US" sz="1800" b="1" dirty="0"/>
-              <a:t>order to scale Market Place across states our research showed us how to pull test data out of our scripts, decoupling execution from configuration</a:t>
+              <a:t>order to scale Market Place across states our research </a:t>
             </a:r>
             <a:r>
               <a:rPr lang="en-US" sz="1800" b="1" dirty="0" smtClean="0"/>
-              <a:t>.</a:t>
+              <a:t>required we </a:t>
+            </a:r>
+            <a:r>
+              <a:rPr lang="en-US" sz="1800" b="1" dirty="0"/>
+              <a:t>pull test </a:t>
+            </a:r>
+            <a:r>
+              <a:rPr lang="en-US" sz="1800" b="1" dirty="0" smtClean="0"/>
+              <a:t>data points </a:t>
+            </a:r>
+            <a:r>
+              <a:rPr lang="en-US" sz="1800" b="1" dirty="0"/>
+              <a:t>out of </a:t>
+            </a:r>
+            <a:r>
+              <a:rPr lang="en-US" sz="1800" b="1" dirty="0" smtClean="0"/>
+              <a:t>test scripts</a:t>
+            </a:r>
+            <a:r>
+              <a:rPr lang="en-US" sz="1800" b="1" dirty="0"/>
+              <a:t>, decoupling execution from configuration</a:t>
+            </a:r>
+            <a:r>
+              <a:rPr lang="en-US" sz="1800" b="1" dirty="0" smtClean="0"/>
+              <a:t>.  Test data is now separate and usable elsewhere</a:t>
             </a:r>
             <a:endParaRPr lang="en-US" sz="1800" b="1" dirty="0">
               <a:ea typeface="+mn-ea"/>
@@ -8889,30 +8939,18 @@
               <a:rPr lang="en-US" sz="2000" b="1" dirty="0" smtClean="0">
                 <a:ea typeface="+mn-ea"/>
               </a:rPr>
-              <a:t>All testing regardless of </a:t>
+              <a:t>All testing regardless of primary mode is </a:t>
+            </a:r>
+            <a:r>
+              <a:rPr lang="en-US" sz="2000" b="1" u="sng" dirty="0" smtClean="0">
+                <a:ea typeface="+mn-ea"/>
+              </a:rPr>
+              <a:t>configurable</a:t>
             </a:r>
             <a:r>
               <a:rPr lang="en-US" sz="2000" b="1" dirty="0" smtClean="0">
                 <a:ea typeface="+mn-ea"/>
               </a:rPr>
-              <a:t>primary mode </a:t>
-            </a:r>
-            <a:r>
-              <a:rPr lang="en-US" sz="2000" b="1" dirty="0" smtClean="0">
-                <a:ea typeface="+mn-ea"/>
-              </a:rPr>
-              <a:t>is </a:t>
-            </a:r>
-            <a:r>
-              <a:rPr lang="en-US" sz="2000" b="1" u="sng" dirty="0" smtClean="0">
-                <a:ea typeface="+mn-ea"/>
-              </a:rPr>
-              <a:t>configurable</a:t>
-            </a:r>
-            <a:r>
-              <a:rPr lang="en-US" sz="2000" b="1" dirty="0" smtClean="0">
-                <a:ea typeface="+mn-ea"/>
-              </a:rPr>
               <a:t> prior to run</a:t>
             </a:r>
           </a:p>
@@ -8929,19 +8967,7 @@
               <a:rPr lang="en-US" sz="1800" b="1" dirty="0" smtClean="0">
                 <a:ea typeface="+mn-ea"/>
               </a:rPr>
-              <a:t>Developers use </a:t>
-            </a:r>
-            <a:r>
-              <a:rPr lang="en-US" sz="1800" b="1" dirty="0" smtClean="0">
-                <a:ea typeface="+mn-ea"/>
-              </a:rPr>
-              <a:t>the configuration model to </a:t>
-            </a:r>
-            <a:r>
-              <a:rPr lang="en-US" sz="1800" b="1" dirty="0" smtClean="0">
-                <a:ea typeface="+mn-ea"/>
-              </a:rPr>
-              <a:t>focus testing on development code</a:t>
+              <a:t>Developers use the configuration model to focus testing on development code</a:t>
             </a:r>
           </a:p>
           <a:p>
@@ -8967,13 +8993,7 @@
               <a:rPr lang="en-US" sz="1800" b="1" dirty="0" smtClean="0">
                 <a:ea typeface="+mn-ea"/>
               </a:rPr>
-              <a:t>ability to test on same deployed code w/out stepping on </a:t>
-            </a:r>
-            <a:r>
-              <a:rPr lang="en-US" sz="1800" b="1" dirty="0" smtClean="0">
-                <a:ea typeface="+mn-ea"/>
-              </a:rPr>
-              <a:t>Dev</a:t>
+              <a:t>ability to test on same deployed code w/out stepping on Dev</a:t>
             </a:r>
           </a:p>
           <a:p>
@@ -9535,14 +9555,7 @@
                 <a:latin typeface="Calibri Light" pitchFamily="34" charset="0"/>
                 <a:cs typeface="Calibri Light" pitchFamily="34" charset="0"/>
               </a:rPr>
-              <a:t>TEST CASES </a:t>
-            </a:r>
-            <a:r>
-              <a:rPr lang="en-US" dirty="0" smtClean="0">
-                <a:latin typeface="Calibri Light" pitchFamily="34" charset="0"/>
-                <a:cs typeface="Calibri Light" pitchFamily="34" charset="0"/>
-              </a:rPr>
-              <a:t>NUMBERS</a:t>
+              <a:t>TEST CASES NUMBERS</a:t>
             </a:r>
             <a:br>
               <a:rPr lang="en-US" dirty="0" smtClean="0">
@@ -9574,8 +9587,8 @@
         </p:nvSpPr>
         <p:spPr bwMode="auto">
           <a:xfrm>
-            <a:off x="274320" y="1840428"/>
-            <a:ext cx="6624320" cy="5447645"/>
+            <a:off x="274320" y="1735202"/>
+            <a:ext cx="8869680" cy="5139869"/>
           </a:xfrm>
           <a:prstGeom prst="rect">
             <a:avLst/>
@@ -9602,20 +9615,76 @@
               <a:rPr lang="en-US" sz="2000" dirty="0">
                 <a:latin typeface="Calibri" pitchFamily="34" charset="0"/>
               </a:rPr>
-              <a:t>Test case numbers are a </a:t>
+              <a:t>Test case </a:t>
             </a:r>
             <a:r>
               <a:rPr lang="en-US" sz="2000" dirty="0" smtClean="0">
                 <a:latin typeface="Calibri" pitchFamily="34" charset="0"/>
               </a:rPr>
-              <a:t>product of functional test written X   data points tested against   X   States Tested in</a:t>
-            </a:r>
-          </a:p>
-          <a:p>
-            <a:pPr marL="342900" indent="-342900">
-              <a:buFont typeface="Arial" panose="020B0604020202020204" pitchFamily="34" charset="0"/>
-              <a:buChar char="•"/>
-            </a:pPr>
+              <a:t>results </a:t>
+            </a:r>
+            <a:r>
+              <a:rPr lang="en-US" sz="2000" dirty="0">
+                <a:latin typeface="Calibri" pitchFamily="34" charset="0"/>
+              </a:rPr>
+              <a:t>are </a:t>
+            </a:r>
+            <a:r>
+              <a:rPr lang="en-US" sz="2000" dirty="0" smtClean="0">
+                <a:latin typeface="Calibri" pitchFamily="34" charset="0"/>
+              </a:rPr>
+              <a:t>the result </a:t>
+            </a:r>
+            <a:r>
+              <a:rPr lang="en-US" sz="2000" dirty="0" smtClean="0">
+                <a:latin typeface="Calibri" pitchFamily="34" charset="0"/>
+              </a:rPr>
+              <a:t>of </a:t>
+            </a:r>
+            <a:r>
+              <a:rPr lang="en-US" sz="2000" dirty="0" smtClean="0">
+                <a:latin typeface="Calibri" pitchFamily="34" charset="0"/>
+              </a:rPr>
+              <a:t>functional test </a:t>
+            </a:r>
+            <a:r>
+              <a:rPr lang="en-US" sz="2000" dirty="0" smtClean="0">
+                <a:latin typeface="Calibri" pitchFamily="34" charset="0"/>
+              </a:rPr>
+              <a:t>written                                                  for a product   </a:t>
+            </a:r>
+            <a:r>
+              <a:rPr lang="en-US" sz="2000" dirty="0" smtClean="0">
+                <a:latin typeface="Calibri" pitchFamily="34" charset="0"/>
+              </a:rPr>
+              <a:t>X </a:t>
+            </a:r>
+            <a:r>
+              <a:rPr lang="en-US" sz="2000" dirty="0" smtClean="0">
+                <a:latin typeface="Calibri" pitchFamily="34" charset="0"/>
+              </a:rPr>
+              <a:t>  </a:t>
+            </a:r>
+            <a:r>
+              <a:rPr lang="en-US" sz="2000" dirty="0" smtClean="0">
+                <a:latin typeface="Calibri" pitchFamily="34" charset="0"/>
+              </a:rPr>
+              <a:t>data points tested </a:t>
+            </a:r>
+            <a:r>
+              <a:rPr lang="en-US" sz="2000" dirty="0" smtClean="0">
+                <a:latin typeface="Calibri" pitchFamily="34" charset="0"/>
+              </a:rPr>
+              <a:t>against   X    </a:t>
+            </a:r>
+            <a:r>
+              <a:rPr lang="en-US" sz="2000" dirty="0" smtClean="0">
+                <a:latin typeface="Calibri" pitchFamily="34" charset="0"/>
+              </a:rPr>
+              <a:t>States Tested in</a:t>
+            </a:r>
+          </a:p>
+          <a:p>
             <a:endParaRPr lang="en-US" sz="2000" dirty="0">
               <a:latin typeface="Calibri" pitchFamily="34" charset="0"/>
             </a:endParaRPr>
@@ -9625,6 +9694,57 @@
               <a:buFont typeface="Arial" panose="020B0604020202020204" pitchFamily="34" charset="0"/>
               <a:buChar char="•"/>
             </a:pPr>
+            <a:r>
+              <a:rPr lang="en-US" sz="1400" b="1" dirty="0" smtClean="0">
+                <a:latin typeface="Calibri" pitchFamily="34" charset="0"/>
+              </a:rPr>
+              <a:t>Phase 0</a:t>
+            </a:r>
+            <a:r>
+              <a:rPr lang="en-US" sz="1400" dirty="0" smtClean="0">
+                <a:latin typeface="Calibri" pitchFamily="34" charset="0"/>
+              </a:rPr>
+              <a:t> contains 4 products with </a:t>
+            </a:r>
+            <a:r>
+              <a:rPr lang="en-US" sz="1400" dirty="0" smtClean="0">
+                <a:latin typeface="Calibri" pitchFamily="34" charset="0"/>
+              </a:rPr>
+              <a:t>total  of 1873 </a:t>
+            </a:r>
+            <a:r>
+              <a:rPr lang="en-US" sz="1400" dirty="0" smtClean="0">
+                <a:latin typeface="Calibri" pitchFamily="34" charset="0"/>
+              </a:rPr>
+              <a:t>functional tests written.                                                                              Factoring test data point into the calculation,                                                                                                                                </a:t>
+            </a:r>
+            <a:r>
+              <a:rPr lang="en-US" sz="1400" dirty="0" smtClean="0">
+                <a:latin typeface="Calibri" pitchFamily="34" charset="0"/>
+              </a:rPr>
+              <a:t> </a:t>
+            </a:r>
+            <a:r>
+              <a:rPr lang="en-US" sz="2000" dirty="0" smtClean="0">
+                <a:latin typeface="Calibri" pitchFamily="34" charset="0"/>
+              </a:rPr>
+              <a:t>4 Products tested in 5 states totals </a:t>
+            </a:r>
+            <a:r>
+              <a:rPr lang="en-US" sz="2400" dirty="0" smtClean="0">
+                <a:latin typeface="Calibri" pitchFamily="34" charset="0"/>
+              </a:rPr>
+              <a:t>10125 tests</a:t>
+            </a:r>
+            <a:endParaRPr lang="en-US" dirty="0" smtClean="0">
+              <a:latin typeface="Calibri" pitchFamily="34" charset="0"/>
+            </a:endParaRPr>
+          </a:p>
+          <a:p>
+            <a:pPr marL="342900" indent="-342900">
+              <a:buFont typeface="Arial" panose="020B0604020202020204" pitchFamily="34" charset="0"/>
+              <a:buChar char="•"/>
+            </a:pPr>
             <a:endParaRPr lang="en-US" sz="2000" dirty="0">
               <a:latin typeface="Calibri" pitchFamily="34" charset="0"/>
             </a:endParaRPr>
@@ -9635,26 +9755,71 @@
               <a:buChar char="•"/>
             </a:pPr>
             <a:r>
-              <a:rPr lang="en-US" sz="1600" dirty="0" smtClean="0">
+              <a:rPr lang="en-US" sz="1400" b="1" dirty="0" smtClean="0">
                 <a:latin typeface="Calibri" pitchFamily="34" charset="0"/>
               </a:rPr>
-              <a:t>Phase 0 </a:t>
-            </a:r>
-            <a:r>
-              <a:rPr lang="en-US" sz="1600" dirty="0" smtClean="0">
+              <a:t>Phase 1 </a:t>
+            </a:r>
+            <a:r>
+              <a:rPr lang="en-US" sz="1400" dirty="0" smtClean="0">
                 <a:latin typeface="Calibri" pitchFamily="34" charset="0"/>
               </a:rPr>
-              <a:t>contains 4 products with different number of tests per product.  </a:t>
+              <a:t>contains 2 </a:t>
+            </a:r>
+            <a:r>
+              <a:rPr lang="en-US" sz="1400" dirty="0">
+                <a:latin typeface="Calibri" pitchFamily="34" charset="0"/>
+              </a:rPr>
+              <a:t>products with total  of </a:t>
+            </a:r>
+            <a:r>
+              <a:rPr lang="en-US" sz="1400" dirty="0" smtClean="0">
+                <a:latin typeface="Calibri" pitchFamily="34" charset="0"/>
+              </a:rPr>
+              <a:t>819 functional </a:t>
+            </a:r>
+            <a:r>
+              <a:rPr lang="en-US" sz="1400" dirty="0">
+                <a:latin typeface="Calibri" pitchFamily="34" charset="0"/>
+              </a:rPr>
+              <a:t>tests written.                                </a:t>
+            </a:r>
+            <a:r>
+              <a:rPr lang="en-US" sz="1400" dirty="0" smtClean="0">
+                <a:latin typeface="Calibri" pitchFamily="34" charset="0"/>
+              </a:rPr>
+              <a:t>                                                  </a:t>
+            </a:r>
+            <a:r>
+              <a:rPr lang="en-US" sz="1400" dirty="0">
+                <a:latin typeface="Calibri" pitchFamily="34" charset="0"/>
+              </a:rPr>
+              <a:t>Factoring test data point into the calculation, </a:t>
+            </a:r>
+            <a:r>
+              <a:rPr lang="en-US" sz="1400" dirty="0" smtClean="0">
+                <a:latin typeface="Calibri" pitchFamily="34" charset="0"/>
+              </a:rPr>
+              <a:t>                                                                                                                                      </a:t>
             </a:r>
             <a:r>
               <a:rPr lang="en-US" sz="2000" dirty="0" smtClean="0">
                 <a:latin typeface="Calibri" pitchFamily="34" charset="0"/>
               </a:rPr>
-              <a:t>4 Products tested in 5 states totals 10125 tests</a:t>
-            </a:r>
-            <a:endParaRPr lang="en-US" sz="1600" dirty="0" smtClean="0">
-              <a:latin typeface="Calibri" pitchFamily="34" charset="0"/>
-            </a:endParaRPr>
+              <a:t>2 Products tested in 8 States totals </a:t>
+            </a:r>
+            <a:r>
+              <a:rPr lang="en-US" sz="2400" dirty="0" smtClean="0">
+                <a:latin typeface="Calibri" pitchFamily="34" charset="0"/>
+              </a:rPr>
+              <a:t>4394 </a:t>
+            </a:r>
+            <a:r>
+              <a:rPr lang="en-US" sz="2400" dirty="0">
+                <a:latin typeface="Calibri" pitchFamily="34" charset="0"/>
+              </a:rPr>
+              <a:t>tests</a:t>
+            </a:r>
           </a:p>
           <a:p>
             <a:pPr marL="342900" indent="-342900">
@@ -9671,23 +9836,74 @@
               <a:buChar char="•"/>
             </a:pPr>
             <a:r>
-              <a:rPr lang="en-US" sz="1600" dirty="0" smtClean="0">
+              <a:rPr lang="en-US" sz="1400" b="1" dirty="0" smtClean="0">
                 <a:latin typeface="Calibri" pitchFamily="34" charset="0"/>
               </a:rPr>
-              <a:t>Phase 1 contains 2 products with different numbers of tests per product.      </a:t>
+              <a:t>Phase </a:t>
+            </a:r>
+            <a:r>
+              <a:rPr lang="en-US" sz="1400" b="1" dirty="0" smtClean="0">
+                <a:latin typeface="Calibri" pitchFamily="34" charset="0"/>
+              </a:rPr>
+              <a:t>2 </a:t>
+            </a:r>
+            <a:r>
+              <a:rPr lang="en-US" sz="1400" dirty="0" smtClean="0">
+                <a:latin typeface="Calibri" pitchFamily="34" charset="0"/>
+              </a:rPr>
+              <a:t>contains 1 </a:t>
+            </a:r>
+            <a:r>
+              <a:rPr lang="en-US" sz="1400" dirty="0">
+                <a:latin typeface="Calibri" pitchFamily="34" charset="0"/>
+              </a:rPr>
+              <a:t>products with total  of </a:t>
+            </a:r>
+            <a:r>
+              <a:rPr lang="en-US" sz="1400" dirty="0" smtClean="0">
+                <a:latin typeface="Calibri" pitchFamily="34" charset="0"/>
+              </a:rPr>
+              <a:t>471 functional </a:t>
+            </a:r>
+            <a:r>
+              <a:rPr lang="en-US" sz="1400" dirty="0">
+                <a:latin typeface="Calibri" pitchFamily="34" charset="0"/>
+              </a:rPr>
+              <a:t>tests written.                                                                                  Factoring test data point into the calculation, </a:t>
+            </a:r>
+            <a:r>
+              <a:rPr lang="en-US" sz="1400" dirty="0" smtClean="0">
+                <a:latin typeface="Calibri" pitchFamily="34" charset="0"/>
+              </a:rPr>
+              <a:t> </a:t>
+            </a:r>
+            <a:r>
+              <a:rPr lang="en-US" sz="1400" dirty="0" smtClean="0">
+                <a:latin typeface="Calibri" pitchFamily="34" charset="0"/>
+              </a:rPr>
+              <a:t>                                                                                                                                              </a:t>
             </a:r>
             <a:r>
               <a:rPr lang="en-US" sz="2000" dirty="0" smtClean="0">
                 <a:latin typeface="Calibri" pitchFamily="34" charset="0"/>
               </a:rPr>
-              <a:t>2 Products tested in 8 States totals 4394 </a:t>
-            </a:r>
-            <a:r>
-              <a:rPr lang="en-US" sz="2000" dirty="0">
+              <a:t>1 </a:t>
+            </a:r>
+            <a:r>
+              <a:rPr lang="en-US" sz="2000" dirty="0" smtClean="0">
                 <a:latin typeface="Calibri" pitchFamily="34" charset="0"/>
               </a:rPr>
-              <a:t>tests</a:t>
-            </a:r>
+              <a:t>Product tested in 7 States totals </a:t>
+            </a:r>
+            <a:r>
+              <a:rPr lang="en-US" sz="2400" dirty="0" smtClean="0">
+                <a:latin typeface="Calibri" pitchFamily="34" charset="0"/>
+              </a:rPr>
+              <a:t>3234 tests</a:t>
+            </a:r>
+            <a:endParaRPr lang="en-US" sz="2000" dirty="0" smtClean="0">
+              <a:latin typeface="Calibri" pitchFamily="34" charset="0"/>
+            </a:endParaRPr>
           </a:p>
           <a:p>
             <a:pPr marL="342900" indent="-342900">
@@ -9704,78 +9920,72 @@
               <a:buChar char="•"/>
             </a:pPr>
             <a:r>
-              <a:rPr lang="en-US" sz="1600" dirty="0" smtClean="0">
+              <a:rPr lang="en-US" sz="1400" b="1" dirty="0" smtClean="0">
                 <a:latin typeface="Calibri" pitchFamily="34" charset="0"/>
               </a:rPr>
-              <a:t>Phase 3 contains 1 product </a:t>
-            </a:r>
-          </a:p>
-          <a:p>
-            <a:pPr marL="342900" indent="-342900">
-              <a:buFont typeface="Arial" panose="020B0604020202020204" pitchFamily="34" charset="0"/>
-              <a:buChar char="•"/>
-            </a:pPr>
+              <a:t>Phase 3 </a:t>
+            </a:r>
+            <a:r>
+              <a:rPr lang="en-US" sz="1400" dirty="0" smtClean="0">
+                <a:latin typeface="Calibri" pitchFamily="34" charset="0"/>
+              </a:rPr>
+              <a:t>contains 1 </a:t>
+            </a:r>
+            <a:r>
+              <a:rPr lang="en-US" sz="1400" dirty="0">
+                <a:latin typeface="Calibri" pitchFamily="34" charset="0"/>
+              </a:rPr>
+              <a:t>products with total  of </a:t>
+            </a:r>
+            <a:r>
+              <a:rPr lang="en-US" sz="1400" dirty="0" smtClean="0">
+                <a:latin typeface="Calibri" pitchFamily="34" charset="0"/>
+              </a:rPr>
+              <a:t>471 functional </a:t>
+            </a:r>
+            <a:r>
+              <a:rPr lang="en-US" sz="1400" dirty="0">
+                <a:latin typeface="Calibri" pitchFamily="34" charset="0"/>
+              </a:rPr>
+              <a:t>tests written.                                                                                  Factoring test data point into the calculation, </a:t>
+            </a:r>
+            <a:r>
+              <a:rPr lang="en-US" sz="1400" dirty="0">
+                <a:latin typeface="Calibri" pitchFamily="34" charset="0"/>
+              </a:rPr>
+              <a:t> </a:t>
+            </a:r>
+            <a:r>
+              <a:rPr lang="en-US" sz="1400" dirty="0" smtClean="0">
+                <a:latin typeface="Calibri" pitchFamily="34" charset="0"/>
+              </a:rPr>
+              <a:t>                                                                                                                             </a:t>
+            </a:r>
             <a:r>
               <a:rPr lang="en-US" sz="2000" dirty="0" smtClean="0">
                 <a:latin typeface="Calibri" pitchFamily="34" charset="0"/>
               </a:rPr>
-              <a:t>1 Product tested in 7 States totals 3234 </a:t>
-            </a:r>
-            <a:r>
-              <a:rPr lang="en-US" sz="2000" dirty="0" smtClean="0">
-                <a:latin typeface="Calibri" pitchFamily="34" charset="0"/>
-              </a:rPr>
-              <a:t>tests</a:t>
-            </a:r>
-          </a:p>
-          <a:p>
-            <a:pPr marL="342900" indent="-342900">
-              <a:buFont typeface="Arial" panose="020B0604020202020204" pitchFamily="34" charset="0"/>
-              <a:buChar char="•"/>
-            </a:pPr>
-            <a:endParaRPr lang="en-US" sz="2000" dirty="0">
-              <a:latin typeface="Calibri" pitchFamily="34" charset="0"/>
-            </a:endParaRPr>
-          </a:p>
-          <a:p>
-            <a:pPr marL="342900" indent="-342900">
-              <a:buFont typeface="Arial" panose="020B0604020202020204" pitchFamily="34" charset="0"/>
-              <a:buChar char="•"/>
-            </a:pPr>
-            <a:r>
-              <a:rPr lang="en-US" sz="2000" dirty="0" smtClean="0">
-                <a:latin typeface="Calibri" pitchFamily="34" charset="0"/>
-              </a:rPr>
-              <a:t>Phase 3 contains 1 product </a:t>
-            </a:r>
-            <a:endParaRPr lang="en-US" sz="2000" dirty="0" smtClean="0">
-              <a:latin typeface="Calibri" pitchFamily="34" charset="0"/>
-            </a:endParaRPr>
-          </a:p>
-          <a:p>
-            <a:pPr marL="342900" indent="-342900">
-              <a:buFont typeface="Arial" panose="020B0604020202020204" pitchFamily="34" charset="0"/>
-              <a:buChar char="•"/>
-            </a:pPr>
+              <a:t>1 </a:t>
+            </a:r>
             <a:r>
               <a:rPr lang="en-US" sz="2000" dirty="0">
                 <a:latin typeface="Calibri" pitchFamily="34" charset="0"/>
               </a:rPr>
-              <a:t>1 Product tested in 7 States totals 3234 tests</a:t>
-            </a:r>
-          </a:p>
-          <a:p>
-            <a:endParaRPr lang="en-US" sz="2000" dirty="0">
-              <a:latin typeface="Calibri" pitchFamily="34" charset="0"/>
-            </a:endParaRPr>
-          </a:p>
-          <a:p>
-            <a:endParaRPr lang="en-US" sz="2000" dirty="0">
-              <a:latin typeface="Calibri" pitchFamily="34" charset="0"/>
-            </a:endParaRPr>
-          </a:p>
-          <a:p>
-            <a:endParaRPr lang="en-US" sz="2000" dirty="0">
+              <a:t>Product tested in 7 States totals </a:t>
+            </a:r>
+            <a:r>
+              <a:rPr lang="en-US" sz="2400" dirty="0">
+                <a:latin typeface="Calibri" pitchFamily="34" charset="0"/>
+              </a:rPr>
+              <a:t>3234 </a:t>
+            </a:r>
+            <a:r>
+              <a:rPr lang="en-US" sz="2400" dirty="0" smtClean="0">
+                <a:latin typeface="Calibri" pitchFamily="34" charset="0"/>
+              </a:rPr>
+              <a:t>tests</a:t>
+            </a:r>
+            <a:endParaRPr lang="en-US" sz="2400" dirty="0">
               <a:latin typeface="Calibri" pitchFamily="34" charset="0"/>
             </a:endParaRPr>
           </a:p>

--- a/CurrentWork_Delta/CX_StrategyPowerPoint.pptx
+++ b/CurrentWork_Delta/CX_StrategyPowerPoint.pptx
@@ -154,25 +154,6 @@
       </a:defRPr>
     </a:lvl9pPr>
   </p:defaultTextStyle>
-  <p:extLst>
-    <p:ext uri="{EFAFB233-063F-42B5-8137-9DF3F51BA10A}">
-      <p15:sldGuideLst xmlns:p15="http://schemas.microsoft.com/office/powerpoint/2012/main">
-        <p15:guide id="1" orient="horz" pos="2625">
-          <p15:clr>
-            <a:srgbClr val="A4A3A4"/>
-          </p15:clr>
-        </p15:guide>
-        <p15:guide id="2" pos="2880">
-          <p15:clr>
-            <a:srgbClr val="A4A3A4"/>
-          </p15:clr>
-        </p15:guide>
-      </p15:sldGuideLst>
-    </p:ext>
-    <p:ext uri="{2D200454-40CA-4A62-9FC3-DE9A4176ACB9}">
-      <p15:notesGuideLst xmlns:p15="http://schemas.microsoft.com/office/powerpoint/2012/main"/>
-    </p:ext>
-  </p:extLst>
 </p:presentation>
 </file>
 
@@ -280,12 +261,12 @@
             <a:pPr>
               <a:defRPr/>
             </a:pPr>
-            <a:fld id="{0D6DB51E-E27D-420F-9749-82814762669C}" type="datetimeFigureOut">
+            <a:fld id="{C7B4AC5E-0195-4656-AF60-D32755849BB7}" type="datetimeFigureOut">
               <a:rPr lang="en-US"/>
               <a:pPr>
                 <a:defRPr/>
               </a:pPr>
-              <a:t>4/11/2018</a:t>
+              <a:t>4/13/2018</a:t>
             </a:fld>
             <a:endParaRPr lang="en-US"/>
           </a:p>
@@ -467,7 +448,7 @@
             <a:pPr>
               <a:defRPr/>
             </a:pPr>
-            <a:fld id="{F052150F-6F8B-4E8F-AB5E-1631356423AE}" type="slidenum">
+            <a:fld id="{AC5E67FC-EEAC-4CD0-B272-E8AE8C6B6576}" type="slidenum">
               <a:rPr lang="en-US"/>
               <a:pPr>
                 <a:defRPr/>
@@ -479,11 +460,6 @@
         </p:txBody>
       </p:sp>
     </p:spTree>
-    <p:extLst>
-      <p:ext uri="{BB962C8B-B14F-4D97-AF65-F5344CB8AC3E}">
-        <p14:creationId xmlns:p14="http://schemas.microsoft.com/office/powerpoint/2010/main" val="3598042489"/>
-      </p:ext>
-    </p:extLst>
   </p:cSld>
   <p:clrMap bg1="lt1" tx1="dk1" bg2="lt2" tx2="dk2" accent1="accent1" accent2="accent2" accent3="accent3" accent4="accent4" accent5="accent5" accent6="accent6" hlink="hlink" folHlink="folHlink"/>
   <p:notesStyle>
@@ -714,7 +690,7 @@
               </a:spcAft>
               <a:defRPr/>
             </a:pPr>
-            <a:fld id="{5C5A3D52-433F-474C-AE0F-E1F14A133376}" type="slidenum">
+            <a:fld id="{0F42AADC-E838-4D84-A933-47F83CE3743E}" type="slidenum">
               <a:rPr lang="en-US">
                 <a:cs typeface="Arial" charset="0"/>
               </a:rPr>
@@ -736,11 +712,6 @@
         </p:txBody>
       </p:sp>
     </p:spTree>
-    <p:extLst>
-      <p:ext uri="{BB962C8B-B14F-4D97-AF65-F5344CB8AC3E}">
-        <p14:creationId xmlns:p14="http://schemas.microsoft.com/office/powerpoint/2010/main" val="476630339"/>
-      </p:ext>
-    </p:extLst>
   </p:cSld>
   <p:clrMapOvr>
     <a:masterClrMapping/>
@@ -851,7 +822,7 @@
               </a:spcAft>
               <a:defRPr/>
             </a:pPr>
-            <a:fld id="{E1E87A3D-5275-40ED-A1D2-C651A8C1BE4C}" type="slidenum">
+            <a:fld id="{CED0E9E7-16AD-4271-B37A-E416FF80B31B}" type="slidenum">
               <a:rPr lang="en-US">
                 <a:cs typeface="Arial" charset="0"/>
               </a:rPr>
@@ -873,11 +844,6 @@
         </p:txBody>
       </p:sp>
     </p:spTree>
-    <p:extLst>
-      <p:ext uri="{BB962C8B-B14F-4D97-AF65-F5344CB8AC3E}">
-        <p14:creationId xmlns:p14="http://schemas.microsoft.com/office/powerpoint/2010/main" val="1422267277"/>
-      </p:ext>
-    </p:extLst>
   </p:cSld>
   <p:clrMapOvr>
     <a:masterClrMapping/>
@@ -988,7 +954,7 @@
               </a:spcAft>
               <a:defRPr/>
             </a:pPr>
-            <a:fld id="{D3814FFC-C648-4D0C-AF21-B211E3A3EC02}" type="slidenum">
+            <a:fld id="{B5CBE933-906F-41D6-87BA-98A45D5F232A}" type="slidenum">
               <a:rPr lang="en-US">
                 <a:cs typeface="Arial" charset="0"/>
               </a:rPr>
@@ -1010,11 +976,6 @@
         </p:txBody>
       </p:sp>
     </p:spTree>
-    <p:extLst>
-      <p:ext uri="{BB962C8B-B14F-4D97-AF65-F5344CB8AC3E}">
-        <p14:creationId xmlns:p14="http://schemas.microsoft.com/office/powerpoint/2010/main" val="1530160523"/>
-      </p:ext>
-    </p:extLst>
   </p:cSld>
   <p:clrMapOvr>
     <a:masterClrMapping/>
@@ -1313,7 +1274,7 @@
             <a:pPr>
               <a:defRPr/>
             </a:pPr>
-            <a:fld id="{1F43BC7F-A7B9-4ABE-B13A-DBD4D78AFE30}" type="slidenum">
+            <a:fld id="{5F75D952-10F1-41BE-A623-589D7B4900D1}" type="slidenum">
               <a:rPr lang="en-US"/>
               <a:pPr>
                 <a:defRPr/>
@@ -1456,7 +1417,7 @@
             <a:pPr>
               <a:defRPr/>
             </a:pPr>
-            <a:fld id="{E64EBAD4-C584-475D-89C2-5D5424E97BB6}" type="slidenum">
+            <a:fld id="{B964E8F1-8198-4234-AA60-5674724662EC}" type="slidenum">
               <a:rPr lang="en-US"/>
               <a:pPr>
                 <a:defRPr/>
@@ -1588,7 +1549,7 @@
             <a:pPr>
               <a:defRPr/>
             </a:pPr>
-            <a:fld id="{34327414-F3E5-4457-95CD-C747A8680AF3}" type="slidenum">
+            <a:fld id="{1C52B7A2-EE06-4ADF-B290-C7779866CBC8}" type="slidenum">
               <a:rPr lang="en-US"/>
               <a:pPr>
                 <a:defRPr/>
@@ -1646,7 +1607,7 @@
             <a:pPr>
               <a:defRPr/>
             </a:pPr>
-            <a:fld id="{089056CA-7AB7-4B70-82EA-BB5046EABF69}" type="slidenum">
+            <a:fld id="{DCE6F400-2A05-49EF-B6CD-BC96D7BE4728}" type="slidenum">
               <a:rPr lang="en-US"/>
               <a:pPr>
                 <a:defRPr/>
@@ -1843,7 +1804,7 @@
             <a:pPr>
               <a:defRPr/>
             </a:pPr>
-            <a:fld id="{A64A6683-799B-478A-9F14-19B176E62926}" type="slidenum">
+            <a:fld id="{862C1429-8D5C-4C64-86FB-9FAE674C88BB}" type="slidenum">
               <a:rPr lang="en-US"/>
               <a:pPr>
                 <a:defRPr/>
@@ -1912,9 +1873,9 @@
   <p:clrMap bg1="lt1" tx1="dk1" bg2="lt2" tx2="dk2" accent1="accent1" accent2="accent2" accent3="accent3" accent4="accent4" accent5="accent5" accent6="accent6" hlink="hlink" folHlink="folHlink"/>
   <p:sldLayoutIdLst>
     <p:sldLayoutId id="2147483653" r:id="rId1"/>
-    <p:sldLayoutId id="2147483650" r:id="rId2"/>
+    <p:sldLayoutId id="2147483652" r:id="rId2"/>
     <p:sldLayoutId id="2147483651" r:id="rId3"/>
-    <p:sldLayoutId id="2147483652" r:id="rId4"/>
+    <p:sldLayoutId id="2147483650" r:id="rId4"/>
   </p:sldLayoutIdLst>
   <p:txStyles>
     <p:titleStyle>
@@ -2373,7 +2334,6 @@
             <a:r>
               <a:rPr lang="en-US" smtClean="0">
                 <a:latin typeface="Calibri Light" pitchFamily="34" charset="0"/>
-                <a:cs typeface="Calibri Light" pitchFamily="34" charset="0"/>
               </a:rPr>
               <a:t>Mark Atkinson</a:t>
             </a:r>
@@ -2419,7 +2379,7 @@
       </p:sp>
       <p:sp>
         <p:nvSpPr>
-          <p:cNvPr id="6" name="Title 1"/>
+          <p:cNvPr id="7171" name="Title 1"/>
           <p:cNvSpPr txBox="1">
             <a:spLocks/>
           </p:cNvSpPr>
@@ -2427,8 +2387,8 @@
         </p:nvSpPr>
         <p:spPr bwMode="auto">
           <a:xfrm>
-            <a:off x="3284426" y="437228"/>
-            <a:ext cx="5296048" cy="2305972"/>
+            <a:off x="3284538" y="436563"/>
+            <a:ext cx="5295900" cy="2306637"/>
           </a:xfrm>
           <a:prstGeom prst="rect">
             <a:avLst/>
@@ -2451,7 +2411,7 @@
               </a:lnSpc>
             </a:pPr>
             <a:r>
-              <a:rPr lang="en-US" sz="5000" dirty="0" smtClean="0">
+              <a:rPr lang="en-US" sz="5000">
                 <a:solidFill>
                   <a:srgbClr val="128BAD"/>
                 </a:solidFill>
@@ -2467,29 +2427,14 @@
               </a:lnSpc>
             </a:pPr>
             <a:r>
-              <a:rPr lang="en-US" sz="5000" dirty="0" err="1" smtClean="0">
+              <a:rPr lang="en-US" sz="5000">
                 <a:solidFill>
                   <a:srgbClr val="128BAD"/>
                 </a:solidFill>
                 <a:latin typeface="Calibri" pitchFamily="34" charset="0"/>
               </a:rPr>
-              <a:t>NextGen</a:t>
-            </a:r>
-            <a:r>
-              <a:rPr lang="en-US" sz="5000" dirty="0" smtClean="0">
-                <a:solidFill>
-                  <a:srgbClr val="128BAD"/>
-                </a:solidFill>
-                <a:latin typeface="Calibri" pitchFamily="34" charset="0"/>
-              </a:rPr>
-              <a:t> Platform</a:t>
-            </a:r>
-            <a:endParaRPr lang="en-US" sz="5000" dirty="0">
-              <a:solidFill>
-                <a:srgbClr val="128BAD"/>
-              </a:solidFill>
-              <a:latin typeface="Calibri" pitchFamily="34" charset="0"/>
-            </a:endParaRPr>
+              <a:t>NextGen Platform</a:t>
+            </a:r>
           </a:p>
         </p:txBody>
       </p:sp>
@@ -2527,7 +2472,7 @@
       </p:grpSpPr>
       <p:sp>
         <p:nvSpPr>
-          <p:cNvPr id="21505" name="Title 1"/>
+          <p:cNvPr id="19457" name="Title 1"/>
           <p:cNvSpPr>
             <a:spLocks noGrp="1"/>
           </p:cNvSpPr>
@@ -2549,7 +2494,6 @@
             <a:r>
               <a:rPr lang="en-US" smtClean="0">
                 <a:latin typeface="Calibri Light" pitchFamily="34" charset="0"/>
-                <a:cs typeface="Calibri Light" pitchFamily="34" charset="0"/>
               </a:rPr>
               <a:t>REPORTING</a:t>
             </a:r>
@@ -2695,7 +2639,7 @@
       </p:sp>
       <p:pic>
         <p:nvPicPr>
-          <p:cNvPr id="21507" name="Picture 3"/>
+          <p:cNvPr id="19459" name="Picture 3"/>
           <p:cNvPicPr>
             <a:picLocks noChangeAspect="1"/>
           </p:cNvPicPr>
@@ -2727,7 +2671,7 @@
       </p:pic>
       <p:pic>
         <p:nvPicPr>
-          <p:cNvPr id="21508" name="Picture 4"/>
+          <p:cNvPr id="19460" name="Picture 4"/>
           <p:cNvPicPr>
             <a:picLocks noChangeAspect="1"/>
           </p:cNvPicPr>
@@ -2791,7 +2735,7 @@
       </p:grpSpPr>
       <p:sp>
         <p:nvSpPr>
-          <p:cNvPr id="22529" name="Title 1"/>
+          <p:cNvPr id="20481" name="Title 1"/>
           <p:cNvSpPr>
             <a:spLocks noGrp="1"/>
           </p:cNvSpPr>
@@ -2813,7 +2757,6 @@
             <a:r>
               <a:rPr lang="en-US" smtClean="0">
                 <a:latin typeface="Calibri Light" pitchFamily="34" charset="0"/>
-                <a:cs typeface="Calibri Light" pitchFamily="34" charset="0"/>
               </a:rPr>
               <a:t>REPORTING</a:t>
             </a:r>
@@ -2935,7 +2878,7 @@
       </p:sp>
       <p:pic>
         <p:nvPicPr>
-          <p:cNvPr id="22531" name="Picture 4"/>
+          <p:cNvPr id="20483" name="Picture 4"/>
           <p:cNvPicPr>
             <a:picLocks noChangeAspect="1"/>
           </p:cNvPicPr>
@@ -2967,7 +2910,7 @@
       </p:pic>
       <p:pic>
         <p:nvPicPr>
-          <p:cNvPr id="22532" name="Picture 5"/>
+          <p:cNvPr id="20484" name="Picture 5"/>
           <p:cNvPicPr>
             <a:picLocks noChangeAspect="1"/>
           </p:cNvPicPr>
@@ -3031,7 +2974,7 @@
       </p:grpSpPr>
       <p:sp>
         <p:nvSpPr>
-          <p:cNvPr id="23553" name="Title 1"/>
+          <p:cNvPr id="21505" name="Title 1"/>
           <p:cNvSpPr>
             <a:spLocks noGrp="1"/>
           </p:cNvSpPr>
@@ -3053,7 +2996,6 @@
             <a:r>
               <a:rPr lang="en-US" smtClean="0">
                 <a:latin typeface="Calibri Light" pitchFamily="34" charset="0"/>
-                <a:cs typeface="Calibri Light" pitchFamily="34" charset="0"/>
               </a:rPr>
               <a:t>REPORTING</a:t>
             </a:r>
@@ -3062,7 +3004,7 @@
       </p:sp>
       <p:sp>
         <p:nvSpPr>
-          <p:cNvPr id="23554" name="Content Placeholder 2"/>
+          <p:cNvPr id="21506" name="Content Placeholder 2"/>
           <p:cNvSpPr>
             <a:spLocks noGrp="1"/>
           </p:cNvSpPr>
@@ -3086,9 +3028,8 @@
               </a:lnSpc>
             </a:pPr>
             <a:r>
-              <a:rPr lang="en-US" u="sng" dirty="0" smtClean="0">
+              <a:rPr lang="en-US" u="sng" smtClean="0">
                 <a:latin typeface="Calibri Light" pitchFamily="34" charset="0"/>
-                <a:cs typeface="Calibri Light" pitchFamily="34" charset="0"/>
               </a:rPr>
               <a:t>Three levels of reporting</a:t>
             </a:r>
@@ -3103,15 +3044,13 @@
               </a:spcBef>
             </a:pPr>
             <a:r>
-              <a:rPr lang="en-US" sz="700" dirty="0" smtClean="0">
+              <a:rPr lang="en-US" sz="700" smtClean="0">
                 <a:latin typeface="Calibri Light" pitchFamily="34" charset="0"/>
-                <a:cs typeface="Calibri Light" pitchFamily="34" charset="0"/>
               </a:rPr>
               <a:t> </a:t>
             </a:r>
-            <a:endParaRPr lang="en-US" sz="700" u="sng" dirty="0" smtClean="0">
+            <a:endParaRPr lang="en-US" sz="700" u="sng" smtClean="0">
               <a:latin typeface="Calibri Light" pitchFamily="34" charset="0"/>
-              <a:cs typeface="Calibri Light" pitchFamily="34" charset="0"/>
             </a:endParaRPr>
           </a:p>
           <a:p>
@@ -3120,9 +3059,8 @@
                 <a:spcPct val="70000"/>
               </a:lnSpc>
             </a:pPr>
-            <a:endParaRPr lang="en-US" b="1" dirty="0" smtClean="0">
+            <a:endParaRPr lang="en-US" b="1" smtClean="0">
               <a:latin typeface="Calibri Light" pitchFamily="34" charset="0"/>
-              <a:cs typeface="Calibri Light" pitchFamily="34" charset="0"/>
             </a:endParaRPr>
           </a:p>
           <a:p>
@@ -3132,161 +3070,142 @@
               </a:lnSpc>
             </a:pPr>
             <a:r>
-              <a:rPr lang="en-US" sz="2500" b="1" u="sng" dirty="0" smtClean="0">
+              <a:rPr lang="en-US" sz="2500" b="1" u="sng" smtClean="0">
                 <a:latin typeface="Calibri Light" pitchFamily="34" charset="0"/>
-                <a:cs typeface="Calibri Light" pitchFamily="34" charset="0"/>
-              </a:rPr>
-              <a:t>ASPIRATIONAL </a:t>
-            </a:r>
-            <a:r>
-              <a:rPr lang="en-US" sz="2500" b="1" u="sng" dirty="0" smtClean="0">
+              </a:rPr>
+              <a:t>ASPIRATIONAL PRESENTATION</a:t>
+            </a:r>
+          </a:p>
+          <a:p>
+            <a:pPr eaLnBrk="1" hangingPunct="1">
+              <a:lnSpc>
+                <a:spcPct val="70000"/>
+              </a:lnSpc>
+            </a:pPr>
+            <a:endParaRPr lang="en-US" sz="2500" b="1" smtClean="0">
+              <a:latin typeface="Calibri Light" pitchFamily="34" charset="0"/>
+            </a:endParaRPr>
+          </a:p>
+          <a:p>
+            <a:pPr eaLnBrk="1" hangingPunct="1">
+              <a:lnSpc>
+                <a:spcPct val="85000"/>
+              </a:lnSpc>
+            </a:pPr>
+            <a:r>
+              <a:rPr lang="en-US" b="1" smtClean="0">
                 <a:latin typeface="Calibri Light" pitchFamily="34" charset="0"/>
-                <a:cs typeface="Calibri Light" pitchFamily="34" charset="0"/>
-              </a:rPr>
-              <a:t>PRESENTATION</a:t>
+              </a:rPr>
+              <a:t>High Level Dashboard</a:t>
             </a:r>
           </a:p>
           <a:p>
             <a:pPr eaLnBrk="1" hangingPunct="1">
               <a:lnSpc>
+                <a:spcPct val="85000"/>
+              </a:lnSpc>
+            </a:pPr>
+            <a:r>
+              <a:rPr lang="en-US" b="1" smtClean="0">
+                <a:latin typeface="Calibri Light" pitchFamily="34" charset="0"/>
+              </a:rPr>
+              <a:t>Product Specific: </a:t>
+            </a:r>
+          </a:p>
+          <a:p>
+            <a:pPr eaLnBrk="1" hangingPunct="1">
+              <a:lnSpc>
+                <a:spcPct val="85000"/>
+              </a:lnSpc>
+            </a:pPr>
+            <a:r>
+              <a:rPr lang="en-US" sz="500" smtClean="0">
+                <a:latin typeface="Calibri Light" pitchFamily="34" charset="0"/>
+              </a:rPr>
+              <a:t>       </a:t>
+            </a:r>
+          </a:p>
+          <a:p>
+            <a:pPr eaLnBrk="1" hangingPunct="1">
+              <a:lnSpc>
+                <a:spcPct val="85000"/>
+              </a:lnSpc>
+            </a:pPr>
+            <a:r>
+              <a:rPr lang="en-US" sz="1800" smtClean="0">
+                <a:latin typeface="Calibri Light" pitchFamily="34" charset="0"/>
+              </a:rPr>
+              <a:t>       </a:t>
+            </a:r>
+            <a:r>
+              <a:rPr lang="en-US" sz="1800" b="1" smtClean="0">
+                <a:latin typeface="Calibri Light" pitchFamily="34" charset="0"/>
+              </a:rPr>
+              <a:t>Go / No-go Product  Dashboard</a:t>
+            </a:r>
+          </a:p>
+          <a:p>
+            <a:pPr eaLnBrk="1" hangingPunct="1">
+              <a:lnSpc>
                 <a:spcPct val="70000"/>
               </a:lnSpc>
             </a:pPr>
-            <a:endParaRPr lang="en-US" sz="2500" b="1" dirty="0" smtClean="0">
+            <a:endParaRPr lang="en-US" sz="1800" b="1" smtClean="0">
               <a:latin typeface="Calibri Light" pitchFamily="34" charset="0"/>
-              <a:cs typeface="Calibri Light" pitchFamily="34" charset="0"/>
             </a:endParaRPr>
           </a:p>
           <a:p>
             <a:pPr eaLnBrk="1" hangingPunct="1">
               <a:lnSpc>
-                <a:spcPct val="85000"/>
-              </a:lnSpc>
-            </a:pPr>
-            <a:r>
-              <a:rPr lang="en-US" b="1" dirty="0" smtClean="0">
+                <a:spcPct val="70000"/>
+              </a:lnSpc>
+            </a:pPr>
+            <a:r>
+              <a:rPr lang="en-US" sz="800" smtClean="0">
                 <a:latin typeface="Calibri Light" pitchFamily="34" charset="0"/>
-                <a:cs typeface="Calibri Light" pitchFamily="34" charset="0"/>
-              </a:rPr>
-              <a:t>High Level Dashboard</a:t>
+              </a:rPr>
+              <a:t>            </a:t>
             </a:r>
           </a:p>
           <a:p>
             <a:pPr eaLnBrk="1" hangingPunct="1">
               <a:lnSpc>
-                <a:spcPct val="85000"/>
-              </a:lnSpc>
-            </a:pPr>
-            <a:r>
-              <a:rPr lang="en-US" b="1" dirty="0" smtClean="0">
+                <a:spcPct val="70000"/>
+              </a:lnSpc>
+            </a:pPr>
+            <a:r>
+              <a:rPr lang="en-US" b="1" smtClean="0">
                 <a:latin typeface="Calibri Light" pitchFamily="34" charset="0"/>
-                <a:cs typeface="Calibri Light" pitchFamily="34" charset="0"/>
-              </a:rPr>
-              <a:t>Product Specific: </a:t>
+              </a:rPr>
+              <a:t>Provides:</a:t>
             </a:r>
           </a:p>
           <a:p>
             <a:pPr eaLnBrk="1" hangingPunct="1">
               <a:lnSpc>
-                <a:spcPct val="85000"/>
-              </a:lnSpc>
-            </a:pPr>
-            <a:r>
-              <a:rPr lang="en-US" sz="500" dirty="0" smtClean="0">
+                <a:spcPct val="105000"/>
+              </a:lnSpc>
+              <a:buFontTx/>
+              <a:buChar char="•"/>
+            </a:pPr>
+            <a:r>
+              <a:rPr lang="en-US" b="1" smtClean="0">
                 <a:latin typeface="Calibri Light" pitchFamily="34" charset="0"/>
-                <a:cs typeface="Calibri Light" pitchFamily="34" charset="0"/>
-              </a:rPr>
-              <a:t>       </a:t>
+              </a:rPr>
+              <a:t>Development Managers &amp;</a:t>
             </a:r>
           </a:p>
           <a:p>
             <a:pPr eaLnBrk="1" hangingPunct="1">
               <a:lnSpc>
-                <a:spcPct val="85000"/>
-              </a:lnSpc>
-            </a:pPr>
-            <a:r>
-              <a:rPr lang="en-US" sz="1800" dirty="0" smtClean="0">
+                <a:spcPct val="105000"/>
+              </a:lnSpc>
+              <a:buFontTx/>
+              <a:buChar char="•"/>
+            </a:pPr>
+            <a:r>
+              <a:rPr lang="en-US" b="1" smtClean="0">
                 <a:latin typeface="Calibri Light" pitchFamily="34" charset="0"/>
-                <a:cs typeface="Calibri Light" pitchFamily="34" charset="0"/>
-              </a:rPr>
-              <a:t>       </a:t>
-            </a:r>
-            <a:r>
-              <a:rPr lang="en-US" sz="1800" b="1" dirty="0" smtClean="0">
-                <a:latin typeface="Calibri Light" pitchFamily="34" charset="0"/>
-                <a:cs typeface="Calibri Light" pitchFamily="34" charset="0"/>
-              </a:rPr>
-              <a:t>Go / No-go Product  Dashboard</a:t>
-            </a:r>
-          </a:p>
-          <a:p>
-            <a:pPr eaLnBrk="1" hangingPunct="1">
-              <a:lnSpc>
-                <a:spcPct val="70000"/>
-              </a:lnSpc>
-            </a:pPr>
-            <a:endParaRPr lang="en-US" sz="1800" b="1" dirty="0" smtClean="0">
-              <a:latin typeface="Calibri Light" pitchFamily="34" charset="0"/>
-              <a:cs typeface="Calibri Light" pitchFamily="34" charset="0"/>
-            </a:endParaRPr>
-          </a:p>
-          <a:p>
-            <a:pPr eaLnBrk="1" hangingPunct="1">
-              <a:lnSpc>
-                <a:spcPct val="70000"/>
-              </a:lnSpc>
-            </a:pPr>
-            <a:r>
-              <a:rPr lang="en-US" sz="800" dirty="0" smtClean="0">
-                <a:latin typeface="Calibri Light" pitchFamily="34" charset="0"/>
-                <a:cs typeface="Calibri Light" pitchFamily="34" charset="0"/>
-              </a:rPr>
-              <a:t>            </a:t>
-            </a:r>
-          </a:p>
-          <a:p>
-            <a:pPr eaLnBrk="1" hangingPunct="1">
-              <a:lnSpc>
-                <a:spcPct val="70000"/>
-              </a:lnSpc>
-            </a:pPr>
-            <a:r>
-              <a:rPr lang="en-US" b="1" dirty="0" smtClean="0">
-                <a:latin typeface="Calibri Light" pitchFamily="34" charset="0"/>
-                <a:cs typeface="Calibri Light" pitchFamily="34" charset="0"/>
-              </a:rPr>
-              <a:t>Provides:</a:t>
-            </a:r>
-          </a:p>
-          <a:p>
-            <a:pPr eaLnBrk="1" hangingPunct="1">
-              <a:lnSpc>
-                <a:spcPct val="105000"/>
-              </a:lnSpc>
-              <a:buFontTx/>
-              <a:buChar char="•"/>
-            </a:pPr>
-            <a:r>
-              <a:rPr lang="en-US" b="1" dirty="0" smtClean="0">
-                <a:latin typeface="Calibri Light" pitchFamily="34" charset="0"/>
-                <a:cs typeface="Calibri Light" pitchFamily="34" charset="0"/>
-              </a:rPr>
-              <a:t>Development Managers &amp;</a:t>
-            </a:r>
-          </a:p>
-          <a:p>
-            <a:pPr eaLnBrk="1" hangingPunct="1">
-              <a:lnSpc>
-                <a:spcPct val="105000"/>
-              </a:lnSpc>
-              <a:buFontTx/>
-              <a:buChar char="•"/>
-            </a:pPr>
-            <a:r>
-              <a:rPr lang="en-US" b="1" dirty="0" smtClean="0">
-                <a:latin typeface="Calibri Light" pitchFamily="34" charset="0"/>
-                <a:cs typeface="Calibri Light" pitchFamily="34" charset="0"/>
               </a:rPr>
               <a:t>Product Managers A quick look at the current health and capability to ship the product </a:t>
             </a:r>
@@ -3295,7 +3214,7 @@
       </p:sp>
       <p:pic>
         <p:nvPicPr>
-          <p:cNvPr id="23555" name="Picture 3"/>
+          <p:cNvPr id="21507" name="Picture 3"/>
           <p:cNvPicPr>
             <a:picLocks noChangeAspect="1"/>
           </p:cNvPicPr>
@@ -3359,7 +3278,7 @@
       </p:grpSpPr>
       <p:sp>
         <p:nvSpPr>
-          <p:cNvPr id="25601" name="Title 1"/>
+          <p:cNvPr id="22529" name="Title 1"/>
           <p:cNvSpPr>
             <a:spLocks noGrp="1"/>
           </p:cNvSpPr>
@@ -3381,7 +3300,6 @@
             <a:r>
               <a:rPr lang="en-US" smtClean="0">
                 <a:latin typeface="Calibri Light" pitchFamily="34" charset="0"/>
-                <a:cs typeface="Calibri Light" pitchFamily="34" charset="0"/>
               </a:rPr>
               <a:t>FUTURE</a:t>
             </a:r>
@@ -3390,7 +3308,7 @@
       </p:sp>
       <p:sp>
         <p:nvSpPr>
-          <p:cNvPr id="25602" name="Content Placeholder 2"/>
+          <p:cNvPr id="22530" name="Content Placeholder 2"/>
           <p:cNvSpPr>
             <a:spLocks noGrp="1"/>
           </p:cNvSpPr>
@@ -3413,34 +3331,35 @@
               <a:buChar char="•"/>
             </a:pPr>
             <a:r>
-              <a:rPr lang="en-US" sz="2000" dirty="0" smtClean="0">
+              <a:rPr lang="en-US" sz="2000" smtClean="0">
                 <a:latin typeface="Calibri Light" pitchFamily="34" charset="0"/>
-                <a:cs typeface="Calibri Light" pitchFamily="34" charset="0"/>
               </a:rPr>
               <a:t>Refactor mid layer commonality.  Move commonality to the bottom Layer. </a:t>
             </a:r>
           </a:p>
           <a:p>
             <a:pPr marL="919163" lvl="1" indent="-342900" eaLnBrk="1" hangingPunct="1">
-              <a:buFont typeface="Arial" panose="020B0604020202020204" pitchFamily="34" charset="0"/>
-              <a:buChar char="•"/>
-            </a:pPr>
-            <a:r>
-              <a:rPr lang="en-US" sz="1800" dirty="0" smtClean="0">
+              <a:buFont typeface="Arial" charset="0"/>
+              <a:buBlip>
+                <a:blip r:embed="rId2"/>
+              </a:buBlip>
+            </a:pPr>
+            <a:r>
+              <a:rPr lang="en-US" sz="1800" smtClean="0">
                 <a:latin typeface="Calibri Light" pitchFamily="34" charset="0"/>
-                <a:cs typeface="Calibri Light" pitchFamily="34" charset="0"/>
               </a:rPr>
               <a:t>The smaller the mid layer, the easier to add new capability ( new applications )</a:t>
             </a:r>
           </a:p>
           <a:p>
             <a:pPr marL="919163" lvl="1" indent="-342900" eaLnBrk="1" hangingPunct="1">
-              <a:buFont typeface="Arial" panose="020B0604020202020204" pitchFamily="34" charset="0"/>
-              <a:buChar char="•"/>
-            </a:pPr>
-            <a:endParaRPr lang="en-US" sz="1800" dirty="0" smtClean="0">
+              <a:buFont typeface="Arial" charset="0"/>
+              <a:buBlip>
+                <a:blip r:embed="rId2"/>
+              </a:buBlip>
+            </a:pPr>
+            <a:endParaRPr lang="en-US" sz="1800" smtClean="0">
               <a:latin typeface="Calibri Light" pitchFamily="34" charset="0"/>
-              <a:cs typeface="Calibri Light" pitchFamily="34" charset="0"/>
             </a:endParaRPr>
           </a:p>
           <a:p>
@@ -3449,9 +3368,8 @@
               <a:buChar char="•"/>
             </a:pPr>
             <a:r>
-              <a:rPr lang="en-US" sz="1800" dirty="0" smtClean="0">
+              <a:rPr lang="en-US" sz="1800" smtClean="0">
                 <a:latin typeface="Calibri Light" pitchFamily="34" charset="0"/>
-                <a:cs typeface="Calibri Light" pitchFamily="34" charset="0"/>
               </a:rPr>
               <a:t>Decouple function calls in the upper layer from in the bottom layer and below </a:t>
             </a:r>
@@ -3462,9 +3380,8 @@
               <a:buChar char="•"/>
             </a:pPr>
             <a:r>
-              <a:rPr lang="en-US" sz="1800" dirty="0" smtClean="0">
+              <a:rPr lang="en-US" sz="1800" smtClean="0">
                 <a:latin typeface="Calibri Light" pitchFamily="34" charset="0"/>
-                <a:cs typeface="Calibri Light" pitchFamily="34" charset="0"/>
               </a:rPr>
               <a:t>Keep calls to Protractor in the mid Layer ( page Objects )</a:t>
             </a:r>
@@ -3475,57 +3392,19 @@
               <a:buChar char="•"/>
             </a:pPr>
             <a:r>
-              <a:rPr lang="en-US" sz="1800" dirty="0" smtClean="0">
+              <a:rPr lang="en-US" sz="1800" smtClean="0">
                 <a:latin typeface="Calibri Light" pitchFamily="34" charset="0"/>
-                <a:cs typeface="Calibri Light" pitchFamily="34" charset="0"/>
               </a:rPr>
               <a:t>Work in localized well isolated areas.  Keep the churn away from the dev engineers</a:t>
             </a:r>
-          </a:p>
-          <a:p>
-            <a:pPr marL="342900" indent="-342900" eaLnBrk="1" hangingPunct="1">
-              <a:buFont typeface="Arial" panose="020B0604020202020204" pitchFamily="34" charset="0"/>
-              <a:buChar char="•"/>
-            </a:pPr>
-            <a:endParaRPr lang="en-US" sz="2000" dirty="0" smtClean="0">
-              <a:latin typeface="Calibri Light" pitchFamily="34" charset="0"/>
-              <a:cs typeface="Calibri Light" pitchFamily="34" charset="0"/>
-            </a:endParaRPr>
           </a:p>
           <a:p>
             <a:pPr marL="342900" indent="-342900" eaLnBrk="1" hangingPunct="1">
               <a:buFontTx/>
               <a:buChar char="•"/>
             </a:pPr>
-            <a:r>
-              <a:rPr lang="en-US" sz="2000" dirty="0" smtClean="0">
-                <a:latin typeface="Calibri Light" pitchFamily="34" charset="0"/>
-                <a:cs typeface="Calibri Light" pitchFamily="34" charset="0"/>
-              </a:rPr>
-              <a:t>Ability to spin up new application</a:t>
-            </a:r>
-          </a:p>
-          <a:p>
-            <a:pPr marL="919163" lvl="1" indent="-342900" eaLnBrk="1" hangingPunct="1">
-              <a:buFont typeface="Arial" panose="020B0604020202020204" pitchFamily="34" charset="0"/>
-              <a:buChar char="•"/>
-            </a:pPr>
-            <a:r>
-              <a:rPr lang="en-US" sz="1600" dirty="0" smtClean="0">
-                <a:latin typeface="Calibri Light" pitchFamily="34" charset="0"/>
-                <a:cs typeface="Calibri Light" pitchFamily="34" charset="0"/>
-              </a:rPr>
-              <a:t>Adding support for new applications can be accomplished in ~10 working Days</a:t>
-            </a:r>
-          </a:p>
-          <a:p>
-            <a:pPr marL="342900" indent="-342900" eaLnBrk="1" hangingPunct="1">
-              <a:buFont typeface="Arial" panose="020B0604020202020204" pitchFamily="34" charset="0"/>
-              <a:buChar char="•"/>
-            </a:pPr>
-            <a:endParaRPr lang="en-US" sz="2000" dirty="0" smtClean="0">
+            <a:endParaRPr lang="en-US" sz="2000" smtClean="0">
               <a:latin typeface="Calibri Light" pitchFamily="34" charset="0"/>
-              <a:cs typeface="Calibri Light" pitchFamily="34" charset="0"/>
             </a:endParaRPr>
           </a:p>
           <a:p>
@@ -3534,11 +3413,22 @@
               <a:buChar char="•"/>
             </a:pPr>
             <a:r>
-              <a:rPr lang="en-US" sz="2000" dirty="0" smtClean="0">
+              <a:rPr lang="en-US" sz="2000" smtClean="0">
                 <a:latin typeface="Calibri Light" pitchFamily="34" charset="0"/>
-                <a:cs typeface="Calibri Light" pitchFamily="34" charset="0"/>
-              </a:rPr>
-              <a:t>Better Reporting</a:t>
+              </a:rPr>
+              <a:t>Ability to spin up new application</a:t>
+            </a:r>
+          </a:p>
+          <a:p>
+            <a:pPr marL="919163" lvl="1" indent="-342900" eaLnBrk="1" hangingPunct="1">
+              <a:buFont typeface="Arial" charset="0"/>
+              <a:buChar char="•"/>
+            </a:pPr>
+            <a:r>
+              <a:rPr lang="en-US" sz="1600" smtClean="0">
+                <a:latin typeface="Calibri Light" pitchFamily="34" charset="0"/>
+              </a:rPr>
+              <a:t>Adding support for new applications can be accomplished in ~10 working Days</a:t>
             </a:r>
           </a:p>
           <a:p>
@@ -3546,9 +3436,8 @@
               <a:buFontTx/>
               <a:buChar char="•"/>
             </a:pPr>
-            <a:endParaRPr lang="en-US" sz="2000" dirty="0" smtClean="0">
+            <a:endParaRPr lang="en-US" sz="2000" smtClean="0">
               <a:latin typeface="Calibri Light" pitchFamily="34" charset="0"/>
-              <a:cs typeface="Calibri Light" pitchFamily="34" charset="0"/>
             </a:endParaRPr>
           </a:p>
           <a:p>
@@ -3557,62 +3446,76 @@
               <a:buChar char="•"/>
             </a:pPr>
             <a:r>
-              <a:rPr lang="en-US" sz="2000" dirty="0" smtClean="0">
+              <a:rPr lang="en-US" sz="2000" smtClean="0">
                 <a:latin typeface="Calibri Light" pitchFamily="34" charset="0"/>
-                <a:cs typeface="Calibri Light" pitchFamily="34" charset="0"/>
-              </a:rPr>
-              <a:t>Test Headless  : Trying to overcome CPU and Memory consumption</a:t>
-            </a:r>
-          </a:p>
-          <a:p>
-            <a:pPr marL="342900" indent="-342900" eaLnBrk="1" hangingPunct="1">
-              <a:buFont typeface="Arial" panose="020B0604020202020204" pitchFamily="34" charset="0"/>
-              <a:buChar char="•"/>
-            </a:pPr>
-            <a:endParaRPr lang="en-US" sz="2000" dirty="0" smtClean="0">
-              <a:latin typeface="Calibri Light" pitchFamily="34" charset="0"/>
-              <a:cs typeface="Calibri Light" pitchFamily="34" charset="0"/>
-            </a:endParaRPr>
+              </a:rPr>
+              <a:t>Better Reporting</a:t>
+            </a:r>
           </a:p>
           <a:p>
             <a:pPr marL="342900" indent="-342900" eaLnBrk="1" hangingPunct="1">
               <a:buFontTx/>
               <a:buChar char="•"/>
             </a:pPr>
-            <a:r>
-              <a:rPr lang="en-US" sz="2000" dirty="0" smtClean="0">
+            <a:endParaRPr lang="en-US" sz="2000" smtClean="0">
+              <a:latin typeface="Calibri Light" pitchFamily="34" charset="0"/>
+            </a:endParaRPr>
+          </a:p>
+          <a:p>
+            <a:pPr marL="342900" indent="-342900" eaLnBrk="1" hangingPunct="1">
+              <a:buFontTx/>
+              <a:buChar char="•"/>
+            </a:pPr>
+            <a:r>
+              <a:rPr lang="en-US" sz="2000" smtClean="0">
                 <a:latin typeface="Calibri Light" pitchFamily="34" charset="0"/>
-                <a:cs typeface="Calibri Light" pitchFamily="34" charset="0"/>
+              </a:rPr>
+              <a:t>Test Headless  : Trying to overcome CPU and Memory consumption</a:t>
+            </a:r>
+          </a:p>
+          <a:p>
+            <a:pPr marL="342900" indent="-342900" eaLnBrk="1" hangingPunct="1">
+              <a:buFontTx/>
+              <a:buChar char="•"/>
+            </a:pPr>
+            <a:endParaRPr lang="en-US" sz="2000" smtClean="0">
+              <a:latin typeface="Calibri Light" pitchFamily="34" charset="0"/>
+            </a:endParaRPr>
+          </a:p>
+          <a:p>
+            <a:pPr marL="342900" indent="-342900" eaLnBrk="1" hangingPunct="1">
+              <a:buFontTx/>
+              <a:buChar char="•"/>
+            </a:pPr>
+            <a:r>
+              <a:rPr lang="en-US" sz="2000" smtClean="0">
+                <a:latin typeface="Calibri Light" pitchFamily="34" charset="0"/>
               </a:rPr>
               <a:t>Mobile devices</a:t>
             </a:r>
           </a:p>
           <a:p>
             <a:pPr marL="342900" indent="-342900" eaLnBrk="1" hangingPunct="1"/>
-            <a:endParaRPr lang="en-US" sz="2000" dirty="0" smtClean="0">
+            <a:endParaRPr lang="en-US" sz="2000" smtClean="0">
               <a:latin typeface="Calibri Light" pitchFamily="34" charset="0"/>
-              <a:cs typeface="Calibri Light" pitchFamily="34" charset="0"/>
             </a:endParaRPr>
           </a:p>
           <a:p>
             <a:pPr marL="342900" indent="-342900" eaLnBrk="1" hangingPunct="1"/>
-            <a:endParaRPr lang="en-US" sz="2000" dirty="0" smtClean="0">
+            <a:endParaRPr lang="en-US" sz="2000" smtClean="0">
               <a:latin typeface="Calibri Light" pitchFamily="34" charset="0"/>
-              <a:cs typeface="Calibri Light" pitchFamily="34" charset="0"/>
             </a:endParaRPr>
           </a:p>
           <a:p>
             <a:pPr marL="342900" indent="-342900" eaLnBrk="1" hangingPunct="1"/>
-            <a:endParaRPr lang="en-US" sz="2000" dirty="0" smtClean="0">
+            <a:endParaRPr lang="en-US" sz="2000" smtClean="0">
               <a:latin typeface="Calibri Light" pitchFamily="34" charset="0"/>
-              <a:cs typeface="Calibri Light" pitchFamily="34" charset="0"/>
             </a:endParaRPr>
           </a:p>
           <a:p>
             <a:pPr marL="342900" indent="-342900" eaLnBrk="1" hangingPunct="1"/>
-            <a:endParaRPr lang="en-US" dirty="0" smtClean="0">
+            <a:endParaRPr lang="en-US" smtClean="0">
               <a:latin typeface="Calibri Light" pitchFamily="34" charset="0"/>
-              <a:cs typeface="Calibri Light" pitchFamily="34" charset="0"/>
             </a:endParaRPr>
           </a:p>
         </p:txBody>
@@ -3651,7 +3554,7 @@
       </p:grpSpPr>
       <p:sp>
         <p:nvSpPr>
-          <p:cNvPr id="15361" name="Title 1"/>
+          <p:cNvPr id="23553" name="Title 1"/>
           <p:cNvSpPr>
             <a:spLocks noGrp="1"/>
           </p:cNvSpPr>
@@ -3673,7 +3576,6 @@
             <a:r>
               <a:rPr lang="en-US" smtClean="0">
                 <a:latin typeface="Calibri Light" pitchFamily="34" charset="0"/>
-                <a:cs typeface="Calibri Light" pitchFamily="34" charset="0"/>
               </a:rPr>
               <a:t>ROLL OUT</a:t>
             </a:r>
@@ -3887,7 +3789,7 @@
       </p:sp>
       <p:sp>
         <p:nvSpPr>
-          <p:cNvPr id="15363" name="Title 1"/>
+          <p:cNvPr id="23555" name="Title 1"/>
           <p:cNvSpPr txBox="1">
             <a:spLocks/>
           </p:cNvSpPr>
@@ -3895,8 +3797,8 @@
         </p:nvSpPr>
         <p:spPr bwMode="auto">
           <a:xfrm>
-            <a:off x="282575" y="4135437"/>
-            <a:ext cx="3316968" cy="2294391"/>
+            <a:off x="282575" y="4135438"/>
+            <a:ext cx="3316288" cy="2293937"/>
           </a:xfrm>
           <a:prstGeom prst="rect">
             <a:avLst/>
@@ -3921,16 +3823,10 @@
               <a:buChar char="•"/>
             </a:pPr>
             <a:r>
-              <a:rPr lang="en-US" sz="2000" b="1" dirty="0" smtClean="0">
+              <a:rPr lang="en-US" sz="2000" b="1">
                 <a:latin typeface="Calibri Light" pitchFamily="34" charset="0"/>
               </a:rPr>
-              <a:t>NGTA team </a:t>
-            </a:r>
-            <a:r>
-              <a:rPr lang="en-US" sz="2000" b="1" dirty="0">
-                <a:latin typeface="Calibri Light" pitchFamily="34" charset="0"/>
-              </a:rPr>
-              <a:t>continues development of the Test Automation framework</a:t>
+              <a:t>NGTA team continues development of the Test Automation framework</a:t>
             </a:r>
           </a:p>
           <a:p>
@@ -3942,7 +3838,7 @@
               <a:buChar char="•"/>
             </a:pPr>
             <a:r>
-              <a:rPr lang="en-US" sz="1400" b="1" dirty="0">
+              <a:rPr lang="en-US" sz="1400" b="1">
                 <a:latin typeface="Calibri" pitchFamily="34" charset="0"/>
               </a:rPr>
               <a:t>Refactoring the Mid Layer is key to adding more product under test</a:t>
@@ -3952,7 +3848,7 @@
       </p:sp>
       <p:pic>
         <p:nvPicPr>
-          <p:cNvPr id="15364" name="Picture 1"/>
+          <p:cNvPr id="23556" name="Picture 1"/>
           <p:cNvPicPr>
             <a:picLocks noChangeAspect="1"/>
           </p:cNvPicPr>
@@ -3967,7 +3863,7 @@
         </p:blipFill>
         <p:spPr bwMode="auto">
           <a:xfrm>
-            <a:off x="4949825" y="3932242"/>
+            <a:off x="4949825" y="3932238"/>
             <a:ext cx="3613150" cy="2622550"/>
           </a:xfrm>
           <a:prstGeom prst="rect">
@@ -3990,8 +3886,8 @@
         </p:nvSpPr>
         <p:spPr>
           <a:xfrm>
-            <a:off x="4587240" y="4541520"/>
-            <a:ext cx="190500" cy="541020"/>
+            <a:off x="4587875" y="4541838"/>
+            <a:ext cx="190500" cy="541337"/>
           </a:xfrm>
           <a:prstGeom prst="leftBrace">
             <a:avLst/>
@@ -4012,10 +3908,12 @@
           </a:fontRef>
         </p:style>
         <p:txBody>
-          <a:bodyPr rtlCol="0" anchor="ctr"/>
+          <a:bodyPr anchor="ctr"/>
           <a:lstStyle/>
           <a:p>
-            <a:pPr algn="ctr"/>
+            <a:pPr algn="ctr">
+              <a:defRPr/>
+            </a:pPr>
             <a:endParaRPr lang="en-US"/>
           </a:p>
         </p:txBody>
@@ -4028,8 +3926,8 @@
         </p:nvSpPr>
         <p:spPr>
           <a:xfrm>
-            <a:off x="4594860" y="5364480"/>
-            <a:ext cx="190500" cy="1127760"/>
+            <a:off x="4594225" y="5364163"/>
+            <a:ext cx="190500" cy="1128712"/>
           </a:xfrm>
           <a:prstGeom prst="leftBrace">
             <a:avLst/>
@@ -4050,71 +3948,87 @@
           </a:fontRef>
         </p:style>
         <p:txBody>
-          <a:bodyPr rtlCol="0" anchor="ctr"/>
+          <a:bodyPr anchor="ctr"/>
           <a:lstStyle/>
           <a:p>
-            <a:pPr algn="ctr"/>
+            <a:pPr algn="ctr">
+              <a:defRPr/>
+            </a:pPr>
             <a:endParaRPr lang="en-US"/>
           </a:p>
         </p:txBody>
       </p:sp>
       <p:sp>
         <p:nvSpPr>
-          <p:cNvPr id="4" name="TextBox 3"/>
-          <p:cNvSpPr txBox="1"/>
+          <p:cNvPr id="23559" name="TextBox 3"/>
+          <p:cNvSpPr txBox="1">
+            <a:spLocks noChangeArrowheads="1"/>
+          </p:cNvSpPr>
           <p:nvPr/>
         </p:nvSpPr>
-        <p:spPr>
+        <p:spPr bwMode="auto">
           <a:xfrm>
             <a:off x="3848100" y="4610100"/>
-            <a:ext cx="595035" cy="369332"/>
+            <a:ext cx="595313" cy="369888"/>
           </a:xfrm>
           <a:prstGeom prst="rect">
             <a:avLst/>
           </a:prstGeom>
           <a:noFill/>
+          <a:ln w="9525">
+            <a:noFill/>
+            <a:miter lim="800000"/>
+            <a:headEnd/>
+            <a:tailEnd/>
+          </a:ln>
         </p:spPr>
         <p:txBody>
-          <a:bodyPr wrap="none" rtlCol="0">
+          <a:bodyPr wrap="none">
             <a:spAutoFit/>
           </a:bodyPr>
           <a:lstStyle/>
           <a:p>
             <a:r>
-              <a:rPr lang="en-US" dirty="0" smtClean="0"/>
+              <a:rPr lang="en-US"/>
               <a:t>Dev</a:t>
             </a:r>
-            <a:endParaRPr lang="en-US" dirty="0"/>
           </a:p>
         </p:txBody>
       </p:sp>
       <p:sp>
         <p:nvSpPr>
-          <p:cNvPr id="11" name="TextBox 10"/>
-          <p:cNvSpPr txBox="1"/>
+          <p:cNvPr id="23560" name="TextBox 10"/>
+          <p:cNvSpPr txBox="1">
+            <a:spLocks noChangeArrowheads="1"/>
+          </p:cNvSpPr>
           <p:nvPr/>
         </p:nvSpPr>
-        <p:spPr>
+        <p:spPr bwMode="auto">
           <a:xfrm>
-            <a:off x="3549635" y="5720834"/>
-            <a:ext cx="1095172" cy="369332"/>
+            <a:off x="3549650" y="5721350"/>
+            <a:ext cx="1095375" cy="368300"/>
           </a:xfrm>
           <a:prstGeom prst="rect">
             <a:avLst/>
           </a:prstGeom>
           <a:noFill/>
+          <a:ln w="9525">
+            <a:noFill/>
+            <a:miter lim="800000"/>
+            <a:headEnd/>
+            <a:tailEnd/>
+          </a:ln>
         </p:spPr>
         <p:txBody>
-          <a:bodyPr wrap="none" rtlCol="0">
+          <a:bodyPr wrap="none">
             <a:spAutoFit/>
           </a:bodyPr>
           <a:lstStyle/>
           <a:p>
             <a:r>
-              <a:rPr lang="en-US" dirty="0" err="1" smtClean="0"/>
+              <a:rPr lang="en-US"/>
               <a:t>NextGen</a:t>
             </a:r>
-            <a:endParaRPr lang="en-US" dirty="0"/>
           </a:p>
         </p:txBody>
       </p:sp>
@@ -4152,7 +4066,7 @@
       </p:grpSpPr>
       <p:sp>
         <p:nvSpPr>
-          <p:cNvPr id="16385" name="Title 1"/>
+          <p:cNvPr id="24577" name="Title 1"/>
           <p:cNvSpPr>
             <a:spLocks noGrp="1"/>
           </p:cNvSpPr>
@@ -4174,7 +4088,6 @@
             <a:r>
               <a:rPr lang="en-US" smtClean="0">
                 <a:latin typeface="Calibri Light" pitchFamily="34" charset="0"/>
-                <a:cs typeface="Calibri Light" pitchFamily="34" charset="0"/>
               </a:rPr>
               <a:t>ROLES &amp; RESPONSIBILITIES</a:t>
             </a:r>
@@ -4183,7 +4096,7 @@
       </p:sp>
       <p:sp>
         <p:nvSpPr>
-          <p:cNvPr id="16386" name="Content Placeholder 2"/>
+          <p:cNvPr id="24578" name="Content Placeholder 2"/>
           <p:cNvSpPr>
             <a:spLocks noGrp="1"/>
           </p:cNvSpPr>
@@ -4209,9 +4122,8 @@
               <a:buChar char="•"/>
             </a:pPr>
             <a:r>
-              <a:rPr lang="en-US" sz="2000" b="1" dirty="0" smtClean="0">
+              <a:rPr lang="en-US" sz="2000" b="1" smtClean="0">
                 <a:latin typeface="Calibri Light" pitchFamily="34" charset="0"/>
-                <a:cs typeface="Calibri Light" pitchFamily="34" charset="0"/>
               </a:rPr>
               <a:t>Shopping &amp; Buying Development Engineers</a:t>
             </a:r>
@@ -4224,13 +4136,14 @@
               <a:spcBef>
                 <a:spcPct val="0"/>
               </a:spcBef>
-              <a:buFont typeface="Arial" panose="020B0604020202020204" pitchFamily="34" charset="0"/>
-              <a:buChar char="•"/>
-            </a:pPr>
-            <a:r>
-              <a:rPr lang="en-US" sz="1400" dirty="0" smtClean="0">
+              <a:buFont typeface="Arial" charset="0"/>
+              <a:buBlip>
+                <a:blip r:embed="rId2"/>
+              </a:buBlip>
+            </a:pPr>
+            <a:r>
+              <a:rPr lang="en-US" sz="1400" smtClean="0">
                 <a:latin typeface="Calibri Light" pitchFamily="34" charset="0"/>
-                <a:cs typeface="Calibri Light" pitchFamily="34" charset="0"/>
               </a:rPr>
               <a:t>Responsible for all new  Page Level Functional Integration Tests</a:t>
             </a:r>
@@ -4243,19 +4156,19 @@
               <a:spcBef>
                 <a:spcPct val="0"/>
               </a:spcBef>
-              <a:buFont typeface="Arial" panose="020B0604020202020204" pitchFamily="34" charset="0"/>
-              <a:buChar char="•"/>
-            </a:pPr>
-            <a:r>
-              <a:rPr lang="en-US" sz="1400" dirty="0" smtClean="0">
+              <a:buFont typeface="Arial" charset="0"/>
+              <a:buBlip>
+                <a:blip r:embed="rId2"/>
+              </a:buBlip>
+            </a:pPr>
+            <a:r>
+              <a:rPr lang="en-US" sz="1400" smtClean="0">
                 <a:latin typeface="Calibri Light" pitchFamily="34" charset="0"/>
-                <a:cs typeface="Calibri Light" pitchFamily="34" charset="0"/>
               </a:rPr>
               <a:t>Responsible for correcting all test failures in  ../fitmp  directory, keeping it completely operational</a:t>
             </a:r>
-            <a:endParaRPr lang="en-US" sz="1400" b="1" dirty="0" smtClean="0">
+            <a:endParaRPr lang="en-US" sz="1400" b="1" smtClean="0">
               <a:latin typeface="Calibri Light" pitchFamily="34" charset="0"/>
-              <a:cs typeface="Calibri Light" pitchFamily="34" charset="0"/>
             </a:endParaRPr>
           </a:p>
           <a:p>
@@ -4267,9 +4180,8 @@
               <a:buChar char="•"/>
             </a:pPr>
             <a:r>
-              <a:rPr lang="en-US" sz="2000" b="1" dirty="0" smtClean="0">
+              <a:rPr lang="en-US" sz="2000" b="1" smtClean="0">
                 <a:latin typeface="Calibri Light" pitchFamily="34" charset="0"/>
-                <a:cs typeface="Calibri Light" pitchFamily="34" charset="0"/>
               </a:rPr>
               <a:t>Provider Directory Development Engineers </a:t>
             </a:r>
@@ -4282,13 +4194,14 @@
               <a:spcBef>
                 <a:spcPct val="0"/>
               </a:spcBef>
-              <a:buFont typeface="Arial" panose="020B0604020202020204" pitchFamily="34" charset="0"/>
-              <a:buChar char="•"/>
-            </a:pPr>
-            <a:r>
-              <a:rPr lang="en-US" sz="1400" dirty="0" smtClean="0">
+              <a:buFont typeface="Arial" charset="0"/>
+              <a:buBlip>
+                <a:blip r:embed="rId2"/>
+              </a:buBlip>
+            </a:pPr>
+            <a:r>
+              <a:rPr lang="en-US" sz="1400" smtClean="0">
                 <a:latin typeface="Calibri Light" pitchFamily="34" charset="0"/>
-                <a:cs typeface="Calibri Light" pitchFamily="34" charset="0"/>
               </a:rPr>
               <a:t>Responsible for all new Template level Functional Integration Tests</a:t>
             </a:r>
@@ -4301,13 +4214,14 @@
               <a:spcBef>
                 <a:spcPct val="0"/>
               </a:spcBef>
-              <a:buFont typeface="Arial" panose="020B0604020202020204" pitchFamily="34" charset="0"/>
-              <a:buChar char="•"/>
-            </a:pPr>
-            <a:r>
-              <a:rPr lang="en-US" sz="1400" dirty="0" smtClean="0">
+              <a:buFont typeface="Arial" charset="0"/>
+              <a:buBlip>
+                <a:blip r:embed="rId2"/>
+              </a:buBlip>
+            </a:pPr>
+            <a:r>
+              <a:rPr lang="en-US" sz="1400" smtClean="0">
                 <a:latin typeface="Calibri Light" pitchFamily="34" charset="0"/>
-                <a:cs typeface="Calibri Light" pitchFamily="34" charset="0"/>
               </a:rPr>
               <a:t>Responsible for correcting all test failures in the  ../fitpd  directory, keeping all test operational</a:t>
             </a:r>
@@ -4321,9 +4235,8 @@
               <a:buChar char="•"/>
             </a:pPr>
             <a:r>
-              <a:rPr lang="en-US" sz="2000" b="1" dirty="0" smtClean="0">
+              <a:rPr lang="en-US" sz="2000" b="1" smtClean="0">
                 <a:latin typeface="Calibri Light" pitchFamily="34" charset="0"/>
-                <a:cs typeface="Calibri Light" pitchFamily="34" charset="0"/>
               </a:rPr>
               <a:t> Core Technology API Team engineers</a:t>
             </a:r>
@@ -4336,13 +4249,14 @@
               <a:spcBef>
                 <a:spcPct val="0"/>
               </a:spcBef>
-              <a:buFont typeface="Arial" panose="020B0604020202020204" pitchFamily="34" charset="0"/>
-              <a:buChar char="•"/>
-            </a:pPr>
-            <a:r>
-              <a:rPr lang="en-US" sz="1400" dirty="0" smtClean="0">
+              <a:buFont typeface="Arial" charset="0"/>
+              <a:buBlip>
+                <a:blip r:embed="rId2"/>
+              </a:buBlip>
+            </a:pPr>
+            <a:r>
+              <a:rPr lang="en-US" sz="1400" smtClean="0">
                 <a:latin typeface="Calibri Light" pitchFamily="34" charset="0"/>
-                <a:cs typeface="Calibri Light" pitchFamily="34" charset="0"/>
               </a:rPr>
               <a:t>Responsible for adding new tests to the REST API regression suite </a:t>
             </a:r>
@@ -4355,13 +4269,14 @@
               <a:spcBef>
                 <a:spcPct val="0"/>
               </a:spcBef>
-              <a:buFont typeface="Arial" panose="020B0604020202020204" pitchFamily="34" charset="0"/>
-              <a:buChar char="•"/>
-            </a:pPr>
-            <a:r>
-              <a:rPr lang="en-US" sz="1400" dirty="0" smtClean="0">
+              <a:buFont typeface="Arial" charset="0"/>
+              <a:buBlip>
+                <a:blip r:embed="rId2"/>
+              </a:buBlip>
+            </a:pPr>
+            <a:r>
+              <a:rPr lang="en-US" sz="1400" smtClean="0">
                 <a:latin typeface="Calibri Light" pitchFamily="34" charset="0"/>
-                <a:cs typeface="Calibri Light" pitchFamily="34" charset="0"/>
               </a:rPr>
               <a:t>Responsible for correcting all test failures in the ../fitapi directory, keeping all test operational</a:t>
             </a:r>
@@ -4371,13 +4286,12 @@
               <a:lnSpc>
                 <a:spcPct val="125000"/>
               </a:lnSpc>
-              <a:buFont typeface="Arial" panose="020B0604020202020204" pitchFamily="34" charset="0"/>
-              <a:buChar char="•"/>
-            </a:pPr>
-            <a:r>
-              <a:rPr lang="en-US" sz="500" b="1" dirty="0" smtClean="0">
+              <a:buFontTx/>
+              <a:buChar char="•"/>
+            </a:pPr>
+            <a:r>
+              <a:rPr lang="en-US" sz="500" b="1" smtClean="0">
                 <a:latin typeface="Calibri Light" pitchFamily="34" charset="0"/>
-                <a:cs typeface="Calibri Light" pitchFamily="34" charset="0"/>
               </a:rPr>
               <a:t>             </a:t>
             </a:r>
@@ -4391,15 +4305,10 @@
               <a:buChar char="•"/>
             </a:pPr>
             <a:r>
-              <a:rPr lang="en-US" sz="2000" b="1" dirty="0"/>
-              <a:t>NGTA </a:t>
-            </a:r>
-            <a:r>
-              <a:rPr lang="en-US" sz="2000" b="1" dirty="0" smtClean="0">
+              <a:rPr lang="en-US" sz="2000" b="1" smtClean="0">
                 <a:latin typeface="Calibri Light" pitchFamily="34" charset="0"/>
-                <a:cs typeface="Calibri Light" pitchFamily="34" charset="0"/>
-              </a:rPr>
-              <a:t>Team engineers</a:t>
+              </a:rPr>
+              <a:t>NGTA Team engineers</a:t>
             </a:r>
           </a:p>
           <a:p>
@@ -4414,9 +4323,8 @@
               <a:buChar char="•"/>
             </a:pPr>
             <a:r>
-              <a:rPr lang="en-US" sz="1400" dirty="0" smtClean="0">
+              <a:rPr lang="en-US" sz="1400" smtClean="0">
                 <a:latin typeface="Calibri Light" pitchFamily="34" charset="0"/>
-                <a:cs typeface="Calibri Light" pitchFamily="34" charset="0"/>
               </a:rPr>
               <a:t>Oversee and manage all Framework development. </a:t>
             </a:r>
@@ -4433,9 +4341,8 @@
               <a:buChar char="•"/>
             </a:pPr>
             <a:r>
-              <a:rPr lang="en-US" sz="1400" dirty="0" smtClean="0">
+              <a:rPr lang="en-US" sz="1400" smtClean="0">
                 <a:latin typeface="Calibri Light" pitchFamily="34" charset="0"/>
-                <a:cs typeface="Calibri Light" pitchFamily="34" charset="0"/>
               </a:rPr>
               <a:t>Continual frame work improvement, evaluating all need for new coverage</a:t>
             </a:r>
@@ -4452,9 +4359,8 @@
               <a:buChar char="•"/>
             </a:pPr>
             <a:r>
-              <a:rPr lang="en-US" sz="1400" dirty="0" smtClean="0">
+              <a:rPr lang="en-US" sz="1400" smtClean="0">
                 <a:latin typeface="Calibri Light" pitchFamily="34" charset="0"/>
-                <a:cs typeface="Calibri Light" pitchFamily="34" charset="0"/>
               </a:rPr>
               <a:t>Continually analyze mid layer code</a:t>
             </a:r>
@@ -4471,9 +4377,8 @@
               <a:buChar char="•"/>
             </a:pPr>
             <a:r>
-              <a:rPr lang="en-US" sz="1400" dirty="0" smtClean="0">
+              <a:rPr lang="en-US" sz="1400" smtClean="0">
                 <a:latin typeface="Calibri Light" pitchFamily="34" charset="0"/>
-                <a:cs typeface="Calibri Light" pitchFamily="34" charset="0"/>
               </a:rPr>
               <a:t>Refactor content from mid layer to the lower common layer</a:t>
             </a:r>
@@ -4490,9 +4395,8 @@
               <a:buChar char="•"/>
             </a:pPr>
             <a:r>
-              <a:rPr lang="en-US" sz="1400" dirty="0" smtClean="0">
+              <a:rPr lang="en-US" sz="1400" smtClean="0">
                 <a:latin typeface="Calibri Light" pitchFamily="34" charset="0"/>
-                <a:cs typeface="Calibri Light" pitchFamily="34" charset="0"/>
               </a:rPr>
               <a:t>Develop all End to End test automation scripts based on business use cases</a:t>
             </a:r>
@@ -4501,7 +4405,7 @@
       </p:sp>
       <p:sp>
         <p:nvSpPr>
-          <p:cNvPr id="16387" name="Title 1"/>
+          <p:cNvPr id="24579" name="Title 1"/>
           <p:cNvSpPr txBox="1">
             <a:spLocks/>
           </p:cNvSpPr>
@@ -4646,6 +4550,7 @@
               </a:spcBef>
               <a:buFontTx/>
               <a:buChar char="•"/>
+              <a:defRPr/>
             </a:pPr>
             <a:r>
               <a:rPr lang="en-US" sz="2000" b="1" dirty="0" smtClean="0">
@@ -4665,6 +4570,7 @@
               </a:spcBef>
               <a:buFontTx/>
               <a:buChar char="•"/>
+              <a:defRPr/>
             </a:pPr>
             <a:r>
               <a:rPr lang="en-US" sz="1800" b="1" dirty="0" smtClean="0">
@@ -4684,6 +4590,7 @@
               </a:spcBef>
               <a:buFontTx/>
               <a:buChar char="•"/>
+              <a:defRPr/>
             </a:pPr>
             <a:r>
               <a:rPr lang="en-US" sz="1800" b="1" dirty="0" smtClean="0">
@@ -4703,6 +4610,7 @@
               </a:spcBef>
               <a:buFontTx/>
               <a:buChar char="•"/>
+              <a:defRPr/>
             </a:pPr>
             <a:r>
               <a:rPr lang="en-US" sz="1800" b="1" dirty="0" smtClean="0">
@@ -4722,6 +4630,7 @@
               </a:spcBef>
               <a:buFontTx/>
               <a:buChar char="•"/>
+              <a:defRPr/>
             </a:pPr>
             <a:r>
               <a:rPr lang="en-US" sz="1800" b="1" dirty="0" smtClean="0">
@@ -4739,6 +4648,7 @@
               <a:spcBef>
                 <a:spcPct val="0"/>
               </a:spcBef>
+              <a:defRPr/>
             </a:pPr>
             <a:r>
               <a:rPr lang="en-US" sz="500" b="1" dirty="0" smtClean="0">
@@ -4758,6 +4668,7 @@
               </a:spcBef>
               <a:buFontTx/>
               <a:buChar char="•"/>
+              <a:defRPr/>
             </a:pPr>
             <a:r>
               <a:rPr lang="en-US" sz="2000" b="1" dirty="0" smtClean="0">
@@ -4781,6 +4692,7 @@
               </a:spcBef>
               <a:buFont typeface="Arial" panose="020B0604020202020204" pitchFamily="34" charset="0"/>
               <a:buChar char="•"/>
+              <a:defRPr/>
             </a:pPr>
             <a:r>
               <a:rPr lang="en-US" sz="1800" b="1" dirty="0" smtClean="0">
@@ -4800,6 +4712,7 @@
               </a:spcBef>
               <a:buFont typeface="Arial" panose="020B0604020202020204" pitchFamily="34" charset="0"/>
               <a:buChar char="•"/>
+              <a:defRPr/>
             </a:pPr>
             <a:r>
               <a:rPr lang="en-US" sz="1800" b="1" dirty="0" smtClean="0">
@@ -4819,6 +4732,7 @@
               </a:spcBef>
               <a:buFont typeface="Arial" panose="020B0604020202020204" pitchFamily="34" charset="0"/>
               <a:buChar char="•"/>
+              <a:defRPr/>
             </a:pPr>
             <a:r>
               <a:rPr lang="en-US" sz="1800" b="1" dirty="0" smtClean="0">
@@ -4833,7 +4747,9 @@
             </a:endParaRPr>
           </a:p>
           <a:p>
-            <a:pPr marL="342900" indent="-342900" eaLnBrk="1" hangingPunct="1"/>
+            <a:pPr marL="342900" indent="-342900" eaLnBrk="1" hangingPunct="1">
+              <a:defRPr/>
+            </a:pPr>
             <a:endParaRPr lang="en-US" b="1" dirty="0" smtClean="0">
               <a:latin typeface="Calibri Light" pitchFamily="34" charset="0"/>
               <a:cs typeface="Calibri Light" pitchFamily="34" charset="0"/>
@@ -4843,6 +4759,7 @@
             <a:pPr marL="457200" lvl="1" indent="0" eaLnBrk="1" hangingPunct="1">
               <a:buFontTx/>
               <a:buNone/>
+              <a:defRPr/>
             </a:pPr>
             <a:r>
               <a:rPr lang="en-US" sz="1400" dirty="0" smtClean="0">
@@ -4856,7 +4773,7 @@
       </p:sp>
       <p:sp>
         <p:nvSpPr>
-          <p:cNvPr id="17411" name="Title 1"/>
+          <p:cNvPr id="25603" name="Title 1"/>
           <p:cNvSpPr txBox="1">
             <a:spLocks/>
           </p:cNvSpPr>
@@ -4897,32 +4814,34 @@
       </p:sp>
       <p:pic>
         <p:nvPicPr>
-          <p:cNvPr id="3" name="Picture 2"/>
+          <p:cNvPr id="25604" name="Picture 2"/>
           <p:cNvPicPr>
             <a:picLocks noChangeAspect="1"/>
           </p:cNvPicPr>
           <p:nvPr/>
         </p:nvPicPr>
         <p:blipFill>
-          <a:blip r:embed="rId2">
-            <a:extLst>
-              <a:ext uri="{28A0092B-C50C-407E-A947-70E740481C1C}">
-                <a14:useLocalDpi xmlns:a14="http://schemas.microsoft.com/office/drawing/2010/main" val="0"/>
-              </a:ext>
-            </a:extLst>
-          </a:blip>
+          <a:blip r:embed="rId2"/>
+          <a:srcRect/>
           <a:stretch>
             <a:fillRect/>
           </a:stretch>
         </p:blipFill>
-        <p:spPr>
+        <p:spPr bwMode="auto">
           <a:xfrm>
-            <a:off x="701037" y="4810285"/>
-            <a:ext cx="6020246" cy="1885790"/>
+            <a:off x="701675" y="4810125"/>
+            <a:ext cx="6019800" cy="1885950"/>
           </a:xfrm>
           <a:prstGeom prst="rect">
             <a:avLst/>
           </a:prstGeom>
+          <a:noFill/>
+          <a:ln w="9525">
+            <a:noFill/>
+            <a:miter lim="800000"/>
+            <a:headEnd/>
+            <a:tailEnd/>
+          </a:ln>
         </p:spPr>
       </p:pic>
     </p:spTree>
@@ -4981,41 +4900,35 @@
             <a:r>
               <a:rPr lang="en-US" sz="3600" smtClean="0">
                 <a:latin typeface="Calibri Light" pitchFamily="34" charset="0"/>
-                <a:cs typeface="Calibri Light" pitchFamily="34" charset="0"/>
               </a:rPr>
               <a:t>Market Place  :  </a:t>
             </a:r>
             <a:r>
               <a:rPr lang="en-US" sz="2800" smtClean="0">
                 <a:latin typeface="Calibri Light" pitchFamily="34" charset="0"/>
-                <a:cs typeface="Calibri Light" pitchFamily="34" charset="0"/>
               </a:rPr>
               <a:t>Provider Directory :    Other Apps</a:t>
             </a:r>
             <a:br>
               <a:rPr lang="en-US" sz="2800" smtClean="0">
                 <a:latin typeface="Calibri Light" pitchFamily="34" charset="0"/>
-                <a:cs typeface="Calibri Light" pitchFamily="34" charset="0"/>
               </a:rPr>
             </a:br>
             <a:r>
               <a:rPr lang="en-US" sz="2800" smtClean="0">
                 <a:latin typeface="Calibri Light" pitchFamily="34" charset="0"/>
-                <a:cs typeface="Calibri Light" pitchFamily="34" charset="0"/>
               </a:rPr>
               <a:t> </a:t>
             </a:r>
             <a:r>
               <a:rPr lang="en-US" sz="2800" smtClean="0">
                 <a:latin typeface="Bauhaus 93"/>
-                <a:cs typeface="Calibri Light" pitchFamily="34" charset="0"/>
               </a:rPr>
               <a:t>  </a:t>
             </a:r>
             <a:r>
               <a:rPr lang="en-US" sz="2800" smtClean="0">
                 <a:latin typeface="Calibri Light" pitchFamily="34" charset="0"/>
-                <a:cs typeface="Calibri Light" pitchFamily="34" charset="0"/>
               </a:rPr>
               <a:t>                                 Microservice APIs</a:t>
             </a:r>
@@ -5210,14 +5123,12 @@
             <a:r>
               <a:rPr lang="en-US" smtClean="0">
                 <a:latin typeface="Calibri Light" pitchFamily="34" charset="0"/>
-                <a:cs typeface="Calibri Light" pitchFamily="34" charset="0"/>
               </a:rPr>
               <a:t>	    </a:t>
             </a:r>
             <a:r>
               <a:rPr lang="en-US" sz="1600" b="1" smtClean="0">
                 <a:latin typeface="Calibri Light" pitchFamily="34" charset="0"/>
-                <a:cs typeface="Calibri Light" pitchFamily="34" charset="0"/>
               </a:rPr>
               <a:t>Seconds</a:t>
             </a:r>
@@ -5227,7 +5138,6 @@
             <a:r>
               <a:rPr lang="en-US" smtClean="0">
                 <a:latin typeface="Calibri Light" pitchFamily="34" charset="0"/>
-                <a:cs typeface="Calibri Light" pitchFamily="34" charset="0"/>
               </a:rPr>
               <a:t>Small	5		%30</a:t>
             </a:r>
@@ -5236,7 +5146,6 @@
             <a:pPr eaLnBrk="1" hangingPunct="1"/>
             <a:endParaRPr lang="en-US" smtClean="0">
               <a:latin typeface="Calibri Light" pitchFamily="34" charset="0"/>
-              <a:cs typeface="Calibri Light" pitchFamily="34" charset="0"/>
             </a:endParaRPr>
           </a:p>
           <a:p>
@@ -5244,7 +5153,6 @@
             <a:r>
               <a:rPr lang="en-US" smtClean="0">
                 <a:latin typeface="Calibri Light" pitchFamily="34" charset="0"/>
-                <a:cs typeface="Calibri Light" pitchFamily="34" charset="0"/>
               </a:rPr>
               <a:t>Med	15		%50</a:t>
             </a:r>
@@ -5253,7 +5161,6 @@
             <a:pPr eaLnBrk="1" hangingPunct="1"/>
             <a:endParaRPr lang="en-US" smtClean="0">
               <a:latin typeface="Calibri Light" pitchFamily="34" charset="0"/>
-              <a:cs typeface="Calibri Light" pitchFamily="34" charset="0"/>
             </a:endParaRPr>
           </a:p>
           <a:p>
@@ -5261,7 +5168,6 @@
             <a:r>
               <a:rPr lang="en-US" smtClean="0">
                 <a:latin typeface="Calibri Light" pitchFamily="34" charset="0"/>
-                <a:cs typeface="Calibri Light" pitchFamily="34" charset="0"/>
               </a:rPr>
               <a:t>Large	30		%20</a:t>
             </a:r>
@@ -6852,7 +6758,7 @@
       </p:sp>
       <p:sp>
         <p:nvSpPr>
-          <p:cNvPr id="5" name="Content Placeholder 2"/>
+          <p:cNvPr id="12290" name="Content Placeholder 2"/>
           <p:cNvSpPr>
             <a:spLocks noGrp="1"/>
           </p:cNvSpPr>
@@ -6867,9 +6773,7 @@
           </a:xfrm>
         </p:spPr>
         <p:txBody>
-          <a:bodyPr>
-            <a:normAutofit/>
-          </a:bodyPr>
+          <a:bodyPr/>
           <a:lstStyle/>
           <a:p>
             <a:pPr marL="342900" indent="-342900" eaLnBrk="1" hangingPunct="1">
@@ -6883,15 +6787,10 @@
               <a:buChar char="•"/>
             </a:pPr>
             <a:r>
-              <a:rPr lang="en-US" sz="2000" b="1" dirty="0"/>
-              <a:t>NGTA </a:t>
-            </a:r>
-            <a:r>
-              <a:rPr lang="en-US" sz="2000" b="1" dirty="0" smtClean="0">
+              <a:rPr lang="en-US" sz="2000" b="1" smtClean="0">
                 <a:latin typeface="Calibri Light" pitchFamily="34" charset="0"/>
-                <a:cs typeface="Calibri Light" pitchFamily="34" charset="0"/>
-              </a:rPr>
-              <a:t>and the CX Market Place Development Team have matured since 2016. </a:t>
+              </a:rPr>
+              <a:t>NGTA and the CX Market Place Development Team have matured since 2016. </a:t>
             </a:r>
           </a:p>
           <a:p>
@@ -6902,20 +6801,20 @@
               <a:spcBef>
                 <a:spcPct val="0"/>
               </a:spcBef>
-              <a:buFont typeface="Arial" panose="020B0604020202020204" pitchFamily="34" charset="0"/>
-              <a:buChar char="•"/>
-            </a:pPr>
-            <a:r>
-              <a:rPr lang="en-US" sz="1600" b="1" dirty="0" smtClean="0">
+              <a:buFont typeface="Arial" charset="0"/>
+              <a:buBlip>
+                <a:blip r:embed="rId3"/>
+              </a:buBlip>
+            </a:pPr>
+            <a:r>
+              <a:rPr lang="en-US" sz="1600" b="1" smtClean="0">
                 <a:latin typeface="Calibri Light" pitchFamily="34" charset="0"/>
-                <a:cs typeface="Calibri Light" pitchFamily="34" charset="0"/>
               </a:rPr>
               <a:t>We are able to do more and deliver to a greater audience. </a:t>
             </a:r>
             <a:r>
-              <a:rPr lang="en-US" sz="1800" b="1" dirty="0" smtClean="0">
+              <a:rPr lang="en-US" sz="1800" b="1" smtClean="0">
                 <a:latin typeface="Calibri Light" pitchFamily="34" charset="0"/>
-                <a:cs typeface="Calibri Light" pitchFamily="34" charset="0"/>
               </a:rPr>
               <a:t> </a:t>
             </a:r>
@@ -6932,9 +6831,8 @@
               <a:buChar char="•"/>
             </a:pPr>
             <a:r>
-              <a:rPr lang="en-US" sz="2000" b="1" dirty="0" smtClean="0">
+              <a:rPr lang="en-US" sz="2000" b="1" smtClean="0">
                 <a:latin typeface="Calibri Light" pitchFamily="34" charset="0"/>
-                <a:cs typeface="Calibri Light" pitchFamily="34" charset="0"/>
               </a:rPr>
               <a:t>To scale as projected </a:t>
             </a:r>
@@ -6951,19 +6849,17 @@
               <a:buChar char="•"/>
             </a:pPr>
             <a:r>
-              <a:rPr lang="en-US" sz="1600" b="1" dirty="0" smtClean="0">
+              <a:rPr lang="en-US" sz="1600" b="1" smtClean="0">
                 <a:latin typeface="Calibri Light" pitchFamily="34" charset="0"/>
-                <a:cs typeface="Calibri Light" pitchFamily="34" charset="0"/>
               </a:rPr>
               <a:t>we have to change how we develop tests   </a:t>
             </a:r>
             <a:r>
-              <a:rPr lang="en-US" sz="1000" b="1" dirty="0" smtClean="0">
+              <a:rPr lang="en-US" sz="1000" b="1" smtClean="0">
                 <a:solidFill>
                   <a:srgbClr val="A6A6A6"/>
                 </a:solidFill>
                 <a:latin typeface="Calibri Light" pitchFamily="34" charset="0"/>
-                <a:cs typeface="Calibri Light" pitchFamily="34" charset="0"/>
               </a:rPr>
               <a:t> </a:t>
             </a:r>
@@ -6980,18 +6876,16 @@
               <a:buChar char="•"/>
             </a:pPr>
             <a:r>
-              <a:rPr lang="en-US" sz="1600" b="1" dirty="0" smtClean="0">
+              <a:rPr lang="en-US" sz="1600" b="1" smtClean="0">
                 <a:latin typeface="Calibri Light" pitchFamily="34" charset="0"/>
-                <a:cs typeface="Calibri Light" pitchFamily="34" charset="0"/>
               </a:rPr>
               <a:t>we have changed how we select &amp; control execution  </a:t>
             </a:r>
-            <a:endParaRPr lang="en-US" sz="1000" b="1" dirty="0" smtClean="0">
+            <a:endParaRPr lang="en-US" sz="1000" b="1" smtClean="0">
               <a:solidFill>
                 <a:srgbClr val="A6A6A6"/>
               </a:solidFill>
               <a:latin typeface="Calibri Light" pitchFamily="34" charset="0"/>
-              <a:cs typeface="Calibri Light" pitchFamily="34" charset="0"/>
             </a:endParaRPr>
           </a:p>
           <a:p>
@@ -7006,18 +6900,16 @@
               <a:buNone/>
             </a:pPr>
             <a:r>
-              <a:rPr lang="en-US" sz="200" b="1" dirty="0" smtClean="0">
+              <a:rPr lang="en-US" sz="200" b="1" smtClean="0">
                 <a:solidFill>
                   <a:srgbClr val="A6A6A6"/>
                 </a:solidFill>
                 <a:latin typeface="Calibri Light" pitchFamily="34" charset="0"/>
-                <a:cs typeface="Calibri Light" pitchFamily="34" charset="0"/>
               </a:rPr>
               <a:t>   </a:t>
             </a:r>
-            <a:endParaRPr lang="en-US" sz="700" b="1" dirty="0" smtClean="0">
+            <a:endParaRPr lang="en-US" sz="700" b="1" smtClean="0">
               <a:latin typeface="Calibri Light" pitchFamily="34" charset="0"/>
-              <a:cs typeface="Calibri Light" pitchFamily="34" charset="0"/>
             </a:endParaRPr>
           </a:p>
           <a:p>
@@ -7032,9 +6924,8 @@
               <a:buChar char="•"/>
             </a:pPr>
             <a:r>
-              <a:rPr lang="en-US" sz="2000" b="1" dirty="0" smtClean="0">
+              <a:rPr lang="en-US" sz="2000" b="1" smtClean="0">
                 <a:latin typeface="Calibri Light" pitchFamily="34" charset="0"/>
-                <a:cs typeface="Calibri Light" pitchFamily="34" charset="0"/>
               </a:rPr>
               <a:t>Massive reduction in the number of hours  Manual VS Automated</a:t>
             </a:r>
@@ -7050,9 +6941,8 @@
               <a:buFontTx/>
               <a:buNone/>
             </a:pPr>
-            <a:endParaRPr lang="en-US" sz="1800" dirty="0" smtClean="0">
+            <a:endParaRPr lang="en-US" sz="1800" smtClean="0">
               <a:latin typeface="Calibri Light" pitchFamily="34" charset="0"/>
-              <a:cs typeface="Calibri Light" pitchFamily="34" charset="0"/>
             </a:endParaRPr>
           </a:p>
           <a:p>
@@ -7066,9 +6956,8 @@
               <a:buFont typeface="Arial" charset="0"/>
               <a:buChar char="•"/>
             </a:pPr>
-            <a:endParaRPr lang="en-US" sz="1800" dirty="0" smtClean="0">
+            <a:endParaRPr lang="en-US" sz="1800" smtClean="0">
               <a:latin typeface="Calibri Light" pitchFamily="34" charset="0"/>
-              <a:cs typeface="Calibri Light" pitchFamily="34" charset="0"/>
             </a:endParaRPr>
           </a:p>
           <a:p>
@@ -7077,9 +6966,8 @@
                 <a:spcPct val="70000"/>
               </a:lnSpc>
             </a:pPr>
-            <a:endParaRPr lang="en-US" sz="2000" dirty="0" smtClean="0">
+            <a:endParaRPr lang="en-US" sz="2000" smtClean="0">
               <a:latin typeface="Calibri Light" pitchFamily="34" charset="0"/>
-              <a:cs typeface="Calibri Light" pitchFamily="34" charset="0"/>
             </a:endParaRPr>
           </a:p>
         </p:txBody>
@@ -7314,22 +7202,10 @@
           <a:lstStyle/>
           <a:p>
             <a:r>
-              <a:rPr lang="en-US" dirty="0">
+              <a:rPr lang="en-US">
                 <a:latin typeface="Calibri" pitchFamily="34" charset="0"/>
               </a:rPr>
-              <a:t>A collection of </a:t>
-            </a:r>
-            <a:r>
-              <a:rPr lang="en-US" dirty="0" smtClean="0">
-                <a:latin typeface="Calibri" pitchFamily="34" charset="0"/>
-              </a:rPr>
-              <a:t>Manual Test </a:t>
-            </a:r>
-            <a:r>
-              <a:rPr lang="en-US" dirty="0">
-                <a:latin typeface="Calibri" pitchFamily="34" charset="0"/>
-              </a:rPr>
-              <a:t>Cases </a:t>
+              <a:t>A collection of Manual Test Cases </a:t>
             </a:r>
           </a:p>
         </p:txBody>
@@ -7345,7 +7221,7 @@
         <p:spPr bwMode="auto">
           <a:xfrm>
             <a:off x="852488" y="5116513"/>
-            <a:ext cx="5548312" cy="369332"/>
+            <a:ext cx="5548312" cy="369887"/>
           </a:xfrm>
           <a:prstGeom prst="rect">
             <a:avLst/>
@@ -7365,84 +7241,76 @@
           <a:lstStyle/>
           <a:p>
             <a:r>
-              <a:rPr lang="en-US" dirty="0">
+              <a:rPr lang="en-US">
                 <a:latin typeface="Calibri" pitchFamily="34" charset="0"/>
               </a:rPr>
-              <a:t>A similar collection </a:t>
-            </a:r>
-            <a:r>
-              <a:rPr lang="en-US" dirty="0" smtClean="0">
-                <a:latin typeface="Calibri" pitchFamily="34" charset="0"/>
-              </a:rPr>
-              <a:t>of Automated Test </a:t>
-            </a:r>
-            <a:r>
-              <a:rPr lang="en-US" dirty="0">
-                <a:latin typeface="Calibri" pitchFamily="34" charset="0"/>
-              </a:rPr>
-              <a:t>Cases </a:t>
+              <a:t>A similar collection of Automated Test Cases </a:t>
             </a:r>
           </a:p>
         </p:txBody>
       </p:sp>
       <p:pic>
         <p:nvPicPr>
-          <p:cNvPr id="2" name="Picture 1"/>
+          <p:cNvPr id="12296" name="Picture 1"/>
           <p:cNvPicPr>
             <a:picLocks noChangeAspect="1"/>
           </p:cNvPicPr>
           <p:nvPr/>
         </p:nvPicPr>
         <p:blipFill>
-          <a:blip r:embed="rId3">
-            <a:extLst>
-              <a:ext uri="{28A0092B-C50C-407E-A947-70E740481C1C}">
-                <a14:useLocalDpi xmlns:a14="http://schemas.microsoft.com/office/drawing/2010/main" val="0"/>
-              </a:ext>
-            </a:extLst>
-          </a:blip>
+          <a:blip r:embed="rId4"/>
+          <a:srcRect/>
           <a:stretch>
             <a:fillRect/>
           </a:stretch>
         </p:blipFill>
-        <p:spPr>
+        <p:spPr bwMode="auto">
           <a:xfrm>
-            <a:off x="852489" y="3596790"/>
-            <a:ext cx="5948520" cy="1316136"/>
+            <a:off x="852488" y="3597275"/>
+            <a:ext cx="5948362" cy="1316038"/>
           </a:xfrm>
           <a:prstGeom prst="rect">
             <a:avLst/>
           </a:prstGeom>
+          <a:noFill/>
+          <a:ln w="9525">
+            <a:noFill/>
+            <a:miter lim="800000"/>
+            <a:headEnd/>
+            <a:tailEnd/>
+          </a:ln>
         </p:spPr>
       </p:pic>
       <p:pic>
         <p:nvPicPr>
-          <p:cNvPr id="7" name="Picture 6"/>
+          <p:cNvPr id="12297" name="Picture 6"/>
           <p:cNvPicPr>
             <a:picLocks noChangeAspect="1"/>
           </p:cNvPicPr>
           <p:nvPr/>
         </p:nvPicPr>
         <p:blipFill>
-          <a:blip r:embed="rId4">
-            <a:extLst>
-              <a:ext uri="{28A0092B-C50C-407E-A947-70E740481C1C}">
-                <a14:useLocalDpi xmlns:a14="http://schemas.microsoft.com/office/drawing/2010/main" val="0"/>
-              </a:ext>
-            </a:extLst>
-          </a:blip>
+          <a:blip r:embed="rId5"/>
+          <a:srcRect/>
           <a:stretch>
             <a:fillRect/>
           </a:stretch>
         </p:blipFill>
-        <p:spPr>
+        <p:spPr bwMode="auto">
           <a:xfrm>
-            <a:off x="852489" y="5472043"/>
-            <a:ext cx="5948520" cy="1313847"/>
+            <a:off x="852488" y="5472113"/>
+            <a:ext cx="5948362" cy="1314450"/>
           </a:xfrm>
           <a:prstGeom prst="rect">
             <a:avLst/>
           </a:prstGeom>
+          <a:noFill/>
+          <a:ln w="9525">
+            <a:noFill/>
+            <a:miter lim="800000"/>
+            <a:headEnd/>
+            <a:tailEnd/>
+          </a:ln>
         </p:spPr>
       </p:pic>
     </p:spTree>
@@ -8046,7 +7914,7 @@
       </p:grpSpPr>
       <p:sp>
         <p:nvSpPr>
-          <p:cNvPr id="24577" name="Title 1"/>
+          <p:cNvPr id="15361" name="Title 1"/>
           <p:cNvSpPr>
             <a:spLocks noGrp="1"/>
           </p:cNvSpPr>
@@ -8056,8 +7924,8 @@
         </p:nvSpPr>
         <p:spPr>
           <a:xfrm>
-            <a:off x="497712" y="115888"/>
-            <a:ext cx="8542116" cy="957262"/>
+            <a:off x="498475" y="115888"/>
+            <a:ext cx="8540750" cy="957262"/>
           </a:xfrm>
         </p:spPr>
         <p:txBody>
@@ -8066,9 +7934,8 @@
           <a:p>
             <a:pPr algn="ctr" eaLnBrk="1" hangingPunct="1"/>
             <a:r>
-              <a:rPr lang="en-US" sz="4500" dirty="0" smtClean="0">
+              <a:rPr lang="en-US" sz="4500" smtClean="0">
                 <a:latin typeface="Calibri Light" pitchFamily="34" charset="0"/>
-                <a:cs typeface="Calibri Light" pitchFamily="34" charset="0"/>
               </a:rPr>
               <a:t>ARCHITECTURAL TECH STACK</a:t>
             </a:r>
@@ -8077,7 +7944,7 @@
       </p:sp>
       <p:pic>
         <p:nvPicPr>
-          <p:cNvPr id="24578" name="Picture 9">
+          <p:cNvPr id="15362" name="Picture 9">
             <a:hlinkClick r:id="rId2" action="ppaction://hlinksldjump"/>
           </p:cNvPr>
           <p:cNvPicPr>
@@ -8111,7 +7978,7 @@
       </p:pic>
       <p:sp>
         <p:nvSpPr>
-          <p:cNvPr id="24579" name="Title 1"/>
+          <p:cNvPr id="15363" name="Title 1"/>
           <p:cNvSpPr txBox="1">
             <a:spLocks/>
           </p:cNvSpPr>
@@ -9001,6 +8868,7 @@
               <a:spcAft>
                 <a:spcPts val="0"/>
               </a:spcAft>
+              <a:buFontTx/>
               <a:buNone/>
               <a:defRPr/>
             </a:pPr>
@@ -9531,7 +9399,7 @@
       </p:sp>
       <p:sp>
         <p:nvSpPr>
-          <p:cNvPr id="20482" name="Title 7"/>
+          <p:cNvPr id="18434" name="Title 7"/>
           <p:cNvSpPr>
             <a:spLocks noGrp="1"/>
           </p:cNvSpPr>
@@ -9551,28 +9419,24 @@
           <a:p>
             <a:pPr algn="ctr" eaLnBrk="1" hangingPunct="1"/>
             <a:r>
-              <a:rPr lang="en-US" dirty="0" smtClean="0">
+              <a:rPr lang="en-US" smtClean="0">
                 <a:latin typeface="Calibri Light" pitchFamily="34" charset="0"/>
-                <a:cs typeface="Calibri Light" pitchFamily="34" charset="0"/>
               </a:rPr>
               <a:t>TEST CASES NUMBERS</a:t>
             </a:r>
             <a:br>
-              <a:rPr lang="en-US" dirty="0" smtClean="0">
+              <a:rPr lang="en-US" smtClean="0">
                 <a:latin typeface="Calibri Light" pitchFamily="34" charset="0"/>
-                <a:cs typeface="Calibri Light" pitchFamily="34" charset="0"/>
               </a:rPr>
             </a:br>
             <a:r>
-              <a:rPr lang="en-US" sz="4000" dirty="0" smtClean="0">
+              <a:rPr lang="en-US" sz="4000" smtClean="0">
                 <a:latin typeface="Calibri Light" pitchFamily="34" charset="0"/>
-                <a:cs typeface="Calibri Light" pitchFamily="34" charset="0"/>
               </a:rPr>
               <a:t>Market Place</a:t>
             </a:r>
-            <a:endParaRPr lang="en-US" dirty="0" smtClean="0">
+            <a:endParaRPr lang="en-US" smtClean="0">
               <a:latin typeface="Calibri Light" pitchFamily="34" charset="0"/>
-              <a:cs typeface="Calibri Light" pitchFamily="34" charset="0"/>
             </a:endParaRPr>
           </a:p>
         </p:txBody>
@@ -9587,8 +9451,8 @@
         </p:nvSpPr>
         <p:spPr bwMode="auto">
           <a:xfrm>
-            <a:off x="274320" y="1735202"/>
-            <a:ext cx="8869680" cy="5139869"/>
+            <a:off x="274638" y="1735138"/>
+            <a:ext cx="8869362" cy="5083175"/>
           </a:xfrm>
           <a:prstGeom prst="rect">
             <a:avLst/>
@@ -9602,392 +9466,180 @@
           </a:ln>
         </p:spPr>
         <p:txBody>
-          <a:bodyPr wrap="square">
+          <a:bodyPr>
             <a:spAutoFit/>
           </a:bodyPr>
           <a:lstStyle/>
           <a:p>
             <a:pPr marL="342900" indent="-342900">
-              <a:buFont typeface="Arial" panose="020B0604020202020204" pitchFamily="34" charset="0"/>
-              <a:buChar char="•"/>
-            </a:pPr>
-            <a:r>
-              <a:rPr lang="en-US" sz="2000" dirty="0">
+              <a:buFont typeface="Arial" charset="0"/>
+              <a:buChar char="•"/>
+            </a:pPr>
+            <a:r>
+              <a:rPr lang="en-US" sz="2000">
                 <a:latin typeface="Calibri" pitchFamily="34" charset="0"/>
               </a:rPr>
-              <a:t>Test case </a:t>
-            </a:r>
-            <a:r>
-              <a:rPr lang="en-US" sz="2000" dirty="0" smtClean="0">
-                <a:latin typeface="Calibri" pitchFamily="34" charset="0"/>
-              </a:rPr>
-              <a:t>results </a:t>
-            </a:r>
-            <a:r>
-              <a:rPr lang="en-US" sz="2000" dirty="0">
-                <a:latin typeface="Calibri" pitchFamily="34" charset="0"/>
-              </a:rPr>
-              <a:t>are </a:t>
-            </a:r>
-            <a:r>
-              <a:rPr lang="en-US" sz="2000" dirty="0" smtClean="0">
-                <a:latin typeface="Calibri" pitchFamily="34" charset="0"/>
-              </a:rPr>
-              <a:t>the result </a:t>
-            </a:r>
-            <a:r>
-              <a:rPr lang="en-US" sz="2000" dirty="0" smtClean="0">
-                <a:latin typeface="Calibri" pitchFamily="34" charset="0"/>
-              </a:rPr>
-              <a:t>of </a:t>
-            </a:r>
-            <a:r>
-              <a:rPr lang="en-US" sz="2000" dirty="0" smtClean="0">
-                <a:latin typeface="Calibri" pitchFamily="34" charset="0"/>
-              </a:rPr>
-              <a:t>functional test </a:t>
-            </a:r>
-            <a:r>
-              <a:rPr lang="en-US" sz="2000" dirty="0" smtClean="0">
-                <a:latin typeface="Calibri" pitchFamily="34" charset="0"/>
-              </a:rPr>
-              <a:t>written                                                  for a product   </a:t>
-            </a:r>
-            <a:r>
-              <a:rPr lang="en-US" sz="2000" dirty="0" smtClean="0">
-                <a:latin typeface="Calibri" pitchFamily="34" charset="0"/>
-              </a:rPr>
-              <a:t>X </a:t>
-            </a:r>
-            <a:r>
-              <a:rPr lang="en-US" sz="2000" dirty="0" smtClean="0">
-                <a:latin typeface="Calibri" pitchFamily="34" charset="0"/>
-              </a:rPr>
-              <a:t>  </a:t>
-            </a:r>
-            <a:r>
-              <a:rPr lang="en-US" sz="2000" dirty="0" smtClean="0">
-                <a:latin typeface="Calibri" pitchFamily="34" charset="0"/>
-              </a:rPr>
-              <a:t>data points tested </a:t>
-            </a:r>
-            <a:r>
-              <a:rPr lang="en-US" sz="2000" dirty="0" smtClean="0">
-                <a:latin typeface="Calibri" pitchFamily="34" charset="0"/>
-              </a:rPr>
-              <a:t>against   X    </a:t>
-            </a:r>
-            <a:r>
-              <a:rPr lang="en-US" sz="2000" dirty="0" smtClean="0">
-                <a:latin typeface="Calibri" pitchFamily="34" charset="0"/>
-              </a:rPr>
-              <a:t>States Tested in</a:t>
-            </a:r>
-          </a:p>
-          <a:p>
-            <a:endParaRPr lang="en-US" sz="2000" dirty="0">
+              <a:t>Test case results are the result of functional test written                                                  for a product   X   data points tested against   X    States Tested in</a:t>
+            </a:r>
+          </a:p>
+          <a:p>
+            <a:pPr marL="342900" indent="-342900"/>
+            <a:endParaRPr lang="en-US" sz="2000">
               <a:latin typeface="Calibri" pitchFamily="34" charset="0"/>
             </a:endParaRPr>
           </a:p>
           <a:p>
             <a:pPr marL="342900" indent="-342900">
-              <a:buFont typeface="Arial" panose="020B0604020202020204" pitchFamily="34" charset="0"/>
-              <a:buChar char="•"/>
-            </a:pPr>
-            <a:r>
-              <a:rPr lang="en-US" sz="1400" b="1" dirty="0" smtClean="0">
+              <a:buFont typeface="Arial" charset="0"/>
+              <a:buChar char="•"/>
+            </a:pPr>
+            <a:r>
+              <a:rPr lang="en-US" sz="1400" b="1">
                 <a:latin typeface="Calibri" pitchFamily="34" charset="0"/>
               </a:rPr>
               <a:t>Phase 0</a:t>
             </a:r>
             <a:r>
-              <a:rPr lang="en-US" sz="1400" dirty="0" smtClean="0">
+              <a:rPr lang="en-US" sz="1400">
                 <a:latin typeface="Calibri" pitchFamily="34" charset="0"/>
               </a:rPr>
-              <a:t> contains 4 products with </a:t>
-            </a:r>
-            <a:r>
-              <a:rPr lang="en-US" sz="1400" dirty="0" smtClean="0">
+              <a:t> contains 4 products (555, 666, 234, 456) with total  of 1873 functional tests written.                                                                              Factoring test data point into the calculation,                                                                                                                                 </a:t>
+            </a:r>
+            <a:r>
+              <a:rPr lang="en-US" sz="2000">
                 <a:latin typeface="Calibri" pitchFamily="34" charset="0"/>
               </a:rPr>
-              <a:t>total  of 1873 </a:t>
-            </a:r>
-            <a:r>
-              <a:rPr lang="en-US" sz="1400" dirty="0" smtClean="0">
+              <a:t>4 Products tested in 5 states totals </a:t>
+            </a:r>
+            <a:r>
+              <a:rPr lang="en-US" sz="2400">
                 <a:latin typeface="Calibri" pitchFamily="34" charset="0"/>
               </a:rPr>
-              <a:t>functional tests written.                                                                              Factoring test data point into the calculation,                                                                                                                                </a:t>
-            </a:r>
-            <a:r>
-              <a:rPr lang="en-US" sz="1400" dirty="0" smtClean="0">
-                <a:latin typeface="Calibri" pitchFamily="34" charset="0"/>
-              </a:rPr>
-              <a:t> </a:t>
-            </a:r>
-            <a:r>
-              <a:rPr lang="en-US" sz="2000" dirty="0" smtClean="0">
-                <a:latin typeface="Calibri" pitchFamily="34" charset="0"/>
-              </a:rPr>
-              <a:t>4 Products tested in 5 states totals </a:t>
-            </a:r>
-            <a:r>
-              <a:rPr lang="en-US" sz="2400" dirty="0" smtClean="0">
-                <a:latin typeface="Calibri" pitchFamily="34" charset="0"/>
-              </a:rPr>
               <a:t>10125 tests</a:t>
             </a:r>
-            <a:endParaRPr lang="en-US" dirty="0" smtClean="0">
+            <a:endParaRPr lang="en-US">
               <a:latin typeface="Calibri" pitchFamily="34" charset="0"/>
             </a:endParaRPr>
           </a:p>
           <a:p>
             <a:pPr marL="342900" indent="-342900">
-              <a:buFont typeface="Arial" panose="020B0604020202020204" pitchFamily="34" charset="0"/>
-              <a:buChar char="•"/>
-            </a:pPr>
-            <a:endParaRPr lang="en-US" sz="2000" dirty="0">
+              <a:buFont typeface="Arial" charset="0"/>
+              <a:buChar char="•"/>
+            </a:pPr>
+            <a:endParaRPr lang="en-US" sz="2000">
               <a:latin typeface="Calibri" pitchFamily="34" charset="0"/>
             </a:endParaRPr>
           </a:p>
           <a:p>
             <a:pPr marL="342900" indent="-342900">
-              <a:buFont typeface="Arial" panose="020B0604020202020204" pitchFamily="34" charset="0"/>
-              <a:buChar char="•"/>
-            </a:pPr>
-            <a:r>
-              <a:rPr lang="en-US" sz="1400" b="1" dirty="0" smtClean="0">
+              <a:buFont typeface="Arial" charset="0"/>
+              <a:buChar char="•"/>
+            </a:pPr>
+            <a:r>
+              <a:rPr lang="en-US" sz="1400" b="1">
                 <a:latin typeface="Calibri" pitchFamily="34" charset="0"/>
               </a:rPr>
               <a:t>Phase 1 </a:t>
             </a:r>
             <a:r>
-              <a:rPr lang="en-US" sz="1400" dirty="0" smtClean="0">
+              <a:rPr lang="en-US" sz="1400">
                 <a:latin typeface="Calibri" pitchFamily="34" charset="0"/>
               </a:rPr>
-              <a:t>contains 2 </a:t>
-            </a:r>
-            <a:r>
-              <a:rPr lang="en-US" sz="1400" dirty="0">
+              <a:t>contains 2 products with total  of 819 functional tests written.                                                                                  Factoring test data point into the calculation,                                                                                                                                       </a:t>
+            </a:r>
+            <a:r>
+              <a:rPr lang="en-US" sz="2000">
                 <a:latin typeface="Calibri" pitchFamily="34" charset="0"/>
               </a:rPr>
-              <a:t>products with total  of </a:t>
-            </a:r>
-            <a:r>
-              <a:rPr lang="en-US" sz="1400" dirty="0" smtClean="0">
+              <a:t>2 Products tested in 8 States totals </a:t>
+            </a:r>
+            <a:r>
+              <a:rPr lang="en-US" sz="2400">
                 <a:latin typeface="Calibri" pitchFamily="34" charset="0"/>
               </a:rPr>
-              <a:t>819 functional </a:t>
-            </a:r>
-            <a:r>
-              <a:rPr lang="en-US" sz="1400" dirty="0">
-                <a:latin typeface="Calibri" pitchFamily="34" charset="0"/>
-              </a:rPr>
-              <a:t>tests written.                                </a:t>
-            </a:r>
-            <a:r>
-              <a:rPr lang="en-US" sz="1400" dirty="0" smtClean="0">
-                <a:latin typeface="Calibri" pitchFamily="34" charset="0"/>
-              </a:rPr>
-              <a:t>                                                  </a:t>
-            </a:r>
-            <a:r>
-              <a:rPr lang="en-US" sz="1400" dirty="0">
-                <a:latin typeface="Calibri" pitchFamily="34" charset="0"/>
-              </a:rPr>
-              <a:t>Factoring test data point into the calculation, </a:t>
-            </a:r>
-            <a:r>
-              <a:rPr lang="en-US" sz="1400" dirty="0" smtClean="0">
-                <a:latin typeface="Calibri" pitchFamily="34" charset="0"/>
-              </a:rPr>
-              <a:t>                                                                                                                                      </a:t>
-            </a:r>
-            <a:r>
-              <a:rPr lang="en-US" sz="2000" dirty="0" smtClean="0">
-                <a:latin typeface="Calibri" pitchFamily="34" charset="0"/>
-              </a:rPr>
-              <a:t>2 Products tested in 8 States totals </a:t>
-            </a:r>
-            <a:r>
-              <a:rPr lang="en-US" sz="2400" dirty="0" smtClean="0">
-                <a:latin typeface="Calibri" pitchFamily="34" charset="0"/>
-              </a:rPr>
-              <a:t>4394 </a:t>
-            </a:r>
-            <a:r>
-              <a:rPr lang="en-US" sz="2400" dirty="0">
-                <a:latin typeface="Calibri" pitchFamily="34" charset="0"/>
-              </a:rPr>
-              <a:t>tests</a:t>
+              <a:t>4394 tests</a:t>
             </a:r>
           </a:p>
           <a:p>
             <a:pPr marL="342900" indent="-342900">
-              <a:buFont typeface="Arial" panose="020B0604020202020204" pitchFamily="34" charset="0"/>
-              <a:buChar char="•"/>
-            </a:pPr>
-            <a:endParaRPr lang="en-US" sz="2000" dirty="0">
+              <a:buFont typeface="Arial" charset="0"/>
+              <a:buChar char="•"/>
+            </a:pPr>
+            <a:endParaRPr lang="en-US" sz="2000">
               <a:latin typeface="Calibri" pitchFamily="34" charset="0"/>
             </a:endParaRPr>
           </a:p>
           <a:p>
             <a:pPr marL="342900" indent="-342900">
-              <a:buFont typeface="Arial" panose="020B0604020202020204" pitchFamily="34" charset="0"/>
-              <a:buChar char="•"/>
-            </a:pPr>
-            <a:r>
-              <a:rPr lang="en-US" sz="1400" b="1" dirty="0" smtClean="0">
+              <a:buFont typeface="Arial" charset="0"/>
+              <a:buChar char="•"/>
+            </a:pPr>
+            <a:r>
+              <a:rPr lang="en-US" sz="1400" b="1">
                 <a:latin typeface="Calibri" pitchFamily="34" charset="0"/>
               </a:rPr>
-              <a:t>Phase </a:t>
-            </a:r>
-            <a:r>
-              <a:rPr lang="en-US" sz="1400" b="1" dirty="0" smtClean="0">
+              <a:t>Phase 2 </a:t>
+            </a:r>
+            <a:r>
+              <a:rPr lang="en-US" sz="1400">
                 <a:latin typeface="Calibri" pitchFamily="34" charset="0"/>
               </a:rPr>
-              <a:t>2 </a:t>
-            </a:r>
-            <a:r>
-              <a:rPr lang="en-US" sz="1400" dirty="0" smtClean="0">
+              <a:t>contains 1 products with total  of 471 functional tests written.                                                                                  Factoring test data point into the calculation,                                                                                                                                                </a:t>
+            </a:r>
+            <a:r>
+              <a:rPr lang="en-US" sz="2000">
                 <a:latin typeface="Calibri" pitchFamily="34" charset="0"/>
               </a:rPr>
-              <a:t>contains 1 </a:t>
-            </a:r>
-            <a:r>
-              <a:rPr lang="en-US" sz="1400" dirty="0">
+              <a:t>1 Product tested in 7 States totals </a:t>
+            </a:r>
+            <a:r>
+              <a:rPr lang="en-US" sz="2400">
                 <a:latin typeface="Calibri" pitchFamily="34" charset="0"/>
               </a:rPr>
-              <a:t>products with total  of </a:t>
-            </a:r>
-            <a:r>
-              <a:rPr lang="en-US" sz="1400" dirty="0" smtClean="0">
-                <a:latin typeface="Calibri" pitchFamily="34" charset="0"/>
-              </a:rPr>
-              <a:t>471 functional </a:t>
-            </a:r>
-            <a:r>
-              <a:rPr lang="en-US" sz="1400" dirty="0">
-                <a:latin typeface="Calibri" pitchFamily="34" charset="0"/>
-              </a:rPr>
-              <a:t>tests written.                                                                                  Factoring test data point into the calculation, </a:t>
-            </a:r>
-            <a:r>
-              <a:rPr lang="en-US" sz="1400" dirty="0" smtClean="0">
-                <a:latin typeface="Calibri" pitchFamily="34" charset="0"/>
-              </a:rPr>
-              <a:t> </a:t>
-            </a:r>
-            <a:r>
-              <a:rPr lang="en-US" sz="1400" dirty="0" smtClean="0">
-                <a:latin typeface="Calibri" pitchFamily="34" charset="0"/>
-              </a:rPr>
-              <a:t>                                                                                                                                              </a:t>
-            </a:r>
-            <a:r>
-              <a:rPr lang="en-US" sz="2000" dirty="0" smtClean="0">
-                <a:latin typeface="Calibri" pitchFamily="34" charset="0"/>
-              </a:rPr>
-              <a:t>1 </a:t>
-            </a:r>
-            <a:r>
-              <a:rPr lang="en-US" sz="2000" dirty="0" smtClean="0">
-                <a:latin typeface="Calibri" pitchFamily="34" charset="0"/>
-              </a:rPr>
-              <a:t>Product tested in 7 States totals </a:t>
-            </a:r>
-            <a:r>
-              <a:rPr lang="en-US" sz="2400" dirty="0" smtClean="0">
-                <a:latin typeface="Calibri" pitchFamily="34" charset="0"/>
-              </a:rPr>
               <a:t>3234 tests</a:t>
             </a:r>
-            <a:endParaRPr lang="en-US" sz="2000" dirty="0" smtClean="0">
+            <a:endParaRPr lang="en-US" sz="2000">
               <a:latin typeface="Calibri" pitchFamily="34" charset="0"/>
             </a:endParaRPr>
           </a:p>
           <a:p>
             <a:pPr marL="342900" indent="-342900">
-              <a:buFont typeface="Arial" panose="020B0604020202020204" pitchFamily="34" charset="0"/>
-              <a:buChar char="•"/>
-            </a:pPr>
-            <a:endParaRPr lang="en-US" sz="2000" dirty="0">
+              <a:buFont typeface="Arial" charset="0"/>
+              <a:buChar char="•"/>
+            </a:pPr>
+            <a:endParaRPr lang="en-US" sz="2000">
               <a:latin typeface="Calibri" pitchFamily="34" charset="0"/>
             </a:endParaRPr>
           </a:p>
           <a:p>
             <a:pPr marL="342900" indent="-342900">
-              <a:buFont typeface="Arial" panose="020B0604020202020204" pitchFamily="34" charset="0"/>
-              <a:buChar char="•"/>
-            </a:pPr>
-            <a:r>
-              <a:rPr lang="en-US" sz="1400" b="1" dirty="0" smtClean="0">
+              <a:buFont typeface="Arial" charset="0"/>
+              <a:buChar char="•"/>
+            </a:pPr>
+            <a:r>
+              <a:rPr lang="en-US" sz="1400" b="1">
                 <a:latin typeface="Calibri" pitchFamily="34" charset="0"/>
               </a:rPr>
               <a:t>Phase 3 </a:t>
             </a:r>
             <a:r>
-              <a:rPr lang="en-US" sz="1400" dirty="0" smtClean="0">
+              <a:rPr lang="en-US" sz="1400">
                 <a:latin typeface="Calibri" pitchFamily="34" charset="0"/>
               </a:rPr>
-              <a:t>contains 1 </a:t>
-            </a:r>
-            <a:r>
-              <a:rPr lang="en-US" sz="1400" dirty="0">
+              <a:t>contains 1 products with total  of 471 functional tests written.                                                                                  Factoring test data point into the calculation,                                                                                                                               </a:t>
+            </a:r>
+            <a:r>
+              <a:rPr lang="en-US" sz="2000">
                 <a:latin typeface="Calibri" pitchFamily="34" charset="0"/>
               </a:rPr>
-              <a:t>products with total  of </a:t>
-            </a:r>
-            <a:r>
-              <a:rPr lang="en-US" sz="1400" dirty="0" smtClean="0">
+              <a:t>1 Product tested in 7 States totals </a:t>
+            </a:r>
+            <a:r>
+              <a:rPr lang="en-US" sz="2400">
                 <a:latin typeface="Calibri" pitchFamily="34" charset="0"/>
               </a:rPr>
-              <a:t>471 functional </a:t>
-            </a:r>
-            <a:r>
-              <a:rPr lang="en-US" sz="1400" dirty="0">
-                <a:latin typeface="Calibri" pitchFamily="34" charset="0"/>
-              </a:rPr>
-              <a:t>tests written.                                                                                  Factoring test data point into the calculation, </a:t>
-            </a:r>
-            <a:r>
-              <a:rPr lang="en-US" sz="1400" dirty="0">
-                <a:latin typeface="Calibri" pitchFamily="34" charset="0"/>
-              </a:rPr>
-              <a:t> </a:t>
-            </a:r>
-            <a:r>
-              <a:rPr lang="en-US" sz="1400" dirty="0" smtClean="0">
-                <a:latin typeface="Calibri" pitchFamily="34" charset="0"/>
-              </a:rPr>
-              <a:t>                                                                                                                             </a:t>
-            </a:r>
-            <a:r>
-              <a:rPr lang="en-US" sz="2000" dirty="0" smtClean="0">
-                <a:latin typeface="Calibri" pitchFamily="34" charset="0"/>
-              </a:rPr>
-              <a:t>1 </a:t>
-            </a:r>
-            <a:r>
-              <a:rPr lang="en-US" sz="2000" dirty="0">
-                <a:latin typeface="Calibri" pitchFamily="34" charset="0"/>
-              </a:rPr>
-              <a:t>Product tested in 7 States totals </a:t>
-            </a:r>
-            <a:r>
-              <a:rPr lang="en-US" sz="2400" dirty="0">
-                <a:latin typeface="Calibri" pitchFamily="34" charset="0"/>
-              </a:rPr>
-              <a:t>3234 </a:t>
-            </a:r>
-            <a:r>
-              <a:rPr lang="en-US" sz="2400" dirty="0" smtClean="0">
-                <a:latin typeface="Calibri" pitchFamily="34" charset="0"/>
-              </a:rPr>
-              <a:t>tests</a:t>
-            </a:r>
-            <a:endParaRPr lang="en-US" sz="2400" dirty="0">
-              <a:latin typeface="Calibri" pitchFamily="34" charset="0"/>
-            </a:endParaRPr>
+              <a:t>3234 tests</a:t>
+            </a:r>
           </a:p>
         </p:txBody>
       </p:sp>
@@ -10325,7 +9977,7 @@
   <a:extraClrSchemeLst/>
   <a:extLst>
     <a:ext uri="{05A4C25C-085E-4340-85A3-A5531E510DB2}">
-      <thm15:themeFamily xmlns:thm15="http://schemas.microsoft.com/office/thememl/2012/main" name="Presentation2" id="{E033CE4F-DAC9-4DC1-B085-D07FC0345DDB}" vid="{0783260F-4856-4ED7-B8E5-5C83CC1572CF}"/>
+      <thm15:themeFamily xmlns="" xmlns:thm15="http://schemas.microsoft.com/office/thememl/2012/main" name="Presentation2" id="{E033CE4F-DAC9-4DC1-B085-D07FC0345DDB}" vid="{0783260F-4856-4ED7-B8E5-5C83CC1572CF}"/>
     </a:ext>
   </a:extLst>
 </a:theme>
@@ -10586,7 +10238,7 @@
   <a:extraClrSchemeLst/>
   <a:extLst>
     <a:ext uri="{05A4C25C-085E-4340-85A3-A5531E510DB2}">
-      <thm15:themeFamily xmlns:thm15="http://schemas.microsoft.com/office/thememl/2012/main" name="Office Theme" id="{62F939B6-93AF-4DB8-9C6B-D6C7DFDC589F}" vid="{4A3C46E8-61CC-4603-A589-7422A47A8E4A}"/>
+      <thm15:themeFamily xmlns="" xmlns:thm15="http://schemas.microsoft.com/office/thememl/2012/main" name="Office Theme" id="{62F939B6-93AF-4DB8-9C6B-D6C7DFDC589F}" vid="{4A3C46E8-61CC-4603-A589-7422A47A8E4A}"/>
     </a:ext>
   </a:extLst>
 </a:theme>

--- a/CurrentWork_Delta/CX_StrategyPowerPoint.pptx
+++ b/CurrentWork_Delta/CX_StrategyPowerPoint.pptx
@@ -154,6 +154,25 @@
       </a:defRPr>
     </a:lvl9pPr>
   </p:defaultTextStyle>
+  <p:extLst>
+    <p:ext uri="{EFAFB233-063F-42B5-8137-9DF3F51BA10A}">
+      <p15:sldGuideLst xmlns:p15="http://schemas.microsoft.com/office/powerpoint/2012/main">
+        <p15:guide id="1" orient="horz" pos="2625">
+          <p15:clr>
+            <a:srgbClr val="A4A3A4"/>
+          </p15:clr>
+        </p15:guide>
+        <p15:guide id="2" pos="2880">
+          <p15:clr>
+            <a:srgbClr val="A4A3A4"/>
+          </p15:clr>
+        </p15:guide>
+      </p15:sldGuideLst>
+    </p:ext>
+    <p:ext uri="{2D200454-40CA-4A62-9FC3-DE9A4176ACB9}">
+      <p15:notesGuideLst xmlns:p15="http://schemas.microsoft.com/office/powerpoint/2012/main"/>
+    </p:ext>
+  </p:extLst>
 </p:presentation>
 </file>
 
@@ -460,6 +479,11 @@
         </p:txBody>
       </p:sp>
     </p:spTree>
+    <p:extLst>
+      <p:ext uri="{BB962C8B-B14F-4D97-AF65-F5344CB8AC3E}">
+        <p14:creationId xmlns:p14="http://schemas.microsoft.com/office/powerpoint/2010/main" val="2020117913"/>
+      </p:ext>
+    </p:extLst>
   </p:cSld>
   <p:clrMap bg1="lt1" tx1="dk1" bg2="lt2" tx2="dk2" accent1="accent1" accent2="accent2" accent3="accent3" accent4="accent4" accent5="accent5" accent6="accent6" hlink="hlink" folHlink="folHlink"/>
   <p:notesStyle>
@@ -712,6 +736,11 @@
         </p:txBody>
       </p:sp>
     </p:spTree>
+    <p:extLst>
+      <p:ext uri="{BB962C8B-B14F-4D97-AF65-F5344CB8AC3E}">
+        <p14:creationId xmlns:p14="http://schemas.microsoft.com/office/powerpoint/2010/main" val="392810788"/>
+      </p:ext>
+    </p:extLst>
   </p:cSld>
   <p:clrMapOvr>
     <a:masterClrMapping/>
@@ -844,6 +873,11 @@
         </p:txBody>
       </p:sp>
     </p:spTree>
+    <p:extLst>
+      <p:ext uri="{BB962C8B-B14F-4D97-AF65-F5344CB8AC3E}">
+        <p14:creationId xmlns:p14="http://schemas.microsoft.com/office/powerpoint/2010/main" val="1980622636"/>
+      </p:ext>
+    </p:extLst>
   </p:cSld>
   <p:clrMapOvr>
     <a:masterClrMapping/>
@@ -976,6 +1010,11 @@
         </p:txBody>
       </p:sp>
     </p:spTree>
+    <p:extLst>
+      <p:ext uri="{BB962C8B-B14F-4D97-AF65-F5344CB8AC3E}">
+        <p14:creationId xmlns:p14="http://schemas.microsoft.com/office/powerpoint/2010/main" val="1394074727"/>
+      </p:ext>
+    </p:extLst>
   </p:cSld>
   <p:clrMapOvr>
     <a:masterClrMapping/>
@@ -8587,7 +8626,7 @@
         </p:spPr>
         <p:txBody>
           <a:bodyPr rtlCol="0">
-            <a:normAutofit/>
+            <a:normAutofit fontScale="92500" lnSpcReduction="10000"/>
           </a:bodyPr>
           <a:lstStyle/>
           <a:p>
@@ -8760,15 +8799,23 @@
             </a:r>
             <a:r>
               <a:rPr lang="en-US" sz="1800" b="1" dirty="0" smtClean="0"/>
-              <a:t>data points </a:t>
+              <a:t>data </a:t>
+            </a:r>
+            <a:r>
+              <a:rPr lang="en-US" sz="1800" b="1" dirty="0" smtClean="0"/>
+              <a:t>out </a:t>
             </a:r>
             <a:r>
               <a:rPr lang="en-US" sz="1800" b="1" dirty="0"/>
-              <a:t>out of </a:t>
+              <a:t>of </a:t>
             </a:r>
             <a:r>
               <a:rPr lang="en-US" sz="1800" b="1" dirty="0" smtClean="0"/>
-              <a:t>test scripts</a:t>
+              <a:t>the test </a:t>
+            </a:r>
+            <a:r>
+              <a:rPr lang="en-US" sz="1800" b="1" dirty="0" smtClean="0"/>
+              <a:t>scripts</a:t>
             </a:r>
             <a:r>
               <a:rPr lang="en-US" sz="1800" b="1" dirty="0"/>
@@ -8776,7 +8823,11 @@
             </a:r>
             <a:r>
               <a:rPr lang="en-US" sz="1800" b="1" dirty="0" smtClean="0"/>
-              <a:t>.  Test data is now separate and usable elsewhere</a:t>
+              <a:t>.  Test data is now separate and usable </a:t>
+            </a:r>
+            <a:r>
+              <a:rPr lang="en-US" sz="1800" b="1" dirty="0" smtClean="0"/>
+              <a:t>all delivery phases</a:t>
             </a:r>
             <a:endParaRPr lang="en-US" sz="1800" b="1" dirty="0">
               <a:ea typeface="+mn-ea"/>
@@ -8818,7 +8869,19 @@
               <a:rPr lang="en-US" sz="2000" b="1" dirty="0" smtClean="0">
                 <a:ea typeface="+mn-ea"/>
               </a:rPr>
-              <a:t> prior to run</a:t>
+              <a:t> prior </a:t>
+            </a:r>
+            <a:r>
+              <a:rPr lang="en-US" sz="2000" b="1" dirty="0" smtClean="0">
+                <a:ea typeface="+mn-ea"/>
+              </a:rPr>
+              <a:t>to a test </a:t>
+            </a:r>
+            <a:r>
+              <a:rPr lang="en-US" sz="2000" b="1" dirty="0" smtClean="0">
+                <a:ea typeface="+mn-ea"/>
+              </a:rPr>
+              <a:t>run</a:t>
             </a:r>
           </a:p>
           <a:p>
@@ -8834,8 +8897,23 @@
               <a:rPr lang="en-US" sz="1800" b="1" dirty="0" smtClean="0">
                 <a:ea typeface="+mn-ea"/>
               </a:rPr>
-              <a:t>Developers use the configuration model to focus testing on development code</a:t>
-            </a:r>
+              <a:t>Development Integration testing uses </a:t>
+            </a:r>
+            <a:r>
+              <a:rPr lang="en-US" sz="1800" b="1" dirty="0" smtClean="0">
+                <a:ea typeface="+mn-ea"/>
+              </a:rPr>
+              <a:t>the configuration model to focus testing on </a:t>
+            </a:r>
+            <a:r>
+              <a:rPr lang="en-US" sz="1800" b="1" dirty="0" smtClean="0">
+                <a:ea typeface="+mn-ea"/>
+              </a:rPr>
+              <a:t>new code</a:t>
+            </a:r>
+            <a:endParaRPr lang="en-US" sz="1800" b="1" dirty="0" smtClean="0">
+              <a:ea typeface="+mn-ea"/>
+            </a:endParaRPr>
           </a:p>
           <a:p>
             <a:pPr lvl="1" eaLnBrk="1" fontAlgn="auto" hangingPunct="1">
@@ -8847,20 +8925,121 @@
               <a:defRPr/>
             </a:pPr>
             <a:r>
+              <a:rPr lang="en-US" sz="1800" b="1" dirty="0" smtClean="0"/>
+              <a:t>NGTA team can regression </a:t>
+            </a:r>
+            <a:r>
               <a:rPr lang="en-US" sz="1800" b="1" dirty="0" smtClean="0">
                 <a:ea typeface="+mn-ea"/>
               </a:rPr>
-              <a:t>Gives </a:t>
-            </a:r>
-            <a:r>
-              <a:rPr lang="en-US" sz="1800" b="1" dirty="0"/>
-              <a:t>NGTA </a:t>
+              <a:t>test same </a:t>
             </a:r>
             <a:r>
               <a:rPr lang="en-US" sz="1800" b="1" dirty="0" smtClean="0">
                 <a:ea typeface="+mn-ea"/>
               </a:rPr>
-              <a:t>ability to test on same deployed code w/out stepping on Dev</a:t>
+              <a:t>deployed code w/out stepping </a:t>
+            </a:r>
+            <a:r>
+              <a:rPr lang="en-US" sz="1800" b="1" dirty="0" smtClean="0">
+                <a:ea typeface="+mn-ea"/>
+              </a:rPr>
+              <a:t>on newly developed code</a:t>
+            </a:r>
+          </a:p>
+          <a:p>
+            <a:pPr indent="-234950" eaLnBrk="1" fontAlgn="auto" hangingPunct="1">
+              <a:spcAft>
+                <a:spcPts val="0"/>
+              </a:spcAft>
+              <a:defRPr/>
+            </a:pPr>
+            <a:r>
+              <a:rPr lang="en-US" sz="1200" b="1" dirty="0" smtClean="0">
+                <a:ea typeface="+mn-ea"/>
+              </a:rPr>
+              <a:t>                    </a:t>
+            </a:r>
+            <a:endParaRPr lang="en-US" sz="1200" b="1" dirty="0" smtClean="0">
+              <a:ea typeface="+mn-ea"/>
+            </a:endParaRPr>
+          </a:p>
+          <a:p>
+            <a:pPr marL="342900" indent="-342900" eaLnBrk="1" fontAlgn="auto" hangingPunct="1">
+              <a:lnSpc>
+                <a:spcPct val="114000"/>
+              </a:lnSpc>
+              <a:spcBef>
+                <a:spcPts val="0"/>
+              </a:spcBef>
+              <a:spcAft>
+                <a:spcPts val="0"/>
+              </a:spcAft>
+              <a:buFont typeface="Arial" panose="020B0604020202020204" pitchFamily="34" charset="0"/>
+              <a:buChar char="•"/>
+              <a:defRPr/>
+            </a:pPr>
+            <a:r>
+              <a:rPr lang="en-US" sz="1900" b="1" dirty="0"/>
+              <a:t>Market Place </a:t>
+            </a:r>
+            <a:r>
+              <a:rPr lang="en-US" sz="1900" b="1" dirty="0" smtClean="0"/>
+              <a:t>Regression test </a:t>
+            </a:r>
+            <a:r>
+              <a:rPr lang="en-US" sz="1900" b="1" dirty="0"/>
+              <a:t>&amp; Content </a:t>
+            </a:r>
+            <a:r>
+              <a:rPr lang="en-US" sz="1900" b="1" dirty="0" smtClean="0"/>
+              <a:t>test </a:t>
+            </a:r>
+            <a:r>
+              <a:rPr lang="en-US" sz="1900" b="1" dirty="0"/>
+              <a:t>is organized on </a:t>
+            </a:r>
+            <a:r>
+              <a:rPr lang="en-US" sz="1900" b="1" dirty="0" smtClean="0"/>
+              <a:t> phased </a:t>
+            </a:r>
+            <a:r>
+              <a:rPr lang="en-US" sz="1900" b="1" dirty="0"/>
+              <a:t>deliveries</a:t>
+            </a:r>
+          </a:p>
+          <a:p>
+            <a:pPr lvl="1">
+              <a:lnSpc>
+                <a:spcPct val="114000"/>
+              </a:lnSpc>
+              <a:spcBef>
+                <a:spcPts val="0"/>
+              </a:spcBef>
+              <a:buFont typeface="Arial" panose="020B0604020202020204" pitchFamily="34" charset="0"/>
+              <a:buChar char="•"/>
+              <a:defRPr/>
+            </a:pPr>
+            <a:r>
+              <a:rPr lang="en-US" sz="1500" b="1" dirty="0"/>
+              <a:t>Phase_0  CA, TX, PA, FL, NY    ,          Phase_1 DC, LA,  MD, PR, TN, VI, AK, AL</a:t>
+            </a:r>
+          </a:p>
+          <a:p>
+            <a:pPr lvl="1">
+              <a:lnSpc>
+                <a:spcPct val="114000"/>
+              </a:lnSpc>
+              <a:spcBef>
+                <a:spcPts val="0"/>
+              </a:spcBef>
+              <a:buFont typeface="Arial" panose="020B0604020202020204" pitchFamily="34" charset="0"/>
+              <a:buChar char="•"/>
+              <a:defRPr/>
+            </a:pPr>
+            <a:r>
+              <a:rPr lang="en-US" sz="1500" b="1" dirty="0"/>
+              <a:t>Phase_2  DE, GA, MS, MT, NV, UT, WV    ,     Phase_3 CT, IL, OH, WA, KY, MN, NH</a:t>
             </a:r>
           </a:p>
           <a:p>
@@ -9014,11 +9193,17 @@
               <a:rPr lang="en-US" sz="2000" b="1" dirty="0" smtClean="0">
                 <a:ea typeface="+mn-ea"/>
               </a:rPr>
-              <a:t>Three primary types of testing</a:t>
-            </a:r>
-          </a:p>
-          <a:p>
-            <a:pPr lvl="1" eaLnBrk="1" fontAlgn="auto" hangingPunct="1">
+              <a:t>Three primary types of </a:t>
+            </a:r>
+            <a:r>
+              <a:rPr lang="en-US" sz="2000" b="1" dirty="0" smtClean="0">
+                <a:ea typeface="+mn-ea"/>
+              </a:rPr>
+              <a:t>testing</a:t>
+            </a:r>
+          </a:p>
+          <a:p>
+            <a:pPr eaLnBrk="1" fontAlgn="auto" hangingPunct="1">
               <a:lnSpc>
                 <a:spcPct val="150000"/>
               </a:lnSpc>
@@ -9028,21 +9213,83 @@
               <a:spcAft>
                 <a:spcPts val="0"/>
               </a:spcAft>
+              <a:defRPr/>
+            </a:pPr>
+            <a:r>
+              <a:rPr lang="en-US" sz="1200" b="1" dirty="0">
+                <a:ea typeface="+mn-ea"/>
+              </a:rPr>
+              <a:t> </a:t>
+            </a:r>
+            <a:r>
+              <a:rPr lang="en-US" sz="1200" b="1" dirty="0" smtClean="0">
+                <a:ea typeface="+mn-ea"/>
+              </a:rPr>
+              <a:t>        </a:t>
+            </a:r>
+            <a:endParaRPr lang="en-US" sz="1200" b="1" dirty="0" smtClean="0">
+              <a:ea typeface="+mn-ea"/>
+            </a:endParaRPr>
+          </a:p>
+          <a:p>
+            <a:pPr marL="341313" lvl="1" indent="0" eaLnBrk="1" fontAlgn="auto" hangingPunct="1">
+              <a:lnSpc>
+                <a:spcPct val="150000"/>
+              </a:lnSpc>
+              <a:spcBef>
+                <a:spcPts val="0"/>
+              </a:spcBef>
+              <a:spcAft>
+                <a:spcPts val="0"/>
+              </a:spcAft>
+              <a:buNone/>
+              <a:defRPr/>
+            </a:pPr>
+            <a:r>
+              <a:rPr lang="en-US" sz="1800" b="1" dirty="0" smtClean="0">
+                <a:ea typeface="+mn-ea"/>
+              </a:rPr>
+              <a:t>Page level Functional Integration </a:t>
+            </a:r>
+          </a:p>
+          <a:p>
+            <a:pPr lvl="2" eaLnBrk="1" fontAlgn="auto" hangingPunct="1">
+              <a:lnSpc>
+                <a:spcPct val="114000"/>
+              </a:lnSpc>
+              <a:spcBef>
+                <a:spcPts val="0"/>
+              </a:spcBef>
+              <a:spcAft>
+                <a:spcPts val="0"/>
+              </a:spcAft>
               <a:buFont typeface="Arial" panose="020B0604020202020204" pitchFamily="34" charset="0"/>
               <a:buChar char="•"/>
               <a:defRPr/>
             </a:pPr>
             <a:r>
-              <a:rPr lang="en-US" sz="1800" b="1" dirty="0" smtClean="0">
-                <a:ea typeface="+mn-ea"/>
-              </a:rPr>
-              <a:t>Page level Functional Integration </a:t>
-            </a:r>
-          </a:p>
-          <a:p>
-            <a:pPr lvl="2" eaLnBrk="1" fontAlgn="auto" hangingPunct="1">
-              <a:lnSpc>
-                <a:spcPct val="150000"/>
+              <a:rPr lang="en-US" sz="1600" b="1" dirty="0" smtClean="0">
+                <a:ea typeface="+mn-ea"/>
+              </a:rPr>
+              <a:t>Static </a:t>
+            </a:r>
+            <a:r>
+              <a:rPr lang="en-US" sz="1600" b="1" dirty="0" smtClean="0">
+                <a:ea typeface="+mn-ea"/>
+              </a:rPr>
+              <a:t>&amp; Functional </a:t>
+            </a:r>
+            <a:r>
+              <a:rPr lang="en-US" sz="1600" b="1" dirty="0" smtClean="0">
+                <a:ea typeface="+mn-ea"/>
+              </a:rPr>
+              <a:t>html element analysis for all pages in all products</a:t>
+            </a:r>
+          </a:p>
+          <a:p>
+            <a:pPr lvl="3" eaLnBrk="1" fontAlgn="auto" hangingPunct="1">
+              <a:lnSpc>
+                <a:spcPct val="114000"/>
               </a:lnSpc>
               <a:spcBef>
                 <a:spcPts val="0"/>
@@ -9058,41 +9305,29 @@
               <a:rPr lang="en-US" sz="1400" b="1" dirty="0" smtClean="0">
                 <a:ea typeface="+mn-ea"/>
               </a:rPr>
-              <a:t>Complete page element analysis</a:t>
-            </a:r>
-            <a:r>
-              <a:rPr lang="en-US" sz="1400" b="1" dirty="0">
-                <a:ea typeface="+mn-ea"/>
-              </a:rPr>
-              <a:t> </a:t>
-            </a:r>
+              <a:t>Every Button, Field, Check Box, Link, page element is functionally evaluated and error checked</a:t>
+            </a:r>
+          </a:p>
+          <a:p>
+            <a:pPr lvl="3" eaLnBrk="1" fontAlgn="auto" hangingPunct="1">
+              <a:lnSpc>
+                <a:spcPct val="114000"/>
+              </a:lnSpc>
+              <a:spcBef>
+                <a:spcPts val="0"/>
+              </a:spcBef>
+              <a:spcAft>
+                <a:spcPts val="0"/>
+              </a:spcAft>
+              <a:buFont typeface="Arial" panose="020B0604020202020204" pitchFamily="34" charset="0"/>
+              <a:buChar char="•"/>
+              <a:defRPr/>
+            </a:pPr>
             <a:r>
               <a:rPr lang="en-US" sz="1400" b="1" dirty="0" smtClean="0">
                 <a:ea typeface="+mn-ea"/>
               </a:rPr>
-              <a:t>across all pages in application</a:t>
-            </a:r>
-          </a:p>
-          <a:p>
-            <a:pPr lvl="2" eaLnBrk="1" fontAlgn="auto" hangingPunct="1">
-              <a:lnSpc>
-                <a:spcPct val="150000"/>
-              </a:lnSpc>
-              <a:spcBef>
-                <a:spcPts val="0"/>
-              </a:spcBef>
-              <a:spcAft>
-                <a:spcPts val="0"/>
-              </a:spcAft>
-              <a:buFont typeface="Arial" panose="020B0604020202020204" pitchFamily="34" charset="0"/>
-              <a:buChar char="•"/>
-              <a:defRPr/>
-            </a:pPr>
-            <a:r>
-              <a:rPr lang="en-US" sz="1400" b="1" dirty="0" smtClean="0">
-                <a:ea typeface="+mn-ea"/>
-              </a:rPr>
-              <a:t>Every Button, Field, Check Box, Link, etc.  Functionally evaluated and error checked</a:t>
+              <a:t>All page level functionality local to a page is executed and evaluated</a:t>
             </a:r>
           </a:p>
           <a:p>
@@ -9111,14 +9346,17 @@
               <a:defRPr/>
             </a:pPr>
             <a:r>
-              <a:rPr lang="en-US" sz="800" b="1" dirty="0" smtClean="0">
+              <a:rPr lang="en-US" sz="900" b="1" dirty="0" smtClean="0">
                 <a:ea typeface="+mn-ea"/>
               </a:rPr>
               <a:t>     </a:t>
             </a:r>
-          </a:p>
-          <a:p>
-            <a:pPr lvl="1" eaLnBrk="1" fontAlgn="auto" hangingPunct="1">
+            <a:endParaRPr lang="en-US" sz="900" b="1" dirty="0" smtClean="0">
+              <a:ea typeface="+mn-ea"/>
+            </a:endParaRPr>
+          </a:p>
+          <a:p>
+            <a:pPr marL="341313" lvl="1" indent="0" eaLnBrk="1" fontAlgn="auto" hangingPunct="1">
               <a:lnSpc>
                 <a:spcPct val="150000"/>
               </a:lnSpc>
@@ -9128,21 +9366,167 @@
               <a:spcAft>
                 <a:spcPts val="0"/>
               </a:spcAft>
+              <a:buNone/>
+              <a:defRPr/>
+            </a:pPr>
+            <a:r>
+              <a:rPr lang="en-US" sz="1800" b="1" dirty="0" smtClean="0">
+                <a:ea typeface="+mn-ea"/>
+              </a:rPr>
+              <a:t>Application level </a:t>
+            </a:r>
+            <a:r>
+              <a:rPr lang="en-US" sz="1800" b="1" dirty="0" smtClean="0">
+                <a:ea typeface="+mn-ea"/>
+              </a:rPr>
+              <a:t>user </a:t>
+            </a:r>
+            <a:r>
+              <a:rPr lang="en-US" sz="1800" b="1" dirty="0" smtClean="0">
+                <a:ea typeface="+mn-ea"/>
+              </a:rPr>
+              <a:t>work </a:t>
+            </a:r>
+            <a:r>
+              <a:rPr lang="en-US" sz="1800" b="1" dirty="0" smtClean="0">
+                <a:ea typeface="+mn-ea"/>
+              </a:rPr>
+              <a:t>flow </a:t>
+            </a:r>
+            <a:r>
+              <a:rPr lang="en-US" sz="1800" b="1" dirty="0" smtClean="0">
+                <a:ea typeface="+mn-ea"/>
+              </a:rPr>
+              <a:t> :    Complete  </a:t>
+            </a:r>
+            <a:r>
+              <a:rPr lang="en-US" sz="1800" b="1" dirty="0" smtClean="0">
+                <a:ea typeface="+mn-ea"/>
+              </a:rPr>
+              <a:t>End to </a:t>
+            </a:r>
+            <a:r>
+              <a:rPr lang="en-US" sz="1800" b="1" dirty="0" smtClean="0">
+                <a:ea typeface="+mn-ea"/>
+              </a:rPr>
+              <a:t>End  Scenarios</a:t>
+            </a:r>
+            <a:endParaRPr lang="en-US" sz="1800" b="1" dirty="0" smtClean="0">
+              <a:ea typeface="+mn-ea"/>
+            </a:endParaRPr>
+          </a:p>
+          <a:p>
+            <a:pPr lvl="2" eaLnBrk="1" fontAlgn="auto" hangingPunct="1">
+              <a:lnSpc>
+                <a:spcPct val="114000"/>
+              </a:lnSpc>
+              <a:spcBef>
+                <a:spcPts val="0"/>
+              </a:spcBef>
+              <a:spcAft>
+                <a:spcPts val="0"/>
+              </a:spcAft>
               <a:buFont typeface="Arial" panose="020B0604020202020204" pitchFamily="34" charset="0"/>
               <a:buChar char="•"/>
               <a:defRPr/>
             </a:pPr>
             <a:r>
+              <a:rPr lang="en-US" sz="1600" b="1" dirty="0" smtClean="0">
+                <a:ea typeface="+mn-ea"/>
+              </a:rPr>
+              <a:t>Designated user work flow execution pathways</a:t>
+            </a:r>
+          </a:p>
+          <a:p>
+            <a:pPr lvl="2" eaLnBrk="1" fontAlgn="auto" hangingPunct="1">
+              <a:lnSpc>
+                <a:spcPct val="114000"/>
+              </a:lnSpc>
+              <a:spcBef>
+                <a:spcPts val="0"/>
+              </a:spcBef>
+              <a:spcAft>
+                <a:spcPts val="0"/>
+              </a:spcAft>
+              <a:buFont typeface="Arial" panose="020B0604020202020204" pitchFamily="34" charset="0"/>
+              <a:buChar char="•"/>
+              <a:defRPr/>
+            </a:pPr>
+            <a:r>
+              <a:rPr lang="en-US" sz="1600" b="1" dirty="0" smtClean="0">
+                <a:ea typeface="+mn-ea"/>
+              </a:rPr>
+              <a:t>Extensive repeat execution with large data set Data driven</a:t>
+            </a:r>
+          </a:p>
+          <a:p>
+            <a:pPr indent="-234950" eaLnBrk="1" fontAlgn="auto" hangingPunct="1">
+              <a:lnSpc>
+                <a:spcPct val="150000"/>
+              </a:lnSpc>
+              <a:spcBef>
+                <a:spcPts val="0"/>
+              </a:spcBef>
+              <a:spcAft>
+                <a:spcPts val="0"/>
+              </a:spcAft>
+              <a:defRPr/>
+            </a:pPr>
+            <a:r>
+              <a:rPr lang="en-US" sz="900" b="1" dirty="0" smtClean="0">
+                <a:ea typeface="+mn-ea"/>
+              </a:rPr>
+              <a:t>   </a:t>
+            </a:r>
+          </a:p>
+          <a:p>
+            <a:pPr indent="-234950" eaLnBrk="1" fontAlgn="auto" hangingPunct="1">
+              <a:lnSpc>
+                <a:spcPct val="150000"/>
+              </a:lnSpc>
+              <a:spcBef>
+                <a:spcPts val="0"/>
+              </a:spcBef>
+              <a:spcAft>
+                <a:spcPts val="0"/>
+              </a:spcAft>
+              <a:defRPr/>
+            </a:pPr>
+            <a:endParaRPr lang="en-US" sz="900" b="1" dirty="0">
+              <a:ea typeface="+mn-ea"/>
+            </a:endParaRPr>
+          </a:p>
+          <a:p>
+            <a:pPr marL="341313" lvl="1" indent="0" eaLnBrk="1" fontAlgn="auto" hangingPunct="1">
+              <a:lnSpc>
+                <a:spcPct val="150000"/>
+              </a:lnSpc>
+              <a:spcBef>
+                <a:spcPts val="0"/>
+              </a:spcBef>
+              <a:spcAft>
+                <a:spcPts val="0"/>
+              </a:spcAft>
+              <a:buNone/>
+              <a:defRPr/>
+            </a:pPr>
+            <a:r>
               <a:rPr lang="en-US" sz="1800" b="1" dirty="0" smtClean="0">
                 <a:ea typeface="+mn-ea"/>
               </a:rPr>
-              <a:t>Application level work flow : End to End</a:t>
+              <a:t>Micro </a:t>
+            </a:r>
+            <a:r>
+              <a:rPr lang="en-US" sz="1800" b="1" dirty="0" smtClean="0">
+                <a:ea typeface="+mn-ea"/>
+              </a:rPr>
+              <a:t>Service REST APIs</a:t>
             </a:r>
           </a:p>
           <a:p>
             <a:pPr lvl="2" eaLnBrk="1" fontAlgn="auto" hangingPunct="1">
               <a:lnSpc>
-                <a:spcPct val="150000"/>
+                <a:spcPct val="114000"/>
               </a:lnSpc>
               <a:spcBef>
                 <a:spcPts val="0"/>
@@ -9155,16 +9539,19 @@
               <a:defRPr/>
             </a:pPr>
             <a:r>
-              <a:rPr lang="en-US" sz="1400" b="1" dirty="0" smtClean="0">
-                <a:ea typeface="+mn-ea"/>
-              </a:rPr>
-              <a:t>Designated user work flow execution pathways</a:t>
-            </a:r>
+              <a:rPr lang="en-US" sz="1600" b="1" dirty="0" smtClean="0">
+                <a:ea typeface="+mn-ea"/>
+              </a:rPr>
+              <a:t>Regression coverage for Micro service REST API </a:t>
+            </a:r>
+            <a:endParaRPr lang="en-US" sz="1600" b="1" dirty="0" smtClean="0">
+              <a:ea typeface="+mn-ea"/>
+            </a:endParaRPr>
           </a:p>
           <a:p>
             <a:pPr lvl="2" eaLnBrk="1" fontAlgn="auto" hangingPunct="1">
               <a:lnSpc>
-                <a:spcPct val="150000"/>
+                <a:spcPct val="114000"/>
               </a:lnSpc>
               <a:spcBef>
                 <a:spcPts val="0"/>
@@ -9177,98 +9564,24 @@
               <a:defRPr/>
             </a:pPr>
             <a:r>
-              <a:rPr lang="en-US" sz="1400" b="1" dirty="0" smtClean="0">
-                <a:ea typeface="+mn-ea"/>
-              </a:rPr>
-              <a:t>Data driven</a:t>
-            </a:r>
-          </a:p>
-          <a:p>
-            <a:pPr indent="-234950" eaLnBrk="1" fontAlgn="auto" hangingPunct="1">
-              <a:lnSpc>
-                <a:spcPct val="150000"/>
-              </a:lnSpc>
-              <a:spcBef>
-                <a:spcPts val="0"/>
-              </a:spcBef>
-              <a:spcAft>
-                <a:spcPts val="0"/>
-              </a:spcAft>
-              <a:defRPr/>
-            </a:pPr>
-            <a:r>
-              <a:rPr lang="en-US" sz="800" b="1" dirty="0" smtClean="0">
-                <a:ea typeface="+mn-ea"/>
-              </a:rPr>
-              <a:t>   </a:t>
-            </a:r>
-          </a:p>
-          <a:p>
-            <a:pPr lvl="1" eaLnBrk="1" fontAlgn="auto" hangingPunct="1">
-              <a:lnSpc>
-                <a:spcPct val="150000"/>
-              </a:lnSpc>
-              <a:spcBef>
-                <a:spcPts val="0"/>
-              </a:spcBef>
-              <a:spcAft>
-                <a:spcPts val="0"/>
-              </a:spcAft>
-              <a:buFont typeface="Arial" panose="020B0604020202020204" pitchFamily="34" charset="0"/>
-              <a:buChar char="•"/>
-              <a:defRPr/>
-            </a:pPr>
-            <a:r>
-              <a:rPr lang="en-US" sz="1800" b="1" dirty="0" smtClean="0">
-                <a:ea typeface="+mn-ea"/>
-              </a:rPr>
-              <a:t>Micro Service REST APIs</a:t>
-            </a:r>
-          </a:p>
-          <a:p>
-            <a:pPr lvl="2" eaLnBrk="1" fontAlgn="auto" hangingPunct="1">
-              <a:lnSpc>
-                <a:spcPct val="150000"/>
-              </a:lnSpc>
-              <a:spcBef>
-                <a:spcPts val="0"/>
-              </a:spcBef>
-              <a:spcAft>
-                <a:spcPts val="0"/>
-              </a:spcAft>
-              <a:buFont typeface="Arial" panose="020B0604020202020204" pitchFamily="34" charset="0"/>
-              <a:buChar char="•"/>
-              <a:defRPr/>
-            </a:pPr>
-            <a:r>
-              <a:rPr lang="en-US" sz="1400" b="1" dirty="0" smtClean="0">
-                <a:ea typeface="+mn-ea"/>
-              </a:rPr>
-              <a:t>Regression coverage for Micro service REST API Data type &amp; Data range</a:t>
-            </a:r>
-          </a:p>
-          <a:p>
-            <a:pPr lvl="2" eaLnBrk="1" fontAlgn="auto" hangingPunct="1">
-              <a:lnSpc>
-                <a:spcPct val="150000"/>
-              </a:lnSpc>
-              <a:spcBef>
-                <a:spcPts val="0"/>
-              </a:spcBef>
-              <a:spcAft>
-                <a:spcPts val="0"/>
-              </a:spcAft>
-              <a:buFont typeface="Arial" panose="020B0604020202020204" pitchFamily="34" charset="0"/>
-              <a:buChar char="•"/>
-              <a:defRPr/>
-            </a:pPr>
-            <a:r>
-              <a:rPr lang="en-US" sz="1400" b="1" dirty="0" smtClean="0">
-                <a:ea typeface="+mn-ea"/>
-              </a:rPr>
-              <a:t>Functional test use to supply data driven testing in CX Applications</a:t>
-            </a:r>
-            <a:endParaRPr lang="en-US" sz="1400" b="1" dirty="0">
+              <a:rPr lang="en-US" sz="1600" b="1" dirty="0" smtClean="0">
+                <a:ea typeface="+mn-ea"/>
+              </a:rPr>
+              <a:t>Additionally API testing is used to compare data for </a:t>
+            </a:r>
+            <a:r>
+              <a:rPr lang="en-US" sz="1600" b="1" dirty="0" smtClean="0">
+                <a:ea typeface="+mn-ea"/>
+              </a:rPr>
+              <a:t>testing in CX </a:t>
+            </a:r>
+            <a:r>
+              <a:rPr lang="en-US" sz="1600" b="1" dirty="0" smtClean="0">
+                <a:ea typeface="+mn-ea"/>
+              </a:rPr>
+              <a:t>UI Applications</a:t>
+            </a:r>
+            <a:endParaRPr lang="en-US" sz="1600" b="1" dirty="0">
               <a:ea typeface="+mn-ea"/>
             </a:endParaRPr>
           </a:p>
@@ -9452,7 +9765,7 @@
         <p:spPr bwMode="auto">
           <a:xfrm>
             <a:off x="274638" y="1735138"/>
-            <a:ext cx="8869362" cy="5083175"/>
+            <a:ext cx="8869362" cy="5139869"/>
           </a:xfrm>
           <a:prstGeom prst="rect">
             <a:avLst/>
@@ -9476,7 +9789,7 @@
               <a:buChar char="•"/>
             </a:pPr>
             <a:r>
-              <a:rPr lang="en-US" sz="2000">
+              <a:rPr lang="en-US" sz="2000" dirty="0">
                 <a:latin typeface="Calibri" pitchFamily="34" charset="0"/>
               </a:rPr>
               <a:t>Test case results are the result of functional test written                                                  for a product   X   data points tested against   X    States Tested in</a:t>
@@ -9484,7 +9797,7 @@
           </a:p>
           <a:p>
             <a:pPr marL="342900" indent="-342900"/>
-            <a:endParaRPr lang="en-US" sz="2000">
+            <a:endParaRPr lang="en-US" sz="2000" dirty="0">
               <a:latin typeface="Calibri" pitchFamily="34" charset="0"/>
             </a:endParaRPr>
           </a:p>
@@ -9494,30 +9807,48 @@
               <a:buChar char="•"/>
             </a:pPr>
             <a:r>
-              <a:rPr lang="en-US" sz="1400" b="1">
+              <a:rPr lang="en-US" sz="1400" b="1" dirty="0">
                 <a:latin typeface="Calibri" pitchFamily="34" charset="0"/>
               </a:rPr>
               <a:t>Phase 0</a:t>
             </a:r>
             <a:r>
-              <a:rPr lang="en-US" sz="1400">
+              <a:rPr lang="en-US" sz="1400" dirty="0">
                 <a:latin typeface="Calibri" pitchFamily="34" charset="0"/>
               </a:rPr>
-              <a:t> contains 4 products (555, 666, 234, 456) with total  of 1873 functional tests written.                                                                              Factoring test data point into the calculation,                                                                                                                                 </a:t>
-            </a:r>
-            <a:r>
-              <a:rPr lang="en-US" sz="2000">
+              <a:t> contains 4 products </a:t>
+            </a:r>
+            <a:r>
+              <a:rPr lang="en-US" sz="1400" dirty="0" smtClean="0">
                 <a:latin typeface="Calibri" pitchFamily="34" charset="0"/>
               </a:rPr>
+              <a:t>w/ 393, 478, 387, 442 test cases per product, total 1873 </a:t>
+            </a:r>
+            <a:r>
+              <a:rPr lang="en-US" sz="1400" dirty="0">
+                <a:latin typeface="Calibri" pitchFamily="34" charset="0"/>
+              </a:rPr>
+              <a:t>functional tests written.                                                                              Factoring test data point into the </a:t>
+            </a:r>
+            <a:r>
+              <a:rPr lang="en-US" sz="1400" dirty="0" smtClean="0">
+                <a:latin typeface="Calibri" pitchFamily="34" charset="0"/>
+              </a:rPr>
+              <a:t>calculation ,                                                                                                                                 </a:t>
+            </a:r>
+            <a:r>
+              <a:rPr lang="en-US" sz="2000" dirty="0">
+                <a:latin typeface="Calibri" pitchFamily="34" charset="0"/>
+              </a:rPr>
               <a:t>4 Products tested in 5 states totals </a:t>
             </a:r>
             <a:r>
-              <a:rPr lang="en-US" sz="2400">
+              <a:rPr lang="en-US" sz="2400" dirty="0">
                 <a:latin typeface="Calibri" pitchFamily="34" charset="0"/>
               </a:rPr>
               <a:t>10125 tests</a:t>
             </a:r>
-            <a:endParaRPr lang="en-US">
+            <a:endParaRPr lang="en-US" dirty="0">
               <a:latin typeface="Calibri" pitchFamily="34" charset="0"/>
             </a:endParaRPr>
           </a:p>
@@ -9526,7 +9857,7 @@
               <a:buFont typeface="Arial" charset="0"/>
               <a:buChar char="•"/>
             </a:pPr>
-            <a:endParaRPr lang="en-US" sz="2000">
+            <a:endParaRPr lang="en-US" sz="2000" dirty="0">
               <a:latin typeface="Calibri" pitchFamily="34" charset="0"/>
             </a:endParaRPr>
           </a:p>
@@ -9536,25 +9867,25 @@
               <a:buChar char="•"/>
             </a:pPr>
             <a:r>
-              <a:rPr lang="en-US" sz="1400" b="1">
+              <a:rPr lang="en-US" sz="1400" b="1" dirty="0">
                 <a:latin typeface="Calibri" pitchFamily="34" charset="0"/>
               </a:rPr>
               <a:t>Phase 1 </a:t>
             </a:r>
             <a:r>
-              <a:rPr lang="en-US" sz="1400">
+              <a:rPr lang="en-US" sz="1400" dirty="0">
                 <a:latin typeface="Calibri" pitchFamily="34" charset="0"/>
               </a:rPr>
               <a:t>contains 2 products with total  of 819 functional tests written.                                                                                  Factoring test data point into the calculation,                                                                                                                                       </a:t>
             </a:r>
             <a:r>
-              <a:rPr lang="en-US" sz="2000">
+              <a:rPr lang="en-US" sz="2000" dirty="0">
                 <a:latin typeface="Calibri" pitchFamily="34" charset="0"/>
               </a:rPr>
               <a:t>2 Products tested in 8 States totals </a:t>
             </a:r>
             <a:r>
-              <a:rPr lang="en-US" sz="2400">
+              <a:rPr lang="en-US" sz="2400" dirty="0">
                 <a:latin typeface="Calibri" pitchFamily="34" charset="0"/>
               </a:rPr>
               <a:t>4394 tests</a:t>
@@ -9565,7 +9896,7 @@
               <a:buFont typeface="Arial" charset="0"/>
               <a:buChar char="•"/>
             </a:pPr>
-            <a:endParaRPr lang="en-US" sz="2000">
+            <a:endParaRPr lang="en-US" sz="2000" dirty="0">
               <a:latin typeface="Calibri" pitchFamily="34" charset="0"/>
             </a:endParaRPr>
           </a:p>
@@ -9575,30 +9906,30 @@
               <a:buChar char="•"/>
             </a:pPr>
             <a:r>
-              <a:rPr lang="en-US" sz="1400" b="1">
+              <a:rPr lang="en-US" sz="1400" b="1" dirty="0">
                 <a:latin typeface="Calibri" pitchFamily="34" charset="0"/>
               </a:rPr>
               <a:t>Phase 2 </a:t>
             </a:r>
             <a:r>
-              <a:rPr lang="en-US" sz="1400">
+              <a:rPr lang="en-US" sz="1400" dirty="0">
                 <a:latin typeface="Calibri" pitchFamily="34" charset="0"/>
               </a:rPr>
               <a:t>contains 1 products with total  of 471 functional tests written.                                                                                  Factoring test data point into the calculation,                                                                                                                                                </a:t>
             </a:r>
             <a:r>
-              <a:rPr lang="en-US" sz="2000">
+              <a:rPr lang="en-US" sz="2000" dirty="0">
                 <a:latin typeface="Calibri" pitchFamily="34" charset="0"/>
               </a:rPr>
               <a:t>1 Product tested in 7 States totals </a:t>
             </a:r>
             <a:r>
-              <a:rPr lang="en-US" sz="2400">
+              <a:rPr lang="en-US" sz="2400" dirty="0">
                 <a:latin typeface="Calibri" pitchFamily="34" charset="0"/>
               </a:rPr>
               <a:t>3234 tests</a:t>
             </a:r>
-            <a:endParaRPr lang="en-US" sz="2000">
+            <a:endParaRPr lang="en-US" sz="2000" dirty="0">
               <a:latin typeface="Calibri" pitchFamily="34" charset="0"/>
             </a:endParaRPr>
           </a:p>
@@ -9607,7 +9938,7 @@
               <a:buFont typeface="Arial" charset="0"/>
               <a:buChar char="•"/>
             </a:pPr>
-            <a:endParaRPr lang="en-US" sz="2000">
+            <a:endParaRPr lang="en-US" sz="2000" dirty="0">
               <a:latin typeface="Calibri" pitchFamily="34" charset="0"/>
             </a:endParaRPr>
           </a:p>
@@ -9617,25 +9948,25 @@
               <a:buChar char="•"/>
             </a:pPr>
             <a:r>
-              <a:rPr lang="en-US" sz="1400" b="1">
+              <a:rPr lang="en-US" sz="1400" b="1" dirty="0">
                 <a:latin typeface="Calibri" pitchFamily="34" charset="0"/>
               </a:rPr>
               <a:t>Phase 3 </a:t>
             </a:r>
             <a:r>
-              <a:rPr lang="en-US" sz="1400">
+              <a:rPr lang="en-US" sz="1400" dirty="0">
                 <a:latin typeface="Calibri" pitchFamily="34" charset="0"/>
               </a:rPr>
               <a:t>contains 1 products with total  of 471 functional tests written.                                                                                  Factoring test data point into the calculation,                                                                                                                               </a:t>
             </a:r>
             <a:r>
-              <a:rPr lang="en-US" sz="2000">
+              <a:rPr lang="en-US" sz="2000" dirty="0">
                 <a:latin typeface="Calibri" pitchFamily="34" charset="0"/>
               </a:rPr>
               <a:t>1 Product tested in 7 States totals </a:t>
             </a:r>
             <a:r>
-              <a:rPr lang="en-US" sz="2400">
+              <a:rPr lang="en-US" sz="2400" dirty="0">
                 <a:latin typeface="Calibri" pitchFamily="34" charset="0"/>
               </a:rPr>
               <a:t>3234 tests</a:t>
@@ -9977,7 +10308,7 @@
   <a:extraClrSchemeLst/>
   <a:extLst>
     <a:ext uri="{05A4C25C-085E-4340-85A3-A5531E510DB2}">
-      <thm15:themeFamily xmlns="" xmlns:thm15="http://schemas.microsoft.com/office/thememl/2012/main" name="Presentation2" id="{E033CE4F-DAC9-4DC1-B085-D07FC0345DDB}" vid="{0783260F-4856-4ED7-B8E5-5C83CC1572CF}"/>
+      <thm15:themeFamily xmlns:thm15="http://schemas.microsoft.com/office/thememl/2012/main" name="Presentation2" id="{E033CE4F-DAC9-4DC1-B085-D07FC0345DDB}" vid="{0783260F-4856-4ED7-B8E5-5C83CC1572CF}"/>
     </a:ext>
   </a:extLst>
 </a:theme>
@@ -10238,7 +10569,7 @@
   <a:extraClrSchemeLst/>
   <a:extLst>
     <a:ext uri="{05A4C25C-085E-4340-85A3-A5531E510DB2}">
-      <thm15:themeFamily xmlns="" xmlns:thm15="http://schemas.microsoft.com/office/thememl/2012/main" name="Office Theme" id="{62F939B6-93AF-4DB8-9C6B-D6C7DFDC589F}" vid="{4A3C46E8-61CC-4603-A589-7422A47A8E4A}"/>
+      <thm15:themeFamily xmlns:thm15="http://schemas.microsoft.com/office/thememl/2012/main" name="Office Theme" id="{62F939B6-93AF-4DB8-9C6B-D6C7DFDC589F}" vid="{4A3C46E8-61CC-4603-A589-7422A47A8E4A}"/>
     </a:ext>
   </a:extLst>
 </a:theme>

--- a/CurrentWork_Delta/CX_StrategyPowerPoint.pptx
+++ b/CurrentWork_Delta/CX_StrategyPowerPoint.pptx
@@ -154,25 +154,6 @@
       </a:defRPr>
     </a:lvl9pPr>
   </p:defaultTextStyle>
-  <p:extLst>
-    <p:ext uri="{EFAFB233-063F-42B5-8137-9DF3F51BA10A}">
-      <p15:sldGuideLst xmlns:p15="http://schemas.microsoft.com/office/powerpoint/2012/main">
-        <p15:guide id="1" orient="horz" pos="2625">
-          <p15:clr>
-            <a:srgbClr val="A4A3A4"/>
-          </p15:clr>
-        </p15:guide>
-        <p15:guide id="2" pos="2880">
-          <p15:clr>
-            <a:srgbClr val="A4A3A4"/>
-          </p15:clr>
-        </p15:guide>
-      </p15:sldGuideLst>
-    </p:ext>
-    <p:ext uri="{2D200454-40CA-4A62-9FC3-DE9A4176ACB9}">
-      <p15:notesGuideLst xmlns:p15="http://schemas.microsoft.com/office/powerpoint/2012/main"/>
-    </p:ext>
-  </p:extLst>
 </p:presentation>
 </file>
 
@@ -280,7 +261,7 @@
             <a:pPr>
               <a:defRPr/>
             </a:pPr>
-            <a:fld id="{C7B4AC5E-0195-4656-AF60-D32755849BB7}" type="datetimeFigureOut">
+            <a:fld id="{123EA397-351F-474D-848C-D3E856502C75}" type="datetimeFigureOut">
               <a:rPr lang="en-US"/>
               <a:pPr>
                 <a:defRPr/>
@@ -467,7 +448,7 @@
             <a:pPr>
               <a:defRPr/>
             </a:pPr>
-            <a:fld id="{AC5E67FC-EEAC-4CD0-B272-E8AE8C6B6576}" type="slidenum">
+            <a:fld id="{068EA906-2EF4-494A-B0A5-C7674EF8EAE4}" type="slidenum">
               <a:rPr lang="en-US"/>
               <a:pPr>
                 <a:defRPr/>
@@ -479,11 +460,6 @@
         </p:txBody>
       </p:sp>
     </p:spTree>
-    <p:extLst>
-      <p:ext uri="{BB962C8B-B14F-4D97-AF65-F5344CB8AC3E}">
-        <p14:creationId xmlns:p14="http://schemas.microsoft.com/office/powerpoint/2010/main" val="2020117913"/>
-      </p:ext>
-    </p:extLst>
   </p:cSld>
   <p:clrMap bg1="lt1" tx1="dk1" bg2="lt2" tx2="dk2" accent1="accent1" accent2="accent2" accent3="accent3" accent4="accent4" accent5="accent5" accent6="accent6" hlink="hlink" folHlink="folHlink"/>
   <p:notesStyle>
@@ -714,7 +690,7 @@
               </a:spcAft>
               <a:defRPr/>
             </a:pPr>
-            <a:fld id="{0F42AADC-E838-4D84-A933-47F83CE3743E}" type="slidenum">
+            <a:fld id="{1E449130-6844-45B5-8705-C09D5111AA0A}" type="slidenum">
               <a:rPr lang="en-US">
                 <a:cs typeface="Arial" charset="0"/>
               </a:rPr>
@@ -736,11 +712,6 @@
         </p:txBody>
       </p:sp>
     </p:spTree>
-    <p:extLst>
-      <p:ext uri="{BB962C8B-B14F-4D97-AF65-F5344CB8AC3E}">
-        <p14:creationId xmlns:p14="http://schemas.microsoft.com/office/powerpoint/2010/main" val="392810788"/>
-      </p:ext>
-    </p:extLst>
   </p:cSld>
   <p:clrMapOvr>
     <a:masterClrMapping/>
@@ -851,7 +822,7 @@
               </a:spcAft>
               <a:defRPr/>
             </a:pPr>
-            <a:fld id="{CED0E9E7-16AD-4271-B37A-E416FF80B31B}" type="slidenum">
+            <a:fld id="{FD90D75C-F149-4322-A169-23CAD4C289F4}" type="slidenum">
               <a:rPr lang="en-US">
                 <a:cs typeface="Arial" charset="0"/>
               </a:rPr>
@@ -873,11 +844,6 @@
         </p:txBody>
       </p:sp>
     </p:spTree>
-    <p:extLst>
-      <p:ext uri="{BB962C8B-B14F-4D97-AF65-F5344CB8AC3E}">
-        <p14:creationId xmlns:p14="http://schemas.microsoft.com/office/powerpoint/2010/main" val="1980622636"/>
-      </p:ext>
-    </p:extLst>
   </p:cSld>
   <p:clrMapOvr>
     <a:masterClrMapping/>
@@ -988,7 +954,7 @@
               </a:spcAft>
               <a:defRPr/>
             </a:pPr>
-            <a:fld id="{B5CBE933-906F-41D6-87BA-98A45D5F232A}" type="slidenum">
+            <a:fld id="{F83634DD-15D5-4EC8-B62C-5E007F5675FF}" type="slidenum">
               <a:rPr lang="en-US">
                 <a:cs typeface="Arial" charset="0"/>
               </a:rPr>
@@ -1010,11 +976,6 @@
         </p:txBody>
       </p:sp>
     </p:spTree>
-    <p:extLst>
-      <p:ext uri="{BB962C8B-B14F-4D97-AF65-F5344CB8AC3E}">
-        <p14:creationId xmlns:p14="http://schemas.microsoft.com/office/powerpoint/2010/main" val="1394074727"/>
-      </p:ext>
-    </p:extLst>
   </p:cSld>
   <p:clrMapOvr>
     <a:masterClrMapping/>
@@ -1313,7 +1274,7 @@
             <a:pPr>
               <a:defRPr/>
             </a:pPr>
-            <a:fld id="{5F75D952-10F1-41BE-A623-589D7B4900D1}" type="slidenum">
+            <a:fld id="{8BADF8E5-4F67-4401-BF21-8128B847AD03}" type="slidenum">
               <a:rPr lang="en-US"/>
               <a:pPr>
                 <a:defRPr/>
@@ -1456,7 +1417,7 @@
             <a:pPr>
               <a:defRPr/>
             </a:pPr>
-            <a:fld id="{B964E8F1-8198-4234-AA60-5674724662EC}" type="slidenum">
+            <a:fld id="{34D0EC1C-8D30-417A-9C3F-A66EE13E58D1}" type="slidenum">
               <a:rPr lang="en-US"/>
               <a:pPr>
                 <a:defRPr/>
@@ -1588,7 +1549,7 @@
             <a:pPr>
               <a:defRPr/>
             </a:pPr>
-            <a:fld id="{1C52B7A2-EE06-4ADF-B290-C7779866CBC8}" type="slidenum">
+            <a:fld id="{1390A963-4865-4ED6-9270-78D81E335135}" type="slidenum">
               <a:rPr lang="en-US"/>
               <a:pPr>
                 <a:defRPr/>
@@ -1646,7 +1607,7 @@
             <a:pPr>
               <a:defRPr/>
             </a:pPr>
-            <a:fld id="{DCE6F400-2A05-49EF-B6CD-BC96D7BE4728}" type="slidenum">
+            <a:fld id="{40E2D830-D486-4512-8433-CEE84BA57BC3}" type="slidenum">
               <a:rPr lang="en-US"/>
               <a:pPr>
                 <a:defRPr/>
@@ -1843,7 +1804,7 @@
             <a:pPr>
               <a:defRPr/>
             </a:pPr>
-            <a:fld id="{862C1429-8D5C-4C64-86FB-9FAE674C88BB}" type="slidenum">
+            <a:fld id="{533CB10A-C01E-4DCC-8FA6-6B5CA45B2EEC}" type="slidenum">
               <a:rPr lang="en-US"/>
               <a:pPr>
                 <a:defRPr/>
@@ -1912,9 +1873,9 @@
   <p:clrMap bg1="lt1" tx1="dk1" bg2="lt2" tx2="dk2" accent1="accent1" accent2="accent2" accent3="accent3" accent4="accent4" accent5="accent5" accent6="accent6" hlink="hlink" folHlink="folHlink"/>
   <p:sldLayoutIdLst>
     <p:sldLayoutId id="2147483653" r:id="rId1"/>
-    <p:sldLayoutId id="2147483652" r:id="rId2"/>
+    <p:sldLayoutId id="2147483650" r:id="rId2"/>
     <p:sldLayoutId id="2147483651" r:id="rId3"/>
-    <p:sldLayoutId id="2147483650" r:id="rId4"/>
+    <p:sldLayoutId id="2147483652" r:id="rId4"/>
   </p:sldLayoutIdLst>
   <p:txStyles>
     <p:titleStyle>
@@ -2373,6 +2334,7 @@
             <a:r>
               <a:rPr lang="en-US" smtClean="0">
                 <a:latin typeface="Calibri Light" pitchFamily="34" charset="0"/>
+                <a:cs typeface="Calibri Light" pitchFamily="34" charset="0"/>
               </a:rPr>
               <a:t>Mark Atkinson</a:t>
             </a:r>
@@ -2533,6 +2495,7 @@
             <a:r>
               <a:rPr lang="en-US" smtClean="0">
                 <a:latin typeface="Calibri Light" pitchFamily="34" charset="0"/>
+                <a:cs typeface="Calibri Light" pitchFamily="34" charset="0"/>
               </a:rPr>
               <a:t>REPORTING</a:t>
             </a:r>
@@ -2796,6 +2759,7 @@
             <a:r>
               <a:rPr lang="en-US" smtClean="0">
                 <a:latin typeface="Calibri Light" pitchFamily="34" charset="0"/>
+                <a:cs typeface="Calibri Light" pitchFamily="34" charset="0"/>
               </a:rPr>
               <a:t>REPORTING</a:t>
             </a:r>
@@ -3035,6 +2999,7 @@
             <a:r>
               <a:rPr lang="en-US" smtClean="0">
                 <a:latin typeface="Calibri Light" pitchFamily="34" charset="0"/>
+                <a:cs typeface="Calibri Light" pitchFamily="34" charset="0"/>
               </a:rPr>
               <a:t>REPORTING</a:t>
             </a:r>
@@ -3069,6 +3034,7 @@
             <a:r>
               <a:rPr lang="en-US" u="sng" smtClean="0">
                 <a:latin typeface="Calibri Light" pitchFamily="34" charset="0"/>
+                <a:cs typeface="Calibri Light" pitchFamily="34" charset="0"/>
               </a:rPr>
               <a:t>Three levels of reporting</a:t>
             </a:r>
@@ -3085,11 +3051,13 @@
             <a:r>
               <a:rPr lang="en-US" sz="700" smtClean="0">
                 <a:latin typeface="Calibri Light" pitchFamily="34" charset="0"/>
+                <a:cs typeface="Calibri Light" pitchFamily="34" charset="0"/>
               </a:rPr>
               <a:t> </a:t>
             </a:r>
             <a:endParaRPr lang="en-US" sz="700" u="sng" smtClean="0">
               <a:latin typeface="Calibri Light" pitchFamily="34" charset="0"/>
+              <a:cs typeface="Calibri Light" pitchFamily="34" charset="0"/>
             </a:endParaRPr>
           </a:p>
           <a:p>
@@ -3100,6 +3068,7 @@
             </a:pPr>
             <a:endParaRPr lang="en-US" b="1" smtClean="0">
               <a:latin typeface="Calibri Light" pitchFamily="34" charset="0"/>
+              <a:cs typeface="Calibri Light" pitchFamily="34" charset="0"/>
             </a:endParaRPr>
           </a:p>
           <a:p>
@@ -3111,6 +3080,7 @@
             <a:r>
               <a:rPr lang="en-US" sz="2500" b="1" u="sng" smtClean="0">
                 <a:latin typeface="Calibri Light" pitchFamily="34" charset="0"/>
+                <a:cs typeface="Calibri Light" pitchFamily="34" charset="0"/>
               </a:rPr>
               <a:t>ASPIRATIONAL PRESENTATION</a:t>
             </a:r>
@@ -3123,6 +3093,7 @@
             </a:pPr>
             <a:endParaRPr lang="en-US" sz="2500" b="1" smtClean="0">
               <a:latin typeface="Calibri Light" pitchFamily="34" charset="0"/>
+              <a:cs typeface="Calibri Light" pitchFamily="34" charset="0"/>
             </a:endParaRPr>
           </a:p>
           <a:p>
@@ -3134,6 +3105,7 @@
             <a:r>
               <a:rPr lang="en-US" b="1" smtClean="0">
                 <a:latin typeface="Calibri Light" pitchFamily="34" charset="0"/>
+                <a:cs typeface="Calibri Light" pitchFamily="34" charset="0"/>
               </a:rPr>
               <a:t>High Level Dashboard</a:t>
             </a:r>
@@ -3147,6 +3119,7 @@
             <a:r>
               <a:rPr lang="en-US" b="1" smtClean="0">
                 <a:latin typeface="Calibri Light" pitchFamily="34" charset="0"/>
+                <a:cs typeface="Calibri Light" pitchFamily="34" charset="0"/>
               </a:rPr>
               <a:t>Product Specific: </a:t>
             </a:r>
@@ -3160,6 +3133,7 @@
             <a:r>
               <a:rPr lang="en-US" sz="500" smtClean="0">
                 <a:latin typeface="Calibri Light" pitchFamily="34" charset="0"/>
+                <a:cs typeface="Calibri Light" pitchFamily="34" charset="0"/>
               </a:rPr>
               <a:t>       </a:t>
             </a:r>
@@ -3173,12 +3147,14 @@
             <a:r>
               <a:rPr lang="en-US" sz="1800" smtClean="0">
                 <a:latin typeface="Calibri Light" pitchFamily="34" charset="0"/>
+                <a:cs typeface="Calibri Light" pitchFamily="34" charset="0"/>
               </a:rPr>
               <a:t>       </a:t>
             </a:r>
             <a:r>
               <a:rPr lang="en-US" sz="1800" b="1" smtClean="0">
                 <a:latin typeface="Calibri Light" pitchFamily="34" charset="0"/>
+                <a:cs typeface="Calibri Light" pitchFamily="34" charset="0"/>
               </a:rPr>
               <a:t>Go / No-go Product  Dashboard</a:t>
             </a:r>
@@ -3191,6 +3167,7 @@
             </a:pPr>
             <a:endParaRPr lang="en-US" sz="1800" b="1" smtClean="0">
               <a:latin typeface="Calibri Light" pitchFamily="34" charset="0"/>
+              <a:cs typeface="Calibri Light" pitchFamily="34" charset="0"/>
             </a:endParaRPr>
           </a:p>
           <a:p>
@@ -3202,6 +3179,7 @@
             <a:r>
               <a:rPr lang="en-US" sz="800" smtClean="0">
                 <a:latin typeface="Calibri Light" pitchFamily="34" charset="0"/>
+                <a:cs typeface="Calibri Light" pitchFamily="34" charset="0"/>
               </a:rPr>
               <a:t>            </a:t>
             </a:r>
@@ -3215,6 +3193,7 @@
             <a:r>
               <a:rPr lang="en-US" b="1" smtClean="0">
                 <a:latin typeface="Calibri Light" pitchFamily="34" charset="0"/>
+                <a:cs typeface="Calibri Light" pitchFamily="34" charset="0"/>
               </a:rPr>
               <a:t>Provides:</a:t>
             </a:r>
@@ -3230,6 +3209,7 @@
             <a:r>
               <a:rPr lang="en-US" b="1" smtClean="0">
                 <a:latin typeface="Calibri Light" pitchFamily="34" charset="0"/>
+                <a:cs typeface="Calibri Light" pitchFamily="34" charset="0"/>
               </a:rPr>
               <a:t>Development Managers &amp;</a:t>
             </a:r>
@@ -3245,6 +3225,7 @@
             <a:r>
               <a:rPr lang="en-US" b="1" smtClean="0">
                 <a:latin typeface="Calibri Light" pitchFamily="34" charset="0"/>
+                <a:cs typeface="Calibri Light" pitchFamily="34" charset="0"/>
               </a:rPr>
               <a:t>Product Managers A quick look at the current health and capability to ship the product </a:t>
             </a:r>
@@ -3339,6 +3320,7 @@
             <a:r>
               <a:rPr lang="en-US" smtClean="0">
                 <a:latin typeface="Calibri Light" pitchFamily="34" charset="0"/>
+                <a:cs typeface="Calibri Light" pitchFamily="34" charset="0"/>
               </a:rPr>
               <a:t>FUTURE</a:t>
             </a:r>
@@ -3372,8 +3354,147 @@
             <a:r>
               <a:rPr lang="en-US" sz="2000" smtClean="0">
                 <a:latin typeface="Calibri Light" pitchFamily="34" charset="0"/>
-              </a:rPr>
-              <a:t>Refactor mid layer commonality.  Move commonality to the bottom Layer. </a:t>
+                <a:cs typeface="Calibri Light" pitchFamily="34" charset="0"/>
+              </a:rPr>
+              <a:t>Roll Out Framework to Development </a:t>
+            </a:r>
+          </a:p>
+          <a:p>
+            <a:pPr marL="919163" lvl="1" indent="-342900" eaLnBrk="1" hangingPunct="1">
+              <a:buFontTx/>
+              <a:buNone/>
+            </a:pPr>
+            <a:r>
+              <a:rPr lang="en-US" sz="2000" smtClean="0">
+                <a:latin typeface="Calibri Light" pitchFamily="34" charset="0"/>
+                <a:cs typeface="Calibri Light" pitchFamily="34" charset="0"/>
+              </a:rPr>
+              <a:t>Refactor Object layer commonality.  </a:t>
+            </a:r>
+          </a:p>
+          <a:p>
+            <a:pPr marL="919163" lvl="1" indent="-342900" eaLnBrk="1" hangingPunct="1">
+              <a:buFontTx/>
+              <a:buNone/>
+            </a:pPr>
+            <a:r>
+              <a:rPr lang="en-US" sz="2000" smtClean="0">
+                <a:latin typeface="Calibri Light" pitchFamily="34" charset="0"/>
+                <a:cs typeface="Calibri Light" pitchFamily="34" charset="0"/>
+              </a:rPr>
+              <a:t>Move commonality to the Base Layer. </a:t>
+            </a:r>
+          </a:p>
+          <a:p>
+            <a:pPr marL="1143000" lvl="2" indent="-228600" eaLnBrk="1" hangingPunct="1">
+              <a:buFontTx/>
+              <a:buChar char="•"/>
+            </a:pPr>
+            <a:r>
+              <a:rPr lang="en-US" sz="1600" smtClean="0">
+                <a:latin typeface="Calibri Light" pitchFamily="34" charset="0"/>
+                <a:cs typeface="Calibri Light" pitchFamily="34" charset="0"/>
+              </a:rPr>
+              <a:t>The smaller the object layer, the easier to add new capability ( new applications )</a:t>
+            </a:r>
+            <a:endParaRPr lang="en-US" sz="1800" smtClean="0">
+              <a:latin typeface="Calibri Light" pitchFamily="34" charset="0"/>
+              <a:cs typeface="Calibri Light" pitchFamily="34" charset="0"/>
+            </a:endParaRPr>
+          </a:p>
+          <a:p>
+            <a:pPr marL="919163" lvl="1" indent="-342900" eaLnBrk="1" hangingPunct="1">
+              <a:buFontTx/>
+              <a:buNone/>
+            </a:pPr>
+            <a:r>
+              <a:rPr lang="en-US" sz="2000" smtClean="0">
+                <a:latin typeface="Calibri Light" pitchFamily="34" charset="0"/>
+                <a:cs typeface="Calibri Light" pitchFamily="34" charset="0"/>
+              </a:rPr>
+              <a:t>Improve top of Object layer making more uniform</a:t>
+            </a:r>
+          </a:p>
+          <a:p>
+            <a:pPr marL="1143000" lvl="2" indent="-228600" eaLnBrk="1" hangingPunct="1">
+              <a:buFontTx/>
+              <a:buChar char="•"/>
+            </a:pPr>
+            <a:r>
+              <a:rPr lang="en-US" sz="1600" smtClean="0">
+                <a:latin typeface="Calibri Light" pitchFamily="34" charset="0"/>
+                <a:cs typeface="Calibri Light" pitchFamily="34" charset="0"/>
+              </a:rPr>
+              <a:t>The smoother the top of the object layer, the easier to write test cases</a:t>
+            </a:r>
+          </a:p>
+          <a:p>
+            <a:pPr marL="919163" lvl="1" indent="-342900" eaLnBrk="1" hangingPunct="1"/>
+            <a:endParaRPr lang="en-US" sz="1800" smtClean="0">
+              <a:latin typeface="Calibri Light" pitchFamily="34" charset="0"/>
+              <a:cs typeface="Calibri Light" pitchFamily="34" charset="0"/>
+            </a:endParaRPr>
+          </a:p>
+          <a:p>
+            <a:pPr marL="919163" lvl="1" indent="-342900" eaLnBrk="1" hangingPunct="1">
+              <a:buFontTx/>
+              <a:buNone/>
+            </a:pPr>
+            <a:r>
+              <a:rPr lang="en-US" sz="1800" smtClean="0">
+                <a:latin typeface="Calibri Light" pitchFamily="34" charset="0"/>
+                <a:cs typeface="Calibri Light" pitchFamily="34" charset="0"/>
+              </a:rPr>
+              <a:t>Decouple function calls in the upper layer from in the bottom layer and below </a:t>
+            </a:r>
+          </a:p>
+          <a:p>
+            <a:pPr marL="1143000" lvl="2" indent="-228600" eaLnBrk="1" hangingPunct="1">
+              <a:buFontTx/>
+              <a:buChar char="•"/>
+            </a:pPr>
+            <a:r>
+              <a:rPr lang="en-US" sz="1600" smtClean="0">
+                <a:latin typeface="Calibri Light" pitchFamily="34" charset="0"/>
+                <a:cs typeface="Calibri Light" pitchFamily="34" charset="0"/>
+              </a:rPr>
+              <a:t>Keep calls to Protractor in the mid Layer ( page Objects )</a:t>
+            </a:r>
+          </a:p>
+          <a:p>
+            <a:pPr marL="1143000" lvl="2" indent="-228600" eaLnBrk="1" hangingPunct="1">
+              <a:buFontTx/>
+              <a:buChar char="•"/>
+            </a:pPr>
+            <a:r>
+              <a:rPr lang="en-US" sz="1600" smtClean="0">
+                <a:latin typeface="Calibri Light" pitchFamily="34" charset="0"/>
+                <a:cs typeface="Calibri Light" pitchFamily="34" charset="0"/>
+              </a:rPr>
+              <a:t>Work in localized well isolated areas.  Keep the churn away from the dev engineers</a:t>
+            </a:r>
+          </a:p>
+          <a:p>
+            <a:pPr marL="342900" indent="-342900" eaLnBrk="1" hangingPunct="1"/>
+            <a:r>
+              <a:rPr lang="en-US" sz="800" smtClean="0">
+                <a:latin typeface="Calibri Light" pitchFamily="34" charset="0"/>
+                <a:cs typeface="Calibri Light" pitchFamily="34" charset="0"/>
+              </a:rPr>
+              <a:t>  </a:t>
+            </a:r>
+          </a:p>
+          <a:p>
+            <a:pPr marL="342900" indent="-342900" eaLnBrk="1" hangingPunct="1">
+              <a:buFontTx/>
+              <a:buChar char="•"/>
+            </a:pPr>
+            <a:r>
+              <a:rPr lang="en-US" sz="2000" smtClean="0">
+                <a:latin typeface="Calibri Light" pitchFamily="34" charset="0"/>
+                <a:cs typeface="Calibri Light" pitchFamily="34" charset="0"/>
+              </a:rPr>
+              <a:t>Ability to spin up new application</a:t>
             </a:r>
           </a:p>
           <a:p>
@@ -3384,22 +3505,22 @@
               </a:buBlip>
             </a:pPr>
             <a:r>
-              <a:rPr lang="en-US" sz="1800" smtClean="0">
+              <a:rPr lang="en-US" sz="1600" smtClean="0">
                 <a:latin typeface="Calibri Light" pitchFamily="34" charset="0"/>
-              </a:rPr>
-              <a:t>The smaller the mid layer, the easier to add new capability ( new applications )</a:t>
-            </a:r>
-          </a:p>
-          <a:p>
-            <a:pPr marL="919163" lvl="1" indent="-342900" eaLnBrk="1" hangingPunct="1">
-              <a:buFont typeface="Arial" charset="0"/>
-              <a:buBlip>
-                <a:blip r:embed="rId2"/>
-              </a:buBlip>
-            </a:pPr>
-            <a:endParaRPr lang="en-US" sz="1800" smtClean="0">
-              <a:latin typeface="Calibri Light" pitchFamily="34" charset="0"/>
-            </a:endParaRPr>
+                <a:cs typeface="Calibri Light" pitchFamily="34" charset="0"/>
+              </a:rPr>
+              <a:t>Adding support for new applications can be accomplished in ~10 working Days</a:t>
+            </a:r>
+          </a:p>
+          <a:p>
+            <a:pPr marL="342900" indent="-342900" eaLnBrk="1" hangingPunct="1"/>
+            <a:r>
+              <a:rPr lang="en-US" sz="800" smtClean="0">
+                <a:latin typeface="Calibri Light" pitchFamily="34" charset="0"/>
+                <a:cs typeface="Calibri Light" pitchFamily="34" charset="0"/>
+              </a:rPr>
+              <a:t>          </a:t>
+            </a:r>
           </a:p>
           <a:p>
             <a:pPr marL="342900" indent="-342900" eaLnBrk="1" hangingPunct="1">
@@ -3407,34 +3528,21 @@
               <a:buChar char="•"/>
             </a:pPr>
             <a:r>
-              <a:rPr lang="en-US" sz="1800" smtClean="0">
+              <a:rPr lang="en-US" sz="2000" smtClean="0">
                 <a:latin typeface="Calibri Light" pitchFamily="34" charset="0"/>
-              </a:rPr>
-              <a:t>Decouple function calls in the upper layer from in the bottom layer and below </a:t>
-            </a:r>
-          </a:p>
-          <a:p>
-            <a:pPr marL="919163" lvl="1" indent="-342900" eaLnBrk="1" hangingPunct="1">
-              <a:buFontTx/>
-              <a:buChar char="•"/>
-            </a:pPr>
-            <a:r>
-              <a:rPr lang="en-US" sz="1800" smtClean="0">
+                <a:cs typeface="Calibri Light" pitchFamily="34" charset="0"/>
+              </a:rPr>
+              <a:t>Improved Reporting,  add a dashboard, provide stasistics</a:t>
+            </a:r>
+          </a:p>
+          <a:p>
+            <a:pPr marL="342900" indent="-342900" eaLnBrk="1" hangingPunct="1"/>
+            <a:r>
+              <a:rPr lang="en-US" sz="800" smtClean="0">
                 <a:latin typeface="Calibri Light" pitchFamily="34" charset="0"/>
-              </a:rPr>
-              <a:t>Keep calls to Protractor in the mid Layer ( page Objects )</a:t>
-            </a:r>
-          </a:p>
-          <a:p>
-            <a:pPr marL="919163" lvl="1" indent="-342900" eaLnBrk="1" hangingPunct="1">
-              <a:buFont typeface="Arial" charset="0"/>
-              <a:buChar char="•"/>
-            </a:pPr>
-            <a:r>
-              <a:rPr lang="en-US" sz="1800" smtClean="0">
-                <a:latin typeface="Calibri Light" pitchFamily="34" charset="0"/>
-              </a:rPr>
-              <a:t>Work in localized well isolated areas.  Keep the churn away from the dev engineers</a:t>
+                <a:cs typeface="Calibri Light" pitchFamily="34" charset="0"/>
+              </a:rPr>
+              <a:t>          </a:t>
             </a:r>
           </a:p>
           <a:p>
@@ -3442,9 +3550,23 @@
               <a:buFontTx/>
               <a:buChar char="•"/>
             </a:pPr>
-            <a:endParaRPr lang="en-US" sz="2000" smtClean="0">
-              <a:latin typeface="Calibri Light" pitchFamily="34" charset="0"/>
-            </a:endParaRPr>
+            <a:r>
+              <a:rPr lang="en-US" sz="2000" smtClean="0">
+                <a:latin typeface="Calibri Light" pitchFamily="34" charset="0"/>
+                <a:cs typeface="Calibri Light" pitchFamily="34" charset="0"/>
+              </a:rPr>
+              <a:t>Test Headless  : Trying to overcome CPU and Memory consumption</a:t>
+            </a:r>
+          </a:p>
+          <a:p>
+            <a:pPr marL="342900" indent="-342900" eaLnBrk="1" hangingPunct="1"/>
+            <a:r>
+              <a:rPr lang="en-US" sz="800" smtClean="0">
+                <a:latin typeface="Calibri Light" pitchFamily="34" charset="0"/>
+                <a:cs typeface="Calibri Light" pitchFamily="34" charset="0"/>
+              </a:rPr>
+              <a:t>    </a:t>
+            </a:r>
           </a:p>
           <a:p>
             <a:pPr marL="342900" indent="-342900" eaLnBrk="1" hangingPunct="1">
@@ -3454,81 +3576,7 @@
             <a:r>
               <a:rPr lang="en-US" sz="2000" smtClean="0">
                 <a:latin typeface="Calibri Light" pitchFamily="34" charset="0"/>
-              </a:rPr>
-              <a:t>Ability to spin up new application</a:t>
-            </a:r>
-          </a:p>
-          <a:p>
-            <a:pPr marL="919163" lvl="1" indent="-342900" eaLnBrk="1" hangingPunct="1">
-              <a:buFont typeface="Arial" charset="0"/>
-              <a:buChar char="•"/>
-            </a:pPr>
-            <a:r>
-              <a:rPr lang="en-US" sz="1600" smtClean="0">
-                <a:latin typeface="Calibri Light" pitchFamily="34" charset="0"/>
-              </a:rPr>
-              <a:t>Adding support for new applications can be accomplished in ~10 working Days</a:t>
-            </a:r>
-          </a:p>
-          <a:p>
-            <a:pPr marL="342900" indent="-342900" eaLnBrk="1" hangingPunct="1">
-              <a:buFontTx/>
-              <a:buChar char="•"/>
-            </a:pPr>
-            <a:endParaRPr lang="en-US" sz="2000" smtClean="0">
-              <a:latin typeface="Calibri Light" pitchFamily="34" charset="0"/>
-            </a:endParaRPr>
-          </a:p>
-          <a:p>
-            <a:pPr marL="342900" indent="-342900" eaLnBrk="1" hangingPunct="1">
-              <a:buFontTx/>
-              <a:buChar char="•"/>
-            </a:pPr>
-            <a:r>
-              <a:rPr lang="en-US" sz="2000" smtClean="0">
-                <a:latin typeface="Calibri Light" pitchFamily="34" charset="0"/>
-              </a:rPr>
-              <a:t>Better Reporting</a:t>
-            </a:r>
-          </a:p>
-          <a:p>
-            <a:pPr marL="342900" indent="-342900" eaLnBrk="1" hangingPunct="1">
-              <a:buFontTx/>
-              <a:buChar char="•"/>
-            </a:pPr>
-            <a:endParaRPr lang="en-US" sz="2000" smtClean="0">
-              <a:latin typeface="Calibri Light" pitchFamily="34" charset="0"/>
-            </a:endParaRPr>
-          </a:p>
-          <a:p>
-            <a:pPr marL="342900" indent="-342900" eaLnBrk="1" hangingPunct="1">
-              <a:buFontTx/>
-              <a:buChar char="•"/>
-            </a:pPr>
-            <a:r>
-              <a:rPr lang="en-US" sz="2000" smtClean="0">
-                <a:latin typeface="Calibri Light" pitchFamily="34" charset="0"/>
-              </a:rPr>
-              <a:t>Test Headless  : Trying to overcome CPU and Memory consumption</a:t>
-            </a:r>
-          </a:p>
-          <a:p>
-            <a:pPr marL="342900" indent="-342900" eaLnBrk="1" hangingPunct="1">
-              <a:buFontTx/>
-              <a:buChar char="•"/>
-            </a:pPr>
-            <a:endParaRPr lang="en-US" sz="2000" smtClean="0">
-              <a:latin typeface="Calibri Light" pitchFamily="34" charset="0"/>
-            </a:endParaRPr>
-          </a:p>
-          <a:p>
-            <a:pPr marL="342900" indent="-342900" eaLnBrk="1" hangingPunct="1">
-              <a:buFontTx/>
-              <a:buChar char="•"/>
-            </a:pPr>
-            <a:r>
-              <a:rPr lang="en-US" sz="2000" smtClean="0">
-                <a:latin typeface="Calibri Light" pitchFamily="34" charset="0"/>
+                <a:cs typeface="Calibri Light" pitchFamily="34" charset="0"/>
               </a:rPr>
               <a:t>Mobile devices</a:t>
             </a:r>
@@ -3537,24 +3585,7 @@
             <a:pPr marL="342900" indent="-342900" eaLnBrk="1" hangingPunct="1"/>
             <a:endParaRPr lang="en-US" sz="2000" smtClean="0">
               <a:latin typeface="Calibri Light" pitchFamily="34" charset="0"/>
-            </a:endParaRPr>
-          </a:p>
-          <a:p>
-            <a:pPr marL="342900" indent="-342900" eaLnBrk="1" hangingPunct="1"/>
-            <a:endParaRPr lang="en-US" sz="2000" smtClean="0">
-              <a:latin typeface="Calibri Light" pitchFamily="34" charset="0"/>
-            </a:endParaRPr>
-          </a:p>
-          <a:p>
-            <a:pPr marL="342900" indent="-342900" eaLnBrk="1" hangingPunct="1"/>
-            <a:endParaRPr lang="en-US" sz="2000" smtClean="0">
-              <a:latin typeface="Calibri Light" pitchFamily="34" charset="0"/>
-            </a:endParaRPr>
-          </a:p>
-          <a:p>
-            <a:pPr marL="342900" indent="-342900" eaLnBrk="1" hangingPunct="1"/>
-            <a:endParaRPr lang="en-US" smtClean="0">
-              <a:latin typeface="Calibri Light" pitchFamily="34" charset="0"/>
+              <a:cs typeface="Calibri Light" pitchFamily="34" charset="0"/>
             </a:endParaRPr>
           </a:p>
         </p:txBody>
@@ -3615,6 +3646,7 @@
             <a:r>
               <a:rPr lang="en-US" smtClean="0">
                 <a:latin typeface="Calibri Light" pitchFamily="34" charset="0"/>
+                <a:cs typeface="Calibri Light" pitchFamily="34" charset="0"/>
               </a:rPr>
               <a:t>ROLL OUT</a:t>
             </a:r>
@@ -4127,6 +4159,7 @@
             <a:r>
               <a:rPr lang="en-US" smtClean="0">
                 <a:latin typeface="Calibri Light" pitchFamily="34" charset="0"/>
+                <a:cs typeface="Calibri Light" pitchFamily="34" charset="0"/>
               </a:rPr>
               <a:t>ROLES &amp; RESPONSIBILITIES</a:t>
             </a:r>
@@ -4163,6 +4196,7 @@
             <a:r>
               <a:rPr lang="en-US" sz="2000" b="1" smtClean="0">
                 <a:latin typeface="Calibri Light" pitchFamily="34" charset="0"/>
+                <a:cs typeface="Calibri Light" pitchFamily="34" charset="0"/>
               </a:rPr>
               <a:t>Shopping &amp; Buying Development Engineers</a:t>
             </a:r>
@@ -4175,14 +4209,11 @@
               <a:spcBef>
                 <a:spcPct val="0"/>
               </a:spcBef>
-              <a:buFont typeface="Arial" charset="0"/>
-              <a:buBlip>
-                <a:blip r:embed="rId2"/>
-              </a:buBlip>
             </a:pPr>
             <a:r>
               <a:rPr lang="en-US" sz="1400" smtClean="0">
                 <a:latin typeface="Calibri Light" pitchFamily="34" charset="0"/>
+                <a:cs typeface="Calibri Light" pitchFamily="34" charset="0"/>
               </a:rPr>
               <a:t>Responsible for all new  Page Level Functional Integration Tests</a:t>
             </a:r>
@@ -4195,19 +4226,17 @@
               <a:spcBef>
                 <a:spcPct val="0"/>
               </a:spcBef>
-              <a:buFont typeface="Arial" charset="0"/>
-              <a:buBlip>
-                <a:blip r:embed="rId2"/>
-              </a:buBlip>
             </a:pPr>
             <a:r>
               <a:rPr lang="en-US" sz="1400" smtClean="0">
                 <a:latin typeface="Calibri Light" pitchFamily="34" charset="0"/>
+                <a:cs typeface="Calibri Light" pitchFamily="34" charset="0"/>
               </a:rPr>
               <a:t>Responsible for correcting all test failures in  ../fitmp  directory, keeping it completely operational</a:t>
             </a:r>
             <a:endParaRPr lang="en-US" sz="1400" b="1" smtClean="0">
               <a:latin typeface="Calibri Light" pitchFamily="34" charset="0"/>
+              <a:cs typeface="Calibri Light" pitchFamily="34" charset="0"/>
             </a:endParaRPr>
           </a:p>
           <a:p>
@@ -4221,6 +4250,7 @@
             <a:r>
               <a:rPr lang="en-US" sz="2000" b="1" smtClean="0">
                 <a:latin typeface="Calibri Light" pitchFamily="34" charset="0"/>
+                <a:cs typeface="Calibri Light" pitchFamily="34" charset="0"/>
               </a:rPr>
               <a:t>Provider Directory Development Engineers </a:t>
             </a:r>
@@ -4233,14 +4263,11 @@
               <a:spcBef>
                 <a:spcPct val="0"/>
               </a:spcBef>
-              <a:buFont typeface="Arial" charset="0"/>
-              <a:buBlip>
-                <a:blip r:embed="rId2"/>
-              </a:buBlip>
             </a:pPr>
             <a:r>
               <a:rPr lang="en-US" sz="1400" smtClean="0">
                 <a:latin typeface="Calibri Light" pitchFamily="34" charset="0"/>
+                <a:cs typeface="Calibri Light" pitchFamily="34" charset="0"/>
               </a:rPr>
               <a:t>Responsible for all new Template level Functional Integration Tests</a:t>
             </a:r>
@@ -4253,14 +4280,11 @@
               <a:spcBef>
                 <a:spcPct val="0"/>
               </a:spcBef>
-              <a:buFont typeface="Arial" charset="0"/>
-              <a:buBlip>
-                <a:blip r:embed="rId2"/>
-              </a:buBlip>
             </a:pPr>
             <a:r>
               <a:rPr lang="en-US" sz="1400" smtClean="0">
                 <a:latin typeface="Calibri Light" pitchFamily="34" charset="0"/>
+                <a:cs typeface="Calibri Light" pitchFamily="34" charset="0"/>
               </a:rPr>
               <a:t>Responsible for correcting all test failures in the  ../fitpd  directory, keeping all test operational</a:t>
             </a:r>
@@ -4276,6 +4300,7 @@
             <a:r>
               <a:rPr lang="en-US" sz="2000" b="1" smtClean="0">
                 <a:latin typeface="Calibri Light" pitchFamily="34" charset="0"/>
+                <a:cs typeface="Calibri Light" pitchFamily="34" charset="0"/>
               </a:rPr>
               <a:t> Core Technology API Team engineers</a:t>
             </a:r>
@@ -4288,14 +4313,11 @@
               <a:spcBef>
                 <a:spcPct val="0"/>
               </a:spcBef>
-              <a:buFont typeface="Arial" charset="0"/>
-              <a:buBlip>
-                <a:blip r:embed="rId2"/>
-              </a:buBlip>
             </a:pPr>
             <a:r>
               <a:rPr lang="en-US" sz="1400" smtClean="0">
                 <a:latin typeface="Calibri Light" pitchFamily="34" charset="0"/>
+                <a:cs typeface="Calibri Light" pitchFamily="34" charset="0"/>
               </a:rPr>
               <a:t>Responsible for adding new tests to the REST API regression suite </a:t>
             </a:r>
@@ -4308,14 +4330,11 @@
               <a:spcBef>
                 <a:spcPct val="0"/>
               </a:spcBef>
-              <a:buFont typeface="Arial" charset="0"/>
-              <a:buBlip>
-                <a:blip r:embed="rId2"/>
-              </a:buBlip>
             </a:pPr>
             <a:r>
               <a:rPr lang="en-US" sz="1400" smtClean="0">
                 <a:latin typeface="Calibri Light" pitchFamily="34" charset="0"/>
+                <a:cs typeface="Calibri Light" pitchFamily="34" charset="0"/>
               </a:rPr>
               <a:t>Responsible for correcting all test failures in the ../fitapi directory, keeping all test operational</a:t>
             </a:r>
@@ -4331,6 +4350,7 @@
             <a:r>
               <a:rPr lang="en-US" sz="500" b="1" smtClean="0">
                 <a:latin typeface="Calibri Light" pitchFamily="34" charset="0"/>
+                <a:cs typeface="Calibri Light" pitchFamily="34" charset="0"/>
               </a:rPr>
               <a:t>             </a:t>
             </a:r>
@@ -4346,6 +4366,7 @@
             <a:r>
               <a:rPr lang="en-US" sz="2000" b="1" smtClean="0">
                 <a:latin typeface="Calibri Light" pitchFamily="34" charset="0"/>
+                <a:cs typeface="Calibri Light" pitchFamily="34" charset="0"/>
               </a:rPr>
               <a:t>NGTA Team engineers</a:t>
             </a:r>
@@ -4364,6 +4385,7 @@
             <a:r>
               <a:rPr lang="en-US" sz="1400" smtClean="0">
                 <a:latin typeface="Calibri Light" pitchFamily="34" charset="0"/>
+                <a:cs typeface="Calibri Light" pitchFamily="34" charset="0"/>
               </a:rPr>
               <a:t>Oversee and manage all Framework development. </a:t>
             </a:r>
@@ -4382,6 +4404,7 @@
             <a:r>
               <a:rPr lang="en-US" sz="1400" smtClean="0">
                 <a:latin typeface="Calibri Light" pitchFamily="34" charset="0"/>
+                <a:cs typeface="Calibri Light" pitchFamily="34" charset="0"/>
               </a:rPr>
               <a:t>Continual frame work improvement, evaluating all need for new coverage</a:t>
             </a:r>
@@ -4400,6 +4423,7 @@
             <a:r>
               <a:rPr lang="en-US" sz="1400" smtClean="0">
                 <a:latin typeface="Calibri Light" pitchFamily="34" charset="0"/>
+                <a:cs typeface="Calibri Light" pitchFamily="34" charset="0"/>
               </a:rPr>
               <a:t>Continually analyze mid layer code</a:t>
             </a:r>
@@ -4418,6 +4442,7 @@
             <a:r>
               <a:rPr lang="en-US" sz="1400" smtClean="0">
                 <a:latin typeface="Calibri Light" pitchFamily="34" charset="0"/>
+                <a:cs typeface="Calibri Light" pitchFamily="34" charset="0"/>
               </a:rPr>
               <a:t>Refactor content from mid layer to the lower common layer</a:t>
             </a:r>
@@ -4436,6 +4461,7 @@
             <a:r>
               <a:rPr lang="en-US" sz="1400" smtClean="0">
                 <a:latin typeface="Calibri Light" pitchFamily="34" charset="0"/>
+                <a:cs typeface="Calibri Light" pitchFamily="34" charset="0"/>
               </a:rPr>
               <a:t>Develop all End to End test automation scripts based on business use cases</a:t>
             </a:r>
@@ -4939,35 +4965,41 @@
             <a:r>
               <a:rPr lang="en-US" sz="3600" smtClean="0">
                 <a:latin typeface="Calibri Light" pitchFamily="34" charset="0"/>
+                <a:cs typeface="Calibri Light" pitchFamily="34" charset="0"/>
               </a:rPr>
               <a:t>Market Place  :  </a:t>
             </a:r>
             <a:r>
               <a:rPr lang="en-US" sz="2800" smtClean="0">
                 <a:latin typeface="Calibri Light" pitchFamily="34" charset="0"/>
+                <a:cs typeface="Calibri Light" pitchFamily="34" charset="0"/>
               </a:rPr>
               <a:t>Provider Directory :    Other Apps</a:t>
             </a:r>
             <a:br>
               <a:rPr lang="en-US" sz="2800" smtClean="0">
                 <a:latin typeface="Calibri Light" pitchFamily="34" charset="0"/>
+                <a:cs typeface="Calibri Light" pitchFamily="34" charset="0"/>
               </a:rPr>
             </a:br>
             <a:r>
               <a:rPr lang="en-US" sz="2800" smtClean="0">
                 <a:latin typeface="Calibri Light" pitchFamily="34" charset="0"/>
+                <a:cs typeface="Calibri Light" pitchFamily="34" charset="0"/>
               </a:rPr>
               <a:t> </a:t>
             </a:r>
             <a:r>
               <a:rPr lang="en-US" sz="2800" smtClean="0">
                 <a:latin typeface="Bauhaus 93"/>
+                <a:cs typeface="Calibri Light" pitchFamily="34" charset="0"/>
               </a:rPr>
               <a:t>  </a:t>
             </a:r>
             <a:r>
               <a:rPr lang="en-US" sz="2800" smtClean="0">
                 <a:latin typeface="Calibri Light" pitchFamily="34" charset="0"/>
+                <a:cs typeface="Calibri Light" pitchFamily="34" charset="0"/>
               </a:rPr>
               <a:t>                                 Microservice APIs</a:t>
             </a:r>
@@ -5162,12 +5194,14 @@
             <a:r>
               <a:rPr lang="en-US" smtClean="0">
                 <a:latin typeface="Calibri Light" pitchFamily="34" charset="0"/>
+                <a:cs typeface="Calibri Light" pitchFamily="34" charset="0"/>
               </a:rPr>
               <a:t>	    </a:t>
             </a:r>
             <a:r>
               <a:rPr lang="en-US" sz="1600" b="1" smtClean="0">
                 <a:latin typeface="Calibri Light" pitchFamily="34" charset="0"/>
+                <a:cs typeface="Calibri Light" pitchFamily="34" charset="0"/>
               </a:rPr>
               <a:t>Seconds</a:t>
             </a:r>
@@ -5177,6 +5211,7 @@
             <a:r>
               <a:rPr lang="en-US" smtClean="0">
                 <a:latin typeface="Calibri Light" pitchFamily="34" charset="0"/>
+                <a:cs typeface="Calibri Light" pitchFamily="34" charset="0"/>
               </a:rPr>
               <a:t>Small	5		%30</a:t>
             </a:r>
@@ -5185,6 +5220,7 @@
             <a:pPr eaLnBrk="1" hangingPunct="1"/>
             <a:endParaRPr lang="en-US" smtClean="0">
               <a:latin typeface="Calibri Light" pitchFamily="34" charset="0"/>
+              <a:cs typeface="Calibri Light" pitchFamily="34" charset="0"/>
             </a:endParaRPr>
           </a:p>
           <a:p>
@@ -5192,6 +5228,7 @@
             <a:r>
               <a:rPr lang="en-US" smtClean="0">
                 <a:latin typeface="Calibri Light" pitchFamily="34" charset="0"/>
+                <a:cs typeface="Calibri Light" pitchFamily="34" charset="0"/>
               </a:rPr>
               <a:t>Med	15		%50</a:t>
             </a:r>
@@ -5200,6 +5237,7 @@
             <a:pPr eaLnBrk="1" hangingPunct="1"/>
             <a:endParaRPr lang="en-US" smtClean="0">
               <a:latin typeface="Calibri Light" pitchFamily="34" charset="0"/>
+              <a:cs typeface="Calibri Light" pitchFamily="34" charset="0"/>
             </a:endParaRPr>
           </a:p>
           <a:p>
@@ -5207,6 +5245,7 @@
             <a:r>
               <a:rPr lang="en-US" smtClean="0">
                 <a:latin typeface="Calibri Light" pitchFamily="34" charset="0"/>
+                <a:cs typeface="Calibri Light" pitchFamily="34" charset="0"/>
               </a:rPr>
               <a:t>Large	30		%20</a:t>
             </a:r>
@@ -6828,6 +6867,7 @@
             <a:r>
               <a:rPr lang="en-US" sz="2000" b="1" smtClean="0">
                 <a:latin typeface="Calibri Light" pitchFamily="34" charset="0"/>
+                <a:cs typeface="Calibri Light" pitchFamily="34" charset="0"/>
               </a:rPr>
               <a:t>NGTA and the CX Market Place Development Team have matured since 2016. </a:t>
             </a:r>
@@ -6840,20 +6880,18 @@
               <a:spcBef>
                 <a:spcPct val="0"/>
               </a:spcBef>
-              <a:buFont typeface="Arial" charset="0"/>
-              <a:buBlip>
-                <a:blip r:embed="rId3"/>
-              </a:buBlip>
             </a:pPr>
             <a:r>
               <a:rPr lang="en-US" sz="1600" b="1" smtClean="0">
                 <a:latin typeface="Calibri Light" pitchFamily="34" charset="0"/>
+                <a:cs typeface="Calibri Light" pitchFamily="34" charset="0"/>
               </a:rPr>
               <a:t>We are able to do more and deliver to a greater audience. </a:t>
             </a:r>
             <a:r>
               <a:rPr lang="en-US" sz="1800" b="1" smtClean="0">
                 <a:latin typeface="Calibri Light" pitchFamily="34" charset="0"/>
+                <a:cs typeface="Calibri Light" pitchFamily="34" charset="0"/>
               </a:rPr>
               <a:t> </a:t>
             </a:r>
@@ -6872,6 +6910,7 @@
             <a:r>
               <a:rPr lang="en-US" sz="2000" b="1" smtClean="0">
                 <a:latin typeface="Calibri Light" pitchFamily="34" charset="0"/>
+                <a:cs typeface="Calibri Light" pitchFamily="34" charset="0"/>
               </a:rPr>
               <a:t>To scale as projected </a:t>
             </a:r>
@@ -6890,6 +6929,7 @@
             <a:r>
               <a:rPr lang="en-US" sz="1600" b="1" smtClean="0">
                 <a:latin typeface="Calibri Light" pitchFamily="34" charset="0"/>
+                <a:cs typeface="Calibri Light" pitchFamily="34" charset="0"/>
               </a:rPr>
               <a:t>we have to change how we develop tests   </a:t>
             </a:r>
@@ -6899,6 +6939,7 @@
                   <a:srgbClr val="A6A6A6"/>
                 </a:solidFill>
                 <a:latin typeface="Calibri Light" pitchFamily="34" charset="0"/>
+                <a:cs typeface="Calibri Light" pitchFamily="34" charset="0"/>
               </a:rPr>
               <a:t> </a:t>
             </a:r>
@@ -6917,6 +6958,7 @@
             <a:r>
               <a:rPr lang="en-US" sz="1600" b="1" smtClean="0">
                 <a:latin typeface="Calibri Light" pitchFamily="34" charset="0"/>
+                <a:cs typeface="Calibri Light" pitchFamily="34" charset="0"/>
               </a:rPr>
               <a:t>we have changed how we select &amp; control execution  </a:t>
             </a:r>
@@ -6925,6 +6967,7 @@
                 <a:srgbClr val="A6A6A6"/>
               </a:solidFill>
               <a:latin typeface="Calibri Light" pitchFamily="34" charset="0"/>
+              <a:cs typeface="Calibri Light" pitchFamily="34" charset="0"/>
             </a:endParaRPr>
           </a:p>
           <a:p>
@@ -6944,11 +6987,13 @@
                   <a:srgbClr val="A6A6A6"/>
                 </a:solidFill>
                 <a:latin typeface="Calibri Light" pitchFamily="34" charset="0"/>
+                <a:cs typeface="Calibri Light" pitchFamily="34" charset="0"/>
               </a:rPr>
               <a:t>   </a:t>
             </a:r>
             <a:endParaRPr lang="en-US" sz="700" b="1" smtClean="0">
               <a:latin typeface="Calibri Light" pitchFamily="34" charset="0"/>
+              <a:cs typeface="Calibri Light" pitchFamily="34" charset="0"/>
             </a:endParaRPr>
           </a:p>
           <a:p>
@@ -6965,6 +7010,7 @@
             <a:r>
               <a:rPr lang="en-US" sz="2000" b="1" smtClean="0">
                 <a:latin typeface="Calibri Light" pitchFamily="34" charset="0"/>
+                <a:cs typeface="Calibri Light" pitchFamily="34" charset="0"/>
               </a:rPr>
               <a:t>Massive reduction in the number of hours  Manual VS Automated</a:t>
             </a:r>
@@ -6982,6 +7028,7 @@
             </a:pPr>
             <a:endParaRPr lang="en-US" sz="1800" smtClean="0">
               <a:latin typeface="Calibri Light" pitchFamily="34" charset="0"/>
+              <a:cs typeface="Calibri Light" pitchFamily="34" charset="0"/>
             </a:endParaRPr>
           </a:p>
           <a:p>
@@ -6997,6 +7044,7 @@
             </a:pPr>
             <a:endParaRPr lang="en-US" sz="1800" smtClean="0">
               <a:latin typeface="Calibri Light" pitchFamily="34" charset="0"/>
+              <a:cs typeface="Calibri Light" pitchFamily="34" charset="0"/>
             </a:endParaRPr>
           </a:p>
           <a:p>
@@ -7007,6 +7055,7 @@
             </a:pPr>
             <a:endParaRPr lang="en-US" sz="2000" smtClean="0">
               <a:latin typeface="Calibri Light" pitchFamily="34" charset="0"/>
+              <a:cs typeface="Calibri Light" pitchFamily="34" charset="0"/>
             </a:endParaRPr>
           </a:p>
         </p:txBody>
@@ -7297,7 +7346,7 @@
           <p:nvPr/>
         </p:nvPicPr>
         <p:blipFill>
-          <a:blip r:embed="rId4"/>
+          <a:blip r:embed="rId3"/>
           <a:srcRect/>
           <a:stretch>
             <a:fillRect/>
@@ -7329,7 +7378,7 @@
           <p:nvPr/>
         </p:nvPicPr>
         <p:blipFill>
-          <a:blip r:embed="rId5"/>
+          <a:blip r:embed="rId4"/>
           <a:srcRect/>
           <a:stretch>
             <a:fillRect/>
@@ -7975,6 +8024,7 @@
             <a:r>
               <a:rPr lang="en-US" sz="4500" smtClean="0">
                 <a:latin typeface="Calibri Light" pitchFamily="34" charset="0"/>
+                <a:cs typeface="Calibri Light" pitchFamily="34" charset="0"/>
               </a:rPr>
               <a:t>ARCHITECTURAL TECH STACK</a:t>
             </a:r>
@@ -8799,11 +8849,7 @@
             </a:r>
             <a:r>
               <a:rPr lang="en-US" sz="1800" b="1" dirty="0" smtClean="0"/>
-              <a:t>data </a:t>
-            </a:r>
-            <a:r>
-              <a:rPr lang="en-US" sz="1800" b="1" dirty="0" smtClean="0"/>
-              <a:t>out </a:t>
+              <a:t>data out </a:t>
             </a:r>
             <a:r>
               <a:rPr lang="en-US" sz="1800" b="1" dirty="0"/>
@@ -8811,11 +8857,7 @@
             </a:r>
             <a:r>
               <a:rPr lang="en-US" sz="1800" b="1" dirty="0" smtClean="0"/>
-              <a:t>the test </a:t>
-            </a:r>
-            <a:r>
-              <a:rPr lang="en-US" sz="1800" b="1" dirty="0" smtClean="0"/>
-              <a:t>scripts</a:t>
+              <a:t>the test scripts</a:t>
             </a:r>
             <a:r>
               <a:rPr lang="en-US" sz="1800" b="1" dirty="0"/>
@@ -8823,11 +8865,7 @@
             </a:r>
             <a:r>
               <a:rPr lang="en-US" sz="1800" b="1" dirty="0" smtClean="0"/>
-              <a:t>.  Test data is now separate and usable </a:t>
-            </a:r>
-            <a:r>
-              <a:rPr lang="en-US" sz="1800" b="1" dirty="0" smtClean="0"/>
-              <a:t>all delivery phases</a:t>
+              <a:t>.  Test data is now separate and usable all delivery phases</a:t>
             </a:r>
             <a:endParaRPr lang="en-US" sz="1800" b="1" dirty="0">
               <a:ea typeface="+mn-ea"/>
@@ -8869,19 +8907,7 @@
               <a:rPr lang="en-US" sz="2000" b="1" dirty="0" smtClean="0">
                 <a:ea typeface="+mn-ea"/>
               </a:rPr>
-              <a:t> prior </a:t>
-            </a:r>
-            <a:r>
-              <a:rPr lang="en-US" sz="2000" b="1" dirty="0" smtClean="0">
-                <a:ea typeface="+mn-ea"/>
-              </a:rPr>
-              <a:t>to a test </a:t>
-            </a:r>
-            <a:r>
-              <a:rPr lang="en-US" sz="2000" b="1" dirty="0" smtClean="0">
-                <a:ea typeface="+mn-ea"/>
-              </a:rPr>
-              <a:t>run</a:t>
+              <a:t> prior to a test run</a:t>
             </a:r>
           </a:p>
           <a:p>
@@ -8897,23 +8923,8 @@
               <a:rPr lang="en-US" sz="1800" b="1" dirty="0" smtClean="0">
                 <a:ea typeface="+mn-ea"/>
               </a:rPr>
-              <a:t>Development Integration testing uses </a:t>
-            </a:r>
-            <a:r>
-              <a:rPr lang="en-US" sz="1800" b="1" dirty="0" smtClean="0">
-                <a:ea typeface="+mn-ea"/>
-              </a:rPr>
-              <a:t>the configuration model to focus testing on </a:t>
-            </a:r>
-            <a:r>
-              <a:rPr lang="en-US" sz="1800" b="1" dirty="0" smtClean="0">
-                <a:ea typeface="+mn-ea"/>
-              </a:rPr>
-              <a:t>new code</a:t>
-            </a:r>
-            <a:endParaRPr lang="en-US" sz="1800" b="1" dirty="0" smtClean="0">
-              <a:ea typeface="+mn-ea"/>
-            </a:endParaRPr>
+              <a:t>Development Integration testing uses the configuration model to focus testing on new code</a:t>
+            </a:r>
           </a:p>
           <a:p>
             <a:pPr lvl="1" eaLnBrk="1" fontAlgn="auto" hangingPunct="1">
@@ -8932,19 +8943,7 @@
               <a:rPr lang="en-US" sz="1800" b="1" dirty="0" smtClean="0">
                 <a:ea typeface="+mn-ea"/>
               </a:rPr>
-              <a:t>test same </a:t>
-            </a:r>
-            <a:r>
-              <a:rPr lang="en-US" sz="1800" b="1" dirty="0" smtClean="0">
-                <a:ea typeface="+mn-ea"/>
-              </a:rPr>
-              <a:t>deployed code w/out stepping </a:t>
-            </a:r>
-            <a:r>
-              <a:rPr lang="en-US" sz="1800" b="1" dirty="0" smtClean="0">
-                <a:ea typeface="+mn-ea"/>
-              </a:rPr>
-              <a:t>on newly developed code</a:t>
+              <a:t>test same deployed code w/out stepping on newly developed code</a:t>
             </a:r>
           </a:p>
           <a:p>
@@ -8960,9 +8959,6 @@
               </a:rPr>
               <a:t>                    </a:t>
             </a:r>
-            <a:endParaRPr lang="en-US" sz="1200" b="1" dirty="0" smtClean="0">
-              <a:ea typeface="+mn-ea"/>
-            </a:endParaRPr>
           </a:p>
           <a:p>
             <a:pPr marL="342900" indent="-342900" eaLnBrk="1" fontAlgn="auto" hangingPunct="1">
@@ -9193,13 +9189,7 @@
               <a:rPr lang="en-US" sz="2000" b="1" dirty="0" smtClean="0">
                 <a:ea typeface="+mn-ea"/>
               </a:rPr>
-              <a:t>Three primary types of </a:t>
-            </a:r>
-            <a:r>
-              <a:rPr lang="en-US" sz="2000" b="1" dirty="0" smtClean="0">
-                <a:ea typeface="+mn-ea"/>
-              </a:rPr>
-              <a:t>testing</a:t>
+              <a:t>Three primary types of testing</a:t>
             </a:r>
           </a:p>
           <a:p>
@@ -9226,108 +9216,6 @@
                 <a:ea typeface="+mn-ea"/>
               </a:rPr>
               <a:t>        </a:t>
-            </a:r>
-            <a:endParaRPr lang="en-US" sz="1200" b="1" dirty="0" smtClean="0">
-              <a:ea typeface="+mn-ea"/>
-            </a:endParaRPr>
-          </a:p>
-          <a:p>
-            <a:pPr marL="341313" lvl="1" indent="0" eaLnBrk="1" fontAlgn="auto" hangingPunct="1">
-              <a:lnSpc>
-                <a:spcPct val="150000"/>
-              </a:lnSpc>
-              <a:spcBef>
-                <a:spcPts val="0"/>
-              </a:spcBef>
-              <a:spcAft>
-                <a:spcPts val="0"/>
-              </a:spcAft>
-              <a:buNone/>
-              <a:defRPr/>
-            </a:pPr>
-            <a:r>
-              <a:rPr lang="en-US" sz="1800" b="1" dirty="0" smtClean="0">
-                <a:ea typeface="+mn-ea"/>
-              </a:rPr>
-              <a:t>Page level Functional Integration </a:t>
-            </a:r>
-          </a:p>
-          <a:p>
-            <a:pPr lvl="2" eaLnBrk="1" fontAlgn="auto" hangingPunct="1">
-              <a:lnSpc>
-                <a:spcPct val="114000"/>
-              </a:lnSpc>
-              <a:spcBef>
-                <a:spcPts val="0"/>
-              </a:spcBef>
-              <a:spcAft>
-                <a:spcPts val="0"/>
-              </a:spcAft>
-              <a:buFont typeface="Arial" panose="020B0604020202020204" pitchFamily="34" charset="0"/>
-              <a:buChar char="•"/>
-              <a:defRPr/>
-            </a:pPr>
-            <a:r>
-              <a:rPr lang="en-US" sz="1600" b="1" dirty="0" smtClean="0">
-                <a:ea typeface="+mn-ea"/>
-              </a:rPr>
-              <a:t>Static </a:t>
-            </a:r>
-            <a:r>
-              <a:rPr lang="en-US" sz="1600" b="1" dirty="0" smtClean="0">
-                <a:ea typeface="+mn-ea"/>
-              </a:rPr>
-              <a:t>&amp; Functional </a:t>
-            </a:r>
-            <a:r>
-              <a:rPr lang="en-US" sz="1600" b="1" dirty="0" smtClean="0">
-                <a:ea typeface="+mn-ea"/>
-              </a:rPr>
-              <a:t>html element analysis for all pages in all products</a:t>
-            </a:r>
-          </a:p>
-          <a:p>
-            <a:pPr lvl="3" eaLnBrk="1" fontAlgn="auto" hangingPunct="1">
-              <a:lnSpc>
-                <a:spcPct val="114000"/>
-              </a:lnSpc>
-              <a:spcBef>
-                <a:spcPts val="0"/>
-              </a:spcBef>
-              <a:spcAft>
-                <a:spcPts val="0"/>
-              </a:spcAft>
-              <a:buFont typeface="Arial" panose="020B0604020202020204" pitchFamily="34" charset="0"/>
-              <a:buChar char="•"/>
-              <a:defRPr/>
-            </a:pPr>
-            <a:r>
-              <a:rPr lang="en-US" sz="1400" b="1" dirty="0" smtClean="0">
-                <a:ea typeface="+mn-ea"/>
-              </a:rPr>
-              <a:t>Every Button, Field, Check Box, Link, page element is functionally evaluated and error checked</a:t>
-            </a:r>
-          </a:p>
-          <a:p>
-            <a:pPr lvl="3" eaLnBrk="1" fontAlgn="auto" hangingPunct="1">
-              <a:lnSpc>
-                <a:spcPct val="114000"/>
-              </a:lnSpc>
-              <a:spcBef>
-                <a:spcPts val="0"/>
-              </a:spcBef>
-              <a:spcAft>
-                <a:spcPts val="0"/>
-              </a:spcAft>
-              <a:buFont typeface="Arial" panose="020B0604020202020204" pitchFamily="34" charset="0"/>
-              <a:buChar char="•"/>
-              <a:defRPr/>
-            </a:pPr>
-            <a:r>
-              <a:rPr lang="en-US" sz="1400" b="1" dirty="0" smtClean="0">
-                <a:ea typeface="+mn-ea"/>
-              </a:rPr>
-              <a:t>All page level functionality local to a page is executed and evaluated</a:t>
             </a:r>
           </a:p>
           <a:p>
@@ -9346,14 +9234,99 @@
               <a:defRPr/>
             </a:pPr>
             <a:r>
+              <a:rPr lang="en-US" sz="1800" b="1" dirty="0" smtClean="0">
+                <a:ea typeface="+mn-ea"/>
+              </a:rPr>
+              <a:t>Page level Functional Integration </a:t>
+            </a:r>
+          </a:p>
+          <a:p>
+            <a:pPr lvl="2" eaLnBrk="1" fontAlgn="auto" hangingPunct="1">
+              <a:lnSpc>
+                <a:spcPct val="114000"/>
+              </a:lnSpc>
+              <a:spcBef>
+                <a:spcPts val="0"/>
+              </a:spcBef>
+              <a:spcAft>
+                <a:spcPts val="0"/>
+              </a:spcAft>
+              <a:buFont typeface="Arial" panose="020B0604020202020204" pitchFamily="34" charset="0"/>
+              <a:buChar char="•"/>
+              <a:defRPr/>
+            </a:pPr>
+            <a:r>
+              <a:rPr lang="en-US" sz="1600" b="1" dirty="0" smtClean="0">
+                <a:ea typeface="+mn-ea"/>
+              </a:rPr>
+              <a:t>Static &amp; Functional html element analysis for all pages in all products</a:t>
+            </a:r>
+          </a:p>
+          <a:p>
+            <a:pPr lvl="3" eaLnBrk="1" fontAlgn="auto" hangingPunct="1">
+              <a:lnSpc>
+                <a:spcPct val="114000"/>
+              </a:lnSpc>
+              <a:spcBef>
+                <a:spcPts val="0"/>
+              </a:spcBef>
+              <a:spcAft>
+                <a:spcPts val="0"/>
+              </a:spcAft>
+              <a:buFont typeface="Arial" panose="020B0604020202020204" pitchFamily="34" charset="0"/>
+              <a:buChar char="•"/>
+              <a:defRPr/>
+            </a:pPr>
+            <a:r>
+              <a:rPr lang="en-US" sz="1400" b="1" dirty="0" smtClean="0">
+                <a:ea typeface="+mn-ea"/>
+              </a:rPr>
+              <a:t>Every Button, Field, Check Box, Link, page element is functionally evaluated and error checked</a:t>
+            </a:r>
+          </a:p>
+          <a:p>
+            <a:pPr lvl="3" eaLnBrk="1" fontAlgn="auto" hangingPunct="1">
+              <a:lnSpc>
+                <a:spcPct val="114000"/>
+              </a:lnSpc>
+              <a:spcBef>
+                <a:spcPts val="0"/>
+              </a:spcBef>
+              <a:spcAft>
+                <a:spcPts val="0"/>
+              </a:spcAft>
+              <a:buFont typeface="Arial" panose="020B0604020202020204" pitchFamily="34" charset="0"/>
+              <a:buChar char="•"/>
+              <a:defRPr/>
+            </a:pPr>
+            <a:r>
+              <a:rPr lang="en-US" sz="1400" b="1" dirty="0" smtClean="0">
+                <a:ea typeface="+mn-ea"/>
+              </a:rPr>
+              <a:t>All page level functionality local to a page is executed and evaluated</a:t>
+            </a:r>
+          </a:p>
+          <a:p>
+            <a:pPr marL="341313" lvl="1" indent="0" eaLnBrk="1" fontAlgn="auto" hangingPunct="1">
+              <a:lnSpc>
+                <a:spcPct val="150000"/>
+              </a:lnSpc>
+              <a:spcBef>
+                <a:spcPts val="0"/>
+              </a:spcBef>
+              <a:spcAft>
+                <a:spcPts val="0"/>
+              </a:spcAft>
+              <a:buFontTx/>
+              <a:buNone/>
+              <a:defRPr/>
+            </a:pPr>
+            <a:r>
               <a:rPr lang="en-US" sz="900" b="1" dirty="0" smtClean="0">
                 <a:ea typeface="+mn-ea"/>
               </a:rPr>
               <a:t>     </a:t>
             </a:r>
-            <a:endParaRPr lang="en-US" sz="900" b="1" dirty="0" smtClean="0">
-              <a:ea typeface="+mn-ea"/>
-            </a:endParaRPr>
           </a:p>
           <a:p>
             <a:pPr marL="341313" lvl="1" indent="0" eaLnBrk="1" fontAlgn="auto" hangingPunct="1">
@@ -9366,6 +9339,7 @@
               <a:spcAft>
                 <a:spcPts val="0"/>
               </a:spcAft>
+              <a:buFontTx/>
               <a:buNone/>
               <a:defRPr/>
             </a:pPr>
@@ -9373,47 +9347,8 @@
               <a:rPr lang="en-US" sz="1800" b="1" dirty="0" smtClean="0">
                 <a:ea typeface="+mn-ea"/>
               </a:rPr>
-              <a:t>Application level </a:t>
-            </a:r>
-            <a:r>
-              <a:rPr lang="en-US" sz="1800" b="1" dirty="0" smtClean="0">
-                <a:ea typeface="+mn-ea"/>
-              </a:rPr>
-              <a:t>user </a:t>
-            </a:r>
-            <a:r>
-              <a:rPr lang="en-US" sz="1800" b="1" dirty="0" smtClean="0">
-                <a:ea typeface="+mn-ea"/>
-              </a:rPr>
-              <a:t>work </a:t>
-            </a:r>
-            <a:r>
-              <a:rPr lang="en-US" sz="1800" b="1" dirty="0" smtClean="0">
-                <a:ea typeface="+mn-ea"/>
-              </a:rPr>
-              <a:t>flow </a:t>
-            </a:r>
-            <a:r>
-              <a:rPr lang="en-US" sz="1800" b="1" dirty="0" smtClean="0">
-                <a:ea typeface="+mn-ea"/>
-              </a:rPr>
-              <a:t> :    Complete  </a:t>
-            </a:r>
-            <a:r>
-              <a:rPr lang="en-US" sz="1800" b="1" dirty="0" smtClean="0">
-                <a:ea typeface="+mn-ea"/>
-              </a:rPr>
-              <a:t>End to </a:t>
-            </a:r>
-            <a:r>
-              <a:rPr lang="en-US" sz="1800" b="1" dirty="0" smtClean="0">
-                <a:ea typeface="+mn-ea"/>
-              </a:rPr>
-              <a:t>End  Scenarios</a:t>
-            </a:r>
-            <a:endParaRPr lang="en-US" sz="1800" b="1" dirty="0" smtClean="0">
-              <a:ea typeface="+mn-ea"/>
-            </a:endParaRPr>
+              <a:t>Application level user work flow  :    Complete  End to End  Scenarios</a:t>
+            </a:r>
           </a:p>
           <a:p>
             <a:pPr lvl="2" eaLnBrk="1" fontAlgn="auto" hangingPunct="1">
@@ -9507,6 +9442,7 @@
               <a:spcAft>
                 <a:spcPts val="0"/>
               </a:spcAft>
+              <a:buFontTx/>
               <a:buNone/>
               <a:defRPr/>
             </a:pPr>
@@ -9514,13 +9450,7 @@
               <a:rPr lang="en-US" sz="1800" b="1" dirty="0" smtClean="0">
                 <a:ea typeface="+mn-ea"/>
               </a:rPr>
-              <a:t>Micro </a:t>
-            </a:r>
-            <a:r>
-              <a:rPr lang="en-US" sz="1800" b="1" dirty="0" smtClean="0">
-                <a:ea typeface="+mn-ea"/>
-              </a:rPr>
-              <a:t>Service REST APIs</a:t>
+              <a:t>Micro Service REST APIs</a:t>
             </a:r>
           </a:p>
           <a:p>
@@ -9544,9 +9474,6 @@
               </a:rPr>
               <a:t>Regression coverage for Micro service REST API </a:t>
             </a:r>
-            <a:endParaRPr lang="en-US" sz="1600" b="1" dirty="0" smtClean="0">
-              <a:ea typeface="+mn-ea"/>
-            </a:endParaRPr>
           </a:p>
           <a:p>
             <a:pPr lvl="2" eaLnBrk="1" fontAlgn="auto" hangingPunct="1">
@@ -9567,19 +9494,7 @@
               <a:rPr lang="en-US" sz="1600" b="1" dirty="0" smtClean="0">
                 <a:ea typeface="+mn-ea"/>
               </a:rPr>
-              <a:t>Additionally API testing is used to compare data for </a:t>
-            </a:r>
-            <a:r>
-              <a:rPr lang="en-US" sz="1600" b="1" dirty="0" smtClean="0">
-                <a:ea typeface="+mn-ea"/>
-              </a:rPr>
-              <a:t>testing in CX </a:t>
-            </a:r>
-            <a:r>
-              <a:rPr lang="en-US" sz="1600" b="1" dirty="0" smtClean="0">
-                <a:ea typeface="+mn-ea"/>
-              </a:rPr>
-              <a:t>UI Applications</a:t>
+              <a:t>Additionally API testing is used to compare data for testing in CX UI Applications</a:t>
             </a:r>
             <a:endParaRPr lang="en-US" sz="1600" b="1" dirty="0">
               <a:ea typeface="+mn-ea"/>
@@ -9734,29 +9649,33 @@
             <a:r>
               <a:rPr lang="en-US" smtClean="0">
                 <a:latin typeface="Calibri Light" pitchFamily="34" charset="0"/>
+                <a:cs typeface="Calibri Light" pitchFamily="34" charset="0"/>
               </a:rPr>
               <a:t>TEST CASES NUMBERS</a:t>
             </a:r>
             <a:br>
               <a:rPr lang="en-US" smtClean="0">
                 <a:latin typeface="Calibri Light" pitchFamily="34" charset="0"/>
+                <a:cs typeface="Calibri Light" pitchFamily="34" charset="0"/>
               </a:rPr>
             </a:br>
             <a:r>
               <a:rPr lang="en-US" sz="4000" smtClean="0">
                 <a:latin typeface="Calibri Light" pitchFamily="34" charset="0"/>
+                <a:cs typeface="Calibri Light" pitchFamily="34" charset="0"/>
               </a:rPr>
               <a:t>Market Place</a:t>
             </a:r>
             <a:endParaRPr lang="en-US" smtClean="0">
               <a:latin typeface="Calibri Light" pitchFamily="34" charset="0"/>
+              <a:cs typeface="Calibri Light" pitchFamily="34" charset="0"/>
             </a:endParaRPr>
           </a:p>
         </p:txBody>
       </p:sp>
       <p:sp>
         <p:nvSpPr>
-          <p:cNvPr id="20483" name="TextBox 12"/>
+          <p:cNvPr id="18435" name="TextBox 12"/>
           <p:cNvSpPr txBox="1">
             <a:spLocks noChangeArrowheads="1"/>
           </p:cNvSpPr>
@@ -9764,8 +9683,8 @@
         </p:nvSpPr>
         <p:spPr bwMode="auto">
           <a:xfrm>
-            <a:off x="274638" y="1735138"/>
-            <a:ext cx="8869362" cy="5139869"/>
+            <a:off x="274638" y="1582738"/>
+            <a:ext cx="8869362" cy="5268912"/>
           </a:xfrm>
           <a:prstGeom prst="rect">
             <a:avLst/>
@@ -9789,7 +9708,7 @@
               <a:buChar char="•"/>
             </a:pPr>
             <a:r>
-              <a:rPr lang="en-US" sz="2000" dirty="0">
+              <a:rPr lang="en-US" sz="2000">
                 <a:latin typeface="Calibri" pitchFamily="34" charset="0"/>
               </a:rPr>
               <a:t>Test case results are the result of functional test written                                                  for a product   X   data points tested against   X    States Tested in</a:t>
@@ -9797,7 +9716,7 @@
           </a:p>
           <a:p>
             <a:pPr marL="342900" indent="-342900"/>
-            <a:endParaRPr lang="en-US" sz="2000" dirty="0">
+            <a:endParaRPr lang="en-US" sz="2000">
               <a:latin typeface="Calibri" pitchFamily="34" charset="0"/>
             </a:endParaRPr>
           </a:p>
@@ -9807,48 +9726,30 @@
               <a:buChar char="•"/>
             </a:pPr>
             <a:r>
-              <a:rPr lang="en-US" sz="1400" b="1" dirty="0">
+              <a:rPr lang="en-US" sz="1400" b="1">
                 <a:latin typeface="Calibri" pitchFamily="34" charset="0"/>
               </a:rPr>
               <a:t>Phase 0</a:t>
             </a:r>
             <a:r>
-              <a:rPr lang="en-US" sz="1400" dirty="0">
+              <a:rPr lang="en-US" sz="1400">
                 <a:latin typeface="Calibri" pitchFamily="34" charset="0"/>
               </a:rPr>
-              <a:t> contains 4 products </a:t>
-            </a:r>
-            <a:r>
-              <a:rPr lang="en-US" sz="1400" dirty="0" smtClean="0">
+              <a:t> contains 4 products w/ 393, 478, 387, 442 test cases per product, total 1700 functional tests written.                                                                              Factoring test data points and the states where the product is deployed the calculation                                                                                                                                  </a:t>
+            </a:r>
+            <a:r>
+              <a:rPr lang="en-US" sz="2000">
                 <a:latin typeface="Calibri" pitchFamily="34" charset="0"/>
               </a:rPr>
-              <a:t>w/ 393, 478, 387, 442 test cases per product, total 1873 </a:t>
-            </a:r>
-            <a:r>
-              <a:rPr lang="en-US" sz="1400" dirty="0">
+              <a:t>4 Products tested in 5 states totals </a:t>
+            </a:r>
+            <a:r>
+              <a:rPr lang="en-US" sz="2400">
                 <a:latin typeface="Calibri" pitchFamily="34" charset="0"/>
               </a:rPr>
-              <a:t>functional tests written.                                                                              Factoring test data point into the </a:t>
-            </a:r>
-            <a:r>
-              <a:rPr lang="en-US" sz="1400" dirty="0" smtClean="0">
-                <a:latin typeface="Calibri" pitchFamily="34" charset="0"/>
-              </a:rPr>
-              <a:t>calculation ,                                                                                                                                 </a:t>
-            </a:r>
-            <a:r>
-              <a:rPr lang="en-US" sz="2000" dirty="0">
-                <a:latin typeface="Calibri" pitchFamily="34" charset="0"/>
-              </a:rPr>
-              <a:t>4 Products tested in 5 states totals </a:t>
-            </a:r>
-            <a:r>
-              <a:rPr lang="en-US" sz="2400" dirty="0">
-                <a:latin typeface="Calibri" pitchFamily="34" charset="0"/>
-              </a:rPr>
               <a:t>10125 tests</a:t>
             </a:r>
-            <a:endParaRPr lang="en-US" dirty="0">
+            <a:endParaRPr lang="en-US">
               <a:latin typeface="Calibri" pitchFamily="34" charset="0"/>
             </a:endParaRPr>
           </a:p>
@@ -9857,7 +9758,7 @@
               <a:buFont typeface="Arial" charset="0"/>
               <a:buChar char="•"/>
             </a:pPr>
-            <a:endParaRPr lang="en-US" sz="2000" dirty="0">
+            <a:endParaRPr lang="en-US" sz="2000">
               <a:latin typeface="Calibri" pitchFamily="34" charset="0"/>
             </a:endParaRPr>
           </a:p>
@@ -9867,25 +9768,35 @@
               <a:buChar char="•"/>
             </a:pPr>
             <a:r>
-              <a:rPr lang="en-US" sz="1400" b="1" dirty="0">
+              <a:rPr lang="en-US" sz="1400" b="1">
                 <a:latin typeface="Calibri" pitchFamily="34" charset="0"/>
               </a:rPr>
               <a:t>Phase 1 </a:t>
             </a:r>
             <a:r>
-              <a:rPr lang="en-US" sz="1400" dirty="0">
+              <a:rPr lang="en-US" sz="1400">
                 <a:latin typeface="Calibri" pitchFamily="34" charset="0"/>
               </a:rPr>
-              <a:t>contains 2 products with total  of 819 functional tests written.                                                                                  Factoring test data point into the calculation,                                                                                                                                       </a:t>
-            </a:r>
-            <a:r>
-              <a:rPr lang="en-US" sz="2000" dirty="0">
+              <a:t>contains 2 products with 387, 442 test cases per product, total 829 functional tests written.               Factoring test data points and the states where the product is deployed the calculation</a:t>
+            </a:r>
+            <a:r>
+              <a:rPr lang="en-US"/>
+              <a:t> </a:t>
+            </a:r>
+            <a:r>
+              <a:rPr lang="en-US" sz="1400">
                 <a:latin typeface="Calibri" pitchFamily="34" charset="0"/>
               </a:rPr>
+              <a:t>                                                                                                                                       </a:t>
+            </a:r>
+            <a:r>
+              <a:rPr lang="en-US" sz="2000">
+                <a:latin typeface="Calibri" pitchFamily="34" charset="0"/>
+              </a:rPr>
               <a:t>2 Products tested in 8 States totals </a:t>
             </a:r>
             <a:r>
-              <a:rPr lang="en-US" sz="2400" dirty="0">
+              <a:rPr lang="en-US" sz="2400">
                 <a:latin typeface="Calibri" pitchFamily="34" charset="0"/>
               </a:rPr>
               <a:t>4394 tests</a:t>
@@ -9896,7 +9807,7 @@
               <a:buFont typeface="Arial" charset="0"/>
               <a:buChar char="•"/>
             </a:pPr>
-            <a:endParaRPr lang="en-US" sz="2000" dirty="0">
+            <a:endParaRPr lang="en-US" sz="2000">
               <a:latin typeface="Calibri" pitchFamily="34" charset="0"/>
             </a:endParaRPr>
           </a:p>
@@ -9906,30 +9817,38 @@
               <a:buChar char="•"/>
             </a:pPr>
             <a:r>
-              <a:rPr lang="en-US" sz="1400" b="1" dirty="0">
+              <a:rPr lang="en-US" sz="1400" b="1">
                 <a:latin typeface="Calibri" pitchFamily="34" charset="0"/>
               </a:rPr>
               <a:t>Phase 2 </a:t>
             </a:r>
             <a:r>
-              <a:rPr lang="en-US" sz="1400" dirty="0">
+              <a:rPr lang="en-US" sz="1400">
                 <a:latin typeface="Calibri" pitchFamily="34" charset="0"/>
               </a:rPr>
-              <a:t>contains 1 products with total  of 471 functional tests written.                                                                                  Factoring test data point into the calculation,                                                                                                                                                </a:t>
-            </a:r>
-            <a:r>
-              <a:rPr lang="en-US" sz="2000" dirty="0">
+              <a:t>contains 1 products with 442 test cases per product, total 442 functional tests written.                      Factoring test data points and the states where the product is deployed the calculation</a:t>
+            </a:r>
+            <a:r>
+              <a:rPr lang="en-US" sz="1400"/>
+              <a:t>                                      </a:t>
+            </a:r>
+            <a:r>
+              <a:rPr lang="en-US"/>
+              <a:t> </a:t>
+            </a:r>
+            <a:r>
+              <a:rPr lang="en-US" sz="2000">
                 <a:latin typeface="Calibri" pitchFamily="34" charset="0"/>
               </a:rPr>
               <a:t>1 Product tested in 7 States totals </a:t>
             </a:r>
             <a:r>
-              <a:rPr lang="en-US" sz="2400" dirty="0">
+              <a:rPr lang="en-US" sz="2400">
                 <a:latin typeface="Calibri" pitchFamily="34" charset="0"/>
               </a:rPr>
               <a:t>3234 tests</a:t>
             </a:r>
-            <a:endParaRPr lang="en-US" sz="2000" dirty="0">
+            <a:endParaRPr lang="en-US" sz="2000">
               <a:latin typeface="Calibri" pitchFamily="34" charset="0"/>
             </a:endParaRPr>
           </a:p>
@@ -9938,7 +9857,7 @@
               <a:buFont typeface="Arial" charset="0"/>
               <a:buChar char="•"/>
             </a:pPr>
-            <a:endParaRPr lang="en-US" sz="2000" dirty="0">
+            <a:endParaRPr lang="en-US" sz="2000">
               <a:latin typeface="Calibri" pitchFamily="34" charset="0"/>
             </a:endParaRPr>
           </a:p>
@@ -9948,25 +9867,25 @@
               <a:buChar char="•"/>
             </a:pPr>
             <a:r>
-              <a:rPr lang="en-US" sz="1400" b="1" dirty="0">
+              <a:rPr lang="en-US" sz="1400" b="1"/>
+              <a:t>Phase 3 </a:t>
+            </a:r>
+            <a:r>
+              <a:rPr lang="en-US" sz="1400"/>
+              <a:t>contains 1 products with 442 test cases per product, total 442 functional tests written.                      Factoring test data points and the states where the product is deployed the calculation</a:t>
+            </a:r>
+            <a:r>
+              <a:rPr lang="en-US"/>
+              <a:t>                        </a:t>
+            </a:r>
+            <a:r>
+              <a:rPr lang="en-US" sz="2000">
                 <a:latin typeface="Calibri" pitchFamily="34" charset="0"/>
               </a:rPr>
-              <a:t>Phase 3 </a:t>
-            </a:r>
-            <a:r>
-              <a:rPr lang="en-US" sz="1400" dirty="0">
-                <a:latin typeface="Calibri" pitchFamily="34" charset="0"/>
-              </a:rPr>
-              <a:t>contains 1 products with total  of 471 functional tests written.                                                                                  Factoring test data point into the calculation,                                                                                                                               </a:t>
-            </a:r>
-            <a:r>
-              <a:rPr lang="en-US" sz="2000" dirty="0">
-                <a:latin typeface="Calibri" pitchFamily="34" charset="0"/>
-              </a:rPr>
               <a:t>1 Product tested in 7 States totals </a:t>
             </a:r>
             <a:r>
-              <a:rPr lang="en-US" sz="2400" dirty="0">
+              <a:rPr lang="en-US" sz="2400">
                 <a:latin typeface="Calibri" pitchFamily="34" charset="0"/>
               </a:rPr>
               <a:t>3234 tests</a:t>
@@ -10308,7 +10227,7 @@
   <a:extraClrSchemeLst/>
   <a:extLst>
     <a:ext uri="{05A4C25C-085E-4340-85A3-A5531E510DB2}">
-      <thm15:themeFamily xmlns:thm15="http://schemas.microsoft.com/office/thememl/2012/main" name="Presentation2" id="{E033CE4F-DAC9-4DC1-B085-D07FC0345DDB}" vid="{0783260F-4856-4ED7-B8E5-5C83CC1572CF}"/>
+      <thm15:themeFamily xmlns="" xmlns:thm15="http://schemas.microsoft.com/office/thememl/2012/main" name="Presentation2" id="{E033CE4F-DAC9-4DC1-B085-D07FC0345DDB}" vid="{0783260F-4856-4ED7-B8E5-5C83CC1572CF}"/>
     </a:ext>
   </a:extLst>
 </a:theme>
@@ -10569,7 +10488,7 @@
   <a:extraClrSchemeLst/>
   <a:extLst>
     <a:ext uri="{05A4C25C-085E-4340-85A3-A5531E510DB2}">
-      <thm15:themeFamily xmlns:thm15="http://schemas.microsoft.com/office/thememl/2012/main" name="Office Theme" id="{62F939B6-93AF-4DB8-9C6B-D6C7DFDC589F}" vid="{4A3C46E8-61CC-4603-A589-7422A47A8E4A}"/>
+      <thm15:themeFamily xmlns="" xmlns:thm15="http://schemas.microsoft.com/office/thememl/2012/main" name="Office Theme" id="{62F939B6-93AF-4DB8-9C6B-D6C7DFDC589F}" vid="{4A3C46E8-61CC-4603-A589-7422A47A8E4A}"/>
     </a:ext>
   </a:extLst>
 </a:theme>

--- a/CurrentWork_Delta/CX_StrategyPowerPoint.pptx
+++ b/CurrentWork_Delta/CX_StrategyPowerPoint.pptx
@@ -154,6 +154,25 @@
       </a:defRPr>
     </a:lvl9pPr>
   </p:defaultTextStyle>
+  <p:extLst>
+    <p:ext uri="{EFAFB233-063F-42B5-8137-9DF3F51BA10A}">
+      <p15:sldGuideLst xmlns:p15="http://schemas.microsoft.com/office/powerpoint/2012/main">
+        <p15:guide id="1" orient="horz" pos="2625">
+          <p15:clr>
+            <a:srgbClr val="A4A3A4"/>
+          </p15:clr>
+        </p15:guide>
+        <p15:guide id="2" pos="2880">
+          <p15:clr>
+            <a:srgbClr val="A4A3A4"/>
+          </p15:clr>
+        </p15:guide>
+      </p15:sldGuideLst>
+    </p:ext>
+    <p:ext uri="{2D200454-40CA-4A62-9FC3-DE9A4176ACB9}">
+      <p15:notesGuideLst xmlns:p15="http://schemas.microsoft.com/office/powerpoint/2012/main"/>
+    </p:ext>
+  </p:extLst>
 </p:presentation>
 </file>
 
@@ -266,7 +285,7 @@
               <a:pPr>
                 <a:defRPr/>
               </a:pPr>
-              <a:t>4/13/2018</a:t>
+              <a:t>4/16/2018</a:t>
             </a:fld>
             <a:endParaRPr lang="en-US"/>
           </a:p>
@@ -460,6 +479,11 @@
         </p:txBody>
       </p:sp>
     </p:spTree>
+    <p:extLst>
+      <p:ext uri="{BB962C8B-B14F-4D97-AF65-F5344CB8AC3E}">
+        <p14:creationId xmlns:p14="http://schemas.microsoft.com/office/powerpoint/2010/main" val="1764915155"/>
+      </p:ext>
+    </p:extLst>
   </p:cSld>
   <p:clrMap bg1="lt1" tx1="dk1" bg2="lt2" tx2="dk2" accent1="accent1" accent2="accent2" accent3="accent3" accent4="accent4" accent5="accent5" accent6="accent6" hlink="hlink" folHlink="folHlink"/>
   <p:notesStyle>
@@ -712,6 +736,11 @@
         </p:txBody>
       </p:sp>
     </p:spTree>
+    <p:extLst>
+      <p:ext uri="{BB962C8B-B14F-4D97-AF65-F5344CB8AC3E}">
+        <p14:creationId xmlns:p14="http://schemas.microsoft.com/office/powerpoint/2010/main" val="4219237308"/>
+      </p:ext>
+    </p:extLst>
   </p:cSld>
   <p:clrMapOvr>
     <a:masterClrMapping/>
@@ -844,6 +873,11 @@
         </p:txBody>
       </p:sp>
     </p:spTree>
+    <p:extLst>
+      <p:ext uri="{BB962C8B-B14F-4D97-AF65-F5344CB8AC3E}">
+        <p14:creationId xmlns:p14="http://schemas.microsoft.com/office/powerpoint/2010/main" val="2298562049"/>
+      </p:ext>
+    </p:extLst>
   </p:cSld>
   <p:clrMapOvr>
     <a:masterClrMapping/>
@@ -976,6 +1010,11 @@
         </p:txBody>
       </p:sp>
     </p:spTree>
+    <p:extLst>
+      <p:ext uri="{BB962C8B-B14F-4D97-AF65-F5344CB8AC3E}">
+        <p14:creationId xmlns:p14="http://schemas.microsoft.com/office/powerpoint/2010/main" val="2454052996"/>
+      </p:ext>
+    </p:extLst>
   </p:cSld>
   <p:clrMapOvr>
     <a:masterClrMapping/>
@@ -2412,7 +2451,7 @@
               </a:lnSpc>
             </a:pPr>
             <a:r>
-              <a:rPr lang="en-US" sz="5000">
+              <a:rPr lang="en-US" sz="5000" dirty="0">
                 <a:solidFill>
                   <a:srgbClr val="128BAD"/>
                 </a:solidFill>
@@ -2428,7 +2467,7 @@
               </a:lnSpc>
             </a:pPr>
             <a:r>
-              <a:rPr lang="en-US" sz="5000">
+              <a:rPr lang="en-US" sz="5000" dirty="0">
                 <a:solidFill>
                   <a:srgbClr val="128BAD"/>
                 </a:solidFill>
@@ -3869,7 +3908,7 @@
         <p:spPr bwMode="auto">
           <a:xfrm>
             <a:off x="282575" y="4135438"/>
-            <a:ext cx="3316288" cy="2293937"/>
+            <a:ext cx="2986405" cy="2293937"/>
           </a:xfrm>
           <a:prstGeom prst="rect">
             <a:avLst/>
@@ -3894,14 +3933,14 @@
               <a:buChar char="•"/>
             </a:pPr>
             <a:r>
-              <a:rPr lang="en-US" sz="2000" b="1">
+              <a:rPr lang="en-US" sz="2000" b="1" dirty="0">
                 <a:latin typeface="Calibri Light" pitchFamily="34" charset="0"/>
               </a:rPr>
               <a:t>NGTA team continues development of the Test Automation framework</a:t>
             </a:r>
           </a:p>
           <a:p>
-            <a:pPr marL="919163" lvl="1" indent="-342900">
+            <a:pPr marL="461963" indent="-342900">
               <a:lnSpc>
                 <a:spcPct val="125000"/>
               </a:lnSpc>
@@ -3909,7 +3948,7 @@
               <a:buChar char="•"/>
             </a:pPr>
             <a:r>
-              <a:rPr lang="en-US" sz="1400" b="1">
+              <a:rPr lang="en-US" sz="1400" b="1" dirty="0">
                 <a:latin typeface="Calibri" pitchFamily="34" charset="0"/>
               </a:rPr>
               <a:t>Refactoring the Mid Layer is key to adding more product under test</a:t>
@@ -4039,8 +4078,8 @@
         </p:nvSpPr>
         <p:spPr bwMode="auto">
           <a:xfrm>
-            <a:off x="3848100" y="4610100"/>
-            <a:ext cx="595313" cy="369888"/>
+            <a:off x="3322320" y="4448175"/>
+            <a:ext cx="1322705" cy="769441"/>
           </a:xfrm>
           <a:prstGeom prst="rect">
             <a:avLst/>
@@ -4054,15 +4093,16 @@
           </a:ln>
         </p:spPr>
         <p:txBody>
-          <a:bodyPr wrap="none">
+          <a:bodyPr wrap="square">
             <a:spAutoFit/>
           </a:bodyPr>
           <a:lstStyle/>
           <a:p>
             <a:r>
-              <a:rPr lang="en-US"/>
-              <a:t>Dev</a:t>
-            </a:r>
+              <a:rPr lang="en-US" sz="1100" dirty="0" smtClean="0"/>
+              <a:t>Development Engineers Focus Attention on this layer for testing</a:t>
+            </a:r>
+            <a:endParaRPr lang="en-US" sz="1100" dirty="0"/>
           </a:p>
         </p:txBody>
       </p:sp>
@@ -4076,8 +4116,8 @@
         </p:nvSpPr>
         <p:spPr bwMode="auto">
           <a:xfrm>
-            <a:off x="3549650" y="5721350"/>
-            <a:ext cx="1095375" cy="368300"/>
+            <a:off x="3434080" y="5471934"/>
+            <a:ext cx="1160145" cy="938719"/>
           </a:xfrm>
           <a:prstGeom prst="rect">
             <a:avLst/>
@@ -4091,15 +4131,16 @@
           </a:ln>
         </p:spPr>
         <p:txBody>
-          <a:bodyPr wrap="none">
+          <a:bodyPr wrap="square">
             <a:spAutoFit/>
           </a:bodyPr>
           <a:lstStyle/>
           <a:p>
             <a:r>
-              <a:rPr lang="en-US"/>
-              <a:t>NextGen</a:t>
-            </a:r>
+              <a:rPr lang="en-US" sz="1100" dirty="0" smtClean="0"/>
+              <a:t>NextGen Test Automation  staff enhance and improve these layers</a:t>
+            </a:r>
+            <a:endParaRPr lang="en-US" sz="1100" dirty="0"/>
           </a:p>
         </p:txBody>
       </p:sp>
@@ -4194,7 +4235,7 @@
               <a:buChar char="•"/>
             </a:pPr>
             <a:r>
-              <a:rPr lang="en-US" sz="2000" b="1" smtClean="0">
+              <a:rPr lang="en-US" sz="2000" b="1" dirty="0" smtClean="0">
                 <a:latin typeface="Calibri Light" pitchFamily="34" charset="0"/>
                 <a:cs typeface="Calibri Light" pitchFamily="34" charset="0"/>
               </a:rPr>
@@ -4209,9 +4250,11 @@
               <a:spcBef>
                 <a:spcPct val="0"/>
               </a:spcBef>
-            </a:pPr>
-            <a:r>
-              <a:rPr lang="en-US" sz="1400" smtClean="0">
+              <a:buFont typeface="Arial" panose="020B0604020202020204" pitchFamily="34" charset="0"/>
+              <a:buChar char="•"/>
+            </a:pPr>
+            <a:r>
+              <a:rPr lang="en-US" sz="1400" dirty="0" smtClean="0">
                 <a:latin typeface="Calibri Light" pitchFamily="34" charset="0"/>
                 <a:cs typeface="Calibri Light" pitchFamily="34" charset="0"/>
               </a:rPr>
@@ -4226,15 +4269,31 @@
               <a:spcBef>
                 <a:spcPct val="0"/>
               </a:spcBef>
-            </a:pPr>
-            <a:r>
-              <a:rPr lang="en-US" sz="1400" smtClean="0">
+              <a:buFont typeface="Arial" panose="020B0604020202020204" pitchFamily="34" charset="0"/>
+              <a:buChar char="•"/>
+            </a:pPr>
+            <a:r>
+              <a:rPr lang="en-US" sz="1400" dirty="0" smtClean="0">
                 <a:latin typeface="Calibri Light" pitchFamily="34" charset="0"/>
                 <a:cs typeface="Calibri Light" pitchFamily="34" charset="0"/>
               </a:rPr>
-              <a:t>Responsible for correcting all test failures in  ../fitmp  directory, keeping it completely operational</a:t>
-            </a:r>
-            <a:endParaRPr lang="en-US" sz="1400" b="1" smtClean="0">
+              <a:t>Responsible for correcting all test failures in  ../</a:t>
+            </a:r>
+            <a:r>
+              <a:rPr lang="en-US" sz="1400" dirty="0" err="1" smtClean="0">
+                <a:latin typeface="Calibri Light" pitchFamily="34" charset="0"/>
+                <a:cs typeface="Calibri Light" pitchFamily="34" charset="0"/>
+              </a:rPr>
+              <a:t>fitmp</a:t>
+            </a:r>
+            <a:r>
+              <a:rPr lang="en-US" sz="1400" dirty="0" smtClean="0">
+                <a:latin typeface="Calibri Light" pitchFamily="34" charset="0"/>
+                <a:cs typeface="Calibri Light" pitchFamily="34" charset="0"/>
+              </a:rPr>
+              <a:t>  directory, keeping it completely operational</a:t>
+            </a:r>
+            <a:endParaRPr lang="en-US" sz="1400" b="1" dirty="0" smtClean="0">
               <a:latin typeface="Calibri Light" pitchFamily="34" charset="0"/>
               <a:cs typeface="Calibri Light" pitchFamily="34" charset="0"/>
             </a:endParaRPr>
@@ -4248,7 +4307,7 @@
               <a:buChar char="•"/>
             </a:pPr>
             <a:r>
-              <a:rPr lang="en-US" sz="2000" b="1" smtClean="0">
+              <a:rPr lang="en-US" sz="2000" b="1" dirty="0" smtClean="0">
                 <a:latin typeface="Calibri Light" pitchFamily="34" charset="0"/>
                 <a:cs typeface="Calibri Light" pitchFamily="34" charset="0"/>
               </a:rPr>
@@ -4263,9 +4322,11 @@
               <a:spcBef>
                 <a:spcPct val="0"/>
               </a:spcBef>
-            </a:pPr>
-            <a:r>
-              <a:rPr lang="en-US" sz="1400" smtClean="0">
+              <a:buFont typeface="Arial" panose="020B0604020202020204" pitchFamily="34" charset="0"/>
+              <a:buChar char="•"/>
+            </a:pPr>
+            <a:r>
+              <a:rPr lang="en-US" sz="1400" dirty="0" smtClean="0">
                 <a:latin typeface="Calibri Light" pitchFamily="34" charset="0"/>
                 <a:cs typeface="Calibri Light" pitchFamily="34" charset="0"/>
               </a:rPr>
@@ -4280,13 +4341,29 @@
               <a:spcBef>
                 <a:spcPct val="0"/>
               </a:spcBef>
-            </a:pPr>
-            <a:r>
-              <a:rPr lang="en-US" sz="1400" smtClean="0">
+              <a:buFont typeface="Arial" panose="020B0604020202020204" pitchFamily="34" charset="0"/>
+              <a:buChar char="•"/>
+            </a:pPr>
+            <a:r>
+              <a:rPr lang="en-US" sz="1400" dirty="0" smtClean="0">
                 <a:latin typeface="Calibri Light" pitchFamily="34" charset="0"/>
                 <a:cs typeface="Calibri Light" pitchFamily="34" charset="0"/>
               </a:rPr>
-              <a:t>Responsible for correcting all test failures in the  ../fitpd  directory, keeping all test operational</a:t>
+              <a:t>Responsible for correcting all test failures in the  ../</a:t>
+            </a:r>
+            <a:r>
+              <a:rPr lang="en-US" sz="1400" dirty="0" err="1" smtClean="0">
+                <a:latin typeface="Calibri Light" pitchFamily="34" charset="0"/>
+                <a:cs typeface="Calibri Light" pitchFamily="34" charset="0"/>
+              </a:rPr>
+              <a:t>fitpd</a:t>
+            </a:r>
+            <a:r>
+              <a:rPr lang="en-US" sz="1400" dirty="0" smtClean="0">
+                <a:latin typeface="Calibri Light" pitchFamily="34" charset="0"/>
+                <a:cs typeface="Calibri Light" pitchFamily="34" charset="0"/>
+              </a:rPr>
+              <a:t>  directory, keeping all test operational</a:t>
             </a:r>
           </a:p>
           <a:p>
@@ -4298,7 +4375,7 @@
               <a:buChar char="•"/>
             </a:pPr>
             <a:r>
-              <a:rPr lang="en-US" sz="2000" b="1" smtClean="0">
+              <a:rPr lang="en-US" sz="2000" b="1" dirty="0" smtClean="0">
                 <a:latin typeface="Calibri Light" pitchFamily="34" charset="0"/>
                 <a:cs typeface="Calibri Light" pitchFamily="34" charset="0"/>
               </a:rPr>
@@ -4313,9 +4390,11 @@
               <a:spcBef>
                 <a:spcPct val="0"/>
               </a:spcBef>
-            </a:pPr>
-            <a:r>
-              <a:rPr lang="en-US" sz="1400" smtClean="0">
+              <a:buFont typeface="Arial" panose="020B0604020202020204" pitchFamily="34" charset="0"/>
+              <a:buChar char="•"/>
+            </a:pPr>
+            <a:r>
+              <a:rPr lang="en-US" sz="1400" dirty="0" smtClean="0">
                 <a:latin typeface="Calibri Light" pitchFamily="34" charset="0"/>
                 <a:cs typeface="Calibri Light" pitchFamily="34" charset="0"/>
               </a:rPr>
@@ -4330,13 +4409,29 @@
               <a:spcBef>
                 <a:spcPct val="0"/>
               </a:spcBef>
-            </a:pPr>
-            <a:r>
-              <a:rPr lang="en-US" sz="1400" smtClean="0">
+              <a:buFont typeface="Arial" panose="020B0604020202020204" pitchFamily="34" charset="0"/>
+              <a:buChar char="•"/>
+            </a:pPr>
+            <a:r>
+              <a:rPr lang="en-US" sz="1400" dirty="0" smtClean="0">
                 <a:latin typeface="Calibri Light" pitchFamily="34" charset="0"/>
                 <a:cs typeface="Calibri Light" pitchFamily="34" charset="0"/>
               </a:rPr>
-              <a:t>Responsible for correcting all test failures in the ../fitapi directory, keeping all test operational</a:t>
+              <a:t>Responsible for correcting all test failures in the ../</a:t>
+            </a:r>
+            <a:r>
+              <a:rPr lang="en-US" sz="1400" dirty="0" err="1" smtClean="0">
+                <a:latin typeface="Calibri Light" pitchFamily="34" charset="0"/>
+                <a:cs typeface="Calibri Light" pitchFamily="34" charset="0"/>
+              </a:rPr>
+              <a:t>fitapi</a:t>
+            </a:r>
+            <a:r>
+              <a:rPr lang="en-US" sz="1400" dirty="0" smtClean="0">
+                <a:latin typeface="Calibri Light" pitchFamily="34" charset="0"/>
+                <a:cs typeface="Calibri Light" pitchFamily="34" charset="0"/>
+              </a:rPr>
+              <a:t> directory, keeping all test operational</a:t>
             </a:r>
           </a:p>
           <a:p>
@@ -4348,7 +4443,7 @@
               <a:buChar char="•"/>
             </a:pPr>
             <a:r>
-              <a:rPr lang="en-US" sz="500" b="1" smtClean="0">
+              <a:rPr lang="en-US" sz="500" b="1" dirty="0" smtClean="0">
                 <a:latin typeface="Calibri Light" pitchFamily="34" charset="0"/>
                 <a:cs typeface="Calibri Light" pitchFamily="34" charset="0"/>
               </a:rPr>
@@ -4364,7 +4459,7 @@
               <a:buChar char="•"/>
             </a:pPr>
             <a:r>
-              <a:rPr lang="en-US" sz="2000" b="1" smtClean="0">
+              <a:rPr lang="en-US" sz="2000" b="1" dirty="0" smtClean="0">
                 <a:latin typeface="Calibri Light" pitchFamily="34" charset="0"/>
                 <a:cs typeface="Calibri Light" pitchFamily="34" charset="0"/>
               </a:rPr>
@@ -4383,7 +4478,7 @@
               <a:buChar char="•"/>
             </a:pPr>
             <a:r>
-              <a:rPr lang="en-US" sz="1400" smtClean="0">
+              <a:rPr lang="en-US" sz="1400" dirty="0" smtClean="0">
                 <a:latin typeface="Calibri Light" pitchFamily="34" charset="0"/>
                 <a:cs typeface="Calibri Light" pitchFamily="34" charset="0"/>
               </a:rPr>
@@ -4402,7 +4497,7 @@
               <a:buChar char="•"/>
             </a:pPr>
             <a:r>
-              <a:rPr lang="en-US" sz="1400" smtClean="0">
+              <a:rPr lang="en-US" sz="1400" dirty="0" smtClean="0">
                 <a:latin typeface="Calibri Light" pitchFamily="34" charset="0"/>
                 <a:cs typeface="Calibri Light" pitchFamily="34" charset="0"/>
               </a:rPr>
@@ -4421,7 +4516,7 @@
               <a:buChar char="•"/>
             </a:pPr>
             <a:r>
-              <a:rPr lang="en-US" sz="1400" smtClean="0">
+              <a:rPr lang="en-US" sz="1400" dirty="0" smtClean="0">
                 <a:latin typeface="Calibri Light" pitchFamily="34" charset="0"/>
                 <a:cs typeface="Calibri Light" pitchFamily="34" charset="0"/>
               </a:rPr>
@@ -4440,7 +4535,7 @@
               <a:buChar char="•"/>
             </a:pPr>
             <a:r>
-              <a:rPr lang="en-US" sz="1400" smtClean="0">
+              <a:rPr lang="en-US" sz="1400" dirty="0" smtClean="0">
                 <a:latin typeface="Calibri Light" pitchFamily="34" charset="0"/>
                 <a:cs typeface="Calibri Light" pitchFamily="34" charset="0"/>
               </a:rPr>
@@ -4459,7 +4554,7 @@
               <a:buChar char="•"/>
             </a:pPr>
             <a:r>
-              <a:rPr lang="en-US" sz="1400" smtClean="0">
+              <a:rPr lang="en-US" sz="1400" dirty="0" smtClean="0">
                 <a:latin typeface="Calibri Light" pitchFamily="34" charset="0"/>
                 <a:cs typeface="Calibri Light" pitchFamily="34" charset="0"/>
               </a:rPr>
@@ -6865,7 +6960,7 @@
               <a:buChar char="•"/>
             </a:pPr>
             <a:r>
-              <a:rPr lang="en-US" sz="2000" b="1" smtClean="0">
+              <a:rPr lang="en-US" sz="2000" b="1" dirty="0" smtClean="0">
                 <a:latin typeface="Calibri Light" pitchFamily="34" charset="0"/>
                 <a:cs typeface="Calibri Light" pitchFamily="34" charset="0"/>
               </a:rPr>
@@ -6880,16 +6975,18 @@
               <a:spcBef>
                 <a:spcPct val="0"/>
               </a:spcBef>
-            </a:pPr>
-            <a:r>
-              <a:rPr lang="en-US" sz="1600" b="1" smtClean="0">
+              <a:buFont typeface="Arial" panose="020B0604020202020204" pitchFamily="34" charset="0"/>
+              <a:buChar char="•"/>
+            </a:pPr>
+            <a:r>
+              <a:rPr lang="en-US" sz="1600" b="1" dirty="0" smtClean="0">
                 <a:latin typeface="Calibri Light" pitchFamily="34" charset="0"/>
                 <a:cs typeface="Calibri Light" pitchFamily="34" charset="0"/>
               </a:rPr>
               <a:t>We are able to do more and deliver to a greater audience. </a:t>
             </a:r>
             <a:r>
-              <a:rPr lang="en-US" sz="1800" b="1" smtClean="0">
+              <a:rPr lang="en-US" sz="1800" b="1" dirty="0" smtClean="0">
                 <a:latin typeface="Calibri Light" pitchFamily="34" charset="0"/>
                 <a:cs typeface="Calibri Light" pitchFamily="34" charset="0"/>
               </a:rPr>
@@ -6908,7 +7005,7 @@
               <a:buChar char="•"/>
             </a:pPr>
             <a:r>
-              <a:rPr lang="en-US" sz="2000" b="1" smtClean="0">
+              <a:rPr lang="en-US" sz="2000" b="1" dirty="0" smtClean="0">
                 <a:latin typeface="Calibri Light" pitchFamily="34" charset="0"/>
                 <a:cs typeface="Calibri Light" pitchFamily="34" charset="0"/>
               </a:rPr>
@@ -6927,14 +7024,14 @@
               <a:buChar char="•"/>
             </a:pPr>
             <a:r>
-              <a:rPr lang="en-US" sz="1600" b="1" smtClean="0">
+              <a:rPr lang="en-US" sz="1600" b="1" dirty="0" smtClean="0">
                 <a:latin typeface="Calibri Light" pitchFamily="34" charset="0"/>
                 <a:cs typeface="Calibri Light" pitchFamily="34" charset="0"/>
               </a:rPr>
               <a:t>we have to change how we develop tests   </a:t>
             </a:r>
             <a:r>
-              <a:rPr lang="en-US" sz="1000" b="1" smtClean="0">
+              <a:rPr lang="en-US" sz="1000" b="1" dirty="0" smtClean="0">
                 <a:solidFill>
                   <a:srgbClr val="A6A6A6"/>
                 </a:solidFill>
@@ -6956,13 +7053,13 @@
               <a:buChar char="•"/>
             </a:pPr>
             <a:r>
-              <a:rPr lang="en-US" sz="1600" b="1" smtClean="0">
+              <a:rPr lang="en-US" sz="1600" b="1" dirty="0" smtClean="0">
                 <a:latin typeface="Calibri Light" pitchFamily="34" charset="0"/>
                 <a:cs typeface="Calibri Light" pitchFamily="34" charset="0"/>
               </a:rPr>
               <a:t>we have changed how we select &amp; control execution  </a:t>
             </a:r>
-            <a:endParaRPr lang="en-US" sz="1000" b="1" smtClean="0">
+            <a:endParaRPr lang="en-US" sz="1000" b="1" dirty="0" smtClean="0">
               <a:solidFill>
                 <a:srgbClr val="A6A6A6"/>
               </a:solidFill>
@@ -6982,7 +7079,7 @@
               <a:buNone/>
             </a:pPr>
             <a:r>
-              <a:rPr lang="en-US" sz="200" b="1" smtClean="0">
+              <a:rPr lang="en-US" sz="200" b="1" dirty="0" smtClean="0">
                 <a:solidFill>
                   <a:srgbClr val="A6A6A6"/>
                 </a:solidFill>
@@ -6991,7 +7088,7 @@
               </a:rPr>
               <a:t>   </a:t>
             </a:r>
-            <a:endParaRPr lang="en-US" sz="700" b="1" smtClean="0">
+            <a:endParaRPr lang="en-US" sz="700" b="1" dirty="0" smtClean="0">
               <a:latin typeface="Calibri Light" pitchFamily="34" charset="0"/>
               <a:cs typeface="Calibri Light" pitchFamily="34" charset="0"/>
             </a:endParaRPr>
@@ -7008,7 +7105,7 @@
               <a:buChar char="•"/>
             </a:pPr>
             <a:r>
-              <a:rPr lang="en-US" sz="2000" b="1" smtClean="0">
+              <a:rPr lang="en-US" sz="2000" b="1" dirty="0" smtClean="0">
                 <a:latin typeface="Calibri Light" pitchFamily="34" charset="0"/>
                 <a:cs typeface="Calibri Light" pitchFamily="34" charset="0"/>
               </a:rPr>
@@ -7026,7 +7123,7 @@
               <a:buFontTx/>
               <a:buNone/>
             </a:pPr>
-            <a:endParaRPr lang="en-US" sz="1800" smtClean="0">
+            <a:endParaRPr lang="en-US" sz="1800" dirty="0" smtClean="0">
               <a:latin typeface="Calibri Light" pitchFamily="34" charset="0"/>
               <a:cs typeface="Calibri Light" pitchFamily="34" charset="0"/>
             </a:endParaRPr>
@@ -7042,7 +7139,7 @@
               <a:buFont typeface="Arial" charset="0"/>
               <a:buChar char="•"/>
             </a:pPr>
-            <a:endParaRPr lang="en-US" sz="1800" smtClean="0">
+            <a:endParaRPr lang="en-US" sz="1800" dirty="0" smtClean="0">
               <a:latin typeface="Calibri Light" pitchFamily="34" charset="0"/>
               <a:cs typeface="Calibri Light" pitchFamily="34" charset="0"/>
             </a:endParaRPr>
@@ -7053,7 +7150,7 @@
                 <a:spcPct val="70000"/>
               </a:lnSpc>
             </a:pPr>
-            <a:endParaRPr lang="en-US" sz="2000" smtClean="0">
+            <a:endParaRPr lang="en-US" sz="2000" dirty="0" smtClean="0">
               <a:latin typeface="Calibri Light" pitchFamily="34" charset="0"/>
               <a:cs typeface="Calibri Light" pitchFamily="34" charset="0"/>
             </a:endParaRPr>
@@ -10227,7 +10324,7 @@
   <a:extraClrSchemeLst/>
   <a:extLst>
     <a:ext uri="{05A4C25C-085E-4340-85A3-A5531E510DB2}">
-      <thm15:themeFamily xmlns="" xmlns:thm15="http://schemas.microsoft.com/office/thememl/2012/main" name="Presentation2" id="{E033CE4F-DAC9-4DC1-B085-D07FC0345DDB}" vid="{0783260F-4856-4ED7-B8E5-5C83CC1572CF}"/>
+      <thm15:themeFamily xmlns:thm15="http://schemas.microsoft.com/office/thememl/2012/main" name="Presentation2" id="{E033CE4F-DAC9-4DC1-B085-D07FC0345DDB}" vid="{0783260F-4856-4ED7-B8E5-5C83CC1572CF}"/>
     </a:ext>
   </a:extLst>
 </a:theme>
@@ -10488,7 +10585,7 @@
   <a:extraClrSchemeLst/>
   <a:extLst>
     <a:ext uri="{05A4C25C-085E-4340-85A3-A5531E510DB2}">
-      <thm15:themeFamily xmlns="" xmlns:thm15="http://schemas.microsoft.com/office/thememl/2012/main" name="Office Theme" id="{62F939B6-93AF-4DB8-9C6B-D6C7DFDC589F}" vid="{4A3C46E8-61CC-4603-A589-7422A47A8E4A}"/>
+      <thm15:themeFamily xmlns:thm15="http://schemas.microsoft.com/office/thememl/2012/main" name="Office Theme" id="{62F939B6-93AF-4DB8-9C6B-D6C7DFDC589F}" vid="{4A3C46E8-61CC-4603-A589-7422A47A8E4A}"/>
     </a:ext>
   </a:extLst>
 </a:theme>

--- a/CurrentWork_Delta/CX_StrategyPowerPoint.pptx
+++ b/CurrentWork_Delta/CX_StrategyPowerPoint.pptx
@@ -285,7 +285,7 @@
               <a:pPr>
                 <a:defRPr/>
               </a:pPr>
-              <a:t>4/16/2018</a:t>
+              <a:t>4/17/2018</a:t>
             </a:fld>
             <a:endParaRPr lang="en-US"/>
           </a:p>
@@ -9115,8 +9115,33 @@
             </a:pPr>
             <a:r>
               <a:rPr lang="en-US" sz="1500" b="1" dirty="0"/>
-              <a:t>Phase_0  CA, TX, PA, FL, NY    ,          Phase_1 DC, LA,  MD, PR, TN, VI, AK, AL</a:t>
-            </a:r>
+              <a:t>Phase_0  CA, TX, PA, FL, NY    ,          Phase_1 DC, LA,  MD, PR, TN, VI, AK, </a:t>
+            </a:r>
+            <a:r>
+              <a:rPr lang="en-US" sz="1500" b="1" dirty="0" smtClean="0"/>
+              <a:t>AL</a:t>
+            </a:r>
+          </a:p>
+          <a:p>
+            <a:pPr marL="341313" lvl="1" indent="0">
+              <a:lnSpc>
+                <a:spcPct val="114000"/>
+              </a:lnSpc>
+              <a:spcBef>
+                <a:spcPts val="0"/>
+              </a:spcBef>
+              <a:buNone/>
+              <a:defRPr/>
+            </a:pPr>
+            <a:r>
+              <a:rPr lang="en-US" sz="300" b="1" dirty="0"/>
+              <a:t> </a:t>
+            </a:r>
+            <a:r>
+              <a:rPr lang="en-US" sz="300" b="1" dirty="0" smtClean="0"/>
+              <a:t>              </a:t>
+            </a:r>
+            <a:endParaRPr lang="en-US" sz="300" b="1" dirty="0"/>
           </a:p>
           <a:p>
             <a:pPr lvl="1">
@@ -9132,7 +9157,23 @@
             </a:pPr>
             <a:r>
               <a:rPr lang="en-US" sz="1500" b="1" dirty="0"/>
-              <a:t>Phase_2  DE, GA, MS, MT, NV, UT, WV    ,     Phase_3 CT, IL, OH, WA, KY, MN, NH</a:t>
+              <a:t>Phase_2  DE, GA, MS, MT, NV, UT, </a:t>
+            </a:r>
+            <a:r>
+              <a:rPr lang="en-US" sz="1500" b="1" dirty="0" smtClean="0"/>
+              <a:t>WV  </a:t>
+            </a:r>
+            <a:r>
+              <a:rPr lang="en-US" sz="1500" b="1" dirty="0"/>
+              <a:t>,    </a:t>
+            </a:r>
+            <a:r>
+              <a:rPr lang="en-US" sz="1500" b="1" dirty="0" smtClean="0"/>
+              <a:t>       </a:t>
+            </a:r>
+            <a:r>
+              <a:rPr lang="en-US" sz="1500" b="1" dirty="0"/>
+              <a:t>Phase_3 CT, IL, OH, WA, KY, MN, NH</a:t>
             </a:r>
           </a:p>
           <a:p>
@@ -9781,7 +9822,7 @@
         <p:spPr bwMode="auto">
           <a:xfrm>
             <a:off x="274638" y="1582738"/>
-            <a:ext cx="8869362" cy="5268912"/>
+            <a:ext cx="8869362" cy="5139869"/>
           </a:xfrm>
           <a:prstGeom prst="rect">
             <a:avLst/>
@@ -9805,7 +9846,7 @@
               <a:buChar char="•"/>
             </a:pPr>
             <a:r>
-              <a:rPr lang="en-US" sz="2000">
+              <a:rPr lang="en-US" sz="2000" dirty="0">
                 <a:latin typeface="Calibri" pitchFamily="34" charset="0"/>
               </a:rPr>
               <a:t>Test case results are the result of functional test written                                                  for a product   X   data points tested against   X    States Tested in</a:t>
@@ -9813,7 +9854,7 @@
           </a:p>
           <a:p>
             <a:pPr marL="342900" indent="-342900"/>
-            <a:endParaRPr lang="en-US" sz="2000">
+            <a:endParaRPr lang="en-US" sz="2000" dirty="0">
               <a:latin typeface="Calibri" pitchFamily="34" charset="0"/>
             </a:endParaRPr>
           </a:p>
@@ -9823,39 +9864,92 @@
               <a:buChar char="•"/>
             </a:pPr>
             <a:r>
-              <a:rPr lang="en-US" sz="1400" b="1">
+              <a:rPr lang="en-US" sz="1400" b="1" dirty="0">
                 <a:latin typeface="Calibri" pitchFamily="34" charset="0"/>
               </a:rPr>
               <a:t>Phase 0</a:t>
             </a:r>
             <a:r>
-              <a:rPr lang="en-US" sz="1400">
+              <a:rPr lang="en-US" sz="1400" dirty="0">
                 <a:latin typeface="Calibri" pitchFamily="34" charset="0"/>
               </a:rPr>
               <a:t> contains 4 products w/ 393, 478, 387, 442 test cases per product, total 1700 functional tests written.                                                                              Factoring test data points and the states where the product is deployed the calculation                                                                                                                                  </a:t>
             </a:r>
             <a:r>
-              <a:rPr lang="en-US" sz="2000">
+              <a:rPr lang="en-US" sz="2000" dirty="0">
                 <a:latin typeface="Calibri" pitchFamily="34" charset="0"/>
               </a:rPr>
               <a:t>4 Products tested in 5 states totals </a:t>
             </a:r>
             <a:r>
-              <a:rPr lang="en-US" sz="2400">
+              <a:rPr lang="en-US" sz="2400" dirty="0">
                 <a:latin typeface="Calibri" pitchFamily="34" charset="0"/>
               </a:rPr>
               <a:t>10125 tests</a:t>
             </a:r>
-            <a:endParaRPr lang="en-US">
+            <a:endParaRPr lang="en-US" dirty="0">
               <a:latin typeface="Calibri" pitchFamily="34" charset="0"/>
             </a:endParaRPr>
           </a:p>
           <a:p>
+            <a:r>
+              <a:rPr lang="en-US" sz="1200" dirty="0" smtClean="0">
+                <a:latin typeface="Calibri" pitchFamily="34" charset="0"/>
+              </a:rPr>
+              <a:t>   </a:t>
+            </a:r>
+            <a:endParaRPr lang="en-US" sz="1200" dirty="0">
+              <a:latin typeface="Calibri" pitchFamily="34" charset="0"/>
+            </a:endParaRPr>
+          </a:p>
+          <a:p>
             <a:pPr marL="342900" indent="-342900">
               <a:buFont typeface="Arial" charset="0"/>
               <a:buChar char="•"/>
             </a:pPr>
-            <a:endParaRPr lang="en-US" sz="2000">
+            <a:r>
+              <a:rPr lang="en-US" sz="1400" b="1" dirty="0">
+                <a:latin typeface="Calibri" pitchFamily="34" charset="0"/>
+              </a:rPr>
+              <a:t>Phase 1 </a:t>
+            </a:r>
+            <a:r>
+              <a:rPr lang="en-US" sz="1400" dirty="0">
+                <a:latin typeface="Calibri" pitchFamily="34" charset="0"/>
+              </a:rPr>
+              <a:t>contains 2 products with 387, 442 test cases per product, total 829 functional tests written.               Factoring test data points and the states where the product is deployed the calculation</a:t>
+            </a:r>
+            <a:r>
+              <a:rPr lang="en-US" dirty="0"/>
+              <a:t> </a:t>
+            </a:r>
+            <a:r>
+              <a:rPr lang="en-US" sz="1400" dirty="0">
+                <a:latin typeface="Calibri" pitchFamily="34" charset="0"/>
+              </a:rPr>
+              <a:t>                                                                                                                                       </a:t>
+            </a:r>
+            <a:r>
+              <a:rPr lang="en-US" sz="2000" dirty="0">
+                <a:latin typeface="Calibri" pitchFamily="34" charset="0"/>
+              </a:rPr>
+              <a:t>2 Products tested in 8 States totals </a:t>
+            </a:r>
+            <a:r>
+              <a:rPr lang="en-US" sz="2400" dirty="0">
+                <a:latin typeface="Calibri" pitchFamily="34" charset="0"/>
+              </a:rPr>
+              <a:t>4394 tests</a:t>
+            </a:r>
+          </a:p>
+          <a:p>
+            <a:r>
+              <a:rPr lang="en-US" sz="1200" dirty="0" smtClean="0">
+                <a:latin typeface="Calibri" pitchFamily="34" charset="0"/>
+              </a:rPr>
+              <a:t>     </a:t>
+            </a:r>
+            <a:endParaRPr lang="en-US" sz="1200" dirty="0">
               <a:latin typeface="Calibri" pitchFamily="34" charset="0"/>
             </a:endParaRPr>
           </a:p>
@@ -9865,124 +9959,77 @@
               <a:buChar char="•"/>
             </a:pPr>
             <a:r>
-              <a:rPr lang="en-US" sz="1400" b="1">
+              <a:rPr lang="en-US" sz="1400" b="1" dirty="0">
                 <a:latin typeface="Calibri" pitchFamily="34" charset="0"/>
               </a:rPr>
-              <a:t>Phase 1 </a:t>
-            </a:r>
-            <a:r>
-              <a:rPr lang="en-US" sz="1400">
+              <a:t>Phase 2 </a:t>
+            </a:r>
+            <a:r>
+              <a:rPr lang="en-US" sz="1400" dirty="0">
                 <a:latin typeface="Calibri" pitchFamily="34" charset="0"/>
               </a:rPr>
-              <a:t>contains 2 products with 387, 442 test cases per product, total 829 functional tests written.               Factoring test data points and the states where the product is deployed the calculation</a:t>
-            </a:r>
-            <a:r>
-              <a:rPr lang="en-US"/>
+              <a:t>contains 1 products with 442 test cases per product, total 442 functional tests written.                      Factoring test data points and the states where the product is deployed the calculation</a:t>
+            </a:r>
+            <a:r>
+              <a:rPr lang="en-US" sz="1400" dirty="0"/>
+              <a:t>                                      </a:t>
+            </a:r>
+            <a:r>
+              <a:rPr lang="en-US" dirty="0"/>
               <a:t> </a:t>
             </a:r>
             <a:r>
-              <a:rPr lang="en-US" sz="1400">
+              <a:rPr lang="en-US" sz="2000" dirty="0">
                 <a:latin typeface="Calibri" pitchFamily="34" charset="0"/>
               </a:rPr>
-              <a:t>                                                                                                                                       </a:t>
-            </a:r>
-            <a:r>
-              <a:rPr lang="en-US" sz="2000">
+              <a:t>1 Product tested in 7 States totals </a:t>
+            </a:r>
+            <a:r>
+              <a:rPr lang="en-US" sz="2400" dirty="0">
                 <a:latin typeface="Calibri" pitchFamily="34" charset="0"/>
               </a:rPr>
-              <a:t>2 Products tested in 8 States totals </a:t>
-            </a:r>
-            <a:r>
-              <a:rPr lang="en-US" sz="2400">
+              <a:t>3234 tests</a:t>
+            </a:r>
+            <a:endParaRPr lang="en-US" sz="2000" dirty="0">
+              <a:latin typeface="Calibri" pitchFamily="34" charset="0"/>
+            </a:endParaRPr>
+          </a:p>
+          <a:p>
+            <a:r>
+              <a:rPr lang="en-US" sz="1200" dirty="0" smtClean="0">
                 <a:latin typeface="Calibri" pitchFamily="34" charset="0"/>
               </a:rPr>
-              <a:t>4394 tests</a:t>
-            </a:r>
+              <a:t>     </a:t>
+            </a:r>
+            <a:endParaRPr lang="en-US" sz="1200" dirty="0">
+              <a:latin typeface="Calibri" pitchFamily="34" charset="0"/>
+            </a:endParaRPr>
           </a:p>
           <a:p>
             <a:pPr marL="342900" indent="-342900">
               <a:buFont typeface="Arial" charset="0"/>
               <a:buChar char="•"/>
             </a:pPr>
-            <a:endParaRPr lang="en-US" sz="2000">
-              <a:latin typeface="Calibri" pitchFamily="34" charset="0"/>
-            </a:endParaRPr>
-          </a:p>
-          <a:p>
-            <a:pPr marL="342900" indent="-342900">
-              <a:buFont typeface="Arial" charset="0"/>
-              <a:buChar char="•"/>
-            </a:pPr>
-            <a:r>
-              <a:rPr lang="en-US" sz="1400" b="1">
+            <a:r>
+              <a:rPr lang="en-US" sz="1400" b="1" dirty="0"/>
+              <a:t>Phase 3 </a:t>
+            </a:r>
+            <a:r>
+              <a:rPr lang="en-US" sz="1400" dirty="0"/>
+              <a:t>contains 1 products with 442 test cases per product, total 442 functional tests written.                      Factoring test data points and the states where the product is deployed the calculation</a:t>
+            </a:r>
+            <a:r>
+              <a:rPr lang="en-US" dirty="0"/>
+              <a:t>                        </a:t>
+            </a:r>
+            <a:r>
+              <a:rPr lang="en-US" sz="2000" dirty="0">
                 <a:latin typeface="Calibri" pitchFamily="34" charset="0"/>
               </a:rPr>
-              <a:t>Phase 2 </a:t>
-            </a:r>
-            <a:r>
-              <a:rPr lang="en-US" sz="1400">
-                <a:latin typeface="Calibri" pitchFamily="34" charset="0"/>
-              </a:rPr>
-              <a:t>contains 1 products with 442 test cases per product, total 442 functional tests written.                      Factoring test data points and the states where the product is deployed the calculation</a:t>
-            </a:r>
-            <a:r>
-              <a:rPr lang="en-US" sz="1400"/>
-              <a:t>                                      </a:t>
-            </a:r>
-            <a:r>
-              <a:rPr lang="en-US"/>
-              <a:t> </a:t>
-            </a:r>
-            <a:r>
-              <a:rPr lang="en-US" sz="2000">
-                <a:latin typeface="Calibri" pitchFamily="34" charset="0"/>
-              </a:rPr>
               <a:t>1 Product tested in 7 States totals </a:t>
             </a:r>
             <a:r>
-              <a:rPr lang="en-US" sz="2400">
-                <a:latin typeface="Calibri" pitchFamily="34" charset="0"/>
-              </a:rPr>
-              <a:t>3234 tests</a:t>
-            </a:r>
-            <a:endParaRPr lang="en-US" sz="2000">
-              <a:latin typeface="Calibri" pitchFamily="34" charset="0"/>
-            </a:endParaRPr>
-          </a:p>
-          <a:p>
-            <a:pPr marL="342900" indent="-342900">
-              <a:buFont typeface="Arial" charset="0"/>
-              <a:buChar char="•"/>
-            </a:pPr>
-            <a:endParaRPr lang="en-US" sz="2000">
-              <a:latin typeface="Calibri" pitchFamily="34" charset="0"/>
-            </a:endParaRPr>
-          </a:p>
-          <a:p>
-            <a:pPr marL="342900" indent="-342900">
-              <a:buFont typeface="Arial" charset="0"/>
-              <a:buChar char="•"/>
-            </a:pPr>
-            <a:r>
-              <a:rPr lang="en-US" sz="1400" b="1"/>
-              <a:t>Phase 3 </a:t>
-            </a:r>
-            <a:r>
-              <a:rPr lang="en-US" sz="1400"/>
-              <a:t>contains 1 products with 442 test cases per product, total 442 functional tests written.                      Factoring test data points and the states where the product is deployed the calculation</a:t>
-            </a:r>
-            <a:r>
-              <a:rPr lang="en-US"/>
-              <a:t>                        </a:t>
-            </a:r>
-            <a:r>
-              <a:rPr lang="en-US" sz="2000">
-                <a:latin typeface="Calibri" pitchFamily="34" charset="0"/>
-              </a:rPr>
-              <a:t>1 Product tested in 7 States totals </a:t>
-            </a:r>
-            <a:r>
-              <a:rPr lang="en-US" sz="2400">
+              <a:rPr lang="en-US" sz="2400" dirty="0">
                 <a:latin typeface="Calibri" pitchFamily="34" charset="0"/>
               </a:rPr>
               <a:t>3234 tests</a:t>

--- a/CurrentWork_Delta/CX_StrategyPowerPoint.pptx
+++ b/CurrentWork_Delta/CX_StrategyPowerPoint.pptx
@@ -154,25 +154,6 @@
       </a:defRPr>
     </a:lvl9pPr>
   </p:defaultTextStyle>
-  <p:extLst>
-    <p:ext uri="{EFAFB233-063F-42B5-8137-9DF3F51BA10A}">
-      <p15:sldGuideLst xmlns:p15="http://schemas.microsoft.com/office/powerpoint/2012/main">
-        <p15:guide id="1" orient="horz" pos="2625">
-          <p15:clr>
-            <a:srgbClr val="A4A3A4"/>
-          </p15:clr>
-        </p15:guide>
-        <p15:guide id="2" pos="2880">
-          <p15:clr>
-            <a:srgbClr val="A4A3A4"/>
-          </p15:clr>
-        </p15:guide>
-      </p15:sldGuideLst>
-    </p:ext>
-    <p:ext uri="{2D200454-40CA-4A62-9FC3-DE9A4176ACB9}">
-      <p15:notesGuideLst xmlns:p15="http://schemas.microsoft.com/office/powerpoint/2012/main"/>
-    </p:ext>
-  </p:extLst>
 </p:presentation>
 </file>
 
@@ -280,7 +261,7 @@
             <a:pPr>
               <a:defRPr/>
             </a:pPr>
-            <a:fld id="{123EA397-351F-474D-848C-D3E856502C75}" type="datetimeFigureOut">
+            <a:fld id="{296A2737-3E21-4BC9-A306-7499E165A9A9}" type="datetimeFigureOut">
               <a:rPr lang="en-US"/>
               <a:pPr>
                 <a:defRPr/>
@@ -467,7 +448,7 @@
             <a:pPr>
               <a:defRPr/>
             </a:pPr>
-            <a:fld id="{068EA906-2EF4-494A-B0A5-C7674EF8EAE4}" type="slidenum">
+            <a:fld id="{87A28B5A-382F-4EA8-BD28-49D83C268167}" type="slidenum">
               <a:rPr lang="en-US"/>
               <a:pPr>
                 <a:defRPr/>
@@ -479,11 +460,6 @@
         </p:txBody>
       </p:sp>
     </p:spTree>
-    <p:extLst>
-      <p:ext uri="{BB962C8B-B14F-4D97-AF65-F5344CB8AC3E}">
-        <p14:creationId xmlns:p14="http://schemas.microsoft.com/office/powerpoint/2010/main" val="1764915155"/>
-      </p:ext>
-    </p:extLst>
   </p:cSld>
   <p:clrMap bg1="lt1" tx1="dk1" bg2="lt2" tx2="dk2" accent1="accent1" accent2="accent2" accent3="accent3" accent4="accent4" accent5="accent5" accent6="accent6" hlink="hlink" folHlink="folHlink"/>
   <p:notesStyle>
@@ -714,7 +690,7 @@
               </a:spcAft>
               <a:defRPr/>
             </a:pPr>
-            <a:fld id="{1E449130-6844-45B5-8705-C09D5111AA0A}" type="slidenum">
+            <a:fld id="{FBAB982A-551B-44A9-AA85-FA1C4026229F}" type="slidenum">
               <a:rPr lang="en-US">
                 <a:cs typeface="Arial" charset="0"/>
               </a:rPr>
@@ -736,11 +712,6 @@
         </p:txBody>
       </p:sp>
     </p:spTree>
-    <p:extLst>
-      <p:ext uri="{BB962C8B-B14F-4D97-AF65-F5344CB8AC3E}">
-        <p14:creationId xmlns:p14="http://schemas.microsoft.com/office/powerpoint/2010/main" val="4219237308"/>
-      </p:ext>
-    </p:extLst>
   </p:cSld>
   <p:clrMapOvr>
     <a:masterClrMapping/>
@@ -851,7 +822,7 @@
               </a:spcAft>
               <a:defRPr/>
             </a:pPr>
-            <a:fld id="{FD90D75C-F149-4322-A169-23CAD4C289F4}" type="slidenum">
+            <a:fld id="{E9CA4D86-9ECA-4493-8E2C-0E55AA3AB102}" type="slidenum">
               <a:rPr lang="en-US">
                 <a:cs typeface="Arial" charset="0"/>
               </a:rPr>
@@ -873,11 +844,6 @@
         </p:txBody>
       </p:sp>
     </p:spTree>
-    <p:extLst>
-      <p:ext uri="{BB962C8B-B14F-4D97-AF65-F5344CB8AC3E}">
-        <p14:creationId xmlns:p14="http://schemas.microsoft.com/office/powerpoint/2010/main" val="2298562049"/>
-      </p:ext>
-    </p:extLst>
   </p:cSld>
   <p:clrMapOvr>
     <a:masterClrMapping/>
@@ -988,7 +954,7 @@
               </a:spcAft>
               <a:defRPr/>
             </a:pPr>
-            <a:fld id="{F83634DD-15D5-4EC8-B62C-5E007F5675FF}" type="slidenum">
+            <a:fld id="{3741F209-2C17-4111-B063-30B949873B3A}" type="slidenum">
               <a:rPr lang="en-US">
                 <a:cs typeface="Arial" charset="0"/>
               </a:rPr>
@@ -1010,11 +976,6 @@
         </p:txBody>
       </p:sp>
     </p:spTree>
-    <p:extLst>
-      <p:ext uri="{BB962C8B-B14F-4D97-AF65-F5344CB8AC3E}">
-        <p14:creationId xmlns:p14="http://schemas.microsoft.com/office/powerpoint/2010/main" val="2454052996"/>
-      </p:ext>
-    </p:extLst>
   </p:cSld>
   <p:clrMapOvr>
     <a:masterClrMapping/>
@@ -1313,7 +1274,7 @@
             <a:pPr>
               <a:defRPr/>
             </a:pPr>
-            <a:fld id="{8BADF8E5-4F67-4401-BF21-8128B847AD03}" type="slidenum">
+            <a:fld id="{D24B49B4-C45E-408E-86FB-1073DA093A12}" type="slidenum">
               <a:rPr lang="en-US"/>
               <a:pPr>
                 <a:defRPr/>
@@ -1456,7 +1417,7 @@
             <a:pPr>
               <a:defRPr/>
             </a:pPr>
-            <a:fld id="{34D0EC1C-8D30-417A-9C3F-A66EE13E58D1}" type="slidenum">
+            <a:fld id="{7E3FE265-3AC8-4596-B00F-6776C79DF3B1}" type="slidenum">
               <a:rPr lang="en-US"/>
               <a:pPr>
                 <a:defRPr/>
@@ -1588,7 +1549,7 @@
             <a:pPr>
               <a:defRPr/>
             </a:pPr>
-            <a:fld id="{1390A963-4865-4ED6-9270-78D81E335135}" type="slidenum">
+            <a:fld id="{D4136995-DEAA-41BE-9D17-C2C7B4E065BC}" type="slidenum">
               <a:rPr lang="en-US"/>
               <a:pPr>
                 <a:defRPr/>
@@ -1646,7 +1607,7 @@
             <a:pPr>
               <a:defRPr/>
             </a:pPr>
-            <a:fld id="{40E2D830-D486-4512-8433-CEE84BA57BC3}" type="slidenum">
+            <a:fld id="{8D240CA0-2B23-43AA-8CC6-B45C15ECF87B}" type="slidenum">
               <a:rPr lang="en-US"/>
               <a:pPr>
                 <a:defRPr/>
@@ -1843,7 +1804,7 @@
             <a:pPr>
               <a:defRPr/>
             </a:pPr>
-            <a:fld id="{533CB10A-C01E-4DCC-8FA6-6B5CA45B2EEC}" type="slidenum">
+            <a:fld id="{F727976D-9333-434F-8A16-69F12111A806}" type="slidenum">
               <a:rPr lang="en-US"/>
               <a:pPr>
                 <a:defRPr/>
@@ -2451,7 +2412,7 @@
               </a:lnSpc>
             </a:pPr>
             <a:r>
-              <a:rPr lang="en-US" sz="5000" dirty="0">
+              <a:rPr lang="en-US" sz="5000">
                 <a:solidFill>
                   <a:srgbClr val="128BAD"/>
                 </a:solidFill>
@@ -2467,7 +2428,7 @@
               </a:lnSpc>
             </a:pPr>
             <a:r>
-              <a:rPr lang="en-US" sz="5000" dirty="0">
+              <a:rPr lang="en-US" sz="5000">
                 <a:solidFill>
                   <a:srgbClr val="128BAD"/>
                 </a:solidFill>
@@ -3537,12 +3498,7 @@
             </a:r>
           </a:p>
           <a:p>
-            <a:pPr marL="919163" lvl="1" indent="-342900" eaLnBrk="1" hangingPunct="1">
-              <a:buFont typeface="Arial" charset="0"/>
-              <a:buBlip>
-                <a:blip r:embed="rId2"/>
-              </a:buBlip>
-            </a:pPr>
+            <a:pPr marL="919163" lvl="1" indent="-342900" eaLnBrk="1" hangingPunct="1"/>
             <a:r>
               <a:rPr lang="en-US" sz="1600" smtClean="0">
                 <a:latin typeface="Calibri Light" pitchFamily="34" charset="0"/>
@@ -3908,7 +3864,7 @@
         <p:spPr bwMode="auto">
           <a:xfrm>
             <a:off x="282575" y="4135438"/>
-            <a:ext cx="2986405" cy="2293937"/>
+            <a:ext cx="2986088" cy="2293937"/>
           </a:xfrm>
           <a:prstGeom prst="rect">
             <a:avLst/>
@@ -3931,6 +3887,7 @@
               </a:lnSpc>
               <a:buFont typeface="Arial" charset="0"/>
               <a:buChar char="•"/>
+              <a:defRPr/>
             </a:pPr>
             <a:r>
               <a:rPr lang="en-US" sz="2000" b="1" dirty="0">
@@ -3946,6 +3903,7 @@
               </a:lnSpc>
               <a:buFont typeface="Arial" charset="0"/>
               <a:buChar char="•"/>
+              <a:defRPr/>
             </a:pPr>
             <a:r>
               <a:rPr lang="en-US" sz="1400" b="1" dirty="0">
@@ -3956,121 +3914,212 @@
           </a:p>
         </p:txBody>
       </p:sp>
-      <p:pic>
-        <p:nvPicPr>
-          <p:cNvPr id="23556" name="Picture 1"/>
-          <p:cNvPicPr>
-            <a:picLocks noChangeAspect="1"/>
-          </p:cNvPicPr>
+      <p:grpSp>
+        <p:nvGrpSpPr>
+          <p:cNvPr id="23578" name="Group 26"/>
+          <p:cNvGrpSpPr>
+            <a:grpSpLocks/>
+          </p:cNvGrpSpPr>
           <p:nvPr/>
-        </p:nvPicPr>
-        <p:blipFill>
-          <a:blip r:embed="rId2"/>
-          <a:srcRect/>
-          <a:stretch>
-            <a:fillRect/>
-          </a:stretch>
-        </p:blipFill>
-        <p:spPr bwMode="auto">
+        </p:nvGrpSpPr>
+        <p:grpSpPr bwMode="auto">
           <a:xfrm>
-            <a:off x="4949825" y="3932238"/>
-            <a:ext cx="3613150" cy="2622550"/>
+            <a:off x="3322638" y="3698875"/>
+            <a:ext cx="5240337" cy="2622550"/>
+            <a:chOff x="2093" y="2477"/>
+            <a:chExt cx="3301" cy="1652"/>
           </a:xfrm>
-          <a:prstGeom prst="rect">
-            <a:avLst/>
-          </a:prstGeom>
-          <a:noFill/>
-          <a:ln w="9525">
+        </p:grpSpPr>
+        <p:pic>
+          <p:nvPicPr>
+            <p:cNvPr id="23556" name="Picture 1"/>
+            <p:cNvPicPr>
+              <a:picLocks noChangeAspect="1"/>
+            </p:cNvPicPr>
+            <p:nvPr/>
+          </p:nvPicPr>
+          <p:blipFill>
+            <a:blip r:embed="rId2"/>
+            <a:srcRect/>
+            <a:stretch>
+              <a:fillRect/>
+            </a:stretch>
+          </p:blipFill>
+          <p:spPr bwMode="auto">
+            <a:xfrm>
+              <a:off x="3118" y="2477"/>
+              <a:ext cx="2276" cy="1652"/>
+            </a:xfrm>
+            <a:prstGeom prst="rect">
+              <a:avLst/>
+            </a:prstGeom>
             <a:noFill/>
-            <a:miter lim="800000"/>
-            <a:headEnd/>
-            <a:tailEnd/>
-          </a:ln>
-        </p:spPr>
-      </p:pic>
+            <a:ln w="9525">
+              <a:noFill/>
+              <a:miter lim="800000"/>
+              <a:headEnd/>
+              <a:tailEnd/>
+            </a:ln>
+          </p:spPr>
+        </p:pic>
+        <p:sp>
+          <p:nvSpPr>
+            <p:cNvPr id="2" name="Left Brace 1"/>
+            <p:cNvSpPr/>
+            <p:nvPr/>
+          </p:nvSpPr>
+          <p:spPr>
+            <a:xfrm>
+              <a:off x="2890" y="2861"/>
+              <a:ext cx="120" cy="341"/>
+            </a:xfrm>
+            <a:prstGeom prst="leftBrace">
+              <a:avLst/>
+            </a:prstGeom>
+          </p:spPr>
+          <p:style>
+            <a:lnRef idx="2">
+              <a:schemeClr val="accent1"/>
+            </a:lnRef>
+            <a:fillRef idx="0">
+              <a:schemeClr val="accent1"/>
+            </a:fillRef>
+            <a:effectRef idx="1">
+              <a:schemeClr val="accent1"/>
+            </a:effectRef>
+            <a:fontRef idx="minor">
+              <a:schemeClr val="tx1"/>
+            </a:fontRef>
+          </p:style>
+          <p:txBody>
+            <a:bodyPr anchor="ctr"/>
+            <a:lstStyle/>
+            <a:p>
+              <a:pPr algn="ctr">
+                <a:defRPr/>
+              </a:pPr>
+              <a:endParaRPr lang="en-US"/>
+            </a:p>
+          </p:txBody>
+        </p:sp>
+        <p:sp>
+          <p:nvSpPr>
+            <p:cNvPr id="8" name="Left Brace 7"/>
+            <p:cNvSpPr/>
+            <p:nvPr/>
+          </p:nvSpPr>
+          <p:spPr>
+            <a:xfrm>
+              <a:off x="2894" y="3379"/>
+              <a:ext cx="120" cy="711"/>
+            </a:xfrm>
+            <a:prstGeom prst="leftBrace">
+              <a:avLst/>
+            </a:prstGeom>
+          </p:spPr>
+          <p:style>
+            <a:lnRef idx="2">
+              <a:schemeClr val="accent1"/>
+            </a:lnRef>
+            <a:fillRef idx="0">
+              <a:schemeClr val="accent1"/>
+            </a:fillRef>
+            <a:effectRef idx="1">
+              <a:schemeClr val="accent1"/>
+            </a:effectRef>
+            <a:fontRef idx="minor">
+              <a:schemeClr val="tx1"/>
+            </a:fontRef>
+          </p:style>
+          <p:txBody>
+            <a:bodyPr anchor="ctr"/>
+            <a:lstStyle/>
+            <a:p>
+              <a:pPr algn="ctr">
+                <a:defRPr/>
+              </a:pPr>
+              <a:endParaRPr lang="en-US"/>
+            </a:p>
+          </p:txBody>
+        </p:sp>
+        <p:sp>
+          <p:nvSpPr>
+            <p:cNvPr id="23559" name="TextBox 3"/>
+            <p:cNvSpPr txBox="1">
+              <a:spLocks noChangeArrowheads="1"/>
+            </p:cNvSpPr>
+            <p:nvPr/>
+          </p:nvSpPr>
+          <p:spPr bwMode="auto">
+            <a:xfrm>
+              <a:off x="2093" y="2802"/>
+              <a:ext cx="833" cy="482"/>
+            </a:xfrm>
+            <a:prstGeom prst="rect">
+              <a:avLst/>
+            </a:prstGeom>
+            <a:noFill/>
+            <a:ln w="9525">
+              <a:noFill/>
+              <a:miter lim="800000"/>
+              <a:headEnd/>
+              <a:tailEnd/>
+            </a:ln>
+          </p:spPr>
+          <p:txBody>
+            <a:bodyPr>
+              <a:spAutoFit/>
+            </a:bodyPr>
+            <a:lstStyle/>
+            <a:p>
+              <a:r>
+                <a:rPr lang="en-US" sz="1100"/>
+                <a:t>Development Engineers Focus Attention on this layer for testing</a:t>
+              </a:r>
+            </a:p>
+          </p:txBody>
+        </p:sp>
+        <p:sp>
+          <p:nvSpPr>
+            <p:cNvPr id="23560" name="TextBox 10"/>
+            <p:cNvSpPr txBox="1">
+              <a:spLocks noChangeArrowheads="1"/>
+            </p:cNvSpPr>
+            <p:nvPr/>
+          </p:nvSpPr>
+          <p:spPr bwMode="auto">
+            <a:xfrm>
+              <a:off x="2163" y="3447"/>
+              <a:ext cx="731" cy="588"/>
+            </a:xfrm>
+            <a:prstGeom prst="rect">
+              <a:avLst/>
+            </a:prstGeom>
+            <a:noFill/>
+            <a:ln w="9525">
+              <a:noFill/>
+              <a:miter lim="800000"/>
+              <a:headEnd/>
+              <a:tailEnd/>
+            </a:ln>
+          </p:spPr>
+          <p:txBody>
+            <a:bodyPr>
+              <a:spAutoFit/>
+            </a:bodyPr>
+            <a:lstStyle/>
+            <a:p>
+              <a:r>
+                <a:rPr lang="en-US" sz="1100"/>
+                <a:t>NextGen Test Automation  staff enhance and improve these layers</a:t>
+              </a:r>
+            </a:p>
+          </p:txBody>
+        </p:sp>
+      </p:grpSp>
       <p:sp>
         <p:nvSpPr>
-          <p:cNvPr id="2" name="Left Brace 1"/>
-          <p:cNvSpPr/>
-          <p:nvPr/>
-        </p:nvSpPr>
-        <p:spPr>
-          <a:xfrm>
-            <a:off x="4587875" y="4541838"/>
-            <a:ext cx="190500" cy="541337"/>
-          </a:xfrm>
-          <a:prstGeom prst="leftBrace">
-            <a:avLst/>
-          </a:prstGeom>
-        </p:spPr>
-        <p:style>
-          <a:lnRef idx="2">
-            <a:schemeClr val="accent1"/>
-          </a:lnRef>
-          <a:fillRef idx="0">
-            <a:schemeClr val="accent1"/>
-          </a:fillRef>
-          <a:effectRef idx="1">
-            <a:schemeClr val="accent1"/>
-          </a:effectRef>
-          <a:fontRef idx="minor">
-            <a:schemeClr val="tx1"/>
-          </a:fontRef>
-        </p:style>
-        <p:txBody>
-          <a:bodyPr anchor="ctr"/>
-          <a:lstStyle/>
-          <a:p>
-            <a:pPr algn="ctr">
-              <a:defRPr/>
-            </a:pPr>
-            <a:endParaRPr lang="en-US"/>
-          </a:p>
-        </p:txBody>
-      </p:sp>
-      <p:sp>
-        <p:nvSpPr>
-          <p:cNvPr id="8" name="Left Brace 7"/>
-          <p:cNvSpPr/>
-          <p:nvPr/>
-        </p:nvSpPr>
-        <p:spPr>
-          <a:xfrm>
-            <a:off x="4594225" y="5364163"/>
-            <a:ext cx="190500" cy="1128712"/>
-          </a:xfrm>
-          <a:prstGeom prst="leftBrace">
-            <a:avLst/>
-          </a:prstGeom>
-        </p:spPr>
-        <p:style>
-          <a:lnRef idx="2">
-            <a:schemeClr val="accent1"/>
-          </a:lnRef>
-          <a:fillRef idx="0">
-            <a:schemeClr val="accent1"/>
-          </a:fillRef>
-          <a:effectRef idx="1">
-            <a:schemeClr val="accent1"/>
-          </a:effectRef>
-          <a:fontRef idx="minor">
-            <a:schemeClr val="tx1"/>
-          </a:fontRef>
-        </p:style>
-        <p:txBody>
-          <a:bodyPr anchor="ctr"/>
-          <a:lstStyle/>
-          <a:p>
-            <a:pPr algn="ctr">
-              <a:defRPr/>
-            </a:pPr>
-            <a:endParaRPr lang="en-US"/>
-          </a:p>
-        </p:txBody>
-      </p:sp>
-      <p:sp>
-        <p:nvSpPr>
-          <p:cNvPr id="23559" name="TextBox 3"/>
+          <p:cNvPr id="23579" name="Text Box 27"/>
           <p:cNvSpPr txBox="1">
             <a:spLocks noChangeArrowheads="1"/>
           </p:cNvSpPr>
@@ -4078,69 +4127,38 @@
         </p:nvSpPr>
         <p:spPr bwMode="auto">
           <a:xfrm>
-            <a:off x="3322320" y="4448175"/>
-            <a:ext cx="1322705" cy="769441"/>
+            <a:off x="4784725" y="6329363"/>
+            <a:ext cx="3778250" cy="366712"/>
           </a:xfrm>
           <a:prstGeom prst="rect">
             <a:avLst/>
           </a:prstGeom>
-          <a:noFill/>
+          <a:solidFill>
+            <a:srgbClr val="C0C0C0"/>
+          </a:solidFill>
           <a:ln w="9525">
             <a:noFill/>
             <a:miter lim="800000"/>
             <a:headEnd/>
             <a:tailEnd/>
           </a:ln>
+          <a:effectLst/>
         </p:spPr>
         <p:txBody>
-          <a:bodyPr wrap="square">
+          <a:bodyPr>
             <a:spAutoFit/>
           </a:bodyPr>
           <a:lstStyle/>
           <a:p>
-            <a:r>
-              <a:rPr lang="en-US" sz="1100" dirty="0" smtClean="0"/>
-              <a:t>Development Engineers Focus Attention on this layer for testing</a:t>
-            </a:r>
-            <a:endParaRPr lang="en-US" sz="1100" dirty="0"/>
-          </a:p>
-        </p:txBody>
-      </p:sp>
-      <p:sp>
-        <p:nvSpPr>
-          <p:cNvPr id="23560" name="TextBox 10"/>
-          <p:cNvSpPr txBox="1">
-            <a:spLocks noChangeArrowheads="1"/>
-          </p:cNvSpPr>
-          <p:nvPr/>
-        </p:nvSpPr>
-        <p:spPr bwMode="auto">
-          <a:xfrm>
-            <a:off x="3434080" y="5471934"/>
-            <a:ext cx="1160145" cy="938719"/>
-          </a:xfrm>
-          <a:prstGeom prst="rect">
-            <a:avLst/>
-          </a:prstGeom>
-          <a:noFill/>
-          <a:ln w="9525">
-            <a:noFill/>
-            <a:miter lim="800000"/>
-            <a:headEnd/>
-            <a:tailEnd/>
-          </a:ln>
-        </p:spPr>
-        <p:txBody>
-          <a:bodyPr wrap="square">
-            <a:spAutoFit/>
-          </a:bodyPr>
-          <a:lstStyle/>
-          <a:p>
-            <a:r>
-              <a:rPr lang="en-US" sz="1100" dirty="0" smtClean="0"/>
-              <a:t>NextGen Test Automation  staff enhance and improve these layers</a:t>
-            </a:r>
-            <a:endParaRPr lang="en-US" sz="1100" dirty="0"/>
+            <a:pPr algn="ctr" defTabSz="914400">
+              <a:spcBef>
+                <a:spcPct val="50000"/>
+              </a:spcBef>
+            </a:pPr>
+            <a:r>
+              <a:rPr lang="en-US"/>
+              <a:t>Micro Service APIs</a:t>
+            </a:r>
           </a:p>
         </p:txBody>
       </p:sp>
@@ -4235,7 +4253,7 @@
               <a:buChar char="•"/>
             </a:pPr>
             <a:r>
-              <a:rPr lang="en-US" sz="2000" b="1" dirty="0" smtClean="0">
+              <a:rPr lang="en-US" sz="2000" b="1" smtClean="0">
                 <a:latin typeface="Calibri Light" pitchFamily="34" charset="0"/>
                 <a:cs typeface="Calibri Light" pitchFamily="34" charset="0"/>
               </a:rPr>
@@ -4250,11 +4268,13 @@
               <a:spcBef>
                 <a:spcPct val="0"/>
               </a:spcBef>
-              <a:buFont typeface="Arial" panose="020B0604020202020204" pitchFamily="34" charset="0"/>
-              <a:buChar char="•"/>
-            </a:pPr>
-            <a:r>
-              <a:rPr lang="en-US" sz="1400" dirty="0" smtClean="0">
+              <a:buFont typeface="Arial" charset="0"/>
+              <a:buBlip>
+                <a:blip r:embed="rId2"/>
+              </a:buBlip>
+            </a:pPr>
+            <a:r>
+              <a:rPr lang="en-US" sz="1400" smtClean="0">
                 <a:latin typeface="Calibri Light" pitchFamily="34" charset="0"/>
                 <a:cs typeface="Calibri Light" pitchFamily="34" charset="0"/>
               </a:rPr>
@@ -4269,31 +4289,19 @@
               <a:spcBef>
                 <a:spcPct val="0"/>
               </a:spcBef>
-              <a:buFont typeface="Arial" panose="020B0604020202020204" pitchFamily="34" charset="0"/>
-              <a:buChar char="•"/>
-            </a:pPr>
-            <a:r>
-              <a:rPr lang="en-US" sz="1400" dirty="0" smtClean="0">
+              <a:buFont typeface="Arial" charset="0"/>
+              <a:buBlip>
+                <a:blip r:embed="rId2"/>
+              </a:buBlip>
+            </a:pPr>
+            <a:r>
+              <a:rPr lang="en-US" sz="1400" smtClean="0">
                 <a:latin typeface="Calibri Light" pitchFamily="34" charset="0"/>
                 <a:cs typeface="Calibri Light" pitchFamily="34" charset="0"/>
               </a:rPr>
-              <a:t>Responsible for correcting all test failures in  ../</a:t>
-            </a:r>
-            <a:r>
-              <a:rPr lang="en-US" sz="1400" dirty="0" err="1" smtClean="0">
-                <a:latin typeface="Calibri Light" pitchFamily="34" charset="0"/>
-                <a:cs typeface="Calibri Light" pitchFamily="34" charset="0"/>
-              </a:rPr>
-              <a:t>fitmp</a:t>
-            </a:r>
-            <a:r>
-              <a:rPr lang="en-US" sz="1400" dirty="0" smtClean="0">
-                <a:latin typeface="Calibri Light" pitchFamily="34" charset="0"/>
-                <a:cs typeface="Calibri Light" pitchFamily="34" charset="0"/>
-              </a:rPr>
-              <a:t>  directory, keeping it completely operational</a:t>
-            </a:r>
-            <a:endParaRPr lang="en-US" sz="1400" b="1" dirty="0" smtClean="0">
+              <a:t>Responsible for correcting all test failures in  ../fitmp  directory, keeping it completely operational</a:t>
+            </a:r>
+            <a:endParaRPr lang="en-US" sz="1400" b="1" smtClean="0">
               <a:latin typeface="Calibri Light" pitchFamily="34" charset="0"/>
               <a:cs typeface="Calibri Light" pitchFamily="34" charset="0"/>
             </a:endParaRPr>
@@ -4307,7 +4315,7 @@
               <a:buChar char="•"/>
             </a:pPr>
             <a:r>
-              <a:rPr lang="en-US" sz="2000" b="1" dirty="0" smtClean="0">
+              <a:rPr lang="en-US" sz="2000" b="1" smtClean="0">
                 <a:latin typeface="Calibri Light" pitchFamily="34" charset="0"/>
                 <a:cs typeface="Calibri Light" pitchFamily="34" charset="0"/>
               </a:rPr>
@@ -4322,11 +4330,13 @@
               <a:spcBef>
                 <a:spcPct val="0"/>
               </a:spcBef>
-              <a:buFont typeface="Arial" panose="020B0604020202020204" pitchFamily="34" charset="0"/>
-              <a:buChar char="•"/>
-            </a:pPr>
-            <a:r>
-              <a:rPr lang="en-US" sz="1400" dirty="0" smtClean="0">
+              <a:buFont typeface="Arial" charset="0"/>
+              <a:buBlip>
+                <a:blip r:embed="rId2"/>
+              </a:buBlip>
+            </a:pPr>
+            <a:r>
+              <a:rPr lang="en-US" sz="1400" smtClean="0">
                 <a:latin typeface="Calibri Light" pitchFamily="34" charset="0"/>
                 <a:cs typeface="Calibri Light" pitchFamily="34" charset="0"/>
               </a:rPr>
@@ -4341,29 +4351,75 @@
               <a:spcBef>
                 <a:spcPct val="0"/>
               </a:spcBef>
-              <a:buFont typeface="Arial" panose="020B0604020202020204" pitchFamily="34" charset="0"/>
-              <a:buChar char="•"/>
-            </a:pPr>
-            <a:r>
-              <a:rPr lang="en-US" sz="1400" dirty="0" smtClean="0">
+              <a:buFont typeface="Arial" charset="0"/>
+              <a:buBlip>
+                <a:blip r:embed="rId2"/>
+              </a:buBlip>
+            </a:pPr>
+            <a:r>
+              <a:rPr lang="en-US" sz="1400" smtClean="0">
                 <a:latin typeface="Calibri Light" pitchFamily="34" charset="0"/>
                 <a:cs typeface="Calibri Light" pitchFamily="34" charset="0"/>
               </a:rPr>
-              <a:t>Responsible for correcting all test failures in the  ../</a:t>
-            </a:r>
-            <a:r>
-              <a:rPr lang="en-US" sz="1400" dirty="0" err="1" smtClean="0">
+              <a:t>Responsible for correcting all test failures in the  ../fitpd  directory, keeping all test operational</a:t>
+            </a:r>
+          </a:p>
+          <a:p>
+            <a:pPr marL="342900" indent="-342900" eaLnBrk="1" hangingPunct="1">
+              <a:lnSpc>
+                <a:spcPct val="125000"/>
+              </a:lnSpc>
+              <a:buFontTx/>
+              <a:buChar char="•"/>
+            </a:pPr>
+            <a:r>
+              <a:rPr lang="en-US" sz="2000" b="1" smtClean="0">
                 <a:latin typeface="Calibri Light" pitchFamily="34" charset="0"/>
                 <a:cs typeface="Calibri Light" pitchFamily="34" charset="0"/>
               </a:rPr>
-              <a:t>fitpd</a:t>
-            </a:r>
-            <a:r>
-              <a:rPr lang="en-US" sz="1400" dirty="0" smtClean="0">
+              <a:t> Core Technology API Team engineers</a:t>
+            </a:r>
+          </a:p>
+          <a:p>
+            <a:pPr marL="919163" lvl="1" indent="-342900" eaLnBrk="1" hangingPunct="1">
+              <a:lnSpc>
+                <a:spcPct val="105000"/>
+              </a:lnSpc>
+              <a:spcBef>
+                <a:spcPct val="0"/>
+              </a:spcBef>
+              <a:buFont typeface="Arial" charset="0"/>
+              <a:buBlip>
+                <a:blip r:embed="rId2"/>
+              </a:buBlip>
+            </a:pPr>
+            <a:r>
+              <a:rPr lang="en-US" sz="1400" smtClean="0">
                 <a:latin typeface="Calibri Light" pitchFamily="34" charset="0"/>
                 <a:cs typeface="Calibri Light" pitchFamily="34" charset="0"/>
               </a:rPr>
-              <a:t>  directory, keeping all test operational</a:t>
+              <a:t>Responsible for adding new tests to the REST API regression suite </a:t>
+            </a:r>
+          </a:p>
+          <a:p>
+            <a:pPr marL="919163" lvl="1" indent="-342900" eaLnBrk="1" hangingPunct="1">
+              <a:lnSpc>
+                <a:spcPct val="105000"/>
+              </a:lnSpc>
+              <a:spcBef>
+                <a:spcPct val="0"/>
+              </a:spcBef>
+              <a:buFont typeface="Arial" charset="0"/>
+              <a:buBlip>
+                <a:blip r:embed="rId2"/>
+              </a:buBlip>
+            </a:pPr>
+            <a:r>
+              <a:rPr lang="en-US" sz="1400" smtClean="0">
+                <a:latin typeface="Calibri Light" pitchFamily="34" charset="0"/>
+                <a:cs typeface="Calibri Light" pitchFamily="34" charset="0"/>
+              </a:rPr>
+              <a:t>Responsible for correcting all test failures in the ../fitapi directory, keeping all test operational</a:t>
             </a:r>
           </a:p>
           <a:p>
@@ -4375,30 +4431,27 @@
               <a:buChar char="•"/>
             </a:pPr>
             <a:r>
-              <a:rPr lang="en-US" sz="2000" b="1" dirty="0" smtClean="0">
+              <a:rPr lang="en-US" sz="500" b="1" smtClean="0">
                 <a:latin typeface="Calibri Light" pitchFamily="34" charset="0"/>
                 <a:cs typeface="Calibri Light" pitchFamily="34" charset="0"/>
               </a:rPr>
-              <a:t> Core Technology API Team engineers</a:t>
-            </a:r>
-          </a:p>
-          <a:p>
-            <a:pPr marL="919163" lvl="1" indent="-342900" eaLnBrk="1" hangingPunct="1">
-              <a:lnSpc>
-                <a:spcPct val="105000"/>
-              </a:lnSpc>
-              <a:spcBef>
-                <a:spcPct val="0"/>
-              </a:spcBef>
-              <a:buFont typeface="Arial" panose="020B0604020202020204" pitchFamily="34" charset="0"/>
+              <a:t>             </a:t>
+            </a:r>
+          </a:p>
+          <a:p>
+            <a:pPr marL="342900" indent="-342900" eaLnBrk="1" hangingPunct="1">
+              <a:lnSpc>
+                <a:spcPct val="125000"/>
+              </a:lnSpc>
+              <a:buFontTx/>
               <a:buChar char="•"/>
             </a:pPr>
             <a:r>
-              <a:rPr lang="en-US" sz="1400" dirty="0" smtClean="0">
+              <a:rPr lang="en-US" sz="2000" b="1" smtClean="0">
                 <a:latin typeface="Calibri Light" pitchFamily="34" charset="0"/>
                 <a:cs typeface="Calibri Light" pitchFamily="34" charset="0"/>
               </a:rPr>
-              <a:t>Responsible for adding new tests to the REST API regression suite </a:t>
+              <a:t>NGTA Team engineers</a:t>
             </a:r>
           </a:p>
           <a:p>
@@ -4409,61 +4462,72 @@
               <a:spcBef>
                 <a:spcPct val="0"/>
               </a:spcBef>
-              <a:buFont typeface="Arial" panose="020B0604020202020204" pitchFamily="34" charset="0"/>
+              <a:buFont typeface="Arial" charset="0"/>
               <a:buChar char="•"/>
             </a:pPr>
             <a:r>
-              <a:rPr lang="en-US" sz="1400" dirty="0" smtClean="0">
+              <a:rPr lang="en-US" sz="1400" smtClean="0">
                 <a:latin typeface="Calibri Light" pitchFamily="34" charset="0"/>
                 <a:cs typeface="Calibri Light" pitchFamily="34" charset="0"/>
               </a:rPr>
-              <a:t>Responsible for correcting all test failures in the ../</a:t>
-            </a:r>
-            <a:r>
-              <a:rPr lang="en-US" sz="1400" dirty="0" err="1" smtClean="0">
+              <a:t>Oversee and manage all Framework development. </a:t>
+            </a:r>
+          </a:p>
+          <a:p>
+            <a:pPr marL="919163" lvl="1" indent="-342900" eaLnBrk="1" hangingPunct="1">
+              <a:lnSpc>
+                <a:spcPct val="105000"/>
+              </a:lnSpc>
+              <a:spcBef>
+                <a:spcPct val="0"/>
+              </a:spcBef>
+              <a:buFont typeface="Arial" charset="0"/>
+              <a:buChar char="•"/>
+            </a:pPr>
+            <a:r>
+              <a:rPr lang="en-US" sz="1400" smtClean="0">
                 <a:latin typeface="Calibri Light" pitchFamily="34" charset="0"/>
                 <a:cs typeface="Calibri Light" pitchFamily="34" charset="0"/>
               </a:rPr>
-              <a:t>fitapi</a:t>
-            </a:r>
-            <a:r>
-              <a:rPr lang="en-US" sz="1400" dirty="0" smtClean="0">
+              <a:t>Continual frame work improvement, evaluating all need for new coverage</a:t>
+            </a:r>
+          </a:p>
+          <a:p>
+            <a:pPr marL="919163" lvl="1" indent="-342900" eaLnBrk="1" hangingPunct="1">
+              <a:lnSpc>
+                <a:spcPct val="105000"/>
+              </a:lnSpc>
+              <a:spcBef>
+                <a:spcPct val="0"/>
+              </a:spcBef>
+              <a:buFont typeface="Arial" charset="0"/>
+              <a:buChar char="•"/>
+            </a:pPr>
+            <a:r>
+              <a:rPr lang="en-US" sz="1400" smtClean="0">
                 <a:latin typeface="Calibri Light" pitchFamily="34" charset="0"/>
                 <a:cs typeface="Calibri Light" pitchFamily="34" charset="0"/>
               </a:rPr>
-              <a:t> directory, keeping all test operational</a:t>
-            </a:r>
-          </a:p>
-          <a:p>
-            <a:pPr marL="342900" indent="-342900" eaLnBrk="1" hangingPunct="1">
-              <a:lnSpc>
-                <a:spcPct val="125000"/>
-              </a:lnSpc>
-              <a:buFontTx/>
+              <a:t>Continually analyze mid layer code</a:t>
+            </a:r>
+          </a:p>
+          <a:p>
+            <a:pPr marL="919163" lvl="1" indent="-342900" eaLnBrk="1" hangingPunct="1">
+              <a:lnSpc>
+                <a:spcPct val="105000"/>
+              </a:lnSpc>
+              <a:spcBef>
+                <a:spcPct val="0"/>
+              </a:spcBef>
+              <a:buFont typeface="Arial" charset="0"/>
               <a:buChar char="•"/>
             </a:pPr>
             <a:r>
-              <a:rPr lang="en-US" sz="500" b="1" dirty="0" smtClean="0">
+              <a:rPr lang="en-US" sz="1400" smtClean="0">
                 <a:latin typeface="Calibri Light" pitchFamily="34" charset="0"/>
                 <a:cs typeface="Calibri Light" pitchFamily="34" charset="0"/>
               </a:rPr>
-              <a:t>             </a:t>
-            </a:r>
-          </a:p>
-          <a:p>
-            <a:pPr marL="342900" indent="-342900" eaLnBrk="1" hangingPunct="1">
-              <a:lnSpc>
-                <a:spcPct val="125000"/>
-              </a:lnSpc>
-              <a:buFontTx/>
-              <a:buChar char="•"/>
-            </a:pPr>
-            <a:r>
-              <a:rPr lang="en-US" sz="2000" b="1" dirty="0" smtClean="0">
-                <a:latin typeface="Calibri Light" pitchFamily="34" charset="0"/>
-                <a:cs typeface="Calibri Light" pitchFamily="34" charset="0"/>
-              </a:rPr>
-              <a:t>NGTA Team engineers</a:t>
+              <a:t>Refactor content from mid layer to the lower common layer</a:t>
             </a:r>
           </a:p>
           <a:p>
@@ -4478,83 +4542,7 @@
               <a:buChar char="•"/>
             </a:pPr>
             <a:r>
-              <a:rPr lang="en-US" sz="1400" dirty="0" smtClean="0">
-                <a:latin typeface="Calibri Light" pitchFamily="34" charset="0"/>
-                <a:cs typeface="Calibri Light" pitchFamily="34" charset="0"/>
-              </a:rPr>
-              <a:t>Oversee and manage all Framework development. </a:t>
-            </a:r>
-          </a:p>
-          <a:p>
-            <a:pPr marL="919163" lvl="1" indent="-342900" eaLnBrk="1" hangingPunct="1">
-              <a:lnSpc>
-                <a:spcPct val="105000"/>
-              </a:lnSpc>
-              <a:spcBef>
-                <a:spcPct val="0"/>
-              </a:spcBef>
-              <a:buFont typeface="Arial" charset="0"/>
-              <a:buChar char="•"/>
-            </a:pPr>
-            <a:r>
-              <a:rPr lang="en-US" sz="1400" dirty="0" smtClean="0">
-                <a:latin typeface="Calibri Light" pitchFamily="34" charset="0"/>
-                <a:cs typeface="Calibri Light" pitchFamily="34" charset="0"/>
-              </a:rPr>
-              <a:t>Continual frame work improvement, evaluating all need for new coverage</a:t>
-            </a:r>
-          </a:p>
-          <a:p>
-            <a:pPr marL="919163" lvl="1" indent="-342900" eaLnBrk="1" hangingPunct="1">
-              <a:lnSpc>
-                <a:spcPct val="105000"/>
-              </a:lnSpc>
-              <a:spcBef>
-                <a:spcPct val="0"/>
-              </a:spcBef>
-              <a:buFont typeface="Arial" charset="0"/>
-              <a:buChar char="•"/>
-            </a:pPr>
-            <a:r>
-              <a:rPr lang="en-US" sz="1400" dirty="0" smtClean="0">
-                <a:latin typeface="Calibri Light" pitchFamily="34" charset="0"/>
-                <a:cs typeface="Calibri Light" pitchFamily="34" charset="0"/>
-              </a:rPr>
-              <a:t>Continually analyze mid layer code</a:t>
-            </a:r>
-          </a:p>
-          <a:p>
-            <a:pPr marL="919163" lvl="1" indent="-342900" eaLnBrk="1" hangingPunct="1">
-              <a:lnSpc>
-                <a:spcPct val="105000"/>
-              </a:lnSpc>
-              <a:spcBef>
-                <a:spcPct val="0"/>
-              </a:spcBef>
-              <a:buFont typeface="Arial" charset="0"/>
-              <a:buChar char="•"/>
-            </a:pPr>
-            <a:r>
-              <a:rPr lang="en-US" sz="1400" dirty="0" smtClean="0">
-                <a:latin typeface="Calibri Light" pitchFamily="34" charset="0"/>
-                <a:cs typeface="Calibri Light" pitchFamily="34" charset="0"/>
-              </a:rPr>
-              <a:t>Refactor content from mid layer to the lower common layer</a:t>
-            </a:r>
-          </a:p>
-          <a:p>
-            <a:pPr marL="919163" lvl="1" indent="-342900" eaLnBrk="1" hangingPunct="1">
-              <a:lnSpc>
-                <a:spcPct val="105000"/>
-              </a:lnSpc>
-              <a:spcBef>
-                <a:spcPct val="0"/>
-              </a:spcBef>
-              <a:buFont typeface="Arial" charset="0"/>
-              <a:buChar char="•"/>
-            </a:pPr>
-            <a:r>
-              <a:rPr lang="en-US" sz="1400" dirty="0" smtClean="0">
+              <a:rPr lang="en-US" sz="1400" smtClean="0">
                 <a:latin typeface="Calibri Light" pitchFamily="34" charset="0"/>
                 <a:cs typeface="Calibri Light" pitchFamily="34" charset="0"/>
               </a:rPr>
@@ -5048,7 +5036,7 @@
         </p:nvSpPr>
         <p:spPr>
           <a:xfrm>
-            <a:off x="712788" y="957263"/>
+            <a:off x="512763" y="635000"/>
             <a:ext cx="7974012" cy="1143000"/>
           </a:xfrm>
         </p:spPr>
@@ -5120,8 +5108,8 @@
         </p:blipFill>
         <p:spPr>
           <a:xfrm>
-            <a:off x="711200" y="2303463"/>
-            <a:ext cx="7975600" cy="4486275"/>
+            <a:off x="711200" y="1725613"/>
+            <a:ext cx="7975600" cy="3838575"/>
           </a:xfrm>
         </p:spPr>
       </p:pic>
@@ -5230,6 +5218,53 @@
               <a:t>Appendix:</a:t>
             </a:r>
             <a:endParaRPr lang="en-US" sz="2800" dirty="0"/>
+          </a:p>
+        </p:txBody>
+      </p:sp>
+      <p:sp>
+        <p:nvSpPr>
+          <p:cNvPr id="26630" name="Text Box 6"/>
+          <p:cNvSpPr txBox="1">
+            <a:spLocks noChangeArrowheads="1"/>
+          </p:cNvSpPr>
+          <p:nvPr/>
+        </p:nvSpPr>
+        <p:spPr bwMode="auto">
+          <a:xfrm>
+            <a:off x="1263650" y="5748338"/>
+            <a:ext cx="6265863" cy="404812"/>
+          </a:xfrm>
+          <a:prstGeom prst="rect">
+            <a:avLst/>
+          </a:prstGeom>
+          <a:solidFill>
+            <a:srgbClr val="C0C0C0"/>
+          </a:solidFill>
+          <a:ln w="38100">
+            <a:solidFill>
+              <a:srgbClr val="C0C0C0"/>
+            </a:solidFill>
+            <a:miter lim="800000"/>
+            <a:headEnd/>
+            <a:tailEnd/>
+          </a:ln>
+          <a:effectLst/>
+        </p:spPr>
+        <p:txBody>
+          <a:bodyPr>
+            <a:spAutoFit/>
+          </a:bodyPr>
+          <a:lstStyle/>
+          <a:p>
+            <a:pPr algn="ctr" defTabSz="914400">
+              <a:spcBef>
+                <a:spcPct val="50000"/>
+              </a:spcBef>
+            </a:pPr>
+            <a:r>
+              <a:rPr lang="en-US"/>
+              <a:t>Micro Service REST APIs</a:t>
+            </a:r>
           </a:p>
         </p:txBody>
       </p:sp>
@@ -6960,7 +6995,7 @@
               <a:buChar char="•"/>
             </a:pPr>
             <a:r>
-              <a:rPr lang="en-US" sz="2000" b="1" dirty="0" smtClean="0">
+              <a:rPr lang="en-US" sz="2000" b="1" smtClean="0">
                 <a:latin typeface="Calibri Light" pitchFamily="34" charset="0"/>
                 <a:cs typeface="Calibri Light" pitchFamily="34" charset="0"/>
               </a:rPr>
@@ -6975,18 +7010,20 @@
               <a:spcBef>
                 <a:spcPct val="0"/>
               </a:spcBef>
-              <a:buFont typeface="Arial" panose="020B0604020202020204" pitchFamily="34" charset="0"/>
-              <a:buChar char="•"/>
-            </a:pPr>
-            <a:r>
-              <a:rPr lang="en-US" sz="1600" b="1" dirty="0" smtClean="0">
+              <a:buFont typeface="Arial" charset="0"/>
+              <a:buBlip>
+                <a:blip r:embed="rId3"/>
+              </a:buBlip>
+            </a:pPr>
+            <a:r>
+              <a:rPr lang="en-US" sz="1600" b="1" smtClean="0">
                 <a:latin typeface="Calibri Light" pitchFamily="34" charset="0"/>
                 <a:cs typeface="Calibri Light" pitchFamily="34" charset="0"/>
               </a:rPr>
               <a:t>We are able to do more and deliver to a greater audience. </a:t>
             </a:r>
             <a:r>
-              <a:rPr lang="en-US" sz="1800" b="1" dirty="0" smtClean="0">
+              <a:rPr lang="en-US" sz="1800" b="1" smtClean="0">
                 <a:latin typeface="Calibri Light" pitchFamily="34" charset="0"/>
                 <a:cs typeface="Calibri Light" pitchFamily="34" charset="0"/>
               </a:rPr>
@@ -7005,7 +7042,7 @@
               <a:buChar char="•"/>
             </a:pPr>
             <a:r>
-              <a:rPr lang="en-US" sz="2000" b="1" dirty="0" smtClean="0">
+              <a:rPr lang="en-US" sz="2000" b="1" smtClean="0">
                 <a:latin typeface="Calibri Light" pitchFamily="34" charset="0"/>
                 <a:cs typeface="Calibri Light" pitchFamily="34" charset="0"/>
               </a:rPr>
@@ -7024,14 +7061,14 @@
               <a:buChar char="•"/>
             </a:pPr>
             <a:r>
-              <a:rPr lang="en-US" sz="1600" b="1" dirty="0" smtClean="0">
+              <a:rPr lang="en-US" sz="1600" b="1" smtClean="0">
                 <a:latin typeface="Calibri Light" pitchFamily="34" charset="0"/>
                 <a:cs typeface="Calibri Light" pitchFamily="34" charset="0"/>
               </a:rPr>
               <a:t>we have to change how we develop tests   </a:t>
             </a:r>
             <a:r>
-              <a:rPr lang="en-US" sz="1000" b="1" dirty="0" smtClean="0">
+              <a:rPr lang="en-US" sz="1000" b="1" smtClean="0">
                 <a:solidFill>
                   <a:srgbClr val="A6A6A6"/>
                 </a:solidFill>
@@ -7053,13 +7090,13 @@
               <a:buChar char="•"/>
             </a:pPr>
             <a:r>
-              <a:rPr lang="en-US" sz="1600" b="1" dirty="0" smtClean="0">
+              <a:rPr lang="en-US" sz="1600" b="1" smtClean="0">
                 <a:latin typeface="Calibri Light" pitchFamily="34" charset="0"/>
                 <a:cs typeface="Calibri Light" pitchFamily="34" charset="0"/>
               </a:rPr>
               <a:t>we have changed how we select &amp; control execution  </a:t>
             </a:r>
-            <a:endParaRPr lang="en-US" sz="1000" b="1" dirty="0" smtClean="0">
+            <a:endParaRPr lang="en-US" sz="1000" b="1" smtClean="0">
               <a:solidFill>
                 <a:srgbClr val="A6A6A6"/>
               </a:solidFill>
@@ -7079,7 +7116,7 @@
               <a:buNone/>
             </a:pPr>
             <a:r>
-              <a:rPr lang="en-US" sz="200" b="1" dirty="0" smtClean="0">
+              <a:rPr lang="en-US" sz="200" b="1" smtClean="0">
                 <a:solidFill>
                   <a:srgbClr val="A6A6A6"/>
                 </a:solidFill>
@@ -7088,7 +7125,7 @@
               </a:rPr>
               <a:t>   </a:t>
             </a:r>
-            <a:endParaRPr lang="en-US" sz="700" b="1" dirty="0" smtClean="0">
+            <a:endParaRPr lang="en-US" sz="700" b="1" smtClean="0">
               <a:latin typeface="Calibri Light" pitchFamily="34" charset="0"/>
               <a:cs typeface="Calibri Light" pitchFamily="34" charset="0"/>
             </a:endParaRPr>
@@ -7105,7 +7142,7 @@
               <a:buChar char="•"/>
             </a:pPr>
             <a:r>
-              <a:rPr lang="en-US" sz="2000" b="1" dirty="0" smtClean="0">
+              <a:rPr lang="en-US" sz="2000" b="1" smtClean="0">
                 <a:latin typeface="Calibri Light" pitchFamily="34" charset="0"/>
                 <a:cs typeface="Calibri Light" pitchFamily="34" charset="0"/>
               </a:rPr>
@@ -7123,7 +7160,7 @@
               <a:buFontTx/>
               <a:buNone/>
             </a:pPr>
-            <a:endParaRPr lang="en-US" sz="1800" dirty="0" smtClean="0">
+            <a:endParaRPr lang="en-US" sz="1800" smtClean="0">
               <a:latin typeface="Calibri Light" pitchFamily="34" charset="0"/>
               <a:cs typeface="Calibri Light" pitchFamily="34" charset="0"/>
             </a:endParaRPr>
@@ -7139,7 +7176,7 @@
               <a:buFont typeface="Arial" charset="0"/>
               <a:buChar char="•"/>
             </a:pPr>
-            <a:endParaRPr lang="en-US" sz="1800" dirty="0" smtClean="0">
+            <a:endParaRPr lang="en-US" sz="1800" smtClean="0">
               <a:latin typeface="Calibri Light" pitchFamily="34" charset="0"/>
               <a:cs typeface="Calibri Light" pitchFamily="34" charset="0"/>
             </a:endParaRPr>
@@ -7150,7 +7187,7 @@
                 <a:spcPct val="70000"/>
               </a:lnSpc>
             </a:pPr>
-            <a:endParaRPr lang="en-US" sz="2000" dirty="0" smtClean="0">
+            <a:endParaRPr lang="en-US" sz="2000" smtClean="0">
               <a:latin typeface="Calibri Light" pitchFamily="34" charset="0"/>
               <a:cs typeface="Calibri Light" pitchFamily="34" charset="0"/>
             </a:endParaRPr>
@@ -7443,7 +7480,7 @@
           <p:nvPr/>
         </p:nvPicPr>
         <p:blipFill>
-          <a:blip r:embed="rId3"/>
+          <a:blip r:embed="rId4"/>
           <a:srcRect/>
           <a:stretch>
             <a:fillRect/>
@@ -7475,7 +7512,7 @@
           <p:nvPr/>
         </p:nvPicPr>
         <p:blipFill>
-          <a:blip r:embed="rId4"/>
+          <a:blip r:embed="rId5"/>
           <a:srcRect/>
           <a:stretch>
             <a:fillRect/>
@@ -8678,6 +8715,51 @@
           </a:p>
         </p:txBody>
       </p:sp>
+      <p:sp>
+        <p:nvSpPr>
+          <p:cNvPr id="15366" name="Text Box 6"/>
+          <p:cNvSpPr txBox="1">
+            <a:spLocks noChangeArrowheads="1"/>
+          </p:cNvSpPr>
+          <p:nvPr/>
+        </p:nvSpPr>
+        <p:spPr bwMode="auto">
+          <a:xfrm>
+            <a:off x="4318000" y="6038850"/>
+            <a:ext cx="4721225" cy="366713"/>
+          </a:xfrm>
+          <a:prstGeom prst="rect">
+            <a:avLst/>
+          </a:prstGeom>
+          <a:solidFill>
+            <a:srgbClr val="C0C0C0"/>
+          </a:solidFill>
+          <a:ln w="9525">
+            <a:noFill/>
+            <a:miter lim="800000"/>
+            <a:headEnd/>
+            <a:tailEnd/>
+          </a:ln>
+          <a:effectLst/>
+        </p:spPr>
+        <p:txBody>
+          <a:bodyPr>
+            <a:spAutoFit/>
+          </a:bodyPr>
+          <a:lstStyle/>
+          <a:p>
+            <a:pPr algn="ctr">
+              <a:spcBef>
+                <a:spcPct val="50000"/>
+              </a:spcBef>
+            </a:pPr>
+            <a:r>
+              <a:rPr lang="en-US"/>
+              <a:t>Micro Service APIs</a:t>
+            </a:r>
+          </a:p>
+        </p:txBody>
+      </p:sp>
     </p:spTree>
   </p:cSld>
   <p:clrMapOvr>
@@ -9130,6 +9212,7 @@
               <a:spcBef>
                 <a:spcPts val="0"/>
               </a:spcBef>
+              <a:buFontTx/>
               <a:buNone/>
               <a:defRPr/>
             </a:pPr>
@@ -9822,7 +9905,7 @@
         <p:spPr bwMode="auto">
           <a:xfrm>
             <a:off x="274638" y="1582738"/>
-            <a:ext cx="8869362" cy="5139869"/>
+            <a:ext cx="8869362" cy="5140325"/>
           </a:xfrm>
           <a:prstGeom prst="rect">
             <a:avLst/>
@@ -9844,6 +9927,7 @@
             <a:pPr marL="342900" indent="-342900">
               <a:buFont typeface="Arial" charset="0"/>
               <a:buChar char="•"/>
+              <a:defRPr/>
             </a:pPr>
             <a:r>
               <a:rPr lang="en-US" sz="2000" dirty="0">
@@ -9853,7 +9937,9 @@
             </a:r>
           </a:p>
           <a:p>
-            <a:pPr marL="342900" indent="-342900"/>
+            <a:pPr marL="342900" indent="-342900">
+              <a:defRPr/>
+            </a:pPr>
             <a:endParaRPr lang="en-US" sz="2000" dirty="0">
               <a:latin typeface="Calibri" pitchFamily="34" charset="0"/>
             </a:endParaRPr>
@@ -9862,6 +9948,7 @@
             <a:pPr marL="342900" indent="-342900">
               <a:buFont typeface="Arial" charset="0"/>
               <a:buChar char="•"/>
+              <a:defRPr/>
             </a:pPr>
             <a:r>
               <a:rPr lang="en-US" sz="1400" b="1" dirty="0">
@@ -9892,8 +9979,11 @@
             </a:endParaRPr>
           </a:p>
           <a:p>
-            <a:r>
-              <a:rPr lang="en-US" sz="1200" dirty="0" smtClean="0">
+            <a:pPr>
+              <a:defRPr/>
+            </a:pPr>
+            <a:r>
+              <a:rPr lang="en-US" sz="1200" dirty="0">
                 <a:latin typeface="Calibri" pitchFamily="34" charset="0"/>
               </a:rPr>
               <a:t>   </a:t>
@@ -9906,6 +9996,7 @@
             <a:pPr marL="342900" indent="-342900">
               <a:buFont typeface="Arial" charset="0"/>
               <a:buChar char="•"/>
+              <a:defRPr/>
             </a:pPr>
             <a:r>
               <a:rPr lang="en-US" sz="1400" b="1" dirty="0">
@@ -9943,8 +10034,11 @@
             </a:r>
           </a:p>
           <a:p>
-            <a:r>
-              <a:rPr lang="en-US" sz="1200" dirty="0" smtClean="0">
+            <a:pPr>
+              <a:defRPr/>
+            </a:pPr>
+            <a:r>
+              <a:rPr lang="en-US" sz="1200" dirty="0">
                 <a:latin typeface="Calibri" pitchFamily="34" charset="0"/>
               </a:rPr>
               <a:t>     </a:t>
@@ -9957,6 +10051,7 @@
             <a:pPr marL="342900" indent="-342900">
               <a:buFont typeface="Arial" charset="0"/>
               <a:buChar char="•"/>
+              <a:defRPr/>
             </a:pPr>
             <a:r>
               <a:rPr lang="en-US" sz="1400" b="1" dirty="0">
@@ -9995,8 +10090,11 @@
             </a:endParaRPr>
           </a:p>
           <a:p>
-            <a:r>
-              <a:rPr lang="en-US" sz="1200" dirty="0" smtClean="0">
+            <a:pPr>
+              <a:defRPr/>
+            </a:pPr>
+            <a:r>
+              <a:rPr lang="en-US" sz="1200" dirty="0">
                 <a:latin typeface="Calibri" pitchFamily="34" charset="0"/>
               </a:rPr>
               <a:t>     </a:t>
@@ -10009,6 +10107,7 @@
             <a:pPr marL="342900" indent="-342900">
               <a:buFont typeface="Arial" charset="0"/>
               <a:buChar char="•"/>
+              <a:defRPr/>
             </a:pPr>
             <a:r>
               <a:rPr lang="en-US" sz="1400" b="1" dirty="0"/>
@@ -10371,7 +10470,7 @@
   <a:extraClrSchemeLst/>
   <a:extLst>
     <a:ext uri="{05A4C25C-085E-4340-85A3-A5531E510DB2}">
-      <thm15:themeFamily xmlns:thm15="http://schemas.microsoft.com/office/thememl/2012/main" name="Presentation2" id="{E033CE4F-DAC9-4DC1-B085-D07FC0345DDB}" vid="{0783260F-4856-4ED7-B8E5-5C83CC1572CF}"/>
+      <thm15:themeFamily xmlns="" xmlns:thm15="http://schemas.microsoft.com/office/thememl/2012/main" name="Presentation2" id="{E033CE4F-DAC9-4DC1-B085-D07FC0345DDB}" vid="{0783260F-4856-4ED7-B8E5-5C83CC1572CF}"/>
     </a:ext>
   </a:extLst>
 </a:theme>
@@ -10632,7 +10731,7 @@
   <a:extraClrSchemeLst/>
   <a:extLst>
     <a:ext uri="{05A4C25C-085E-4340-85A3-A5531E510DB2}">
-      <thm15:themeFamily xmlns:thm15="http://schemas.microsoft.com/office/thememl/2012/main" name="Office Theme" id="{62F939B6-93AF-4DB8-9C6B-D6C7DFDC589F}" vid="{4A3C46E8-61CC-4603-A589-7422A47A8E4A}"/>
+      <thm15:themeFamily xmlns="" xmlns:thm15="http://schemas.microsoft.com/office/thememl/2012/main" name="Office Theme" id="{62F939B6-93AF-4DB8-9C6B-D6C7DFDC589F}" vid="{4A3C46E8-61CC-4603-A589-7422A47A8E4A}"/>
     </a:ext>
   </a:extLst>
 </a:theme>

--- a/CurrentWork_Delta/CX_StrategyPowerPoint.pptx
+++ b/CurrentWork_Delta/CX_StrategyPowerPoint.pptx
@@ -154,6 +154,25 @@
       </a:defRPr>
     </a:lvl9pPr>
   </p:defaultTextStyle>
+  <p:extLst>
+    <p:ext uri="{EFAFB233-063F-42B5-8137-9DF3F51BA10A}">
+      <p15:sldGuideLst xmlns:p15="http://schemas.microsoft.com/office/powerpoint/2012/main">
+        <p15:guide id="1" orient="horz" pos="2625">
+          <p15:clr>
+            <a:srgbClr val="A4A3A4"/>
+          </p15:clr>
+        </p15:guide>
+        <p15:guide id="2" pos="2880">
+          <p15:clr>
+            <a:srgbClr val="A4A3A4"/>
+          </p15:clr>
+        </p15:guide>
+      </p15:sldGuideLst>
+    </p:ext>
+    <p:ext uri="{2D200454-40CA-4A62-9FC3-DE9A4176ACB9}">
+      <p15:notesGuideLst xmlns:p15="http://schemas.microsoft.com/office/powerpoint/2012/main"/>
+    </p:ext>
+  </p:extLst>
 </p:presentation>
 </file>
 
@@ -266,7 +285,7 @@
               <a:pPr>
                 <a:defRPr/>
               </a:pPr>
-              <a:t>4/17/2018</a:t>
+              <a:t>4/19/2018</a:t>
             </a:fld>
             <a:endParaRPr lang="en-US"/>
           </a:p>
@@ -460,6 +479,11 @@
         </p:txBody>
       </p:sp>
     </p:spTree>
+    <p:extLst>
+      <p:ext uri="{BB962C8B-B14F-4D97-AF65-F5344CB8AC3E}">
+        <p14:creationId xmlns:p14="http://schemas.microsoft.com/office/powerpoint/2010/main" val="3086307207"/>
+      </p:ext>
+    </p:extLst>
   </p:cSld>
   <p:clrMap bg1="lt1" tx1="dk1" bg2="lt2" tx2="dk2" accent1="accent1" accent2="accent2" accent3="accent3" accent4="accent4" accent5="accent5" accent6="accent6" hlink="hlink" folHlink="folHlink"/>
   <p:notesStyle>
@@ -712,6 +736,11 @@
         </p:txBody>
       </p:sp>
     </p:spTree>
+    <p:extLst>
+      <p:ext uri="{BB962C8B-B14F-4D97-AF65-F5344CB8AC3E}">
+        <p14:creationId xmlns:p14="http://schemas.microsoft.com/office/powerpoint/2010/main" val="208588175"/>
+      </p:ext>
+    </p:extLst>
   </p:cSld>
   <p:clrMapOvr>
     <a:masterClrMapping/>
@@ -844,6 +873,11 @@
         </p:txBody>
       </p:sp>
     </p:spTree>
+    <p:extLst>
+      <p:ext uri="{BB962C8B-B14F-4D97-AF65-F5344CB8AC3E}">
+        <p14:creationId xmlns:p14="http://schemas.microsoft.com/office/powerpoint/2010/main" val="1832979780"/>
+      </p:ext>
+    </p:extLst>
   </p:cSld>
   <p:clrMapOvr>
     <a:masterClrMapping/>
@@ -976,6 +1010,11 @@
         </p:txBody>
       </p:sp>
     </p:spTree>
+    <p:extLst>
+      <p:ext uri="{BB962C8B-B14F-4D97-AF65-F5344CB8AC3E}">
+        <p14:creationId xmlns:p14="http://schemas.microsoft.com/office/powerpoint/2010/main" val="1246303198"/>
+      </p:ext>
+    </p:extLst>
   </p:cSld>
   <p:clrMapOvr>
     <a:masterClrMapping/>
@@ -2412,7 +2451,7 @@
               </a:lnSpc>
             </a:pPr>
             <a:r>
-              <a:rPr lang="en-US" sz="5000">
+              <a:rPr lang="en-US" sz="5000" dirty="0">
                 <a:solidFill>
                   <a:srgbClr val="128BAD"/>
                 </a:solidFill>
@@ -2428,7 +2467,7 @@
               </a:lnSpc>
             </a:pPr>
             <a:r>
-              <a:rPr lang="en-US" sz="5000">
+              <a:rPr lang="en-US" sz="5000" dirty="0">
                 <a:solidFill>
                   <a:srgbClr val="128BAD"/>
                 </a:solidFill>
@@ -3914,212 +3953,89 @@
           </a:p>
         </p:txBody>
       </p:sp>
-      <p:grpSp>
-        <p:nvGrpSpPr>
-          <p:cNvPr id="23578" name="Group 26"/>
-          <p:cNvGrpSpPr>
-            <a:grpSpLocks/>
-          </p:cNvGrpSpPr>
-          <p:nvPr/>
-        </p:nvGrpSpPr>
-        <p:grpSpPr bwMode="auto">
-          <a:xfrm>
-            <a:off x="3322638" y="3698875"/>
-            <a:ext cx="5240337" cy="2622550"/>
-            <a:chOff x="2093" y="2477"/>
-            <a:chExt cx="3301" cy="1652"/>
-          </a:xfrm>
-        </p:grpSpPr>
-        <p:pic>
-          <p:nvPicPr>
-            <p:cNvPr id="23556" name="Picture 1"/>
-            <p:cNvPicPr>
-              <a:picLocks noChangeAspect="1"/>
-            </p:cNvPicPr>
-            <p:nvPr/>
-          </p:nvPicPr>
-          <p:blipFill>
-            <a:blip r:embed="rId2"/>
-            <a:srcRect/>
-            <a:stretch>
-              <a:fillRect/>
-            </a:stretch>
-          </p:blipFill>
-          <p:spPr bwMode="auto">
-            <a:xfrm>
-              <a:off x="3118" y="2477"/>
-              <a:ext cx="2276" cy="1652"/>
-            </a:xfrm>
-            <a:prstGeom prst="rect">
-              <a:avLst/>
-            </a:prstGeom>
-            <a:noFill/>
-            <a:ln w="9525">
-              <a:noFill/>
-              <a:miter lim="800000"/>
-              <a:headEnd/>
-              <a:tailEnd/>
-            </a:ln>
-          </p:spPr>
-        </p:pic>
-        <p:sp>
-          <p:nvSpPr>
-            <p:cNvPr id="2" name="Left Brace 1"/>
-            <p:cNvSpPr/>
-            <p:nvPr/>
-          </p:nvSpPr>
-          <p:spPr>
-            <a:xfrm>
-              <a:off x="2890" y="2861"/>
-              <a:ext cx="120" cy="341"/>
-            </a:xfrm>
-            <a:prstGeom prst="leftBrace">
-              <a:avLst/>
-            </a:prstGeom>
-          </p:spPr>
-          <p:style>
-            <a:lnRef idx="2">
-              <a:schemeClr val="accent1"/>
-            </a:lnRef>
-            <a:fillRef idx="0">
-              <a:schemeClr val="accent1"/>
-            </a:fillRef>
-            <a:effectRef idx="1">
-              <a:schemeClr val="accent1"/>
-            </a:effectRef>
-            <a:fontRef idx="minor">
-              <a:schemeClr val="tx1"/>
-            </a:fontRef>
-          </p:style>
-          <p:txBody>
-            <a:bodyPr anchor="ctr"/>
-            <a:lstStyle/>
-            <a:p>
-              <a:pPr algn="ctr">
-                <a:defRPr/>
-              </a:pPr>
-              <a:endParaRPr lang="en-US"/>
-            </a:p>
-          </p:txBody>
-        </p:sp>
-        <p:sp>
-          <p:nvSpPr>
-            <p:cNvPr id="8" name="Left Brace 7"/>
-            <p:cNvSpPr/>
-            <p:nvPr/>
-          </p:nvSpPr>
-          <p:spPr>
-            <a:xfrm>
-              <a:off x="2894" y="3379"/>
-              <a:ext cx="120" cy="711"/>
-            </a:xfrm>
-            <a:prstGeom prst="leftBrace">
-              <a:avLst/>
-            </a:prstGeom>
-          </p:spPr>
-          <p:style>
-            <a:lnRef idx="2">
-              <a:schemeClr val="accent1"/>
-            </a:lnRef>
-            <a:fillRef idx="0">
-              <a:schemeClr val="accent1"/>
-            </a:fillRef>
-            <a:effectRef idx="1">
-              <a:schemeClr val="accent1"/>
-            </a:effectRef>
-            <a:fontRef idx="minor">
-              <a:schemeClr val="tx1"/>
-            </a:fontRef>
-          </p:style>
-          <p:txBody>
-            <a:bodyPr anchor="ctr"/>
-            <a:lstStyle/>
-            <a:p>
-              <a:pPr algn="ctr">
-                <a:defRPr/>
-              </a:pPr>
-              <a:endParaRPr lang="en-US"/>
-            </a:p>
-          </p:txBody>
-        </p:sp>
-        <p:sp>
-          <p:nvSpPr>
-            <p:cNvPr id="23559" name="TextBox 3"/>
-            <p:cNvSpPr txBox="1">
-              <a:spLocks noChangeArrowheads="1"/>
-            </p:cNvSpPr>
-            <p:nvPr/>
-          </p:nvSpPr>
-          <p:spPr bwMode="auto">
-            <a:xfrm>
-              <a:off x="2093" y="2802"/>
-              <a:ext cx="833" cy="482"/>
-            </a:xfrm>
-            <a:prstGeom prst="rect">
-              <a:avLst/>
-            </a:prstGeom>
-            <a:noFill/>
-            <a:ln w="9525">
-              <a:noFill/>
-              <a:miter lim="800000"/>
-              <a:headEnd/>
-              <a:tailEnd/>
-            </a:ln>
-          </p:spPr>
-          <p:txBody>
-            <a:bodyPr>
-              <a:spAutoFit/>
-            </a:bodyPr>
-            <a:lstStyle/>
-            <a:p>
-              <a:r>
-                <a:rPr lang="en-US" sz="1100"/>
-                <a:t>Development Engineers Focus Attention on this layer for testing</a:t>
-              </a:r>
-            </a:p>
-          </p:txBody>
-        </p:sp>
-        <p:sp>
-          <p:nvSpPr>
-            <p:cNvPr id="23560" name="TextBox 10"/>
-            <p:cNvSpPr txBox="1">
-              <a:spLocks noChangeArrowheads="1"/>
-            </p:cNvSpPr>
-            <p:nvPr/>
-          </p:nvSpPr>
-          <p:spPr bwMode="auto">
-            <a:xfrm>
-              <a:off x="2163" y="3447"/>
-              <a:ext cx="731" cy="588"/>
-            </a:xfrm>
-            <a:prstGeom prst="rect">
-              <a:avLst/>
-            </a:prstGeom>
-            <a:noFill/>
-            <a:ln w="9525">
-              <a:noFill/>
-              <a:miter lim="800000"/>
-              <a:headEnd/>
-              <a:tailEnd/>
-            </a:ln>
-          </p:spPr>
-          <p:txBody>
-            <a:bodyPr>
-              <a:spAutoFit/>
-            </a:bodyPr>
-            <a:lstStyle/>
-            <a:p>
-              <a:r>
-                <a:rPr lang="en-US" sz="1100"/>
-                <a:t>NextGen Test Automation  staff enhance and improve these layers</a:t>
-              </a:r>
-            </a:p>
-          </p:txBody>
-        </p:sp>
-      </p:grpSp>
       <p:sp>
         <p:nvSpPr>
-          <p:cNvPr id="23579" name="Text Box 27"/>
+          <p:cNvPr id="2" name="Left Brace 1"/>
+          <p:cNvSpPr/>
+          <p:nvPr/>
+        </p:nvSpPr>
+        <p:spPr bwMode="auto">
+          <a:xfrm>
+            <a:off x="4699000" y="4316412"/>
+            <a:ext cx="184923" cy="671513"/>
+          </a:xfrm>
+          <a:prstGeom prst="leftBrace">
+            <a:avLst/>
+          </a:prstGeom>
+        </p:spPr>
+        <p:style>
+          <a:lnRef idx="2">
+            <a:schemeClr val="accent1"/>
+          </a:lnRef>
+          <a:fillRef idx="0">
+            <a:schemeClr val="accent1"/>
+          </a:fillRef>
+          <a:effectRef idx="1">
+            <a:schemeClr val="accent1"/>
+          </a:effectRef>
+          <a:fontRef idx="minor">
+            <a:schemeClr val="tx1"/>
+          </a:fontRef>
+        </p:style>
+        <p:txBody>
+          <a:bodyPr anchor="ctr"/>
+          <a:lstStyle/>
+          <a:p>
+            <a:pPr algn="ctr">
+              <a:defRPr/>
+            </a:pPr>
+            <a:endParaRPr lang="en-US"/>
+          </a:p>
+        </p:txBody>
+      </p:sp>
+      <p:sp>
+        <p:nvSpPr>
+          <p:cNvPr id="8" name="Left Brace 7"/>
+          <p:cNvSpPr/>
+          <p:nvPr/>
+        </p:nvSpPr>
+        <p:spPr bwMode="auto">
+          <a:xfrm>
+            <a:off x="4705350" y="5138739"/>
+            <a:ext cx="190500" cy="805952"/>
+          </a:xfrm>
+          <a:prstGeom prst="leftBrace">
+            <a:avLst/>
+          </a:prstGeom>
+        </p:spPr>
+        <p:style>
+          <a:lnRef idx="2">
+            <a:schemeClr val="accent1"/>
+          </a:lnRef>
+          <a:fillRef idx="0">
+            <a:schemeClr val="accent1"/>
+          </a:fillRef>
+          <a:effectRef idx="1">
+            <a:schemeClr val="accent1"/>
+          </a:effectRef>
+          <a:fontRef idx="minor">
+            <a:schemeClr val="tx1"/>
+          </a:fontRef>
+        </p:style>
+        <p:txBody>
+          <a:bodyPr anchor="ctr"/>
+          <a:lstStyle/>
+          <a:p>
+            <a:pPr algn="ctr">
+              <a:defRPr/>
+            </a:pPr>
+            <a:endParaRPr lang="en-US"/>
+          </a:p>
+        </p:txBody>
+      </p:sp>
+      <p:sp>
+        <p:nvSpPr>
+          <p:cNvPr id="23559" name="TextBox 3"/>
           <p:cNvSpPr txBox="1">
             <a:spLocks noChangeArrowheads="1"/>
           </p:cNvSpPr>
@@ -4127,38 +4043,194 @@
         </p:nvSpPr>
         <p:spPr bwMode="auto">
           <a:xfrm>
-            <a:off x="4784725" y="6329363"/>
-            <a:ext cx="3778250" cy="366712"/>
+            <a:off x="3268663" y="4222751"/>
+            <a:ext cx="1487487" cy="765175"/>
           </a:xfrm>
           <a:prstGeom prst="rect">
             <a:avLst/>
           </a:prstGeom>
-          <a:solidFill>
-            <a:srgbClr val="C0C0C0"/>
-          </a:solidFill>
+          <a:noFill/>
           <a:ln w="9525">
             <a:noFill/>
             <a:miter lim="800000"/>
             <a:headEnd/>
             <a:tailEnd/>
           </a:ln>
-          <a:effectLst/>
         </p:spPr>
         <p:txBody>
-          <a:bodyPr>
+          <a:bodyPr wrap="square">
             <a:spAutoFit/>
           </a:bodyPr>
           <a:lstStyle/>
           <a:p>
-            <a:pPr algn="ctr" defTabSz="914400">
-              <a:spcBef>
-                <a:spcPct val="50000"/>
-              </a:spcBef>
-            </a:pPr>
-            <a:r>
-              <a:rPr lang="en-US"/>
-              <a:t>Micro Service APIs</a:t>
-            </a:r>
+            <a:r>
+              <a:rPr lang="en-US" sz="1100" dirty="0"/>
+              <a:t>Development Engineers Focus Attention on this layer for testing</a:t>
+            </a:r>
+          </a:p>
+        </p:txBody>
+      </p:sp>
+      <p:sp>
+        <p:nvSpPr>
+          <p:cNvPr id="23560" name="TextBox 10"/>
+          <p:cNvSpPr txBox="1">
+            <a:spLocks noChangeArrowheads="1"/>
+          </p:cNvSpPr>
+          <p:nvPr/>
+        </p:nvSpPr>
+        <p:spPr bwMode="auto">
+          <a:xfrm>
+            <a:off x="3268663" y="5081588"/>
+            <a:ext cx="1487487" cy="769441"/>
+          </a:xfrm>
+          <a:prstGeom prst="rect">
+            <a:avLst/>
+          </a:prstGeom>
+          <a:noFill/>
+          <a:ln w="9525">
+            <a:noFill/>
+            <a:miter lim="800000"/>
+            <a:headEnd/>
+            <a:tailEnd/>
+          </a:ln>
+        </p:spPr>
+        <p:txBody>
+          <a:bodyPr wrap="square">
+            <a:spAutoFit/>
+          </a:bodyPr>
+          <a:lstStyle/>
+          <a:p>
+            <a:r>
+              <a:rPr lang="en-US" sz="1100" dirty="0"/>
+              <a:t>NextGen </a:t>
+            </a:r>
+            <a:endParaRPr lang="en-US" sz="1100" dirty="0" smtClean="0"/>
+          </a:p>
+          <a:p>
+            <a:r>
+              <a:rPr lang="en-US" sz="1100" dirty="0" smtClean="0"/>
+              <a:t>Test </a:t>
+            </a:r>
+            <a:r>
+              <a:rPr lang="en-US" sz="1100" dirty="0"/>
+              <a:t>Automation  staff enhance and improve these layers</a:t>
+            </a:r>
+          </a:p>
+        </p:txBody>
+      </p:sp>
+      <p:pic>
+        <p:nvPicPr>
+          <p:cNvPr id="4" name="Picture 3"/>
+          <p:cNvPicPr>
+            <a:picLocks noChangeAspect="1"/>
+          </p:cNvPicPr>
+          <p:nvPr/>
+        </p:nvPicPr>
+        <p:blipFill>
+          <a:blip r:embed="rId2">
+            <a:extLst>
+              <a:ext uri="{28A0092B-C50C-407E-A947-70E740481C1C}">
+                <a14:useLocalDpi xmlns:a14="http://schemas.microsoft.com/office/drawing/2010/main" val="0"/>
+              </a:ext>
+            </a:extLst>
+          </a:blip>
+          <a:stretch>
+            <a:fillRect/>
+          </a:stretch>
+        </p:blipFill>
+        <p:spPr>
+          <a:xfrm>
+            <a:off x="5023623" y="3703229"/>
+            <a:ext cx="3784114" cy="2992539"/>
+          </a:xfrm>
+          <a:prstGeom prst="rect">
+            <a:avLst/>
+          </a:prstGeom>
+        </p:spPr>
+      </p:pic>
+      <p:sp>
+        <p:nvSpPr>
+          <p:cNvPr id="14" name="Left Brace 13"/>
+          <p:cNvSpPr/>
+          <p:nvPr/>
+        </p:nvSpPr>
+        <p:spPr bwMode="auto">
+          <a:xfrm>
+            <a:off x="4705350" y="6143248"/>
+            <a:ext cx="190500" cy="552520"/>
+          </a:xfrm>
+          <a:prstGeom prst="leftBrace">
+            <a:avLst/>
+          </a:prstGeom>
+        </p:spPr>
+        <p:style>
+          <a:lnRef idx="2">
+            <a:schemeClr val="accent1"/>
+          </a:lnRef>
+          <a:fillRef idx="0">
+            <a:schemeClr val="accent1"/>
+          </a:fillRef>
+          <a:effectRef idx="1">
+            <a:schemeClr val="accent1"/>
+          </a:effectRef>
+          <a:fontRef idx="minor">
+            <a:schemeClr val="tx1"/>
+          </a:fontRef>
+        </p:style>
+        <p:txBody>
+          <a:bodyPr anchor="ctr"/>
+          <a:lstStyle/>
+          <a:p>
+            <a:pPr algn="ctr">
+              <a:defRPr/>
+            </a:pPr>
+            <a:endParaRPr lang="en-US"/>
+          </a:p>
+        </p:txBody>
+      </p:sp>
+      <p:sp>
+        <p:nvSpPr>
+          <p:cNvPr id="15" name="TextBox 10"/>
+          <p:cNvSpPr txBox="1">
+            <a:spLocks noChangeArrowheads="1"/>
+          </p:cNvSpPr>
+          <p:nvPr/>
+        </p:nvSpPr>
+        <p:spPr bwMode="auto">
+          <a:xfrm>
+            <a:off x="2630519" y="6095504"/>
+            <a:ext cx="2096528" cy="600164"/>
+          </a:xfrm>
+          <a:prstGeom prst="rect">
+            <a:avLst/>
+          </a:prstGeom>
+          <a:noFill/>
+          <a:ln w="9525">
+            <a:noFill/>
+            <a:miter lim="800000"/>
+            <a:headEnd/>
+            <a:tailEnd/>
+          </a:ln>
+        </p:spPr>
+        <p:txBody>
+          <a:bodyPr wrap="square">
+            <a:spAutoFit/>
+          </a:bodyPr>
+          <a:lstStyle/>
+          <a:p>
+            <a:r>
+              <a:rPr lang="en-US" sz="1100" dirty="0"/>
+              <a:t>NextGen </a:t>
+            </a:r>
+            <a:r>
+              <a:rPr lang="en-US" sz="1100" dirty="0"/>
+              <a:t> </a:t>
+            </a:r>
+            <a:r>
+              <a:rPr lang="en-US" sz="1100" dirty="0" smtClean="0"/>
+              <a:t>Test Auto to develop and fill out all http layer REST API Automation Testing</a:t>
+            </a:r>
+            <a:endParaRPr lang="en-US" sz="1100" dirty="0"/>
           </a:p>
         </p:txBody>
       </p:sp>
@@ -5026,97 +5098,8 @@
       </p:grpSpPr>
       <p:sp>
         <p:nvSpPr>
-          <p:cNvPr id="26625" name="Title 1"/>
-          <p:cNvSpPr>
-            <a:spLocks noGrp="1"/>
-          </p:cNvSpPr>
-          <p:nvPr>
-            <p:ph type="title"/>
-          </p:nvPr>
-        </p:nvSpPr>
-        <p:spPr>
-          <a:xfrm>
-            <a:off x="512763" y="635000"/>
-            <a:ext cx="7974012" cy="1143000"/>
-          </a:xfrm>
-        </p:spPr>
-        <p:txBody>
-          <a:bodyPr anchor="t"/>
-          <a:lstStyle/>
-          <a:p>
-            <a:pPr eaLnBrk="1" hangingPunct="1"/>
-            <a:r>
-              <a:rPr lang="en-US" sz="3600" smtClean="0">
-                <a:latin typeface="Calibri Light" pitchFamily="34" charset="0"/>
-                <a:cs typeface="Calibri Light" pitchFamily="34" charset="0"/>
-              </a:rPr>
-              <a:t>Market Place  :  </a:t>
-            </a:r>
-            <a:r>
-              <a:rPr lang="en-US" sz="2800" smtClean="0">
-                <a:latin typeface="Calibri Light" pitchFamily="34" charset="0"/>
-                <a:cs typeface="Calibri Light" pitchFamily="34" charset="0"/>
-              </a:rPr>
-              <a:t>Provider Directory :    Other Apps</a:t>
-            </a:r>
-            <a:br>
-              <a:rPr lang="en-US" sz="2800" smtClean="0">
-                <a:latin typeface="Calibri Light" pitchFamily="34" charset="0"/>
-                <a:cs typeface="Calibri Light" pitchFamily="34" charset="0"/>
-              </a:rPr>
-            </a:br>
-            <a:r>
-              <a:rPr lang="en-US" sz="2800" smtClean="0">
-                <a:latin typeface="Calibri Light" pitchFamily="34" charset="0"/>
-                <a:cs typeface="Calibri Light" pitchFamily="34" charset="0"/>
-              </a:rPr>
-              <a:t> </a:t>
-            </a:r>
-            <a:r>
-              <a:rPr lang="en-US" sz="2800" smtClean="0">
-                <a:latin typeface="Bauhaus 93"/>
-                <a:cs typeface="Calibri Light" pitchFamily="34" charset="0"/>
-              </a:rPr>
-              <a:t>  </a:t>
-            </a:r>
-            <a:r>
-              <a:rPr lang="en-US" sz="2800" smtClean="0">
-                <a:latin typeface="Calibri Light" pitchFamily="34" charset="0"/>
-                <a:cs typeface="Calibri Light" pitchFamily="34" charset="0"/>
-              </a:rPr>
-              <a:t>                                 Microservice APIs</a:t>
-            </a:r>
-          </a:p>
-        </p:txBody>
-      </p:sp>
-      <p:pic>
-        <p:nvPicPr>
-          <p:cNvPr id="26626" name="Content Placeholder 6"/>
-          <p:cNvPicPr>
-            <a:picLocks noGrp="1" noChangeAspect="1"/>
-          </p:cNvPicPr>
-          <p:nvPr>
-            <p:ph idx="1"/>
-          </p:nvPr>
-        </p:nvPicPr>
-        <p:blipFill>
-          <a:blip r:embed="rId2"/>
-          <a:srcRect/>
-          <a:stretch>
-            <a:fillRect/>
-          </a:stretch>
-        </p:blipFill>
-        <p:spPr>
-          <a:xfrm>
-            <a:off x="711200" y="1725613"/>
-            <a:ext cx="7975600" cy="3838575"/>
-          </a:xfrm>
-        </p:spPr>
-      </p:pic>
-      <p:sp>
-        <p:nvSpPr>
           <p:cNvPr id="4" name="Title 1">
-            <a:hlinkClick r:id="rId3" action="ppaction://hlinksldjump"/>
+            <a:hlinkClick r:id="rId2" action="ppaction://hlinksldjump"/>
           </p:cNvPr>
           <p:cNvSpPr txBox="1">
             <a:spLocks/>
@@ -5221,53 +5204,35 @@
           </a:p>
         </p:txBody>
       </p:sp>
-      <p:sp>
-        <p:nvSpPr>
-          <p:cNvPr id="26630" name="Text Box 6"/>
-          <p:cNvSpPr txBox="1">
-            <a:spLocks noChangeArrowheads="1"/>
-          </p:cNvSpPr>
-          <p:nvPr/>
-        </p:nvSpPr>
-        <p:spPr bwMode="auto">
+      <p:pic>
+        <p:nvPicPr>
+          <p:cNvPr id="6" name="Content Placeholder 5"/>
+          <p:cNvPicPr>
+            <a:picLocks noGrp="1" noChangeAspect="1"/>
+          </p:cNvPicPr>
+          <p:nvPr>
+            <p:ph idx="1"/>
+          </p:nvPr>
+        </p:nvPicPr>
+        <p:blipFill>
+          <a:blip r:embed="rId3">
+            <a:extLst>
+              <a:ext uri="{28A0092B-C50C-407E-A947-70E740481C1C}">
+                <a14:useLocalDpi xmlns:a14="http://schemas.microsoft.com/office/drawing/2010/main" val="0"/>
+              </a:ext>
+            </a:extLst>
+          </a:blip>
+          <a:stretch>
+            <a:fillRect/>
+          </a:stretch>
+        </p:blipFill>
+        <p:spPr>
           <a:xfrm>
-            <a:off x="1263650" y="5748338"/>
-            <a:ext cx="6265863" cy="404812"/>
+            <a:off x="368299" y="886904"/>
+            <a:ext cx="8485907" cy="5831948"/>
           </a:xfrm>
-          <a:prstGeom prst="rect">
-            <a:avLst/>
-          </a:prstGeom>
-          <a:solidFill>
-            <a:srgbClr val="C0C0C0"/>
-          </a:solidFill>
-          <a:ln w="38100">
-            <a:solidFill>
-              <a:srgbClr val="C0C0C0"/>
-            </a:solidFill>
-            <a:miter lim="800000"/>
-            <a:headEnd/>
-            <a:tailEnd/>
-          </a:ln>
-          <a:effectLst/>
         </p:spPr>
-        <p:txBody>
-          <a:bodyPr>
-            <a:spAutoFit/>
-          </a:bodyPr>
-          <a:lstStyle/>
-          <a:p>
-            <a:pPr algn="ctr" defTabSz="914400">
-              <a:spcBef>
-                <a:spcPct val="50000"/>
-              </a:spcBef>
-            </a:pPr>
-            <a:r>
-              <a:rPr lang="en-US"/>
-              <a:t>Micro Service REST APIs</a:t>
-            </a:r>
-          </a:p>
-        </p:txBody>
-      </p:sp>
+      </p:pic>
     </p:spTree>
   </p:cSld>
   <p:clrMapOvr>
@@ -7950,7 +7915,31 @@
               <a:rPr lang="en-US" sz="1800" b="1" dirty="0" smtClean="0">
                 <a:ea typeface="+mn-ea"/>
               </a:rPr>
-              <a:t>First access REST API and capture data.  Then access PD UI requesting same information.  Compare results</a:t>
+              <a:t>First access REST API and capture data.  Then access </a:t>
+            </a:r>
+            <a:r>
+              <a:rPr lang="en-US" sz="1800" b="1" dirty="0" smtClean="0">
+                <a:ea typeface="+mn-ea"/>
+              </a:rPr>
+              <a:t>Provider Directory </a:t>
+            </a:r>
+            <a:r>
+              <a:rPr lang="en-US" sz="1800" b="1" dirty="0" smtClean="0">
+                <a:ea typeface="+mn-ea"/>
+              </a:rPr>
+              <a:t>requesting same </a:t>
+            </a:r>
+            <a:r>
+              <a:rPr lang="en-US" sz="1800" b="1" dirty="0" smtClean="0">
+                <a:ea typeface="+mn-ea"/>
+              </a:rPr>
+              <a:t>information from the Web Interface,  </a:t>
+            </a:r>
+            <a:r>
+              <a:rPr lang="en-US" sz="1800" b="1" dirty="0" smtClean="0">
+                <a:ea typeface="+mn-ea"/>
+              </a:rPr>
+              <a:t>Compare results</a:t>
             </a:r>
           </a:p>
           <a:p>
@@ -8013,17 +8002,53 @@
               <a:rPr lang="en-US" sz="1900" b="1" dirty="0" smtClean="0">
                 <a:ea typeface="+mn-ea"/>
               </a:rPr>
-              <a:t>No need for another product or framework.  It can all be done in </a:t>
-            </a:r>
-            <a:r>
-              <a:rPr lang="en-US" sz="1800" b="1" dirty="0"/>
-              <a:t>NGTA </a:t>
+              <a:t>No need for another product or </a:t>
             </a:r>
             <a:r>
               <a:rPr lang="en-US" sz="1900" b="1" dirty="0" smtClean="0">
                 <a:ea typeface="+mn-ea"/>
               </a:rPr>
-              <a:t>Framework.</a:t>
+              <a:t>technology.  </a:t>
+            </a:r>
+          </a:p>
+          <a:p>
+            <a:pPr marL="862013" lvl="1" indent="-285750" eaLnBrk="1" fontAlgn="auto" hangingPunct="1">
+              <a:lnSpc>
+                <a:spcPct val="114000"/>
+              </a:lnSpc>
+              <a:spcBef>
+                <a:spcPts val="0"/>
+              </a:spcBef>
+              <a:spcAft>
+                <a:spcPts val="0"/>
+              </a:spcAft>
+              <a:buFont typeface="Arial" panose="020B0604020202020204" pitchFamily="34" charset="0"/>
+              <a:buChar char="•"/>
+              <a:defRPr/>
+            </a:pPr>
+            <a:r>
+              <a:rPr lang="en-US" sz="1900" b="1" dirty="0" smtClean="0">
+                <a:ea typeface="+mn-ea"/>
+              </a:rPr>
+              <a:t>We use the same Node.js , </a:t>
+            </a:r>
+            <a:r>
+              <a:rPr lang="en-US" sz="1900" b="1" dirty="0" err="1" smtClean="0">
+                <a:ea typeface="+mn-ea"/>
+              </a:rPr>
+              <a:t>Frisby</a:t>
+            </a:r>
+            <a:r>
+              <a:rPr lang="en-US" sz="1900" b="1" dirty="0" smtClean="0">
+                <a:ea typeface="+mn-ea"/>
+              </a:rPr>
+              <a:t> http Library , JavaScript to automate all API calls</a:t>
+            </a:r>
+            <a:r>
+              <a:rPr lang="en-US" sz="1900" b="1" dirty="0" smtClean="0">
+                <a:ea typeface="+mn-ea"/>
+              </a:rPr>
+              <a:t>.</a:t>
             </a:r>
             <a:endParaRPr lang="en-US" sz="1900" b="1" dirty="0">
               <a:ea typeface="+mn-ea"/>
@@ -8156,7 +8181,7 @@
           <a:p>
             <a:pPr algn="ctr" eaLnBrk="1" hangingPunct="1"/>
             <a:r>
-              <a:rPr lang="en-US" sz="4500" smtClean="0">
+              <a:rPr lang="en-US" sz="4500" dirty="0" smtClean="0">
                 <a:latin typeface="Calibri Light" pitchFamily="34" charset="0"/>
                 <a:cs typeface="Calibri Light" pitchFamily="34" charset="0"/>
               </a:rPr>
@@ -8165,40 +8190,6 @@
           </a:p>
         </p:txBody>
       </p:sp>
-      <p:pic>
-        <p:nvPicPr>
-          <p:cNvPr id="15362" name="Picture 9">
-            <a:hlinkClick r:id="rId2" action="ppaction://hlinksldjump"/>
-          </p:cNvPr>
-          <p:cNvPicPr>
-            <a:picLocks noChangeAspect="1"/>
-          </p:cNvPicPr>
-          <p:nvPr/>
-        </p:nvPicPr>
-        <p:blipFill>
-          <a:blip r:embed="rId3"/>
-          <a:srcRect/>
-          <a:stretch>
-            <a:fillRect/>
-          </a:stretch>
-        </p:blipFill>
-        <p:spPr bwMode="auto">
-          <a:xfrm>
-            <a:off x="4318000" y="1912938"/>
-            <a:ext cx="4810125" cy="3943350"/>
-          </a:xfrm>
-          <a:prstGeom prst="rect">
-            <a:avLst/>
-          </a:prstGeom>
-          <a:noFill/>
-          <a:ln w="9525">
-            <a:noFill/>
-            <a:miter lim="800000"/>
-            <a:headEnd/>
-            <a:tailEnd/>
-          </a:ln>
-        </p:spPr>
-      </p:pic>
       <p:sp>
         <p:nvSpPr>
           <p:cNvPr id="15363" name="Title 1"/>
@@ -8247,8 +8238,8 @@
         </p:nvSpPr>
         <p:spPr>
           <a:xfrm>
-            <a:off x="273050" y="1338263"/>
-            <a:ext cx="4162425" cy="5178425"/>
+            <a:off x="273051" y="1338263"/>
+            <a:ext cx="4014646" cy="5377169"/>
           </a:xfrm>
           <a:prstGeom prst="rect">
             <a:avLst/>
@@ -8288,7 +8279,7 @@
               <a:buSzPct val="100000"/>
               <a:buFontTx/>
               <a:buBlip>
-                <a:blip r:embed="rId4"/>
+                <a:blip r:embed="rId2"/>
               </a:buBlip>
               <a:defRPr sz="2200" b="0" i="0" kern="1200">
                 <a:solidFill>
@@ -8309,7 +8300,7 @@
               <a:buSzPct val="100000"/>
               <a:buFontTx/>
               <a:buBlip>
-                <a:blip r:embed="rId4"/>
+                <a:blip r:embed="rId2"/>
               </a:buBlip>
               <a:defRPr sz="2000" b="0" i="0" kern="1200">
                 <a:solidFill>
@@ -8330,7 +8321,7 @@
               <a:buSzPct val="100000"/>
               <a:buFontTx/>
               <a:buBlip>
-                <a:blip r:embed="rId4"/>
+                <a:blip r:embed="rId2"/>
               </a:buBlip>
               <a:defRPr sz="1800" b="0" i="0" kern="1200">
                 <a:solidFill>
@@ -8351,7 +8342,7 @@
               <a:buSzPct val="100000"/>
               <a:buFontTx/>
               <a:buBlip>
-                <a:blip r:embed="rId4"/>
+                <a:blip r:embed="rId2"/>
               </a:buBlip>
               <a:defRPr sz="1600" b="0" i="0" kern="1200">
                 <a:solidFill>
@@ -8472,6 +8463,25 @@
             </a:r>
           </a:p>
           <a:p>
+            <a:pPr indent="-234950" fontAlgn="auto">
+              <a:lnSpc>
+                <a:spcPct val="100000"/>
+              </a:lnSpc>
+              <a:spcBef>
+                <a:spcPts val="0"/>
+              </a:spcBef>
+              <a:spcAft>
+                <a:spcPts val="0"/>
+              </a:spcAft>
+              <a:defRPr/>
+            </a:pPr>
+            <a:r>
+              <a:rPr lang="en-US" sz="1800" dirty="0" smtClean="0"/>
+              <a:t>           </a:t>
+            </a:r>
+            <a:endParaRPr lang="en-US" sz="1800" dirty="0" smtClean="0"/>
+          </a:p>
+          <a:p>
             <a:pPr fontAlgn="auto">
               <a:lnSpc>
                 <a:spcPct val="100000"/>
@@ -8487,200 +8497,202 @@
               <a:defRPr/>
             </a:pPr>
             <a:r>
-              <a:rPr lang="en-US" sz="2000" b="1" dirty="0"/>
-              <a:t>Core base level </a:t>
-            </a:r>
-            <a:r>
-              <a:rPr lang="en-US" sz="2000" dirty="0"/>
-              <a:t>classes </a:t>
-            </a:r>
-            <a:r>
-              <a:rPr lang="en-US" sz="2000" dirty="0" smtClean="0"/>
-              <a:t>define    </a:t>
-            </a:r>
-            <a:r>
-              <a:rPr lang="en-US" sz="2000" dirty="0" smtClean="0">
+              <a:rPr lang="en-US" sz="1800" b="1" dirty="0" smtClean="0"/>
+              <a:t>Scripting :</a:t>
+            </a:r>
+            <a:r>
+              <a:rPr lang="en-US" sz="1800" dirty="0" smtClean="0"/>
+              <a:t> </a:t>
+            </a:r>
+            <a:r>
+              <a:rPr lang="en-US" sz="1800" dirty="0"/>
+              <a:t>Collection of actions specific to</a:t>
+            </a:r>
+            <a:r>
+              <a:rPr lang="en-US" sz="1800" dirty="0">
                 <a:solidFill>
                   <a:schemeClr val="bg1"/>
                 </a:solidFill>
               </a:rPr>
-              <a:t> …</a:t>
-            </a:r>
-            <a:r>
-              <a:rPr lang="en-US" sz="2000" dirty="0" smtClean="0"/>
-              <a:t>common components, Fields, </a:t>
-            </a:r>
-            <a:r>
-              <a:rPr lang="en-US" sz="2000" dirty="0" smtClean="0">
+              <a:t> </a:t>
+            </a:r>
+            <a:r>
+              <a:rPr lang="en-US" sz="1800" dirty="0" smtClean="0"/>
+              <a:t>the domain of T</a:t>
+            </a:r>
+            <a:r>
+              <a:rPr lang="en-US" sz="1800" u="sng" dirty="0" smtClean="0"/>
+              <a:t>est</a:t>
+            </a:r>
+            <a:r>
+              <a:rPr lang="en-US" sz="1800" dirty="0" smtClean="0"/>
+              <a:t>.  Built from </a:t>
+            </a:r>
+            <a:r>
+              <a:rPr lang="en-US" sz="1800" dirty="0"/>
+              <a:t>Core &amp; Mid Layer </a:t>
+            </a:r>
+            <a:r>
+              <a:rPr lang="en-US" sz="1800" dirty="0" smtClean="0"/>
+              <a:t>components</a:t>
+            </a:r>
+          </a:p>
+          <a:p>
+            <a:pPr fontAlgn="auto">
+              <a:lnSpc>
+                <a:spcPct val="100000"/>
+              </a:lnSpc>
+              <a:spcBef>
+                <a:spcPts val="0"/>
+              </a:spcBef>
+              <a:spcAft>
+                <a:spcPts val="0"/>
+              </a:spcAft>
+              <a:defRPr/>
+            </a:pPr>
+            <a:r>
+              <a:rPr lang="en-US" sz="900" dirty="0" smtClean="0"/>
+              <a:t>  </a:t>
+            </a:r>
+          </a:p>
+          <a:p>
+            <a:pPr fontAlgn="auto">
+              <a:lnSpc>
+                <a:spcPct val="100000"/>
+              </a:lnSpc>
+              <a:spcBef>
+                <a:spcPts val="0"/>
+              </a:spcBef>
+              <a:spcAft>
+                <a:spcPts val="0"/>
+              </a:spcAft>
+              <a:buFont typeface="Arial" panose="020B0604020202020204" pitchFamily="34" charset="0"/>
+              <a:buChar char="•"/>
+              <a:defRPr/>
+            </a:pPr>
+            <a:r>
+              <a:rPr lang="en-US" sz="1800" b="1" dirty="0" smtClean="0"/>
+              <a:t>Mid Layer </a:t>
+            </a:r>
+            <a:r>
+              <a:rPr lang="en-US" sz="1800" dirty="0" smtClean="0"/>
+              <a:t>: Actions limited to within the </a:t>
+            </a:r>
+            <a:r>
+              <a:rPr lang="en-US" sz="1800" u="sng" dirty="0" smtClean="0"/>
+              <a:t>Application</a:t>
+            </a:r>
+            <a:r>
+              <a:rPr lang="en-US" sz="1800" dirty="0" smtClean="0"/>
+              <a:t>, </a:t>
+            </a:r>
+            <a:r>
+              <a:rPr lang="en-US" sz="1800" dirty="0" smtClean="0">
                 <a:solidFill>
                   <a:schemeClr val="bg1"/>
                 </a:solidFill>
               </a:rPr>
-              <a:t>…</a:t>
-            </a:r>
-            <a:r>
-              <a:rPr lang="en-US" sz="2000" dirty="0" smtClean="0"/>
-              <a:t>Buttons, Links</a:t>
-            </a:r>
-          </a:p>
-          <a:p>
-            <a:pPr indent="-234950" fontAlgn="auto">
-              <a:lnSpc>
-                <a:spcPct val="100000"/>
-              </a:lnSpc>
-              <a:spcBef>
-                <a:spcPts val="0"/>
-              </a:spcBef>
-              <a:spcAft>
-                <a:spcPts val="0"/>
-              </a:spcAft>
-              <a:defRPr/>
-            </a:pPr>
-            <a:r>
-              <a:rPr lang="en-US" sz="2000" dirty="0" smtClean="0"/>
-              <a:t>           </a:t>
-            </a:r>
-          </a:p>
-          <a:p>
-            <a:pPr fontAlgn="auto">
-              <a:lnSpc>
-                <a:spcPct val="100000"/>
-              </a:lnSpc>
-              <a:spcBef>
-                <a:spcPts val="0"/>
-              </a:spcBef>
-              <a:spcAft>
-                <a:spcPts val="0"/>
-              </a:spcAft>
-              <a:buFont typeface="Arial" panose="020B0604020202020204" pitchFamily="34" charset="0"/>
-              <a:buChar char="•"/>
-              <a:defRPr/>
-            </a:pPr>
-            <a:r>
-              <a:rPr lang="en-US" sz="2000" b="1" dirty="0" smtClean="0"/>
-              <a:t>Mid Level</a:t>
-            </a:r>
-            <a:r>
-              <a:rPr lang="en-US" sz="2000" dirty="0" smtClean="0"/>
-              <a:t>: Specific to an Application, </a:t>
-            </a:r>
-            <a:r>
-              <a:rPr lang="en-US" sz="2000" dirty="0" smtClean="0">
+              <a:t> </a:t>
+            </a:r>
+            <a:r>
+              <a:rPr lang="en-US" sz="1800" dirty="0" smtClean="0"/>
+              <a:t>Collections built up from base class methods and Protractor to </a:t>
+            </a:r>
+            <a:r>
+              <a:rPr lang="en-US" sz="1800" dirty="0" smtClean="0">
                 <a:solidFill>
                   <a:schemeClr val="bg1"/>
                 </a:solidFill>
               </a:rPr>
-              <a:t>...</a:t>
-            </a:r>
-            <a:r>
-              <a:rPr lang="en-US" sz="2000" dirty="0" smtClean="0"/>
-              <a:t>Collections of bases classes to </a:t>
-            </a:r>
-            <a:r>
-              <a:rPr lang="en-US" sz="2000" dirty="0" smtClean="0">
+              <a:t> </a:t>
+            </a:r>
+            <a:r>
+              <a:rPr lang="en-US" sz="1800" dirty="0"/>
+              <a:t>perform specific </a:t>
+            </a:r>
+            <a:r>
+              <a:rPr lang="en-US" sz="1800" dirty="0">
                 <a:solidFill>
                   <a:schemeClr val="bg1"/>
                 </a:solidFill>
               </a:rPr>
-              <a:t>...</a:t>
-            </a:r>
-            <a:r>
-              <a:rPr lang="en-US" sz="2000" dirty="0" smtClean="0"/>
-              <a:t>perform Application page specific </a:t>
-            </a:r>
-            <a:r>
-              <a:rPr lang="en-US" sz="2000" dirty="0" smtClean="0">
+              <a:t> </a:t>
+            </a:r>
+            <a:r>
+              <a:rPr lang="en-US" sz="1800" dirty="0"/>
+              <a:t>action Application</a:t>
+            </a:r>
+            <a:endParaRPr lang="en-US" sz="1800" dirty="0" smtClean="0"/>
+          </a:p>
+          <a:p>
+            <a:pPr indent="-234950" fontAlgn="auto">
+              <a:lnSpc>
+                <a:spcPct val="100000"/>
+              </a:lnSpc>
+              <a:spcBef>
+                <a:spcPts val="0"/>
+              </a:spcBef>
+              <a:spcAft>
+                <a:spcPts val="0"/>
+              </a:spcAft>
+              <a:defRPr/>
+            </a:pPr>
+            <a:r>
+              <a:rPr lang="en-US" sz="800" dirty="0" smtClean="0"/>
+              <a:t>   </a:t>
+            </a:r>
+            <a:endParaRPr lang="en-US" sz="1800" dirty="0" smtClean="0"/>
+          </a:p>
+          <a:p>
+            <a:pPr fontAlgn="auto">
+              <a:lnSpc>
+                <a:spcPct val="100000"/>
+              </a:lnSpc>
+              <a:spcBef>
+                <a:spcPts val="0"/>
+              </a:spcBef>
+              <a:spcAft>
+                <a:spcPts val="0"/>
+              </a:spcAft>
+              <a:buFont typeface="Arial" panose="020B0604020202020204" pitchFamily="34" charset="0"/>
+              <a:buChar char="•"/>
+              <a:defRPr/>
+            </a:pPr>
+            <a:r>
+              <a:rPr lang="en-US" sz="1800" b="1" dirty="0"/>
+              <a:t>Core base level </a:t>
+            </a:r>
+            <a:r>
+              <a:rPr lang="en-US" sz="1800" dirty="0"/>
+              <a:t>classes define    </a:t>
+            </a:r>
+            <a:r>
+              <a:rPr lang="en-US" sz="1800" dirty="0">
                 <a:solidFill>
                   <a:schemeClr val="bg1"/>
                 </a:solidFill>
               </a:rPr>
-              <a:t>…</a:t>
-            </a:r>
-            <a:r>
-              <a:rPr lang="en-US" sz="2000" dirty="0" smtClean="0"/>
-              <a:t>action</a:t>
-            </a:r>
-          </a:p>
-          <a:p>
-            <a:pPr indent="-234950" fontAlgn="auto">
-              <a:lnSpc>
-                <a:spcPct val="100000"/>
-              </a:lnSpc>
-              <a:spcBef>
-                <a:spcPts val="0"/>
-              </a:spcBef>
-              <a:spcAft>
-                <a:spcPts val="0"/>
-              </a:spcAft>
-              <a:defRPr/>
-            </a:pPr>
-            <a:r>
-              <a:rPr lang="en-US" sz="900" dirty="0" smtClean="0"/>
-              <a:t>   </a:t>
-            </a:r>
-          </a:p>
-          <a:p>
-            <a:pPr fontAlgn="auto">
-              <a:lnSpc>
-                <a:spcPct val="100000"/>
-              </a:lnSpc>
-              <a:spcBef>
-                <a:spcPts val="0"/>
-              </a:spcBef>
-              <a:spcAft>
-                <a:spcPts val="0"/>
-              </a:spcAft>
-              <a:buFont typeface="Arial" panose="020B0604020202020204" pitchFamily="34" charset="0"/>
-              <a:buChar char="•"/>
-              <a:defRPr/>
-            </a:pPr>
-            <a:r>
-              <a:rPr lang="en-US" sz="2000" b="1" dirty="0"/>
-              <a:t>Script</a:t>
-            </a:r>
-            <a:r>
-              <a:rPr lang="en-US" sz="2000" dirty="0"/>
-              <a:t> </a:t>
-            </a:r>
-            <a:r>
-              <a:rPr lang="en-US" sz="2000" dirty="0" smtClean="0"/>
-              <a:t>Collection of actions specific to</a:t>
-            </a:r>
-            <a:r>
-              <a:rPr lang="en-US" sz="2000" dirty="0" smtClean="0">
+              <a:t>  </a:t>
+            </a:r>
+            <a:r>
+              <a:rPr lang="en-US" sz="1800" dirty="0"/>
+              <a:t>common components, Fields, </a:t>
+            </a:r>
+            <a:r>
+              <a:rPr lang="en-US" sz="1800" dirty="0">
                 <a:solidFill>
                   <a:schemeClr val="bg1"/>
                 </a:solidFill>
               </a:rPr>
-              <a:t> …</a:t>
-            </a:r>
-            <a:r>
-              <a:rPr lang="en-US" sz="2000" dirty="0" smtClean="0"/>
-              <a:t>test actions and </a:t>
-            </a:r>
-            <a:r>
-              <a:rPr lang="en-US" sz="2000" dirty="0"/>
-              <a:t>methods build up </a:t>
-            </a:r>
-            <a:r>
-              <a:rPr lang="en-US" sz="2000" dirty="0" smtClean="0">
-                <a:solidFill>
-                  <a:schemeClr val="bg1"/>
-                </a:solidFill>
-              </a:rPr>
-              <a:t>…</a:t>
-            </a:r>
-            <a:r>
-              <a:rPr lang="en-US" sz="2000" dirty="0" smtClean="0"/>
-              <a:t>from </a:t>
-            </a:r>
-            <a:r>
-              <a:rPr lang="en-US" sz="2000" dirty="0"/>
-              <a:t>Core &amp; Mid Layer components</a:t>
-            </a:r>
-          </a:p>
-          <a:p>
-            <a:pPr marL="341313" lvl="1" indent="0" fontAlgn="auto">
+              <a:t> </a:t>
+            </a:r>
+            <a:r>
+              <a:rPr lang="en-US" sz="1800" dirty="0"/>
+              <a:t>Buttons, Links</a:t>
+            </a:r>
+          </a:p>
+          <a:p>
+            <a:pPr fontAlgn="auto">
               <a:lnSpc>
                 <a:spcPct val="100000"/>
               </a:lnSpc>
@@ -8690,14 +8702,15 @@
               <a:spcAft>
                 <a:spcPts val="0"/>
               </a:spcAft>
-              <a:buFontTx/>
-              <a:buNone/>
-              <a:defRPr/>
-            </a:pPr>
-            <a:endParaRPr lang="en-US" sz="1800" dirty="0" smtClean="0"/>
-          </a:p>
-          <a:p>
-            <a:pPr lvl="1" fontAlgn="auto">
+              <a:defRPr/>
+            </a:pPr>
+            <a:r>
+              <a:rPr lang="en-US" sz="900" dirty="0" smtClean="0"/>
+              <a:t>   </a:t>
+            </a:r>
+          </a:p>
+          <a:p>
+            <a:pPr fontAlgn="auto">
               <a:lnSpc>
                 <a:spcPct val="100000"/>
               </a:lnSpc>
@@ -8711,55 +8724,48 @@
               <a:buChar char="•"/>
               <a:defRPr/>
             </a:pPr>
+            <a:r>
+              <a:rPr lang="en-US" sz="1800" b="1" dirty="0" smtClean="0"/>
+              <a:t>Micro Service REST APIs </a:t>
+            </a:r>
+            <a:r>
+              <a:rPr lang="en-US" sz="1800" dirty="0" smtClean="0"/>
+              <a:t>The underlying mechanism to acquiring persisted data yet decoupled from application</a:t>
+            </a:r>
             <a:endParaRPr lang="en-US" sz="1800" b="1" dirty="0"/>
           </a:p>
         </p:txBody>
       </p:sp>
-      <p:sp>
-        <p:nvSpPr>
-          <p:cNvPr id="15366" name="Text Box 6"/>
-          <p:cNvSpPr txBox="1">
-            <a:spLocks noChangeArrowheads="1"/>
-          </p:cNvSpPr>
+      <p:pic>
+        <p:nvPicPr>
+          <p:cNvPr id="2" name="Picture 1"/>
+          <p:cNvPicPr>
+            <a:picLocks noChangeAspect="1"/>
+          </p:cNvPicPr>
           <p:nvPr/>
-        </p:nvSpPr>
-        <p:spPr bwMode="auto">
+        </p:nvPicPr>
+        <p:blipFill>
+          <a:blip r:embed="rId3">
+            <a:extLst>
+              <a:ext uri="{28A0092B-C50C-407E-A947-70E740481C1C}">
+                <a14:useLocalDpi xmlns:a14="http://schemas.microsoft.com/office/drawing/2010/main" val="0"/>
+              </a:ext>
+            </a:extLst>
+          </a:blip>
+          <a:stretch>
+            <a:fillRect/>
+          </a:stretch>
+        </p:blipFill>
+        <p:spPr>
           <a:xfrm>
-            <a:off x="4318000" y="6038850"/>
-            <a:ext cx="4721225" cy="366713"/>
+            <a:off x="4287696" y="2762862"/>
+            <a:ext cx="4856303" cy="3883743"/>
           </a:xfrm>
           <a:prstGeom prst="rect">
             <a:avLst/>
           </a:prstGeom>
-          <a:solidFill>
-            <a:srgbClr val="C0C0C0"/>
-          </a:solidFill>
-          <a:ln w="9525">
-            <a:noFill/>
-            <a:miter lim="800000"/>
-            <a:headEnd/>
-            <a:tailEnd/>
-          </a:ln>
-          <a:effectLst/>
         </p:spPr>
-        <p:txBody>
-          <a:bodyPr>
-            <a:spAutoFit/>
-          </a:bodyPr>
-          <a:lstStyle/>
-          <a:p>
-            <a:pPr algn="ctr">
-              <a:spcBef>
-                <a:spcPct val="50000"/>
-              </a:spcBef>
-            </a:pPr>
-            <a:r>
-              <a:rPr lang="en-US"/>
-              <a:t>Micro Service APIs</a:t>
-            </a:r>
-          </a:p>
-        </p:txBody>
-      </p:sp>
+      </p:pic>
     </p:spTree>
   </p:cSld>
   <p:clrMapOvr>
@@ -9988,9 +9994,6 @@
               </a:rPr>
               <a:t>   </a:t>
             </a:r>
-            <a:endParaRPr lang="en-US" sz="1200" dirty="0">
-              <a:latin typeface="Calibri" pitchFamily="34" charset="0"/>
-            </a:endParaRPr>
           </a:p>
           <a:p>
             <a:pPr marL="342900" indent="-342900">
@@ -10043,9 +10046,6 @@
               </a:rPr>
               <a:t>     </a:t>
             </a:r>
-            <a:endParaRPr lang="en-US" sz="1200" dirty="0">
-              <a:latin typeface="Calibri" pitchFamily="34" charset="0"/>
-            </a:endParaRPr>
           </a:p>
           <a:p>
             <a:pPr marL="342900" indent="-342900">
@@ -10099,9 +10099,6 @@
               </a:rPr>
               <a:t>     </a:t>
             </a:r>
-            <a:endParaRPr lang="en-US" sz="1200" dirty="0">
-              <a:latin typeface="Calibri" pitchFamily="34" charset="0"/>
-            </a:endParaRPr>
           </a:p>
           <a:p>
             <a:pPr marL="342900" indent="-342900">
@@ -10470,7 +10467,7 @@
   <a:extraClrSchemeLst/>
   <a:extLst>
     <a:ext uri="{05A4C25C-085E-4340-85A3-A5531E510DB2}">
-      <thm15:themeFamily xmlns="" xmlns:thm15="http://schemas.microsoft.com/office/thememl/2012/main" name="Presentation2" id="{E033CE4F-DAC9-4DC1-B085-D07FC0345DDB}" vid="{0783260F-4856-4ED7-B8E5-5C83CC1572CF}"/>
+      <thm15:themeFamily xmlns:thm15="http://schemas.microsoft.com/office/thememl/2012/main" name="Presentation2" id="{E033CE4F-DAC9-4DC1-B085-D07FC0345DDB}" vid="{0783260F-4856-4ED7-B8E5-5C83CC1572CF}"/>
     </a:ext>
   </a:extLst>
 </a:theme>
@@ -10731,7 +10728,7 @@
   <a:extraClrSchemeLst/>
   <a:extLst>
     <a:ext uri="{05A4C25C-085E-4340-85A3-A5531E510DB2}">
-      <thm15:themeFamily xmlns="" xmlns:thm15="http://schemas.microsoft.com/office/thememl/2012/main" name="Office Theme" id="{62F939B6-93AF-4DB8-9C6B-D6C7DFDC589F}" vid="{4A3C46E8-61CC-4603-A589-7422A47A8E4A}"/>
+      <thm15:themeFamily xmlns:thm15="http://schemas.microsoft.com/office/thememl/2012/main" name="Office Theme" id="{62F939B6-93AF-4DB8-9C6B-D6C7DFDC589F}" vid="{4A3C46E8-61CC-4603-A589-7422A47A8E4A}"/>
     </a:ext>
   </a:extLst>
 </a:theme>

--- a/CurrentWork_Delta/CX_StrategyPowerPoint.pptx
+++ b/CurrentWork_Delta/CX_StrategyPowerPoint.pptx
@@ -154,25 +154,6 @@
       </a:defRPr>
     </a:lvl9pPr>
   </p:defaultTextStyle>
-  <p:extLst>
-    <p:ext uri="{EFAFB233-063F-42B5-8137-9DF3F51BA10A}">
-      <p15:sldGuideLst xmlns:p15="http://schemas.microsoft.com/office/powerpoint/2012/main">
-        <p15:guide id="1" orient="horz" pos="2625">
-          <p15:clr>
-            <a:srgbClr val="A4A3A4"/>
-          </p15:clr>
-        </p15:guide>
-        <p15:guide id="2" pos="2880">
-          <p15:clr>
-            <a:srgbClr val="A4A3A4"/>
-          </p15:clr>
-        </p15:guide>
-      </p15:sldGuideLst>
-    </p:ext>
-    <p:ext uri="{2D200454-40CA-4A62-9FC3-DE9A4176ACB9}">
-      <p15:notesGuideLst xmlns:p15="http://schemas.microsoft.com/office/powerpoint/2012/main"/>
-    </p:ext>
-  </p:extLst>
 </p:presentation>
 </file>
 
@@ -280,7 +261,7 @@
             <a:pPr>
               <a:defRPr/>
             </a:pPr>
-            <a:fld id="{296A2737-3E21-4BC9-A306-7499E165A9A9}" type="datetimeFigureOut">
+            <a:fld id="{9891D345-2698-4EAC-B442-0FA7C3411E40}" type="datetimeFigureOut">
               <a:rPr lang="en-US"/>
               <a:pPr>
                 <a:defRPr/>
@@ -467,7 +448,7 @@
             <a:pPr>
               <a:defRPr/>
             </a:pPr>
-            <a:fld id="{87A28B5A-382F-4EA8-BD28-49D83C268167}" type="slidenum">
+            <a:fld id="{9BF79859-DFA4-41BF-912D-D1A2D9B8EE8D}" type="slidenum">
               <a:rPr lang="en-US"/>
               <a:pPr>
                 <a:defRPr/>
@@ -479,11 +460,6 @@
         </p:txBody>
       </p:sp>
     </p:spTree>
-    <p:extLst>
-      <p:ext uri="{BB962C8B-B14F-4D97-AF65-F5344CB8AC3E}">
-        <p14:creationId xmlns:p14="http://schemas.microsoft.com/office/powerpoint/2010/main" val="3086307207"/>
-      </p:ext>
-    </p:extLst>
   </p:cSld>
   <p:clrMap bg1="lt1" tx1="dk1" bg2="lt2" tx2="dk2" accent1="accent1" accent2="accent2" accent3="accent3" accent4="accent4" accent5="accent5" accent6="accent6" hlink="hlink" folHlink="folHlink"/>
   <p:notesStyle>
@@ -714,7 +690,7 @@
               </a:spcAft>
               <a:defRPr/>
             </a:pPr>
-            <a:fld id="{FBAB982A-551B-44A9-AA85-FA1C4026229F}" type="slidenum">
+            <a:fld id="{6095778B-777B-43E3-A8E0-BDADB53EF41D}" type="slidenum">
               <a:rPr lang="en-US">
                 <a:cs typeface="Arial" charset="0"/>
               </a:rPr>
@@ -736,11 +712,6 @@
         </p:txBody>
       </p:sp>
     </p:spTree>
-    <p:extLst>
-      <p:ext uri="{BB962C8B-B14F-4D97-AF65-F5344CB8AC3E}">
-        <p14:creationId xmlns:p14="http://schemas.microsoft.com/office/powerpoint/2010/main" val="208588175"/>
-      </p:ext>
-    </p:extLst>
   </p:cSld>
   <p:clrMapOvr>
     <a:masterClrMapping/>
@@ -851,7 +822,7 @@
               </a:spcAft>
               <a:defRPr/>
             </a:pPr>
-            <a:fld id="{E9CA4D86-9ECA-4493-8E2C-0E55AA3AB102}" type="slidenum">
+            <a:fld id="{804D6F54-6BF3-4C8A-A633-8A8472299B9D}" type="slidenum">
               <a:rPr lang="en-US">
                 <a:cs typeface="Arial" charset="0"/>
               </a:rPr>
@@ -873,11 +844,6 @@
         </p:txBody>
       </p:sp>
     </p:spTree>
-    <p:extLst>
-      <p:ext uri="{BB962C8B-B14F-4D97-AF65-F5344CB8AC3E}">
-        <p14:creationId xmlns:p14="http://schemas.microsoft.com/office/powerpoint/2010/main" val="1832979780"/>
-      </p:ext>
-    </p:extLst>
   </p:cSld>
   <p:clrMapOvr>
     <a:masterClrMapping/>
@@ -988,7 +954,7 @@
               </a:spcAft>
               <a:defRPr/>
             </a:pPr>
-            <a:fld id="{3741F209-2C17-4111-B063-30B949873B3A}" type="slidenum">
+            <a:fld id="{34F34C98-E8E8-4866-AE6C-1705C709B3C7}" type="slidenum">
               <a:rPr lang="en-US">
                 <a:cs typeface="Arial" charset="0"/>
               </a:rPr>
@@ -1010,11 +976,6 @@
         </p:txBody>
       </p:sp>
     </p:spTree>
-    <p:extLst>
-      <p:ext uri="{BB962C8B-B14F-4D97-AF65-F5344CB8AC3E}">
-        <p14:creationId xmlns:p14="http://schemas.microsoft.com/office/powerpoint/2010/main" val="1246303198"/>
-      </p:ext>
-    </p:extLst>
   </p:cSld>
   <p:clrMapOvr>
     <a:masterClrMapping/>
@@ -1313,7 +1274,7 @@
             <a:pPr>
               <a:defRPr/>
             </a:pPr>
-            <a:fld id="{D24B49B4-C45E-408E-86FB-1073DA093A12}" type="slidenum">
+            <a:fld id="{8FEEE48F-FE93-4D9D-971A-40BFAF63D6AF}" type="slidenum">
               <a:rPr lang="en-US"/>
               <a:pPr>
                 <a:defRPr/>
@@ -1456,7 +1417,7 @@
             <a:pPr>
               <a:defRPr/>
             </a:pPr>
-            <a:fld id="{7E3FE265-3AC8-4596-B00F-6776C79DF3B1}" type="slidenum">
+            <a:fld id="{E497472A-DF66-4BEA-8DBC-79C106B9631F}" type="slidenum">
               <a:rPr lang="en-US"/>
               <a:pPr>
                 <a:defRPr/>
@@ -1588,7 +1549,7 @@
             <a:pPr>
               <a:defRPr/>
             </a:pPr>
-            <a:fld id="{D4136995-DEAA-41BE-9D17-C2C7B4E065BC}" type="slidenum">
+            <a:fld id="{39FAC7D7-FDC3-4EDD-93F8-3FCEB58BD26C}" type="slidenum">
               <a:rPr lang="en-US"/>
               <a:pPr>
                 <a:defRPr/>
@@ -1646,7 +1607,7 @@
             <a:pPr>
               <a:defRPr/>
             </a:pPr>
-            <a:fld id="{8D240CA0-2B23-43AA-8CC6-B45C15ECF87B}" type="slidenum">
+            <a:fld id="{53F6E5F8-2FE6-49B3-BCAC-24419634ED56}" type="slidenum">
               <a:rPr lang="en-US"/>
               <a:pPr>
                 <a:defRPr/>
@@ -1843,7 +1804,7 @@
             <a:pPr>
               <a:defRPr/>
             </a:pPr>
-            <a:fld id="{F727976D-9333-434F-8A16-69F12111A806}" type="slidenum">
+            <a:fld id="{5F21EA03-5939-40C0-8031-C810CD5AC996}" type="slidenum">
               <a:rPr lang="en-US"/>
               <a:pPr>
                 <a:defRPr/>
@@ -1912,9 +1873,9 @@
   <p:clrMap bg1="lt1" tx1="dk1" bg2="lt2" tx2="dk2" accent1="accent1" accent2="accent2" accent3="accent3" accent4="accent4" accent5="accent5" accent6="accent6" hlink="hlink" folHlink="folHlink"/>
   <p:sldLayoutIdLst>
     <p:sldLayoutId id="2147483653" r:id="rId1"/>
-    <p:sldLayoutId id="2147483650" r:id="rId2"/>
+    <p:sldLayoutId id="2147483652" r:id="rId2"/>
     <p:sldLayoutId id="2147483651" r:id="rId3"/>
-    <p:sldLayoutId id="2147483652" r:id="rId4"/>
+    <p:sldLayoutId id="2147483650" r:id="rId4"/>
   </p:sldLayoutIdLst>
   <p:txStyles>
     <p:titleStyle>
@@ -2373,7 +2334,6 @@
             <a:r>
               <a:rPr lang="en-US" smtClean="0">
                 <a:latin typeface="Calibri Light" pitchFamily="34" charset="0"/>
-                <a:cs typeface="Calibri Light" pitchFamily="34" charset="0"/>
               </a:rPr>
               <a:t>Mark Atkinson</a:t>
             </a:r>
@@ -2451,7 +2411,7 @@
               </a:lnSpc>
             </a:pPr>
             <a:r>
-              <a:rPr lang="en-US" sz="5000" dirty="0">
+              <a:rPr lang="en-US" sz="5000">
                 <a:solidFill>
                   <a:srgbClr val="128BAD"/>
                 </a:solidFill>
@@ -2467,7 +2427,7 @@
               </a:lnSpc>
             </a:pPr>
             <a:r>
-              <a:rPr lang="en-US" sz="5000" dirty="0">
+              <a:rPr lang="en-US" sz="5000">
                 <a:solidFill>
                   <a:srgbClr val="128BAD"/>
                 </a:solidFill>
@@ -2534,7 +2494,6 @@
             <a:r>
               <a:rPr lang="en-US" smtClean="0">
                 <a:latin typeface="Calibri Light" pitchFamily="34" charset="0"/>
-                <a:cs typeface="Calibri Light" pitchFamily="34" charset="0"/>
               </a:rPr>
               <a:t>REPORTING</a:t>
             </a:r>
@@ -2680,9 +2639,9 @@
       </p:sp>
       <p:pic>
         <p:nvPicPr>
-          <p:cNvPr id="19459" name="Picture 3"/>
+          <p:cNvPr id="19463" name="Picture 7" descr="Rpt_SpecHeader"/>
           <p:cNvPicPr>
-            <a:picLocks noChangeAspect="1"/>
+            <a:picLocks noChangeAspect="1" noChangeArrowheads="1"/>
           </p:cNvPicPr>
           <p:nvPr/>
         </p:nvPicPr>
@@ -2695,26 +2654,20 @@
         </p:blipFill>
         <p:spPr bwMode="auto">
           <a:xfrm>
-            <a:off x="4484688" y="942975"/>
-            <a:ext cx="4621212" cy="5745163"/>
+            <a:off x="576263" y="3884613"/>
+            <a:ext cx="3886200" cy="2149475"/>
           </a:xfrm>
           <a:prstGeom prst="rect">
             <a:avLst/>
           </a:prstGeom>
           <a:noFill/>
-          <a:ln w="9525">
-            <a:noFill/>
-            <a:miter lim="800000"/>
-            <a:headEnd/>
-            <a:tailEnd/>
-          </a:ln>
         </p:spPr>
       </p:pic>
       <p:pic>
         <p:nvPicPr>
-          <p:cNvPr id="19460" name="Picture 4"/>
+          <p:cNvPr id="19464" name="Picture 8" descr="main"/>
           <p:cNvPicPr>
-            <a:picLocks noChangeAspect="1"/>
+            <a:picLocks noChangeAspect="1" noChangeArrowheads="1"/>
           </p:cNvPicPr>
           <p:nvPr/>
         </p:nvPicPr>
@@ -2727,19 +2680,13 @@
         </p:blipFill>
         <p:spPr bwMode="auto">
           <a:xfrm>
-            <a:off x="330200" y="4022725"/>
-            <a:ext cx="4284663" cy="2808288"/>
+            <a:off x="4779963" y="914400"/>
+            <a:ext cx="4364037" cy="5788025"/>
           </a:xfrm>
           <a:prstGeom prst="rect">
             <a:avLst/>
           </a:prstGeom>
           <a:noFill/>
-          <a:ln w="9525">
-            <a:noFill/>
-            <a:miter lim="800000"/>
-            <a:headEnd/>
-            <a:tailEnd/>
-          </a:ln>
         </p:spPr>
       </p:pic>
     </p:spTree>
@@ -2798,7 +2745,6 @@
             <a:r>
               <a:rPr lang="en-US" smtClean="0">
                 <a:latin typeface="Calibri Light" pitchFamily="34" charset="0"/>
-                <a:cs typeface="Calibri Light" pitchFamily="34" charset="0"/>
               </a:rPr>
               <a:t>REPORTING</a:t>
             </a:r>
@@ -2818,7 +2764,7 @@
         <p:spPr>
           <a:xfrm>
             <a:off x="433388" y="914400"/>
-            <a:ext cx="4859337" cy="2336800"/>
+            <a:ext cx="3205162" cy="3735388"/>
           </a:xfrm>
         </p:spPr>
         <p:txBody>
@@ -2920,9 +2866,9 @@
       </p:sp>
       <p:pic>
         <p:nvPicPr>
-          <p:cNvPr id="20483" name="Picture 4"/>
+          <p:cNvPr id="20486" name="Picture 6" descr="secondary"/>
           <p:cNvPicPr>
-            <a:picLocks noChangeAspect="1"/>
+            <a:picLocks noChangeAspect="1" noChangeArrowheads="1"/>
           </p:cNvPicPr>
           <p:nvPr/>
         </p:nvPicPr>
@@ -2935,51 +2881,13 @@
         </p:blipFill>
         <p:spPr bwMode="auto">
           <a:xfrm>
-            <a:off x="5429250" y="831850"/>
-            <a:ext cx="3598863" cy="6026150"/>
+            <a:off x="3638550" y="1073150"/>
+            <a:ext cx="5287963" cy="4313238"/>
           </a:xfrm>
           <a:prstGeom prst="rect">
             <a:avLst/>
           </a:prstGeom>
           <a:noFill/>
-          <a:ln w="9525">
-            <a:noFill/>
-            <a:miter lim="800000"/>
-            <a:headEnd/>
-            <a:tailEnd/>
-          </a:ln>
-        </p:spPr>
-      </p:pic>
-      <p:pic>
-        <p:nvPicPr>
-          <p:cNvPr id="20484" name="Picture 5"/>
-          <p:cNvPicPr>
-            <a:picLocks noChangeAspect="1"/>
-          </p:cNvPicPr>
-          <p:nvPr/>
-        </p:nvPicPr>
-        <p:blipFill>
-          <a:blip r:embed="rId3"/>
-          <a:srcRect/>
-          <a:stretch>
-            <a:fillRect/>
-          </a:stretch>
-        </p:blipFill>
-        <p:spPr bwMode="auto">
-          <a:xfrm>
-            <a:off x="322263" y="3429000"/>
-            <a:ext cx="5081587" cy="2811463"/>
-          </a:xfrm>
-          <a:prstGeom prst="rect">
-            <a:avLst/>
-          </a:prstGeom>
-          <a:noFill/>
-          <a:ln w="9525">
-            <a:noFill/>
-            <a:miter lim="800000"/>
-            <a:headEnd/>
-            <a:tailEnd/>
-          </a:ln>
         </p:spPr>
       </p:pic>
     </p:spTree>
@@ -3038,7 +2946,6 @@
             <a:r>
               <a:rPr lang="en-US" smtClean="0">
                 <a:latin typeface="Calibri Light" pitchFamily="34" charset="0"/>
-                <a:cs typeface="Calibri Light" pitchFamily="34" charset="0"/>
               </a:rPr>
               <a:t>REPORTING</a:t>
             </a:r>
@@ -3073,7 +2980,6 @@
             <a:r>
               <a:rPr lang="en-US" u="sng" smtClean="0">
                 <a:latin typeface="Calibri Light" pitchFamily="34" charset="0"/>
-                <a:cs typeface="Calibri Light" pitchFamily="34" charset="0"/>
               </a:rPr>
               <a:t>Three levels of reporting</a:t>
             </a:r>
@@ -3090,13 +2996,11 @@
             <a:r>
               <a:rPr lang="en-US" sz="700" smtClean="0">
                 <a:latin typeface="Calibri Light" pitchFamily="34" charset="0"/>
-                <a:cs typeface="Calibri Light" pitchFamily="34" charset="0"/>
               </a:rPr>
               <a:t> </a:t>
             </a:r>
             <a:endParaRPr lang="en-US" sz="700" u="sng" smtClean="0">
               <a:latin typeface="Calibri Light" pitchFamily="34" charset="0"/>
-              <a:cs typeface="Calibri Light" pitchFamily="34" charset="0"/>
             </a:endParaRPr>
           </a:p>
           <a:p>
@@ -3107,7 +3011,6 @@
             </a:pPr>
             <a:endParaRPr lang="en-US" b="1" smtClean="0">
               <a:latin typeface="Calibri Light" pitchFamily="34" charset="0"/>
-              <a:cs typeface="Calibri Light" pitchFamily="34" charset="0"/>
             </a:endParaRPr>
           </a:p>
           <a:p>
@@ -3119,7 +3022,6 @@
             <a:r>
               <a:rPr lang="en-US" sz="2500" b="1" u="sng" smtClean="0">
                 <a:latin typeface="Calibri Light" pitchFamily="34" charset="0"/>
-                <a:cs typeface="Calibri Light" pitchFamily="34" charset="0"/>
               </a:rPr>
               <a:t>ASPIRATIONAL PRESENTATION</a:t>
             </a:r>
@@ -3132,7 +3034,6 @@
             </a:pPr>
             <a:endParaRPr lang="en-US" sz="2500" b="1" smtClean="0">
               <a:latin typeface="Calibri Light" pitchFamily="34" charset="0"/>
-              <a:cs typeface="Calibri Light" pitchFamily="34" charset="0"/>
             </a:endParaRPr>
           </a:p>
           <a:p>
@@ -3144,7 +3045,6 @@
             <a:r>
               <a:rPr lang="en-US" b="1" smtClean="0">
                 <a:latin typeface="Calibri Light" pitchFamily="34" charset="0"/>
-                <a:cs typeface="Calibri Light" pitchFamily="34" charset="0"/>
               </a:rPr>
               <a:t>High Level Dashboard</a:t>
             </a:r>
@@ -3158,7 +3058,6 @@
             <a:r>
               <a:rPr lang="en-US" b="1" smtClean="0">
                 <a:latin typeface="Calibri Light" pitchFamily="34" charset="0"/>
-                <a:cs typeface="Calibri Light" pitchFamily="34" charset="0"/>
               </a:rPr>
               <a:t>Product Specific: </a:t>
             </a:r>
@@ -3172,7 +3071,6 @@
             <a:r>
               <a:rPr lang="en-US" sz="500" smtClean="0">
                 <a:latin typeface="Calibri Light" pitchFamily="34" charset="0"/>
-                <a:cs typeface="Calibri Light" pitchFamily="34" charset="0"/>
               </a:rPr>
               <a:t>       </a:t>
             </a:r>
@@ -3186,14 +3084,12 @@
             <a:r>
               <a:rPr lang="en-US" sz="1800" smtClean="0">
                 <a:latin typeface="Calibri Light" pitchFamily="34" charset="0"/>
-                <a:cs typeface="Calibri Light" pitchFamily="34" charset="0"/>
               </a:rPr>
               <a:t>       </a:t>
             </a:r>
             <a:r>
               <a:rPr lang="en-US" sz="1800" b="1" smtClean="0">
                 <a:latin typeface="Calibri Light" pitchFamily="34" charset="0"/>
-                <a:cs typeface="Calibri Light" pitchFamily="34" charset="0"/>
               </a:rPr>
               <a:t>Go / No-go Product  Dashboard</a:t>
             </a:r>
@@ -3206,7 +3102,6 @@
             </a:pPr>
             <a:endParaRPr lang="en-US" sz="1800" b="1" smtClean="0">
               <a:latin typeface="Calibri Light" pitchFamily="34" charset="0"/>
-              <a:cs typeface="Calibri Light" pitchFamily="34" charset="0"/>
             </a:endParaRPr>
           </a:p>
           <a:p>
@@ -3218,7 +3113,6 @@
             <a:r>
               <a:rPr lang="en-US" sz="800" smtClean="0">
                 <a:latin typeface="Calibri Light" pitchFamily="34" charset="0"/>
-                <a:cs typeface="Calibri Light" pitchFamily="34" charset="0"/>
               </a:rPr>
               <a:t>            </a:t>
             </a:r>
@@ -3232,7 +3126,6 @@
             <a:r>
               <a:rPr lang="en-US" b="1" smtClean="0">
                 <a:latin typeface="Calibri Light" pitchFamily="34" charset="0"/>
-                <a:cs typeface="Calibri Light" pitchFamily="34" charset="0"/>
               </a:rPr>
               <a:t>Provides:</a:t>
             </a:r>
@@ -3248,7 +3141,6 @@
             <a:r>
               <a:rPr lang="en-US" b="1" smtClean="0">
                 <a:latin typeface="Calibri Light" pitchFamily="34" charset="0"/>
-                <a:cs typeface="Calibri Light" pitchFamily="34" charset="0"/>
               </a:rPr>
               <a:t>Development Managers &amp;</a:t>
             </a:r>
@@ -3264,7 +3156,6 @@
             <a:r>
               <a:rPr lang="en-US" b="1" smtClean="0">
                 <a:latin typeface="Calibri Light" pitchFamily="34" charset="0"/>
-                <a:cs typeface="Calibri Light" pitchFamily="34" charset="0"/>
               </a:rPr>
               <a:t>Product Managers A quick look at the current health and capability to ship the product </a:t>
             </a:r>
@@ -3273,9 +3164,9 @@
       </p:sp>
       <p:pic>
         <p:nvPicPr>
-          <p:cNvPr id="21507" name="Picture 3"/>
+          <p:cNvPr id="21510" name="Picture 6" descr="TestRptProdProto"/>
           <p:cNvPicPr>
-            <a:picLocks noChangeAspect="1"/>
+            <a:picLocks noChangeAspect="1" noChangeArrowheads="1"/>
           </p:cNvPicPr>
           <p:nvPr/>
         </p:nvPicPr>
@@ -3288,19 +3179,13 @@
         </p:blipFill>
         <p:spPr bwMode="auto">
           <a:xfrm>
-            <a:off x="4468813" y="865188"/>
-            <a:ext cx="4675187" cy="5992812"/>
+            <a:off x="4857750" y="836613"/>
+            <a:ext cx="4090988" cy="5875337"/>
           </a:xfrm>
           <a:prstGeom prst="rect">
             <a:avLst/>
           </a:prstGeom>
           <a:noFill/>
-          <a:ln w="9525">
-            <a:noFill/>
-            <a:miter lim="800000"/>
-            <a:headEnd/>
-            <a:tailEnd/>
-          </a:ln>
         </p:spPr>
       </p:pic>
     </p:spTree>
@@ -3359,7 +3244,6 @@
             <a:r>
               <a:rPr lang="en-US" smtClean="0">
                 <a:latin typeface="Calibri Light" pitchFamily="34" charset="0"/>
-                <a:cs typeface="Calibri Light" pitchFamily="34" charset="0"/>
               </a:rPr>
               <a:t>FUTURE</a:t>
             </a:r>
@@ -3393,7 +3277,6 @@
             <a:r>
               <a:rPr lang="en-US" sz="2000" smtClean="0">
                 <a:latin typeface="Calibri Light" pitchFamily="34" charset="0"/>
-                <a:cs typeface="Calibri Light" pitchFamily="34" charset="0"/>
               </a:rPr>
               <a:t>Roll Out Framework to Development </a:t>
             </a:r>
@@ -3406,7 +3289,6 @@
             <a:r>
               <a:rPr lang="en-US" sz="2000" smtClean="0">
                 <a:latin typeface="Calibri Light" pitchFamily="34" charset="0"/>
-                <a:cs typeface="Calibri Light" pitchFamily="34" charset="0"/>
               </a:rPr>
               <a:t>Refactor Object layer commonality.  </a:t>
             </a:r>
@@ -3419,7 +3301,6 @@
             <a:r>
               <a:rPr lang="en-US" sz="2000" smtClean="0">
                 <a:latin typeface="Calibri Light" pitchFamily="34" charset="0"/>
-                <a:cs typeface="Calibri Light" pitchFamily="34" charset="0"/>
               </a:rPr>
               <a:t>Move commonality to the Base Layer. </a:t>
             </a:r>
@@ -3432,13 +3313,11 @@
             <a:r>
               <a:rPr lang="en-US" sz="1600" smtClean="0">
                 <a:latin typeface="Calibri Light" pitchFamily="34" charset="0"/>
-                <a:cs typeface="Calibri Light" pitchFamily="34" charset="0"/>
               </a:rPr>
               <a:t>The smaller the object layer, the easier to add new capability ( new applications )</a:t>
             </a:r>
             <a:endParaRPr lang="en-US" sz="1800" smtClean="0">
               <a:latin typeface="Calibri Light" pitchFamily="34" charset="0"/>
-              <a:cs typeface="Calibri Light" pitchFamily="34" charset="0"/>
             </a:endParaRPr>
           </a:p>
           <a:p>
@@ -3449,7 +3328,6 @@
             <a:r>
               <a:rPr lang="en-US" sz="2000" smtClean="0">
                 <a:latin typeface="Calibri Light" pitchFamily="34" charset="0"/>
-                <a:cs typeface="Calibri Light" pitchFamily="34" charset="0"/>
               </a:rPr>
               <a:t>Improve top of Object layer making more uniform</a:t>
             </a:r>
@@ -3462,7 +3340,6 @@
             <a:r>
               <a:rPr lang="en-US" sz="1600" smtClean="0">
                 <a:latin typeface="Calibri Light" pitchFamily="34" charset="0"/>
-                <a:cs typeface="Calibri Light" pitchFamily="34" charset="0"/>
               </a:rPr>
               <a:t>The smoother the top of the object layer, the easier to write test cases</a:t>
             </a:r>
@@ -3471,7 +3348,6 @@
             <a:pPr marL="919163" lvl="1" indent="-342900" eaLnBrk="1" hangingPunct="1"/>
             <a:endParaRPr lang="en-US" sz="1800" smtClean="0">
               <a:latin typeface="Calibri Light" pitchFamily="34" charset="0"/>
-              <a:cs typeface="Calibri Light" pitchFamily="34" charset="0"/>
             </a:endParaRPr>
           </a:p>
           <a:p>
@@ -3482,7 +3358,6 @@
             <a:r>
               <a:rPr lang="en-US" sz="1800" smtClean="0">
                 <a:latin typeface="Calibri Light" pitchFamily="34" charset="0"/>
-                <a:cs typeface="Calibri Light" pitchFamily="34" charset="0"/>
               </a:rPr>
               <a:t>Decouple function calls in the upper layer from in the bottom layer and below </a:t>
             </a:r>
@@ -3495,7 +3370,6 @@
             <a:r>
               <a:rPr lang="en-US" sz="1600" smtClean="0">
                 <a:latin typeface="Calibri Light" pitchFamily="34" charset="0"/>
-                <a:cs typeface="Calibri Light" pitchFamily="34" charset="0"/>
               </a:rPr>
               <a:t>Keep calls to Protractor in the mid Layer ( page Objects )</a:t>
             </a:r>
@@ -3508,7 +3382,6 @@
             <a:r>
               <a:rPr lang="en-US" sz="1600" smtClean="0">
                 <a:latin typeface="Calibri Light" pitchFamily="34" charset="0"/>
-                <a:cs typeface="Calibri Light" pitchFamily="34" charset="0"/>
               </a:rPr>
               <a:t>Work in localized well isolated areas.  Keep the churn away from the dev engineers</a:t>
             </a:r>
@@ -3518,7 +3391,6 @@
             <a:r>
               <a:rPr lang="en-US" sz="800" smtClean="0">
                 <a:latin typeface="Calibri Light" pitchFamily="34" charset="0"/>
-                <a:cs typeface="Calibri Light" pitchFamily="34" charset="0"/>
               </a:rPr>
               <a:t>  </a:t>
             </a:r>
@@ -3531,7 +3403,6 @@
             <a:r>
               <a:rPr lang="en-US" sz="2000" smtClean="0">
                 <a:latin typeface="Calibri Light" pitchFamily="34" charset="0"/>
-                <a:cs typeface="Calibri Light" pitchFamily="34" charset="0"/>
               </a:rPr>
               <a:t>Ability to spin up new application</a:t>
             </a:r>
@@ -3541,7 +3412,6 @@
             <a:r>
               <a:rPr lang="en-US" sz="1600" smtClean="0">
                 <a:latin typeface="Calibri Light" pitchFamily="34" charset="0"/>
-                <a:cs typeface="Calibri Light" pitchFamily="34" charset="0"/>
               </a:rPr>
               <a:t>Adding support for new applications can be accomplished in ~10 working Days</a:t>
             </a:r>
@@ -3551,7 +3421,6 @@
             <a:r>
               <a:rPr lang="en-US" sz="800" smtClean="0">
                 <a:latin typeface="Calibri Light" pitchFamily="34" charset="0"/>
-                <a:cs typeface="Calibri Light" pitchFamily="34" charset="0"/>
               </a:rPr>
               <a:t>          </a:t>
             </a:r>
@@ -3564,7 +3433,6 @@
             <a:r>
               <a:rPr lang="en-US" sz="2000" smtClean="0">
                 <a:latin typeface="Calibri Light" pitchFamily="34" charset="0"/>
-                <a:cs typeface="Calibri Light" pitchFamily="34" charset="0"/>
               </a:rPr>
               <a:t>Improved Reporting,  add a dashboard, provide stasistics</a:t>
             </a:r>
@@ -3574,7 +3442,6 @@
             <a:r>
               <a:rPr lang="en-US" sz="800" smtClean="0">
                 <a:latin typeface="Calibri Light" pitchFamily="34" charset="0"/>
-                <a:cs typeface="Calibri Light" pitchFamily="34" charset="0"/>
               </a:rPr>
               <a:t>          </a:t>
             </a:r>
@@ -3587,7 +3454,6 @@
             <a:r>
               <a:rPr lang="en-US" sz="2000" smtClean="0">
                 <a:latin typeface="Calibri Light" pitchFamily="34" charset="0"/>
-                <a:cs typeface="Calibri Light" pitchFamily="34" charset="0"/>
               </a:rPr>
               <a:t>Test Headless  : Trying to overcome CPU and Memory consumption</a:t>
             </a:r>
@@ -3597,7 +3463,6 @@
             <a:r>
               <a:rPr lang="en-US" sz="800" smtClean="0">
                 <a:latin typeface="Calibri Light" pitchFamily="34" charset="0"/>
-                <a:cs typeface="Calibri Light" pitchFamily="34" charset="0"/>
               </a:rPr>
               <a:t>    </a:t>
             </a:r>
@@ -3610,7 +3475,6 @@
             <a:r>
               <a:rPr lang="en-US" sz="2000" smtClean="0">
                 <a:latin typeface="Calibri Light" pitchFamily="34" charset="0"/>
-                <a:cs typeface="Calibri Light" pitchFamily="34" charset="0"/>
               </a:rPr>
               <a:t>Mobile devices</a:t>
             </a:r>
@@ -3619,7 +3483,6 @@
             <a:pPr marL="342900" indent="-342900" eaLnBrk="1" hangingPunct="1"/>
             <a:endParaRPr lang="en-US" sz="2000" smtClean="0">
               <a:latin typeface="Calibri Light" pitchFamily="34" charset="0"/>
-              <a:cs typeface="Calibri Light" pitchFamily="34" charset="0"/>
             </a:endParaRPr>
           </a:p>
         </p:txBody>
@@ -3680,7 +3543,6 @@
             <a:r>
               <a:rPr lang="en-US" smtClean="0">
                 <a:latin typeface="Calibri Light" pitchFamily="34" charset="0"/>
-                <a:cs typeface="Calibri Light" pitchFamily="34" charset="0"/>
               </a:rPr>
               <a:t>ROLL OUT</a:t>
             </a:r>
@@ -3961,8 +3823,8 @@
         </p:nvSpPr>
         <p:spPr bwMode="auto">
           <a:xfrm>
-            <a:off x="4699000" y="4316412"/>
-            <a:ext cx="184923" cy="671513"/>
+            <a:off x="4699000" y="4316413"/>
+            <a:ext cx="184150" cy="671512"/>
           </a:xfrm>
           <a:prstGeom prst="leftBrace">
             <a:avLst/>
@@ -4001,8 +3863,8 @@
         </p:nvSpPr>
         <p:spPr bwMode="auto">
           <a:xfrm>
-            <a:off x="4705350" y="5138739"/>
-            <a:ext cx="190500" cy="805952"/>
+            <a:off x="4705350" y="5138738"/>
+            <a:ext cx="190500" cy="806450"/>
           </a:xfrm>
           <a:prstGeom prst="leftBrace">
             <a:avLst/>
@@ -4035,7 +3897,7 @@
       </p:sp>
       <p:sp>
         <p:nvSpPr>
-          <p:cNvPr id="23559" name="TextBox 3"/>
+          <p:cNvPr id="23558" name="TextBox 3"/>
           <p:cNvSpPr txBox="1">
             <a:spLocks noChangeArrowheads="1"/>
           </p:cNvSpPr>
@@ -4043,7 +3905,7 @@
         </p:nvSpPr>
         <p:spPr bwMode="auto">
           <a:xfrm>
-            <a:off x="3268663" y="4222751"/>
+            <a:off x="3268663" y="4222750"/>
             <a:ext cx="1487487" cy="765175"/>
           </a:xfrm>
           <a:prstGeom prst="rect">
@@ -4058,13 +3920,13 @@
           </a:ln>
         </p:spPr>
         <p:txBody>
-          <a:bodyPr wrap="square">
+          <a:bodyPr>
             <a:spAutoFit/>
           </a:bodyPr>
           <a:lstStyle/>
           <a:p>
             <a:r>
-              <a:rPr lang="en-US" sz="1100" dirty="0"/>
+              <a:rPr lang="en-US" sz="1100"/>
               <a:t>Development Engineers Focus Attention on this layer for testing</a:t>
             </a:r>
           </a:p>
@@ -4072,7 +3934,7 @@
       </p:sp>
       <p:sp>
         <p:nvSpPr>
-          <p:cNvPr id="23560" name="TextBox 10"/>
+          <p:cNvPr id="23559" name="TextBox 10"/>
           <p:cNvSpPr txBox="1">
             <a:spLocks noChangeArrowheads="1"/>
           </p:cNvSpPr>
@@ -4081,7 +3943,7 @@
         <p:spPr bwMode="auto">
           <a:xfrm>
             <a:off x="3268663" y="5081588"/>
-            <a:ext cx="1487487" cy="769441"/>
+            <a:ext cx="1487487" cy="769937"/>
           </a:xfrm>
           <a:prstGeom prst="rect">
             <a:avLst/>
@@ -4095,57 +3957,54 @@
           </a:ln>
         </p:spPr>
         <p:txBody>
-          <a:bodyPr wrap="square">
+          <a:bodyPr>
             <a:spAutoFit/>
           </a:bodyPr>
           <a:lstStyle/>
           <a:p>
             <a:r>
-              <a:rPr lang="en-US" sz="1100" dirty="0"/>
+              <a:rPr lang="en-US" sz="1100"/>
               <a:t>NextGen </a:t>
             </a:r>
-            <a:endParaRPr lang="en-US" sz="1100" dirty="0" smtClean="0"/>
-          </a:p>
-          <a:p>
-            <a:r>
-              <a:rPr lang="en-US" sz="1100" dirty="0" smtClean="0"/>
-              <a:t>Test </a:t>
-            </a:r>
-            <a:r>
-              <a:rPr lang="en-US" sz="1100" dirty="0"/>
-              <a:t>Automation  staff enhance and improve these layers</a:t>
+          </a:p>
+          <a:p>
+            <a:r>
+              <a:rPr lang="en-US" sz="1100"/>
+              <a:t>Test Automation  staff enhance and improve these layers</a:t>
             </a:r>
           </a:p>
         </p:txBody>
       </p:sp>
       <p:pic>
         <p:nvPicPr>
-          <p:cNvPr id="4" name="Picture 3"/>
+          <p:cNvPr id="23560" name="Picture 3"/>
           <p:cNvPicPr>
             <a:picLocks noChangeAspect="1"/>
           </p:cNvPicPr>
           <p:nvPr/>
         </p:nvPicPr>
         <p:blipFill>
-          <a:blip r:embed="rId2">
-            <a:extLst>
-              <a:ext uri="{28A0092B-C50C-407E-A947-70E740481C1C}">
-                <a14:useLocalDpi xmlns:a14="http://schemas.microsoft.com/office/drawing/2010/main" val="0"/>
-              </a:ext>
-            </a:extLst>
-          </a:blip>
+          <a:blip r:embed="rId2"/>
+          <a:srcRect/>
           <a:stretch>
             <a:fillRect/>
           </a:stretch>
         </p:blipFill>
-        <p:spPr>
+        <p:spPr bwMode="auto">
           <a:xfrm>
-            <a:off x="5023623" y="3703229"/>
-            <a:ext cx="3784114" cy="2992539"/>
+            <a:off x="5022850" y="3703638"/>
+            <a:ext cx="3784600" cy="2992437"/>
           </a:xfrm>
           <a:prstGeom prst="rect">
             <a:avLst/>
           </a:prstGeom>
+          <a:noFill/>
+          <a:ln w="9525">
+            <a:noFill/>
+            <a:miter lim="800000"/>
+            <a:headEnd/>
+            <a:tailEnd/>
+          </a:ln>
         </p:spPr>
       </p:pic>
       <p:sp>
@@ -4156,8 +4015,8 @@
         </p:nvSpPr>
         <p:spPr bwMode="auto">
           <a:xfrm>
-            <a:off x="4705350" y="6143248"/>
-            <a:ext cx="190500" cy="552520"/>
+            <a:off x="4705350" y="6143625"/>
+            <a:ext cx="190500" cy="552450"/>
           </a:xfrm>
           <a:prstGeom prst="leftBrace">
             <a:avLst/>
@@ -4190,7 +4049,7 @@
       </p:sp>
       <p:sp>
         <p:nvSpPr>
-          <p:cNvPr id="15" name="TextBox 10"/>
+          <p:cNvPr id="23562" name="TextBox 10"/>
           <p:cNvSpPr txBox="1">
             <a:spLocks noChangeArrowheads="1"/>
           </p:cNvSpPr>
@@ -4198,8 +4057,8 @@
         </p:nvSpPr>
         <p:spPr bwMode="auto">
           <a:xfrm>
-            <a:off x="2630519" y="6095504"/>
-            <a:ext cx="2096528" cy="600164"/>
+            <a:off x="2630488" y="6096000"/>
+            <a:ext cx="2097087" cy="600075"/>
           </a:xfrm>
           <a:prstGeom prst="rect">
             <a:avLst/>
@@ -4213,24 +4072,15 @@
           </a:ln>
         </p:spPr>
         <p:txBody>
-          <a:bodyPr wrap="square">
+          <a:bodyPr>
             <a:spAutoFit/>
           </a:bodyPr>
           <a:lstStyle/>
           <a:p>
             <a:r>
-              <a:rPr lang="en-US" sz="1100" dirty="0"/>
-              <a:t>NextGen </a:t>
-            </a:r>
-            <a:r>
-              <a:rPr lang="en-US" sz="1100" dirty="0"/>
-              <a:t> </a:t>
-            </a:r>
-            <a:r>
-              <a:rPr lang="en-US" sz="1100" dirty="0" smtClean="0"/>
-              <a:t>Test Auto to develop and fill out all http layer REST API Automation Testing</a:t>
-            </a:r>
-            <a:endParaRPr lang="en-US" sz="1100" dirty="0"/>
+              <a:rPr lang="en-US" sz="1100"/>
+              <a:t>NextGen  Test Auto to develop and fill out all http layer REST API Automation Testing</a:t>
+            </a:r>
           </a:p>
         </p:txBody>
       </p:sp>
@@ -4290,7 +4140,6 @@
             <a:r>
               <a:rPr lang="en-US" smtClean="0">
                 <a:latin typeface="Calibri Light" pitchFamily="34" charset="0"/>
-                <a:cs typeface="Calibri Light" pitchFamily="34" charset="0"/>
               </a:rPr>
               <a:t>ROLES &amp; RESPONSIBILITIES</a:t>
             </a:r>
@@ -4327,7 +4176,6 @@
             <a:r>
               <a:rPr lang="en-US" sz="2000" b="1" smtClean="0">
                 <a:latin typeface="Calibri Light" pitchFamily="34" charset="0"/>
-                <a:cs typeface="Calibri Light" pitchFamily="34" charset="0"/>
               </a:rPr>
               <a:t>Shopping &amp; Buying Development Engineers</a:t>
             </a:r>
@@ -4340,15 +4188,10 @@
               <a:spcBef>
                 <a:spcPct val="0"/>
               </a:spcBef>
-              <a:buFont typeface="Arial" charset="0"/>
-              <a:buBlip>
-                <a:blip r:embed="rId2"/>
-              </a:buBlip>
             </a:pPr>
             <a:r>
               <a:rPr lang="en-US" sz="1400" smtClean="0">
                 <a:latin typeface="Calibri Light" pitchFamily="34" charset="0"/>
-                <a:cs typeface="Calibri Light" pitchFamily="34" charset="0"/>
               </a:rPr>
               <a:t>Responsible for all new  Page Level Functional Integration Tests</a:t>
             </a:r>
@@ -4361,21 +4204,15 @@
               <a:spcBef>
                 <a:spcPct val="0"/>
               </a:spcBef>
-              <a:buFont typeface="Arial" charset="0"/>
-              <a:buBlip>
-                <a:blip r:embed="rId2"/>
-              </a:buBlip>
             </a:pPr>
             <a:r>
               <a:rPr lang="en-US" sz="1400" smtClean="0">
                 <a:latin typeface="Calibri Light" pitchFamily="34" charset="0"/>
-                <a:cs typeface="Calibri Light" pitchFamily="34" charset="0"/>
               </a:rPr>
               <a:t>Responsible for correcting all test failures in  ../fitmp  directory, keeping it completely operational</a:t>
             </a:r>
             <a:endParaRPr lang="en-US" sz="1400" b="1" smtClean="0">
               <a:latin typeface="Calibri Light" pitchFamily="34" charset="0"/>
-              <a:cs typeface="Calibri Light" pitchFamily="34" charset="0"/>
             </a:endParaRPr>
           </a:p>
           <a:p>
@@ -4389,7 +4226,6 @@
             <a:r>
               <a:rPr lang="en-US" sz="2000" b="1" smtClean="0">
                 <a:latin typeface="Calibri Light" pitchFamily="34" charset="0"/>
-                <a:cs typeface="Calibri Light" pitchFamily="34" charset="0"/>
               </a:rPr>
               <a:t>Provider Directory Development Engineers </a:t>
             </a:r>
@@ -4402,15 +4238,10 @@
               <a:spcBef>
                 <a:spcPct val="0"/>
               </a:spcBef>
-              <a:buFont typeface="Arial" charset="0"/>
-              <a:buBlip>
-                <a:blip r:embed="rId2"/>
-              </a:buBlip>
             </a:pPr>
             <a:r>
               <a:rPr lang="en-US" sz="1400" smtClean="0">
                 <a:latin typeface="Calibri Light" pitchFamily="34" charset="0"/>
-                <a:cs typeface="Calibri Light" pitchFamily="34" charset="0"/>
               </a:rPr>
               <a:t>Responsible for all new Template level Functional Integration Tests</a:t>
             </a:r>
@@ -4423,15 +4254,10 @@
               <a:spcBef>
                 <a:spcPct val="0"/>
               </a:spcBef>
-              <a:buFont typeface="Arial" charset="0"/>
-              <a:buBlip>
-                <a:blip r:embed="rId2"/>
-              </a:buBlip>
             </a:pPr>
             <a:r>
               <a:rPr lang="en-US" sz="1400" smtClean="0">
                 <a:latin typeface="Calibri Light" pitchFamily="34" charset="0"/>
-                <a:cs typeface="Calibri Light" pitchFamily="34" charset="0"/>
               </a:rPr>
               <a:t>Responsible for correcting all test failures in the  ../fitpd  directory, keeping all test operational</a:t>
             </a:r>
@@ -4447,7 +4273,6 @@
             <a:r>
               <a:rPr lang="en-US" sz="2000" b="1" smtClean="0">
                 <a:latin typeface="Calibri Light" pitchFamily="34" charset="0"/>
-                <a:cs typeface="Calibri Light" pitchFamily="34" charset="0"/>
               </a:rPr>
               <a:t> Core Technology API Team engineers</a:t>
             </a:r>
@@ -4460,15 +4285,10 @@
               <a:spcBef>
                 <a:spcPct val="0"/>
               </a:spcBef>
-              <a:buFont typeface="Arial" charset="0"/>
-              <a:buBlip>
-                <a:blip r:embed="rId2"/>
-              </a:buBlip>
             </a:pPr>
             <a:r>
               <a:rPr lang="en-US" sz="1400" smtClean="0">
                 <a:latin typeface="Calibri Light" pitchFamily="34" charset="0"/>
-                <a:cs typeface="Calibri Light" pitchFamily="34" charset="0"/>
               </a:rPr>
               <a:t>Responsible for adding new tests to the REST API regression suite </a:t>
             </a:r>
@@ -4481,15 +4301,10 @@
               <a:spcBef>
                 <a:spcPct val="0"/>
               </a:spcBef>
-              <a:buFont typeface="Arial" charset="0"/>
-              <a:buBlip>
-                <a:blip r:embed="rId2"/>
-              </a:buBlip>
             </a:pPr>
             <a:r>
               <a:rPr lang="en-US" sz="1400" smtClean="0">
                 <a:latin typeface="Calibri Light" pitchFamily="34" charset="0"/>
-                <a:cs typeface="Calibri Light" pitchFamily="34" charset="0"/>
               </a:rPr>
               <a:t>Responsible for correcting all test failures in the ../fitapi directory, keeping all test operational</a:t>
             </a:r>
@@ -4505,7 +4320,6 @@
             <a:r>
               <a:rPr lang="en-US" sz="500" b="1" smtClean="0">
                 <a:latin typeface="Calibri Light" pitchFamily="34" charset="0"/>
-                <a:cs typeface="Calibri Light" pitchFamily="34" charset="0"/>
               </a:rPr>
               <a:t>             </a:t>
             </a:r>
@@ -4521,7 +4335,6 @@
             <a:r>
               <a:rPr lang="en-US" sz="2000" b="1" smtClean="0">
                 <a:latin typeface="Calibri Light" pitchFamily="34" charset="0"/>
-                <a:cs typeface="Calibri Light" pitchFamily="34" charset="0"/>
               </a:rPr>
               <a:t>NGTA Team engineers</a:t>
             </a:r>
@@ -4540,7 +4353,6 @@
             <a:r>
               <a:rPr lang="en-US" sz="1400" smtClean="0">
                 <a:latin typeface="Calibri Light" pitchFamily="34" charset="0"/>
-                <a:cs typeface="Calibri Light" pitchFamily="34" charset="0"/>
               </a:rPr>
               <a:t>Oversee and manage all Framework development. </a:t>
             </a:r>
@@ -4559,7 +4371,6 @@
             <a:r>
               <a:rPr lang="en-US" sz="1400" smtClean="0">
                 <a:latin typeface="Calibri Light" pitchFamily="34" charset="0"/>
-                <a:cs typeface="Calibri Light" pitchFamily="34" charset="0"/>
               </a:rPr>
               <a:t>Continual frame work improvement, evaluating all need for new coverage</a:t>
             </a:r>
@@ -4578,7 +4389,6 @@
             <a:r>
               <a:rPr lang="en-US" sz="1400" smtClean="0">
                 <a:latin typeface="Calibri Light" pitchFamily="34" charset="0"/>
-                <a:cs typeface="Calibri Light" pitchFamily="34" charset="0"/>
               </a:rPr>
               <a:t>Continually analyze mid layer code</a:t>
             </a:r>
@@ -4597,7 +4407,6 @@
             <a:r>
               <a:rPr lang="en-US" sz="1400" smtClean="0">
                 <a:latin typeface="Calibri Light" pitchFamily="34" charset="0"/>
-                <a:cs typeface="Calibri Light" pitchFamily="34" charset="0"/>
               </a:rPr>
               <a:t>Refactor content from mid layer to the lower common layer</a:t>
             </a:r>
@@ -4616,7 +4425,6 @@
             <a:r>
               <a:rPr lang="en-US" sz="1400" smtClean="0">
                 <a:latin typeface="Calibri Light" pitchFamily="34" charset="0"/>
-                <a:cs typeface="Calibri Light" pitchFamily="34" charset="0"/>
               </a:rPr>
               <a:t>Develop all End to End test automation scripts based on business use cases</a:t>
             </a:r>
@@ -5206,7 +5014,7 @@
       </p:sp>
       <p:pic>
         <p:nvPicPr>
-          <p:cNvPr id="6" name="Content Placeholder 5"/>
+          <p:cNvPr id="26627" name="Content Placeholder 5"/>
           <p:cNvPicPr>
             <a:picLocks noGrp="1" noChangeAspect="1"/>
           </p:cNvPicPr>
@@ -5215,21 +5023,16 @@
           </p:nvPr>
         </p:nvPicPr>
         <p:blipFill>
-          <a:blip r:embed="rId3">
-            <a:extLst>
-              <a:ext uri="{28A0092B-C50C-407E-A947-70E740481C1C}">
-                <a14:useLocalDpi xmlns:a14="http://schemas.microsoft.com/office/drawing/2010/main" val="0"/>
-              </a:ext>
-            </a:extLst>
-          </a:blip>
+          <a:blip r:embed="rId3"/>
+          <a:srcRect/>
           <a:stretch>
             <a:fillRect/>
           </a:stretch>
         </p:blipFill>
         <p:spPr>
           <a:xfrm>
-            <a:off x="368299" y="886904"/>
-            <a:ext cx="8485907" cy="5831948"/>
+            <a:off x="368300" y="887413"/>
+            <a:ext cx="8485188" cy="5830887"/>
           </a:xfrm>
         </p:spPr>
       </p:pic>
@@ -5289,14 +5092,12 @@
             <a:r>
               <a:rPr lang="en-US" smtClean="0">
                 <a:latin typeface="Calibri Light" pitchFamily="34" charset="0"/>
-                <a:cs typeface="Calibri Light" pitchFamily="34" charset="0"/>
               </a:rPr>
               <a:t>	    </a:t>
             </a:r>
             <a:r>
               <a:rPr lang="en-US" sz="1600" b="1" smtClean="0">
                 <a:latin typeface="Calibri Light" pitchFamily="34" charset="0"/>
-                <a:cs typeface="Calibri Light" pitchFamily="34" charset="0"/>
               </a:rPr>
               <a:t>Seconds</a:t>
             </a:r>
@@ -5306,7 +5107,6 @@
             <a:r>
               <a:rPr lang="en-US" smtClean="0">
                 <a:latin typeface="Calibri Light" pitchFamily="34" charset="0"/>
-                <a:cs typeface="Calibri Light" pitchFamily="34" charset="0"/>
               </a:rPr>
               <a:t>Small	5		%30</a:t>
             </a:r>
@@ -5315,7 +5115,6 @@
             <a:pPr eaLnBrk="1" hangingPunct="1"/>
             <a:endParaRPr lang="en-US" smtClean="0">
               <a:latin typeface="Calibri Light" pitchFamily="34" charset="0"/>
-              <a:cs typeface="Calibri Light" pitchFamily="34" charset="0"/>
             </a:endParaRPr>
           </a:p>
           <a:p>
@@ -5323,7 +5122,6 @@
             <a:r>
               <a:rPr lang="en-US" smtClean="0">
                 <a:latin typeface="Calibri Light" pitchFamily="34" charset="0"/>
-                <a:cs typeface="Calibri Light" pitchFamily="34" charset="0"/>
               </a:rPr>
               <a:t>Med	15		%50</a:t>
             </a:r>
@@ -5332,7 +5130,6 @@
             <a:pPr eaLnBrk="1" hangingPunct="1"/>
             <a:endParaRPr lang="en-US" smtClean="0">
               <a:latin typeface="Calibri Light" pitchFamily="34" charset="0"/>
-              <a:cs typeface="Calibri Light" pitchFamily="34" charset="0"/>
             </a:endParaRPr>
           </a:p>
           <a:p>
@@ -5340,7 +5137,6 @@
             <a:r>
               <a:rPr lang="en-US" smtClean="0">
                 <a:latin typeface="Calibri Light" pitchFamily="34" charset="0"/>
-                <a:cs typeface="Calibri Light" pitchFamily="34" charset="0"/>
               </a:rPr>
               <a:t>Large	30		%20</a:t>
             </a:r>
@@ -6962,7 +6758,6 @@
             <a:r>
               <a:rPr lang="en-US" sz="2000" b="1" smtClean="0">
                 <a:latin typeface="Calibri Light" pitchFamily="34" charset="0"/>
-                <a:cs typeface="Calibri Light" pitchFamily="34" charset="0"/>
               </a:rPr>
               <a:t>NGTA and the CX Market Place Development Team have matured since 2016. </a:t>
             </a:r>
@@ -6975,22 +6770,16 @@
               <a:spcBef>
                 <a:spcPct val="0"/>
               </a:spcBef>
-              <a:buFont typeface="Arial" charset="0"/>
-              <a:buBlip>
-                <a:blip r:embed="rId3"/>
-              </a:buBlip>
             </a:pPr>
             <a:r>
               <a:rPr lang="en-US" sz="1600" b="1" smtClean="0">
                 <a:latin typeface="Calibri Light" pitchFamily="34" charset="0"/>
-                <a:cs typeface="Calibri Light" pitchFamily="34" charset="0"/>
               </a:rPr>
               <a:t>We are able to do more and deliver to a greater audience. </a:t>
             </a:r>
             <a:r>
               <a:rPr lang="en-US" sz="1800" b="1" smtClean="0">
                 <a:latin typeface="Calibri Light" pitchFamily="34" charset="0"/>
-                <a:cs typeface="Calibri Light" pitchFamily="34" charset="0"/>
               </a:rPr>
               <a:t> </a:t>
             </a:r>
@@ -7009,7 +6798,6 @@
             <a:r>
               <a:rPr lang="en-US" sz="2000" b="1" smtClean="0">
                 <a:latin typeface="Calibri Light" pitchFamily="34" charset="0"/>
-                <a:cs typeface="Calibri Light" pitchFamily="34" charset="0"/>
               </a:rPr>
               <a:t>To scale as projected </a:t>
             </a:r>
@@ -7028,7 +6816,6 @@
             <a:r>
               <a:rPr lang="en-US" sz="1600" b="1" smtClean="0">
                 <a:latin typeface="Calibri Light" pitchFamily="34" charset="0"/>
-                <a:cs typeface="Calibri Light" pitchFamily="34" charset="0"/>
               </a:rPr>
               <a:t>we have to change how we develop tests   </a:t>
             </a:r>
@@ -7038,7 +6825,6 @@
                   <a:srgbClr val="A6A6A6"/>
                 </a:solidFill>
                 <a:latin typeface="Calibri Light" pitchFamily="34" charset="0"/>
-                <a:cs typeface="Calibri Light" pitchFamily="34" charset="0"/>
               </a:rPr>
               <a:t> </a:t>
             </a:r>
@@ -7057,7 +6843,6 @@
             <a:r>
               <a:rPr lang="en-US" sz="1600" b="1" smtClean="0">
                 <a:latin typeface="Calibri Light" pitchFamily="34" charset="0"/>
-                <a:cs typeface="Calibri Light" pitchFamily="34" charset="0"/>
               </a:rPr>
               <a:t>we have changed how we select &amp; control execution  </a:t>
             </a:r>
@@ -7066,7 +6851,6 @@
                 <a:srgbClr val="A6A6A6"/>
               </a:solidFill>
               <a:latin typeface="Calibri Light" pitchFamily="34" charset="0"/>
-              <a:cs typeface="Calibri Light" pitchFamily="34" charset="0"/>
             </a:endParaRPr>
           </a:p>
           <a:p>
@@ -7086,13 +6870,11 @@
                   <a:srgbClr val="A6A6A6"/>
                 </a:solidFill>
                 <a:latin typeface="Calibri Light" pitchFamily="34" charset="0"/>
-                <a:cs typeface="Calibri Light" pitchFamily="34" charset="0"/>
               </a:rPr>
               <a:t>   </a:t>
             </a:r>
             <a:endParaRPr lang="en-US" sz="700" b="1" smtClean="0">
               <a:latin typeface="Calibri Light" pitchFamily="34" charset="0"/>
-              <a:cs typeface="Calibri Light" pitchFamily="34" charset="0"/>
             </a:endParaRPr>
           </a:p>
           <a:p>
@@ -7109,7 +6891,6 @@
             <a:r>
               <a:rPr lang="en-US" sz="2000" b="1" smtClean="0">
                 <a:latin typeface="Calibri Light" pitchFamily="34" charset="0"/>
-                <a:cs typeface="Calibri Light" pitchFamily="34" charset="0"/>
               </a:rPr>
               <a:t>Massive reduction in the number of hours  Manual VS Automated</a:t>
             </a:r>
@@ -7127,7 +6908,6 @@
             </a:pPr>
             <a:endParaRPr lang="en-US" sz="1800" smtClean="0">
               <a:latin typeface="Calibri Light" pitchFamily="34" charset="0"/>
-              <a:cs typeface="Calibri Light" pitchFamily="34" charset="0"/>
             </a:endParaRPr>
           </a:p>
           <a:p>
@@ -7143,7 +6923,6 @@
             </a:pPr>
             <a:endParaRPr lang="en-US" sz="1800" smtClean="0">
               <a:latin typeface="Calibri Light" pitchFamily="34" charset="0"/>
-              <a:cs typeface="Calibri Light" pitchFamily="34" charset="0"/>
             </a:endParaRPr>
           </a:p>
           <a:p>
@@ -7154,7 +6933,6 @@
             </a:pPr>
             <a:endParaRPr lang="en-US" sz="2000" smtClean="0">
               <a:latin typeface="Calibri Light" pitchFamily="34" charset="0"/>
-              <a:cs typeface="Calibri Light" pitchFamily="34" charset="0"/>
             </a:endParaRPr>
           </a:p>
         </p:txBody>
@@ -7445,7 +7223,7 @@
           <p:nvPr/>
         </p:nvPicPr>
         <p:blipFill>
-          <a:blip r:embed="rId4"/>
+          <a:blip r:embed="rId3"/>
           <a:srcRect/>
           <a:stretch>
             <a:fillRect/>
@@ -7477,7 +7255,7 @@
           <p:nvPr/>
         </p:nvPicPr>
         <p:blipFill>
-          <a:blip r:embed="rId5"/>
+          <a:blip r:embed="rId4"/>
           <a:srcRect/>
           <a:stretch>
             <a:fillRect/>
@@ -7915,31 +7693,7 @@
               <a:rPr lang="en-US" sz="1800" b="1" dirty="0" smtClean="0">
                 <a:ea typeface="+mn-ea"/>
               </a:rPr>
-              <a:t>First access REST API and capture data.  Then access </a:t>
-            </a:r>
-            <a:r>
-              <a:rPr lang="en-US" sz="1800" b="1" dirty="0" smtClean="0">
-                <a:ea typeface="+mn-ea"/>
-              </a:rPr>
-              <a:t>Provider Directory </a:t>
-            </a:r>
-            <a:r>
-              <a:rPr lang="en-US" sz="1800" b="1" dirty="0" smtClean="0">
-                <a:ea typeface="+mn-ea"/>
-              </a:rPr>
-              <a:t>requesting same </a:t>
-            </a:r>
-            <a:r>
-              <a:rPr lang="en-US" sz="1800" b="1" dirty="0" smtClean="0">
-                <a:ea typeface="+mn-ea"/>
-              </a:rPr>
-              <a:t>information from the Web Interface,  </a:t>
-            </a:r>
-            <a:r>
-              <a:rPr lang="en-US" sz="1800" b="1" dirty="0" smtClean="0">
-                <a:ea typeface="+mn-ea"/>
-              </a:rPr>
-              <a:t>Compare results</a:t>
+              <a:t>First access REST API and capture data.  Then access Provider Directory requesting same information from the Web Interface,  Compare results</a:t>
             </a:r>
           </a:p>
           <a:p>
@@ -8002,13 +7756,7 @@
               <a:rPr lang="en-US" sz="1900" b="1" dirty="0" smtClean="0">
                 <a:ea typeface="+mn-ea"/>
               </a:rPr>
-              <a:t>No need for another product or </a:t>
-            </a:r>
-            <a:r>
-              <a:rPr lang="en-US" sz="1900" b="1" dirty="0" smtClean="0">
-                <a:ea typeface="+mn-ea"/>
-              </a:rPr>
-              <a:t>technology.  </a:t>
+              <a:t>No need for another product or technology.  </a:t>
             </a:r>
           </a:p>
           <a:p>
@@ -8042,13 +7790,7 @@
               <a:rPr lang="en-US" sz="1900" b="1" dirty="0" smtClean="0">
                 <a:ea typeface="+mn-ea"/>
               </a:rPr>
-              <a:t> http Library , JavaScript to automate all API calls</a:t>
-            </a:r>
-            <a:r>
-              <a:rPr lang="en-US" sz="1900" b="1" dirty="0" smtClean="0">
-                <a:ea typeface="+mn-ea"/>
-              </a:rPr>
-              <a:t>.</a:t>
+              <a:t> http Library , JavaScript to automate all API calls.</a:t>
             </a:r>
             <a:endParaRPr lang="en-US" sz="1900" b="1" dirty="0">
               <a:ea typeface="+mn-ea"/>
@@ -8181,9 +7923,8 @@
           <a:p>
             <a:pPr algn="ctr" eaLnBrk="1" hangingPunct="1"/>
             <a:r>
-              <a:rPr lang="en-US" sz="4500" dirty="0" smtClean="0">
+              <a:rPr lang="en-US" sz="4500" smtClean="0">
                 <a:latin typeface="Calibri Light" pitchFamily="34" charset="0"/>
-                <a:cs typeface="Calibri Light" pitchFamily="34" charset="0"/>
               </a:rPr>
               <a:t>ARCHITECTURAL TECH STACK</a:t>
             </a:r>
@@ -8192,7 +7933,7 @@
       </p:sp>
       <p:sp>
         <p:nvSpPr>
-          <p:cNvPr id="15363" name="Title 1"/>
+          <p:cNvPr id="15362" name="Title 1"/>
           <p:cNvSpPr txBox="1">
             <a:spLocks/>
           </p:cNvSpPr>
@@ -8238,8 +7979,8 @@
         </p:nvSpPr>
         <p:spPr>
           <a:xfrm>
-            <a:off x="273051" y="1338263"/>
-            <a:ext cx="4014646" cy="5377169"/>
+            <a:off x="273050" y="1338263"/>
+            <a:ext cx="4014788" cy="5376862"/>
           </a:xfrm>
           <a:prstGeom prst="rect">
             <a:avLst/>
@@ -8479,7 +8220,6 @@
               <a:rPr lang="en-US" sz="1800" dirty="0" smtClean="0"/>
               <a:t>           </a:t>
             </a:r>
-            <a:endParaRPr lang="en-US" sz="1800" dirty="0" smtClean="0"/>
           </a:p>
           <a:p>
             <a:pPr fontAlgn="auto">
@@ -8738,32 +8478,34 @@
       </p:sp>
       <p:pic>
         <p:nvPicPr>
-          <p:cNvPr id="2" name="Picture 1"/>
+          <p:cNvPr id="15364" name="Picture 1"/>
           <p:cNvPicPr>
             <a:picLocks noChangeAspect="1"/>
           </p:cNvPicPr>
           <p:nvPr/>
         </p:nvPicPr>
         <p:blipFill>
-          <a:blip r:embed="rId3">
-            <a:extLst>
-              <a:ext uri="{28A0092B-C50C-407E-A947-70E740481C1C}">
-                <a14:useLocalDpi xmlns:a14="http://schemas.microsoft.com/office/drawing/2010/main" val="0"/>
-              </a:ext>
-            </a:extLst>
-          </a:blip>
+          <a:blip r:embed="rId3"/>
+          <a:srcRect/>
           <a:stretch>
             <a:fillRect/>
           </a:stretch>
         </p:blipFill>
-        <p:spPr>
+        <p:spPr bwMode="auto">
           <a:xfrm>
-            <a:off x="4287696" y="2762862"/>
-            <a:ext cx="4856303" cy="3883743"/>
+            <a:off x="4287838" y="2762250"/>
+            <a:ext cx="4856162" cy="3884613"/>
           </a:xfrm>
           <a:prstGeom prst="rect">
             <a:avLst/>
           </a:prstGeom>
+          <a:noFill/>
+          <a:ln w="9525">
+            <a:noFill/>
+            <a:miter lim="800000"/>
+            <a:headEnd/>
+            <a:tailEnd/>
+          </a:ln>
         </p:spPr>
       </p:pic>
     </p:spTree>
@@ -9876,26 +9618,22 @@
             <a:r>
               <a:rPr lang="en-US" smtClean="0">
                 <a:latin typeface="Calibri Light" pitchFamily="34" charset="0"/>
-                <a:cs typeface="Calibri Light" pitchFamily="34" charset="0"/>
               </a:rPr>
               <a:t>TEST CASES NUMBERS</a:t>
             </a:r>
             <a:br>
               <a:rPr lang="en-US" smtClean="0">
                 <a:latin typeface="Calibri Light" pitchFamily="34" charset="0"/>
-                <a:cs typeface="Calibri Light" pitchFamily="34" charset="0"/>
               </a:rPr>
             </a:br>
             <a:r>
               <a:rPr lang="en-US" sz="4000" smtClean="0">
                 <a:latin typeface="Calibri Light" pitchFamily="34" charset="0"/>
-                <a:cs typeface="Calibri Light" pitchFamily="34" charset="0"/>
               </a:rPr>
               <a:t>Market Place</a:t>
             </a:r>
             <a:endParaRPr lang="en-US" smtClean="0">
               <a:latin typeface="Calibri Light" pitchFamily="34" charset="0"/>
-              <a:cs typeface="Calibri Light" pitchFamily="34" charset="0"/>
             </a:endParaRPr>
           </a:p>
         </p:txBody>
@@ -10467,7 +10205,7 @@
   <a:extraClrSchemeLst/>
   <a:extLst>
     <a:ext uri="{05A4C25C-085E-4340-85A3-A5531E510DB2}">
-      <thm15:themeFamily xmlns:thm15="http://schemas.microsoft.com/office/thememl/2012/main" name="Presentation2" id="{E033CE4F-DAC9-4DC1-B085-D07FC0345DDB}" vid="{0783260F-4856-4ED7-B8E5-5C83CC1572CF}"/>
+      <thm15:themeFamily xmlns="" xmlns:thm15="http://schemas.microsoft.com/office/thememl/2012/main" name="Presentation2" id="{E033CE4F-DAC9-4DC1-B085-D07FC0345DDB}" vid="{0783260F-4856-4ED7-B8E5-5C83CC1572CF}"/>
     </a:ext>
   </a:extLst>
 </a:theme>
@@ -10728,7 +10466,7 @@
   <a:extraClrSchemeLst/>
   <a:extLst>
     <a:ext uri="{05A4C25C-085E-4340-85A3-A5531E510DB2}">
-      <thm15:themeFamily xmlns:thm15="http://schemas.microsoft.com/office/thememl/2012/main" name="Office Theme" id="{62F939B6-93AF-4DB8-9C6B-D6C7DFDC589F}" vid="{4A3C46E8-61CC-4603-A589-7422A47A8E4A}"/>
+      <thm15:themeFamily xmlns="" xmlns:thm15="http://schemas.microsoft.com/office/thememl/2012/main" name="Office Theme" id="{62F939B6-93AF-4DB8-9C6B-D6C7DFDC589F}" vid="{4A3C46E8-61CC-4603-A589-7422A47A8E4A}"/>
     </a:ext>
   </a:extLst>
 </a:theme>

--- a/CurrentWork_Delta/CX_StrategyPowerPoint.pptx
+++ b/CurrentWork_Delta/CX_StrategyPowerPoint.pptx
@@ -5,7 +5,7 @@
     <p:sldMasterId id="2147483648" r:id="rId1"/>
   </p:sldMasterIdLst>
   <p:notesMasterIdLst>
-    <p:notesMasterId r:id="rId20"/>
+    <p:notesMasterId r:id="rId21"/>
   </p:notesMasterIdLst>
   <p:sldIdLst>
     <p:sldId id="256" r:id="rId2"/>
@@ -13,19 +13,20 @@
     <p:sldId id="262" r:id="rId4"/>
     <p:sldId id="263" r:id="rId5"/>
     <p:sldId id="283" r:id="rId6"/>
-    <p:sldId id="273" r:id="rId7"/>
-    <p:sldId id="287" r:id="rId8"/>
-    <p:sldId id="285" r:id="rId9"/>
-    <p:sldId id="280" r:id="rId10"/>
-    <p:sldId id="275" r:id="rId11"/>
-    <p:sldId id="281" r:id="rId12"/>
-    <p:sldId id="282" r:id="rId13"/>
-    <p:sldId id="279" r:id="rId14"/>
-    <p:sldId id="271" r:id="rId15"/>
-    <p:sldId id="286" r:id="rId16"/>
-    <p:sldId id="274" r:id="rId17"/>
-    <p:sldId id="288" r:id="rId18"/>
-    <p:sldId id="284" r:id="rId19"/>
+    <p:sldId id="289" r:id="rId7"/>
+    <p:sldId id="290" r:id="rId8"/>
+    <p:sldId id="287" r:id="rId9"/>
+    <p:sldId id="285" r:id="rId10"/>
+    <p:sldId id="280" r:id="rId11"/>
+    <p:sldId id="275" r:id="rId12"/>
+    <p:sldId id="281" r:id="rId13"/>
+    <p:sldId id="282" r:id="rId14"/>
+    <p:sldId id="279" r:id="rId15"/>
+    <p:sldId id="271" r:id="rId16"/>
+    <p:sldId id="286" r:id="rId17"/>
+    <p:sldId id="274" r:id="rId18"/>
+    <p:sldId id="288" r:id="rId19"/>
+    <p:sldId id="284" r:id="rId20"/>
   </p:sldIdLst>
   <p:sldSz cx="9144000" cy="6858000" type="screen4x3"/>
   <p:notesSz cx="7010400" cy="9296400"/>
@@ -154,6 +155,25 @@
       </a:defRPr>
     </a:lvl9pPr>
   </p:defaultTextStyle>
+  <p:extLst>
+    <p:ext uri="{EFAFB233-063F-42B5-8137-9DF3F51BA10A}">
+      <p15:sldGuideLst xmlns:p15="http://schemas.microsoft.com/office/powerpoint/2012/main">
+        <p15:guide id="1" orient="horz" pos="2625">
+          <p15:clr>
+            <a:srgbClr val="A4A3A4"/>
+          </p15:clr>
+        </p15:guide>
+        <p15:guide id="2" pos="2880">
+          <p15:clr>
+            <a:srgbClr val="A4A3A4"/>
+          </p15:clr>
+        </p15:guide>
+      </p15:sldGuideLst>
+    </p:ext>
+    <p:ext uri="{2D200454-40CA-4A62-9FC3-DE9A4176ACB9}">
+      <p15:notesGuideLst xmlns:p15="http://schemas.microsoft.com/office/powerpoint/2012/main"/>
+    </p:ext>
+  </p:extLst>
 </p:presentation>
 </file>
 
@@ -266,7 +286,7 @@
               <a:pPr>
                 <a:defRPr/>
               </a:pPr>
-              <a:t>4/19/2018</a:t>
+              <a:t>4/20/2018</a:t>
             </a:fld>
             <a:endParaRPr lang="en-US"/>
           </a:p>
@@ -460,6 +480,11 @@
         </p:txBody>
       </p:sp>
     </p:spTree>
+    <p:extLst>
+      <p:ext uri="{BB962C8B-B14F-4D97-AF65-F5344CB8AC3E}">
+        <p14:creationId xmlns:p14="http://schemas.microsoft.com/office/powerpoint/2010/main" val="678970598"/>
+      </p:ext>
+    </p:extLst>
   </p:cSld>
   <p:clrMap bg1="lt1" tx1="dk1" bg2="lt2" tx2="dk2" accent1="accent1" accent2="accent2" accent3="accent3" accent4="accent4" accent5="accent5" accent6="accent6" hlink="hlink" folHlink="folHlink"/>
   <p:notesStyle>
@@ -712,6 +737,11 @@
         </p:txBody>
       </p:sp>
     </p:spTree>
+    <p:extLst>
+      <p:ext uri="{BB962C8B-B14F-4D97-AF65-F5344CB8AC3E}">
+        <p14:creationId xmlns:p14="http://schemas.microsoft.com/office/powerpoint/2010/main" val="3120475581"/>
+      </p:ext>
+    </p:extLst>
   </p:cSld>
   <p:clrMapOvr>
     <a:masterClrMapping/>
@@ -844,6 +874,11 @@
         </p:txBody>
       </p:sp>
     </p:spTree>
+    <p:extLst>
+      <p:ext uri="{BB962C8B-B14F-4D97-AF65-F5344CB8AC3E}">
+        <p14:creationId xmlns:p14="http://schemas.microsoft.com/office/powerpoint/2010/main" val="1128729748"/>
+      </p:ext>
+    </p:extLst>
   </p:cSld>
   <p:clrMapOvr>
     <a:masterClrMapping/>
@@ -976,6 +1011,11 @@
         </p:txBody>
       </p:sp>
     </p:spTree>
+    <p:extLst>
+      <p:ext uri="{BB962C8B-B14F-4D97-AF65-F5344CB8AC3E}">
+        <p14:creationId xmlns:p14="http://schemas.microsoft.com/office/powerpoint/2010/main" val="3950300365"/>
+      </p:ext>
+    </p:extLst>
   </p:cSld>
   <p:clrMapOvr>
     <a:masterClrMapping/>
@@ -2472,6 +2512,375 @@
       </p:grpSpPr>
       <p:sp>
         <p:nvSpPr>
+          <p:cNvPr id="4" name="Title 1">
+            <a:hlinkClick r:id="rId2" action="ppaction://hlinksldjump"/>
+          </p:cNvPr>
+          <p:cNvSpPr txBox="1">
+            <a:spLocks/>
+          </p:cNvSpPr>
+          <p:nvPr/>
+        </p:nvSpPr>
+        <p:spPr>
+          <a:xfrm>
+            <a:off x="368300" y="47625"/>
+            <a:ext cx="312738" cy="287338"/>
+          </a:xfrm>
+          <a:prstGeom prst="rect">
+            <a:avLst/>
+          </a:prstGeom>
+        </p:spPr>
+        <p:txBody>
+          <a:bodyPr>
+            <a:normAutofit fontScale="55000" lnSpcReduction="20000"/>
+          </a:bodyPr>
+          <a:lstStyle>
+            <a:lvl1pPr algn="l" defTabSz="457200" rtl="0" eaLnBrk="1" latinLnBrk="0" hangingPunct="1">
+              <a:spcBef>
+                <a:spcPct val="0"/>
+              </a:spcBef>
+              <a:buNone/>
+              <a:defRPr sz="5000" b="0" i="0" kern="1200">
+                <a:solidFill>
+                  <a:srgbClr val="128BAD"/>
+                </a:solidFill>
+                <a:latin typeface="Calibri Light"/>
+                <a:ea typeface="+mj-ea"/>
+                <a:cs typeface="Calibri Light"/>
+              </a:defRPr>
+            </a:lvl1pPr>
+          </a:lstStyle>
+          <a:p>
+            <a:pPr fontAlgn="auto">
+              <a:spcAft>
+                <a:spcPts val="0"/>
+              </a:spcAft>
+              <a:defRPr/>
+            </a:pPr>
+            <a:endParaRPr lang="en-US" sz="2800" dirty="0">
+              <a:solidFill>
+                <a:schemeClr val="bg1">
+                  <a:lumMod val="95000"/>
+                </a:schemeClr>
+              </a:solidFill>
+            </a:endParaRPr>
+          </a:p>
+        </p:txBody>
+      </p:sp>
+      <p:sp>
+        <p:nvSpPr>
+          <p:cNvPr id="18434" name="Title 7"/>
+          <p:cNvSpPr>
+            <a:spLocks noGrp="1"/>
+          </p:cNvSpPr>
+          <p:nvPr>
+            <p:ph type="title"/>
+          </p:nvPr>
+        </p:nvSpPr>
+        <p:spPr>
+          <a:xfrm>
+            <a:off x="712788" y="109538"/>
+            <a:ext cx="6897687" cy="1528762"/>
+          </a:xfrm>
+        </p:spPr>
+        <p:txBody>
+          <a:bodyPr anchor="t"/>
+          <a:lstStyle/>
+          <a:p>
+            <a:pPr algn="ctr" eaLnBrk="1" hangingPunct="1"/>
+            <a:r>
+              <a:rPr lang="en-US" smtClean="0">
+                <a:latin typeface="Calibri Light" pitchFamily="34" charset="0"/>
+              </a:rPr>
+              <a:t>TEST CASES NUMBERS</a:t>
+            </a:r>
+            <a:br>
+              <a:rPr lang="en-US" smtClean="0">
+                <a:latin typeface="Calibri Light" pitchFamily="34" charset="0"/>
+              </a:rPr>
+            </a:br>
+            <a:r>
+              <a:rPr lang="en-US" sz="4000" smtClean="0">
+                <a:latin typeface="Calibri Light" pitchFamily="34" charset="0"/>
+              </a:rPr>
+              <a:t>Market Place</a:t>
+            </a:r>
+            <a:endParaRPr lang="en-US" smtClean="0">
+              <a:latin typeface="Calibri Light" pitchFamily="34" charset="0"/>
+            </a:endParaRPr>
+          </a:p>
+        </p:txBody>
+      </p:sp>
+      <p:sp>
+        <p:nvSpPr>
+          <p:cNvPr id="18435" name="TextBox 12"/>
+          <p:cNvSpPr txBox="1">
+            <a:spLocks noChangeArrowheads="1"/>
+          </p:cNvSpPr>
+          <p:nvPr/>
+        </p:nvSpPr>
+        <p:spPr bwMode="auto">
+          <a:xfrm>
+            <a:off x="274638" y="1582738"/>
+            <a:ext cx="8869362" cy="5140325"/>
+          </a:xfrm>
+          <a:prstGeom prst="rect">
+            <a:avLst/>
+          </a:prstGeom>
+          <a:noFill/>
+          <a:ln w="9525">
+            <a:noFill/>
+            <a:miter lim="800000"/>
+            <a:headEnd/>
+            <a:tailEnd/>
+          </a:ln>
+        </p:spPr>
+        <p:txBody>
+          <a:bodyPr>
+            <a:spAutoFit/>
+          </a:bodyPr>
+          <a:lstStyle/>
+          <a:p>
+            <a:pPr marL="342900" indent="-342900">
+              <a:buFont typeface="Arial" charset="0"/>
+              <a:buChar char="•"/>
+              <a:defRPr/>
+            </a:pPr>
+            <a:r>
+              <a:rPr lang="en-US" sz="2000" dirty="0">
+                <a:latin typeface="Calibri" pitchFamily="34" charset="0"/>
+              </a:rPr>
+              <a:t>Test case results are the result of functional test written                                                  for a product   X   data points tested against   X    States Tested in</a:t>
+            </a:r>
+          </a:p>
+          <a:p>
+            <a:pPr marL="342900" indent="-342900">
+              <a:defRPr/>
+            </a:pPr>
+            <a:endParaRPr lang="en-US" sz="2000" dirty="0">
+              <a:latin typeface="Calibri" pitchFamily="34" charset="0"/>
+            </a:endParaRPr>
+          </a:p>
+          <a:p>
+            <a:pPr marL="342900" indent="-342900">
+              <a:buFont typeface="Arial" charset="0"/>
+              <a:buChar char="•"/>
+              <a:defRPr/>
+            </a:pPr>
+            <a:r>
+              <a:rPr lang="en-US" sz="1400" b="1" dirty="0">
+                <a:latin typeface="Calibri" pitchFamily="34" charset="0"/>
+              </a:rPr>
+              <a:t>Phase 0</a:t>
+            </a:r>
+            <a:r>
+              <a:rPr lang="en-US" sz="1400" dirty="0">
+                <a:latin typeface="Calibri" pitchFamily="34" charset="0"/>
+              </a:rPr>
+              <a:t> contains 4 products w/ 393, 478, 387, 442 test cases per product, total 1700 functional tests written.                                                                              Factoring test data points and the states where the product is deployed the calculation                                                                                                                                  </a:t>
+            </a:r>
+            <a:r>
+              <a:rPr lang="en-US" sz="2000" dirty="0">
+                <a:latin typeface="Calibri" pitchFamily="34" charset="0"/>
+              </a:rPr>
+              <a:t>4 Products tested in 5 states totals </a:t>
+            </a:r>
+            <a:r>
+              <a:rPr lang="en-US" sz="2400" dirty="0">
+                <a:latin typeface="Calibri" pitchFamily="34" charset="0"/>
+              </a:rPr>
+              <a:t>10125 tests</a:t>
+            </a:r>
+            <a:endParaRPr lang="en-US" dirty="0">
+              <a:latin typeface="Calibri" pitchFamily="34" charset="0"/>
+            </a:endParaRPr>
+          </a:p>
+          <a:p>
+            <a:pPr>
+              <a:defRPr/>
+            </a:pPr>
+            <a:r>
+              <a:rPr lang="en-US" sz="1200" dirty="0">
+                <a:latin typeface="Calibri" pitchFamily="34" charset="0"/>
+              </a:rPr>
+              <a:t>   </a:t>
+            </a:r>
+          </a:p>
+          <a:p>
+            <a:pPr marL="342900" indent="-342900">
+              <a:buFont typeface="Arial" charset="0"/>
+              <a:buChar char="•"/>
+              <a:defRPr/>
+            </a:pPr>
+            <a:r>
+              <a:rPr lang="en-US" sz="1400" b="1" dirty="0">
+                <a:latin typeface="Calibri" pitchFamily="34" charset="0"/>
+              </a:rPr>
+              <a:t>Phase 1 </a:t>
+            </a:r>
+            <a:r>
+              <a:rPr lang="en-US" sz="1400" dirty="0">
+                <a:latin typeface="Calibri" pitchFamily="34" charset="0"/>
+              </a:rPr>
+              <a:t>contains 2 products with 387, 442 test cases per product, total 829 functional tests written.               Factoring test data points and the states where the product is deployed the calculation</a:t>
+            </a:r>
+            <a:r>
+              <a:rPr lang="en-US" dirty="0"/>
+              <a:t> </a:t>
+            </a:r>
+            <a:r>
+              <a:rPr lang="en-US" sz="1400" dirty="0">
+                <a:latin typeface="Calibri" pitchFamily="34" charset="0"/>
+              </a:rPr>
+              <a:t>                                                                                                                                       </a:t>
+            </a:r>
+            <a:r>
+              <a:rPr lang="en-US" sz="2000" dirty="0">
+                <a:latin typeface="Calibri" pitchFamily="34" charset="0"/>
+              </a:rPr>
+              <a:t>2 Products tested in 8 States totals </a:t>
+            </a:r>
+            <a:r>
+              <a:rPr lang="en-US" sz="2400" dirty="0">
+                <a:latin typeface="Calibri" pitchFamily="34" charset="0"/>
+              </a:rPr>
+              <a:t>4394 tests</a:t>
+            </a:r>
+          </a:p>
+          <a:p>
+            <a:pPr>
+              <a:defRPr/>
+            </a:pPr>
+            <a:r>
+              <a:rPr lang="en-US" sz="1200" dirty="0">
+                <a:latin typeface="Calibri" pitchFamily="34" charset="0"/>
+              </a:rPr>
+              <a:t>     </a:t>
+            </a:r>
+          </a:p>
+          <a:p>
+            <a:pPr marL="342900" indent="-342900">
+              <a:buFont typeface="Arial" charset="0"/>
+              <a:buChar char="•"/>
+              <a:defRPr/>
+            </a:pPr>
+            <a:r>
+              <a:rPr lang="en-US" sz="1400" b="1" dirty="0">
+                <a:latin typeface="Calibri" pitchFamily="34" charset="0"/>
+              </a:rPr>
+              <a:t>Phase 2 </a:t>
+            </a:r>
+            <a:r>
+              <a:rPr lang="en-US" sz="1400" dirty="0">
+                <a:latin typeface="Calibri" pitchFamily="34" charset="0"/>
+              </a:rPr>
+              <a:t>contains 1 products with 442 test cases per product, total 442 functional tests written.                      Factoring test data points and the states where the product is deployed the calculation</a:t>
+            </a:r>
+            <a:r>
+              <a:rPr lang="en-US" sz="1400" dirty="0"/>
+              <a:t>         </a:t>
+            </a:r>
+            <a:r>
+              <a:rPr lang="en-US" sz="1400" dirty="0" smtClean="0"/>
+              <a:t>                              </a:t>
+            </a:r>
+            <a:r>
+              <a:rPr lang="en-US" dirty="0" smtClean="0"/>
+              <a:t> </a:t>
+            </a:r>
+            <a:r>
+              <a:rPr lang="en-US" sz="2000" dirty="0">
+                <a:latin typeface="Calibri" pitchFamily="34" charset="0"/>
+              </a:rPr>
+              <a:t>1 Product tested in 7 States totals </a:t>
+            </a:r>
+            <a:r>
+              <a:rPr lang="en-US" sz="2400" dirty="0">
+                <a:latin typeface="Calibri" pitchFamily="34" charset="0"/>
+              </a:rPr>
+              <a:t>3234 tests</a:t>
+            </a:r>
+            <a:endParaRPr lang="en-US" sz="2000" dirty="0">
+              <a:latin typeface="Calibri" pitchFamily="34" charset="0"/>
+            </a:endParaRPr>
+          </a:p>
+          <a:p>
+            <a:pPr>
+              <a:defRPr/>
+            </a:pPr>
+            <a:r>
+              <a:rPr lang="en-US" sz="1200" dirty="0">
+                <a:latin typeface="Calibri" pitchFamily="34" charset="0"/>
+              </a:rPr>
+              <a:t>     </a:t>
+            </a:r>
+          </a:p>
+          <a:p>
+            <a:pPr marL="342900" indent="-342900">
+              <a:buFont typeface="Arial" charset="0"/>
+              <a:buChar char="•"/>
+              <a:defRPr/>
+            </a:pPr>
+            <a:r>
+              <a:rPr lang="en-US" sz="1400" b="1" dirty="0"/>
+              <a:t>Phase 3 </a:t>
+            </a:r>
+            <a:r>
+              <a:rPr lang="en-US" sz="1400" dirty="0"/>
+              <a:t>contains 1 products with 442 test cases per product, total 442 functional tests written.                      Factoring test data points and the states where the product is deployed the calculation</a:t>
+            </a:r>
+            <a:r>
+              <a:rPr lang="en-US" dirty="0"/>
+              <a:t>                        </a:t>
+            </a:r>
+            <a:r>
+              <a:rPr lang="en-US" sz="2000" dirty="0">
+                <a:latin typeface="Calibri" pitchFamily="34" charset="0"/>
+              </a:rPr>
+              <a:t>1 Product tested in 7 States totals </a:t>
+            </a:r>
+            <a:r>
+              <a:rPr lang="en-US" sz="2400" dirty="0">
+                <a:latin typeface="Calibri" pitchFamily="34" charset="0"/>
+              </a:rPr>
+              <a:t>3234 tests</a:t>
+            </a:r>
+          </a:p>
+        </p:txBody>
+      </p:sp>
+    </p:spTree>
+  </p:cSld>
+  <p:clrMapOvr>
+    <a:masterClrMapping/>
+  </p:clrMapOvr>
+  <p:timing>
+    <p:tnLst>
+      <p:par>
+        <p:cTn id="1" dur="indefinite" restart="never" nodeType="tmRoot"/>
+      </p:par>
+    </p:tnLst>
+  </p:timing>
+</p:sld>
+</file>
+
+<file path=ppt/slides/slide11.xml><?xml version="1.0" encoding="utf-8"?>
+<p:sld xmlns:a="http://schemas.openxmlformats.org/drawingml/2006/main" xmlns:r="http://schemas.openxmlformats.org/officeDocument/2006/relationships" xmlns:p="http://schemas.openxmlformats.org/presentationml/2006/main">
+  <p:cSld>
+    <p:spTree>
+      <p:nvGrpSpPr>
+        <p:cNvPr id="1" name=""/>
+        <p:cNvGrpSpPr/>
+        <p:nvPr/>
+      </p:nvGrpSpPr>
+      <p:grpSpPr>
+        <a:xfrm>
+          <a:off x="0" y="0"/>
+          <a:ext cx="0" cy="0"/>
+          <a:chOff x="0" y="0"/>
+          <a:chExt cx="0" cy="0"/>
+        </a:xfrm>
+      </p:grpSpPr>
+      <p:sp>
+        <p:nvSpPr>
           <p:cNvPr id="19457" name="Title 1"/>
           <p:cNvSpPr>
             <a:spLocks noGrp="1"/>
@@ -2704,7 +3113,7 @@
 </p:sld>
 </file>
 
-<file path=ppt/slides/slide11.xml><?xml version="1.0" encoding="utf-8"?>
+<file path=ppt/slides/slide12.xml><?xml version="1.0" encoding="utf-8"?>
 <p:sld xmlns:a="http://schemas.openxmlformats.org/drawingml/2006/main" xmlns:r="http://schemas.openxmlformats.org/officeDocument/2006/relationships" xmlns:p="http://schemas.openxmlformats.org/presentationml/2006/main">
   <p:cSld>
     <p:spTree>
@@ -2905,7 +3314,7 @@
 </p:sld>
 </file>
 
-<file path=ppt/slides/slide12.xml><?xml version="1.0" encoding="utf-8"?>
+<file path=ppt/slides/slide13.xml><?xml version="1.0" encoding="utf-8"?>
 <p:sld xmlns:a="http://schemas.openxmlformats.org/drawingml/2006/main" xmlns:r="http://schemas.openxmlformats.org/officeDocument/2006/relationships" xmlns:p="http://schemas.openxmlformats.org/presentationml/2006/main">
   <p:cSld>
     <p:spTree>
@@ -3203,7 +3612,7 @@
 </p:sld>
 </file>
 
-<file path=ppt/slides/slide13.xml><?xml version="1.0" encoding="utf-8"?>
+<file path=ppt/slides/slide14.xml><?xml version="1.0" encoding="utf-8"?>
 <p:sld xmlns:a="http://schemas.openxmlformats.org/drawingml/2006/main" xmlns:r="http://schemas.openxmlformats.org/officeDocument/2006/relationships" xmlns:p="http://schemas.openxmlformats.org/presentationml/2006/main">
   <p:cSld>
     <p:spTree>
@@ -3275,7 +3684,7 @@
               <a:buChar char="•"/>
             </a:pPr>
             <a:r>
-              <a:rPr lang="en-US" sz="2000" smtClean="0">
+              <a:rPr lang="en-US" sz="2000" dirty="0" smtClean="0">
                 <a:latin typeface="Calibri Light" pitchFamily="34" charset="0"/>
               </a:rPr>
               <a:t>Roll Out Framework to Development </a:t>
@@ -3287,7 +3696,7 @@
               <a:buNone/>
             </a:pPr>
             <a:r>
-              <a:rPr lang="en-US" sz="2000" smtClean="0">
+              <a:rPr lang="en-US" sz="2000" dirty="0" smtClean="0">
                 <a:latin typeface="Calibri Light" pitchFamily="34" charset="0"/>
               </a:rPr>
               <a:t>Refactor Object layer commonality.  </a:t>
@@ -3299,7 +3708,7 @@
               <a:buNone/>
             </a:pPr>
             <a:r>
-              <a:rPr lang="en-US" sz="2000" smtClean="0">
+              <a:rPr lang="en-US" sz="2000" dirty="0" smtClean="0">
                 <a:latin typeface="Calibri Light" pitchFamily="34" charset="0"/>
               </a:rPr>
               <a:t>Move commonality to the Base Layer. </a:t>
@@ -3311,12 +3720,12 @@
               <a:buChar char="•"/>
             </a:pPr>
             <a:r>
-              <a:rPr lang="en-US" sz="1600" smtClean="0">
+              <a:rPr lang="en-US" sz="1600" dirty="0" smtClean="0">
                 <a:latin typeface="Calibri Light" pitchFamily="34" charset="0"/>
               </a:rPr>
               <a:t>The smaller the object layer, the easier to add new capability ( new applications )</a:t>
             </a:r>
-            <a:endParaRPr lang="en-US" sz="1800" smtClean="0">
+            <a:endParaRPr lang="en-US" sz="1800" dirty="0" smtClean="0">
               <a:latin typeface="Calibri Light" pitchFamily="34" charset="0"/>
             </a:endParaRPr>
           </a:p>
@@ -3326,7 +3735,7 @@
               <a:buNone/>
             </a:pPr>
             <a:r>
-              <a:rPr lang="en-US" sz="2000" smtClean="0">
+              <a:rPr lang="en-US" sz="2000" dirty="0" smtClean="0">
                 <a:latin typeface="Calibri Light" pitchFamily="34" charset="0"/>
               </a:rPr>
               <a:t>Improve top of Object layer making more uniform</a:t>
@@ -3338,7 +3747,7 @@
               <a:buChar char="•"/>
             </a:pPr>
             <a:r>
-              <a:rPr lang="en-US" sz="1600" smtClean="0">
+              <a:rPr lang="en-US" sz="1600" dirty="0" smtClean="0">
                 <a:latin typeface="Calibri Light" pitchFamily="34" charset="0"/>
               </a:rPr>
               <a:t>The smoother the top of the object layer, the easier to write test cases</a:t>
@@ -3346,7 +3755,7 @@
           </a:p>
           <a:p>
             <a:pPr marL="919163" lvl="1" indent="-342900" eaLnBrk="1" hangingPunct="1"/>
-            <a:endParaRPr lang="en-US" sz="1800" smtClean="0">
+            <a:endParaRPr lang="en-US" sz="1800" dirty="0" smtClean="0">
               <a:latin typeface="Calibri Light" pitchFamily="34" charset="0"/>
             </a:endParaRPr>
           </a:p>
@@ -3356,7 +3765,7 @@
               <a:buNone/>
             </a:pPr>
             <a:r>
-              <a:rPr lang="en-US" sz="1800" smtClean="0">
+              <a:rPr lang="en-US" sz="1800" dirty="0" smtClean="0">
                 <a:latin typeface="Calibri Light" pitchFamily="34" charset="0"/>
               </a:rPr>
               <a:t>Decouple function calls in the upper layer from in the bottom layer and below </a:t>
@@ -3368,7 +3777,7 @@
               <a:buChar char="•"/>
             </a:pPr>
             <a:r>
-              <a:rPr lang="en-US" sz="1600" smtClean="0">
+              <a:rPr lang="en-US" sz="1600" dirty="0" smtClean="0">
                 <a:latin typeface="Calibri Light" pitchFamily="34" charset="0"/>
               </a:rPr>
               <a:t>Keep calls to Protractor in the mid Layer ( page Objects )</a:t>
@@ -3380,7 +3789,7 @@
               <a:buChar char="•"/>
             </a:pPr>
             <a:r>
-              <a:rPr lang="en-US" sz="1600" smtClean="0">
+              <a:rPr lang="en-US" sz="1600" dirty="0" smtClean="0">
                 <a:latin typeface="Calibri Light" pitchFamily="34" charset="0"/>
               </a:rPr>
               <a:t>Work in localized well isolated areas.  Keep the churn away from the dev engineers</a:t>
@@ -3389,7 +3798,7 @@
           <a:p>
             <a:pPr marL="342900" indent="-342900" eaLnBrk="1" hangingPunct="1"/>
             <a:r>
-              <a:rPr lang="en-US" sz="800" smtClean="0">
+              <a:rPr lang="en-US" sz="800" dirty="0" smtClean="0">
                 <a:latin typeface="Calibri Light" pitchFamily="34" charset="0"/>
               </a:rPr>
               <a:t>  </a:t>
@@ -3401,14 +3810,17 @@
               <a:buChar char="•"/>
             </a:pPr>
             <a:r>
-              <a:rPr lang="en-US" sz="2000" smtClean="0">
+              <a:rPr lang="en-US" sz="2000" dirty="0" smtClean="0">
                 <a:latin typeface="Calibri Light" pitchFamily="34" charset="0"/>
               </a:rPr>
               <a:t>Ability to spin up new application</a:t>
             </a:r>
           </a:p>
           <a:p>
-            <a:pPr marL="919163" lvl="1" indent="-342900" eaLnBrk="1" hangingPunct="1"/>
+            <a:pPr marL="919163" lvl="1" indent="-342900" eaLnBrk="1" hangingPunct="1">
+              <a:buFont typeface="Arial" panose="020B0604020202020204" pitchFamily="34" charset="0"/>
+              <a:buChar char="•"/>
+            </a:pPr>
             <a:r>
               <a:rPr lang="en-US" sz="1600" smtClean="0">
                 <a:latin typeface="Calibri Light" pitchFamily="34" charset="0"/>
@@ -3419,7 +3831,7 @@
           <a:p>
             <a:pPr marL="342900" indent="-342900" eaLnBrk="1" hangingPunct="1"/>
             <a:r>
-              <a:rPr lang="en-US" sz="800" smtClean="0">
+              <a:rPr lang="en-US" sz="800" dirty="0" smtClean="0">
                 <a:latin typeface="Calibri Light" pitchFamily="34" charset="0"/>
               </a:rPr>
               <a:t>          </a:t>
@@ -3431,16 +3843,25 @@
               <a:buChar char="•"/>
             </a:pPr>
             <a:r>
-              <a:rPr lang="en-US" sz="2000" smtClean="0">
-                <a:latin typeface="Calibri Light" pitchFamily="34" charset="0"/>
-              </a:rPr>
-              <a:t>Improved Reporting,  add a dashboard, provide stasistics</a:t>
-            </a:r>
+              <a:rPr lang="en-US" sz="2000" dirty="0" smtClean="0">
+                <a:latin typeface="Calibri Light" pitchFamily="34" charset="0"/>
+              </a:rPr>
+              <a:t>Improved Reporting,  add a dashboard, provide </a:t>
+            </a:r>
+            <a:r>
+              <a:rPr lang="en-US" sz="2000" dirty="0" err="1" smtClean="0">
+                <a:latin typeface="Calibri Light" pitchFamily="34" charset="0"/>
+              </a:rPr>
+              <a:t>stasistics</a:t>
+            </a:r>
+            <a:endParaRPr lang="en-US" sz="2000" dirty="0" smtClean="0">
+              <a:latin typeface="Calibri Light" pitchFamily="34" charset="0"/>
+            </a:endParaRPr>
           </a:p>
           <a:p>
             <a:pPr marL="342900" indent="-342900" eaLnBrk="1" hangingPunct="1"/>
             <a:r>
-              <a:rPr lang="en-US" sz="800" smtClean="0">
+              <a:rPr lang="en-US" sz="800" dirty="0" smtClean="0">
                 <a:latin typeface="Calibri Light" pitchFamily="34" charset="0"/>
               </a:rPr>
               <a:t>          </a:t>
@@ -3452,7 +3873,7 @@
               <a:buChar char="•"/>
             </a:pPr>
             <a:r>
-              <a:rPr lang="en-US" sz="2000" smtClean="0">
+              <a:rPr lang="en-US" sz="2000" dirty="0" smtClean="0">
                 <a:latin typeface="Calibri Light" pitchFamily="34" charset="0"/>
               </a:rPr>
               <a:t>Test Headless  : Trying to overcome CPU and Memory consumption</a:t>
@@ -3461,7 +3882,7 @@
           <a:p>
             <a:pPr marL="342900" indent="-342900" eaLnBrk="1" hangingPunct="1"/>
             <a:r>
-              <a:rPr lang="en-US" sz="800" smtClean="0">
+              <a:rPr lang="en-US" sz="800" dirty="0" smtClean="0">
                 <a:latin typeface="Calibri Light" pitchFamily="34" charset="0"/>
               </a:rPr>
               <a:t>    </a:t>
@@ -3473,7 +3894,7 @@
               <a:buChar char="•"/>
             </a:pPr>
             <a:r>
-              <a:rPr lang="en-US" sz="2000" smtClean="0">
+              <a:rPr lang="en-US" sz="2000" dirty="0" smtClean="0">
                 <a:latin typeface="Calibri Light" pitchFamily="34" charset="0"/>
               </a:rPr>
               <a:t>Mobile devices</a:t>
@@ -3481,7 +3902,7 @@
           </a:p>
           <a:p>
             <a:pPr marL="342900" indent="-342900" eaLnBrk="1" hangingPunct="1"/>
-            <a:endParaRPr lang="en-US" sz="2000" smtClean="0">
+            <a:endParaRPr lang="en-US" sz="2000" dirty="0" smtClean="0">
               <a:latin typeface="Calibri Light" pitchFamily="34" charset="0"/>
             </a:endParaRPr>
           </a:p>
@@ -3502,7 +3923,7 @@
 </p:sld>
 </file>
 
-<file path=ppt/slides/slide14.xml><?xml version="1.0" encoding="utf-8"?>
+<file path=ppt/slides/slide15.xml><?xml version="1.0" encoding="utf-8"?>
 <p:sld xmlns:a="http://schemas.openxmlformats.org/drawingml/2006/main" xmlns:r="http://schemas.openxmlformats.org/officeDocument/2006/relationships" xmlns:p="http://schemas.openxmlformats.org/presentationml/2006/main">
   <p:cSld>
     <p:spTree>
@@ -4099,7 +4520,7 @@
 </p:sld>
 </file>
 
-<file path=ppt/slides/slide15.xml><?xml version="1.0" encoding="utf-8"?>
+<file path=ppt/slides/slide16.xml><?xml version="1.0" encoding="utf-8"?>
 <p:sld xmlns:a="http://schemas.openxmlformats.org/drawingml/2006/main" xmlns:r="http://schemas.openxmlformats.org/officeDocument/2006/relationships" xmlns:p="http://schemas.openxmlformats.org/presentationml/2006/main">
   <p:cSld>
     <p:spTree>
@@ -4174,7 +4595,7 @@
               <a:buChar char="•"/>
             </a:pPr>
             <a:r>
-              <a:rPr lang="en-US" sz="2000" b="1" smtClean="0">
+              <a:rPr lang="en-US" sz="2000" b="1" dirty="0" smtClean="0">
                 <a:latin typeface="Calibri Light" pitchFamily="34" charset="0"/>
               </a:rPr>
               <a:t>Shopping &amp; Buying Development Engineers</a:t>
@@ -4188,9 +4609,11 @@
               <a:spcBef>
                 <a:spcPct val="0"/>
               </a:spcBef>
-            </a:pPr>
-            <a:r>
-              <a:rPr lang="en-US" sz="1400" smtClean="0">
+              <a:buFont typeface="Arial" panose="020B0604020202020204" pitchFamily="34" charset="0"/>
+              <a:buChar char="•"/>
+            </a:pPr>
+            <a:r>
+              <a:rPr lang="en-US" sz="1400" dirty="0" smtClean="0">
                 <a:latin typeface="Calibri Light" pitchFamily="34" charset="0"/>
               </a:rPr>
               <a:t>Responsible for all new  Page Level Functional Integration Tests</a:t>
@@ -4204,14 +4627,28 @@
               <a:spcBef>
                 <a:spcPct val="0"/>
               </a:spcBef>
-            </a:pPr>
-            <a:r>
-              <a:rPr lang="en-US" sz="1400" smtClean="0">
-                <a:latin typeface="Calibri Light" pitchFamily="34" charset="0"/>
-              </a:rPr>
-              <a:t>Responsible for correcting all test failures in  ../fitmp  directory, keeping it completely operational</a:t>
-            </a:r>
-            <a:endParaRPr lang="en-US" sz="1400" b="1" smtClean="0">
+              <a:buFont typeface="Arial" panose="020B0604020202020204" pitchFamily="34" charset="0"/>
+              <a:buChar char="•"/>
+            </a:pPr>
+            <a:r>
+              <a:rPr lang="en-US" sz="1400" dirty="0" smtClean="0">
+                <a:latin typeface="Calibri Light" pitchFamily="34" charset="0"/>
+              </a:rPr>
+              <a:t>Responsible for correcting all test failures in  ../</a:t>
+            </a:r>
+            <a:r>
+              <a:rPr lang="en-US" sz="1400" dirty="0" err="1" smtClean="0">
+                <a:latin typeface="Calibri Light" pitchFamily="34" charset="0"/>
+              </a:rPr>
+              <a:t>fitmp</a:t>
+            </a:r>
+            <a:r>
+              <a:rPr lang="en-US" sz="1400" dirty="0" smtClean="0">
+                <a:latin typeface="Calibri Light" pitchFamily="34" charset="0"/>
+              </a:rPr>
+              <a:t>  directory, keeping it completely operational</a:t>
+            </a:r>
+            <a:endParaRPr lang="en-US" sz="1400" b="1" dirty="0" smtClean="0">
               <a:latin typeface="Calibri Light" pitchFamily="34" charset="0"/>
             </a:endParaRPr>
           </a:p>
@@ -4224,7 +4661,7 @@
               <a:buChar char="•"/>
             </a:pPr>
             <a:r>
-              <a:rPr lang="en-US" sz="2000" b="1" smtClean="0">
+              <a:rPr lang="en-US" sz="2000" b="1" dirty="0" smtClean="0">
                 <a:latin typeface="Calibri Light" pitchFamily="34" charset="0"/>
               </a:rPr>
               <a:t>Provider Directory Development Engineers </a:t>
@@ -4238,9 +4675,11 @@
               <a:spcBef>
                 <a:spcPct val="0"/>
               </a:spcBef>
-            </a:pPr>
-            <a:r>
-              <a:rPr lang="en-US" sz="1400" smtClean="0">
+              <a:buFont typeface="Arial" panose="020B0604020202020204" pitchFamily="34" charset="0"/>
+              <a:buChar char="•"/>
+            </a:pPr>
+            <a:r>
+              <a:rPr lang="en-US" sz="1400" dirty="0" smtClean="0">
                 <a:latin typeface="Calibri Light" pitchFamily="34" charset="0"/>
               </a:rPr>
               <a:t>Responsible for all new Template level Functional Integration Tests</a:t>
@@ -4254,12 +4693,26 @@
               <a:spcBef>
                 <a:spcPct val="0"/>
               </a:spcBef>
-            </a:pPr>
-            <a:r>
-              <a:rPr lang="en-US" sz="1400" smtClean="0">
-                <a:latin typeface="Calibri Light" pitchFamily="34" charset="0"/>
-              </a:rPr>
-              <a:t>Responsible for correcting all test failures in the  ../fitpd  directory, keeping all test operational</a:t>
+              <a:buFont typeface="Arial" panose="020B0604020202020204" pitchFamily="34" charset="0"/>
+              <a:buChar char="•"/>
+            </a:pPr>
+            <a:r>
+              <a:rPr lang="en-US" sz="1400" dirty="0" smtClean="0">
+                <a:latin typeface="Calibri Light" pitchFamily="34" charset="0"/>
+              </a:rPr>
+              <a:t>Responsible for correcting all test failures in the  ../</a:t>
+            </a:r>
+            <a:r>
+              <a:rPr lang="en-US" sz="1400" dirty="0" err="1" smtClean="0">
+                <a:latin typeface="Calibri Light" pitchFamily="34" charset="0"/>
+              </a:rPr>
+              <a:t>fitpd</a:t>
+            </a:r>
+            <a:r>
+              <a:rPr lang="en-US" sz="1400" dirty="0" smtClean="0">
+                <a:latin typeface="Calibri Light" pitchFamily="34" charset="0"/>
+              </a:rPr>
+              <a:t>  directory, keeping all test operational</a:t>
             </a:r>
           </a:p>
           <a:p>
@@ -4271,7 +4724,7 @@
               <a:buChar char="•"/>
             </a:pPr>
             <a:r>
-              <a:rPr lang="en-US" sz="2000" b="1" smtClean="0">
+              <a:rPr lang="en-US" sz="2000" b="1" dirty="0" smtClean="0">
                 <a:latin typeface="Calibri Light" pitchFamily="34" charset="0"/>
               </a:rPr>
               <a:t> Core Technology API Team engineers</a:t>
@@ -4285,9 +4738,11 @@
               <a:spcBef>
                 <a:spcPct val="0"/>
               </a:spcBef>
-            </a:pPr>
-            <a:r>
-              <a:rPr lang="en-US" sz="1400" smtClean="0">
+              <a:buFont typeface="Arial" panose="020B0604020202020204" pitchFamily="34" charset="0"/>
+              <a:buChar char="•"/>
+            </a:pPr>
+            <a:r>
+              <a:rPr lang="en-US" sz="1400" dirty="0" smtClean="0">
                 <a:latin typeface="Calibri Light" pitchFamily="34" charset="0"/>
               </a:rPr>
               <a:t>Responsible for adding new tests to the REST API regression suite </a:t>
@@ -4301,12 +4756,26 @@
               <a:spcBef>
                 <a:spcPct val="0"/>
               </a:spcBef>
-            </a:pPr>
-            <a:r>
-              <a:rPr lang="en-US" sz="1400" smtClean="0">
-                <a:latin typeface="Calibri Light" pitchFamily="34" charset="0"/>
-              </a:rPr>
-              <a:t>Responsible for correcting all test failures in the ../fitapi directory, keeping all test operational</a:t>
+              <a:buFont typeface="Arial" panose="020B0604020202020204" pitchFamily="34" charset="0"/>
+              <a:buChar char="•"/>
+            </a:pPr>
+            <a:r>
+              <a:rPr lang="en-US" sz="1400" dirty="0" smtClean="0">
+                <a:latin typeface="Calibri Light" pitchFamily="34" charset="0"/>
+              </a:rPr>
+              <a:t>Responsible for correcting all test failures in the ../</a:t>
+            </a:r>
+            <a:r>
+              <a:rPr lang="en-US" sz="1400" dirty="0" err="1" smtClean="0">
+                <a:latin typeface="Calibri Light" pitchFamily="34" charset="0"/>
+              </a:rPr>
+              <a:t>fitapi</a:t>
+            </a:r>
+            <a:r>
+              <a:rPr lang="en-US" sz="1400" dirty="0" smtClean="0">
+                <a:latin typeface="Calibri Light" pitchFamily="34" charset="0"/>
+              </a:rPr>
+              <a:t> directory, keeping all test operational</a:t>
             </a:r>
           </a:p>
           <a:p>
@@ -4318,7 +4787,7 @@
               <a:buChar char="•"/>
             </a:pPr>
             <a:r>
-              <a:rPr lang="en-US" sz="500" b="1" smtClean="0">
+              <a:rPr lang="en-US" sz="500" b="1" dirty="0" smtClean="0">
                 <a:latin typeface="Calibri Light" pitchFamily="34" charset="0"/>
               </a:rPr>
               <a:t>             </a:t>
@@ -4333,7 +4802,7 @@
               <a:buChar char="•"/>
             </a:pPr>
             <a:r>
-              <a:rPr lang="en-US" sz="2000" b="1" smtClean="0">
+              <a:rPr lang="en-US" sz="2000" b="1" dirty="0" smtClean="0">
                 <a:latin typeface="Calibri Light" pitchFamily="34" charset="0"/>
               </a:rPr>
               <a:t>NGTA Team engineers</a:t>
@@ -4351,7 +4820,7 @@
               <a:buChar char="•"/>
             </a:pPr>
             <a:r>
-              <a:rPr lang="en-US" sz="1400" smtClean="0">
+              <a:rPr lang="en-US" sz="1400" dirty="0" smtClean="0">
                 <a:latin typeface="Calibri Light" pitchFamily="34" charset="0"/>
               </a:rPr>
               <a:t>Oversee and manage all Framework development. </a:t>
@@ -4369,7 +4838,7 @@
               <a:buChar char="•"/>
             </a:pPr>
             <a:r>
-              <a:rPr lang="en-US" sz="1400" smtClean="0">
+              <a:rPr lang="en-US" sz="1400" dirty="0" smtClean="0">
                 <a:latin typeface="Calibri Light" pitchFamily="34" charset="0"/>
               </a:rPr>
               <a:t>Continual frame work improvement, evaluating all need for new coverage</a:t>
@@ -4387,7 +4856,7 @@
               <a:buChar char="•"/>
             </a:pPr>
             <a:r>
-              <a:rPr lang="en-US" sz="1400" smtClean="0">
+              <a:rPr lang="en-US" sz="1400" dirty="0" smtClean="0">
                 <a:latin typeface="Calibri Light" pitchFamily="34" charset="0"/>
               </a:rPr>
               <a:t>Continually analyze mid layer code</a:t>
@@ -4405,7 +4874,7 @@
               <a:buChar char="•"/>
             </a:pPr>
             <a:r>
-              <a:rPr lang="en-US" sz="1400" smtClean="0">
+              <a:rPr lang="en-US" sz="1400" dirty="0" smtClean="0">
                 <a:latin typeface="Calibri Light" pitchFamily="34" charset="0"/>
               </a:rPr>
               <a:t>Refactor content from mid layer to the lower common layer</a:t>
@@ -4423,7 +4892,7 @@
               <a:buChar char="•"/>
             </a:pPr>
             <a:r>
-              <a:rPr lang="en-US" sz="1400" smtClean="0">
+              <a:rPr lang="en-US" sz="1400" dirty="0" smtClean="0">
                 <a:latin typeface="Calibri Light" pitchFamily="34" charset="0"/>
               </a:rPr>
               <a:t>Develop all End to End test automation scripts based on business use cases</a:t>
@@ -4487,7 +4956,7 @@
 </p:sld>
 </file>
 
-<file path=ppt/slides/slide16.xml><?xml version="1.0" encoding="utf-8"?>
+<file path=ppt/slides/slide17.xml><?xml version="1.0" encoding="utf-8"?>
 <p:sld xmlns:a="http://schemas.openxmlformats.org/drawingml/2006/main" xmlns:r="http://schemas.openxmlformats.org/officeDocument/2006/relationships" xmlns:p="http://schemas.openxmlformats.org/presentationml/2006/main">
   <p:cSld>
     <p:spTree>
@@ -4887,7 +5356,7 @@
 </p:sld>
 </file>
 
-<file path=ppt/slides/slide17.xml><?xml version="1.0" encoding="utf-8"?>
+<file path=ppt/slides/slide18.xml><?xml version="1.0" encoding="utf-8"?>
 <p:sld xmlns:a="http://schemas.openxmlformats.org/drawingml/2006/main" xmlns:r="http://schemas.openxmlformats.org/officeDocument/2006/relationships" xmlns:p="http://schemas.openxmlformats.org/presentationml/2006/main">
   <p:cSld>
     <p:spTree>
@@ -5051,7 +5520,7 @@
 </p:sld>
 </file>
 
-<file path=ppt/slides/slide18.xml><?xml version="1.0" encoding="utf-8"?>
+<file path=ppt/slides/slide19.xml><?xml version="1.0" encoding="utf-8"?>
 <p:sld xmlns:a="http://schemas.openxmlformats.org/drawingml/2006/main" xmlns:r="http://schemas.openxmlformats.org/officeDocument/2006/relationships" xmlns:p="http://schemas.openxmlformats.org/presentationml/2006/main">
   <p:cSld>
     <p:spTree>
@@ -7778,19 +8247,7 @@
               <a:rPr lang="en-US" sz="1900" b="1" dirty="0" smtClean="0">
                 <a:ea typeface="+mn-ea"/>
               </a:rPr>
-              <a:t>We use the same Node.js , </a:t>
-            </a:r>
-            <a:r>
-              <a:rPr lang="en-US" sz="1900" b="1" dirty="0" err="1" smtClean="0">
-                <a:ea typeface="+mn-ea"/>
-              </a:rPr>
-              <a:t>Frisby</a:t>
-            </a:r>
-            <a:r>
-              <a:rPr lang="en-US" sz="1900" b="1" dirty="0" smtClean="0">
-                <a:ea typeface="+mn-ea"/>
-              </a:rPr>
-              <a:t> http Library , JavaScript to automate all API calls.</a:t>
+              <a:t>We use the same Node.js , Frisby http Library , JavaScript to automate all API calls.</a:t>
             </a:r>
             <a:endParaRPr lang="en-US" sz="1900" b="1" dirty="0">
               <a:ea typeface="+mn-ea"/>
@@ -7913,21 +8370,40 @@
         </p:nvSpPr>
         <p:spPr>
           <a:xfrm>
-            <a:off x="498475" y="115888"/>
-            <a:ext cx="8540750" cy="957262"/>
+            <a:off x="498475" y="115887"/>
+            <a:ext cx="8540750" cy="1233795"/>
           </a:xfrm>
         </p:spPr>
         <p:txBody>
           <a:bodyPr anchor="t"/>
           <a:lstStyle/>
           <a:p>
-            <a:pPr algn="ctr" eaLnBrk="1" hangingPunct="1"/>
-            <a:r>
-              <a:rPr lang="en-US" sz="4500" smtClean="0">
-                <a:latin typeface="Calibri Light" pitchFamily="34" charset="0"/>
-              </a:rPr>
-              <a:t>ARCHITECTURAL TECH STACK</a:t>
-            </a:r>
+            <a:pPr algn="ctr" eaLnBrk="1" hangingPunct="1">
+              <a:lnSpc>
+                <a:spcPct val="95000"/>
+              </a:lnSpc>
+            </a:pPr>
+            <a:r>
+              <a:rPr lang="en-US" sz="4500" dirty="0" smtClean="0">
+                <a:latin typeface="Calibri Light" pitchFamily="34" charset="0"/>
+              </a:rPr>
+              <a:t>ARCHITECTURAL TECH </a:t>
+            </a:r>
+            <a:r>
+              <a:rPr lang="en-US" sz="4500" dirty="0" smtClean="0">
+                <a:latin typeface="Calibri Light" pitchFamily="34" charset="0"/>
+              </a:rPr>
+              <a:t>STACK        </a:t>
+            </a:r>
+            <a:r>
+              <a:rPr lang="en-US" sz="4000" dirty="0" smtClean="0">
+                <a:latin typeface="Calibri Light" pitchFamily="34" charset="0"/>
+              </a:rPr>
+              <a:t>REST API</a:t>
+            </a:r>
+            <a:endParaRPr lang="en-US" sz="4000" dirty="0" smtClean="0">
+              <a:latin typeface="Calibri Light" pitchFamily="34" charset="0"/>
+            </a:endParaRPr>
           </a:p>
         </p:txBody>
       </p:sp>
@@ -7941,7 +8417,7 @@
         </p:nvSpPr>
         <p:spPr bwMode="auto">
           <a:xfrm>
-            <a:off x="273050" y="944563"/>
+            <a:off x="273050" y="1349682"/>
             <a:ext cx="8855075" cy="608012"/>
           </a:xfrm>
           <a:prstGeom prst="rect">
@@ -7961,11 +8437,14 @@
           <a:p>
             <a:pPr algn="ctr"/>
             <a:r>
-              <a:rPr lang="en-US" sz="3100" b="1">
-                <a:latin typeface="Calibri Light" pitchFamily="34" charset="0"/>
-              </a:rPr>
-              <a:t>Git Repo     Node.js     Protractor     JavaScript   Jenkins</a:t>
-            </a:r>
+              <a:rPr lang="en-US" sz="3100" b="1" dirty="0" smtClean="0">
+                <a:latin typeface="Calibri Light" pitchFamily="34" charset="0"/>
+              </a:rPr>
+              <a:t>     Node.js         Frisby       JavaScript  </a:t>
+            </a:r>
+            <a:endParaRPr lang="en-US" sz="3100" b="1" dirty="0">
+              <a:latin typeface="Calibri Light" pitchFamily="34" charset="0"/>
+            </a:endParaRPr>
           </a:p>
         </p:txBody>
       </p:sp>
@@ -7979,8 +8458,8 @@
         </p:nvSpPr>
         <p:spPr>
           <a:xfrm>
-            <a:off x="273050" y="1338263"/>
-            <a:ext cx="4014788" cy="5376862"/>
+            <a:off x="273050" y="1720228"/>
+            <a:ext cx="4014788" cy="5137772"/>
           </a:xfrm>
           <a:prstGeom prst="rect">
             <a:avLst/>
@@ -8175,6 +8654,604 @@
               <a:defRPr/>
             </a:pPr>
             <a:r>
+              <a:rPr lang="en-US" sz="2000" dirty="0" smtClean="0"/>
+              <a:t>Persisted data is decoupled </a:t>
+            </a:r>
+          </a:p>
+          <a:p>
+            <a:pPr fontAlgn="auto">
+              <a:spcAft>
+                <a:spcPts val="0"/>
+              </a:spcAft>
+              <a:defRPr/>
+            </a:pPr>
+            <a:r>
+              <a:rPr lang="en-US" sz="600" dirty="0"/>
+              <a:t> </a:t>
+            </a:r>
+            <a:r>
+              <a:rPr lang="en-US" sz="600" dirty="0" smtClean="0"/>
+              <a:t>     </a:t>
+            </a:r>
+            <a:endParaRPr lang="en-US" sz="600" dirty="0" smtClean="0"/>
+          </a:p>
+          <a:p>
+            <a:pPr fontAlgn="auto">
+              <a:spcAft>
+                <a:spcPts val="0"/>
+              </a:spcAft>
+              <a:defRPr/>
+            </a:pPr>
+            <a:r>
+              <a:rPr lang="en-US" sz="500" dirty="0" smtClean="0"/>
+              <a:t>      </a:t>
+            </a:r>
+            <a:r>
+              <a:rPr lang="en-US" sz="600" dirty="0" smtClean="0"/>
+              <a:t>           </a:t>
+            </a:r>
+            <a:endParaRPr lang="en-US" sz="600" dirty="0" smtClean="0"/>
+          </a:p>
+          <a:p>
+            <a:pPr fontAlgn="auto">
+              <a:lnSpc>
+                <a:spcPct val="105000"/>
+              </a:lnSpc>
+              <a:spcBef>
+                <a:spcPts val="0"/>
+              </a:spcBef>
+              <a:spcAft>
+                <a:spcPts val="0"/>
+              </a:spcAft>
+              <a:buFont typeface="Arial" panose="020B0604020202020204" pitchFamily="34" charset="0"/>
+              <a:buChar char="•"/>
+              <a:defRPr/>
+            </a:pPr>
+            <a:r>
+              <a:rPr lang="en-US" sz="1800" b="1" dirty="0" smtClean="0"/>
+              <a:t>REST API:</a:t>
+            </a:r>
+            <a:r>
+              <a:rPr lang="en-US" sz="1800" dirty="0"/>
+              <a:t> The philosophical basis of </a:t>
+            </a:r>
+            <a:r>
+              <a:rPr lang="en-US" sz="1800" b="1" u="sng" dirty="0" smtClean="0"/>
+              <a:t>A</a:t>
+            </a:r>
+            <a:r>
+              <a:rPr lang="en-US" sz="1800" dirty="0" smtClean="0"/>
+              <a:t>pplication </a:t>
+            </a:r>
+            <a:r>
+              <a:rPr lang="en-US" sz="1800" b="1" u="sng" dirty="0"/>
+              <a:t>P</a:t>
+            </a:r>
+            <a:r>
+              <a:rPr lang="en-US" sz="1800" dirty="0" smtClean="0"/>
+              <a:t>rogramming </a:t>
+            </a:r>
+            <a:r>
+              <a:rPr lang="en-US" sz="1800" b="1" u="sng" dirty="0"/>
+              <a:t>I</a:t>
+            </a:r>
+            <a:r>
+              <a:rPr lang="en-US" sz="1800" dirty="0"/>
+              <a:t>nterfaces is to decouple the consumer from the internal workings of the publisher</a:t>
+            </a:r>
+            <a:r>
+              <a:rPr lang="en-US" sz="900" dirty="0" smtClean="0"/>
+              <a:t>  </a:t>
+            </a:r>
+            <a:endParaRPr lang="en-US" sz="900" dirty="0" smtClean="0"/>
+          </a:p>
+          <a:p>
+            <a:pPr indent="-234950" fontAlgn="auto">
+              <a:lnSpc>
+                <a:spcPct val="100000"/>
+              </a:lnSpc>
+              <a:spcBef>
+                <a:spcPts val="0"/>
+              </a:spcBef>
+              <a:spcAft>
+                <a:spcPts val="0"/>
+              </a:spcAft>
+              <a:defRPr/>
+            </a:pPr>
+            <a:r>
+              <a:rPr lang="en-US" sz="600" dirty="0" smtClean="0"/>
+              <a:t>   </a:t>
+            </a:r>
+            <a:endParaRPr lang="en-US" sz="600" dirty="0" smtClean="0"/>
+          </a:p>
+          <a:p>
+            <a:pPr fontAlgn="auto">
+              <a:lnSpc>
+                <a:spcPct val="105000"/>
+              </a:lnSpc>
+              <a:spcBef>
+                <a:spcPts val="0"/>
+              </a:spcBef>
+              <a:spcAft>
+                <a:spcPts val="0"/>
+              </a:spcAft>
+              <a:buFont typeface="Arial" panose="020B0604020202020204" pitchFamily="34" charset="0"/>
+              <a:buChar char="•"/>
+              <a:defRPr/>
+            </a:pPr>
+            <a:r>
+              <a:rPr lang="en-US" sz="1800" b="1" dirty="0" smtClean="0"/>
+              <a:t>ACCESS:  </a:t>
+            </a:r>
+            <a:r>
+              <a:rPr lang="en-US" sz="1800" dirty="0" smtClean="0"/>
+              <a:t>Engineering will only guarantee to honor an agreed upon Contract where actions will be performed upon receipt of valid data.</a:t>
+            </a:r>
+          </a:p>
+          <a:p>
+            <a:pPr fontAlgn="auto">
+              <a:lnSpc>
+                <a:spcPct val="100000"/>
+              </a:lnSpc>
+              <a:spcBef>
+                <a:spcPts val="0"/>
+              </a:spcBef>
+              <a:spcAft>
+                <a:spcPts val="0"/>
+              </a:spcAft>
+              <a:buFont typeface="Arial" panose="020B0604020202020204" pitchFamily="34" charset="0"/>
+              <a:buChar char="•"/>
+              <a:defRPr/>
+            </a:pPr>
+            <a:endParaRPr lang="en-US" sz="500" b="1" dirty="0" smtClean="0"/>
+          </a:p>
+          <a:p>
+            <a:pPr fontAlgn="auto">
+              <a:lnSpc>
+                <a:spcPct val="105000"/>
+              </a:lnSpc>
+              <a:spcBef>
+                <a:spcPts val="0"/>
+              </a:spcBef>
+              <a:spcAft>
+                <a:spcPts val="0"/>
+              </a:spcAft>
+              <a:buFont typeface="Arial" panose="020B0604020202020204" pitchFamily="34" charset="0"/>
+              <a:buChar char="•"/>
+              <a:defRPr/>
+            </a:pPr>
+            <a:r>
+              <a:rPr lang="en-US" sz="1800" b="1" dirty="0" smtClean="0"/>
+              <a:t>VALIDATION: </a:t>
+            </a:r>
+            <a:r>
+              <a:rPr lang="en-US" sz="1800" dirty="0" smtClean="0"/>
+              <a:t> APIs that effect a change to the persisted data will be published with an API call that can return the new state that was changed. </a:t>
+            </a:r>
+            <a:endParaRPr lang="en-US" sz="1800" b="1" dirty="0"/>
+          </a:p>
+          <a:p>
+            <a:pPr fontAlgn="auto">
+              <a:lnSpc>
+                <a:spcPct val="100000"/>
+              </a:lnSpc>
+              <a:spcBef>
+                <a:spcPts val="0"/>
+              </a:spcBef>
+              <a:spcAft>
+                <a:spcPts val="0"/>
+              </a:spcAft>
+              <a:defRPr/>
+            </a:pPr>
+            <a:r>
+              <a:rPr lang="en-US" sz="800" b="1" dirty="0" smtClean="0"/>
+              <a:t>       </a:t>
+            </a:r>
+          </a:p>
+          <a:p>
+            <a:pPr fontAlgn="auto">
+              <a:lnSpc>
+                <a:spcPct val="100000"/>
+              </a:lnSpc>
+              <a:spcBef>
+                <a:spcPts val="0"/>
+              </a:spcBef>
+              <a:spcAft>
+                <a:spcPts val="0"/>
+              </a:spcAft>
+              <a:defRPr/>
+            </a:pPr>
+            <a:r>
+              <a:rPr lang="en-US" sz="1400" dirty="0" smtClean="0"/>
+              <a:t>This is the only acceptable method to validate APIs that change internal state and return status.  Any more access would break the </a:t>
+            </a:r>
+            <a:r>
+              <a:rPr lang="en-US" sz="1400" dirty="0"/>
+              <a:t>P</a:t>
+            </a:r>
+            <a:r>
+              <a:rPr lang="en-US" sz="1400" dirty="0" smtClean="0"/>
+              <a:t>hilosophical Contract</a:t>
+            </a:r>
+            <a:endParaRPr lang="en-US" sz="1400" dirty="0"/>
+          </a:p>
+        </p:txBody>
+      </p:sp>
+      <p:pic>
+        <p:nvPicPr>
+          <p:cNvPr id="4" name="Picture 3"/>
+          <p:cNvPicPr>
+            <a:picLocks noChangeAspect="1"/>
+          </p:cNvPicPr>
+          <p:nvPr/>
+        </p:nvPicPr>
+        <p:blipFill>
+          <a:blip r:embed="rId3">
+            <a:extLst>
+              <a:ext uri="{28A0092B-C50C-407E-A947-70E740481C1C}">
+                <a14:useLocalDpi xmlns:a14="http://schemas.microsoft.com/office/drawing/2010/main" val="0"/>
+              </a:ext>
+            </a:extLst>
+          </a:blip>
+          <a:stretch>
+            <a:fillRect/>
+          </a:stretch>
+        </p:blipFill>
+        <p:spPr>
+          <a:xfrm>
+            <a:off x="4402705" y="2893673"/>
+            <a:ext cx="4636520" cy="3826614"/>
+          </a:xfrm>
+          <a:prstGeom prst="rect">
+            <a:avLst/>
+          </a:prstGeom>
+        </p:spPr>
+      </p:pic>
+    </p:spTree>
+    <p:extLst>
+      <p:ext uri="{BB962C8B-B14F-4D97-AF65-F5344CB8AC3E}">
+        <p14:creationId xmlns:p14="http://schemas.microsoft.com/office/powerpoint/2010/main" val="4266826973"/>
+      </p:ext>
+    </p:extLst>
+  </p:cSld>
+  <p:clrMapOvr>
+    <a:masterClrMapping/>
+  </p:clrMapOvr>
+  <p:timing>
+    <p:tnLst>
+      <p:par>
+        <p:cTn id="1" dur="indefinite" restart="never" nodeType="tmRoot"/>
+      </p:par>
+    </p:tnLst>
+  </p:timing>
+</p:sld>
+</file>
+
+<file path=ppt/slides/slide7.xml><?xml version="1.0" encoding="utf-8"?>
+<p:sld xmlns:a="http://schemas.openxmlformats.org/drawingml/2006/main" xmlns:r="http://schemas.openxmlformats.org/officeDocument/2006/relationships" xmlns:p="http://schemas.openxmlformats.org/presentationml/2006/main">
+  <p:cSld>
+    <p:spTree>
+      <p:nvGrpSpPr>
+        <p:cNvPr id="1" name=""/>
+        <p:cNvGrpSpPr/>
+        <p:nvPr/>
+      </p:nvGrpSpPr>
+      <p:grpSpPr>
+        <a:xfrm>
+          <a:off x="0" y="0"/>
+          <a:ext cx="0" cy="0"/>
+          <a:chOff x="0" y="0"/>
+          <a:chExt cx="0" cy="0"/>
+        </a:xfrm>
+      </p:grpSpPr>
+      <p:sp>
+        <p:nvSpPr>
+          <p:cNvPr id="15361" name="Title 1"/>
+          <p:cNvSpPr>
+            <a:spLocks noGrp="1"/>
+          </p:cNvSpPr>
+          <p:nvPr>
+            <p:ph type="title"/>
+          </p:nvPr>
+        </p:nvSpPr>
+        <p:spPr>
+          <a:xfrm>
+            <a:off x="498475" y="115887"/>
+            <a:ext cx="8540750" cy="1233795"/>
+          </a:xfrm>
+        </p:spPr>
+        <p:txBody>
+          <a:bodyPr anchor="t"/>
+          <a:lstStyle/>
+          <a:p>
+            <a:pPr algn="ctr" eaLnBrk="1" hangingPunct="1">
+              <a:lnSpc>
+                <a:spcPct val="90000"/>
+              </a:lnSpc>
+            </a:pPr>
+            <a:r>
+              <a:rPr lang="en-US" sz="4500" dirty="0" smtClean="0">
+                <a:latin typeface="Calibri Light" pitchFamily="34" charset="0"/>
+              </a:rPr>
+              <a:t>ARCHITECTURAL TECH </a:t>
+            </a:r>
+            <a:r>
+              <a:rPr lang="en-US" sz="4500" dirty="0" smtClean="0">
+                <a:latin typeface="Calibri Light" pitchFamily="34" charset="0"/>
+              </a:rPr>
+              <a:t>STACK       </a:t>
+            </a:r>
+            <a:r>
+              <a:rPr lang="en-US" sz="4000" dirty="0" smtClean="0">
+                <a:latin typeface="Calibri Light" pitchFamily="34" charset="0"/>
+              </a:rPr>
+              <a:t>Market Place</a:t>
+            </a:r>
+            <a:endParaRPr lang="en-US" sz="4000" dirty="0" smtClean="0">
+              <a:latin typeface="Calibri Light" pitchFamily="34" charset="0"/>
+            </a:endParaRPr>
+          </a:p>
+        </p:txBody>
+      </p:sp>
+      <p:sp>
+        <p:nvSpPr>
+          <p:cNvPr id="15362" name="Title 1"/>
+          <p:cNvSpPr txBox="1">
+            <a:spLocks/>
+          </p:cNvSpPr>
+          <p:nvPr/>
+        </p:nvSpPr>
+        <p:spPr bwMode="auto">
+          <a:xfrm>
+            <a:off x="273050" y="1349682"/>
+            <a:ext cx="8855075" cy="608012"/>
+          </a:xfrm>
+          <a:prstGeom prst="rect">
+            <a:avLst/>
+          </a:prstGeom>
+          <a:noFill/>
+          <a:ln w="9525">
+            <a:noFill/>
+            <a:miter lim="800000"/>
+            <a:headEnd/>
+            <a:tailEnd/>
+          </a:ln>
+        </p:spPr>
+        <p:txBody>
+          <a:bodyPr/>
+          <a:lstStyle/>
+          <a:p>
+            <a:pPr algn="ctr"/>
+            <a:r>
+              <a:rPr lang="en-US" sz="3100" b="1" dirty="0" smtClean="0">
+                <a:latin typeface="Calibri Light" pitchFamily="34" charset="0"/>
+              </a:rPr>
+              <a:t>   Node.js     </a:t>
+            </a:r>
+            <a:r>
+              <a:rPr lang="en-US" sz="3100" b="1" dirty="0">
+                <a:latin typeface="Calibri Light" pitchFamily="34" charset="0"/>
+              </a:rPr>
+              <a:t>Protractor     </a:t>
+            </a:r>
+            <a:r>
+              <a:rPr lang="en-US" sz="3100" b="1" dirty="0" smtClean="0">
+                <a:latin typeface="Calibri Light" pitchFamily="34" charset="0"/>
+              </a:rPr>
+              <a:t>JavaScript</a:t>
+            </a:r>
+            <a:endParaRPr lang="en-US" sz="3100" b="1" dirty="0">
+              <a:latin typeface="Calibri Light" pitchFamily="34" charset="0"/>
+            </a:endParaRPr>
+          </a:p>
+        </p:txBody>
+      </p:sp>
+      <p:sp>
+        <p:nvSpPr>
+          <p:cNvPr id="6" name="Content Placeholder 2"/>
+          <p:cNvSpPr txBox="1">
+            <a:spLocks/>
+          </p:cNvSpPr>
+          <p:nvPr/>
+        </p:nvSpPr>
+        <p:spPr>
+          <a:xfrm>
+            <a:off x="273050" y="1801253"/>
+            <a:ext cx="4014788" cy="5050961"/>
+          </a:xfrm>
+          <a:prstGeom prst="rect">
+            <a:avLst/>
+          </a:prstGeom>
+        </p:spPr>
+        <p:txBody>
+          <a:bodyPr>
+            <a:normAutofit/>
+          </a:bodyPr>
+          <a:lstStyle>
+            <a:lvl1pPr marL="0" indent="0" algn="l" defTabSz="457200" rtl="0" eaLnBrk="1" latinLnBrk="0" hangingPunct="1">
+              <a:lnSpc>
+                <a:spcPct val="80000"/>
+              </a:lnSpc>
+              <a:spcBef>
+                <a:spcPct val="20000"/>
+              </a:spcBef>
+              <a:buSzPct val="100000"/>
+              <a:buFontTx/>
+              <a:buNone/>
+              <a:defRPr sz="2400" b="0" i="0" kern="1200" baseline="0">
+                <a:solidFill>
+                  <a:schemeClr val="tx1"/>
+                </a:solidFill>
+                <a:latin typeface="Calibri Light"/>
+                <a:ea typeface="+mn-ea"/>
+                <a:cs typeface="Calibri Light"/>
+              </a:defRPr>
+            </a:lvl1pPr>
+            <a:lvl2pPr marL="576263" indent="-234950" algn="l" defTabSz="457200" rtl="0" eaLnBrk="1" latinLnBrk="0" hangingPunct="1">
+              <a:lnSpc>
+                <a:spcPct val="80000"/>
+              </a:lnSpc>
+              <a:spcBef>
+                <a:spcPct val="20000"/>
+              </a:spcBef>
+              <a:buSzPct val="100000"/>
+              <a:buFontTx/>
+              <a:buBlip>
+                <a:blip r:embed="rId2"/>
+              </a:buBlip>
+              <a:defRPr sz="2200" b="0" i="0" kern="1200">
+                <a:solidFill>
+                  <a:schemeClr val="tx1"/>
+                </a:solidFill>
+                <a:latin typeface="Calibri Light"/>
+                <a:ea typeface="+mn-ea"/>
+                <a:cs typeface="Calibri Light"/>
+              </a:defRPr>
+            </a:lvl2pPr>
+            <a:lvl3pPr marL="801688" indent="-225425" algn="l" defTabSz="457200" rtl="0" eaLnBrk="1" latinLnBrk="0" hangingPunct="1">
+              <a:lnSpc>
+                <a:spcPct val="80000"/>
+              </a:lnSpc>
+              <a:spcBef>
+                <a:spcPct val="20000"/>
+              </a:spcBef>
+              <a:buSzPct val="100000"/>
+              <a:buFontTx/>
+              <a:buBlip>
+                <a:blip r:embed="rId2"/>
+              </a:buBlip>
+              <a:defRPr sz="2000" b="0" i="0" kern="1200">
+                <a:solidFill>
+                  <a:schemeClr val="tx1"/>
+                </a:solidFill>
+                <a:latin typeface="Calibri Light"/>
+                <a:ea typeface="+mn-ea"/>
+                <a:cs typeface="Calibri Light"/>
+              </a:defRPr>
+            </a:lvl3pPr>
+            <a:lvl4pPr marL="966788" indent="-165100" algn="l" defTabSz="457200" rtl="0" eaLnBrk="1" latinLnBrk="0" hangingPunct="1">
+              <a:lnSpc>
+                <a:spcPct val="80000"/>
+              </a:lnSpc>
+              <a:spcBef>
+                <a:spcPct val="20000"/>
+              </a:spcBef>
+              <a:buSzPct val="100000"/>
+              <a:buFontTx/>
+              <a:buBlip>
+                <a:blip r:embed="rId2"/>
+              </a:buBlip>
+              <a:defRPr sz="1800" b="0" i="0" kern="1200">
+                <a:solidFill>
+                  <a:schemeClr val="tx1"/>
+                </a:solidFill>
+                <a:latin typeface="Calibri Light"/>
+                <a:ea typeface="+mn-ea"/>
+                <a:cs typeface="Calibri Light"/>
+              </a:defRPr>
+            </a:lvl4pPr>
+            <a:lvl5pPr marL="1201738" indent="-176213" algn="l" defTabSz="457200" rtl="0" eaLnBrk="1" latinLnBrk="0" hangingPunct="1">
+              <a:lnSpc>
+                <a:spcPct val="80000"/>
+              </a:lnSpc>
+              <a:spcBef>
+                <a:spcPct val="20000"/>
+              </a:spcBef>
+              <a:buSzPct val="100000"/>
+              <a:buFontTx/>
+              <a:buBlip>
+                <a:blip r:embed="rId2"/>
+              </a:buBlip>
+              <a:defRPr sz="1600" b="0" i="0" kern="1200">
+                <a:solidFill>
+                  <a:schemeClr val="tx1"/>
+                </a:solidFill>
+                <a:latin typeface="Calibri Light"/>
+                <a:ea typeface="+mn-ea"/>
+                <a:cs typeface="Calibri Light"/>
+              </a:defRPr>
+            </a:lvl5pPr>
+            <a:lvl6pPr marL="2514600" indent="-228600" algn="l" defTabSz="457200" rtl="0" eaLnBrk="1" latinLnBrk="0" hangingPunct="1">
+              <a:spcBef>
+                <a:spcPct val="20000"/>
+              </a:spcBef>
+              <a:buFont typeface="Arial"/>
+              <a:buChar char="•"/>
+              <a:defRPr sz="2000" kern="1200">
+                <a:solidFill>
+                  <a:schemeClr val="tx1"/>
+                </a:solidFill>
+                <a:latin typeface="+mn-lt"/>
+                <a:ea typeface="+mn-ea"/>
+                <a:cs typeface="+mn-cs"/>
+              </a:defRPr>
+            </a:lvl6pPr>
+            <a:lvl7pPr marL="2971800" indent="-228600" algn="l" defTabSz="457200" rtl="0" eaLnBrk="1" latinLnBrk="0" hangingPunct="1">
+              <a:spcBef>
+                <a:spcPct val="20000"/>
+              </a:spcBef>
+              <a:buFont typeface="Arial"/>
+              <a:buChar char="•"/>
+              <a:defRPr sz="2000" kern="1200">
+                <a:solidFill>
+                  <a:schemeClr val="tx1"/>
+                </a:solidFill>
+                <a:latin typeface="+mn-lt"/>
+                <a:ea typeface="+mn-ea"/>
+                <a:cs typeface="+mn-cs"/>
+              </a:defRPr>
+            </a:lvl7pPr>
+            <a:lvl8pPr marL="3429000" indent="-228600" algn="l" defTabSz="457200" rtl="0" eaLnBrk="1" latinLnBrk="0" hangingPunct="1">
+              <a:spcBef>
+                <a:spcPct val="20000"/>
+              </a:spcBef>
+              <a:buFont typeface="Arial"/>
+              <a:buChar char="•"/>
+              <a:defRPr sz="2000" kern="1200">
+                <a:solidFill>
+                  <a:schemeClr val="tx1"/>
+                </a:solidFill>
+                <a:latin typeface="+mn-lt"/>
+                <a:ea typeface="+mn-ea"/>
+                <a:cs typeface="+mn-cs"/>
+              </a:defRPr>
+            </a:lvl8pPr>
+            <a:lvl9pPr marL="3886200" indent="-228600" algn="l" defTabSz="457200" rtl="0" eaLnBrk="1" latinLnBrk="0" hangingPunct="1">
+              <a:spcBef>
+                <a:spcPct val="20000"/>
+              </a:spcBef>
+              <a:buFont typeface="Arial"/>
+              <a:buChar char="•"/>
+              <a:defRPr sz="2000" kern="1200">
+                <a:solidFill>
+                  <a:schemeClr val="tx1"/>
+                </a:solidFill>
+                <a:latin typeface="+mn-lt"/>
+                <a:ea typeface="+mn-ea"/>
+                <a:cs typeface="+mn-cs"/>
+              </a:defRPr>
+            </a:lvl9pPr>
+          </a:lstStyle>
+          <a:p>
+            <a:pPr fontAlgn="auto">
+              <a:spcAft>
+                <a:spcPts val="0"/>
+              </a:spcAft>
+              <a:defRPr/>
+            </a:pPr>
+            <a:r>
+              <a:rPr lang="en-US" sz="600" dirty="0" smtClean="0"/>
+              <a:t>       </a:t>
+            </a:r>
+          </a:p>
+          <a:p>
+            <a:pPr algn="ctr" fontAlgn="auto">
+              <a:spcAft>
+                <a:spcPts val="0"/>
+              </a:spcAft>
+              <a:defRPr/>
+            </a:pPr>
+            <a:r>
               <a:rPr lang="en-US" dirty="0" smtClean="0"/>
               <a:t>Framework is Class</a:t>
             </a:r>
@@ -8199,27 +9276,14 @@
               <a:defRPr/>
             </a:pPr>
             <a:r>
-              <a:rPr lang="en-US" sz="1600" dirty="0" smtClean="0"/>
+              <a:rPr lang="en-US" sz="500" dirty="0" smtClean="0"/>
               <a:t>      </a:t>
             </a:r>
-          </a:p>
-          <a:p>
-            <a:pPr indent="-234950" fontAlgn="auto">
-              <a:lnSpc>
-                <a:spcPct val="100000"/>
-              </a:lnSpc>
-              <a:spcBef>
-                <a:spcPts val="0"/>
-              </a:spcBef>
-              <a:spcAft>
-                <a:spcPts val="0"/>
-              </a:spcAft>
-              <a:defRPr/>
-            </a:pPr>
-            <a:r>
-              <a:rPr lang="en-US" sz="1800" dirty="0" smtClean="0"/>
+            <a:r>
+              <a:rPr lang="en-US" sz="600" dirty="0" smtClean="0"/>
               <a:t>           </a:t>
             </a:r>
+            <a:endParaRPr lang="en-US" sz="600" dirty="0" smtClean="0"/>
           </a:p>
           <a:p>
             <a:pPr fontAlgn="auto">
@@ -8509,539 +9573,11 @@
         </p:spPr>
       </p:pic>
     </p:spTree>
-  </p:cSld>
-  <p:clrMapOvr>
-    <a:masterClrMapping/>
-  </p:clrMapOvr>
-  <p:timing>
-    <p:tnLst>
-      <p:par>
-        <p:cTn id="1" dur="indefinite" restart="never" nodeType="tmRoot"/>
-      </p:par>
-    </p:tnLst>
-  </p:timing>
-</p:sld>
-</file>
-
-<file path=ppt/slides/slide7.xml><?xml version="1.0" encoding="utf-8"?>
-<p:sld xmlns:a="http://schemas.openxmlformats.org/drawingml/2006/main" xmlns:r="http://schemas.openxmlformats.org/officeDocument/2006/relationships" xmlns:p="http://schemas.openxmlformats.org/presentationml/2006/main">
-  <p:cSld>
-    <p:spTree>
-      <p:nvGrpSpPr>
-        <p:cNvPr id="1" name=""/>
-        <p:cNvGrpSpPr/>
-        <p:nvPr/>
-      </p:nvGrpSpPr>
-      <p:grpSpPr>
-        <a:xfrm>
-          <a:off x="0" y="0"/>
-          <a:ext cx="0" cy="0"/>
-          <a:chOff x="0" y="0"/>
-          <a:chExt cx="0" cy="0"/>
-        </a:xfrm>
-      </p:grpSpPr>
-      <p:sp>
-        <p:nvSpPr>
-          <p:cNvPr id="2" name="Title 1"/>
-          <p:cNvSpPr>
-            <a:spLocks noGrp="1"/>
-          </p:cNvSpPr>
-          <p:nvPr>
-            <p:ph type="title"/>
-          </p:nvPr>
-        </p:nvSpPr>
-        <p:spPr>
-          <a:xfrm>
-            <a:off x="1527175" y="125413"/>
-            <a:ext cx="5238750" cy="1325562"/>
-          </a:xfrm>
-        </p:spPr>
-        <p:txBody>
-          <a:bodyPr rtlCol="0" anchor="t">
-            <a:normAutofit/>
-          </a:bodyPr>
-          <a:lstStyle/>
-          <a:p>
-            <a:pPr algn="ctr" eaLnBrk="1" fontAlgn="auto" hangingPunct="1">
-              <a:spcAft>
-                <a:spcPts val="0"/>
-              </a:spcAft>
-              <a:defRPr/>
-            </a:pPr>
-            <a:r>
-              <a:rPr lang="en-US" dirty="0" smtClean="0">
-                <a:ea typeface="+mj-ea"/>
-              </a:rPr>
-              <a:t>TEST EXECUTION  </a:t>
-            </a:r>
-            <a:endParaRPr lang="en-US" dirty="0">
-              <a:solidFill>
-                <a:schemeClr val="bg1">
-                  <a:lumMod val="85000"/>
-                </a:schemeClr>
-              </a:solidFill>
-              <a:ea typeface="+mj-ea"/>
-            </a:endParaRPr>
-          </a:p>
-        </p:txBody>
-      </p:sp>
-      <p:sp>
-        <p:nvSpPr>
-          <p:cNvPr id="3" name="Content Placeholder 2"/>
-          <p:cNvSpPr>
-            <a:spLocks noGrp="1"/>
-          </p:cNvSpPr>
-          <p:nvPr>
-            <p:ph idx="1"/>
-          </p:nvPr>
-        </p:nvSpPr>
-        <p:spPr>
-          <a:xfrm>
-            <a:off x="274638" y="1827213"/>
-            <a:ext cx="8567737" cy="5002212"/>
-          </a:xfrm>
-        </p:spPr>
-        <p:txBody>
-          <a:bodyPr rtlCol="0">
-            <a:normAutofit fontScale="92500" lnSpcReduction="10000"/>
-          </a:bodyPr>
-          <a:lstStyle/>
-          <a:p>
-            <a:pPr marL="342900" indent="-342900" eaLnBrk="1" fontAlgn="auto" hangingPunct="1">
-              <a:lnSpc>
-                <a:spcPct val="110000"/>
-              </a:lnSpc>
-              <a:spcAft>
-                <a:spcPts val="0"/>
-              </a:spcAft>
-              <a:buFont typeface="Arial" panose="020B0604020202020204" pitchFamily="34" charset="0"/>
-              <a:buChar char="•"/>
-              <a:defRPr/>
-            </a:pPr>
-            <a:r>
-              <a:rPr lang="en-US" sz="2000" b="1" dirty="0" smtClean="0">
-                <a:ea typeface="+mn-ea"/>
-              </a:rPr>
-              <a:t>Two primary modes</a:t>
-            </a:r>
-          </a:p>
-          <a:p>
-            <a:pPr lvl="1" eaLnBrk="1" fontAlgn="auto" hangingPunct="1">
-              <a:lnSpc>
-                <a:spcPct val="110000"/>
-              </a:lnSpc>
-              <a:spcAft>
-                <a:spcPts val="0"/>
-              </a:spcAft>
-              <a:buFont typeface="Arial" panose="020B0604020202020204" pitchFamily="34" charset="0"/>
-              <a:buChar char="•"/>
-              <a:defRPr/>
-            </a:pPr>
-            <a:r>
-              <a:rPr lang="en-US" sz="1800" b="1" dirty="0">
-                <a:ea typeface="+mn-ea"/>
-              </a:rPr>
-              <a:t>Schedule Based : Covers Regression </a:t>
-            </a:r>
-            <a:r>
-              <a:rPr lang="en-US" sz="1800" b="1" dirty="0" smtClean="0">
-                <a:ea typeface="+mn-ea"/>
-              </a:rPr>
-              <a:t>Testing  </a:t>
-            </a:r>
-            <a:r>
-              <a:rPr lang="en-US" sz="1200" b="1" dirty="0" smtClean="0">
-                <a:ea typeface="+mn-ea"/>
-              </a:rPr>
-              <a:t>MOT - Cron</a:t>
-            </a:r>
-            <a:endParaRPr lang="en-US" sz="1200" b="1" dirty="0">
-              <a:ea typeface="+mn-ea"/>
-            </a:endParaRPr>
-          </a:p>
-          <a:p>
-            <a:pPr lvl="1" eaLnBrk="1" fontAlgn="auto" hangingPunct="1">
-              <a:lnSpc>
-                <a:spcPct val="110000"/>
-              </a:lnSpc>
-              <a:spcAft>
-                <a:spcPts val="0"/>
-              </a:spcAft>
-              <a:buFont typeface="Arial" panose="020B0604020202020204" pitchFamily="34" charset="0"/>
-              <a:buChar char="•"/>
-              <a:defRPr/>
-            </a:pPr>
-            <a:r>
-              <a:rPr lang="en-US" sz="1800" b="1" dirty="0">
-                <a:ea typeface="+mn-ea"/>
-              </a:rPr>
-              <a:t>On Demand : Covers all developer build initiated </a:t>
-            </a:r>
-            <a:r>
-              <a:rPr lang="en-US" sz="1800" b="1" dirty="0" smtClean="0">
-                <a:ea typeface="+mn-ea"/>
-              </a:rPr>
-              <a:t>testing  </a:t>
-            </a:r>
-            <a:r>
-              <a:rPr lang="en-US" sz="1200" b="1" dirty="0" smtClean="0">
-                <a:ea typeface="+mn-ea"/>
-              </a:rPr>
-              <a:t>DIT - Jenkins</a:t>
-            </a:r>
-            <a:endParaRPr lang="en-US" sz="1200" b="1" dirty="0">
-              <a:ea typeface="+mn-ea"/>
-            </a:endParaRPr>
-          </a:p>
-          <a:p>
-            <a:pPr marL="457206" lvl="1" indent="0" eaLnBrk="1" fontAlgn="auto" hangingPunct="1">
-              <a:lnSpc>
-                <a:spcPct val="110000"/>
-              </a:lnSpc>
-              <a:spcAft>
-                <a:spcPts val="0"/>
-              </a:spcAft>
-              <a:buFontTx/>
-              <a:buNone/>
-              <a:defRPr/>
-            </a:pPr>
-            <a:r>
-              <a:rPr lang="en-US" sz="1600" b="1" dirty="0" smtClean="0">
-                <a:ea typeface="+mn-ea"/>
-              </a:rPr>
-              <a:t>                  </a:t>
-            </a:r>
-            <a:endParaRPr lang="en-US" sz="1400" b="1" dirty="0">
-              <a:ea typeface="+mn-ea"/>
-            </a:endParaRPr>
-          </a:p>
-          <a:p>
-            <a:pPr marL="342900" indent="-342900" eaLnBrk="1" fontAlgn="auto" hangingPunct="1">
-              <a:spcAft>
-                <a:spcPts val="0"/>
-              </a:spcAft>
-              <a:buFont typeface="Arial" panose="020B0604020202020204" pitchFamily="34" charset="0"/>
-              <a:buChar char="•"/>
-              <a:defRPr/>
-            </a:pPr>
-            <a:r>
-              <a:rPr lang="en-US" sz="2000" b="1" dirty="0">
-                <a:ea typeface="+mn-ea"/>
-              </a:rPr>
-              <a:t>Configuration controlled </a:t>
-            </a:r>
-            <a:r>
-              <a:rPr lang="en-US" sz="2000" b="1" dirty="0" smtClean="0">
-                <a:ea typeface="+mn-ea"/>
-              </a:rPr>
-              <a:t>testing:  </a:t>
-            </a:r>
-            <a:r>
-              <a:rPr lang="en-US" sz="2000" b="1" u="sng" dirty="0" smtClean="0">
-                <a:ea typeface="+mn-ea"/>
-              </a:rPr>
-              <a:t>Biggest Evolutionary Advance</a:t>
-            </a:r>
-            <a:endParaRPr lang="en-US" sz="2000" b="1" u="sng" dirty="0">
-              <a:ea typeface="+mn-ea"/>
-            </a:endParaRPr>
-          </a:p>
-          <a:p>
-            <a:pPr lvl="1" eaLnBrk="1" fontAlgn="auto" hangingPunct="1">
-              <a:lnSpc>
-                <a:spcPct val="100000"/>
-              </a:lnSpc>
-              <a:spcAft>
-                <a:spcPts val="0"/>
-              </a:spcAft>
-              <a:buFont typeface="Arial" panose="020B0604020202020204" pitchFamily="34" charset="0"/>
-              <a:buChar char="•"/>
-              <a:defRPr/>
-            </a:pPr>
-            <a:r>
-              <a:rPr lang="en-US" sz="1800" b="1" dirty="0" smtClean="0"/>
-              <a:t>In </a:t>
-            </a:r>
-            <a:r>
-              <a:rPr lang="en-US" sz="1800" b="1" dirty="0"/>
-              <a:t>order to scale Market Place across states our research </a:t>
-            </a:r>
-            <a:r>
-              <a:rPr lang="en-US" sz="1800" b="1" dirty="0" smtClean="0"/>
-              <a:t>required we </a:t>
-            </a:r>
-            <a:r>
-              <a:rPr lang="en-US" sz="1800" b="1" dirty="0"/>
-              <a:t>pull test </a:t>
-            </a:r>
-            <a:r>
-              <a:rPr lang="en-US" sz="1800" b="1" dirty="0" smtClean="0"/>
-              <a:t>data out </a:t>
-            </a:r>
-            <a:r>
-              <a:rPr lang="en-US" sz="1800" b="1" dirty="0"/>
-              <a:t>of </a:t>
-            </a:r>
-            <a:r>
-              <a:rPr lang="en-US" sz="1800" b="1" dirty="0" smtClean="0"/>
-              <a:t>the test scripts</a:t>
-            </a:r>
-            <a:r>
-              <a:rPr lang="en-US" sz="1800" b="1" dirty="0"/>
-              <a:t>, decoupling execution from configuration</a:t>
-            </a:r>
-            <a:r>
-              <a:rPr lang="en-US" sz="1800" b="1" dirty="0" smtClean="0"/>
-              <a:t>.  Test data is now separate and usable all delivery phases</a:t>
-            </a:r>
-            <a:endParaRPr lang="en-US" sz="1800" b="1" dirty="0">
-              <a:ea typeface="+mn-ea"/>
-            </a:endParaRPr>
-          </a:p>
-          <a:p>
-            <a:pPr eaLnBrk="1" fontAlgn="auto" hangingPunct="1">
-              <a:spcAft>
-                <a:spcPts val="0"/>
-              </a:spcAft>
-              <a:defRPr/>
-            </a:pPr>
-            <a:endParaRPr lang="en-US" b="1" dirty="0">
-              <a:ea typeface="+mn-ea"/>
-            </a:endParaRPr>
-          </a:p>
-          <a:p>
-            <a:pPr marL="342900" indent="-342900" eaLnBrk="1" fontAlgn="auto" hangingPunct="1">
-              <a:spcAft>
-                <a:spcPts val="0"/>
-              </a:spcAft>
-              <a:buFont typeface="Arial" panose="020B0604020202020204" pitchFamily="34" charset="0"/>
-              <a:buChar char="•"/>
-              <a:defRPr/>
-            </a:pPr>
-            <a:r>
-              <a:rPr lang="en-US" sz="2000" b="1" dirty="0" smtClean="0">
-                <a:ea typeface="+mn-ea"/>
-              </a:rPr>
-              <a:t>All testing regardless of primary mode is </a:t>
-            </a:r>
-            <a:r>
-              <a:rPr lang="en-US" sz="2000" b="1" u="sng" dirty="0" smtClean="0">
-                <a:ea typeface="+mn-ea"/>
-              </a:rPr>
-              <a:t>configurable</a:t>
-            </a:r>
-            <a:r>
-              <a:rPr lang="en-US" sz="2000" b="1" dirty="0" smtClean="0">
-                <a:ea typeface="+mn-ea"/>
-              </a:rPr>
-              <a:t> prior to a test run</a:t>
-            </a:r>
-          </a:p>
-          <a:p>
-            <a:pPr lvl="1" eaLnBrk="1" fontAlgn="auto" hangingPunct="1">
-              <a:spcAft>
-                <a:spcPts val="0"/>
-              </a:spcAft>
-              <a:buFont typeface="Arial" panose="020B0604020202020204" pitchFamily="34" charset="0"/>
-              <a:buChar char="•"/>
-              <a:defRPr/>
-            </a:pPr>
-            <a:r>
-              <a:rPr lang="en-US" sz="1800" b="1" dirty="0" smtClean="0">
-                <a:ea typeface="+mn-ea"/>
-              </a:rPr>
-              <a:t>Development Integration testing uses the configuration model to focus testing on new code</a:t>
-            </a:r>
-          </a:p>
-          <a:p>
-            <a:pPr lvl="1" eaLnBrk="1" fontAlgn="auto" hangingPunct="1">
-              <a:spcAft>
-                <a:spcPts val="0"/>
-              </a:spcAft>
-              <a:buFont typeface="Arial" panose="020B0604020202020204" pitchFamily="34" charset="0"/>
-              <a:buChar char="•"/>
-              <a:defRPr/>
-            </a:pPr>
-            <a:r>
-              <a:rPr lang="en-US" sz="1800" b="1" dirty="0" smtClean="0"/>
-              <a:t>NGTA team can regression </a:t>
-            </a:r>
-            <a:r>
-              <a:rPr lang="en-US" sz="1800" b="1" dirty="0" smtClean="0">
-                <a:ea typeface="+mn-ea"/>
-              </a:rPr>
-              <a:t>test same deployed code w/out stepping on newly developed code</a:t>
-            </a:r>
-          </a:p>
-          <a:p>
-            <a:pPr indent="-234950" eaLnBrk="1" fontAlgn="auto" hangingPunct="1">
-              <a:spcAft>
-                <a:spcPts val="0"/>
-              </a:spcAft>
-              <a:defRPr/>
-            </a:pPr>
-            <a:r>
-              <a:rPr lang="en-US" sz="1200" b="1" dirty="0" smtClean="0">
-                <a:ea typeface="+mn-ea"/>
-              </a:rPr>
-              <a:t>                    </a:t>
-            </a:r>
-          </a:p>
-          <a:p>
-            <a:pPr marL="342900" indent="-342900" eaLnBrk="1" fontAlgn="auto" hangingPunct="1">
-              <a:lnSpc>
-                <a:spcPct val="114000"/>
-              </a:lnSpc>
-              <a:spcBef>
-                <a:spcPts val="0"/>
-              </a:spcBef>
-              <a:spcAft>
-                <a:spcPts val="0"/>
-              </a:spcAft>
-              <a:buFont typeface="Arial" panose="020B0604020202020204" pitchFamily="34" charset="0"/>
-              <a:buChar char="•"/>
-              <a:defRPr/>
-            </a:pPr>
-            <a:r>
-              <a:rPr lang="en-US" sz="1900" b="1" dirty="0"/>
-              <a:t>Market Place </a:t>
-            </a:r>
-            <a:r>
-              <a:rPr lang="en-US" sz="1900" b="1" dirty="0" smtClean="0"/>
-              <a:t>Regression test </a:t>
-            </a:r>
-            <a:r>
-              <a:rPr lang="en-US" sz="1900" b="1" dirty="0"/>
-              <a:t>&amp; Content </a:t>
-            </a:r>
-            <a:r>
-              <a:rPr lang="en-US" sz="1900" b="1" dirty="0" smtClean="0"/>
-              <a:t>test </a:t>
-            </a:r>
-            <a:r>
-              <a:rPr lang="en-US" sz="1900" b="1" dirty="0"/>
-              <a:t>is organized on </a:t>
-            </a:r>
-            <a:r>
-              <a:rPr lang="en-US" sz="1900" b="1" dirty="0" smtClean="0"/>
-              <a:t> phased </a:t>
-            </a:r>
-            <a:r>
-              <a:rPr lang="en-US" sz="1900" b="1" dirty="0"/>
-              <a:t>deliveries</a:t>
-            </a:r>
-          </a:p>
-          <a:p>
-            <a:pPr lvl="1">
-              <a:lnSpc>
-                <a:spcPct val="114000"/>
-              </a:lnSpc>
-              <a:spcBef>
-                <a:spcPts val="0"/>
-              </a:spcBef>
-              <a:buFont typeface="Arial" panose="020B0604020202020204" pitchFamily="34" charset="0"/>
-              <a:buChar char="•"/>
-              <a:defRPr/>
-            </a:pPr>
-            <a:r>
-              <a:rPr lang="en-US" sz="1500" b="1" dirty="0"/>
-              <a:t>Phase_0  CA, TX, PA, FL, NY    ,          Phase_1 DC, LA,  MD, PR, TN, VI, AK, </a:t>
-            </a:r>
-            <a:r>
-              <a:rPr lang="en-US" sz="1500" b="1" dirty="0" smtClean="0"/>
-              <a:t>AL</a:t>
-            </a:r>
-          </a:p>
-          <a:p>
-            <a:pPr marL="341313" lvl="1" indent="0">
-              <a:lnSpc>
-                <a:spcPct val="114000"/>
-              </a:lnSpc>
-              <a:spcBef>
-                <a:spcPts val="0"/>
-              </a:spcBef>
-              <a:buFontTx/>
-              <a:buNone/>
-              <a:defRPr/>
-            </a:pPr>
-            <a:r>
-              <a:rPr lang="en-US" sz="300" b="1" dirty="0"/>
-              <a:t> </a:t>
-            </a:r>
-            <a:r>
-              <a:rPr lang="en-US" sz="300" b="1" dirty="0" smtClean="0"/>
-              <a:t>              </a:t>
-            </a:r>
-            <a:endParaRPr lang="en-US" sz="300" b="1" dirty="0"/>
-          </a:p>
-          <a:p>
-            <a:pPr lvl="1">
-              <a:lnSpc>
-                <a:spcPct val="114000"/>
-              </a:lnSpc>
-              <a:spcBef>
-                <a:spcPts val="0"/>
-              </a:spcBef>
-              <a:buFont typeface="Arial" panose="020B0604020202020204" pitchFamily="34" charset="0"/>
-              <a:buChar char="•"/>
-              <a:defRPr/>
-            </a:pPr>
-            <a:r>
-              <a:rPr lang="en-US" sz="1500" b="1" dirty="0"/>
-              <a:t>Phase_2  DE, GA, MS, MT, NV, UT, </a:t>
-            </a:r>
-            <a:r>
-              <a:rPr lang="en-US" sz="1500" b="1" dirty="0" smtClean="0"/>
-              <a:t>WV  </a:t>
-            </a:r>
-            <a:r>
-              <a:rPr lang="en-US" sz="1500" b="1" dirty="0"/>
-              <a:t>,    </a:t>
-            </a:r>
-            <a:r>
-              <a:rPr lang="en-US" sz="1500" b="1" dirty="0" smtClean="0"/>
-              <a:t>       </a:t>
-            </a:r>
-            <a:r>
-              <a:rPr lang="en-US" sz="1500" b="1" dirty="0"/>
-              <a:t>Phase_3 CT, IL, OH, WA, KY, MN, NH</a:t>
-            </a:r>
-          </a:p>
-          <a:p>
-            <a:pPr marL="341313" lvl="1" indent="0" eaLnBrk="1" fontAlgn="auto" hangingPunct="1">
-              <a:spcAft>
-                <a:spcPts val="0"/>
-              </a:spcAft>
-              <a:buFontTx/>
-              <a:buNone/>
-              <a:defRPr/>
-            </a:pPr>
-            <a:endParaRPr lang="en-US" sz="1800" b="1" dirty="0" smtClean="0">
-              <a:ea typeface="+mn-ea"/>
-            </a:endParaRPr>
-          </a:p>
-          <a:p>
-            <a:pPr marL="457206" lvl="1" indent="0" eaLnBrk="1" fontAlgn="auto" hangingPunct="1">
-              <a:spcAft>
-                <a:spcPts val="0"/>
-              </a:spcAft>
-              <a:buFontTx/>
-              <a:buNone/>
-              <a:defRPr/>
-            </a:pPr>
-            <a:r>
-              <a:rPr lang="en-US" sz="1400" dirty="0" smtClean="0">
-                <a:ea typeface="+mn-ea"/>
-              </a:rPr>
-              <a:t>      </a:t>
-            </a:r>
-            <a:endParaRPr lang="en-US" sz="1400" dirty="0">
-              <a:ea typeface="+mn-ea"/>
-            </a:endParaRPr>
-          </a:p>
-        </p:txBody>
-      </p:sp>
-    </p:spTree>
+    <p:extLst>
+      <p:ext uri="{BB962C8B-B14F-4D97-AF65-F5344CB8AC3E}">
+        <p14:creationId xmlns:p14="http://schemas.microsoft.com/office/powerpoint/2010/main" val="906061002"/>
+      </p:ext>
+    </p:extLst>
   </p:cSld>
   <p:clrMapOvr>
     <a:masterClrMapping/>
@@ -9105,7 +9641,7 @@
               <a:rPr lang="en-US" dirty="0" smtClean="0">
                 <a:ea typeface="+mj-ea"/>
               </a:rPr>
-              <a:t>TESTING TYPES  </a:t>
+              <a:t>TEST EXECUTION  </a:t>
             </a:r>
             <a:endParaRPr lang="en-US" dirty="0">
               <a:solidFill>
@@ -9130,23 +9666,20 @@
         </p:nvSpPr>
         <p:spPr>
           <a:xfrm>
-            <a:off x="274638" y="1746250"/>
-            <a:ext cx="8567737" cy="5002213"/>
+            <a:off x="274638" y="1827213"/>
+            <a:ext cx="8567737" cy="5002212"/>
           </a:xfrm>
         </p:spPr>
         <p:txBody>
           <a:bodyPr rtlCol="0">
-            <a:normAutofit/>
+            <a:normAutofit fontScale="92500" lnSpcReduction="10000"/>
           </a:bodyPr>
           <a:lstStyle/>
           <a:p>
             <a:pPr marL="342900" indent="-342900" eaLnBrk="1" fontAlgn="auto" hangingPunct="1">
               <a:lnSpc>
-                <a:spcPct val="150000"/>
-              </a:lnSpc>
-              <a:spcBef>
-                <a:spcPts val="0"/>
-              </a:spcBef>
+                <a:spcPct val="110000"/>
+              </a:lnSpc>
               <a:spcAft>
                 <a:spcPts val="0"/>
               </a:spcAft>
@@ -9158,131 +9691,410 @@
               <a:rPr lang="en-US" sz="2000" b="1" dirty="0" smtClean="0">
                 <a:ea typeface="+mn-ea"/>
               </a:rPr>
-              <a:t>Three primary types of testing</a:t>
-            </a:r>
+              <a:t>Two primary modes</a:t>
+            </a:r>
+          </a:p>
+          <a:p>
+            <a:pPr marL="684213" lvl="1" indent="-342900" eaLnBrk="1" fontAlgn="auto" hangingPunct="1">
+              <a:lnSpc>
+                <a:spcPct val="110000"/>
+              </a:lnSpc>
+              <a:spcAft>
+                <a:spcPts val="0"/>
+              </a:spcAft>
+              <a:buFont typeface="+mj-lt"/>
+              <a:buAutoNum type="arabicPeriod"/>
+              <a:defRPr/>
+            </a:pPr>
+            <a:r>
+              <a:rPr lang="en-US" sz="1800" b="1" dirty="0">
+                <a:ea typeface="+mn-ea"/>
+              </a:rPr>
+              <a:t>Schedule Based : Covers Regression </a:t>
+            </a:r>
+            <a:r>
+              <a:rPr lang="en-US" sz="1800" b="1" dirty="0" smtClean="0">
+                <a:ea typeface="+mn-ea"/>
+              </a:rPr>
+              <a:t>Testing  </a:t>
+            </a:r>
+            <a:r>
+              <a:rPr lang="en-US" sz="1200" b="1" dirty="0" smtClean="0">
+                <a:ea typeface="+mn-ea"/>
+              </a:rPr>
+              <a:t>MOT - Cron</a:t>
+            </a:r>
+            <a:endParaRPr lang="en-US" sz="1200" b="1" dirty="0">
+              <a:ea typeface="+mn-ea"/>
+            </a:endParaRPr>
+          </a:p>
+          <a:p>
+            <a:pPr marL="684213" lvl="1" indent="-342900" eaLnBrk="1" fontAlgn="auto" hangingPunct="1">
+              <a:lnSpc>
+                <a:spcPct val="110000"/>
+              </a:lnSpc>
+              <a:spcAft>
+                <a:spcPts val="0"/>
+              </a:spcAft>
+              <a:buFont typeface="+mj-lt"/>
+              <a:buAutoNum type="arabicPeriod"/>
+              <a:defRPr/>
+            </a:pPr>
+            <a:r>
+              <a:rPr lang="en-US" sz="1800" b="1" dirty="0">
+                <a:ea typeface="+mn-ea"/>
+              </a:rPr>
+              <a:t>On Demand : Covers all developer build initiated </a:t>
+            </a:r>
+            <a:r>
+              <a:rPr lang="en-US" sz="1800" b="1" dirty="0" smtClean="0">
+                <a:ea typeface="+mn-ea"/>
+              </a:rPr>
+              <a:t>testing  </a:t>
+            </a:r>
+            <a:r>
+              <a:rPr lang="en-US" sz="1200" b="1" dirty="0" smtClean="0">
+                <a:ea typeface="+mn-ea"/>
+              </a:rPr>
+              <a:t>DIT - Jenkins</a:t>
+            </a:r>
+            <a:endParaRPr lang="en-US" sz="1200" b="1" dirty="0">
+              <a:ea typeface="+mn-ea"/>
+            </a:endParaRPr>
+          </a:p>
+          <a:p>
+            <a:pPr marL="457206" lvl="1" indent="0" eaLnBrk="1" fontAlgn="auto" hangingPunct="1">
+              <a:lnSpc>
+                <a:spcPct val="110000"/>
+              </a:lnSpc>
+              <a:spcAft>
+                <a:spcPts val="0"/>
+              </a:spcAft>
+              <a:buNone/>
+              <a:defRPr/>
+            </a:pPr>
+            <a:r>
+              <a:rPr lang="en-US" sz="1600" b="1" dirty="0" smtClean="0">
+                <a:ea typeface="+mn-ea"/>
+              </a:rPr>
+              <a:t>                  </a:t>
+            </a:r>
+            <a:endParaRPr lang="en-US" sz="1400" b="1" dirty="0">
+              <a:ea typeface="+mn-ea"/>
+            </a:endParaRPr>
+          </a:p>
+          <a:p>
+            <a:pPr marL="342900" indent="-342900" eaLnBrk="1" fontAlgn="auto" hangingPunct="1">
+              <a:spcAft>
+                <a:spcPts val="0"/>
+              </a:spcAft>
+              <a:buFont typeface="Arial" panose="020B0604020202020204" pitchFamily="34" charset="0"/>
+              <a:buChar char="•"/>
+              <a:defRPr/>
+            </a:pPr>
+            <a:r>
+              <a:rPr lang="en-US" sz="2000" b="1" dirty="0">
+                <a:ea typeface="+mn-ea"/>
+              </a:rPr>
+              <a:t>Configuration controlled </a:t>
+            </a:r>
+            <a:r>
+              <a:rPr lang="en-US" sz="2000" b="1" dirty="0" smtClean="0">
+                <a:ea typeface="+mn-ea"/>
+              </a:rPr>
+              <a:t>testing:  </a:t>
+            </a:r>
+            <a:r>
+              <a:rPr lang="en-US" sz="2000" b="1" u="sng" dirty="0" smtClean="0">
+                <a:ea typeface="+mn-ea"/>
+              </a:rPr>
+              <a:t>Biggest Evolutionary Advance</a:t>
+            </a:r>
+            <a:endParaRPr lang="en-US" sz="2000" b="1" u="sng" dirty="0">
+              <a:ea typeface="+mn-ea"/>
+            </a:endParaRPr>
+          </a:p>
+          <a:p>
+            <a:pPr lvl="1" eaLnBrk="1" fontAlgn="auto" hangingPunct="1">
+              <a:lnSpc>
+                <a:spcPct val="100000"/>
+              </a:lnSpc>
+              <a:spcAft>
+                <a:spcPts val="0"/>
+              </a:spcAft>
+              <a:buFont typeface="Arial" panose="020B0604020202020204" pitchFamily="34" charset="0"/>
+              <a:buChar char="•"/>
+              <a:defRPr/>
+            </a:pPr>
+            <a:r>
+              <a:rPr lang="en-US" sz="1800" b="1" dirty="0" smtClean="0"/>
+              <a:t>In </a:t>
+            </a:r>
+            <a:r>
+              <a:rPr lang="en-US" sz="1800" b="1" dirty="0"/>
+              <a:t>order to scale Market Place across states our research </a:t>
+            </a:r>
+            <a:r>
+              <a:rPr lang="en-US" sz="1800" b="1" dirty="0" smtClean="0"/>
+              <a:t>required we </a:t>
+            </a:r>
+            <a:r>
+              <a:rPr lang="en-US" sz="1800" b="1" dirty="0"/>
+              <a:t>pull test </a:t>
+            </a:r>
+            <a:r>
+              <a:rPr lang="en-US" sz="1800" b="1" dirty="0" smtClean="0"/>
+              <a:t>data out </a:t>
+            </a:r>
+            <a:r>
+              <a:rPr lang="en-US" sz="1800" b="1" dirty="0"/>
+              <a:t>of </a:t>
+            </a:r>
+            <a:r>
+              <a:rPr lang="en-US" sz="1800" b="1" dirty="0" smtClean="0"/>
+              <a:t>the test scripts</a:t>
+            </a:r>
+            <a:r>
+              <a:rPr lang="en-US" sz="1800" b="1" dirty="0"/>
+              <a:t>, decoupling execution from configuration</a:t>
+            </a:r>
+            <a:r>
+              <a:rPr lang="en-US" sz="1800" b="1" dirty="0" smtClean="0"/>
+              <a:t>.  Test data is now separate and usable all delivery phases</a:t>
+            </a:r>
+            <a:endParaRPr lang="en-US" sz="1800" b="1" dirty="0">
+              <a:ea typeface="+mn-ea"/>
+            </a:endParaRPr>
           </a:p>
           <a:p>
             <a:pPr eaLnBrk="1" fontAlgn="auto" hangingPunct="1">
-              <a:lnSpc>
-                <a:spcPct val="150000"/>
-              </a:lnSpc>
-              <a:spcBef>
-                <a:spcPts val="0"/>
-              </a:spcBef>
-              <a:spcAft>
-                <a:spcPts val="0"/>
-              </a:spcAft>
-              <a:defRPr/>
-            </a:pPr>
-            <a:r>
-              <a:rPr lang="en-US" sz="1200" b="1" dirty="0">
+              <a:spcAft>
+                <a:spcPts val="0"/>
+              </a:spcAft>
+              <a:defRPr/>
+            </a:pPr>
+            <a:endParaRPr lang="en-US" b="1" dirty="0">
+              <a:ea typeface="+mn-ea"/>
+            </a:endParaRPr>
+          </a:p>
+          <a:p>
+            <a:pPr marL="342900" indent="-342900" eaLnBrk="1" fontAlgn="auto" hangingPunct="1">
+              <a:spcAft>
+                <a:spcPts val="0"/>
+              </a:spcAft>
+              <a:buFont typeface="Arial" panose="020B0604020202020204" pitchFamily="34" charset="0"/>
+              <a:buChar char="•"/>
+              <a:defRPr/>
+            </a:pPr>
+            <a:r>
+              <a:rPr lang="en-US" sz="2000" b="1" dirty="0" smtClean="0">
+                <a:ea typeface="+mn-ea"/>
+              </a:rPr>
+              <a:t>All testing regardless of primary mode is </a:t>
+            </a:r>
+            <a:r>
+              <a:rPr lang="en-US" sz="2000" b="1" u="sng" dirty="0" smtClean="0">
+                <a:ea typeface="+mn-ea"/>
+              </a:rPr>
+              <a:t>configurable</a:t>
+            </a:r>
+            <a:r>
+              <a:rPr lang="en-US" sz="2000" b="1" dirty="0" smtClean="0">
+                <a:ea typeface="+mn-ea"/>
+              </a:rPr>
+              <a:t> prior to </a:t>
+            </a:r>
+            <a:r>
+              <a:rPr lang="en-US" sz="2000" b="1" dirty="0" smtClean="0">
                 <a:ea typeface="+mn-ea"/>
               </a:rPr>
               <a:t> </a:t>
             </a:r>
             <a:r>
+              <a:rPr lang="en-US" sz="2000" b="1" dirty="0" smtClean="0">
+                <a:ea typeface="+mn-ea"/>
+              </a:rPr>
+              <a:t>test run</a:t>
+            </a:r>
+          </a:p>
+          <a:p>
+            <a:pPr lvl="1" eaLnBrk="1" fontAlgn="auto" hangingPunct="1">
+              <a:spcAft>
+                <a:spcPts val="0"/>
+              </a:spcAft>
+              <a:buFont typeface="Arial" panose="020B0604020202020204" pitchFamily="34" charset="0"/>
+              <a:buChar char="•"/>
+              <a:defRPr/>
+            </a:pPr>
+            <a:r>
+              <a:rPr lang="en-US" sz="1800" b="1" dirty="0" smtClean="0">
+                <a:ea typeface="+mn-ea"/>
+              </a:rPr>
+              <a:t>Dev  Integration tests will </a:t>
+            </a:r>
+            <a:r>
+              <a:rPr lang="en-US" sz="1800" b="1" dirty="0" smtClean="0">
+                <a:ea typeface="+mn-ea"/>
+              </a:rPr>
+              <a:t>uses the configuration model to focus testing on new code</a:t>
+            </a:r>
+          </a:p>
+          <a:p>
+            <a:pPr lvl="1" eaLnBrk="1" fontAlgn="auto" hangingPunct="1">
+              <a:spcAft>
+                <a:spcPts val="0"/>
+              </a:spcAft>
+              <a:buFont typeface="Arial" panose="020B0604020202020204" pitchFamily="34" charset="0"/>
+              <a:buChar char="•"/>
+              <a:defRPr/>
+            </a:pPr>
+            <a:r>
+              <a:rPr lang="en-US" sz="1800" b="1" dirty="0" smtClean="0"/>
+              <a:t>NGTA team can regression </a:t>
+            </a:r>
+            <a:r>
+              <a:rPr lang="en-US" sz="1800" b="1" dirty="0" smtClean="0">
+                <a:ea typeface="+mn-ea"/>
+              </a:rPr>
+              <a:t>test same deployed code w/out stepping on newly developed code</a:t>
+            </a:r>
+          </a:p>
+          <a:p>
+            <a:pPr indent="-234950" eaLnBrk="1" fontAlgn="auto" hangingPunct="1">
+              <a:spcAft>
+                <a:spcPts val="0"/>
+              </a:spcAft>
+              <a:defRPr/>
+            </a:pPr>
+            <a:r>
               <a:rPr lang="en-US" sz="1200" b="1" dirty="0" smtClean="0">
                 <a:ea typeface="+mn-ea"/>
               </a:rPr>
-              <a:t>        </a:t>
-            </a:r>
-          </a:p>
-          <a:p>
-            <a:pPr marL="341313" lvl="1" indent="0" eaLnBrk="1" fontAlgn="auto" hangingPunct="1">
-              <a:lnSpc>
-                <a:spcPct val="150000"/>
-              </a:lnSpc>
-              <a:spcBef>
-                <a:spcPts val="0"/>
-              </a:spcBef>
-              <a:spcAft>
-                <a:spcPts val="0"/>
-              </a:spcAft>
+              <a:t>                    </a:t>
+            </a:r>
+          </a:p>
+          <a:p>
+            <a:pPr marL="342900" indent="-342900" eaLnBrk="1" fontAlgn="auto" hangingPunct="1">
+              <a:lnSpc>
+                <a:spcPct val="114000"/>
+              </a:lnSpc>
+              <a:spcBef>
+                <a:spcPts val="0"/>
+              </a:spcBef>
+              <a:spcAft>
+                <a:spcPts val="0"/>
+              </a:spcAft>
+              <a:buFont typeface="Arial" panose="020B0604020202020204" pitchFamily="34" charset="0"/>
+              <a:buChar char="•"/>
+              <a:defRPr/>
+            </a:pPr>
+            <a:r>
+              <a:rPr lang="en-US" sz="1900" b="1" dirty="0"/>
+              <a:t>Market Place </a:t>
+            </a:r>
+            <a:r>
+              <a:rPr lang="en-US" sz="1900" b="1" dirty="0" smtClean="0"/>
+              <a:t>Regression test </a:t>
+            </a:r>
+            <a:r>
+              <a:rPr lang="en-US" sz="1900" b="1" dirty="0"/>
+              <a:t>&amp; Content </a:t>
+            </a:r>
+            <a:r>
+              <a:rPr lang="en-US" sz="1900" b="1" dirty="0" smtClean="0"/>
+              <a:t>test </a:t>
+            </a:r>
+            <a:r>
+              <a:rPr lang="en-US" sz="1900" b="1" dirty="0"/>
+              <a:t>is organized on </a:t>
+            </a:r>
+            <a:r>
+              <a:rPr lang="en-US" sz="1900" b="1" dirty="0" smtClean="0"/>
+              <a:t> phased </a:t>
+            </a:r>
+            <a:r>
+              <a:rPr lang="en-US" sz="1900" b="1" dirty="0"/>
+              <a:t>deliveries</a:t>
+            </a:r>
+          </a:p>
+          <a:p>
+            <a:pPr lvl="1">
+              <a:lnSpc>
+                <a:spcPct val="114000"/>
+              </a:lnSpc>
+              <a:spcBef>
+                <a:spcPts val="0"/>
+              </a:spcBef>
+              <a:buFont typeface="Arial" panose="020B0604020202020204" pitchFamily="34" charset="0"/>
+              <a:buChar char="•"/>
+              <a:defRPr/>
+            </a:pPr>
+            <a:r>
+              <a:rPr lang="en-US" sz="1500" b="1" dirty="0"/>
+              <a:t>Phase_0  CA, TX, PA, FL, NY    ,          Phase_1 DC, LA,  MD, PR, TN, VI, AK, </a:t>
+            </a:r>
+            <a:r>
+              <a:rPr lang="en-US" sz="1500" b="1" dirty="0" smtClean="0"/>
+              <a:t>AL</a:t>
+            </a:r>
+          </a:p>
+          <a:p>
+            <a:pPr marL="341313" lvl="1" indent="0">
+              <a:lnSpc>
+                <a:spcPct val="114000"/>
+              </a:lnSpc>
+              <a:spcBef>
+                <a:spcPts val="0"/>
+              </a:spcBef>
               <a:buFontTx/>
               <a:buNone/>
               <a:defRPr/>
             </a:pPr>
             <a:r>
-              <a:rPr lang="en-US" sz="1800" b="1" dirty="0" smtClean="0">
-                <a:ea typeface="+mn-ea"/>
-              </a:rPr>
-              <a:t>Page level Functional Integration </a:t>
-            </a:r>
-          </a:p>
-          <a:p>
-            <a:pPr lvl="2" eaLnBrk="1" fontAlgn="auto" hangingPunct="1">
+              <a:rPr lang="en-US" sz="300" b="1" dirty="0"/>
+              <a:t> </a:t>
+            </a:r>
+            <a:r>
+              <a:rPr lang="en-US" sz="300" b="1" dirty="0" smtClean="0"/>
+              <a:t>              </a:t>
+            </a:r>
+            <a:endParaRPr lang="en-US" sz="300" b="1" dirty="0"/>
+          </a:p>
+          <a:p>
+            <a:pPr lvl="1">
               <a:lnSpc>
                 <a:spcPct val="114000"/>
               </a:lnSpc>
               <a:spcBef>
                 <a:spcPts val="0"/>
               </a:spcBef>
-              <a:spcAft>
-                <a:spcPts val="0"/>
-              </a:spcAft>
               <a:buFont typeface="Arial" panose="020B0604020202020204" pitchFamily="34" charset="0"/>
               <a:buChar char="•"/>
               <a:defRPr/>
             </a:pPr>
             <a:r>
-              <a:rPr lang="en-US" sz="1600" b="1" dirty="0" smtClean="0">
-                <a:ea typeface="+mn-ea"/>
-              </a:rPr>
-              <a:t>Static &amp; Functional html element analysis for all pages in all products</a:t>
-            </a:r>
-          </a:p>
-          <a:p>
-            <a:pPr lvl="3" eaLnBrk="1" fontAlgn="auto" hangingPunct="1">
-              <a:lnSpc>
-                <a:spcPct val="114000"/>
-              </a:lnSpc>
-              <a:spcBef>
-                <a:spcPts val="0"/>
-              </a:spcBef>
-              <a:spcAft>
-                <a:spcPts val="0"/>
-              </a:spcAft>
-              <a:buFont typeface="Arial" panose="020B0604020202020204" pitchFamily="34" charset="0"/>
-              <a:buChar char="•"/>
-              <a:defRPr/>
-            </a:pPr>
-            <a:r>
-              <a:rPr lang="en-US" sz="1400" b="1" dirty="0" smtClean="0">
-                <a:ea typeface="+mn-ea"/>
-              </a:rPr>
-              <a:t>Every Button, Field, Check Box, Link, page element is functionally evaluated and error checked</a:t>
-            </a:r>
-          </a:p>
-          <a:p>
-            <a:pPr lvl="3" eaLnBrk="1" fontAlgn="auto" hangingPunct="1">
-              <a:lnSpc>
-                <a:spcPct val="114000"/>
-              </a:lnSpc>
-              <a:spcBef>
-                <a:spcPts val="0"/>
-              </a:spcBef>
-              <a:spcAft>
-                <a:spcPts val="0"/>
-              </a:spcAft>
-              <a:buFont typeface="Arial" panose="020B0604020202020204" pitchFamily="34" charset="0"/>
-              <a:buChar char="•"/>
-              <a:defRPr/>
-            </a:pPr>
-            <a:r>
-              <a:rPr lang="en-US" sz="1400" b="1" dirty="0" smtClean="0">
-                <a:ea typeface="+mn-ea"/>
-              </a:rPr>
-              <a:t>All page level functionality local to a page is executed and evaluated</a:t>
+              <a:rPr lang="en-US" sz="1500" b="1" dirty="0"/>
+              <a:t>Phase_2  DE, GA, MS, MT, NV, UT, </a:t>
+            </a:r>
+            <a:r>
+              <a:rPr lang="en-US" sz="1500" b="1" dirty="0" smtClean="0"/>
+              <a:t>WV  </a:t>
+            </a:r>
+            <a:r>
+              <a:rPr lang="en-US" sz="1500" b="1" dirty="0"/>
+              <a:t>,    </a:t>
+            </a:r>
+            <a:r>
+              <a:rPr lang="en-US" sz="1500" b="1" dirty="0" smtClean="0"/>
+              <a:t>       </a:t>
+            </a:r>
+            <a:r>
+              <a:rPr lang="en-US" sz="1500" b="1" dirty="0"/>
+              <a:t>Phase_3 CT, IL, OH, WA, KY, MN, NH</a:t>
             </a:r>
           </a:p>
           <a:p>
             <a:pPr marL="341313" lvl="1" indent="0" eaLnBrk="1" fontAlgn="auto" hangingPunct="1">
-              <a:lnSpc>
-                <a:spcPct val="150000"/>
-              </a:lnSpc>
-              <a:spcBef>
-                <a:spcPts val="0"/>
-              </a:spcBef>
               <a:spcAft>
                 <a:spcPts val="0"/>
               </a:spcAft>
@@ -9290,21 +10102,12 @@
               <a:buNone/>
               <a:defRPr/>
             </a:pPr>
-            <a:r>
-              <a:rPr lang="en-US" sz="900" b="1" dirty="0" smtClean="0">
-                <a:ea typeface="+mn-ea"/>
-              </a:rPr>
-              <a:t>     </a:t>
-            </a:r>
-          </a:p>
-          <a:p>
-            <a:pPr marL="341313" lvl="1" indent="0" eaLnBrk="1" fontAlgn="auto" hangingPunct="1">
-              <a:lnSpc>
-                <a:spcPct val="150000"/>
-              </a:lnSpc>
-              <a:spcBef>
-                <a:spcPts val="0"/>
-              </a:spcBef>
+            <a:endParaRPr lang="en-US" sz="1800" b="1" dirty="0" smtClean="0">
+              <a:ea typeface="+mn-ea"/>
+            </a:endParaRPr>
+          </a:p>
+          <a:p>
+            <a:pPr marL="457206" lvl="1" indent="0" eaLnBrk="1" fontAlgn="auto" hangingPunct="1">
               <a:spcAft>
                 <a:spcPts val="0"/>
               </a:spcAft>
@@ -9313,194 +10116,12 @@
               <a:defRPr/>
             </a:pPr>
             <a:r>
-              <a:rPr lang="en-US" sz="1800" b="1" dirty="0" smtClean="0">
-                <a:ea typeface="+mn-ea"/>
-              </a:rPr>
-              <a:t>Application level user work flow  :    Complete  End to End  Scenarios</a:t>
-            </a:r>
-          </a:p>
-          <a:p>
-            <a:pPr lvl="2" eaLnBrk="1" fontAlgn="auto" hangingPunct="1">
-              <a:lnSpc>
-                <a:spcPct val="114000"/>
-              </a:lnSpc>
-              <a:spcBef>
-                <a:spcPts val="0"/>
-              </a:spcBef>
-              <a:spcAft>
-                <a:spcPts val="0"/>
-              </a:spcAft>
-              <a:buFont typeface="Arial" panose="020B0604020202020204" pitchFamily="34" charset="0"/>
-              <a:buChar char="•"/>
-              <a:defRPr/>
-            </a:pPr>
-            <a:r>
-              <a:rPr lang="en-US" sz="1600" b="1" dirty="0" smtClean="0">
-                <a:ea typeface="+mn-ea"/>
-              </a:rPr>
-              <a:t>Designated user work flow execution pathways</a:t>
-            </a:r>
-          </a:p>
-          <a:p>
-            <a:pPr lvl="2" eaLnBrk="1" fontAlgn="auto" hangingPunct="1">
-              <a:lnSpc>
-                <a:spcPct val="114000"/>
-              </a:lnSpc>
-              <a:spcBef>
-                <a:spcPts val="0"/>
-              </a:spcBef>
-              <a:spcAft>
-                <a:spcPts val="0"/>
-              </a:spcAft>
-              <a:buFont typeface="Arial" panose="020B0604020202020204" pitchFamily="34" charset="0"/>
-              <a:buChar char="•"/>
-              <a:defRPr/>
-            </a:pPr>
-            <a:r>
-              <a:rPr lang="en-US" sz="1600" b="1" dirty="0" smtClean="0">
-                <a:ea typeface="+mn-ea"/>
-              </a:rPr>
-              <a:t>Extensive repeat execution with large data set Data driven</a:t>
-            </a:r>
-          </a:p>
-          <a:p>
-            <a:pPr indent="-234950" eaLnBrk="1" fontAlgn="auto" hangingPunct="1">
-              <a:lnSpc>
-                <a:spcPct val="150000"/>
-              </a:lnSpc>
-              <a:spcBef>
-                <a:spcPts val="0"/>
-              </a:spcBef>
-              <a:spcAft>
-                <a:spcPts val="0"/>
-              </a:spcAft>
-              <a:defRPr/>
-            </a:pPr>
-            <a:r>
-              <a:rPr lang="en-US" sz="900" b="1" dirty="0" smtClean="0">
-                <a:ea typeface="+mn-ea"/>
-              </a:rPr>
-              <a:t>   </a:t>
-            </a:r>
-          </a:p>
-          <a:p>
-            <a:pPr indent="-234950" eaLnBrk="1" fontAlgn="auto" hangingPunct="1">
-              <a:lnSpc>
-                <a:spcPct val="150000"/>
-              </a:lnSpc>
-              <a:spcBef>
-                <a:spcPts val="0"/>
-              </a:spcBef>
-              <a:spcAft>
-                <a:spcPts val="0"/>
-              </a:spcAft>
-              <a:defRPr/>
-            </a:pPr>
-            <a:endParaRPr lang="en-US" sz="900" b="1" dirty="0">
-              <a:ea typeface="+mn-ea"/>
-            </a:endParaRPr>
-          </a:p>
-          <a:p>
-            <a:pPr marL="341313" lvl="1" indent="0" eaLnBrk="1" fontAlgn="auto" hangingPunct="1">
-              <a:lnSpc>
-                <a:spcPct val="150000"/>
-              </a:lnSpc>
-              <a:spcBef>
-                <a:spcPts val="0"/>
-              </a:spcBef>
-              <a:spcAft>
-                <a:spcPts val="0"/>
-              </a:spcAft>
-              <a:buFontTx/>
-              <a:buNone/>
-              <a:defRPr/>
-            </a:pPr>
-            <a:r>
-              <a:rPr lang="en-US" sz="1800" b="1" dirty="0" smtClean="0">
-                <a:ea typeface="+mn-ea"/>
-              </a:rPr>
-              <a:t>Micro Service REST APIs</a:t>
-            </a:r>
-          </a:p>
-          <a:p>
-            <a:pPr lvl="2" eaLnBrk="1" fontAlgn="auto" hangingPunct="1">
-              <a:lnSpc>
-                <a:spcPct val="114000"/>
-              </a:lnSpc>
-              <a:spcBef>
-                <a:spcPts val="0"/>
-              </a:spcBef>
-              <a:spcAft>
-                <a:spcPts val="0"/>
-              </a:spcAft>
-              <a:buFont typeface="Arial" panose="020B0604020202020204" pitchFamily="34" charset="0"/>
-              <a:buChar char="•"/>
-              <a:defRPr/>
-            </a:pPr>
-            <a:r>
-              <a:rPr lang="en-US" sz="1600" b="1" dirty="0" smtClean="0">
-                <a:ea typeface="+mn-ea"/>
-              </a:rPr>
-              <a:t>Regression coverage for Micro service REST API </a:t>
-            </a:r>
-          </a:p>
-          <a:p>
-            <a:pPr lvl="2" eaLnBrk="1" fontAlgn="auto" hangingPunct="1">
-              <a:lnSpc>
-                <a:spcPct val="114000"/>
-              </a:lnSpc>
-              <a:spcBef>
-                <a:spcPts val="0"/>
-              </a:spcBef>
-              <a:spcAft>
-                <a:spcPts val="0"/>
-              </a:spcAft>
-              <a:buFont typeface="Arial" panose="020B0604020202020204" pitchFamily="34" charset="0"/>
-              <a:buChar char="•"/>
-              <a:defRPr/>
-            </a:pPr>
-            <a:r>
-              <a:rPr lang="en-US" sz="1600" b="1" dirty="0" smtClean="0">
-                <a:ea typeface="+mn-ea"/>
-              </a:rPr>
-              <a:t>Additionally API testing is used to compare data for testing in CX UI Applications</a:t>
-            </a:r>
-            <a:endParaRPr lang="en-US" sz="1600" b="1" dirty="0">
-              <a:ea typeface="+mn-ea"/>
-            </a:endParaRPr>
-          </a:p>
-          <a:p>
-            <a:pPr marL="457206" lvl="1" indent="0" eaLnBrk="1" fontAlgn="auto" hangingPunct="1">
-              <a:lnSpc>
-                <a:spcPct val="110000"/>
-              </a:lnSpc>
-              <a:spcAft>
-                <a:spcPts val="0"/>
-              </a:spcAft>
-              <a:buFontTx/>
-              <a:buNone/>
-              <a:defRPr/>
-            </a:pPr>
-            <a:r>
-              <a:rPr lang="en-US" sz="1600" b="1" dirty="0" smtClean="0">
-                <a:ea typeface="+mn-ea"/>
-              </a:rPr>
-              <a:t>                  </a:t>
-            </a:r>
-          </a:p>
-          <a:p>
-            <a:pPr marL="457206" lvl="1" indent="0" eaLnBrk="1" fontAlgn="auto" hangingPunct="1">
-              <a:lnSpc>
-                <a:spcPct val="110000"/>
-              </a:lnSpc>
-              <a:spcAft>
-                <a:spcPts val="0"/>
-              </a:spcAft>
-              <a:buFontTx/>
-              <a:buNone/>
-              <a:defRPr/>
-            </a:pPr>
-            <a:endParaRPr lang="en-US" sz="1400" b="1" dirty="0">
+              <a:rPr lang="en-US" sz="1400" dirty="0" smtClean="0">
+                <a:ea typeface="+mn-ea"/>
+              </a:rPr>
+              <a:t>      </a:t>
+            </a:r>
+            <a:endParaRPr lang="en-US" sz="1400" dirty="0">
               <a:ea typeface="+mn-ea"/>
             </a:endParaRPr>
           </a:p>
@@ -9540,63 +10161,7 @@
       </p:grpSpPr>
       <p:sp>
         <p:nvSpPr>
-          <p:cNvPr id="4" name="Title 1">
-            <a:hlinkClick r:id="rId2" action="ppaction://hlinksldjump"/>
-          </p:cNvPr>
-          <p:cNvSpPr txBox="1">
-            <a:spLocks/>
-          </p:cNvSpPr>
-          <p:nvPr/>
-        </p:nvSpPr>
-        <p:spPr>
-          <a:xfrm>
-            <a:off x="368300" y="47625"/>
-            <a:ext cx="312738" cy="287338"/>
-          </a:xfrm>
-          <a:prstGeom prst="rect">
-            <a:avLst/>
-          </a:prstGeom>
-        </p:spPr>
-        <p:txBody>
-          <a:bodyPr>
-            <a:normAutofit fontScale="55000" lnSpcReduction="20000"/>
-          </a:bodyPr>
-          <a:lstStyle>
-            <a:lvl1pPr algn="l" defTabSz="457200" rtl="0" eaLnBrk="1" latinLnBrk="0" hangingPunct="1">
-              <a:spcBef>
-                <a:spcPct val="0"/>
-              </a:spcBef>
-              <a:buNone/>
-              <a:defRPr sz="5000" b="0" i="0" kern="1200">
-                <a:solidFill>
-                  <a:srgbClr val="128BAD"/>
-                </a:solidFill>
-                <a:latin typeface="Calibri Light"/>
-                <a:ea typeface="+mj-ea"/>
-                <a:cs typeface="Calibri Light"/>
-              </a:defRPr>
-            </a:lvl1pPr>
-          </a:lstStyle>
-          <a:p>
-            <a:pPr fontAlgn="auto">
-              <a:spcAft>
-                <a:spcPts val="0"/>
-              </a:spcAft>
-              <a:defRPr/>
-            </a:pPr>
-            <a:endParaRPr lang="en-US" sz="2800" dirty="0">
-              <a:solidFill>
-                <a:schemeClr val="bg1">
-                  <a:lumMod val="95000"/>
-                </a:schemeClr>
-              </a:solidFill>
-            </a:endParaRPr>
-          </a:p>
-        </p:txBody>
-      </p:sp>
-      <p:sp>
-        <p:nvSpPr>
-          <p:cNvPr id="18434" name="Title 7"/>
+          <p:cNvPr id="2" name="Title 1"/>
           <p:cNvSpPr>
             <a:spLocks noGrp="1"/>
           </p:cNvSpPr>
@@ -9606,268 +10171,424 @@
         </p:nvSpPr>
         <p:spPr>
           <a:xfrm>
-            <a:off x="712788" y="109538"/>
-            <a:ext cx="6897687" cy="1528762"/>
+            <a:off x="1527175" y="125413"/>
+            <a:ext cx="5238750" cy="1325562"/>
           </a:xfrm>
         </p:spPr>
         <p:txBody>
-          <a:bodyPr anchor="t"/>
+          <a:bodyPr rtlCol="0" anchor="t">
+            <a:normAutofit/>
+          </a:bodyPr>
           <a:lstStyle/>
           <a:p>
-            <a:pPr algn="ctr" eaLnBrk="1" hangingPunct="1"/>
-            <a:r>
-              <a:rPr lang="en-US" smtClean="0">
-                <a:latin typeface="Calibri Light" pitchFamily="34" charset="0"/>
-              </a:rPr>
-              <a:t>TEST CASES NUMBERS</a:t>
-            </a:r>
-            <a:br>
-              <a:rPr lang="en-US" smtClean="0">
-                <a:latin typeface="Calibri Light" pitchFamily="34" charset="0"/>
-              </a:rPr>
-            </a:br>
-            <a:r>
-              <a:rPr lang="en-US" sz="4000" smtClean="0">
-                <a:latin typeface="Calibri Light" pitchFamily="34" charset="0"/>
-              </a:rPr>
-              <a:t>Market Place</a:t>
-            </a:r>
-            <a:endParaRPr lang="en-US" smtClean="0">
-              <a:latin typeface="Calibri Light" pitchFamily="34" charset="0"/>
+            <a:pPr algn="ctr" eaLnBrk="1" fontAlgn="auto" hangingPunct="1">
+              <a:spcAft>
+                <a:spcPts val="0"/>
+              </a:spcAft>
+              <a:defRPr/>
+            </a:pPr>
+            <a:r>
+              <a:rPr lang="en-US" dirty="0" smtClean="0">
+                <a:ea typeface="+mj-ea"/>
+              </a:rPr>
+              <a:t>TESTING TYPES  </a:t>
+            </a:r>
+            <a:endParaRPr lang="en-US" dirty="0">
+              <a:solidFill>
+                <a:schemeClr val="bg1">
+                  <a:lumMod val="85000"/>
+                </a:schemeClr>
+              </a:solidFill>
+              <a:ea typeface="+mj-ea"/>
             </a:endParaRPr>
           </a:p>
         </p:txBody>
       </p:sp>
       <p:sp>
         <p:nvSpPr>
-          <p:cNvPr id="18435" name="TextBox 12"/>
-          <p:cNvSpPr txBox="1">
-            <a:spLocks noChangeArrowheads="1"/>
+          <p:cNvPr id="3" name="Content Placeholder 2"/>
+          <p:cNvSpPr>
+            <a:spLocks noGrp="1"/>
           </p:cNvSpPr>
-          <p:nvPr/>
+          <p:nvPr>
+            <p:ph idx="1"/>
+          </p:nvPr>
         </p:nvSpPr>
-        <p:spPr bwMode="auto">
+        <p:spPr>
           <a:xfrm>
-            <a:off x="274638" y="1582738"/>
-            <a:ext cx="8869362" cy="5140325"/>
+            <a:off x="274638" y="1746250"/>
+            <a:ext cx="8567737" cy="5002213"/>
           </a:xfrm>
-          <a:prstGeom prst="rect">
-            <a:avLst/>
-          </a:prstGeom>
-          <a:noFill/>
-          <a:ln w="9525">
-            <a:noFill/>
-            <a:miter lim="800000"/>
-            <a:headEnd/>
-            <a:tailEnd/>
-          </a:ln>
         </p:spPr>
         <p:txBody>
-          <a:bodyPr>
-            <a:spAutoFit/>
+          <a:bodyPr rtlCol="0">
+            <a:normAutofit/>
           </a:bodyPr>
           <a:lstStyle/>
           <a:p>
-            <a:pPr marL="342900" indent="-342900">
-              <a:buFont typeface="Arial" charset="0"/>
-              <a:buChar char="•"/>
-              <a:defRPr/>
-            </a:pPr>
-            <a:r>
-              <a:rPr lang="en-US" sz="2000" dirty="0">
-                <a:latin typeface="Calibri" pitchFamily="34" charset="0"/>
-              </a:rPr>
-              <a:t>Test case results are the result of functional test written                                                  for a product   X   data points tested against   X    States Tested in</a:t>
-            </a:r>
-          </a:p>
-          <a:p>
-            <a:pPr marL="342900" indent="-342900">
-              <a:defRPr/>
-            </a:pPr>
-            <a:endParaRPr lang="en-US" sz="2000" dirty="0">
-              <a:latin typeface="Calibri" pitchFamily="34" charset="0"/>
+            <a:pPr marL="342900" indent="-342900" eaLnBrk="1" fontAlgn="auto" hangingPunct="1">
+              <a:lnSpc>
+                <a:spcPct val="150000"/>
+              </a:lnSpc>
+              <a:spcBef>
+                <a:spcPts val="0"/>
+              </a:spcBef>
+              <a:spcAft>
+                <a:spcPts val="0"/>
+              </a:spcAft>
+              <a:buFont typeface="Arial" panose="020B0604020202020204" pitchFamily="34" charset="0"/>
+              <a:buChar char="•"/>
+              <a:defRPr/>
+            </a:pPr>
+            <a:r>
+              <a:rPr lang="en-US" sz="2000" b="1" dirty="0" smtClean="0">
+                <a:ea typeface="+mn-ea"/>
+              </a:rPr>
+              <a:t>Three primary types of testing</a:t>
+            </a:r>
+          </a:p>
+          <a:p>
+            <a:pPr eaLnBrk="1" fontAlgn="auto" hangingPunct="1">
+              <a:lnSpc>
+                <a:spcPct val="150000"/>
+              </a:lnSpc>
+              <a:spcBef>
+                <a:spcPts val="0"/>
+              </a:spcBef>
+              <a:spcAft>
+                <a:spcPts val="0"/>
+              </a:spcAft>
+              <a:defRPr/>
+            </a:pPr>
+            <a:r>
+              <a:rPr lang="en-US" sz="1200" b="1" dirty="0">
+                <a:ea typeface="+mn-ea"/>
+              </a:rPr>
+              <a:t> </a:t>
+            </a:r>
+            <a:r>
+              <a:rPr lang="en-US" sz="1200" b="1" dirty="0" smtClean="0">
+                <a:ea typeface="+mn-ea"/>
+              </a:rPr>
+              <a:t>        </a:t>
+            </a:r>
+          </a:p>
+          <a:p>
+            <a:pPr marL="341313" lvl="1" indent="0" eaLnBrk="1" fontAlgn="auto" hangingPunct="1">
+              <a:lnSpc>
+                <a:spcPct val="150000"/>
+              </a:lnSpc>
+              <a:spcBef>
+                <a:spcPts val="0"/>
+              </a:spcBef>
+              <a:spcAft>
+                <a:spcPts val="0"/>
+              </a:spcAft>
+              <a:buFontTx/>
+              <a:buNone/>
+              <a:defRPr/>
+            </a:pPr>
+            <a:r>
+              <a:rPr lang="en-US" sz="1800" b="1" dirty="0" smtClean="0">
+                <a:ea typeface="+mn-ea"/>
+              </a:rPr>
+              <a:t>Page level Functional Integration </a:t>
+            </a:r>
+          </a:p>
+          <a:p>
+            <a:pPr lvl="2" eaLnBrk="1" fontAlgn="auto" hangingPunct="1">
+              <a:lnSpc>
+                <a:spcPct val="114000"/>
+              </a:lnSpc>
+              <a:spcBef>
+                <a:spcPts val="0"/>
+              </a:spcBef>
+              <a:spcAft>
+                <a:spcPts val="0"/>
+              </a:spcAft>
+              <a:buFont typeface="Arial" panose="020B0604020202020204" pitchFamily="34" charset="0"/>
+              <a:buChar char="•"/>
+              <a:defRPr/>
+            </a:pPr>
+            <a:r>
+              <a:rPr lang="en-US" sz="1600" b="1" dirty="0" smtClean="0">
+                <a:ea typeface="+mn-ea"/>
+              </a:rPr>
+              <a:t>Static &amp; Functional html element analysis for all pages in all products</a:t>
+            </a:r>
+          </a:p>
+          <a:p>
+            <a:pPr lvl="3" eaLnBrk="1" fontAlgn="auto" hangingPunct="1">
+              <a:lnSpc>
+                <a:spcPct val="114000"/>
+              </a:lnSpc>
+              <a:spcBef>
+                <a:spcPts val="0"/>
+              </a:spcBef>
+              <a:spcAft>
+                <a:spcPts val="0"/>
+              </a:spcAft>
+              <a:buFont typeface="Arial" panose="020B0604020202020204" pitchFamily="34" charset="0"/>
+              <a:buChar char="•"/>
+              <a:defRPr/>
+            </a:pPr>
+            <a:r>
+              <a:rPr lang="en-US" sz="1400" b="1" dirty="0" smtClean="0">
+                <a:ea typeface="+mn-ea"/>
+              </a:rPr>
+              <a:t>Every Button, Field, Check Box, Link, page element is functionally evaluated and error checked</a:t>
+            </a:r>
+          </a:p>
+          <a:p>
+            <a:pPr lvl="3" eaLnBrk="1" fontAlgn="auto" hangingPunct="1">
+              <a:lnSpc>
+                <a:spcPct val="114000"/>
+              </a:lnSpc>
+              <a:spcBef>
+                <a:spcPts val="0"/>
+              </a:spcBef>
+              <a:spcAft>
+                <a:spcPts val="0"/>
+              </a:spcAft>
+              <a:buFont typeface="Arial" panose="020B0604020202020204" pitchFamily="34" charset="0"/>
+              <a:buChar char="•"/>
+              <a:defRPr/>
+            </a:pPr>
+            <a:r>
+              <a:rPr lang="en-US" sz="1400" b="1" dirty="0" smtClean="0">
+                <a:ea typeface="+mn-ea"/>
+              </a:rPr>
+              <a:t>All page level functionality local to a page is executed and evaluated</a:t>
+            </a:r>
+          </a:p>
+          <a:p>
+            <a:pPr marL="341313" lvl="1" indent="0" eaLnBrk="1" fontAlgn="auto" hangingPunct="1">
+              <a:lnSpc>
+                <a:spcPct val="150000"/>
+              </a:lnSpc>
+              <a:spcBef>
+                <a:spcPts val="0"/>
+              </a:spcBef>
+              <a:spcAft>
+                <a:spcPts val="0"/>
+              </a:spcAft>
+              <a:buFontTx/>
+              <a:buNone/>
+              <a:defRPr/>
+            </a:pPr>
+            <a:r>
+              <a:rPr lang="en-US" sz="900" b="1" dirty="0" smtClean="0">
+                <a:ea typeface="+mn-ea"/>
+              </a:rPr>
+              <a:t>     </a:t>
+            </a:r>
+          </a:p>
+          <a:p>
+            <a:pPr marL="341313" lvl="1" indent="0" eaLnBrk="1" fontAlgn="auto" hangingPunct="1">
+              <a:lnSpc>
+                <a:spcPct val="150000"/>
+              </a:lnSpc>
+              <a:spcBef>
+                <a:spcPts val="0"/>
+              </a:spcBef>
+              <a:spcAft>
+                <a:spcPts val="0"/>
+              </a:spcAft>
+              <a:buFontTx/>
+              <a:buNone/>
+              <a:defRPr/>
+            </a:pPr>
+            <a:r>
+              <a:rPr lang="en-US" sz="1800" b="1" dirty="0" smtClean="0">
+                <a:ea typeface="+mn-ea"/>
+              </a:rPr>
+              <a:t>Application level user work flow  :    Complete  End to End  Scenarios</a:t>
+            </a:r>
+          </a:p>
+          <a:p>
+            <a:pPr lvl="2" eaLnBrk="1" fontAlgn="auto" hangingPunct="1">
+              <a:lnSpc>
+                <a:spcPct val="114000"/>
+              </a:lnSpc>
+              <a:spcBef>
+                <a:spcPts val="0"/>
+              </a:spcBef>
+              <a:spcAft>
+                <a:spcPts val="0"/>
+              </a:spcAft>
+              <a:buFont typeface="Arial" panose="020B0604020202020204" pitchFamily="34" charset="0"/>
+              <a:buChar char="•"/>
+              <a:defRPr/>
+            </a:pPr>
+            <a:r>
+              <a:rPr lang="en-US" sz="1600" b="1" dirty="0" smtClean="0">
+                <a:ea typeface="+mn-ea"/>
+              </a:rPr>
+              <a:t>Designated user work flow execution pathways</a:t>
+            </a:r>
+          </a:p>
+          <a:p>
+            <a:pPr lvl="2" eaLnBrk="1" fontAlgn="auto" hangingPunct="1">
+              <a:lnSpc>
+                <a:spcPct val="114000"/>
+              </a:lnSpc>
+              <a:spcBef>
+                <a:spcPts val="0"/>
+              </a:spcBef>
+              <a:spcAft>
+                <a:spcPts val="0"/>
+              </a:spcAft>
+              <a:buFont typeface="Arial" panose="020B0604020202020204" pitchFamily="34" charset="0"/>
+              <a:buChar char="•"/>
+              <a:defRPr/>
+            </a:pPr>
+            <a:r>
+              <a:rPr lang="en-US" sz="1600" b="1" dirty="0" smtClean="0">
+                <a:ea typeface="+mn-ea"/>
+              </a:rPr>
+              <a:t>Extensive repeat execution with large data set Data driven</a:t>
+            </a:r>
+          </a:p>
+          <a:p>
+            <a:pPr indent="-234950" eaLnBrk="1" fontAlgn="auto" hangingPunct="1">
+              <a:lnSpc>
+                <a:spcPct val="150000"/>
+              </a:lnSpc>
+              <a:spcBef>
+                <a:spcPts val="0"/>
+              </a:spcBef>
+              <a:spcAft>
+                <a:spcPts val="0"/>
+              </a:spcAft>
+              <a:defRPr/>
+            </a:pPr>
+            <a:r>
+              <a:rPr lang="en-US" sz="900" b="1" dirty="0" smtClean="0">
+                <a:ea typeface="+mn-ea"/>
+              </a:rPr>
+              <a:t>   </a:t>
+            </a:r>
+          </a:p>
+          <a:p>
+            <a:pPr indent="-234950" eaLnBrk="1" fontAlgn="auto" hangingPunct="1">
+              <a:lnSpc>
+                <a:spcPct val="150000"/>
+              </a:lnSpc>
+              <a:spcBef>
+                <a:spcPts val="0"/>
+              </a:spcBef>
+              <a:spcAft>
+                <a:spcPts val="0"/>
+              </a:spcAft>
+              <a:defRPr/>
+            </a:pPr>
+            <a:endParaRPr lang="en-US" sz="900" b="1" dirty="0">
+              <a:ea typeface="+mn-ea"/>
             </a:endParaRPr>
           </a:p>
           <a:p>
-            <a:pPr marL="342900" indent="-342900">
-              <a:buFont typeface="Arial" charset="0"/>
-              <a:buChar char="•"/>
-              <a:defRPr/>
-            </a:pPr>
-            <a:r>
-              <a:rPr lang="en-US" sz="1400" b="1" dirty="0">
-                <a:latin typeface="Calibri" pitchFamily="34" charset="0"/>
-              </a:rPr>
-              <a:t>Phase 0</a:t>
-            </a:r>
-            <a:r>
-              <a:rPr lang="en-US" sz="1400" dirty="0">
-                <a:latin typeface="Calibri" pitchFamily="34" charset="0"/>
-              </a:rPr>
-              <a:t> contains 4 products w/ 393, 478, 387, 442 test cases per product, total 1700 functional tests written.                                                                              Factoring test data points and the states where the product is deployed the calculation                                                                                                                                  </a:t>
-            </a:r>
-            <a:r>
-              <a:rPr lang="en-US" sz="2000" dirty="0">
-                <a:latin typeface="Calibri" pitchFamily="34" charset="0"/>
-              </a:rPr>
-              <a:t>4 Products tested in 5 states totals </a:t>
-            </a:r>
-            <a:r>
-              <a:rPr lang="en-US" sz="2400" dirty="0">
-                <a:latin typeface="Calibri" pitchFamily="34" charset="0"/>
-              </a:rPr>
-              <a:t>10125 tests</a:t>
-            </a:r>
-            <a:endParaRPr lang="en-US" dirty="0">
-              <a:latin typeface="Calibri" pitchFamily="34" charset="0"/>
+            <a:pPr marL="341313" lvl="1" indent="0" eaLnBrk="1" fontAlgn="auto" hangingPunct="1">
+              <a:lnSpc>
+                <a:spcPct val="150000"/>
+              </a:lnSpc>
+              <a:spcBef>
+                <a:spcPts val="0"/>
+              </a:spcBef>
+              <a:spcAft>
+                <a:spcPts val="0"/>
+              </a:spcAft>
+              <a:buFontTx/>
+              <a:buNone/>
+              <a:defRPr/>
+            </a:pPr>
+            <a:r>
+              <a:rPr lang="en-US" sz="1800" b="1" dirty="0" smtClean="0">
+                <a:ea typeface="+mn-ea"/>
+              </a:rPr>
+              <a:t>Micro Service REST APIs</a:t>
+            </a:r>
+          </a:p>
+          <a:p>
+            <a:pPr lvl="2" eaLnBrk="1" fontAlgn="auto" hangingPunct="1">
+              <a:lnSpc>
+                <a:spcPct val="114000"/>
+              </a:lnSpc>
+              <a:spcBef>
+                <a:spcPts val="0"/>
+              </a:spcBef>
+              <a:spcAft>
+                <a:spcPts val="0"/>
+              </a:spcAft>
+              <a:buFont typeface="Arial" panose="020B0604020202020204" pitchFamily="34" charset="0"/>
+              <a:buChar char="•"/>
+              <a:defRPr/>
+            </a:pPr>
+            <a:r>
+              <a:rPr lang="en-US" sz="1600" b="1" dirty="0" smtClean="0">
+                <a:ea typeface="+mn-ea"/>
+              </a:rPr>
+              <a:t>Regression coverage for Micro service REST API </a:t>
+            </a:r>
+          </a:p>
+          <a:p>
+            <a:pPr lvl="2" eaLnBrk="1" fontAlgn="auto" hangingPunct="1">
+              <a:lnSpc>
+                <a:spcPct val="114000"/>
+              </a:lnSpc>
+              <a:spcBef>
+                <a:spcPts val="0"/>
+              </a:spcBef>
+              <a:spcAft>
+                <a:spcPts val="0"/>
+              </a:spcAft>
+              <a:buFont typeface="Arial" panose="020B0604020202020204" pitchFamily="34" charset="0"/>
+              <a:buChar char="•"/>
+              <a:defRPr/>
+            </a:pPr>
+            <a:r>
+              <a:rPr lang="en-US" sz="1600" b="1" dirty="0" smtClean="0">
+                <a:ea typeface="+mn-ea"/>
+              </a:rPr>
+              <a:t>Additionally API testing is used to compare data for testing in CX UI Applications</a:t>
+            </a:r>
+            <a:endParaRPr lang="en-US" sz="1600" b="1" dirty="0">
+              <a:ea typeface="+mn-ea"/>
             </a:endParaRPr>
           </a:p>
           <a:p>
-            <a:pPr>
-              <a:defRPr/>
-            </a:pPr>
-            <a:r>
-              <a:rPr lang="en-US" sz="1200" dirty="0">
-                <a:latin typeface="Calibri" pitchFamily="34" charset="0"/>
-              </a:rPr>
-              <a:t>   </a:t>
-            </a:r>
-          </a:p>
-          <a:p>
-            <a:pPr marL="342900" indent="-342900">
-              <a:buFont typeface="Arial" charset="0"/>
-              <a:buChar char="•"/>
-              <a:defRPr/>
-            </a:pPr>
-            <a:r>
-              <a:rPr lang="en-US" sz="1400" b="1" dirty="0">
-                <a:latin typeface="Calibri" pitchFamily="34" charset="0"/>
-              </a:rPr>
-              <a:t>Phase 1 </a:t>
-            </a:r>
-            <a:r>
-              <a:rPr lang="en-US" sz="1400" dirty="0">
-                <a:latin typeface="Calibri" pitchFamily="34" charset="0"/>
-              </a:rPr>
-              <a:t>contains 2 products with 387, 442 test cases per product, total 829 functional tests written.               Factoring test data points and the states where the product is deployed the calculation</a:t>
-            </a:r>
-            <a:r>
-              <a:rPr lang="en-US" dirty="0"/>
-              <a:t> </a:t>
-            </a:r>
-            <a:r>
-              <a:rPr lang="en-US" sz="1400" dirty="0">
-                <a:latin typeface="Calibri" pitchFamily="34" charset="0"/>
-              </a:rPr>
-              <a:t>                                                                                                                                       </a:t>
-            </a:r>
-            <a:r>
-              <a:rPr lang="en-US" sz="2000" dirty="0">
-                <a:latin typeface="Calibri" pitchFamily="34" charset="0"/>
-              </a:rPr>
-              <a:t>2 Products tested in 8 States totals </a:t>
-            </a:r>
-            <a:r>
-              <a:rPr lang="en-US" sz="2400" dirty="0">
-                <a:latin typeface="Calibri" pitchFamily="34" charset="0"/>
-              </a:rPr>
-              <a:t>4394 tests</a:t>
-            </a:r>
-          </a:p>
-          <a:p>
-            <a:pPr>
-              <a:defRPr/>
-            </a:pPr>
-            <a:r>
-              <a:rPr lang="en-US" sz="1200" dirty="0">
-                <a:latin typeface="Calibri" pitchFamily="34" charset="0"/>
-              </a:rPr>
-              <a:t>     </a:t>
-            </a:r>
-          </a:p>
-          <a:p>
-            <a:pPr marL="342900" indent="-342900">
-              <a:buFont typeface="Arial" charset="0"/>
-              <a:buChar char="•"/>
-              <a:defRPr/>
-            </a:pPr>
-            <a:r>
-              <a:rPr lang="en-US" sz="1400" b="1" dirty="0">
-                <a:latin typeface="Calibri" pitchFamily="34" charset="0"/>
-              </a:rPr>
-              <a:t>Phase 2 </a:t>
-            </a:r>
-            <a:r>
-              <a:rPr lang="en-US" sz="1400" dirty="0">
-                <a:latin typeface="Calibri" pitchFamily="34" charset="0"/>
-              </a:rPr>
-              <a:t>contains 1 products with 442 test cases per product, total 442 functional tests written.                      Factoring test data points and the states where the product is deployed the calculation</a:t>
-            </a:r>
-            <a:r>
-              <a:rPr lang="en-US" sz="1400" dirty="0"/>
-              <a:t>                                      </a:t>
-            </a:r>
-            <a:r>
-              <a:rPr lang="en-US" dirty="0"/>
-              <a:t> </a:t>
-            </a:r>
-            <a:r>
-              <a:rPr lang="en-US" sz="2000" dirty="0">
-                <a:latin typeface="Calibri" pitchFamily="34" charset="0"/>
-              </a:rPr>
-              <a:t>1 Product tested in 7 States totals </a:t>
-            </a:r>
-            <a:r>
-              <a:rPr lang="en-US" sz="2400" dirty="0">
-                <a:latin typeface="Calibri" pitchFamily="34" charset="0"/>
-              </a:rPr>
-              <a:t>3234 tests</a:t>
-            </a:r>
-            <a:endParaRPr lang="en-US" sz="2000" dirty="0">
-              <a:latin typeface="Calibri" pitchFamily="34" charset="0"/>
+            <a:pPr marL="457206" lvl="1" indent="0" eaLnBrk="1" fontAlgn="auto" hangingPunct="1">
+              <a:lnSpc>
+                <a:spcPct val="110000"/>
+              </a:lnSpc>
+              <a:spcAft>
+                <a:spcPts val="0"/>
+              </a:spcAft>
+              <a:buFontTx/>
+              <a:buNone/>
+              <a:defRPr/>
+            </a:pPr>
+            <a:r>
+              <a:rPr lang="en-US" sz="1600" b="1" dirty="0" smtClean="0">
+                <a:ea typeface="+mn-ea"/>
+              </a:rPr>
+              <a:t>                  </a:t>
+            </a:r>
+          </a:p>
+          <a:p>
+            <a:pPr marL="457206" lvl="1" indent="0" eaLnBrk="1" fontAlgn="auto" hangingPunct="1">
+              <a:lnSpc>
+                <a:spcPct val="110000"/>
+              </a:lnSpc>
+              <a:spcAft>
+                <a:spcPts val="0"/>
+              </a:spcAft>
+              <a:buFontTx/>
+              <a:buNone/>
+              <a:defRPr/>
+            </a:pPr>
+            <a:endParaRPr lang="en-US" sz="1400" b="1" dirty="0">
+              <a:ea typeface="+mn-ea"/>
             </a:endParaRPr>
-          </a:p>
-          <a:p>
-            <a:pPr>
-              <a:defRPr/>
-            </a:pPr>
-            <a:r>
-              <a:rPr lang="en-US" sz="1200" dirty="0">
-                <a:latin typeface="Calibri" pitchFamily="34" charset="0"/>
-              </a:rPr>
-              <a:t>     </a:t>
-            </a:r>
-          </a:p>
-          <a:p>
-            <a:pPr marL="342900" indent="-342900">
-              <a:buFont typeface="Arial" charset="0"/>
-              <a:buChar char="•"/>
-              <a:defRPr/>
-            </a:pPr>
-            <a:r>
-              <a:rPr lang="en-US" sz="1400" b="1" dirty="0"/>
-              <a:t>Phase 3 </a:t>
-            </a:r>
-            <a:r>
-              <a:rPr lang="en-US" sz="1400" dirty="0"/>
-              <a:t>contains 1 products with 442 test cases per product, total 442 functional tests written.                      Factoring test data points and the states where the product is deployed the calculation</a:t>
-            </a:r>
-            <a:r>
-              <a:rPr lang="en-US" dirty="0"/>
-              <a:t>                        </a:t>
-            </a:r>
-            <a:r>
-              <a:rPr lang="en-US" sz="2000" dirty="0">
-                <a:latin typeface="Calibri" pitchFamily="34" charset="0"/>
-              </a:rPr>
-              <a:t>1 Product tested in 7 States totals </a:t>
-            </a:r>
-            <a:r>
-              <a:rPr lang="en-US" sz="2400" dirty="0">
-                <a:latin typeface="Calibri" pitchFamily="34" charset="0"/>
-              </a:rPr>
-              <a:t>3234 tests</a:t>
-            </a:r>
           </a:p>
         </p:txBody>
       </p:sp>
@@ -10205,7 +10926,7 @@
   <a:extraClrSchemeLst/>
   <a:extLst>
     <a:ext uri="{05A4C25C-085E-4340-85A3-A5531E510DB2}">
-      <thm15:themeFamily xmlns="" xmlns:thm15="http://schemas.microsoft.com/office/thememl/2012/main" name="Presentation2" id="{E033CE4F-DAC9-4DC1-B085-D07FC0345DDB}" vid="{0783260F-4856-4ED7-B8E5-5C83CC1572CF}"/>
+      <thm15:themeFamily xmlns:thm15="http://schemas.microsoft.com/office/thememl/2012/main" name="Presentation2" id="{E033CE4F-DAC9-4DC1-B085-D07FC0345DDB}" vid="{0783260F-4856-4ED7-B8E5-5C83CC1572CF}"/>
     </a:ext>
   </a:extLst>
 </a:theme>
@@ -10466,7 +11187,7 @@
   <a:extraClrSchemeLst/>
   <a:extLst>
     <a:ext uri="{05A4C25C-085E-4340-85A3-A5531E510DB2}">
-      <thm15:themeFamily xmlns="" xmlns:thm15="http://schemas.microsoft.com/office/thememl/2012/main" name="Office Theme" id="{62F939B6-93AF-4DB8-9C6B-D6C7DFDC589F}" vid="{4A3C46E8-61CC-4603-A589-7422A47A8E4A}"/>
+      <thm15:themeFamily xmlns:thm15="http://schemas.microsoft.com/office/thememl/2012/main" name="Office Theme" id="{62F939B6-93AF-4DB8-9C6B-D6C7DFDC589F}" vid="{4A3C46E8-61CC-4603-A589-7422A47A8E4A}"/>
     </a:ext>
   </a:extLst>
 </a:theme>

--- a/CurrentWork_Delta/CX_StrategyPowerPoint.pptx
+++ b/CurrentWork_Delta/CX_StrategyPowerPoint.pptx
@@ -286,7 +286,7 @@
               <a:pPr>
                 <a:defRPr/>
               </a:pPr>
-              <a:t>4/20/2018</a:t>
+              <a:t>4/23/2018</a:t>
             </a:fld>
             <a:endParaRPr lang="en-US"/>
           </a:p>
@@ -2922,7 +2922,7 @@
         <p:spPr>
           <a:xfrm>
             <a:off x="433388" y="914400"/>
-            <a:ext cx="3849687" cy="2803525"/>
+            <a:ext cx="4254359" cy="5382228"/>
           </a:xfrm>
         </p:spPr>
         <p:txBody>
@@ -2941,7 +2941,13 @@
               <a:rPr lang="en-US" u="sng" dirty="0" smtClean="0">
                 <a:ea typeface="+mn-ea"/>
               </a:rPr>
-              <a:t>Three levels </a:t>
+              <a:t>Three </a:t>
+            </a:r>
+            <a:r>
+              <a:rPr lang="en-US" u="sng" dirty="0" smtClean="0">
+                <a:ea typeface="+mn-ea"/>
+              </a:rPr>
+              <a:t>Desired levels </a:t>
             </a:r>
             <a:r>
               <a:rPr lang="en-US" u="sng" dirty="0">
@@ -2987,7 +2993,7 @@
               <a:rPr lang="en-US" b="1" dirty="0" smtClean="0">
                 <a:ea typeface="+mn-ea"/>
               </a:rPr>
-              <a:t>Hyper granular</a:t>
+              <a:t>Test Run</a:t>
             </a:r>
             <a:r>
               <a:rPr lang="en-US" dirty="0" smtClean="0">
@@ -2995,6 +3001,9 @@
               </a:rPr>
               <a:t>:  </a:t>
             </a:r>
+            <a:endParaRPr lang="en-US" dirty="0" smtClean="0">
+              <a:ea typeface="+mn-ea"/>
+            </a:endParaRPr>
           </a:p>
           <a:p>
             <a:pPr marL="342900" indent="-342900" eaLnBrk="1" fontAlgn="auto" hangingPunct="1">
@@ -3009,8 +3018,36 @@
               <a:rPr lang="en-US" dirty="0" smtClean="0">
                 <a:ea typeface="+mn-ea"/>
               </a:rPr>
-              <a:t>Primary for debugging.</a:t>
-            </a:r>
+              <a:t>A collection of test cases by state, product, or function.</a:t>
+            </a:r>
+          </a:p>
+          <a:p>
+            <a:pPr eaLnBrk="1" fontAlgn="auto" hangingPunct="1">
+              <a:spcAft>
+                <a:spcPts val="0"/>
+              </a:spcAft>
+              <a:defRPr/>
+            </a:pPr>
+            <a:endParaRPr lang="en-US" dirty="0">
+              <a:ea typeface="+mn-ea"/>
+            </a:endParaRPr>
+          </a:p>
+          <a:p>
+            <a:pPr eaLnBrk="1" fontAlgn="auto" hangingPunct="1">
+              <a:spcAft>
+                <a:spcPts val="0"/>
+              </a:spcAft>
+              <a:defRPr/>
+            </a:pPr>
+            <a:r>
+              <a:rPr lang="en-US" b="1" dirty="0" smtClean="0">
+                <a:ea typeface="+mn-ea"/>
+              </a:rPr>
+              <a:t>Case Specific</a:t>
+            </a:r>
+            <a:endParaRPr lang="en-US" b="1" dirty="0" smtClean="0">
+              <a:ea typeface="+mn-ea"/>
+            </a:endParaRPr>
           </a:p>
           <a:p>
             <a:pPr marL="342900" indent="-342900" eaLnBrk="1" fontAlgn="auto" hangingPunct="1">
@@ -3025,11 +3062,86 @@
               <a:rPr lang="en-US" dirty="0" smtClean="0">
                 <a:ea typeface="+mn-ea"/>
               </a:rPr>
-              <a:t>Covers every Assert or comparison in Framework</a:t>
-            </a:r>
-          </a:p>
-          <a:p>
-            <a:pPr lvl="1" eaLnBrk="1" fontAlgn="auto" hangingPunct="1">
+              <a:t>Very </a:t>
+            </a:r>
+            <a:r>
+              <a:rPr lang="en-US" dirty="0" smtClean="0">
+                <a:ea typeface="+mn-ea"/>
+              </a:rPr>
+              <a:t>granular, c</a:t>
+            </a:r>
+            <a:r>
+              <a:rPr lang="en-US" dirty="0" smtClean="0">
+                <a:ea typeface="+mn-ea"/>
+              </a:rPr>
+              <a:t>overs </a:t>
+            </a:r>
+            <a:r>
+              <a:rPr lang="en-US" dirty="0" smtClean="0">
+                <a:ea typeface="+mn-ea"/>
+              </a:rPr>
+              <a:t>every Assert or </a:t>
+            </a:r>
+            <a:r>
+              <a:rPr lang="en-US" dirty="0" smtClean="0">
+                <a:ea typeface="+mn-ea"/>
+              </a:rPr>
+              <a:t>Compare in a </a:t>
+            </a:r>
+            <a:r>
+              <a:rPr lang="en-US" dirty="0" smtClean="0">
+                <a:ea typeface="+mn-ea"/>
+              </a:rPr>
+              <a:t>given test case</a:t>
+            </a:r>
+            <a:endParaRPr lang="en-US" dirty="0" smtClean="0">
+              <a:ea typeface="+mn-ea"/>
+            </a:endParaRPr>
+          </a:p>
+          <a:p>
+            <a:pPr eaLnBrk="1" fontAlgn="auto" hangingPunct="1">
+              <a:spcAft>
+                <a:spcPts val="0"/>
+              </a:spcAft>
+              <a:defRPr/>
+            </a:pPr>
+            <a:r>
+              <a:rPr lang="en-US" dirty="0" smtClean="0">
+                <a:ea typeface="+mn-ea"/>
+              </a:rPr>
+              <a:t>     Is a Key Development tool</a:t>
+            </a:r>
+          </a:p>
+          <a:p>
+            <a:pPr eaLnBrk="1" fontAlgn="auto" hangingPunct="1